--- a/GATE/images/gate_images.pptx
+++ b/GATE/images/gate_images.pptx
@@ -6,6 +6,8 @@
   </p:sldMasterIdLst>
   <p:sldIdLst>
     <p:sldId id="256" r:id="rId3"/>
+    <p:sldId id="257" r:id="rId4"/>
+    <p:sldId id="258" r:id="rId5"/>
   </p:sldIdLst>
   <p:sldSz cx="10080625" cy="5670550"/>
   <p:notesSz cx="7559675" cy="10691812"/>
@@ -53,7 +55,7 @@
       </p:grpSpPr>
       <p:sp>
         <p:nvSpPr>
-          <p:cNvPr id="26" name="PlaceHolder 1"/>
+          <p:cNvPr id="23" name="PlaceHolder 1"/>
           <p:cNvSpPr>
             <a:spLocks noGrp="1"/>
           </p:cNvSpPr>
@@ -64,7 +66,7 @@
         <p:spPr>
           <a:xfrm>
             <a:off x="504000" y="226080"/>
-            <a:ext cx="9071640" cy="946440"/>
+            <a:ext cx="9071280" cy="946080"/>
           </a:xfrm>
           <a:prstGeom prst="rect">
             <a:avLst/>
@@ -84,7 +86,7 @@
       </p:sp>
       <p:sp>
         <p:nvSpPr>
-          <p:cNvPr id="27" name="PlaceHolder 2"/>
+          <p:cNvPr id="24" name="PlaceHolder 2"/>
           <p:cNvSpPr>
             <a:spLocks noGrp="1"/>
           </p:cNvSpPr>
@@ -95,7 +97,7 @@
         <p:spPr>
           <a:xfrm>
             <a:off x="504000" y="1326600"/>
-            <a:ext cx="9071640" cy="1568160"/>
+            <a:ext cx="9072000" cy="1568520"/>
           </a:xfrm>
           <a:prstGeom prst="rect">
             <a:avLst/>
@@ -114,7 +116,7 @@
       </p:sp>
       <p:sp>
         <p:nvSpPr>
-          <p:cNvPr id="28" name="PlaceHolder 3"/>
+          <p:cNvPr id="25" name="PlaceHolder 3"/>
           <p:cNvSpPr>
             <a:spLocks noGrp="1"/>
           </p:cNvSpPr>
@@ -124,8 +126,8 @@
         </p:nvSpPr>
         <p:spPr>
           <a:xfrm>
-            <a:off x="504000" y="3044160"/>
-            <a:ext cx="9071640" cy="1568160"/>
+            <a:off x="504000" y="3044520"/>
+            <a:ext cx="9072000" cy="1568520"/>
           </a:xfrm>
           <a:prstGeom prst="rect">
             <a:avLst/>
@@ -166,7 +168,7 @@
       </p:grpSpPr>
       <p:sp>
         <p:nvSpPr>
-          <p:cNvPr id="29" name="PlaceHolder 1"/>
+          <p:cNvPr id="26" name="PlaceHolder 1"/>
           <p:cNvSpPr>
             <a:spLocks noGrp="1"/>
           </p:cNvSpPr>
@@ -177,7 +179,7 @@
         <p:spPr>
           <a:xfrm>
             <a:off x="504000" y="226080"/>
-            <a:ext cx="9071640" cy="946440"/>
+            <a:ext cx="9071280" cy="946080"/>
           </a:xfrm>
           <a:prstGeom prst="rect">
             <a:avLst/>
@@ -197,7 +199,7 @@
       </p:sp>
       <p:sp>
         <p:nvSpPr>
-          <p:cNvPr id="30" name="PlaceHolder 2"/>
+          <p:cNvPr id="27" name="PlaceHolder 2"/>
           <p:cNvSpPr>
             <a:spLocks noGrp="1"/>
           </p:cNvSpPr>
@@ -208,7 +210,7 @@
         <p:spPr>
           <a:xfrm>
             <a:off x="504000" y="1326600"/>
-            <a:ext cx="4426920" cy="1568160"/>
+            <a:ext cx="4426920" cy="1568520"/>
           </a:xfrm>
           <a:prstGeom prst="rect">
             <a:avLst/>
@@ -227,7 +229,7 @@
       </p:sp>
       <p:sp>
         <p:nvSpPr>
-          <p:cNvPr id="31" name="PlaceHolder 3"/>
+          <p:cNvPr id="28" name="PlaceHolder 3"/>
           <p:cNvSpPr>
             <a:spLocks noGrp="1"/>
           </p:cNvSpPr>
@@ -238,7 +240,7 @@
         <p:spPr>
           <a:xfrm>
             <a:off x="5152680" y="1326600"/>
-            <a:ext cx="4426920" cy="1568160"/>
+            <a:ext cx="4426920" cy="1568520"/>
           </a:xfrm>
           <a:prstGeom prst="rect">
             <a:avLst/>
@@ -257,7 +259,7 @@
       </p:sp>
       <p:sp>
         <p:nvSpPr>
-          <p:cNvPr id="32" name="PlaceHolder 4"/>
+          <p:cNvPr id="29" name="PlaceHolder 4"/>
           <p:cNvSpPr>
             <a:spLocks noGrp="1"/>
           </p:cNvSpPr>
@@ -267,8 +269,8 @@
         </p:nvSpPr>
         <p:spPr>
           <a:xfrm>
-            <a:off x="504000" y="3044160"/>
-            <a:ext cx="4426920" cy="1568160"/>
+            <a:off x="504000" y="3044520"/>
+            <a:ext cx="4426920" cy="1568520"/>
           </a:xfrm>
           <a:prstGeom prst="rect">
             <a:avLst/>
@@ -287,7 +289,7 @@
       </p:sp>
       <p:sp>
         <p:nvSpPr>
-          <p:cNvPr id="33" name="PlaceHolder 5"/>
+          <p:cNvPr id="30" name="PlaceHolder 5"/>
           <p:cNvSpPr>
             <a:spLocks noGrp="1"/>
           </p:cNvSpPr>
@@ -297,8 +299,8 @@
         </p:nvSpPr>
         <p:spPr>
           <a:xfrm>
-            <a:off x="5152680" y="3044160"/>
-            <a:ext cx="4426920" cy="1568160"/>
+            <a:off x="5152680" y="3044520"/>
+            <a:ext cx="4426920" cy="1568520"/>
           </a:xfrm>
           <a:prstGeom prst="rect">
             <a:avLst/>
@@ -339,7 +341,7 @@
       </p:grpSpPr>
       <p:sp>
         <p:nvSpPr>
-          <p:cNvPr id="34" name="PlaceHolder 1"/>
+          <p:cNvPr id="31" name="PlaceHolder 1"/>
           <p:cNvSpPr>
             <a:spLocks noGrp="1"/>
           </p:cNvSpPr>
@@ -350,7 +352,7 @@
         <p:spPr>
           <a:xfrm>
             <a:off x="504000" y="226080"/>
-            <a:ext cx="9071640" cy="946440"/>
+            <a:ext cx="9071280" cy="946080"/>
           </a:xfrm>
           <a:prstGeom prst="rect">
             <a:avLst/>
@@ -370,7 +372,7 @@
       </p:sp>
       <p:sp>
         <p:nvSpPr>
-          <p:cNvPr id="35" name="PlaceHolder 2"/>
+          <p:cNvPr id="32" name="PlaceHolder 2"/>
           <p:cNvSpPr>
             <a:spLocks noGrp="1"/>
           </p:cNvSpPr>
@@ -381,7 +383,7 @@
         <p:spPr>
           <a:xfrm>
             <a:off x="504000" y="1326600"/>
-            <a:ext cx="2920680" cy="1568160"/>
+            <a:ext cx="2921040" cy="1568520"/>
           </a:xfrm>
           <a:prstGeom prst="rect">
             <a:avLst/>
@@ -400,7 +402,7 @@
       </p:sp>
       <p:sp>
         <p:nvSpPr>
-          <p:cNvPr id="36" name="PlaceHolder 3"/>
+          <p:cNvPr id="33" name="PlaceHolder 3"/>
           <p:cNvSpPr>
             <a:spLocks noGrp="1"/>
           </p:cNvSpPr>
@@ -410,8 +412,8 @@
         </p:nvSpPr>
         <p:spPr>
           <a:xfrm>
-            <a:off x="3571200" y="1326600"/>
-            <a:ext cx="2920680" cy="1568160"/>
+            <a:off x="3571560" y="1326600"/>
+            <a:ext cx="2921040" cy="1568520"/>
           </a:xfrm>
           <a:prstGeom prst="rect">
             <a:avLst/>
@@ -430,7 +432,7 @@
       </p:sp>
       <p:sp>
         <p:nvSpPr>
-          <p:cNvPr id="37" name="PlaceHolder 4"/>
+          <p:cNvPr id="34" name="PlaceHolder 4"/>
           <p:cNvSpPr>
             <a:spLocks noGrp="1"/>
           </p:cNvSpPr>
@@ -440,8 +442,8 @@
         </p:nvSpPr>
         <p:spPr>
           <a:xfrm>
-            <a:off x="6638040" y="1326600"/>
-            <a:ext cx="2920680" cy="1568160"/>
+            <a:off x="6639120" y="1326600"/>
+            <a:ext cx="2921040" cy="1568520"/>
           </a:xfrm>
           <a:prstGeom prst="rect">
             <a:avLst/>
@@ -460,7 +462,7 @@
       </p:sp>
       <p:sp>
         <p:nvSpPr>
-          <p:cNvPr id="38" name="PlaceHolder 5"/>
+          <p:cNvPr id="35" name="PlaceHolder 5"/>
           <p:cNvSpPr>
             <a:spLocks noGrp="1"/>
           </p:cNvSpPr>
@@ -470,8 +472,8 @@
         </p:nvSpPr>
         <p:spPr>
           <a:xfrm>
-            <a:off x="504000" y="3044160"/>
-            <a:ext cx="2920680" cy="1568160"/>
+            <a:off x="504000" y="3044520"/>
+            <a:ext cx="2921040" cy="1568520"/>
           </a:xfrm>
           <a:prstGeom prst="rect">
             <a:avLst/>
@@ -490,7 +492,7 @@
       </p:sp>
       <p:sp>
         <p:nvSpPr>
-          <p:cNvPr id="39" name="PlaceHolder 6"/>
+          <p:cNvPr id="36" name="PlaceHolder 6"/>
           <p:cNvSpPr>
             <a:spLocks noGrp="1"/>
           </p:cNvSpPr>
@@ -500,8 +502,8 @@
         </p:nvSpPr>
         <p:spPr>
           <a:xfrm>
-            <a:off x="3571200" y="3044160"/>
-            <a:ext cx="2920680" cy="1568160"/>
+            <a:off x="3571560" y="3044520"/>
+            <a:ext cx="2921040" cy="1568520"/>
           </a:xfrm>
           <a:prstGeom prst="rect">
             <a:avLst/>
@@ -520,7 +522,7 @@
       </p:sp>
       <p:sp>
         <p:nvSpPr>
-          <p:cNvPr id="40" name="PlaceHolder 7"/>
+          <p:cNvPr id="37" name="PlaceHolder 7"/>
           <p:cNvSpPr>
             <a:spLocks noGrp="1"/>
           </p:cNvSpPr>
@@ -530,8 +532,8 @@
         </p:nvSpPr>
         <p:spPr>
           <a:xfrm>
-            <a:off x="6638040" y="3044160"/>
-            <a:ext cx="2920680" cy="1568160"/>
+            <a:off x="6639120" y="3044520"/>
+            <a:ext cx="2921040" cy="1568520"/>
           </a:xfrm>
           <a:prstGeom prst="rect">
             <a:avLst/>
@@ -572,7 +574,7 @@
       </p:grpSpPr>
       <p:sp>
         <p:nvSpPr>
-          <p:cNvPr id="5" name="PlaceHolder 1"/>
+          <p:cNvPr id="2" name="PlaceHolder 1"/>
           <p:cNvSpPr>
             <a:spLocks noGrp="1"/>
           </p:cNvSpPr>
@@ -583,7 +585,7 @@
         <p:spPr>
           <a:xfrm>
             <a:off x="504000" y="226080"/>
-            <a:ext cx="9071640" cy="946440"/>
+            <a:ext cx="9071280" cy="946080"/>
           </a:xfrm>
           <a:prstGeom prst="rect">
             <a:avLst/>
@@ -603,7 +605,7 @@
       </p:sp>
       <p:sp>
         <p:nvSpPr>
-          <p:cNvPr id="6" name="PlaceHolder 2"/>
+          <p:cNvPr id="3" name="PlaceHolder 2"/>
           <p:cNvSpPr>
             <a:spLocks noGrp="1"/>
           </p:cNvSpPr>
@@ -614,7 +616,7 @@
         <p:spPr>
           <a:xfrm>
             <a:off x="504000" y="1326600"/>
-            <a:ext cx="9071640" cy="3288240"/>
+            <a:ext cx="9072000" cy="3288600"/>
           </a:xfrm>
           <a:prstGeom prst="rect">
             <a:avLst/>
@@ -656,7 +658,7 @@
       </p:grpSpPr>
       <p:sp>
         <p:nvSpPr>
-          <p:cNvPr id="7" name="PlaceHolder 1"/>
+          <p:cNvPr id="4" name="PlaceHolder 1"/>
           <p:cNvSpPr>
             <a:spLocks noGrp="1"/>
           </p:cNvSpPr>
@@ -667,7 +669,7 @@
         <p:spPr>
           <a:xfrm>
             <a:off x="504000" y="226080"/>
-            <a:ext cx="9071640" cy="946440"/>
+            <a:ext cx="9071280" cy="946080"/>
           </a:xfrm>
           <a:prstGeom prst="rect">
             <a:avLst/>
@@ -687,7 +689,7 @@
       </p:sp>
       <p:sp>
         <p:nvSpPr>
-          <p:cNvPr id="8" name="PlaceHolder 2"/>
+          <p:cNvPr id="5" name="PlaceHolder 2"/>
           <p:cNvSpPr>
             <a:spLocks noGrp="1"/>
           </p:cNvSpPr>
@@ -698,7 +700,7 @@
         <p:spPr>
           <a:xfrm>
             <a:off x="504000" y="1326600"/>
-            <a:ext cx="9071640" cy="3288240"/>
+            <a:ext cx="9072000" cy="3288600"/>
           </a:xfrm>
           <a:prstGeom prst="rect">
             <a:avLst/>
@@ -739,7 +741,7 @@
       </p:grpSpPr>
       <p:sp>
         <p:nvSpPr>
-          <p:cNvPr id="9" name="PlaceHolder 1"/>
+          <p:cNvPr id="6" name="PlaceHolder 1"/>
           <p:cNvSpPr>
             <a:spLocks noGrp="1"/>
           </p:cNvSpPr>
@@ -750,7 +752,7 @@
         <p:spPr>
           <a:xfrm>
             <a:off x="504000" y="226080"/>
-            <a:ext cx="9071640" cy="946440"/>
+            <a:ext cx="9071280" cy="946080"/>
           </a:xfrm>
           <a:prstGeom prst="rect">
             <a:avLst/>
@@ -770,7 +772,7 @@
       </p:sp>
       <p:sp>
         <p:nvSpPr>
-          <p:cNvPr id="10" name="PlaceHolder 2"/>
+          <p:cNvPr id="7" name="PlaceHolder 2"/>
           <p:cNvSpPr>
             <a:spLocks noGrp="1"/>
           </p:cNvSpPr>
@@ -781,7 +783,7 @@
         <p:spPr>
           <a:xfrm>
             <a:off x="504000" y="1326600"/>
-            <a:ext cx="4426920" cy="3288240"/>
+            <a:ext cx="4426920" cy="3288600"/>
           </a:xfrm>
           <a:prstGeom prst="rect">
             <a:avLst/>
@@ -800,7 +802,7 @@
       </p:sp>
       <p:sp>
         <p:nvSpPr>
-          <p:cNvPr id="11" name="PlaceHolder 3"/>
+          <p:cNvPr id="8" name="PlaceHolder 3"/>
           <p:cNvSpPr>
             <a:spLocks noGrp="1"/>
           </p:cNvSpPr>
@@ -811,7 +813,7 @@
         <p:spPr>
           <a:xfrm>
             <a:off x="5152680" y="1326600"/>
-            <a:ext cx="4426920" cy="3288240"/>
+            <a:ext cx="4426920" cy="3288600"/>
           </a:xfrm>
           <a:prstGeom prst="rect">
             <a:avLst/>
@@ -852,7 +854,7 @@
       </p:grpSpPr>
       <p:sp>
         <p:nvSpPr>
-          <p:cNvPr id="12" name="PlaceHolder 1"/>
+          <p:cNvPr id="9" name="PlaceHolder 1"/>
           <p:cNvSpPr>
             <a:spLocks noGrp="1"/>
           </p:cNvSpPr>
@@ -863,7 +865,7 @@
         <p:spPr>
           <a:xfrm>
             <a:off x="504000" y="226080"/>
-            <a:ext cx="9071640" cy="946440"/>
+            <a:ext cx="9071280" cy="946080"/>
           </a:xfrm>
           <a:prstGeom prst="rect">
             <a:avLst/>
@@ -905,7 +907,7 @@
       </p:grpSpPr>
       <p:sp>
         <p:nvSpPr>
-          <p:cNvPr id="13" name="PlaceHolder 1"/>
+          <p:cNvPr id="10" name="PlaceHolder 1"/>
           <p:cNvSpPr>
             <a:spLocks noGrp="1"/>
           </p:cNvSpPr>
@@ -916,7 +918,7 @@
         <p:spPr>
           <a:xfrm>
             <a:off x="504000" y="226080"/>
-            <a:ext cx="9071640" cy="4388400"/>
+            <a:ext cx="9071280" cy="4386600"/>
           </a:xfrm>
           <a:prstGeom prst="rect">
             <a:avLst/>
@@ -958,7 +960,7 @@
       </p:grpSpPr>
       <p:sp>
         <p:nvSpPr>
-          <p:cNvPr id="14" name="PlaceHolder 1"/>
+          <p:cNvPr id="11" name="PlaceHolder 1"/>
           <p:cNvSpPr>
             <a:spLocks noGrp="1"/>
           </p:cNvSpPr>
@@ -969,7 +971,7 @@
         <p:spPr>
           <a:xfrm>
             <a:off x="504000" y="226080"/>
-            <a:ext cx="9071640" cy="946440"/>
+            <a:ext cx="9071280" cy="946080"/>
           </a:xfrm>
           <a:prstGeom prst="rect">
             <a:avLst/>
@@ -989,7 +991,7 @@
       </p:sp>
       <p:sp>
         <p:nvSpPr>
-          <p:cNvPr id="15" name="PlaceHolder 2"/>
+          <p:cNvPr id="12" name="PlaceHolder 2"/>
           <p:cNvSpPr>
             <a:spLocks noGrp="1"/>
           </p:cNvSpPr>
@@ -1000,7 +1002,7 @@
         <p:spPr>
           <a:xfrm>
             <a:off x="504000" y="1326600"/>
-            <a:ext cx="4426920" cy="1568160"/>
+            <a:ext cx="4426920" cy="1568520"/>
           </a:xfrm>
           <a:prstGeom prst="rect">
             <a:avLst/>
@@ -1019,7 +1021,7 @@
       </p:sp>
       <p:sp>
         <p:nvSpPr>
-          <p:cNvPr id="16" name="PlaceHolder 3"/>
+          <p:cNvPr id="13" name="PlaceHolder 3"/>
           <p:cNvSpPr>
             <a:spLocks noGrp="1"/>
           </p:cNvSpPr>
@@ -1030,7 +1032,7 @@
         <p:spPr>
           <a:xfrm>
             <a:off x="5152680" y="1326600"/>
-            <a:ext cx="4426920" cy="3288240"/>
+            <a:ext cx="4426920" cy="3288600"/>
           </a:xfrm>
           <a:prstGeom prst="rect">
             <a:avLst/>
@@ -1049,7 +1051,7 @@
       </p:sp>
       <p:sp>
         <p:nvSpPr>
-          <p:cNvPr id="17" name="PlaceHolder 4"/>
+          <p:cNvPr id="14" name="PlaceHolder 4"/>
           <p:cNvSpPr>
             <a:spLocks noGrp="1"/>
           </p:cNvSpPr>
@@ -1059,8 +1061,8 @@
         </p:nvSpPr>
         <p:spPr>
           <a:xfrm>
-            <a:off x="504000" y="3044160"/>
-            <a:ext cx="4426920" cy="1568160"/>
+            <a:off x="504000" y="3044520"/>
+            <a:ext cx="4426920" cy="1568520"/>
           </a:xfrm>
           <a:prstGeom prst="rect">
             <a:avLst/>
@@ -1101,7 +1103,7 @@
       </p:grpSpPr>
       <p:sp>
         <p:nvSpPr>
-          <p:cNvPr id="18" name="PlaceHolder 1"/>
+          <p:cNvPr id="15" name="PlaceHolder 1"/>
           <p:cNvSpPr>
             <a:spLocks noGrp="1"/>
           </p:cNvSpPr>
@@ -1112,7 +1114,7 @@
         <p:spPr>
           <a:xfrm>
             <a:off x="504000" y="226080"/>
-            <a:ext cx="9071640" cy="946440"/>
+            <a:ext cx="9071280" cy="946080"/>
           </a:xfrm>
           <a:prstGeom prst="rect">
             <a:avLst/>
@@ -1132,7 +1134,7 @@
       </p:sp>
       <p:sp>
         <p:nvSpPr>
-          <p:cNvPr id="19" name="PlaceHolder 2"/>
+          <p:cNvPr id="16" name="PlaceHolder 2"/>
           <p:cNvSpPr>
             <a:spLocks noGrp="1"/>
           </p:cNvSpPr>
@@ -1143,7 +1145,7 @@
         <p:spPr>
           <a:xfrm>
             <a:off x="504000" y="1326600"/>
-            <a:ext cx="4426920" cy="3288240"/>
+            <a:ext cx="4426920" cy="3288600"/>
           </a:xfrm>
           <a:prstGeom prst="rect">
             <a:avLst/>
@@ -1162,7 +1164,7 @@
       </p:sp>
       <p:sp>
         <p:nvSpPr>
-          <p:cNvPr id="20" name="PlaceHolder 3"/>
+          <p:cNvPr id="17" name="PlaceHolder 3"/>
           <p:cNvSpPr>
             <a:spLocks noGrp="1"/>
           </p:cNvSpPr>
@@ -1173,7 +1175,7 @@
         <p:spPr>
           <a:xfrm>
             <a:off x="5152680" y="1326600"/>
-            <a:ext cx="4426920" cy="1568160"/>
+            <a:ext cx="4426920" cy="1568520"/>
           </a:xfrm>
           <a:prstGeom prst="rect">
             <a:avLst/>
@@ -1192,7 +1194,7 @@
       </p:sp>
       <p:sp>
         <p:nvSpPr>
-          <p:cNvPr id="21" name="PlaceHolder 4"/>
+          <p:cNvPr id="18" name="PlaceHolder 4"/>
           <p:cNvSpPr>
             <a:spLocks noGrp="1"/>
           </p:cNvSpPr>
@@ -1202,8 +1204,8 @@
         </p:nvSpPr>
         <p:spPr>
           <a:xfrm>
-            <a:off x="5152680" y="3044160"/>
-            <a:ext cx="4426920" cy="1568160"/>
+            <a:off x="5152680" y="3044520"/>
+            <a:ext cx="4426920" cy="1568520"/>
           </a:xfrm>
           <a:prstGeom prst="rect">
             <a:avLst/>
@@ -1244,7 +1246,7 @@
       </p:grpSpPr>
       <p:sp>
         <p:nvSpPr>
-          <p:cNvPr id="22" name="PlaceHolder 1"/>
+          <p:cNvPr id="19" name="PlaceHolder 1"/>
           <p:cNvSpPr>
             <a:spLocks noGrp="1"/>
           </p:cNvSpPr>
@@ -1255,7 +1257,7 @@
         <p:spPr>
           <a:xfrm>
             <a:off x="504000" y="226080"/>
-            <a:ext cx="9071640" cy="946440"/>
+            <a:ext cx="9071280" cy="946080"/>
           </a:xfrm>
           <a:prstGeom prst="rect">
             <a:avLst/>
@@ -1275,7 +1277,7 @@
       </p:sp>
       <p:sp>
         <p:nvSpPr>
-          <p:cNvPr id="23" name="PlaceHolder 2"/>
+          <p:cNvPr id="20" name="PlaceHolder 2"/>
           <p:cNvSpPr>
             <a:spLocks noGrp="1"/>
           </p:cNvSpPr>
@@ -1286,7 +1288,7 @@
         <p:spPr>
           <a:xfrm>
             <a:off x="504000" y="1326600"/>
-            <a:ext cx="4426920" cy="1568160"/>
+            <a:ext cx="4426920" cy="1568520"/>
           </a:xfrm>
           <a:prstGeom prst="rect">
             <a:avLst/>
@@ -1305,7 +1307,7 @@
       </p:sp>
       <p:sp>
         <p:nvSpPr>
-          <p:cNvPr id="24" name="PlaceHolder 3"/>
+          <p:cNvPr id="21" name="PlaceHolder 3"/>
           <p:cNvSpPr>
             <a:spLocks noGrp="1"/>
           </p:cNvSpPr>
@@ -1316,7 +1318,7 @@
         <p:spPr>
           <a:xfrm>
             <a:off x="5152680" y="1326600"/>
-            <a:ext cx="4426920" cy="1568160"/>
+            <a:ext cx="4426920" cy="1568520"/>
           </a:xfrm>
           <a:prstGeom prst="rect">
             <a:avLst/>
@@ -1335,7 +1337,7 @@
       </p:sp>
       <p:sp>
         <p:nvSpPr>
-          <p:cNvPr id="25" name="PlaceHolder 4"/>
+          <p:cNvPr id="22" name="PlaceHolder 4"/>
           <p:cNvSpPr>
             <a:spLocks noGrp="1"/>
           </p:cNvSpPr>
@@ -1345,8 +1347,8 @@
         </p:nvSpPr>
         <p:spPr>
           <a:xfrm>
-            <a:off x="504000" y="3044160"/>
-            <a:ext cx="9071640" cy="1568160"/>
+            <a:off x="504000" y="3044520"/>
+            <a:ext cx="9072000" cy="1568520"/>
           </a:xfrm>
           <a:prstGeom prst="rect">
             <a:avLst/>
@@ -1398,7 +1400,7 @@
         <p:spPr>
           <a:xfrm>
             <a:off x="504000" y="226080"/>
-            <a:ext cx="9071640" cy="946440"/>
+            <a:ext cx="9071280" cy="946080"/>
           </a:xfrm>
           <a:prstGeom prst="rect">
             <a:avLst/>
@@ -1411,12 +1413,24 @@
           <a:p>
             <a:pPr algn="ctr"/>
             <a:r>
-              <a:rPr b="0" lang="en-IN" sz="4400" spc="-1" strike="noStrike">
-                <a:latin typeface="Arial"/>
-              </a:rPr>
-              <a:t>Click to edit the title text format</a:t>
-            </a:r>
-            <a:endParaRPr b="0" lang="en-IN" sz="4400" spc="-1" strike="noStrike">
+              <a:rPr b="0" lang="en-IN" sz="1800" spc="-1" strike="noStrike">
+                <a:latin typeface="Arial"/>
+              </a:rPr>
+              <a:t>Click to edit </a:t>
+            </a:r>
+            <a:r>
+              <a:rPr b="0" lang="en-IN" sz="1800" spc="-1" strike="noStrike">
+                <a:latin typeface="Arial"/>
+              </a:rPr>
+              <a:t>the title text </a:t>
+            </a:r>
+            <a:r>
+              <a:rPr b="0" lang="en-IN" sz="1800" spc="-1" strike="noStrike">
+                <a:latin typeface="Arial"/>
+              </a:rPr>
+              <a:t>format</a:t>
+            </a:r>
+            <a:endParaRPr b="0" lang="en-IN" sz="1800" spc="-1" strike="noStrike">
               <a:latin typeface="Arial"/>
             </a:endParaRPr>
           </a:p>
@@ -1435,7 +1449,7 @@
         <p:spPr>
           <a:xfrm>
             <a:off x="504000" y="1326600"/>
-            <a:ext cx="9071640" cy="3288240"/>
+            <a:ext cx="9072000" cy="3288600"/>
           </a:xfrm>
           <a:prstGeom prst="rect">
             <a:avLst/>
@@ -1597,116 +1611,6 @@
             </a:r>
             <a:endParaRPr b="0" lang="en-IN" sz="2000" spc="-1" strike="noStrike">
               <a:latin typeface="Arial"/>
-            </a:endParaRPr>
-          </a:p>
-        </p:txBody>
-      </p:sp>
-      <p:sp>
-        <p:nvSpPr>
-          <p:cNvPr id="2" name="PlaceHolder 3"/>
-          <p:cNvSpPr>
-            <a:spLocks noGrp="1"/>
-          </p:cNvSpPr>
-          <p:nvPr>
-            <p:ph type="dt"/>
-          </p:nvPr>
-        </p:nvSpPr>
-        <p:spPr>
-          <a:xfrm>
-            <a:off x="504000" y="5165280"/>
-            <a:ext cx="2348280" cy="390600"/>
-          </a:xfrm>
-          <a:prstGeom prst="rect">
-            <a:avLst/>
-          </a:prstGeom>
-        </p:spPr>
-        <p:txBody>
-          <a:bodyPr lIns="0" rIns="0" tIns="0" bIns="0">
-            <a:noAutofit/>
-          </a:bodyPr>
-          <a:p>
-            <a:r>
-              <a:rPr b="0" lang="en-IN" sz="1400" spc="-1" strike="noStrike">
-                <a:latin typeface="Times New Roman"/>
-              </a:rPr>
-              <a:t>&lt;date/time&gt;</a:t>
-            </a:r>
-            <a:endParaRPr b="0" lang="en-IN" sz="1400" spc="-1" strike="noStrike">
-              <a:latin typeface="Times New Roman"/>
-            </a:endParaRPr>
-          </a:p>
-        </p:txBody>
-      </p:sp>
-      <p:sp>
-        <p:nvSpPr>
-          <p:cNvPr id="3" name="PlaceHolder 4"/>
-          <p:cNvSpPr>
-            <a:spLocks noGrp="1"/>
-          </p:cNvSpPr>
-          <p:nvPr>
-            <p:ph type="ftr"/>
-          </p:nvPr>
-        </p:nvSpPr>
-        <p:spPr>
-          <a:xfrm>
-            <a:off x="3447360" y="5165280"/>
-            <a:ext cx="3195000" cy="390600"/>
-          </a:xfrm>
-          <a:prstGeom prst="rect">
-            <a:avLst/>
-          </a:prstGeom>
-        </p:spPr>
-        <p:txBody>
-          <a:bodyPr lIns="0" rIns="0" tIns="0" bIns="0">
-            <a:noAutofit/>
-          </a:bodyPr>
-          <a:p>
-            <a:pPr algn="ctr"/>
-            <a:r>
-              <a:rPr b="0" lang="en-IN" sz="1400" spc="-1" strike="noStrike">
-                <a:latin typeface="Times New Roman"/>
-              </a:rPr>
-              <a:t>&lt;footer&gt;</a:t>
-            </a:r>
-            <a:endParaRPr b="0" lang="en-IN" sz="1400" spc="-1" strike="noStrike">
-              <a:latin typeface="Times New Roman"/>
-            </a:endParaRPr>
-          </a:p>
-        </p:txBody>
-      </p:sp>
-      <p:sp>
-        <p:nvSpPr>
-          <p:cNvPr id="4" name="PlaceHolder 5"/>
-          <p:cNvSpPr>
-            <a:spLocks noGrp="1"/>
-          </p:cNvSpPr>
-          <p:nvPr>
-            <p:ph type="sldNum"/>
-          </p:nvPr>
-        </p:nvSpPr>
-        <p:spPr>
-          <a:xfrm>
-            <a:off x="7227360" y="5165280"/>
-            <a:ext cx="2348280" cy="390600"/>
-          </a:xfrm>
-          <a:prstGeom prst="rect">
-            <a:avLst/>
-          </a:prstGeom>
-        </p:spPr>
-        <p:txBody>
-          <a:bodyPr lIns="0" rIns="0" tIns="0" bIns="0">
-            <a:noAutofit/>
-          </a:bodyPr>
-          <a:p>
-            <a:pPr algn="r"/>
-            <a:fld id="{7AAE4F67-08BF-4C1D-BB4E-8EFCE0B8680B}" type="slidenum">
-              <a:rPr b="0" lang="en-IN" sz="1400" spc="-1" strike="noStrike">
-                <a:latin typeface="Times New Roman"/>
-              </a:rPr>
-              <a:t>&lt;number&gt;</a:t>
-            </a:fld>
-            <a:endParaRPr b="0" lang="en-IN" sz="1400" spc="-1" strike="noStrike">
-              <a:latin typeface="Times New Roman"/>
             </a:endParaRPr>
           </a:p>
         </p:txBody>
@@ -1750,14 +1654,14 @@
       </p:grpSpPr>
       <p:sp>
         <p:nvSpPr>
-          <p:cNvPr id="41" name="CustomShape 1"/>
+          <p:cNvPr id="38" name="CustomShape 1"/>
           <p:cNvSpPr/>
           <p:nvPr/>
         </p:nvSpPr>
         <p:spPr>
           <a:xfrm>
             <a:off x="1836000" y="1332000"/>
-            <a:ext cx="2376000" cy="792000"/>
+            <a:ext cx="2375640" cy="791640"/>
           </a:xfrm>
           <a:prstGeom prst="rect">
             <a:avLst/>
@@ -1782,10 +1686,18 @@
             <a:noAutofit/>
           </a:bodyPr>
           <a:p>
-            <a:pPr algn="ctr"/>
-            <a:r>
-              <a:rPr b="0" lang="en-IN" sz="1800" spc="-1" strike="noStrike">
-                <a:latin typeface="Arial"/>
+            <a:pPr algn="ctr">
+              <a:lnSpc>
+                <a:spcPct val="100000"/>
+              </a:lnSpc>
+            </a:pPr>
+            <a:r>
+              <a:rPr b="0" lang="en-IN" sz="1800" spc="-1" strike="noStrike">
+                <a:solidFill>
+                  <a:srgbClr val="000000"/>
+                </a:solidFill>
+                <a:latin typeface="Arial"/>
+                <a:ea typeface="DejaVu Sans"/>
               </a:rPr>
               <a:t>User Requirements</a:t>
             </a:r>
@@ -1797,14 +1709,14 @@
       </p:sp>
       <p:sp>
         <p:nvSpPr>
-          <p:cNvPr id="42" name="CustomShape 2"/>
+          <p:cNvPr id="39" name="CustomShape 2"/>
           <p:cNvSpPr/>
           <p:nvPr/>
         </p:nvSpPr>
         <p:spPr>
           <a:xfrm>
             <a:off x="1836000" y="2880000"/>
-            <a:ext cx="2376000" cy="792000"/>
+            <a:ext cx="2375640" cy="791640"/>
           </a:xfrm>
           <a:prstGeom prst="rect">
             <a:avLst/>
@@ -1829,16 +1741,28 @@
             <a:noAutofit/>
           </a:bodyPr>
           <a:p>
-            <a:pPr algn="ctr"/>
-            <a:r>
-              <a:rPr b="0" lang="en-IN" sz="1800" spc="-1" strike="noStrike">
-                <a:latin typeface="Arial"/>
+            <a:pPr algn="ctr">
+              <a:lnSpc>
+                <a:spcPct val="100000"/>
+              </a:lnSpc>
+            </a:pPr>
+            <a:r>
+              <a:rPr b="0" lang="en-IN" sz="1800" spc="-1" strike="noStrike">
+                <a:solidFill>
+                  <a:srgbClr val="000000"/>
+                </a:solidFill>
+                <a:latin typeface="Arial"/>
+                <a:ea typeface="DejaVu Sans"/>
               </a:rPr>
               <a:t>System Requirements</a:t>
             </a:r>
             <a:r>
               <a:rPr b="0" lang="en-IN" sz="1800" spc="-1" strike="noStrike">
-                <a:latin typeface="Arial"/>
+                <a:solidFill>
+                  <a:srgbClr val="000000"/>
+                </a:solidFill>
+                <a:latin typeface="Arial"/>
+                <a:ea typeface="DejaVu Sans"/>
               </a:rPr>
               <a:t>	</a:t>
             </a:r>
@@ -1850,14 +1774,14 @@
       </p:sp>
       <p:sp>
         <p:nvSpPr>
-          <p:cNvPr id="43" name="CustomShape 3"/>
+          <p:cNvPr id="40" name="CustomShape 3"/>
           <p:cNvSpPr/>
           <p:nvPr/>
         </p:nvSpPr>
         <p:spPr>
           <a:xfrm>
             <a:off x="1836000" y="4176000"/>
-            <a:ext cx="2376000" cy="792000"/>
+            <a:ext cx="2375640" cy="791640"/>
           </a:xfrm>
           <a:prstGeom prst="rect">
             <a:avLst/>
@@ -1882,10 +1806,18 @@
             <a:noAutofit/>
           </a:bodyPr>
           <a:p>
-            <a:pPr algn="ctr"/>
-            <a:r>
-              <a:rPr b="0" lang="en-IN" sz="1800" spc="-1" strike="noStrike">
-                <a:latin typeface="Arial"/>
+            <a:pPr algn="ctr">
+              <a:lnSpc>
+                <a:spcPct val="100000"/>
+              </a:lnSpc>
+            </a:pPr>
+            <a:r>
+              <a:rPr b="0" lang="en-IN" sz="1800" spc="-1" strike="noStrike">
+                <a:solidFill>
+                  <a:srgbClr val="000000"/>
+                </a:solidFill>
+                <a:latin typeface="Arial"/>
+                <a:ea typeface="DejaVu Sans"/>
               </a:rPr>
               <a:t>Software desgin</a:t>
             </a:r>
@@ -1894,10 +1826,18 @@
             </a:endParaRPr>
           </a:p>
           <a:p>
-            <a:pPr algn="ctr"/>
-            <a:r>
-              <a:rPr b="0" lang="en-IN" sz="1800" spc="-1" strike="noStrike">
-                <a:latin typeface="Arial"/>
+            <a:pPr algn="ctr">
+              <a:lnSpc>
+                <a:spcPct val="100000"/>
+              </a:lnSpc>
+            </a:pPr>
+            <a:r>
+              <a:rPr b="0" lang="en-IN" sz="1800" spc="-1" strike="noStrike">
+                <a:solidFill>
+                  <a:srgbClr val="000000"/>
+                </a:solidFill>
+                <a:latin typeface="Arial"/>
+                <a:ea typeface="DejaVu Sans"/>
               </a:rPr>
               <a:t>Specification</a:t>
             </a:r>
@@ -1909,14 +1849,14 @@
       </p:sp>
       <p:sp>
         <p:nvSpPr>
-          <p:cNvPr id="44" name="CustomShape 4"/>
+          <p:cNvPr id="41" name="CustomShape 4"/>
           <p:cNvSpPr/>
           <p:nvPr/>
         </p:nvSpPr>
         <p:spPr>
           <a:xfrm>
             <a:off x="5292000" y="900000"/>
-            <a:ext cx="2376000" cy="1512000"/>
+            <a:ext cx="2375640" cy="1511640"/>
           </a:xfrm>
           <a:prstGeom prst="rect">
             <a:avLst/>
@@ -1941,10 +1881,18 @@
             <a:noAutofit/>
           </a:bodyPr>
           <a:p>
-            <a:pPr algn="ctr"/>
-            <a:r>
-              <a:rPr b="0" lang="en-IN" sz="1800" spc="-1" strike="noStrike">
-                <a:latin typeface="Arial"/>
+            <a:pPr algn="ctr">
+              <a:lnSpc>
+                <a:spcPct val="100000"/>
+              </a:lnSpc>
+            </a:pPr>
+            <a:r>
+              <a:rPr b="0" lang="en-IN" sz="1800" spc="-1" strike="noStrike">
+                <a:solidFill>
+                  <a:srgbClr val="000000"/>
+                </a:solidFill>
+                <a:latin typeface="Arial"/>
+                <a:ea typeface="DejaVu Sans"/>
               </a:rPr>
               <a:t>Client Managers</a:t>
             </a:r>
@@ -1953,10 +1901,18 @@
             </a:endParaRPr>
           </a:p>
           <a:p>
-            <a:pPr algn="ctr"/>
-            <a:r>
-              <a:rPr b="0" lang="en-IN" sz="1800" spc="-1" strike="noStrike">
-                <a:latin typeface="Arial"/>
+            <a:pPr algn="ctr">
+              <a:lnSpc>
+                <a:spcPct val="100000"/>
+              </a:lnSpc>
+            </a:pPr>
+            <a:r>
+              <a:rPr b="0" lang="en-IN" sz="1800" spc="-1" strike="noStrike">
+                <a:solidFill>
+                  <a:srgbClr val="000000"/>
+                </a:solidFill>
+                <a:latin typeface="Arial"/>
+                <a:ea typeface="DejaVu Sans"/>
               </a:rPr>
               <a:t>System end-users</a:t>
             </a:r>
@@ -1965,10 +1921,18 @@
             </a:endParaRPr>
           </a:p>
           <a:p>
-            <a:pPr algn="ctr"/>
-            <a:r>
-              <a:rPr b="0" lang="en-IN" sz="1800" spc="-1" strike="noStrike">
-                <a:latin typeface="Arial"/>
+            <a:pPr algn="ctr">
+              <a:lnSpc>
+                <a:spcPct val="100000"/>
+              </a:lnSpc>
+            </a:pPr>
+            <a:r>
+              <a:rPr b="0" lang="en-IN" sz="1800" spc="-1" strike="noStrike">
+                <a:solidFill>
+                  <a:srgbClr val="000000"/>
+                </a:solidFill>
+                <a:latin typeface="Arial"/>
+                <a:ea typeface="DejaVu Sans"/>
               </a:rPr>
               <a:t>Client engineers</a:t>
             </a:r>
@@ -1977,10 +1941,18 @@
             </a:endParaRPr>
           </a:p>
           <a:p>
-            <a:pPr algn="ctr"/>
-            <a:r>
-              <a:rPr b="0" lang="en-IN" sz="1800" spc="-1" strike="noStrike">
-                <a:latin typeface="Arial"/>
+            <a:pPr algn="ctr">
+              <a:lnSpc>
+                <a:spcPct val="100000"/>
+              </a:lnSpc>
+            </a:pPr>
+            <a:r>
+              <a:rPr b="0" lang="en-IN" sz="1800" spc="-1" strike="noStrike">
+                <a:solidFill>
+                  <a:srgbClr val="000000"/>
+                </a:solidFill>
+                <a:latin typeface="Arial"/>
+                <a:ea typeface="DejaVu Sans"/>
               </a:rPr>
               <a:t>Contract Managers</a:t>
             </a:r>
@@ -1989,10 +1961,18 @@
             </a:endParaRPr>
           </a:p>
           <a:p>
-            <a:pPr algn="ctr"/>
-            <a:r>
-              <a:rPr b="0" lang="en-IN" sz="1800" spc="-1" strike="noStrike">
-                <a:latin typeface="Arial"/>
+            <a:pPr algn="ctr">
+              <a:lnSpc>
+                <a:spcPct val="100000"/>
+              </a:lnSpc>
+            </a:pPr>
+            <a:r>
+              <a:rPr b="0" lang="en-IN" sz="1800" spc="-1" strike="noStrike">
+                <a:solidFill>
+                  <a:srgbClr val="000000"/>
+                </a:solidFill>
+                <a:latin typeface="Arial"/>
+                <a:ea typeface="DejaVu Sans"/>
               </a:rPr>
               <a:t>System architects</a:t>
             </a:r>
@@ -2004,14 +1984,14 @@
       </p:sp>
       <p:sp>
         <p:nvSpPr>
-          <p:cNvPr id="45" name="CustomShape 5"/>
+          <p:cNvPr id="42" name="CustomShape 5"/>
           <p:cNvSpPr/>
           <p:nvPr/>
         </p:nvSpPr>
         <p:spPr>
           <a:xfrm>
             <a:off x="5292000" y="2571480"/>
-            <a:ext cx="2376000" cy="1280520"/>
+            <a:ext cx="2375640" cy="1280160"/>
           </a:xfrm>
           <a:prstGeom prst="rect">
             <a:avLst/>
@@ -2036,10 +2016,18 @@
             <a:noAutofit/>
           </a:bodyPr>
           <a:p>
-            <a:pPr algn="ctr"/>
-            <a:r>
-              <a:rPr b="0" lang="en-IN" sz="1800" spc="-1" strike="noStrike">
-                <a:latin typeface="Arial"/>
+            <a:pPr algn="ctr">
+              <a:lnSpc>
+                <a:spcPct val="100000"/>
+              </a:lnSpc>
+            </a:pPr>
+            <a:r>
+              <a:rPr b="0" lang="en-IN" sz="1800" spc="-1" strike="noStrike">
+                <a:solidFill>
+                  <a:srgbClr val="000000"/>
+                </a:solidFill>
+                <a:latin typeface="Arial"/>
+                <a:ea typeface="DejaVu Sans"/>
               </a:rPr>
               <a:t>System end-users</a:t>
             </a:r>
@@ -2048,10 +2036,18 @@
             </a:endParaRPr>
           </a:p>
           <a:p>
-            <a:pPr algn="ctr"/>
-            <a:r>
-              <a:rPr b="0" lang="en-IN" sz="1800" spc="-1" strike="noStrike">
-                <a:latin typeface="Arial"/>
+            <a:pPr algn="ctr">
+              <a:lnSpc>
+                <a:spcPct val="100000"/>
+              </a:lnSpc>
+            </a:pPr>
+            <a:r>
+              <a:rPr b="0" lang="en-IN" sz="1800" spc="-1" strike="noStrike">
+                <a:solidFill>
+                  <a:srgbClr val="000000"/>
+                </a:solidFill>
+                <a:latin typeface="Arial"/>
+                <a:ea typeface="DejaVu Sans"/>
               </a:rPr>
               <a:t>Client engineers</a:t>
             </a:r>
@@ -2060,10 +2056,18 @@
             </a:endParaRPr>
           </a:p>
           <a:p>
-            <a:pPr algn="ctr"/>
-            <a:r>
-              <a:rPr b="0" lang="en-IN" sz="1800" spc="-1" strike="noStrike">
-                <a:latin typeface="Arial"/>
+            <a:pPr algn="ctr">
+              <a:lnSpc>
+                <a:spcPct val="100000"/>
+              </a:lnSpc>
+            </a:pPr>
+            <a:r>
+              <a:rPr b="0" lang="en-IN" sz="1800" spc="-1" strike="noStrike">
+                <a:solidFill>
+                  <a:srgbClr val="000000"/>
+                </a:solidFill>
+                <a:latin typeface="Arial"/>
+                <a:ea typeface="DejaVu Sans"/>
               </a:rPr>
               <a:t>System architects</a:t>
             </a:r>
@@ -2072,10 +2076,18 @@
             </a:endParaRPr>
           </a:p>
           <a:p>
-            <a:pPr algn="ctr"/>
-            <a:r>
-              <a:rPr b="0" lang="en-IN" sz="1800" spc="-1" strike="noStrike">
-                <a:latin typeface="Arial"/>
+            <a:pPr algn="ctr">
+              <a:lnSpc>
+                <a:spcPct val="100000"/>
+              </a:lnSpc>
+            </a:pPr>
+            <a:r>
+              <a:rPr b="0" lang="en-IN" sz="1800" spc="-1" strike="noStrike">
+                <a:solidFill>
+                  <a:srgbClr val="000000"/>
+                </a:solidFill>
+                <a:latin typeface="Arial"/>
+                <a:ea typeface="DejaVu Sans"/>
               </a:rPr>
               <a:t>Software Developers</a:t>
             </a:r>
@@ -2087,14 +2099,14 @@
       </p:sp>
       <p:sp>
         <p:nvSpPr>
-          <p:cNvPr id="46" name="CustomShape 6"/>
+          <p:cNvPr id="43" name="CustomShape 6"/>
           <p:cNvSpPr/>
           <p:nvPr/>
         </p:nvSpPr>
         <p:spPr>
           <a:xfrm>
             <a:off x="5292000" y="4047480"/>
-            <a:ext cx="2376000" cy="1028520"/>
+            <a:ext cx="2375640" cy="1028160"/>
           </a:xfrm>
           <a:prstGeom prst="rect">
             <a:avLst/>
@@ -2119,10 +2131,18 @@
             <a:noAutofit/>
           </a:bodyPr>
           <a:p>
-            <a:pPr algn="ctr"/>
-            <a:r>
-              <a:rPr b="0" lang="en-IN" sz="1800" spc="-1" strike="noStrike">
-                <a:latin typeface="Arial"/>
+            <a:pPr algn="ctr">
+              <a:lnSpc>
+                <a:spcPct val="100000"/>
+              </a:lnSpc>
+            </a:pPr>
+            <a:r>
+              <a:rPr b="0" lang="en-IN" sz="1800" spc="-1" strike="noStrike">
+                <a:solidFill>
+                  <a:srgbClr val="000000"/>
+                </a:solidFill>
+                <a:latin typeface="Arial"/>
+                <a:ea typeface="DejaVu Sans"/>
               </a:rPr>
               <a:t>Client engineers</a:t>
             </a:r>
@@ -2131,10 +2151,18 @@
             </a:endParaRPr>
           </a:p>
           <a:p>
-            <a:pPr algn="ctr"/>
-            <a:r>
-              <a:rPr b="0" lang="en-IN" sz="1800" spc="-1" strike="noStrike">
-                <a:latin typeface="Arial"/>
+            <a:pPr algn="ctr">
+              <a:lnSpc>
+                <a:spcPct val="100000"/>
+              </a:lnSpc>
+            </a:pPr>
+            <a:r>
+              <a:rPr b="0" lang="en-IN" sz="1800" spc="-1" strike="noStrike">
+                <a:solidFill>
+                  <a:srgbClr val="000000"/>
+                </a:solidFill>
+                <a:latin typeface="Arial"/>
+                <a:ea typeface="DejaVu Sans"/>
               </a:rPr>
               <a:t>System architects</a:t>
             </a:r>
@@ -2143,10 +2171,18 @@
             </a:endParaRPr>
           </a:p>
           <a:p>
-            <a:pPr algn="ctr"/>
-            <a:r>
-              <a:rPr b="0" lang="en-IN" sz="1800" spc="-1" strike="noStrike">
-                <a:latin typeface="Arial"/>
+            <a:pPr algn="ctr">
+              <a:lnSpc>
+                <a:spcPct val="100000"/>
+              </a:lnSpc>
+            </a:pPr>
+            <a:r>
+              <a:rPr b="0" lang="en-IN" sz="1800" spc="-1" strike="noStrike">
+                <a:solidFill>
+                  <a:srgbClr val="000000"/>
+                </a:solidFill>
+                <a:latin typeface="Arial"/>
+                <a:ea typeface="DejaVu Sans"/>
               </a:rPr>
               <a:t>System developers</a:t>
             </a:r>
@@ -2158,7 +2194,7 @@
       </p:sp>
       <p:sp>
         <p:nvSpPr>
-          <p:cNvPr id="47" name="Line 7"/>
+          <p:cNvPr id="44" name="Line 7"/>
           <p:cNvSpPr/>
           <p:nvPr/>
         </p:nvSpPr>
@@ -2186,7 +2222,7 @@
       </p:sp>
       <p:sp>
         <p:nvSpPr>
-          <p:cNvPr id="48" name="Line 8"/>
+          <p:cNvPr id="45" name="Line 8"/>
           <p:cNvSpPr/>
           <p:nvPr/>
         </p:nvSpPr>
@@ -2214,7 +2250,7 @@
       </p:sp>
       <p:sp>
         <p:nvSpPr>
-          <p:cNvPr id="49" name="Line 9"/>
+          <p:cNvPr id="46" name="Line 9"/>
           <p:cNvSpPr/>
           <p:nvPr/>
         </p:nvSpPr>
@@ -2242,14 +2278,14 @@
       </p:sp>
       <p:sp>
         <p:nvSpPr>
-          <p:cNvPr id="50" name="TextShape 10"/>
-          <p:cNvSpPr txBox="1"/>
+          <p:cNvPr id="47" name="CustomShape 10"/>
+          <p:cNvSpPr/>
           <p:nvPr/>
         </p:nvSpPr>
         <p:spPr>
           <a:xfrm>
             <a:off x="2988000" y="360000"/>
-            <a:ext cx="4392000" cy="346320"/>
+            <a:ext cx="4391640" cy="345960"/>
           </a:xfrm>
           <a:prstGeom prst="rect">
             <a:avLst/>
@@ -2259,16 +2295,1178 @@
             <a:noFill/>
           </a:ln>
         </p:spPr>
+        <p:style>
+          <a:lnRef idx="0"/>
+          <a:fillRef idx="0"/>
+          <a:effectRef idx="0"/>
+          <a:fontRef idx="minor"/>
+        </p:style>
         <p:txBody>
           <a:bodyPr lIns="90000" rIns="90000" tIns="45000" bIns="45000">
             <a:noAutofit/>
           </a:bodyPr>
           <a:p>
+            <a:pPr>
+              <a:lnSpc>
+                <a:spcPct val="100000"/>
+              </a:lnSpc>
+            </a:pPr>
             <a:r>
               <a:rPr b="0" lang="en-IN" sz="1800" spc="-1" strike="noStrike">
                 <a:latin typeface="Arial"/>
               </a:rPr>
               <a:t>Requirements ---&gt; Audience</a:t>
+            </a:r>
+            <a:endParaRPr b="0" lang="en-IN" sz="1800" spc="-1" strike="noStrike">
+              <a:latin typeface="Arial"/>
+            </a:endParaRPr>
+          </a:p>
+        </p:txBody>
+      </p:sp>
+    </p:spTree>
+  </p:cSld>
+  <mc:AlternateContent>
+    <mc:Choice Requires="p14">
+      <p:transition spd="slow" p14:dur="2000"/>
+    </mc:Choice>
+    <mc:Fallback>
+      <p:transition spd="slow"/>
+    </mc:Fallback>
+  </mc:AlternateContent>
+</p:sld>
+</file>
+
+<file path=ppt/slides/slide2.xml><?xml version="1.0" encoding="utf-8"?>
+<p:sld xmlns:a="http://schemas.openxmlformats.org/drawingml/2006/main" xmlns:p="http://schemas.openxmlformats.org/presentationml/2006/main" xmlns:r="http://schemas.openxmlformats.org/officeDocument/2006/relationships" xmlns:p14="http://schemas.microsoft.com/office/powerpoint/2010/main" xmlns:p15="http://schemas.microsoft.com/office/powerpoint/2012/main" xmlns:mc="http://schemas.openxmlformats.org/markup-compatibility/2006">
+  <p:cSld>
+    <p:spTree>
+      <p:nvGrpSpPr>
+        <p:cNvPr id="1" name=""/>
+        <p:cNvGrpSpPr/>
+        <p:nvPr/>
+      </p:nvGrpSpPr>
+      <p:grpSpPr>
+        <a:xfrm>
+          <a:off x="0" y="0"/>
+          <a:ext cx="0" cy="0"/>
+          <a:chOff x="0" y="0"/>
+          <a:chExt cx="0" cy="0"/>
+        </a:xfrm>
+      </p:grpSpPr>
+      <p:sp>
+        <p:nvSpPr>
+          <p:cNvPr id="48" name="CustomShape 1"/>
+          <p:cNvSpPr/>
+          <p:nvPr/>
+        </p:nvSpPr>
+        <p:spPr>
+          <a:xfrm>
+            <a:off x="1908000" y="936000"/>
+            <a:ext cx="1440000" cy="792000"/>
+          </a:xfrm>
+          <a:prstGeom prst="rect">
+            <a:avLst/>
+          </a:prstGeom>
+          <a:solidFill>
+            <a:srgbClr val="729fcf"/>
+          </a:solidFill>
+          <a:ln>
+            <a:solidFill>
+              <a:srgbClr val="3465a4"/>
+            </a:solidFill>
+          </a:ln>
+        </p:spPr>
+        <p:style>
+          <a:lnRef idx="0"/>
+          <a:fillRef idx="0"/>
+          <a:effectRef idx="0"/>
+          <a:fontRef idx="minor"/>
+        </p:style>
+        <p:txBody>
+          <a:bodyPr wrap="none" lIns="90000" rIns="90000" tIns="45000" bIns="45000" anchor="ctr">
+            <a:noAutofit/>
+          </a:bodyPr>
+          <a:p>
+            <a:pPr algn="ctr"/>
+            <a:r>
+              <a:rPr b="0" lang="en-IN" sz="1800" spc="-1" strike="noStrike">
+                <a:latin typeface="Arial"/>
+              </a:rPr>
+              <a:t>BOOKS</a:t>
+            </a:r>
+            <a:endParaRPr b="0" lang="en-IN" sz="1800" spc="-1" strike="noStrike">
+              <a:latin typeface="Arial"/>
+            </a:endParaRPr>
+          </a:p>
+        </p:txBody>
+      </p:sp>
+      <p:sp>
+        <p:nvSpPr>
+          <p:cNvPr id="49" name="CustomShape 2"/>
+          <p:cNvSpPr/>
+          <p:nvPr/>
+        </p:nvSpPr>
+        <p:spPr>
+          <a:xfrm>
+            <a:off x="6084000" y="936000"/>
+            <a:ext cx="1440000" cy="792000"/>
+          </a:xfrm>
+          <a:prstGeom prst="rect">
+            <a:avLst/>
+          </a:prstGeom>
+          <a:solidFill>
+            <a:srgbClr val="729fcf"/>
+          </a:solidFill>
+          <a:ln>
+            <a:solidFill>
+              <a:srgbClr val="3465a4"/>
+            </a:solidFill>
+          </a:ln>
+        </p:spPr>
+        <p:style>
+          <a:lnRef idx="0"/>
+          <a:fillRef idx="0"/>
+          <a:effectRef idx="0"/>
+          <a:fontRef idx="minor"/>
+        </p:style>
+        <p:txBody>
+          <a:bodyPr wrap="none" lIns="90000" rIns="90000" tIns="45000" bIns="45000" anchor="ctr">
+            <a:noAutofit/>
+          </a:bodyPr>
+          <a:p>
+            <a:pPr algn="ctr"/>
+            <a:r>
+              <a:rPr b="0" lang="en-IN" sz="1800" spc="-1" strike="noStrike">
+                <a:latin typeface="Arial"/>
+              </a:rPr>
+              <a:t>USERS</a:t>
+            </a:r>
+            <a:endParaRPr b="0" lang="en-IN" sz="1800" spc="-1" strike="noStrike">
+              <a:latin typeface="Arial"/>
+            </a:endParaRPr>
+          </a:p>
+        </p:txBody>
+      </p:sp>
+      <p:sp>
+        <p:nvSpPr>
+          <p:cNvPr id="50" name="CustomShape 3"/>
+          <p:cNvSpPr/>
+          <p:nvPr/>
+        </p:nvSpPr>
+        <p:spPr>
+          <a:xfrm>
+            <a:off x="1908000" y="4068000"/>
+            <a:ext cx="1440000" cy="792000"/>
+          </a:xfrm>
+          <a:prstGeom prst="rect">
+            <a:avLst/>
+          </a:prstGeom>
+          <a:solidFill>
+            <a:srgbClr val="729fcf"/>
+          </a:solidFill>
+          <a:ln>
+            <a:solidFill>
+              <a:srgbClr val="3465a4"/>
+            </a:solidFill>
+          </a:ln>
+        </p:spPr>
+        <p:style>
+          <a:lnRef idx="0"/>
+          <a:fillRef idx="0"/>
+          <a:effectRef idx="0"/>
+          <a:fontRef idx="minor"/>
+        </p:style>
+        <p:txBody>
+          <a:bodyPr wrap="none" lIns="90000" rIns="90000" tIns="45000" bIns="45000" anchor="ctr">
+            <a:noAutofit/>
+          </a:bodyPr>
+          <a:p>
+            <a:pPr algn="ctr"/>
+            <a:r>
+              <a:rPr b="0" lang="en-IN" sz="1800" spc="-1" strike="noStrike">
+                <a:latin typeface="Arial"/>
+              </a:rPr>
+              <a:t>SUPPLIERS</a:t>
+            </a:r>
+            <a:endParaRPr b="0" lang="en-IN" sz="1800" spc="-1" strike="noStrike">
+              <a:latin typeface="Arial"/>
+            </a:endParaRPr>
+          </a:p>
+        </p:txBody>
+      </p:sp>
+      <p:sp>
+        <p:nvSpPr>
+          <p:cNvPr id="51" name="CustomShape 4"/>
+          <p:cNvSpPr/>
+          <p:nvPr/>
+        </p:nvSpPr>
+        <p:spPr>
+          <a:xfrm>
+            <a:off x="4032000" y="648000"/>
+            <a:ext cx="1440000" cy="1368000"/>
+          </a:xfrm>
+          <a:custGeom>
+            <a:avLst/>
+            <a:gdLst/>
+            <a:ahLst/>
+            <a:rect l="l" t="t" r="r" b="b"/>
+            <a:pathLst>
+              <a:path w="21600" h="21600">
+                <a:moveTo>
+                  <a:pt x="10800" y="0"/>
+                </a:moveTo>
+                <a:lnTo>
+                  <a:pt x="21600" y="10800"/>
+                </a:lnTo>
+                <a:lnTo>
+                  <a:pt x="10800" y="21600"/>
+                </a:lnTo>
+                <a:lnTo>
+                  <a:pt x="0" y="10800"/>
+                </a:lnTo>
+                <a:lnTo>
+                  <a:pt x="10800" y="0"/>
+                </a:lnTo>
+                <a:close/>
+              </a:path>
+            </a:pathLst>
+          </a:custGeom>
+          <a:solidFill>
+            <a:srgbClr val="729fcf"/>
+          </a:solidFill>
+          <a:ln>
+            <a:solidFill>
+              <a:srgbClr val="3465a4"/>
+            </a:solidFill>
+          </a:ln>
+        </p:spPr>
+        <p:style>
+          <a:lnRef idx="0"/>
+          <a:fillRef idx="0"/>
+          <a:effectRef idx="0"/>
+          <a:fontRef idx="minor"/>
+        </p:style>
+        <p:txBody>
+          <a:bodyPr wrap="none" lIns="90000" rIns="90000" tIns="45000" bIns="45000" anchor="ctr">
+            <a:noAutofit/>
+          </a:bodyPr>
+          <a:p>
+            <a:pPr algn="ctr"/>
+            <a:r>
+              <a:rPr b="0" lang="en-IN" sz="1800" spc="-1" strike="noStrike">
+                <a:latin typeface="Arial"/>
+              </a:rPr>
+              <a:t>Borrowed</a:t>
+            </a:r>
+            <a:endParaRPr b="0" lang="en-IN" sz="1800" spc="-1" strike="noStrike">
+              <a:latin typeface="Arial"/>
+            </a:endParaRPr>
+          </a:p>
+          <a:p>
+            <a:pPr algn="ctr"/>
+            <a:r>
+              <a:rPr b="0" lang="en-IN" sz="1800" spc="-1" strike="noStrike">
+                <a:latin typeface="Arial"/>
+              </a:rPr>
+              <a:t>By</a:t>
+            </a:r>
+            <a:endParaRPr b="0" lang="en-IN" sz="1800" spc="-1" strike="noStrike">
+              <a:latin typeface="Arial"/>
+            </a:endParaRPr>
+          </a:p>
+        </p:txBody>
+      </p:sp>
+      <p:sp>
+        <p:nvSpPr>
+          <p:cNvPr id="52" name="CustomShape 5"/>
+          <p:cNvSpPr/>
+          <p:nvPr/>
+        </p:nvSpPr>
+        <p:spPr>
+          <a:xfrm>
+            <a:off x="1872000" y="2232360"/>
+            <a:ext cx="1440000" cy="1368000"/>
+          </a:xfrm>
+          <a:custGeom>
+            <a:avLst/>
+            <a:gdLst/>
+            <a:ahLst/>
+            <a:rect l="l" t="t" r="r" b="b"/>
+            <a:pathLst>
+              <a:path w="21600" h="21600">
+                <a:moveTo>
+                  <a:pt x="10800" y="0"/>
+                </a:moveTo>
+                <a:lnTo>
+                  <a:pt x="21600" y="10800"/>
+                </a:lnTo>
+                <a:lnTo>
+                  <a:pt x="10800" y="21600"/>
+                </a:lnTo>
+                <a:lnTo>
+                  <a:pt x="0" y="10800"/>
+                </a:lnTo>
+                <a:lnTo>
+                  <a:pt x="10800" y="0"/>
+                </a:lnTo>
+                <a:close/>
+              </a:path>
+            </a:pathLst>
+          </a:custGeom>
+          <a:solidFill>
+            <a:srgbClr val="729fcf"/>
+          </a:solidFill>
+          <a:ln>
+            <a:solidFill>
+              <a:srgbClr val="3465a4"/>
+            </a:solidFill>
+          </a:ln>
+        </p:spPr>
+        <p:style>
+          <a:lnRef idx="0"/>
+          <a:fillRef idx="0"/>
+          <a:effectRef idx="0"/>
+          <a:fontRef idx="minor"/>
+        </p:style>
+        <p:txBody>
+          <a:bodyPr wrap="none" lIns="90000" rIns="90000" tIns="45000" bIns="45000" anchor="ctr">
+            <a:noAutofit/>
+          </a:bodyPr>
+          <a:p>
+            <a:pPr algn="ctr"/>
+            <a:r>
+              <a:rPr b="0" lang="en-IN" sz="1800" spc="-1" strike="noStrike">
+                <a:latin typeface="Arial"/>
+              </a:rPr>
+              <a:t>Supplied</a:t>
+            </a:r>
+            <a:endParaRPr b="0" lang="en-IN" sz="1800" spc="-1" strike="noStrike">
+              <a:latin typeface="Arial"/>
+            </a:endParaRPr>
+          </a:p>
+          <a:p>
+            <a:pPr algn="ctr"/>
+            <a:r>
+              <a:rPr b="0" lang="en-IN" sz="1800" spc="-1" strike="noStrike">
+                <a:latin typeface="Arial"/>
+              </a:rPr>
+              <a:t>By</a:t>
+            </a:r>
+            <a:endParaRPr b="0" lang="en-IN" sz="1800" spc="-1" strike="noStrike">
+              <a:latin typeface="Arial"/>
+            </a:endParaRPr>
+          </a:p>
+        </p:txBody>
+      </p:sp>
+      <p:sp>
+        <p:nvSpPr>
+          <p:cNvPr id="53" name="Line 6"/>
+          <p:cNvSpPr/>
+          <p:nvPr/>
+        </p:nvSpPr>
+        <p:spPr>
+          <a:xfrm>
+            <a:off x="3348000" y="1332000"/>
+            <a:ext cx="684000" cy="0"/>
+          </a:xfrm>
+          <a:prstGeom prst="line">
+            <a:avLst/>
+          </a:prstGeom>
+          <a:ln>
+            <a:solidFill>
+              <a:srgbClr val="3465a4"/>
+            </a:solidFill>
+          </a:ln>
+        </p:spPr>
+        <p:style>
+          <a:lnRef idx="0"/>
+          <a:fillRef idx="0"/>
+          <a:effectRef idx="0"/>
+          <a:fontRef idx="minor"/>
+        </p:style>
+      </p:sp>
+      <p:sp>
+        <p:nvSpPr>
+          <p:cNvPr id="54" name="Line 7"/>
+          <p:cNvSpPr/>
+          <p:nvPr/>
+        </p:nvSpPr>
+        <p:spPr>
+          <a:xfrm>
+            <a:off x="5436000" y="1332000"/>
+            <a:ext cx="684000" cy="0"/>
+          </a:xfrm>
+          <a:prstGeom prst="line">
+            <a:avLst/>
+          </a:prstGeom>
+          <a:ln>
+            <a:solidFill>
+              <a:srgbClr val="3465a4"/>
+            </a:solidFill>
+          </a:ln>
+        </p:spPr>
+        <p:style>
+          <a:lnRef idx="0"/>
+          <a:fillRef idx="0"/>
+          <a:effectRef idx="0"/>
+          <a:fontRef idx="minor"/>
+        </p:style>
+      </p:sp>
+      <p:sp>
+        <p:nvSpPr>
+          <p:cNvPr id="55" name="Line 8"/>
+          <p:cNvSpPr/>
+          <p:nvPr/>
+        </p:nvSpPr>
+        <p:spPr>
+          <a:xfrm>
+            <a:off x="2592000" y="1728000"/>
+            <a:ext cx="0" cy="504360"/>
+          </a:xfrm>
+          <a:prstGeom prst="line">
+            <a:avLst/>
+          </a:prstGeom>
+          <a:ln>
+            <a:solidFill>
+              <a:srgbClr val="3465a4"/>
+            </a:solidFill>
+          </a:ln>
+        </p:spPr>
+        <p:style>
+          <a:lnRef idx="0"/>
+          <a:fillRef idx="0"/>
+          <a:effectRef idx="0"/>
+          <a:fontRef idx="minor"/>
+        </p:style>
+      </p:sp>
+      <p:sp>
+        <p:nvSpPr>
+          <p:cNvPr id="56" name="Line 9"/>
+          <p:cNvSpPr/>
+          <p:nvPr/>
+        </p:nvSpPr>
+        <p:spPr>
+          <a:xfrm>
+            <a:off x="2592000" y="3564360"/>
+            <a:ext cx="0" cy="504360"/>
+          </a:xfrm>
+          <a:prstGeom prst="line">
+            <a:avLst/>
+          </a:prstGeom>
+          <a:ln>
+            <a:solidFill>
+              <a:srgbClr val="3465a4"/>
+            </a:solidFill>
+          </a:ln>
+        </p:spPr>
+        <p:style>
+          <a:lnRef idx="0"/>
+          <a:fillRef idx="0"/>
+          <a:effectRef idx="0"/>
+          <a:fontRef idx="minor"/>
+        </p:style>
+      </p:sp>
+      <p:sp>
+        <p:nvSpPr>
+          <p:cNvPr id="57" name="CustomShape 10"/>
+          <p:cNvSpPr/>
+          <p:nvPr/>
+        </p:nvSpPr>
+        <p:spPr>
+          <a:xfrm>
+            <a:off x="5184000" y="2340000"/>
+            <a:ext cx="2016000" cy="576000"/>
+          </a:xfrm>
+          <a:prstGeom prst="ellipse">
+            <a:avLst/>
+          </a:prstGeom>
+          <a:solidFill>
+            <a:srgbClr val="729fcf"/>
+          </a:solidFill>
+          <a:ln>
+            <a:solidFill>
+              <a:srgbClr val="3465a4"/>
+            </a:solidFill>
+          </a:ln>
+        </p:spPr>
+        <p:style>
+          <a:lnRef idx="0"/>
+          <a:fillRef idx="0"/>
+          <a:effectRef idx="0"/>
+          <a:fontRef idx="minor"/>
+        </p:style>
+        <p:txBody>
+          <a:bodyPr wrap="none" lIns="90000" rIns="90000" tIns="45000" bIns="45000" anchor="ctr">
+            <a:noAutofit/>
+          </a:bodyPr>
+          <a:p>
+            <a:pPr algn="ctr"/>
+            <a:r>
+              <a:rPr b="0" lang="en-IN" sz="1800" spc="-1" strike="noStrike">
+                <a:latin typeface="Arial"/>
+              </a:rPr>
+              <a:t>Date of Issue</a:t>
+            </a:r>
+            <a:endParaRPr b="0" lang="en-IN" sz="1800" spc="-1" strike="noStrike">
+              <a:latin typeface="Arial"/>
+            </a:endParaRPr>
+          </a:p>
+        </p:txBody>
+      </p:sp>
+      <p:sp>
+        <p:nvSpPr>
+          <p:cNvPr id="58" name="CustomShape 11"/>
+          <p:cNvSpPr/>
+          <p:nvPr/>
+        </p:nvSpPr>
+        <p:spPr>
+          <a:xfrm>
+            <a:off x="3960360" y="3240360"/>
+            <a:ext cx="2016000" cy="576000"/>
+          </a:xfrm>
+          <a:prstGeom prst="ellipse">
+            <a:avLst/>
+          </a:prstGeom>
+          <a:solidFill>
+            <a:srgbClr val="729fcf"/>
+          </a:solidFill>
+          <a:ln>
+            <a:solidFill>
+              <a:srgbClr val="3465a4"/>
+            </a:solidFill>
+          </a:ln>
+        </p:spPr>
+        <p:style>
+          <a:lnRef idx="0"/>
+          <a:fillRef idx="0"/>
+          <a:effectRef idx="0"/>
+          <a:fontRef idx="minor"/>
+        </p:style>
+        <p:txBody>
+          <a:bodyPr wrap="none" lIns="90000" rIns="90000" tIns="45000" bIns="45000" anchor="ctr">
+            <a:noAutofit/>
+          </a:bodyPr>
+          <a:p>
+            <a:pPr algn="ctr"/>
+            <a:r>
+              <a:rPr b="0" lang="en-IN" sz="1800" spc="-1" strike="noStrike">
+                <a:latin typeface="Arial"/>
+              </a:rPr>
+              <a:t>Date of Supply</a:t>
+            </a:r>
+            <a:endParaRPr b="0" lang="en-IN" sz="1800" spc="-1" strike="noStrike">
+              <a:latin typeface="Arial"/>
+            </a:endParaRPr>
+          </a:p>
+        </p:txBody>
+      </p:sp>
+      <p:cxnSp>
+        <p:nvCxnSpPr>
+          <p:cNvPr id="59" name="Line 12"/>
+          <p:cNvCxnSpPr/>
+          <p:nvPr/>
+        </p:nvCxnSpPr>
+        <p:spPr>
+          <a:xfrm>
+            <a:off x="0" y="0"/>
+            <a:ext cx="360" cy="360"/>
+          </a:xfrm>
+          <a:prstGeom prst="line">
+            <a:avLst/>
+          </a:prstGeom>
+          <a:ln>
+            <a:solidFill>
+              <a:srgbClr val="3465a4"/>
+            </a:solidFill>
+          </a:ln>
+        </p:spPr>
+      </p:cxnSp>
+      <p:cxnSp>
+        <p:nvCxnSpPr>
+          <p:cNvPr id="60" name="Line 13"/>
+          <p:cNvCxnSpPr/>
+          <p:nvPr/>
+        </p:nvCxnSpPr>
+        <p:spPr>
+          <a:xfrm>
+            <a:off x="0" y="0"/>
+            <a:ext cx="360" cy="360"/>
+          </a:xfrm>
+          <a:prstGeom prst="line">
+            <a:avLst/>
+          </a:prstGeom>
+          <a:ln>
+            <a:solidFill>
+              <a:srgbClr val="3465a4"/>
+            </a:solidFill>
+          </a:ln>
+        </p:spPr>
+      </p:cxnSp>
+    </p:spTree>
+  </p:cSld>
+  <mc:AlternateContent>
+    <mc:Choice Requires="p14">
+      <p:transition spd="slow" p14:dur="2000"/>
+    </mc:Choice>
+    <mc:Fallback>
+      <p:transition spd="slow"/>
+    </mc:Fallback>
+  </mc:AlternateContent>
+</p:sld>
+</file>
+
+<file path=ppt/slides/slide3.xml><?xml version="1.0" encoding="utf-8"?>
+<p:sld xmlns:a="http://schemas.openxmlformats.org/drawingml/2006/main" xmlns:p="http://schemas.openxmlformats.org/presentationml/2006/main" xmlns:r="http://schemas.openxmlformats.org/officeDocument/2006/relationships" xmlns:p14="http://schemas.microsoft.com/office/powerpoint/2010/main" xmlns:p15="http://schemas.microsoft.com/office/powerpoint/2012/main" xmlns:mc="http://schemas.openxmlformats.org/markup-compatibility/2006">
+  <p:cSld>
+    <p:spTree>
+      <p:nvGrpSpPr>
+        <p:cNvPr id="1" name=""/>
+        <p:cNvGrpSpPr/>
+        <p:nvPr/>
+      </p:nvGrpSpPr>
+      <p:grpSpPr>
+        <a:xfrm>
+          <a:off x="0" y="0"/>
+          <a:ext cx="0" cy="0"/>
+          <a:chOff x="0" y="0"/>
+          <a:chExt cx="0" cy="0"/>
+        </a:xfrm>
+      </p:grpSpPr>
+      <p:sp>
+        <p:nvSpPr>
+          <p:cNvPr id="61" name="CustomShape 1"/>
+          <p:cNvSpPr/>
+          <p:nvPr/>
+        </p:nvSpPr>
+        <p:spPr>
+          <a:xfrm>
+            <a:off x="3060000" y="2268000"/>
+            <a:ext cx="1440000" cy="792000"/>
+          </a:xfrm>
+          <a:prstGeom prst="rect">
+            <a:avLst/>
+          </a:prstGeom>
+          <a:solidFill>
+            <a:srgbClr val="729fcf"/>
+          </a:solidFill>
+          <a:ln>
+            <a:solidFill>
+              <a:srgbClr val="3465a4"/>
+            </a:solidFill>
+          </a:ln>
+        </p:spPr>
+        <p:style>
+          <a:lnRef idx="0"/>
+          <a:fillRef idx="0"/>
+          <a:effectRef idx="0"/>
+          <a:fontRef idx="minor"/>
+        </p:style>
+        <p:txBody>
+          <a:bodyPr wrap="none" lIns="90000" rIns="90000" tIns="45000" bIns="45000" anchor="ctr">
+            <a:noAutofit/>
+          </a:bodyPr>
+          <a:p>
+            <a:pPr algn="ctr"/>
+            <a:r>
+              <a:rPr b="0" lang="en-IN" sz="1800" spc="-1" strike="noStrike">
+                <a:latin typeface="Arial"/>
+              </a:rPr>
+              <a:t>STAFF</a:t>
+            </a:r>
+            <a:endParaRPr b="0" lang="en-IN" sz="1800" spc="-1" strike="noStrike">
+              <a:latin typeface="Arial"/>
+            </a:endParaRPr>
+          </a:p>
+        </p:txBody>
+      </p:sp>
+      <p:sp>
+        <p:nvSpPr>
+          <p:cNvPr id="62" name="CustomShape 2"/>
+          <p:cNvSpPr/>
+          <p:nvPr/>
+        </p:nvSpPr>
+        <p:spPr>
+          <a:xfrm>
+            <a:off x="5832000" y="1980000"/>
+            <a:ext cx="1440000" cy="1368000"/>
+          </a:xfrm>
+          <a:custGeom>
+            <a:avLst/>
+            <a:gdLst/>
+            <a:ahLst/>
+            <a:rect l="l" t="t" r="r" b="b"/>
+            <a:pathLst>
+              <a:path w="21600" h="21600">
+                <a:moveTo>
+                  <a:pt x="10800" y="0"/>
+                </a:moveTo>
+                <a:lnTo>
+                  <a:pt x="21600" y="10800"/>
+                </a:lnTo>
+                <a:lnTo>
+                  <a:pt x="10800" y="21600"/>
+                </a:lnTo>
+                <a:lnTo>
+                  <a:pt x="0" y="10800"/>
+                </a:lnTo>
+                <a:lnTo>
+                  <a:pt x="10800" y="0"/>
+                </a:lnTo>
+                <a:close/>
+              </a:path>
+            </a:pathLst>
+          </a:custGeom>
+          <a:solidFill>
+            <a:srgbClr val="729fcf"/>
+          </a:solidFill>
+          <a:ln>
+            <a:solidFill>
+              <a:srgbClr val="3465a4"/>
+            </a:solidFill>
+          </a:ln>
+        </p:spPr>
+        <p:style>
+          <a:lnRef idx="0"/>
+          <a:fillRef idx="0"/>
+          <a:effectRef idx="0"/>
+          <a:fontRef idx="minor"/>
+        </p:style>
+        <p:txBody>
+          <a:bodyPr wrap="none" lIns="90000" rIns="90000" tIns="45000" bIns="45000" anchor="ctr">
+            <a:noAutofit/>
+          </a:bodyPr>
+          <a:p>
+            <a:pPr algn="ctr"/>
+            <a:r>
+              <a:rPr b="0" lang="en-IN" sz="1800" spc="-1" strike="noStrike">
+                <a:latin typeface="Arial"/>
+              </a:rPr>
+              <a:t>Rep</a:t>
+            </a:r>
+            <a:r>
+              <a:rPr b="0" lang="en-IN" sz="1800" spc="-1" strike="noStrike">
+                <a:latin typeface="Arial"/>
+              </a:rPr>
+              <a:t>ort</a:t>
+            </a:r>
+            <a:endParaRPr b="0" lang="en-IN" sz="1800" spc="-1" strike="noStrike">
+              <a:latin typeface="Arial"/>
+            </a:endParaRPr>
+          </a:p>
+          <a:p>
+            <a:pPr algn="ctr"/>
+            <a:r>
+              <a:rPr b="0" lang="en-IN" sz="1800" spc="-1" strike="noStrike">
+                <a:latin typeface="Arial"/>
+              </a:rPr>
+              <a:t>To</a:t>
+            </a:r>
+            <a:endParaRPr b="0" lang="en-IN" sz="1800" spc="-1" strike="noStrike">
+              <a:latin typeface="Arial"/>
+            </a:endParaRPr>
+          </a:p>
+        </p:txBody>
+      </p:sp>
+      <p:sp>
+        <p:nvSpPr>
+          <p:cNvPr id="63" name="Line 3"/>
+          <p:cNvSpPr/>
+          <p:nvPr/>
+        </p:nvSpPr>
+        <p:spPr>
+          <a:xfrm>
+            <a:off x="4500000" y="2664000"/>
+            <a:ext cx="1332000" cy="0"/>
+          </a:xfrm>
+          <a:prstGeom prst="line">
+            <a:avLst/>
+          </a:prstGeom>
+          <a:ln>
+            <a:solidFill>
+              <a:srgbClr val="3465a4"/>
+            </a:solidFill>
+          </a:ln>
+        </p:spPr>
+        <p:style>
+          <a:lnRef idx="0"/>
+          <a:fillRef idx="0"/>
+          <a:effectRef idx="0"/>
+          <a:fontRef idx="minor"/>
+        </p:style>
+      </p:sp>
+      <p:cxnSp>
+        <p:nvCxnSpPr>
+          <p:cNvPr id="64" name="Line 4"/>
+          <p:cNvCxnSpPr/>
+          <p:nvPr/>
+        </p:nvCxnSpPr>
+        <p:spPr>
+          <a:xfrm>
+            <a:off x="0" y="0"/>
+            <a:ext cx="360" cy="360"/>
+          </a:xfrm>
+          <a:prstGeom prst="line">
+            <a:avLst/>
+          </a:prstGeom>
+          <a:ln>
+            <a:solidFill>
+              <a:srgbClr val="3465a4"/>
+            </a:solidFill>
+          </a:ln>
+        </p:spPr>
+      </p:cxnSp>
+      <p:sp>
+        <p:nvSpPr>
+          <p:cNvPr id="65" name="CustomShape 5"/>
+          <p:cNvSpPr/>
+          <p:nvPr/>
+        </p:nvSpPr>
+        <p:spPr>
+          <a:xfrm>
+            <a:off x="2376000" y="1044000"/>
+            <a:ext cx="1152000" cy="684000"/>
+          </a:xfrm>
+          <a:prstGeom prst="ellipse">
+            <a:avLst/>
+          </a:prstGeom>
+          <a:solidFill>
+            <a:srgbClr val="729fcf"/>
+          </a:solidFill>
+          <a:ln>
+            <a:solidFill>
+              <a:srgbClr val="3465a4"/>
+            </a:solidFill>
+          </a:ln>
+        </p:spPr>
+        <p:style>
+          <a:lnRef idx="0"/>
+          <a:fillRef idx="0"/>
+          <a:effectRef idx="0"/>
+          <a:fontRef idx="minor"/>
+        </p:style>
+        <p:txBody>
+          <a:bodyPr wrap="none" lIns="90000" rIns="90000" tIns="45000" bIns="45000" anchor="ctr">
+            <a:noAutofit/>
+          </a:bodyPr>
+          <a:p>
+            <a:pPr algn="ctr"/>
+            <a:r>
+              <a:rPr b="0" lang="en-IN" sz="1800" spc="-1" strike="noStrike">
+                <a:latin typeface="Arial"/>
+              </a:rPr>
+              <a:t>E_CODE</a:t>
+            </a:r>
+            <a:endParaRPr b="0" lang="en-IN" sz="1800" spc="-1" strike="noStrike">
+              <a:latin typeface="Arial"/>
+            </a:endParaRPr>
+          </a:p>
+        </p:txBody>
+      </p:sp>
+      <p:sp>
+        <p:nvSpPr>
+          <p:cNvPr id="66" name="CustomShape 6"/>
+          <p:cNvSpPr/>
+          <p:nvPr/>
+        </p:nvSpPr>
+        <p:spPr>
+          <a:xfrm>
+            <a:off x="3780360" y="1044360"/>
+            <a:ext cx="1152000" cy="684000"/>
+          </a:xfrm>
+          <a:prstGeom prst="ellipse">
+            <a:avLst/>
+          </a:prstGeom>
+          <a:solidFill>
+            <a:srgbClr val="729fcf"/>
+          </a:solidFill>
+          <a:ln>
+            <a:solidFill>
+              <a:srgbClr val="3465a4"/>
+            </a:solidFill>
+          </a:ln>
+        </p:spPr>
+        <p:style>
+          <a:lnRef idx="0"/>
+          <a:fillRef idx="0"/>
+          <a:effectRef idx="0"/>
+          <a:fontRef idx="minor"/>
+        </p:style>
+        <p:txBody>
+          <a:bodyPr wrap="none" lIns="90000" rIns="90000" tIns="45000" bIns="45000" anchor="ctr">
+            <a:noAutofit/>
+          </a:bodyPr>
+          <a:p>
+            <a:pPr algn="ctr"/>
+            <a:r>
+              <a:rPr b="0" lang="en-IN" sz="1800" spc="-1" strike="noStrike">
+                <a:latin typeface="Arial"/>
+              </a:rPr>
+              <a:t>NAME</a:t>
+            </a:r>
+            <a:endParaRPr b="0" lang="en-IN" sz="1800" spc="-1" strike="noStrike">
+              <a:latin typeface="Arial"/>
+            </a:endParaRPr>
+          </a:p>
+        </p:txBody>
+      </p:sp>
+      <p:sp>
+        <p:nvSpPr>
+          <p:cNvPr id="67" name="CustomShape 7"/>
+          <p:cNvSpPr/>
+          <p:nvPr/>
+        </p:nvSpPr>
+        <p:spPr>
+          <a:xfrm>
+            <a:off x="2376360" y="1044360"/>
+            <a:ext cx="1152000" cy="684000"/>
+          </a:xfrm>
+          <a:prstGeom prst="ellipse">
+            <a:avLst/>
+          </a:prstGeom>
+          <a:solidFill>
+            <a:srgbClr val="729fcf"/>
+          </a:solidFill>
+          <a:ln>
+            <a:solidFill>
+              <a:srgbClr val="3465a4"/>
+            </a:solidFill>
+          </a:ln>
+        </p:spPr>
+        <p:style>
+          <a:lnRef idx="0"/>
+          <a:fillRef idx="0"/>
+          <a:effectRef idx="0"/>
+          <a:fontRef idx="minor"/>
+        </p:style>
+        <p:txBody>
+          <a:bodyPr wrap="none" lIns="90000" rIns="90000" tIns="45000" bIns="45000" anchor="ctr">
+            <a:noAutofit/>
+          </a:bodyPr>
+          <a:p>
+            <a:pPr algn="ctr"/>
+            <a:r>
+              <a:rPr b="0" lang="en-IN" sz="1800" spc="-1" strike="noStrike">
+                <a:latin typeface="Arial"/>
+              </a:rPr>
+              <a:t>E_CODE</a:t>
+            </a:r>
+            <a:endParaRPr b="0" lang="en-IN" sz="1800" spc="-1" strike="noStrike">
+              <a:latin typeface="Arial"/>
+            </a:endParaRPr>
+          </a:p>
+        </p:txBody>
+      </p:sp>
+      <p:sp>
+        <p:nvSpPr>
+          <p:cNvPr id="68" name="CustomShape 8"/>
+          <p:cNvSpPr/>
+          <p:nvPr/>
+        </p:nvSpPr>
+        <p:spPr>
+          <a:xfrm>
+            <a:off x="1512720" y="2160720"/>
+            <a:ext cx="1152000" cy="684000"/>
+          </a:xfrm>
+          <a:prstGeom prst="ellipse">
+            <a:avLst/>
+          </a:prstGeom>
+          <a:solidFill>
+            <a:srgbClr val="729fcf"/>
+          </a:solidFill>
+          <a:ln>
+            <a:solidFill>
+              <a:srgbClr val="3465a4"/>
+            </a:solidFill>
+          </a:ln>
+        </p:spPr>
+        <p:style>
+          <a:lnRef idx="0"/>
+          <a:fillRef idx="0"/>
+          <a:effectRef idx="0"/>
+          <a:fontRef idx="minor"/>
+        </p:style>
+        <p:txBody>
+          <a:bodyPr wrap="none" lIns="90000" rIns="90000" tIns="45000" bIns="45000" anchor="ctr">
+            <a:noAutofit/>
+          </a:bodyPr>
+          <a:p>
+            <a:pPr algn="ctr"/>
+            <a:r>
+              <a:rPr b="0" lang="en-IN" sz="1800" spc="-1" strike="noStrike">
+                <a:latin typeface="Arial"/>
+              </a:rPr>
+              <a:t>DEPT</a:t>
+            </a:r>
+            <a:endParaRPr b="0" lang="en-IN" sz="1800" spc="-1" strike="noStrike">
+              <a:latin typeface="Arial"/>
+            </a:endParaRPr>
+          </a:p>
+        </p:txBody>
+      </p:sp>
+      <p:sp>
+        <p:nvSpPr>
+          <p:cNvPr id="69" name="Line 9"/>
+          <p:cNvSpPr/>
+          <p:nvPr/>
+        </p:nvSpPr>
+        <p:spPr>
+          <a:xfrm>
+            <a:off x="3096000" y="1728360"/>
+            <a:ext cx="576000" cy="539640"/>
+          </a:xfrm>
+          <a:prstGeom prst="line">
+            <a:avLst/>
+          </a:prstGeom>
+          <a:ln>
+            <a:solidFill>
+              <a:srgbClr val="3465a4"/>
+            </a:solidFill>
+          </a:ln>
+        </p:spPr>
+        <p:style>
+          <a:lnRef idx="0"/>
+          <a:fillRef idx="0"/>
+          <a:effectRef idx="0"/>
+          <a:fontRef idx="minor"/>
+        </p:style>
+      </p:sp>
+      <p:sp>
+        <p:nvSpPr>
+          <p:cNvPr id="70" name="Line 10"/>
+          <p:cNvSpPr/>
+          <p:nvPr/>
+        </p:nvSpPr>
+        <p:spPr>
+          <a:xfrm flipH="1">
+            <a:off x="3960000" y="1728360"/>
+            <a:ext cx="360000" cy="540000"/>
+          </a:xfrm>
+          <a:prstGeom prst="line">
+            <a:avLst/>
+          </a:prstGeom>
+          <a:ln>
+            <a:solidFill>
+              <a:srgbClr val="3465a4"/>
+            </a:solidFill>
+          </a:ln>
+        </p:spPr>
+        <p:style>
+          <a:lnRef idx="0"/>
+          <a:fillRef idx="0"/>
+          <a:effectRef idx="0"/>
+          <a:fontRef idx="minor"/>
+        </p:style>
+      </p:sp>
+      <p:sp>
+        <p:nvSpPr>
+          <p:cNvPr id="71" name="Line 11"/>
+          <p:cNvSpPr/>
+          <p:nvPr/>
+        </p:nvSpPr>
+        <p:spPr>
+          <a:xfrm flipH="1">
+            <a:off x="2664720" y="2520360"/>
+            <a:ext cx="395280" cy="0"/>
+          </a:xfrm>
+          <a:prstGeom prst="line">
+            <a:avLst/>
+          </a:prstGeom>
+          <a:ln>
+            <a:solidFill>
+              <a:srgbClr val="3465a4"/>
+            </a:solidFill>
+          </a:ln>
+        </p:spPr>
+        <p:style>
+          <a:lnRef idx="0"/>
+          <a:fillRef idx="0"/>
+          <a:effectRef idx="0"/>
+          <a:fontRef idx="minor"/>
+        </p:style>
+      </p:sp>
+      <p:sp>
+        <p:nvSpPr>
+          <p:cNvPr id="72" name="TextShape 12"/>
+          <p:cNvSpPr txBox="1"/>
+          <p:nvPr/>
+        </p:nvSpPr>
+        <p:spPr>
+          <a:xfrm>
+            <a:off x="4500000" y="2376000"/>
+            <a:ext cx="1404000" cy="602280"/>
+          </a:xfrm>
+          <a:prstGeom prst="rect">
+            <a:avLst/>
+          </a:prstGeom>
+          <a:noFill/>
+          <a:ln>
+            <a:noFill/>
+          </a:ln>
+        </p:spPr>
+        <p:txBody>
+          <a:bodyPr lIns="90000" rIns="90000" tIns="45000" bIns="45000">
+            <a:noAutofit/>
+          </a:bodyPr>
+          <a:p>
+            <a:r>
+              <a:rPr b="0" lang="en-IN" sz="1800" spc="-1" strike="noStrike">
+                <a:latin typeface="Arial"/>
+              </a:rPr>
+              <a:t>MANAG</a:t>
+            </a:r>
+            <a:r>
+              <a:rPr b="0" lang="en-IN" sz="1800" spc="-1" strike="noStrike">
+                <a:latin typeface="Arial"/>
+              </a:rPr>
+              <a:t>ER</a:t>
+            </a:r>
+            <a:endParaRPr b="0" lang="en-IN" sz="1800" spc="-1" strike="noStrike">
+              <a:latin typeface="Arial"/>
+            </a:endParaRPr>
+          </a:p>
+        </p:txBody>
+      </p:sp>
+      <p:sp>
+        <p:nvSpPr>
+          <p:cNvPr id="73" name="TextShape 13"/>
+          <p:cNvSpPr txBox="1"/>
+          <p:nvPr/>
+        </p:nvSpPr>
+        <p:spPr>
+          <a:xfrm>
+            <a:off x="4320000" y="3204360"/>
+            <a:ext cx="1404000" cy="602280"/>
+          </a:xfrm>
+          <a:prstGeom prst="rect">
+            <a:avLst/>
+          </a:prstGeom>
+          <a:noFill/>
+          <a:ln>
+            <a:noFill/>
+          </a:ln>
+        </p:spPr>
+        <p:txBody>
+          <a:bodyPr lIns="90000" rIns="90000" tIns="45000" bIns="45000">
+            <a:noAutofit/>
+          </a:bodyPr>
+          <a:p>
+            <a:r>
+              <a:rPr b="0" lang="en-IN" sz="1800" spc="-1" strike="noStrike">
+                <a:latin typeface="Arial"/>
+              </a:rPr>
+              <a:t>WO</a:t>
+            </a:r>
+            <a:r>
+              <a:rPr b="0" lang="en-IN" sz="1800" spc="-1" strike="noStrike">
+                <a:latin typeface="Arial"/>
+              </a:rPr>
+              <a:t>RKE</a:t>
+            </a:r>
+            <a:r>
+              <a:rPr b="0" lang="en-IN" sz="1800" spc="-1" strike="noStrike">
+                <a:latin typeface="Arial"/>
+              </a:rPr>
+              <a:t>R</a:t>
             </a:r>
             <a:endParaRPr b="0" lang="en-IN" sz="1800" spc="-1" strike="noStrike">
               <a:latin typeface="Arial"/>

--- a/GATE/images/gate_images.pptx
+++ b/GATE/images/gate_images.pptx
@@ -8,6 +8,10 @@
     <p:sldId id="256" r:id="rId3"/>
     <p:sldId id="257" r:id="rId4"/>
     <p:sldId id="258" r:id="rId5"/>
+    <p:sldId id="259" r:id="rId6"/>
+    <p:sldId id="260" r:id="rId7"/>
+    <p:sldId id="261" r:id="rId8"/>
+    <p:sldId id="262" r:id="rId9"/>
   </p:sldIdLst>
   <p:sldSz cx="10080625" cy="5670550"/>
   <p:notesSz cx="7559675" cy="10691812"/>
@@ -66,7 +70,7 @@
         <p:spPr>
           <a:xfrm>
             <a:off x="504000" y="226080"/>
-            <a:ext cx="9071280" cy="946080"/>
+            <a:ext cx="9072000" cy="946440"/>
           </a:xfrm>
           <a:prstGeom prst="rect">
             <a:avLst/>
@@ -179,7 +183,7 @@
         <p:spPr>
           <a:xfrm>
             <a:off x="504000" y="226080"/>
-            <a:ext cx="9071280" cy="946080"/>
+            <a:ext cx="9072000" cy="946440"/>
           </a:xfrm>
           <a:prstGeom prst="rect">
             <a:avLst/>
@@ -352,7 +356,7 @@
         <p:spPr>
           <a:xfrm>
             <a:off x="504000" y="226080"/>
-            <a:ext cx="9071280" cy="946080"/>
+            <a:ext cx="9072000" cy="946440"/>
           </a:xfrm>
           <a:prstGeom prst="rect">
             <a:avLst/>
@@ -585,7 +589,7 @@
         <p:spPr>
           <a:xfrm>
             <a:off x="504000" y="226080"/>
-            <a:ext cx="9071280" cy="946080"/>
+            <a:ext cx="9072000" cy="946440"/>
           </a:xfrm>
           <a:prstGeom prst="rect">
             <a:avLst/>
@@ -669,7 +673,7 @@
         <p:spPr>
           <a:xfrm>
             <a:off x="504000" y="226080"/>
-            <a:ext cx="9071280" cy="946080"/>
+            <a:ext cx="9072000" cy="946440"/>
           </a:xfrm>
           <a:prstGeom prst="rect">
             <a:avLst/>
@@ -752,7 +756,7 @@
         <p:spPr>
           <a:xfrm>
             <a:off x="504000" y="226080"/>
-            <a:ext cx="9071280" cy="946080"/>
+            <a:ext cx="9072000" cy="946440"/>
           </a:xfrm>
           <a:prstGeom prst="rect">
             <a:avLst/>
@@ -865,7 +869,7 @@
         <p:spPr>
           <a:xfrm>
             <a:off x="504000" y="226080"/>
-            <a:ext cx="9071280" cy="946080"/>
+            <a:ext cx="9072000" cy="946440"/>
           </a:xfrm>
           <a:prstGeom prst="rect">
             <a:avLst/>
@@ -918,7 +922,7 @@
         <p:spPr>
           <a:xfrm>
             <a:off x="504000" y="226080"/>
-            <a:ext cx="9071280" cy="4386600"/>
+            <a:ext cx="9072000" cy="4388400"/>
           </a:xfrm>
           <a:prstGeom prst="rect">
             <a:avLst/>
@@ -971,7 +975,7 @@
         <p:spPr>
           <a:xfrm>
             <a:off x="504000" y="226080"/>
-            <a:ext cx="9071280" cy="946080"/>
+            <a:ext cx="9072000" cy="946440"/>
           </a:xfrm>
           <a:prstGeom prst="rect">
             <a:avLst/>
@@ -1114,7 +1118,7 @@
         <p:spPr>
           <a:xfrm>
             <a:off x="504000" y="226080"/>
-            <a:ext cx="9071280" cy="946080"/>
+            <a:ext cx="9072000" cy="946440"/>
           </a:xfrm>
           <a:prstGeom prst="rect">
             <a:avLst/>
@@ -1257,7 +1261,7 @@
         <p:spPr>
           <a:xfrm>
             <a:off x="504000" y="226080"/>
-            <a:ext cx="9071280" cy="946080"/>
+            <a:ext cx="9072000" cy="946440"/>
           </a:xfrm>
           <a:prstGeom prst="rect">
             <a:avLst/>
@@ -1400,7 +1404,7 @@
         <p:spPr>
           <a:xfrm>
             <a:off x="504000" y="226080"/>
-            <a:ext cx="9071280" cy="946080"/>
+            <a:ext cx="9072000" cy="946440"/>
           </a:xfrm>
           <a:prstGeom prst="rect">
             <a:avLst/>
@@ -1413,24 +1417,30 @@
           <a:p>
             <a:pPr algn="ctr"/>
             <a:r>
-              <a:rPr b="0" lang="en-IN" sz="1800" spc="-1" strike="noStrike">
-                <a:latin typeface="Arial"/>
-              </a:rPr>
-              <a:t>Click to edit </a:t>
-            </a:r>
-            <a:r>
-              <a:rPr b="0" lang="en-IN" sz="1800" spc="-1" strike="noStrike">
-                <a:latin typeface="Arial"/>
-              </a:rPr>
-              <a:t>the title text </a:t>
-            </a:r>
-            <a:r>
-              <a:rPr b="0" lang="en-IN" sz="1800" spc="-1" strike="noStrike">
+              <a:rPr b="0" lang="en-IN" sz="4400" spc="-1" strike="noStrike">
+                <a:latin typeface="Arial"/>
+              </a:rPr>
+              <a:t>Click to </a:t>
+            </a:r>
+            <a:r>
+              <a:rPr b="0" lang="en-IN" sz="4400" spc="-1" strike="noStrike">
+                <a:latin typeface="Arial"/>
+              </a:rPr>
+              <a:t>edit the </a:t>
+            </a:r>
+            <a:r>
+              <a:rPr b="0" lang="en-IN" sz="4400" spc="-1" strike="noStrike">
+                <a:latin typeface="Arial"/>
+              </a:rPr>
+              <a:t>title text </a:t>
+            </a:r>
+            <a:r>
+              <a:rPr b="0" lang="en-IN" sz="4400" spc="-1" strike="noStrike">
                 <a:latin typeface="Arial"/>
               </a:rPr>
               <a:t>format</a:t>
             </a:r>
-            <a:endParaRPr b="0" lang="en-IN" sz="1800" spc="-1" strike="noStrike">
+            <a:endParaRPr b="0" lang="en-IN" sz="4400" spc="-1" strike="noStrike">
               <a:latin typeface="Arial"/>
             </a:endParaRPr>
           </a:p>
@@ -1661,7 +1671,7 @@
         <p:spPr>
           <a:xfrm>
             <a:off x="1836000" y="1332000"/>
-            <a:ext cx="2375640" cy="791640"/>
+            <a:ext cx="2374200" cy="790200"/>
           </a:xfrm>
           <a:prstGeom prst="rect">
             <a:avLst/>
@@ -1716,7 +1726,7 @@
         <p:spPr>
           <a:xfrm>
             <a:off x="1836000" y="2880000"/>
-            <a:ext cx="2375640" cy="791640"/>
+            <a:ext cx="2374200" cy="790200"/>
           </a:xfrm>
           <a:prstGeom prst="rect">
             <a:avLst/>
@@ -1781,7 +1791,7 @@
         <p:spPr>
           <a:xfrm>
             <a:off x="1836000" y="4176000"/>
-            <a:ext cx="2375640" cy="791640"/>
+            <a:ext cx="2374200" cy="790200"/>
           </a:xfrm>
           <a:prstGeom prst="rect">
             <a:avLst/>
@@ -1856,7 +1866,7 @@
         <p:spPr>
           <a:xfrm>
             <a:off x="5292000" y="900000"/>
-            <a:ext cx="2375640" cy="1511640"/>
+            <a:ext cx="2374200" cy="1510200"/>
           </a:xfrm>
           <a:prstGeom prst="rect">
             <a:avLst/>
@@ -1991,7 +2001,7 @@
         <p:spPr>
           <a:xfrm>
             <a:off x="5292000" y="2571480"/>
-            <a:ext cx="2375640" cy="1280160"/>
+            <a:ext cx="2374200" cy="1278720"/>
           </a:xfrm>
           <a:prstGeom prst="rect">
             <a:avLst/>
@@ -2106,7 +2116,7 @@
         <p:spPr>
           <a:xfrm>
             <a:off x="5292000" y="4047480"/>
-            <a:ext cx="2375640" cy="1028160"/>
+            <a:ext cx="2374200" cy="1026720"/>
           </a:xfrm>
           <a:prstGeom prst="rect">
             <a:avLst/>
@@ -2285,7 +2295,7 @@
         <p:spPr>
           <a:xfrm>
             <a:off x="2988000" y="360000"/>
-            <a:ext cx="4391640" cy="345960"/>
+            <a:ext cx="4390200" cy="344520"/>
           </a:xfrm>
           <a:prstGeom prst="rect">
             <a:avLst/>
@@ -2313,7 +2323,11 @@
             </a:pPr>
             <a:r>
               <a:rPr b="0" lang="en-IN" sz="1800" spc="-1" strike="noStrike">
-                <a:latin typeface="Arial"/>
+                <a:solidFill>
+                  <a:srgbClr val="000000"/>
+                </a:solidFill>
+                <a:latin typeface="Arial"/>
+                <a:ea typeface="DejaVu Sans"/>
               </a:rPr>
               <a:t>Requirements ---&gt; Audience</a:t>
             </a:r>
@@ -2362,7 +2376,7 @@
         <p:spPr>
           <a:xfrm>
             <a:off x="1908000" y="936000"/>
-            <a:ext cx="1440000" cy="792000"/>
+            <a:ext cx="1438560" cy="790560"/>
           </a:xfrm>
           <a:prstGeom prst="rect">
             <a:avLst/>
@@ -2387,10 +2401,18 @@
             <a:noAutofit/>
           </a:bodyPr>
           <a:p>
-            <a:pPr algn="ctr"/>
-            <a:r>
-              <a:rPr b="0" lang="en-IN" sz="1800" spc="-1" strike="noStrike">
-                <a:latin typeface="Arial"/>
+            <a:pPr algn="ctr">
+              <a:lnSpc>
+                <a:spcPct val="100000"/>
+              </a:lnSpc>
+            </a:pPr>
+            <a:r>
+              <a:rPr b="0" lang="en-IN" sz="1800" spc="-1" strike="noStrike">
+                <a:solidFill>
+                  <a:srgbClr val="000000"/>
+                </a:solidFill>
+                <a:latin typeface="Arial"/>
+                <a:ea typeface="DejaVu Sans"/>
               </a:rPr>
               <a:t>BOOKS</a:t>
             </a:r>
@@ -2409,7 +2431,7 @@
         <p:spPr>
           <a:xfrm>
             <a:off x="6084000" y="936000"/>
-            <a:ext cx="1440000" cy="792000"/>
+            <a:ext cx="1438560" cy="790560"/>
           </a:xfrm>
           <a:prstGeom prst="rect">
             <a:avLst/>
@@ -2434,10 +2456,18 @@
             <a:noAutofit/>
           </a:bodyPr>
           <a:p>
-            <a:pPr algn="ctr"/>
-            <a:r>
-              <a:rPr b="0" lang="en-IN" sz="1800" spc="-1" strike="noStrike">
-                <a:latin typeface="Arial"/>
+            <a:pPr algn="ctr">
+              <a:lnSpc>
+                <a:spcPct val="100000"/>
+              </a:lnSpc>
+            </a:pPr>
+            <a:r>
+              <a:rPr b="0" lang="en-IN" sz="1800" spc="-1" strike="noStrike">
+                <a:solidFill>
+                  <a:srgbClr val="000000"/>
+                </a:solidFill>
+                <a:latin typeface="Arial"/>
+                <a:ea typeface="DejaVu Sans"/>
               </a:rPr>
               <a:t>USERS</a:t>
             </a:r>
@@ -2456,7 +2486,7 @@
         <p:spPr>
           <a:xfrm>
             <a:off x="1908000" y="4068000"/>
-            <a:ext cx="1440000" cy="792000"/>
+            <a:ext cx="1438560" cy="790560"/>
           </a:xfrm>
           <a:prstGeom prst="rect">
             <a:avLst/>
@@ -2481,10 +2511,18 @@
             <a:noAutofit/>
           </a:bodyPr>
           <a:p>
-            <a:pPr algn="ctr"/>
-            <a:r>
-              <a:rPr b="0" lang="en-IN" sz="1800" spc="-1" strike="noStrike">
-                <a:latin typeface="Arial"/>
+            <a:pPr algn="ctr">
+              <a:lnSpc>
+                <a:spcPct val="100000"/>
+              </a:lnSpc>
+            </a:pPr>
+            <a:r>
+              <a:rPr b="0" lang="en-IN" sz="1800" spc="-1" strike="noStrike">
+                <a:solidFill>
+                  <a:srgbClr val="000000"/>
+                </a:solidFill>
+                <a:latin typeface="Arial"/>
+                <a:ea typeface="DejaVu Sans"/>
               </a:rPr>
               <a:t>SUPPLIERS</a:t>
             </a:r>
@@ -2503,7 +2541,7 @@
         <p:spPr>
           <a:xfrm>
             <a:off x="4032000" y="648000"/>
-            <a:ext cx="1440000" cy="1368000"/>
+            <a:ext cx="1438560" cy="1366560"/>
           </a:xfrm>
           <a:custGeom>
             <a:avLst/>
@@ -2551,10 +2589,18 @@
             <a:noAutofit/>
           </a:bodyPr>
           <a:p>
-            <a:pPr algn="ctr"/>
-            <a:r>
-              <a:rPr b="0" lang="en-IN" sz="1800" spc="-1" strike="noStrike">
-                <a:latin typeface="Arial"/>
+            <a:pPr algn="ctr">
+              <a:lnSpc>
+                <a:spcPct val="100000"/>
+              </a:lnSpc>
+            </a:pPr>
+            <a:r>
+              <a:rPr b="0" lang="en-IN" sz="1800" spc="-1" strike="noStrike">
+                <a:solidFill>
+                  <a:srgbClr val="000000"/>
+                </a:solidFill>
+                <a:latin typeface="Arial"/>
+                <a:ea typeface="DejaVu Sans"/>
               </a:rPr>
               <a:t>Borrowed</a:t>
             </a:r>
@@ -2563,10 +2609,18 @@
             </a:endParaRPr>
           </a:p>
           <a:p>
-            <a:pPr algn="ctr"/>
-            <a:r>
-              <a:rPr b="0" lang="en-IN" sz="1800" spc="-1" strike="noStrike">
-                <a:latin typeface="Arial"/>
+            <a:pPr algn="ctr">
+              <a:lnSpc>
+                <a:spcPct val="100000"/>
+              </a:lnSpc>
+            </a:pPr>
+            <a:r>
+              <a:rPr b="0" lang="en-IN" sz="1800" spc="-1" strike="noStrike">
+                <a:solidFill>
+                  <a:srgbClr val="000000"/>
+                </a:solidFill>
+                <a:latin typeface="Arial"/>
+                <a:ea typeface="DejaVu Sans"/>
               </a:rPr>
               <a:t>By</a:t>
             </a:r>
@@ -2585,7 +2639,7 @@
         <p:spPr>
           <a:xfrm>
             <a:off x="1872000" y="2232360"/>
-            <a:ext cx="1440000" cy="1368000"/>
+            <a:ext cx="1438560" cy="1366560"/>
           </a:xfrm>
           <a:custGeom>
             <a:avLst/>
@@ -2633,10 +2687,18 @@
             <a:noAutofit/>
           </a:bodyPr>
           <a:p>
-            <a:pPr algn="ctr"/>
-            <a:r>
-              <a:rPr b="0" lang="en-IN" sz="1800" spc="-1" strike="noStrike">
-                <a:latin typeface="Arial"/>
+            <a:pPr algn="ctr">
+              <a:lnSpc>
+                <a:spcPct val="100000"/>
+              </a:lnSpc>
+            </a:pPr>
+            <a:r>
+              <a:rPr b="0" lang="en-IN" sz="1800" spc="-1" strike="noStrike">
+                <a:solidFill>
+                  <a:srgbClr val="000000"/>
+                </a:solidFill>
+                <a:latin typeface="Arial"/>
+                <a:ea typeface="DejaVu Sans"/>
               </a:rPr>
               <a:t>Supplied</a:t>
             </a:r>
@@ -2645,10 +2707,18 @@
             </a:endParaRPr>
           </a:p>
           <a:p>
-            <a:pPr algn="ctr"/>
-            <a:r>
-              <a:rPr b="0" lang="en-IN" sz="1800" spc="-1" strike="noStrike">
-                <a:latin typeface="Arial"/>
+            <a:pPr algn="ctr">
+              <a:lnSpc>
+                <a:spcPct val="100000"/>
+              </a:lnSpc>
+            </a:pPr>
+            <a:r>
+              <a:rPr b="0" lang="en-IN" sz="1800" spc="-1" strike="noStrike">
+                <a:solidFill>
+                  <a:srgbClr val="000000"/>
+                </a:solidFill>
+                <a:latin typeface="Arial"/>
+                <a:ea typeface="DejaVu Sans"/>
               </a:rPr>
               <a:t>By</a:t>
             </a:r>
@@ -2775,7 +2845,7 @@
         <p:spPr>
           <a:xfrm>
             <a:off x="5184000" y="2340000"/>
-            <a:ext cx="2016000" cy="576000"/>
+            <a:ext cx="2014560" cy="574560"/>
           </a:xfrm>
           <a:prstGeom prst="ellipse">
             <a:avLst/>
@@ -2800,10 +2870,18 @@
             <a:noAutofit/>
           </a:bodyPr>
           <a:p>
-            <a:pPr algn="ctr"/>
-            <a:r>
-              <a:rPr b="0" lang="en-IN" sz="1800" spc="-1" strike="noStrike">
-                <a:latin typeface="Arial"/>
+            <a:pPr algn="ctr">
+              <a:lnSpc>
+                <a:spcPct val="100000"/>
+              </a:lnSpc>
+            </a:pPr>
+            <a:r>
+              <a:rPr b="0" lang="en-IN" sz="1800" spc="-1" strike="noStrike">
+                <a:solidFill>
+                  <a:srgbClr val="000000"/>
+                </a:solidFill>
+                <a:latin typeface="Arial"/>
+                <a:ea typeface="DejaVu Sans"/>
               </a:rPr>
               <a:t>Date of Issue</a:t>
             </a:r>
@@ -2822,7 +2900,7 @@
         <p:spPr>
           <a:xfrm>
             <a:off x="3960360" y="3240360"/>
-            <a:ext cx="2016000" cy="576000"/>
+            <a:ext cx="2014560" cy="574560"/>
           </a:xfrm>
           <a:prstGeom prst="ellipse">
             <a:avLst/>
@@ -2847,10 +2925,18 @@
             <a:noAutofit/>
           </a:bodyPr>
           <a:p>
-            <a:pPr algn="ctr"/>
-            <a:r>
-              <a:rPr b="0" lang="en-IN" sz="1800" spc="-1" strike="noStrike">
-                <a:latin typeface="Arial"/>
+            <a:pPr algn="ctr">
+              <a:lnSpc>
+                <a:spcPct val="100000"/>
+              </a:lnSpc>
+            </a:pPr>
+            <a:r>
+              <a:rPr b="0" lang="en-IN" sz="1800" spc="-1" strike="noStrike">
+                <a:solidFill>
+                  <a:srgbClr val="000000"/>
+                </a:solidFill>
+                <a:latin typeface="Arial"/>
+                <a:ea typeface="DejaVu Sans"/>
               </a:rPr>
               <a:t>Date of Supply</a:t>
             </a:r>
@@ -2860,12 +2946,12 @@
           </a:p>
         </p:txBody>
       </p:sp>
-      <p:cxnSp>
-        <p:nvCxnSpPr>
+      <p:sp>
+        <p:nvSpPr>
           <p:cNvPr id="59" name="Line 12"/>
-          <p:cNvCxnSpPr/>
-          <p:nvPr/>
-        </p:nvCxnSpPr>
+          <p:cNvSpPr/>
+          <p:nvPr/>
+        </p:nvSpPr>
         <p:spPr>
           <a:xfrm>
             <a:off x="0" y="0"/>
@@ -2880,13 +2966,19 @@
             </a:solidFill>
           </a:ln>
         </p:spPr>
-      </p:cxnSp>
-      <p:cxnSp>
-        <p:nvCxnSpPr>
+        <p:style>
+          <a:lnRef idx="0"/>
+          <a:fillRef idx="0"/>
+          <a:effectRef idx="0"/>
+          <a:fontRef idx="minor"/>
+        </p:style>
+      </p:sp>
+      <p:sp>
+        <p:nvSpPr>
           <p:cNvPr id="60" name="Line 13"/>
-          <p:cNvCxnSpPr/>
-          <p:nvPr/>
-        </p:nvCxnSpPr>
+          <p:cNvSpPr/>
+          <p:nvPr/>
+        </p:nvSpPr>
         <p:spPr>
           <a:xfrm>
             <a:off x="0" y="0"/>
@@ -2901,7 +2993,13 @@
             </a:solidFill>
           </a:ln>
         </p:spPr>
-      </p:cxnSp>
+        <p:style>
+          <a:lnRef idx="0"/>
+          <a:fillRef idx="0"/>
+          <a:effectRef idx="0"/>
+          <a:fontRef idx="minor"/>
+        </p:style>
+      </p:sp>
     </p:spTree>
   </p:cSld>
   <mc:AlternateContent>
@@ -2941,7 +3039,7 @@
         <p:spPr>
           <a:xfrm>
             <a:off x="3060000" y="2268000"/>
-            <a:ext cx="1440000" cy="792000"/>
+            <a:ext cx="1438560" cy="790560"/>
           </a:xfrm>
           <a:prstGeom prst="rect">
             <a:avLst/>
@@ -2966,10 +3064,18 @@
             <a:noAutofit/>
           </a:bodyPr>
           <a:p>
-            <a:pPr algn="ctr"/>
-            <a:r>
-              <a:rPr b="0" lang="en-IN" sz="1800" spc="-1" strike="noStrike">
-                <a:latin typeface="Arial"/>
+            <a:pPr algn="ctr">
+              <a:lnSpc>
+                <a:spcPct val="100000"/>
+              </a:lnSpc>
+            </a:pPr>
+            <a:r>
+              <a:rPr b="0" lang="en-IN" sz="1800" spc="-1" strike="noStrike">
+                <a:solidFill>
+                  <a:srgbClr val="000000"/>
+                </a:solidFill>
+                <a:latin typeface="Arial"/>
+                <a:ea typeface="DejaVu Sans"/>
               </a:rPr>
               <a:t>STAFF</a:t>
             </a:r>
@@ -2988,7 +3094,7 @@
         <p:spPr>
           <a:xfrm>
             <a:off x="5832000" y="1980000"/>
-            <a:ext cx="1440000" cy="1368000"/>
+            <a:ext cx="1438560" cy="1366560"/>
           </a:xfrm>
           <a:custGeom>
             <a:avLst/>
@@ -3036,28 +3142,38 @@
             <a:noAutofit/>
           </a:bodyPr>
           <a:p>
-            <a:pPr algn="ctr"/>
-            <a:r>
-              <a:rPr b="0" lang="en-IN" sz="1800" spc="-1" strike="noStrike">
-                <a:latin typeface="Arial"/>
-              </a:rPr>
-              <a:t>Rep</a:t>
-            </a:r>
-            <a:r>
-              <a:rPr b="0" lang="en-IN" sz="1800" spc="-1" strike="noStrike">
-                <a:latin typeface="Arial"/>
-              </a:rPr>
-              <a:t>ort</a:t>
+            <a:pPr algn="ctr">
+              <a:lnSpc>
+                <a:spcPct val="100000"/>
+              </a:lnSpc>
+            </a:pPr>
+            <a:r>
+              <a:rPr b="0" lang="en-IN" sz="1800" spc="-1" strike="noStrike">
+                <a:solidFill>
+                  <a:srgbClr val="000000"/>
+                </a:solidFill>
+                <a:latin typeface="Arial"/>
+                <a:ea typeface="DejaVu Sans"/>
+              </a:rPr>
+              <a:t>Report</a:t>
             </a:r>
             <a:endParaRPr b="0" lang="en-IN" sz="1800" spc="-1" strike="noStrike">
               <a:latin typeface="Arial"/>
             </a:endParaRPr>
           </a:p>
           <a:p>
-            <a:pPr algn="ctr"/>
-            <a:r>
-              <a:rPr b="0" lang="en-IN" sz="1800" spc="-1" strike="noStrike">
-                <a:latin typeface="Arial"/>
+            <a:pPr algn="ctr">
+              <a:lnSpc>
+                <a:spcPct val="100000"/>
+              </a:lnSpc>
+            </a:pPr>
+            <a:r>
+              <a:rPr b="0" lang="en-IN" sz="1800" spc="-1" strike="noStrike">
+                <a:solidFill>
+                  <a:srgbClr val="000000"/>
+                </a:solidFill>
+                <a:latin typeface="Arial"/>
+                <a:ea typeface="DejaVu Sans"/>
               </a:rPr>
               <a:t>To</a:t>
             </a:r>
@@ -3094,12 +3210,12 @@
           <a:fontRef idx="minor"/>
         </p:style>
       </p:sp>
-      <p:cxnSp>
-        <p:nvCxnSpPr>
+      <p:sp>
+        <p:nvSpPr>
           <p:cNvPr id="64" name="Line 4"/>
-          <p:cNvCxnSpPr/>
-          <p:nvPr/>
-        </p:nvCxnSpPr>
+          <p:cNvSpPr/>
+          <p:nvPr/>
+        </p:nvSpPr>
         <p:spPr>
           <a:xfrm>
             <a:off x="0" y="0"/>
@@ -3114,7 +3230,13 @@
             </a:solidFill>
           </a:ln>
         </p:spPr>
-      </p:cxnSp>
+        <p:style>
+          <a:lnRef idx="0"/>
+          <a:fillRef idx="0"/>
+          <a:effectRef idx="0"/>
+          <a:fontRef idx="minor"/>
+        </p:style>
+      </p:sp>
       <p:sp>
         <p:nvSpPr>
           <p:cNvPr id="65" name="CustomShape 5"/>
@@ -3124,7 +3246,7 @@
         <p:spPr>
           <a:xfrm>
             <a:off x="2376000" y="1044000"/>
-            <a:ext cx="1152000" cy="684000"/>
+            <a:ext cx="1150560" cy="682560"/>
           </a:xfrm>
           <a:prstGeom prst="ellipse">
             <a:avLst/>
@@ -3149,10 +3271,18 @@
             <a:noAutofit/>
           </a:bodyPr>
           <a:p>
-            <a:pPr algn="ctr"/>
-            <a:r>
-              <a:rPr b="0" lang="en-IN" sz="1800" spc="-1" strike="noStrike">
-                <a:latin typeface="Arial"/>
+            <a:pPr algn="ctr">
+              <a:lnSpc>
+                <a:spcPct val="100000"/>
+              </a:lnSpc>
+            </a:pPr>
+            <a:r>
+              <a:rPr b="0" lang="en-IN" sz="1800" spc="-1" strike="noStrike">
+                <a:solidFill>
+                  <a:srgbClr val="000000"/>
+                </a:solidFill>
+                <a:latin typeface="Arial"/>
+                <a:ea typeface="DejaVu Sans"/>
               </a:rPr>
               <a:t>E_CODE</a:t>
             </a:r>
@@ -3171,7 +3301,7 @@
         <p:spPr>
           <a:xfrm>
             <a:off x="3780360" y="1044360"/>
-            <a:ext cx="1152000" cy="684000"/>
+            <a:ext cx="1150560" cy="682560"/>
           </a:xfrm>
           <a:prstGeom prst="ellipse">
             <a:avLst/>
@@ -3196,10 +3326,18 @@
             <a:noAutofit/>
           </a:bodyPr>
           <a:p>
-            <a:pPr algn="ctr"/>
-            <a:r>
-              <a:rPr b="0" lang="en-IN" sz="1800" spc="-1" strike="noStrike">
-                <a:latin typeface="Arial"/>
+            <a:pPr algn="ctr">
+              <a:lnSpc>
+                <a:spcPct val="100000"/>
+              </a:lnSpc>
+            </a:pPr>
+            <a:r>
+              <a:rPr b="0" lang="en-IN" sz="1800" spc="-1" strike="noStrike">
+                <a:solidFill>
+                  <a:srgbClr val="000000"/>
+                </a:solidFill>
+                <a:latin typeface="Arial"/>
+                <a:ea typeface="DejaVu Sans"/>
               </a:rPr>
               <a:t>NAME</a:t>
             </a:r>
@@ -3218,7 +3356,7 @@
         <p:spPr>
           <a:xfrm>
             <a:off x="2376360" y="1044360"/>
-            <a:ext cx="1152000" cy="684000"/>
+            <a:ext cx="1150560" cy="682560"/>
           </a:xfrm>
           <a:prstGeom prst="ellipse">
             <a:avLst/>
@@ -3243,10 +3381,18 @@
             <a:noAutofit/>
           </a:bodyPr>
           <a:p>
-            <a:pPr algn="ctr"/>
-            <a:r>
-              <a:rPr b="0" lang="en-IN" sz="1800" spc="-1" strike="noStrike">
-                <a:latin typeface="Arial"/>
+            <a:pPr algn="ctr">
+              <a:lnSpc>
+                <a:spcPct val="100000"/>
+              </a:lnSpc>
+            </a:pPr>
+            <a:r>
+              <a:rPr b="0" lang="en-IN" sz="1800" spc="-1" strike="noStrike">
+                <a:solidFill>
+                  <a:srgbClr val="000000"/>
+                </a:solidFill>
+                <a:latin typeface="Arial"/>
+                <a:ea typeface="DejaVu Sans"/>
               </a:rPr>
               <a:t>E_CODE</a:t>
             </a:r>
@@ -3265,7 +3411,7 @@
         <p:spPr>
           <a:xfrm>
             <a:off x="1512720" y="2160720"/>
-            <a:ext cx="1152000" cy="684000"/>
+            <a:ext cx="1150560" cy="682560"/>
           </a:xfrm>
           <a:prstGeom prst="ellipse">
             <a:avLst/>
@@ -3290,10 +3436,18 @@
             <a:noAutofit/>
           </a:bodyPr>
           <a:p>
-            <a:pPr algn="ctr"/>
-            <a:r>
-              <a:rPr b="0" lang="en-IN" sz="1800" spc="-1" strike="noStrike">
-                <a:latin typeface="Arial"/>
+            <a:pPr algn="ctr">
+              <a:lnSpc>
+                <a:spcPct val="100000"/>
+              </a:lnSpc>
+            </a:pPr>
+            <a:r>
+              <a:rPr b="0" lang="en-IN" sz="1800" spc="-1" strike="noStrike">
+                <a:solidFill>
+                  <a:srgbClr val="000000"/>
+                </a:solidFill>
+                <a:latin typeface="Arial"/>
+                <a:ea typeface="DejaVu Sans"/>
               </a:rPr>
               <a:t>DEPT</a:t>
             </a:r>
@@ -3386,14 +3540,14 @@
       </p:sp>
       <p:sp>
         <p:nvSpPr>
-          <p:cNvPr id="72" name="TextShape 12"/>
-          <p:cNvSpPr txBox="1"/>
+          <p:cNvPr id="72" name="CustomShape 12"/>
+          <p:cNvSpPr/>
           <p:nvPr/>
         </p:nvSpPr>
         <p:spPr>
           <a:xfrm>
             <a:off x="4500000" y="2376000"/>
-            <a:ext cx="1404000" cy="602280"/>
+            <a:ext cx="1402560" cy="600840"/>
           </a:xfrm>
           <a:prstGeom prst="rect">
             <a:avLst/>
@@ -3403,22 +3557,31 @@
             <a:noFill/>
           </a:ln>
         </p:spPr>
+        <p:style>
+          <a:lnRef idx="0"/>
+          <a:fillRef idx="0"/>
+          <a:effectRef idx="0"/>
+          <a:fontRef idx="minor"/>
+        </p:style>
         <p:txBody>
           <a:bodyPr lIns="90000" rIns="90000" tIns="45000" bIns="45000">
             <a:noAutofit/>
           </a:bodyPr>
           <a:p>
-            <a:r>
-              <a:rPr b="0" lang="en-IN" sz="1800" spc="-1" strike="noStrike">
-                <a:latin typeface="Arial"/>
-              </a:rPr>
-              <a:t>MANAG</a:t>
-            </a:r>
-            <a:r>
-              <a:rPr b="0" lang="en-IN" sz="1800" spc="-1" strike="noStrike">
-                <a:latin typeface="Arial"/>
-              </a:rPr>
-              <a:t>ER</a:t>
+            <a:pPr>
+              <a:lnSpc>
+                <a:spcPct val="100000"/>
+              </a:lnSpc>
+            </a:pPr>
+            <a:r>
+              <a:rPr b="0" lang="en-IN" sz="1800" spc="-1" strike="noStrike">
+                <a:solidFill>
+                  <a:srgbClr val="000000"/>
+                </a:solidFill>
+                <a:latin typeface="Arial"/>
+                <a:ea typeface="DejaVu Sans"/>
+              </a:rPr>
+              <a:t>MANAGER</a:t>
             </a:r>
             <a:endParaRPr b="0" lang="en-IN" sz="1800" spc="-1" strike="noStrike">
               <a:latin typeface="Arial"/>
@@ -3428,14 +3591,14 @@
       </p:sp>
       <p:sp>
         <p:nvSpPr>
-          <p:cNvPr id="73" name="TextShape 13"/>
-          <p:cNvSpPr txBox="1"/>
+          <p:cNvPr id="73" name="CustomShape 13"/>
+          <p:cNvSpPr/>
           <p:nvPr/>
         </p:nvSpPr>
         <p:spPr>
           <a:xfrm>
             <a:off x="4320000" y="3204360"/>
-            <a:ext cx="1404000" cy="602280"/>
+            <a:ext cx="1402560" cy="600840"/>
           </a:xfrm>
           <a:prstGeom prst="rect">
             <a:avLst/>
@@ -3445,34 +3608,3604 @@
             <a:noFill/>
           </a:ln>
         </p:spPr>
+        <p:style>
+          <a:lnRef idx="0"/>
+          <a:fillRef idx="0"/>
+          <a:effectRef idx="0"/>
+          <a:fontRef idx="minor"/>
+        </p:style>
         <p:txBody>
           <a:bodyPr lIns="90000" rIns="90000" tIns="45000" bIns="45000">
             <a:noAutofit/>
           </a:bodyPr>
           <a:p>
-            <a:r>
-              <a:rPr b="0" lang="en-IN" sz="1800" spc="-1" strike="noStrike">
-                <a:latin typeface="Arial"/>
-              </a:rPr>
-              <a:t>WO</a:t>
-            </a:r>
-            <a:r>
-              <a:rPr b="0" lang="en-IN" sz="1800" spc="-1" strike="noStrike">
-                <a:latin typeface="Arial"/>
-              </a:rPr>
-              <a:t>RKE</a:t>
-            </a:r>
-            <a:r>
-              <a:rPr b="0" lang="en-IN" sz="1800" spc="-1" strike="noStrike">
-                <a:latin typeface="Arial"/>
+            <a:pPr>
+              <a:lnSpc>
+                <a:spcPct val="100000"/>
+              </a:lnSpc>
+            </a:pPr>
+            <a:r>
+              <a:rPr b="0" lang="en-IN" sz="1800" spc="-1" strike="noStrike">
+                <a:solidFill>
+                  <a:srgbClr val="000000"/>
+                </a:solidFill>
+                <a:latin typeface="Arial"/>
+                <a:ea typeface="DejaVu Sans"/>
+              </a:rPr>
+              <a:t>WORKER</a:t>
+            </a:r>
+            <a:endParaRPr b="0" lang="en-IN" sz="1800" spc="-1" strike="noStrike">
+              <a:latin typeface="Arial"/>
+            </a:endParaRPr>
+          </a:p>
+        </p:txBody>
+      </p:sp>
+    </p:spTree>
+  </p:cSld>
+  <mc:AlternateContent>
+    <mc:Choice Requires="p14">
+      <p:transition spd="slow" p14:dur="2000"/>
+    </mc:Choice>
+    <mc:Fallback>
+      <p:transition spd="slow"/>
+    </mc:Fallback>
+  </mc:AlternateContent>
+</p:sld>
+</file>
+
+<file path=ppt/slides/slide4.xml><?xml version="1.0" encoding="utf-8"?>
+<p:sld xmlns:a="http://schemas.openxmlformats.org/drawingml/2006/main" xmlns:p="http://schemas.openxmlformats.org/presentationml/2006/main" xmlns:r="http://schemas.openxmlformats.org/officeDocument/2006/relationships" xmlns:p14="http://schemas.microsoft.com/office/powerpoint/2010/main" xmlns:p15="http://schemas.microsoft.com/office/powerpoint/2012/main" xmlns:mc="http://schemas.openxmlformats.org/markup-compatibility/2006">
+  <p:cSld>
+    <p:spTree>
+      <p:nvGrpSpPr>
+        <p:cNvPr id="1" name=""/>
+        <p:cNvGrpSpPr/>
+        <p:nvPr/>
+      </p:nvGrpSpPr>
+      <p:grpSpPr>
+        <a:xfrm>
+          <a:off x="0" y="0"/>
+          <a:ext cx="0" cy="0"/>
+          <a:chOff x="0" y="0"/>
+          <a:chExt cx="0" cy="0"/>
+        </a:xfrm>
+      </p:grpSpPr>
+      <p:sp>
+        <p:nvSpPr>
+          <p:cNvPr id="74" name="CustomShape 1"/>
+          <p:cNvSpPr/>
+          <p:nvPr/>
+        </p:nvSpPr>
+        <p:spPr>
+          <a:xfrm>
+            <a:off x="504000" y="576000"/>
+            <a:ext cx="430920" cy="1654920"/>
+          </a:xfrm>
+          <a:prstGeom prst="ellipse">
+            <a:avLst/>
+          </a:prstGeom>
+          <a:solidFill>
+            <a:srgbClr val="729fcf"/>
+          </a:solidFill>
+          <a:ln>
+            <a:solidFill>
+              <a:srgbClr val="3465a4"/>
+            </a:solidFill>
+          </a:ln>
+        </p:spPr>
+        <p:style>
+          <a:lnRef idx="0"/>
+          <a:fillRef idx="0"/>
+          <a:effectRef idx="0"/>
+          <a:fontRef idx="minor"/>
+        </p:style>
+      </p:sp>
+      <p:sp>
+        <p:nvSpPr>
+          <p:cNvPr id="75" name="CustomShape 2"/>
+          <p:cNvSpPr/>
+          <p:nvPr/>
+        </p:nvSpPr>
+        <p:spPr>
+          <a:xfrm>
+            <a:off x="1440360" y="576360"/>
+            <a:ext cx="430920" cy="1654920"/>
+          </a:xfrm>
+          <a:prstGeom prst="ellipse">
+            <a:avLst/>
+          </a:prstGeom>
+          <a:solidFill>
+            <a:srgbClr val="729fcf"/>
+          </a:solidFill>
+          <a:ln>
+            <a:solidFill>
+              <a:srgbClr val="3465a4"/>
+            </a:solidFill>
+          </a:ln>
+        </p:spPr>
+        <p:style>
+          <a:lnRef idx="0"/>
+          <a:fillRef idx="0"/>
+          <a:effectRef idx="0"/>
+          <a:fontRef idx="minor"/>
+        </p:style>
+      </p:sp>
+      <p:sp>
+        <p:nvSpPr>
+          <p:cNvPr id="76" name="CustomShape 3"/>
+          <p:cNvSpPr/>
+          <p:nvPr/>
+        </p:nvSpPr>
+        <p:spPr>
+          <a:xfrm>
+            <a:off x="3204720" y="612720"/>
+            <a:ext cx="430920" cy="1654920"/>
+          </a:xfrm>
+          <a:prstGeom prst="ellipse">
+            <a:avLst/>
+          </a:prstGeom>
+          <a:solidFill>
+            <a:srgbClr val="729fcf"/>
+          </a:solidFill>
+          <a:ln>
+            <a:solidFill>
+              <a:srgbClr val="3465a4"/>
+            </a:solidFill>
+          </a:ln>
+        </p:spPr>
+        <p:style>
+          <a:lnRef idx="0"/>
+          <a:fillRef idx="0"/>
+          <a:effectRef idx="0"/>
+          <a:fontRef idx="minor"/>
+        </p:style>
+      </p:sp>
+      <p:sp>
+        <p:nvSpPr>
+          <p:cNvPr id="77" name="CustomShape 4"/>
+          <p:cNvSpPr/>
+          <p:nvPr/>
+        </p:nvSpPr>
+        <p:spPr>
+          <a:xfrm>
+            <a:off x="4068720" y="576720"/>
+            <a:ext cx="430920" cy="1654920"/>
+          </a:xfrm>
+          <a:prstGeom prst="ellipse">
+            <a:avLst/>
+          </a:prstGeom>
+          <a:solidFill>
+            <a:srgbClr val="729fcf"/>
+          </a:solidFill>
+          <a:ln>
+            <a:solidFill>
+              <a:srgbClr val="3465a4"/>
+            </a:solidFill>
+          </a:ln>
+        </p:spPr>
+        <p:style>
+          <a:lnRef idx="0"/>
+          <a:fillRef idx="0"/>
+          <a:effectRef idx="0"/>
+          <a:fontRef idx="minor"/>
+        </p:style>
+      </p:sp>
+      <p:sp>
+        <p:nvSpPr>
+          <p:cNvPr id="78" name="CustomShape 5"/>
+          <p:cNvSpPr/>
+          <p:nvPr/>
+        </p:nvSpPr>
+        <p:spPr>
+          <a:xfrm>
+            <a:off x="504720" y="3204720"/>
+            <a:ext cx="430920" cy="1654920"/>
+          </a:xfrm>
+          <a:prstGeom prst="ellipse">
+            <a:avLst/>
+          </a:prstGeom>
+          <a:solidFill>
+            <a:srgbClr val="729fcf"/>
+          </a:solidFill>
+          <a:ln>
+            <a:solidFill>
+              <a:srgbClr val="3465a4"/>
+            </a:solidFill>
+          </a:ln>
+        </p:spPr>
+        <p:style>
+          <a:lnRef idx="0"/>
+          <a:fillRef idx="0"/>
+          <a:effectRef idx="0"/>
+          <a:fontRef idx="minor"/>
+        </p:style>
+      </p:sp>
+      <p:sp>
+        <p:nvSpPr>
+          <p:cNvPr id="79" name="CustomShape 6"/>
+          <p:cNvSpPr/>
+          <p:nvPr/>
+        </p:nvSpPr>
+        <p:spPr>
+          <a:xfrm>
+            <a:off x="1440720" y="3168720"/>
+            <a:ext cx="430920" cy="1654920"/>
+          </a:xfrm>
+          <a:prstGeom prst="ellipse">
+            <a:avLst/>
+          </a:prstGeom>
+          <a:solidFill>
+            <a:srgbClr val="729fcf"/>
+          </a:solidFill>
+          <a:ln>
+            <a:solidFill>
+              <a:srgbClr val="3465a4"/>
+            </a:solidFill>
+          </a:ln>
+        </p:spPr>
+        <p:style>
+          <a:lnRef idx="0"/>
+          <a:fillRef idx="0"/>
+          <a:effectRef idx="0"/>
+          <a:fontRef idx="minor"/>
+        </p:style>
+      </p:sp>
+      <p:sp>
+        <p:nvSpPr>
+          <p:cNvPr id="80" name="CustomShape 7"/>
+          <p:cNvSpPr/>
+          <p:nvPr/>
+        </p:nvSpPr>
+        <p:spPr>
+          <a:xfrm>
+            <a:off x="3240720" y="3168720"/>
+            <a:ext cx="430920" cy="1654920"/>
+          </a:xfrm>
+          <a:prstGeom prst="ellipse">
+            <a:avLst/>
+          </a:prstGeom>
+          <a:solidFill>
+            <a:srgbClr val="729fcf"/>
+          </a:solidFill>
+          <a:ln>
+            <a:solidFill>
+              <a:srgbClr val="3465a4"/>
+            </a:solidFill>
+          </a:ln>
+        </p:spPr>
+        <p:style>
+          <a:lnRef idx="0"/>
+          <a:fillRef idx="0"/>
+          <a:effectRef idx="0"/>
+          <a:fontRef idx="minor"/>
+        </p:style>
+      </p:sp>
+      <p:sp>
+        <p:nvSpPr>
+          <p:cNvPr id="81" name="CustomShape 8"/>
+          <p:cNvSpPr/>
+          <p:nvPr/>
+        </p:nvSpPr>
+        <p:spPr>
+          <a:xfrm>
+            <a:off x="4068720" y="3168720"/>
+            <a:ext cx="430920" cy="1654920"/>
+          </a:xfrm>
+          <a:prstGeom prst="ellipse">
+            <a:avLst/>
+          </a:prstGeom>
+          <a:solidFill>
+            <a:srgbClr val="729fcf"/>
+          </a:solidFill>
+          <a:ln>
+            <a:solidFill>
+              <a:srgbClr val="3465a4"/>
+            </a:solidFill>
+          </a:ln>
+        </p:spPr>
+        <p:style>
+          <a:lnRef idx="0"/>
+          <a:fillRef idx="0"/>
+          <a:effectRef idx="0"/>
+          <a:fontRef idx="minor"/>
+        </p:style>
+      </p:sp>
+      <p:sp>
+        <p:nvSpPr>
+          <p:cNvPr id="82" name="CustomShape 9"/>
+          <p:cNvSpPr/>
+          <p:nvPr/>
+        </p:nvSpPr>
+        <p:spPr>
+          <a:xfrm>
+            <a:off x="540000" y="936000"/>
+            <a:ext cx="502920" cy="345240"/>
+          </a:xfrm>
+          <a:prstGeom prst="rect">
+            <a:avLst/>
+          </a:prstGeom>
+          <a:noFill/>
+          <a:ln>
+            <a:noFill/>
+          </a:ln>
+        </p:spPr>
+        <p:style>
+          <a:lnRef idx="0"/>
+          <a:fillRef idx="0"/>
+          <a:effectRef idx="0"/>
+          <a:fontRef idx="minor"/>
+        </p:style>
+        <p:txBody>
+          <a:bodyPr lIns="90000" rIns="90000" tIns="45000" bIns="45000">
+            <a:noAutofit/>
+          </a:bodyPr>
+          <a:p>
+            <a:pPr>
+              <a:lnSpc>
+                <a:spcPct val="100000"/>
+              </a:lnSpc>
+            </a:pPr>
+            <a:r>
+              <a:rPr b="0" lang="en-IN" sz="1800" spc="-1" strike="noStrike">
+                <a:solidFill>
+                  <a:srgbClr val="000000"/>
+                </a:solidFill>
+                <a:latin typeface="Arial"/>
+                <a:ea typeface="DejaVu Sans"/>
+              </a:rPr>
+              <a:t>X</a:t>
+            </a:r>
+            <a:endParaRPr b="0" lang="en-IN" sz="1800" spc="-1" strike="noStrike">
+              <a:latin typeface="Arial"/>
+            </a:endParaRPr>
+          </a:p>
+        </p:txBody>
+      </p:sp>
+      <p:sp>
+        <p:nvSpPr>
+          <p:cNvPr id="83" name="CustomShape 10"/>
+          <p:cNvSpPr/>
+          <p:nvPr/>
+        </p:nvSpPr>
+        <p:spPr>
+          <a:xfrm>
+            <a:off x="540000" y="1512000"/>
+            <a:ext cx="502920" cy="345240"/>
+          </a:xfrm>
+          <a:prstGeom prst="rect">
+            <a:avLst/>
+          </a:prstGeom>
+          <a:noFill/>
+          <a:ln>
+            <a:noFill/>
+          </a:ln>
+        </p:spPr>
+        <p:style>
+          <a:lnRef idx="0"/>
+          <a:fillRef idx="0"/>
+          <a:effectRef idx="0"/>
+          <a:fontRef idx="minor"/>
+        </p:style>
+        <p:txBody>
+          <a:bodyPr lIns="90000" rIns="90000" tIns="45000" bIns="45000">
+            <a:noAutofit/>
+          </a:bodyPr>
+          <a:p>
+            <a:pPr>
+              <a:lnSpc>
+                <a:spcPct val="100000"/>
+              </a:lnSpc>
+            </a:pPr>
+            <a:r>
+              <a:rPr b="0" lang="en-IN" sz="1800" spc="-1" strike="noStrike">
+                <a:solidFill>
+                  <a:srgbClr val="000000"/>
+                </a:solidFill>
+                <a:latin typeface="Arial"/>
+                <a:ea typeface="DejaVu Sans"/>
+              </a:rPr>
+              <a:t>X</a:t>
+            </a:r>
+            <a:endParaRPr b="0" lang="en-IN" sz="1800" spc="-1" strike="noStrike">
+              <a:latin typeface="Arial"/>
+            </a:endParaRPr>
+          </a:p>
+        </p:txBody>
+      </p:sp>
+      <p:sp>
+        <p:nvSpPr>
+          <p:cNvPr id="84" name="CustomShape 11"/>
+          <p:cNvSpPr/>
+          <p:nvPr/>
+        </p:nvSpPr>
+        <p:spPr>
+          <a:xfrm>
+            <a:off x="1512000" y="1512000"/>
+            <a:ext cx="502920" cy="345240"/>
+          </a:xfrm>
+          <a:prstGeom prst="rect">
+            <a:avLst/>
+          </a:prstGeom>
+          <a:noFill/>
+          <a:ln>
+            <a:noFill/>
+          </a:ln>
+        </p:spPr>
+        <p:style>
+          <a:lnRef idx="0"/>
+          <a:fillRef idx="0"/>
+          <a:effectRef idx="0"/>
+          <a:fontRef idx="minor"/>
+        </p:style>
+        <p:txBody>
+          <a:bodyPr lIns="90000" rIns="90000" tIns="45000" bIns="45000">
+            <a:noAutofit/>
+          </a:bodyPr>
+          <a:p>
+            <a:pPr>
+              <a:lnSpc>
+                <a:spcPct val="100000"/>
+              </a:lnSpc>
+            </a:pPr>
+            <a:r>
+              <a:rPr b="0" lang="en-IN" sz="1800" spc="-1" strike="noStrike">
+                <a:solidFill>
+                  <a:srgbClr val="000000"/>
+                </a:solidFill>
+                <a:latin typeface="Arial"/>
+                <a:ea typeface="DejaVu Sans"/>
+              </a:rPr>
+              <a:t>X</a:t>
+            </a:r>
+            <a:endParaRPr b="0" lang="en-IN" sz="1800" spc="-1" strike="noStrike">
+              <a:latin typeface="Arial"/>
+            </a:endParaRPr>
+          </a:p>
+        </p:txBody>
+      </p:sp>
+      <p:sp>
+        <p:nvSpPr>
+          <p:cNvPr id="85" name="CustomShape 12"/>
+          <p:cNvSpPr/>
+          <p:nvPr/>
+        </p:nvSpPr>
+        <p:spPr>
+          <a:xfrm>
+            <a:off x="1512000" y="900000"/>
+            <a:ext cx="502920" cy="345240"/>
+          </a:xfrm>
+          <a:prstGeom prst="rect">
+            <a:avLst/>
+          </a:prstGeom>
+          <a:noFill/>
+          <a:ln>
+            <a:noFill/>
+          </a:ln>
+        </p:spPr>
+        <p:style>
+          <a:lnRef idx="0"/>
+          <a:fillRef idx="0"/>
+          <a:effectRef idx="0"/>
+          <a:fontRef idx="minor"/>
+        </p:style>
+        <p:txBody>
+          <a:bodyPr lIns="90000" rIns="90000" tIns="45000" bIns="45000">
+            <a:noAutofit/>
+          </a:bodyPr>
+          <a:p>
+            <a:pPr>
+              <a:lnSpc>
+                <a:spcPct val="100000"/>
+              </a:lnSpc>
+            </a:pPr>
+            <a:r>
+              <a:rPr b="0" lang="en-IN" sz="1800" spc="-1" strike="noStrike">
+                <a:solidFill>
+                  <a:srgbClr val="000000"/>
+                </a:solidFill>
+                <a:latin typeface="Arial"/>
+                <a:ea typeface="DejaVu Sans"/>
+              </a:rPr>
+              <a:t>X</a:t>
+            </a:r>
+            <a:endParaRPr b="0" lang="en-IN" sz="1800" spc="-1" strike="noStrike">
+              <a:latin typeface="Arial"/>
+            </a:endParaRPr>
+          </a:p>
+        </p:txBody>
+      </p:sp>
+      <p:sp>
+        <p:nvSpPr>
+          <p:cNvPr id="86" name="CustomShape 13"/>
+          <p:cNvSpPr/>
+          <p:nvPr/>
+        </p:nvSpPr>
+        <p:spPr>
+          <a:xfrm>
+            <a:off x="540000" y="1260000"/>
+            <a:ext cx="502920" cy="345240"/>
+          </a:xfrm>
+          <a:prstGeom prst="rect">
+            <a:avLst/>
+          </a:prstGeom>
+          <a:noFill/>
+          <a:ln>
+            <a:noFill/>
+          </a:ln>
+        </p:spPr>
+        <p:style>
+          <a:lnRef idx="0"/>
+          <a:fillRef idx="0"/>
+          <a:effectRef idx="0"/>
+          <a:fontRef idx="minor"/>
+        </p:style>
+        <p:txBody>
+          <a:bodyPr lIns="90000" rIns="90000" tIns="45000" bIns="45000">
+            <a:noAutofit/>
+          </a:bodyPr>
+          <a:p>
+            <a:pPr>
+              <a:lnSpc>
+                <a:spcPct val="100000"/>
+              </a:lnSpc>
+            </a:pPr>
+            <a:r>
+              <a:rPr b="0" lang="en-IN" sz="1800" spc="-1" strike="noStrike">
+                <a:solidFill>
+                  <a:srgbClr val="000000"/>
+                </a:solidFill>
+                <a:latin typeface="Arial"/>
+                <a:ea typeface="DejaVu Sans"/>
+              </a:rPr>
+              <a:t>X</a:t>
+            </a:r>
+            <a:endParaRPr b="0" lang="en-IN" sz="1800" spc="-1" strike="noStrike">
+              <a:latin typeface="Arial"/>
+            </a:endParaRPr>
+          </a:p>
+        </p:txBody>
+      </p:sp>
+      <p:sp>
+        <p:nvSpPr>
+          <p:cNvPr id="87" name="CustomShape 14"/>
+          <p:cNvSpPr/>
+          <p:nvPr/>
+        </p:nvSpPr>
+        <p:spPr>
+          <a:xfrm>
+            <a:off x="1512000" y="1224000"/>
+            <a:ext cx="502920" cy="345240"/>
+          </a:xfrm>
+          <a:prstGeom prst="rect">
+            <a:avLst/>
+          </a:prstGeom>
+          <a:noFill/>
+          <a:ln>
+            <a:noFill/>
+          </a:ln>
+        </p:spPr>
+        <p:style>
+          <a:lnRef idx="0"/>
+          <a:fillRef idx="0"/>
+          <a:effectRef idx="0"/>
+          <a:fontRef idx="minor"/>
+        </p:style>
+        <p:txBody>
+          <a:bodyPr lIns="90000" rIns="90000" tIns="45000" bIns="45000">
+            <a:noAutofit/>
+          </a:bodyPr>
+          <a:p>
+            <a:pPr>
+              <a:lnSpc>
+                <a:spcPct val="100000"/>
+              </a:lnSpc>
+            </a:pPr>
+            <a:r>
+              <a:rPr b="0" lang="en-IN" sz="1800" spc="-1" strike="noStrike">
+                <a:solidFill>
+                  <a:srgbClr val="000000"/>
+                </a:solidFill>
+                <a:latin typeface="Arial"/>
+                <a:ea typeface="DejaVu Sans"/>
+              </a:rPr>
+              <a:t>X</a:t>
+            </a:r>
+            <a:endParaRPr b="0" lang="en-IN" sz="1800" spc="-1" strike="noStrike">
+              <a:latin typeface="Arial"/>
+            </a:endParaRPr>
+          </a:p>
+        </p:txBody>
+      </p:sp>
+      <p:sp>
+        <p:nvSpPr>
+          <p:cNvPr id="88" name="CustomShape 15"/>
+          <p:cNvSpPr/>
+          <p:nvPr/>
+        </p:nvSpPr>
+        <p:spPr>
+          <a:xfrm>
+            <a:off x="3240000" y="900000"/>
+            <a:ext cx="502920" cy="345240"/>
+          </a:xfrm>
+          <a:prstGeom prst="rect">
+            <a:avLst/>
+          </a:prstGeom>
+          <a:noFill/>
+          <a:ln>
+            <a:noFill/>
+          </a:ln>
+        </p:spPr>
+        <p:style>
+          <a:lnRef idx="0"/>
+          <a:fillRef idx="0"/>
+          <a:effectRef idx="0"/>
+          <a:fontRef idx="minor"/>
+        </p:style>
+        <p:txBody>
+          <a:bodyPr lIns="90000" rIns="90000" tIns="45000" bIns="45000">
+            <a:noAutofit/>
+          </a:bodyPr>
+          <a:p>
+            <a:pPr>
+              <a:lnSpc>
+                <a:spcPct val="100000"/>
+              </a:lnSpc>
+            </a:pPr>
+            <a:r>
+              <a:rPr b="0" lang="en-IN" sz="1800" spc="-1" strike="noStrike">
+                <a:solidFill>
+                  <a:srgbClr val="000000"/>
+                </a:solidFill>
+                <a:latin typeface="Arial"/>
+                <a:ea typeface="DejaVu Sans"/>
+              </a:rPr>
+              <a:t>X</a:t>
+            </a:r>
+            <a:endParaRPr b="0" lang="en-IN" sz="1800" spc="-1" strike="noStrike">
+              <a:latin typeface="Arial"/>
+            </a:endParaRPr>
+          </a:p>
+        </p:txBody>
+      </p:sp>
+      <p:sp>
+        <p:nvSpPr>
+          <p:cNvPr id="89" name="CustomShape 16"/>
+          <p:cNvSpPr/>
+          <p:nvPr/>
+        </p:nvSpPr>
+        <p:spPr>
+          <a:xfrm>
+            <a:off x="4104000" y="900000"/>
+            <a:ext cx="502920" cy="345240"/>
+          </a:xfrm>
+          <a:prstGeom prst="rect">
+            <a:avLst/>
+          </a:prstGeom>
+          <a:noFill/>
+          <a:ln>
+            <a:noFill/>
+          </a:ln>
+        </p:spPr>
+        <p:style>
+          <a:lnRef idx="0"/>
+          <a:fillRef idx="0"/>
+          <a:effectRef idx="0"/>
+          <a:fontRef idx="minor"/>
+        </p:style>
+        <p:txBody>
+          <a:bodyPr lIns="90000" rIns="90000" tIns="45000" bIns="45000">
+            <a:noAutofit/>
+          </a:bodyPr>
+          <a:p>
+            <a:pPr>
+              <a:lnSpc>
+                <a:spcPct val="100000"/>
+              </a:lnSpc>
+            </a:pPr>
+            <a:r>
+              <a:rPr b="0" lang="en-IN" sz="1800" spc="-1" strike="noStrike">
+                <a:solidFill>
+                  <a:srgbClr val="000000"/>
+                </a:solidFill>
+                <a:latin typeface="Arial"/>
+                <a:ea typeface="DejaVu Sans"/>
+              </a:rPr>
+              <a:t>X</a:t>
+            </a:r>
+            <a:endParaRPr b="0" lang="en-IN" sz="1800" spc="-1" strike="noStrike">
+              <a:latin typeface="Arial"/>
+            </a:endParaRPr>
+          </a:p>
+        </p:txBody>
+      </p:sp>
+      <p:sp>
+        <p:nvSpPr>
+          <p:cNvPr id="90" name="CustomShape 17"/>
+          <p:cNvSpPr/>
+          <p:nvPr/>
+        </p:nvSpPr>
+        <p:spPr>
+          <a:xfrm>
+            <a:off x="4104000" y="1224000"/>
+            <a:ext cx="502920" cy="345240"/>
+          </a:xfrm>
+          <a:prstGeom prst="rect">
+            <a:avLst/>
+          </a:prstGeom>
+          <a:noFill/>
+          <a:ln>
+            <a:noFill/>
+          </a:ln>
+        </p:spPr>
+        <p:style>
+          <a:lnRef idx="0"/>
+          <a:fillRef idx="0"/>
+          <a:effectRef idx="0"/>
+          <a:fontRef idx="minor"/>
+        </p:style>
+        <p:txBody>
+          <a:bodyPr lIns="90000" rIns="90000" tIns="45000" bIns="45000">
+            <a:noAutofit/>
+          </a:bodyPr>
+          <a:p>
+            <a:pPr>
+              <a:lnSpc>
+                <a:spcPct val="100000"/>
+              </a:lnSpc>
+            </a:pPr>
+            <a:r>
+              <a:rPr b="0" lang="en-IN" sz="1800" spc="-1" strike="noStrike">
+                <a:solidFill>
+                  <a:srgbClr val="000000"/>
+                </a:solidFill>
+                <a:latin typeface="Arial"/>
+                <a:ea typeface="DejaVu Sans"/>
+              </a:rPr>
+              <a:t>X</a:t>
+            </a:r>
+            <a:endParaRPr b="0" lang="en-IN" sz="1800" spc="-1" strike="noStrike">
+              <a:latin typeface="Arial"/>
+            </a:endParaRPr>
+          </a:p>
+        </p:txBody>
+      </p:sp>
+      <p:sp>
+        <p:nvSpPr>
+          <p:cNvPr id="91" name="CustomShape 18"/>
+          <p:cNvSpPr/>
+          <p:nvPr/>
+        </p:nvSpPr>
+        <p:spPr>
+          <a:xfrm>
+            <a:off x="4104000" y="1620000"/>
+            <a:ext cx="502920" cy="345240"/>
+          </a:xfrm>
+          <a:prstGeom prst="rect">
+            <a:avLst/>
+          </a:prstGeom>
+          <a:noFill/>
+          <a:ln>
+            <a:noFill/>
+          </a:ln>
+        </p:spPr>
+        <p:style>
+          <a:lnRef idx="0"/>
+          <a:fillRef idx="0"/>
+          <a:effectRef idx="0"/>
+          <a:fontRef idx="minor"/>
+        </p:style>
+        <p:txBody>
+          <a:bodyPr lIns="90000" rIns="90000" tIns="45000" bIns="45000">
+            <a:noAutofit/>
+          </a:bodyPr>
+          <a:p>
+            <a:pPr>
+              <a:lnSpc>
+                <a:spcPct val="100000"/>
+              </a:lnSpc>
+            </a:pPr>
+            <a:r>
+              <a:rPr b="0" lang="en-IN" sz="1800" spc="-1" strike="noStrike">
+                <a:solidFill>
+                  <a:srgbClr val="000000"/>
+                </a:solidFill>
+                <a:latin typeface="Arial"/>
+                <a:ea typeface="DejaVu Sans"/>
+              </a:rPr>
+              <a:t>X</a:t>
+            </a:r>
+            <a:endParaRPr b="0" lang="en-IN" sz="1800" spc="-1" strike="noStrike">
+              <a:latin typeface="Arial"/>
+            </a:endParaRPr>
+          </a:p>
+        </p:txBody>
+      </p:sp>
+      <p:sp>
+        <p:nvSpPr>
+          <p:cNvPr id="92" name="CustomShape 19"/>
+          <p:cNvSpPr/>
+          <p:nvPr/>
+        </p:nvSpPr>
+        <p:spPr>
+          <a:xfrm>
+            <a:off x="576000" y="3492000"/>
+            <a:ext cx="502920" cy="345240"/>
+          </a:xfrm>
+          <a:prstGeom prst="rect">
+            <a:avLst/>
+          </a:prstGeom>
+          <a:noFill/>
+          <a:ln>
+            <a:noFill/>
+          </a:ln>
+        </p:spPr>
+        <p:style>
+          <a:lnRef idx="0"/>
+          <a:fillRef idx="0"/>
+          <a:effectRef idx="0"/>
+          <a:fontRef idx="minor"/>
+        </p:style>
+        <p:txBody>
+          <a:bodyPr lIns="90000" rIns="90000" tIns="45000" bIns="45000">
+            <a:noAutofit/>
+          </a:bodyPr>
+          <a:p>
+            <a:pPr>
+              <a:lnSpc>
+                <a:spcPct val="100000"/>
+              </a:lnSpc>
+            </a:pPr>
+            <a:r>
+              <a:rPr b="0" lang="en-IN" sz="1800" spc="-1" strike="noStrike">
+                <a:solidFill>
+                  <a:srgbClr val="000000"/>
+                </a:solidFill>
+                <a:latin typeface="Arial"/>
+                <a:ea typeface="DejaVu Sans"/>
+              </a:rPr>
+              <a:t>X</a:t>
+            </a:r>
+            <a:endParaRPr b="0" lang="en-IN" sz="1800" spc="-1" strike="noStrike">
+              <a:latin typeface="Arial"/>
+            </a:endParaRPr>
+          </a:p>
+        </p:txBody>
+      </p:sp>
+      <p:sp>
+        <p:nvSpPr>
+          <p:cNvPr id="93" name="CustomShape 20"/>
+          <p:cNvSpPr/>
+          <p:nvPr/>
+        </p:nvSpPr>
+        <p:spPr>
+          <a:xfrm>
+            <a:off x="576000" y="3852000"/>
+            <a:ext cx="502920" cy="345240"/>
+          </a:xfrm>
+          <a:prstGeom prst="rect">
+            <a:avLst/>
+          </a:prstGeom>
+          <a:noFill/>
+          <a:ln>
+            <a:noFill/>
+          </a:ln>
+        </p:spPr>
+        <p:style>
+          <a:lnRef idx="0"/>
+          <a:fillRef idx="0"/>
+          <a:effectRef idx="0"/>
+          <a:fontRef idx="minor"/>
+        </p:style>
+        <p:txBody>
+          <a:bodyPr lIns="90000" rIns="90000" tIns="45000" bIns="45000">
+            <a:noAutofit/>
+          </a:bodyPr>
+          <a:p>
+            <a:pPr>
+              <a:lnSpc>
+                <a:spcPct val="100000"/>
+              </a:lnSpc>
+            </a:pPr>
+            <a:r>
+              <a:rPr b="0" lang="en-IN" sz="1800" spc="-1" strike="noStrike">
+                <a:solidFill>
+                  <a:srgbClr val="000000"/>
+                </a:solidFill>
+                <a:latin typeface="Arial"/>
+                <a:ea typeface="DejaVu Sans"/>
+              </a:rPr>
+              <a:t>X</a:t>
+            </a:r>
+            <a:endParaRPr b="0" lang="en-IN" sz="1800" spc="-1" strike="noStrike">
+              <a:latin typeface="Arial"/>
+            </a:endParaRPr>
+          </a:p>
+        </p:txBody>
+      </p:sp>
+      <p:sp>
+        <p:nvSpPr>
+          <p:cNvPr id="94" name="CustomShape 21"/>
+          <p:cNvSpPr/>
+          <p:nvPr/>
+        </p:nvSpPr>
+        <p:spPr>
+          <a:xfrm>
+            <a:off x="576000" y="4176000"/>
+            <a:ext cx="502920" cy="345240"/>
+          </a:xfrm>
+          <a:prstGeom prst="rect">
+            <a:avLst/>
+          </a:prstGeom>
+          <a:noFill/>
+          <a:ln>
+            <a:noFill/>
+          </a:ln>
+        </p:spPr>
+        <p:style>
+          <a:lnRef idx="0"/>
+          <a:fillRef idx="0"/>
+          <a:effectRef idx="0"/>
+          <a:fontRef idx="minor"/>
+        </p:style>
+        <p:txBody>
+          <a:bodyPr lIns="90000" rIns="90000" tIns="45000" bIns="45000">
+            <a:noAutofit/>
+          </a:bodyPr>
+          <a:p>
+            <a:pPr>
+              <a:lnSpc>
+                <a:spcPct val="100000"/>
+              </a:lnSpc>
+            </a:pPr>
+            <a:r>
+              <a:rPr b="0" lang="en-IN" sz="1800" spc="-1" strike="noStrike">
+                <a:solidFill>
+                  <a:srgbClr val="000000"/>
+                </a:solidFill>
+                <a:latin typeface="Arial"/>
+                <a:ea typeface="DejaVu Sans"/>
+              </a:rPr>
+              <a:t>X</a:t>
+            </a:r>
+            <a:endParaRPr b="0" lang="en-IN" sz="1800" spc="-1" strike="noStrike">
+              <a:latin typeface="Arial"/>
+            </a:endParaRPr>
+          </a:p>
+        </p:txBody>
+      </p:sp>
+      <p:sp>
+        <p:nvSpPr>
+          <p:cNvPr id="95" name="CustomShape 22"/>
+          <p:cNvSpPr/>
+          <p:nvPr/>
+        </p:nvSpPr>
+        <p:spPr>
+          <a:xfrm>
+            <a:off x="1476000" y="3492000"/>
+            <a:ext cx="502920" cy="345240"/>
+          </a:xfrm>
+          <a:prstGeom prst="rect">
+            <a:avLst/>
+          </a:prstGeom>
+          <a:noFill/>
+          <a:ln>
+            <a:noFill/>
+          </a:ln>
+        </p:spPr>
+        <p:style>
+          <a:lnRef idx="0"/>
+          <a:fillRef idx="0"/>
+          <a:effectRef idx="0"/>
+          <a:fontRef idx="minor"/>
+        </p:style>
+        <p:txBody>
+          <a:bodyPr lIns="90000" rIns="90000" tIns="45000" bIns="45000">
+            <a:noAutofit/>
+          </a:bodyPr>
+          <a:p>
+            <a:pPr>
+              <a:lnSpc>
+                <a:spcPct val="100000"/>
+              </a:lnSpc>
+            </a:pPr>
+            <a:r>
+              <a:rPr b="0" lang="en-IN" sz="1800" spc="-1" strike="noStrike">
+                <a:solidFill>
+                  <a:srgbClr val="000000"/>
+                </a:solidFill>
+                <a:latin typeface="Arial"/>
+                <a:ea typeface="DejaVu Sans"/>
+              </a:rPr>
+              <a:t>X</a:t>
+            </a:r>
+            <a:endParaRPr b="0" lang="en-IN" sz="1800" spc="-1" strike="noStrike">
+              <a:latin typeface="Arial"/>
+            </a:endParaRPr>
+          </a:p>
+        </p:txBody>
+      </p:sp>
+      <p:sp>
+        <p:nvSpPr>
+          <p:cNvPr id="96" name="CustomShape 23"/>
+          <p:cNvSpPr/>
+          <p:nvPr/>
+        </p:nvSpPr>
+        <p:spPr>
+          <a:xfrm>
+            <a:off x="3240000" y="3492000"/>
+            <a:ext cx="502920" cy="345240"/>
+          </a:xfrm>
+          <a:prstGeom prst="rect">
+            <a:avLst/>
+          </a:prstGeom>
+          <a:noFill/>
+          <a:ln>
+            <a:noFill/>
+          </a:ln>
+        </p:spPr>
+        <p:style>
+          <a:lnRef idx="0"/>
+          <a:fillRef idx="0"/>
+          <a:effectRef idx="0"/>
+          <a:fontRef idx="minor"/>
+        </p:style>
+        <p:txBody>
+          <a:bodyPr lIns="90000" rIns="90000" tIns="45000" bIns="45000">
+            <a:noAutofit/>
+          </a:bodyPr>
+          <a:p>
+            <a:pPr>
+              <a:lnSpc>
+                <a:spcPct val="100000"/>
+              </a:lnSpc>
+            </a:pPr>
+            <a:r>
+              <a:rPr b="0" lang="en-IN" sz="1800" spc="-1" strike="noStrike">
+                <a:solidFill>
+                  <a:srgbClr val="000000"/>
+                </a:solidFill>
+                <a:latin typeface="Arial"/>
+                <a:ea typeface="DejaVu Sans"/>
+              </a:rPr>
+              <a:t>X</a:t>
+            </a:r>
+            <a:endParaRPr b="0" lang="en-IN" sz="1800" spc="-1" strike="noStrike">
+              <a:latin typeface="Arial"/>
+            </a:endParaRPr>
+          </a:p>
+        </p:txBody>
+      </p:sp>
+      <p:sp>
+        <p:nvSpPr>
+          <p:cNvPr id="97" name="CustomShape 24"/>
+          <p:cNvSpPr/>
+          <p:nvPr/>
+        </p:nvSpPr>
+        <p:spPr>
+          <a:xfrm>
+            <a:off x="3276000" y="3960000"/>
+            <a:ext cx="502920" cy="345240"/>
+          </a:xfrm>
+          <a:prstGeom prst="rect">
+            <a:avLst/>
+          </a:prstGeom>
+          <a:noFill/>
+          <a:ln>
+            <a:noFill/>
+          </a:ln>
+        </p:spPr>
+        <p:style>
+          <a:lnRef idx="0"/>
+          <a:fillRef idx="0"/>
+          <a:effectRef idx="0"/>
+          <a:fontRef idx="minor"/>
+        </p:style>
+        <p:txBody>
+          <a:bodyPr lIns="90000" rIns="90000" tIns="45000" bIns="45000">
+            <a:noAutofit/>
+          </a:bodyPr>
+          <a:p>
+            <a:pPr>
+              <a:lnSpc>
+                <a:spcPct val="100000"/>
+              </a:lnSpc>
+            </a:pPr>
+            <a:r>
+              <a:rPr b="0" lang="en-IN" sz="1800" spc="-1" strike="noStrike">
+                <a:solidFill>
+                  <a:srgbClr val="000000"/>
+                </a:solidFill>
+                <a:latin typeface="Arial"/>
+                <a:ea typeface="DejaVu Sans"/>
+              </a:rPr>
+              <a:t>X</a:t>
+            </a:r>
+            <a:endParaRPr b="0" lang="en-IN" sz="1800" spc="-1" strike="noStrike">
+              <a:latin typeface="Arial"/>
+            </a:endParaRPr>
+          </a:p>
+        </p:txBody>
+      </p:sp>
+      <p:sp>
+        <p:nvSpPr>
+          <p:cNvPr id="98" name="CustomShape 25"/>
+          <p:cNvSpPr/>
+          <p:nvPr/>
+        </p:nvSpPr>
+        <p:spPr>
+          <a:xfrm>
+            <a:off x="4140000" y="3492000"/>
+            <a:ext cx="502920" cy="345240"/>
+          </a:xfrm>
+          <a:prstGeom prst="rect">
+            <a:avLst/>
+          </a:prstGeom>
+          <a:noFill/>
+          <a:ln>
+            <a:noFill/>
+          </a:ln>
+        </p:spPr>
+        <p:style>
+          <a:lnRef idx="0"/>
+          <a:fillRef idx="0"/>
+          <a:effectRef idx="0"/>
+          <a:fontRef idx="minor"/>
+        </p:style>
+        <p:txBody>
+          <a:bodyPr lIns="90000" rIns="90000" tIns="45000" bIns="45000">
+            <a:noAutofit/>
+          </a:bodyPr>
+          <a:p>
+            <a:pPr>
+              <a:lnSpc>
+                <a:spcPct val="100000"/>
+              </a:lnSpc>
+            </a:pPr>
+            <a:r>
+              <a:rPr b="0" lang="en-IN" sz="1800" spc="-1" strike="noStrike">
+                <a:solidFill>
+                  <a:srgbClr val="000000"/>
+                </a:solidFill>
+                <a:latin typeface="Arial"/>
+                <a:ea typeface="DejaVu Sans"/>
+              </a:rPr>
+              <a:t>X</a:t>
+            </a:r>
+            <a:endParaRPr b="0" lang="en-IN" sz="1800" spc="-1" strike="noStrike">
+              <a:latin typeface="Arial"/>
+            </a:endParaRPr>
+          </a:p>
+        </p:txBody>
+      </p:sp>
+      <p:sp>
+        <p:nvSpPr>
+          <p:cNvPr id="99" name="CustomShape 26"/>
+          <p:cNvSpPr/>
+          <p:nvPr/>
+        </p:nvSpPr>
+        <p:spPr>
+          <a:xfrm>
+            <a:off x="4140000" y="3924000"/>
+            <a:ext cx="502920" cy="345240"/>
+          </a:xfrm>
+          <a:prstGeom prst="rect">
+            <a:avLst/>
+          </a:prstGeom>
+          <a:noFill/>
+          <a:ln>
+            <a:noFill/>
+          </a:ln>
+        </p:spPr>
+        <p:style>
+          <a:lnRef idx="0"/>
+          <a:fillRef idx="0"/>
+          <a:effectRef idx="0"/>
+          <a:fontRef idx="minor"/>
+        </p:style>
+        <p:txBody>
+          <a:bodyPr lIns="90000" rIns="90000" tIns="45000" bIns="45000">
+            <a:noAutofit/>
+          </a:bodyPr>
+          <a:p>
+            <a:pPr>
+              <a:lnSpc>
+                <a:spcPct val="100000"/>
+              </a:lnSpc>
+            </a:pPr>
+            <a:r>
+              <a:rPr b="0" lang="en-IN" sz="1800" spc="-1" strike="noStrike">
+                <a:solidFill>
+                  <a:srgbClr val="000000"/>
+                </a:solidFill>
+                <a:latin typeface="Arial"/>
+                <a:ea typeface="DejaVu Sans"/>
+              </a:rPr>
+              <a:t>X</a:t>
+            </a:r>
+            <a:endParaRPr b="0" lang="en-IN" sz="1800" spc="-1" strike="noStrike">
+              <a:latin typeface="Arial"/>
+            </a:endParaRPr>
+          </a:p>
+        </p:txBody>
+      </p:sp>
+      <p:sp>
+        <p:nvSpPr>
+          <p:cNvPr id="100" name="Line 27"/>
+          <p:cNvSpPr/>
+          <p:nvPr/>
+        </p:nvSpPr>
+        <p:spPr>
+          <a:xfrm>
+            <a:off x="720000" y="1080000"/>
+            <a:ext cx="936000" cy="0"/>
+          </a:xfrm>
+          <a:prstGeom prst="line">
+            <a:avLst/>
+          </a:prstGeom>
+          <a:ln>
+            <a:solidFill>
+              <a:srgbClr val="3465a4"/>
+            </a:solidFill>
+          </a:ln>
+        </p:spPr>
+        <p:style>
+          <a:lnRef idx="0"/>
+          <a:fillRef idx="0"/>
+          <a:effectRef idx="0"/>
+          <a:fontRef idx="minor"/>
+        </p:style>
+      </p:sp>
+      <p:sp>
+        <p:nvSpPr>
+          <p:cNvPr id="101" name="Line 28"/>
+          <p:cNvSpPr/>
+          <p:nvPr/>
+        </p:nvSpPr>
+        <p:spPr>
+          <a:xfrm>
+            <a:off x="720000" y="1692000"/>
+            <a:ext cx="936000" cy="0"/>
+          </a:xfrm>
+          <a:prstGeom prst="line">
+            <a:avLst/>
+          </a:prstGeom>
+          <a:ln>
+            <a:solidFill>
+              <a:srgbClr val="3465a4"/>
+            </a:solidFill>
+          </a:ln>
+        </p:spPr>
+        <p:style>
+          <a:lnRef idx="0"/>
+          <a:fillRef idx="0"/>
+          <a:effectRef idx="0"/>
+          <a:fontRef idx="minor"/>
+        </p:style>
+      </p:sp>
+      <p:sp>
+        <p:nvSpPr>
+          <p:cNvPr id="102" name="Line 29"/>
+          <p:cNvSpPr/>
+          <p:nvPr/>
+        </p:nvSpPr>
+        <p:spPr>
+          <a:xfrm>
+            <a:off x="3420000" y="1044000"/>
+            <a:ext cx="756000" cy="0"/>
+          </a:xfrm>
+          <a:prstGeom prst="line">
+            <a:avLst/>
+          </a:prstGeom>
+          <a:ln>
+            <a:solidFill>
+              <a:srgbClr val="3465a4"/>
+            </a:solidFill>
+          </a:ln>
+        </p:spPr>
+        <p:style>
+          <a:lnRef idx="0"/>
+          <a:fillRef idx="0"/>
+          <a:effectRef idx="0"/>
+          <a:fontRef idx="minor"/>
+        </p:style>
+      </p:sp>
+      <p:sp>
+        <p:nvSpPr>
+          <p:cNvPr id="103" name="Line 30"/>
+          <p:cNvSpPr/>
+          <p:nvPr/>
+        </p:nvSpPr>
+        <p:spPr>
+          <a:xfrm>
+            <a:off x="3420000" y="1044000"/>
+            <a:ext cx="828000" cy="324000"/>
+          </a:xfrm>
+          <a:prstGeom prst="line">
+            <a:avLst/>
+          </a:prstGeom>
+          <a:ln>
+            <a:solidFill>
+              <a:srgbClr val="3465a4"/>
+            </a:solidFill>
+          </a:ln>
+        </p:spPr>
+        <p:style>
+          <a:lnRef idx="0"/>
+          <a:fillRef idx="0"/>
+          <a:effectRef idx="0"/>
+          <a:fontRef idx="minor"/>
+        </p:style>
+      </p:sp>
+      <p:sp>
+        <p:nvSpPr>
+          <p:cNvPr id="104" name="Line 31"/>
+          <p:cNvSpPr/>
+          <p:nvPr/>
+        </p:nvSpPr>
+        <p:spPr>
+          <a:xfrm>
+            <a:off x="3420000" y="1044000"/>
+            <a:ext cx="828000" cy="756000"/>
+          </a:xfrm>
+          <a:prstGeom prst="line">
+            <a:avLst/>
+          </a:prstGeom>
+          <a:ln>
+            <a:solidFill>
+              <a:srgbClr val="3465a4"/>
+            </a:solidFill>
+          </a:ln>
+        </p:spPr>
+        <p:style>
+          <a:lnRef idx="0"/>
+          <a:fillRef idx="0"/>
+          <a:effectRef idx="0"/>
+          <a:fontRef idx="minor"/>
+        </p:style>
+      </p:sp>
+      <p:sp>
+        <p:nvSpPr>
+          <p:cNvPr id="105" name="Line 32"/>
+          <p:cNvSpPr/>
+          <p:nvPr/>
+        </p:nvSpPr>
+        <p:spPr>
+          <a:xfrm>
+            <a:off x="792000" y="3672000"/>
+            <a:ext cx="792000" cy="0"/>
+          </a:xfrm>
+          <a:prstGeom prst="line">
+            <a:avLst/>
+          </a:prstGeom>
+          <a:ln>
+            <a:solidFill>
+              <a:srgbClr val="3465a4"/>
+            </a:solidFill>
+          </a:ln>
+        </p:spPr>
+        <p:style>
+          <a:lnRef idx="0"/>
+          <a:fillRef idx="0"/>
+          <a:effectRef idx="0"/>
+          <a:fontRef idx="minor"/>
+        </p:style>
+      </p:sp>
+      <p:sp>
+        <p:nvSpPr>
+          <p:cNvPr id="106" name="Line 33"/>
+          <p:cNvSpPr/>
+          <p:nvPr/>
+        </p:nvSpPr>
+        <p:spPr>
+          <a:xfrm flipV="1">
+            <a:off x="792000" y="3672000"/>
+            <a:ext cx="792000" cy="360000"/>
+          </a:xfrm>
+          <a:prstGeom prst="line">
+            <a:avLst/>
+          </a:prstGeom>
+          <a:ln>
+            <a:solidFill>
+              <a:srgbClr val="3465a4"/>
+            </a:solidFill>
+          </a:ln>
+        </p:spPr>
+        <p:style>
+          <a:lnRef idx="0"/>
+          <a:fillRef idx="0"/>
+          <a:effectRef idx="0"/>
+          <a:fontRef idx="minor"/>
+        </p:style>
+      </p:sp>
+      <p:sp>
+        <p:nvSpPr>
+          <p:cNvPr id="107" name="Line 34"/>
+          <p:cNvSpPr/>
+          <p:nvPr/>
+        </p:nvSpPr>
+        <p:spPr>
+          <a:xfrm flipV="1">
+            <a:off x="792000" y="3672000"/>
+            <a:ext cx="792000" cy="648000"/>
+          </a:xfrm>
+          <a:prstGeom prst="line">
+            <a:avLst/>
+          </a:prstGeom>
+          <a:ln>
+            <a:solidFill>
+              <a:srgbClr val="3465a4"/>
+            </a:solidFill>
+          </a:ln>
+        </p:spPr>
+        <p:style>
+          <a:lnRef idx="0"/>
+          <a:fillRef idx="0"/>
+          <a:effectRef idx="0"/>
+          <a:fontRef idx="minor"/>
+        </p:style>
+      </p:sp>
+      <p:sp>
+        <p:nvSpPr>
+          <p:cNvPr id="108" name="Line 35"/>
+          <p:cNvSpPr/>
+          <p:nvPr/>
+        </p:nvSpPr>
+        <p:spPr>
+          <a:xfrm>
+            <a:off x="3456000" y="3672000"/>
+            <a:ext cx="792000" cy="0"/>
+          </a:xfrm>
+          <a:prstGeom prst="line">
+            <a:avLst/>
+          </a:prstGeom>
+          <a:ln>
+            <a:solidFill>
+              <a:srgbClr val="3465a4"/>
+            </a:solidFill>
+          </a:ln>
+        </p:spPr>
+        <p:style>
+          <a:lnRef idx="0"/>
+          <a:fillRef idx="0"/>
+          <a:effectRef idx="0"/>
+          <a:fontRef idx="minor"/>
+        </p:style>
+      </p:sp>
+      <p:sp>
+        <p:nvSpPr>
+          <p:cNvPr id="109" name="Line 36"/>
+          <p:cNvSpPr/>
+          <p:nvPr/>
+        </p:nvSpPr>
+        <p:spPr>
+          <a:xfrm flipV="1">
+            <a:off x="3528000" y="3672000"/>
+            <a:ext cx="720000" cy="432000"/>
+          </a:xfrm>
+          <a:prstGeom prst="line">
+            <a:avLst/>
+          </a:prstGeom>
+          <a:ln>
+            <a:solidFill>
+              <a:srgbClr val="3465a4"/>
+            </a:solidFill>
+          </a:ln>
+        </p:spPr>
+        <p:style>
+          <a:lnRef idx="0"/>
+          <a:fillRef idx="0"/>
+          <a:effectRef idx="0"/>
+          <a:fontRef idx="minor"/>
+        </p:style>
+      </p:sp>
+      <p:sp>
+        <p:nvSpPr>
+          <p:cNvPr id="110" name="Line 37"/>
+          <p:cNvSpPr/>
+          <p:nvPr/>
+        </p:nvSpPr>
+        <p:spPr>
+          <a:xfrm>
+            <a:off x="3456000" y="3672000"/>
+            <a:ext cx="792000" cy="432000"/>
+          </a:xfrm>
+          <a:prstGeom prst="line">
+            <a:avLst/>
+          </a:prstGeom>
+          <a:ln>
+            <a:solidFill>
+              <a:srgbClr val="3465a4"/>
+            </a:solidFill>
+          </a:ln>
+        </p:spPr>
+        <p:style>
+          <a:lnRef idx="0"/>
+          <a:fillRef idx="0"/>
+          <a:effectRef idx="0"/>
+          <a:fontRef idx="minor"/>
+        </p:style>
+      </p:sp>
+      <p:sp>
+        <p:nvSpPr>
+          <p:cNvPr id="111" name="CustomShape 38"/>
+          <p:cNvSpPr/>
+          <p:nvPr/>
+        </p:nvSpPr>
+        <p:spPr>
+          <a:xfrm>
+            <a:off x="540000" y="2412000"/>
+            <a:ext cx="1294920" cy="345240"/>
+          </a:xfrm>
+          <a:prstGeom prst="rect">
+            <a:avLst/>
+          </a:prstGeom>
+          <a:noFill/>
+          <a:ln>
+            <a:noFill/>
+          </a:ln>
+        </p:spPr>
+        <p:style>
+          <a:lnRef idx="0"/>
+          <a:fillRef idx="0"/>
+          <a:effectRef idx="0"/>
+          <a:fontRef idx="minor"/>
+        </p:style>
+        <p:txBody>
+          <a:bodyPr lIns="90000" rIns="90000" tIns="45000" bIns="45000">
+            <a:noAutofit/>
+          </a:bodyPr>
+          <a:p>
+            <a:pPr>
+              <a:lnSpc>
+                <a:spcPct val="100000"/>
+              </a:lnSpc>
+            </a:pPr>
+            <a:r>
+              <a:rPr b="0" lang="en-IN" sz="1800" spc="-1" strike="noStrike">
+                <a:solidFill>
+                  <a:srgbClr val="000000"/>
+                </a:solidFill>
+                <a:latin typeface="Arial"/>
+                <a:ea typeface="DejaVu Sans"/>
+              </a:rPr>
+              <a:t>ONE-ONE</a:t>
+            </a:r>
+            <a:endParaRPr b="0" lang="en-IN" sz="1800" spc="-1" strike="noStrike">
+              <a:latin typeface="Arial"/>
+            </a:endParaRPr>
+          </a:p>
+        </p:txBody>
+      </p:sp>
+      <p:sp>
+        <p:nvSpPr>
+          <p:cNvPr id="112" name="CustomShape 39"/>
+          <p:cNvSpPr/>
+          <p:nvPr/>
+        </p:nvSpPr>
+        <p:spPr>
+          <a:xfrm>
+            <a:off x="3168000" y="2412000"/>
+            <a:ext cx="1438920" cy="394920"/>
+          </a:xfrm>
+          <a:prstGeom prst="rect">
+            <a:avLst/>
+          </a:prstGeom>
+          <a:noFill/>
+          <a:ln>
+            <a:noFill/>
+          </a:ln>
+        </p:spPr>
+        <p:style>
+          <a:lnRef idx="0"/>
+          <a:fillRef idx="0"/>
+          <a:effectRef idx="0"/>
+          <a:fontRef idx="minor"/>
+        </p:style>
+        <p:txBody>
+          <a:bodyPr lIns="90000" rIns="90000" tIns="45000" bIns="45000">
+            <a:noAutofit/>
+          </a:bodyPr>
+          <a:p>
+            <a:pPr>
+              <a:lnSpc>
+                <a:spcPct val="100000"/>
+              </a:lnSpc>
+            </a:pPr>
+            <a:r>
+              <a:rPr b="0" lang="en-IN" sz="1800" spc="-1" strike="noStrike">
+                <a:solidFill>
+                  <a:srgbClr val="000000"/>
+                </a:solidFill>
+                <a:latin typeface="Arial"/>
+                <a:ea typeface="DejaVu Sans"/>
+              </a:rPr>
+              <a:t>ONE-MANY</a:t>
+            </a:r>
+            <a:endParaRPr b="0" lang="en-IN" sz="1800" spc="-1" strike="noStrike">
+              <a:latin typeface="Arial"/>
+            </a:endParaRPr>
+          </a:p>
+        </p:txBody>
+      </p:sp>
+      <p:sp>
+        <p:nvSpPr>
+          <p:cNvPr id="113" name="CustomShape 40"/>
+          <p:cNvSpPr/>
+          <p:nvPr/>
+        </p:nvSpPr>
+        <p:spPr>
+          <a:xfrm>
+            <a:off x="3168000" y="4968000"/>
+            <a:ext cx="1582920" cy="358920"/>
+          </a:xfrm>
+          <a:prstGeom prst="rect">
+            <a:avLst/>
+          </a:prstGeom>
+          <a:noFill/>
+          <a:ln>
+            <a:noFill/>
+          </a:ln>
+        </p:spPr>
+        <p:style>
+          <a:lnRef idx="0"/>
+          <a:fillRef idx="0"/>
+          <a:effectRef idx="0"/>
+          <a:fontRef idx="minor"/>
+        </p:style>
+        <p:txBody>
+          <a:bodyPr lIns="90000" rIns="90000" tIns="45000" bIns="45000">
+            <a:noAutofit/>
+          </a:bodyPr>
+          <a:p>
+            <a:pPr>
+              <a:lnSpc>
+                <a:spcPct val="100000"/>
+              </a:lnSpc>
+            </a:pPr>
+            <a:r>
+              <a:rPr b="0" lang="en-IN" sz="1800" spc="-1" strike="noStrike">
+                <a:solidFill>
+                  <a:srgbClr val="000000"/>
+                </a:solidFill>
+                <a:latin typeface="Arial"/>
+                <a:ea typeface="DejaVu Sans"/>
+              </a:rPr>
+              <a:t>MANY-MANY</a:t>
+            </a:r>
+            <a:endParaRPr b="0" lang="en-IN" sz="1800" spc="-1" strike="noStrike">
+              <a:latin typeface="Arial"/>
+            </a:endParaRPr>
+          </a:p>
+        </p:txBody>
+      </p:sp>
+      <p:sp>
+        <p:nvSpPr>
+          <p:cNvPr id="114" name="CustomShape 41"/>
+          <p:cNvSpPr/>
+          <p:nvPr/>
+        </p:nvSpPr>
+        <p:spPr>
+          <a:xfrm>
+            <a:off x="504000" y="4968000"/>
+            <a:ext cx="1438920" cy="358920"/>
+          </a:xfrm>
+          <a:prstGeom prst="rect">
+            <a:avLst/>
+          </a:prstGeom>
+          <a:noFill/>
+          <a:ln>
+            <a:noFill/>
+          </a:ln>
+        </p:spPr>
+        <p:style>
+          <a:lnRef idx="0"/>
+          <a:fillRef idx="0"/>
+          <a:effectRef idx="0"/>
+          <a:fontRef idx="minor"/>
+        </p:style>
+        <p:txBody>
+          <a:bodyPr lIns="90000" rIns="90000" tIns="45000" bIns="45000">
+            <a:noAutofit/>
+          </a:bodyPr>
+          <a:p>
+            <a:pPr>
+              <a:lnSpc>
+                <a:spcPct val="100000"/>
+              </a:lnSpc>
+            </a:pPr>
+            <a:r>
+              <a:rPr b="0" lang="en-IN" sz="1800" spc="-1" strike="noStrike">
+                <a:solidFill>
+                  <a:srgbClr val="000000"/>
+                </a:solidFill>
+                <a:latin typeface="Arial"/>
+                <a:ea typeface="DejaVu Sans"/>
+              </a:rPr>
+              <a:t>MANY-ONE</a:t>
+            </a:r>
+            <a:endParaRPr b="0" lang="en-IN" sz="1800" spc="-1" strike="noStrike">
+              <a:latin typeface="Arial"/>
+            </a:endParaRPr>
+          </a:p>
+        </p:txBody>
+      </p:sp>
+    </p:spTree>
+  </p:cSld>
+  <mc:AlternateContent>
+    <mc:Choice Requires="p14">
+      <p:transition spd="slow" p14:dur="2000"/>
+    </mc:Choice>
+    <mc:Fallback>
+      <p:transition spd="slow"/>
+    </mc:Fallback>
+  </mc:AlternateContent>
+</p:sld>
+</file>
+
+<file path=ppt/slides/slide5.xml><?xml version="1.0" encoding="utf-8"?>
+<p:sld xmlns:a="http://schemas.openxmlformats.org/drawingml/2006/main" xmlns:p="http://schemas.openxmlformats.org/presentationml/2006/main" xmlns:r="http://schemas.openxmlformats.org/officeDocument/2006/relationships" xmlns:p14="http://schemas.microsoft.com/office/powerpoint/2010/main" xmlns:p15="http://schemas.microsoft.com/office/powerpoint/2012/main" xmlns:mc="http://schemas.openxmlformats.org/markup-compatibility/2006">
+  <p:cSld>
+    <p:spTree>
+      <p:nvGrpSpPr>
+        <p:cNvPr id="1" name=""/>
+        <p:cNvGrpSpPr/>
+        <p:nvPr/>
+      </p:nvGrpSpPr>
+      <p:grpSpPr>
+        <a:xfrm>
+          <a:off x="0" y="0"/>
+          <a:ext cx="0" cy="0"/>
+          <a:chOff x="0" y="0"/>
+          <a:chExt cx="0" cy="0"/>
+        </a:xfrm>
+      </p:grpSpPr>
+      <p:sp>
+        <p:nvSpPr>
+          <p:cNvPr id="115" name="CustomShape 1"/>
+          <p:cNvSpPr/>
+          <p:nvPr/>
+        </p:nvSpPr>
+        <p:spPr>
+          <a:xfrm>
+            <a:off x="1872000" y="1008000"/>
+            <a:ext cx="2087280" cy="791280"/>
+          </a:xfrm>
+          <a:prstGeom prst="rect">
+            <a:avLst/>
+          </a:prstGeom>
+          <a:solidFill>
+            <a:srgbClr val="729fcf"/>
+          </a:solidFill>
+          <a:ln>
+            <a:solidFill>
+              <a:srgbClr val="3465a4"/>
+            </a:solidFill>
+          </a:ln>
+        </p:spPr>
+        <p:style>
+          <a:lnRef idx="0"/>
+          <a:fillRef idx="0"/>
+          <a:effectRef idx="0"/>
+          <a:fontRef idx="minor"/>
+        </p:style>
+      </p:sp>
+      <p:sp>
+        <p:nvSpPr>
+          <p:cNvPr id="116" name="CustomShape 2"/>
+          <p:cNvSpPr/>
+          <p:nvPr/>
+        </p:nvSpPr>
+        <p:spPr>
+          <a:xfrm>
+            <a:off x="5328000" y="756000"/>
+            <a:ext cx="1655280" cy="1223280"/>
+          </a:xfrm>
+          <a:custGeom>
+            <a:avLst/>
+            <a:gdLst/>
+            <a:ahLst/>
+            <a:rect l="l" t="t" r="r" b="b"/>
+            <a:pathLst>
+              <a:path w="21600" h="21600">
+                <a:moveTo>
+                  <a:pt x="10800" y="0"/>
+                </a:moveTo>
+                <a:lnTo>
+                  <a:pt x="21600" y="10800"/>
+                </a:lnTo>
+                <a:lnTo>
+                  <a:pt x="10800" y="21600"/>
+                </a:lnTo>
+                <a:lnTo>
+                  <a:pt x="0" y="10800"/>
+                </a:lnTo>
+                <a:lnTo>
+                  <a:pt x="10800" y="0"/>
+                </a:lnTo>
+                <a:close/>
+              </a:path>
+            </a:pathLst>
+          </a:custGeom>
+          <a:solidFill>
+            <a:srgbClr val="729fcf"/>
+          </a:solidFill>
+          <a:ln>
+            <a:solidFill>
+              <a:srgbClr val="3465a4"/>
+            </a:solidFill>
+          </a:ln>
+        </p:spPr>
+        <p:style>
+          <a:lnRef idx="0"/>
+          <a:fillRef idx="0"/>
+          <a:effectRef idx="0"/>
+          <a:fontRef idx="minor"/>
+        </p:style>
+      </p:sp>
+      <p:sp>
+        <p:nvSpPr>
+          <p:cNvPr id="117" name="CustomShape 3"/>
+          <p:cNvSpPr/>
+          <p:nvPr/>
+        </p:nvSpPr>
+        <p:spPr>
+          <a:xfrm>
+            <a:off x="1872360" y="3672360"/>
+            <a:ext cx="2087280" cy="791280"/>
+          </a:xfrm>
+          <a:prstGeom prst="rect">
+            <a:avLst/>
+          </a:prstGeom>
+          <a:solidFill>
+            <a:srgbClr val="729fcf"/>
+          </a:solidFill>
+          <a:ln>
+            <a:solidFill>
+              <a:srgbClr val="3465a4"/>
+            </a:solidFill>
+          </a:ln>
+        </p:spPr>
+        <p:style>
+          <a:lnRef idx="0"/>
+          <a:fillRef idx="0"/>
+          <a:effectRef idx="0"/>
+          <a:fontRef idx="minor"/>
+        </p:style>
+      </p:sp>
+      <p:sp>
+        <p:nvSpPr>
+          <p:cNvPr id="118" name="CustomShape 4"/>
+          <p:cNvSpPr/>
+          <p:nvPr/>
+        </p:nvSpPr>
+        <p:spPr>
+          <a:xfrm>
+            <a:off x="5328360" y="3420360"/>
+            <a:ext cx="1655280" cy="1223280"/>
+          </a:xfrm>
+          <a:custGeom>
+            <a:avLst/>
+            <a:gdLst/>
+            <a:ahLst/>
+            <a:rect l="l" t="t" r="r" b="b"/>
+            <a:pathLst>
+              <a:path w="21600" h="21600">
+                <a:moveTo>
+                  <a:pt x="10800" y="0"/>
+                </a:moveTo>
+                <a:lnTo>
+                  <a:pt x="21600" y="10800"/>
+                </a:lnTo>
+                <a:lnTo>
+                  <a:pt x="10800" y="21600"/>
+                </a:lnTo>
+                <a:lnTo>
+                  <a:pt x="0" y="10800"/>
+                </a:lnTo>
+                <a:lnTo>
+                  <a:pt x="10800" y="0"/>
+                </a:lnTo>
+                <a:close/>
+              </a:path>
+            </a:pathLst>
+          </a:custGeom>
+          <a:solidFill>
+            <a:srgbClr val="729fcf"/>
+          </a:solidFill>
+          <a:ln>
+            <a:solidFill>
+              <a:srgbClr val="3465a4"/>
+            </a:solidFill>
+          </a:ln>
+        </p:spPr>
+        <p:style>
+          <a:lnRef idx="0"/>
+          <a:fillRef idx="0"/>
+          <a:effectRef idx="0"/>
+          <a:fontRef idx="minor"/>
+        </p:style>
+      </p:sp>
+      <p:sp>
+        <p:nvSpPr>
+          <p:cNvPr id="119" name="Line 5"/>
+          <p:cNvSpPr/>
+          <p:nvPr/>
+        </p:nvSpPr>
+        <p:spPr>
+          <a:xfrm flipH="1">
+            <a:off x="3960000" y="1368000"/>
+            <a:ext cx="1368000" cy="0"/>
+          </a:xfrm>
+          <a:prstGeom prst="line">
+            <a:avLst/>
+          </a:prstGeom>
+          <a:ln>
+            <a:solidFill>
+              <a:srgbClr val="3465a4"/>
+            </a:solidFill>
+            <a:tailEnd len="med" type="triangle" w="med"/>
+          </a:ln>
+        </p:spPr>
+        <p:style>
+          <a:lnRef idx="0"/>
+          <a:fillRef idx="0"/>
+          <a:effectRef idx="0"/>
+          <a:fontRef idx="minor"/>
+        </p:style>
+      </p:sp>
+      <p:sp>
+        <p:nvSpPr>
+          <p:cNvPr id="120" name="Line 6"/>
+          <p:cNvSpPr/>
+          <p:nvPr/>
+        </p:nvSpPr>
+        <p:spPr>
+          <a:xfrm flipH="1">
+            <a:off x="3960360" y="4032000"/>
+            <a:ext cx="1368000" cy="0"/>
+          </a:xfrm>
+          <a:prstGeom prst="line">
+            <a:avLst/>
+          </a:prstGeom>
+          <a:ln>
+            <a:solidFill>
+              <a:srgbClr val="3465a4"/>
+            </a:solidFill>
+          </a:ln>
+        </p:spPr>
+        <p:style>
+          <a:lnRef idx="0"/>
+          <a:fillRef idx="0"/>
+          <a:effectRef idx="0"/>
+          <a:fontRef idx="minor"/>
+        </p:style>
+      </p:sp>
+      <p:sp>
+        <p:nvSpPr>
+          <p:cNvPr id="121" name="CustomShape 7"/>
+          <p:cNvSpPr/>
+          <p:nvPr/>
+        </p:nvSpPr>
+        <p:spPr>
+          <a:xfrm>
+            <a:off x="1188000" y="2304000"/>
+            <a:ext cx="6911280" cy="345600"/>
+          </a:xfrm>
+          <a:prstGeom prst="rect">
+            <a:avLst/>
+          </a:prstGeom>
+          <a:noFill/>
+          <a:ln>
+            <a:noFill/>
+          </a:ln>
+        </p:spPr>
+        <p:style>
+          <a:lnRef idx="0"/>
+          <a:fillRef idx="0"/>
+          <a:effectRef idx="0"/>
+          <a:fontRef idx="minor"/>
+        </p:style>
+        <p:txBody>
+          <a:bodyPr lIns="90000" rIns="90000" tIns="45000" bIns="45000">
+            <a:noAutofit/>
+          </a:bodyPr>
+          <a:p>
+            <a:pPr>
+              <a:lnSpc>
+                <a:spcPct val="100000"/>
+              </a:lnSpc>
+            </a:pPr>
+            <a:r>
+              <a:rPr b="0" lang="en-IN" sz="1800" spc="-1" strike="noStrike">
+                <a:solidFill>
+                  <a:srgbClr val="000000"/>
+                </a:solidFill>
+                <a:latin typeface="Arial"/>
+                <a:ea typeface="DejaVu Sans"/>
+              </a:rPr>
+              <a:t>In this the entity can participate in one-one/one-many relationship</a:t>
+            </a:r>
+            <a:endParaRPr b="0" lang="en-IN" sz="1800" spc="-1" strike="noStrike">
+              <a:latin typeface="Arial"/>
+            </a:endParaRPr>
+          </a:p>
+        </p:txBody>
+      </p:sp>
+      <p:sp>
+        <p:nvSpPr>
+          <p:cNvPr id="122" name="CustomShape 8"/>
+          <p:cNvSpPr/>
+          <p:nvPr/>
+        </p:nvSpPr>
+        <p:spPr>
+          <a:xfrm>
+            <a:off x="1080000" y="4788000"/>
+            <a:ext cx="7163280" cy="601560"/>
+          </a:xfrm>
+          <a:prstGeom prst="rect">
+            <a:avLst/>
+          </a:prstGeom>
+          <a:noFill/>
+          <a:ln>
+            <a:noFill/>
+          </a:ln>
+        </p:spPr>
+        <p:style>
+          <a:lnRef idx="0"/>
+          <a:fillRef idx="0"/>
+          <a:effectRef idx="0"/>
+          <a:fontRef idx="minor"/>
+        </p:style>
+        <p:txBody>
+          <a:bodyPr lIns="90000" rIns="90000" tIns="45000" bIns="45000">
+            <a:noAutofit/>
+          </a:bodyPr>
+          <a:p>
+            <a:pPr>
+              <a:lnSpc>
+                <a:spcPct val="100000"/>
+              </a:lnSpc>
+            </a:pPr>
+            <a:r>
+              <a:rPr b="0" lang="en-IN" sz="1800" spc="-1" strike="noStrike">
+                <a:solidFill>
+                  <a:srgbClr val="000000"/>
+                </a:solidFill>
+                <a:latin typeface="Arial"/>
+                <a:ea typeface="DejaVu Sans"/>
+              </a:rPr>
+              <a:t>In this the entity can participate in many-one/many-many relationship</a:t>
+            </a:r>
+            <a:endParaRPr b="0" lang="en-IN" sz="1800" spc="-1" strike="noStrike">
+              <a:latin typeface="Arial"/>
+            </a:endParaRPr>
+          </a:p>
+        </p:txBody>
+      </p:sp>
+    </p:spTree>
+  </p:cSld>
+  <mc:AlternateContent>
+    <mc:Choice Requires="p14">
+      <p:transition spd="slow" p14:dur="2000"/>
+    </mc:Choice>
+    <mc:Fallback>
+      <p:transition spd="slow"/>
+    </mc:Fallback>
+  </mc:AlternateContent>
+</p:sld>
+</file>
+
+<file path=ppt/slides/slide6.xml><?xml version="1.0" encoding="utf-8"?>
+<p:sld xmlns:a="http://schemas.openxmlformats.org/drawingml/2006/main" xmlns:p="http://schemas.openxmlformats.org/presentationml/2006/main" xmlns:r="http://schemas.openxmlformats.org/officeDocument/2006/relationships" xmlns:p14="http://schemas.microsoft.com/office/powerpoint/2010/main" xmlns:p15="http://schemas.microsoft.com/office/powerpoint/2012/main" xmlns:mc="http://schemas.openxmlformats.org/markup-compatibility/2006">
+  <p:cSld>
+    <p:spTree>
+      <p:nvGrpSpPr>
+        <p:cNvPr id="1" name=""/>
+        <p:cNvGrpSpPr/>
+        <p:nvPr/>
+      </p:nvGrpSpPr>
+      <p:grpSpPr>
+        <a:xfrm>
+          <a:off x="0" y="0"/>
+          <a:ext cx="0" cy="0"/>
+          <a:chOff x="0" y="0"/>
+          <a:chExt cx="0" cy="0"/>
+        </a:xfrm>
+      </p:grpSpPr>
+      <p:sp>
+        <p:nvSpPr>
+          <p:cNvPr id="123" name="CustomShape 1"/>
+          <p:cNvSpPr/>
+          <p:nvPr/>
+        </p:nvSpPr>
+        <p:spPr>
+          <a:xfrm>
+            <a:off x="1908000" y="2232000"/>
+            <a:ext cx="1438560" cy="790560"/>
+          </a:xfrm>
+          <a:prstGeom prst="rect">
+            <a:avLst/>
+          </a:prstGeom>
+          <a:solidFill>
+            <a:srgbClr val="729fcf"/>
+          </a:solidFill>
+          <a:ln>
+            <a:solidFill>
+              <a:srgbClr val="3465a4"/>
+            </a:solidFill>
+          </a:ln>
+        </p:spPr>
+        <p:style>
+          <a:lnRef idx="0"/>
+          <a:fillRef idx="0"/>
+          <a:effectRef idx="0"/>
+          <a:fontRef idx="minor"/>
+        </p:style>
+        <p:txBody>
+          <a:bodyPr wrap="none" lIns="90000" rIns="90000" tIns="45000" bIns="45000" anchor="ctr">
+            <a:noAutofit/>
+          </a:bodyPr>
+          <a:p>
+            <a:pPr algn="ctr">
+              <a:lnSpc>
+                <a:spcPct val="100000"/>
+              </a:lnSpc>
+            </a:pPr>
+            <a:r>
+              <a:rPr b="0" lang="en-IN" sz="1800" spc="-1" strike="noStrike">
+                <a:solidFill>
+                  <a:srgbClr val="000000"/>
+                </a:solidFill>
+                <a:latin typeface="Arial"/>
+                <a:ea typeface="DejaVu Sans"/>
+              </a:rPr>
+              <a:t>BOOKS</a:t>
+            </a:r>
+            <a:endParaRPr b="0" lang="en-IN" sz="1800" spc="-1" strike="noStrike">
+              <a:latin typeface="Arial"/>
+            </a:endParaRPr>
+          </a:p>
+        </p:txBody>
+      </p:sp>
+      <p:sp>
+        <p:nvSpPr>
+          <p:cNvPr id="124" name="CustomShape 2"/>
+          <p:cNvSpPr/>
+          <p:nvPr/>
+        </p:nvSpPr>
+        <p:spPr>
+          <a:xfrm>
+            <a:off x="6084000" y="2232000"/>
+            <a:ext cx="1438560" cy="790560"/>
+          </a:xfrm>
+          <a:prstGeom prst="rect">
+            <a:avLst/>
+          </a:prstGeom>
+          <a:solidFill>
+            <a:srgbClr val="729fcf"/>
+          </a:solidFill>
+          <a:ln>
+            <a:solidFill>
+              <a:srgbClr val="3465a4"/>
+            </a:solidFill>
+          </a:ln>
+        </p:spPr>
+        <p:style>
+          <a:lnRef idx="0"/>
+          <a:fillRef idx="0"/>
+          <a:effectRef idx="0"/>
+          <a:fontRef idx="minor"/>
+        </p:style>
+        <p:txBody>
+          <a:bodyPr wrap="none" lIns="90000" rIns="90000" tIns="45000" bIns="45000" anchor="ctr">
+            <a:noAutofit/>
+          </a:bodyPr>
+          <a:p>
+            <a:pPr algn="ctr">
+              <a:lnSpc>
+                <a:spcPct val="100000"/>
+              </a:lnSpc>
+            </a:pPr>
+            <a:r>
+              <a:rPr b="0" lang="en-IN" sz="1800" spc="-1" strike="noStrike">
+                <a:solidFill>
+                  <a:srgbClr val="000000"/>
+                </a:solidFill>
+                <a:latin typeface="Arial"/>
+                <a:ea typeface="DejaVu Sans"/>
+              </a:rPr>
+              <a:t>USERS</a:t>
+            </a:r>
+            <a:endParaRPr b="0" lang="en-IN" sz="1800" spc="-1" strike="noStrike">
+              <a:latin typeface="Arial"/>
+            </a:endParaRPr>
+          </a:p>
+        </p:txBody>
+      </p:sp>
+      <p:sp>
+        <p:nvSpPr>
+          <p:cNvPr id="125" name="CustomShape 3"/>
+          <p:cNvSpPr/>
+          <p:nvPr/>
+        </p:nvSpPr>
+        <p:spPr>
+          <a:xfrm>
+            <a:off x="4032000" y="1944000"/>
+            <a:ext cx="1438560" cy="1366560"/>
+          </a:xfrm>
+          <a:custGeom>
+            <a:avLst/>
+            <a:gdLst/>
+            <a:ahLst/>
+            <a:rect l="l" t="t" r="r" b="b"/>
+            <a:pathLst>
+              <a:path w="21600" h="21600">
+                <a:moveTo>
+                  <a:pt x="10800" y="0"/>
+                </a:moveTo>
+                <a:lnTo>
+                  <a:pt x="21600" y="10800"/>
+                </a:lnTo>
+                <a:lnTo>
+                  <a:pt x="10800" y="21600"/>
+                </a:lnTo>
+                <a:lnTo>
+                  <a:pt x="0" y="10800"/>
+                </a:lnTo>
+                <a:lnTo>
+                  <a:pt x="10800" y="0"/>
+                </a:lnTo>
+                <a:close/>
+              </a:path>
+            </a:pathLst>
+          </a:custGeom>
+          <a:solidFill>
+            <a:srgbClr val="729fcf"/>
+          </a:solidFill>
+          <a:ln>
+            <a:solidFill>
+              <a:srgbClr val="3465a4"/>
+            </a:solidFill>
+          </a:ln>
+        </p:spPr>
+        <p:style>
+          <a:lnRef idx="0"/>
+          <a:fillRef idx="0"/>
+          <a:effectRef idx="0"/>
+          <a:fontRef idx="minor"/>
+        </p:style>
+        <p:txBody>
+          <a:bodyPr wrap="none" lIns="90000" rIns="90000" tIns="45000" bIns="45000" anchor="ctr">
+            <a:noAutofit/>
+          </a:bodyPr>
+          <a:p>
+            <a:pPr algn="ctr">
+              <a:lnSpc>
+                <a:spcPct val="100000"/>
+              </a:lnSpc>
+            </a:pPr>
+            <a:r>
+              <a:rPr b="0" lang="en-IN" sz="1800" spc="-1" strike="noStrike">
+                <a:solidFill>
+                  <a:srgbClr val="000000"/>
+                </a:solidFill>
+                <a:latin typeface="Arial"/>
+                <a:ea typeface="DejaVu Sans"/>
+              </a:rPr>
+              <a:t>Borrowed</a:t>
+            </a:r>
+            <a:endParaRPr b="0" lang="en-IN" sz="1800" spc="-1" strike="noStrike">
+              <a:latin typeface="Arial"/>
+            </a:endParaRPr>
+          </a:p>
+          <a:p>
+            <a:pPr algn="ctr">
+              <a:lnSpc>
+                <a:spcPct val="100000"/>
+              </a:lnSpc>
+            </a:pPr>
+            <a:r>
+              <a:rPr b="0" lang="en-IN" sz="1800" spc="-1" strike="noStrike">
+                <a:solidFill>
+                  <a:srgbClr val="000000"/>
+                </a:solidFill>
+                <a:latin typeface="Arial"/>
+                <a:ea typeface="DejaVu Sans"/>
+              </a:rPr>
+              <a:t>By</a:t>
+            </a:r>
+            <a:endParaRPr b="0" lang="en-IN" sz="1800" spc="-1" strike="noStrike">
+              <a:latin typeface="Arial"/>
+            </a:endParaRPr>
+          </a:p>
+        </p:txBody>
+      </p:sp>
+      <p:sp>
+        <p:nvSpPr>
+          <p:cNvPr id="126" name="Line 4"/>
+          <p:cNvSpPr/>
+          <p:nvPr/>
+        </p:nvSpPr>
+        <p:spPr>
+          <a:xfrm>
+            <a:off x="3348000" y="2628000"/>
+            <a:ext cx="684000" cy="0"/>
+          </a:xfrm>
+          <a:prstGeom prst="line">
+            <a:avLst/>
+          </a:prstGeom>
+          <a:ln>
+            <a:solidFill>
+              <a:srgbClr val="3465a4"/>
+            </a:solidFill>
+          </a:ln>
+        </p:spPr>
+        <p:style>
+          <a:lnRef idx="0"/>
+          <a:fillRef idx="0"/>
+          <a:effectRef idx="0"/>
+          <a:fontRef idx="minor"/>
+        </p:style>
+      </p:sp>
+      <p:sp>
+        <p:nvSpPr>
+          <p:cNvPr id="127" name="Line 5"/>
+          <p:cNvSpPr/>
+          <p:nvPr/>
+        </p:nvSpPr>
+        <p:spPr>
+          <a:xfrm>
+            <a:off x="0" y="0"/>
+            <a:ext cx="360" cy="360"/>
+          </a:xfrm>
+          <a:prstGeom prst="line">
+            <a:avLst/>
+          </a:prstGeom>
+          <a:ln>
+            <a:solidFill>
+              <a:srgbClr val="3465a4"/>
+            </a:solidFill>
+          </a:ln>
+        </p:spPr>
+        <p:style>
+          <a:lnRef idx="0"/>
+          <a:fillRef idx="0"/>
+          <a:effectRef idx="0"/>
+          <a:fontRef idx="minor"/>
+        </p:style>
+      </p:sp>
+      <p:sp>
+        <p:nvSpPr>
+          <p:cNvPr id="128" name="Line 6"/>
+          <p:cNvSpPr/>
+          <p:nvPr/>
+        </p:nvSpPr>
+        <p:spPr>
+          <a:xfrm>
+            <a:off x="0" y="0"/>
+            <a:ext cx="360" cy="360"/>
+          </a:xfrm>
+          <a:prstGeom prst="line">
+            <a:avLst/>
+          </a:prstGeom>
+          <a:ln>
+            <a:solidFill>
+              <a:srgbClr val="3465a4"/>
+            </a:solidFill>
+          </a:ln>
+        </p:spPr>
+        <p:style>
+          <a:lnRef idx="0"/>
+          <a:fillRef idx="0"/>
+          <a:effectRef idx="0"/>
+          <a:fontRef idx="minor"/>
+        </p:style>
+      </p:sp>
+      <p:sp>
+        <p:nvSpPr>
+          <p:cNvPr id="129" name="Line 7"/>
+          <p:cNvSpPr/>
+          <p:nvPr/>
+        </p:nvSpPr>
+        <p:spPr>
+          <a:xfrm>
+            <a:off x="5471280" y="2628000"/>
+            <a:ext cx="612720" cy="0"/>
+          </a:xfrm>
+          <a:prstGeom prst="line">
+            <a:avLst/>
+          </a:prstGeom>
+          <a:ln>
+            <a:solidFill>
+              <a:srgbClr val="3465a4"/>
+            </a:solidFill>
+            <a:tailEnd len="med" type="triangle" w="med"/>
+          </a:ln>
+        </p:spPr>
+        <p:style>
+          <a:lnRef idx="0"/>
+          <a:fillRef idx="0"/>
+          <a:effectRef idx="0"/>
+          <a:fontRef idx="minor"/>
+        </p:style>
+      </p:sp>
+      <p:sp>
+        <p:nvSpPr>
+          <p:cNvPr id="130" name="CustomShape 8"/>
+          <p:cNvSpPr/>
+          <p:nvPr/>
+        </p:nvSpPr>
+        <p:spPr>
+          <a:xfrm>
+            <a:off x="2592000" y="3636000"/>
+            <a:ext cx="7127280" cy="601560"/>
+          </a:xfrm>
+          <a:prstGeom prst="rect">
+            <a:avLst/>
+          </a:prstGeom>
+          <a:noFill/>
+          <a:ln>
+            <a:noFill/>
+          </a:ln>
+        </p:spPr>
+        <p:style>
+          <a:lnRef idx="0"/>
+          <a:fillRef idx="0"/>
+          <a:effectRef idx="0"/>
+          <a:fontRef idx="minor"/>
+        </p:style>
+        <p:txBody>
+          <a:bodyPr lIns="90000" rIns="90000" tIns="45000" bIns="45000">
+            <a:noAutofit/>
+          </a:bodyPr>
+          <a:p>
+            <a:pPr>
+              <a:lnSpc>
+                <a:spcPct val="100000"/>
+              </a:lnSpc>
+            </a:pPr>
+            <a:r>
+              <a:rPr b="0" lang="en-IN" sz="1800" spc="-1" strike="noStrike">
+                <a:solidFill>
+                  <a:srgbClr val="000000"/>
+                </a:solidFill>
+                <a:latin typeface="Arial"/>
+                <a:ea typeface="DejaVu Sans"/>
+              </a:rPr>
+              <a:t>ONE user can borrow MANY books.</a:t>
+            </a:r>
+            <a:endParaRPr b="0" lang="en-IN" sz="1800" spc="-1" strike="noStrike">
+              <a:latin typeface="Arial"/>
+            </a:endParaRPr>
+          </a:p>
+          <a:p>
+            <a:pPr>
+              <a:lnSpc>
+                <a:spcPct val="100000"/>
+              </a:lnSpc>
+            </a:pPr>
+            <a:r>
+              <a:rPr b="0" lang="en-IN" sz="1800" spc="-1" strike="noStrike">
+                <a:solidFill>
+                  <a:srgbClr val="000000"/>
+                </a:solidFill>
+                <a:latin typeface="Arial"/>
+                <a:ea typeface="DejaVu Sans"/>
+              </a:rPr>
+              <a:t>MANY books can be borrowed by ONE USER</a:t>
+            </a:r>
+            <a:endParaRPr b="0" lang="en-IN" sz="1800" spc="-1" strike="noStrike">
+              <a:latin typeface="Arial"/>
+            </a:endParaRPr>
+          </a:p>
+        </p:txBody>
+      </p:sp>
+    </p:spTree>
+  </p:cSld>
+  <mc:AlternateContent>
+    <mc:Choice Requires="p14">
+      <p:transition spd="slow" p14:dur="2000"/>
+    </mc:Choice>
+    <mc:Fallback>
+      <p:transition spd="slow"/>
+    </mc:Fallback>
+  </mc:AlternateContent>
+</p:sld>
+</file>
+
+<file path=ppt/slides/slide7.xml><?xml version="1.0" encoding="utf-8"?>
+<p:sld xmlns:a="http://schemas.openxmlformats.org/drawingml/2006/main" xmlns:p="http://schemas.openxmlformats.org/presentationml/2006/main" xmlns:r="http://schemas.openxmlformats.org/officeDocument/2006/relationships" xmlns:p14="http://schemas.microsoft.com/office/powerpoint/2010/main" xmlns:p15="http://schemas.microsoft.com/office/powerpoint/2012/main" xmlns:mc="http://schemas.openxmlformats.org/markup-compatibility/2006">
+  <p:cSld>
+    <p:spTree>
+      <p:nvGrpSpPr>
+        <p:cNvPr id="1" name=""/>
+        <p:cNvGrpSpPr/>
+        <p:nvPr/>
+      </p:nvGrpSpPr>
+      <p:grpSpPr>
+        <a:xfrm>
+          <a:off x="0" y="0"/>
+          <a:ext cx="0" cy="0"/>
+          <a:chOff x="0" y="0"/>
+          <a:chExt cx="0" cy="0"/>
+        </a:xfrm>
+      </p:grpSpPr>
+      <p:sp>
+        <p:nvSpPr>
+          <p:cNvPr id="131" name="CustomShape 1"/>
+          <p:cNvSpPr/>
+          <p:nvPr/>
+        </p:nvSpPr>
+        <p:spPr>
+          <a:xfrm>
+            <a:off x="5934960" y="2130480"/>
+            <a:ext cx="1697040" cy="1008000"/>
+          </a:xfrm>
+          <a:prstGeom prst="rect">
+            <a:avLst/>
+          </a:prstGeom>
+          <a:solidFill>
+            <a:srgbClr val="729fcf"/>
+          </a:solidFill>
+          <a:ln>
+            <a:solidFill>
+              <a:srgbClr val="3465a4"/>
+            </a:solidFill>
+          </a:ln>
+        </p:spPr>
+        <p:style>
+          <a:lnRef idx="0"/>
+          <a:fillRef idx="0"/>
+          <a:effectRef idx="0"/>
+          <a:fontRef idx="minor"/>
+        </p:style>
+      </p:sp>
+      <p:sp>
+        <p:nvSpPr>
+          <p:cNvPr id="132" name="CustomShape 2"/>
+          <p:cNvSpPr/>
+          <p:nvPr/>
+        </p:nvSpPr>
+        <p:spPr>
+          <a:xfrm>
+            <a:off x="1908000" y="2232000"/>
+            <a:ext cx="1438560" cy="790560"/>
+          </a:xfrm>
+          <a:prstGeom prst="rect">
+            <a:avLst/>
+          </a:prstGeom>
+          <a:solidFill>
+            <a:srgbClr val="729fcf"/>
+          </a:solidFill>
+          <a:ln>
+            <a:solidFill>
+              <a:srgbClr val="3465a4"/>
+            </a:solidFill>
+          </a:ln>
+        </p:spPr>
+        <p:style>
+          <a:lnRef idx="0"/>
+          <a:fillRef idx="0"/>
+          <a:effectRef idx="0"/>
+          <a:fontRef idx="minor"/>
+        </p:style>
+        <p:txBody>
+          <a:bodyPr wrap="none" lIns="90000" rIns="90000" tIns="45000" bIns="45000" anchor="ctr">
+            <a:noAutofit/>
+          </a:bodyPr>
+          <a:p>
+            <a:pPr algn="ctr">
+              <a:lnSpc>
+                <a:spcPct val="100000"/>
+              </a:lnSpc>
+            </a:pPr>
+            <a:r>
+              <a:rPr b="0" lang="en-IN" sz="1800" spc="-1" strike="noStrike">
+                <a:solidFill>
+                  <a:srgbClr val="000000"/>
+                </a:solidFill>
+                <a:latin typeface="Arial"/>
+                <a:ea typeface="DejaVu Sans"/>
+              </a:rPr>
+              <a:t>CUSTOMER</a:t>
+            </a:r>
+            <a:endParaRPr b="0" lang="en-IN" sz="1800" spc="-1" strike="noStrike">
+              <a:latin typeface="Arial"/>
+            </a:endParaRPr>
+          </a:p>
+        </p:txBody>
+      </p:sp>
+      <p:sp>
+        <p:nvSpPr>
+          <p:cNvPr id="133" name="CustomShape 3"/>
+          <p:cNvSpPr/>
+          <p:nvPr/>
+        </p:nvSpPr>
+        <p:spPr>
+          <a:xfrm>
+            <a:off x="6084000" y="2232000"/>
+            <a:ext cx="1438560" cy="790560"/>
+          </a:xfrm>
+          <a:prstGeom prst="rect">
+            <a:avLst/>
+          </a:prstGeom>
+          <a:solidFill>
+            <a:srgbClr val="729fcf"/>
+          </a:solidFill>
+          <a:ln>
+            <a:solidFill>
+              <a:srgbClr val="3465a4"/>
+            </a:solidFill>
+          </a:ln>
+        </p:spPr>
+        <p:style>
+          <a:lnRef idx="0"/>
+          <a:fillRef idx="0"/>
+          <a:effectRef idx="0"/>
+          <a:fontRef idx="minor"/>
+        </p:style>
+        <p:txBody>
+          <a:bodyPr wrap="none" lIns="90000" rIns="90000" tIns="45000" bIns="45000" anchor="ctr">
+            <a:noAutofit/>
+          </a:bodyPr>
+          <a:p>
+            <a:pPr algn="ctr">
+              <a:lnSpc>
+                <a:spcPct val="100000"/>
+              </a:lnSpc>
+            </a:pPr>
+            <a:r>
+              <a:rPr b="0" lang="en-IN" sz="1800" spc="-1" strike="noStrike">
+                <a:solidFill>
+                  <a:srgbClr val="000000"/>
+                </a:solidFill>
+                <a:latin typeface="Arial"/>
+                <a:ea typeface="DejaVu Sans"/>
+              </a:rPr>
+              <a:t>ACCOUNT</a:t>
+            </a:r>
+            <a:endParaRPr b="0" lang="en-IN" sz="1800" spc="-1" strike="noStrike">
+              <a:latin typeface="Arial"/>
+            </a:endParaRPr>
+          </a:p>
+        </p:txBody>
+      </p:sp>
+      <p:sp>
+        <p:nvSpPr>
+          <p:cNvPr id="134" name="CustomShape 4"/>
+          <p:cNvSpPr/>
+          <p:nvPr/>
+        </p:nvSpPr>
+        <p:spPr>
+          <a:xfrm>
+            <a:off x="4032000" y="1944000"/>
+            <a:ext cx="1438560" cy="1366560"/>
+          </a:xfrm>
+          <a:custGeom>
+            <a:avLst/>
+            <a:gdLst/>
+            <a:ahLst/>
+            <a:rect l="l" t="t" r="r" b="b"/>
+            <a:pathLst>
+              <a:path w="21600" h="21600">
+                <a:moveTo>
+                  <a:pt x="10800" y="0"/>
+                </a:moveTo>
+                <a:lnTo>
+                  <a:pt x="21600" y="10800"/>
+                </a:lnTo>
+                <a:lnTo>
+                  <a:pt x="10800" y="21600"/>
+                </a:lnTo>
+                <a:lnTo>
+                  <a:pt x="0" y="10800"/>
+                </a:lnTo>
+                <a:lnTo>
+                  <a:pt x="10800" y="0"/>
+                </a:lnTo>
+                <a:close/>
+              </a:path>
+            </a:pathLst>
+          </a:custGeom>
+          <a:solidFill>
+            <a:srgbClr val="729fcf"/>
+          </a:solidFill>
+          <a:ln>
+            <a:solidFill>
+              <a:srgbClr val="3465a4"/>
+            </a:solidFill>
+          </a:ln>
+        </p:spPr>
+        <p:style>
+          <a:lnRef idx="0"/>
+          <a:fillRef idx="0"/>
+          <a:effectRef idx="0"/>
+          <a:fontRef idx="minor"/>
+        </p:style>
+        <p:txBody>
+          <a:bodyPr wrap="none" lIns="90000" rIns="90000" tIns="45000" bIns="45000" anchor="ctr">
+            <a:noAutofit/>
+          </a:bodyPr>
+          <a:p>
+            <a:pPr algn="ctr">
+              <a:lnSpc>
+                <a:spcPct val="100000"/>
+              </a:lnSpc>
+            </a:pPr>
+            <a:r>
+              <a:rPr b="0" lang="en-IN" sz="1800" spc="-1" strike="noStrike">
+                <a:solidFill>
+                  <a:srgbClr val="000000"/>
+                </a:solidFill>
+                <a:latin typeface="Arial"/>
+                <a:ea typeface="DejaVu Sans"/>
+              </a:rPr>
+              <a:t>ACC</a:t>
+            </a:r>
+            <a:endParaRPr b="0" lang="en-IN" sz="1800" spc="-1" strike="noStrike">
+              <a:latin typeface="Arial"/>
+            </a:endParaRPr>
+          </a:p>
+        </p:txBody>
+      </p:sp>
+      <p:sp>
+        <p:nvSpPr>
+          <p:cNvPr id="135" name="Line 5"/>
+          <p:cNvSpPr/>
+          <p:nvPr/>
+        </p:nvSpPr>
+        <p:spPr>
+          <a:xfrm>
+            <a:off x="3348000" y="2628000"/>
+            <a:ext cx="684000" cy="0"/>
+          </a:xfrm>
+          <a:prstGeom prst="line">
+            <a:avLst/>
+          </a:prstGeom>
+          <a:ln>
+            <a:solidFill>
+              <a:srgbClr val="3465a4"/>
+            </a:solidFill>
+          </a:ln>
+        </p:spPr>
+        <p:style>
+          <a:lnRef idx="0"/>
+          <a:fillRef idx="0"/>
+          <a:effectRef idx="0"/>
+          <a:fontRef idx="minor"/>
+        </p:style>
+      </p:sp>
+      <p:sp>
+        <p:nvSpPr>
+          <p:cNvPr id="136" name="Line 6"/>
+          <p:cNvSpPr/>
+          <p:nvPr/>
+        </p:nvSpPr>
+        <p:spPr>
+          <a:xfrm>
+            <a:off x="0" y="0"/>
+            <a:ext cx="360" cy="360"/>
+          </a:xfrm>
+          <a:prstGeom prst="line">
+            <a:avLst/>
+          </a:prstGeom>
+          <a:ln>
+            <a:solidFill>
+              <a:srgbClr val="3465a4"/>
+            </a:solidFill>
+          </a:ln>
+        </p:spPr>
+        <p:style>
+          <a:lnRef idx="0"/>
+          <a:fillRef idx="0"/>
+          <a:effectRef idx="0"/>
+          <a:fontRef idx="minor"/>
+        </p:style>
+      </p:sp>
+      <p:sp>
+        <p:nvSpPr>
+          <p:cNvPr id="137" name="Line 7"/>
+          <p:cNvSpPr/>
+          <p:nvPr/>
+        </p:nvSpPr>
+        <p:spPr>
+          <a:xfrm>
+            <a:off x="0" y="0"/>
+            <a:ext cx="360" cy="360"/>
+          </a:xfrm>
+          <a:prstGeom prst="line">
+            <a:avLst/>
+          </a:prstGeom>
+          <a:ln>
+            <a:solidFill>
+              <a:srgbClr val="3465a4"/>
+            </a:solidFill>
+          </a:ln>
+        </p:spPr>
+        <p:style>
+          <a:lnRef idx="0"/>
+          <a:fillRef idx="0"/>
+          <a:effectRef idx="0"/>
+          <a:fontRef idx="minor"/>
+        </p:style>
+      </p:sp>
+      <p:sp>
+        <p:nvSpPr>
+          <p:cNvPr id="138" name="CustomShape 8"/>
+          <p:cNvSpPr/>
+          <p:nvPr/>
+        </p:nvSpPr>
+        <p:spPr>
+          <a:xfrm>
+            <a:off x="1764000" y="3564000"/>
+            <a:ext cx="7127280" cy="601560"/>
+          </a:xfrm>
+          <a:prstGeom prst="rect">
+            <a:avLst/>
+          </a:prstGeom>
+          <a:noFill/>
+          <a:ln>
+            <a:noFill/>
+          </a:ln>
+        </p:spPr>
+        <p:style>
+          <a:lnRef idx="0"/>
+          <a:fillRef idx="0"/>
+          <a:effectRef idx="0"/>
+          <a:fontRef idx="minor"/>
+        </p:style>
+        <p:txBody>
+          <a:bodyPr lIns="90000" rIns="90000" tIns="45000" bIns="45000">
+            <a:noAutofit/>
+          </a:bodyPr>
+          <a:p>
+            <a:pPr>
+              <a:lnSpc>
+                <a:spcPct val="100000"/>
+              </a:lnSpc>
+            </a:pPr>
+            <a:r>
+              <a:rPr b="0" lang="en-IN" sz="1800" spc="-1" strike="noStrike">
+                <a:solidFill>
+                  <a:srgbClr val="000000"/>
+                </a:solidFill>
+                <a:latin typeface="Arial"/>
+                <a:ea typeface="DejaVu Sans"/>
+              </a:rPr>
+              <a:t>A</a:t>
+            </a:r>
+            <a:r>
+              <a:rPr b="0" lang="en-IN" sz="1800" spc="-1" strike="noStrike">
+                <a:solidFill>
+                  <a:srgbClr val="000000"/>
+                </a:solidFill>
+                <a:latin typeface="Arial"/>
+                <a:ea typeface="DejaVu Sans"/>
+              </a:rPr>
+              <a:t>C</a:t>
+            </a:r>
+            <a:r>
+              <a:rPr b="0" lang="en-IN" sz="1800" spc="-1" strike="noStrike">
+                <a:solidFill>
+                  <a:srgbClr val="000000"/>
+                </a:solidFill>
+                <a:latin typeface="Arial"/>
+                <a:ea typeface="DejaVu Sans"/>
+              </a:rPr>
+              <a:t>C</a:t>
+            </a:r>
+            <a:r>
+              <a:rPr b="0" lang="en-IN" sz="1800" spc="-1" strike="noStrike">
+                <a:solidFill>
+                  <a:srgbClr val="000000"/>
+                </a:solidFill>
+                <a:latin typeface="Arial"/>
+                <a:ea typeface="DejaVu Sans"/>
+              </a:rPr>
+              <a:t>O</a:t>
+            </a:r>
+            <a:r>
+              <a:rPr b="0" lang="en-IN" sz="1800" spc="-1" strike="noStrike">
+                <a:solidFill>
+                  <a:srgbClr val="000000"/>
+                </a:solidFill>
+                <a:latin typeface="Arial"/>
+                <a:ea typeface="DejaVu Sans"/>
+              </a:rPr>
+              <a:t>U</a:t>
+            </a:r>
+            <a:r>
+              <a:rPr b="0" lang="en-IN" sz="1800" spc="-1" strike="noStrike">
+                <a:solidFill>
+                  <a:srgbClr val="000000"/>
+                </a:solidFill>
+                <a:latin typeface="Arial"/>
+                <a:ea typeface="DejaVu Sans"/>
+              </a:rPr>
+              <a:t>N</a:t>
+            </a:r>
+            <a:r>
+              <a:rPr b="0" lang="en-IN" sz="1800" spc="-1" strike="noStrike">
+                <a:solidFill>
+                  <a:srgbClr val="000000"/>
+                </a:solidFill>
+                <a:latin typeface="Arial"/>
+                <a:ea typeface="DejaVu Sans"/>
+              </a:rPr>
+              <a:t>T</a:t>
+            </a:r>
+            <a:r>
+              <a:rPr b="0" lang="en-IN" sz="1800" spc="-1" strike="noStrike">
+                <a:solidFill>
+                  <a:srgbClr val="000000"/>
+                </a:solidFill>
+                <a:latin typeface="Arial"/>
+                <a:ea typeface="DejaVu Sans"/>
+              </a:rPr>
+              <a:t> </a:t>
+            </a:r>
+            <a:r>
+              <a:rPr b="0" lang="en-IN" sz="1800" spc="-1" strike="noStrike">
+                <a:solidFill>
+                  <a:srgbClr val="000000"/>
+                </a:solidFill>
+                <a:latin typeface="Arial"/>
+                <a:ea typeface="DejaVu Sans"/>
+              </a:rPr>
+              <a:t>i</a:t>
+            </a:r>
+            <a:r>
+              <a:rPr b="0" lang="en-IN" sz="1800" spc="-1" strike="noStrike">
+                <a:solidFill>
+                  <a:srgbClr val="000000"/>
+                </a:solidFill>
+                <a:latin typeface="Arial"/>
+                <a:ea typeface="DejaVu Sans"/>
+              </a:rPr>
+              <a:t>s</a:t>
+            </a:r>
+            <a:r>
+              <a:rPr b="0" lang="en-IN" sz="1800" spc="-1" strike="noStrike">
+                <a:solidFill>
+                  <a:srgbClr val="000000"/>
+                </a:solidFill>
+                <a:latin typeface="Arial"/>
+                <a:ea typeface="DejaVu Sans"/>
+              </a:rPr>
+              <a:t> </a:t>
+            </a:r>
+            <a:r>
+              <a:rPr b="0" lang="en-IN" sz="1800" spc="-1" strike="noStrike">
+                <a:solidFill>
+                  <a:srgbClr val="000000"/>
+                </a:solidFill>
+                <a:latin typeface="Arial"/>
+                <a:ea typeface="DejaVu Sans"/>
+              </a:rPr>
+              <a:t>E</a:t>
+            </a:r>
+            <a:r>
+              <a:rPr b="0" lang="en-IN" sz="1800" spc="-1" strike="noStrike">
+                <a:solidFill>
+                  <a:srgbClr val="000000"/>
+                </a:solidFill>
+                <a:latin typeface="Arial"/>
+                <a:ea typeface="DejaVu Sans"/>
+              </a:rPr>
+              <a:t>X</a:t>
+            </a:r>
+            <a:r>
+              <a:rPr b="0" lang="en-IN" sz="1800" spc="-1" strike="noStrike">
+                <a:solidFill>
+                  <a:srgbClr val="000000"/>
+                </a:solidFill>
+                <a:latin typeface="Arial"/>
+                <a:ea typeface="DejaVu Sans"/>
+              </a:rPr>
+              <a:t>I</a:t>
+            </a:r>
+            <a:r>
+              <a:rPr b="0" lang="en-IN" sz="1800" spc="-1" strike="noStrike">
+                <a:solidFill>
+                  <a:srgbClr val="000000"/>
+                </a:solidFill>
+                <a:latin typeface="Arial"/>
+                <a:ea typeface="DejaVu Sans"/>
+              </a:rPr>
+              <a:t>S</a:t>
+            </a:r>
+            <a:r>
+              <a:rPr b="0" lang="en-IN" sz="1800" spc="-1" strike="noStrike">
+                <a:solidFill>
+                  <a:srgbClr val="000000"/>
+                </a:solidFill>
+                <a:latin typeface="Arial"/>
+                <a:ea typeface="DejaVu Sans"/>
+              </a:rPr>
+              <a:t>T</a:t>
+            </a:r>
+            <a:r>
+              <a:rPr b="0" lang="en-IN" sz="1800" spc="-1" strike="noStrike">
+                <a:solidFill>
+                  <a:srgbClr val="000000"/>
+                </a:solidFill>
+                <a:latin typeface="Arial"/>
+                <a:ea typeface="DejaVu Sans"/>
+              </a:rPr>
+              <a:t>E</a:t>
+            </a:r>
+            <a:r>
+              <a:rPr b="0" lang="en-IN" sz="1800" spc="-1" strike="noStrike">
+                <a:solidFill>
+                  <a:srgbClr val="000000"/>
+                </a:solidFill>
+                <a:latin typeface="Arial"/>
+                <a:ea typeface="DejaVu Sans"/>
+              </a:rPr>
+              <a:t>N</a:t>
+            </a:r>
+            <a:r>
+              <a:rPr b="0" lang="en-IN" sz="1800" spc="-1" strike="noStrike">
+                <a:solidFill>
+                  <a:srgbClr val="000000"/>
+                </a:solidFill>
+                <a:latin typeface="Arial"/>
+                <a:ea typeface="DejaVu Sans"/>
+              </a:rPr>
+              <a:t>T</a:t>
+            </a:r>
+            <a:r>
+              <a:rPr b="0" lang="en-IN" sz="1800" spc="-1" strike="noStrike">
+                <a:solidFill>
+                  <a:srgbClr val="000000"/>
+                </a:solidFill>
+                <a:latin typeface="Arial"/>
+                <a:ea typeface="DejaVu Sans"/>
+              </a:rPr>
+              <a:t> </a:t>
+            </a:r>
+            <a:r>
+              <a:rPr b="0" lang="en-IN" sz="1800" spc="-1" strike="noStrike">
+                <a:solidFill>
+                  <a:srgbClr val="000000"/>
+                </a:solidFill>
+                <a:latin typeface="Arial"/>
+                <a:ea typeface="DejaVu Sans"/>
+              </a:rPr>
+              <a:t>D</a:t>
+            </a:r>
+            <a:r>
+              <a:rPr b="0" lang="en-IN" sz="1800" spc="-1" strike="noStrike">
+                <a:solidFill>
+                  <a:srgbClr val="000000"/>
+                </a:solidFill>
+                <a:latin typeface="Arial"/>
+                <a:ea typeface="DejaVu Sans"/>
+              </a:rPr>
+              <a:t>E</a:t>
+            </a:r>
+            <a:r>
+              <a:rPr b="0" lang="en-IN" sz="1800" spc="-1" strike="noStrike">
+                <a:solidFill>
+                  <a:srgbClr val="000000"/>
+                </a:solidFill>
+                <a:latin typeface="Arial"/>
+                <a:ea typeface="DejaVu Sans"/>
+              </a:rPr>
+              <a:t>P</a:t>
+            </a:r>
+            <a:r>
+              <a:rPr b="0" lang="en-IN" sz="1800" spc="-1" strike="noStrike">
+                <a:solidFill>
+                  <a:srgbClr val="000000"/>
+                </a:solidFill>
+                <a:latin typeface="Arial"/>
+                <a:ea typeface="DejaVu Sans"/>
+              </a:rPr>
+              <a:t>E</a:t>
+            </a:r>
+            <a:r>
+              <a:rPr b="0" lang="en-IN" sz="1800" spc="-1" strike="noStrike">
+                <a:solidFill>
+                  <a:srgbClr val="000000"/>
+                </a:solidFill>
+                <a:latin typeface="Arial"/>
+                <a:ea typeface="DejaVu Sans"/>
+              </a:rPr>
+              <a:t>N</a:t>
+            </a:r>
+            <a:r>
+              <a:rPr b="0" lang="en-IN" sz="1800" spc="-1" strike="noStrike">
+                <a:solidFill>
+                  <a:srgbClr val="000000"/>
+                </a:solidFill>
+                <a:latin typeface="Arial"/>
+                <a:ea typeface="DejaVu Sans"/>
+              </a:rPr>
+              <a:t>D</a:t>
+            </a:r>
+            <a:r>
+              <a:rPr b="0" lang="en-IN" sz="1800" spc="-1" strike="noStrike">
+                <a:solidFill>
+                  <a:srgbClr val="000000"/>
+                </a:solidFill>
+                <a:latin typeface="Arial"/>
+                <a:ea typeface="DejaVu Sans"/>
+              </a:rPr>
+              <a:t>A</a:t>
+            </a:r>
+            <a:r>
+              <a:rPr b="0" lang="en-IN" sz="1800" spc="-1" strike="noStrike">
+                <a:solidFill>
+                  <a:srgbClr val="000000"/>
+                </a:solidFill>
+                <a:latin typeface="Arial"/>
+                <a:ea typeface="DejaVu Sans"/>
+              </a:rPr>
+              <a:t>N</a:t>
+            </a:r>
+            <a:r>
+              <a:rPr b="0" lang="en-IN" sz="1800" spc="-1" strike="noStrike">
+                <a:solidFill>
+                  <a:srgbClr val="000000"/>
+                </a:solidFill>
+                <a:latin typeface="Arial"/>
+                <a:ea typeface="DejaVu Sans"/>
+              </a:rPr>
+              <a:t>T</a:t>
+            </a:r>
+            <a:r>
+              <a:rPr b="0" lang="en-IN" sz="1800" spc="-1" strike="noStrike">
+                <a:solidFill>
+                  <a:srgbClr val="000000"/>
+                </a:solidFill>
+                <a:latin typeface="Arial"/>
+                <a:ea typeface="DejaVu Sans"/>
+              </a:rPr>
+              <a:t>A</a:t>
+            </a:r>
+            <a:r>
+              <a:rPr b="0" lang="en-IN" sz="1800" spc="-1" strike="noStrike">
+                <a:solidFill>
+                  <a:srgbClr val="000000"/>
+                </a:solidFill>
+                <a:latin typeface="Arial"/>
+                <a:ea typeface="DejaVu Sans"/>
+              </a:rPr>
+              <a:t> </a:t>
+            </a:r>
+            <a:r>
+              <a:rPr b="0" lang="en-IN" sz="1800" spc="-1" strike="noStrike">
+                <a:solidFill>
+                  <a:srgbClr val="000000"/>
+                </a:solidFill>
+                <a:latin typeface="Arial"/>
+                <a:ea typeface="DejaVu Sans"/>
+              </a:rPr>
+              <a:t>o</a:t>
+            </a:r>
+            <a:r>
+              <a:rPr b="0" lang="en-IN" sz="1800" spc="-1" strike="noStrike">
+                <a:solidFill>
+                  <a:srgbClr val="000000"/>
+                </a:solidFill>
+                <a:latin typeface="Arial"/>
+                <a:ea typeface="DejaVu Sans"/>
+              </a:rPr>
+              <a:t>n</a:t>
+            </a:r>
+            <a:r>
+              <a:rPr b="0" lang="en-IN" sz="1800" spc="-1" strike="noStrike">
+                <a:solidFill>
+                  <a:srgbClr val="000000"/>
+                </a:solidFill>
+                <a:latin typeface="Arial"/>
+                <a:ea typeface="DejaVu Sans"/>
+              </a:rPr>
+              <a:t> </a:t>
+            </a:r>
+            <a:r>
+              <a:rPr b="0" lang="en-IN" sz="1800" spc="-1" strike="noStrike">
+                <a:solidFill>
+                  <a:srgbClr val="000000"/>
+                </a:solidFill>
+                <a:latin typeface="Arial"/>
+                <a:ea typeface="DejaVu Sans"/>
+              </a:rPr>
+              <a:t>C</a:t>
+            </a:r>
+            <a:r>
+              <a:rPr b="0" lang="en-IN" sz="1800" spc="-1" strike="noStrike">
+                <a:solidFill>
+                  <a:srgbClr val="000000"/>
+                </a:solidFill>
+                <a:latin typeface="Arial"/>
+                <a:ea typeface="DejaVu Sans"/>
+              </a:rPr>
+              <a:t>U</a:t>
+            </a:r>
+            <a:r>
+              <a:rPr b="0" lang="en-IN" sz="1800" spc="-1" strike="noStrike">
+                <a:solidFill>
+                  <a:srgbClr val="000000"/>
+                </a:solidFill>
+                <a:latin typeface="Arial"/>
+                <a:ea typeface="DejaVu Sans"/>
+              </a:rPr>
+              <a:t>S</a:t>
+            </a:r>
+            <a:r>
+              <a:rPr b="0" lang="en-IN" sz="1800" spc="-1" strike="noStrike">
+                <a:solidFill>
+                  <a:srgbClr val="000000"/>
+                </a:solidFill>
+                <a:latin typeface="Arial"/>
+                <a:ea typeface="DejaVu Sans"/>
+              </a:rPr>
+              <a:t>T</a:t>
+            </a:r>
+            <a:r>
+              <a:rPr b="0" lang="en-IN" sz="1800" spc="-1" strike="noStrike">
+                <a:solidFill>
+                  <a:srgbClr val="000000"/>
+                </a:solidFill>
+                <a:latin typeface="Arial"/>
+                <a:ea typeface="DejaVu Sans"/>
+              </a:rPr>
+              <a:t>O</a:t>
+            </a:r>
+            <a:r>
+              <a:rPr b="0" lang="en-IN" sz="1800" spc="-1" strike="noStrike">
+                <a:solidFill>
+                  <a:srgbClr val="000000"/>
+                </a:solidFill>
+                <a:latin typeface="Arial"/>
+                <a:ea typeface="DejaVu Sans"/>
+              </a:rPr>
+              <a:t>M</a:t>
+            </a:r>
+            <a:r>
+              <a:rPr b="0" lang="en-IN" sz="1800" spc="-1" strike="noStrike">
+                <a:solidFill>
+                  <a:srgbClr val="000000"/>
+                </a:solidFill>
+                <a:latin typeface="Arial"/>
+                <a:ea typeface="DejaVu Sans"/>
+              </a:rPr>
+              <a:t>E</a:t>
+            </a:r>
+            <a:r>
+              <a:rPr b="0" lang="en-IN" sz="1800" spc="-1" strike="noStrike">
+                <a:solidFill>
+                  <a:srgbClr val="000000"/>
+                </a:solidFill>
+                <a:latin typeface="Arial"/>
+                <a:ea typeface="DejaVu Sans"/>
               </a:rPr>
               <a:t>R</a:t>
             </a:r>
+            <a:r>
+              <a:rPr b="0" lang="en-IN" sz="1800" spc="-1" strike="noStrike">
+                <a:solidFill>
+                  <a:srgbClr val="000000"/>
+                </a:solidFill>
+                <a:latin typeface="Arial"/>
+                <a:ea typeface="DejaVu Sans"/>
+              </a:rPr>
+              <a:t>,</a:t>
+            </a:r>
+            <a:r>
+              <a:rPr b="0" lang="en-IN" sz="1800" spc="-1" strike="noStrike">
+                <a:solidFill>
+                  <a:srgbClr val="000000"/>
+                </a:solidFill>
+                <a:latin typeface="Arial"/>
+                <a:ea typeface="DejaVu Sans"/>
+              </a:rPr>
+              <a:t> </a:t>
+            </a:r>
+            <a:r>
+              <a:rPr b="0" lang="en-IN" sz="1800" spc="-1" strike="noStrike">
+                <a:solidFill>
+                  <a:srgbClr val="000000"/>
+                </a:solidFill>
+                <a:latin typeface="Arial"/>
+                <a:ea typeface="DejaVu Sans"/>
+              </a:rPr>
+              <a:t>s</a:t>
+            </a:r>
+            <a:r>
+              <a:rPr b="0" lang="en-IN" sz="1800" spc="-1" strike="noStrike">
+                <a:solidFill>
+                  <a:srgbClr val="000000"/>
+                </a:solidFill>
+                <a:latin typeface="Arial"/>
+                <a:ea typeface="DejaVu Sans"/>
+              </a:rPr>
+              <a:t>o</a:t>
+            </a:r>
+            <a:r>
+              <a:rPr b="0" lang="en-IN" sz="1800" spc="-1" strike="noStrike">
+                <a:solidFill>
+                  <a:srgbClr val="000000"/>
+                </a:solidFill>
+                <a:latin typeface="Arial"/>
+                <a:ea typeface="DejaVu Sans"/>
+              </a:rPr>
+              <a:t> </a:t>
+            </a:r>
+            <a:r>
+              <a:rPr b="0" lang="en-IN" sz="1800" spc="-1" strike="noStrike">
+                <a:solidFill>
+                  <a:srgbClr val="000000"/>
+                </a:solidFill>
+                <a:latin typeface="Arial"/>
+                <a:ea typeface="DejaVu Sans"/>
+              </a:rPr>
+              <a:t>A</a:t>
+            </a:r>
+            <a:r>
+              <a:rPr b="0" lang="en-IN" sz="1800" spc="-1" strike="noStrike">
+                <a:solidFill>
+                  <a:srgbClr val="000000"/>
+                </a:solidFill>
+                <a:latin typeface="Arial"/>
+                <a:ea typeface="DejaVu Sans"/>
+              </a:rPr>
+              <a:t>C</a:t>
+            </a:r>
+            <a:r>
+              <a:rPr b="0" lang="en-IN" sz="1800" spc="-1" strike="noStrike">
+                <a:solidFill>
+                  <a:srgbClr val="000000"/>
+                </a:solidFill>
+                <a:latin typeface="Arial"/>
+                <a:ea typeface="DejaVu Sans"/>
+              </a:rPr>
+              <a:t>C</a:t>
+            </a:r>
+            <a:r>
+              <a:rPr b="0" lang="en-IN" sz="1800" spc="-1" strike="noStrike">
+                <a:solidFill>
+                  <a:srgbClr val="000000"/>
+                </a:solidFill>
+                <a:latin typeface="Arial"/>
+                <a:ea typeface="DejaVu Sans"/>
+              </a:rPr>
+              <a:t>O</a:t>
+            </a:r>
+            <a:r>
+              <a:rPr b="0" lang="en-IN" sz="1800" spc="-1" strike="noStrike">
+                <a:solidFill>
+                  <a:srgbClr val="000000"/>
+                </a:solidFill>
+                <a:latin typeface="Arial"/>
+                <a:ea typeface="DejaVu Sans"/>
+              </a:rPr>
+              <a:t>U</a:t>
+            </a:r>
+            <a:r>
+              <a:rPr b="0" lang="en-IN" sz="1800" spc="-1" strike="noStrike">
+                <a:solidFill>
+                  <a:srgbClr val="000000"/>
+                </a:solidFill>
+                <a:latin typeface="Arial"/>
+                <a:ea typeface="DejaVu Sans"/>
+              </a:rPr>
+              <a:t>N</a:t>
+            </a:r>
+            <a:r>
+              <a:rPr b="0" lang="en-IN" sz="1800" spc="-1" strike="noStrike">
+                <a:solidFill>
+                  <a:srgbClr val="000000"/>
+                </a:solidFill>
+                <a:latin typeface="Arial"/>
+                <a:ea typeface="DejaVu Sans"/>
+              </a:rPr>
+              <a:t>T</a:t>
+            </a:r>
+            <a:r>
+              <a:rPr b="0" lang="en-IN" sz="1800" spc="-1" strike="noStrike">
+                <a:solidFill>
+                  <a:srgbClr val="000000"/>
+                </a:solidFill>
+                <a:latin typeface="Arial"/>
+                <a:ea typeface="DejaVu Sans"/>
+              </a:rPr>
+              <a:t> </a:t>
+            </a:r>
+            <a:r>
+              <a:rPr b="0" lang="en-IN" sz="1800" spc="-1" strike="noStrike">
+                <a:solidFill>
+                  <a:srgbClr val="000000"/>
+                </a:solidFill>
+                <a:latin typeface="Arial"/>
+                <a:ea typeface="DejaVu Sans"/>
+              </a:rPr>
+              <a:t>i</a:t>
+            </a:r>
+            <a:r>
+              <a:rPr b="0" lang="en-IN" sz="1800" spc="-1" strike="noStrike">
+                <a:solidFill>
+                  <a:srgbClr val="000000"/>
+                </a:solidFill>
+                <a:latin typeface="Arial"/>
+                <a:ea typeface="DejaVu Sans"/>
+              </a:rPr>
+              <a:t>s</a:t>
+            </a:r>
+            <a:r>
+              <a:rPr b="0" lang="en-IN" sz="1800" spc="-1" strike="noStrike">
+                <a:solidFill>
+                  <a:srgbClr val="000000"/>
+                </a:solidFill>
+                <a:latin typeface="Arial"/>
+                <a:ea typeface="DejaVu Sans"/>
+              </a:rPr>
+              <a:t> </a:t>
+            </a:r>
+            <a:r>
+              <a:rPr b="0" lang="en-IN" sz="1800" spc="-1" strike="noStrike">
+                <a:solidFill>
+                  <a:srgbClr val="000000"/>
+                </a:solidFill>
+                <a:latin typeface="Arial"/>
+                <a:ea typeface="DejaVu Sans"/>
+              </a:rPr>
+              <a:t>a</a:t>
+            </a:r>
+            <a:r>
+              <a:rPr b="0" lang="en-IN" sz="1800" spc="-1" strike="noStrike">
+                <a:solidFill>
+                  <a:srgbClr val="000000"/>
+                </a:solidFill>
+                <a:latin typeface="Arial"/>
+                <a:ea typeface="DejaVu Sans"/>
+              </a:rPr>
+              <a:t> </a:t>
+            </a:r>
+            <a:r>
+              <a:rPr b="0" lang="en-IN" sz="1800" spc="-1" strike="noStrike">
+                <a:solidFill>
+                  <a:srgbClr val="000000"/>
+                </a:solidFill>
+                <a:latin typeface="Arial"/>
+                <a:ea typeface="DejaVu Sans"/>
+              </a:rPr>
+              <a:t>w</a:t>
+            </a:r>
+            <a:r>
+              <a:rPr b="0" lang="en-IN" sz="1800" spc="-1" strike="noStrike">
+                <a:solidFill>
+                  <a:srgbClr val="000000"/>
+                </a:solidFill>
+                <a:latin typeface="Arial"/>
+                <a:ea typeface="DejaVu Sans"/>
+              </a:rPr>
+              <a:t>e</a:t>
+            </a:r>
+            <a:r>
+              <a:rPr b="0" lang="en-IN" sz="1800" spc="-1" strike="noStrike">
+                <a:solidFill>
+                  <a:srgbClr val="000000"/>
+                </a:solidFill>
+                <a:latin typeface="Arial"/>
+                <a:ea typeface="DejaVu Sans"/>
+              </a:rPr>
+              <a:t>a</a:t>
+            </a:r>
+            <a:r>
+              <a:rPr b="0" lang="en-IN" sz="1800" spc="-1" strike="noStrike">
+                <a:solidFill>
+                  <a:srgbClr val="000000"/>
+                </a:solidFill>
+                <a:latin typeface="Arial"/>
+                <a:ea typeface="DejaVu Sans"/>
+              </a:rPr>
+              <a:t>k</a:t>
+            </a:r>
+            <a:r>
+              <a:rPr b="0" lang="en-IN" sz="1800" spc="-1" strike="noStrike">
+                <a:solidFill>
+                  <a:srgbClr val="000000"/>
+                </a:solidFill>
+                <a:latin typeface="Arial"/>
+                <a:ea typeface="DejaVu Sans"/>
+              </a:rPr>
+              <a:t> </a:t>
+            </a:r>
+            <a:r>
+              <a:rPr b="0" lang="en-IN" sz="1800" spc="-1" strike="noStrike">
+                <a:solidFill>
+                  <a:srgbClr val="000000"/>
+                </a:solidFill>
+                <a:latin typeface="Arial"/>
+                <a:ea typeface="DejaVu Sans"/>
+              </a:rPr>
+              <a:t>e</a:t>
+            </a:r>
+            <a:r>
+              <a:rPr b="0" lang="en-IN" sz="1800" spc="-1" strike="noStrike">
+                <a:solidFill>
+                  <a:srgbClr val="000000"/>
+                </a:solidFill>
+                <a:latin typeface="Arial"/>
+                <a:ea typeface="DejaVu Sans"/>
+              </a:rPr>
+              <a:t>n</a:t>
+            </a:r>
+            <a:r>
+              <a:rPr b="0" lang="en-IN" sz="1800" spc="-1" strike="noStrike">
+                <a:solidFill>
+                  <a:srgbClr val="000000"/>
+                </a:solidFill>
+                <a:latin typeface="Arial"/>
+                <a:ea typeface="DejaVu Sans"/>
+              </a:rPr>
+              <a:t>t</a:t>
+            </a:r>
+            <a:r>
+              <a:rPr b="0" lang="en-IN" sz="1800" spc="-1" strike="noStrike">
+                <a:solidFill>
+                  <a:srgbClr val="000000"/>
+                </a:solidFill>
+                <a:latin typeface="Arial"/>
+                <a:ea typeface="DejaVu Sans"/>
+              </a:rPr>
+              <a:t>i</a:t>
+            </a:r>
+            <a:r>
+              <a:rPr b="0" lang="en-IN" sz="1800" spc="-1" strike="noStrike">
+                <a:solidFill>
+                  <a:srgbClr val="000000"/>
+                </a:solidFill>
+                <a:latin typeface="Arial"/>
+                <a:ea typeface="DejaVu Sans"/>
+              </a:rPr>
+              <a:t>t</a:t>
+            </a:r>
+            <a:r>
+              <a:rPr b="0" lang="en-IN" sz="1800" spc="-1" strike="noStrike">
+                <a:solidFill>
+                  <a:srgbClr val="000000"/>
+                </a:solidFill>
+                <a:latin typeface="Arial"/>
+                <a:ea typeface="DejaVu Sans"/>
+              </a:rPr>
+              <a:t>y</a:t>
+            </a:r>
             <a:endParaRPr b="0" lang="en-IN" sz="1800" spc="-1" strike="noStrike">
               <a:latin typeface="Arial"/>
             </a:endParaRPr>
           </a:p>
         </p:txBody>
+      </p:sp>
+      <p:sp>
+        <p:nvSpPr>
+          <p:cNvPr id="139" name="Line 9"/>
+          <p:cNvSpPr/>
+          <p:nvPr/>
+        </p:nvSpPr>
+        <p:spPr>
+          <a:xfrm>
+            <a:off x="5470560" y="2628000"/>
+            <a:ext cx="613440" cy="0"/>
+          </a:xfrm>
+          <a:prstGeom prst="line">
+            <a:avLst/>
+          </a:prstGeom>
+          <a:ln>
+            <a:solidFill>
+              <a:srgbClr val="3465a4"/>
+            </a:solidFill>
+          </a:ln>
+        </p:spPr>
+        <p:style>
+          <a:lnRef idx="0"/>
+          <a:fillRef idx="0"/>
+          <a:effectRef idx="0"/>
+          <a:fontRef idx="minor"/>
+        </p:style>
       </p:sp>
     </p:spTree>
   </p:cSld>

--- a/GATE/images/gate_images.pptx
+++ b/GATE/images/gate_images.pptx
@@ -12,6 +12,9 @@
     <p:sldId id="260" r:id="rId7"/>
     <p:sldId id="261" r:id="rId8"/>
     <p:sldId id="262" r:id="rId9"/>
+    <p:sldId id="263" r:id="rId10"/>
+    <p:sldId id="264" r:id="rId11"/>
+    <p:sldId id="265" r:id="rId12"/>
   </p:sldIdLst>
   <p:sldSz cx="10080625" cy="5670550"/>
   <p:notesSz cx="7559675" cy="10691812"/>
@@ -1420,25 +1423,85 @@
               <a:rPr b="0" lang="en-IN" sz="4400" spc="-1" strike="noStrike">
                 <a:latin typeface="Arial"/>
               </a:rPr>
-              <a:t>Click to </a:t>
+              <a:t>Cli</a:t>
             </a:r>
             <a:r>
               <a:rPr b="0" lang="en-IN" sz="4400" spc="-1" strike="noStrike">
                 <a:latin typeface="Arial"/>
               </a:rPr>
-              <a:t>edit the </a:t>
+              <a:t>ck </a:t>
             </a:r>
             <a:r>
               <a:rPr b="0" lang="en-IN" sz="4400" spc="-1" strike="noStrike">
                 <a:latin typeface="Arial"/>
               </a:rPr>
-              <a:t>title text </a:t>
+              <a:t>to </a:t>
             </a:r>
             <a:r>
               <a:rPr b="0" lang="en-IN" sz="4400" spc="-1" strike="noStrike">
                 <a:latin typeface="Arial"/>
               </a:rPr>
-              <a:t>format</a:t>
+              <a:t>ed</a:t>
+            </a:r>
+            <a:r>
+              <a:rPr b="0" lang="en-IN" sz="4400" spc="-1" strike="noStrike">
+                <a:latin typeface="Arial"/>
+              </a:rPr>
+              <a:t>it </a:t>
+            </a:r>
+            <a:r>
+              <a:rPr b="0" lang="en-IN" sz="4400" spc="-1" strike="noStrike">
+                <a:latin typeface="Arial"/>
+              </a:rPr>
+              <a:t>th</a:t>
+            </a:r>
+            <a:r>
+              <a:rPr b="0" lang="en-IN" sz="4400" spc="-1" strike="noStrike">
+                <a:latin typeface="Arial"/>
+              </a:rPr>
+              <a:t>e </a:t>
+            </a:r>
+            <a:r>
+              <a:rPr b="0" lang="en-IN" sz="4400" spc="-1" strike="noStrike">
+                <a:latin typeface="Arial"/>
+              </a:rPr>
+              <a:t>titl</a:t>
+            </a:r>
+            <a:r>
+              <a:rPr b="0" lang="en-IN" sz="4400" spc="-1" strike="noStrike">
+                <a:latin typeface="Arial"/>
+              </a:rPr>
+              <a:t>e </a:t>
+            </a:r>
+            <a:r>
+              <a:rPr b="0" lang="en-IN" sz="4400" spc="-1" strike="noStrike">
+                <a:latin typeface="Arial"/>
+              </a:rPr>
+              <a:t>te</a:t>
+            </a:r>
+            <a:r>
+              <a:rPr b="0" lang="en-IN" sz="4400" spc="-1" strike="noStrike">
+                <a:latin typeface="Arial"/>
+              </a:rPr>
+              <a:t>xt </a:t>
+            </a:r>
+            <a:r>
+              <a:rPr b="0" lang="en-IN" sz="4400" spc="-1" strike="noStrike">
+                <a:latin typeface="Arial"/>
+              </a:rPr>
+              <a:t>for</a:t>
+            </a:r>
+            <a:r>
+              <a:rPr b="0" lang="en-IN" sz="4400" spc="-1" strike="noStrike">
+                <a:latin typeface="Arial"/>
+              </a:rPr>
+              <a:t>m</a:t>
+            </a:r>
+            <a:r>
+              <a:rPr b="0" lang="en-IN" sz="4400" spc="-1" strike="noStrike">
+                <a:latin typeface="Arial"/>
+              </a:rPr>
+              <a:t>at</a:t>
             </a:r>
             <a:endParaRPr b="0" lang="en-IN" sz="4400" spc="-1" strike="noStrike">
               <a:latin typeface="Arial"/>
@@ -1671,7 +1734,7 @@
         <p:spPr>
           <a:xfrm>
             <a:off x="1836000" y="1332000"/>
-            <a:ext cx="2374200" cy="790200"/>
+            <a:ext cx="2373840" cy="789840"/>
           </a:xfrm>
           <a:prstGeom prst="rect">
             <a:avLst/>
@@ -1726,7 +1789,7 @@
         <p:spPr>
           <a:xfrm>
             <a:off x="1836000" y="2880000"/>
-            <a:ext cx="2374200" cy="790200"/>
+            <a:ext cx="2373840" cy="789840"/>
           </a:xfrm>
           <a:prstGeom prst="rect">
             <a:avLst/>
@@ -1791,7 +1854,7 @@
         <p:spPr>
           <a:xfrm>
             <a:off x="1836000" y="4176000"/>
-            <a:ext cx="2374200" cy="790200"/>
+            <a:ext cx="2373840" cy="789840"/>
           </a:xfrm>
           <a:prstGeom prst="rect">
             <a:avLst/>
@@ -1866,7 +1929,7 @@
         <p:spPr>
           <a:xfrm>
             <a:off x="5292000" y="900000"/>
-            <a:ext cx="2374200" cy="1510200"/>
+            <a:ext cx="2373840" cy="1509840"/>
           </a:xfrm>
           <a:prstGeom prst="rect">
             <a:avLst/>
@@ -2001,7 +2064,7 @@
         <p:spPr>
           <a:xfrm>
             <a:off x="5292000" y="2571480"/>
-            <a:ext cx="2374200" cy="1278720"/>
+            <a:ext cx="2373840" cy="1278360"/>
           </a:xfrm>
           <a:prstGeom prst="rect">
             <a:avLst/>
@@ -2116,7 +2179,7 @@
         <p:spPr>
           <a:xfrm>
             <a:off x="5292000" y="4047480"/>
-            <a:ext cx="2374200" cy="1026720"/>
+            <a:ext cx="2373840" cy="1026360"/>
           </a:xfrm>
           <a:prstGeom prst="rect">
             <a:avLst/>
@@ -2295,7 +2358,7 @@
         <p:spPr>
           <a:xfrm>
             <a:off x="2988000" y="360000"/>
-            <a:ext cx="4390200" cy="344520"/>
+            <a:ext cx="4389840" cy="344160"/>
           </a:xfrm>
           <a:prstGeom prst="rect">
             <a:avLst/>
@@ -2336,6 +2399,623 @@
             </a:endParaRPr>
           </a:p>
         </p:txBody>
+      </p:sp>
+    </p:spTree>
+  </p:cSld>
+  <mc:AlternateContent>
+    <mc:Choice Requires="p14">
+      <p:transition spd="slow" p14:dur="2000"/>
+    </mc:Choice>
+    <mc:Fallback>
+      <p:transition spd="slow"/>
+    </mc:Fallback>
+  </mc:AlternateContent>
+</p:sld>
+</file>
+
+<file path=ppt/slides/slide10.xml><?xml version="1.0" encoding="utf-8"?>
+<p:sld xmlns:a="http://schemas.openxmlformats.org/drawingml/2006/main" xmlns:p="http://schemas.openxmlformats.org/presentationml/2006/main" xmlns:r="http://schemas.openxmlformats.org/officeDocument/2006/relationships" xmlns:p14="http://schemas.microsoft.com/office/powerpoint/2010/main" xmlns:p15="http://schemas.microsoft.com/office/powerpoint/2012/main" xmlns:mc="http://schemas.openxmlformats.org/markup-compatibility/2006">
+  <p:cSld>
+    <p:spTree>
+      <p:nvGrpSpPr>
+        <p:cNvPr id="1" name=""/>
+        <p:cNvGrpSpPr/>
+        <p:nvPr/>
+      </p:nvGrpSpPr>
+      <p:grpSpPr>
+        <a:xfrm>
+          <a:off x="0" y="0"/>
+          <a:ext cx="0" cy="0"/>
+          <a:chOff x="0" y="0"/>
+          <a:chExt cx="0" cy="0"/>
+        </a:xfrm>
+      </p:grpSpPr>
+      <p:sp>
+        <p:nvSpPr>
+          <p:cNvPr id="199" name="CustomShape 1"/>
+          <p:cNvSpPr/>
+          <p:nvPr/>
+        </p:nvSpPr>
+        <p:spPr>
+          <a:xfrm>
+            <a:off x="1440000" y="720000"/>
+            <a:ext cx="6768000" cy="1800000"/>
+          </a:xfrm>
+          <a:prstGeom prst="rect">
+            <a:avLst/>
+          </a:prstGeom>
+          <a:solidFill>
+            <a:srgbClr val="cccccc"/>
+          </a:solidFill>
+          <a:ln>
+            <a:solidFill>
+              <a:srgbClr val="3465a4"/>
+            </a:solidFill>
+          </a:ln>
+        </p:spPr>
+        <p:style>
+          <a:lnRef idx="0"/>
+          <a:fillRef idx="0"/>
+          <a:effectRef idx="0"/>
+          <a:fontRef idx="minor"/>
+        </p:style>
+      </p:sp>
+      <p:sp>
+        <p:nvSpPr>
+          <p:cNvPr id="200" name="CustomShape 2"/>
+          <p:cNvSpPr/>
+          <p:nvPr/>
+        </p:nvSpPr>
+        <p:spPr>
+          <a:xfrm>
+            <a:off x="2016000" y="1188000"/>
+            <a:ext cx="1438200" cy="790200"/>
+          </a:xfrm>
+          <a:prstGeom prst="rect">
+            <a:avLst/>
+          </a:prstGeom>
+          <a:solidFill>
+            <a:srgbClr val="729fcf"/>
+          </a:solidFill>
+          <a:ln>
+            <a:solidFill>
+              <a:srgbClr val="3465a4"/>
+            </a:solidFill>
+          </a:ln>
+        </p:spPr>
+        <p:style>
+          <a:lnRef idx="0"/>
+          <a:fillRef idx="0"/>
+          <a:effectRef idx="0"/>
+          <a:fontRef idx="minor"/>
+        </p:style>
+        <p:txBody>
+          <a:bodyPr wrap="none" lIns="90000" rIns="90000" tIns="45000" bIns="45000" anchor="ctr">
+            <a:noAutofit/>
+          </a:bodyPr>
+          <a:p>
+            <a:pPr algn="ctr">
+              <a:lnSpc>
+                <a:spcPct val="100000"/>
+              </a:lnSpc>
+            </a:pPr>
+            <a:r>
+              <a:rPr b="0" lang="en-IN" sz="1800" spc="-1" strike="noStrike">
+                <a:solidFill>
+                  <a:srgbClr val="000000"/>
+                </a:solidFill>
+                <a:latin typeface="Arial"/>
+                <a:ea typeface="DejaVu Sans"/>
+              </a:rPr>
+              <a:t>TEACHER</a:t>
+            </a:r>
+            <a:endParaRPr b="0" lang="en-IN" sz="1800" spc="-1" strike="noStrike">
+              <a:latin typeface="Arial"/>
+            </a:endParaRPr>
+          </a:p>
+        </p:txBody>
+      </p:sp>
+      <p:sp>
+        <p:nvSpPr>
+          <p:cNvPr id="201" name="CustomShape 3"/>
+          <p:cNvSpPr/>
+          <p:nvPr/>
+        </p:nvSpPr>
+        <p:spPr>
+          <a:xfrm>
+            <a:off x="6192000" y="1188000"/>
+            <a:ext cx="1438200" cy="790200"/>
+          </a:xfrm>
+          <a:prstGeom prst="rect">
+            <a:avLst/>
+          </a:prstGeom>
+          <a:solidFill>
+            <a:srgbClr val="729fcf"/>
+          </a:solidFill>
+          <a:ln>
+            <a:solidFill>
+              <a:srgbClr val="3465a4"/>
+            </a:solidFill>
+          </a:ln>
+        </p:spPr>
+        <p:style>
+          <a:lnRef idx="0"/>
+          <a:fillRef idx="0"/>
+          <a:effectRef idx="0"/>
+          <a:fontRef idx="minor"/>
+        </p:style>
+        <p:txBody>
+          <a:bodyPr wrap="none" lIns="90000" rIns="90000" tIns="45000" bIns="45000" anchor="ctr">
+            <a:noAutofit/>
+          </a:bodyPr>
+          <a:p>
+            <a:pPr algn="ctr">
+              <a:lnSpc>
+                <a:spcPct val="100000"/>
+              </a:lnSpc>
+            </a:pPr>
+            <a:r>
+              <a:rPr b="0" lang="en-IN" sz="1800" spc="-1" strike="noStrike">
+                <a:solidFill>
+                  <a:srgbClr val="000000"/>
+                </a:solidFill>
+                <a:latin typeface="Arial"/>
+                <a:ea typeface="DejaVu Sans"/>
+              </a:rPr>
+              <a:t>SUBJECT</a:t>
+            </a:r>
+            <a:endParaRPr b="0" lang="en-IN" sz="1800" spc="-1" strike="noStrike">
+              <a:latin typeface="Arial"/>
+            </a:endParaRPr>
+          </a:p>
+        </p:txBody>
+      </p:sp>
+      <p:sp>
+        <p:nvSpPr>
+          <p:cNvPr id="202" name="CustomShape 4"/>
+          <p:cNvSpPr/>
+          <p:nvPr/>
+        </p:nvSpPr>
+        <p:spPr>
+          <a:xfrm>
+            <a:off x="4140000" y="900000"/>
+            <a:ext cx="1438200" cy="1366200"/>
+          </a:xfrm>
+          <a:custGeom>
+            <a:avLst/>
+            <a:gdLst/>
+            <a:ahLst/>
+            <a:rect l="l" t="t" r="r" b="b"/>
+            <a:pathLst>
+              <a:path w="21600" h="21600">
+                <a:moveTo>
+                  <a:pt x="10800" y="0"/>
+                </a:moveTo>
+                <a:lnTo>
+                  <a:pt x="21600" y="10800"/>
+                </a:lnTo>
+                <a:lnTo>
+                  <a:pt x="10800" y="21600"/>
+                </a:lnTo>
+                <a:lnTo>
+                  <a:pt x="0" y="10800"/>
+                </a:lnTo>
+                <a:lnTo>
+                  <a:pt x="10800" y="0"/>
+                </a:lnTo>
+                <a:close/>
+              </a:path>
+            </a:pathLst>
+          </a:custGeom>
+          <a:solidFill>
+            <a:srgbClr val="729fcf"/>
+          </a:solidFill>
+          <a:ln>
+            <a:solidFill>
+              <a:srgbClr val="3465a4"/>
+            </a:solidFill>
+          </a:ln>
+        </p:spPr>
+        <p:style>
+          <a:lnRef idx="0"/>
+          <a:fillRef idx="0"/>
+          <a:effectRef idx="0"/>
+          <a:fontRef idx="minor"/>
+        </p:style>
+        <p:txBody>
+          <a:bodyPr wrap="none" lIns="90000" rIns="90000" tIns="45000" bIns="45000" anchor="ctr">
+            <a:noAutofit/>
+          </a:bodyPr>
+          <a:p>
+            <a:pPr algn="ctr">
+              <a:lnSpc>
+                <a:spcPct val="100000"/>
+              </a:lnSpc>
+            </a:pPr>
+            <a:r>
+              <a:rPr b="0" lang="en-IN" sz="1800" spc="-1" strike="noStrike">
+                <a:solidFill>
+                  <a:srgbClr val="000000"/>
+                </a:solidFill>
+                <a:latin typeface="Arial"/>
+                <a:ea typeface="DejaVu Sans"/>
+              </a:rPr>
+              <a:t>TEACHES</a:t>
+            </a:r>
+            <a:endParaRPr b="0" lang="en-IN" sz="1800" spc="-1" strike="noStrike">
+              <a:latin typeface="Arial"/>
+            </a:endParaRPr>
+          </a:p>
+        </p:txBody>
+      </p:sp>
+      <p:sp>
+        <p:nvSpPr>
+          <p:cNvPr id="203" name="Line 5"/>
+          <p:cNvSpPr/>
+          <p:nvPr/>
+        </p:nvSpPr>
+        <p:spPr>
+          <a:xfrm>
+            <a:off x="3456000" y="1584000"/>
+            <a:ext cx="684000" cy="0"/>
+          </a:xfrm>
+          <a:prstGeom prst="line">
+            <a:avLst/>
+          </a:prstGeom>
+          <a:ln>
+            <a:solidFill>
+              <a:srgbClr val="3465a4"/>
+            </a:solidFill>
+          </a:ln>
+        </p:spPr>
+        <p:style>
+          <a:lnRef idx="0"/>
+          <a:fillRef idx="0"/>
+          <a:effectRef idx="0"/>
+          <a:fontRef idx="minor"/>
+        </p:style>
+      </p:sp>
+      <p:sp>
+        <p:nvSpPr>
+          <p:cNvPr id="204" name="Line 6"/>
+          <p:cNvSpPr/>
+          <p:nvPr/>
+        </p:nvSpPr>
+        <p:spPr>
+          <a:xfrm>
+            <a:off x="0" y="0"/>
+            <a:ext cx="360" cy="360"/>
+          </a:xfrm>
+          <a:prstGeom prst="line">
+            <a:avLst/>
+          </a:prstGeom>
+          <a:ln>
+            <a:solidFill>
+              <a:srgbClr val="3465a4"/>
+            </a:solidFill>
+          </a:ln>
+        </p:spPr>
+        <p:style>
+          <a:lnRef idx="0"/>
+          <a:fillRef idx="0"/>
+          <a:effectRef idx="0"/>
+          <a:fontRef idx="minor"/>
+        </p:style>
+      </p:sp>
+      <p:sp>
+        <p:nvSpPr>
+          <p:cNvPr id="205" name="Line 7"/>
+          <p:cNvSpPr/>
+          <p:nvPr/>
+        </p:nvSpPr>
+        <p:spPr>
+          <a:xfrm>
+            <a:off x="0" y="0"/>
+            <a:ext cx="360" cy="360"/>
+          </a:xfrm>
+          <a:prstGeom prst="line">
+            <a:avLst/>
+          </a:prstGeom>
+          <a:ln>
+            <a:solidFill>
+              <a:srgbClr val="3465a4"/>
+            </a:solidFill>
+          </a:ln>
+        </p:spPr>
+        <p:style>
+          <a:lnRef idx="0"/>
+          <a:fillRef idx="0"/>
+          <a:effectRef idx="0"/>
+          <a:fontRef idx="minor"/>
+        </p:style>
+      </p:sp>
+      <p:sp>
+        <p:nvSpPr>
+          <p:cNvPr id="206" name="Line 8"/>
+          <p:cNvSpPr/>
+          <p:nvPr/>
+        </p:nvSpPr>
+        <p:spPr>
+          <a:xfrm>
+            <a:off x="5578560" y="1584000"/>
+            <a:ext cx="613440" cy="0"/>
+          </a:xfrm>
+          <a:prstGeom prst="line">
+            <a:avLst/>
+          </a:prstGeom>
+          <a:ln>
+            <a:solidFill>
+              <a:srgbClr val="3465a4"/>
+            </a:solidFill>
+          </a:ln>
+        </p:spPr>
+        <p:style>
+          <a:lnRef idx="0"/>
+          <a:fillRef idx="0"/>
+          <a:effectRef idx="0"/>
+          <a:fontRef idx="minor"/>
+        </p:style>
+      </p:sp>
+      <p:sp>
+        <p:nvSpPr>
+          <p:cNvPr id="207" name="CustomShape 9"/>
+          <p:cNvSpPr/>
+          <p:nvPr/>
+        </p:nvSpPr>
+        <p:spPr>
+          <a:xfrm>
+            <a:off x="4320000" y="3168000"/>
+            <a:ext cx="1042200" cy="792000"/>
+          </a:xfrm>
+          <a:custGeom>
+            <a:avLst/>
+            <a:gdLst/>
+            <a:ahLst/>
+            <a:rect l="l" t="t" r="r" b="b"/>
+            <a:pathLst>
+              <a:path w="21600" h="21600">
+                <a:moveTo>
+                  <a:pt x="10800" y="0"/>
+                </a:moveTo>
+                <a:lnTo>
+                  <a:pt x="21600" y="10800"/>
+                </a:lnTo>
+                <a:lnTo>
+                  <a:pt x="10800" y="21600"/>
+                </a:lnTo>
+                <a:lnTo>
+                  <a:pt x="0" y="10800"/>
+                </a:lnTo>
+                <a:lnTo>
+                  <a:pt x="10800" y="0"/>
+                </a:lnTo>
+                <a:close/>
+              </a:path>
+            </a:pathLst>
+          </a:custGeom>
+          <a:solidFill>
+            <a:srgbClr val="729fcf"/>
+          </a:solidFill>
+          <a:ln>
+            <a:solidFill>
+              <a:srgbClr val="3465a4"/>
+            </a:solidFill>
+          </a:ln>
+        </p:spPr>
+        <p:style>
+          <a:lnRef idx="0"/>
+          <a:fillRef idx="0"/>
+          <a:effectRef idx="0"/>
+          <a:fontRef idx="minor"/>
+        </p:style>
+        <p:txBody>
+          <a:bodyPr wrap="none" lIns="90000" rIns="90000" tIns="45000" bIns="45000" anchor="ctr">
+            <a:noAutofit/>
+          </a:bodyPr>
+          <a:p>
+            <a:pPr algn="ctr">
+              <a:lnSpc>
+                <a:spcPct val="100000"/>
+              </a:lnSpc>
+            </a:pPr>
+            <a:r>
+              <a:rPr b="0" lang="en-IN" sz="1800" spc="-1" strike="noStrike">
+                <a:solidFill>
+                  <a:srgbClr val="000000"/>
+                </a:solidFill>
+                <a:latin typeface="Arial"/>
+                <a:ea typeface="DejaVu Sans"/>
+              </a:rPr>
+              <a:t>USES</a:t>
+            </a:r>
+            <a:endParaRPr b="0" lang="en-IN" sz="1800" spc="-1" strike="noStrike">
+              <a:latin typeface="Arial"/>
+            </a:endParaRPr>
+          </a:p>
+        </p:txBody>
+      </p:sp>
+      <p:sp>
+        <p:nvSpPr>
+          <p:cNvPr id="208" name="CustomShape 10"/>
+          <p:cNvSpPr/>
+          <p:nvPr/>
+        </p:nvSpPr>
+        <p:spPr>
+          <a:xfrm>
+            <a:off x="4176000" y="4428000"/>
+            <a:ext cx="1438200" cy="790200"/>
+          </a:xfrm>
+          <a:prstGeom prst="rect">
+            <a:avLst/>
+          </a:prstGeom>
+          <a:solidFill>
+            <a:srgbClr val="729fcf"/>
+          </a:solidFill>
+          <a:ln>
+            <a:solidFill>
+              <a:srgbClr val="3465a4"/>
+            </a:solidFill>
+          </a:ln>
+        </p:spPr>
+        <p:style>
+          <a:lnRef idx="0"/>
+          <a:fillRef idx="0"/>
+          <a:effectRef idx="0"/>
+          <a:fontRef idx="minor"/>
+        </p:style>
+        <p:txBody>
+          <a:bodyPr wrap="none" lIns="90000" rIns="90000" tIns="45000" bIns="45000" anchor="ctr">
+            <a:noAutofit/>
+          </a:bodyPr>
+          <a:p>
+            <a:pPr algn="ctr">
+              <a:lnSpc>
+                <a:spcPct val="100000"/>
+              </a:lnSpc>
+            </a:pPr>
+            <a:r>
+              <a:rPr b="0" lang="en-IN" sz="1800" spc="-1" strike="noStrike">
+                <a:solidFill>
+                  <a:srgbClr val="000000"/>
+                </a:solidFill>
+                <a:latin typeface="Arial"/>
+                <a:ea typeface="DejaVu Sans"/>
+              </a:rPr>
+              <a:t>BOOKS</a:t>
+            </a:r>
+            <a:endParaRPr b="0" lang="en-IN" sz="1800" spc="-1" strike="noStrike">
+              <a:latin typeface="Arial"/>
+            </a:endParaRPr>
+          </a:p>
+        </p:txBody>
+      </p:sp>
+      <p:sp>
+        <p:nvSpPr>
+          <p:cNvPr id="209" name="Line 11"/>
+          <p:cNvSpPr/>
+          <p:nvPr/>
+        </p:nvSpPr>
+        <p:spPr>
+          <a:xfrm>
+            <a:off x="4860000" y="3960000"/>
+            <a:ext cx="0" cy="468000"/>
+          </a:xfrm>
+          <a:prstGeom prst="line">
+            <a:avLst/>
+          </a:prstGeom>
+          <a:ln>
+            <a:solidFill>
+              <a:srgbClr val="3465a4"/>
+            </a:solidFill>
+          </a:ln>
+        </p:spPr>
+        <p:style>
+          <a:lnRef idx="0"/>
+          <a:fillRef idx="0"/>
+          <a:effectRef idx="0"/>
+          <a:fontRef idx="minor"/>
+        </p:style>
+      </p:sp>
+      <p:sp>
+        <p:nvSpPr>
+          <p:cNvPr id="210" name="CustomShape 12"/>
+          <p:cNvSpPr/>
+          <p:nvPr/>
+        </p:nvSpPr>
+        <p:spPr>
+          <a:xfrm>
+            <a:off x="5870160" y="3314160"/>
+            <a:ext cx="1152000" cy="504000"/>
+          </a:xfrm>
+          <a:prstGeom prst="ellipse">
+            <a:avLst/>
+          </a:prstGeom>
+          <a:solidFill>
+            <a:srgbClr val="729fcf"/>
+          </a:solidFill>
+          <a:ln>
+            <a:solidFill>
+              <a:srgbClr val="3465a4"/>
+            </a:solidFill>
+          </a:ln>
+        </p:spPr>
+        <p:style>
+          <a:lnRef idx="0"/>
+          <a:fillRef idx="0"/>
+          <a:effectRef idx="0"/>
+          <a:fontRef idx="minor"/>
+        </p:style>
+        <p:txBody>
+          <a:bodyPr wrap="none" lIns="90000" rIns="90000" tIns="45000" bIns="45000" anchor="ctr">
+            <a:noAutofit/>
+          </a:bodyPr>
+          <a:p>
+            <a:pPr algn="ctr"/>
+            <a:r>
+              <a:rPr b="0" lang="en-IN" sz="1800" spc="-1" strike="noStrike">
+                <a:latin typeface="Arial"/>
+              </a:rPr>
+              <a:t>REF/TEXT</a:t>
+            </a:r>
+            <a:endParaRPr b="0" lang="en-IN" sz="1800" spc="-1" strike="noStrike">
+              <a:latin typeface="Arial"/>
+            </a:endParaRPr>
+          </a:p>
+        </p:txBody>
+      </p:sp>
+      <p:sp>
+        <p:nvSpPr>
+          <p:cNvPr id="211" name="Line 13"/>
+          <p:cNvSpPr/>
+          <p:nvPr/>
+        </p:nvSpPr>
+        <p:spPr>
+          <a:xfrm>
+            <a:off x="4860000" y="2520000"/>
+            <a:ext cx="0" cy="648000"/>
+          </a:xfrm>
+          <a:prstGeom prst="line">
+            <a:avLst/>
+          </a:prstGeom>
+          <a:ln>
+            <a:solidFill>
+              <a:srgbClr val="3465a4"/>
+            </a:solidFill>
+          </a:ln>
+        </p:spPr>
+        <p:style>
+          <a:lnRef idx="0"/>
+          <a:fillRef idx="0"/>
+          <a:effectRef idx="0"/>
+          <a:fontRef idx="minor"/>
+        </p:style>
+      </p:sp>
+      <p:sp>
+        <p:nvSpPr>
+          <p:cNvPr id="212" name="Line 14"/>
+          <p:cNvSpPr/>
+          <p:nvPr/>
+        </p:nvSpPr>
+        <p:spPr>
+          <a:xfrm>
+            <a:off x="5362200" y="3564000"/>
+            <a:ext cx="507960" cy="0"/>
+          </a:xfrm>
+          <a:prstGeom prst="line">
+            <a:avLst/>
+          </a:prstGeom>
+          <a:ln>
+            <a:solidFill>
+              <a:srgbClr val="3465a4"/>
+            </a:solidFill>
+          </a:ln>
+        </p:spPr>
+        <p:style>
+          <a:lnRef idx="0"/>
+          <a:fillRef idx="0"/>
+          <a:effectRef idx="0"/>
+          <a:fontRef idx="minor"/>
+        </p:style>
       </p:sp>
     </p:spTree>
   </p:cSld>
@@ -2376,7 +3056,7 @@
         <p:spPr>
           <a:xfrm>
             <a:off x="1908000" y="936000"/>
-            <a:ext cx="1438560" cy="790560"/>
+            <a:ext cx="1438200" cy="790200"/>
           </a:xfrm>
           <a:prstGeom prst="rect">
             <a:avLst/>
@@ -2431,7 +3111,7 @@
         <p:spPr>
           <a:xfrm>
             <a:off x="6084000" y="936000"/>
-            <a:ext cx="1438560" cy="790560"/>
+            <a:ext cx="1438200" cy="790200"/>
           </a:xfrm>
           <a:prstGeom prst="rect">
             <a:avLst/>
@@ -2486,7 +3166,7 @@
         <p:spPr>
           <a:xfrm>
             <a:off x="1908000" y="4068000"/>
-            <a:ext cx="1438560" cy="790560"/>
+            <a:ext cx="1438200" cy="790200"/>
           </a:xfrm>
           <a:prstGeom prst="rect">
             <a:avLst/>
@@ -2541,7 +3221,7 @@
         <p:spPr>
           <a:xfrm>
             <a:off x="4032000" y="648000"/>
-            <a:ext cx="1438560" cy="1366560"/>
+            <a:ext cx="1438200" cy="1366200"/>
           </a:xfrm>
           <a:custGeom>
             <a:avLst/>
@@ -2639,7 +3319,7 @@
         <p:spPr>
           <a:xfrm>
             <a:off x="1872000" y="2232360"/>
-            <a:ext cx="1438560" cy="1366560"/>
+            <a:ext cx="1438200" cy="1366200"/>
           </a:xfrm>
           <a:custGeom>
             <a:avLst/>
@@ -2845,7 +3525,7 @@
         <p:spPr>
           <a:xfrm>
             <a:off x="5184000" y="2340000"/>
-            <a:ext cx="2014560" cy="574560"/>
+            <a:ext cx="2014200" cy="574200"/>
           </a:xfrm>
           <a:prstGeom prst="ellipse">
             <a:avLst/>
@@ -2900,7 +3580,7 @@
         <p:spPr>
           <a:xfrm>
             <a:off x="3960360" y="3240360"/>
-            <a:ext cx="2014560" cy="574560"/>
+            <a:ext cx="2014200" cy="574200"/>
           </a:xfrm>
           <a:prstGeom prst="ellipse">
             <a:avLst/>
@@ -3039,7 +3719,7 @@
         <p:spPr>
           <a:xfrm>
             <a:off x="3060000" y="2268000"/>
-            <a:ext cx="1438560" cy="790560"/>
+            <a:ext cx="1438200" cy="790200"/>
           </a:xfrm>
           <a:prstGeom prst="rect">
             <a:avLst/>
@@ -3094,7 +3774,7 @@
         <p:spPr>
           <a:xfrm>
             <a:off x="5832000" y="1980000"/>
-            <a:ext cx="1438560" cy="1366560"/>
+            <a:ext cx="1438200" cy="1366200"/>
           </a:xfrm>
           <a:custGeom>
             <a:avLst/>
@@ -3246,7 +3926,7 @@
         <p:spPr>
           <a:xfrm>
             <a:off x="2376000" y="1044000"/>
-            <a:ext cx="1150560" cy="682560"/>
+            <a:ext cx="1150200" cy="682200"/>
           </a:xfrm>
           <a:prstGeom prst="ellipse">
             <a:avLst/>
@@ -3301,7 +3981,7 @@
         <p:spPr>
           <a:xfrm>
             <a:off x="3780360" y="1044360"/>
-            <a:ext cx="1150560" cy="682560"/>
+            <a:ext cx="1150200" cy="682200"/>
           </a:xfrm>
           <a:prstGeom prst="ellipse">
             <a:avLst/>
@@ -3356,7 +4036,7 @@
         <p:spPr>
           <a:xfrm>
             <a:off x="2376360" y="1044360"/>
-            <a:ext cx="1150560" cy="682560"/>
+            <a:ext cx="1150200" cy="682200"/>
           </a:xfrm>
           <a:prstGeom prst="ellipse">
             <a:avLst/>
@@ -3411,7 +4091,7 @@
         <p:spPr>
           <a:xfrm>
             <a:off x="1512720" y="2160720"/>
-            <a:ext cx="1150560" cy="682560"/>
+            <a:ext cx="1150200" cy="682200"/>
           </a:xfrm>
           <a:prstGeom prst="ellipse">
             <a:avLst/>
@@ -3547,7 +4227,7 @@
         <p:spPr>
           <a:xfrm>
             <a:off x="4500000" y="2376000"/>
-            <a:ext cx="1402560" cy="600840"/>
+            <a:ext cx="1402200" cy="600480"/>
           </a:xfrm>
           <a:prstGeom prst="rect">
             <a:avLst/>
@@ -3598,7 +4278,7 @@
         <p:spPr>
           <a:xfrm>
             <a:off x="4320000" y="3204360"/>
-            <a:ext cx="1402560" cy="600840"/>
+            <a:ext cx="1402200" cy="600480"/>
           </a:xfrm>
           <a:prstGeom prst="rect">
             <a:avLst/>
@@ -3679,7 +4359,7 @@
         <p:spPr>
           <a:xfrm>
             <a:off x="504000" y="576000"/>
-            <a:ext cx="430920" cy="1654920"/>
+            <a:ext cx="430560" cy="1654560"/>
           </a:xfrm>
           <a:prstGeom prst="ellipse">
             <a:avLst/>
@@ -3709,7 +4389,7 @@
         <p:spPr>
           <a:xfrm>
             <a:off x="1440360" y="576360"/>
-            <a:ext cx="430920" cy="1654920"/>
+            <a:ext cx="430560" cy="1654560"/>
           </a:xfrm>
           <a:prstGeom prst="ellipse">
             <a:avLst/>
@@ -3739,7 +4419,7 @@
         <p:spPr>
           <a:xfrm>
             <a:off x="3204720" y="612720"/>
-            <a:ext cx="430920" cy="1654920"/>
+            <a:ext cx="430560" cy="1654560"/>
           </a:xfrm>
           <a:prstGeom prst="ellipse">
             <a:avLst/>
@@ -3769,7 +4449,7 @@
         <p:spPr>
           <a:xfrm>
             <a:off x="4068720" y="576720"/>
-            <a:ext cx="430920" cy="1654920"/>
+            <a:ext cx="430560" cy="1654560"/>
           </a:xfrm>
           <a:prstGeom prst="ellipse">
             <a:avLst/>
@@ -3799,7 +4479,7 @@
         <p:spPr>
           <a:xfrm>
             <a:off x="504720" y="3204720"/>
-            <a:ext cx="430920" cy="1654920"/>
+            <a:ext cx="430560" cy="1654560"/>
           </a:xfrm>
           <a:prstGeom prst="ellipse">
             <a:avLst/>
@@ -3829,7 +4509,7 @@
         <p:spPr>
           <a:xfrm>
             <a:off x="1440720" y="3168720"/>
-            <a:ext cx="430920" cy="1654920"/>
+            <a:ext cx="430560" cy="1654560"/>
           </a:xfrm>
           <a:prstGeom prst="ellipse">
             <a:avLst/>
@@ -3859,7 +4539,7 @@
         <p:spPr>
           <a:xfrm>
             <a:off x="3240720" y="3168720"/>
-            <a:ext cx="430920" cy="1654920"/>
+            <a:ext cx="430560" cy="1654560"/>
           </a:xfrm>
           <a:prstGeom prst="ellipse">
             <a:avLst/>
@@ -3889,7 +4569,7 @@
         <p:spPr>
           <a:xfrm>
             <a:off x="4068720" y="3168720"/>
-            <a:ext cx="430920" cy="1654920"/>
+            <a:ext cx="430560" cy="1654560"/>
           </a:xfrm>
           <a:prstGeom prst="ellipse">
             <a:avLst/>
@@ -3919,7 +4599,7 @@
         <p:spPr>
           <a:xfrm>
             <a:off x="540000" y="936000"/>
-            <a:ext cx="502920" cy="345240"/>
+            <a:ext cx="502560" cy="344880"/>
           </a:xfrm>
           <a:prstGeom prst="rect">
             <a:avLst/>
@@ -3970,7 +4650,7 @@
         <p:spPr>
           <a:xfrm>
             <a:off x="540000" y="1512000"/>
-            <a:ext cx="502920" cy="345240"/>
+            <a:ext cx="502560" cy="344880"/>
           </a:xfrm>
           <a:prstGeom prst="rect">
             <a:avLst/>
@@ -4021,7 +4701,7 @@
         <p:spPr>
           <a:xfrm>
             <a:off x="1512000" y="1512000"/>
-            <a:ext cx="502920" cy="345240"/>
+            <a:ext cx="502560" cy="344880"/>
           </a:xfrm>
           <a:prstGeom prst="rect">
             <a:avLst/>
@@ -4072,7 +4752,7 @@
         <p:spPr>
           <a:xfrm>
             <a:off x="1512000" y="900000"/>
-            <a:ext cx="502920" cy="345240"/>
+            <a:ext cx="502560" cy="344880"/>
           </a:xfrm>
           <a:prstGeom prst="rect">
             <a:avLst/>
@@ -4123,7 +4803,7 @@
         <p:spPr>
           <a:xfrm>
             <a:off x="540000" y="1260000"/>
-            <a:ext cx="502920" cy="345240"/>
+            <a:ext cx="502560" cy="344880"/>
           </a:xfrm>
           <a:prstGeom prst="rect">
             <a:avLst/>
@@ -4174,7 +4854,7 @@
         <p:spPr>
           <a:xfrm>
             <a:off x="1512000" y="1224000"/>
-            <a:ext cx="502920" cy="345240"/>
+            <a:ext cx="502560" cy="344880"/>
           </a:xfrm>
           <a:prstGeom prst="rect">
             <a:avLst/>
@@ -4225,7 +4905,7 @@
         <p:spPr>
           <a:xfrm>
             <a:off x="3240000" y="900000"/>
-            <a:ext cx="502920" cy="345240"/>
+            <a:ext cx="502560" cy="344880"/>
           </a:xfrm>
           <a:prstGeom prst="rect">
             <a:avLst/>
@@ -4276,7 +4956,7 @@
         <p:spPr>
           <a:xfrm>
             <a:off x="4104000" y="900000"/>
-            <a:ext cx="502920" cy="345240"/>
+            <a:ext cx="502560" cy="344880"/>
           </a:xfrm>
           <a:prstGeom prst="rect">
             <a:avLst/>
@@ -4327,7 +5007,7 @@
         <p:spPr>
           <a:xfrm>
             <a:off x="4104000" y="1224000"/>
-            <a:ext cx="502920" cy="345240"/>
+            <a:ext cx="502560" cy="344880"/>
           </a:xfrm>
           <a:prstGeom prst="rect">
             <a:avLst/>
@@ -4378,7 +5058,7 @@
         <p:spPr>
           <a:xfrm>
             <a:off x="4104000" y="1620000"/>
-            <a:ext cx="502920" cy="345240"/>
+            <a:ext cx="502560" cy="344880"/>
           </a:xfrm>
           <a:prstGeom prst="rect">
             <a:avLst/>
@@ -4429,7 +5109,7 @@
         <p:spPr>
           <a:xfrm>
             <a:off x="576000" y="3492000"/>
-            <a:ext cx="502920" cy="345240"/>
+            <a:ext cx="502560" cy="344880"/>
           </a:xfrm>
           <a:prstGeom prst="rect">
             <a:avLst/>
@@ -4480,7 +5160,7 @@
         <p:spPr>
           <a:xfrm>
             <a:off x="576000" y="3852000"/>
-            <a:ext cx="502920" cy="345240"/>
+            <a:ext cx="502560" cy="344880"/>
           </a:xfrm>
           <a:prstGeom prst="rect">
             <a:avLst/>
@@ -4531,7 +5211,7 @@
         <p:spPr>
           <a:xfrm>
             <a:off x="576000" y="4176000"/>
-            <a:ext cx="502920" cy="345240"/>
+            <a:ext cx="502560" cy="344880"/>
           </a:xfrm>
           <a:prstGeom prst="rect">
             <a:avLst/>
@@ -4582,7 +5262,7 @@
         <p:spPr>
           <a:xfrm>
             <a:off x="1476000" y="3492000"/>
-            <a:ext cx="502920" cy="345240"/>
+            <a:ext cx="502560" cy="344880"/>
           </a:xfrm>
           <a:prstGeom prst="rect">
             <a:avLst/>
@@ -4633,7 +5313,7 @@
         <p:spPr>
           <a:xfrm>
             <a:off x="3240000" y="3492000"/>
-            <a:ext cx="502920" cy="345240"/>
+            <a:ext cx="502560" cy="344880"/>
           </a:xfrm>
           <a:prstGeom prst="rect">
             <a:avLst/>
@@ -4684,7 +5364,7 @@
         <p:spPr>
           <a:xfrm>
             <a:off x="3276000" y="3960000"/>
-            <a:ext cx="502920" cy="345240"/>
+            <a:ext cx="502560" cy="344880"/>
           </a:xfrm>
           <a:prstGeom prst="rect">
             <a:avLst/>
@@ -4735,7 +5415,7 @@
         <p:spPr>
           <a:xfrm>
             <a:off x="4140000" y="3492000"/>
-            <a:ext cx="502920" cy="345240"/>
+            <a:ext cx="502560" cy="344880"/>
           </a:xfrm>
           <a:prstGeom prst="rect">
             <a:avLst/>
@@ -4786,7 +5466,7 @@
         <p:spPr>
           <a:xfrm>
             <a:off x="4140000" y="3924000"/>
-            <a:ext cx="502920" cy="345240"/>
+            <a:ext cx="502560" cy="344880"/>
           </a:xfrm>
           <a:prstGeom prst="rect">
             <a:avLst/>
@@ -5134,7 +5814,7 @@
         <p:spPr>
           <a:xfrm>
             <a:off x="540000" y="2412000"/>
-            <a:ext cx="1294920" cy="345240"/>
+            <a:ext cx="1294560" cy="344880"/>
           </a:xfrm>
           <a:prstGeom prst="rect">
             <a:avLst/>
@@ -5185,7 +5865,7 @@
         <p:spPr>
           <a:xfrm>
             <a:off x="3168000" y="2412000"/>
-            <a:ext cx="1438920" cy="394920"/>
+            <a:ext cx="1438560" cy="394560"/>
           </a:xfrm>
           <a:prstGeom prst="rect">
             <a:avLst/>
@@ -5236,7 +5916,7 @@
         <p:spPr>
           <a:xfrm>
             <a:off x="3168000" y="4968000"/>
-            <a:ext cx="1582920" cy="358920"/>
+            <a:ext cx="1582560" cy="358560"/>
           </a:xfrm>
           <a:prstGeom prst="rect">
             <a:avLst/>
@@ -5287,7 +5967,7 @@
         <p:spPr>
           <a:xfrm>
             <a:off x="504000" y="4968000"/>
-            <a:ext cx="1438920" cy="358920"/>
+            <a:ext cx="1438560" cy="358560"/>
           </a:xfrm>
           <a:prstGeom prst="rect">
             <a:avLst/>
@@ -5368,7 +6048,7 @@
         <p:spPr>
           <a:xfrm>
             <a:off x="1872000" y="1008000"/>
-            <a:ext cx="2087280" cy="791280"/>
+            <a:ext cx="2086920" cy="790920"/>
           </a:xfrm>
           <a:prstGeom prst="rect">
             <a:avLst/>
@@ -5398,7 +6078,7 @@
         <p:spPr>
           <a:xfrm>
             <a:off x="5328000" y="756000"/>
-            <a:ext cx="1655280" cy="1223280"/>
+            <a:ext cx="1654920" cy="1222920"/>
           </a:xfrm>
           <a:custGeom>
             <a:avLst/>
@@ -5451,7 +6131,7 @@
         <p:spPr>
           <a:xfrm>
             <a:off x="1872360" y="3672360"/>
-            <a:ext cx="2087280" cy="791280"/>
+            <a:ext cx="2086920" cy="790920"/>
           </a:xfrm>
           <a:prstGeom prst="rect">
             <a:avLst/>
@@ -5481,7 +6161,7 @@
         <p:spPr>
           <a:xfrm>
             <a:off x="5328360" y="3420360"/>
-            <a:ext cx="1655280" cy="1223280"/>
+            <a:ext cx="1654920" cy="1222920"/>
           </a:xfrm>
           <a:custGeom>
             <a:avLst/>
@@ -5589,7 +6269,7 @@
         <p:spPr>
           <a:xfrm>
             <a:off x="1188000" y="2304000"/>
-            <a:ext cx="6911280" cy="345600"/>
+            <a:ext cx="6910920" cy="345240"/>
           </a:xfrm>
           <a:prstGeom prst="rect">
             <a:avLst/>
@@ -5640,7 +6320,7 @@
         <p:spPr>
           <a:xfrm>
             <a:off x="1080000" y="4788000"/>
-            <a:ext cx="7163280" cy="601560"/>
+            <a:ext cx="7162920" cy="601200"/>
           </a:xfrm>
           <a:prstGeom prst="rect">
             <a:avLst/>
@@ -5721,7 +6401,7 @@
         <p:spPr>
           <a:xfrm>
             <a:off x="1908000" y="2232000"/>
-            <a:ext cx="1438560" cy="790560"/>
+            <a:ext cx="1438200" cy="790200"/>
           </a:xfrm>
           <a:prstGeom prst="rect">
             <a:avLst/>
@@ -5776,7 +6456,7 @@
         <p:spPr>
           <a:xfrm>
             <a:off x="6084000" y="2232000"/>
-            <a:ext cx="1438560" cy="790560"/>
+            <a:ext cx="1438200" cy="790200"/>
           </a:xfrm>
           <a:prstGeom prst="rect">
             <a:avLst/>
@@ -5831,7 +6511,7 @@
         <p:spPr>
           <a:xfrm>
             <a:off x="4032000" y="1944000"/>
-            <a:ext cx="1438560" cy="1366560"/>
+            <a:ext cx="1438200" cy="1366200"/>
           </a:xfrm>
           <a:custGeom>
             <a:avLst/>
@@ -6038,7 +6718,7 @@
         <p:spPr>
           <a:xfrm>
             <a:off x="2592000" y="3636000"/>
-            <a:ext cx="7127280" cy="601560"/>
+            <a:ext cx="7126920" cy="601200"/>
           </a:xfrm>
           <a:prstGeom prst="rect">
             <a:avLst/>
@@ -6139,7 +6819,7 @@
         <p:spPr>
           <a:xfrm>
             <a:off x="5934960" y="2130480"/>
-            <a:ext cx="1697040" cy="1008000"/>
+            <a:ext cx="1696680" cy="1007640"/>
           </a:xfrm>
           <a:prstGeom prst="rect">
             <a:avLst/>
@@ -6169,7 +6849,7 @@
         <p:spPr>
           <a:xfrm>
             <a:off x="1908000" y="2232000"/>
-            <a:ext cx="1438560" cy="790560"/>
+            <a:ext cx="1438200" cy="790200"/>
           </a:xfrm>
           <a:prstGeom prst="rect">
             <a:avLst/>
@@ -6224,7 +6904,7 @@
         <p:spPr>
           <a:xfrm>
             <a:off x="6084000" y="2232000"/>
-            <a:ext cx="1438560" cy="790560"/>
+            <a:ext cx="1438200" cy="790200"/>
           </a:xfrm>
           <a:prstGeom prst="rect">
             <a:avLst/>
@@ -6279,7 +6959,7 @@
         <p:spPr>
           <a:xfrm>
             <a:off x="4032000" y="1944000"/>
-            <a:ext cx="1438560" cy="1366560"/>
+            <a:ext cx="1438200" cy="1366200"/>
           </a:xfrm>
           <a:custGeom>
             <a:avLst/>
@@ -6438,7 +7118,7 @@
         <p:spPr>
           <a:xfrm>
             <a:off x="1764000" y="3564000"/>
-            <a:ext cx="7127280" cy="601560"/>
+            <a:ext cx="7126920" cy="601200"/>
           </a:xfrm>
           <a:prstGeom prst="rect">
             <a:avLst/>
@@ -6472,8 +7152,110 @@
                 <a:latin typeface="Arial"/>
                 <a:ea typeface="DejaVu Sans"/>
               </a:rPr>
-              <a:t>A</a:t>
-            </a:r>
+              <a:t>ACCOUNT is EXISTENT DEPENDANTA on CUSTOMER, so ACCOUNT is a weak entity</a:t>
+            </a:r>
+            <a:endParaRPr b="0" lang="en-IN" sz="1800" spc="-1" strike="noStrike">
+              <a:latin typeface="Arial"/>
+            </a:endParaRPr>
+          </a:p>
+        </p:txBody>
+      </p:sp>
+      <p:sp>
+        <p:nvSpPr>
+          <p:cNvPr id="139" name="Line 9"/>
+          <p:cNvSpPr/>
+          <p:nvPr/>
+        </p:nvSpPr>
+        <p:spPr>
+          <a:xfrm>
+            <a:off x="5470560" y="2628000"/>
+            <a:ext cx="613440" cy="0"/>
+          </a:xfrm>
+          <a:prstGeom prst="line">
+            <a:avLst/>
+          </a:prstGeom>
+          <a:ln>
+            <a:solidFill>
+              <a:srgbClr val="3465a4"/>
+            </a:solidFill>
+          </a:ln>
+        </p:spPr>
+        <p:style>
+          <a:lnRef idx="0"/>
+          <a:fillRef idx="0"/>
+          <a:effectRef idx="0"/>
+          <a:fontRef idx="minor"/>
+        </p:style>
+      </p:sp>
+    </p:spTree>
+  </p:cSld>
+  <mc:AlternateContent>
+    <mc:Choice Requires="p14">
+      <p:transition spd="slow" p14:dur="2000"/>
+    </mc:Choice>
+    <mc:Fallback>
+      <p:transition spd="slow"/>
+    </mc:Fallback>
+  </mc:AlternateContent>
+</p:sld>
+</file>
+
+<file path=ppt/slides/slide8.xml><?xml version="1.0" encoding="utf-8"?>
+<p:sld xmlns:a="http://schemas.openxmlformats.org/drawingml/2006/main" xmlns:p="http://schemas.openxmlformats.org/presentationml/2006/main" xmlns:r="http://schemas.openxmlformats.org/officeDocument/2006/relationships" xmlns:p14="http://schemas.microsoft.com/office/powerpoint/2010/main" xmlns:p15="http://schemas.microsoft.com/office/powerpoint/2012/main" xmlns:mc="http://schemas.openxmlformats.org/markup-compatibility/2006">
+  <p:cSld>
+    <p:spTree>
+      <p:nvGrpSpPr>
+        <p:cNvPr id="1" name=""/>
+        <p:cNvGrpSpPr/>
+        <p:nvPr/>
+      </p:nvGrpSpPr>
+      <p:grpSpPr>
+        <a:xfrm>
+          <a:off x="0" y="0"/>
+          <a:ext cx="0" cy="0"/>
+          <a:chOff x="0" y="0"/>
+          <a:chExt cx="0" cy="0"/>
+        </a:xfrm>
+      </p:grpSpPr>
+      <p:sp>
+        <p:nvSpPr>
+          <p:cNvPr id="140" name="CustomShape 1"/>
+          <p:cNvSpPr/>
+          <p:nvPr/>
+        </p:nvSpPr>
+        <p:spPr>
+          <a:xfrm>
+            <a:off x="1945800" y="3636000"/>
+            <a:ext cx="1438200" cy="790200"/>
+          </a:xfrm>
+          <a:prstGeom prst="rect">
+            <a:avLst/>
+          </a:prstGeom>
+          <a:solidFill>
+            <a:srgbClr val="729fcf"/>
+          </a:solidFill>
+          <a:ln>
+            <a:solidFill>
+              <a:srgbClr val="3465a4"/>
+            </a:solidFill>
+          </a:ln>
+        </p:spPr>
+        <p:style>
+          <a:lnRef idx="0"/>
+          <a:fillRef idx="0"/>
+          <a:effectRef idx="0"/>
+          <a:fontRef idx="minor"/>
+        </p:style>
+        <p:txBody>
+          <a:bodyPr wrap="none" lIns="90000" rIns="90000" tIns="45000" bIns="45000" anchor="ctr">
+            <a:noAutofit/>
+          </a:bodyPr>
+          <a:p>
+            <a:pPr algn="ctr">
+              <a:lnSpc>
+                <a:spcPct val="100000"/>
+              </a:lnSpc>
+            </a:pPr>
             <a:r>
               <a:rPr b="0" lang="en-IN" sz="1800" spc="-1" strike="noStrike">
                 <a:solidFill>
@@ -6482,8 +7264,18 @@
                 <a:latin typeface="Arial"/>
                 <a:ea typeface="DejaVu Sans"/>
               </a:rPr>
-              <a:t>C</a:t>
-            </a:r>
+              <a:t>RESERVED</a:t>
+            </a:r>
+            <a:endParaRPr b="0" lang="en-IN" sz="1800" spc="-1" strike="noStrike">
+              <a:latin typeface="Arial"/>
+            </a:endParaRPr>
+          </a:p>
+          <a:p>
+            <a:pPr algn="ctr">
+              <a:lnSpc>
+                <a:spcPct val="100000"/>
+              </a:lnSpc>
+            </a:pPr>
             <a:r>
               <a:rPr b="0" lang="en-IN" sz="1800" spc="-1" strike="noStrike">
                 <a:solidFill>
@@ -6492,8 +7284,53 @@
                 <a:latin typeface="Arial"/>
                 <a:ea typeface="DejaVu Sans"/>
               </a:rPr>
-              <a:t>C</a:t>
-            </a:r>
+              <a:t>TICKET</a:t>
+            </a:r>
+            <a:endParaRPr b="0" lang="en-IN" sz="1800" spc="-1" strike="noStrike">
+              <a:latin typeface="Arial"/>
+            </a:endParaRPr>
+          </a:p>
+        </p:txBody>
+      </p:sp>
+      <p:sp>
+        <p:nvSpPr>
+          <p:cNvPr id="141" name="CustomShape 2"/>
+          <p:cNvSpPr/>
+          <p:nvPr/>
+        </p:nvSpPr>
+        <p:spPr>
+          <a:xfrm>
+            <a:off x="6300000" y="3673800"/>
+            <a:ext cx="1438200" cy="790200"/>
+          </a:xfrm>
+          <a:prstGeom prst="rect">
+            <a:avLst/>
+          </a:prstGeom>
+          <a:solidFill>
+            <a:srgbClr val="729fcf"/>
+          </a:solidFill>
+          <a:ln>
+            <a:solidFill>
+              <a:srgbClr val="3465a4"/>
+            </a:solidFill>
+          </a:ln>
+        </p:spPr>
+        <p:style>
+          <a:lnRef idx="0"/>
+          <a:fillRef idx="0"/>
+          <a:effectRef idx="0"/>
+          <a:fontRef idx="minor"/>
+        </p:style>
+        <p:txBody>
+          <a:bodyPr wrap="none" lIns="90000" rIns="90000" tIns="45000" bIns="45000" anchor="ctr">
+            <a:noAutofit/>
+          </a:bodyPr>
+          <a:p>
+            <a:pPr algn="ctr">
+              <a:lnSpc>
+                <a:spcPct val="100000"/>
+              </a:lnSpc>
+            </a:pPr>
             <a:r>
               <a:rPr b="0" lang="en-IN" sz="1800" spc="-1" strike="noStrike">
                 <a:solidFill>
@@ -6502,8 +7339,18 @@
                 <a:latin typeface="Arial"/>
                 <a:ea typeface="DejaVu Sans"/>
               </a:rPr>
-              <a:t>O</a:t>
-            </a:r>
+              <a:t>UNRES..</a:t>
+            </a:r>
+            <a:endParaRPr b="0" lang="en-IN" sz="1800" spc="-1" strike="noStrike">
+              <a:latin typeface="Arial"/>
+            </a:endParaRPr>
+          </a:p>
+          <a:p>
+            <a:pPr algn="ctr">
+              <a:lnSpc>
+                <a:spcPct val="100000"/>
+              </a:lnSpc>
+            </a:pPr>
             <a:r>
               <a:rPr b="0" lang="en-IN" sz="1800" spc="-1" strike="noStrike">
                 <a:solidFill>
@@ -6512,8 +7359,133 @@
                 <a:latin typeface="Arial"/>
                 <a:ea typeface="DejaVu Sans"/>
               </a:rPr>
-              <a:t>U</a:t>
-            </a:r>
+              <a:t>TICKET</a:t>
+            </a:r>
+            <a:endParaRPr b="0" lang="en-IN" sz="1800" spc="-1" strike="noStrike">
+              <a:latin typeface="Arial"/>
+            </a:endParaRPr>
+          </a:p>
+        </p:txBody>
+      </p:sp>
+      <p:sp>
+        <p:nvSpPr>
+          <p:cNvPr id="142" name="Line 3"/>
+          <p:cNvSpPr/>
+          <p:nvPr/>
+        </p:nvSpPr>
+        <p:spPr>
+          <a:xfrm>
+            <a:off x="0" y="0"/>
+            <a:ext cx="360" cy="360"/>
+          </a:xfrm>
+          <a:prstGeom prst="line">
+            <a:avLst/>
+          </a:prstGeom>
+          <a:ln>
+            <a:solidFill>
+              <a:srgbClr val="3465a4"/>
+            </a:solidFill>
+          </a:ln>
+        </p:spPr>
+        <p:style>
+          <a:lnRef idx="0"/>
+          <a:fillRef idx="0"/>
+          <a:effectRef idx="0"/>
+          <a:fontRef idx="minor"/>
+        </p:style>
+      </p:sp>
+      <p:sp>
+        <p:nvSpPr>
+          <p:cNvPr id="143" name="Line 4"/>
+          <p:cNvSpPr/>
+          <p:nvPr/>
+        </p:nvSpPr>
+        <p:spPr>
+          <a:xfrm>
+            <a:off x="0" y="0"/>
+            <a:ext cx="360" cy="360"/>
+          </a:xfrm>
+          <a:prstGeom prst="line">
+            <a:avLst/>
+          </a:prstGeom>
+          <a:ln>
+            <a:solidFill>
+              <a:srgbClr val="3465a4"/>
+            </a:solidFill>
+          </a:ln>
+        </p:spPr>
+        <p:style>
+          <a:lnRef idx="0"/>
+          <a:fillRef idx="0"/>
+          <a:effectRef idx="0"/>
+          <a:fontRef idx="minor"/>
+        </p:style>
+      </p:sp>
+      <p:sp>
+        <p:nvSpPr>
+          <p:cNvPr id="144" name="CustomShape 5"/>
+          <p:cNvSpPr/>
+          <p:nvPr/>
+        </p:nvSpPr>
+        <p:spPr>
+          <a:xfrm>
+            <a:off x="1764000" y="4860000"/>
+            <a:ext cx="7126920" cy="601200"/>
+          </a:xfrm>
+          <a:prstGeom prst="rect">
+            <a:avLst/>
+          </a:prstGeom>
+          <a:noFill/>
+          <a:ln>
+            <a:noFill/>
+          </a:ln>
+        </p:spPr>
+        <p:style>
+          <a:lnRef idx="0"/>
+          <a:fillRef idx="0"/>
+          <a:effectRef idx="0"/>
+          <a:fontRef idx="minor"/>
+        </p:style>
+      </p:sp>
+      <p:sp>
+        <p:nvSpPr>
+          <p:cNvPr id="145" name="CustomShape 6"/>
+          <p:cNvSpPr/>
+          <p:nvPr/>
+        </p:nvSpPr>
+        <p:spPr>
+          <a:xfrm>
+            <a:off x="4140000" y="1080000"/>
+            <a:ext cx="1438200" cy="790200"/>
+          </a:xfrm>
+          <a:prstGeom prst="rect">
+            <a:avLst/>
+          </a:prstGeom>
+          <a:solidFill>
+            <a:srgbClr val="729fcf"/>
+          </a:solidFill>
+          <a:ln>
+            <a:solidFill>
+              <a:srgbClr val="3465a4"/>
+            </a:solidFill>
+          </a:ln>
+        </p:spPr>
+        <p:style>
+          <a:lnRef idx="0"/>
+          <a:fillRef idx="0"/>
+          <a:effectRef idx="0"/>
+          <a:fontRef idx="minor"/>
+        </p:style>
+        <p:txBody>
+          <a:bodyPr wrap="none" lIns="90000" rIns="90000" tIns="45000" bIns="45000" anchor="ctr">
+            <a:noAutofit/>
+          </a:bodyPr>
+          <a:p>
+            <a:pPr algn="ctr">
+              <a:lnSpc>
+                <a:spcPct val="100000"/>
+              </a:lnSpc>
+            </a:pPr>
             <a:r>
               <a:rPr b="0" lang="en-IN" sz="1800" spc="-1" strike="noStrike">
                 <a:solidFill>
@@ -6522,8 +7494,945 @@
                 <a:latin typeface="Arial"/>
                 <a:ea typeface="DejaVu Sans"/>
               </a:rPr>
-              <a:t>N</a:t>
-            </a:r>
+              <a:t>TICKET</a:t>
+            </a:r>
+            <a:endParaRPr b="0" lang="en-IN" sz="1800" spc="-1" strike="noStrike">
+              <a:latin typeface="Arial"/>
+            </a:endParaRPr>
+          </a:p>
+        </p:txBody>
+      </p:sp>
+      <p:sp>
+        <p:nvSpPr>
+          <p:cNvPr id="146" name="CustomShape 7"/>
+          <p:cNvSpPr/>
+          <p:nvPr/>
+        </p:nvSpPr>
+        <p:spPr>
+          <a:xfrm>
+            <a:off x="4392000" y="2267640"/>
+            <a:ext cx="936000" cy="1008000"/>
+          </a:xfrm>
+          <a:custGeom>
+            <a:avLst/>
+            <a:gdLst/>
+            <a:ahLst/>
+            <a:rect l="0" t="0" r="r" b="b"/>
+            <a:pathLst>
+              <a:path w="2602" h="2802">
+                <a:moveTo>
+                  <a:pt x="1300" y="2801"/>
+                </a:moveTo>
+                <a:lnTo>
+                  <a:pt x="2601" y="0"/>
+                </a:lnTo>
+                <a:lnTo>
+                  <a:pt x="0" y="0"/>
+                </a:lnTo>
+                <a:lnTo>
+                  <a:pt x="1300" y="2801"/>
+                </a:lnTo>
+              </a:path>
+            </a:pathLst>
+          </a:custGeom>
+          <a:solidFill>
+            <a:srgbClr val="729fcf"/>
+          </a:solidFill>
+          <a:ln>
+            <a:solidFill>
+              <a:srgbClr val="3465a4"/>
+            </a:solidFill>
+          </a:ln>
+        </p:spPr>
+        <p:style>
+          <a:lnRef idx="0"/>
+          <a:fillRef idx="0"/>
+          <a:effectRef idx="0"/>
+          <a:fontRef idx="minor"/>
+        </p:style>
+      </p:sp>
+      <p:sp>
+        <p:nvSpPr>
+          <p:cNvPr id="147" name="TextShape 8"/>
+          <p:cNvSpPr txBox="1"/>
+          <p:nvPr/>
+        </p:nvSpPr>
+        <p:spPr>
+          <a:xfrm>
+            <a:off x="4572000" y="2304000"/>
+            <a:ext cx="648000" cy="346320"/>
+          </a:xfrm>
+          <a:prstGeom prst="rect">
+            <a:avLst/>
+          </a:prstGeom>
+          <a:noFill/>
+          <a:ln>
+            <a:noFill/>
+          </a:ln>
+        </p:spPr>
+        <p:txBody>
+          <a:bodyPr lIns="90000" rIns="90000" tIns="45000" bIns="45000">
+            <a:noAutofit/>
+          </a:bodyPr>
+          <a:p>
+            <a:r>
+              <a:rPr b="0" lang="en-IN" sz="1800" spc="-1" strike="noStrike">
+                <a:latin typeface="Arial"/>
+              </a:rPr>
+              <a:t>IS A</a:t>
+            </a:r>
+            <a:endParaRPr b="0" lang="en-IN" sz="1800" spc="-1" strike="noStrike">
+              <a:latin typeface="Arial"/>
+            </a:endParaRPr>
+          </a:p>
+        </p:txBody>
+      </p:sp>
+      <p:sp>
+        <p:nvSpPr>
+          <p:cNvPr id="148" name="Line 9"/>
+          <p:cNvSpPr/>
+          <p:nvPr/>
+        </p:nvSpPr>
+        <p:spPr>
+          <a:xfrm flipH="1">
+            <a:off x="3384000" y="2772000"/>
+            <a:ext cx="1224000" cy="864000"/>
+          </a:xfrm>
+          <a:prstGeom prst="line">
+            <a:avLst/>
+          </a:prstGeom>
+          <a:ln>
+            <a:solidFill>
+              <a:srgbClr val="3465a4"/>
+            </a:solidFill>
+          </a:ln>
+        </p:spPr>
+        <p:style>
+          <a:lnRef idx="0"/>
+          <a:fillRef idx="0"/>
+          <a:effectRef idx="0"/>
+          <a:fontRef idx="minor"/>
+        </p:style>
+      </p:sp>
+      <p:sp>
+        <p:nvSpPr>
+          <p:cNvPr id="149" name="Line 10"/>
+          <p:cNvSpPr/>
+          <p:nvPr/>
+        </p:nvSpPr>
+        <p:spPr>
+          <a:xfrm>
+            <a:off x="5112000" y="2772000"/>
+            <a:ext cx="1188000" cy="901800"/>
+          </a:xfrm>
+          <a:prstGeom prst="line">
+            <a:avLst/>
+          </a:prstGeom>
+          <a:ln>
+            <a:solidFill>
+              <a:srgbClr val="3465a4"/>
+            </a:solidFill>
+          </a:ln>
+        </p:spPr>
+        <p:style>
+          <a:lnRef idx="0"/>
+          <a:fillRef idx="0"/>
+          <a:effectRef idx="0"/>
+          <a:fontRef idx="minor"/>
+        </p:style>
+      </p:sp>
+      <p:sp>
+        <p:nvSpPr>
+          <p:cNvPr id="150" name="Line 11"/>
+          <p:cNvSpPr/>
+          <p:nvPr/>
+        </p:nvSpPr>
+        <p:spPr>
+          <a:xfrm>
+            <a:off x="4824000" y="1870200"/>
+            <a:ext cx="0" cy="433800"/>
+          </a:xfrm>
+          <a:prstGeom prst="line">
+            <a:avLst/>
+          </a:prstGeom>
+          <a:ln>
+            <a:solidFill>
+              <a:srgbClr val="3465a4"/>
+            </a:solidFill>
+          </a:ln>
+        </p:spPr>
+        <p:style>
+          <a:lnRef idx="0"/>
+          <a:fillRef idx="0"/>
+          <a:effectRef idx="0"/>
+          <a:fontRef idx="minor"/>
+        </p:style>
+      </p:sp>
+      <p:sp>
+        <p:nvSpPr>
+          <p:cNvPr id="151" name="CustomShape 12"/>
+          <p:cNvSpPr/>
+          <p:nvPr/>
+        </p:nvSpPr>
+        <p:spPr>
+          <a:xfrm>
+            <a:off x="2592000" y="432000"/>
+            <a:ext cx="1152000" cy="504000"/>
+          </a:xfrm>
+          <a:prstGeom prst="ellipse">
+            <a:avLst/>
+          </a:prstGeom>
+          <a:solidFill>
+            <a:srgbClr val="729fcf"/>
+          </a:solidFill>
+          <a:ln>
+            <a:solidFill>
+              <a:srgbClr val="3465a4"/>
+            </a:solidFill>
+          </a:ln>
+        </p:spPr>
+        <p:style>
+          <a:lnRef idx="0"/>
+          <a:fillRef idx="0"/>
+          <a:effectRef idx="0"/>
+          <a:fontRef idx="minor"/>
+        </p:style>
+        <p:txBody>
+          <a:bodyPr wrap="none" lIns="90000" rIns="90000" tIns="45000" bIns="45000" anchor="ctr">
+            <a:noAutofit/>
+          </a:bodyPr>
+          <a:p>
+            <a:pPr algn="ctr"/>
+            <a:r>
+              <a:rPr b="0" lang="en-IN" sz="1800" spc="-1" strike="noStrike">
+                <a:latin typeface="Arial"/>
+              </a:rPr>
+              <a:t>DESTI..</a:t>
+            </a:r>
+            <a:endParaRPr b="0" lang="en-IN" sz="1800" spc="-1" strike="noStrike">
+              <a:latin typeface="Arial"/>
+            </a:endParaRPr>
+          </a:p>
+        </p:txBody>
+      </p:sp>
+      <p:sp>
+        <p:nvSpPr>
+          <p:cNvPr id="152" name="CustomShape 13"/>
+          <p:cNvSpPr/>
+          <p:nvPr/>
+        </p:nvSpPr>
+        <p:spPr>
+          <a:xfrm>
+            <a:off x="4104360" y="360360"/>
+            <a:ext cx="1152000" cy="504000"/>
+          </a:xfrm>
+          <a:prstGeom prst="ellipse">
+            <a:avLst/>
+          </a:prstGeom>
+          <a:solidFill>
+            <a:srgbClr val="729fcf"/>
+          </a:solidFill>
+          <a:ln>
+            <a:solidFill>
+              <a:srgbClr val="3465a4"/>
+            </a:solidFill>
+          </a:ln>
+        </p:spPr>
+        <p:style>
+          <a:lnRef idx="0"/>
+          <a:fillRef idx="0"/>
+          <a:effectRef idx="0"/>
+          <a:fontRef idx="minor"/>
+        </p:style>
+        <p:txBody>
+          <a:bodyPr wrap="none" lIns="90000" rIns="90000" tIns="45000" bIns="45000" anchor="ctr">
+            <a:noAutofit/>
+          </a:bodyPr>
+          <a:p>
+            <a:pPr algn="ctr"/>
+            <a:r>
+              <a:rPr b="0" lang="en-IN" sz="1800" spc="-1" strike="noStrike">
+                <a:latin typeface="Arial"/>
+              </a:rPr>
+              <a:t>SOURCE</a:t>
+            </a:r>
+            <a:endParaRPr b="0" lang="en-IN" sz="1800" spc="-1" strike="noStrike">
+              <a:latin typeface="Arial"/>
+            </a:endParaRPr>
+          </a:p>
+        </p:txBody>
+      </p:sp>
+      <p:sp>
+        <p:nvSpPr>
+          <p:cNvPr id="153" name="CustomShape 14"/>
+          <p:cNvSpPr/>
+          <p:nvPr/>
+        </p:nvSpPr>
+        <p:spPr>
+          <a:xfrm>
+            <a:off x="5652720" y="432720"/>
+            <a:ext cx="1152000" cy="504000"/>
+          </a:xfrm>
+          <a:prstGeom prst="ellipse">
+            <a:avLst/>
+          </a:prstGeom>
+          <a:solidFill>
+            <a:srgbClr val="729fcf"/>
+          </a:solidFill>
+          <a:ln>
+            <a:solidFill>
+              <a:srgbClr val="3465a4"/>
+            </a:solidFill>
+          </a:ln>
+        </p:spPr>
+        <p:style>
+          <a:lnRef idx="0"/>
+          <a:fillRef idx="0"/>
+          <a:effectRef idx="0"/>
+          <a:fontRef idx="minor"/>
+        </p:style>
+        <p:txBody>
+          <a:bodyPr wrap="none" lIns="90000" rIns="90000" tIns="45000" bIns="45000" anchor="ctr">
+            <a:noAutofit/>
+          </a:bodyPr>
+          <a:p>
+            <a:pPr algn="ctr"/>
+            <a:r>
+              <a:rPr b="0" lang="en-IN" sz="1800" spc="-1" strike="noStrike">
+                <a:latin typeface="Arial"/>
+              </a:rPr>
+              <a:t>TICKET NO</a:t>
+            </a:r>
+            <a:endParaRPr b="0" lang="en-IN" sz="1800" spc="-1" strike="noStrike">
+              <a:latin typeface="Arial"/>
+            </a:endParaRPr>
+          </a:p>
+        </p:txBody>
+      </p:sp>
+      <p:sp>
+        <p:nvSpPr>
+          <p:cNvPr id="154" name="CustomShape 15"/>
+          <p:cNvSpPr/>
+          <p:nvPr/>
+        </p:nvSpPr>
+        <p:spPr>
+          <a:xfrm>
+            <a:off x="3813480" y="4321080"/>
+            <a:ext cx="1152000" cy="504000"/>
+          </a:xfrm>
+          <a:prstGeom prst="ellipse">
+            <a:avLst/>
+          </a:prstGeom>
+          <a:solidFill>
+            <a:srgbClr val="729fcf"/>
+          </a:solidFill>
+          <a:ln>
+            <a:solidFill>
+              <a:srgbClr val="3465a4"/>
+            </a:solidFill>
+          </a:ln>
+        </p:spPr>
+        <p:style>
+          <a:lnRef idx="0"/>
+          <a:fillRef idx="0"/>
+          <a:effectRef idx="0"/>
+          <a:fontRef idx="minor"/>
+        </p:style>
+        <p:txBody>
+          <a:bodyPr wrap="none" lIns="90000" rIns="90000" tIns="45000" bIns="45000" anchor="ctr">
+            <a:noAutofit/>
+          </a:bodyPr>
+          <a:p>
+            <a:pPr algn="ctr"/>
+            <a:r>
+              <a:rPr b="0" lang="en-IN" sz="1800" spc="-1" strike="noStrike">
+                <a:latin typeface="Arial"/>
+              </a:rPr>
+              <a:t>TRAIN NO</a:t>
+            </a:r>
+            <a:endParaRPr b="0" lang="en-IN" sz="1800" spc="-1" strike="noStrike">
+              <a:latin typeface="Arial"/>
+            </a:endParaRPr>
+          </a:p>
+        </p:txBody>
+      </p:sp>
+      <p:sp>
+        <p:nvSpPr>
+          <p:cNvPr id="155" name="CustomShape 16"/>
+          <p:cNvSpPr/>
+          <p:nvPr/>
+        </p:nvSpPr>
+        <p:spPr>
+          <a:xfrm>
+            <a:off x="2193840" y="4717440"/>
+            <a:ext cx="1152000" cy="504000"/>
+          </a:xfrm>
+          <a:prstGeom prst="ellipse">
+            <a:avLst/>
+          </a:prstGeom>
+          <a:solidFill>
+            <a:srgbClr val="729fcf"/>
+          </a:solidFill>
+          <a:ln>
+            <a:solidFill>
+              <a:srgbClr val="3465a4"/>
+            </a:solidFill>
+          </a:ln>
+        </p:spPr>
+        <p:style>
+          <a:lnRef idx="0"/>
+          <a:fillRef idx="0"/>
+          <a:effectRef idx="0"/>
+          <a:fontRef idx="minor"/>
+        </p:style>
+        <p:txBody>
+          <a:bodyPr wrap="none" lIns="90000" rIns="90000" tIns="45000" bIns="45000" anchor="ctr">
+            <a:noAutofit/>
+          </a:bodyPr>
+          <a:p>
+            <a:pPr algn="ctr"/>
+            <a:r>
+              <a:rPr b="0" lang="en-IN" sz="1800" spc="-1" strike="noStrike">
+                <a:latin typeface="Arial"/>
+              </a:rPr>
+              <a:t>SEAT NO</a:t>
+            </a:r>
+            <a:endParaRPr b="0" lang="en-IN" sz="1800" spc="-1" strike="noStrike">
+              <a:latin typeface="Arial"/>
+            </a:endParaRPr>
+          </a:p>
+        </p:txBody>
+      </p:sp>
+      <p:sp>
+        <p:nvSpPr>
+          <p:cNvPr id="156" name="CustomShape 17"/>
+          <p:cNvSpPr/>
+          <p:nvPr/>
+        </p:nvSpPr>
+        <p:spPr>
+          <a:xfrm>
+            <a:off x="682200" y="4501800"/>
+            <a:ext cx="1152000" cy="504000"/>
+          </a:xfrm>
+          <a:prstGeom prst="ellipse">
+            <a:avLst/>
+          </a:prstGeom>
+          <a:solidFill>
+            <a:srgbClr val="729fcf"/>
+          </a:solidFill>
+          <a:ln>
+            <a:solidFill>
+              <a:srgbClr val="3465a4"/>
+            </a:solidFill>
+          </a:ln>
+        </p:spPr>
+        <p:style>
+          <a:lnRef idx="0"/>
+          <a:fillRef idx="0"/>
+          <a:effectRef idx="0"/>
+          <a:fontRef idx="minor"/>
+        </p:style>
+        <p:txBody>
+          <a:bodyPr wrap="none" lIns="90000" rIns="90000" tIns="45000" bIns="45000" anchor="ctr">
+            <a:noAutofit/>
+          </a:bodyPr>
+          <a:p>
+            <a:pPr algn="ctr"/>
+            <a:r>
+              <a:rPr b="0" lang="en-IN" sz="1800" spc="-1" strike="noStrike">
+                <a:latin typeface="Arial"/>
+              </a:rPr>
+              <a:t>RES UPTO</a:t>
+            </a:r>
+            <a:endParaRPr b="0" lang="en-IN" sz="1800" spc="-1" strike="noStrike">
+              <a:latin typeface="Arial"/>
+            </a:endParaRPr>
+          </a:p>
+        </p:txBody>
+      </p:sp>
+      <p:sp>
+        <p:nvSpPr>
+          <p:cNvPr id="157" name="CustomShape 18"/>
+          <p:cNvSpPr/>
+          <p:nvPr/>
+        </p:nvSpPr>
+        <p:spPr>
+          <a:xfrm>
+            <a:off x="5434560" y="4574160"/>
+            <a:ext cx="1152000" cy="504000"/>
+          </a:xfrm>
+          <a:prstGeom prst="ellipse">
+            <a:avLst/>
+          </a:prstGeom>
+          <a:solidFill>
+            <a:srgbClr val="729fcf"/>
+          </a:solidFill>
+          <a:ln>
+            <a:solidFill>
+              <a:srgbClr val="3465a4"/>
+            </a:solidFill>
+          </a:ln>
+        </p:spPr>
+        <p:style>
+          <a:lnRef idx="0"/>
+          <a:fillRef idx="0"/>
+          <a:effectRef idx="0"/>
+          <a:fontRef idx="minor"/>
+        </p:style>
+        <p:txBody>
+          <a:bodyPr wrap="none" lIns="90000" rIns="90000" tIns="45000" bIns="45000" anchor="ctr">
+            <a:noAutofit/>
+          </a:bodyPr>
+          <a:p>
+            <a:pPr algn="ctr"/>
+            <a:r>
+              <a:rPr b="0" lang="en-IN" sz="1800" spc="-1" strike="noStrike">
+                <a:latin typeface="Arial"/>
+              </a:rPr>
+              <a:t>LOCAL /EXP</a:t>
+            </a:r>
+            <a:endParaRPr b="0" lang="en-IN" sz="1800" spc="-1" strike="noStrike">
+              <a:latin typeface="Arial"/>
+            </a:endParaRPr>
+          </a:p>
+        </p:txBody>
+      </p:sp>
+      <p:sp>
+        <p:nvSpPr>
+          <p:cNvPr id="158" name="CustomShape 19"/>
+          <p:cNvSpPr/>
+          <p:nvPr/>
+        </p:nvSpPr>
+        <p:spPr>
+          <a:xfrm>
+            <a:off x="7634160" y="4574520"/>
+            <a:ext cx="1152000" cy="504000"/>
+          </a:xfrm>
+          <a:prstGeom prst="ellipse">
+            <a:avLst/>
+          </a:prstGeom>
+          <a:solidFill>
+            <a:srgbClr val="729fcf"/>
+          </a:solidFill>
+          <a:ln>
+            <a:solidFill>
+              <a:srgbClr val="3465a4"/>
+            </a:solidFill>
+          </a:ln>
+        </p:spPr>
+        <p:style>
+          <a:lnRef idx="0"/>
+          <a:fillRef idx="0"/>
+          <a:effectRef idx="0"/>
+          <a:fontRef idx="minor"/>
+        </p:style>
+        <p:txBody>
+          <a:bodyPr wrap="none" lIns="90000" rIns="90000" tIns="45000" bIns="45000" anchor="ctr">
+            <a:noAutofit/>
+          </a:bodyPr>
+          <a:p>
+            <a:pPr algn="ctr"/>
+            <a:r>
+              <a:rPr b="0" lang="en-IN" sz="1800" spc="-1" strike="noStrike">
+                <a:latin typeface="Arial"/>
+              </a:rPr>
+              <a:t>FARE</a:t>
+            </a:r>
+            <a:endParaRPr b="0" lang="en-IN" sz="1800" spc="-1" strike="noStrike">
+              <a:latin typeface="Arial"/>
+            </a:endParaRPr>
+          </a:p>
+        </p:txBody>
+      </p:sp>
+      <p:sp>
+        <p:nvSpPr>
+          <p:cNvPr id="159" name="CustomShape 20"/>
+          <p:cNvSpPr/>
+          <p:nvPr/>
+        </p:nvSpPr>
+        <p:spPr>
+          <a:xfrm>
+            <a:off x="686520" y="3098880"/>
+            <a:ext cx="1152000" cy="504000"/>
+          </a:xfrm>
+          <a:prstGeom prst="ellipse">
+            <a:avLst/>
+          </a:prstGeom>
+          <a:solidFill>
+            <a:srgbClr val="729fcf"/>
+          </a:solidFill>
+          <a:ln>
+            <a:solidFill>
+              <a:srgbClr val="3465a4"/>
+            </a:solidFill>
+          </a:ln>
+        </p:spPr>
+        <p:style>
+          <a:lnRef idx="0"/>
+          <a:fillRef idx="0"/>
+          <a:effectRef idx="0"/>
+          <a:fontRef idx="minor"/>
+        </p:style>
+        <p:txBody>
+          <a:bodyPr wrap="none" lIns="90000" rIns="90000" tIns="45000" bIns="45000" anchor="ctr">
+            <a:noAutofit/>
+          </a:bodyPr>
+          <a:p>
+            <a:pPr algn="ctr"/>
+            <a:r>
+              <a:rPr b="0" lang="en-IN" sz="1800" spc="-1" strike="noStrike">
+                <a:latin typeface="Arial"/>
+              </a:rPr>
+              <a:t>FARE</a:t>
+            </a:r>
+            <a:endParaRPr b="0" lang="en-IN" sz="1800" spc="-1" strike="noStrike">
+              <a:latin typeface="Arial"/>
+            </a:endParaRPr>
+          </a:p>
+        </p:txBody>
+      </p:sp>
+      <p:sp>
+        <p:nvSpPr>
+          <p:cNvPr id="160" name="Line 21"/>
+          <p:cNvSpPr/>
+          <p:nvPr/>
+        </p:nvSpPr>
+        <p:spPr>
+          <a:xfrm>
+            <a:off x="3240000" y="936000"/>
+            <a:ext cx="900000" cy="432000"/>
+          </a:xfrm>
+          <a:prstGeom prst="line">
+            <a:avLst/>
+          </a:prstGeom>
+          <a:ln>
+            <a:solidFill>
+              <a:srgbClr val="3465a4"/>
+            </a:solidFill>
+          </a:ln>
+        </p:spPr>
+        <p:style>
+          <a:lnRef idx="0"/>
+          <a:fillRef idx="0"/>
+          <a:effectRef idx="0"/>
+          <a:fontRef idx="minor"/>
+        </p:style>
+      </p:sp>
+      <p:sp>
+        <p:nvSpPr>
+          <p:cNvPr id="161" name="Line 22"/>
+          <p:cNvSpPr/>
+          <p:nvPr/>
+        </p:nvSpPr>
+        <p:spPr>
+          <a:xfrm>
+            <a:off x="4608000" y="864360"/>
+            <a:ext cx="0" cy="215640"/>
+          </a:xfrm>
+          <a:prstGeom prst="line">
+            <a:avLst/>
+          </a:prstGeom>
+          <a:ln>
+            <a:solidFill>
+              <a:srgbClr val="3465a4"/>
+            </a:solidFill>
+          </a:ln>
+        </p:spPr>
+        <p:style>
+          <a:lnRef idx="0"/>
+          <a:fillRef idx="0"/>
+          <a:effectRef idx="0"/>
+          <a:fontRef idx="minor"/>
+        </p:style>
+      </p:sp>
+      <p:sp>
+        <p:nvSpPr>
+          <p:cNvPr id="162" name="Line 23"/>
+          <p:cNvSpPr/>
+          <p:nvPr/>
+        </p:nvSpPr>
+        <p:spPr>
+          <a:xfrm flipH="1">
+            <a:off x="5578200" y="936720"/>
+            <a:ext cx="613800" cy="431280"/>
+          </a:xfrm>
+          <a:prstGeom prst="line">
+            <a:avLst/>
+          </a:prstGeom>
+          <a:ln>
+            <a:solidFill>
+              <a:srgbClr val="3465a4"/>
+            </a:solidFill>
+          </a:ln>
+        </p:spPr>
+        <p:style>
+          <a:lnRef idx="0"/>
+          <a:fillRef idx="0"/>
+          <a:effectRef idx="0"/>
+          <a:fontRef idx="minor"/>
+        </p:style>
+      </p:sp>
+      <p:sp>
+        <p:nvSpPr>
+          <p:cNvPr id="163" name="Line 24"/>
+          <p:cNvSpPr/>
+          <p:nvPr/>
+        </p:nvSpPr>
+        <p:spPr>
+          <a:xfrm>
+            <a:off x="1296000" y="3602880"/>
+            <a:ext cx="649800" cy="33120"/>
+          </a:xfrm>
+          <a:prstGeom prst="line">
+            <a:avLst/>
+          </a:prstGeom>
+          <a:ln>
+            <a:solidFill>
+              <a:srgbClr val="3465a4"/>
+            </a:solidFill>
+          </a:ln>
+        </p:spPr>
+        <p:style>
+          <a:lnRef idx="0"/>
+          <a:fillRef idx="0"/>
+          <a:effectRef idx="0"/>
+          <a:fontRef idx="minor"/>
+        </p:style>
+      </p:sp>
+      <p:sp>
+        <p:nvSpPr>
+          <p:cNvPr id="164" name="Line 25"/>
+          <p:cNvSpPr/>
+          <p:nvPr/>
+        </p:nvSpPr>
+        <p:spPr>
+          <a:xfrm flipV="1">
+            <a:off x="1656000" y="4426200"/>
+            <a:ext cx="289800" cy="181800"/>
+          </a:xfrm>
+          <a:prstGeom prst="line">
+            <a:avLst/>
+          </a:prstGeom>
+          <a:ln>
+            <a:solidFill>
+              <a:srgbClr val="3465a4"/>
+            </a:solidFill>
+          </a:ln>
+        </p:spPr>
+        <p:style>
+          <a:lnRef idx="0"/>
+          <a:fillRef idx="0"/>
+          <a:effectRef idx="0"/>
+          <a:fontRef idx="minor"/>
+        </p:style>
+      </p:sp>
+      <p:sp>
+        <p:nvSpPr>
+          <p:cNvPr id="165" name="Line 26"/>
+          <p:cNvSpPr/>
+          <p:nvPr/>
+        </p:nvSpPr>
+        <p:spPr>
+          <a:xfrm flipH="1" flipV="1">
+            <a:off x="2664000" y="4426200"/>
+            <a:ext cx="72000" cy="291240"/>
+          </a:xfrm>
+          <a:prstGeom prst="line">
+            <a:avLst/>
+          </a:prstGeom>
+          <a:ln>
+            <a:solidFill>
+              <a:srgbClr val="3465a4"/>
+            </a:solidFill>
+          </a:ln>
+        </p:spPr>
+        <p:style>
+          <a:lnRef idx="0"/>
+          <a:fillRef idx="0"/>
+          <a:effectRef idx="0"/>
+          <a:fontRef idx="minor"/>
+        </p:style>
+      </p:sp>
+      <p:sp>
+        <p:nvSpPr>
+          <p:cNvPr id="166" name="Line 27"/>
+          <p:cNvSpPr/>
+          <p:nvPr/>
+        </p:nvSpPr>
+        <p:spPr>
+          <a:xfrm flipH="1" flipV="1">
+            <a:off x="3384000" y="4426200"/>
+            <a:ext cx="504000" cy="37800"/>
+          </a:xfrm>
+          <a:prstGeom prst="line">
+            <a:avLst/>
+          </a:prstGeom>
+          <a:ln>
+            <a:solidFill>
+              <a:srgbClr val="3465a4"/>
+            </a:solidFill>
+          </a:ln>
+        </p:spPr>
+        <p:style>
+          <a:lnRef idx="0"/>
+          <a:fillRef idx="0"/>
+          <a:effectRef idx="0"/>
+          <a:fontRef idx="minor"/>
+        </p:style>
+      </p:sp>
+      <p:sp>
+        <p:nvSpPr>
+          <p:cNvPr id="167" name="Line 28"/>
+          <p:cNvSpPr/>
+          <p:nvPr/>
+        </p:nvSpPr>
+        <p:spPr>
+          <a:xfrm flipV="1">
+            <a:off x="6336000" y="4464000"/>
+            <a:ext cx="360000" cy="216000"/>
+          </a:xfrm>
+          <a:prstGeom prst="line">
+            <a:avLst/>
+          </a:prstGeom>
+          <a:ln>
+            <a:solidFill>
+              <a:srgbClr val="3465a4"/>
+            </a:solidFill>
+          </a:ln>
+        </p:spPr>
+        <p:style>
+          <a:lnRef idx="0"/>
+          <a:fillRef idx="0"/>
+          <a:effectRef idx="0"/>
+          <a:fontRef idx="minor"/>
+        </p:style>
+      </p:sp>
+      <p:sp>
+        <p:nvSpPr>
+          <p:cNvPr id="168" name="Line 29"/>
+          <p:cNvSpPr/>
+          <p:nvPr/>
+        </p:nvSpPr>
+        <p:spPr>
+          <a:xfrm>
+            <a:off x="7560000" y="4464000"/>
+            <a:ext cx="504000" cy="110520"/>
+          </a:xfrm>
+          <a:prstGeom prst="line">
+            <a:avLst/>
+          </a:prstGeom>
+          <a:ln>
+            <a:solidFill>
+              <a:srgbClr val="3465a4"/>
+            </a:solidFill>
+          </a:ln>
+        </p:spPr>
+        <p:style>
+          <a:lnRef idx="0"/>
+          <a:fillRef idx="0"/>
+          <a:effectRef idx="0"/>
+          <a:fontRef idx="minor"/>
+        </p:style>
+      </p:sp>
+    </p:spTree>
+  </p:cSld>
+  <mc:AlternateContent>
+    <mc:Choice Requires="p14">
+      <p:transition spd="slow" p14:dur="2000"/>
+    </mc:Choice>
+    <mc:Fallback>
+      <p:transition spd="slow"/>
+    </mc:Fallback>
+  </mc:AlternateContent>
+</p:sld>
+</file>
+
+<file path=ppt/slides/slide9.xml><?xml version="1.0" encoding="utf-8"?>
+<p:sld xmlns:a="http://schemas.openxmlformats.org/drawingml/2006/main" xmlns:p="http://schemas.openxmlformats.org/presentationml/2006/main" xmlns:r="http://schemas.openxmlformats.org/officeDocument/2006/relationships" xmlns:p14="http://schemas.microsoft.com/office/powerpoint/2010/main" xmlns:p15="http://schemas.microsoft.com/office/powerpoint/2012/main" xmlns:mc="http://schemas.openxmlformats.org/markup-compatibility/2006">
+  <p:cSld>
+    <p:spTree>
+      <p:nvGrpSpPr>
+        <p:cNvPr id="1" name=""/>
+        <p:cNvGrpSpPr/>
+        <p:nvPr/>
+      </p:nvGrpSpPr>
+      <p:grpSpPr>
+        <a:xfrm>
+          <a:off x="0" y="0"/>
+          <a:ext cx="0" cy="0"/>
+          <a:chOff x="0" y="0"/>
+          <a:chExt cx="0" cy="0"/>
+        </a:xfrm>
+      </p:grpSpPr>
+      <p:sp>
+        <p:nvSpPr>
+          <p:cNvPr id="169" name="CustomShape 1"/>
+          <p:cNvSpPr/>
+          <p:nvPr/>
+        </p:nvSpPr>
+        <p:spPr>
+          <a:xfrm>
+            <a:off x="432000" y="72000"/>
+            <a:ext cx="9072000" cy="2520000"/>
+          </a:xfrm>
+          <a:prstGeom prst="rect">
+            <a:avLst/>
+          </a:prstGeom>
+          <a:solidFill>
+            <a:srgbClr val="cccccc"/>
+          </a:solidFill>
+          <a:ln>
+            <a:solidFill>
+              <a:srgbClr val="3465a4"/>
+            </a:solidFill>
+          </a:ln>
+        </p:spPr>
+        <p:style>
+          <a:lnRef idx="0"/>
+          <a:fillRef idx="0"/>
+          <a:effectRef idx="0"/>
+          <a:fontRef idx="minor"/>
+        </p:style>
+      </p:sp>
+      <p:sp>
+        <p:nvSpPr>
+          <p:cNvPr id="170" name="CustomShape 2"/>
+          <p:cNvSpPr/>
+          <p:nvPr/>
+        </p:nvSpPr>
+        <p:spPr>
+          <a:xfrm>
+            <a:off x="2016000" y="1188000"/>
+            <a:ext cx="1438200" cy="790200"/>
+          </a:xfrm>
+          <a:prstGeom prst="rect">
+            <a:avLst/>
+          </a:prstGeom>
+          <a:solidFill>
+            <a:srgbClr val="729fcf"/>
+          </a:solidFill>
+          <a:ln>
+            <a:solidFill>
+              <a:srgbClr val="3465a4"/>
+            </a:solidFill>
+          </a:ln>
+        </p:spPr>
+        <p:style>
+          <a:lnRef idx="0"/>
+          <a:fillRef idx="0"/>
+          <a:effectRef idx="0"/>
+          <a:fontRef idx="minor"/>
+        </p:style>
+        <p:txBody>
+          <a:bodyPr wrap="none" lIns="90000" rIns="90000" tIns="45000" bIns="45000" anchor="ctr">
+            <a:noAutofit/>
+          </a:bodyPr>
+          <a:p>
+            <a:pPr algn="ctr">
+              <a:lnSpc>
+                <a:spcPct val="100000"/>
+              </a:lnSpc>
+            </a:pPr>
             <a:r>
               <a:rPr b="0" lang="en-IN" sz="1800" spc="-1" strike="noStrike">
                 <a:solidFill>
@@ -6532,8 +8441,53 @@
                 <a:latin typeface="Arial"/>
                 <a:ea typeface="DejaVu Sans"/>
               </a:rPr>
-              <a:t>T</a:t>
-            </a:r>
+              <a:t>TEACHER</a:t>
+            </a:r>
+            <a:endParaRPr b="0" lang="en-IN" sz="1800" spc="-1" strike="noStrike">
+              <a:latin typeface="Arial"/>
+            </a:endParaRPr>
+          </a:p>
+        </p:txBody>
+      </p:sp>
+      <p:sp>
+        <p:nvSpPr>
+          <p:cNvPr id="171" name="CustomShape 3"/>
+          <p:cNvSpPr/>
+          <p:nvPr/>
+        </p:nvSpPr>
+        <p:spPr>
+          <a:xfrm>
+            <a:off x="6192000" y="1188000"/>
+            <a:ext cx="1438200" cy="790200"/>
+          </a:xfrm>
+          <a:prstGeom prst="rect">
+            <a:avLst/>
+          </a:prstGeom>
+          <a:solidFill>
+            <a:srgbClr val="729fcf"/>
+          </a:solidFill>
+          <a:ln>
+            <a:solidFill>
+              <a:srgbClr val="3465a4"/>
+            </a:solidFill>
+          </a:ln>
+        </p:spPr>
+        <p:style>
+          <a:lnRef idx="0"/>
+          <a:fillRef idx="0"/>
+          <a:effectRef idx="0"/>
+          <a:fontRef idx="minor"/>
+        </p:style>
+        <p:txBody>
+          <a:bodyPr wrap="none" lIns="90000" rIns="90000" tIns="45000" bIns="45000" anchor="ctr">
+            <a:noAutofit/>
+          </a:bodyPr>
+          <a:p>
+            <a:pPr algn="ctr">
+              <a:lnSpc>
+                <a:spcPct val="100000"/>
+              </a:lnSpc>
+            </a:pPr>
             <a:r>
               <a:rPr b="0" lang="en-IN" sz="1800" spc="-1" strike="noStrike">
                 <a:solidFill>
@@ -6542,8 +8496,76 @@
                 <a:latin typeface="Arial"/>
                 <a:ea typeface="DejaVu Sans"/>
               </a:rPr>
-              <a:t> </a:t>
-            </a:r>
+              <a:t>SUBJECT</a:t>
+            </a:r>
+            <a:endParaRPr b="0" lang="en-IN" sz="1800" spc="-1" strike="noStrike">
+              <a:latin typeface="Arial"/>
+            </a:endParaRPr>
+          </a:p>
+        </p:txBody>
+      </p:sp>
+      <p:sp>
+        <p:nvSpPr>
+          <p:cNvPr id="172" name="CustomShape 4"/>
+          <p:cNvSpPr/>
+          <p:nvPr/>
+        </p:nvSpPr>
+        <p:spPr>
+          <a:xfrm>
+            <a:off x="4140000" y="900000"/>
+            <a:ext cx="1438200" cy="1366200"/>
+          </a:xfrm>
+          <a:custGeom>
+            <a:avLst/>
+            <a:gdLst/>
+            <a:ahLst/>
+            <a:rect l="l" t="t" r="r" b="b"/>
+            <a:pathLst>
+              <a:path w="21600" h="21600">
+                <a:moveTo>
+                  <a:pt x="10800" y="0"/>
+                </a:moveTo>
+                <a:lnTo>
+                  <a:pt x="21600" y="10800"/>
+                </a:lnTo>
+                <a:lnTo>
+                  <a:pt x="10800" y="21600"/>
+                </a:lnTo>
+                <a:lnTo>
+                  <a:pt x="0" y="10800"/>
+                </a:lnTo>
+                <a:lnTo>
+                  <a:pt x="10800" y="0"/>
+                </a:lnTo>
+                <a:close/>
+              </a:path>
+            </a:pathLst>
+          </a:custGeom>
+          <a:solidFill>
+            <a:srgbClr val="729fcf"/>
+          </a:solidFill>
+          <a:ln>
+            <a:solidFill>
+              <a:srgbClr val="3465a4"/>
+            </a:solidFill>
+          </a:ln>
+        </p:spPr>
+        <p:style>
+          <a:lnRef idx="0"/>
+          <a:fillRef idx="0"/>
+          <a:effectRef idx="0"/>
+          <a:fontRef idx="minor"/>
+        </p:style>
+        <p:txBody>
+          <a:bodyPr wrap="none" lIns="90000" rIns="90000" tIns="45000" bIns="45000" anchor="ctr">
+            <a:noAutofit/>
+          </a:bodyPr>
+          <a:p>
+            <a:pPr algn="ctr">
+              <a:lnSpc>
+                <a:spcPct val="100000"/>
+              </a:lnSpc>
+            </a:pPr>
             <a:r>
               <a:rPr b="0" lang="en-IN" sz="1800" spc="-1" strike="noStrike">
                 <a:solidFill>
@@ -6552,8 +8574,130 @@
                 <a:latin typeface="Arial"/>
                 <a:ea typeface="DejaVu Sans"/>
               </a:rPr>
-              <a:t>i</a:t>
-            </a:r>
+              <a:t>TEACHES</a:t>
+            </a:r>
+            <a:endParaRPr b="0" lang="en-IN" sz="1800" spc="-1" strike="noStrike">
+              <a:latin typeface="Arial"/>
+            </a:endParaRPr>
+          </a:p>
+        </p:txBody>
+      </p:sp>
+      <p:sp>
+        <p:nvSpPr>
+          <p:cNvPr id="173" name="Line 5"/>
+          <p:cNvSpPr/>
+          <p:nvPr/>
+        </p:nvSpPr>
+        <p:spPr>
+          <a:xfrm>
+            <a:off x="3456000" y="1584000"/>
+            <a:ext cx="684000" cy="0"/>
+          </a:xfrm>
+          <a:prstGeom prst="line">
+            <a:avLst/>
+          </a:prstGeom>
+          <a:ln>
+            <a:solidFill>
+              <a:srgbClr val="3465a4"/>
+            </a:solidFill>
+          </a:ln>
+        </p:spPr>
+        <p:style>
+          <a:lnRef idx="0"/>
+          <a:fillRef idx="0"/>
+          <a:effectRef idx="0"/>
+          <a:fontRef idx="minor"/>
+        </p:style>
+      </p:sp>
+      <p:sp>
+        <p:nvSpPr>
+          <p:cNvPr id="174" name="Line 6"/>
+          <p:cNvSpPr/>
+          <p:nvPr/>
+        </p:nvSpPr>
+        <p:spPr>
+          <a:xfrm>
+            <a:off x="0" y="0"/>
+            <a:ext cx="360" cy="360"/>
+          </a:xfrm>
+          <a:prstGeom prst="line">
+            <a:avLst/>
+          </a:prstGeom>
+          <a:ln>
+            <a:solidFill>
+              <a:srgbClr val="3465a4"/>
+            </a:solidFill>
+          </a:ln>
+        </p:spPr>
+        <p:style>
+          <a:lnRef idx="0"/>
+          <a:fillRef idx="0"/>
+          <a:effectRef idx="0"/>
+          <a:fontRef idx="minor"/>
+        </p:style>
+      </p:sp>
+      <p:sp>
+        <p:nvSpPr>
+          <p:cNvPr id="175" name="Line 7"/>
+          <p:cNvSpPr/>
+          <p:nvPr/>
+        </p:nvSpPr>
+        <p:spPr>
+          <a:xfrm>
+            <a:off x="0" y="0"/>
+            <a:ext cx="360" cy="360"/>
+          </a:xfrm>
+          <a:prstGeom prst="line">
+            <a:avLst/>
+          </a:prstGeom>
+          <a:ln>
+            <a:solidFill>
+              <a:srgbClr val="3465a4"/>
+            </a:solidFill>
+          </a:ln>
+        </p:spPr>
+        <p:style>
+          <a:lnRef idx="0"/>
+          <a:fillRef idx="0"/>
+          <a:effectRef idx="0"/>
+          <a:fontRef idx="minor"/>
+        </p:style>
+      </p:sp>
+      <p:sp>
+        <p:nvSpPr>
+          <p:cNvPr id="176" name="CustomShape 8"/>
+          <p:cNvSpPr/>
+          <p:nvPr/>
+        </p:nvSpPr>
+        <p:spPr>
+          <a:xfrm>
+            <a:off x="-36000" y="3384000"/>
+            <a:ext cx="2628000" cy="601200"/>
+          </a:xfrm>
+          <a:prstGeom prst="rect">
+            <a:avLst/>
+          </a:prstGeom>
+          <a:noFill/>
+          <a:ln>
+            <a:noFill/>
+          </a:ln>
+        </p:spPr>
+        <p:style>
+          <a:lnRef idx="0"/>
+          <a:fillRef idx="0"/>
+          <a:effectRef idx="0"/>
+          <a:fontRef idx="minor"/>
+        </p:style>
+        <p:txBody>
+          <a:bodyPr lIns="90000" rIns="90000" tIns="45000" bIns="45000">
+            <a:noAutofit/>
+          </a:bodyPr>
+          <a:p>
+            <a:pPr>
+              <a:lnSpc>
+                <a:spcPct val="100000"/>
+              </a:lnSpc>
+            </a:pPr>
             <a:r>
               <a:rPr b="0" lang="en-IN" sz="1800" spc="-1" strike="noStrike">
                 <a:solidFill>
@@ -6562,8 +8706,468 @@
                 <a:latin typeface="Arial"/>
                 <a:ea typeface="DejaVu Sans"/>
               </a:rPr>
-              <a:t>s</a:t>
-            </a:r>
+              <a:t>We require the set of books used by the teacher to teach the subject</a:t>
+            </a:r>
+            <a:endParaRPr b="0" lang="en-IN" sz="1800" spc="-1" strike="noStrike">
+              <a:latin typeface="Arial"/>
+            </a:endParaRPr>
+          </a:p>
+        </p:txBody>
+      </p:sp>
+      <p:sp>
+        <p:nvSpPr>
+          <p:cNvPr id="177" name="Line 9"/>
+          <p:cNvSpPr/>
+          <p:nvPr/>
+        </p:nvSpPr>
+        <p:spPr>
+          <a:xfrm>
+            <a:off x="5578560" y="1584000"/>
+            <a:ext cx="613440" cy="0"/>
+          </a:xfrm>
+          <a:prstGeom prst="line">
+            <a:avLst/>
+          </a:prstGeom>
+          <a:ln>
+            <a:solidFill>
+              <a:srgbClr val="3465a4"/>
+            </a:solidFill>
+          </a:ln>
+        </p:spPr>
+        <p:style>
+          <a:lnRef idx="0"/>
+          <a:fillRef idx="0"/>
+          <a:effectRef idx="0"/>
+          <a:fontRef idx="minor"/>
+        </p:style>
+      </p:sp>
+      <p:sp>
+        <p:nvSpPr>
+          <p:cNvPr id="178" name="CustomShape 10"/>
+          <p:cNvSpPr/>
+          <p:nvPr/>
+        </p:nvSpPr>
+        <p:spPr>
+          <a:xfrm>
+            <a:off x="5868360" y="180360"/>
+            <a:ext cx="1152000" cy="504000"/>
+          </a:xfrm>
+          <a:prstGeom prst="ellipse">
+            <a:avLst/>
+          </a:prstGeom>
+          <a:solidFill>
+            <a:srgbClr val="729fcf"/>
+          </a:solidFill>
+          <a:ln>
+            <a:solidFill>
+              <a:srgbClr val="3465a4"/>
+            </a:solidFill>
+          </a:ln>
+        </p:spPr>
+        <p:style>
+          <a:lnRef idx="0"/>
+          <a:fillRef idx="0"/>
+          <a:effectRef idx="0"/>
+          <a:fontRef idx="minor"/>
+        </p:style>
+        <p:txBody>
+          <a:bodyPr wrap="none" lIns="90000" rIns="90000" tIns="45000" bIns="45000" anchor="ctr">
+            <a:noAutofit/>
+          </a:bodyPr>
+          <a:p>
+            <a:pPr algn="ctr"/>
+            <a:r>
+              <a:rPr b="0" lang="en-IN" sz="1800" spc="-1" strike="noStrike">
+                <a:latin typeface="Arial"/>
+              </a:rPr>
+              <a:t>S_C</a:t>
+            </a:r>
+            <a:r>
+              <a:rPr b="0" lang="en-IN" sz="1800" spc="-1" strike="noStrike">
+                <a:latin typeface="Arial"/>
+              </a:rPr>
+              <a:t>OD</a:t>
+            </a:r>
+            <a:r>
+              <a:rPr b="0" lang="en-IN" sz="1800" spc="-1" strike="noStrike">
+                <a:latin typeface="Arial"/>
+              </a:rPr>
+              <a:t>E</a:t>
+            </a:r>
+            <a:endParaRPr b="0" lang="en-IN" sz="1800" spc="-1" strike="noStrike">
+              <a:latin typeface="Arial"/>
+            </a:endParaRPr>
+          </a:p>
+        </p:txBody>
+      </p:sp>
+      <p:sp>
+        <p:nvSpPr>
+          <p:cNvPr id="179" name="CustomShape 11"/>
+          <p:cNvSpPr/>
+          <p:nvPr/>
+        </p:nvSpPr>
+        <p:spPr>
+          <a:xfrm>
+            <a:off x="7344720" y="216720"/>
+            <a:ext cx="1152000" cy="504000"/>
+          </a:xfrm>
+          <a:prstGeom prst="ellipse">
+            <a:avLst/>
+          </a:prstGeom>
+          <a:solidFill>
+            <a:srgbClr val="729fcf"/>
+          </a:solidFill>
+          <a:ln>
+            <a:solidFill>
+              <a:srgbClr val="3465a4"/>
+            </a:solidFill>
+          </a:ln>
+        </p:spPr>
+        <p:style>
+          <a:lnRef idx="0"/>
+          <a:fillRef idx="0"/>
+          <a:effectRef idx="0"/>
+          <a:fontRef idx="minor"/>
+        </p:style>
+        <p:txBody>
+          <a:bodyPr wrap="none" lIns="90000" rIns="90000" tIns="45000" bIns="45000" anchor="ctr">
+            <a:noAutofit/>
+          </a:bodyPr>
+          <a:p>
+            <a:pPr algn="ctr"/>
+            <a:r>
+              <a:rPr b="0" lang="en-IN" sz="1800" spc="-1" strike="noStrike">
+                <a:latin typeface="Arial"/>
+              </a:rPr>
+              <a:t>TIT</a:t>
+            </a:r>
+            <a:r>
+              <a:rPr b="0" lang="en-IN" sz="1800" spc="-1" strike="noStrike">
+                <a:latin typeface="Arial"/>
+              </a:rPr>
+              <a:t>LE</a:t>
+            </a:r>
+            <a:endParaRPr b="0" lang="en-IN" sz="1800" spc="-1" strike="noStrike">
+              <a:latin typeface="Arial"/>
+            </a:endParaRPr>
+          </a:p>
+        </p:txBody>
+      </p:sp>
+      <p:sp>
+        <p:nvSpPr>
+          <p:cNvPr id="180" name="CustomShape 12"/>
+          <p:cNvSpPr/>
+          <p:nvPr/>
+        </p:nvSpPr>
+        <p:spPr>
+          <a:xfrm>
+            <a:off x="7921080" y="937080"/>
+            <a:ext cx="1152000" cy="504000"/>
+          </a:xfrm>
+          <a:prstGeom prst="ellipse">
+            <a:avLst/>
+          </a:prstGeom>
+          <a:solidFill>
+            <a:srgbClr val="729fcf"/>
+          </a:solidFill>
+          <a:ln>
+            <a:solidFill>
+              <a:srgbClr val="3465a4"/>
+            </a:solidFill>
+          </a:ln>
+        </p:spPr>
+        <p:style>
+          <a:lnRef idx="0"/>
+          <a:fillRef idx="0"/>
+          <a:effectRef idx="0"/>
+          <a:fontRef idx="minor"/>
+        </p:style>
+        <p:txBody>
+          <a:bodyPr wrap="none" lIns="90000" rIns="90000" tIns="45000" bIns="45000" anchor="ctr">
+            <a:noAutofit/>
+          </a:bodyPr>
+          <a:p>
+            <a:pPr algn="ctr"/>
+            <a:r>
+              <a:rPr b="0" lang="en-IN" sz="1800" spc="-1" strike="noStrike">
+                <a:latin typeface="Arial"/>
+              </a:rPr>
+              <a:t>UG/PG</a:t>
+            </a:r>
+            <a:endParaRPr b="0" lang="en-IN" sz="1800" spc="-1" strike="noStrike">
+              <a:latin typeface="Arial"/>
+            </a:endParaRPr>
+          </a:p>
+        </p:txBody>
+      </p:sp>
+      <p:sp>
+        <p:nvSpPr>
+          <p:cNvPr id="181" name="CustomShape 13"/>
+          <p:cNvSpPr/>
+          <p:nvPr/>
+        </p:nvSpPr>
+        <p:spPr>
+          <a:xfrm>
+            <a:off x="7921440" y="1693440"/>
+            <a:ext cx="1152000" cy="504000"/>
+          </a:xfrm>
+          <a:prstGeom prst="ellipse">
+            <a:avLst/>
+          </a:prstGeom>
+          <a:solidFill>
+            <a:srgbClr val="729fcf"/>
+          </a:solidFill>
+          <a:ln>
+            <a:solidFill>
+              <a:srgbClr val="3465a4"/>
+            </a:solidFill>
+          </a:ln>
+        </p:spPr>
+        <p:style>
+          <a:lnRef idx="0"/>
+          <a:fillRef idx="0"/>
+          <a:effectRef idx="0"/>
+          <a:fontRef idx="minor"/>
+        </p:style>
+        <p:txBody>
+          <a:bodyPr wrap="none" lIns="90000" rIns="90000" tIns="45000" bIns="45000" anchor="ctr">
+            <a:noAutofit/>
+          </a:bodyPr>
+          <a:p>
+            <a:pPr algn="ctr"/>
+            <a:r>
+              <a:rPr b="0" lang="en-IN" sz="1800" spc="-1" strike="noStrike">
+                <a:latin typeface="Arial"/>
+              </a:rPr>
+              <a:t>LTP</a:t>
+            </a:r>
+            <a:endParaRPr b="0" lang="en-IN" sz="1800" spc="-1" strike="noStrike">
+              <a:latin typeface="Arial"/>
+            </a:endParaRPr>
+          </a:p>
+        </p:txBody>
+      </p:sp>
+      <p:sp>
+        <p:nvSpPr>
+          <p:cNvPr id="182" name="CustomShape 14"/>
+          <p:cNvSpPr/>
+          <p:nvPr/>
+        </p:nvSpPr>
+        <p:spPr>
+          <a:xfrm>
+            <a:off x="7921440" y="937440"/>
+            <a:ext cx="1152000" cy="504000"/>
+          </a:xfrm>
+          <a:prstGeom prst="ellipse">
+            <a:avLst/>
+          </a:prstGeom>
+          <a:solidFill>
+            <a:srgbClr val="729fcf"/>
+          </a:solidFill>
+          <a:ln>
+            <a:solidFill>
+              <a:srgbClr val="3465a4"/>
+            </a:solidFill>
+          </a:ln>
+        </p:spPr>
+        <p:style>
+          <a:lnRef idx="0"/>
+          <a:fillRef idx="0"/>
+          <a:effectRef idx="0"/>
+          <a:fontRef idx="minor"/>
+        </p:style>
+        <p:txBody>
+          <a:bodyPr wrap="none" lIns="90000" rIns="90000" tIns="45000" bIns="45000" anchor="ctr">
+            <a:noAutofit/>
+          </a:bodyPr>
+          <a:p>
+            <a:pPr algn="ctr"/>
+            <a:r>
+              <a:rPr b="0" lang="en-IN" sz="1800" spc="-1" strike="noStrike">
+                <a:latin typeface="Arial"/>
+              </a:rPr>
+              <a:t>U</a:t>
+            </a:r>
+            <a:r>
+              <a:rPr b="0" lang="en-IN" sz="1800" spc="-1" strike="noStrike">
+                <a:latin typeface="Arial"/>
+              </a:rPr>
+              <a:t>G/</a:t>
+            </a:r>
+            <a:r>
+              <a:rPr b="0" lang="en-IN" sz="1800" spc="-1" strike="noStrike">
+                <a:latin typeface="Arial"/>
+              </a:rPr>
+              <a:t>P</a:t>
+            </a:r>
+            <a:r>
+              <a:rPr b="0" lang="en-IN" sz="1800" spc="-1" strike="noStrike">
+                <a:latin typeface="Arial"/>
+              </a:rPr>
+              <a:t>G</a:t>
+            </a:r>
+            <a:endParaRPr b="0" lang="en-IN" sz="1800" spc="-1" strike="noStrike">
+              <a:latin typeface="Arial"/>
+            </a:endParaRPr>
+          </a:p>
+        </p:txBody>
+      </p:sp>
+      <p:sp>
+        <p:nvSpPr>
+          <p:cNvPr id="183" name="CustomShape 15"/>
+          <p:cNvSpPr/>
+          <p:nvPr/>
+        </p:nvSpPr>
+        <p:spPr>
+          <a:xfrm>
+            <a:off x="2089440" y="433440"/>
+            <a:ext cx="1152000" cy="504000"/>
+          </a:xfrm>
+          <a:prstGeom prst="ellipse">
+            <a:avLst/>
+          </a:prstGeom>
+          <a:solidFill>
+            <a:srgbClr val="729fcf"/>
+          </a:solidFill>
+          <a:ln>
+            <a:solidFill>
+              <a:srgbClr val="3465a4"/>
+            </a:solidFill>
+          </a:ln>
+        </p:spPr>
+        <p:style>
+          <a:lnRef idx="0"/>
+          <a:fillRef idx="0"/>
+          <a:effectRef idx="0"/>
+          <a:fontRef idx="minor"/>
+        </p:style>
+        <p:txBody>
+          <a:bodyPr wrap="none" lIns="90000" rIns="90000" tIns="45000" bIns="45000" anchor="ctr">
+            <a:noAutofit/>
+          </a:bodyPr>
+          <a:p>
+            <a:pPr algn="ctr"/>
+            <a:r>
+              <a:rPr b="0" lang="en-IN" sz="1800" spc="-1" strike="noStrike">
+                <a:latin typeface="Arial"/>
+              </a:rPr>
+              <a:t>NAME</a:t>
+            </a:r>
+            <a:endParaRPr b="0" lang="en-IN" sz="1800" spc="-1" strike="noStrike">
+              <a:latin typeface="Arial"/>
+            </a:endParaRPr>
+          </a:p>
+        </p:txBody>
+      </p:sp>
+      <p:sp>
+        <p:nvSpPr>
+          <p:cNvPr id="184" name="CustomShape 16"/>
+          <p:cNvSpPr/>
+          <p:nvPr/>
+        </p:nvSpPr>
+        <p:spPr>
+          <a:xfrm>
+            <a:off x="649800" y="541800"/>
+            <a:ext cx="1152000" cy="504000"/>
+          </a:xfrm>
+          <a:prstGeom prst="ellipse">
+            <a:avLst/>
+          </a:prstGeom>
+          <a:solidFill>
+            <a:srgbClr val="729fcf"/>
+          </a:solidFill>
+          <a:ln>
+            <a:solidFill>
+              <a:srgbClr val="3465a4"/>
+            </a:solidFill>
+          </a:ln>
+        </p:spPr>
+        <p:style>
+          <a:lnRef idx="0"/>
+          <a:fillRef idx="0"/>
+          <a:effectRef idx="0"/>
+          <a:fontRef idx="minor"/>
+        </p:style>
+        <p:txBody>
+          <a:bodyPr wrap="none" lIns="90000" rIns="90000" tIns="45000" bIns="45000" anchor="ctr">
+            <a:noAutofit/>
+          </a:bodyPr>
+          <a:p>
+            <a:pPr algn="ctr"/>
+            <a:r>
+              <a:rPr b="0" lang="en-IN" sz="1800" spc="-1" strike="noStrike">
+                <a:latin typeface="Arial"/>
+              </a:rPr>
+              <a:t>DEPT</a:t>
+            </a:r>
+            <a:endParaRPr b="0" lang="en-IN" sz="1800" spc="-1" strike="noStrike">
+              <a:latin typeface="Arial"/>
+            </a:endParaRPr>
+          </a:p>
+        </p:txBody>
+      </p:sp>
+      <p:sp>
+        <p:nvSpPr>
+          <p:cNvPr id="185" name="CustomShape 17"/>
+          <p:cNvSpPr/>
+          <p:nvPr/>
+        </p:nvSpPr>
+        <p:spPr>
+          <a:xfrm>
+            <a:off x="4320000" y="3168000"/>
+            <a:ext cx="1042200" cy="792000"/>
+          </a:xfrm>
+          <a:custGeom>
+            <a:avLst/>
+            <a:gdLst/>
+            <a:ahLst/>
+            <a:rect l="l" t="t" r="r" b="b"/>
+            <a:pathLst>
+              <a:path w="21600" h="21600">
+                <a:moveTo>
+                  <a:pt x="10800" y="0"/>
+                </a:moveTo>
+                <a:lnTo>
+                  <a:pt x="21600" y="10800"/>
+                </a:lnTo>
+                <a:lnTo>
+                  <a:pt x="10800" y="21600"/>
+                </a:lnTo>
+                <a:lnTo>
+                  <a:pt x="0" y="10800"/>
+                </a:lnTo>
+                <a:lnTo>
+                  <a:pt x="10800" y="0"/>
+                </a:lnTo>
+                <a:close/>
+              </a:path>
+            </a:pathLst>
+          </a:custGeom>
+          <a:solidFill>
+            <a:srgbClr val="729fcf"/>
+          </a:solidFill>
+          <a:ln>
+            <a:solidFill>
+              <a:srgbClr val="3465a4"/>
+            </a:solidFill>
+          </a:ln>
+        </p:spPr>
+        <p:style>
+          <a:lnRef idx="0"/>
+          <a:fillRef idx="0"/>
+          <a:effectRef idx="0"/>
+          <a:fontRef idx="minor"/>
+        </p:style>
+        <p:txBody>
+          <a:bodyPr wrap="none" lIns="90000" rIns="90000" tIns="45000" bIns="45000" anchor="ctr">
+            <a:noAutofit/>
+          </a:bodyPr>
+          <a:p>
+            <a:pPr algn="ctr">
+              <a:lnSpc>
+                <a:spcPct val="100000"/>
+              </a:lnSpc>
+            </a:pPr>
             <a:r>
               <a:rPr b="0" lang="en-IN" sz="1800" spc="-1" strike="noStrike">
                 <a:solidFill>
@@ -6572,8 +9176,53 @@
                 <a:latin typeface="Arial"/>
                 <a:ea typeface="DejaVu Sans"/>
               </a:rPr>
-              <a:t> </a:t>
-            </a:r>
+              <a:t>USES</a:t>
+            </a:r>
+            <a:endParaRPr b="0" lang="en-IN" sz="1800" spc="-1" strike="noStrike">
+              <a:latin typeface="Arial"/>
+            </a:endParaRPr>
+          </a:p>
+        </p:txBody>
+      </p:sp>
+      <p:sp>
+        <p:nvSpPr>
+          <p:cNvPr id="186" name="CustomShape 18"/>
+          <p:cNvSpPr/>
+          <p:nvPr/>
+        </p:nvSpPr>
+        <p:spPr>
+          <a:xfrm>
+            <a:off x="4176000" y="4428000"/>
+            <a:ext cx="1438200" cy="790200"/>
+          </a:xfrm>
+          <a:prstGeom prst="rect">
+            <a:avLst/>
+          </a:prstGeom>
+          <a:solidFill>
+            <a:srgbClr val="729fcf"/>
+          </a:solidFill>
+          <a:ln>
+            <a:solidFill>
+              <a:srgbClr val="3465a4"/>
+            </a:solidFill>
+          </a:ln>
+        </p:spPr>
+        <p:style>
+          <a:lnRef idx="0"/>
+          <a:fillRef idx="0"/>
+          <a:effectRef idx="0"/>
+          <a:fontRef idx="minor"/>
+        </p:style>
+        <p:txBody>
+          <a:bodyPr wrap="none" lIns="90000" rIns="90000" tIns="45000" bIns="45000" anchor="ctr">
+            <a:noAutofit/>
+          </a:bodyPr>
+          <a:p>
+            <a:pPr algn="ctr">
+              <a:lnSpc>
+                <a:spcPct val="100000"/>
+              </a:lnSpc>
+            </a:pPr>
             <a:r>
               <a:rPr b="0" lang="en-IN" sz="1800" spc="-1" strike="noStrike">
                 <a:solidFill>
@@ -6582,8 +9231,165 @@
                 <a:latin typeface="Arial"/>
                 <a:ea typeface="DejaVu Sans"/>
               </a:rPr>
-              <a:t>E</a:t>
-            </a:r>
+              <a:t>BOOKS</a:t>
+            </a:r>
+            <a:endParaRPr b="0" lang="en-IN" sz="1800" spc="-1" strike="noStrike">
+              <a:latin typeface="Arial"/>
+            </a:endParaRPr>
+          </a:p>
+        </p:txBody>
+      </p:sp>
+      <p:cxnSp>
+        <p:nvCxnSpPr>
+          <p:cNvPr id="187" name="Line 19"/>
+          <p:cNvCxnSpPr/>
+          <p:nvPr/>
+        </p:nvCxnSpPr>
+        <p:spPr>
+          <a:xfrm>
+            <a:off x="0" y="0"/>
+            <a:ext cx="360" cy="360"/>
+          </a:xfrm>
+          <a:prstGeom prst="line">
+            <a:avLst/>
+          </a:prstGeom>
+          <a:ln>
+            <a:solidFill>
+              <a:srgbClr val="3465a4"/>
+            </a:solidFill>
+          </a:ln>
+        </p:spPr>
+      </p:cxnSp>
+      <p:cxnSp>
+        <p:nvCxnSpPr>
+          <p:cNvPr id="188" name="Line 20"/>
+          <p:cNvCxnSpPr/>
+          <p:nvPr/>
+        </p:nvCxnSpPr>
+        <p:spPr>
+          <a:xfrm>
+            <a:off x="0" y="0"/>
+            <a:ext cx="360" cy="360"/>
+          </a:xfrm>
+          <a:prstGeom prst="line">
+            <a:avLst/>
+          </a:prstGeom>
+          <a:ln>
+            <a:solidFill>
+              <a:srgbClr val="3465a4"/>
+            </a:solidFill>
+          </a:ln>
+        </p:spPr>
+      </p:cxnSp>
+      <p:sp>
+        <p:nvSpPr>
+          <p:cNvPr id="189" name="Line 21"/>
+          <p:cNvSpPr/>
+          <p:nvPr/>
+        </p:nvSpPr>
+        <p:spPr>
+          <a:xfrm>
+            <a:off x="4860000" y="3960000"/>
+            <a:ext cx="0" cy="468000"/>
+          </a:xfrm>
+          <a:prstGeom prst="line">
+            <a:avLst/>
+          </a:prstGeom>
+          <a:ln>
+            <a:solidFill>
+              <a:srgbClr val="3465a4"/>
+            </a:solidFill>
+          </a:ln>
+        </p:spPr>
+        <p:style>
+          <a:lnRef idx="0"/>
+          <a:fillRef idx="0"/>
+          <a:effectRef idx="0"/>
+          <a:fontRef idx="minor"/>
+        </p:style>
+      </p:sp>
+      <p:sp>
+        <p:nvSpPr>
+          <p:cNvPr id="190" name="CustomShape 22"/>
+          <p:cNvSpPr/>
+          <p:nvPr/>
+        </p:nvSpPr>
+        <p:spPr>
+          <a:xfrm>
+            <a:off x="5870160" y="3782160"/>
+            <a:ext cx="1152000" cy="504000"/>
+          </a:xfrm>
+          <a:prstGeom prst="ellipse">
+            <a:avLst/>
+          </a:prstGeom>
+          <a:solidFill>
+            <a:srgbClr val="729fcf"/>
+          </a:solidFill>
+          <a:ln>
+            <a:solidFill>
+              <a:srgbClr val="3465a4"/>
+            </a:solidFill>
+          </a:ln>
+        </p:spPr>
+        <p:style>
+          <a:lnRef idx="0"/>
+          <a:fillRef idx="0"/>
+          <a:effectRef idx="0"/>
+          <a:fontRef idx="minor"/>
+        </p:style>
+        <p:txBody>
+          <a:bodyPr wrap="none" lIns="90000" rIns="90000" tIns="45000" bIns="45000" anchor="ctr">
+            <a:noAutofit/>
+          </a:bodyPr>
+          <a:p>
+            <a:pPr algn="ctr"/>
+            <a:r>
+              <a:rPr b="0" lang="en-IN" sz="1800" spc="-1" strike="noStrike">
+                <a:latin typeface="Arial"/>
+              </a:rPr>
+              <a:t>REF/TEXT</a:t>
+            </a:r>
+            <a:endParaRPr b="0" lang="en-IN" sz="1800" spc="-1" strike="noStrike">
+              <a:latin typeface="Arial"/>
+            </a:endParaRPr>
+          </a:p>
+        </p:txBody>
+      </p:sp>
+      <p:sp>
+        <p:nvSpPr>
+          <p:cNvPr id="191" name="CustomShape 23"/>
+          <p:cNvSpPr/>
+          <p:nvPr/>
+        </p:nvSpPr>
+        <p:spPr>
+          <a:xfrm>
+            <a:off x="7380000" y="3115440"/>
+            <a:ext cx="2628000" cy="601200"/>
+          </a:xfrm>
+          <a:prstGeom prst="rect">
+            <a:avLst/>
+          </a:prstGeom>
+          <a:noFill/>
+          <a:ln>
+            <a:noFill/>
+          </a:ln>
+        </p:spPr>
+        <p:style>
+          <a:lnRef idx="0"/>
+          <a:fillRef idx="0"/>
+          <a:effectRef idx="0"/>
+          <a:fontRef idx="minor"/>
+        </p:style>
+        <p:txBody>
+          <a:bodyPr lIns="90000" rIns="90000" tIns="45000" bIns="45000">
+            <a:noAutofit/>
+          </a:bodyPr>
+          <a:p>
+            <a:pPr>
+              <a:lnSpc>
+                <a:spcPct val="100000"/>
+              </a:lnSpc>
+            </a:pPr>
             <a:r>
               <a:rPr b="0" lang="en-IN" sz="1800" spc="-1" strike="noStrike">
                 <a:solidFill>
@@ -6592,604 +9398,186 @@
                 <a:latin typeface="Arial"/>
                 <a:ea typeface="DejaVu Sans"/>
               </a:rPr>
-              <a:t>X</a:t>
-            </a:r>
-            <a:r>
-              <a:rPr b="0" lang="en-IN" sz="1800" spc="-1" strike="noStrike">
-                <a:solidFill>
-                  <a:srgbClr val="000000"/>
-                </a:solidFill>
-                <a:latin typeface="Arial"/>
-                <a:ea typeface="DejaVu Sans"/>
-              </a:rPr>
-              <a:t>I</a:t>
-            </a:r>
-            <a:r>
-              <a:rPr b="0" lang="en-IN" sz="1800" spc="-1" strike="noStrike">
-                <a:solidFill>
-                  <a:srgbClr val="000000"/>
-                </a:solidFill>
-                <a:latin typeface="Arial"/>
-                <a:ea typeface="DejaVu Sans"/>
-              </a:rPr>
-              <a:t>S</a:t>
-            </a:r>
-            <a:r>
-              <a:rPr b="0" lang="en-IN" sz="1800" spc="-1" strike="noStrike">
-                <a:solidFill>
-                  <a:srgbClr val="000000"/>
-                </a:solidFill>
-                <a:latin typeface="Arial"/>
-                <a:ea typeface="DejaVu Sans"/>
-              </a:rPr>
-              <a:t>T</a:t>
-            </a:r>
-            <a:r>
-              <a:rPr b="0" lang="en-IN" sz="1800" spc="-1" strike="noStrike">
-                <a:solidFill>
-                  <a:srgbClr val="000000"/>
-                </a:solidFill>
-                <a:latin typeface="Arial"/>
-                <a:ea typeface="DejaVu Sans"/>
-              </a:rPr>
-              <a:t>E</a:t>
-            </a:r>
-            <a:r>
-              <a:rPr b="0" lang="en-IN" sz="1800" spc="-1" strike="noStrike">
-                <a:solidFill>
-                  <a:srgbClr val="000000"/>
-                </a:solidFill>
-                <a:latin typeface="Arial"/>
-                <a:ea typeface="DejaVu Sans"/>
-              </a:rPr>
-              <a:t>N</a:t>
-            </a:r>
-            <a:r>
-              <a:rPr b="0" lang="en-IN" sz="1800" spc="-1" strike="noStrike">
-                <a:solidFill>
-                  <a:srgbClr val="000000"/>
-                </a:solidFill>
-                <a:latin typeface="Arial"/>
-                <a:ea typeface="DejaVu Sans"/>
-              </a:rPr>
-              <a:t>T</a:t>
-            </a:r>
-            <a:r>
-              <a:rPr b="0" lang="en-IN" sz="1800" spc="-1" strike="noStrike">
-                <a:solidFill>
-                  <a:srgbClr val="000000"/>
-                </a:solidFill>
-                <a:latin typeface="Arial"/>
-                <a:ea typeface="DejaVu Sans"/>
-              </a:rPr>
-              <a:t> </a:t>
-            </a:r>
-            <a:r>
-              <a:rPr b="0" lang="en-IN" sz="1800" spc="-1" strike="noStrike">
-                <a:solidFill>
-                  <a:srgbClr val="000000"/>
-                </a:solidFill>
-                <a:latin typeface="Arial"/>
-                <a:ea typeface="DejaVu Sans"/>
-              </a:rPr>
-              <a:t>D</a:t>
-            </a:r>
-            <a:r>
-              <a:rPr b="0" lang="en-IN" sz="1800" spc="-1" strike="noStrike">
-                <a:solidFill>
-                  <a:srgbClr val="000000"/>
-                </a:solidFill>
-                <a:latin typeface="Arial"/>
-                <a:ea typeface="DejaVu Sans"/>
-              </a:rPr>
-              <a:t>E</a:t>
-            </a:r>
-            <a:r>
-              <a:rPr b="0" lang="en-IN" sz="1800" spc="-1" strike="noStrike">
-                <a:solidFill>
-                  <a:srgbClr val="000000"/>
-                </a:solidFill>
-                <a:latin typeface="Arial"/>
-                <a:ea typeface="DejaVu Sans"/>
-              </a:rPr>
-              <a:t>P</a:t>
-            </a:r>
-            <a:r>
-              <a:rPr b="0" lang="en-IN" sz="1800" spc="-1" strike="noStrike">
-                <a:solidFill>
-                  <a:srgbClr val="000000"/>
-                </a:solidFill>
-                <a:latin typeface="Arial"/>
-                <a:ea typeface="DejaVu Sans"/>
-              </a:rPr>
-              <a:t>E</a:t>
-            </a:r>
-            <a:r>
-              <a:rPr b="0" lang="en-IN" sz="1800" spc="-1" strike="noStrike">
-                <a:solidFill>
-                  <a:srgbClr val="000000"/>
-                </a:solidFill>
-                <a:latin typeface="Arial"/>
-                <a:ea typeface="DejaVu Sans"/>
-              </a:rPr>
-              <a:t>N</a:t>
-            </a:r>
-            <a:r>
-              <a:rPr b="0" lang="en-IN" sz="1800" spc="-1" strike="noStrike">
-                <a:solidFill>
-                  <a:srgbClr val="000000"/>
-                </a:solidFill>
-                <a:latin typeface="Arial"/>
-                <a:ea typeface="DejaVu Sans"/>
-              </a:rPr>
-              <a:t>D</a:t>
-            </a:r>
-            <a:r>
-              <a:rPr b="0" lang="en-IN" sz="1800" spc="-1" strike="noStrike">
-                <a:solidFill>
-                  <a:srgbClr val="000000"/>
-                </a:solidFill>
-                <a:latin typeface="Arial"/>
-                <a:ea typeface="DejaVu Sans"/>
-              </a:rPr>
-              <a:t>A</a:t>
-            </a:r>
-            <a:r>
-              <a:rPr b="0" lang="en-IN" sz="1800" spc="-1" strike="noStrike">
-                <a:solidFill>
-                  <a:srgbClr val="000000"/>
-                </a:solidFill>
-                <a:latin typeface="Arial"/>
-                <a:ea typeface="DejaVu Sans"/>
-              </a:rPr>
-              <a:t>N</a:t>
-            </a:r>
-            <a:r>
-              <a:rPr b="0" lang="en-IN" sz="1800" spc="-1" strike="noStrike">
-                <a:solidFill>
-                  <a:srgbClr val="000000"/>
-                </a:solidFill>
-                <a:latin typeface="Arial"/>
-                <a:ea typeface="DejaVu Sans"/>
-              </a:rPr>
-              <a:t>T</a:t>
-            </a:r>
-            <a:r>
-              <a:rPr b="0" lang="en-IN" sz="1800" spc="-1" strike="noStrike">
-                <a:solidFill>
-                  <a:srgbClr val="000000"/>
-                </a:solidFill>
-                <a:latin typeface="Arial"/>
-                <a:ea typeface="DejaVu Sans"/>
-              </a:rPr>
-              <a:t>A</a:t>
-            </a:r>
-            <a:r>
-              <a:rPr b="0" lang="en-IN" sz="1800" spc="-1" strike="noStrike">
-                <a:solidFill>
-                  <a:srgbClr val="000000"/>
-                </a:solidFill>
-                <a:latin typeface="Arial"/>
-                <a:ea typeface="DejaVu Sans"/>
-              </a:rPr>
-              <a:t> </a:t>
-            </a:r>
-            <a:r>
-              <a:rPr b="0" lang="en-IN" sz="1800" spc="-1" strike="noStrike">
-                <a:solidFill>
-                  <a:srgbClr val="000000"/>
-                </a:solidFill>
-                <a:latin typeface="Arial"/>
-                <a:ea typeface="DejaVu Sans"/>
-              </a:rPr>
-              <a:t>o</a:t>
-            </a:r>
-            <a:r>
-              <a:rPr b="0" lang="en-IN" sz="1800" spc="-1" strike="noStrike">
-                <a:solidFill>
-                  <a:srgbClr val="000000"/>
-                </a:solidFill>
-                <a:latin typeface="Arial"/>
-                <a:ea typeface="DejaVu Sans"/>
-              </a:rPr>
-              <a:t>n</a:t>
-            </a:r>
-            <a:r>
-              <a:rPr b="0" lang="en-IN" sz="1800" spc="-1" strike="noStrike">
-                <a:solidFill>
-                  <a:srgbClr val="000000"/>
-                </a:solidFill>
-                <a:latin typeface="Arial"/>
-                <a:ea typeface="DejaVu Sans"/>
-              </a:rPr>
-              <a:t> </a:t>
-            </a:r>
-            <a:r>
-              <a:rPr b="0" lang="en-IN" sz="1800" spc="-1" strike="noStrike">
-                <a:solidFill>
-                  <a:srgbClr val="000000"/>
-                </a:solidFill>
-                <a:latin typeface="Arial"/>
-                <a:ea typeface="DejaVu Sans"/>
-              </a:rPr>
-              <a:t>C</a:t>
-            </a:r>
-            <a:r>
-              <a:rPr b="0" lang="en-IN" sz="1800" spc="-1" strike="noStrike">
-                <a:solidFill>
-                  <a:srgbClr val="000000"/>
-                </a:solidFill>
-                <a:latin typeface="Arial"/>
-                <a:ea typeface="DejaVu Sans"/>
-              </a:rPr>
-              <a:t>U</a:t>
-            </a:r>
-            <a:r>
-              <a:rPr b="0" lang="en-IN" sz="1800" spc="-1" strike="noStrike">
-                <a:solidFill>
-                  <a:srgbClr val="000000"/>
-                </a:solidFill>
-                <a:latin typeface="Arial"/>
-                <a:ea typeface="DejaVu Sans"/>
-              </a:rPr>
-              <a:t>S</a:t>
-            </a:r>
-            <a:r>
-              <a:rPr b="0" lang="en-IN" sz="1800" spc="-1" strike="noStrike">
-                <a:solidFill>
-                  <a:srgbClr val="000000"/>
-                </a:solidFill>
-                <a:latin typeface="Arial"/>
-                <a:ea typeface="DejaVu Sans"/>
-              </a:rPr>
-              <a:t>T</a:t>
-            </a:r>
-            <a:r>
-              <a:rPr b="0" lang="en-IN" sz="1800" spc="-1" strike="noStrike">
-                <a:solidFill>
-                  <a:srgbClr val="000000"/>
-                </a:solidFill>
-                <a:latin typeface="Arial"/>
-                <a:ea typeface="DejaVu Sans"/>
-              </a:rPr>
-              <a:t>O</a:t>
-            </a:r>
-            <a:r>
-              <a:rPr b="0" lang="en-IN" sz="1800" spc="-1" strike="noStrike">
-                <a:solidFill>
-                  <a:srgbClr val="000000"/>
-                </a:solidFill>
-                <a:latin typeface="Arial"/>
-                <a:ea typeface="DejaVu Sans"/>
-              </a:rPr>
-              <a:t>M</a:t>
-            </a:r>
-            <a:r>
-              <a:rPr b="0" lang="en-IN" sz="1800" spc="-1" strike="noStrike">
-                <a:solidFill>
-                  <a:srgbClr val="000000"/>
-                </a:solidFill>
-                <a:latin typeface="Arial"/>
-                <a:ea typeface="DejaVu Sans"/>
-              </a:rPr>
-              <a:t>E</a:t>
-            </a:r>
-            <a:r>
-              <a:rPr b="0" lang="en-IN" sz="1800" spc="-1" strike="noStrike">
-                <a:solidFill>
-                  <a:srgbClr val="000000"/>
-                </a:solidFill>
-                <a:latin typeface="Arial"/>
-                <a:ea typeface="DejaVu Sans"/>
-              </a:rPr>
-              <a:t>R</a:t>
-            </a:r>
-            <a:r>
-              <a:rPr b="0" lang="en-IN" sz="1800" spc="-1" strike="noStrike">
-                <a:solidFill>
-                  <a:srgbClr val="000000"/>
-                </a:solidFill>
-                <a:latin typeface="Arial"/>
-                <a:ea typeface="DejaVu Sans"/>
-              </a:rPr>
-              <a:t>,</a:t>
-            </a:r>
-            <a:r>
-              <a:rPr b="0" lang="en-IN" sz="1800" spc="-1" strike="noStrike">
-                <a:solidFill>
-                  <a:srgbClr val="000000"/>
-                </a:solidFill>
-                <a:latin typeface="Arial"/>
-                <a:ea typeface="DejaVu Sans"/>
-              </a:rPr>
-              <a:t> </a:t>
-            </a:r>
-            <a:r>
-              <a:rPr b="0" lang="en-IN" sz="1800" spc="-1" strike="noStrike">
-                <a:solidFill>
-                  <a:srgbClr val="000000"/>
-                </a:solidFill>
-                <a:latin typeface="Arial"/>
-                <a:ea typeface="DejaVu Sans"/>
-              </a:rPr>
-              <a:t>s</a:t>
-            </a:r>
-            <a:r>
-              <a:rPr b="0" lang="en-IN" sz="1800" spc="-1" strike="noStrike">
-                <a:solidFill>
-                  <a:srgbClr val="000000"/>
-                </a:solidFill>
-                <a:latin typeface="Arial"/>
-                <a:ea typeface="DejaVu Sans"/>
-              </a:rPr>
-              <a:t>o</a:t>
-            </a:r>
-            <a:r>
-              <a:rPr b="0" lang="en-IN" sz="1800" spc="-1" strike="noStrike">
-                <a:solidFill>
-                  <a:srgbClr val="000000"/>
-                </a:solidFill>
-                <a:latin typeface="Arial"/>
-                <a:ea typeface="DejaVu Sans"/>
-              </a:rPr>
-              <a:t> </a:t>
-            </a:r>
-            <a:r>
-              <a:rPr b="0" lang="en-IN" sz="1800" spc="-1" strike="noStrike">
-                <a:solidFill>
-                  <a:srgbClr val="000000"/>
-                </a:solidFill>
-                <a:latin typeface="Arial"/>
-                <a:ea typeface="DejaVu Sans"/>
-              </a:rPr>
-              <a:t>A</a:t>
-            </a:r>
-            <a:r>
-              <a:rPr b="0" lang="en-IN" sz="1800" spc="-1" strike="noStrike">
-                <a:solidFill>
-                  <a:srgbClr val="000000"/>
-                </a:solidFill>
-                <a:latin typeface="Arial"/>
-                <a:ea typeface="DejaVu Sans"/>
-              </a:rPr>
-              <a:t>C</a:t>
-            </a:r>
-            <a:r>
-              <a:rPr b="0" lang="en-IN" sz="1800" spc="-1" strike="noStrike">
-                <a:solidFill>
-                  <a:srgbClr val="000000"/>
-                </a:solidFill>
-                <a:latin typeface="Arial"/>
-                <a:ea typeface="DejaVu Sans"/>
-              </a:rPr>
-              <a:t>C</a:t>
-            </a:r>
-            <a:r>
-              <a:rPr b="0" lang="en-IN" sz="1800" spc="-1" strike="noStrike">
-                <a:solidFill>
-                  <a:srgbClr val="000000"/>
-                </a:solidFill>
-                <a:latin typeface="Arial"/>
-                <a:ea typeface="DejaVu Sans"/>
-              </a:rPr>
-              <a:t>O</a:t>
-            </a:r>
-            <a:r>
-              <a:rPr b="0" lang="en-IN" sz="1800" spc="-1" strike="noStrike">
-                <a:solidFill>
-                  <a:srgbClr val="000000"/>
-                </a:solidFill>
-                <a:latin typeface="Arial"/>
-                <a:ea typeface="DejaVu Sans"/>
-              </a:rPr>
-              <a:t>U</a:t>
-            </a:r>
-            <a:r>
-              <a:rPr b="0" lang="en-IN" sz="1800" spc="-1" strike="noStrike">
-                <a:solidFill>
-                  <a:srgbClr val="000000"/>
-                </a:solidFill>
-                <a:latin typeface="Arial"/>
-                <a:ea typeface="DejaVu Sans"/>
-              </a:rPr>
-              <a:t>N</a:t>
-            </a:r>
-            <a:r>
-              <a:rPr b="0" lang="en-IN" sz="1800" spc="-1" strike="noStrike">
-                <a:solidFill>
-                  <a:srgbClr val="000000"/>
-                </a:solidFill>
-                <a:latin typeface="Arial"/>
-                <a:ea typeface="DejaVu Sans"/>
-              </a:rPr>
-              <a:t>T</a:t>
-            </a:r>
-            <a:r>
-              <a:rPr b="0" lang="en-IN" sz="1800" spc="-1" strike="noStrike">
-                <a:solidFill>
-                  <a:srgbClr val="000000"/>
-                </a:solidFill>
-                <a:latin typeface="Arial"/>
-                <a:ea typeface="DejaVu Sans"/>
-              </a:rPr>
-              <a:t> </a:t>
-            </a:r>
-            <a:r>
-              <a:rPr b="0" lang="en-IN" sz="1800" spc="-1" strike="noStrike">
-                <a:solidFill>
-                  <a:srgbClr val="000000"/>
-                </a:solidFill>
-                <a:latin typeface="Arial"/>
-                <a:ea typeface="DejaVu Sans"/>
-              </a:rPr>
-              <a:t>i</a:t>
-            </a:r>
-            <a:r>
-              <a:rPr b="0" lang="en-IN" sz="1800" spc="-1" strike="noStrike">
-                <a:solidFill>
-                  <a:srgbClr val="000000"/>
-                </a:solidFill>
-                <a:latin typeface="Arial"/>
-                <a:ea typeface="DejaVu Sans"/>
-              </a:rPr>
-              <a:t>s</a:t>
-            </a:r>
-            <a:r>
-              <a:rPr b="0" lang="en-IN" sz="1800" spc="-1" strike="noStrike">
-                <a:solidFill>
-                  <a:srgbClr val="000000"/>
-                </a:solidFill>
-                <a:latin typeface="Arial"/>
-                <a:ea typeface="DejaVu Sans"/>
-              </a:rPr>
-              <a:t> </a:t>
-            </a:r>
-            <a:r>
-              <a:rPr b="0" lang="en-IN" sz="1800" spc="-1" strike="noStrike">
-                <a:solidFill>
-                  <a:srgbClr val="000000"/>
-                </a:solidFill>
-                <a:latin typeface="Arial"/>
-                <a:ea typeface="DejaVu Sans"/>
-              </a:rPr>
-              <a:t>a</a:t>
-            </a:r>
-            <a:r>
-              <a:rPr b="0" lang="en-IN" sz="1800" spc="-1" strike="noStrike">
-                <a:solidFill>
-                  <a:srgbClr val="000000"/>
-                </a:solidFill>
-                <a:latin typeface="Arial"/>
-                <a:ea typeface="DejaVu Sans"/>
-              </a:rPr>
-              <a:t> </a:t>
-            </a:r>
-            <a:r>
-              <a:rPr b="0" lang="en-IN" sz="1800" spc="-1" strike="noStrike">
-                <a:solidFill>
-                  <a:srgbClr val="000000"/>
-                </a:solidFill>
-                <a:latin typeface="Arial"/>
-                <a:ea typeface="DejaVu Sans"/>
-              </a:rPr>
-              <a:t>w</a:t>
-            </a:r>
-            <a:r>
-              <a:rPr b="0" lang="en-IN" sz="1800" spc="-1" strike="noStrike">
-                <a:solidFill>
-                  <a:srgbClr val="000000"/>
-                </a:solidFill>
-                <a:latin typeface="Arial"/>
-                <a:ea typeface="DejaVu Sans"/>
-              </a:rPr>
-              <a:t>e</a:t>
-            </a:r>
-            <a:r>
-              <a:rPr b="0" lang="en-IN" sz="1800" spc="-1" strike="noStrike">
-                <a:solidFill>
-                  <a:srgbClr val="000000"/>
-                </a:solidFill>
-                <a:latin typeface="Arial"/>
-                <a:ea typeface="DejaVu Sans"/>
-              </a:rPr>
-              <a:t>a</a:t>
-            </a:r>
-            <a:r>
-              <a:rPr b="0" lang="en-IN" sz="1800" spc="-1" strike="noStrike">
-                <a:solidFill>
-                  <a:srgbClr val="000000"/>
-                </a:solidFill>
-                <a:latin typeface="Arial"/>
-                <a:ea typeface="DejaVu Sans"/>
-              </a:rPr>
-              <a:t>k</a:t>
-            </a:r>
-            <a:r>
-              <a:rPr b="0" lang="en-IN" sz="1800" spc="-1" strike="noStrike">
-                <a:solidFill>
-                  <a:srgbClr val="000000"/>
-                </a:solidFill>
-                <a:latin typeface="Arial"/>
-                <a:ea typeface="DejaVu Sans"/>
-              </a:rPr>
-              <a:t> </a:t>
-            </a:r>
-            <a:r>
-              <a:rPr b="0" lang="en-IN" sz="1800" spc="-1" strike="noStrike">
-                <a:solidFill>
-                  <a:srgbClr val="000000"/>
-                </a:solidFill>
-                <a:latin typeface="Arial"/>
-                <a:ea typeface="DejaVu Sans"/>
-              </a:rPr>
-              <a:t>e</a:t>
-            </a:r>
-            <a:r>
-              <a:rPr b="0" lang="en-IN" sz="1800" spc="-1" strike="noStrike">
-                <a:solidFill>
-                  <a:srgbClr val="000000"/>
-                </a:solidFill>
-                <a:latin typeface="Arial"/>
-                <a:ea typeface="DejaVu Sans"/>
-              </a:rPr>
-              <a:t>n</a:t>
-            </a:r>
-            <a:r>
-              <a:rPr b="0" lang="en-IN" sz="1800" spc="-1" strike="noStrike">
-                <a:solidFill>
-                  <a:srgbClr val="000000"/>
-                </a:solidFill>
-                <a:latin typeface="Arial"/>
-                <a:ea typeface="DejaVu Sans"/>
-              </a:rPr>
-              <a:t>t</a:t>
-            </a:r>
-            <a:r>
-              <a:rPr b="0" lang="en-IN" sz="1800" spc="-1" strike="noStrike">
-                <a:solidFill>
-                  <a:srgbClr val="000000"/>
-                </a:solidFill>
-                <a:latin typeface="Arial"/>
-                <a:ea typeface="DejaVu Sans"/>
-              </a:rPr>
-              <a:t>i</a:t>
-            </a:r>
-            <a:r>
-              <a:rPr b="0" lang="en-IN" sz="1800" spc="-1" strike="noStrike">
-                <a:solidFill>
-                  <a:srgbClr val="000000"/>
-                </a:solidFill>
-                <a:latin typeface="Arial"/>
-                <a:ea typeface="DejaVu Sans"/>
-              </a:rPr>
-              <a:t>t</a:t>
-            </a:r>
-            <a:r>
-              <a:rPr b="0" lang="en-IN" sz="1800" spc="-1" strike="noStrike">
-                <a:solidFill>
-                  <a:srgbClr val="000000"/>
-                </a:solidFill>
-                <a:latin typeface="Arial"/>
-                <a:ea typeface="DejaVu Sans"/>
-              </a:rPr>
-              <a:t>y</a:t>
-            </a:r>
-            <a:endParaRPr b="0" lang="en-IN" sz="1800" spc="-1" strike="noStrike">
-              <a:latin typeface="Arial"/>
-            </a:endParaRPr>
-          </a:p>
-        </p:txBody>
-      </p:sp>
-      <p:sp>
-        <p:nvSpPr>
-          <p:cNvPr id="139" name="Line 9"/>
-          <p:cNvSpPr/>
-          <p:nvPr/>
-        </p:nvSpPr>
-        <p:spPr>
-          <a:xfrm>
-            <a:off x="5470560" y="2628000"/>
-            <a:ext cx="613440" cy="0"/>
+              <a:t>We consider the relationship TEACHES along with entities TEACHER and SUBJECT as an AGGRGATE entity and define the realtion USES.</a:t>
+            </a:r>
+            <a:endParaRPr b="0" lang="en-IN" sz="1800" spc="-1" strike="noStrike">
+              <a:latin typeface="Arial"/>
+            </a:endParaRPr>
+          </a:p>
+        </p:txBody>
+      </p:sp>
+      <p:sp>
+        <p:nvSpPr>
+          <p:cNvPr id="192" name="Line 24"/>
+          <p:cNvSpPr/>
+          <p:nvPr/>
+        </p:nvSpPr>
+        <p:spPr>
+          <a:xfrm>
+            <a:off x="5112000" y="3744000"/>
+            <a:ext cx="758160" cy="216000"/>
+          </a:xfrm>
+          <a:prstGeom prst="line">
+            <a:avLst/>
+          </a:prstGeom>
+          <a:ln>
+            <a:solidFill>
+              <a:srgbClr val="3465a4"/>
+            </a:solidFill>
+          </a:ln>
+        </p:spPr>
+        <p:style>
+          <a:lnRef idx="0"/>
+          <a:fillRef idx="0"/>
+          <a:effectRef idx="0"/>
+          <a:fontRef idx="minor"/>
+        </p:style>
+      </p:sp>
+      <p:sp>
+        <p:nvSpPr>
+          <p:cNvPr id="193" name="Line 25"/>
+          <p:cNvSpPr/>
+          <p:nvPr/>
+        </p:nvSpPr>
+        <p:spPr>
+          <a:xfrm>
+            <a:off x="7630200" y="1693440"/>
+            <a:ext cx="793800" cy="0"/>
+          </a:xfrm>
+          <a:prstGeom prst="line">
+            <a:avLst/>
+          </a:prstGeom>
+          <a:ln>
+            <a:solidFill>
+              <a:srgbClr val="3465a4"/>
+            </a:solidFill>
+          </a:ln>
+        </p:spPr>
+        <p:style>
+          <a:lnRef idx="0"/>
+          <a:fillRef idx="0"/>
+          <a:effectRef idx="0"/>
+          <a:fontRef idx="minor"/>
+        </p:style>
+      </p:sp>
+      <p:sp>
+        <p:nvSpPr>
+          <p:cNvPr id="194" name="Line 26"/>
+          <p:cNvSpPr/>
+          <p:nvPr/>
+        </p:nvSpPr>
+        <p:spPr>
+          <a:xfrm>
+            <a:off x="7630560" y="1477440"/>
+            <a:ext cx="793800" cy="0"/>
+          </a:xfrm>
+          <a:prstGeom prst="line">
+            <a:avLst/>
+          </a:prstGeom>
+          <a:ln>
+            <a:solidFill>
+              <a:srgbClr val="3465a4"/>
+            </a:solidFill>
+          </a:ln>
+        </p:spPr>
+        <p:style>
+          <a:lnRef idx="0"/>
+          <a:fillRef idx="0"/>
+          <a:effectRef idx="0"/>
+          <a:fontRef idx="minor"/>
+        </p:style>
+      </p:sp>
+      <p:sp>
+        <p:nvSpPr>
+          <p:cNvPr id="195" name="Line 27"/>
+          <p:cNvSpPr/>
+          <p:nvPr/>
+        </p:nvSpPr>
+        <p:spPr>
+          <a:xfrm flipV="1">
+            <a:off x="7234920" y="720720"/>
+            <a:ext cx="613080" cy="467280"/>
+          </a:xfrm>
+          <a:prstGeom prst="line">
+            <a:avLst/>
+          </a:prstGeom>
+          <a:ln>
+            <a:solidFill>
+              <a:srgbClr val="3465a4"/>
+            </a:solidFill>
+          </a:ln>
+        </p:spPr>
+        <p:style>
+          <a:lnRef idx="0"/>
+          <a:fillRef idx="0"/>
+          <a:effectRef idx="0"/>
+          <a:fontRef idx="minor"/>
+        </p:style>
+      </p:sp>
+      <p:sp>
+        <p:nvSpPr>
+          <p:cNvPr id="196" name="Line 28"/>
+          <p:cNvSpPr/>
+          <p:nvPr/>
+        </p:nvSpPr>
+        <p:spPr>
+          <a:xfrm flipH="1" flipV="1">
+            <a:off x="6480000" y="684360"/>
+            <a:ext cx="144000" cy="503640"/>
+          </a:xfrm>
+          <a:prstGeom prst="line">
+            <a:avLst/>
+          </a:prstGeom>
+          <a:ln>
+            <a:solidFill>
+              <a:srgbClr val="3465a4"/>
+            </a:solidFill>
+          </a:ln>
+        </p:spPr>
+        <p:style>
+          <a:lnRef idx="0"/>
+          <a:fillRef idx="0"/>
+          <a:effectRef idx="0"/>
+          <a:fontRef idx="minor"/>
+        </p:style>
+      </p:sp>
+      <p:sp>
+        <p:nvSpPr>
+          <p:cNvPr id="197" name="Line 29"/>
+          <p:cNvSpPr/>
+          <p:nvPr/>
+        </p:nvSpPr>
+        <p:spPr>
+          <a:xfrm flipH="1" flipV="1">
+            <a:off x="2664000" y="937440"/>
+            <a:ext cx="72000" cy="250560"/>
+          </a:xfrm>
+          <a:prstGeom prst="line">
+            <a:avLst/>
+          </a:prstGeom>
+          <a:ln>
+            <a:solidFill>
+              <a:srgbClr val="3465a4"/>
+            </a:solidFill>
+          </a:ln>
+        </p:spPr>
+        <p:style>
+          <a:lnRef idx="0"/>
+          <a:fillRef idx="0"/>
+          <a:effectRef idx="0"/>
+          <a:fontRef idx="minor"/>
+        </p:style>
+      </p:sp>
+      <p:sp>
+        <p:nvSpPr>
+          <p:cNvPr id="198" name="Line 30"/>
+          <p:cNvSpPr/>
+          <p:nvPr/>
+        </p:nvSpPr>
+        <p:spPr>
+          <a:xfrm flipH="1" flipV="1">
+            <a:off x="1440000" y="1045800"/>
+            <a:ext cx="576000" cy="142200"/>
           </a:xfrm>
           <a:prstGeom prst="line">
             <a:avLst/>

--- a/GATE/images/gate_images.pptx
+++ b/GATE/images/gate_images.pptx
@@ -15,6 +15,10 @@
     <p:sldId id="263" r:id="rId10"/>
     <p:sldId id="264" r:id="rId11"/>
     <p:sldId id="265" r:id="rId12"/>
+    <p:sldId id="266" r:id="rId13"/>
+    <p:sldId id="267" r:id="rId14"/>
+    <p:sldId id="268" r:id="rId15"/>
+    <p:sldId id="269" r:id="rId16"/>
   </p:sldIdLst>
   <p:sldSz cx="10080625" cy="5670550"/>
   <p:notesSz cx="7559675" cy="10691812"/>
@@ -1423,79 +1427,43 @@
               <a:rPr b="0" lang="en-IN" sz="4400" spc="-1" strike="noStrike">
                 <a:latin typeface="Arial"/>
               </a:rPr>
-              <a:t>Cli</a:t>
+              <a:t>Clic</a:t>
             </a:r>
             <a:r>
               <a:rPr b="0" lang="en-IN" sz="4400" spc="-1" strike="noStrike">
                 <a:latin typeface="Arial"/>
               </a:rPr>
-              <a:t>ck </a:t>
+              <a:t>k to </a:t>
             </a:r>
             <a:r>
               <a:rPr b="0" lang="en-IN" sz="4400" spc="-1" strike="noStrike">
                 <a:latin typeface="Arial"/>
               </a:rPr>
-              <a:t>to </a:t>
+              <a:t>edit </a:t>
             </a:r>
             <a:r>
               <a:rPr b="0" lang="en-IN" sz="4400" spc="-1" strike="noStrike">
                 <a:latin typeface="Arial"/>
               </a:rPr>
-              <a:t>ed</a:t>
+              <a:t>the </a:t>
             </a:r>
             <a:r>
               <a:rPr b="0" lang="en-IN" sz="4400" spc="-1" strike="noStrike">
                 <a:latin typeface="Arial"/>
               </a:rPr>
-              <a:t>it </a:t>
+              <a:t>title </a:t>
             </a:r>
             <a:r>
               <a:rPr b="0" lang="en-IN" sz="4400" spc="-1" strike="noStrike">
                 <a:latin typeface="Arial"/>
               </a:rPr>
-              <a:t>th</a:t>
+              <a:t>text </a:t>
             </a:r>
             <a:r>
               <a:rPr b="0" lang="en-IN" sz="4400" spc="-1" strike="noStrike">
                 <a:latin typeface="Arial"/>
               </a:rPr>
-              <a:t>e </a:t>
-            </a:r>
-            <a:r>
-              <a:rPr b="0" lang="en-IN" sz="4400" spc="-1" strike="noStrike">
-                <a:latin typeface="Arial"/>
-              </a:rPr>
-              <a:t>titl</a:t>
-            </a:r>
-            <a:r>
-              <a:rPr b="0" lang="en-IN" sz="4400" spc="-1" strike="noStrike">
-                <a:latin typeface="Arial"/>
-              </a:rPr>
-              <a:t>e </a:t>
-            </a:r>
-            <a:r>
-              <a:rPr b="0" lang="en-IN" sz="4400" spc="-1" strike="noStrike">
-                <a:latin typeface="Arial"/>
-              </a:rPr>
-              <a:t>te</a:t>
-            </a:r>
-            <a:r>
-              <a:rPr b="0" lang="en-IN" sz="4400" spc="-1" strike="noStrike">
-                <a:latin typeface="Arial"/>
-              </a:rPr>
-              <a:t>xt </a:t>
-            </a:r>
-            <a:r>
-              <a:rPr b="0" lang="en-IN" sz="4400" spc="-1" strike="noStrike">
-                <a:latin typeface="Arial"/>
-              </a:rPr>
-              <a:t>for</a:t>
-            </a:r>
-            <a:r>
-              <a:rPr b="0" lang="en-IN" sz="4400" spc="-1" strike="noStrike">
-                <a:latin typeface="Arial"/>
-              </a:rPr>
-              <a:t>m</a:t>
+              <a:t>form</a:t>
             </a:r>
             <a:r>
               <a:rPr b="0" lang="en-IN" sz="4400" spc="-1" strike="noStrike">
@@ -1734,7 +1702,7 @@
         <p:spPr>
           <a:xfrm>
             <a:off x="1836000" y="1332000"/>
-            <a:ext cx="2373840" cy="789840"/>
+            <a:ext cx="2373480" cy="789480"/>
           </a:xfrm>
           <a:prstGeom prst="rect">
             <a:avLst/>
@@ -1789,7 +1757,7 @@
         <p:spPr>
           <a:xfrm>
             <a:off x="1836000" y="2880000"/>
-            <a:ext cx="2373840" cy="789840"/>
+            <a:ext cx="2373480" cy="789480"/>
           </a:xfrm>
           <a:prstGeom prst="rect">
             <a:avLst/>
@@ -1854,7 +1822,7 @@
         <p:spPr>
           <a:xfrm>
             <a:off x="1836000" y="4176000"/>
-            <a:ext cx="2373840" cy="789840"/>
+            <a:ext cx="2373480" cy="789480"/>
           </a:xfrm>
           <a:prstGeom prst="rect">
             <a:avLst/>
@@ -1929,7 +1897,7 @@
         <p:spPr>
           <a:xfrm>
             <a:off x="5292000" y="900000"/>
-            <a:ext cx="2373840" cy="1509840"/>
+            <a:ext cx="2373480" cy="1509480"/>
           </a:xfrm>
           <a:prstGeom prst="rect">
             <a:avLst/>
@@ -2064,7 +2032,7 @@
         <p:spPr>
           <a:xfrm>
             <a:off x="5292000" y="2571480"/>
-            <a:ext cx="2373840" cy="1278360"/>
+            <a:ext cx="2373480" cy="1278000"/>
           </a:xfrm>
           <a:prstGeom prst="rect">
             <a:avLst/>
@@ -2179,7 +2147,7 @@
         <p:spPr>
           <a:xfrm>
             <a:off x="5292000" y="4047480"/>
-            <a:ext cx="2373840" cy="1026360"/>
+            <a:ext cx="2373480" cy="1026000"/>
           </a:xfrm>
           <a:prstGeom prst="rect">
             <a:avLst/>
@@ -2358,7 +2326,7 @@
         <p:spPr>
           <a:xfrm>
             <a:off x="2988000" y="360000"/>
-            <a:ext cx="4389840" cy="344160"/>
+            <a:ext cx="4389480" cy="343800"/>
           </a:xfrm>
           <a:prstGeom prst="rect">
             <a:avLst/>
@@ -2439,7 +2407,7 @@
         <p:spPr>
           <a:xfrm>
             <a:off x="1440000" y="720000"/>
-            <a:ext cx="6768000" cy="1800000"/>
+            <a:ext cx="6767640" cy="1799640"/>
           </a:xfrm>
           <a:prstGeom prst="rect">
             <a:avLst/>
@@ -2469,7 +2437,7 @@
         <p:spPr>
           <a:xfrm>
             <a:off x="2016000" y="1188000"/>
-            <a:ext cx="1438200" cy="790200"/>
+            <a:ext cx="1437840" cy="789840"/>
           </a:xfrm>
           <a:prstGeom prst="rect">
             <a:avLst/>
@@ -2524,7 +2492,7 @@
         <p:spPr>
           <a:xfrm>
             <a:off x="6192000" y="1188000"/>
-            <a:ext cx="1438200" cy="790200"/>
+            <a:ext cx="1437840" cy="789840"/>
           </a:xfrm>
           <a:prstGeom prst="rect">
             <a:avLst/>
@@ -2579,7 +2547,7 @@
         <p:spPr>
           <a:xfrm>
             <a:off x="4140000" y="900000"/>
-            <a:ext cx="1438200" cy="1366200"/>
+            <a:ext cx="1437840" cy="1365840"/>
           </a:xfrm>
           <a:custGeom>
             <a:avLst/>
@@ -2765,7 +2733,7 @@
         <p:spPr>
           <a:xfrm>
             <a:off x="4320000" y="3168000"/>
-            <a:ext cx="1042200" cy="792000"/>
+            <a:ext cx="1041840" cy="791640"/>
           </a:xfrm>
           <a:custGeom>
             <a:avLst/>
@@ -2843,7 +2811,7 @@
         <p:spPr>
           <a:xfrm>
             <a:off x="4176000" y="4428000"/>
-            <a:ext cx="1438200" cy="790200"/>
+            <a:ext cx="1437840" cy="789840"/>
           </a:xfrm>
           <a:prstGeom prst="rect">
             <a:avLst/>
@@ -2925,7 +2893,7 @@
         <p:spPr>
           <a:xfrm>
             <a:off x="5870160" y="3314160"/>
-            <a:ext cx="1152000" cy="504000"/>
+            <a:ext cx="1151640" cy="503640"/>
           </a:xfrm>
           <a:prstGeom prst="ellipse">
             <a:avLst/>
@@ -2950,10 +2918,18 @@
             <a:noAutofit/>
           </a:bodyPr>
           <a:p>
-            <a:pPr algn="ctr"/>
-            <a:r>
-              <a:rPr b="0" lang="en-IN" sz="1800" spc="-1" strike="noStrike">
-                <a:latin typeface="Arial"/>
+            <a:pPr algn="ctr">
+              <a:lnSpc>
+                <a:spcPct val="100000"/>
+              </a:lnSpc>
+            </a:pPr>
+            <a:r>
+              <a:rPr b="0" lang="en-IN" sz="1800" spc="-1" strike="noStrike">
+                <a:solidFill>
+                  <a:srgbClr val="000000"/>
+                </a:solidFill>
+                <a:latin typeface="Arial"/>
+                <a:ea typeface="DejaVu Sans"/>
               </a:rPr>
               <a:t>REF/TEXT</a:t>
             </a:r>
@@ -3008,6 +2984,6423 @@
             <a:solidFill>
               <a:srgbClr val="3465a4"/>
             </a:solidFill>
+          </a:ln>
+        </p:spPr>
+        <p:style>
+          <a:lnRef idx="0"/>
+          <a:fillRef idx="0"/>
+          <a:effectRef idx="0"/>
+          <a:fontRef idx="minor"/>
+        </p:style>
+      </p:sp>
+    </p:spTree>
+  </p:cSld>
+  <mc:AlternateContent>
+    <mc:Choice Requires="p14">
+      <p:transition spd="slow" p14:dur="2000"/>
+    </mc:Choice>
+    <mc:Fallback>
+      <p:transition spd="slow"/>
+    </mc:Fallback>
+  </mc:AlternateContent>
+</p:sld>
+</file>
+
+<file path=ppt/slides/slide11.xml><?xml version="1.0" encoding="utf-8"?>
+<p:sld xmlns:a="http://schemas.openxmlformats.org/drawingml/2006/main" xmlns:p="http://schemas.openxmlformats.org/presentationml/2006/main" xmlns:r="http://schemas.openxmlformats.org/officeDocument/2006/relationships" xmlns:p14="http://schemas.microsoft.com/office/powerpoint/2010/main" xmlns:p15="http://schemas.microsoft.com/office/powerpoint/2012/main" xmlns:mc="http://schemas.openxmlformats.org/markup-compatibility/2006">
+  <p:cSld>
+    <p:spTree>
+      <p:nvGrpSpPr>
+        <p:cNvPr id="1" name=""/>
+        <p:cNvGrpSpPr/>
+        <p:nvPr/>
+      </p:nvGrpSpPr>
+      <p:grpSpPr>
+        <a:xfrm>
+          <a:off x="0" y="0"/>
+          <a:ext cx="0" cy="0"/>
+          <a:chOff x="0" y="0"/>
+          <a:chExt cx="0" cy="0"/>
+        </a:xfrm>
+      </p:grpSpPr>
+      <p:sp>
+        <p:nvSpPr>
+          <p:cNvPr id="213" name="CustomShape 1"/>
+          <p:cNvSpPr/>
+          <p:nvPr/>
+        </p:nvSpPr>
+        <p:spPr>
+          <a:xfrm>
+            <a:off x="1944000" y="900000"/>
+            <a:ext cx="1437840" cy="789840"/>
+          </a:xfrm>
+          <a:prstGeom prst="rect">
+            <a:avLst/>
+          </a:prstGeom>
+          <a:solidFill>
+            <a:srgbClr val="729fcf"/>
+          </a:solidFill>
+          <a:ln>
+            <a:solidFill>
+              <a:srgbClr val="3465a4"/>
+            </a:solidFill>
+          </a:ln>
+        </p:spPr>
+        <p:style>
+          <a:lnRef idx="0"/>
+          <a:fillRef idx="0"/>
+          <a:effectRef idx="0"/>
+          <a:fontRef idx="minor"/>
+        </p:style>
+        <p:txBody>
+          <a:bodyPr wrap="none" lIns="90000" rIns="90000" tIns="45000" bIns="45000" anchor="ctr">
+            <a:noAutofit/>
+          </a:bodyPr>
+          <a:p>
+            <a:pPr algn="ctr">
+              <a:lnSpc>
+                <a:spcPct val="100000"/>
+              </a:lnSpc>
+            </a:pPr>
+            <a:r>
+              <a:rPr b="0" lang="en-IN" sz="1800" spc="-1" strike="noStrike">
+                <a:solidFill>
+                  <a:srgbClr val="000000"/>
+                </a:solidFill>
+                <a:latin typeface="Arial"/>
+                <a:ea typeface="DejaVu Sans"/>
+              </a:rPr>
+              <a:t>BOOKS</a:t>
+            </a:r>
+            <a:endParaRPr b="0" lang="en-IN" sz="1800" spc="-1" strike="noStrike">
+              <a:latin typeface="Arial"/>
+            </a:endParaRPr>
+          </a:p>
+        </p:txBody>
+      </p:sp>
+      <p:sp>
+        <p:nvSpPr>
+          <p:cNvPr id="214" name="CustomShape 2"/>
+          <p:cNvSpPr/>
+          <p:nvPr/>
+        </p:nvSpPr>
+        <p:spPr>
+          <a:xfrm>
+            <a:off x="6120000" y="900000"/>
+            <a:ext cx="1437840" cy="789840"/>
+          </a:xfrm>
+          <a:prstGeom prst="rect">
+            <a:avLst/>
+          </a:prstGeom>
+          <a:solidFill>
+            <a:srgbClr val="729fcf"/>
+          </a:solidFill>
+          <a:ln>
+            <a:solidFill>
+              <a:srgbClr val="3465a4"/>
+            </a:solidFill>
+          </a:ln>
+        </p:spPr>
+        <p:style>
+          <a:lnRef idx="0"/>
+          <a:fillRef idx="0"/>
+          <a:effectRef idx="0"/>
+          <a:fontRef idx="minor"/>
+        </p:style>
+        <p:txBody>
+          <a:bodyPr wrap="none" lIns="90000" rIns="90000" tIns="45000" bIns="45000" anchor="ctr">
+            <a:noAutofit/>
+          </a:bodyPr>
+          <a:p>
+            <a:pPr algn="ctr">
+              <a:lnSpc>
+                <a:spcPct val="100000"/>
+              </a:lnSpc>
+            </a:pPr>
+            <a:r>
+              <a:rPr b="0" lang="en-IN" sz="1800" spc="-1" strike="noStrike">
+                <a:solidFill>
+                  <a:srgbClr val="000000"/>
+                </a:solidFill>
+                <a:latin typeface="Arial"/>
+                <a:ea typeface="DejaVu Sans"/>
+              </a:rPr>
+              <a:t>USERS</a:t>
+            </a:r>
+            <a:endParaRPr b="0" lang="en-IN" sz="1800" spc="-1" strike="noStrike">
+              <a:latin typeface="Arial"/>
+            </a:endParaRPr>
+          </a:p>
+        </p:txBody>
+      </p:sp>
+      <p:sp>
+        <p:nvSpPr>
+          <p:cNvPr id="215" name="CustomShape 3"/>
+          <p:cNvSpPr/>
+          <p:nvPr/>
+        </p:nvSpPr>
+        <p:spPr>
+          <a:xfrm>
+            <a:off x="4068000" y="612000"/>
+            <a:ext cx="1437840" cy="1365840"/>
+          </a:xfrm>
+          <a:custGeom>
+            <a:avLst/>
+            <a:gdLst/>
+            <a:ahLst/>
+            <a:rect l="l" t="t" r="r" b="b"/>
+            <a:pathLst>
+              <a:path w="21600" h="21600">
+                <a:moveTo>
+                  <a:pt x="10800" y="0"/>
+                </a:moveTo>
+                <a:lnTo>
+                  <a:pt x="21600" y="10800"/>
+                </a:lnTo>
+                <a:lnTo>
+                  <a:pt x="10800" y="21600"/>
+                </a:lnTo>
+                <a:lnTo>
+                  <a:pt x="0" y="10800"/>
+                </a:lnTo>
+                <a:lnTo>
+                  <a:pt x="10800" y="0"/>
+                </a:lnTo>
+                <a:close/>
+              </a:path>
+            </a:pathLst>
+          </a:custGeom>
+          <a:solidFill>
+            <a:srgbClr val="729fcf"/>
+          </a:solidFill>
+          <a:ln>
+            <a:solidFill>
+              <a:srgbClr val="3465a4"/>
+            </a:solidFill>
+          </a:ln>
+        </p:spPr>
+        <p:style>
+          <a:lnRef idx="0"/>
+          <a:fillRef idx="0"/>
+          <a:effectRef idx="0"/>
+          <a:fontRef idx="minor"/>
+        </p:style>
+        <p:txBody>
+          <a:bodyPr wrap="none" lIns="90000" rIns="90000" tIns="45000" bIns="45000" anchor="ctr">
+            <a:noAutofit/>
+          </a:bodyPr>
+          <a:p>
+            <a:pPr algn="ctr">
+              <a:lnSpc>
+                <a:spcPct val="100000"/>
+              </a:lnSpc>
+            </a:pPr>
+            <a:r>
+              <a:rPr b="0" lang="en-IN" sz="1800" spc="-1" strike="noStrike">
+                <a:solidFill>
+                  <a:srgbClr val="000000"/>
+                </a:solidFill>
+                <a:latin typeface="Arial"/>
+                <a:ea typeface="DejaVu Sans"/>
+              </a:rPr>
+              <a:t>Borrowed</a:t>
+            </a:r>
+            <a:endParaRPr b="0" lang="en-IN" sz="1800" spc="-1" strike="noStrike">
+              <a:latin typeface="Arial"/>
+            </a:endParaRPr>
+          </a:p>
+          <a:p>
+            <a:pPr algn="ctr">
+              <a:lnSpc>
+                <a:spcPct val="100000"/>
+              </a:lnSpc>
+            </a:pPr>
+            <a:r>
+              <a:rPr b="0" lang="en-IN" sz="1800" spc="-1" strike="noStrike">
+                <a:solidFill>
+                  <a:srgbClr val="000000"/>
+                </a:solidFill>
+                <a:latin typeface="Arial"/>
+                <a:ea typeface="DejaVu Sans"/>
+              </a:rPr>
+              <a:t>By</a:t>
+            </a:r>
+            <a:endParaRPr b="0" lang="en-IN" sz="1800" spc="-1" strike="noStrike">
+              <a:latin typeface="Arial"/>
+            </a:endParaRPr>
+          </a:p>
+        </p:txBody>
+      </p:sp>
+      <p:sp>
+        <p:nvSpPr>
+          <p:cNvPr id="216" name="Line 4"/>
+          <p:cNvSpPr/>
+          <p:nvPr/>
+        </p:nvSpPr>
+        <p:spPr>
+          <a:xfrm>
+            <a:off x="3384000" y="1296000"/>
+            <a:ext cx="684000" cy="0"/>
+          </a:xfrm>
+          <a:prstGeom prst="line">
+            <a:avLst/>
+          </a:prstGeom>
+          <a:ln>
+            <a:solidFill>
+              <a:srgbClr val="3465a4"/>
+            </a:solidFill>
+          </a:ln>
+        </p:spPr>
+        <p:style>
+          <a:lnRef idx="0"/>
+          <a:fillRef idx="0"/>
+          <a:effectRef idx="0"/>
+          <a:fontRef idx="minor"/>
+        </p:style>
+      </p:sp>
+      <p:sp>
+        <p:nvSpPr>
+          <p:cNvPr id="217" name="Line 5"/>
+          <p:cNvSpPr/>
+          <p:nvPr/>
+        </p:nvSpPr>
+        <p:spPr>
+          <a:xfrm>
+            <a:off x="0" y="0"/>
+            <a:ext cx="360" cy="360"/>
+          </a:xfrm>
+          <a:prstGeom prst="line">
+            <a:avLst/>
+          </a:prstGeom>
+          <a:ln>
+            <a:solidFill>
+              <a:srgbClr val="3465a4"/>
+            </a:solidFill>
+          </a:ln>
+        </p:spPr>
+        <p:style>
+          <a:lnRef idx="0"/>
+          <a:fillRef idx="0"/>
+          <a:effectRef idx="0"/>
+          <a:fontRef idx="minor"/>
+        </p:style>
+      </p:sp>
+      <p:sp>
+        <p:nvSpPr>
+          <p:cNvPr id="218" name="Line 6"/>
+          <p:cNvSpPr/>
+          <p:nvPr/>
+        </p:nvSpPr>
+        <p:spPr>
+          <a:xfrm>
+            <a:off x="0" y="0"/>
+            <a:ext cx="360" cy="360"/>
+          </a:xfrm>
+          <a:prstGeom prst="line">
+            <a:avLst/>
+          </a:prstGeom>
+          <a:ln>
+            <a:solidFill>
+              <a:srgbClr val="3465a4"/>
+            </a:solidFill>
+          </a:ln>
+        </p:spPr>
+        <p:style>
+          <a:lnRef idx="0"/>
+          <a:fillRef idx="0"/>
+          <a:effectRef idx="0"/>
+          <a:fontRef idx="minor"/>
+        </p:style>
+      </p:sp>
+      <p:sp>
+        <p:nvSpPr>
+          <p:cNvPr id="219" name="CustomShape 7"/>
+          <p:cNvSpPr/>
+          <p:nvPr/>
+        </p:nvSpPr>
+        <p:spPr>
+          <a:xfrm>
+            <a:off x="2592000" y="5904000"/>
+            <a:ext cx="7126560" cy="600840"/>
+          </a:xfrm>
+          <a:prstGeom prst="rect">
+            <a:avLst/>
+          </a:prstGeom>
+          <a:noFill/>
+          <a:ln>
+            <a:noFill/>
+          </a:ln>
+        </p:spPr>
+        <p:style>
+          <a:lnRef idx="0"/>
+          <a:fillRef idx="0"/>
+          <a:effectRef idx="0"/>
+          <a:fontRef idx="minor"/>
+        </p:style>
+        <p:txBody>
+          <a:bodyPr lIns="90000" rIns="90000" tIns="45000" bIns="45000">
+            <a:noAutofit/>
+          </a:bodyPr>
+          <a:p>
+            <a:pPr>
+              <a:lnSpc>
+                <a:spcPct val="100000"/>
+              </a:lnSpc>
+            </a:pPr>
+            <a:r>
+              <a:rPr b="0" lang="en-IN" sz="1800" spc="-1" strike="noStrike">
+                <a:solidFill>
+                  <a:srgbClr val="000000"/>
+                </a:solidFill>
+                <a:latin typeface="Arial"/>
+                <a:ea typeface="DejaVu Sans"/>
+              </a:rPr>
+              <a:t>ONE user can borrow MANY books.</a:t>
+            </a:r>
+            <a:endParaRPr b="0" lang="en-IN" sz="1800" spc="-1" strike="noStrike">
+              <a:latin typeface="Arial"/>
+            </a:endParaRPr>
+          </a:p>
+          <a:p>
+            <a:pPr>
+              <a:lnSpc>
+                <a:spcPct val="100000"/>
+              </a:lnSpc>
+            </a:pPr>
+            <a:r>
+              <a:rPr b="0" lang="en-IN" sz="1800" spc="-1" strike="noStrike">
+                <a:solidFill>
+                  <a:srgbClr val="000000"/>
+                </a:solidFill>
+                <a:latin typeface="Arial"/>
+                <a:ea typeface="DejaVu Sans"/>
+              </a:rPr>
+              <a:t>MANY books can be borrowed by ONE USER</a:t>
+            </a:r>
+            <a:endParaRPr b="0" lang="en-IN" sz="1800" spc="-1" strike="noStrike">
+              <a:latin typeface="Arial"/>
+            </a:endParaRPr>
+          </a:p>
+        </p:txBody>
+      </p:sp>
+      <p:sp>
+        <p:nvSpPr>
+          <p:cNvPr id="220" name="CustomShape 8"/>
+          <p:cNvSpPr/>
+          <p:nvPr/>
+        </p:nvSpPr>
+        <p:spPr>
+          <a:xfrm>
+            <a:off x="360000" y="216360"/>
+            <a:ext cx="1151640" cy="503640"/>
+          </a:xfrm>
+          <a:prstGeom prst="ellipse">
+            <a:avLst/>
+          </a:prstGeom>
+          <a:solidFill>
+            <a:srgbClr val="729fcf"/>
+          </a:solidFill>
+          <a:ln>
+            <a:solidFill>
+              <a:srgbClr val="3465a4"/>
+            </a:solidFill>
+          </a:ln>
+        </p:spPr>
+        <p:style>
+          <a:lnRef idx="0"/>
+          <a:fillRef idx="0"/>
+          <a:effectRef idx="0"/>
+          <a:fontRef idx="minor"/>
+        </p:style>
+        <p:txBody>
+          <a:bodyPr wrap="none" lIns="90000" rIns="90000" tIns="45000" bIns="45000" anchor="ctr">
+            <a:noAutofit/>
+          </a:bodyPr>
+          <a:p>
+            <a:pPr algn="ctr">
+              <a:lnSpc>
+                <a:spcPct val="100000"/>
+              </a:lnSpc>
+            </a:pPr>
+            <a:r>
+              <a:rPr b="0" lang="en-IN" sz="1800" spc="-1" strike="noStrike">
+                <a:solidFill>
+                  <a:srgbClr val="000000"/>
+                </a:solidFill>
+                <a:latin typeface="Arial"/>
+                <a:ea typeface="DejaVu Sans"/>
+              </a:rPr>
+              <a:t>ACC_NO</a:t>
+            </a:r>
+            <a:endParaRPr b="0" lang="en-IN" sz="1800" spc="-1" strike="noStrike">
+              <a:latin typeface="Arial"/>
+            </a:endParaRPr>
+          </a:p>
+        </p:txBody>
+      </p:sp>
+      <p:sp>
+        <p:nvSpPr>
+          <p:cNvPr id="221" name="CustomShape 9"/>
+          <p:cNvSpPr/>
+          <p:nvPr/>
+        </p:nvSpPr>
+        <p:spPr>
+          <a:xfrm>
+            <a:off x="1727640" y="216360"/>
+            <a:ext cx="1151640" cy="503640"/>
+          </a:xfrm>
+          <a:prstGeom prst="ellipse">
+            <a:avLst/>
+          </a:prstGeom>
+          <a:solidFill>
+            <a:srgbClr val="729fcf"/>
+          </a:solidFill>
+          <a:ln>
+            <a:solidFill>
+              <a:srgbClr val="3465a4"/>
+            </a:solidFill>
+          </a:ln>
+        </p:spPr>
+        <p:style>
+          <a:lnRef idx="0"/>
+          <a:fillRef idx="0"/>
+          <a:effectRef idx="0"/>
+          <a:fontRef idx="minor"/>
+        </p:style>
+        <p:txBody>
+          <a:bodyPr wrap="none" lIns="90000" rIns="90000" tIns="45000" bIns="45000" anchor="ctr">
+            <a:noAutofit/>
+          </a:bodyPr>
+          <a:p>
+            <a:pPr algn="ctr">
+              <a:lnSpc>
+                <a:spcPct val="100000"/>
+              </a:lnSpc>
+            </a:pPr>
+            <a:r>
+              <a:rPr b="0" lang="en-IN" sz="1800" spc="-1" strike="noStrike">
+                <a:solidFill>
+                  <a:srgbClr val="000000"/>
+                </a:solidFill>
+                <a:latin typeface="Arial"/>
+                <a:ea typeface="DejaVu Sans"/>
+              </a:rPr>
+              <a:t>TITLE</a:t>
+            </a:r>
+            <a:endParaRPr b="0" lang="en-IN" sz="1800" spc="-1" strike="noStrike">
+              <a:latin typeface="Arial"/>
+            </a:endParaRPr>
+          </a:p>
+        </p:txBody>
+      </p:sp>
+      <p:sp>
+        <p:nvSpPr>
+          <p:cNvPr id="222" name="CustomShape 10"/>
+          <p:cNvSpPr/>
+          <p:nvPr/>
+        </p:nvSpPr>
+        <p:spPr>
+          <a:xfrm>
+            <a:off x="359280" y="1008360"/>
+            <a:ext cx="1151640" cy="503640"/>
+          </a:xfrm>
+          <a:prstGeom prst="ellipse">
+            <a:avLst/>
+          </a:prstGeom>
+          <a:solidFill>
+            <a:srgbClr val="729fcf"/>
+          </a:solidFill>
+          <a:ln>
+            <a:solidFill>
+              <a:srgbClr val="3465a4"/>
+            </a:solidFill>
+          </a:ln>
+        </p:spPr>
+        <p:style>
+          <a:lnRef idx="0"/>
+          <a:fillRef idx="0"/>
+          <a:effectRef idx="0"/>
+          <a:fontRef idx="minor"/>
+        </p:style>
+        <p:txBody>
+          <a:bodyPr wrap="none" lIns="90000" rIns="90000" tIns="45000" bIns="45000" anchor="ctr">
+            <a:noAutofit/>
+          </a:bodyPr>
+          <a:p>
+            <a:pPr algn="ctr">
+              <a:lnSpc>
+                <a:spcPct val="100000"/>
+              </a:lnSpc>
+            </a:pPr>
+            <a:r>
+              <a:rPr b="0" lang="en-IN" sz="1800" spc="-1" strike="noStrike">
+                <a:solidFill>
+                  <a:srgbClr val="000000"/>
+                </a:solidFill>
+                <a:latin typeface="Arial"/>
+                <a:ea typeface="DejaVu Sans"/>
+              </a:rPr>
+              <a:t>AUTHOR</a:t>
+            </a:r>
+            <a:endParaRPr b="0" lang="en-IN" sz="1800" spc="-1" strike="noStrike">
+              <a:latin typeface="Arial"/>
+            </a:endParaRPr>
+          </a:p>
+        </p:txBody>
+      </p:sp>
+      <p:sp>
+        <p:nvSpPr>
+          <p:cNvPr id="223" name="CustomShape 11"/>
+          <p:cNvSpPr/>
+          <p:nvPr/>
+        </p:nvSpPr>
+        <p:spPr>
+          <a:xfrm>
+            <a:off x="358920" y="1800360"/>
+            <a:ext cx="1151640" cy="503640"/>
+          </a:xfrm>
+          <a:prstGeom prst="ellipse">
+            <a:avLst/>
+          </a:prstGeom>
+          <a:solidFill>
+            <a:srgbClr val="729fcf"/>
+          </a:solidFill>
+          <a:ln>
+            <a:solidFill>
+              <a:srgbClr val="3465a4"/>
+            </a:solidFill>
+          </a:ln>
+        </p:spPr>
+        <p:style>
+          <a:lnRef idx="0"/>
+          <a:fillRef idx="0"/>
+          <a:effectRef idx="0"/>
+          <a:fontRef idx="minor"/>
+        </p:style>
+        <p:txBody>
+          <a:bodyPr wrap="none" lIns="90000" rIns="90000" tIns="45000" bIns="45000" anchor="ctr">
+            <a:noAutofit/>
+          </a:bodyPr>
+          <a:p>
+            <a:pPr algn="ctr">
+              <a:lnSpc>
+                <a:spcPct val="100000"/>
+              </a:lnSpc>
+            </a:pPr>
+            <a:r>
+              <a:rPr b="0" lang="en-IN" sz="1800" spc="-1" strike="noStrike">
+                <a:solidFill>
+                  <a:srgbClr val="000000"/>
+                </a:solidFill>
+                <a:latin typeface="Arial"/>
+                <a:ea typeface="DejaVu Sans"/>
+              </a:rPr>
+              <a:t>PUB.DATE</a:t>
+            </a:r>
+            <a:endParaRPr b="0" lang="en-IN" sz="1800" spc="-1" strike="noStrike">
+              <a:latin typeface="Arial"/>
+            </a:endParaRPr>
+          </a:p>
+        </p:txBody>
+      </p:sp>
+      <p:sp>
+        <p:nvSpPr>
+          <p:cNvPr id="224" name="CustomShape 12"/>
+          <p:cNvSpPr/>
+          <p:nvPr/>
+        </p:nvSpPr>
+        <p:spPr>
+          <a:xfrm>
+            <a:off x="1906560" y="1836360"/>
+            <a:ext cx="1151640" cy="503640"/>
+          </a:xfrm>
+          <a:prstGeom prst="ellipse">
+            <a:avLst/>
+          </a:prstGeom>
+          <a:solidFill>
+            <a:srgbClr val="729fcf"/>
+          </a:solidFill>
+          <a:ln>
+            <a:solidFill>
+              <a:srgbClr val="3465a4"/>
+            </a:solidFill>
+          </a:ln>
+        </p:spPr>
+        <p:style>
+          <a:lnRef idx="0"/>
+          <a:fillRef idx="0"/>
+          <a:effectRef idx="0"/>
+          <a:fontRef idx="minor"/>
+        </p:style>
+        <p:txBody>
+          <a:bodyPr wrap="none" lIns="90000" rIns="90000" tIns="45000" bIns="45000" anchor="ctr">
+            <a:noAutofit/>
+          </a:bodyPr>
+          <a:p>
+            <a:pPr algn="ctr">
+              <a:lnSpc>
+                <a:spcPct val="100000"/>
+              </a:lnSpc>
+            </a:pPr>
+            <a:r>
+              <a:rPr b="0" lang="en-IN" sz="1800" spc="-1" strike="noStrike">
+                <a:solidFill>
+                  <a:srgbClr val="000000"/>
+                </a:solidFill>
+                <a:latin typeface="Arial"/>
+                <a:ea typeface="DejaVu Sans"/>
+              </a:rPr>
+              <a:t>PUBLISHER</a:t>
+            </a:r>
+            <a:endParaRPr b="0" lang="en-IN" sz="1800" spc="-1" strike="noStrike">
+              <a:latin typeface="Arial"/>
+            </a:endParaRPr>
+          </a:p>
+        </p:txBody>
+      </p:sp>
+      <p:sp>
+        <p:nvSpPr>
+          <p:cNvPr id="225" name="CustomShape 13"/>
+          <p:cNvSpPr/>
+          <p:nvPr/>
+        </p:nvSpPr>
+        <p:spPr>
+          <a:xfrm>
+            <a:off x="4211280" y="360"/>
+            <a:ext cx="1151640" cy="503640"/>
+          </a:xfrm>
+          <a:prstGeom prst="ellipse">
+            <a:avLst/>
+          </a:prstGeom>
+          <a:solidFill>
+            <a:srgbClr val="729fcf"/>
+          </a:solidFill>
+          <a:ln>
+            <a:solidFill>
+              <a:srgbClr val="3465a4"/>
+            </a:solidFill>
+          </a:ln>
+        </p:spPr>
+        <p:style>
+          <a:lnRef idx="0"/>
+          <a:fillRef idx="0"/>
+          <a:effectRef idx="0"/>
+          <a:fontRef idx="minor"/>
+        </p:style>
+        <p:txBody>
+          <a:bodyPr wrap="none" lIns="90000" rIns="90000" tIns="45000" bIns="45000" anchor="ctr">
+            <a:noAutofit/>
+          </a:bodyPr>
+          <a:p>
+            <a:pPr algn="ctr">
+              <a:lnSpc>
+                <a:spcPct val="100000"/>
+              </a:lnSpc>
+            </a:pPr>
+            <a:r>
+              <a:rPr b="0" lang="en-IN" sz="1800" spc="-1" strike="noStrike">
+                <a:solidFill>
+                  <a:srgbClr val="000000"/>
+                </a:solidFill>
+                <a:latin typeface="Arial"/>
+                <a:ea typeface="DejaVu Sans"/>
+              </a:rPr>
+              <a:t>TITLE</a:t>
+            </a:r>
+            <a:endParaRPr b="0" lang="en-IN" sz="1800" spc="-1" strike="noStrike">
+              <a:latin typeface="Arial"/>
+            </a:endParaRPr>
+          </a:p>
+        </p:txBody>
+      </p:sp>
+      <p:sp>
+        <p:nvSpPr>
+          <p:cNvPr id="226" name="CustomShape 14"/>
+          <p:cNvSpPr/>
+          <p:nvPr/>
+        </p:nvSpPr>
+        <p:spPr>
+          <a:xfrm>
+            <a:off x="6226920" y="360"/>
+            <a:ext cx="1151640" cy="503640"/>
+          </a:xfrm>
+          <a:prstGeom prst="ellipse">
+            <a:avLst/>
+          </a:prstGeom>
+          <a:solidFill>
+            <a:srgbClr val="729fcf"/>
+          </a:solidFill>
+          <a:ln>
+            <a:solidFill>
+              <a:srgbClr val="3465a4"/>
+            </a:solidFill>
+          </a:ln>
+        </p:spPr>
+        <p:style>
+          <a:lnRef idx="0"/>
+          <a:fillRef idx="0"/>
+          <a:effectRef idx="0"/>
+          <a:fontRef idx="minor"/>
+        </p:style>
+        <p:txBody>
+          <a:bodyPr wrap="none" lIns="90000" rIns="90000" tIns="45000" bIns="45000" anchor="ctr">
+            <a:noAutofit/>
+          </a:bodyPr>
+          <a:p>
+            <a:pPr algn="ctr">
+              <a:lnSpc>
+                <a:spcPct val="100000"/>
+              </a:lnSpc>
+            </a:pPr>
+            <a:r>
+              <a:rPr b="0" lang="en-IN" sz="1800" spc="-1" strike="noStrike">
+                <a:solidFill>
+                  <a:srgbClr val="000000"/>
+                </a:solidFill>
+                <a:latin typeface="Arial"/>
+                <a:ea typeface="DejaVu Sans"/>
+              </a:rPr>
+              <a:t>CARD NO</a:t>
+            </a:r>
+            <a:endParaRPr b="0" lang="en-IN" sz="1800" spc="-1" strike="noStrike">
+              <a:latin typeface="Arial"/>
+            </a:endParaRPr>
+          </a:p>
+        </p:txBody>
+      </p:sp>
+      <p:sp>
+        <p:nvSpPr>
+          <p:cNvPr id="227" name="CustomShape 15"/>
+          <p:cNvSpPr/>
+          <p:nvPr/>
+        </p:nvSpPr>
+        <p:spPr>
+          <a:xfrm>
+            <a:off x="4210920" y="360"/>
+            <a:ext cx="1151640" cy="503640"/>
+          </a:xfrm>
+          <a:prstGeom prst="ellipse">
+            <a:avLst/>
+          </a:prstGeom>
+          <a:solidFill>
+            <a:srgbClr val="729fcf"/>
+          </a:solidFill>
+          <a:ln>
+            <a:solidFill>
+              <a:srgbClr val="3465a4"/>
+            </a:solidFill>
+          </a:ln>
+        </p:spPr>
+        <p:style>
+          <a:lnRef idx="0"/>
+          <a:fillRef idx="0"/>
+          <a:effectRef idx="0"/>
+          <a:fontRef idx="minor"/>
+        </p:style>
+        <p:txBody>
+          <a:bodyPr wrap="none" lIns="90000" rIns="90000" tIns="45000" bIns="45000" anchor="ctr">
+            <a:noAutofit/>
+          </a:bodyPr>
+          <a:p>
+            <a:pPr algn="ctr">
+              <a:lnSpc>
+                <a:spcPct val="100000"/>
+              </a:lnSpc>
+            </a:pPr>
+            <a:r>
+              <a:rPr b="0" lang="en-IN" sz="1800" spc="-1" strike="noStrike">
+                <a:solidFill>
+                  <a:srgbClr val="000000"/>
+                </a:solidFill>
+                <a:latin typeface="Arial"/>
+                <a:ea typeface="DejaVu Sans"/>
+              </a:rPr>
+              <a:t>DOI</a:t>
+            </a:r>
+            <a:endParaRPr b="0" lang="en-IN" sz="1800" spc="-1" strike="noStrike">
+              <a:latin typeface="Arial"/>
+            </a:endParaRPr>
+          </a:p>
+        </p:txBody>
+      </p:sp>
+      <p:sp>
+        <p:nvSpPr>
+          <p:cNvPr id="228" name="CustomShape 16"/>
+          <p:cNvSpPr/>
+          <p:nvPr/>
+        </p:nvSpPr>
+        <p:spPr>
+          <a:xfrm>
+            <a:off x="7738920" y="252360"/>
+            <a:ext cx="1151640" cy="503640"/>
+          </a:xfrm>
+          <a:prstGeom prst="ellipse">
+            <a:avLst/>
+          </a:prstGeom>
+          <a:solidFill>
+            <a:srgbClr val="729fcf"/>
+          </a:solidFill>
+          <a:ln>
+            <a:solidFill>
+              <a:srgbClr val="3465a4"/>
+            </a:solidFill>
+          </a:ln>
+        </p:spPr>
+        <p:style>
+          <a:lnRef idx="0"/>
+          <a:fillRef idx="0"/>
+          <a:effectRef idx="0"/>
+          <a:fontRef idx="minor"/>
+        </p:style>
+        <p:txBody>
+          <a:bodyPr wrap="none" lIns="90000" rIns="90000" tIns="45000" bIns="45000" anchor="ctr">
+            <a:noAutofit/>
+          </a:bodyPr>
+          <a:p>
+            <a:pPr algn="ctr">
+              <a:lnSpc>
+                <a:spcPct val="100000"/>
+              </a:lnSpc>
+            </a:pPr>
+            <a:r>
+              <a:rPr b="0" lang="en-IN" sz="1800" spc="-1" strike="noStrike">
+                <a:solidFill>
+                  <a:srgbClr val="000000"/>
+                </a:solidFill>
+                <a:latin typeface="Arial"/>
+                <a:ea typeface="DejaVu Sans"/>
+              </a:rPr>
+              <a:t>NAME</a:t>
+            </a:r>
+            <a:endParaRPr b="0" lang="en-IN" sz="1800" spc="-1" strike="noStrike">
+              <a:latin typeface="Arial"/>
+            </a:endParaRPr>
+          </a:p>
+        </p:txBody>
+      </p:sp>
+      <p:sp>
+        <p:nvSpPr>
+          <p:cNvPr id="229" name="CustomShape 17"/>
+          <p:cNvSpPr/>
+          <p:nvPr/>
+        </p:nvSpPr>
+        <p:spPr>
+          <a:xfrm>
+            <a:off x="7810920" y="936360"/>
+            <a:ext cx="1151640" cy="503640"/>
+          </a:xfrm>
+          <a:prstGeom prst="ellipse">
+            <a:avLst/>
+          </a:prstGeom>
+          <a:solidFill>
+            <a:srgbClr val="729fcf"/>
+          </a:solidFill>
+          <a:ln>
+            <a:solidFill>
+              <a:srgbClr val="3465a4"/>
+            </a:solidFill>
+          </a:ln>
+        </p:spPr>
+        <p:style>
+          <a:lnRef idx="0"/>
+          <a:fillRef idx="0"/>
+          <a:effectRef idx="0"/>
+          <a:fontRef idx="minor"/>
+        </p:style>
+        <p:txBody>
+          <a:bodyPr wrap="none" lIns="90000" rIns="90000" tIns="45000" bIns="45000" anchor="ctr">
+            <a:noAutofit/>
+          </a:bodyPr>
+          <a:p>
+            <a:pPr algn="ctr">
+              <a:lnSpc>
+                <a:spcPct val="100000"/>
+              </a:lnSpc>
+            </a:pPr>
+            <a:r>
+              <a:rPr b="0" lang="en-IN" sz="1800" spc="-1" strike="noStrike">
+                <a:solidFill>
+                  <a:srgbClr val="000000"/>
+                </a:solidFill>
+                <a:latin typeface="Arial"/>
+                <a:ea typeface="DejaVu Sans"/>
+              </a:rPr>
+              <a:t>ADDR.</a:t>
+            </a:r>
+            <a:endParaRPr b="0" lang="en-IN" sz="1800" spc="-1" strike="noStrike">
+              <a:latin typeface="Arial"/>
+            </a:endParaRPr>
+          </a:p>
+        </p:txBody>
+      </p:sp>
+      <p:sp>
+        <p:nvSpPr>
+          <p:cNvPr id="230" name="Line 18"/>
+          <p:cNvSpPr/>
+          <p:nvPr/>
+        </p:nvSpPr>
+        <p:spPr>
+          <a:xfrm>
+            <a:off x="5472000" y="1296000"/>
+            <a:ext cx="684000" cy="0"/>
+          </a:xfrm>
+          <a:prstGeom prst="line">
+            <a:avLst/>
+          </a:prstGeom>
+          <a:ln>
+            <a:solidFill>
+              <a:srgbClr val="3465a4"/>
+            </a:solidFill>
+          </a:ln>
+        </p:spPr>
+        <p:style>
+          <a:lnRef idx="0"/>
+          <a:fillRef idx="0"/>
+          <a:effectRef idx="0"/>
+          <a:fontRef idx="minor"/>
+        </p:style>
+      </p:sp>
+      <p:sp>
+        <p:nvSpPr>
+          <p:cNvPr id="231" name="Line 19"/>
+          <p:cNvSpPr/>
+          <p:nvPr/>
+        </p:nvSpPr>
+        <p:spPr>
+          <a:xfrm>
+            <a:off x="7557840" y="1224000"/>
+            <a:ext cx="253080" cy="0"/>
+          </a:xfrm>
+          <a:prstGeom prst="line">
+            <a:avLst/>
+          </a:prstGeom>
+          <a:ln>
+            <a:solidFill>
+              <a:srgbClr val="3465a4"/>
+            </a:solidFill>
+          </a:ln>
+        </p:spPr>
+        <p:style>
+          <a:lnRef idx="0"/>
+          <a:fillRef idx="0"/>
+          <a:effectRef idx="0"/>
+          <a:fontRef idx="minor"/>
+        </p:style>
+      </p:sp>
+      <p:sp>
+        <p:nvSpPr>
+          <p:cNvPr id="232" name="Line 20"/>
+          <p:cNvSpPr/>
+          <p:nvPr/>
+        </p:nvSpPr>
+        <p:spPr>
+          <a:xfrm flipV="1">
+            <a:off x="7557840" y="756000"/>
+            <a:ext cx="362160" cy="144000"/>
+          </a:xfrm>
+          <a:prstGeom prst="line">
+            <a:avLst/>
+          </a:prstGeom>
+          <a:ln>
+            <a:solidFill>
+              <a:srgbClr val="3465a4"/>
+            </a:solidFill>
+          </a:ln>
+        </p:spPr>
+        <p:style>
+          <a:lnRef idx="0"/>
+          <a:fillRef idx="0"/>
+          <a:effectRef idx="0"/>
+          <a:fontRef idx="minor"/>
+        </p:style>
+      </p:sp>
+      <p:sp>
+        <p:nvSpPr>
+          <p:cNvPr id="233" name="Line 21"/>
+          <p:cNvSpPr/>
+          <p:nvPr/>
+        </p:nvSpPr>
+        <p:spPr>
+          <a:xfrm flipV="1">
+            <a:off x="6768000" y="504000"/>
+            <a:ext cx="0" cy="396000"/>
+          </a:xfrm>
+          <a:prstGeom prst="line">
+            <a:avLst/>
+          </a:prstGeom>
+          <a:ln>
+            <a:solidFill>
+              <a:srgbClr val="3465a4"/>
+            </a:solidFill>
+          </a:ln>
+        </p:spPr>
+        <p:style>
+          <a:lnRef idx="0"/>
+          <a:fillRef idx="0"/>
+          <a:effectRef idx="0"/>
+          <a:fontRef idx="minor"/>
+        </p:style>
+      </p:sp>
+      <p:sp>
+        <p:nvSpPr>
+          <p:cNvPr id="234" name="Line 22"/>
+          <p:cNvSpPr/>
+          <p:nvPr/>
+        </p:nvSpPr>
+        <p:spPr>
+          <a:xfrm flipV="1">
+            <a:off x="4788000" y="504000"/>
+            <a:ext cx="0" cy="108000"/>
+          </a:xfrm>
+          <a:prstGeom prst="line">
+            <a:avLst/>
+          </a:prstGeom>
+          <a:ln>
+            <a:solidFill>
+              <a:srgbClr val="3465a4"/>
+            </a:solidFill>
+          </a:ln>
+        </p:spPr>
+        <p:style>
+          <a:lnRef idx="0"/>
+          <a:fillRef idx="0"/>
+          <a:effectRef idx="0"/>
+          <a:fontRef idx="minor"/>
+        </p:style>
+      </p:sp>
+      <p:sp>
+        <p:nvSpPr>
+          <p:cNvPr id="235" name="Line 23"/>
+          <p:cNvSpPr/>
+          <p:nvPr/>
+        </p:nvSpPr>
+        <p:spPr>
+          <a:xfrm flipV="1">
+            <a:off x="2232000" y="720000"/>
+            <a:ext cx="0" cy="180000"/>
+          </a:xfrm>
+          <a:prstGeom prst="line">
+            <a:avLst/>
+          </a:prstGeom>
+          <a:ln>
+            <a:solidFill>
+              <a:srgbClr val="3465a4"/>
+            </a:solidFill>
+          </a:ln>
+        </p:spPr>
+        <p:style>
+          <a:lnRef idx="0"/>
+          <a:fillRef idx="0"/>
+          <a:effectRef idx="0"/>
+          <a:fontRef idx="minor"/>
+        </p:style>
+      </p:sp>
+      <p:sp>
+        <p:nvSpPr>
+          <p:cNvPr id="236" name="Line 24"/>
+          <p:cNvSpPr/>
+          <p:nvPr/>
+        </p:nvSpPr>
+        <p:spPr>
+          <a:xfrm flipH="1" flipV="1">
+            <a:off x="1008000" y="648000"/>
+            <a:ext cx="936000" cy="252000"/>
+          </a:xfrm>
+          <a:prstGeom prst="line">
+            <a:avLst/>
+          </a:prstGeom>
+          <a:ln>
+            <a:solidFill>
+              <a:srgbClr val="3465a4"/>
+            </a:solidFill>
+          </a:ln>
+        </p:spPr>
+        <p:style>
+          <a:lnRef idx="0"/>
+          <a:fillRef idx="0"/>
+          <a:effectRef idx="0"/>
+          <a:fontRef idx="minor"/>
+        </p:style>
+      </p:sp>
+      <p:sp>
+        <p:nvSpPr>
+          <p:cNvPr id="237" name="Line 25"/>
+          <p:cNvSpPr/>
+          <p:nvPr/>
+        </p:nvSpPr>
+        <p:spPr>
+          <a:xfrm flipH="1">
+            <a:off x="1510920" y="1224000"/>
+            <a:ext cx="433080" cy="0"/>
+          </a:xfrm>
+          <a:prstGeom prst="line">
+            <a:avLst/>
+          </a:prstGeom>
+          <a:ln>
+            <a:solidFill>
+              <a:srgbClr val="3465a4"/>
+            </a:solidFill>
+          </a:ln>
+        </p:spPr>
+        <p:style>
+          <a:lnRef idx="0"/>
+          <a:fillRef idx="0"/>
+          <a:effectRef idx="0"/>
+          <a:fontRef idx="minor"/>
+        </p:style>
+      </p:sp>
+      <p:sp>
+        <p:nvSpPr>
+          <p:cNvPr id="238" name="Line 26"/>
+          <p:cNvSpPr/>
+          <p:nvPr/>
+        </p:nvSpPr>
+        <p:spPr>
+          <a:xfrm flipH="1">
+            <a:off x="1368000" y="1689840"/>
+            <a:ext cx="576000" cy="254160"/>
+          </a:xfrm>
+          <a:prstGeom prst="line">
+            <a:avLst/>
+          </a:prstGeom>
+          <a:ln>
+            <a:solidFill>
+              <a:srgbClr val="3465a4"/>
+            </a:solidFill>
+          </a:ln>
+        </p:spPr>
+        <p:style>
+          <a:lnRef idx="0"/>
+          <a:fillRef idx="0"/>
+          <a:effectRef idx="0"/>
+          <a:fontRef idx="minor"/>
+        </p:style>
+      </p:sp>
+      <p:sp>
+        <p:nvSpPr>
+          <p:cNvPr id="239" name="Line 27"/>
+          <p:cNvSpPr/>
+          <p:nvPr/>
+        </p:nvSpPr>
+        <p:spPr>
+          <a:xfrm flipH="1">
+            <a:off x="2304000" y="1689840"/>
+            <a:ext cx="432000" cy="146520"/>
+          </a:xfrm>
+          <a:prstGeom prst="line">
+            <a:avLst/>
+          </a:prstGeom>
+          <a:ln>
+            <a:solidFill>
+              <a:srgbClr val="3465a4"/>
+            </a:solidFill>
+          </a:ln>
+        </p:spPr>
+        <p:style>
+          <a:lnRef idx="0"/>
+          <a:fillRef idx="0"/>
+          <a:effectRef idx="0"/>
+          <a:fontRef idx="minor"/>
+        </p:style>
+      </p:sp>
+      <p:graphicFrame>
+        <p:nvGraphicFramePr>
+          <p:cNvPr id="240" name="Table 28"/>
+          <p:cNvGraphicFramePr/>
+          <p:nvPr/>
+        </p:nvGraphicFramePr>
+        <p:xfrm>
+          <a:off x="56880" y="2866680"/>
+          <a:ext cx="5075280" cy="2159280"/>
+        </p:xfrm>
+        <a:graphic>
+          <a:graphicData uri="http://schemas.openxmlformats.org/drawingml/2006/table">
+            <a:tbl>
+              <a:tblPr/>
+              <a:tblGrid>
+                <a:gridCol w="1014840"/>
+                <a:gridCol w="1014840"/>
+                <a:gridCol w="1014840"/>
+                <a:gridCol w="1014840"/>
+                <a:gridCol w="1016280"/>
+              </a:tblGrid>
+              <a:tr h="432360">
+                <a:tc>
+                  <a:txBody>
+                    <a:bodyPr lIns="90000" rIns="90000" tIns="46800" bIns="46800">
+                      <a:noAutofit/>
+                    </a:bodyPr>
+                    <a:p>
+                      <a:r>
+                        <a:rPr b="0" lang="en-IN" sz="1800" spc="-1" strike="noStrike">
+                          <a:latin typeface="Arial"/>
+                        </a:rPr>
+                        <a:t>ACCNO</a:t>
+                      </a:r>
+                      <a:endParaRPr b="0" lang="en-IN" sz="1800" spc="-1" strike="noStrike">
+                        <a:latin typeface="Arial"/>
+                      </a:endParaRPr>
+                    </a:p>
+                  </a:txBody>
+                  <a:tcPr marL="90000" marR="90000">
+                    <a:lnL w="720">
+                      <a:solidFill>
+                        <a:srgbClr val="ffffff"/>
+                      </a:solidFill>
+                    </a:lnL>
+                    <a:lnR w="720">
+                      <a:solidFill>
+                        <a:srgbClr val="ffffff"/>
+                      </a:solidFill>
+                    </a:lnR>
+                    <a:lnT w="720">
+                      <a:solidFill>
+                        <a:srgbClr val="ffffff"/>
+                      </a:solidFill>
+                    </a:lnT>
+                    <a:lnB w="720">
+                      <a:solidFill>
+                        <a:srgbClr val="ffffff"/>
+                      </a:solidFill>
+                    </a:lnB>
+                    <a:solidFill>
+                      <a:srgbClr val="b3b3b3"/>
+                    </a:solidFill>
+                  </a:tcPr>
+                </a:tc>
+                <a:tc>
+                  <a:txBody>
+                    <a:bodyPr lIns="90000" rIns="90000" tIns="46800" bIns="46800">
+                      <a:noAutofit/>
+                    </a:bodyPr>
+                    <a:p>
+                      <a:r>
+                        <a:rPr b="0" lang="en-IN" sz="1800" spc="-1" strike="noStrike">
+                          <a:latin typeface="Arial"/>
+                        </a:rPr>
+                        <a:t>TITLE</a:t>
+                      </a:r>
+                      <a:endParaRPr b="0" lang="en-IN" sz="1800" spc="-1" strike="noStrike">
+                        <a:latin typeface="Arial"/>
+                      </a:endParaRPr>
+                    </a:p>
+                  </a:txBody>
+                  <a:tcPr marL="90000" marR="90000">
+                    <a:lnL w="720">
+                      <a:solidFill>
+                        <a:srgbClr val="ffffff"/>
+                      </a:solidFill>
+                    </a:lnL>
+                    <a:lnR w="720">
+                      <a:solidFill>
+                        <a:srgbClr val="ffffff"/>
+                      </a:solidFill>
+                    </a:lnR>
+                    <a:lnT w="720">
+                      <a:solidFill>
+                        <a:srgbClr val="ffffff"/>
+                      </a:solidFill>
+                    </a:lnT>
+                    <a:lnB w="720">
+                      <a:solidFill>
+                        <a:srgbClr val="ffffff"/>
+                      </a:solidFill>
+                    </a:lnB>
+                    <a:solidFill>
+                      <a:srgbClr val="b3b3b3"/>
+                    </a:solidFill>
+                  </a:tcPr>
+                </a:tc>
+                <a:tc>
+                  <a:txBody>
+                    <a:bodyPr lIns="90000" rIns="90000" tIns="46800" bIns="46800">
+                      <a:noAutofit/>
+                    </a:bodyPr>
+                    <a:p>
+                      <a:r>
+                        <a:rPr b="0" lang="en-IN" sz="1800" spc="-1" strike="noStrike">
+                          <a:latin typeface="Arial"/>
+                        </a:rPr>
+                        <a:t>AUTHO</a:t>
+                      </a:r>
+                      <a:endParaRPr b="0" lang="en-IN" sz="1800" spc="-1" strike="noStrike">
+                        <a:latin typeface="Arial"/>
+                      </a:endParaRPr>
+                    </a:p>
+                  </a:txBody>
+                  <a:tcPr marL="90000" marR="90000">
+                    <a:lnL w="720">
+                      <a:solidFill>
+                        <a:srgbClr val="ffffff"/>
+                      </a:solidFill>
+                    </a:lnL>
+                    <a:lnR w="720">
+                      <a:solidFill>
+                        <a:srgbClr val="ffffff"/>
+                      </a:solidFill>
+                    </a:lnR>
+                    <a:lnT w="720">
+                      <a:solidFill>
+                        <a:srgbClr val="ffffff"/>
+                      </a:solidFill>
+                    </a:lnT>
+                    <a:lnB w="720">
+                      <a:solidFill>
+                        <a:srgbClr val="ffffff"/>
+                      </a:solidFill>
+                    </a:lnB>
+                    <a:solidFill>
+                      <a:srgbClr val="b3b3b3"/>
+                    </a:solidFill>
+                  </a:tcPr>
+                </a:tc>
+                <a:tc>
+                  <a:txBody>
+                    <a:bodyPr lIns="90000" rIns="90000" tIns="46800" bIns="46800">
+                      <a:noAutofit/>
+                    </a:bodyPr>
+                    <a:p>
+                      <a:r>
+                        <a:rPr b="0" lang="en-IN" sz="1800" spc="-1" strike="noStrike">
+                          <a:latin typeface="Arial"/>
+                        </a:rPr>
+                        <a:t>PUBDA</a:t>
+                      </a:r>
+                      <a:endParaRPr b="0" lang="en-IN" sz="1800" spc="-1" strike="noStrike">
+                        <a:latin typeface="Arial"/>
+                      </a:endParaRPr>
+                    </a:p>
+                  </a:txBody>
+                  <a:tcPr marL="90000" marR="90000">
+                    <a:lnL w="720">
+                      <a:solidFill>
+                        <a:srgbClr val="ffffff"/>
+                      </a:solidFill>
+                    </a:lnL>
+                    <a:lnR w="720">
+                      <a:solidFill>
+                        <a:srgbClr val="ffffff"/>
+                      </a:solidFill>
+                    </a:lnR>
+                    <a:lnT w="720">
+                      <a:solidFill>
+                        <a:srgbClr val="ffffff"/>
+                      </a:solidFill>
+                    </a:lnT>
+                    <a:lnB w="720">
+                      <a:solidFill>
+                        <a:srgbClr val="ffffff"/>
+                      </a:solidFill>
+                    </a:lnB>
+                    <a:solidFill>
+                      <a:srgbClr val="b3b3b3"/>
+                    </a:solidFill>
+                  </a:tcPr>
+                </a:tc>
+                <a:tc>
+                  <a:txBody>
+                    <a:bodyPr lIns="90000" rIns="90000" tIns="46800" bIns="46800">
+                      <a:noAutofit/>
+                    </a:bodyPr>
+                    <a:p>
+                      <a:r>
+                        <a:rPr b="0" lang="en-IN" sz="1800" spc="-1" strike="noStrike">
+                          <a:latin typeface="Arial"/>
+                        </a:rPr>
+                        <a:t>PUB</a:t>
+                      </a:r>
+                      <a:endParaRPr b="0" lang="en-IN" sz="1800" spc="-1" strike="noStrike">
+                        <a:latin typeface="Arial"/>
+                      </a:endParaRPr>
+                    </a:p>
+                  </a:txBody>
+                  <a:tcPr marL="90000" marR="90000">
+                    <a:lnL w="720">
+                      <a:solidFill>
+                        <a:srgbClr val="ffffff"/>
+                      </a:solidFill>
+                    </a:lnL>
+                    <a:lnR w="720">
+                      <a:solidFill>
+                        <a:srgbClr val="ffffff"/>
+                      </a:solidFill>
+                    </a:lnR>
+                    <a:lnT w="720">
+                      <a:solidFill>
+                        <a:srgbClr val="ffffff"/>
+                      </a:solidFill>
+                    </a:lnT>
+                    <a:lnB w="720">
+                      <a:solidFill>
+                        <a:srgbClr val="ffffff"/>
+                      </a:solidFill>
+                    </a:lnB>
+                    <a:solidFill>
+                      <a:srgbClr val="b3b3b3"/>
+                    </a:solidFill>
+                  </a:tcPr>
+                </a:tc>
+              </a:tr>
+              <a:tr h="416880">
+                <a:tc>
+                  <a:tcPr marL="90000" marR="90000">
+                    <a:lnL w="720">
+                      <a:solidFill>
+                        <a:srgbClr val="ffffff"/>
+                      </a:solidFill>
+                    </a:lnL>
+                    <a:lnR w="720">
+                      <a:solidFill>
+                        <a:srgbClr val="ffffff"/>
+                      </a:solidFill>
+                    </a:lnR>
+                    <a:lnT w="720">
+                      <a:solidFill>
+                        <a:srgbClr val="ffffff"/>
+                      </a:solidFill>
+                    </a:lnT>
+                    <a:lnB w="720">
+                      <a:solidFill>
+                        <a:srgbClr val="ffffff"/>
+                      </a:solidFill>
+                    </a:lnB>
+                    <a:solidFill>
+                      <a:srgbClr val="cccccc"/>
+                    </a:solidFill>
+                  </a:tcPr>
+                </a:tc>
+                <a:tc>
+                  <a:tcPr marL="90000" marR="90000">
+                    <a:lnL w="720">
+                      <a:solidFill>
+                        <a:srgbClr val="ffffff"/>
+                      </a:solidFill>
+                    </a:lnL>
+                    <a:lnR w="720">
+                      <a:solidFill>
+                        <a:srgbClr val="ffffff"/>
+                      </a:solidFill>
+                    </a:lnR>
+                    <a:lnT w="720">
+                      <a:solidFill>
+                        <a:srgbClr val="ffffff"/>
+                      </a:solidFill>
+                    </a:lnT>
+                    <a:lnB w="720">
+                      <a:solidFill>
+                        <a:srgbClr val="ffffff"/>
+                      </a:solidFill>
+                    </a:lnB>
+                    <a:solidFill>
+                      <a:srgbClr val="cccccc"/>
+                    </a:solidFill>
+                  </a:tcPr>
+                </a:tc>
+                <a:tc>
+                  <a:tcPr marL="90000" marR="90000">
+                    <a:lnL w="720">
+                      <a:solidFill>
+                        <a:srgbClr val="ffffff"/>
+                      </a:solidFill>
+                    </a:lnL>
+                    <a:lnR w="720">
+                      <a:solidFill>
+                        <a:srgbClr val="ffffff"/>
+                      </a:solidFill>
+                    </a:lnR>
+                    <a:lnT w="720">
+                      <a:solidFill>
+                        <a:srgbClr val="ffffff"/>
+                      </a:solidFill>
+                    </a:lnT>
+                    <a:lnB w="720">
+                      <a:solidFill>
+                        <a:srgbClr val="ffffff"/>
+                      </a:solidFill>
+                    </a:lnB>
+                    <a:solidFill>
+                      <a:srgbClr val="cccccc"/>
+                    </a:solidFill>
+                  </a:tcPr>
+                </a:tc>
+                <a:tc>
+                  <a:tcPr marL="90000" marR="90000">
+                    <a:lnL w="720">
+                      <a:solidFill>
+                        <a:srgbClr val="ffffff"/>
+                      </a:solidFill>
+                    </a:lnL>
+                    <a:lnR w="720">
+                      <a:solidFill>
+                        <a:srgbClr val="ffffff"/>
+                      </a:solidFill>
+                    </a:lnR>
+                    <a:lnT w="720">
+                      <a:solidFill>
+                        <a:srgbClr val="ffffff"/>
+                      </a:solidFill>
+                    </a:lnT>
+                    <a:lnB w="720">
+                      <a:solidFill>
+                        <a:srgbClr val="ffffff"/>
+                      </a:solidFill>
+                    </a:lnB>
+                    <a:solidFill>
+                      <a:srgbClr val="cccccc"/>
+                    </a:solidFill>
+                  </a:tcPr>
+                </a:tc>
+                <a:tc>
+                  <a:tcPr marL="90000" marR="90000">
+                    <a:lnL w="720">
+                      <a:solidFill>
+                        <a:srgbClr val="ffffff"/>
+                      </a:solidFill>
+                    </a:lnL>
+                    <a:lnR w="720">
+                      <a:solidFill>
+                        <a:srgbClr val="ffffff"/>
+                      </a:solidFill>
+                    </a:lnR>
+                    <a:lnT w="720">
+                      <a:solidFill>
+                        <a:srgbClr val="ffffff"/>
+                      </a:solidFill>
+                    </a:lnT>
+                    <a:lnB w="720">
+                      <a:solidFill>
+                        <a:srgbClr val="ffffff"/>
+                      </a:solidFill>
+                    </a:lnB>
+                    <a:solidFill>
+                      <a:srgbClr val="cccccc"/>
+                    </a:solidFill>
+                  </a:tcPr>
+                </a:tc>
+              </a:tr>
+              <a:tr h="357120">
+                <a:tc>
+                  <a:tcPr marL="90000" marR="90000">
+                    <a:lnL w="720">
+                      <a:solidFill>
+                        <a:srgbClr val="ffffff"/>
+                      </a:solidFill>
+                    </a:lnL>
+                    <a:lnR w="720">
+                      <a:solidFill>
+                        <a:srgbClr val="ffffff"/>
+                      </a:solidFill>
+                    </a:lnR>
+                    <a:lnT w="720">
+                      <a:solidFill>
+                        <a:srgbClr val="ffffff"/>
+                      </a:solidFill>
+                    </a:lnT>
+                    <a:lnB w="720">
+                      <a:solidFill>
+                        <a:srgbClr val="ffffff"/>
+                      </a:solidFill>
+                    </a:lnB>
+                    <a:solidFill>
+                      <a:srgbClr val="e6e6e6"/>
+                    </a:solidFill>
+                  </a:tcPr>
+                </a:tc>
+                <a:tc>
+                  <a:tcPr marL="90000" marR="90000">
+                    <a:lnL w="720">
+                      <a:solidFill>
+                        <a:srgbClr val="ffffff"/>
+                      </a:solidFill>
+                    </a:lnL>
+                    <a:lnR w="720">
+                      <a:solidFill>
+                        <a:srgbClr val="ffffff"/>
+                      </a:solidFill>
+                    </a:lnR>
+                    <a:lnT w="720">
+                      <a:solidFill>
+                        <a:srgbClr val="ffffff"/>
+                      </a:solidFill>
+                    </a:lnT>
+                    <a:lnB w="720">
+                      <a:solidFill>
+                        <a:srgbClr val="ffffff"/>
+                      </a:solidFill>
+                    </a:lnB>
+                    <a:solidFill>
+                      <a:srgbClr val="e6e6e6"/>
+                    </a:solidFill>
+                  </a:tcPr>
+                </a:tc>
+                <a:tc>
+                  <a:tcPr marL="90000" marR="90000">
+                    <a:lnL w="720">
+                      <a:solidFill>
+                        <a:srgbClr val="ffffff"/>
+                      </a:solidFill>
+                    </a:lnL>
+                    <a:lnR w="720">
+                      <a:solidFill>
+                        <a:srgbClr val="ffffff"/>
+                      </a:solidFill>
+                    </a:lnR>
+                    <a:lnT w="720">
+                      <a:solidFill>
+                        <a:srgbClr val="ffffff"/>
+                      </a:solidFill>
+                    </a:lnT>
+                    <a:lnB w="720">
+                      <a:solidFill>
+                        <a:srgbClr val="ffffff"/>
+                      </a:solidFill>
+                    </a:lnB>
+                    <a:solidFill>
+                      <a:srgbClr val="e6e6e6"/>
+                    </a:solidFill>
+                  </a:tcPr>
+                </a:tc>
+                <a:tc>
+                  <a:tcPr marL="90000" marR="90000">
+                    <a:lnL w="720">
+                      <a:solidFill>
+                        <a:srgbClr val="ffffff"/>
+                      </a:solidFill>
+                    </a:lnL>
+                    <a:lnR w="720">
+                      <a:solidFill>
+                        <a:srgbClr val="ffffff"/>
+                      </a:solidFill>
+                    </a:lnR>
+                    <a:lnT w="720">
+                      <a:solidFill>
+                        <a:srgbClr val="ffffff"/>
+                      </a:solidFill>
+                    </a:lnT>
+                    <a:lnB w="720">
+                      <a:solidFill>
+                        <a:srgbClr val="ffffff"/>
+                      </a:solidFill>
+                    </a:lnB>
+                    <a:solidFill>
+                      <a:srgbClr val="e6e6e6"/>
+                    </a:solidFill>
+                  </a:tcPr>
+                </a:tc>
+                <a:tc>
+                  <a:tcPr marL="90000" marR="90000">
+                    <a:lnL w="720">
+                      <a:solidFill>
+                        <a:srgbClr val="ffffff"/>
+                      </a:solidFill>
+                    </a:lnL>
+                    <a:lnR w="720">
+                      <a:solidFill>
+                        <a:srgbClr val="ffffff"/>
+                      </a:solidFill>
+                    </a:lnR>
+                    <a:lnT w="720">
+                      <a:solidFill>
+                        <a:srgbClr val="ffffff"/>
+                      </a:solidFill>
+                    </a:lnT>
+                    <a:lnB w="720">
+                      <a:solidFill>
+                        <a:srgbClr val="ffffff"/>
+                      </a:solidFill>
+                    </a:lnB>
+                    <a:solidFill>
+                      <a:srgbClr val="e6e6e6"/>
+                    </a:solidFill>
+                  </a:tcPr>
+                </a:tc>
+              </a:tr>
+            </a:tbl>
+          </a:graphicData>
+        </a:graphic>
+      </p:graphicFrame>
+      <p:graphicFrame>
+        <p:nvGraphicFramePr>
+          <p:cNvPr id="241" name="Table 29"/>
+          <p:cNvGraphicFramePr/>
+          <p:nvPr/>
+        </p:nvGraphicFramePr>
+        <p:xfrm>
+          <a:off x="6489000" y="2479320"/>
+          <a:ext cx="5075280" cy="2159280"/>
+        </p:xfrm>
+        <a:graphic>
+          <a:graphicData uri="http://schemas.openxmlformats.org/drawingml/2006/table">
+            <a:tbl>
+              <a:tblPr/>
+              <a:tblGrid>
+                <a:gridCol w="1233000"/>
+                <a:gridCol w="982440"/>
+                <a:gridCol w="1056600"/>
+              </a:tblGrid>
+              <a:tr h="365760">
+                <a:tc>
+                  <a:txBody>
+                    <a:bodyPr lIns="90000" rIns="90000" tIns="46800" bIns="46800">
+                      <a:noAutofit/>
+                    </a:bodyPr>
+                    <a:p>
+                      <a:r>
+                        <a:rPr b="0" lang="en-IN" sz="1800" spc="-1" strike="noStrike">
+                          <a:latin typeface="Arial"/>
+                        </a:rPr>
+                        <a:t>CARDNO</a:t>
+                      </a:r>
+                      <a:endParaRPr b="0" lang="en-IN" sz="1800" spc="-1" strike="noStrike">
+                        <a:latin typeface="Arial"/>
+                      </a:endParaRPr>
+                    </a:p>
+                  </a:txBody>
+                  <a:tcPr marL="90000" marR="90000">
+                    <a:lnL w="720">
+                      <a:solidFill>
+                        <a:srgbClr val="ffffff"/>
+                      </a:solidFill>
+                    </a:lnL>
+                    <a:lnR w="720">
+                      <a:solidFill>
+                        <a:srgbClr val="ffffff"/>
+                      </a:solidFill>
+                    </a:lnR>
+                    <a:lnT w="720">
+                      <a:solidFill>
+                        <a:srgbClr val="ffffff"/>
+                      </a:solidFill>
+                    </a:lnT>
+                    <a:lnB w="720">
+                      <a:solidFill>
+                        <a:srgbClr val="ffffff"/>
+                      </a:solidFill>
+                    </a:lnB>
+                    <a:solidFill>
+                      <a:srgbClr val="b3b3b3"/>
+                    </a:solidFill>
+                  </a:tcPr>
+                </a:tc>
+                <a:tc>
+                  <a:txBody>
+                    <a:bodyPr lIns="90000" rIns="90000" tIns="46800" bIns="46800">
+                      <a:noAutofit/>
+                    </a:bodyPr>
+                    <a:p>
+                      <a:r>
+                        <a:rPr b="0" lang="en-IN" sz="1800" spc="-1" strike="noStrike">
+                          <a:latin typeface="Arial"/>
+                        </a:rPr>
+                        <a:t>NAME</a:t>
+                      </a:r>
+                      <a:endParaRPr b="0" lang="en-IN" sz="1800" spc="-1" strike="noStrike">
+                        <a:latin typeface="Arial"/>
+                      </a:endParaRPr>
+                    </a:p>
+                  </a:txBody>
+                  <a:tcPr marL="90000" marR="90000">
+                    <a:lnL w="720">
+                      <a:solidFill>
+                        <a:srgbClr val="ffffff"/>
+                      </a:solidFill>
+                    </a:lnL>
+                    <a:lnR w="720">
+                      <a:solidFill>
+                        <a:srgbClr val="ffffff"/>
+                      </a:solidFill>
+                    </a:lnR>
+                    <a:lnT w="720">
+                      <a:solidFill>
+                        <a:srgbClr val="ffffff"/>
+                      </a:solidFill>
+                    </a:lnT>
+                    <a:lnB w="720">
+                      <a:solidFill>
+                        <a:srgbClr val="ffffff"/>
+                      </a:solidFill>
+                    </a:lnB>
+                    <a:solidFill>
+                      <a:srgbClr val="b3b3b3"/>
+                    </a:solidFill>
+                  </a:tcPr>
+                </a:tc>
+                <a:tc>
+                  <a:txBody>
+                    <a:bodyPr lIns="90000" rIns="90000" tIns="46800" bIns="46800">
+                      <a:noAutofit/>
+                    </a:bodyPr>
+                    <a:p>
+                      <a:r>
+                        <a:rPr b="0" lang="en-IN" sz="1800" spc="-1" strike="noStrike">
+                          <a:latin typeface="Arial"/>
+                        </a:rPr>
+                        <a:t>ADDR</a:t>
+                      </a:r>
+                      <a:endParaRPr b="0" lang="en-IN" sz="1800" spc="-1" strike="noStrike">
+                        <a:latin typeface="Arial"/>
+                      </a:endParaRPr>
+                    </a:p>
+                  </a:txBody>
+                  <a:tcPr marL="90000" marR="90000">
+                    <a:lnL w="720">
+                      <a:solidFill>
+                        <a:srgbClr val="ffffff"/>
+                      </a:solidFill>
+                    </a:lnL>
+                    <a:lnR w="720">
+                      <a:solidFill>
+                        <a:srgbClr val="ffffff"/>
+                      </a:solidFill>
+                    </a:lnR>
+                    <a:lnT w="720">
+                      <a:solidFill>
+                        <a:srgbClr val="ffffff"/>
+                      </a:solidFill>
+                    </a:lnT>
+                    <a:lnB w="720">
+                      <a:solidFill>
+                        <a:srgbClr val="ffffff"/>
+                      </a:solidFill>
+                    </a:lnB>
+                    <a:solidFill>
+                      <a:srgbClr val="b3b3b3"/>
+                    </a:solidFill>
+                  </a:tcPr>
+                </a:tc>
+              </a:tr>
+              <a:tr h="371880">
+                <a:tc>
+                  <a:tcPr marL="90000" marR="90000">
+                    <a:lnL w="720">
+                      <a:solidFill>
+                        <a:srgbClr val="ffffff"/>
+                      </a:solidFill>
+                    </a:lnL>
+                    <a:lnR w="720">
+                      <a:solidFill>
+                        <a:srgbClr val="ffffff"/>
+                      </a:solidFill>
+                    </a:lnR>
+                    <a:lnT w="720">
+                      <a:solidFill>
+                        <a:srgbClr val="ffffff"/>
+                      </a:solidFill>
+                    </a:lnT>
+                    <a:lnB w="720">
+                      <a:solidFill>
+                        <a:srgbClr val="ffffff"/>
+                      </a:solidFill>
+                    </a:lnB>
+                    <a:solidFill>
+                      <a:srgbClr val="cccccc"/>
+                    </a:solidFill>
+                  </a:tcPr>
+                </a:tc>
+                <a:tc>
+                  <a:tcPr marL="90000" marR="90000">
+                    <a:lnL w="720">
+                      <a:solidFill>
+                        <a:srgbClr val="ffffff"/>
+                      </a:solidFill>
+                    </a:lnL>
+                    <a:lnR w="720">
+                      <a:solidFill>
+                        <a:srgbClr val="ffffff"/>
+                      </a:solidFill>
+                    </a:lnR>
+                    <a:lnT w="720">
+                      <a:solidFill>
+                        <a:srgbClr val="ffffff"/>
+                      </a:solidFill>
+                    </a:lnT>
+                    <a:lnB w="720">
+                      <a:solidFill>
+                        <a:srgbClr val="ffffff"/>
+                      </a:solidFill>
+                    </a:lnB>
+                    <a:solidFill>
+                      <a:srgbClr val="cccccc"/>
+                    </a:solidFill>
+                  </a:tcPr>
+                </a:tc>
+                <a:tc>
+                  <a:tcPr marL="90000" marR="90000">
+                    <a:lnL w="720">
+                      <a:solidFill>
+                        <a:srgbClr val="ffffff"/>
+                      </a:solidFill>
+                    </a:lnL>
+                    <a:lnR w="720">
+                      <a:solidFill>
+                        <a:srgbClr val="ffffff"/>
+                      </a:solidFill>
+                    </a:lnR>
+                    <a:lnT w="720">
+                      <a:solidFill>
+                        <a:srgbClr val="ffffff"/>
+                      </a:solidFill>
+                    </a:lnT>
+                    <a:lnB w="720">
+                      <a:solidFill>
+                        <a:srgbClr val="ffffff"/>
+                      </a:solidFill>
+                    </a:lnB>
+                    <a:solidFill>
+                      <a:srgbClr val="cccccc"/>
+                    </a:solidFill>
+                  </a:tcPr>
+                </a:tc>
+              </a:tr>
+              <a:tr h="342360">
+                <a:tc>
+                  <a:tcPr marL="90000" marR="90000">
+                    <a:lnL w="720">
+                      <a:solidFill>
+                        <a:srgbClr val="ffffff"/>
+                      </a:solidFill>
+                    </a:lnL>
+                    <a:lnR w="720">
+                      <a:solidFill>
+                        <a:srgbClr val="ffffff"/>
+                      </a:solidFill>
+                    </a:lnR>
+                    <a:lnT w="720">
+                      <a:solidFill>
+                        <a:srgbClr val="ffffff"/>
+                      </a:solidFill>
+                    </a:lnT>
+                    <a:lnB w="720">
+                      <a:solidFill>
+                        <a:srgbClr val="ffffff"/>
+                      </a:solidFill>
+                    </a:lnB>
+                    <a:solidFill>
+                      <a:srgbClr val="e6e6e6"/>
+                    </a:solidFill>
+                  </a:tcPr>
+                </a:tc>
+                <a:tc>
+                  <a:tcPr marL="90000" marR="90000">
+                    <a:lnL w="720">
+                      <a:solidFill>
+                        <a:srgbClr val="ffffff"/>
+                      </a:solidFill>
+                    </a:lnL>
+                    <a:lnR w="720">
+                      <a:solidFill>
+                        <a:srgbClr val="ffffff"/>
+                      </a:solidFill>
+                    </a:lnR>
+                    <a:lnT w="720">
+                      <a:solidFill>
+                        <a:srgbClr val="ffffff"/>
+                      </a:solidFill>
+                    </a:lnT>
+                    <a:lnB w="720">
+                      <a:solidFill>
+                        <a:srgbClr val="ffffff"/>
+                      </a:solidFill>
+                    </a:lnB>
+                    <a:solidFill>
+                      <a:srgbClr val="e6e6e6"/>
+                    </a:solidFill>
+                  </a:tcPr>
+                </a:tc>
+                <a:tc>
+                  <a:tcPr marL="90000" marR="90000">
+                    <a:lnL w="720">
+                      <a:solidFill>
+                        <a:srgbClr val="ffffff"/>
+                      </a:solidFill>
+                    </a:lnL>
+                    <a:lnR w="720">
+                      <a:solidFill>
+                        <a:srgbClr val="ffffff"/>
+                      </a:solidFill>
+                    </a:lnR>
+                    <a:lnT w="720">
+                      <a:solidFill>
+                        <a:srgbClr val="ffffff"/>
+                      </a:solidFill>
+                    </a:lnT>
+                    <a:lnB w="720">
+                      <a:solidFill>
+                        <a:srgbClr val="ffffff"/>
+                      </a:solidFill>
+                    </a:lnB>
+                    <a:solidFill>
+                      <a:srgbClr val="e6e6e6"/>
+                    </a:solidFill>
+                  </a:tcPr>
+                </a:tc>
+              </a:tr>
+            </a:tbl>
+          </a:graphicData>
+        </a:graphic>
+      </p:graphicFrame>
+      <p:graphicFrame>
+        <p:nvGraphicFramePr>
+          <p:cNvPr id="242" name="Table 30"/>
+          <p:cNvGraphicFramePr/>
+          <p:nvPr/>
+        </p:nvGraphicFramePr>
+        <p:xfrm>
+          <a:off x="5065920" y="4241880"/>
+          <a:ext cx="5075280" cy="2159280"/>
+        </p:xfrm>
+        <a:graphic>
+          <a:graphicData uri="http://schemas.openxmlformats.org/drawingml/2006/table">
+            <a:tbl>
+              <a:tblPr/>
+              <a:tblGrid>
+                <a:gridCol w="729720"/>
+                <a:gridCol w="1145880"/>
+                <a:gridCol w="1250280"/>
+              </a:tblGrid>
+              <a:tr h="410400">
+                <a:tc>
+                  <a:txBody>
+                    <a:bodyPr lIns="90000" rIns="90000" tIns="46800" bIns="46800">
+                      <a:noAutofit/>
+                    </a:bodyPr>
+                    <a:p>
+                      <a:r>
+                        <a:rPr b="0" lang="en-IN" sz="1800" spc="-1" strike="noStrike">
+                          <a:latin typeface="Arial"/>
+                        </a:rPr>
+                        <a:t>DOI</a:t>
+                      </a:r>
+                      <a:endParaRPr b="0" lang="en-IN" sz="1800" spc="-1" strike="noStrike">
+                        <a:latin typeface="Arial"/>
+                      </a:endParaRPr>
+                    </a:p>
+                  </a:txBody>
+                  <a:tcPr marL="90000" marR="90000">
+                    <a:lnL w="720">
+                      <a:solidFill>
+                        <a:srgbClr val="ffffff"/>
+                      </a:solidFill>
+                    </a:lnL>
+                    <a:lnR w="720">
+                      <a:solidFill>
+                        <a:srgbClr val="ffffff"/>
+                      </a:solidFill>
+                    </a:lnR>
+                    <a:lnT w="720">
+                      <a:solidFill>
+                        <a:srgbClr val="ffffff"/>
+                      </a:solidFill>
+                    </a:lnT>
+                    <a:lnB w="720">
+                      <a:solidFill>
+                        <a:srgbClr val="ffffff"/>
+                      </a:solidFill>
+                    </a:lnB>
+                    <a:solidFill>
+                      <a:srgbClr val="b3b3b3"/>
+                    </a:solidFill>
+                  </a:tcPr>
+                </a:tc>
+                <a:tc>
+                  <a:txBody>
+                    <a:bodyPr lIns="90000" rIns="90000" tIns="46800" bIns="46800">
+                      <a:noAutofit/>
+                    </a:bodyPr>
+                    <a:p>
+                      <a:r>
+                        <a:rPr b="0" lang="en-IN" sz="1800" spc="-1" strike="noStrike">
+                          <a:latin typeface="Arial"/>
+                        </a:rPr>
+                        <a:t>ACCNO</a:t>
+                      </a:r>
+                      <a:endParaRPr b="0" lang="en-IN" sz="1800" spc="-1" strike="noStrike">
+                        <a:latin typeface="Arial"/>
+                      </a:endParaRPr>
+                    </a:p>
+                  </a:txBody>
+                  <a:tcPr marL="90000" marR="90000">
+                    <a:lnL w="720">
+                      <a:solidFill>
+                        <a:srgbClr val="ffffff"/>
+                      </a:solidFill>
+                    </a:lnL>
+                    <a:lnR w="720">
+                      <a:solidFill>
+                        <a:srgbClr val="ffffff"/>
+                      </a:solidFill>
+                    </a:lnR>
+                    <a:lnT w="720">
+                      <a:solidFill>
+                        <a:srgbClr val="ffffff"/>
+                      </a:solidFill>
+                    </a:lnT>
+                    <a:lnB w="720">
+                      <a:solidFill>
+                        <a:srgbClr val="ffffff"/>
+                      </a:solidFill>
+                    </a:lnB>
+                    <a:solidFill>
+                      <a:srgbClr val="b3b3b3"/>
+                    </a:solidFill>
+                  </a:tcPr>
+                </a:tc>
+                <a:tc>
+                  <a:txBody>
+                    <a:bodyPr lIns="90000" rIns="90000" tIns="46800" bIns="46800">
+                      <a:noAutofit/>
+                    </a:bodyPr>
+                    <a:p>
+                      <a:r>
+                        <a:rPr b="0" lang="en-IN" sz="1800" spc="-1" strike="noStrike">
+                          <a:latin typeface="Arial"/>
+                        </a:rPr>
+                        <a:t>CARDNO</a:t>
+                      </a:r>
+                      <a:endParaRPr b="0" lang="en-IN" sz="1800" spc="-1" strike="noStrike">
+                        <a:latin typeface="Arial"/>
+                      </a:endParaRPr>
+                    </a:p>
+                  </a:txBody>
+                  <a:tcPr marL="90000" marR="90000">
+                    <a:lnL w="720">
+                      <a:solidFill>
+                        <a:srgbClr val="ffffff"/>
+                      </a:solidFill>
+                    </a:lnL>
+                    <a:lnR w="720">
+                      <a:solidFill>
+                        <a:srgbClr val="ffffff"/>
+                      </a:solidFill>
+                    </a:lnR>
+                    <a:lnT w="720">
+                      <a:solidFill>
+                        <a:srgbClr val="ffffff"/>
+                      </a:solidFill>
+                    </a:lnT>
+                    <a:lnB w="720">
+                      <a:solidFill>
+                        <a:srgbClr val="ffffff"/>
+                      </a:solidFill>
+                    </a:lnB>
+                    <a:solidFill>
+                      <a:srgbClr val="b3b3b3"/>
+                    </a:solidFill>
+                  </a:tcPr>
+                </a:tc>
+              </a:tr>
+              <a:tr h="342360">
+                <a:tc>
+                  <a:tcPr marL="90000" marR="90000">
+                    <a:lnL w="720">
+                      <a:solidFill>
+                        <a:srgbClr val="ffffff"/>
+                      </a:solidFill>
+                    </a:lnL>
+                    <a:lnR w="720">
+                      <a:solidFill>
+                        <a:srgbClr val="ffffff"/>
+                      </a:solidFill>
+                    </a:lnR>
+                    <a:lnT w="720">
+                      <a:solidFill>
+                        <a:srgbClr val="ffffff"/>
+                      </a:solidFill>
+                    </a:lnT>
+                    <a:lnB w="720">
+                      <a:solidFill>
+                        <a:srgbClr val="ffffff"/>
+                      </a:solidFill>
+                    </a:lnB>
+                    <a:solidFill>
+                      <a:srgbClr val="cccccc"/>
+                    </a:solidFill>
+                  </a:tcPr>
+                </a:tc>
+                <a:tc>
+                  <a:tcPr marL="90000" marR="90000">
+                    <a:lnL w="720">
+                      <a:solidFill>
+                        <a:srgbClr val="ffffff"/>
+                      </a:solidFill>
+                    </a:lnL>
+                    <a:lnR w="720">
+                      <a:solidFill>
+                        <a:srgbClr val="ffffff"/>
+                      </a:solidFill>
+                    </a:lnR>
+                    <a:lnT w="720">
+                      <a:solidFill>
+                        <a:srgbClr val="ffffff"/>
+                      </a:solidFill>
+                    </a:lnT>
+                    <a:lnB w="720">
+                      <a:solidFill>
+                        <a:srgbClr val="ffffff"/>
+                      </a:solidFill>
+                    </a:lnB>
+                    <a:solidFill>
+                      <a:srgbClr val="cccccc"/>
+                    </a:solidFill>
+                  </a:tcPr>
+                </a:tc>
+                <a:tc>
+                  <a:tcPr marL="90000" marR="90000">
+                    <a:lnL w="720">
+                      <a:solidFill>
+                        <a:srgbClr val="ffffff"/>
+                      </a:solidFill>
+                    </a:lnL>
+                    <a:lnR w="720">
+                      <a:solidFill>
+                        <a:srgbClr val="ffffff"/>
+                      </a:solidFill>
+                    </a:lnR>
+                    <a:lnT w="720">
+                      <a:solidFill>
+                        <a:srgbClr val="ffffff"/>
+                      </a:solidFill>
+                    </a:lnT>
+                    <a:lnB w="720">
+                      <a:solidFill>
+                        <a:srgbClr val="ffffff"/>
+                      </a:solidFill>
+                    </a:lnB>
+                    <a:solidFill>
+                      <a:srgbClr val="cccccc"/>
+                    </a:solidFill>
+                  </a:tcPr>
+                </a:tc>
+              </a:tr>
+              <a:tr h="334440">
+                <a:tc>
+                  <a:tcPr marL="90000" marR="90000">
+                    <a:lnL w="720">
+                      <a:solidFill>
+                        <a:srgbClr val="ffffff"/>
+                      </a:solidFill>
+                    </a:lnL>
+                    <a:lnR w="720">
+                      <a:solidFill>
+                        <a:srgbClr val="ffffff"/>
+                      </a:solidFill>
+                    </a:lnR>
+                    <a:lnT w="720">
+                      <a:solidFill>
+                        <a:srgbClr val="ffffff"/>
+                      </a:solidFill>
+                    </a:lnT>
+                    <a:lnB w="720">
+                      <a:solidFill>
+                        <a:srgbClr val="ffffff"/>
+                      </a:solidFill>
+                    </a:lnB>
+                    <a:solidFill>
+                      <a:srgbClr val="e6e6e6"/>
+                    </a:solidFill>
+                  </a:tcPr>
+                </a:tc>
+                <a:tc>
+                  <a:tcPr marL="90000" marR="90000">
+                    <a:lnL w="720">
+                      <a:solidFill>
+                        <a:srgbClr val="ffffff"/>
+                      </a:solidFill>
+                    </a:lnL>
+                    <a:lnR w="720">
+                      <a:solidFill>
+                        <a:srgbClr val="ffffff"/>
+                      </a:solidFill>
+                    </a:lnR>
+                    <a:lnT w="720">
+                      <a:solidFill>
+                        <a:srgbClr val="ffffff"/>
+                      </a:solidFill>
+                    </a:lnT>
+                    <a:lnB w="720">
+                      <a:solidFill>
+                        <a:srgbClr val="ffffff"/>
+                      </a:solidFill>
+                    </a:lnB>
+                    <a:solidFill>
+                      <a:srgbClr val="e6e6e6"/>
+                    </a:solidFill>
+                  </a:tcPr>
+                </a:tc>
+                <a:tc>
+                  <a:tcPr marL="90000" marR="90000">
+                    <a:lnL w="720">
+                      <a:solidFill>
+                        <a:srgbClr val="ffffff"/>
+                      </a:solidFill>
+                    </a:lnL>
+                    <a:lnR w="720">
+                      <a:solidFill>
+                        <a:srgbClr val="ffffff"/>
+                      </a:solidFill>
+                    </a:lnR>
+                    <a:lnT w="720">
+                      <a:solidFill>
+                        <a:srgbClr val="ffffff"/>
+                      </a:solidFill>
+                    </a:lnT>
+                    <a:lnB w="720">
+                      <a:solidFill>
+                        <a:srgbClr val="ffffff"/>
+                      </a:solidFill>
+                    </a:lnB>
+                    <a:solidFill>
+                      <a:srgbClr val="e6e6e6"/>
+                    </a:solidFill>
+                  </a:tcPr>
+                </a:tc>
+              </a:tr>
+            </a:tbl>
+          </a:graphicData>
+        </a:graphic>
+      </p:graphicFrame>
+      <p:sp>
+        <p:nvSpPr>
+          <p:cNvPr id="243" name="TextShape 31"/>
+          <p:cNvSpPr txBox="1"/>
+          <p:nvPr/>
+        </p:nvSpPr>
+        <p:spPr>
+          <a:xfrm>
+            <a:off x="576000" y="4320000"/>
+            <a:ext cx="2448000" cy="346320"/>
+          </a:xfrm>
+          <a:prstGeom prst="rect">
+            <a:avLst/>
+          </a:prstGeom>
+          <a:noFill/>
+          <a:ln>
+            <a:noFill/>
+          </a:ln>
+        </p:spPr>
+        <p:txBody>
+          <a:bodyPr lIns="90000" rIns="90000" tIns="45000" bIns="45000">
+            <a:noAutofit/>
+          </a:bodyPr>
+          <a:p>
+            <a:r>
+              <a:rPr b="0" lang="en-IN" sz="1800" spc="-1" strike="noStrike">
+                <a:latin typeface="Arial"/>
+              </a:rPr>
+              <a:t>BOOKS </a:t>
+            </a:r>
+            <a:r>
+              <a:rPr b="0" lang="en-IN" sz="1800" spc="-1" strike="noStrike">
+                <a:latin typeface="Arial"/>
+              </a:rPr>
+              <a:t>TABLE</a:t>
+            </a:r>
+            <a:endParaRPr b="0" lang="en-IN" sz="1800" spc="-1" strike="noStrike">
+              <a:latin typeface="Arial"/>
+            </a:endParaRPr>
+          </a:p>
+        </p:txBody>
+      </p:sp>
+      <p:sp>
+        <p:nvSpPr>
+          <p:cNvPr id="244" name="TextShape 32"/>
+          <p:cNvSpPr txBox="1"/>
+          <p:nvPr/>
+        </p:nvSpPr>
+        <p:spPr>
+          <a:xfrm>
+            <a:off x="7092000" y="3672000"/>
+            <a:ext cx="2448000" cy="346320"/>
+          </a:xfrm>
+          <a:prstGeom prst="rect">
+            <a:avLst/>
+          </a:prstGeom>
+          <a:noFill/>
+          <a:ln>
+            <a:noFill/>
+          </a:ln>
+        </p:spPr>
+        <p:txBody>
+          <a:bodyPr lIns="90000" rIns="90000" tIns="45000" bIns="45000">
+            <a:noAutofit/>
+          </a:bodyPr>
+          <a:p>
+            <a:r>
+              <a:rPr b="0" lang="en-IN" sz="1800" spc="-1" strike="noStrike">
+                <a:latin typeface="Arial"/>
+              </a:rPr>
+              <a:t>USERS </a:t>
+            </a:r>
+            <a:r>
+              <a:rPr b="0" lang="en-IN" sz="1800" spc="-1" strike="noStrike">
+                <a:latin typeface="Arial"/>
+              </a:rPr>
+              <a:t>TABLE</a:t>
+            </a:r>
+            <a:endParaRPr b="0" lang="en-IN" sz="1800" spc="-1" strike="noStrike">
+              <a:latin typeface="Arial"/>
+            </a:endParaRPr>
+          </a:p>
+        </p:txBody>
+      </p:sp>
+      <p:sp>
+        <p:nvSpPr>
+          <p:cNvPr id="245" name="TextShape 33"/>
+          <p:cNvSpPr txBox="1"/>
+          <p:nvPr/>
+        </p:nvSpPr>
+        <p:spPr>
+          <a:xfrm>
+            <a:off x="3744000" y="5328000"/>
+            <a:ext cx="2448000" cy="346320"/>
+          </a:xfrm>
+          <a:prstGeom prst="rect">
+            <a:avLst/>
+          </a:prstGeom>
+          <a:noFill/>
+          <a:ln>
+            <a:noFill/>
+          </a:ln>
+        </p:spPr>
+        <p:txBody>
+          <a:bodyPr lIns="90000" rIns="90000" tIns="45000" bIns="45000">
+            <a:noAutofit/>
+          </a:bodyPr>
+          <a:p>
+            <a:r>
+              <a:rPr b="0" lang="en-IN" sz="1800" spc="-1" strike="noStrike">
+                <a:latin typeface="Arial"/>
+              </a:rPr>
+              <a:t>Borrow</a:t>
+            </a:r>
+            <a:r>
+              <a:rPr b="0" lang="en-IN" sz="1800" spc="-1" strike="noStrike">
+                <a:latin typeface="Arial"/>
+              </a:rPr>
+              <a:t>ed By </a:t>
+            </a:r>
+            <a:r>
+              <a:rPr b="0" lang="en-IN" sz="1800" spc="-1" strike="noStrike">
+                <a:latin typeface="Arial"/>
+              </a:rPr>
+              <a:t>TABLE</a:t>
+            </a:r>
+            <a:endParaRPr b="0" lang="en-IN" sz="1800" spc="-1" strike="noStrike">
+              <a:latin typeface="Arial"/>
+            </a:endParaRPr>
+          </a:p>
+        </p:txBody>
+      </p:sp>
+    </p:spTree>
+  </p:cSld>
+  <mc:AlternateContent>
+    <mc:Choice Requires="p14">
+      <p:transition spd="slow" p14:dur="2000"/>
+    </mc:Choice>
+    <mc:Fallback>
+      <p:transition spd="slow"/>
+    </mc:Fallback>
+  </mc:AlternateContent>
+</p:sld>
+</file>
+
+<file path=ppt/slides/slide12.xml><?xml version="1.0" encoding="utf-8"?>
+<p:sld xmlns:a="http://schemas.openxmlformats.org/drawingml/2006/main" xmlns:p="http://schemas.openxmlformats.org/presentationml/2006/main" xmlns:r="http://schemas.openxmlformats.org/officeDocument/2006/relationships" xmlns:p14="http://schemas.microsoft.com/office/powerpoint/2010/main" xmlns:p15="http://schemas.microsoft.com/office/powerpoint/2012/main" xmlns:mc="http://schemas.openxmlformats.org/markup-compatibility/2006">
+  <p:cSld>
+    <p:spTree>
+      <p:nvGrpSpPr>
+        <p:cNvPr id="1" name=""/>
+        <p:cNvGrpSpPr/>
+        <p:nvPr/>
+      </p:nvGrpSpPr>
+      <p:grpSpPr>
+        <a:xfrm>
+          <a:off x="0" y="0"/>
+          <a:ext cx="0" cy="0"/>
+          <a:chOff x="0" y="0"/>
+          <a:chExt cx="0" cy="0"/>
+        </a:xfrm>
+      </p:grpSpPr>
+      <p:sp>
+        <p:nvSpPr>
+          <p:cNvPr id="246" name="CustomShape 1"/>
+          <p:cNvSpPr/>
+          <p:nvPr/>
+        </p:nvSpPr>
+        <p:spPr>
+          <a:xfrm>
+            <a:off x="5934960" y="1050480"/>
+            <a:ext cx="1696320" cy="1007280"/>
+          </a:xfrm>
+          <a:prstGeom prst="rect">
+            <a:avLst/>
+          </a:prstGeom>
+          <a:solidFill>
+            <a:srgbClr val="729fcf"/>
+          </a:solidFill>
+          <a:ln>
+            <a:solidFill>
+              <a:srgbClr val="3465a4"/>
+            </a:solidFill>
+          </a:ln>
+        </p:spPr>
+        <p:style>
+          <a:lnRef idx="0"/>
+          <a:fillRef idx="0"/>
+          <a:effectRef idx="0"/>
+          <a:fontRef idx="minor"/>
+        </p:style>
+      </p:sp>
+      <p:sp>
+        <p:nvSpPr>
+          <p:cNvPr id="247" name="CustomShape 2"/>
+          <p:cNvSpPr/>
+          <p:nvPr/>
+        </p:nvSpPr>
+        <p:spPr>
+          <a:xfrm>
+            <a:off x="1908000" y="1152000"/>
+            <a:ext cx="1437840" cy="789840"/>
+          </a:xfrm>
+          <a:prstGeom prst="rect">
+            <a:avLst/>
+          </a:prstGeom>
+          <a:solidFill>
+            <a:srgbClr val="729fcf"/>
+          </a:solidFill>
+          <a:ln>
+            <a:solidFill>
+              <a:srgbClr val="3465a4"/>
+            </a:solidFill>
+          </a:ln>
+        </p:spPr>
+        <p:style>
+          <a:lnRef idx="0"/>
+          <a:fillRef idx="0"/>
+          <a:effectRef idx="0"/>
+          <a:fontRef idx="minor"/>
+        </p:style>
+        <p:txBody>
+          <a:bodyPr wrap="none" lIns="90000" rIns="90000" tIns="45000" bIns="45000" anchor="ctr">
+            <a:noAutofit/>
+          </a:bodyPr>
+          <a:p>
+            <a:pPr algn="ctr">
+              <a:lnSpc>
+                <a:spcPct val="100000"/>
+              </a:lnSpc>
+            </a:pPr>
+            <a:r>
+              <a:rPr b="0" lang="en-IN" sz="1800" spc="-1" strike="noStrike">
+                <a:solidFill>
+                  <a:srgbClr val="000000"/>
+                </a:solidFill>
+                <a:latin typeface="Arial"/>
+                <a:ea typeface="DejaVu Sans"/>
+              </a:rPr>
+              <a:t>CUSTOMER</a:t>
+            </a:r>
+            <a:endParaRPr b="0" lang="en-IN" sz="1800" spc="-1" strike="noStrike">
+              <a:latin typeface="Arial"/>
+            </a:endParaRPr>
+          </a:p>
+        </p:txBody>
+      </p:sp>
+      <p:sp>
+        <p:nvSpPr>
+          <p:cNvPr id="248" name="CustomShape 3"/>
+          <p:cNvSpPr/>
+          <p:nvPr/>
+        </p:nvSpPr>
+        <p:spPr>
+          <a:xfrm>
+            <a:off x="6084000" y="1152000"/>
+            <a:ext cx="1437840" cy="789840"/>
+          </a:xfrm>
+          <a:prstGeom prst="rect">
+            <a:avLst/>
+          </a:prstGeom>
+          <a:solidFill>
+            <a:srgbClr val="729fcf"/>
+          </a:solidFill>
+          <a:ln>
+            <a:solidFill>
+              <a:srgbClr val="3465a4"/>
+            </a:solidFill>
+          </a:ln>
+        </p:spPr>
+        <p:style>
+          <a:lnRef idx="0"/>
+          <a:fillRef idx="0"/>
+          <a:effectRef idx="0"/>
+          <a:fontRef idx="minor"/>
+        </p:style>
+        <p:txBody>
+          <a:bodyPr wrap="none" lIns="90000" rIns="90000" tIns="45000" bIns="45000" anchor="ctr">
+            <a:noAutofit/>
+          </a:bodyPr>
+          <a:p>
+            <a:pPr algn="ctr">
+              <a:lnSpc>
+                <a:spcPct val="100000"/>
+              </a:lnSpc>
+            </a:pPr>
+            <a:r>
+              <a:rPr b="0" lang="en-IN" sz="1800" spc="-1" strike="noStrike">
+                <a:solidFill>
+                  <a:srgbClr val="000000"/>
+                </a:solidFill>
+                <a:latin typeface="Arial"/>
+                <a:ea typeface="DejaVu Sans"/>
+              </a:rPr>
+              <a:t>ACCOUNT</a:t>
+            </a:r>
+            <a:endParaRPr b="0" lang="en-IN" sz="1800" spc="-1" strike="noStrike">
+              <a:latin typeface="Arial"/>
+            </a:endParaRPr>
+          </a:p>
+        </p:txBody>
+      </p:sp>
+      <p:sp>
+        <p:nvSpPr>
+          <p:cNvPr id="249" name="CustomShape 4"/>
+          <p:cNvSpPr/>
+          <p:nvPr/>
+        </p:nvSpPr>
+        <p:spPr>
+          <a:xfrm>
+            <a:off x="4032000" y="864000"/>
+            <a:ext cx="1437840" cy="1365840"/>
+          </a:xfrm>
+          <a:custGeom>
+            <a:avLst/>
+            <a:gdLst/>
+            <a:ahLst/>
+            <a:rect l="l" t="t" r="r" b="b"/>
+            <a:pathLst>
+              <a:path w="21600" h="21600">
+                <a:moveTo>
+                  <a:pt x="10800" y="0"/>
+                </a:moveTo>
+                <a:lnTo>
+                  <a:pt x="21600" y="10800"/>
+                </a:lnTo>
+                <a:lnTo>
+                  <a:pt x="10800" y="21600"/>
+                </a:lnTo>
+                <a:lnTo>
+                  <a:pt x="0" y="10800"/>
+                </a:lnTo>
+                <a:lnTo>
+                  <a:pt x="10800" y="0"/>
+                </a:lnTo>
+                <a:close/>
+              </a:path>
+            </a:pathLst>
+          </a:custGeom>
+          <a:solidFill>
+            <a:srgbClr val="729fcf"/>
+          </a:solidFill>
+          <a:ln>
+            <a:solidFill>
+              <a:srgbClr val="3465a4"/>
+            </a:solidFill>
+          </a:ln>
+        </p:spPr>
+        <p:style>
+          <a:lnRef idx="0"/>
+          <a:fillRef idx="0"/>
+          <a:effectRef idx="0"/>
+          <a:fontRef idx="minor"/>
+        </p:style>
+        <p:txBody>
+          <a:bodyPr wrap="none" lIns="90000" rIns="90000" tIns="45000" bIns="45000" anchor="ctr">
+            <a:noAutofit/>
+          </a:bodyPr>
+          <a:p>
+            <a:pPr algn="ctr">
+              <a:lnSpc>
+                <a:spcPct val="100000"/>
+              </a:lnSpc>
+            </a:pPr>
+            <a:r>
+              <a:rPr b="0" lang="en-IN" sz="1800" spc="-1" strike="noStrike">
+                <a:solidFill>
+                  <a:srgbClr val="000000"/>
+                </a:solidFill>
+                <a:latin typeface="Arial"/>
+                <a:ea typeface="DejaVu Sans"/>
+              </a:rPr>
+              <a:t>ACC</a:t>
+            </a:r>
+            <a:endParaRPr b="0" lang="en-IN" sz="1800" spc="-1" strike="noStrike">
+              <a:latin typeface="Arial"/>
+            </a:endParaRPr>
+          </a:p>
+        </p:txBody>
+      </p:sp>
+      <p:sp>
+        <p:nvSpPr>
+          <p:cNvPr id="250" name="Line 5"/>
+          <p:cNvSpPr/>
+          <p:nvPr/>
+        </p:nvSpPr>
+        <p:spPr>
+          <a:xfrm>
+            <a:off x="0" y="0"/>
+            <a:ext cx="360" cy="360"/>
+          </a:xfrm>
+          <a:prstGeom prst="line">
+            <a:avLst/>
+          </a:prstGeom>
+          <a:ln>
+            <a:solidFill>
+              <a:srgbClr val="3465a4"/>
+            </a:solidFill>
+          </a:ln>
+        </p:spPr>
+        <p:style>
+          <a:lnRef idx="0"/>
+          <a:fillRef idx="0"/>
+          <a:effectRef idx="0"/>
+          <a:fontRef idx="minor"/>
+        </p:style>
+      </p:sp>
+      <p:sp>
+        <p:nvSpPr>
+          <p:cNvPr id="251" name="Line 6"/>
+          <p:cNvSpPr/>
+          <p:nvPr/>
+        </p:nvSpPr>
+        <p:spPr>
+          <a:xfrm>
+            <a:off x="0" y="0"/>
+            <a:ext cx="360" cy="360"/>
+          </a:xfrm>
+          <a:prstGeom prst="line">
+            <a:avLst/>
+          </a:prstGeom>
+          <a:ln>
+            <a:solidFill>
+              <a:srgbClr val="3465a4"/>
+            </a:solidFill>
+          </a:ln>
+        </p:spPr>
+        <p:style>
+          <a:lnRef idx="0"/>
+          <a:fillRef idx="0"/>
+          <a:effectRef idx="0"/>
+          <a:fontRef idx="minor"/>
+        </p:style>
+      </p:sp>
+      <p:sp>
+        <p:nvSpPr>
+          <p:cNvPr id="252" name="CustomShape 7"/>
+          <p:cNvSpPr/>
+          <p:nvPr/>
+        </p:nvSpPr>
+        <p:spPr>
+          <a:xfrm>
+            <a:off x="1548000" y="576000"/>
+            <a:ext cx="2124000" cy="468000"/>
+          </a:xfrm>
+          <a:prstGeom prst="rect">
+            <a:avLst/>
+          </a:prstGeom>
+          <a:noFill/>
+          <a:ln>
+            <a:noFill/>
+          </a:ln>
+        </p:spPr>
+        <p:style>
+          <a:lnRef idx="0"/>
+          <a:fillRef idx="0"/>
+          <a:effectRef idx="0"/>
+          <a:fontRef idx="minor"/>
+        </p:style>
+        <p:txBody>
+          <a:bodyPr lIns="90000" rIns="90000" tIns="45000" bIns="45000">
+            <a:noAutofit/>
+          </a:bodyPr>
+          <a:p>
+            <a:pPr>
+              <a:lnSpc>
+                <a:spcPct val="100000"/>
+              </a:lnSpc>
+            </a:pPr>
+            <a:r>
+              <a:rPr b="0" lang="en-IN" sz="1800" spc="-1" strike="noStrike">
+                <a:solidFill>
+                  <a:srgbClr val="000000"/>
+                </a:solidFill>
+                <a:latin typeface="Arial"/>
+                <a:ea typeface="DejaVu Sans"/>
+              </a:rPr>
+              <a:t>STRONG ENTITY</a:t>
+            </a:r>
+            <a:endParaRPr b="0" lang="en-IN" sz="1800" spc="-1" strike="noStrike">
+              <a:latin typeface="Arial"/>
+            </a:endParaRPr>
+          </a:p>
+        </p:txBody>
+      </p:sp>
+      <p:sp>
+        <p:nvSpPr>
+          <p:cNvPr id="253" name="Line 8"/>
+          <p:cNvSpPr/>
+          <p:nvPr/>
+        </p:nvSpPr>
+        <p:spPr>
+          <a:xfrm>
+            <a:off x="5470560" y="1548000"/>
+            <a:ext cx="613440" cy="0"/>
+          </a:xfrm>
+          <a:prstGeom prst="line">
+            <a:avLst/>
+          </a:prstGeom>
+          <a:ln>
+            <a:solidFill>
+              <a:srgbClr val="3465a4"/>
+            </a:solidFill>
+          </a:ln>
+        </p:spPr>
+        <p:style>
+          <a:lnRef idx="0"/>
+          <a:fillRef idx="0"/>
+          <a:effectRef idx="0"/>
+          <a:fontRef idx="minor"/>
+        </p:style>
+      </p:sp>
+      <p:sp>
+        <p:nvSpPr>
+          <p:cNvPr id="254" name="Line 9"/>
+          <p:cNvSpPr/>
+          <p:nvPr/>
+        </p:nvSpPr>
+        <p:spPr>
+          <a:xfrm flipH="1">
+            <a:off x="3345840" y="1548000"/>
+            <a:ext cx="686160" cy="0"/>
+          </a:xfrm>
+          <a:prstGeom prst="line">
+            <a:avLst/>
+          </a:prstGeom>
+          <a:ln>
+            <a:solidFill>
+              <a:srgbClr val="3465a4"/>
+            </a:solidFill>
+            <a:tailEnd len="med" type="triangle" w="med"/>
+          </a:ln>
+        </p:spPr>
+        <p:style>
+          <a:lnRef idx="0"/>
+          <a:fillRef idx="0"/>
+          <a:effectRef idx="0"/>
+          <a:fontRef idx="minor"/>
+        </p:style>
+      </p:sp>
+      <p:sp>
+        <p:nvSpPr>
+          <p:cNvPr id="255" name="CustomShape 10"/>
+          <p:cNvSpPr/>
+          <p:nvPr/>
+        </p:nvSpPr>
+        <p:spPr>
+          <a:xfrm>
+            <a:off x="5760000" y="576000"/>
+            <a:ext cx="2124000" cy="468000"/>
+          </a:xfrm>
+          <a:prstGeom prst="rect">
+            <a:avLst/>
+          </a:prstGeom>
+          <a:noFill/>
+          <a:ln>
+            <a:noFill/>
+          </a:ln>
+        </p:spPr>
+        <p:style>
+          <a:lnRef idx="0"/>
+          <a:fillRef idx="0"/>
+          <a:effectRef idx="0"/>
+          <a:fontRef idx="minor"/>
+        </p:style>
+        <p:txBody>
+          <a:bodyPr lIns="90000" rIns="90000" tIns="45000" bIns="45000">
+            <a:noAutofit/>
+          </a:bodyPr>
+          <a:p>
+            <a:pPr>
+              <a:lnSpc>
+                <a:spcPct val="100000"/>
+              </a:lnSpc>
+            </a:pPr>
+            <a:r>
+              <a:rPr b="0" lang="en-IN" sz="1800" spc="-1" strike="noStrike">
+                <a:solidFill>
+                  <a:srgbClr val="000000"/>
+                </a:solidFill>
+                <a:latin typeface="Arial"/>
+                <a:ea typeface="DejaVu Sans"/>
+              </a:rPr>
+              <a:t>WEAK ENTITY</a:t>
+            </a:r>
+            <a:endParaRPr b="0" lang="en-IN" sz="1800" spc="-1" strike="noStrike">
+              <a:latin typeface="Arial"/>
+            </a:endParaRPr>
+          </a:p>
+        </p:txBody>
+      </p:sp>
+      <p:sp>
+        <p:nvSpPr>
+          <p:cNvPr id="256" name="CustomShape 11"/>
+          <p:cNvSpPr/>
+          <p:nvPr/>
+        </p:nvSpPr>
+        <p:spPr>
+          <a:xfrm>
+            <a:off x="216000" y="2376000"/>
+            <a:ext cx="2124000" cy="2592000"/>
+          </a:xfrm>
+          <a:prstGeom prst="rect">
+            <a:avLst/>
+          </a:prstGeom>
+          <a:noFill/>
+          <a:ln>
+            <a:noFill/>
+          </a:ln>
+        </p:spPr>
+        <p:style>
+          <a:lnRef idx="0"/>
+          <a:fillRef idx="0"/>
+          <a:effectRef idx="0"/>
+          <a:fontRef idx="minor"/>
+        </p:style>
+        <p:txBody>
+          <a:bodyPr lIns="90000" rIns="90000" tIns="45000" bIns="45000">
+            <a:noAutofit/>
+          </a:bodyPr>
+          <a:p>
+            <a:pPr>
+              <a:lnSpc>
+                <a:spcPct val="100000"/>
+              </a:lnSpc>
+            </a:pPr>
+            <a:r>
+              <a:rPr b="0" lang="en-IN" sz="1800" spc="-1" strike="noStrike">
+                <a:solidFill>
+                  <a:srgbClr val="000000"/>
+                </a:solidFill>
+                <a:latin typeface="Arial"/>
+                <a:ea typeface="DejaVu Sans"/>
+              </a:rPr>
+              <a:t>Here the realtion is  that a customer can have multiple accounts and if there is an account then there must be a customer associated to that account</a:t>
+            </a:r>
+            <a:endParaRPr b="0" lang="en-IN" sz="1800" spc="-1" strike="noStrike">
+              <a:latin typeface="Arial"/>
+            </a:endParaRPr>
+          </a:p>
+        </p:txBody>
+      </p:sp>
+      <p:graphicFrame>
+        <p:nvGraphicFramePr>
+          <p:cNvPr id="257" name="Table 12"/>
+          <p:cNvGraphicFramePr/>
+          <p:nvPr/>
+        </p:nvGraphicFramePr>
+        <p:xfrm>
+          <a:off x="2967840" y="3226680"/>
+          <a:ext cx="5075280" cy="2159280"/>
+        </p:xfrm>
+        <a:graphic>
+          <a:graphicData uri="http://schemas.openxmlformats.org/drawingml/2006/table">
+            <a:tbl>
+              <a:tblPr/>
+              <a:tblGrid>
+                <a:gridCol w="1027440"/>
+                <a:gridCol w="982080"/>
+                <a:gridCol w="863280"/>
+              </a:tblGrid>
+              <a:tr h="343080">
+                <a:tc>
+                  <a:tcPr marL="90000" marR="90000">
+                    <a:lnL w="720">
+                      <a:solidFill>
+                        <a:srgbClr val="ffffff"/>
+                      </a:solidFill>
+                    </a:lnL>
+                    <a:lnR w="720">
+                      <a:solidFill>
+                        <a:srgbClr val="ffffff"/>
+                      </a:solidFill>
+                    </a:lnR>
+                    <a:lnT w="720">
+                      <a:solidFill>
+                        <a:srgbClr val="ffffff"/>
+                      </a:solidFill>
+                    </a:lnT>
+                    <a:lnB w="720">
+                      <a:solidFill>
+                        <a:srgbClr val="ffffff"/>
+                      </a:solidFill>
+                    </a:lnB>
+                    <a:solidFill>
+                      <a:srgbClr val="b3b3b3"/>
+                    </a:solidFill>
+                  </a:tcPr>
+                </a:tc>
+                <a:tc>
+                  <a:tcPr marL="90000" marR="90000">
+                    <a:lnL w="720">
+                      <a:solidFill>
+                        <a:srgbClr val="ffffff"/>
+                      </a:solidFill>
+                    </a:lnL>
+                    <a:lnR w="720">
+                      <a:solidFill>
+                        <a:srgbClr val="ffffff"/>
+                      </a:solidFill>
+                    </a:lnR>
+                    <a:lnT w="720">
+                      <a:solidFill>
+                        <a:srgbClr val="ffffff"/>
+                      </a:solidFill>
+                    </a:lnT>
+                    <a:lnB w="720">
+                      <a:solidFill>
+                        <a:srgbClr val="ffffff"/>
+                      </a:solidFill>
+                    </a:lnB>
+                    <a:solidFill>
+                      <a:srgbClr val="b3b3b3"/>
+                    </a:solidFill>
+                  </a:tcPr>
+                </a:tc>
+                <a:tc>
+                  <a:tcPr marL="90000" marR="90000">
+                    <a:lnL w="720">
+                      <a:solidFill>
+                        <a:srgbClr val="ffffff"/>
+                      </a:solidFill>
+                    </a:lnL>
+                    <a:lnR w="720">
+                      <a:solidFill>
+                        <a:srgbClr val="ffffff"/>
+                      </a:solidFill>
+                    </a:lnR>
+                    <a:lnT w="720">
+                      <a:solidFill>
+                        <a:srgbClr val="ffffff"/>
+                      </a:solidFill>
+                    </a:lnT>
+                    <a:lnB w="720">
+                      <a:solidFill>
+                        <a:srgbClr val="ffffff"/>
+                      </a:solidFill>
+                    </a:lnB>
+                    <a:solidFill>
+                      <a:srgbClr val="b3b3b3"/>
+                    </a:solidFill>
+                  </a:tcPr>
+                </a:tc>
+              </a:tr>
+              <a:tr h="380160">
+                <a:tc>
+                  <a:tcPr marL="90000" marR="90000">
+                    <a:lnL w="720">
+                      <a:solidFill>
+                        <a:srgbClr val="ffffff"/>
+                      </a:solidFill>
+                    </a:lnL>
+                    <a:lnR w="720">
+                      <a:solidFill>
+                        <a:srgbClr val="ffffff"/>
+                      </a:solidFill>
+                    </a:lnR>
+                    <a:lnT w="720">
+                      <a:solidFill>
+                        <a:srgbClr val="ffffff"/>
+                      </a:solidFill>
+                    </a:lnT>
+                    <a:lnB w="720">
+                      <a:solidFill>
+                        <a:srgbClr val="ffffff"/>
+                      </a:solidFill>
+                    </a:lnB>
+                    <a:solidFill>
+                      <a:srgbClr val="cccccc"/>
+                    </a:solidFill>
+                  </a:tcPr>
+                </a:tc>
+                <a:tc>
+                  <a:tcPr marL="90000" marR="90000">
+                    <a:lnL w="720">
+                      <a:solidFill>
+                        <a:srgbClr val="ffffff"/>
+                      </a:solidFill>
+                    </a:lnL>
+                    <a:lnR w="720">
+                      <a:solidFill>
+                        <a:srgbClr val="ffffff"/>
+                      </a:solidFill>
+                    </a:lnR>
+                    <a:lnT w="720">
+                      <a:solidFill>
+                        <a:srgbClr val="ffffff"/>
+                      </a:solidFill>
+                    </a:lnT>
+                    <a:lnB w="720">
+                      <a:solidFill>
+                        <a:srgbClr val="ffffff"/>
+                      </a:solidFill>
+                    </a:lnB>
+                    <a:solidFill>
+                      <a:srgbClr val="cccccc"/>
+                    </a:solidFill>
+                  </a:tcPr>
+                </a:tc>
+                <a:tc>
+                  <a:tcPr marL="90000" marR="90000">
+                    <a:lnL w="720">
+                      <a:solidFill>
+                        <a:srgbClr val="ffffff"/>
+                      </a:solidFill>
+                    </a:lnL>
+                    <a:lnR w="720">
+                      <a:solidFill>
+                        <a:srgbClr val="ffffff"/>
+                      </a:solidFill>
+                    </a:lnR>
+                    <a:lnT w="720">
+                      <a:solidFill>
+                        <a:srgbClr val="ffffff"/>
+                      </a:solidFill>
+                    </a:lnT>
+                    <a:lnB w="720">
+                      <a:solidFill>
+                        <a:srgbClr val="ffffff"/>
+                      </a:solidFill>
+                    </a:lnB>
+                    <a:solidFill>
+                      <a:srgbClr val="cccccc"/>
+                    </a:solidFill>
+                  </a:tcPr>
+                </a:tc>
+              </a:tr>
+              <a:tr h="431640">
+                <a:tc>
+                  <a:tcPr marL="90000" marR="90000">
+                    <a:lnL w="720">
+                      <a:solidFill>
+                        <a:srgbClr val="ffffff"/>
+                      </a:solidFill>
+                    </a:lnL>
+                    <a:lnR w="720">
+                      <a:solidFill>
+                        <a:srgbClr val="ffffff"/>
+                      </a:solidFill>
+                    </a:lnR>
+                    <a:lnT w="720">
+                      <a:solidFill>
+                        <a:srgbClr val="ffffff"/>
+                      </a:solidFill>
+                    </a:lnT>
+                    <a:lnB w="720">
+                      <a:solidFill>
+                        <a:srgbClr val="ffffff"/>
+                      </a:solidFill>
+                    </a:lnB>
+                    <a:solidFill>
+                      <a:srgbClr val="e6e6e6"/>
+                    </a:solidFill>
+                  </a:tcPr>
+                </a:tc>
+                <a:tc>
+                  <a:tcPr marL="90000" marR="90000">
+                    <a:lnL w="720">
+                      <a:solidFill>
+                        <a:srgbClr val="ffffff"/>
+                      </a:solidFill>
+                    </a:lnL>
+                    <a:lnR w="720">
+                      <a:solidFill>
+                        <a:srgbClr val="ffffff"/>
+                      </a:solidFill>
+                    </a:lnR>
+                    <a:lnT w="720">
+                      <a:solidFill>
+                        <a:srgbClr val="ffffff"/>
+                      </a:solidFill>
+                    </a:lnT>
+                    <a:lnB w="720">
+                      <a:solidFill>
+                        <a:srgbClr val="ffffff"/>
+                      </a:solidFill>
+                    </a:lnB>
+                    <a:solidFill>
+                      <a:srgbClr val="e6e6e6"/>
+                    </a:solidFill>
+                  </a:tcPr>
+                </a:tc>
+                <a:tc>
+                  <a:tcPr marL="90000" marR="90000">
+                    <a:lnL w="720">
+                      <a:solidFill>
+                        <a:srgbClr val="ffffff"/>
+                      </a:solidFill>
+                    </a:lnL>
+                    <a:lnR w="720">
+                      <a:solidFill>
+                        <a:srgbClr val="ffffff"/>
+                      </a:solidFill>
+                    </a:lnR>
+                    <a:lnT w="720">
+                      <a:solidFill>
+                        <a:srgbClr val="ffffff"/>
+                      </a:solidFill>
+                    </a:lnT>
+                    <a:lnB w="720">
+                      <a:solidFill>
+                        <a:srgbClr val="ffffff"/>
+                      </a:solidFill>
+                    </a:lnB>
+                    <a:solidFill>
+                      <a:srgbClr val="e6e6e6"/>
+                    </a:solidFill>
+                  </a:tcPr>
+                </a:tc>
+              </a:tr>
+            </a:tbl>
+          </a:graphicData>
+        </a:graphic>
+      </p:graphicFrame>
+      <p:graphicFrame>
+        <p:nvGraphicFramePr>
+          <p:cNvPr id="258" name="Table 13"/>
+          <p:cNvGraphicFramePr/>
+          <p:nvPr/>
+        </p:nvGraphicFramePr>
+        <p:xfrm>
+          <a:off x="6654600" y="3214800"/>
+          <a:ext cx="5075280" cy="2159280"/>
+        </p:xfrm>
+        <a:graphic>
+          <a:graphicData uri="http://schemas.openxmlformats.org/drawingml/2006/table">
+            <a:tbl>
+              <a:tblPr/>
+              <a:tblGrid>
+                <a:gridCol w="744480"/>
+                <a:gridCol w="803880"/>
+                <a:gridCol w="803520"/>
+              </a:tblGrid>
+              <a:tr h="410400">
+                <a:tc>
+                  <a:tcPr marL="90000" marR="90000">
+                    <a:lnL w="720">
+                      <a:solidFill>
+                        <a:srgbClr val="ffffff"/>
+                      </a:solidFill>
+                    </a:lnL>
+                    <a:lnR w="720">
+                      <a:solidFill>
+                        <a:srgbClr val="ffffff"/>
+                      </a:solidFill>
+                    </a:lnR>
+                    <a:lnT w="720">
+                      <a:solidFill>
+                        <a:srgbClr val="ffffff"/>
+                      </a:solidFill>
+                    </a:lnT>
+                    <a:lnB w="720">
+                      <a:solidFill>
+                        <a:srgbClr val="ffffff"/>
+                      </a:solidFill>
+                    </a:lnB>
+                    <a:solidFill>
+                      <a:srgbClr val="b3b3b3"/>
+                    </a:solidFill>
+                  </a:tcPr>
+                </a:tc>
+                <a:tc>
+                  <a:tcPr marL="90000" marR="90000">
+                    <a:lnL w="720">
+                      <a:solidFill>
+                        <a:srgbClr val="ffffff"/>
+                      </a:solidFill>
+                    </a:lnL>
+                    <a:lnR w="720">
+                      <a:solidFill>
+                        <a:srgbClr val="ffffff"/>
+                      </a:solidFill>
+                    </a:lnR>
+                    <a:lnT w="720">
+                      <a:solidFill>
+                        <a:srgbClr val="ffffff"/>
+                      </a:solidFill>
+                    </a:lnT>
+                    <a:lnB w="720">
+                      <a:solidFill>
+                        <a:srgbClr val="ffffff"/>
+                      </a:solidFill>
+                    </a:lnB>
+                    <a:solidFill>
+                      <a:srgbClr val="b3b3b3"/>
+                    </a:solidFill>
+                  </a:tcPr>
+                </a:tc>
+                <a:tc>
+                  <a:tcPr marL="90000" marR="90000">
+                    <a:lnL w="720">
+                      <a:solidFill>
+                        <a:srgbClr val="ffffff"/>
+                      </a:solidFill>
+                    </a:lnL>
+                    <a:lnR w="720">
+                      <a:solidFill>
+                        <a:srgbClr val="ffffff"/>
+                      </a:solidFill>
+                    </a:lnR>
+                    <a:lnT w="720">
+                      <a:solidFill>
+                        <a:srgbClr val="ffffff"/>
+                      </a:solidFill>
+                    </a:lnT>
+                    <a:lnB w="720">
+                      <a:solidFill>
+                        <a:srgbClr val="ffffff"/>
+                      </a:solidFill>
+                    </a:lnB>
+                    <a:solidFill>
+                      <a:srgbClr val="b3b3b3"/>
+                    </a:solidFill>
+                  </a:tcPr>
+                </a:tc>
+              </a:tr>
+              <a:tr h="360360">
+                <a:tc>
+                  <a:tcPr marL="90000" marR="90000">
+                    <a:lnL w="720">
+                      <a:solidFill>
+                        <a:srgbClr val="ffffff"/>
+                      </a:solidFill>
+                    </a:lnL>
+                    <a:lnR w="720">
+                      <a:solidFill>
+                        <a:srgbClr val="ffffff"/>
+                      </a:solidFill>
+                    </a:lnR>
+                    <a:lnT w="720">
+                      <a:solidFill>
+                        <a:srgbClr val="ffffff"/>
+                      </a:solidFill>
+                    </a:lnT>
+                    <a:lnB w="720">
+                      <a:solidFill>
+                        <a:srgbClr val="ffffff"/>
+                      </a:solidFill>
+                    </a:lnB>
+                    <a:solidFill>
+                      <a:srgbClr val="cccccc"/>
+                    </a:solidFill>
+                  </a:tcPr>
+                </a:tc>
+                <a:tc>
+                  <a:tcPr marL="90000" marR="90000">
+                    <a:lnL w="720">
+                      <a:solidFill>
+                        <a:srgbClr val="ffffff"/>
+                      </a:solidFill>
+                    </a:lnL>
+                    <a:lnR w="720">
+                      <a:solidFill>
+                        <a:srgbClr val="ffffff"/>
+                      </a:solidFill>
+                    </a:lnR>
+                    <a:lnT w="720">
+                      <a:solidFill>
+                        <a:srgbClr val="ffffff"/>
+                      </a:solidFill>
+                    </a:lnT>
+                    <a:lnB w="720">
+                      <a:solidFill>
+                        <a:srgbClr val="ffffff"/>
+                      </a:solidFill>
+                    </a:lnB>
+                    <a:solidFill>
+                      <a:srgbClr val="cccccc"/>
+                    </a:solidFill>
+                  </a:tcPr>
+                </a:tc>
+                <a:tc>
+                  <a:tcPr marL="90000" marR="90000">
+                    <a:lnL w="720">
+                      <a:solidFill>
+                        <a:srgbClr val="ffffff"/>
+                      </a:solidFill>
+                    </a:lnL>
+                    <a:lnR w="720">
+                      <a:solidFill>
+                        <a:srgbClr val="ffffff"/>
+                      </a:solidFill>
+                    </a:lnR>
+                    <a:lnT w="720">
+                      <a:solidFill>
+                        <a:srgbClr val="ffffff"/>
+                      </a:solidFill>
+                    </a:lnT>
+                    <a:lnB w="720">
+                      <a:solidFill>
+                        <a:srgbClr val="ffffff"/>
+                      </a:solidFill>
+                    </a:lnB>
+                    <a:solidFill>
+                      <a:srgbClr val="cccccc"/>
+                    </a:solidFill>
+                  </a:tcPr>
+                </a:tc>
+              </a:tr>
+              <a:tr h="353880">
+                <a:tc>
+                  <a:tcPr marL="90000" marR="90000">
+                    <a:lnL w="720">
+                      <a:solidFill>
+                        <a:srgbClr val="ffffff"/>
+                      </a:solidFill>
+                    </a:lnL>
+                    <a:lnR w="720">
+                      <a:solidFill>
+                        <a:srgbClr val="ffffff"/>
+                      </a:solidFill>
+                    </a:lnR>
+                    <a:lnT w="720">
+                      <a:solidFill>
+                        <a:srgbClr val="ffffff"/>
+                      </a:solidFill>
+                    </a:lnT>
+                    <a:lnB w="720">
+                      <a:solidFill>
+                        <a:srgbClr val="ffffff"/>
+                      </a:solidFill>
+                    </a:lnB>
+                    <a:solidFill>
+                      <a:srgbClr val="e6e6e6"/>
+                    </a:solidFill>
+                  </a:tcPr>
+                </a:tc>
+                <a:tc>
+                  <a:tcPr marL="90000" marR="90000">
+                    <a:lnL w="720">
+                      <a:solidFill>
+                        <a:srgbClr val="ffffff"/>
+                      </a:solidFill>
+                    </a:lnL>
+                    <a:lnR w="720">
+                      <a:solidFill>
+                        <a:srgbClr val="ffffff"/>
+                      </a:solidFill>
+                    </a:lnR>
+                    <a:lnT w="720">
+                      <a:solidFill>
+                        <a:srgbClr val="ffffff"/>
+                      </a:solidFill>
+                    </a:lnT>
+                    <a:lnB w="720">
+                      <a:solidFill>
+                        <a:srgbClr val="ffffff"/>
+                      </a:solidFill>
+                    </a:lnB>
+                    <a:solidFill>
+                      <a:srgbClr val="e6e6e6"/>
+                    </a:solidFill>
+                  </a:tcPr>
+                </a:tc>
+                <a:tc>
+                  <a:tcPr marL="90000" marR="90000">
+                    <a:lnL w="720">
+                      <a:solidFill>
+                        <a:srgbClr val="ffffff"/>
+                      </a:solidFill>
+                    </a:lnL>
+                    <a:lnR w="720">
+                      <a:solidFill>
+                        <a:srgbClr val="ffffff"/>
+                      </a:solidFill>
+                    </a:lnR>
+                    <a:lnT w="720">
+                      <a:solidFill>
+                        <a:srgbClr val="ffffff"/>
+                      </a:solidFill>
+                    </a:lnT>
+                    <a:lnB w="720">
+                      <a:solidFill>
+                        <a:srgbClr val="ffffff"/>
+                      </a:solidFill>
+                    </a:lnB>
+                    <a:solidFill>
+                      <a:srgbClr val="e6e6e6"/>
+                    </a:solidFill>
+                  </a:tcPr>
+                </a:tc>
+              </a:tr>
+            </a:tbl>
+          </a:graphicData>
+        </a:graphic>
+      </p:graphicFrame>
+      <p:sp>
+        <p:nvSpPr>
+          <p:cNvPr id="259" name="Line 14"/>
+          <p:cNvSpPr/>
+          <p:nvPr/>
+        </p:nvSpPr>
+        <p:spPr>
+          <a:xfrm>
+            <a:off x="2736000" y="2088000"/>
+            <a:ext cx="576000" cy="1008000"/>
+          </a:xfrm>
+          <a:prstGeom prst="line">
+            <a:avLst/>
+          </a:prstGeom>
+          <a:ln>
+            <a:solidFill>
+              <a:srgbClr val="3465a4"/>
+            </a:solidFill>
+            <a:tailEnd len="med" type="triangle" w="med"/>
+          </a:ln>
+        </p:spPr>
+        <p:style>
+          <a:lnRef idx="0"/>
+          <a:fillRef idx="0"/>
+          <a:effectRef idx="0"/>
+          <a:fontRef idx="minor"/>
+        </p:style>
+      </p:sp>
+      <p:sp>
+        <p:nvSpPr>
+          <p:cNvPr id="260" name="Line 15"/>
+          <p:cNvSpPr/>
+          <p:nvPr/>
+        </p:nvSpPr>
+        <p:spPr>
+          <a:xfrm>
+            <a:off x="5040000" y="2304000"/>
+            <a:ext cx="1728000" cy="720000"/>
+          </a:xfrm>
+          <a:prstGeom prst="line">
+            <a:avLst/>
+          </a:prstGeom>
+          <a:ln>
+            <a:solidFill>
+              <a:srgbClr val="3465a4"/>
+            </a:solidFill>
+            <a:tailEnd len="med" type="triangle" w="med"/>
+          </a:ln>
+        </p:spPr>
+        <p:style>
+          <a:lnRef idx="0"/>
+          <a:fillRef idx="0"/>
+          <a:effectRef idx="0"/>
+          <a:fontRef idx="minor"/>
+        </p:style>
+      </p:sp>
+      <p:sp>
+        <p:nvSpPr>
+          <p:cNvPr id="261" name="Line 16"/>
+          <p:cNvSpPr/>
+          <p:nvPr/>
+        </p:nvSpPr>
+        <p:spPr>
+          <a:xfrm>
+            <a:off x="6696000" y="2232000"/>
+            <a:ext cx="72000" cy="792000"/>
+          </a:xfrm>
+          <a:prstGeom prst="line">
+            <a:avLst/>
+          </a:prstGeom>
+          <a:ln>
+            <a:solidFill>
+              <a:srgbClr val="3465a4"/>
+            </a:solidFill>
+            <a:tailEnd len="med" type="triangle" w="med"/>
+          </a:ln>
+        </p:spPr>
+        <p:style>
+          <a:lnRef idx="0"/>
+          <a:fillRef idx="0"/>
+          <a:effectRef idx="0"/>
+          <a:fontRef idx="minor"/>
+        </p:style>
+      </p:sp>
+    </p:spTree>
+  </p:cSld>
+  <mc:AlternateContent>
+    <mc:Choice Requires="p14">
+      <p:transition spd="slow" p14:dur="2000"/>
+    </mc:Choice>
+    <mc:Fallback>
+      <p:transition spd="slow"/>
+    </mc:Fallback>
+  </mc:AlternateContent>
+</p:sld>
+</file>
+
+<file path=ppt/slides/slide13.xml><?xml version="1.0" encoding="utf-8"?>
+<p:sld xmlns:a="http://schemas.openxmlformats.org/drawingml/2006/main" xmlns:p="http://schemas.openxmlformats.org/presentationml/2006/main" xmlns:r="http://schemas.openxmlformats.org/officeDocument/2006/relationships" xmlns:p14="http://schemas.microsoft.com/office/powerpoint/2010/main" xmlns:p15="http://schemas.microsoft.com/office/powerpoint/2012/main" xmlns:mc="http://schemas.openxmlformats.org/markup-compatibility/2006">
+  <p:cSld>
+    <p:spTree>
+      <p:nvGrpSpPr>
+        <p:cNvPr id="1" name=""/>
+        <p:cNvGrpSpPr/>
+        <p:nvPr/>
+      </p:nvGrpSpPr>
+      <p:grpSpPr>
+        <a:xfrm>
+          <a:off x="0" y="0"/>
+          <a:ext cx="0" cy="0"/>
+          <a:chOff x="0" y="0"/>
+          <a:chExt cx="0" cy="0"/>
+        </a:xfrm>
+      </p:grpSpPr>
+      <p:sp>
+        <p:nvSpPr>
+          <p:cNvPr id="262" name="CustomShape 1"/>
+          <p:cNvSpPr/>
+          <p:nvPr/>
+        </p:nvSpPr>
+        <p:spPr>
+          <a:xfrm>
+            <a:off x="1945800" y="3636000"/>
+            <a:ext cx="1437840" cy="789840"/>
+          </a:xfrm>
+          <a:prstGeom prst="rect">
+            <a:avLst/>
+          </a:prstGeom>
+          <a:solidFill>
+            <a:srgbClr val="729fcf"/>
+          </a:solidFill>
+          <a:ln>
+            <a:solidFill>
+              <a:srgbClr val="3465a4"/>
+            </a:solidFill>
+          </a:ln>
+        </p:spPr>
+        <p:style>
+          <a:lnRef idx="0"/>
+          <a:fillRef idx="0"/>
+          <a:effectRef idx="0"/>
+          <a:fontRef idx="minor"/>
+        </p:style>
+        <p:txBody>
+          <a:bodyPr wrap="none" lIns="90000" rIns="90000" tIns="45000" bIns="45000" anchor="ctr">
+            <a:noAutofit/>
+          </a:bodyPr>
+          <a:p>
+            <a:pPr algn="ctr">
+              <a:lnSpc>
+                <a:spcPct val="100000"/>
+              </a:lnSpc>
+            </a:pPr>
+            <a:r>
+              <a:rPr b="0" lang="en-IN" sz="1800" spc="-1" strike="noStrike">
+                <a:solidFill>
+                  <a:srgbClr val="000000"/>
+                </a:solidFill>
+                <a:latin typeface="Arial"/>
+                <a:ea typeface="DejaVu Sans"/>
+              </a:rPr>
+              <a:t>RESERVED</a:t>
+            </a:r>
+            <a:endParaRPr b="0" lang="en-IN" sz="1800" spc="-1" strike="noStrike">
+              <a:latin typeface="Arial"/>
+            </a:endParaRPr>
+          </a:p>
+          <a:p>
+            <a:pPr algn="ctr">
+              <a:lnSpc>
+                <a:spcPct val="100000"/>
+              </a:lnSpc>
+            </a:pPr>
+            <a:r>
+              <a:rPr b="0" lang="en-IN" sz="1800" spc="-1" strike="noStrike">
+                <a:solidFill>
+                  <a:srgbClr val="000000"/>
+                </a:solidFill>
+                <a:latin typeface="Arial"/>
+                <a:ea typeface="DejaVu Sans"/>
+              </a:rPr>
+              <a:t>TICKET</a:t>
+            </a:r>
+            <a:endParaRPr b="0" lang="en-IN" sz="1800" spc="-1" strike="noStrike">
+              <a:latin typeface="Arial"/>
+            </a:endParaRPr>
+          </a:p>
+        </p:txBody>
+      </p:sp>
+      <p:sp>
+        <p:nvSpPr>
+          <p:cNvPr id="263" name="CustomShape 2"/>
+          <p:cNvSpPr/>
+          <p:nvPr/>
+        </p:nvSpPr>
+        <p:spPr>
+          <a:xfrm>
+            <a:off x="6300000" y="3673800"/>
+            <a:ext cx="1437840" cy="789840"/>
+          </a:xfrm>
+          <a:prstGeom prst="rect">
+            <a:avLst/>
+          </a:prstGeom>
+          <a:solidFill>
+            <a:srgbClr val="729fcf"/>
+          </a:solidFill>
+          <a:ln>
+            <a:solidFill>
+              <a:srgbClr val="3465a4"/>
+            </a:solidFill>
+          </a:ln>
+        </p:spPr>
+        <p:style>
+          <a:lnRef idx="0"/>
+          <a:fillRef idx="0"/>
+          <a:effectRef idx="0"/>
+          <a:fontRef idx="minor"/>
+        </p:style>
+        <p:txBody>
+          <a:bodyPr wrap="none" lIns="90000" rIns="90000" tIns="45000" bIns="45000" anchor="ctr">
+            <a:noAutofit/>
+          </a:bodyPr>
+          <a:p>
+            <a:pPr algn="ctr">
+              <a:lnSpc>
+                <a:spcPct val="100000"/>
+              </a:lnSpc>
+            </a:pPr>
+            <a:r>
+              <a:rPr b="0" lang="en-IN" sz="1800" spc="-1" strike="noStrike">
+                <a:solidFill>
+                  <a:srgbClr val="000000"/>
+                </a:solidFill>
+                <a:latin typeface="Arial"/>
+                <a:ea typeface="DejaVu Sans"/>
+              </a:rPr>
+              <a:t>UNRES..</a:t>
+            </a:r>
+            <a:endParaRPr b="0" lang="en-IN" sz="1800" spc="-1" strike="noStrike">
+              <a:latin typeface="Arial"/>
+            </a:endParaRPr>
+          </a:p>
+          <a:p>
+            <a:pPr algn="ctr">
+              <a:lnSpc>
+                <a:spcPct val="100000"/>
+              </a:lnSpc>
+            </a:pPr>
+            <a:r>
+              <a:rPr b="0" lang="en-IN" sz="1800" spc="-1" strike="noStrike">
+                <a:solidFill>
+                  <a:srgbClr val="000000"/>
+                </a:solidFill>
+                <a:latin typeface="Arial"/>
+                <a:ea typeface="DejaVu Sans"/>
+              </a:rPr>
+              <a:t>TICKET</a:t>
+            </a:r>
+            <a:endParaRPr b="0" lang="en-IN" sz="1800" spc="-1" strike="noStrike">
+              <a:latin typeface="Arial"/>
+            </a:endParaRPr>
+          </a:p>
+        </p:txBody>
+      </p:sp>
+      <p:sp>
+        <p:nvSpPr>
+          <p:cNvPr id="264" name="Line 3"/>
+          <p:cNvSpPr/>
+          <p:nvPr/>
+        </p:nvSpPr>
+        <p:spPr>
+          <a:xfrm>
+            <a:off x="0" y="0"/>
+            <a:ext cx="360" cy="360"/>
+          </a:xfrm>
+          <a:prstGeom prst="line">
+            <a:avLst/>
+          </a:prstGeom>
+          <a:ln>
+            <a:solidFill>
+              <a:srgbClr val="3465a4"/>
+            </a:solidFill>
+          </a:ln>
+        </p:spPr>
+        <p:style>
+          <a:lnRef idx="0"/>
+          <a:fillRef idx="0"/>
+          <a:effectRef idx="0"/>
+          <a:fontRef idx="minor"/>
+        </p:style>
+      </p:sp>
+      <p:sp>
+        <p:nvSpPr>
+          <p:cNvPr id="265" name="Line 4"/>
+          <p:cNvSpPr/>
+          <p:nvPr/>
+        </p:nvSpPr>
+        <p:spPr>
+          <a:xfrm>
+            <a:off x="0" y="0"/>
+            <a:ext cx="360" cy="360"/>
+          </a:xfrm>
+          <a:prstGeom prst="line">
+            <a:avLst/>
+          </a:prstGeom>
+          <a:ln>
+            <a:solidFill>
+              <a:srgbClr val="3465a4"/>
+            </a:solidFill>
+          </a:ln>
+        </p:spPr>
+        <p:style>
+          <a:lnRef idx="0"/>
+          <a:fillRef idx="0"/>
+          <a:effectRef idx="0"/>
+          <a:fontRef idx="minor"/>
+        </p:style>
+      </p:sp>
+      <p:sp>
+        <p:nvSpPr>
+          <p:cNvPr id="266" name="CustomShape 5"/>
+          <p:cNvSpPr/>
+          <p:nvPr/>
+        </p:nvSpPr>
+        <p:spPr>
+          <a:xfrm>
+            <a:off x="1764000" y="4860000"/>
+            <a:ext cx="7126560" cy="600840"/>
+          </a:xfrm>
+          <a:prstGeom prst="rect">
+            <a:avLst/>
+          </a:prstGeom>
+          <a:noFill/>
+          <a:ln>
+            <a:noFill/>
+          </a:ln>
+        </p:spPr>
+        <p:style>
+          <a:lnRef idx="0"/>
+          <a:fillRef idx="0"/>
+          <a:effectRef idx="0"/>
+          <a:fontRef idx="minor"/>
+        </p:style>
+      </p:sp>
+      <p:sp>
+        <p:nvSpPr>
+          <p:cNvPr id="267" name="CustomShape 6"/>
+          <p:cNvSpPr/>
+          <p:nvPr/>
+        </p:nvSpPr>
+        <p:spPr>
+          <a:xfrm>
+            <a:off x="4140000" y="1080000"/>
+            <a:ext cx="1437840" cy="789840"/>
+          </a:xfrm>
+          <a:prstGeom prst="rect">
+            <a:avLst/>
+          </a:prstGeom>
+          <a:solidFill>
+            <a:srgbClr val="729fcf"/>
+          </a:solidFill>
+          <a:ln>
+            <a:solidFill>
+              <a:srgbClr val="3465a4"/>
+            </a:solidFill>
+          </a:ln>
+        </p:spPr>
+        <p:style>
+          <a:lnRef idx="0"/>
+          <a:fillRef idx="0"/>
+          <a:effectRef idx="0"/>
+          <a:fontRef idx="minor"/>
+        </p:style>
+        <p:txBody>
+          <a:bodyPr wrap="none" lIns="90000" rIns="90000" tIns="45000" bIns="45000" anchor="ctr">
+            <a:noAutofit/>
+          </a:bodyPr>
+          <a:p>
+            <a:pPr algn="ctr">
+              <a:lnSpc>
+                <a:spcPct val="100000"/>
+              </a:lnSpc>
+            </a:pPr>
+            <a:r>
+              <a:rPr b="0" lang="en-IN" sz="1800" spc="-1" strike="noStrike">
+                <a:solidFill>
+                  <a:srgbClr val="000000"/>
+                </a:solidFill>
+                <a:latin typeface="Arial"/>
+                <a:ea typeface="DejaVu Sans"/>
+              </a:rPr>
+              <a:t>TICKET</a:t>
+            </a:r>
+            <a:endParaRPr b="0" lang="en-IN" sz="1800" spc="-1" strike="noStrike">
+              <a:latin typeface="Arial"/>
+            </a:endParaRPr>
+          </a:p>
+        </p:txBody>
+      </p:sp>
+      <p:sp>
+        <p:nvSpPr>
+          <p:cNvPr id="268" name="CustomShape 7"/>
+          <p:cNvSpPr/>
+          <p:nvPr/>
+        </p:nvSpPr>
+        <p:spPr>
+          <a:xfrm>
+            <a:off x="4392000" y="2267640"/>
+            <a:ext cx="935640" cy="1007640"/>
+          </a:xfrm>
+          <a:custGeom>
+            <a:avLst/>
+            <a:gdLst/>
+            <a:ahLst/>
+            <a:rect l="l" t="t" r="r" b="b"/>
+            <a:pathLst>
+              <a:path w="2602" h="2802">
+                <a:moveTo>
+                  <a:pt x="1300" y="2801"/>
+                </a:moveTo>
+                <a:lnTo>
+                  <a:pt x="2601" y="0"/>
+                </a:lnTo>
+                <a:lnTo>
+                  <a:pt x="0" y="0"/>
+                </a:lnTo>
+                <a:lnTo>
+                  <a:pt x="1300" y="2801"/>
+                </a:lnTo>
+              </a:path>
+            </a:pathLst>
+          </a:custGeom>
+          <a:solidFill>
+            <a:srgbClr val="729fcf"/>
+          </a:solidFill>
+          <a:ln>
+            <a:solidFill>
+              <a:srgbClr val="3465a4"/>
+            </a:solidFill>
+          </a:ln>
+        </p:spPr>
+        <p:style>
+          <a:lnRef idx="0"/>
+          <a:fillRef idx="0"/>
+          <a:effectRef idx="0"/>
+          <a:fontRef idx="minor"/>
+        </p:style>
+      </p:sp>
+      <p:sp>
+        <p:nvSpPr>
+          <p:cNvPr id="269" name="CustomShape 8"/>
+          <p:cNvSpPr/>
+          <p:nvPr/>
+        </p:nvSpPr>
+        <p:spPr>
+          <a:xfrm>
+            <a:off x="4572000" y="2304000"/>
+            <a:ext cx="647640" cy="345960"/>
+          </a:xfrm>
+          <a:prstGeom prst="rect">
+            <a:avLst/>
+          </a:prstGeom>
+          <a:noFill/>
+          <a:ln>
+            <a:noFill/>
+          </a:ln>
+        </p:spPr>
+        <p:style>
+          <a:lnRef idx="0"/>
+          <a:fillRef idx="0"/>
+          <a:effectRef idx="0"/>
+          <a:fontRef idx="minor"/>
+        </p:style>
+        <p:txBody>
+          <a:bodyPr lIns="90000" rIns="90000" tIns="45000" bIns="45000">
+            <a:noAutofit/>
+          </a:bodyPr>
+          <a:p>
+            <a:pPr>
+              <a:lnSpc>
+                <a:spcPct val="100000"/>
+              </a:lnSpc>
+            </a:pPr>
+            <a:r>
+              <a:rPr b="0" lang="en-IN" sz="1800" spc="-1" strike="noStrike">
+                <a:latin typeface="Arial"/>
+              </a:rPr>
+              <a:t>IS A</a:t>
+            </a:r>
+            <a:endParaRPr b="0" lang="en-IN" sz="1800" spc="-1" strike="noStrike">
+              <a:latin typeface="Arial"/>
+            </a:endParaRPr>
+          </a:p>
+        </p:txBody>
+      </p:sp>
+      <p:sp>
+        <p:nvSpPr>
+          <p:cNvPr id="270" name="Line 9"/>
+          <p:cNvSpPr/>
+          <p:nvPr/>
+        </p:nvSpPr>
+        <p:spPr>
+          <a:xfrm flipH="1">
+            <a:off x="3384000" y="2772000"/>
+            <a:ext cx="1224000" cy="864000"/>
+          </a:xfrm>
+          <a:prstGeom prst="line">
+            <a:avLst/>
+          </a:prstGeom>
+          <a:ln>
+            <a:solidFill>
+              <a:srgbClr val="3465a4"/>
+            </a:solidFill>
+          </a:ln>
+        </p:spPr>
+        <p:style>
+          <a:lnRef idx="0"/>
+          <a:fillRef idx="0"/>
+          <a:effectRef idx="0"/>
+          <a:fontRef idx="minor"/>
+        </p:style>
+      </p:sp>
+      <p:sp>
+        <p:nvSpPr>
+          <p:cNvPr id="271" name="Line 10"/>
+          <p:cNvSpPr/>
+          <p:nvPr/>
+        </p:nvSpPr>
+        <p:spPr>
+          <a:xfrm>
+            <a:off x="5112000" y="2772000"/>
+            <a:ext cx="1188000" cy="901800"/>
+          </a:xfrm>
+          <a:prstGeom prst="line">
+            <a:avLst/>
+          </a:prstGeom>
+          <a:ln>
+            <a:solidFill>
+              <a:srgbClr val="3465a4"/>
+            </a:solidFill>
+          </a:ln>
+        </p:spPr>
+        <p:style>
+          <a:lnRef idx="0"/>
+          <a:fillRef idx="0"/>
+          <a:effectRef idx="0"/>
+          <a:fontRef idx="minor"/>
+        </p:style>
+      </p:sp>
+      <p:sp>
+        <p:nvSpPr>
+          <p:cNvPr id="272" name="Line 11"/>
+          <p:cNvSpPr/>
+          <p:nvPr/>
+        </p:nvSpPr>
+        <p:spPr>
+          <a:xfrm>
+            <a:off x="4824000" y="1870200"/>
+            <a:ext cx="0" cy="433800"/>
+          </a:xfrm>
+          <a:prstGeom prst="line">
+            <a:avLst/>
+          </a:prstGeom>
+          <a:ln>
+            <a:solidFill>
+              <a:srgbClr val="3465a4"/>
+            </a:solidFill>
+          </a:ln>
+        </p:spPr>
+        <p:style>
+          <a:lnRef idx="0"/>
+          <a:fillRef idx="0"/>
+          <a:effectRef idx="0"/>
+          <a:fontRef idx="minor"/>
+        </p:style>
+      </p:sp>
+      <p:sp>
+        <p:nvSpPr>
+          <p:cNvPr id="273" name="CustomShape 12"/>
+          <p:cNvSpPr/>
+          <p:nvPr/>
+        </p:nvSpPr>
+        <p:spPr>
+          <a:xfrm>
+            <a:off x="2592000" y="432000"/>
+            <a:ext cx="1151640" cy="503640"/>
+          </a:xfrm>
+          <a:prstGeom prst="ellipse">
+            <a:avLst/>
+          </a:prstGeom>
+          <a:solidFill>
+            <a:srgbClr val="729fcf"/>
+          </a:solidFill>
+          <a:ln>
+            <a:solidFill>
+              <a:srgbClr val="3465a4"/>
+            </a:solidFill>
+          </a:ln>
+        </p:spPr>
+        <p:style>
+          <a:lnRef idx="0"/>
+          <a:fillRef idx="0"/>
+          <a:effectRef idx="0"/>
+          <a:fontRef idx="minor"/>
+        </p:style>
+        <p:txBody>
+          <a:bodyPr wrap="none" lIns="90000" rIns="90000" tIns="45000" bIns="45000" anchor="ctr">
+            <a:noAutofit/>
+          </a:bodyPr>
+          <a:p>
+            <a:pPr algn="ctr">
+              <a:lnSpc>
+                <a:spcPct val="100000"/>
+              </a:lnSpc>
+            </a:pPr>
+            <a:r>
+              <a:rPr b="0" lang="en-IN" sz="1800" spc="-1" strike="noStrike">
+                <a:solidFill>
+                  <a:srgbClr val="000000"/>
+                </a:solidFill>
+                <a:latin typeface="Arial"/>
+                <a:ea typeface="DejaVu Sans"/>
+              </a:rPr>
+              <a:t>DESTI..</a:t>
+            </a:r>
+            <a:endParaRPr b="0" lang="en-IN" sz="1800" spc="-1" strike="noStrike">
+              <a:latin typeface="Arial"/>
+            </a:endParaRPr>
+          </a:p>
+        </p:txBody>
+      </p:sp>
+      <p:sp>
+        <p:nvSpPr>
+          <p:cNvPr id="274" name="CustomShape 13"/>
+          <p:cNvSpPr/>
+          <p:nvPr/>
+        </p:nvSpPr>
+        <p:spPr>
+          <a:xfrm>
+            <a:off x="4104360" y="360360"/>
+            <a:ext cx="1151640" cy="503640"/>
+          </a:xfrm>
+          <a:prstGeom prst="ellipse">
+            <a:avLst/>
+          </a:prstGeom>
+          <a:solidFill>
+            <a:srgbClr val="729fcf"/>
+          </a:solidFill>
+          <a:ln>
+            <a:solidFill>
+              <a:srgbClr val="3465a4"/>
+            </a:solidFill>
+          </a:ln>
+        </p:spPr>
+        <p:style>
+          <a:lnRef idx="0"/>
+          <a:fillRef idx="0"/>
+          <a:effectRef idx="0"/>
+          <a:fontRef idx="minor"/>
+        </p:style>
+        <p:txBody>
+          <a:bodyPr wrap="none" lIns="90000" rIns="90000" tIns="45000" bIns="45000" anchor="ctr">
+            <a:noAutofit/>
+          </a:bodyPr>
+          <a:p>
+            <a:pPr algn="ctr">
+              <a:lnSpc>
+                <a:spcPct val="100000"/>
+              </a:lnSpc>
+            </a:pPr>
+            <a:r>
+              <a:rPr b="0" lang="en-IN" sz="1800" spc="-1" strike="noStrike">
+                <a:solidFill>
+                  <a:srgbClr val="000000"/>
+                </a:solidFill>
+                <a:latin typeface="Arial"/>
+                <a:ea typeface="DejaVu Sans"/>
+              </a:rPr>
+              <a:t>SOURCE</a:t>
+            </a:r>
+            <a:endParaRPr b="0" lang="en-IN" sz="1800" spc="-1" strike="noStrike">
+              <a:latin typeface="Arial"/>
+            </a:endParaRPr>
+          </a:p>
+        </p:txBody>
+      </p:sp>
+      <p:sp>
+        <p:nvSpPr>
+          <p:cNvPr id="275" name="CustomShape 14"/>
+          <p:cNvSpPr/>
+          <p:nvPr/>
+        </p:nvSpPr>
+        <p:spPr>
+          <a:xfrm>
+            <a:off x="5652720" y="432720"/>
+            <a:ext cx="1151640" cy="503640"/>
+          </a:xfrm>
+          <a:prstGeom prst="ellipse">
+            <a:avLst/>
+          </a:prstGeom>
+          <a:solidFill>
+            <a:srgbClr val="729fcf"/>
+          </a:solidFill>
+          <a:ln>
+            <a:solidFill>
+              <a:srgbClr val="3465a4"/>
+            </a:solidFill>
+          </a:ln>
+        </p:spPr>
+        <p:style>
+          <a:lnRef idx="0"/>
+          <a:fillRef idx="0"/>
+          <a:effectRef idx="0"/>
+          <a:fontRef idx="minor"/>
+        </p:style>
+        <p:txBody>
+          <a:bodyPr wrap="none" lIns="90000" rIns="90000" tIns="45000" bIns="45000" anchor="ctr">
+            <a:noAutofit/>
+          </a:bodyPr>
+          <a:p>
+            <a:pPr algn="ctr">
+              <a:lnSpc>
+                <a:spcPct val="100000"/>
+              </a:lnSpc>
+            </a:pPr>
+            <a:r>
+              <a:rPr b="0" lang="en-IN" sz="1800" spc="-1" strike="noStrike">
+                <a:solidFill>
+                  <a:srgbClr val="000000"/>
+                </a:solidFill>
+                <a:latin typeface="Arial"/>
+                <a:ea typeface="DejaVu Sans"/>
+              </a:rPr>
+              <a:t>TICKET NO</a:t>
+            </a:r>
+            <a:endParaRPr b="0" lang="en-IN" sz="1800" spc="-1" strike="noStrike">
+              <a:latin typeface="Arial"/>
+            </a:endParaRPr>
+          </a:p>
+        </p:txBody>
+      </p:sp>
+      <p:sp>
+        <p:nvSpPr>
+          <p:cNvPr id="276" name="CustomShape 15"/>
+          <p:cNvSpPr/>
+          <p:nvPr/>
+        </p:nvSpPr>
+        <p:spPr>
+          <a:xfrm>
+            <a:off x="3813480" y="4321080"/>
+            <a:ext cx="1151640" cy="503640"/>
+          </a:xfrm>
+          <a:prstGeom prst="ellipse">
+            <a:avLst/>
+          </a:prstGeom>
+          <a:solidFill>
+            <a:srgbClr val="729fcf"/>
+          </a:solidFill>
+          <a:ln>
+            <a:solidFill>
+              <a:srgbClr val="3465a4"/>
+            </a:solidFill>
+          </a:ln>
+        </p:spPr>
+        <p:style>
+          <a:lnRef idx="0"/>
+          <a:fillRef idx="0"/>
+          <a:effectRef idx="0"/>
+          <a:fontRef idx="minor"/>
+        </p:style>
+        <p:txBody>
+          <a:bodyPr wrap="none" lIns="90000" rIns="90000" tIns="45000" bIns="45000" anchor="ctr">
+            <a:noAutofit/>
+          </a:bodyPr>
+          <a:p>
+            <a:pPr algn="ctr">
+              <a:lnSpc>
+                <a:spcPct val="100000"/>
+              </a:lnSpc>
+            </a:pPr>
+            <a:r>
+              <a:rPr b="0" lang="en-IN" sz="1800" spc="-1" strike="noStrike">
+                <a:solidFill>
+                  <a:srgbClr val="000000"/>
+                </a:solidFill>
+                <a:latin typeface="Arial"/>
+                <a:ea typeface="DejaVu Sans"/>
+              </a:rPr>
+              <a:t>TRAIN NO</a:t>
+            </a:r>
+            <a:endParaRPr b="0" lang="en-IN" sz="1800" spc="-1" strike="noStrike">
+              <a:latin typeface="Arial"/>
+            </a:endParaRPr>
+          </a:p>
+        </p:txBody>
+      </p:sp>
+      <p:sp>
+        <p:nvSpPr>
+          <p:cNvPr id="277" name="CustomShape 16"/>
+          <p:cNvSpPr/>
+          <p:nvPr/>
+        </p:nvSpPr>
+        <p:spPr>
+          <a:xfrm>
+            <a:off x="2193840" y="4717440"/>
+            <a:ext cx="1151640" cy="503640"/>
+          </a:xfrm>
+          <a:prstGeom prst="ellipse">
+            <a:avLst/>
+          </a:prstGeom>
+          <a:solidFill>
+            <a:srgbClr val="729fcf"/>
+          </a:solidFill>
+          <a:ln>
+            <a:solidFill>
+              <a:srgbClr val="3465a4"/>
+            </a:solidFill>
+          </a:ln>
+        </p:spPr>
+        <p:style>
+          <a:lnRef idx="0"/>
+          <a:fillRef idx="0"/>
+          <a:effectRef idx="0"/>
+          <a:fontRef idx="minor"/>
+        </p:style>
+        <p:txBody>
+          <a:bodyPr wrap="none" lIns="90000" rIns="90000" tIns="45000" bIns="45000" anchor="ctr">
+            <a:noAutofit/>
+          </a:bodyPr>
+          <a:p>
+            <a:pPr algn="ctr">
+              <a:lnSpc>
+                <a:spcPct val="100000"/>
+              </a:lnSpc>
+            </a:pPr>
+            <a:r>
+              <a:rPr b="0" lang="en-IN" sz="1800" spc="-1" strike="noStrike">
+                <a:solidFill>
+                  <a:srgbClr val="000000"/>
+                </a:solidFill>
+                <a:latin typeface="Arial"/>
+                <a:ea typeface="DejaVu Sans"/>
+              </a:rPr>
+              <a:t>SEAT NO</a:t>
+            </a:r>
+            <a:endParaRPr b="0" lang="en-IN" sz="1800" spc="-1" strike="noStrike">
+              <a:latin typeface="Arial"/>
+            </a:endParaRPr>
+          </a:p>
+        </p:txBody>
+      </p:sp>
+      <p:sp>
+        <p:nvSpPr>
+          <p:cNvPr id="278" name="CustomShape 17"/>
+          <p:cNvSpPr/>
+          <p:nvPr/>
+        </p:nvSpPr>
+        <p:spPr>
+          <a:xfrm>
+            <a:off x="682200" y="4501800"/>
+            <a:ext cx="1151640" cy="503640"/>
+          </a:xfrm>
+          <a:prstGeom prst="ellipse">
+            <a:avLst/>
+          </a:prstGeom>
+          <a:solidFill>
+            <a:srgbClr val="729fcf"/>
+          </a:solidFill>
+          <a:ln>
+            <a:solidFill>
+              <a:srgbClr val="3465a4"/>
+            </a:solidFill>
+          </a:ln>
+        </p:spPr>
+        <p:style>
+          <a:lnRef idx="0"/>
+          <a:fillRef idx="0"/>
+          <a:effectRef idx="0"/>
+          <a:fontRef idx="minor"/>
+        </p:style>
+        <p:txBody>
+          <a:bodyPr wrap="none" lIns="90000" rIns="90000" tIns="45000" bIns="45000" anchor="ctr">
+            <a:noAutofit/>
+          </a:bodyPr>
+          <a:p>
+            <a:pPr algn="ctr">
+              <a:lnSpc>
+                <a:spcPct val="100000"/>
+              </a:lnSpc>
+            </a:pPr>
+            <a:r>
+              <a:rPr b="0" lang="en-IN" sz="1800" spc="-1" strike="noStrike">
+                <a:solidFill>
+                  <a:srgbClr val="000000"/>
+                </a:solidFill>
+                <a:latin typeface="Arial"/>
+                <a:ea typeface="DejaVu Sans"/>
+              </a:rPr>
+              <a:t>RES UPTO</a:t>
+            </a:r>
+            <a:endParaRPr b="0" lang="en-IN" sz="1800" spc="-1" strike="noStrike">
+              <a:latin typeface="Arial"/>
+            </a:endParaRPr>
+          </a:p>
+        </p:txBody>
+      </p:sp>
+      <p:sp>
+        <p:nvSpPr>
+          <p:cNvPr id="279" name="CustomShape 18"/>
+          <p:cNvSpPr/>
+          <p:nvPr/>
+        </p:nvSpPr>
+        <p:spPr>
+          <a:xfrm>
+            <a:off x="5434560" y="4574160"/>
+            <a:ext cx="1151640" cy="503640"/>
+          </a:xfrm>
+          <a:prstGeom prst="ellipse">
+            <a:avLst/>
+          </a:prstGeom>
+          <a:solidFill>
+            <a:srgbClr val="729fcf"/>
+          </a:solidFill>
+          <a:ln>
+            <a:solidFill>
+              <a:srgbClr val="3465a4"/>
+            </a:solidFill>
+          </a:ln>
+        </p:spPr>
+        <p:style>
+          <a:lnRef idx="0"/>
+          <a:fillRef idx="0"/>
+          <a:effectRef idx="0"/>
+          <a:fontRef idx="minor"/>
+        </p:style>
+        <p:txBody>
+          <a:bodyPr wrap="none" lIns="90000" rIns="90000" tIns="45000" bIns="45000" anchor="ctr">
+            <a:noAutofit/>
+          </a:bodyPr>
+          <a:p>
+            <a:pPr algn="ctr">
+              <a:lnSpc>
+                <a:spcPct val="100000"/>
+              </a:lnSpc>
+            </a:pPr>
+            <a:r>
+              <a:rPr b="0" lang="en-IN" sz="1800" spc="-1" strike="noStrike">
+                <a:solidFill>
+                  <a:srgbClr val="000000"/>
+                </a:solidFill>
+                <a:latin typeface="Arial"/>
+                <a:ea typeface="DejaVu Sans"/>
+              </a:rPr>
+              <a:t>LOCAL /EXP</a:t>
+            </a:r>
+            <a:endParaRPr b="0" lang="en-IN" sz="1800" spc="-1" strike="noStrike">
+              <a:latin typeface="Arial"/>
+            </a:endParaRPr>
+          </a:p>
+        </p:txBody>
+      </p:sp>
+      <p:sp>
+        <p:nvSpPr>
+          <p:cNvPr id="280" name="CustomShape 19"/>
+          <p:cNvSpPr/>
+          <p:nvPr/>
+        </p:nvSpPr>
+        <p:spPr>
+          <a:xfrm>
+            <a:off x="7634160" y="4574520"/>
+            <a:ext cx="1151640" cy="503640"/>
+          </a:xfrm>
+          <a:prstGeom prst="ellipse">
+            <a:avLst/>
+          </a:prstGeom>
+          <a:solidFill>
+            <a:srgbClr val="729fcf"/>
+          </a:solidFill>
+          <a:ln>
+            <a:solidFill>
+              <a:srgbClr val="3465a4"/>
+            </a:solidFill>
+          </a:ln>
+        </p:spPr>
+        <p:style>
+          <a:lnRef idx="0"/>
+          <a:fillRef idx="0"/>
+          <a:effectRef idx="0"/>
+          <a:fontRef idx="minor"/>
+        </p:style>
+        <p:txBody>
+          <a:bodyPr wrap="none" lIns="90000" rIns="90000" tIns="45000" bIns="45000" anchor="ctr">
+            <a:noAutofit/>
+          </a:bodyPr>
+          <a:p>
+            <a:pPr algn="ctr">
+              <a:lnSpc>
+                <a:spcPct val="100000"/>
+              </a:lnSpc>
+            </a:pPr>
+            <a:r>
+              <a:rPr b="0" lang="en-IN" sz="1800" spc="-1" strike="noStrike">
+                <a:solidFill>
+                  <a:srgbClr val="000000"/>
+                </a:solidFill>
+                <a:latin typeface="Arial"/>
+                <a:ea typeface="DejaVu Sans"/>
+              </a:rPr>
+              <a:t>FARE</a:t>
+            </a:r>
+            <a:endParaRPr b="0" lang="en-IN" sz="1800" spc="-1" strike="noStrike">
+              <a:latin typeface="Arial"/>
+            </a:endParaRPr>
+          </a:p>
+        </p:txBody>
+      </p:sp>
+      <p:sp>
+        <p:nvSpPr>
+          <p:cNvPr id="281" name="CustomShape 20"/>
+          <p:cNvSpPr/>
+          <p:nvPr/>
+        </p:nvSpPr>
+        <p:spPr>
+          <a:xfrm>
+            <a:off x="686520" y="3098880"/>
+            <a:ext cx="1151640" cy="503640"/>
+          </a:xfrm>
+          <a:prstGeom prst="ellipse">
+            <a:avLst/>
+          </a:prstGeom>
+          <a:solidFill>
+            <a:srgbClr val="729fcf"/>
+          </a:solidFill>
+          <a:ln>
+            <a:solidFill>
+              <a:srgbClr val="3465a4"/>
+            </a:solidFill>
+          </a:ln>
+        </p:spPr>
+        <p:style>
+          <a:lnRef idx="0"/>
+          <a:fillRef idx="0"/>
+          <a:effectRef idx="0"/>
+          <a:fontRef idx="minor"/>
+        </p:style>
+        <p:txBody>
+          <a:bodyPr wrap="none" lIns="90000" rIns="90000" tIns="45000" bIns="45000" anchor="ctr">
+            <a:noAutofit/>
+          </a:bodyPr>
+          <a:p>
+            <a:pPr algn="ctr">
+              <a:lnSpc>
+                <a:spcPct val="100000"/>
+              </a:lnSpc>
+            </a:pPr>
+            <a:r>
+              <a:rPr b="0" lang="en-IN" sz="1800" spc="-1" strike="noStrike">
+                <a:solidFill>
+                  <a:srgbClr val="000000"/>
+                </a:solidFill>
+                <a:latin typeface="Arial"/>
+                <a:ea typeface="DejaVu Sans"/>
+              </a:rPr>
+              <a:t>FARE</a:t>
+            </a:r>
+            <a:endParaRPr b="0" lang="en-IN" sz="1800" spc="-1" strike="noStrike">
+              <a:latin typeface="Arial"/>
+            </a:endParaRPr>
+          </a:p>
+        </p:txBody>
+      </p:sp>
+      <p:sp>
+        <p:nvSpPr>
+          <p:cNvPr id="282" name="Line 21"/>
+          <p:cNvSpPr/>
+          <p:nvPr/>
+        </p:nvSpPr>
+        <p:spPr>
+          <a:xfrm>
+            <a:off x="3240000" y="936000"/>
+            <a:ext cx="900000" cy="432000"/>
+          </a:xfrm>
+          <a:prstGeom prst="line">
+            <a:avLst/>
+          </a:prstGeom>
+          <a:ln>
+            <a:solidFill>
+              <a:srgbClr val="3465a4"/>
+            </a:solidFill>
+          </a:ln>
+        </p:spPr>
+        <p:style>
+          <a:lnRef idx="0"/>
+          <a:fillRef idx="0"/>
+          <a:effectRef idx="0"/>
+          <a:fontRef idx="minor"/>
+        </p:style>
+      </p:sp>
+      <p:sp>
+        <p:nvSpPr>
+          <p:cNvPr id="283" name="Line 22"/>
+          <p:cNvSpPr/>
+          <p:nvPr/>
+        </p:nvSpPr>
+        <p:spPr>
+          <a:xfrm>
+            <a:off x="4608000" y="864360"/>
+            <a:ext cx="0" cy="215640"/>
+          </a:xfrm>
+          <a:prstGeom prst="line">
+            <a:avLst/>
+          </a:prstGeom>
+          <a:ln>
+            <a:solidFill>
+              <a:srgbClr val="3465a4"/>
+            </a:solidFill>
+          </a:ln>
+        </p:spPr>
+        <p:style>
+          <a:lnRef idx="0"/>
+          <a:fillRef idx="0"/>
+          <a:effectRef idx="0"/>
+          <a:fontRef idx="minor"/>
+        </p:style>
+      </p:sp>
+      <p:sp>
+        <p:nvSpPr>
+          <p:cNvPr id="284" name="Line 23"/>
+          <p:cNvSpPr/>
+          <p:nvPr/>
+        </p:nvSpPr>
+        <p:spPr>
+          <a:xfrm flipH="1">
+            <a:off x="5578200" y="936720"/>
+            <a:ext cx="613800" cy="431280"/>
+          </a:xfrm>
+          <a:prstGeom prst="line">
+            <a:avLst/>
+          </a:prstGeom>
+          <a:ln>
+            <a:solidFill>
+              <a:srgbClr val="3465a4"/>
+            </a:solidFill>
+          </a:ln>
+        </p:spPr>
+        <p:style>
+          <a:lnRef idx="0"/>
+          <a:fillRef idx="0"/>
+          <a:effectRef idx="0"/>
+          <a:fontRef idx="minor"/>
+        </p:style>
+      </p:sp>
+      <p:sp>
+        <p:nvSpPr>
+          <p:cNvPr id="285" name="Line 24"/>
+          <p:cNvSpPr/>
+          <p:nvPr/>
+        </p:nvSpPr>
+        <p:spPr>
+          <a:xfrm>
+            <a:off x="1296000" y="3602880"/>
+            <a:ext cx="649800" cy="33120"/>
+          </a:xfrm>
+          <a:prstGeom prst="line">
+            <a:avLst/>
+          </a:prstGeom>
+          <a:ln>
+            <a:solidFill>
+              <a:srgbClr val="3465a4"/>
+            </a:solidFill>
+          </a:ln>
+        </p:spPr>
+        <p:style>
+          <a:lnRef idx="0"/>
+          <a:fillRef idx="0"/>
+          <a:effectRef idx="0"/>
+          <a:fontRef idx="minor"/>
+        </p:style>
+      </p:sp>
+      <p:sp>
+        <p:nvSpPr>
+          <p:cNvPr id="286" name="Line 25"/>
+          <p:cNvSpPr/>
+          <p:nvPr/>
+        </p:nvSpPr>
+        <p:spPr>
+          <a:xfrm flipV="1">
+            <a:off x="1656000" y="4426200"/>
+            <a:ext cx="289800" cy="181800"/>
+          </a:xfrm>
+          <a:prstGeom prst="line">
+            <a:avLst/>
+          </a:prstGeom>
+          <a:ln>
+            <a:solidFill>
+              <a:srgbClr val="3465a4"/>
+            </a:solidFill>
+          </a:ln>
+        </p:spPr>
+        <p:style>
+          <a:lnRef idx="0"/>
+          <a:fillRef idx="0"/>
+          <a:effectRef idx="0"/>
+          <a:fontRef idx="minor"/>
+        </p:style>
+      </p:sp>
+      <p:sp>
+        <p:nvSpPr>
+          <p:cNvPr id="287" name="Line 26"/>
+          <p:cNvSpPr/>
+          <p:nvPr/>
+        </p:nvSpPr>
+        <p:spPr>
+          <a:xfrm flipH="1" flipV="1">
+            <a:off x="2664000" y="4426200"/>
+            <a:ext cx="72000" cy="291240"/>
+          </a:xfrm>
+          <a:prstGeom prst="line">
+            <a:avLst/>
+          </a:prstGeom>
+          <a:ln>
+            <a:solidFill>
+              <a:srgbClr val="3465a4"/>
+            </a:solidFill>
+          </a:ln>
+        </p:spPr>
+        <p:style>
+          <a:lnRef idx="0"/>
+          <a:fillRef idx="0"/>
+          <a:effectRef idx="0"/>
+          <a:fontRef idx="minor"/>
+        </p:style>
+      </p:sp>
+      <p:sp>
+        <p:nvSpPr>
+          <p:cNvPr id="288" name="Line 27"/>
+          <p:cNvSpPr/>
+          <p:nvPr/>
+        </p:nvSpPr>
+        <p:spPr>
+          <a:xfrm flipH="1" flipV="1">
+            <a:off x="3384000" y="4426200"/>
+            <a:ext cx="504000" cy="37800"/>
+          </a:xfrm>
+          <a:prstGeom prst="line">
+            <a:avLst/>
+          </a:prstGeom>
+          <a:ln>
+            <a:solidFill>
+              <a:srgbClr val="3465a4"/>
+            </a:solidFill>
+          </a:ln>
+        </p:spPr>
+        <p:style>
+          <a:lnRef idx="0"/>
+          <a:fillRef idx="0"/>
+          <a:effectRef idx="0"/>
+          <a:fontRef idx="minor"/>
+        </p:style>
+      </p:sp>
+      <p:sp>
+        <p:nvSpPr>
+          <p:cNvPr id="289" name="Line 28"/>
+          <p:cNvSpPr/>
+          <p:nvPr/>
+        </p:nvSpPr>
+        <p:spPr>
+          <a:xfrm flipV="1">
+            <a:off x="6336000" y="4464000"/>
+            <a:ext cx="360000" cy="216000"/>
+          </a:xfrm>
+          <a:prstGeom prst="line">
+            <a:avLst/>
+          </a:prstGeom>
+          <a:ln>
+            <a:solidFill>
+              <a:srgbClr val="3465a4"/>
+            </a:solidFill>
+          </a:ln>
+        </p:spPr>
+        <p:style>
+          <a:lnRef idx="0"/>
+          <a:fillRef idx="0"/>
+          <a:effectRef idx="0"/>
+          <a:fontRef idx="minor"/>
+        </p:style>
+      </p:sp>
+      <p:sp>
+        <p:nvSpPr>
+          <p:cNvPr id="290" name="Line 29"/>
+          <p:cNvSpPr/>
+          <p:nvPr/>
+        </p:nvSpPr>
+        <p:spPr>
+          <a:xfrm>
+            <a:off x="7560000" y="4464000"/>
+            <a:ext cx="504000" cy="110520"/>
+          </a:xfrm>
+          <a:prstGeom prst="line">
+            <a:avLst/>
+          </a:prstGeom>
+          <a:ln>
+            <a:solidFill>
+              <a:srgbClr val="3465a4"/>
+            </a:solidFill>
+          </a:ln>
+        </p:spPr>
+        <p:style>
+          <a:lnRef idx="0"/>
+          <a:fillRef idx="0"/>
+          <a:effectRef idx="0"/>
+          <a:fontRef idx="minor"/>
+        </p:style>
+      </p:sp>
+      <p:sp>
+        <p:nvSpPr>
+          <p:cNvPr id="291" name="CustomShape 30"/>
+          <p:cNvSpPr/>
+          <p:nvPr/>
+        </p:nvSpPr>
+        <p:spPr>
+          <a:xfrm>
+            <a:off x="216000" y="288000"/>
+            <a:ext cx="2376000" cy="2304000"/>
+          </a:xfrm>
+          <a:prstGeom prst="rect">
+            <a:avLst/>
+          </a:prstGeom>
+          <a:noFill/>
+          <a:ln>
+            <a:noFill/>
+          </a:ln>
+        </p:spPr>
+        <p:style>
+          <a:lnRef idx="0"/>
+          <a:fillRef idx="0"/>
+          <a:effectRef idx="0"/>
+          <a:fontRef idx="minor"/>
+        </p:style>
+        <p:txBody>
+          <a:bodyPr lIns="90000" rIns="90000" tIns="45000" bIns="45000">
+            <a:noAutofit/>
+          </a:bodyPr>
+          <a:p>
+            <a:pPr>
+              <a:lnSpc>
+                <a:spcPct val="100000"/>
+              </a:lnSpc>
+            </a:pPr>
+            <a:r>
+              <a:rPr b="0" lang="en-IN" sz="1800" spc="-1" strike="noStrike">
+                <a:solidFill>
+                  <a:srgbClr val="000000"/>
+                </a:solidFill>
+                <a:latin typeface="Arial"/>
+                <a:ea typeface="DejaVu Sans"/>
+              </a:rPr>
+              <a:t>These types of ER models (generalization) are represented using</a:t>
+            </a:r>
+            <a:endParaRPr b="0" lang="en-IN" sz="1800" spc="-1" strike="noStrike">
+              <a:latin typeface="Arial"/>
+            </a:endParaRPr>
+          </a:p>
+          <a:p>
+            <a:pPr>
+              <a:lnSpc>
+                <a:spcPct val="100000"/>
+              </a:lnSpc>
+            </a:pPr>
+            <a:r>
+              <a:rPr b="0" lang="en-IN" sz="1800" spc="-1" strike="noStrike">
+                <a:solidFill>
+                  <a:srgbClr val="000000"/>
+                </a:solidFill>
+                <a:latin typeface="Arial"/>
+                <a:ea typeface="DejaVu Sans"/>
+              </a:rPr>
+              <a:t>- Variant record structure</a:t>
+            </a:r>
+            <a:endParaRPr b="0" lang="en-IN" sz="1800" spc="-1" strike="noStrike">
+              <a:latin typeface="Arial"/>
+            </a:endParaRPr>
+          </a:p>
+          <a:p>
+            <a:pPr>
+              <a:lnSpc>
+                <a:spcPct val="100000"/>
+              </a:lnSpc>
+            </a:pPr>
+            <a:r>
+              <a:rPr b="0" lang="en-IN" sz="1800" spc="-1" strike="noStrike">
+                <a:solidFill>
+                  <a:srgbClr val="000000"/>
+                </a:solidFill>
+                <a:latin typeface="Arial"/>
+                <a:ea typeface="DejaVu Sans"/>
+              </a:rPr>
+              <a:t>- Two table structure</a:t>
+            </a:r>
+            <a:endParaRPr b="0" lang="en-IN" sz="1800" spc="-1" strike="noStrike">
+              <a:latin typeface="Arial"/>
+            </a:endParaRPr>
+          </a:p>
+        </p:txBody>
+      </p:sp>
+    </p:spTree>
+  </p:cSld>
+  <mc:AlternateContent>
+    <mc:Choice Requires="p14">
+      <p:transition spd="slow" p14:dur="2000"/>
+    </mc:Choice>
+    <mc:Fallback>
+      <p:transition spd="slow"/>
+    </mc:Fallback>
+  </mc:AlternateContent>
+</p:sld>
+</file>
+
+<file path=ppt/slides/slide14.xml><?xml version="1.0" encoding="utf-8"?>
+<p:sld xmlns:a="http://schemas.openxmlformats.org/drawingml/2006/main" xmlns:p="http://schemas.openxmlformats.org/presentationml/2006/main" xmlns:r="http://schemas.openxmlformats.org/officeDocument/2006/relationships" xmlns:p14="http://schemas.microsoft.com/office/powerpoint/2010/main" xmlns:p15="http://schemas.microsoft.com/office/powerpoint/2012/main" xmlns:mc="http://schemas.openxmlformats.org/markup-compatibility/2006">
+  <p:cSld>
+    <p:spTree>
+      <p:nvGrpSpPr>
+        <p:cNvPr id="1" name=""/>
+        <p:cNvGrpSpPr/>
+        <p:nvPr/>
+      </p:nvGrpSpPr>
+      <p:grpSpPr>
+        <a:xfrm>
+          <a:off x="0" y="0"/>
+          <a:ext cx="0" cy="0"/>
+          <a:chOff x="0" y="0"/>
+          <a:chExt cx="0" cy="0"/>
+        </a:xfrm>
+      </p:grpSpPr>
+      <p:sp>
+        <p:nvSpPr>
+          <p:cNvPr id="292" name="CustomShape 1"/>
+          <p:cNvSpPr/>
+          <p:nvPr/>
+        </p:nvSpPr>
+        <p:spPr>
+          <a:xfrm>
+            <a:off x="1908000" y="936000"/>
+            <a:ext cx="1437840" cy="789840"/>
+          </a:xfrm>
+          <a:prstGeom prst="rect">
+            <a:avLst/>
+          </a:prstGeom>
+          <a:solidFill>
+            <a:srgbClr val="729fcf"/>
+          </a:solidFill>
+          <a:ln>
+            <a:solidFill>
+              <a:srgbClr val="3465a4"/>
+            </a:solidFill>
+          </a:ln>
+        </p:spPr>
+        <p:style>
+          <a:lnRef idx="0"/>
+          <a:fillRef idx="0"/>
+          <a:effectRef idx="0"/>
+          <a:fontRef idx="minor"/>
+        </p:style>
+        <p:txBody>
+          <a:bodyPr wrap="none" lIns="90000" rIns="90000" tIns="45000" bIns="45000" anchor="ctr">
+            <a:noAutofit/>
+          </a:bodyPr>
+          <a:p>
+            <a:pPr algn="ctr">
+              <a:lnSpc>
+                <a:spcPct val="100000"/>
+              </a:lnSpc>
+            </a:pPr>
+            <a:r>
+              <a:rPr b="0" lang="en-IN" sz="1800" spc="-1" strike="noStrike">
+                <a:solidFill>
+                  <a:srgbClr val="000000"/>
+                </a:solidFill>
+                <a:latin typeface="Arial"/>
+                <a:ea typeface="DejaVu Sans"/>
+              </a:rPr>
+              <a:t>BOO</a:t>
+            </a:r>
+            <a:r>
+              <a:rPr b="0" lang="en-IN" sz="1800" spc="-1" strike="noStrike">
+                <a:solidFill>
+                  <a:srgbClr val="000000"/>
+                </a:solidFill>
+                <a:latin typeface="Arial"/>
+                <a:ea typeface="DejaVu Sans"/>
+              </a:rPr>
+              <a:t>KS</a:t>
+            </a:r>
+            <a:endParaRPr b="0" lang="en-IN" sz="1800" spc="-1" strike="noStrike">
+              <a:latin typeface="Arial"/>
+            </a:endParaRPr>
+          </a:p>
+        </p:txBody>
+      </p:sp>
+      <p:sp>
+        <p:nvSpPr>
+          <p:cNvPr id="293" name="CustomShape 2"/>
+          <p:cNvSpPr/>
+          <p:nvPr/>
+        </p:nvSpPr>
+        <p:spPr>
+          <a:xfrm>
+            <a:off x="6084000" y="936000"/>
+            <a:ext cx="1437840" cy="789840"/>
+          </a:xfrm>
+          <a:prstGeom prst="rect">
+            <a:avLst/>
+          </a:prstGeom>
+          <a:solidFill>
+            <a:srgbClr val="729fcf"/>
+          </a:solidFill>
+          <a:ln>
+            <a:solidFill>
+              <a:srgbClr val="3465a4"/>
+            </a:solidFill>
+          </a:ln>
+        </p:spPr>
+        <p:style>
+          <a:lnRef idx="0"/>
+          <a:fillRef idx="0"/>
+          <a:effectRef idx="0"/>
+          <a:fontRef idx="minor"/>
+        </p:style>
+        <p:txBody>
+          <a:bodyPr wrap="none" lIns="90000" rIns="90000" tIns="45000" bIns="45000" anchor="ctr">
+            <a:noAutofit/>
+          </a:bodyPr>
+          <a:p>
+            <a:pPr algn="ctr">
+              <a:lnSpc>
+                <a:spcPct val="100000"/>
+              </a:lnSpc>
+            </a:pPr>
+            <a:r>
+              <a:rPr b="0" lang="en-IN" sz="1800" spc="-1" strike="noStrike">
+                <a:solidFill>
+                  <a:srgbClr val="000000"/>
+                </a:solidFill>
+                <a:latin typeface="Arial"/>
+                <a:ea typeface="DejaVu Sans"/>
+              </a:rPr>
+              <a:t>USERS</a:t>
+            </a:r>
+            <a:endParaRPr b="0" lang="en-IN" sz="1800" spc="-1" strike="noStrike">
+              <a:latin typeface="Arial"/>
+            </a:endParaRPr>
+          </a:p>
+        </p:txBody>
+      </p:sp>
+      <p:sp>
+        <p:nvSpPr>
+          <p:cNvPr id="294" name="CustomShape 3"/>
+          <p:cNvSpPr/>
+          <p:nvPr/>
+        </p:nvSpPr>
+        <p:spPr>
+          <a:xfrm>
+            <a:off x="4934160" y="4392000"/>
+            <a:ext cx="1437840" cy="789840"/>
+          </a:xfrm>
+          <a:prstGeom prst="rect">
+            <a:avLst/>
+          </a:prstGeom>
+          <a:solidFill>
+            <a:srgbClr val="729fcf"/>
+          </a:solidFill>
+          <a:ln>
+            <a:solidFill>
+              <a:srgbClr val="3465a4"/>
+            </a:solidFill>
+          </a:ln>
+        </p:spPr>
+        <p:style>
+          <a:lnRef idx="0"/>
+          <a:fillRef idx="0"/>
+          <a:effectRef idx="0"/>
+          <a:fontRef idx="minor"/>
+        </p:style>
+        <p:txBody>
+          <a:bodyPr wrap="none" lIns="90000" rIns="90000" tIns="45000" bIns="45000" anchor="ctr">
+            <a:noAutofit/>
+          </a:bodyPr>
+          <a:p>
+            <a:pPr algn="ctr">
+              <a:lnSpc>
+                <a:spcPct val="100000"/>
+              </a:lnSpc>
+            </a:pPr>
+            <a:r>
+              <a:rPr b="0" lang="en-IN" sz="1800" spc="-1" strike="noStrike">
+                <a:solidFill>
+                  <a:srgbClr val="000000"/>
+                </a:solidFill>
+                <a:latin typeface="Arial"/>
+                <a:ea typeface="DejaVu Sans"/>
+              </a:rPr>
+              <a:t>SUPPLIERS</a:t>
+            </a:r>
+            <a:endParaRPr b="0" lang="en-IN" sz="1800" spc="-1" strike="noStrike">
+              <a:latin typeface="Arial"/>
+            </a:endParaRPr>
+          </a:p>
+        </p:txBody>
+      </p:sp>
+      <p:sp>
+        <p:nvSpPr>
+          <p:cNvPr id="295" name="CustomShape 4"/>
+          <p:cNvSpPr/>
+          <p:nvPr/>
+        </p:nvSpPr>
+        <p:spPr>
+          <a:xfrm>
+            <a:off x="4032000" y="648000"/>
+            <a:ext cx="1437840" cy="1365840"/>
+          </a:xfrm>
+          <a:custGeom>
+            <a:avLst/>
+            <a:gdLst/>
+            <a:ahLst/>
+            <a:rect l="l" t="t" r="r" b="b"/>
+            <a:pathLst>
+              <a:path w="21600" h="21600">
+                <a:moveTo>
+                  <a:pt x="10800" y="0"/>
+                </a:moveTo>
+                <a:lnTo>
+                  <a:pt x="21600" y="10800"/>
+                </a:lnTo>
+                <a:lnTo>
+                  <a:pt x="10800" y="21600"/>
+                </a:lnTo>
+                <a:lnTo>
+                  <a:pt x="0" y="10800"/>
+                </a:lnTo>
+                <a:lnTo>
+                  <a:pt x="10800" y="0"/>
+                </a:lnTo>
+                <a:close/>
+              </a:path>
+            </a:pathLst>
+          </a:custGeom>
+          <a:solidFill>
+            <a:srgbClr val="729fcf"/>
+          </a:solidFill>
+          <a:ln>
+            <a:solidFill>
+              <a:srgbClr val="3465a4"/>
+            </a:solidFill>
+          </a:ln>
+        </p:spPr>
+        <p:style>
+          <a:lnRef idx="0"/>
+          <a:fillRef idx="0"/>
+          <a:effectRef idx="0"/>
+          <a:fontRef idx="minor"/>
+        </p:style>
+        <p:txBody>
+          <a:bodyPr wrap="none" lIns="90000" rIns="90000" tIns="45000" bIns="45000" anchor="ctr">
+            <a:noAutofit/>
+          </a:bodyPr>
+          <a:p>
+            <a:pPr algn="ctr">
+              <a:lnSpc>
+                <a:spcPct val="100000"/>
+              </a:lnSpc>
+            </a:pPr>
+            <a:r>
+              <a:rPr b="0" lang="en-IN" sz="1800" spc="-1" strike="noStrike">
+                <a:solidFill>
+                  <a:srgbClr val="000000"/>
+                </a:solidFill>
+                <a:latin typeface="Arial"/>
+                <a:ea typeface="DejaVu Sans"/>
+              </a:rPr>
+              <a:t>Borrowed</a:t>
+            </a:r>
+            <a:endParaRPr b="0" lang="en-IN" sz="1800" spc="-1" strike="noStrike">
+              <a:latin typeface="Arial"/>
+            </a:endParaRPr>
+          </a:p>
+          <a:p>
+            <a:pPr algn="ctr">
+              <a:lnSpc>
+                <a:spcPct val="100000"/>
+              </a:lnSpc>
+            </a:pPr>
+            <a:r>
+              <a:rPr b="0" lang="en-IN" sz="1800" spc="-1" strike="noStrike">
+                <a:solidFill>
+                  <a:srgbClr val="000000"/>
+                </a:solidFill>
+                <a:latin typeface="Arial"/>
+                <a:ea typeface="DejaVu Sans"/>
+              </a:rPr>
+              <a:t>By</a:t>
+            </a:r>
+            <a:endParaRPr b="0" lang="en-IN" sz="1800" spc="-1" strike="noStrike">
+              <a:latin typeface="Arial"/>
+            </a:endParaRPr>
+          </a:p>
+        </p:txBody>
+      </p:sp>
+      <p:sp>
+        <p:nvSpPr>
+          <p:cNvPr id="296" name="CustomShape 5"/>
+          <p:cNvSpPr/>
+          <p:nvPr/>
+        </p:nvSpPr>
+        <p:spPr>
+          <a:xfrm>
+            <a:off x="1908000" y="3204360"/>
+            <a:ext cx="1437840" cy="1365840"/>
+          </a:xfrm>
+          <a:custGeom>
+            <a:avLst/>
+            <a:gdLst/>
+            <a:ahLst/>
+            <a:rect l="l" t="t" r="r" b="b"/>
+            <a:pathLst>
+              <a:path w="21600" h="21600">
+                <a:moveTo>
+                  <a:pt x="10800" y="0"/>
+                </a:moveTo>
+                <a:lnTo>
+                  <a:pt x="21600" y="10800"/>
+                </a:lnTo>
+                <a:lnTo>
+                  <a:pt x="10800" y="21600"/>
+                </a:lnTo>
+                <a:lnTo>
+                  <a:pt x="0" y="10800"/>
+                </a:lnTo>
+                <a:lnTo>
+                  <a:pt x="10800" y="0"/>
+                </a:lnTo>
+                <a:close/>
+              </a:path>
+            </a:pathLst>
+          </a:custGeom>
+          <a:solidFill>
+            <a:srgbClr val="729fcf"/>
+          </a:solidFill>
+          <a:ln>
+            <a:solidFill>
+              <a:srgbClr val="3465a4"/>
+            </a:solidFill>
+          </a:ln>
+        </p:spPr>
+        <p:style>
+          <a:lnRef idx="0"/>
+          <a:fillRef idx="0"/>
+          <a:effectRef idx="0"/>
+          <a:fontRef idx="minor"/>
+        </p:style>
+        <p:txBody>
+          <a:bodyPr wrap="none" lIns="90000" rIns="90000" tIns="45000" bIns="45000" anchor="ctr">
+            <a:noAutofit/>
+          </a:bodyPr>
+          <a:p>
+            <a:pPr algn="ctr">
+              <a:lnSpc>
+                <a:spcPct val="100000"/>
+              </a:lnSpc>
+            </a:pPr>
+            <a:r>
+              <a:rPr b="0" lang="en-IN" sz="1800" spc="-1" strike="noStrike">
+                <a:solidFill>
+                  <a:srgbClr val="000000"/>
+                </a:solidFill>
+                <a:latin typeface="Arial"/>
+                <a:ea typeface="DejaVu Sans"/>
+              </a:rPr>
+              <a:t>Supplied</a:t>
+            </a:r>
+            <a:endParaRPr b="0" lang="en-IN" sz="1800" spc="-1" strike="noStrike">
+              <a:latin typeface="Arial"/>
+            </a:endParaRPr>
+          </a:p>
+          <a:p>
+            <a:pPr algn="ctr">
+              <a:lnSpc>
+                <a:spcPct val="100000"/>
+              </a:lnSpc>
+            </a:pPr>
+            <a:r>
+              <a:rPr b="0" lang="en-IN" sz="1800" spc="-1" strike="noStrike">
+                <a:solidFill>
+                  <a:srgbClr val="000000"/>
+                </a:solidFill>
+                <a:latin typeface="Arial"/>
+                <a:ea typeface="DejaVu Sans"/>
+              </a:rPr>
+              <a:t>By</a:t>
+            </a:r>
+            <a:endParaRPr b="0" lang="en-IN" sz="1800" spc="-1" strike="noStrike">
+              <a:latin typeface="Arial"/>
+            </a:endParaRPr>
+          </a:p>
+        </p:txBody>
+      </p:sp>
+      <p:sp>
+        <p:nvSpPr>
+          <p:cNvPr id="297" name="Line 6"/>
+          <p:cNvSpPr/>
+          <p:nvPr/>
+        </p:nvSpPr>
+        <p:spPr>
+          <a:xfrm>
+            <a:off x="3348000" y="1332000"/>
+            <a:ext cx="684000" cy="0"/>
+          </a:xfrm>
+          <a:prstGeom prst="line">
+            <a:avLst/>
+          </a:prstGeom>
+          <a:ln>
+            <a:solidFill>
+              <a:srgbClr val="3465a4"/>
+            </a:solidFill>
+          </a:ln>
+        </p:spPr>
+        <p:style>
+          <a:lnRef idx="0"/>
+          <a:fillRef idx="0"/>
+          <a:effectRef idx="0"/>
+          <a:fontRef idx="minor"/>
+        </p:style>
+      </p:sp>
+      <p:sp>
+        <p:nvSpPr>
+          <p:cNvPr id="298" name="Line 7"/>
+          <p:cNvSpPr/>
+          <p:nvPr/>
+        </p:nvSpPr>
+        <p:spPr>
+          <a:xfrm>
+            <a:off x="2628000" y="1728000"/>
+            <a:ext cx="0" cy="1512360"/>
+          </a:xfrm>
+          <a:prstGeom prst="line">
+            <a:avLst/>
+          </a:prstGeom>
+          <a:ln>
+            <a:solidFill>
+              <a:srgbClr val="3465a4"/>
+            </a:solidFill>
+          </a:ln>
+        </p:spPr>
+        <p:style>
+          <a:lnRef idx="0"/>
+          <a:fillRef idx="0"/>
+          <a:effectRef idx="0"/>
+          <a:fontRef idx="minor"/>
+        </p:style>
+      </p:sp>
+      <p:sp>
+        <p:nvSpPr>
+          <p:cNvPr id="299" name="CustomShape 8"/>
+          <p:cNvSpPr/>
+          <p:nvPr/>
+        </p:nvSpPr>
+        <p:spPr>
+          <a:xfrm>
+            <a:off x="4140000" y="2234160"/>
+            <a:ext cx="1152000" cy="573840"/>
+          </a:xfrm>
+          <a:prstGeom prst="ellipse">
+            <a:avLst/>
+          </a:prstGeom>
+          <a:solidFill>
+            <a:srgbClr val="729fcf"/>
+          </a:solidFill>
+          <a:ln>
+            <a:solidFill>
+              <a:srgbClr val="3465a4"/>
+            </a:solidFill>
+          </a:ln>
+        </p:spPr>
+        <p:style>
+          <a:lnRef idx="0"/>
+          <a:fillRef idx="0"/>
+          <a:effectRef idx="0"/>
+          <a:fontRef idx="minor"/>
+        </p:style>
+        <p:txBody>
+          <a:bodyPr wrap="none" lIns="90000" rIns="90000" tIns="45000" bIns="45000" anchor="ctr">
+            <a:noAutofit/>
+          </a:bodyPr>
+          <a:p>
+            <a:pPr algn="ctr">
+              <a:lnSpc>
+                <a:spcPct val="100000"/>
+              </a:lnSpc>
+            </a:pPr>
+            <a:r>
+              <a:rPr b="0" lang="en-IN" sz="1800" spc="-1" strike="noStrike">
+                <a:solidFill>
+                  <a:srgbClr val="000000"/>
+                </a:solidFill>
+                <a:latin typeface="Arial"/>
+                <a:ea typeface="DejaVu Sans"/>
+              </a:rPr>
+              <a:t>DOI</a:t>
+            </a:r>
+            <a:endParaRPr b="0" lang="en-IN" sz="1800" spc="-1" strike="noStrike">
+              <a:latin typeface="Arial"/>
+            </a:endParaRPr>
+          </a:p>
+        </p:txBody>
+      </p:sp>
+      <p:sp>
+        <p:nvSpPr>
+          <p:cNvPr id="300" name="CustomShape 9"/>
+          <p:cNvSpPr/>
+          <p:nvPr/>
+        </p:nvSpPr>
+        <p:spPr>
+          <a:xfrm>
+            <a:off x="3708360" y="3636360"/>
+            <a:ext cx="1079640" cy="573840"/>
+          </a:xfrm>
+          <a:prstGeom prst="ellipse">
+            <a:avLst/>
+          </a:prstGeom>
+          <a:solidFill>
+            <a:srgbClr val="729fcf"/>
+          </a:solidFill>
+          <a:ln>
+            <a:solidFill>
+              <a:srgbClr val="3465a4"/>
+            </a:solidFill>
+          </a:ln>
+        </p:spPr>
+        <p:style>
+          <a:lnRef idx="0"/>
+          <a:fillRef idx="0"/>
+          <a:effectRef idx="0"/>
+          <a:fontRef idx="minor"/>
+        </p:style>
+        <p:txBody>
+          <a:bodyPr wrap="none" lIns="90000" rIns="90000" tIns="45000" bIns="45000" anchor="ctr">
+            <a:noAutofit/>
+          </a:bodyPr>
+          <a:p>
+            <a:pPr algn="ctr">
+              <a:lnSpc>
+                <a:spcPct val="100000"/>
+              </a:lnSpc>
+            </a:pPr>
+            <a:r>
+              <a:rPr b="0" lang="en-IN" sz="1800" spc="-1" strike="noStrike">
+                <a:solidFill>
+                  <a:srgbClr val="000000"/>
+                </a:solidFill>
+                <a:latin typeface="Arial"/>
+                <a:ea typeface="DejaVu Sans"/>
+              </a:rPr>
+              <a:t>DOS</a:t>
+            </a:r>
+            <a:endParaRPr b="0" lang="en-IN" sz="1800" spc="-1" strike="noStrike">
+              <a:latin typeface="Arial"/>
+            </a:endParaRPr>
+          </a:p>
+        </p:txBody>
+      </p:sp>
+      <p:sp>
+        <p:nvSpPr>
+          <p:cNvPr id="301" name="Line 10"/>
+          <p:cNvSpPr/>
+          <p:nvPr/>
+        </p:nvSpPr>
+        <p:spPr>
+          <a:xfrm>
+            <a:off x="0" y="0"/>
+            <a:ext cx="360" cy="360"/>
+          </a:xfrm>
+          <a:prstGeom prst="line">
+            <a:avLst/>
+          </a:prstGeom>
+          <a:ln>
+            <a:solidFill>
+              <a:srgbClr val="3465a4"/>
+            </a:solidFill>
+          </a:ln>
+        </p:spPr>
+        <p:style>
+          <a:lnRef idx="0"/>
+          <a:fillRef idx="0"/>
+          <a:effectRef idx="0"/>
+          <a:fontRef idx="minor"/>
+        </p:style>
+      </p:sp>
+      <p:sp>
+        <p:nvSpPr>
+          <p:cNvPr id="302" name="Line 11"/>
+          <p:cNvSpPr/>
+          <p:nvPr/>
+        </p:nvSpPr>
+        <p:spPr>
+          <a:xfrm>
+            <a:off x="0" y="0"/>
+            <a:ext cx="360" cy="360"/>
+          </a:xfrm>
+          <a:prstGeom prst="line">
+            <a:avLst/>
+          </a:prstGeom>
+          <a:ln>
+            <a:solidFill>
+              <a:srgbClr val="3465a4"/>
+            </a:solidFill>
+          </a:ln>
+        </p:spPr>
+        <p:style>
+          <a:lnRef idx="0"/>
+          <a:fillRef idx="0"/>
+          <a:effectRef idx="0"/>
+          <a:fontRef idx="minor"/>
+        </p:style>
+      </p:sp>
+      <p:sp>
+        <p:nvSpPr>
+          <p:cNvPr id="303" name="CustomShape 12"/>
+          <p:cNvSpPr/>
+          <p:nvPr/>
+        </p:nvSpPr>
+        <p:spPr>
+          <a:xfrm>
+            <a:off x="504000" y="396000"/>
+            <a:ext cx="1152000" cy="573840"/>
+          </a:xfrm>
+          <a:prstGeom prst="ellipse">
+            <a:avLst/>
+          </a:prstGeom>
+          <a:solidFill>
+            <a:srgbClr val="729fcf"/>
+          </a:solidFill>
+          <a:ln>
+            <a:solidFill>
+              <a:srgbClr val="3465a4"/>
+            </a:solidFill>
+          </a:ln>
+        </p:spPr>
+        <p:style>
+          <a:lnRef idx="0"/>
+          <a:fillRef idx="0"/>
+          <a:effectRef idx="0"/>
+          <a:fontRef idx="minor"/>
+        </p:style>
+        <p:txBody>
+          <a:bodyPr wrap="none" lIns="90000" rIns="90000" tIns="45000" bIns="45000" anchor="ctr">
+            <a:noAutofit/>
+          </a:bodyPr>
+          <a:p>
+            <a:pPr algn="ctr">
+              <a:lnSpc>
+                <a:spcPct val="100000"/>
+              </a:lnSpc>
+            </a:pPr>
+            <a:r>
+              <a:rPr b="0" lang="en-IN" sz="1800" spc="-1" strike="noStrike">
+                <a:solidFill>
+                  <a:srgbClr val="000000"/>
+                </a:solidFill>
+                <a:latin typeface="Arial"/>
+                <a:ea typeface="DejaVu Sans"/>
+              </a:rPr>
+              <a:t>ACCNO</a:t>
+            </a:r>
+            <a:endParaRPr b="0" lang="en-IN" sz="1800" spc="-1" strike="noStrike">
+              <a:latin typeface="Arial"/>
+            </a:endParaRPr>
+          </a:p>
+        </p:txBody>
+      </p:sp>
+      <p:sp>
+        <p:nvSpPr>
+          <p:cNvPr id="304" name="CustomShape 13"/>
+          <p:cNvSpPr/>
+          <p:nvPr/>
+        </p:nvSpPr>
+        <p:spPr>
+          <a:xfrm>
+            <a:off x="1944000" y="180000"/>
+            <a:ext cx="1152000" cy="573840"/>
+          </a:xfrm>
+          <a:prstGeom prst="ellipse">
+            <a:avLst/>
+          </a:prstGeom>
+          <a:solidFill>
+            <a:srgbClr val="729fcf"/>
+          </a:solidFill>
+          <a:ln>
+            <a:solidFill>
+              <a:srgbClr val="3465a4"/>
+            </a:solidFill>
+          </a:ln>
+        </p:spPr>
+        <p:style>
+          <a:lnRef idx="0"/>
+          <a:fillRef idx="0"/>
+          <a:effectRef idx="0"/>
+          <a:fontRef idx="minor"/>
+        </p:style>
+        <p:txBody>
+          <a:bodyPr wrap="none" lIns="90000" rIns="90000" tIns="45000" bIns="45000" anchor="ctr">
+            <a:noAutofit/>
+          </a:bodyPr>
+          <a:p>
+            <a:pPr algn="ctr">
+              <a:lnSpc>
+                <a:spcPct val="100000"/>
+              </a:lnSpc>
+            </a:pPr>
+            <a:r>
+              <a:rPr b="0" lang="en-IN" sz="1800" spc="-1" strike="noStrike">
+                <a:solidFill>
+                  <a:srgbClr val="000000"/>
+                </a:solidFill>
+                <a:latin typeface="Arial"/>
+                <a:ea typeface="DejaVu Sans"/>
+              </a:rPr>
+              <a:t>TITLE</a:t>
+            </a:r>
+            <a:endParaRPr b="0" lang="en-IN" sz="1800" spc="-1" strike="noStrike">
+              <a:latin typeface="Arial"/>
+            </a:endParaRPr>
+          </a:p>
+        </p:txBody>
+      </p:sp>
+      <p:sp>
+        <p:nvSpPr>
+          <p:cNvPr id="305" name="CustomShape 14"/>
+          <p:cNvSpPr/>
+          <p:nvPr/>
+        </p:nvSpPr>
+        <p:spPr>
+          <a:xfrm>
+            <a:off x="288000" y="1152000"/>
+            <a:ext cx="1152000" cy="573840"/>
+          </a:xfrm>
+          <a:prstGeom prst="ellipse">
+            <a:avLst/>
+          </a:prstGeom>
+          <a:solidFill>
+            <a:srgbClr val="729fcf"/>
+          </a:solidFill>
+          <a:ln>
+            <a:solidFill>
+              <a:srgbClr val="3465a4"/>
+            </a:solidFill>
+          </a:ln>
+        </p:spPr>
+        <p:style>
+          <a:lnRef idx="0"/>
+          <a:fillRef idx="0"/>
+          <a:effectRef idx="0"/>
+          <a:fontRef idx="minor"/>
+        </p:style>
+        <p:txBody>
+          <a:bodyPr wrap="none" lIns="90000" rIns="90000" tIns="45000" bIns="45000" anchor="ctr">
+            <a:noAutofit/>
+          </a:bodyPr>
+          <a:p>
+            <a:pPr algn="ctr">
+              <a:lnSpc>
+                <a:spcPct val="100000"/>
+              </a:lnSpc>
+            </a:pPr>
+            <a:r>
+              <a:rPr b="0" lang="en-IN" sz="1800" spc="-1" strike="noStrike">
+                <a:solidFill>
+                  <a:srgbClr val="000000"/>
+                </a:solidFill>
+                <a:latin typeface="Arial"/>
+                <a:ea typeface="DejaVu Sans"/>
+              </a:rPr>
+              <a:t>YR</a:t>
+            </a:r>
+            <a:endParaRPr b="0" lang="en-IN" sz="1800" spc="-1" strike="noStrike">
+              <a:latin typeface="Arial"/>
+            </a:endParaRPr>
+          </a:p>
+        </p:txBody>
+      </p:sp>
+      <p:sp>
+        <p:nvSpPr>
+          <p:cNvPr id="306" name="CustomShape 15"/>
+          <p:cNvSpPr/>
+          <p:nvPr/>
+        </p:nvSpPr>
+        <p:spPr>
+          <a:xfrm>
+            <a:off x="5940000" y="180000"/>
+            <a:ext cx="1152000" cy="573840"/>
+          </a:xfrm>
+          <a:prstGeom prst="ellipse">
+            <a:avLst/>
+          </a:prstGeom>
+          <a:solidFill>
+            <a:srgbClr val="729fcf"/>
+          </a:solidFill>
+          <a:ln>
+            <a:solidFill>
+              <a:srgbClr val="3465a4"/>
+            </a:solidFill>
+          </a:ln>
+        </p:spPr>
+        <p:style>
+          <a:lnRef idx="0"/>
+          <a:fillRef idx="0"/>
+          <a:effectRef idx="0"/>
+          <a:fontRef idx="minor"/>
+        </p:style>
+        <p:txBody>
+          <a:bodyPr wrap="none" lIns="90000" rIns="90000" tIns="45000" bIns="45000" anchor="ctr">
+            <a:noAutofit/>
+          </a:bodyPr>
+          <a:p>
+            <a:pPr algn="ctr">
+              <a:lnSpc>
+                <a:spcPct val="100000"/>
+              </a:lnSpc>
+            </a:pPr>
+            <a:r>
+              <a:rPr b="0" lang="en-IN" sz="1800" spc="-1" strike="noStrike">
+                <a:solidFill>
+                  <a:srgbClr val="000000"/>
+                </a:solidFill>
+                <a:latin typeface="Arial"/>
+                <a:ea typeface="DejaVu Sans"/>
+              </a:rPr>
+              <a:t>CARDNO</a:t>
+            </a:r>
+            <a:endParaRPr b="0" lang="en-IN" sz="1800" spc="-1" strike="noStrike">
+              <a:latin typeface="Arial"/>
+            </a:endParaRPr>
+          </a:p>
+        </p:txBody>
+      </p:sp>
+      <p:sp>
+        <p:nvSpPr>
+          <p:cNvPr id="307" name="CustomShape 16"/>
+          <p:cNvSpPr/>
+          <p:nvPr/>
+        </p:nvSpPr>
+        <p:spPr>
+          <a:xfrm>
+            <a:off x="7560000" y="180000"/>
+            <a:ext cx="1152000" cy="573840"/>
+          </a:xfrm>
+          <a:prstGeom prst="ellipse">
+            <a:avLst/>
+          </a:prstGeom>
+          <a:solidFill>
+            <a:srgbClr val="729fcf"/>
+          </a:solidFill>
+          <a:ln>
+            <a:solidFill>
+              <a:srgbClr val="3465a4"/>
+            </a:solidFill>
+          </a:ln>
+        </p:spPr>
+        <p:style>
+          <a:lnRef idx="0"/>
+          <a:fillRef idx="0"/>
+          <a:effectRef idx="0"/>
+          <a:fontRef idx="minor"/>
+        </p:style>
+        <p:txBody>
+          <a:bodyPr wrap="none" lIns="90000" rIns="90000" tIns="45000" bIns="45000" anchor="ctr">
+            <a:noAutofit/>
+          </a:bodyPr>
+          <a:p>
+            <a:pPr algn="ctr">
+              <a:lnSpc>
+                <a:spcPct val="100000"/>
+              </a:lnSpc>
+            </a:pPr>
+            <a:r>
+              <a:rPr b="0" lang="en-IN" sz="1800" spc="-1" strike="noStrike">
+                <a:solidFill>
+                  <a:srgbClr val="000000"/>
+                </a:solidFill>
+                <a:latin typeface="Arial"/>
+                <a:ea typeface="DejaVu Sans"/>
+              </a:rPr>
+              <a:t>NAME</a:t>
+            </a:r>
+            <a:endParaRPr b="0" lang="en-IN" sz="1800" spc="-1" strike="noStrike">
+              <a:latin typeface="Arial"/>
+            </a:endParaRPr>
+          </a:p>
+        </p:txBody>
+      </p:sp>
+      <p:sp>
+        <p:nvSpPr>
+          <p:cNvPr id="308" name="CustomShape 17"/>
+          <p:cNvSpPr/>
+          <p:nvPr/>
+        </p:nvSpPr>
+        <p:spPr>
+          <a:xfrm>
+            <a:off x="7992000" y="972000"/>
+            <a:ext cx="1152000" cy="573840"/>
+          </a:xfrm>
+          <a:prstGeom prst="ellipse">
+            <a:avLst/>
+          </a:prstGeom>
+          <a:solidFill>
+            <a:srgbClr val="729fcf"/>
+          </a:solidFill>
+          <a:ln>
+            <a:solidFill>
+              <a:srgbClr val="3465a4"/>
+            </a:solidFill>
+          </a:ln>
+        </p:spPr>
+        <p:style>
+          <a:lnRef idx="0"/>
+          <a:fillRef idx="0"/>
+          <a:effectRef idx="0"/>
+          <a:fontRef idx="minor"/>
+        </p:style>
+        <p:txBody>
+          <a:bodyPr wrap="none" lIns="90000" rIns="90000" tIns="45000" bIns="45000" anchor="ctr">
+            <a:noAutofit/>
+          </a:bodyPr>
+          <a:p>
+            <a:pPr algn="ctr">
+              <a:lnSpc>
+                <a:spcPct val="100000"/>
+              </a:lnSpc>
+            </a:pPr>
+            <a:r>
+              <a:rPr b="0" lang="en-IN" sz="1800" spc="-1" strike="noStrike">
+                <a:solidFill>
+                  <a:srgbClr val="000000"/>
+                </a:solidFill>
+                <a:latin typeface="Arial"/>
+                <a:ea typeface="DejaVu Sans"/>
+              </a:rPr>
+              <a:t>ADDRESS</a:t>
+            </a:r>
+            <a:endParaRPr b="0" lang="en-IN" sz="1800" spc="-1" strike="noStrike">
+              <a:latin typeface="Arial"/>
+            </a:endParaRPr>
+          </a:p>
+        </p:txBody>
+      </p:sp>
+      <p:cxnSp>
+        <p:nvCxnSpPr>
+          <p:cNvPr id="309" name="Line 18"/>
+          <p:cNvCxnSpPr/>
+          <p:nvPr/>
+        </p:nvCxnSpPr>
+        <p:spPr>
+          <a:xfrm>
+            <a:off x="0" y="0"/>
+            <a:ext cx="360" cy="360"/>
+          </a:xfrm>
+          <a:prstGeom prst="line">
+            <a:avLst/>
+          </a:prstGeom>
+          <a:ln>
+            <a:solidFill>
+              <a:srgbClr val="3465a4"/>
+            </a:solidFill>
+          </a:ln>
+        </p:spPr>
+      </p:cxnSp>
+      <p:sp>
+        <p:nvSpPr>
+          <p:cNvPr id="310" name="CustomShape 19"/>
+          <p:cNvSpPr/>
+          <p:nvPr/>
+        </p:nvSpPr>
+        <p:spPr>
+          <a:xfrm>
+            <a:off x="432000" y="3636360"/>
+            <a:ext cx="1079640" cy="573840"/>
+          </a:xfrm>
+          <a:prstGeom prst="ellipse">
+            <a:avLst/>
+          </a:prstGeom>
+          <a:solidFill>
+            <a:srgbClr val="729fcf"/>
+          </a:solidFill>
+          <a:ln>
+            <a:solidFill>
+              <a:srgbClr val="3465a4"/>
+            </a:solidFill>
+          </a:ln>
+        </p:spPr>
+        <p:style>
+          <a:lnRef idx="0"/>
+          <a:fillRef idx="0"/>
+          <a:effectRef idx="0"/>
+          <a:fontRef idx="minor"/>
+        </p:style>
+        <p:txBody>
+          <a:bodyPr wrap="none" lIns="90000" rIns="90000" tIns="45000" bIns="45000" anchor="ctr">
+            <a:noAutofit/>
+          </a:bodyPr>
+          <a:p>
+            <a:pPr algn="ctr">
+              <a:lnSpc>
+                <a:spcPct val="100000"/>
+              </a:lnSpc>
+            </a:pPr>
+            <a:r>
+              <a:rPr b="0" lang="en-IN" sz="1800" spc="-1" strike="noStrike">
+                <a:solidFill>
+                  <a:srgbClr val="000000"/>
+                </a:solidFill>
+                <a:latin typeface="Arial"/>
+                <a:ea typeface="DejaVu Sans"/>
+              </a:rPr>
+              <a:t>PRICE</a:t>
+            </a:r>
+            <a:endParaRPr b="0" lang="en-IN" sz="1800" spc="-1" strike="noStrike">
+              <a:latin typeface="Arial"/>
+            </a:endParaRPr>
+          </a:p>
+        </p:txBody>
+      </p:sp>
+      <p:sp>
+        <p:nvSpPr>
+          <p:cNvPr id="311" name="CustomShape 20"/>
+          <p:cNvSpPr/>
+          <p:nvPr/>
+        </p:nvSpPr>
+        <p:spPr>
+          <a:xfrm>
+            <a:off x="6803640" y="4068360"/>
+            <a:ext cx="1079640" cy="573840"/>
+          </a:xfrm>
+          <a:prstGeom prst="ellipse">
+            <a:avLst/>
+          </a:prstGeom>
+          <a:solidFill>
+            <a:srgbClr val="729fcf"/>
+          </a:solidFill>
+          <a:ln>
+            <a:solidFill>
+              <a:srgbClr val="3465a4"/>
+            </a:solidFill>
+          </a:ln>
+        </p:spPr>
+        <p:style>
+          <a:lnRef idx="0"/>
+          <a:fillRef idx="0"/>
+          <a:effectRef idx="0"/>
+          <a:fontRef idx="minor"/>
+        </p:style>
+        <p:txBody>
+          <a:bodyPr wrap="none" lIns="90000" rIns="90000" tIns="45000" bIns="45000" anchor="ctr">
+            <a:noAutofit/>
+          </a:bodyPr>
+          <a:p>
+            <a:pPr algn="ctr">
+              <a:lnSpc>
+                <a:spcPct val="100000"/>
+              </a:lnSpc>
+            </a:pPr>
+            <a:r>
+              <a:rPr b="0" lang="en-IN" sz="1800" spc="-1" strike="noStrike">
+                <a:solidFill>
+                  <a:srgbClr val="000000"/>
+                </a:solidFill>
+                <a:latin typeface="Arial"/>
+                <a:ea typeface="DejaVu Sans"/>
+              </a:rPr>
+              <a:t>SNAME</a:t>
+            </a:r>
+            <a:endParaRPr b="0" lang="en-IN" sz="1800" spc="-1" strike="noStrike">
+              <a:latin typeface="Arial"/>
+            </a:endParaRPr>
+          </a:p>
+        </p:txBody>
+      </p:sp>
+      <p:sp>
+        <p:nvSpPr>
+          <p:cNvPr id="312" name="CustomShape 21"/>
+          <p:cNvSpPr/>
+          <p:nvPr/>
+        </p:nvSpPr>
+        <p:spPr>
+          <a:xfrm>
+            <a:off x="6839280" y="4752360"/>
+            <a:ext cx="1079640" cy="573840"/>
+          </a:xfrm>
+          <a:prstGeom prst="ellipse">
+            <a:avLst/>
+          </a:prstGeom>
+          <a:solidFill>
+            <a:srgbClr val="729fcf"/>
+          </a:solidFill>
+          <a:ln>
+            <a:solidFill>
+              <a:srgbClr val="3465a4"/>
+            </a:solidFill>
+          </a:ln>
+        </p:spPr>
+        <p:style>
+          <a:lnRef idx="0"/>
+          <a:fillRef idx="0"/>
+          <a:effectRef idx="0"/>
+          <a:fontRef idx="minor"/>
+        </p:style>
+        <p:txBody>
+          <a:bodyPr wrap="none" lIns="90000" rIns="90000" tIns="45000" bIns="45000" anchor="ctr">
+            <a:noAutofit/>
+          </a:bodyPr>
+          <a:p>
+            <a:pPr algn="ctr">
+              <a:lnSpc>
+                <a:spcPct val="100000"/>
+              </a:lnSpc>
+            </a:pPr>
+            <a:r>
+              <a:rPr b="0" lang="en-IN" sz="1800" spc="-1" strike="noStrike">
+                <a:solidFill>
+                  <a:srgbClr val="000000"/>
+                </a:solidFill>
+                <a:latin typeface="Arial"/>
+                <a:ea typeface="DejaVu Sans"/>
+              </a:rPr>
+              <a:t>ADDR</a:t>
+            </a:r>
+            <a:endParaRPr b="0" lang="en-IN" sz="1800" spc="-1" strike="noStrike">
+              <a:latin typeface="Arial"/>
+            </a:endParaRPr>
+          </a:p>
+        </p:txBody>
+      </p:sp>
+      <p:sp>
+        <p:nvSpPr>
+          <p:cNvPr id="313" name="Line 22"/>
+          <p:cNvSpPr/>
+          <p:nvPr/>
+        </p:nvSpPr>
+        <p:spPr>
+          <a:xfrm flipH="1" flipV="1">
+            <a:off x="2520000" y="753840"/>
+            <a:ext cx="72000" cy="182160"/>
+          </a:xfrm>
+          <a:prstGeom prst="line">
+            <a:avLst/>
+          </a:prstGeom>
+          <a:ln>
+            <a:solidFill>
+              <a:srgbClr val="3465a4"/>
+            </a:solidFill>
+          </a:ln>
+        </p:spPr>
+        <p:style>
+          <a:lnRef idx="0"/>
+          <a:fillRef idx="0"/>
+          <a:effectRef idx="0"/>
+          <a:fontRef idx="minor"/>
+        </p:style>
+      </p:sp>
+      <p:sp>
+        <p:nvSpPr>
+          <p:cNvPr id="314" name="Line 23"/>
+          <p:cNvSpPr/>
+          <p:nvPr/>
+        </p:nvSpPr>
+        <p:spPr>
+          <a:xfrm flipH="1" flipV="1">
+            <a:off x="1440000" y="864000"/>
+            <a:ext cx="468000" cy="72000"/>
+          </a:xfrm>
+          <a:prstGeom prst="line">
+            <a:avLst/>
+          </a:prstGeom>
+          <a:ln>
+            <a:solidFill>
+              <a:srgbClr val="3465a4"/>
+            </a:solidFill>
+          </a:ln>
+        </p:spPr>
+        <p:style>
+          <a:lnRef idx="0"/>
+          <a:fillRef idx="0"/>
+          <a:effectRef idx="0"/>
+          <a:fontRef idx="minor"/>
+        </p:style>
+      </p:sp>
+      <p:sp>
+        <p:nvSpPr>
+          <p:cNvPr id="315" name="Line 24"/>
+          <p:cNvSpPr/>
+          <p:nvPr/>
+        </p:nvSpPr>
+        <p:spPr>
+          <a:xfrm flipH="1">
+            <a:off x="1440000" y="1296000"/>
+            <a:ext cx="468000" cy="72000"/>
+          </a:xfrm>
+          <a:prstGeom prst="line">
+            <a:avLst/>
+          </a:prstGeom>
+          <a:ln>
+            <a:solidFill>
+              <a:srgbClr val="3465a4"/>
+            </a:solidFill>
+          </a:ln>
+        </p:spPr>
+        <p:style>
+          <a:lnRef idx="0"/>
+          <a:fillRef idx="0"/>
+          <a:effectRef idx="0"/>
+          <a:fontRef idx="minor"/>
+        </p:style>
+      </p:sp>
+      <p:sp>
+        <p:nvSpPr>
+          <p:cNvPr id="316" name="Line 25"/>
+          <p:cNvSpPr/>
+          <p:nvPr/>
+        </p:nvSpPr>
+        <p:spPr>
+          <a:xfrm flipH="1">
+            <a:off x="1511640" y="3888000"/>
+            <a:ext cx="396360" cy="0"/>
+          </a:xfrm>
+          <a:prstGeom prst="line">
+            <a:avLst/>
+          </a:prstGeom>
+          <a:ln>
+            <a:solidFill>
+              <a:srgbClr val="3465a4"/>
+            </a:solidFill>
+          </a:ln>
+        </p:spPr>
+        <p:style>
+          <a:lnRef idx="0"/>
+          <a:fillRef idx="0"/>
+          <a:effectRef idx="0"/>
+          <a:fontRef idx="minor"/>
+        </p:style>
+      </p:sp>
+      <p:sp>
+        <p:nvSpPr>
+          <p:cNvPr id="317" name="Line 26"/>
+          <p:cNvSpPr/>
+          <p:nvPr/>
+        </p:nvSpPr>
+        <p:spPr>
+          <a:xfrm flipH="1">
+            <a:off x="3312000" y="3888000"/>
+            <a:ext cx="396360" cy="0"/>
+          </a:xfrm>
+          <a:prstGeom prst="line">
+            <a:avLst/>
+          </a:prstGeom>
+          <a:ln>
+            <a:solidFill>
+              <a:srgbClr val="3465a4"/>
+            </a:solidFill>
+          </a:ln>
+        </p:spPr>
+        <p:style>
+          <a:lnRef idx="0"/>
+          <a:fillRef idx="0"/>
+          <a:effectRef idx="0"/>
+          <a:fontRef idx="minor"/>
+        </p:style>
+      </p:sp>
+      <p:sp>
+        <p:nvSpPr>
+          <p:cNvPr id="318" name="Line 27"/>
+          <p:cNvSpPr/>
+          <p:nvPr/>
+        </p:nvSpPr>
+        <p:spPr>
+          <a:xfrm flipH="1">
+            <a:off x="6372000" y="4392000"/>
+            <a:ext cx="432720" cy="0"/>
+          </a:xfrm>
+          <a:prstGeom prst="line">
+            <a:avLst/>
+          </a:prstGeom>
+          <a:ln>
+            <a:solidFill>
+              <a:srgbClr val="3465a4"/>
+            </a:solidFill>
+          </a:ln>
+        </p:spPr>
+        <p:style>
+          <a:lnRef idx="0"/>
+          <a:fillRef idx="0"/>
+          <a:effectRef idx="0"/>
+          <a:fontRef idx="minor"/>
+        </p:style>
+      </p:sp>
+      <p:sp>
+        <p:nvSpPr>
+          <p:cNvPr id="319" name="Line 28"/>
+          <p:cNvSpPr/>
+          <p:nvPr/>
+        </p:nvSpPr>
+        <p:spPr>
+          <a:xfrm flipH="1">
+            <a:off x="6372000" y="5040000"/>
+            <a:ext cx="467280" cy="0"/>
+          </a:xfrm>
+          <a:prstGeom prst="line">
+            <a:avLst/>
+          </a:prstGeom>
+          <a:ln>
+            <a:solidFill>
+              <a:srgbClr val="3465a4"/>
+            </a:solidFill>
+          </a:ln>
+        </p:spPr>
+        <p:style>
+          <a:lnRef idx="0"/>
+          <a:fillRef idx="0"/>
+          <a:effectRef idx="0"/>
+          <a:fontRef idx="minor"/>
+        </p:style>
+      </p:sp>
+      <p:sp>
+        <p:nvSpPr>
+          <p:cNvPr id="320" name="Line 29"/>
+          <p:cNvSpPr/>
+          <p:nvPr/>
+        </p:nvSpPr>
+        <p:spPr>
+          <a:xfrm flipV="1">
+            <a:off x="4752000" y="2013840"/>
+            <a:ext cx="0" cy="220320"/>
+          </a:xfrm>
+          <a:prstGeom prst="line">
+            <a:avLst/>
+          </a:prstGeom>
+          <a:ln>
+            <a:solidFill>
+              <a:srgbClr val="3465a4"/>
+            </a:solidFill>
+          </a:ln>
+        </p:spPr>
+        <p:style>
+          <a:lnRef idx="0"/>
+          <a:fillRef idx="0"/>
+          <a:effectRef idx="0"/>
+          <a:fontRef idx="minor"/>
+        </p:style>
+      </p:sp>
+      <p:sp>
+        <p:nvSpPr>
+          <p:cNvPr id="321" name="Line 30"/>
+          <p:cNvSpPr/>
+          <p:nvPr/>
+        </p:nvSpPr>
+        <p:spPr>
+          <a:xfrm flipV="1">
+            <a:off x="6552000" y="753840"/>
+            <a:ext cx="0" cy="182160"/>
+          </a:xfrm>
+          <a:prstGeom prst="line">
+            <a:avLst/>
+          </a:prstGeom>
+          <a:ln>
+            <a:solidFill>
+              <a:srgbClr val="3465a4"/>
+            </a:solidFill>
+          </a:ln>
+        </p:spPr>
+        <p:style>
+          <a:lnRef idx="0"/>
+          <a:fillRef idx="0"/>
+          <a:effectRef idx="0"/>
+          <a:fontRef idx="minor"/>
+        </p:style>
+      </p:sp>
+      <p:sp>
+        <p:nvSpPr>
+          <p:cNvPr id="322" name="Line 31"/>
+          <p:cNvSpPr/>
+          <p:nvPr/>
+        </p:nvSpPr>
+        <p:spPr>
+          <a:xfrm flipV="1">
+            <a:off x="7521840" y="753840"/>
+            <a:ext cx="470160" cy="182160"/>
+          </a:xfrm>
+          <a:prstGeom prst="line">
+            <a:avLst/>
+          </a:prstGeom>
+          <a:ln>
+            <a:solidFill>
+              <a:srgbClr val="3465a4"/>
+            </a:solidFill>
+          </a:ln>
+        </p:spPr>
+        <p:style>
+          <a:lnRef idx="0"/>
+          <a:fillRef idx="0"/>
+          <a:effectRef idx="0"/>
+          <a:fontRef idx="minor"/>
+        </p:style>
+      </p:sp>
+      <p:sp>
+        <p:nvSpPr>
+          <p:cNvPr id="323" name="Line 32"/>
+          <p:cNvSpPr/>
+          <p:nvPr/>
+        </p:nvSpPr>
+        <p:spPr>
+          <a:xfrm>
+            <a:off x="7521840" y="1224000"/>
+            <a:ext cx="470160" cy="0"/>
+          </a:xfrm>
+          <a:prstGeom prst="line">
+            <a:avLst/>
+          </a:prstGeom>
+          <a:ln>
+            <a:solidFill>
+              <a:srgbClr val="3465a4"/>
+            </a:solidFill>
+          </a:ln>
+        </p:spPr>
+        <p:style>
+          <a:lnRef idx="0"/>
+          <a:fillRef idx="0"/>
+          <a:effectRef idx="0"/>
+          <a:fontRef idx="minor"/>
+        </p:style>
+      </p:sp>
+      <p:sp>
+        <p:nvSpPr>
+          <p:cNvPr id="324" name="Line 33"/>
+          <p:cNvSpPr/>
+          <p:nvPr/>
+        </p:nvSpPr>
+        <p:spPr>
+          <a:xfrm>
+            <a:off x="5469840" y="1332000"/>
+            <a:ext cx="614160" cy="0"/>
+          </a:xfrm>
+          <a:prstGeom prst="line">
+            <a:avLst/>
+          </a:prstGeom>
+          <a:ln>
+            <a:solidFill>
+              <a:srgbClr val="3465a4"/>
+            </a:solidFill>
+            <a:tailEnd len="med" type="triangle" w="med"/>
           </a:ln>
         </p:spPr>
         <p:style>
@@ -3056,7 +9449,7 @@
         <p:spPr>
           <a:xfrm>
             <a:off x="1908000" y="936000"/>
-            <a:ext cx="1438200" cy="790200"/>
+            <a:ext cx="1437840" cy="789840"/>
           </a:xfrm>
           <a:prstGeom prst="rect">
             <a:avLst/>
@@ -3111,7 +9504,7 @@
         <p:spPr>
           <a:xfrm>
             <a:off x="6084000" y="936000"/>
-            <a:ext cx="1438200" cy="790200"/>
+            <a:ext cx="1437840" cy="789840"/>
           </a:xfrm>
           <a:prstGeom prst="rect">
             <a:avLst/>
@@ -3166,7 +9559,7 @@
         <p:spPr>
           <a:xfrm>
             <a:off x="1908000" y="4068000"/>
-            <a:ext cx="1438200" cy="790200"/>
+            <a:ext cx="1437840" cy="789840"/>
           </a:xfrm>
           <a:prstGeom prst="rect">
             <a:avLst/>
@@ -3221,7 +9614,7 @@
         <p:spPr>
           <a:xfrm>
             <a:off x="4032000" y="648000"/>
-            <a:ext cx="1438200" cy="1366200"/>
+            <a:ext cx="1437840" cy="1365840"/>
           </a:xfrm>
           <a:custGeom>
             <a:avLst/>
@@ -3319,7 +9712,7 @@
         <p:spPr>
           <a:xfrm>
             <a:off x="1872000" y="2232360"/>
-            <a:ext cx="1438200" cy="1366200"/>
+            <a:ext cx="1437840" cy="1365840"/>
           </a:xfrm>
           <a:custGeom>
             <a:avLst/>
@@ -3525,7 +9918,7 @@
         <p:spPr>
           <a:xfrm>
             <a:off x="5184000" y="2340000"/>
-            <a:ext cx="2014200" cy="574200"/>
+            <a:ext cx="2013840" cy="573840"/>
           </a:xfrm>
           <a:prstGeom prst="ellipse">
             <a:avLst/>
@@ -3580,7 +9973,7 @@
         <p:spPr>
           <a:xfrm>
             <a:off x="3960360" y="3240360"/>
-            <a:ext cx="2014200" cy="574200"/>
+            <a:ext cx="2013840" cy="573840"/>
           </a:xfrm>
           <a:prstGeom prst="ellipse">
             <a:avLst/>
@@ -3719,7 +10112,7 @@
         <p:spPr>
           <a:xfrm>
             <a:off x="3060000" y="2268000"/>
-            <a:ext cx="1438200" cy="790200"/>
+            <a:ext cx="1437840" cy="789840"/>
           </a:xfrm>
           <a:prstGeom prst="rect">
             <a:avLst/>
@@ -3774,7 +10167,7 @@
         <p:spPr>
           <a:xfrm>
             <a:off x="5832000" y="1980000"/>
-            <a:ext cx="1438200" cy="1366200"/>
+            <a:ext cx="1437840" cy="1365840"/>
           </a:xfrm>
           <a:custGeom>
             <a:avLst/>
@@ -3926,7 +10319,7 @@
         <p:spPr>
           <a:xfrm>
             <a:off x="2376000" y="1044000"/>
-            <a:ext cx="1150200" cy="682200"/>
+            <a:ext cx="1149840" cy="681840"/>
           </a:xfrm>
           <a:prstGeom prst="ellipse">
             <a:avLst/>
@@ -3981,7 +10374,7 @@
         <p:spPr>
           <a:xfrm>
             <a:off x="3780360" y="1044360"/>
-            <a:ext cx="1150200" cy="682200"/>
+            <a:ext cx="1149840" cy="681840"/>
           </a:xfrm>
           <a:prstGeom prst="ellipse">
             <a:avLst/>
@@ -4036,7 +10429,7 @@
         <p:spPr>
           <a:xfrm>
             <a:off x="2376360" y="1044360"/>
-            <a:ext cx="1150200" cy="682200"/>
+            <a:ext cx="1149840" cy="681840"/>
           </a:xfrm>
           <a:prstGeom prst="ellipse">
             <a:avLst/>
@@ -4091,7 +10484,7 @@
         <p:spPr>
           <a:xfrm>
             <a:off x="1512720" y="2160720"/>
-            <a:ext cx="1150200" cy="682200"/>
+            <a:ext cx="1149840" cy="681840"/>
           </a:xfrm>
           <a:prstGeom prst="ellipse">
             <a:avLst/>
@@ -4227,7 +10620,7 @@
         <p:spPr>
           <a:xfrm>
             <a:off x="4500000" y="2376000"/>
-            <a:ext cx="1402200" cy="600480"/>
+            <a:ext cx="1401840" cy="600120"/>
           </a:xfrm>
           <a:prstGeom prst="rect">
             <a:avLst/>
@@ -4278,7 +10671,7 @@
         <p:spPr>
           <a:xfrm>
             <a:off x="4320000" y="3204360"/>
-            <a:ext cx="1402200" cy="600480"/>
+            <a:ext cx="1401840" cy="600120"/>
           </a:xfrm>
           <a:prstGeom prst="rect">
             <a:avLst/>
@@ -4359,7 +10752,7 @@
         <p:spPr>
           <a:xfrm>
             <a:off x="504000" y="576000"/>
-            <a:ext cx="430560" cy="1654560"/>
+            <a:ext cx="430200" cy="1654200"/>
           </a:xfrm>
           <a:prstGeom prst="ellipse">
             <a:avLst/>
@@ -4389,7 +10782,7 @@
         <p:spPr>
           <a:xfrm>
             <a:off x="1440360" y="576360"/>
-            <a:ext cx="430560" cy="1654560"/>
+            <a:ext cx="430200" cy="1654200"/>
           </a:xfrm>
           <a:prstGeom prst="ellipse">
             <a:avLst/>
@@ -4419,7 +10812,7 @@
         <p:spPr>
           <a:xfrm>
             <a:off x="3204720" y="612720"/>
-            <a:ext cx="430560" cy="1654560"/>
+            <a:ext cx="430200" cy="1654200"/>
           </a:xfrm>
           <a:prstGeom prst="ellipse">
             <a:avLst/>
@@ -4449,7 +10842,7 @@
         <p:spPr>
           <a:xfrm>
             <a:off x="4068720" y="576720"/>
-            <a:ext cx="430560" cy="1654560"/>
+            <a:ext cx="430200" cy="1654200"/>
           </a:xfrm>
           <a:prstGeom prst="ellipse">
             <a:avLst/>
@@ -4479,7 +10872,7 @@
         <p:spPr>
           <a:xfrm>
             <a:off x="504720" y="3204720"/>
-            <a:ext cx="430560" cy="1654560"/>
+            <a:ext cx="430200" cy="1654200"/>
           </a:xfrm>
           <a:prstGeom prst="ellipse">
             <a:avLst/>
@@ -4509,7 +10902,7 @@
         <p:spPr>
           <a:xfrm>
             <a:off x="1440720" y="3168720"/>
-            <a:ext cx="430560" cy="1654560"/>
+            <a:ext cx="430200" cy="1654200"/>
           </a:xfrm>
           <a:prstGeom prst="ellipse">
             <a:avLst/>
@@ -4539,7 +10932,7 @@
         <p:spPr>
           <a:xfrm>
             <a:off x="3240720" y="3168720"/>
-            <a:ext cx="430560" cy="1654560"/>
+            <a:ext cx="430200" cy="1654200"/>
           </a:xfrm>
           <a:prstGeom prst="ellipse">
             <a:avLst/>
@@ -4569,7 +10962,7 @@
         <p:spPr>
           <a:xfrm>
             <a:off x="4068720" y="3168720"/>
-            <a:ext cx="430560" cy="1654560"/>
+            <a:ext cx="430200" cy="1654200"/>
           </a:xfrm>
           <a:prstGeom prst="ellipse">
             <a:avLst/>
@@ -4599,7 +10992,7 @@
         <p:spPr>
           <a:xfrm>
             <a:off x="540000" y="936000"/>
-            <a:ext cx="502560" cy="344880"/>
+            <a:ext cx="502200" cy="344520"/>
           </a:xfrm>
           <a:prstGeom prst="rect">
             <a:avLst/>
@@ -4650,7 +11043,7 @@
         <p:spPr>
           <a:xfrm>
             <a:off x="540000" y="1512000"/>
-            <a:ext cx="502560" cy="344880"/>
+            <a:ext cx="502200" cy="344520"/>
           </a:xfrm>
           <a:prstGeom prst="rect">
             <a:avLst/>
@@ -4701,7 +11094,7 @@
         <p:spPr>
           <a:xfrm>
             <a:off x="1512000" y="1512000"/>
-            <a:ext cx="502560" cy="344880"/>
+            <a:ext cx="502200" cy="344520"/>
           </a:xfrm>
           <a:prstGeom prst="rect">
             <a:avLst/>
@@ -4752,7 +11145,7 @@
         <p:spPr>
           <a:xfrm>
             <a:off x="1512000" y="900000"/>
-            <a:ext cx="502560" cy="344880"/>
+            <a:ext cx="502200" cy="344520"/>
           </a:xfrm>
           <a:prstGeom prst="rect">
             <a:avLst/>
@@ -4803,7 +11196,7 @@
         <p:spPr>
           <a:xfrm>
             <a:off x="540000" y="1260000"/>
-            <a:ext cx="502560" cy="344880"/>
+            <a:ext cx="502200" cy="344520"/>
           </a:xfrm>
           <a:prstGeom prst="rect">
             <a:avLst/>
@@ -4854,7 +11247,7 @@
         <p:spPr>
           <a:xfrm>
             <a:off x="1512000" y="1224000"/>
-            <a:ext cx="502560" cy="344880"/>
+            <a:ext cx="502200" cy="344520"/>
           </a:xfrm>
           <a:prstGeom prst="rect">
             <a:avLst/>
@@ -4905,7 +11298,7 @@
         <p:spPr>
           <a:xfrm>
             <a:off x="3240000" y="900000"/>
-            <a:ext cx="502560" cy="344880"/>
+            <a:ext cx="502200" cy="344520"/>
           </a:xfrm>
           <a:prstGeom prst="rect">
             <a:avLst/>
@@ -4956,7 +11349,7 @@
         <p:spPr>
           <a:xfrm>
             <a:off x="4104000" y="900000"/>
-            <a:ext cx="502560" cy="344880"/>
+            <a:ext cx="502200" cy="344520"/>
           </a:xfrm>
           <a:prstGeom prst="rect">
             <a:avLst/>
@@ -5007,7 +11400,7 @@
         <p:spPr>
           <a:xfrm>
             <a:off x="4104000" y="1224000"/>
-            <a:ext cx="502560" cy="344880"/>
+            <a:ext cx="502200" cy="344520"/>
           </a:xfrm>
           <a:prstGeom prst="rect">
             <a:avLst/>
@@ -5058,7 +11451,7 @@
         <p:spPr>
           <a:xfrm>
             <a:off x="4104000" y="1620000"/>
-            <a:ext cx="502560" cy="344880"/>
+            <a:ext cx="502200" cy="344520"/>
           </a:xfrm>
           <a:prstGeom prst="rect">
             <a:avLst/>
@@ -5109,7 +11502,7 @@
         <p:spPr>
           <a:xfrm>
             <a:off x="576000" y="3492000"/>
-            <a:ext cx="502560" cy="344880"/>
+            <a:ext cx="502200" cy="344520"/>
           </a:xfrm>
           <a:prstGeom prst="rect">
             <a:avLst/>
@@ -5160,7 +11553,7 @@
         <p:spPr>
           <a:xfrm>
             <a:off x="576000" y="3852000"/>
-            <a:ext cx="502560" cy="344880"/>
+            <a:ext cx="502200" cy="344520"/>
           </a:xfrm>
           <a:prstGeom prst="rect">
             <a:avLst/>
@@ -5211,7 +11604,7 @@
         <p:spPr>
           <a:xfrm>
             <a:off x="576000" y="4176000"/>
-            <a:ext cx="502560" cy="344880"/>
+            <a:ext cx="502200" cy="344520"/>
           </a:xfrm>
           <a:prstGeom prst="rect">
             <a:avLst/>
@@ -5262,7 +11655,7 @@
         <p:spPr>
           <a:xfrm>
             <a:off x="1476000" y="3492000"/>
-            <a:ext cx="502560" cy="344880"/>
+            <a:ext cx="502200" cy="344520"/>
           </a:xfrm>
           <a:prstGeom prst="rect">
             <a:avLst/>
@@ -5313,7 +11706,7 @@
         <p:spPr>
           <a:xfrm>
             <a:off x="3240000" y="3492000"/>
-            <a:ext cx="502560" cy="344880"/>
+            <a:ext cx="502200" cy="344520"/>
           </a:xfrm>
           <a:prstGeom prst="rect">
             <a:avLst/>
@@ -5364,7 +11757,7 @@
         <p:spPr>
           <a:xfrm>
             <a:off x="3276000" y="3960000"/>
-            <a:ext cx="502560" cy="344880"/>
+            <a:ext cx="502200" cy="344520"/>
           </a:xfrm>
           <a:prstGeom prst="rect">
             <a:avLst/>
@@ -5415,7 +11808,7 @@
         <p:spPr>
           <a:xfrm>
             <a:off x="4140000" y="3492000"/>
-            <a:ext cx="502560" cy="344880"/>
+            <a:ext cx="502200" cy="344520"/>
           </a:xfrm>
           <a:prstGeom prst="rect">
             <a:avLst/>
@@ -5466,7 +11859,7 @@
         <p:spPr>
           <a:xfrm>
             <a:off x="4140000" y="3924000"/>
-            <a:ext cx="502560" cy="344880"/>
+            <a:ext cx="502200" cy="344520"/>
           </a:xfrm>
           <a:prstGeom prst="rect">
             <a:avLst/>
@@ -5814,7 +12207,7 @@
         <p:spPr>
           <a:xfrm>
             <a:off x="540000" y="2412000"/>
-            <a:ext cx="1294560" cy="344880"/>
+            <a:ext cx="1294200" cy="344520"/>
           </a:xfrm>
           <a:prstGeom prst="rect">
             <a:avLst/>
@@ -5865,7 +12258,7 @@
         <p:spPr>
           <a:xfrm>
             <a:off x="3168000" y="2412000"/>
-            <a:ext cx="1438560" cy="394560"/>
+            <a:ext cx="1438200" cy="394200"/>
           </a:xfrm>
           <a:prstGeom prst="rect">
             <a:avLst/>
@@ -5916,7 +12309,7 @@
         <p:spPr>
           <a:xfrm>
             <a:off x="3168000" y="4968000"/>
-            <a:ext cx="1582560" cy="358560"/>
+            <a:ext cx="1582200" cy="358200"/>
           </a:xfrm>
           <a:prstGeom prst="rect">
             <a:avLst/>
@@ -5967,7 +12360,7 @@
         <p:spPr>
           <a:xfrm>
             <a:off x="504000" y="4968000"/>
-            <a:ext cx="1438560" cy="358560"/>
+            <a:ext cx="1438200" cy="358200"/>
           </a:xfrm>
           <a:prstGeom prst="rect">
             <a:avLst/>
@@ -6048,7 +12441,7 @@
         <p:spPr>
           <a:xfrm>
             <a:off x="1872000" y="1008000"/>
-            <a:ext cx="2086920" cy="790920"/>
+            <a:ext cx="2086560" cy="790560"/>
           </a:xfrm>
           <a:prstGeom prst="rect">
             <a:avLst/>
@@ -6078,7 +12471,7 @@
         <p:spPr>
           <a:xfrm>
             <a:off x="5328000" y="756000"/>
-            <a:ext cx="1654920" cy="1222920"/>
+            <a:ext cx="1654560" cy="1222560"/>
           </a:xfrm>
           <a:custGeom>
             <a:avLst/>
@@ -6131,7 +12524,7 @@
         <p:spPr>
           <a:xfrm>
             <a:off x="1872360" y="3672360"/>
-            <a:ext cx="2086920" cy="790920"/>
+            <a:ext cx="2086560" cy="790560"/>
           </a:xfrm>
           <a:prstGeom prst="rect">
             <a:avLst/>
@@ -6161,7 +12554,7 @@
         <p:spPr>
           <a:xfrm>
             <a:off x="5328360" y="3420360"/>
-            <a:ext cx="1654920" cy="1222920"/>
+            <a:ext cx="1654560" cy="1222560"/>
           </a:xfrm>
           <a:custGeom>
             <a:avLst/>
@@ -6269,7 +12662,7 @@
         <p:spPr>
           <a:xfrm>
             <a:off x="1188000" y="2304000"/>
-            <a:ext cx="6910920" cy="345240"/>
+            <a:ext cx="6910560" cy="344880"/>
           </a:xfrm>
           <a:prstGeom prst="rect">
             <a:avLst/>
@@ -6320,7 +12713,7 @@
         <p:spPr>
           <a:xfrm>
             <a:off x="1080000" y="4788000"/>
-            <a:ext cx="7162920" cy="601200"/>
+            <a:ext cx="7162560" cy="600840"/>
           </a:xfrm>
           <a:prstGeom prst="rect">
             <a:avLst/>
@@ -6401,7 +12794,7 @@
         <p:spPr>
           <a:xfrm>
             <a:off x="1908000" y="2232000"/>
-            <a:ext cx="1438200" cy="790200"/>
+            <a:ext cx="1437840" cy="789840"/>
           </a:xfrm>
           <a:prstGeom prst="rect">
             <a:avLst/>
@@ -6456,7 +12849,7 @@
         <p:spPr>
           <a:xfrm>
             <a:off x="6084000" y="2232000"/>
-            <a:ext cx="1438200" cy="790200"/>
+            <a:ext cx="1437840" cy="789840"/>
           </a:xfrm>
           <a:prstGeom prst="rect">
             <a:avLst/>
@@ -6511,7 +12904,7 @@
         <p:spPr>
           <a:xfrm>
             <a:off x="4032000" y="1944000"/>
-            <a:ext cx="1438200" cy="1366200"/>
+            <a:ext cx="1437840" cy="1365840"/>
           </a:xfrm>
           <a:custGeom>
             <a:avLst/>
@@ -6718,7 +13111,7 @@
         <p:spPr>
           <a:xfrm>
             <a:off x="2592000" y="3636000"/>
-            <a:ext cx="7126920" cy="601200"/>
+            <a:ext cx="7126560" cy="600840"/>
           </a:xfrm>
           <a:prstGeom prst="rect">
             <a:avLst/>
@@ -6819,7 +13212,7 @@
         <p:spPr>
           <a:xfrm>
             <a:off x="5934960" y="2130480"/>
-            <a:ext cx="1696680" cy="1007640"/>
+            <a:ext cx="1696320" cy="1007280"/>
           </a:xfrm>
           <a:prstGeom prst="rect">
             <a:avLst/>
@@ -6849,7 +13242,7 @@
         <p:spPr>
           <a:xfrm>
             <a:off x="1908000" y="2232000"/>
-            <a:ext cx="1438200" cy="790200"/>
+            <a:ext cx="1437840" cy="789840"/>
           </a:xfrm>
           <a:prstGeom prst="rect">
             <a:avLst/>
@@ -6904,7 +13297,7 @@
         <p:spPr>
           <a:xfrm>
             <a:off x="6084000" y="2232000"/>
-            <a:ext cx="1438200" cy="790200"/>
+            <a:ext cx="1437840" cy="789840"/>
           </a:xfrm>
           <a:prstGeom prst="rect">
             <a:avLst/>
@@ -6959,7 +13352,7 @@
         <p:spPr>
           <a:xfrm>
             <a:off x="4032000" y="1944000"/>
-            <a:ext cx="1438200" cy="1366200"/>
+            <a:ext cx="1437840" cy="1365840"/>
           </a:xfrm>
           <a:custGeom>
             <a:avLst/>
@@ -7118,7 +13511,7 @@
         <p:spPr>
           <a:xfrm>
             <a:off x="1764000" y="3564000"/>
-            <a:ext cx="7126920" cy="601200"/>
+            <a:ext cx="7126560" cy="600840"/>
           </a:xfrm>
           <a:prstGeom prst="rect">
             <a:avLst/>
@@ -7226,7 +13619,7 @@
         <p:spPr>
           <a:xfrm>
             <a:off x="1945800" y="3636000"/>
-            <a:ext cx="1438200" cy="790200"/>
+            <a:ext cx="1437840" cy="789840"/>
           </a:xfrm>
           <a:prstGeom prst="rect">
             <a:avLst/>
@@ -7301,7 +13694,7 @@
         <p:spPr>
           <a:xfrm>
             <a:off x="6300000" y="3673800"/>
-            <a:ext cx="1438200" cy="790200"/>
+            <a:ext cx="1437840" cy="789840"/>
           </a:xfrm>
           <a:prstGeom prst="rect">
             <a:avLst/>
@@ -7430,7 +13823,7 @@
         <p:spPr>
           <a:xfrm>
             <a:off x="1764000" y="4860000"/>
-            <a:ext cx="7126920" cy="601200"/>
+            <a:ext cx="7126560" cy="600840"/>
           </a:xfrm>
           <a:prstGeom prst="rect">
             <a:avLst/>
@@ -7456,7 +13849,7 @@
         <p:spPr>
           <a:xfrm>
             <a:off x="4140000" y="1080000"/>
-            <a:ext cx="1438200" cy="790200"/>
+            <a:ext cx="1437840" cy="789840"/>
           </a:xfrm>
           <a:prstGeom prst="rect">
             <a:avLst/>
@@ -7511,13 +13904,13 @@
         <p:spPr>
           <a:xfrm>
             <a:off x="4392000" y="2267640"/>
-            <a:ext cx="936000" cy="1008000"/>
+            <a:ext cx="935640" cy="1007640"/>
           </a:xfrm>
           <a:custGeom>
             <a:avLst/>
             <a:gdLst/>
             <a:ahLst/>
-            <a:rect l="0" t="0" r="r" b="b"/>
+            <a:rect l="l" t="t" r="r" b="b"/>
             <a:pathLst>
               <a:path w="2602" h="2802">
                 <a:moveTo>
@@ -7553,14 +13946,14 @@
       </p:sp>
       <p:sp>
         <p:nvSpPr>
-          <p:cNvPr id="147" name="TextShape 8"/>
-          <p:cNvSpPr txBox="1"/>
+          <p:cNvPr id="147" name="CustomShape 8"/>
+          <p:cNvSpPr/>
           <p:nvPr/>
         </p:nvSpPr>
         <p:spPr>
           <a:xfrm>
             <a:off x="4572000" y="2304000"/>
-            <a:ext cx="648000" cy="346320"/>
+            <a:ext cx="647640" cy="345960"/>
           </a:xfrm>
           <a:prstGeom prst="rect">
             <a:avLst/>
@@ -7570,11 +13963,22 @@
             <a:noFill/>
           </a:ln>
         </p:spPr>
+        <p:style>
+          <a:lnRef idx="0"/>
+          <a:fillRef idx="0"/>
+          <a:effectRef idx="0"/>
+          <a:fontRef idx="minor"/>
+        </p:style>
         <p:txBody>
           <a:bodyPr lIns="90000" rIns="90000" tIns="45000" bIns="45000">
             <a:noAutofit/>
           </a:bodyPr>
           <a:p>
+            <a:pPr>
+              <a:lnSpc>
+                <a:spcPct val="100000"/>
+              </a:lnSpc>
+            </a:pPr>
             <a:r>
               <a:rPr b="0" lang="en-IN" sz="1800" spc="-1" strike="noStrike">
                 <a:latin typeface="Arial"/>
@@ -7677,7 +14081,7 @@
         <p:spPr>
           <a:xfrm>
             <a:off x="2592000" y="432000"/>
-            <a:ext cx="1152000" cy="504000"/>
+            <a:ext cx="1151640" cy="503640"/>
           </a:xfrm>
           <a:prstGeom prst="ellipse">
             <a:avLst/>
@@ -7702,10 +14106,18 @@
             <a:noAutofit/>
           </a:bodyPr>
           <a:p>
-            <a:pPr algn="ctr"/>
-            <a:r>
-              <a:rPr b="0" lang="en-IN" sz="1800" spc="-1" strike="noStrike">
-                <a:latin typeface="Arial"/>
+            <a:pPr algn="ctr">
+              <a:lnSpc>
+                <a:spcPct val="100000"/>
+              </a:lnSpc>
+            </a:pPr>
+            <a:r>
+              <a:rPr b="0" lang="en-IN" sz="1800" spc="-1" strike="noStrike">
+                <a:solidFill>
+                  <a:srgbClr val="000000"/>
+                </a:solidFill>
+                <a:latin typeface="Arial"/>
+                <a:ea typeface="DejaVu Sans"/>
               </a:rPr>
               <a:t>DESTI..</a:t>
             </a:r>
@@ -7724,7 +14136,7 @@
         <p:spPr>
           <a:xfrm>
             <a:off x="4104360" y="360360"/>
-            <a:ext cx="1152000" cy="504000"/>
+            <a:ext cx="1151640" cy="503640"/>
           </a:xfrm>
           <a:prstGeom prst="ellipse">
             <a:avLst/>
@@ -7749,10 +14161,18 @@
             <a:noAutofit/>
           </a:bodyPr>
           <a:p>
-            <a:pPr algn="ctr"/>
-            <a:r>
-              <a:rPr b="0" lang="en-IN" sz="1800" spc="-1" strike="noStrike">
-                <a:latin typeface="Arial"/>
+            <a:pPr algn="ctr">
+              <a:lnSpc>
+                <a:spcPct val="100000"/>
+              </a:lnSpc>
+            </a:pPr>
+            <a:r>
+              <a:rPr b="0" lang="en-IN" sz="1800" spc="-1" strike="noStrike">
+                <a:solidFill>
+                  <a:srgbClr val="000000"/>
+                </a:solidFill>
+                <a:latin typeface="Arial"/>
+                <a:ea typeface="DejaVu Sans"/>
               </a:rPr>
               <a:t>SOURCE</a:t>
             </a:r>
@@ -7771,7 +14191,7 @@
         <p:spPr>
           <a:xfrm>
             <a:off x="5652720" y="432720"/>
-            <a:ext cx="1152000" cy="504000"/>
+            <a:ext cx="1151640" cy="503640"/>
           </a:xfrm>
           <a:prstGeom prst="ellipse">
             <a:avLst/>
@@ -7796,10 +14216,18 @@
             <a:noAutofit/>
           </a:bodyPr>
           <a:p>
-            <a:pPr algn="ctr"/>
-            <a:r>
-              <a:rPr b="0" lang="en-IN" sz="1800" spc="-1" strike="noStrike">
-                <a:latin typeface="Arial"/>
+            <a:pPr algn="ctr">
+              <a:lnSpc>
+                <a:spcPct val="100000"/>
+              </a:lnSpc>
+            </a:pPr>
+            <a:r>
+              <a:rPr b="0" lang="en-IN" sz="1800" spc="-1" strike="noStrike">
+                <a:solidFill>
+                  <a:srgbClr val="000000"/>
+                </a:solidFill>
+                <a:latin typeface="Arial"/>
+                <a:ea typeface="DejaVu Sans"/>
               </a:rPr>
               <a:t>TICKET NO</a:t>
             </a:r>
@@ -7818,7 +14246,7 @@
         <p:spPr>
           <a:xfrm>
             <a:off x="3813480" y="4321080"/>
-            <a:ext cx="1152000" cy="504000"/>
+            <a:ext cx="1151640" cy="503640"/>
           </a:xfrm>
           <a:prstGeom prst="ellipse">
             <a:avLst/>
@@ -7843,10 +14271,18 @@
             <a:noAutofit/>
           </a:bodyPr>
           <a:p>
-            <a:pPr algn="ctr"/>
-            <a:r>
-              <a:rPr b="0" lang="en-IN" sz="1800" spc="-1" strike="noStrike">
-                <a:latin typeface="Arial"/>
+            <a:pPr algn="ctr">
+              <a:lnSpc>
+                <a:spcPct val="100000"/>
+              </a:lnSpc>
+            </a:pPr>
+            <a:r>
+              <a:rPr b="0" lang="en-IN" sz="1800" spc="-1" strike="noStrike">
+                <a:solidFill>
+                  <a:srgbClr val="000000"/>
+                </a:solidFill>
+                <a:latin typeface="Arial"/>
+                <a:ea typeface="DejaVu Sans"/>
               </a:rPr>
               <a:t>TRAIN NO</a:t>
             </a:r>
@@ -7865,7 +14301,7 @@
         <p:spPr>
           <a:xfrm>
             <a:off x="2193840" y="4717440"/>
-            <a:ext cx="1152000" cy="504000"/>
+            <a:ext cx="1151640" cy="503640"/>
           </a:xfrm>
           <a:prstGeom prst="ellipse">
             <a:avLst/>
@@ -7890,10 +14326,18 @@
             <a:noAutofit/>
           </a:bodyPr>
           <a:p>
-            <a:pPr algn="ctr"/>
-            <a:r>
-              <a:rPr b="0" lang="en-IN" sz="1800" spc="-1" strike="noStrike">
-                <a:latin typeface="Arial"/>
+            <a:pPr algn="ctr">
+              <a:lnSpc>
+                <a:spcPct val="100000"/>
+              </a:lnSpc>
+            </a:pPr>
+            <a:r>
+              <a:rPr b="0" lang="en-IN" sz="1800" spc="-1" strike="noStrike">
+                <a:solidFill>
+                  <a:srgbClr val="000000"/>
+                </a:solidFill>
+                <a:latin typeface="Arial"/>
+                <a:ea typeface="DejaVu Sans"/>
               </a:rPr>
               <a:t>SEAT NO</a:t>
             </a:r>
@@ -7912,7 +14356,7 @@
         <p:spPr>
           <a:xfrm>
             <a:off x="682200" y="4501800"/>
-            <a:ext cx="1152000" cy="504000"/>
+            <a:ext cx="1151640" cy="503640"/>
           </a:xfrm>
           <a:prstGeom prst="ellipse">
             <a:avLst/>
@@ -7937,10 +14381,18 @@
             <a:noAutofit/>
           </a:bodyPr>
           <a:p>
-            <a:pPr algn="ctr"/>
-            <a:r>
-              <a:rPr b="0" lang="en-IN" sz="1800" spc="-1" strike="noStrike">
-                <a:latin typeface="Arial"/>
+            <a:pPr algn="ctr">
+              <a:lnSpc>
+                <a:spcPct val="100000"/>
+              </a:lnSpc>
+            </a:pPr>
+            <a:r>
+              <a:rPr b="0" lang="en-IN" sz="1800" spc="-1" strike="noStrike">
+                <a:solidFill>
+                  <a:srgbClr val="000000"/>
+                </a:solidFill>
+                <a:latin typeface="Arial"/>
+                <a:ea typeface="DejaVu Sans"/>
               </a:rPr>
               <a:t>RES UPTO</a:t>
             </a:r>
@@ -7959,7 +14411,7 @@
         <p:spPr>
           <a:xfrm>
             <a:off x="5434560" y="4574160"/>
-            <a:ext cx="1152000" cy="504000"/>
+            <a:ext cx="1151640" cy="503640"/>
           </a:xfrm>
           <a:prstGeom prst="ellipse">
             <a:avLst/>
@@ -7984,10 +14436,18 @@
             <a:noAutofit/>
           </a:bodyPr>
           <a:p>
-            <a:pPr algn="ctr"/>
-            <a:r>
-              <a:rPr b="0" lang="en-IN" sz="1800" spc="-1" strike="noStrike">
-                <a:latin typeface="Arial"/>
+            <a:pPr algn="ctr">
+              <a:lnSpc>
+                <a:spcPct val="100000"/>
+              </a:lnSpc>
+            </a:pPr>
+            <a:r>
+              <a:rPr b="0" lang="en-IN" sz="1800" spc="-1" strike="noStrike">
+                <a:solidFill>
+                  <a:srgbClr val="000000"/>
+                </a:solidFill>
+                <a:latin typeface="Arial"/>
+                <a:ea typeface="DejaVu Sans"/>
               </a:rPr>
               <a:t>LOCAL /EXP</a:t>
             </a:r>
@@ -8006,7 +14466,7 @@
         <p:spPr>
           <a:xfrm>
             <a:off x="7634160" y="4574520"/>
-            <a:ext cx="1152000" cy="504000"/>
+            <a:ext cx="1151640" cy="503640"/>
           </a:xfrm>
           <a:prstGeom prst="ellipse">
             <a:avLst/>
@@ -8031,10 +14491,18 @@
             <a:noAutofit/>
           </a:bodyPr>
           <a:p>
-            <a:pPr algn="ctr"/>
-            <a:r>
-              <a:rPr b="0" lang="en-IN" sz="1800" spc="-1" strike="noStrike">
-                <a:latin typeface="Arial"/>
+            <a:pPr algn="ctr">
+              <a:lnSpc>
+                <a:spcPct val="100000"/>
+              </a:lnSpc>
+            </a:pPr>
+            <a:r>
+              <a:rPr b="0" lang="en-IN" sz="1800" spc="-1" strike="noStrike">
+                <a:solidFill>
+                  <a:srgbClr val="000000"/>
+                </a:solidFill>
+                <a:latin typeface="Arial"/>
+                <a:ea typeface="DejaVu Sans"/>
               </a:rPr>
               <a:t>FARE</a:t>
             </a:r>
@@ -8053,7 +14521,7 @@
         <p:spPr>
           <a:xfrm>
             <a:off x="686520" y="3098880"/>
-            <a:ext cx="1152000" cy="504000"/>
+            <a:ext cx="1151640" cy="503640"/>
           </a:xfrm>
           <a:prstGeom prst="ellipse">
             <a:avLst/>
@@ -8078,10 +14546,18 @@
             <a:noAutofit/>
           </a:bodyPr>
           <a:p>
-            <a:pPr algn="ctr"/>
-            <a:r>
-              <a:rPr b="0" lang="en-IN" sz="1800" spc="-1" strike="noStrike">
-                <a:latin typeface="Arial"/>
+            <a:pPr algn="ctr">
+              <a:lnSpc>
+                <a:spcPct val="100000"/>
+              </a:lnSpc>
+            </a:pPr>
+            <a:r>
+              <a:rPr b="0" lang="en-IN" sz="1800" spc="-1" strike="noStrike">
+                <a:solidFill>
+                  <a:srgbClr val="000000"/>
+                </a:solidFill>
+                <a:latin typeface="Arial"/>
+                <a:ea typeface="DejaVu Sans"/>
               </a:rPr>
               <a:t>FARE</a:t>
             </a:r>
@@ -8373,7 +14849,7 @@
         <p:spPr>
           <a:xfrm>
             <a:off x="432000" y="72000"/>
-            <a:ext cx="9072000" cy="2520000"/>
+            <a:ext cx="9071640" cy="2519640"/>
           </a:xfrm>
           <a:prstGeom prst="rect">
             <a:avLst/>
@@ -8403,7 +14879,7 @@
         <p:spPr>
           <a:xfrm>
             <a:off x="2016000" y="1188000"/>
-            <a:ext cx="1438200" cy="790200"/>
+            <a:ext cx="1437840" cy="789840"/>
           </a:xfrm>
           <a:prstGeom prst="rect">
             <a:avLst/>
@@ -8458,7 +14934,7 @@
         <p:spPr>
           <a:xfrm>
             <a:off x="6192000" y="1188000"/>
-            <a:ext cx="1438200" cy="790200"/>
+            <a:ext cx="1437840" cy="789840"/>
           </a:xfrm>
           <a:prstGeom prst="rect">
             <a:avLst/>
@@ -8513,7 +14989,7 @@
         <p:spPr>
           <a:xfrm>
             <a:off x="4140000" y="900000"/>
-            <a:ext cx="1438200" cy="1366200"/>
+            <a:ext cx="1437840" cy="1365840"/>
           </a:xfrm>
           <a:custGeom>
             <a:avLst/>
@@ -8672,7 +15148,7 @@
         <p:spPr>
           <a:xfrm>
             <a:off x="-36000" y="3384000"/>
-            <a:ext cx="2628000" cy="601200"/>
+            <a:ext cx="2627640" cy="600840"/>
           </a:xfrm>
           <a:prstGeom prst="rect">
             <a:avLst/>
@@ -8750,7 +15226,7 @@
         <p:spPr>
           <a:xfrm>
             <a:off x="5868360" y="180360"/>
-            <a:ext cx="1152000" cy="504000"/>
+            <a:ext cx="1151640" cy="503640"/>
           </a:xfrm>
           <a:prstGeom prst="ellipse">
             <a:avLst/>
@@ -8775,24 +15251,20 @@
             <a:noAutofit/>
           </a:bodyPr>
           <a:p>
-            <a:pPr algn="ctr"/>
-            <a:r>
-              <a:rPr b="0" lang="en-IN" sz="1800" spc="-1" strike="noStrike">
-                <a:latin typeface="Arial"/>
-              </a:rPr>
-              <a:t>S_C</a:t>
-            </a:r>
-            <a:r>
-              <a:rPr b="0" lang="en-IN" sz="1800" spc="-1" strike="noStrike">
-                <a:latin typeface="Arial"/>
-              </a:rPr>
-              <a:t>OD</a:t>
-            </a:r>
-            <a:r>
-              <a:rPr b="0" lang="en-IN" sz="1800" spc="-1" strike="noStrike">
-                <a:latin typeface="Arial"/>
-              </a:rPr>
-              <a:t>E</a:t>
+            <a:pPr algn="ctr">
+              <a:lnSpc>
+                <a:spcPct val="100000"/>
+              </a:lnSpc>
+            </a:pPr>
+            <a:r>
+              <a:rPr b="0" lang="en-IN" sz="1800" spc="-1" strike="noStrike">
+                <a:solidFill>
+                  <a:srgbClr val="000000"/>
+                </a:solidFill>
+                <a:latin typeface="Arial"/>
+                <a:ea typeface="DejaVu Sans"/>
+              </a:rPr>
+              <a:t>S_CODE</a:t>
             </a:r>
             <a:endParaRPr b="0" lang="en-IN" sz="1800" spc="-1" strike="noStrike">
               <a:latin typeface="Arial"/>
@@ -8809,7 +15281,7 @@
         <p:spPr>
           <a:xfrm>
             <a:off x="7344720" y="216720"/>
-            <a:ext cx="1152000" cy="504000"/>
+            <a:ext cx="1151640" cy="503640"/>
           </a:xfrm>
           <a:prstGeom prst="ellipse">
             <a:avLst/>
@@ -8834,18 +15306,20 @@
             <a:noAutofit/>
           </a:bodyPr>
           <a:p>
-            <a:pPr algn="ctr"/>
-            <a:r>
-              <a:rPr b="0" lang="en-IN" sz="1800" spc="-1" strike="noStrike">
-                <a:latin typeface="Arial"/>
-              </a:rPr>
-              <a:t>TIT</a:t>
-            </a:r>
-            <a:r>
-              <a:rPr b="0" lang="en-IN" sz="1800" spc="-1" strike="noStrike">
-                <a:latin typeface="Arial"/>
-              </a:rPr>
-              <a:t>LE</a:t>
+            <a:pPr algn="ctr">
+              <a:lnSpc>
+                <a:spcPct val="100000"/>
+              </a:lnSpc>
+            </a:pPr>
+            <a:r>
+              <a:rPr b="0" lang="en-IN" sz="1800" spc="-1" strike="noStrike">
+                <a:solidFill>
+                  <a:srgbClr val="000000"/>
+                </a:solidFill>
+                <a:latin typeface="Arial"/>
+                <a:ea typeface="DejaVu Sans"/>
+              </a:rPr>
+              <a:t>TITLE</a:t>
             </a:r>
             <a:endParaRPr b="0" lang="en-IN" sz="1800" spc="-1" strike="noStrike">
               <a:latin typeface="Arial"/>
@@ -8862,7 +15336,7 @@
         <p:spPr>
           <a:xfrm>
             <a:off x="7921080" y="937080"/>
-            <a:ext cx="1152000" cy="504000"/>
+            <a:ext cx="1151640" cy="503640"/>
           </a:xfrm>
           <a:prstGeom prst="ellipse">
             <a:avLst/>
@@ -8887,10 +15361,18 @@
             <a:noAutofit/>
           </a:bodyPr>
           <a:p>
-            <a:pPr algn="ctr"/>
-            <a:r>
-              <a:rPr b="0" lang="en-IN" sz="1800" spc="-1" strike="noStrike">
-                <a:latin typeface="Arial"/>
+            <a:pPr algn="ctr">
+              <a:lnSpc>
+                <a:spcPct val="100000"/>
+              </a:lnSpc>
+            </a:pPr>
+            <a:r>
+              <a:rPr b="0" lang="en-IN" sz="1800" spc="-1" strike="noStrike">
+                <a:solidFill>
+                  <a:srgbClr val="000000"/>
+                </a:solidFill>
+                <a:latin typeface="Arial"/>
+                <a:ea typeface="DejaVu Sans"/>
               </a:rPr>
               <a:t>UG/PG</a:t>
             </a:r>
@@ -8909,7 +15391,7 @@
         <p:spPr>
           <a:xfrm>
             <a:off x="7921440" y="1693440"/>
-            <a:ext cx="1152000" cy="504000"/>
+            <a:ext cx="1151640" cy="503640"/>
           </a:xfrm>
           <a:prstGeom prst="ellipse">
             <a:avLst/>
@@ -8934,10 +15416,18 @@
             <a:noAutofit/>
           </a:bodyPr>
           <a:p>
-            <a:pPr algn="ctr"/>
-            <a:r>
-              <a:rPr b="0" lang="en-IN" sz="1800" spc="-1" strike="noStrike">
-                <a:latin typeface="Arial"/>
+            <a:pPr algn="ctr">
+              <a:lnSpc>
+                <a:spcPct val="100000"/>
+              </a:lnSpc>
+            </a:pPr>
+            <a:r>
+              <a:rPr b="0" lang="en-IN" sz="1800" spc="-1" strike="noStrike">
+                <a:solidFill>
+                  <a:srgbClr val="000000"/>
+                </a:solidFill>
+                <a:latin typeface="Arial"/>
+                <a:ea typeface="DejaVu Sans"/>
               </a:rPr>
               <a:t>LTP</a:t>
             </a:r>
@@ -8956,7 +15446,7 @@
         <p:spPr>
           <a:xfrm>
             <a:off x="7921440" y="937440"/>
-            <a:ext cx="1152000" cy="504000"/>
+            <a:ext cx="1151640" cy="503640"/>
           </a:xfrm>
           <a:prstGeom prst="ellipse">
             <a:avLst/>
@@ -8981,30 +15471,20 @@
             <a:noAutofit/>
           </a:bodyPr>
           <a:p>
-            <a:pPr algn="ctr"/>
-            <a:r>
-              <a:rPr b="0" lang="en-IN" sz="1800" spc="-1" strike="noStrike">
-                <a:latin typeface="Arial"/>
-              </a:rPr>
-              <a:t>U</a:t>
-            </a:r>
-            <a:r>
-              <a:rPr b="0" lang="en-IN" sz="1800" spc="-1" strike="noStrike">
-                <a:latin typeface="Arial"/>
-              </a:rPr>
-              <a:t>G/</a:t>
-            </a:r>
-            <a:r>
-              <a:rPr b="0" lang="en-IN" sz="1800" spc="-1" strike="noStrike">
-                <a:latin typeface="Arial"/>
-              </a:rPr>
-              <a:t>P</a:t>
-            </a:r>
-            <a:r>
-              <a:rPr b="0" lang="en-IN" sz="1800" spc="-1" strike="noStrike">
-                <a:latin typeface="Arial"/>
-              </a:rPr>
-              <a:t>G</a:t>
+            <a:pPr algn="ctr">
+              <a:lnSpc>
+                <a:spcPct val="100000"/>
+              </a:lnSpc>
+            </a:pPr>
+            <a:r>
+              <a:rPr b="0" lang="en-IN" sz="1800" spc="-1" strike="noStrike">
+                <a:solidFill>
+                  <a:srgbClr val="000000"/>
+                </a:solidFill>
+                <a:latin typeface="Arial"/>
+                <a:ea typeface="DejaVu Sans"/>
+              </a:rPr>
+              <a:t>UG/PG</a:t>
             </a:r>
             <a:endParaRPr b="0" lang="en-IN" sz="1800" spc="-1" strike="noStrike">
               <a:latin typeface="Arial"/>
@@ -9021,7 +15501,7 @@
         <p:spPr>
           <a:xfrm>
             <a:off x="2089440" y="433440"/>
-            <a:ext cx="1152000" cy="504000"/>
+            <a:ext cx="1151640" cy="503640"/>
           </a:xfrm>
           <a:prstGeom prst="ellipse">
             <a:avLst/>
@@ -9046,10 +15526,18 @@
             <a:noAutofit/>
           </a:bodyPr>
           <a:p>
-            <a:pPr algn="ctr"/>
-            <a:r>
-              <a:rPr b="0" lang="en-IN" sz="1800" spc="-1" strike="noStrike">
-                <a:latin typeface="Arial"/>
+            <a:pPr algn="ctr">
+              <a:lnSpc>
+                <a:spcPct val="100000"/>
+              </a:lnSpc>
+            </a:pPr>
+            <a:r>
+              <a:rPr b="0" lang="en-IN" sz="1800" spc="-1" strike="noStrike">
+                <a:solidFill>
+                  <a:srgbClr val="000000"/>
+                </a:solidFill>
+                <a:latin typeface="Arial"/>
+                <a:ea typeface="DejaVu Sans"/>
               </a:rPr>
               <a:t>NAME</a:t>
             </a:r>
@@ -9068,7 +15556,7 @@
         <p:spPr>
           <a:xfrm>
             <a:off x="649800" y="541800"/>
-            <a:ext cx="1152000" cy="504000"/>
+            <a:ext cx="1151640" cy="503640"/>
           </a:xfrm>
           <a:prstGeom prst="ellipse">
             <a:avLst/>
@@ -9093,10 +15581,18 @@
             <a:noAutofit/>
           </a:bodyPr>
           <a:p>
-            <a:pPr algn="ctr"/>
-            <a:r>
-              <a:rPr b="0" lang="en-IN" sz="1800" spc="-1" strike="noStrike">
-                <a:latin typeface="Arial"/>
+            <a:pPr algn="ctr">
+              <a:lnSpc>
+                <a:spcPct val="100000"/>
+              </a:lnSpc>
+            </a:pPr>
+            <a:r>
+              <a:rPr b="0" lang="en-IN" sz="1800" spc="-1" strike="noStrike">
+                <a:solidFill>
+                  <a:srgbClr val="000000"/>
+                </a:solidFill>
+                <a:latin typeface="Arial"/>
+                <a:ea typeface="DejaVu Sans"/>
               </a:rPr>
               <a:t>DEPT</a:t>
             </a:r>
@@ -9115,7 +15611,7 @@
         <p:spPr>
           <a:xfrm>
             <a:off x="4320000" y="3168000"/>
-            <a:ext cx="1042200" cy="792000"/>
+            <a:ext cx="1041840" cy="791640"/>
           </a:xfrm>
           <a:custGeom>
             <a:avLst/>
@@ -9193,7 +15689,7 @@
         <p:spPr>
           <a:xfrm>
             <a:off x="4176000" y="4428000"/>
-            <a:ext cx="1438200" cy="790200"/>
+            <a:ext cx="1437840" cy="789840"/>
           </a:xfrm>
           <a:prstGeom prst="rect">
             <a:avLst/>
@@ -9239,12 +15735,12 @@
           </a:p>
         </p:txBody>
       </p:sp>
-      <p:cxnSp>
-        <p:nvCxnSpPr>
+      <p:sp>
+        <p:nvSpPr>
           <p:cNvPr id="187" name="Line 19"/>
-          <p:cNvCxnSpPr/>
-          <p:nvPr/>
-        </p:nvCxnSpPr>
+          <p:cNvSpPr/>
+          <p:nvPr/>
+        </p:nvSpPr>
         <p:spPr>
           <a:xfrm>
             <a:off x="0" y="0"/>
@@ -9259,13 +15755,19 @@
             </a:solidFill>
           </a:ln>
         </p:spPr>
-      </p:cxnSp>
-      <p:cxnSp>
-        <p:nvCxnSpPr>
+        <p:style>
+          <a:lnRef idx="0"/>
+          <a:fillRef idx="0"/>
+          <a:effectRef idx="0"/>
+          <a:fontRef idx="minor"/>
+        </p:style>
+      </p:sp>
+      <p:sp>
+        <p:nvSpPr>
           <p:cNvPr id="188" name="Line 20"/>
-          <p:cNvCxnSpPr/>
-          <p:nvPr/>
-        </p:nvCxnSpPr>
+          <p:cNvSpPr/>
+          <p:nvPr/>
+        </p:nvSpPr>
         <p:spPr>
           <a:xfrm>
             <a:off x="0" y="0"/>
@@ -9280,7 +15782,13 @@
             </a:solidFill>
           </a:ln>
         </p:spPr>
-      </p:cxnSp>
+        <p:style>
+          <a:lnRef idx="0"/>
+          <a:fillRef idx="0"/>
+          <a:effectRef idx="0"/>
+          <a:fontRef idx="minor"/>
+        </p:style>
+      </p:sp>
       <p:sp>
         <p:nvSpPr>
           <p:cNvPr id="189" name="Line 21"/>
@@ -9317,7 +15825,7 @@
         <p:spPr>
           <a:xfrm>
             <a:off x="5870160" y="3782160"/>
-            <a:ext cx="1152000" cy="504000"/>
+            <a:ext cx="1151640" cy="503640"/>
           </a:xfrm>
           <a:prstGeom prst="ellipse">
             <a:avLst/>
@@ -9342,10 +15850,18 @@
             <a:noAutofit/>
           </a:bodyPr>
           <a:p>
-            <a:pPr algn="ctr"/>
-            <a:r>
-              <a:rPr b="0" lang="en-IN" sz="1800" spc="-1" strike="noStrike">
-                <a:latin typeface="Arial"/>
+            <a:pPr algn="ctr">
+              <a:lnSpc>
+                <a:spcPct val="100000"/>
+              </a:lnSpc>
+            </a:pPr>
+            <a:r>
+              <a:rPr b="0" lang="en-IN" sz="1800" spc="-1" strike="noStrike">
+                <a:solidFill>
+                  <a:srgbClr val="000000"/>
+                </a:solidFill>
+                <a:latin typeface="Arial"/>
+                <a:ea typeface="DejaVu Sans"/>
               </a:rPr>
               <a:t>REF/TEXT</a:t>
             </a:r>
@@ -9364,7 +15880,7 @@
         <p:spPr>
           <a:xfrm>
             <a:off x="7380000" y="3115440"/>
-            <a:ext cx="2628000" cy="601200"/>
+            <a:ext cx="2627640" cy="600840"/>
           </a:xfrm>
           <a:prstGeom prst="rect">
             <a:avLst/>

--- a/GATE/images/gate_images.pptx
+++ b/GATE/images/gate_images.pptx
@@ -19,6 +19,7 @@
     <p:sldId id="267" r:id="rId14"/>
     <p:sldId id="268" r:id="rId15"/>
     <p:sldId id="269" r:id="rId16"/>
+    <p:sldId id="270" r:id="rId17"/>
   </p:sldIdLst>
   <p:sldSz cx="10080625" cy="5670550"/>
   <p:notesSz cx="7559675" cy="10691812"/>
@@ -1427,49 +1428,13 @@
               <a:rPr b="0" lang="en-IN" sz="4400" spc="-1" strike="noStrike">
                 <a:latin typeface="Arial"/>
               </a:rPr>
-              <a:t>Clic</a:t>
+              <a:t>Click to edit the title </a:t>
             </a:r>
             <a:r>
               <a:rPr b="0" lang="en-IN" sz="4400" spc="-1" strike="noStrike">
                 <a:latin typeface="Arial"/>
               </a:rPr>
-              <a:t>k to </a:t>
-            </a:r>
-            <a:r>
-              <a:rPr b="0" lang="en-IN" sz="4400" spc="-1" strike="noStrike">
-                <a:latin typeface="Arial"/>
-              </a:rPr>
-              <a:t>edit </a:t>
-            </a:r>
-            <a:r>
-              <a:rPr b="0" lang="en-IN" sz="4400" spc="-1" strike="noStrike">
-                <a:latin typeface="Arial"/>
-              </a:rPr>
-              <a:t>the </a:t>
-            </a:r>
-            <a:r>
-              <a:rPr b="0" lang="en-IN" sz="4400" spc="-1" strike="noStrike">
-                <a:latin typeface="Arial"/>
-              </a:rPr>
-              <a:t>title </a:t>
-            </a:r>
-            <a:r>
-              <a:rPr b="0" lang="en-IN" sz="4400" spc="-1" strike="noStrike">
-                <a:latin typeface="Arial"/>
-              </a:rPr>
-              <a:t>text </a:t>
-            </a:r>
-            <a:r>
-              <a:rPr b="0" lang="en-IN" sz="4400" spc="-1" strike="noStrike">
-                <a:latin typeface="Arial"/>
-              </a:rPr>
-              <a:t>form</a:t>
-            </a:r>
-            <a:r>
-              <a:rPr b="0" lang="en-IN" sz="4400" spc="-1" strike="noStrike">
-                <a:latin typeface="Arial"/>
-              </a:rPr>
-              <a:t>at</a:t>
+              <a:t>text format</a:t>
             </a:r>
             <a:endParaRPr b="0" lang="en-IN" sz="4400" spc="-1" strike="noStrike">
               <a:latin typeface="Arial"/>
@@ -1702,7 +1667,7 @@
         <p:spPr>
           <a:xfrm>
             <a:off x="1836000" y="1332000"/>
-            <a:ext cx="2373480" cy="789480"/>
+            <a:ext cx="2373120" cy="789120"/>
           </a:xfrm>
           <a:prstGeom prst="rect">
             <a:avLst/>
@@ -1757,7 +1722,7 @@
         <p:spPr>
           <a:xfrm>
             <a:off x="1836000" y="2880000"/>
-            <a:ext cx="2373480" cy="789480"/>
+            <a:ext cx="2373120" cy="789120"/>
           </a:xfrm>
           <a:prstGeom prst="rect">
             <a:avLst/>
@@ -1822,7 +1787,7 @@
         <p:spPr>
           <a:xfrm>
             <a:off x="1836000" y="4176000"/>
-            <a:ext cx="2373480" cy="789480"/>
+            <a:ext cx="2373120" cy="789120"/>
           </a:xfrm>
           <a:prstGeom prst="rect">
             <a:avLst/>
@@ -1897,7 +1862,7 @@
         <p:spPr>
           <a:xfrm>
             <a:off x="5292000" y="900000"/>
-            <a:ext cx="2373480" cy="1509480"/>
+            <a:ext cx="2373120" cy="1509120"/>
           </a:xfrm>
           <a:prstGeom prst="rect">
             <a:avLst/>
@@ -2032,7 +1997,7 @@
         <p:spPr>
           <a:xfrm>
             <a:off x="5292000" y="2571480"/>
-            <a:ext cx="2373480" cy="1278000"/>
+            <a:ext cx="2373120" cy="1277640"/>
           </a:xfrm>
           <a:prstGeom prst="rect">
             <a:avLst/>
@@ -2147,7 +2112,7 @@
         <p:spPr>
           <a:xfrm>
             <a:off x="5292000" y="4047480"/>
-            <a:ext cx="2373480" cy="1026000"/>
+            <a:ext cx="2373120" cy="1025640"/>
           </a:xfrm>
           <a:prstGeom prst="rect">
             <a:avLst/>
@@ -2326,7 +2291,7 @@
         <p:spPr>
           <a:xfrm>
             <a:off x="2988000" y="360000"/>
-            <a:ext cx="4389480" cy="343800"/>
+            <a:ext cx="4389120" cy="343440"/>
           </a:xfrm>
           <a:prstGeom prst="rect">
             <a:avLst/>
@@ -2407,7 +2372,7 @@
         <p:spPr>
           <a:xfrm>
             <a:off x="1440000" y="720000"/>
-            <a:ext cx="6767640" cy="1799640"/>
+            <a:ext cx="6767280" cy="1799280"/>
           </a:xfrm>
           <a:prstGeom prst="rect">
             <a:avLst/>
@@ -2437,7 +2402,7 @@
         <p:spPr>
           <a:xfrm>
             <a:off x="2016000" y="1188000"/>
-            <a:ext cx="1437840" cy="789840"/>
+            <a:ext cx="1437480" cy="789480"/>
           </a:xfrm>
           <a:prstGeom prst="rect">
             <a:avLst/>
@@ -2492,7 +2457,7 @@
         <p:spPr>
           <a:xfrm>
             <a:off x="6192000" y="1188000"/>
-            <a:ext cx="1437840" cy="789840"/>
+            <a:ext cx="1437480" cy="789480"/>
           </a:xfrm>
           <a:prstGeom prst="rect">
             <a:avLst/>
@@ -2547,7 +2512,7 @@
         <p:spPr>
           <a:xfrm>
             <a:off x="4140000" y="900000"/>
-            <a:ext cx="1437840" cy="1365840"/>
+            <a:ext cx="1437480" cy="1365480"/>
           </a:xfrm>
           <a:custGeom>
             <a:avLst/>
@@ -2733,7 +2698,7 @@
         <p:spPr>
           <a:xfrm>
             <a:off x="4320000" y="3168000"/>
-            <a:ext cx="1041840" cy="791640"/>
+            <a:ext cx="1041480" cy="791280"/>
           </a:xfrm>
           <a:custGeom>
             <a:avLst/>
@@ -2811,7 +2776,7 @@
         <p:spPr>
           <a:xfrm>
             <a:off x="4176000" y="4428000"/>
-            <a:ext cx="1437840" cy="789840"/>
+            <a:ext cx="1437480" cy="789480"/>
           </a:xfrm>
           <a:prstGeom prst="rect">
             <a:avLst/>
@@ -2893,7 +2858,7 @@
         <p:spPr>
           <a:xfrm>
             <a:off x="5870160" y="3314160"/>
-            <a:ext cx="1151640" cy="503640"/>
+            <a:ext cx="1151280" cy="503280"/>
           </a:xfrm>
           <a:prstGeom prst="ellipse">
             <a:avLst/>
@@ -3032,7 +2997,7 @@
         <p:spPr>
           <a:xfrm>
             <a:off x="1944000" y="900000"/>
-            <a:ext cx="1437840" cy="789840"/>
+            <a:ext cx="1437480" cy="789480"/>
           </a:xfrm>
           <a:prstGeom prst="rect">
             <a:avLst/>
@@ -3087,7 +3052,7 @@
         <p:spPr>
           <a:xfrm>
             <a:off x="6120000" y="900000"/>
-            <a:ext cx="1437840" cy="789840"/>
+            <a:ext cx="1437480" cy="789480"/>
           </a:xfrm>
           <a:prstGeom prst="rect">
             <a:avLst/>
@@ -3142,7 +3107,7 @@
         <p:spPr>
           <a:xfrm>
             <a:off x="4068000" y="612000"/>
-            <a:ext cx="1437840" cy="1365840"/>
+            <a:ext cx="1437480" cy="1365480"/>
           </a:xfrm>
           <a:custGeom>
             <a:avLst/>
@@ -3321,7 +3286,7 @@
         <p:spPr>
           <a:xfrm>
             <a:off x="2592000" y="5904000"/>
-            <a:ext cx="7126560" cy="600840"/>
+            <a:ext cx="7126200" cy="600480"/>
           </a:xfrm>
           <a:prstGeom prst="rect">
             <a:avLst/>
@@ -3392,7 +3357,7 @@
         <p:spPr>
           <a:xfrm>
             <a:off x="360000" y="216360"/>
-            <a:ext cx="1151640" cy="503640"/>
+            <a:ext cx="1151280" cy="503280"/>
           </a:xfrm>
           <a:prstGeom prst="ellipse">
             <a:avLst/>
@@ -3447,7 +3412,7 @@
         <p:spPr>
           <a:xfrm>
             <a:off x="1727640" y="216360"/>
-            <a:ext cx="1151640" cy="503640"/>
+            <a:ext cx="1151280" cy="503280"/>
           </a:xfrm>
           <a:prstGeom prst="ellipse">
             <a:avLst/>
@@ -3502,7 +3467,7 @@
         <p:spPr>
           <a:xfrm>
             <a:off x="359280" y="1008360"/>
-            <a:ext cx="1151640" cy="503640"/>
+            <a:ext cx="1151280" cy="503280"/>
           </a:xfrm>
           <a:prstGeom prst="ellipse">
             <a:avLst/>
@@ -3557,7 +3522,7 @@
         <p:spPr>
           <a:xfrm>
             <a:off x="358920" y="1800360"/>
-            <a:ext cx="1151640" cy="503640"/>
+            <a:ext cx="1151280" cy="503280"/>
           </a:xfrm>
           <a:prstGeom prst="ellipse">
             <a:avLst/>
@@ -3612,7 +3577,7 @@
         <p:spPr>
           <a:xfrm>
             <a:off x="1906560" y="1836360"/>
-            <a:ext cx="1151640" cy="503640"/>
+            <a:ext cx="1151280" cy="503280"/>
           </a:xfrm>
           <a:prstGeom prst="ellipse">
             <a:avLst/>
@@ -3667,7 +3632,7 @@
         <p:spPr>
           <a:xfrm>
             <a:off x="4211280" y="360"/>
-            <a:ext cx="1151640" cy="503640"/>
+            <a:ext cx="1151280" cy="503280"/>
           </a:xfrm>
           <a:prstGeom prst="ellipse">
             <a:avLst/>
@@ -3722,7 +3687,7 @@
         <p:spPr>
           <a:xfrm>
             <a:off x="6226920" y="360"/>
-            <a:ext cx="1151640" cy="503640"/>
+            <a:ext cx="1151280" cy="503280"/>
           </a:xfrm>
           <a:prstGeom prst="ellipse">
             <a:avLst/>
@@ -3777,7 +3742,7 @@
         <p:spPr>
           <a:xfrm>
             <a:off x="4210920" y="360"/>
-            <a:ext cx="1151640" cy="503640"/>
+            <a:ext cx="1151280" cy="503280"/>
           </a:xfrm>
           <a:prstGeom prst="ellipse">
             <a:avLst/>
@@ -3832,7 +3797,7 @@
         <p:spPr>
           <a:xfrm>
             <a:off x="7738920" y="252360"/>
-            <a:ext cx="1151640" cy="503640"/>
+            <a:ext cx="1151280" cy="503280"/>
           </a:xfrm>
           <a:prstGeom prst="ellipse">
             <a:avLst/>
@@ -3887,7 +3852,7 @@
         <p:spPr>
           <a:xfrm>
             <a:off x="7810920" y="936360"/>
-            <a:ext cx="1151640" cy="503640"/>
+            <a:ext cx="1151280" cy="503280"/>
           </a:xfrm>
           <a:prstGeom prst="ellipse">
             <a:avLst/>
@@ -4211,7 +4176,7 @@
         </p:nvGraphicFramePr>
         <p:xfrm>
           <a:off x="56880" y="2866680"/>
-          <a:ext cx="5075280" cy="2159280"/>
+          <a:ext cx="5075280" cy="1206000"/>
         </p:xfrm>
         <a:graphic>
           <a:graphicData uri="http://schemas.openxmlformats.org/drawingml/2006/table">
@@ -4227,10 +4192,15 @@
               <a:tr h="432360">
                 <a:tc>
                   <a:txBody>
-                    <a:bodyPr lIns="90000" rIns="90000" tIns="46800" bIns="46800">
+                    <a:bodyPr lIns="90000" rIns="90000">
                       <a:noAutofit/>
                     </a:bodyPr>
                     <a:p>
+                      <a:pPr>
+                        <a:lnSpc>
+                          <a:spcPct val="100000"/>
+                        </a:lnSpc>
+                      </a:pPr>
                       <a:r>
                         <a:rPr b="0" lang="en-IN" sz="1800" spc="-1" strike="noStrike">
                           <a:latin typeface="Arial"/>
@@ -4270,10 +4240,15 @@
                 </a:tc>
                 <a:tc>
                   <a:txBody>
-                    <a:bodyPr lIns="90000" rIns="90000" tIns="46800" bIns="46800">
+                    <a:bodyPr lIns="90000" rIns="90000">
                       <a:noAutofit/>
                     </a:bodyPr>
                     <a:p>
+                      <a:pPr>
+                        <a:lnSpc>
+                          <a:spcPct val="100000"/>
+                        </a:lnSpc>
+                      </a:pPr>
                       <a:r>
                         <a:rPr b="0" lang="en-IN" sz="1800" spc="-1" strike="noStrike">
                           <a:latin typeface="Arial"/>
@@ -4313,10 +4288,15 @@
                 </a:tc>
                 <a:tc>
                   <a:txBody>
-                    <a:bodyPr lIns="90000" rIns="90000" tIns="46800" bIns="46800">
+                    <a:bodyPr lIns="90000" rIns="90000">
                       <a:noAutofit/>
                     </a:bodyPr>
                     <a:p>
+                      <a:pPr>
+                        <a:lnSpc>
+                          <a:spcPct val="100000"/>
+                        </a:lnSpc>
+                      </a:pPr>
                       <a:r>
                         <a:rPr b="0" lang="en-IN" sz="1800" spc="-1" strike="noStrike">
                           <a:latin typeface="Arial"/>
@@ -4356,10 +4336,15 @@
                 </a:tc>
                 <a:tc>
                   <a:txBody>
-                    <a:bodyPr lIns="90000" rIns="90000" tIns="46800" bIns="46800">
+                    <a:bodyPr lIns="90000" rIns="90000">
                       <a:noAutofit/>
                     </a:bodyPr>
                     <a:p>
+                      <a:pPr>
+                        <a:lnSpc>
+                          <a:spcPct val="100000"/>
+                        </a:lnSpc>
+                      </a:pPr>
                       <a:r>
                         <a:rPr b="0" lang="en-IN" sz="1800" spc="-1" strike="noStrike">
                           <a:latin typeface="Arial"/>
@@ -4399,10 +4384,15 @@
                 </a:tc>
                 <a:tc>
                   <a:txBody>
-                    <a:bodyPr lIns="90000" rIns="90000" tIns="46800" bIns="46800">
+                    <a:bodyPr lIns="90000" rIns="90000">
                       <a:noAutofit/>
                     </a:bodyPr>
                     <a:p>
+                      <a:pPr>
+                        <a:lnSpc>
+                          <a:spcPct val="100000"/>
+                        </a:lnSpc>
+                      </a:pPr>
                       <a:r>
                         <a:rPr b="0" lang="en-IN" sz="1800" spc="-1" strike="noStrike">
                           <a:latin typeface="Arial"/>
@@ -4727,7 +4717,7 @@
         </p:nvGraphicFramePr>
         <p:xfrm>
           <a:off x="6489000" y="2479320"/>
-          <a:ext cx="5075280" cy="2159280"/>
+          <a:ext cx="3271680" cy="1079640"/>
         </p:xfrm>
         <a:graphic>
           <a:graphicData uri="http://schemas.openxmlformats.org/drawingml/2006/table">
@@ -4738,13 +4728,18 @@
                 <a:gridCol w="982440"/>
                 <a:gridCol w="1056600"/>
               </a:tblGrid>
-              <a:tr h="365760">
+              <a:tr h="363240">
                 <a:tc>
                   <a:txBody>
-                    <a:bodyPr lIns="90000" rIns="90000" tIns="46800" bIns="46800">
+                    <a:bodyPr lIns="90000" rIns="90000">
                       <a:noAutofit/>
                     </a:bodyPr>
                     <a:p>
+                      <a:pPr>
+                        <a:lnSpc>
+                          <a:spcPct val="100000"/>
+                        </a:lnSpc>
+                      </a:pPr>
                       <a:r>
                         <a:rPr b="0" lang="en-IN" sz="1800" spc="-1" strike="noStrike">
                           <a:latin typeface="Arial"/>
@@ -4784,10 +4779,15 @@
                 </a:tc>
                 <a:tc>
                   <a:txBody>
-                    <a:bodyPr lIns="90000" rIns="90000" tIns="46800" bIns="46800">
+                    <a:bodyPr lIns="90000" rIns="90000">
                       <a:noAutofit/>
                     </a:bodyPr>
                     <a:p>
+                      <a:pPr>
+                        <a:lnSpc>
+                          <a:spcPct val="100000"/>
+                        </a:lnSpc>
+                      </a:pPr>
                       <a:r>
                         <a:rPr b="0" lang="en-IN" sz="1800" spc="-1" strike="noStrike">
                           <a:latin typeface="Arial"/>
@@ -4827,10 +4827,15 @@
                 </a:tc>
                 <a:tc>
                   <a:txBody>
-                    <a:bodyPr lIns="90000" rIns="90000" tIns="46800" bIns="46800">
+                    <a:bodyPr lIns="90000" rIns="90000">
                       <a:noAutofit/>
                     </a:bodyPr>
                     <a:p>
+                      <a:pPr>
+                        <a:lnSpc>
+                          <a:spcPct val="100000"/>
+                        </a:lnSpc>
+                      </a:pPr>
                       <a:r>
                         <a:rPr b="0" lang="en-IN" sz="1800" spc="-1" strike="noStrike">
                           <a:latin typeface="Arial"/>
@@ -4869,7 +4874,7 @@
                   </a:tcPr>
                 </a:tc>
               </a:tr>
-              <a:tr h="371880">
+              <a:tr h="369000">
                 <a:tc>
                   <a:tcPr marL="90000" marR="90000">
                     <a:lnL w="720">
@@ -4952,7 +4957,7 @@
                   </a:tcPr>
                 </a:tc>
               </a:tr>
-              <a:tr h="342360">
+              <a:tr h="347760">
                 <a:tc>
                   <a:tcPr marL="90000" marR="90000">
                     <a:lnL w="720">
@@ -5047,7 +5052,7 @@
         </p:nvGraphicFramePr>
         <p:xfrm>
           <a:off x="5065920" y="4241880"/>
-          <a:ext cx="5075280" cy="2159280"/>
+          <a:ext cx="3125520" cy="1086840"/>
         </p:xfrm>
         <a:graphic>
           <a:graphicData uri="http://schemas.openxmlformats.org/drawingml/2006/table">
@@ -5058,13 +5063,18 @@
                 <a:gridCol w="1145880"/>
                 <a:gridCol w="1250280"/>
               </a:tblGrid>
-              <a:tr h="410400">
+              <a:tr h="391320">
                 <a:tc>
                   <a:txBody>
-                    <a:bodyPr lIns="90000" rIns="90000" tIns="46800" bIns="46800">
+                    <a:bodyPr lIns="90000" rIns="90000">
                       <a:noAutofit/>
                     </a:bodyPr>
                     <a:p>
+                      <a:pPr>
+                        <a:lnSpc>
+                          <a:spcPct val="100000"/>
+                        </a:lnSpc>
+                      </a:pPr>
                       <a:r>
                         <a:rPr b="0" lang="en-IN" sz="1800" spc="-1" strike="noStrike">
                           <a:latin typeface="Arial"/>
@@ -5104,10 +5114,15 @@
                 </a:tc>
                 <a:tc>
                   <a:txBody>
-                    <a:bodyPr lIns="90000" rIns="90000" tIns="46800" bIns="46800">
+                    <a:bodyPr lIns="90000" rIns="90000">
                       <a:noAutofit/>
                     </a:bodyPr>
                     <a:p>
+                      <a:pPr>
+                        <a:lnSpc>
+                          <a:spcPct val="100000"/>
+                        </a:lnSpc>
+                      </a:pPr>
                       <a:r>
                         <a:rPr b="0" lang="en-IN" sz="1800" spc="-1" strike="noStrike">
                           <a:latin typeface="Arial"/>
@@ -5147,10 +5162,15 @@
                 </a:tc>
                 <a:tc>
                   <a:txBody>
-                    <a:bodyPr lIns="90000" rIns="90000" tIns="46800" bIns="46800">
+                    <a:bodyPr lIns="90000" rIns="90000">
                       <a:noAutofit/>
                     </a:bodyPr>
                     <a:p>
+                      <a:pPr>
+                        <a:lnSpc>
+                          <a:spcPct val="100000"/>
+                        </a:lnSpc>
+                      </a:pPr>
                       <a:r>
                         <a:rPr b="0" lang="en-IN" sz="1800" spc="-1" strike="noStrike">
                           <a:latin typeface="Arial"/>
@@ -5189,7 +5209,7 @@
                   </a:tcPr>
                 </a:tc>
               </a:tr>
-              <a:tr h="342360">
+              <a:tr h="347760">
                 <a:tc>
                   <a:tcPr marL="90000" marR="90000">
                     <a:lnL w="720">
@@ -5272,7 +5292,7 @@
                   </a:tcPr>
                 </a:tc>
               </a:tr>
-              <a:tr h="334440">
+              <a:tr h="347760">
                 <a:tc>
                   <a:tcPr marL="90000" marR="90000">
                     <a:lnL w="720">
@@ -5361,14 +5381,14 @@
       </p:graphicFrame>
       <p:sp>
         <p:nvSpPr>
-          <p:cNvPr id="243" name="TextShape 31"/>
-          <p:cNvSpPr txBox="1"/>
+          <p:cNvPr id="243" name="CustomShape 31"/>
+          <p:cNvSpPr/>
           <p:nvPr/>
         </p:nvSpPr>
         <p:spPr>
           <a:xfrm>
             <a:off x="576000" y="4320000"/>
-            <a:ext cx="2448000" cy="346320"/>
+            <a:ext cx="2447640" cy="345960"/>
           </a:xfrm>
           <a:prstGeom prst="rect">
             <a:avLst/>
@@ -5378,22 +5398,27 @@
             <a:noFill/>
           </a:ln>
         </p:spPr>
+        <p:style>
+          <a:lnRef idx="0"/>
+          <a:fillRef idx="0"/>
+          <a:effectRef idx="0"/>
+          <a:fontRef idx="minor"/>
+        </p:style>
         <p:txBody>
           <a:bodyPr lIns="90000" rIns="90000" tIns="45000" bIns="45000">
             <a:noAutofit/>
           </a:bodyPr>
           <a:p>
+            <a:pPr>
+              <a:lnSpc>
+                <a:spcPct val="100000"/>
+              </a:lnSpc>
+            </a:pPr>
             <a:r>
               <a:rPr b="0" lang="en-IN" sz="1800" spc="-1" strike="noStrike">
                 <a:latin typeface="Arial"/>
               </a:rPr>
-              <a:t>BOOKS </a:t>
-            </a:r>
-            <a:r>
-              <a:rPr b="0" lang="en-IN" sz="1800" spc="-1" strike="noStrike">
-                <a:latin typeface="Arial"/>
-              </a:rPr>
-              <a:t>TABLE</a:t>
+              <a:t>BOOKS TABLE</a:t>
             </a:r>
             <a:endParaRPr b="0" lang="en-IN" sz="1800" spc="-1" strike="noStrike">
               <a:latin typeface="Arial"/>
@@ -5403,14 +5428,14 @@
       </p:sp>
       <p:sp>
         <p:nvSpPr>
-          <p:cNvPr id="244" name="TextShape 32"/>
-          <p:cNvSpPr txBox="1"/>
+          <p:cNvPr id="244" name="CustomShape 32"/>
+          <p:cNvSpPr/>
           <p:nvPr/>
         </p:nvSpPr>
         <p:spPr>
           <a:xfrm>
             <a:off x="7092000" y="3672000"/>
-            <a:ext cx="2448000" cy="346320"/>
+            <a:ext cx="2447640" cy="345960"/>
           </a:xfrm>
           <a:prstGeom prst="rect">
             <a:avLst/>
@@ -5420,22 +5445,27 @@
             <a:noFill/>
           </a:ln>
         </p:spPr>
+        <p:style>
+          <a:lnRef idx="0"/>
+          <a:fillRef idx="0"/>
+          <a:effectRef idx="0"/>
+          <a:fontRef idx="minor"/>
+        </p:style>
         <p:txBody>
           <a:bodyPr lIns="90000" rIns="90000" tIns="45000" bIns="45000">
             <a:noAutofit/>
           </a:bodyPr>
           <a:p>
+            <a:pPr>
+              <a:lnSpc>
+                <a:spcPct val="100000"/>
+              </a:lnSpc>
+            </a:pPr>
             <a:r>
               <a:rPr b="0" lang="en-IN" sz="1800" spc="-1" strike="noStrike">
                 <a:latin typeface="Arial"/>
               </a:rPr>
-              <a:t>USERS </a:t>
-            </a:r>
-            <a:r>
-              <a:rPr b="0" lang="en-IN" sz="1800" spc="-1" strike="noStrike">
-                <a:latin typeface="Arial"/>
-              </a:rPr>
-              <a:t>TABLE</a:t>
+              <a:t>USERS TABLE</a:t>
             </a:r>
             <a:endParaRPr b="0" lang="en-IN" sz="1800" spc="-1" strike="noStrike">
               <a:latin typeface="Arial"/>
@@ -5445,14 +5475,14 @@
       </p:sp>
       <p:sp>
         <p:nvSpPr>
-          <p:cNvPr id="245" name="TextShape 33"/>
-          <p:cNvSpPr txBox="1"/>
+          <p:cNvPr id="245" name="CustomShape 33"/>
+          <p:cNvSpPr/>
           <p:nvPr/>
         </p:nvSpPr>
         <p:spPr>
           <a:xfrm>
             <a:off x="3744000" y="5328000"/>
-            <a:ext cx="2448000" cy="346320"/>
+            <a:ext cx="2447640" cy="345960"/>
           </a:xfrm>
           <a:prstGeom prst="rect">
             <a:avLst/>
@@ -5462,28 +5492,27 @@
             <a:noFill/>
           </a:ln>
         </p:spPr>
+        <p:style>
+          <a:lnRef idx="0"/>
+          <a:fillRef idx="0"/>
+          <a:effectRef idx="0"/>
+          <a:fontRef idx="minor"/>
+        </p:style>
         <p:txBody>
           <a:bodyPr lIns="90000" rIns="90000" tIns="45000" bIns="45000">
             <a:noAutofit/>
           </a:bodyPr>
           <a:p>
+            <a:pPr>
+              <a:lnSpc>
+                <a:spcPct val="100000"/>
+              </a:lnSpc>
+            </a:pPr>
             <a:r>
               <a:rPr b="0" lang="en-IN" sz="1800" spc="-1" strike="noStrike">
                 <a:latin typeface="Arial"/>
               </a:rPr>
-              <a:t>Borrow</a:t>
-            </a:r>
-            <a:r>
-              <a:rPr b="0" lang="en-IN" sz="1800" spc="-1" strike="noStrike">
-                <a:latin typeface="Arial"/>
-              </a:rPr>
-              <a:t>ed By </a:t>
-            </a:r>
-            <a:r>
-              <a:rPr b="0" lang="en-IN" sz="1800" spc="-1" strike="noStrike">
-                <a:latin typeface="Arial"/>
-              </a:rPr>
-              <a:t>TABLE</a:t>
+              <a:t>Borrowed By TABLE</a:t>
             </a:r>
             <a:endParaRPr b="0" lang="en-IN" sz="1800" spc="-1" strike="noStrike">
               <a:latin typeface="Arial"/>
@@ -5530,7 +5559,7 @@
         <p:spPr>
           <a:xfrm>
             <a:off x="5934960" y="1050480"/>
-            <a:ext cx="1696320" cy="1007280"/>
+            <a:ext cx="1695960" cy="1006920"/>
           </a:xfrm>
           <a:prstGeom prst="rect">
             <a:avLst/>
@@ -5560,7 +5589,7 @@
         <p:spPr>
           <a:xfrm>
             <a:off x="1908000" y="1152000"/>
-            <a:ext cx="1437840" cy="789840"/>
+            <a:ext cx="1437480" cy="789480"/>
           </a:xfrm>
           <a:prstGeom prst="rect">
             <a:avLst/>
@@ -5615,7 +5644,7 @@
         <p:spPr>
           <a:xfrm>
             <a:off x="6084000" y="1152000"/>
-            <a:ext cx="1437840" cy="789840"/>
+            <a:ext cx="1437480" cy="789480"/>
           </a:xfrm>
           <a:prstGeom prst="rect">
             <a:avLst/>
@@ -5670,7 +5699,7 @@
         <p:spPr>
           <a:xfrm>
             <a:off x="4032000" y="864000"/>
-            <a:ext cx="1437840" cy="1365840"/>
+            <a:ext cx="1437480" cy="1365480"/>
           </a:xfrm>
           <a:custGeom>
             <a:avLst/>
@@ -5802,7 +5831,7 @@
         <p:spPr>
           <a:xfrm>
             <a:off x="1548000" y="576000"/>
-            <a:ext cx="2124000" cy="468000"/>
+            <a:ext cx="2123640" cy="467640"/>
           </a:xfrm>
           <a:prstGeom prst="rect">
             <a:avLst/>
@@ -5908,7 +5937,7 @@
         <p:spPr>
           <a:xfrm>
             <a:off x="5760000" y="576000"/>
-            <a:ext cx="2124000" cy="468000"/>
+            <a:ext cx="2123640" cy="467640"/>
           </a:xfrm>
           <a:prstGeom prst="rect">
             <a:avLst/>
@@ -5959,7 +5988,7 @@
         <p:spPr>
           <a:xfrm>
             <a:off x="216000" y="2376000"/>
-            <a:ext cx="2124000" cy="2592000"/>
+            <a:ext cx="2123640" cy="2591640"/>
           </a:xfrm>
           <a:prstGeom prst="rect">
             <a:avLst/>
@@ -6009,7 +6038,7 @@
         </p:nvGraphicFramePr>
         <p:xfrm>
           <a:off x="2967840" y="3226680"/>
-          <a:ext cx="5075280" cy="2159280"/>
+          <a:ext cx="2872440" cy="1154520"/>
         </p:xfrm>
         <a:graphic>
           <a:graphicData uri="http://schemas.openxmlformats.org/drawingml/2006/table">
@@ -6020,7 +6049,7 @@
                 <a:gridCol w="982080"/>
                 <a:gridCol w="863280"/>
               </a:tblGrid>
-              <a:tr h="343080">
+              <a:tr h="347760">
                 <a:tc>
                   <a:tcPr marL="90000" marR="90000">
                     <a:lnL w="720">
@@ -6103,7 +6132,7 @@
                   </a:tcPr>
                 </a:tc>
               </a:tr>
-              <a:tr h="380160">
+              <a:tr h="378000">
                 <a:tc>
                   <a:tcPr marL="90000" marR="90000">
                     <a:lnL w="720">
@@ -6186,7 +6215,7 @@
                   </a:tcPr>
                 </a:tc>
               </a:tr>
-              <a:tr h="431640">
+              <a:tr h="428760">
                 <a:tc>
                   <a:tcPr marL="90000" marR="90000">
                     <a:lnL w="720">
@@ -6281,7 +6310,7 @@
         </p:nvGraphicFramePr>
         <p:xfrm>
           <a:off x="6654600" y="3214800"/>
-          <a:ext cx="5075280" cy="2159280"/>
+          <a:ext cx="2351520" cy="1124280"/>
         </p:xfrm>
         <a:graphic>
           <a:graphicData uri="http://schemas.openxmlformats.org/drawingml/2006/table">
@@ -6668,7 +6697,7 @@
         <p:spPr>
           <a:xfrm>
             <a:off x="1945800" y="3636000"/>
-            <a:ext cx="1437840" cy="789840"/>
+            <a:ext cx="1437480" cy="789480"/>
           </a:xfrm>
           <a:prstGeom prst="rect">
             <a:avLst/>
@@ -6743,7 +6772,7 @@
         <p:spPr>
           <a:xfrm>
             <a:off x="6300000" y="3673800"/>
-            <a:ext cx="1437840" cy="789840"/>
+            <a:ext cx="1437480" cy="789480"/>
           </a:xfrm>
           <a:prstGeom prst="rect">
             <a:avLst/>
@@ -6872,7 +6901,7 @@
         <p:spPr>
           <a:xfrm>
             <a:off x="1764000" y="4860000"/>
-            <a:ext cx="7126560" cy="600840"/>
+            <a:ext cx="7126200" cy="600480"/>
           </a:xfrm>
           <a:prstGeom prst="rect">
             <a:avLst/>
@@ -6898,7 +6927,7 @@
         <p:spPr>
           <a:xfrm>
             <a:off x="4140000" y="1080000"/>
-            <a:ext cx="1437840" cy="789840"/>
+            <a:ext cx="1437480" cy="789480"/>
           </a:xfrm>
           <a:prstGeom prst="rect">
             <a:avLst/>
@@ -6953,7 +6982,7 @@
         <p:spPr>
           <a:xfrm>
             <a:off x="4392000" y="2267640"/>
-            <a:ext cx="935640" cy="1007640"/>
+            <a:ext cx="935280" cy="1007280"/>
           </a:xfrm>
           <a:custGeom>
             <a:avLst/>
@@ -7002,7 +7031,7 @@
         <p:spPr>
           <a:xfrm>
             <a:off x="4572000" y="2304000"/>
-            <a:ext cx="647640" cy="345960"/>
+            <a:ext cx="647280" cy="345600"/>
           </a:xfrm>
           <a:prstGeom prst="rect">
             <a:avLst/>
@@ -7030,7 +7059,11 @@
             </a:pPr>
             <a:r>
               <a:rPr b="0" lang="en-IN" sz="1800" spc="-1" strike="noStrike">
-                <a:latin typeface="Arial"/>
+                <a:solidFill>
+                  <a:srgbClr val="000000"/>
+                </a:solidFill>
+                <a:latin typeface="Arial"/>
+                <a:ea typeface="DejaVu Sans"/>
               </a:rPr>
               <a:t>IS A</a:t>
             </a:r>
@@ -7130,7 +7163,7 @@
         <p:spPr>
           <a:xfrm>
             <a:off x="2592000" y="432000"/>
-            <a:ext cx="1151640" cy="503640"/>
+            <a:ext cx="1151280" cy="503280"/>
           </a:xfrm>
           <a:prstGeom prst="ellipse">
             <a:avLst/>
@@ -7185,7 +7218,7 @@
         <p:spPr>
           <a:xfrm>
             <a:off x="4104360" y="360360"/>
-            <a:ext cx="1151640" cy="503640"/>
+            <a:ext cx="1151280" cy="503280"/>
           </a:xfrm>
           <a:prstGeom prst="ellipse">
             <a:avLst/>
@@ -7240,7 +7273,7 @@
         <p:spPr>
           <a:xfrm>
             <a:off x="5652720" y="432720"/>
-            <a:ext cx="1151640" cy="503640"/>
+            <a:ext cx="1151280" cy="503280"/>
           </a:xfrm>
           <a:prstGeom prst="ellipse">
             <a:avLst/>
@@ -7295,7 +7328,7 @@
         <p:spPr>
           <a:xfrm>
             <a:off x="3813480" y="4321080"/>
-            <a:ext cx="1151640" cy="503640"/>
+            <a:ext cx="1151280" cy="503280"/>
           </a:xfrm>
           <a:prstGeom prst="ellipse">
             <a:avLst/>
@@ -7350,7 +7383,7 @@
         <p:spPr>
           <a:xfrm>
             <a:off x="2193840" y="4717440"/>
-            <a:ext cx="1151640" cy="503640"/>
+            <a:ext cx="1151280" cy="503280"/>
           </a:xfrm>
           <a:prstGeom prst="ellipse">
             <a:avLst/>
@@ -7405,7 +7438,7 @@
         <p:spPr>
           <a:xfrm>
             <a:off x="682200" y="4501800"/>
-            <a:ext cx="1151640" cy="503640"/>
+            <a:ext cx="1151280" cy="503280"/>
           </a:xfrm>
           <a:prstGeom prst="ellipse">
             <a:avLst/>
@@ -7460,7 +7493,7 @@
         <p:spPr>
           <a:xfrm>
             <a:off x="5434560" y="4574160"/>
-            <a:ext cx="1151640" cy="503640"/>
+            <a:ext cx="1151280" cy="503280"/>
           </a:xfrm>
           <a:prstGeom prst="ellipse">
             <a:avLst/>
@@ -7515,7 +7548,7 @@
         <p:spPr>
           <a:xfrm>
             <a:off x="7634160" y="4574520"/>
-            <a:ext cx="1151640" cy="503640"/>
+            <a:ext cx="1151280" cy="503280"/>
           </a:xfrm>
           <a:prstGeom prst="ellipse">
             <a:avLst/>
@@ -7570,7 +7603,7 @@
         <p:spPr>
           <a:xfrm>
             <a:off x="686520" y="3098880"/>
-            <a:ext cx="1151640" cy="503640"/>
+            <a:ext cx="1151280" cy="503280"/>
           </a:xfrm>
           <a:prstGeom prst="ellipse">
             <a:avLst/>
@@ -7868,7 +7901,7 @@
         <p:spPr>
           <a:xfrm>
             <a:off x="216000" y="288000"/>
-            <a:ext cx="2376000" cy="2304000"/>
+            <a:ext cx="2375640" cy="2303640"/>
           </a:xfrm>
           <a:prstGeom prst="rect">
             <a:avLst/>
@@ -7989,7 +8022,7 @@
         <p:spPr>
           <a:xfrm>
             <a:off x="1908000" y="936000"/>
-            <a:ext cx="1437840" cy="789840"/>
+            <a:ext cx="1437480" cy="789480"/>
           </a:xfrm>
           <a:prstGeom prst="rect">
             <a:avLst/>
@@ -8027,8 +8060,53 @@
                 <a:latin typeface="Arial"/>
                 <a:ea typeface="DejaVu Sans"/>
               </a:rPr>
-              <a:t>BOO</a:t>
-            </a:r>
+              <a:t>BOOKS</a:t>
+            </a:r>
+            <a:endParaRPr b="0" lang="en-IN" sz="1800" spc="-1" strike="noStrike">
+              <a:latin typeface="Arial"/>
+            </a:endParaRPr>
+          </a:p>
+        </p:txBody>
+      </p:sp>
+      <p:sp>
+        <p:nvSpPr>
+          <p:cNvPr id="293" name="CustomShape 2"/>
+          <p:cNvSpPr/>
+          <p:nvPr/>
+        </p:nvSpPr>
+        <p:spPr>
+          <a:xfrm>
+            <a:off x="6084000" y="936000"/>
+            <a:ext cx="1437480" cy="789480"/>
+          </a:xfrm>
+          <a:prstGeom prst="rect">
+            <a:avLst/>
+          </a:prstGeom>
+          <a:solidFill>
+            <a:srgbClr val="729fcf"/>
+          </a:solidFill>
+          <a:ln>
+            <a:solidFill>
+              <a:srgbClr val="3465a4"/>
+            </a:solidFill>
+          </a:ln>
+        </p:spPr>
+        <p:style>
+          <a:lnRef idx="0"/>
+          <a:fillRef idx="0"/>
+          <a:effectRef idx="0"/>
+          <a:fontRef idx="minor"/>
+        </p:style>
+        <p:txBody>
+          <a:bodyPr wrap="none" lIns="90000" rIns="90000" tIns="45000" bIns="45000" anchor="ctr">
+            <a:noAutofit/>
+          </a:bodyPr>
+          <a:p>
+            <a:pPr algn="ctr">
+              <a:lnSpc>
+                <a:spcPct val="100000"/>
+              </a:lnSpc>
+            </a:pPr>
             <a:r>
               <a:rPr b="0" lang="en-IN" sz="1800" spc="-1" strike="noStrike">
                 <a:solidFill>
@@ -8037,7 +8115,7 @@
                 <a:latin typeface="Arial"/>
                 <a:ea typeface="DejaVu Sans"/>
               </a:rPr>
-              <a:t>KS</a:t>
+              <a:t>USERS</a:t>
             </a:r>
             <a:endParaRPr b="0" lang="en-IN" sz="1800" spc="-1" strike="noStrike">
               <a:latin typeface="Arial"/>
@@ -8047,14 +8125,14 @@
       </p:sp>
       <p:sp>
         <p:nvSpPr>
-          <p:cNvPr id="293" name="CustomShape 2"/>
-          <p:cNvSpPr/>
-          <p:nvPr/>
-        </p:nvSpPr>
-        <p:spPr>
-          <a:xfrm>
-            <a:off x="6084000" y="936000"/>
-            <a:ext cx="1437840" cy="789840"/>
+          <p:cNvPr id="294" name="CustomShape 3"/>
+          <p:cNvSpPr/>
+          <p:nvPr/>
+        </p:nvSpPr>
+        <p:spPr>
+          <a:xfrm>
+            <a:off x="4934160" y="4392000"/>
+            <a:ext cx="1437480" cy="789480"/>
           </a:xfrm>
           <a:prstGeom prst="rect">
             <a:avLst/>
@@ -8092,7 +8170,7 @@
                 <a:latin typeface="Arial"/>
                 <a:ea typeface="DejaVu Sans"/>
               </a:rPr>
-              <a:t>USERS</a:t>
+              <a:t>SUPPLIERS</a:t>
             </a:r>
             <a:endParaRPr b="0" lang="en-IN" sz="1800" spc="-1" strike="noStrike">
               <a:latin typeface="Arial"/>
@@ -8102,61 +8180,6 @@
       </p:sp>
       <p:sp>
         <p:nvSpPr>
-          <p:cNvPr id="294" name="CustomShape 3"/>
-          <p:cNvSpPr/>
-          <p:nvPr/>
-        </p:nvSpPr>
-        <p:spPr>
-          <a:xfrm>
-            <a:off x="4934160" y="4392000"/>
-            <a:ext cx="1437840" cy="789840"/>
-          </a:xfrm>
-          <a:prstGeom prst="rect">
-            <a:avLst/>
-          </a:prstGeom>
-          <a:solidFill>
-            <a:srgbClr val="729fcf"/>
-          </a:solidFill>
-          <a:ln>
-            <a:solidFill>
-              <a:srgbClr val="3465a4"/>
-            </a:solidFill>
-          </a:ln>
-        </p:spPr>
-        <p:style>
-          <a:lnRef idx="0"/>
-          <a:fillRef idx="0"/>
-          <a:effectRef idx="0"/>
-          <a:fontRef idx="minor"/>
-        </p:style>
-        <p:txBody>
-          <a:bodyPr wrap="none" lIns="90000" rIns="90000" tIns="45000" bIns="45000" anchor="ctr">
-            <a:noAutofit/>
-          </a:bodyPr>
-          <a:p>
-            <a:pPr algn="ctr">
-              <a:lnSpc>
-                <a:spcPct val="100000"/>
-              </a:lnSpc>
-            </a:pPr>
-            <a:r>
-              <a:rPr b="0" lang="en-IN" sz="1800" spc="-1" strike="noStrike">
-                <a:solidFill>
-                  <a:srgbClr val="000000"/>
-                </a:solidFill>
-                <a:latin typeface="Arial"/>
-                <a:ea typeface="DejaVu Sans"/>
-              </a:rPr>
-              <a:t>SUPPLIERS</a:t>
-            </a:r>
-            <a:endParaRPr b="0" lang="en-IN" sz="1800" spc="-1" strike="noStrike">
-              <a:latin typeface="Arial"/>
-            </a:endParaRPr>
-          </a:p>
-        </p:txBody>
-      </p:sp>
-      <p:sp>
-        <p:nvSpPr>
           <p:cNvPr id="295" name="CustomShape 4"/>
           <p:cNvSpPr/>
           <p:nvPr/>
@@ -8164,7 +8187,7 @@
         <p:spPr>
           <a:xfrm>
             <a:off x="4032000" y="648000"/>
-            <a:ext cx="1437840" cy="1365840"/>
+            <a:ext cx="1437480" cy="1365480"/>
           </a:xfrm>
           <a:custGeom>
             <a:avLst/>
@@ -8262,7 +8285,7 @@
         <p:spPr>
           <a:xfrm>
             <a:off x="1908000" y="3204360"/>
-            <a:ext cx="1437840" cy="1365840"/>
+            <a:ext cx="1437480" cy="1365480"/>
           </a:xfrm>
           <a:custGeom>
             <a:avLst/>
@@ -8414,7 +8437,7 @@
         <p:spPr>
           <a:xfrm>
             <a:off x="4140000" y="2234160"/>
-            <a:ext cx="1152000" cy="573840"/>
+            <a:ext cx="1151640" cy="573480"/>
           </a:xfrm>
           <a:prstGeom prst="ellipse">
             <a:avLst/>
@@ -8469,7 +8492,7 @@
         <p:spPr>
           <a:xfrm>
             <a:off x="3708360" y="3636360"/>
-            <a:ext cx="1079640" cy="573840"/>
+            <a:ext cx="1079280" cy="573480"/>
           </a:xfrm>
           <a:prstGeom prst="ellipse">
             <a:avLst/>
@@ -8578,7 +8601,7 @@
         <p:spPr>
           <a:xfrm>
             <a:off x="504000" y="396000"/>
-            <a:ext cx="1152000" cy="573840"/>
+            <a:ext cx="1151640" cy="573480"/>
           </a:xfrm>
           <a:prstGeom prst="ellipse">
             <a:avLst/>
@@ -8633,7 +8656,7 @@
         <p:spPr>
           <a:xfrm>
             <a:off x="1944000" y="180000"/>
-            <a:ext cx="1152000" cy="573840"/>
+            <a:ext cx="1151640" cy="573480"/>
           </a:xfrm>
           <a:prstGeom prst="ellipse">
             <a:avLst/>
@@ -8688,7 +8711,7 @@
         <p:spPr>
           <a:xfrm>
             <a:off x="288000" y="1152000"/>
-            <a:ext cx="1152000" cy="573840"/>
+            <a:ext cx="1151640" cy="573480"/>
           </a:xfrm>
           <a:prstGeom prst="ellipse">
             <a:avLst/>
@@ -8743,7 +8766,7 @@
         <p:spPr>
           <a:xfrm>
             <a:off x="5940000" y="180000"/>
-            <a:ext cx="1152000" cy="573840"/>
+            <a:ext cx="1151640" cy="573480"/>
           </a:xfrm>
           <a:prstGeom prst="ellipse">
             <a:avLst/>
@@ -8798,7 +8821,7 @@
         <p:spPr>
           <a:xfrm>
             <a:off x="7560000" y="180000"/>
-            <a:ext cx="1152000" cy="573840"/>
+            <a:ext cx="1151640" cy="573480"/>
           </a:xfrm>
           <a:prstGeom prst="ellipse">
             <a:avLst/>
@@ -8853,7 +8876,7 @@
         <p:spPr>
           <a:xfrm>
             <a:off x="7992000" y="972000"/>
-            <a:ext cx="1152000" cy="573840"/>
+            <a:ext cx="1151640" cy="573480"/>
           </a:xfrm>
           <a:prstGeom prst="ellipse">
             <a:avLst/>
@@ -8899,12 +8922,12 @@
           </a:p>
         </p:txBody>
       </p:sp>
-      <p:cxnSp>
-        <p:nvCxnSpPr>
+      <p:sp>
+        <p:nvSpPr>
           <p:cNvPr id="309" name="Line 18"/>
-          <p:cNvCxnSpPr/>
-          <p:nvPr/>
-        </p:nvCxnSpPr>
+          <p:cNvSpPr/>
+          <p:nvPr/>
+        </p:nvSpPr>
         <p:spPr>
           <a:xfrm>
             <a:off x="0" y="0"/>
@@ -8919,7 +8942,13 @@
             </a:solidFill>
           </a:ln>
         </p:spPr>
-      </p:cxnSp>
+        <p:style>
+          <a:lnRef idx="0"/>
+          <a:fillRef idx="0"/>
+          <a:effectRef idx="0"/>
+          <a:fontRef idx="minor"/>
+        </p:style>
+      </p:sp>
       <p:sp>
         <p:nvSpPr>
           <p:cNvPr id="310" name="CustomShape 19"/>
@@ -8929,7 +8958,7 @@
         <p:spPr>
           <a:xfrm>
             <a:off x="432000" y="3636360"/>
-            <a:ext cx="1079640" cy="573840"/>
+            <a:ext cx="1079280" cy="573480"/>
           </a:xfrm>
           <a:prstGeom prst="ellipse">
             <a:avLst/>
@@ -8984,7 +9013,7 @@
         <p:spPr>
           <a:xfrm>
             <a:off x="6803640" y="4068360"/>
-            <a:ext cx="1079640" cy="573840"/>
+            <a:ext cx="1079280" cy="573480"/>
           </a:xfrm>
           <a:prstGeom prst="ellipse">
             <a:avLst/>
@@ -9039,7 +9068,7 @@
         <p:spPr>
           <a:xfrm>
             <a:off x="6839280" y="4752360"/>
-            <a:ext cx="1079640" cy="573840"/>
+            <a:ext cx="1079280" cy="573480"/>
           </a:xfrm>
           <a:prstGeom prst="ellipse">
             <a:avLst/>
@@ -9410,6 +9439,505 @@
           <a:fontRef idx="minor"/>
         </p:style>
       </p:sp>
+    </p:spTree>
+  </p:cSld>
+  <mc:AlternateContent>
+    <mc:Choice Requires="p14">
+      <p:transition spd="slow" p14:dur="2000"/>
+    </mc:Choice>
+    <mc:Fallback>
+      <p:transition spd="slow"/>
+    </mc:Fallback>
+  </mc:AlternateContent>
+</p:sld>
+</file>
+
+<file path=ppt/slides/slide15.xml><?xml version="1.0" encoding="utf-8"?>
+<p:sld xmlns:a="http://schemas.openxmlformats.org/drawingml/2006/main" xmlns:p="http://schemas.openxmlformats.org/presentationml/2006/main" xmlns:r="http://schemas.openxmlformats.org/officeDocument/2006/relationships" xmlns:p14="http://schemas.microsoft.com/office/powerpoint/2010/main" xmlns:p15="http://schemas.microsoft.com/office/powerpoint/2012/main" xmlns:mc="http://schemas.openxmlformats.org/markup-compatibility/2006">
+  <p:cSld>
+    <p:spTree>
+      <p:nvGrpSpPr>
+        <p:cNvPr id="1" name=""/>
+        <p:cNvGrpSpPr/>
+        <p:nvPr/>
+      </p:nvGrpSpPr>
+      <p:grpSpPr>
+        <a:xfrm>
+          <a:off x="0" y="0"/>
+          <a:ext cx="0" cy="0"/>
+          <a:chOff x="0" y="0"/>
+          <a:chExt cx="0" cy="0"/>
+        </a:xfrm>
+      </p:grpSpPr>
+      <p:sp>
+        <p:nvSpPr>
+          <p:cNvPr id="325" name="TextShape 1"/>
+          <p:cNvSpPr txBox="1"/>
+          <p:nvPr/>
+        </p:nvSpPr>
+        <p:spPr>
+          <a:xfrm>
+            <a:off x="2556000" y="1152000"/>
+            <a:ext cx="4536000" cy="360000"/>
+          </a:xfrm>
+          <a:prstGeom prst="rect">
+            <a:avLst/>
+          </a:prstGeom>
+          <a:noFill/>
+          <a:ln>
+            <a:noFill/>
+          </a:ln>
+        </p:spPr>
+        <p:txBody>
+          <a:bodyPr lIns="90000" rIns="90000" tIns="45000" bIns="45000">
+            <a:noAutofit/>
+          </a:bodyPr>
+          <a:p>
+            <a:r>
+              <a:rPr b="0" lang="en-IN" sz="1800" spc="-1" strike="noStrike">
+                <a:latin typeface="Arial"/>
+              </a:rPr>
+              <a:t>FORMAL SPECIFICATION LANGUAGES</a:t>
+            </a:r>
+            <a:endParaRPr b="0" lang="en-IN" sz="1800" spc="-1" strike="noStrike">
+              <a:latin typeface="Arial"/>
+            </a:endParaRPr>
+          </a:p>
+        </p:txBody>
+      </p:sp>
+      <p:graphicFrame>
+        <p:nvGraphicFramePr>
+          <p:cNvPr id="326" name="Table 2"/>
+          <p:cNvGraphicFramePr/>
+          <p:nvPr/>
+        </p:nvGraphicFramePr>
+        <p:xfrm>
+          <a:off x="1008000" y="1994760"/>
+          <a:ext cx="7704000" cy="2698920"/>
+        </p:xfrm>
+        <a:graphic>
+          <a:graphicData uri="http://schemas.openxmlformats.org/drawingml/2006/table">
+            <a:tbl>
+              <a:tblPr/>
+              <a:tblGrid>
+                <a:gridCol w="2567160"/>
+                <a:gridCol w="2567160"/>
+                <a:gridCol w="2569680"/>
+              </a:tblGrid>
+              <a:tr h="719640">
+                <a:tc>
+                  <a:tcPr marL="90000" marR="90000">
+                    <a:lnL w="720">
+                      <a:solidFill>
+                        <a:srgbClr val="ffffff"/>
+                      </a:solidFill>
+                    </a:lnL>
+                    <a:lnR w="720">
+                      <a:solidFill>
+                        <a:srgbClr val="ffffff"/>
+                      </a:solidFill>
+                    </a:lnR>
+                    <a:lnT w="720">
+                      <a:solidFill>
+                        <a:srgbClr val="ffffff"/>
+                      </a:solidFill>
+                    </a:lnT>
+                    <a:lnB w="720">
+                      <a:solidFill>
+                        <a:srgbClr val="ffffff"/>
+                      </a:solidFill>
+                    </a:lnB>
+                    <a:solidFill>
+                      <a:srgbClr val="b3b3b3"/>
+                    </a:solidFill>
+                  </a:tcPr>
+                </a:tc>
+                <a:tc>
+                  <a:txBody>
+                    <a:bodyPr lIns="90000" rIns="90000" tIns="46800" bIns="46800">
+                      <a:noAutofit/>
+                    </a:bodyPr>
+                    <a:p>
+                      <a:r>
+                        <a:rPr b="0" lang="en-IN" sz="1800" spc="-1" strike="noStrike">
+                          <a:latin typeface="Arial"/>
+                        </a:rPr>
+                        <a:t>Sequential</a:t>
+                      </a:r>
+                      <a:endParaRPr b="0" lang="en-IN" sz="1800" spc="-1" strike="noStrike">
+                        <a:latin typeface="Arial"/>
+                      </a:endParaRPr>
+                    </a:p>
+                  </a:txBody>
+                  <a:tcPr marL="90000" marR="90000">
+                    <a:lnL w="720">
+                      <a:solidFill>
+                        <a:srgbClr val="ffffff"/>
+                      </a:solidFill>
+                    </a:lnL>
+                    <a:lnR w="720">
+                      <a:solidFill>
+                        <a:srgbClr val="ffffff"/>
+                      </a:solidFill>
+                    </a:lnR>
+                    <a:lnT w="720">
+                      <a:solidFill>
+                        <a:srgbClr val="ffffff"/>
+                      </a:solidFill>
+                    </a:lnT>
+                    <a:lnB w="720">
+                      <a:solidFill>
+                        <a:srgbClr val="ffffff"/>
+                      </a:solidFill>
+                    </a:lnB>
+                    <a:solidFill>
+                      <a:srgbClr val="b3b3b3"/>
+                    </a:solidFill>
+                  </a:tcPr>
+                </a:tc>
+                <a:tc>
+                  <a:txBody>
+                    <a:bodyPr lIns="90000" rIns="90000" tIns="46800" bIns="46800">
+                      <a:noAutofit/>
+                    </a:bodyPr>
+                    <a:p>
+                      <a:r>
+                        <a:rPr b="0" lang="en-IN" sz="1800" spc="-1" strike="noStrike">
+                          <a:latin typeface="Arial"/>
+                        </a:rPr>
+                        <a:t>Concurrent</a:t>
+                      </a:r>
+                      <a:endParaRPr b="0" lang="en-IN" sz="1800" spc="-1" strike="noStrike">
+                        <a:latin typeface="Arial"/>
+                      </a:endParaRPr>
+                    </a:p>
+                  </a:txBody>
+                  <a:tcPr marL="90000" marR="90000">
+                    <a:lnL w="720">
+                      <a:solidFill>
+                        <a:srgbClr val="ffffff"/>
+                      </a:solidFill>
+                    </a:lnL>
+                    <a:lnR w="720">
+                      <a:solidFill>
+                        <a:srgbClr val="ffffff"/>
+                      </a:solidFill>
+                    </a:lnR>
+                    <a:lnT w="720">
+                      <a:solidFill>
+                        <a:srgbClr val="ffffff"/>
+                      </a:solidFill>
+                    </a:lnT>
+                    <a:lnB w="720">
+                      <a:solidFill>
+                        <a:srgbClr val="ffffff"/>
+                      </a:solidFill>
+                    </a:lnB>
+                    <a:solidFill>
+                      <a:srgbClr val="b3b3b3"/>
+                    </a:solidFill>
+                  </a:tcPr>
+                </a:tc>
+              </a:tr>
+              <a:tr h="719640">
+                <a:tc>
+                  <a:txBody>
+                    <a:bodyPr lIns="90000" rIns="90000" tIns="46800" bIns="46800">
+                      <a:noAutofit/>
+                    </a:bodyPr>
+                    <a:p>
+                      <a:r>
+                        <a:rPr b="0" lang="en-IN" sz="1800" spc="-1" strike="noStrike">
+                          <a:latin typeface="Arial"/>
+                        </a:rPr>
+                        <a:t>Algebraic</a:t>
+                      </a:r>
+                      <a:endParaRPr b="0" lang="en-IN" sz="1800" spc="-1" strike="noStrike">
+                        <a:latin typeface="Arial"/>
+                      </a:endParaRPr>
+                    </a:p>
+                  </a:txBody>
+                  <a:tcPr marL="90000" marR="90000">
+                    <a:lnL w="720">
+                      <a:solidFill>
+                        <a:srgbClr val="ffffff"/>
+                      </a:solidFill>
+                    </a:lnL>
+                    <a:lnR w="720">
+                      <a:solidFill>
+                        <a:srgbClr val="ffffff"/>
+                      </a:solidFill>
+                    </a:lnR>
+                    <a:lnT w="720">
+                      <a:solidFill>
+                        <a:srgbClr val="ffffff"/>
+                      </a:solidFill>
+                    </a:lnT>
+                    <a:lnB w="720">
+                      <a:solidFill>
+                        <a:srgbClr val="ffffff"/>
+                      </a:solidFill>
+                    </a:lnB>
+                    <a:solidFill>
+                      <a:srgbClr val="cccccc"/>
+                    </a:solidFill>
+                  </a:tcPr>
+                </a:tc>
+                <a:tc>
+                  <a:txBody>
+                    <a:bodyPr lIns="90000" rIns="90000" tIns="46800" bIns="46800">
+                      <a:noAutofit/>
+                    </a:bodyPr>
+                    <a:p>
+                      <a:r>
+                        <a:rPr b="0" lang="en-IN" sz="1800" spc="-1" strike="noStrike">
+                          <a:latin typeface="Arial"/>
+                        </a:rPr>
+                        <a:t>Larch(Guttag et. al)</a:t>
+                      </a:r>
+                      <a:endParaRPr b="0" lang="en-IN" sz="1800" spc="-1" strike="noStrike">
+                        <a:latin typeface="Arial"/>
+                      </a:endParaRPr>
+                    </a:p>
+                    <a:p>
+                      <a:r>
+                        <a:rPr b="0" lang="en-IN" sz="1800" spc="-1" strike="noStrike">
+                          <a:latin typeface="Arial"/>
+                        </a:rPr>
+                        <a:t>OBJ(Futatsugi et. al)</a:t>
+                      </a:r>
+                      <a:endParaRPr b="0" lang="en-IN" sz="1800" spc="-1" strike="noStrike">
+                        <a:latin typeface="Arial"/>
+                      </a:endParaRPr>
+                    </a:p>
+                  </a:txBody>
+                  <a:tcPr marL="90000" marR="90000">
+                    <a:lnL w="720">
+                      <a:solidFill>
+                        <a:srgbClr val="ffffff"/>
+                      </a:solidFill>
+                    </a:lnL>
+                    <a:lnR w="720">
+                      <a:solidFill>
+                        <a:srgbClr val="ffffff"/>
+                      </a:solidFill>
+                    </a:lnR>
+                    <a:lnT w="720">
+                      <a:solidFill>
+                        <a:srgbClr val="ffffff"/>
+                      </a:solidFill>
+                    </a:lnT>
+                    <a:lnB w="720">
+                      <a:solidFill>
+                        <a:srgbClr val="ffffff"/>
+                      </a:solidFill>
+                    </a:lnB>
+                    <a:solidFill>
+                      <a:srgbClr val="cccccc"/>
+                    </a:solidFill>
+                  </a:tcPr>
+                </a:tc>
+                <a:tc>
+                  <a:txBody>
+                    <a:bodyPr lIns="90000" rIns="90000" tIns="46800" bIns="46800">
+                      <a:noAutofit/>
+                    </a:bodyPr>
+                    <a:p>
+                      <a:r>
+                        <a:rPr b="0" lang="en-IN" sz="1800" spc="-1" strike="noStrike">
+                          <a:latin typeface="Arial"/>
+                        </a:rPr>
+                        <a:t>Lotos(Bolognesi)</a:t>
+                      </a:r>
+                      <a:endParaRPr b="0" lang="en-IN" sz="1800" spc="-1" strike="noStrike">
+                        <a:latin typeface="Arial"/>
+                      </a:endParaRPr>
+                    </a:p>
+                  </a:txBody>
+                  <a:tcPr marL="90000" marR="90000">
+                    <a:lnL w="720">
+                      <a:solidFill>
+                        <a:srgbClr val="ffffff"/>
+                      </a:solidFill>
+                    </a:lnL>
+                    <a:lnR w="720">
+                      <a:solidFill>
+                        <a:srgbClr val="ffffff"/>
+                      </a:solidFill>
+                    </a:lnR>
+                    <a:lnT w="720">
+                      <a:solidFill>
+                        <a:srgbClr val="ffffff"/>
+                      </a:solidFill>
+                    </a:lnT>
+                    <a:lnB w="720">
+                      <a:solidFill>
+                        <a:srgbClr val="ffffff"/>
+                      </a:solidFill>
+                    </a:lnB>
+                    <a:solidFill>
+                      <a:srgbClr val="cccccc"/>
+                    </a:solidFill>
+                  </a:tcPr>
+                </a:tc>
+              </a:tr>
+              <a:tr h="720360">
+                <a:tc>
+                  <a:txBody>
+                    <a:bodyPr lIns="90000" rIns="90000" tIns="46800" bIns="46800">
+                      <a:noAutofit/>
+                    </a:bodyPr>
+                    <a:p>
+                      <a:r>
+                        <a:rPr b="0" lang="en-IN" sz="1800" spc="-1" strike="noStrike">
+                          <a:latin typeface="Arial"/>
+                        </a:rPr>
+                        <a:t>Model-based</a:t>
+                      </a:r>
+                      <a:endParaRPr b="0" lang="en-IN" sz="1800" spc="-1" strike="noStrike">
+                        <a:latin typeface="Arial"/>
+                      </a:endParaRPr>
+                    </a:p>
+                  </a:txBody>
+                  <a:tcPr marL="90000" marR="90000">
+                    <a:lnL w="720">
+                      <a:solidFill>
+                        <a:srgbClr val="ffffff"/>
+                      </a:solidFill>
+                    </a:lnL>
+                    <a:lnR w="720">
+                      <a:solidFill>
+                        <a:srgbClr val="ffffff"/>
+                      </a:solidFill>
+                    </a:lnR>
+                    <a:lnT w="720">
+                      <a:solidFill>
+                        <a:srgbClr val="ffffff"/>
+                      </a:solidFill>
+                    </a:lnT>
+                    <a:lnB w="720">
+                      <a:solidFill>
+                        <a:srgbClr val="ffffff"/>
+                      </a:solidFill>
+                    </a:lnB>
+                    <a:solidFill>
+                      <a:srgbClr val="e6e6e6"/>
+                    </a:solidFill>
+                  </a:tcPr>
+                </a:tc>
+                <a:tc>
+                  <a:txBody>
+                    <a:bodyPr lIns="90000" rIns="90000" tIns="46800" bIns="46800">
+                      <a:noAutofit/>
+                    </a:bodyPr>
+                    <a:p>
+                      <a:r>
+                        <a:rPr b="0" lang="en-IN" sz="1800" spc="-1" strike="noStrike">
+                          <a:latin typeface="Arial"/>
+                        </a:rPr>
+                        <a:t>Z (Spivey et. al)</a:t>
+                      </a:r>
+                      <a:endParaRPr b="0" lang="en-IN" sz="1800" spc="-1" strike="noStrike">
+                        <a:latin typeface="Arial"/>
+                      </a:endParaRPr>
+                    </a:p>
+                    <a:p>
+                      <a:r>
+                        <a:rPr b="0" lang="en-IN" sz="1800" spc="-1" strike="noStrike">
+                          <a:latin typeface="Arial"/>
+                        </a:rPr>
+                        <a:t>VDM(Jones et. al)</a:t>
+                      </a:r>
+                      <a:endParaRPr b="0" lang="en-IN" sz="1800" spc="-1" strike="noStrike">
+                        <a:latin typeface="Arial"/>
+                      </a:endParaRPr>
+                    </a:p>
+                  </a:txBody>
+                  <a:tcPr marL="90000" marR="90000">
+                    <a:lnL w="720">
+                      <a:solidFill>
+                        <a:srgbClr val="ffffff"/>
+                      </a:solidFill>
+                    </a:lnL>
+                    <a:lnR w="720">
+                      <a:solidFill>
+                        <a:srgbClr val="ffffff"/>
+                      </a:solidFill>
+                    </a:lnR>
+                    <a:lnT w="720">
+                      <a:solidFill>
+                        <a:srgbClr val="ffffff"/>
+                      </a:solidFill>
+                    </a:lnT>
+                    <a:lnB w="720">
+                      <a:solidFill>
+                        <a:srgbClr val="ffffff"/>
+                      </a:solidFill>
+                    </a:lnB>
+                    <a:solidFill>
+                      <a:srgbClr val="e6e6e6"/>
+                    </a:solidFill>
+                  </a:tcPr>
+                </a:tc>
+                <a:tc>
+                  <a:txBody>
+                    <a:bodyPr lIns="90000" rIns="90000" tIns="46800" bIns="46800">
+                      <a:noAutofit/>
+                    </a:bodyPr>
+                    <a:p>
+                      <a:r>
+                        <a:rPr b="0" lang="en-IN" sz="1800" spc="-1" strike="noStrike">
+                          <a:latin typeface="Arial"/>
+                        </a:rPr>
+                        <a:t>CSP</a:t>
+                      </a:r>
+                      <a:endParaRPr b="0" lang="en-IN" sz="1800" spc="-1" strike="noStrike">
+                        <a:latin typeface="Arial"/>
+                      </a:endParaRPr>
+                    </a:p>
+                    <a:p>
+                      <a:r>
+                        <a:rPr b="0" lang="en-IN" sz="1800" spc="-1" strike="noStrike">
+                          <a:latin typeface="Arial"/>
+                        </a:rPr>
+                        <a:t>Petri Nets(Peterson)</a:t>
+                      </a:r>
+                      <a:endParaRPr b="0" lang="en-IN" sz="1800" spc="-1" strike="noStrike">
+                        <a:latin typeface="Arial"/>
+                      </a:endParaRPr>
+                    </a:p>
+                  </a:txBody>
+                  <a:tcPr marL="90000" marR="90000">
+                    <a:lnL w="720">
+                      <a:solidFill>
+                        <a:srgbClr val="ffffff"/>
+                      </a:solidFill>
+                    </a:lnL>
+                    <a:lnR w="720">
+                      <a:solidFill>
+                        <a:srgbClr val="ffffff"/>
+                      </a:solidFill>
+                    </a:lnR>
+                    <a:lnT w="720">
+                      <a:solidFill>
+                        <a:srgbClr val="ffffff"/>
+                      </a:solidFill>
+                    </a:lnT>
+                    <a:lnB w="720">
+                      <a:solidFill>
+                        <a:srgbClr val="ffffff"/>
+                      </a:solidFill>
+                    </a:lnB>
+                    <a:solidFill>
+                      <a:srgbClr val="e6e6e6"/>
+                    </a:solidFill>
+                  </a:tcPr>
+                </a:tc>
+              </a:tr>
+            </a:tbl>
+          </a:graphicData>
+        </a:graphic>
+      </p:graphicFrame>
     </p:spTree>
   </p:cSld>
   <mc:AlternateContent>
@@ -9449,7 +9977,7 @@
         <p:spPr>
           <a:xfrm>
             <a:off x="1908000" y="936000"/>
-            <a:ext cx="1437840" cy="789840"/>
+            <a:ext cx="1437480" cy="789480"/>
           </a:xfrm>
           <a:prstGeom prst="rect">
             <a:avLst/>
@@ -9504,7 +10032,7 @@
         <p:spPr>
           <a:xfrm>
             <a:off x="6084000" y="936000"/>
-            <a:ext cx="1437840" cy="789840"/>
+            <a:ext cx="1437480" cy="789480"/>
           </a:xfrm>
           <a:prstGeom prst="rect">
             <a:avLst/>
@@ -9559,7 +10087,7 @@
         <p:spPr>
           <a:xfrm>
             <a:off x="1908000" y="4068000"/>
-            <a:ext cx="1437840" cy="789840"/>
+            <a:ext cx="1437480" cy="789480"/>
           </a:xfrm>
           <a:prstGeom prst="rect">
             <a:avLst/>
@@ -9614,7 +10142,7 @@
         <p:spPr>
           <a:xfrm>
             <a:off x="4032000" y="648000"/>
-            <a:ext cx="1437840" cy="1365840"/>
+            <a:ext cx="1437480" cy="1365480"/>
           </a:xfrm>
           <a:custGeom>
             <a:avLst/>
@@ -9712,7 +10240,7 @@
         <p:spPr>
           <a:xfrm>
             <a:off x="1872000" y="2232360"/>
-            <a:ext cx="1437840" cy="1365840"/>
+            <a:ext cx="1437480" cy="1365480"/>
           </a:xfrm>
           <a:custGeom>
             <a:avLst/>
@@ -9918,7 +10446,7 @@
         <p:spPr>
           <a:xfrm>
             <a:off x="5184000" y="2340000"/>
-            <a:ext cx="2013840" cy="573840"/>
+            <a:ext cx="2013480" cy="573480"/>
           </a:xfrm>
           <a:prstGeom prst="ellipse">
             <a:avLst/>
@@ -9973,7 +10501,7 @@
         <p:spPr>
           <a:xfrm>
             <a:off x="3960360" y="3240360"/>
-            <a:ext cx="2013840" cy="573840"/>
+            <a:ext cx="2013480" cy="573480"/>
           </a:xfrm>
           <a:prstGeom prst="ellipse">
             <a:avLst/>
@@ -10112,7 +10640,7 @@
         <p:spPr>
           <a:xfrm>
             <a:off x="3060000" y="2268000"/>
-            <a:ext cx="1437840" cy="789840"/>
+            <a:ext cx="1437480" cy="789480"/>
           </a:xfrm>
           <a:prstGeom prst="rect">
             <a:avLst/>
@@ -10167,7 +10695,7 @@
         <p:spPr>
           <a:xfrm>
             <a:off x="5832000" y="1980000"/>
-            <a:ext cx="1437840" cy="1365840"/>
+            <a:ext cx="1437480" cy="1365480"/>
           </a:xfrm>
           <a:custGeom>
             <a:avLst/>
@@ -10319,7 +10847,7 @@
         <p:spPr>
           <a:xfrm>
             <a:off x="2376000" y="1044000"/>
-            <a:ext cx="1149840" cy="681840"/>
+            <a:ext cx="1149480" cy="681480"/>
           </a:xfrm>
           <a:prstGeom prst="ellipse">
             <a:avLst/>
@@ -10374,7 +10902,7 @@
         <p:spPr>
           <a:xfrm>
             <a:off x="3780360" y="1044360"/>
-            <a:ext cx="1149840" cy="681840"/>
+            <a:ext cx="1149480" cy="681480"/>
           </a:xfrm>
           <a:prstGeom prst="ellipse">
             <a:avLst/>
@@ -10429,7 +10957,7 @@
         <p:spPr>
           <a:xfrm>
             <a:off x="2376360" y="1044360"/>
-            <a:ext cx="1149840" cy="681840"/>
+            <a:ext cx="1149480" cy="681480"/>
           </a:xfrm>
           <a:prstGeom prst="ellipse">
             <a:avLst/>
@@ -10484,7 +11012,7 @@
         <p:spPr>
           <a:xfrm>
             <a:off x="1512720" y="2160720"/>
-            <a:ext cx="1149840" cy="681840"/>
+            <a:ext cx="1149480" cy="681480"/>
           </a:xfrm>
           <a:prstGeom prst="ellipse">
             <a:avLst/>
@@ -10620,7 +11148,7 @@
         <p:spPr>
           <a:xfrm>
             <a:off x="4500000" y="2376000"/>
-            <a:ext cx="1401840" cy="600120"/>
+            <a:ext cx="1401480" cy="599760"/>
           </a:xfrm>
           <a:prstGeom prst="rect">
             <a:avLst/>
@@ -10671,7 +11199,7 @@
         <p:spPr>
           <a:xfrm>
             <a:off x="4320000" y="3204360"/>
-            <a:ext cx="1401840" cy="600120"/>
+            <a:ext cx="1401480" cy="599760"/>
           </a:xfrm>
           <a:prstGeom prst="rect">
             <a:avLst/>
@@ -10752,7 +11280,7 @@
         <p:spPr>
           <a:xfrm>
             <a:off x="504000" y="576000"/>
-            <a:ext cx="430200" cy="1654200"/>
+            <a:ext cx="429840" cy="1653840"/>
           </a:xfrm>
           <a:prstGeom prst="ellipse">
             <a:avLst/>
@@ -10782,7 +11310,7 @@
         <p:spPr>
           <a:xfrm>
             <a:off x="1440360" y="576360"/>
-            <a:ext cx="430200" cy="1654200"/>
+            <a:ext cx="429840" cy="1653840"/>
           </a:xfrm>
           <a:prstGeom prst="ellipse">
             <a:avLst/>
@@ -10812,7 +11340,7 @@
         <p:spPr>
           <a:xfrm>
             <a:off x="3204720" y="612720"/>
-            <a:ext cx="430200" cy="1654200"/>
+            <a:ext cx="429840" cy="1653840"/>
           </a:xfrm>
           <a:prstGeom prst="ellipse">
             <a:avLst/>
@@ -10842,7 +11370,7 @@
         <p:spPr>
           <a:xfrm>
             <a:off x="4068720" y="576720"/>
-            <a:ext cx="430200" cy="1654200"/>
+            <a:ext cx="429840" cy="1653840"/>
           </a:xfrm>
           <a:prstGeom prst="ellipse">
             <a:avLst/>
@@ -10872,7 +11400,7 @@
         <p:spPr>
           <a:xfrm>
             <a:off x="504720" y="3204720"/>
-            <a:ext cx="430200" cy="1654200"/>
+            <a:ext cx="429840" cy="1653840"/>
           </a:xfrm>
           <a:prstGeom prst="ellipse">
             <a:avLst/>
@@ -10902,7 +11430,7 @@
         <p:spPr>
           <a:xfrm>
             <a:off x="1440720" y="3168720"/>
-            <a:ext cx="430200" cy="1654200"/>
+            <a:ext cx="429840" cy="1653840"/>
           </a:xfrm>
           <a:prstGeom prst="ellipse">
             <a:avLst/>
@@ -10932,7 +11460,7 @@
         <p:spPr>
           <a:xfrm>
             <a:off x="3240720" y="3168720"/>
-            <a:ext cx="430200" cy="1654200"/>
+            <a:ext cx="429840" cy="1653840"/>
           </a:xfrm>
           <a:prstGeom prst="ellipse">
             <a:avLst/>
@@ -10962,7 +11490,7 @@
         <p:spPr>
           <a:xfrm>
             <a:off x="4068720" y="3168720"/>
-            <a:ext cx="430200" cy="1654200"/>
+            <a:ext cx="429840" cy="1653840"/>
           </a:xfrm>
           <a:prstGeom prst="ellipse">
             <a:avLst/>
@@ -10992,7 +11520,7 @@
         <p:spPr>
           <a:xfrm>
             <a:off x="540000" y="936000"/>
-            <a:ext cx="502200" cy="344520"/>
+            <a:ext cx="501840" cy="344160"/>
           </a:xfrm>
           <a:prstGeom prst="rect">
             <a:avLst/>
@@ -11043,7 +11571,7 @@
         <p:spPr>
           <a:xfrm>
             <a:off x="540000" y="1512000"/>
-            <a:ext cx="502200" cy="344520"/>
+            <a:ext cx="501840" cy="344160"/>
           </a:xfrm>
           <a:prstGeom prst="rect">
             <a:avLst/>
@@ -11094,7 +11622,7 @@
         <p:spPr>
           <a:xfrm>
             <a:off x="1512000" y="1512000"/>
-            <a:ext cx="502200" cy="344520"/>
+            <a:ext cx="501840" cy="344160"/>
           </a:xfrm>
           <a:prstGeom prst="rect">
             <a:avLst/>
@@ -11145,7 +11673,7 @@
         <p:spPr>
           <a:xfrm>
             <a:off x="1512000" y="900000"/>
-            <a:ext cx="502200" cy="344520"/>
+            <a:ext cx="501840" cy="344160"/>
           </a:xfrm>
           <a:prstGeom prst="rect">
             <a:avLst/>
@@ -11196,7 +11724,7 @@
         <p:spPr>
           <a:xfrm>
             <a:off x="540000" y="1260000"/>
-            <a:ext cx="502200" cy="344520"/>
+            <a:ext cx="501840" cy="344160"/>
           </a:xfrm>
           <a:prstGeom prst="rect">
             <a:avLst/>
@@ -11247,7 +11775,7 @@
         <p:spPr>
           <a:xfrm>
             <a:off x="1512000" y="1224000"/>
-            <a:ext cx="502200" cy="344520"/>
+            <a:ext cx="501840" cy="344160"/>
           </a:xfrm>
           <a:prstGeom prst="rect">
             <a:avLst/>
@@ -11298,7 +11826,7 @@
         <p:spPr>
           <a:xfrm>
             <a:off x="3240000" y="900000"/>
-            <a:ext cx="502200" cy="344520"/>
+            <a:ext cx="501840" cy="344160"/>
           </a:xfrm>
           <a:prstGeom prst="rect">
             <a:avLst/>
@@ -11349,7 +11877,7 @@
         <p:spPr>
           <a:xfrm>
             <a:off x="4104000" y="900000"/>
-            <a:ext cx="502200" cy="344520"/>
+            <a:ext cx="501840" cy="344160"/>
           </a:xfrm>
           <a:prstGeom prst="rect">
             <a:avLst/>
@@ -11400,7 +11928,7 @@
         <p:spPr>
           <a:xfrm>
             <a:off x="4104000" y="1224000"/>
-            <a:ext cx="502200" cy="344520"/>
+            <a:ext cx="501840" cy="344160"/>
           </a:xfrm>
           <a:prstGeom prst="rect">
             <a:avLst/>
@@ -11451,7 +11979,7 @@
         <p:spPr>
           <a:xfrm>
             <a:off x="4104000" y="1620000"/>
-            <a:ext cx="502200" cy="344520"/>
+            <a:ext cx="501840" cy="344160"/>
           </a:xfrm>
           <a:prstGeom prst="rect">
             <a:avLst/>
@@ -11502,7 +12030,7 @@
         <p:spPr>
           <a:xfrm>
             <a:off x="576000" y="3492000"/>
-            <a:ext cx="502200" cy="344520"/>
+            <a:ext cx="501840" cy="344160"/>
           </a:xfrm>
           <a:prstGeom prst="rect">
             <a:avLst/>
@@ -11553,7 +12081,7 @@
         <p:spPr>
           <a:xfrm>
             <a:off x="576000" y="3852000"/>
-            <a:ext cx="502200" cy="344520"/>
+            <a:ext cx="501840" cy="344160"/>
           </a:xfrm>
           <a:prstGeom prst="rect">
             <a:avLst/>
@@ -11604,7 +12132,7 @@
         <p:spPr>
           <a:xfrm>
             <a:off x="576000" y="4176000"/>
-            <a:ext cx="502200" cy="344520"/>
+            <a:ext cx="501840" cy="344160"/>
           </a:xfrm>
           <a:prstGeom prst="rect">
             <a:avLst/>
@@ -11655,7 +12183,7 @@
         <p:spPr>
           <a:xfrm>
             <a:off x="1476000" y="3492000"/>
-            <a:ext cx="502200" cy="344520"/>
+            <a:ext cx="501840" cy="344160"/>
           </a:xfrm>
           <a:prstGeom prst="rect">
             <a:avLst/>
@@ -11706,7 +12234,7 @@
         <p:spPr>
           <a:xfrm>
             <a:off x="3240000" y="3492000"/>
-            <a:ext cx="502200" cy="344520"/>
+            <a:ext cx="501840" cy="344160"/>
           </a:xfrm>
           <a:prstGeom prst="rect">
             <a:avLst/>
@@ -11757,7 +12285,7 @@
         <p:spPr>
           <a:xfrm>
             <a:off x="3276000" y="3960000"/>
-            <a:ext cx="502200" cy="344520"/>
+            <a:ext cx="501840" cy="344160"/>
           </a:xfrm>
           <a:prstGeom prst="rect">
             <a:avLst/>
@@ -11808,7 +12336,7 @@
         <p:spPr>
           <a:xfrm>
             <a:off x="4140000" y="3492000"/>
-            <a:ext cx="502200" cy="344520"/>
+            <a:ext cx="501840" cy="344160"/>
           </a:xfrm>
           <a:prstGeom prst="rect">
             <a:avLst/>
@@ -11859,7 +12387,7 @@
         <p:spPr>
           <a:xfrm>
             <a:off x="4140000" y="3924000"/>
-            <a:ext cx="502200" cy="344520"/>
+            <a:ext cx="501840" cy="344160"/>
           </a:xfrm>
           <a:prstGeom prst="rect">
             <a:avLst/>
@@ -12207,7 +12735,7 @@
         <p:spPr>
           <a:xfrm>
             <a:off x="540000" y="2412000"/>
-            <a:ext cx="1294200" cy="344520"/>
+            <a:ext cx="1293840" cy="344160"/>
           </a:xfrm>
           <a:prstGeom prst="rect">
             <a:avLst/>
@@ -12258,7 +12786,7 @@
         <p:spPr>
           <a:xfrm>
             <a:off x="3168000" y="2412000"/>
-            <a:ext cx="1438200" cy="394200"/>
+            <a:ext cx="1437840" cy="393840"/>
           </a:xfrm>
           <a:prstGeom prst="rect">
             <a:avLst/>
@@ -12309,7 +12837,7 @@
         <p:spPr>
           <a:xfrm>
             <a:off x="3168000" y="4968000"/>
-            <a:ext cx="1582200" cy="358200"/>
+            <a:ext cx="1581840" cy="357840"/>
           </a:xfrm>
           <a:prstGeom prst="rect">
             <a:avLst/>
@@ -12360,7 +12888,7 @@
         <p:spPr>
           <a:xfrm>
             <a:off x="504000" y="4968000"/>
-            <a:ext cx="1438200" cy="358200"/>
+            <a:ext cx="1437840" cy="357840"/>
           </a:xfrm>
           <a:prstGeom prst="rect">
             <a:avLst/>
@@ -12441,7 +12969,7 @@
         <p:spPr>
           <a:xfrm>
             <a:off x="1872000" y="1008000"/>
-            <a:ext cx="2086560" cy="790560"/>
+            <a:ext cx="2086200" cy="790200"/>
           </a:xfrm>
           <a:prstGeom prst="rect">
             <a:avLst/>
@@ -12471,7 +12999,7 @@
         <p:spPr>
           <a:xfrm>
             <a:off x="5328000" y="756000"/>
-            <a:ext cx="1654560" cy="1222560"/>
+            <a:ext cx="1654200" cy="1222200"/>
           </a:xfrm>
           <a:custGeom>
             <a:avLst/>
@@ -12524,7 +13052,7 @@
         <p:spPr>
           <a:xfrm>
             <a:off x="1872360" y="3672360"/>
-            <a:ext cx="2086560" cy="790560"/>
+            <a:ext cx="2086200" cy="790200"/>
           </a:xfrm>
           <a:prstGeom prst="rect">
             <a:avLst/>
@@ -12554,7 +13082,7 @@
         <p:spPr>
           <a:xfrm>
             <a:off x="5328360" y="3420360"/>
-            <a:ext cx="1654560" cy="1222560"/>
+            <a:ext cx="1654200" cy="1222200"/>
           </a:xfrm>
           <a:custGeom>
             <a:avLst/>
@@ -12662,7 +13190,7 @@
         <p:spPr>
           <a:xfrm>
             <a:off x="1188000" y="2304000"/>
-            <a:ext cx="6910560" cy="344880"/>
+            <a:ext cx="6910200" cy="344520"/>
           </a:xfrm>
           <a:prstGeom prst="rect">
             <a:avLst/>
@@ -12713,7 +13241,7 @@
         <p:spPr>
           <a:xfrm>
             <a:off x="1080000" y="4788000"/>
-            <a:ext cx="7162560" cy="600840"/>
+            <a:ext cx="7162200" cy="600480"/>
           </a:xfrm>
           <a:prstGeom prst="rect">
             <a:avLst/>
@@ -12794,7 +13322,7 @@
         <p:spPr>
           <a:xfrm>
             <a:off x="1908000" y="2232000"/>
-            <a:ext cx="1437840" cy="789840"/>
+            <a:ext cx="1437480" cy="789480"/>
           </a:xfrm>
           <a:prstGeom prst="rect">
             <a:avLst/>
@@ -12849,7 +13377,7 @@
         <p:spPr>
           <a:xfrm>
             <a:off x="6084000" y="2232000"/>
-            <a:ext cx="1437840" cy="789840"/>
+            <a:ext cx="1437480" cy="789480"/>
           </a:xfrm>
           <a:prstGeom prst="rect">
             <a:avLst/>
@@ -12904,7 +13432,7 @@
         <p:spPr>
           <a:xfrm>
             <a:off x="4032000" y="1944000"/>
-            <a:ext cx="1437840" cy="1365840"/>
+            <a:ext cx="1437480" cy="1365480"/>
           </a:xfrm>
           <a:custGeom>
             <a:avLst/>
@@ -13111,7 +13639,7 @@
         <p:spPr>
           <a:xfrm>
             <a:off x="2592000" y="3636000"/>
-            <a:ext cx="7126560" cy="600840"/>
+            <a:ext cx="7126200" cy="600480"/>
           </a:xfrm>
           <a:prstGeom prst="rect">
             <a:avLst/>
@@ -13212,7 +13740,7 @@
         <p:spPr>
           <a:xfrm>
             <a:off x="5934960" y="2130480"/>
-            <a:ext cx="1696320" cy="1007280"/>
+            <a:ext cx="1695960" cy="1006920"/>
           </a:xfrm>
           <a:prstGeom prst="rect">
             <a:avLst/>
@@ -13242,7 +13770,7 @@
         <p:spPr>
           <a:xfrm>
             <a:off x="1908000" y="2232000"/>
-            <a:ext cx="1437840" cy="789840"/>
+            <a:ext cx="1437480" cy="789480"/>
           </a:xfrm>
           <a:prstGeom prst="rect">
             <a:avLst/>
@@ -13297,7 +13825,7 @@
         <p:spPr>
           <a:xfrm>
             <a:off x="6084000" y="2232000"/>
-            <a:ext cx="1437840" cy="789840"/>
+            <a:ext cx="1437480" cy="789480"/>
           </a:xfrm>
           <a:prstGeom prst="rect">
             <a:avLst/>
@@ -13352,7 +13880,7 @@
         <p:spPr>
           <a:xfrm>
             <a:off x="4032000" y="1944000"/>
-            <a:ext cx="1437840" cy="1365840"/>
+            <a:ext cx="1437480" cy="1365480"/>
           </a:xfrm>
           <a:custGeom>
             <a:avLst/>
@@ -13511,7 +14039,7 @@
         <p:spPr>
           <a:xfrm>
             <a:off x="1764000" y="3564000"/>
-            <a:ext cx="7126560" cy="600840"/>
+            <a:ext cx="7126200" cy="600480"/>
           </a:xfrm>
           <a:prstGeom prst="rect">
             <a:avLst/>
@@ -13619,7 +14147,7 @@
         <p:spPr>
           <a:xfrm>
             <a:off x="1945800" y="3636000"/>
-            <a:ext cx="1437840" cy="789840"/>
+            <a:ext cx="1437480" cy="789480"/>
           </a:xfrm>
           <a:prstGeom prst="rect">
             <a:avLst/>
@@ -13694,7 +14222,7 @@
         <p:spPr>
           <a:xfrm>
             <a:off x="6300000" y="3673800"/>
-            <a:ext cx="1437840" cy="789840"/>
+            <a:ext cx="1437480" cy="789480"/>
           </a:xfrm>
           <a:prstGeom prst="rect">
             <a:avLst/>
@@ -13823,7 +14351,7 @@
         <p:spPr>
           <a:xfrm>
             <a:off x="1764000" y="4860000"/>
-            <a:ext cx="7126560" cy="600840"/>
+            <a:ext cx="7126200" cy="600480"/>
           </a:xfrm>
           <a:prstGeom prst="rect">
             <a:avLst/>
@@ -13849,7 +14377,7 @@
         <p:spPr>
           <a:xfrm>
             <a:off x="4140000" y="1080000"/>
-            <a:ext cx="1437840" cy="789840"/>
+            <a:ext cx="1437480" cy="789480"/>
           </a:xfrm>
           <a:prstGeom prst="rect">
             <a:avLst/>
@@ -13904,7 +14432,7 @@
         <p:spPr>
           <a:xfrm>
             <a:off x="4392000" y="2267640"/>
-            <a:ext cx="935640" cy="1007640"/>
+            <a:ext cx="935280" cy="1007280"/>
           </a:xfrm>
           <a:custGeom>
             <a:avLst/>
@@ -13953,7 +14481,7 @@
         <p:spPr>
           <a:xfrm>
             <a:off x="4572000" y="2304000"/>
-            <a:ext cx="647640" cy="345960"/>
+            <a:ext cx="647280" cy="345600"/>
           </a:xfrm>
           <a:prstGeom prst="rect">
             <a:avLst/>
@@ -13981,7 +14509,11 @@
             </a:pPr>
             <a:r>
               <a:rPr b="0" lang="en-IN" sz="1800" spc="-1" strike="noStrike">
-                <a:latin typeface="Arial"/>
+                <a:solidFill>
+                  <a:srgbClr val="000000"/>
+                </a:solidFill>
+                <a:latin typeface="Arial"/>
+                <a:ea typeface="DejaVu Sans"/>
               </a:rPr>
               <a:t>IS A</a:t>
             </a:r>
@@ -14081,7 +14613,7 @@
         <p:spPr>
           <a:xfrm>
             <a:off x="2592000" y="432000"/>
-            <a:ext cx="1151640" cy="503640"/>
+            <a:ext cx="1151280" cy="503280"/>
           </a:xfrm>
           <a:prstGeom prst="ellipse">
             <a:avLst/>
@@ -14136,7 +14668,7 @@
         <p:spPr>
           <a:xfrm>
             <a:off x="4104360" y="360360"/>
-            <a:ext cx="1151640" cy="503640"/>
+            <a:ext cx="1151280" cy="503280"/>
           </a:xfrm>
           <a:prstGeom prst="ellipse">
             <a:avLst/>
@@ -14191,7 +14723,7 @@
         <p:spPr>
           <a:xfrm>
             <a:off x="5652720" y="432720"/>
-            <a:ext cx="1151640" cy="503640"/>
+            <a:ext cx="1151280" cy="503280"/>
           </a:xfrm>
           <a:prstGeom prst="ellipse">
             <a:avLst/>
@@ -14246,7 +14778,7 @@
         <p:spPr>
           <a:xfrm>
             <a:off x="3813480" y="4321080"/>
-            <a:ext cx="1151640" cy="503640"/>
+            <a:ext cx="1151280" cy="503280"/>
           </a:xfrm>
           <a:prstGeom prst="ellipse">
             <a:avLst/>
@@ -14301,7 +14833,7 @@
         <p:spPr>
           <a:xfrm>
             <a:off x="2193840" y="4717440"/>
-            <a:ext cx="1151640" cy="503640"/>
+            <a:ext cx="1151280" cy="503280"/>
           </a:xfrm>
           <a:prstGeom prst="ellipse">
             <a:avLst/>
@@ -14356,7 +14888,7 @@
         <p:spPr>
           <a:xfrm>
             <a:off x="682200" y="4501800"/>
-            <a:ext cx="1151640" cy="503640"/>
+            <a:ext cx="1151280" cy="503280"/>
           </a:xfrm>
           <a:prstGeom prst="ellipse">
             <a:avLst/>
@@ -14411,7 +14943,7 @@
         <p:spPr>
           <a:xfrm>
             <a:off x="5434560" y="4574160"/>
-            <a:ext cx="1151640" cy="503640"/>
+            <a:ext cx="1151280" cy="503280"/>
           </a:xfrm>
           <a:prstGeom prst="ellipse">
             <a:avLst/>
@@ -14466,7 +14998,7 @@
         <p:spPr>
           <a:xfrm>
             <a:off x="7634160" y="4574520"/>
-            <a:ext cx="1151640" cy="503640"/>
+            <a:ext cx="1151280" cy="503280"/>
           </a:xfrm>
           <a:prstGeom prst="ellipse">
             <a:avLst/>
@@ -14521,7 +15053,7 @@
         <p:spPr>
           <a:xfrm>
             <a:off x="686520" y="3098880"/>
-            <a:ext cx="1151640" cy="503640"/>
+            <a:ext cx="1151280" cy="503280"/>
           </a:xfrm>
           <a:prstGeom prst="ellipse">
             <a:avLst/>
@@ -14849,7 +15381,7 @@
         <p:spPr>
           <a:xfrm>
             <a:off x="432000" y="72000"/>
-            <a:ext cx="9071640" cy="2519640"/>
+            <a:ext cx="9071280" cy="2519280"/>
           </a:xfrm>
           <a:prstGeom prst="rect">
             <a:avLst/>
@@ -14879,7 +15411,7 @@
         <p:spPr>
           <a:xfrm>
             <a:off x="2016000" y="1188000"/>
-            <a:ext cx="1437840" cy="789840"/>
+            <a:ext cx="1437480" cy="789480"/>
           </a:xfrm>
           <a:prstGeom prst="rect">
             <a:avLst/>
@@ -14934,7 +15466,7 @@
         <p:spPr>
           <a:xfrm>
             <a:off x="6192000" y="1188000"/>
-            <a:ext cx="1437840" cy="789840"/>
+            <a:ext cx="1437480" cy="789480"/>
           </a:xfrm>
           <a:prstGeom prst="rect">
             <a:avLst/>
@@ -14989,7 +15521,7 @@
         <p:spPr>
           <a:xfrm>
             <a:off x="4140000" y="900000"/>
-            <a:ext cx="1437840" cy="1365840"/>
+            <a:ext cx="1437480" cy="1365480"/>
           </a:xfrm>
           <a:custGeom>
             <a:avLst/>
@@ -15148,7 +15680,7 @@
         <p:spPr>
           <a:xfrm>
             <a:off x="-36000" y="3384000"/>
-            <a:ext cx="2627640" cy="600840"/>
+            <a:ext cx="2627280" cy="600480"/>
           </a:xfrm>
           <a:prstGeom prst="rect">
             <a:avLst/>
@@ -15226,7 +15758,7 @@
         <p:spPr>
           <a:xfrm>
             <a:off x="5868360" y="180360"/>
-            <a:ext cx="1151640" cy="503640"/>
+            <a:ext cx="1151280" cy="503280"/>
           </a:xfrm>
           <a:prstGeom prst="ellipse">
             <a:avLst/>
@@ -15281,7 +15813,7 @@
         <p:spPr>
           <a:xfrm>
             <a:off x="7344720" y="216720"/>
-            <a:ext cx="1151640" cy="503640"/>
+            <a:ext cx="1151280" cy="503280"/>
           </a:xfrm>
           <a:prstGeom prst="ellipse">
             <a:avLst/>
@@ -15336,7 +15868,7 @@
         <p:spPr>
           <a:xfrm>
             <a:off x="7921080" y="937080"/>
-            <a:ext cx="1151640" cy="503640"/>
+            <a:ext cx="1151280" cy="503280"/>
           </a:xfrm>
           <a:prstGeom prst="ellipse">
             <a:avLst/>
@@ -15391,7 +15923,7 @@
         <p:spPr>
           <a:xfrm>
             <a:off x="7921440" y="1693440"/>
-            <a:ext cx="1151640" cy="503640"/>
+            <a:ext cx="1151280" cy="503280"/>
           </a:xfrm>
           <a:prstGeom prst="ellipse">
             <a:avLst/>
@@ -15446,7 +15978,7 @@
         <p:spPr>
           <a:xfrm>
             <a:off x="7921440" y="937440"/>
-            <a:ext cx="1151640" cy="503640"/>
+            <a:ext cx="1151280" cy="503280"/>
           </a:xfrm>
           <a:prstGeom prst="ellipse">
             <a:avLst/>
@@ -15501,7 +16033,7 @@
         <p:spPr>
           <a:xfrm>
             <a:off x="2089440" y="433440"/>
-            <a:ext cx="1151640" cy="503640"/>
+            <a:ext cx="1151280" cy="503280"/>
           </a:xfrm>
           <a:prstGeom prst="ellipse">
             <a:avLst/>
@@ -15556,7 +16088,7 @@
         <p:spPr>
           <a:xfrm>
             <a:off x="649800" y="541800"/>
-            <a:ext cx="1151640" cy="503640"/>
+            <a:ext cx="1151280" cy="503280"/>
           </a:xfrm>
           <a:prstGeom prst="ellipse">
             <a:avLst/>
@@ -15611,7 +16143,7 @@
         <p:spPr>
           <a:xfrm>
             <a:off x="4320000" y="3168000"/>
-            <a:ext cx="1041840" cy="791640"/>
+            <a:ext cx="1041480" cy="791280"/>
           </a:xfrm>
           <a:custGeom>
             <a:avLst/>
@@ -15689,7 +16221,7 @@
         <p:spPr>
           <a:xfrm>
             <a:off x="4176000" y="4428000"/>
-            <a:ext cx="1437840" cy="789840"/>
+            <a:ext cx="1437480" cy="789480"/>
           </a:xfrm>
           <a:prstGeom prst="rect">
             <a:avLst/>
@@ -15825,7 +16357,7 @@
         <p:spPr>
           <a:xfrm>
             <a:off x="5870160" y="3782160"/>
-            <a:ext cx="1151640" cy="503640"/>
+            <a:ext cx="1151280" cy="503280"/>
           </a:xfrm>
           <a:prstGeom prst="ellipse">
             <a:avLst/>
@@ -15880,7 +16412,7 @@
         <p:spPr>
           <a:xfrm>
             <a:off x="7380000" y="3115440"/>
-            <a:ext cx="2627640" cy="600840"/>
+            <a:ext cx="2627280" cy="600480"/>
           </a:xfrm>
           <a:prstGeom prst="rect">
             <a:avLst/>

--- a/GATE/images/gate_images.pptx
+++ b/GATE/images/gate_images.pptx
@@ -1428,13 +1428,7 @@
               <a:rPr b="0" lang="en-IN" sz="4400" spc="-1" strike="noStrike">
                 <a:latin typeface="Arial"/>
               </a:rPr>
-              <a:t>Click to edit the title </a:t>
-            </a:r>
-            <a:r>
-              <a:rPr b="0" lang="en-IN" sz="4400" spc="-1" strike="noStrike">
-                <a:latin typeface="Arial"/>
-              </a:rPr>
-              <a:t>text format</a:t>
+              <a:t>Click to edit the title text format</a:t>
             </a:r>
             <a:endParaRPr b="0" lang="en-IN" sz="4400" spc="-1" strike="noStrike">
               <a:latin typeface="Arial"/>
@@ -1667,7 +1661,7 @@
         <p:spPr>
           <a:xfrm>
             <a:off x="1836000" y="1332000"/>
-            <a:ext cx="2373120" cy="789120"/>
+            <a:ext cx="2372400" cy="788400"/>
           </a:xfrm>
           <a:prstGeom prst="rect">
             <a:avLst/>
@@ -1722,7 +1716,7 @@
         <p:spPr>
           <a:xfrm>
             <a:off x="1836000" y="2880000"/>
-            <a:ext cx="2373120" cy="789120"/>
+            <a:ext cx="2372400" cy="788400"/>
           </a:xfrm>
           <a:prstGeom prst="rect">
             <a:avLst/>
@@ -1787,7 +1781,7 @@
         <p:spPr>
           <a:xfrm>
             <a:off x="1836000" y="4176000"/>
-            <a:ext cx="2373120" cy="789120"/>
+            <a:ext cx="2372400" cy="788400"/>
           </a:xfrm>
           <a:prstGeom prst="rect">
             <a:avLst/>
@@ -1862,7 +1856,7 @@
         <p:spPr>
           <a:xfrm>
             <a:off x="5292000" y="900000"/>
-            <a:ext cx="2373120" cy="1509120"/>
+            <a:ext cx="2372400" cy="1508400"/>
           </a:xfrm>
           <a:prstGeom prst="rect">
             <a:avLst/>
@@ -1997,7 +1991,7 @@
         <p:spPr>
           <a:xfrm>
             <a:off x="5292000" y="2571480"/>
-            <a:ext cx="2373120" cy="1277640"/>
+            <a:ext cx="2372400" cy="1276920"/>
           </a:xfrm>
           <a:prstGeom prst="rect">
             <a:avLst/>
@@ -2112,7 +2106,7 @@
         <p:spPr>
           <a:xfrm>
             <a:off x="5292000" y="4047480"/>
-            <a:ext cx="2373120" cy="1025640"/>
+            <a:ext cx="2372400" cy="1024920"/>
           </a:xfrm>
           <a:prstGeom prst="rect">
             <a:avLst/>
@@ -2291,7 +2285,7 @@
         <p:spPr>
           <a:xfrm>
             <a:off x="2988000" y="360000"/>
-            <a:ext cx="4389120" cy="343440"/>
+            <a:ext cx="4388400" cy="342720"/>
           </a:xfrm>
           <a:prstGeom prst="rect">
             <a:avLst/>
@@ -2372,7 +2366,7 @@
         <p:spPr>
           <a:xfrm>
             <a:off x="1440000" y="720000"/>
-            <a:ext cx="6767280" cy="1799280"/>
+            <a:ext cx="6766560" cy="1798560"/>
           </a:xfrm>
           <a:prstGeom prst="rect">
             <a:avLst/>
@@ -2402,7 +2396,7 @@
         <p:spPr>
           <a:xfrm>
             <a:off x="2016000" y="1188000"/>
-            <a:ext cx="1437480" cy="789480"/>
+            <a:ext cx="1436760" cy="788760"/>
           </a:xfrm>
           <a:prstGeom prst="rect">
             <a:avLst/>
@@ -2457,7 +2451,7 @@
         <p:spPr>
           <a:xfrm>
             <a:off x="6192000" y="1188000"/>
-            <a:ext cx="1437480" cy="789480"/>
+            <a:ext cx="1436760" cy="788760"/>
           </a:xfrm>
           <a:prstGeom prst="rect">
             <a:avLst/>
@@ -2512,7 +2506,7 @@
         <p:spPr>
           <a:xfrm>
             <a:off x="4140000" y="900000"/>
-            <a:ext cx="1437480" cy="1365480"/>
+            <a:ext cx="1436760" cy="1364760"/>
           </a:xfrm>
           <a:custGeom>
             <a:avLst/>
@@ -2698,7 +2692,7 @@
         <p:spPr>
           <a:xfrm>
             <a:off x="4320000" y="3168000"/>
-            <a:ext cx="1041480" cy="791280"/>
+            <a:ext cx="1040760" cy="790560"/>
           </a:xfrm>
           <a:custGeom>
             <a:avLst/>
@@ -2776,7 +2770,7 @@
         <p:spPr>
           <a:xfrm>
             <a:off x="4176000" y="4428000"/>
-            <a:ext cx="1437480" cy="789480"/>
+            <a:ext cx="1436760" cy="788760"/>
           </a:xfrm>
           <a:prstGeom prst="rect">
             <a:avLst/>
@@ -2858,7 +2852,7 @@
         <p:spPr>
           <a:xfrm>
             <a:off x="5870160" y="3314160"/>
-            <a:ext cx="1151280" cy="503280"/>
+            <a:ext cx="1150560" cy="502560"/>
           </a:xfrm>
           <a:prstGeom prst="ellipse">
             <a:avLst/>
@@ -2997,7 +2991,7 @@
         <p:spPr>
           <a:xfrm>
             <a:off x="1944000" y="900000"/>
-            <a:ext cx="1437480" cy="789480"/>
+            <a:ext cx="1436760" cy="788760"/>
           </a:xfrm>
           <a:prstGeom prst="rect">
             <a:avLst/>
@@ -3052,7 +3046,7 @@
         <p:spPr>
           <a:xfrm>
             <a:off x="6120000" y="900000"/>
-            <a:ext cx="1437480" cy="789480"/>
+            <a:ext cx="1436760" cy="788760"/>
           </a:xfrm>
           <a:prstGeom prst="rect">
             <a:avLst/>
@@ -3107,7 +3101,7 @@
         <p:spPr>
           <a:xfrm>
             <a:off x="4068000" y="612000"/>
-            <a:ext cx="1437480" cy="1365480"/>
+            <a:ext cx="1436760" cy="1364760"/>
           </a:xfrm>
           <a:custGeom>
             <a:avLst/>
@@ -3286,7 +3280,7 @@
         <p:spPr>
           <a:xfrm>
             <a:off x="2592000" y="5904000"/>
-            <a:ext cx="7126200" cy="600480"/>
+            <a:ext cx="7125480" cy="599760"/>
           </a:xfrm>
           <a:prstGeom prst="rect">
             <a:avLst/>
@@ -3357,7 +3351,7 @@
         <p:spPr>
           <a:xfrm>
             <a:off x="360000" y="216360"/>
-            <a:ext cx="1151280" cy="503280"/>
+            <a:ext cx="1150560" cy="502560"/>
           </a:xfrm>
           <a:prstGeom prst="ellipse">
             <a:avLst/>
@@ -3412,7 +3406,7 @@
         <p:spPr>
           <a:xfrm>
             <a:off x="1727640" y="216360"/>
-            <a:ext cx="1151280" cy="503280"/>
+            <a:ext cx="1150560" cy="502560"/>
           </a:xfrm>
           <a:prstGeom prst="ellipse">
             <a:avLst/>
@@ -3467,7 +3461,7 @@
         <p:spPr>
           <a:xfrm>
             <a:off x="359280" y="1008360"/>
-            <a:ext cx="1151280" cy="503280"/>
+            <a:ext cx="1150560" cy="502560"/>
           </a:xfrm>
           <a:prstGeom prst="ellipse">
             <a:avLst/>
@@ -3522,7 +3516,7 @@
         <p:spPr>
           <a:xfrm>
             <a:off x="358920" y="1800360"/>
-            <a:ext cx="1151280" cy="503280"/>
+            <a:ext cx="1150560" cy="502560"/>
           </a:xfrm>
           <a:prstGeom prst="ellipse">
             <a:avLst/>
@@ -3577,7 +3571,7 @@
         <p:spPr>
           <a:xfrm>
             <a:off x="1906560" y="1836360"/>
-            <a:ext cx="1151280" cy="503280"/>
+            <a:ext cx="1150560" cy="502560"/>
           </a:xfrm>
           <a:prstGeom prst="ellipse">
             <a:avLst/>
@@ -3632,7 +3626,7 @@
         <p:spPr>
           <a:xfrm>
             <a:off x="4211280" y="360"/>
-            <a:ext cx="1151280" cy="503280"/>
+            <a:ext cx="1150560" cy="502560"/>
           </a:xfrm>
           <a:prstGeom prst="ellipse">
             <a:avLst/>
@@ -3687,7 +3681,7 @@
         <p:spPr>
           <a:xfrm>
             <a:off x="6226920" y="360"/>
-            <a:ext cx="1151280" cy="503280"/>
+            <a:ext cx="1150560" cy="502560"/>
           </a:xfrm>
           <a:prstGeom prst="ellipse">
             <a:avLst/>
@@ -3742,7 +3736,7 @@
         <p:spPr>
           <a:xfrm>
             <a:off x="4210920" y="360"/>
-            <a:ext cx="1151280" cy="503280"/>
+            <a:ext cx="1150560" cy="502560"/>
           </a:xfrm>
           <a:prstGeom prst="ellipse">
             <a:avLst/>
@@ -3797,7 +3791,7 @@
         <p:spPr>
           <a:xfrm>
             <a:off x="7738920" y="252360"/>
-            <a:ext cx="1151280" cy="503280"/>
+            <a:ext cx="1150560" cy="502560"/>
           </a:xfrm>
           <a:prstGeom prst="ellipse">
             <a:avLst/>
@@ -3852,7 +3846,7 @@
         <p:spPr>
           <a:xfrm>
             <a:off x="7810920" y="936360"/>
-            <a:ext cx="1151280" cy="503280"/>
+            <a:ext cx="1150560" cy="502560"/>
           </a:xfrm>
           <a:prstGeom prst="ellipse">
             <a:avLst/>
@@ -5052,7 +5046,7 @@
         </p:nvGraphicFramePr>
         <p:xfrm>
           <a:off x="5065920" y="4241880"/>
-          <a:ext cx="3125520" cy="1086840"/>
+          <a:ext cx="3125520" cy="1086480"/>
         </p:xfrm>
         <a:graphic>
           <a:graphicData uri="http://schemas.openxmlformats.org/drawingml/2006/table">
@@ -5388,7 +5382,7 @@
         <p:spPr>
           <a:xfrm>
             <a:off x="576000" y="4320000"/>
-            <a:ext cx="2447640" cy="345960"/>
+            <a:ext cx="2446920" cy="345240"/>
           </a:xfrm>
           <a:prstGeom prst="rect">
             <a:avLst/>
@@ -5416,7 +5410,11 @@
             </a:pPr>
             <a:r>
               <a:rPr b="0" lang="en-IN" sz="1800" spc="-1" strike="noStrike">
-                <a:latin typeface="Arial"/>
+                <a:solidFill>
+                  <a:srgbClr val="000000"/>
+                </a:solidFill>
+                <a:latin typeface="Arial"/>
+                <a:ea typeface="DejaVu Sans"/>
               </a:rPr>
               <a:t>BOOKS TABLE</a:t>
             </a:r>
@@ -5435,7 +5433,7 @@
         <p:spPr>
           <a:xfrm>
             <a:off x="7092000" y="3672000"/>
-            <a:ext cx="2447640" cy="345960"/>
+            <a:ext cx="2446920" cy="345240"/>
           </a:xfrm>
           <a:prstGeom prst="rect">
             <a:avLst/>
@@ -5463,7 +5461,11 @@
             </a:pPr>
             <a:r>
               <a:rPr b="0" lang="en-IN" sz="1800" spc="-1" strike="noStrike">
-                <a:latin typeface="Arial"/>
+                <a:solidFill>
+                  <a:srgbClr val="000000"/>
+                </a:solidFill>
+                <a:latin typeface="Arial"/>
+                <a:ea typeface="DejaVu Sans"/>
               </a:rPr>
               <a:t>USERS TABLE</a:t>
             </a:r>
@@ -5482,7 +5484,7 @@
         <p:spPr>
           <a:xfrm>
             <a:off x="3744000" y="5328000"/>
-            <a:ext cx="2447640" cy="345960"/>
+            <a:ext cx="2446920" cy="345240"/>
           </a:xfrm>
           <a:prstGeom prst="rect">
             <a:avLst/>
@@ -5510,7 +5512,11 @@
             </a:pPr>
             <a:r>
               <a:rPr b="0" lang="en-IN" sz="1800" spc="-1" strike="noStrike">
-                <a:latin typeface="Arial"/>
+                <a:solidFill>
+                  <a:srgbClr val="000000"/>
+                </a:solidFill>
+                <a:latin typeface="Arial"/>
+                <a:ea typeface="DejaVu Sans"/>
               </a:rPr>
               <a:t>Borrowed By TABLE</a:t>
             </a:r>
@@ -5559,7 +5565,7 @@
         <p:spPr>
           <a:xfrm>
             <a:off x="5934960" y="1050480"/>
-            <a:ext cx="1695960" cy="1006920"/>
+            <a:ext cx="1695240" cy="1006200"/>
           </a:xfrm>
           <a:prstGeom prst="rect">
             <a:avLst/>
@@ -5589,7 +5595,7 @@
         <p:spPr>
           <a:xfrm>
             <a:off x="1908000" y="1152000"/>
-            <a:ext cx="1437480" cy="789480"/>
+            <a:ext cx="1436760" cy="788760"/>
           </a:xfrm>
           <a:prstGeom prst="rect">
             <a:avLst/>
@@ -5644,7 +5650,7 @@
         <p:spPr>
           <a:xfrm>
             <a:off x="6084000" y="1152000"/>
-            <a:ext cx="1437480" cy="789480"/>
+            <a:ext cx="1436760" cy="788760"/>
           </a:xfrm>
           <a:prstGeom prst="rect">
             <a:avLst/>
@@ -5699,7 +5705,7 @@
         <p:spPr>
           <a:xfrm>
             <a:off x="4032000" y="864000"/>
-            <a:ext cx="1437480" cy="1365480"/>
+            <a:ext cx="1436760" cy="1364760"/>
           </a:xfrm>
           <a:custGeom>
             <a:avLst/>
@@ -5831,7 +5837,7 @@
         <p:spPr>
           <a:xfrm>
             <a:off x="1548000" y="576000"/>
-            <a:ext cx="2123640" cy="467640"/>
+            <a:ext cx="2122920" cy="466920"/>
           </a:xfrm>
           <a:prstGeom prst="rect">
             <a:avLst/>
@@ -5937,7 +5943,7 @@
         <p:spPr>
           <a:xfrm>
             <a:off x="5760000" y="576000"/>
-            <a:ext cx="2123640" cy="467640"/>
+            <a:ext cx="2122920" cy="466920"/>
           </a:xfrm>
           <a:prstGeom prst="rect">
             <a:avLst/>
@@ -5988,7 +5994,7 @@
         <p:spPr>
           <a:xfrm>
             <a:off x="216000" y="2376000"/>
-            <a:ext cx="2123640" cy="2591640"/>
+            <a:ext cx="2122920" cy="2590920"/>
           </a:xfrm>
           <a:prstGeom prst="rect">
             <a:avLst/>
@@ -6038,7 +6044,7 @@
         </p:nvGraphicFramePr>
         <p:xfrm>
           <a:off x="2967840" y="3226680"/>
-          <a:ext cx="2872440" cy="1154520"/>
+          <a:ext cx="2872440" cy="1154160"/>
         </p:xfrm>
         <a:graphic>
           <a:graphicData uri="http://schemas.openxmlformats.org/drawingml/2006/table">
@@ -6697,7 +6703,7 @@
         <p:spPr>
           <a:xfrm>
             <a:off x="1945800" y="3636000"/>
-            <a:ext cx="1437480" cy="789480"/>
+            <a:ext cx="1436760" cy="788760"/>
           </a:xfrm>
           <a:prstGeom prst="rect">
             <a:avLst/>
@@ -6772,7 +6778,7 @@
         <p:spPr>
           <a:xfrm>
             <a:off x="6300000" y="3673800"/>
-            <a:ext cx="1437480" cy="789480"/>
+            <a:ext cx="1436760" cy="788760"/>
           </a:xfrm>
           <a:prstGeom prst="rect">
             <a:avLst/>
@@ -6901,7 +6907,7 @@
         <p:spPr>
           <a:xfrm>
             <a:off x="1764000" y="4860000"/>
-            <a:ext cx="7126200" cy="600480"/>
+            <a:ext cx="7125480" cy="599760"/>
           </a:xfrm>
           <a:prstGeom prst="rect">
             <a:avLst/>
@@ -6927,7 +6933,7 @@
         <p:spPr>
           <a:xfrm>
             <a:off x="4140000" y="1080000"/>
-            <a:ext cx="1437480" cy="789480"/>
+            <a:ext cx="1436760" cy="788760"/>
           </a:xfrm>
           <a:prstGeom prst="rect">
             <a:avLst/>
@@ -6982,7 +6988,7 @@
         <p:spPr>
           <a:xfrm>
             <a:off x="4392000" y="2267640"/>
-            <a:ext cx="935280" cy="1007280"/>
+            <a:ext cx="934560" cy="1006560"/>
           </a:xfrm>
           <a:custGeom>
             <a:avLst/>
@@ -7031,7 +7037,7 @@
         <p:spPr>
           <a:xfrm>
             <a:off x="4572000" y="2304000"/>
-            <a:ext cx="647280" cy="345600"/>
+            <a:ext cx="646560" cy="344880"/>
           </a:xfrm>
           <a:prstGeom prst="rect">
             <a:avLst/>
@@ -7163,7 +7169,7 @@
         <p:spPr>
           <a:xfrm>
             <a:off x="2592000" y="432000"/>
-            <a:ext cx="1151280" cy="503280"/>
+            <a:ext cx="1150560" cy="502560"/>
           </a:xfrm>
           <a:prstGeom prst="ellipse">
             <a:avLst/>
@@ -7218,7 +7224,7 @@
         <p:spPr>
           <a:xfrm>
             <a:off x="4104360" y="360360"/>
-            <a:ext cx="1151280" cy="503280"/>
+            <a:ext cx="1150560" cy="502560"/>
           </a:xfrm>
           <a:prstGeom prst="ellipse">
             <a:avLst/>
@@ -7273,7 +7279,7 @@
         <p:spPr>
           <a:xfrm>
             <a:off x="5652720" y="432720"/>
-            <a:ext cx="1151280" cy="503280"/>
+            <a:ext cx="1150560" cy="502560"/>
           </a:xfrm>
           <a:prstGeom prst="ellipse">
             <a:avLst/>
@@ -7328,7 +7334,7 @@
         <p:spPr>
           <a:xfrm>
             <a:off x="3813480" y="4321080"/>
-            <a:ext cx="1151280" cy="503280"/>
+            <a:ext cx="1150560" cy="502560"/>
           </a:xfrm>
           <a:prstGeom prst="ellipse">
             <a:avLst/>
@@ -7383,7 +7389,7 @@
         <p:spPr>
           <a:xfrm>
             <a:off x="2193840" y="4717440"/>
-            <a:ext cx="1151280" cy="503280"/>
+            <a:ext cx="1150560" cy="502560"/>
           </a:xfrm>
           <a:prstGeom prst="ellipse">
             <a:avLst/>
@@ -7438,7 +7444,7 @@
         <p:spPr>
           <a:xfrm>
             <a:off x="682200" y="4501800"/>
-            <a:ext cx="1151280" cy="503280"/>
+            <a:ext cx="1150560" cy="502560"/>
           </a:xfrm>
           <a:prstGeom prst="ellipse">
             <a:avLst/>
@@ -7493,7 +7499,7 @@
         <p:spPr>
           <a:xfrm>
             <a:off x="5434560" y="4574160"/>
-            <a:ext cx="1151280" cy="503280"/>
+            <a:ext cx="1150560" cy="502560"/>
           </a:xfrm>
           <a:prstGeom prst="ellipse">
             <a:avLst/>
@@ -7548,7 +7554,7 @@
         <p:spPr>
           <a:xfrm>
             <a:off x="7634160" y="4574520"/>
-            <a:ext cx="1151280" cy="503280"/>
+            <a:ext cx="1150560" cy="502560"/>
           </a:xfrm>
           <a:prstGeom prst="ellipse">
             <a:avLst/>
@@ -7603,7 +7609,7 @@
         <p:spPr>
           <a:xfrm>
             <a:off x="686520" y="3098880"/>
-            <a:ext cx="1151280" cy="503280"/>
+            <a:ext cx="1150560" cy="502560"/>
           </a:xfrm>
           <a:prstGeom prst="ellipse">
             <a:avLst/>
@@ -7901,7 +7907,7 @@
         <p:spPr>
           <a:xfrm>
             <a:off x="216000" y="288000"/>
-            <a:ext cx="2375640" cy="2303640"/>
+            <a:ext cx="2374920" cy="2302920"/>
           </a:xfrm>
           <a:prstGeom prst="rect">
             <a:avLst/>
@@ -8022,7 +8028,7 @@
         <p:spPr>
           <a:xfrm>
             <a:off x="1908000" y="936000"/>
-            <a:ext cx="1437480" cy="789480"/>
+            <a:ext cx="1436760" cy="788760"/>
           </a:xfrm>
           <a:prstGeom prst="rect">
             <a:avLst/>
@@ -8077,7 +8083,7 @@
         <p:spPr>
           <a:xfrm>
             <a:off x="6084000" y="936000"/>
-            <a:ext cx="1437480" cy="789480"/>
+            <a:ext cx="1436760" cy="788760"/>
           </a:xfrm>
           <a:prstGeom prst="rect">
             <a:avLst/>
@@ -8132,7 +8138,7 @@
         <p:spPr>
           <a:xfrm>
             <a:off x="4934160" y="4392000"/>
-            <a:ext cx="1437480" cy="789480"/>
+            <a:ext cx="1436760" cy="788760"/>
           </a:xfrm>
           <a:prstGeom prst="rect">
             <a:avLst/>
@@ -8187,7 +8193,7 @@
         <p:spPr>
           <a:xfrm>
             <a:off x="4032000" y="648000"/>
-            <a:ext cx="1437480" cy="1365480"/>
+            <a:ext cx="1436760" cy="1364760"/>
           </a:xfrm>
           <a:custGeom>
             <a:avLst/>
@@ -8285,7 +8291,7 @@
         <p:spPr>
           <a:xfrm>
             <a:off x="1908000" y="3204360"/>
-            <a:ext cx="1437480" cy="1365480"/>
+            <a:ext cx="1436760" cy="1364760"/>
           </a:xfrm>
           <a:custGeom>
             <a:avLst/>
@@ -8437,7 +8443,7 @@
         <p:spPr>
           <a:xfrm>
             <a:off x="4140000" y="2234160"/>
-            <a:ext cx="1151640" cy="573480"/>
+            <a:ext cx="1150920" cy="572760"/>
           </a:xfrm>
           <a:prstGeom prst="ellipse">
             <a:avLst/>
@@ -8492,7 +8498,7 @@
         <p:spPr>
           <a:xfrm>
             <a:off x="3708360" y="3636360"/>
-            <a:ext cx="1079280" cy="573480"/>
+            <a:ext cx="1078560" cy="572760"/>
           </a:xfrm>
           <a:prstGeom prst="ellipse">
             <a:avLst/>
@@ -8601,7 +8607,7 @@
         <p:spPr>
           <a:xfrm>
             <a:off x="504000" y="396000"/>
-            <a:ext cx="1151640" cy="573480"/>
+            <a:ext cx="1150920" cy="572760"/>
           </a:xfrm>
           <a:prstGeom prst="ellipse">
             <a:avLst/>
@@ -8656,7 +8662,7 @@
         <p:spPr>
           <a:xfrm>
             <a:off x="1944000" y="180000"/>
-            <a:ext cx="1151640" cy="573480"/>
+            <a:ext cx="1150920" cy="572760"/>
           </a:xfrm>
           <a:prstGeom prst="ellipse">
             <a:avLst/>
@@ -8711,7 +8717,7 @@
         <p:spPr>
           <a:xfrm>
             <a:off x="288000" y="1152000"/>
-            <a:ext cx="1151640" cy="573480"/>
+            <a:ext cx="1150920" cy="572760"/>
           </a:xfrm>
           <a:prstGeom prst="ellipse">
             <a:avLst/>
@@ -8766,7 +8772,7 @@
         <p:spPr>
           <a:xfrm>
             <a:off x="5940000" y="180000"/>
-            <a:ext cx="1151640" cy="573480"/>
+            <a:ext cx="1150920" cy="572760"/>
           </a:xfrm>
           <a:prstGeom prst="ellipse">
             <a:avLst/>
@@ -8821,7 +8827,7 @@
         <p:spPr>
           <a:xfrm>
             <a:off x="7560000" y="180000"/>
-            <a:ext cx="1151640" cy="573480"/>
+            <a:ext cx="1150920" cy="572760"/>
           </a:xfrm>
           <a:prstGeom prst="ellipse">
             <a:avLst/>
@@ -8876,7 +8882,7 @@
         <p:spPr>
           <a:xfrm>
             <a:off x="7992000" y="972000"/>
-            <a:ext cx="1151640" cy="573480"/>
+            <a:ext cx="1150920" cy="572760"/>
           </a:xfrm>
           <a:prstGeom prst="ellipse">
             <a:avLst/>
@@ -8958,7 +8964,7 @@
         <p:spPr>
           <a:xfrm>
             <a:off x="432000" y="3636360"/>
-            <a:ext cx="1079280" cy="573480"/>
+            <a:ext cx="1078560" cy="572760"/>
           </a:xfrm>
           <a:prstGeom prst="ellipse">
             <a:avLst/>
@@ -9013,7 +9019,7 @@
         <p:spPr>
           <a:xfrm>
             <a:off x="6803640" y="4068360"/>
-            <a:ext cx="1079280" cy="573480"/>
+            <a:ext cx="1078560" cy="572760"/>
           </a:xfrm>
           <a:prstGeom prst="ellipse">
             <a:avLst/>
@@ -9068,7 +9074,7 @@
         <p:spPr>
           <a:xfrm>
             <a:off x="6839280" y="4752360"/>
-            <a:ext cx="1079280" cy="573480"/>
+            <a:ext cx="1078560" cy="572760"/>
           </a:xfrm>
           <a:prstGeom prst="ellipse">
             <a:avLst/>
@@ -9471,14 +9477,14 @@
       </p:grpSpPr>
       <p:sp>
         <p:nvSpPr>
-          <p:cNvPr id="325" name="TextShape 1"/>
-          <p:cNvSpPr txBox="1"/>
+          <p:cNvPr id="325" name="CustomShape 1"/>
+          <p:cNvSpPr/>
           <p:nvPr/>
         </p:nvSpPr>
         <p:spPr>
           <a:xfrm>
             <a:off x="2556000" y="1152000"/>
-            <a:ext cx="4536000" cy="360000"/>
+            <a:ext cx="4535280" cy="359280"/>
           </a:xfrm>
           <a:prstGeom prst="rect">
             <a:avLst/>
@@ -9488,14 +9494,29 @@
             <a:noFill/>
           </a:ln>
         </p:spPr>
+        <p:style>
+          <a:lnRef idx="0"/>
+          <a:fillRef idx="0"/>
+          <a:effectRef idx="0"/>
+          <a:fontRef idx="minor"/>
+        </p:style>
         <p:txBody>
           <a:bodyPr lIns="90000" rIns="90000" tIns="45000" bIns="45000">
             <a:noAutofit/>
           </a:bodyPr>
           <a:p>
+            <a:pPr>
+              <a:lnSpc>
+                <a:spcPct val="100000"/>
+              </a:lnSpc>
+            </a:pPr>
             <a:r>
               <a:rPr b="0" lang="en-IN" sz="1800" spc="-1" strike="noStrike">
-                <a:latin typeface="Arial"/>
+                <a:solidFill>
+                  <a:srgbClr val="000000"/>
+                </a:solidFill>
+                <a:latin typeface="Arial"/>
+                <a:ea typeface="DejaVu Sans"/>
               </a:rPr>
               <a:t>FORMAL SPECIFICATION LANGUAGES</a:t>
             </a:r>
@@ -9513,7 +9534,7 @@
         </p:nvGraphicFramePr>
         <p:xfrm>
           <a:off x="1008000" y="1994760"/>
-          <a:ext cx="7704000" cy="2698920"/>
+          <a:ext cx="7703640" cy="2159280"/>
         </p:xfrm>
         <a:graphic>
           <a:graphicData uri="http://schemas.openxmlformats.org/drawingml/2006/table">
@@ -9554,10 +9575,15 @@
                 </a:tc>
                 <a:tc>
                   <a:txBody>
-                    <a:bodyPr lIns="90000" rIns="90000" tIns="46800" bIns="46800">
+                    <a:bodyPr lIns="90000" rIns="90000">
                       <a:noAutofit/>
                     </a:bodyPr>
                     <a:p>
+                      <a:pPr>
+                        <a:lnSpc>
+                          <a:spcPct val="100000"/>
+                        </a:lnSpc>
+                      </a:pPr>
                       <a:r>
                         <a:rPr b="0" lang="en-IN" sz="1800" spc="-1" strike="noStrike">
                           <a:latin typeface="Arial"/>
@@ -9597,10 +9623,15 @@
                 </a:tc>
                 <a:tc>
                   <a:txBody>
-                    <a:bodyPr lIns="90000" rIns="90000" tIns="46800" bIns="46800">
+                    <a:bodyPr lIns="90000" rIns="90000">
                       <a:noAutofit/>
                     </a:bodyPr>
                     <a:p>
+                      <a:pPr>
+                        <a:lnSpc>
+                          <a:spcPct val="100000"/>
+                        </a:lnSpc>
+                      </a:pPr>
                       <a:r>
                         <a:rPr b="0" lang="en-IN" sz="1800" spc="-1" strike="noStrike">
                           <a:latin typeface="Arial"/>
@@ -9642,10 +9673,15 @@
               <a:tr h="719640">
                 <a:tc>
                   <a:txBody>
-                    <a:bodyPr lIns="90000" rIns="90000" tIns="46800" bIns="46800">
+                    <a:bodyPr lIns="90000" rIns="90000">
                       <a:noAutofit/>
                     </a:bodyPr>
                     <a:p>
+                      <a:pPr>
+                        <a:lnSpc>
+                          <a:spcPct val="100000"/>
+                        </a:lnSpc>
+                      </a:pPr>
                       <a:r>
                         <a:rPr b="0" lang="en-IN" sz="1800" spc="-1" strike="noStrike">
                           <a:latin typeface="Arial"/>
@@ -9685,10 +9721,15 @@
                 </a:tc>
                 <a:tc>
                   <a:txBody>
-                    <a:bodyPr lIns="90000" rIns="90000" tIns="46800" bIns="46800">
+                    <a:bodyPr lIns="90000" rIns="90000">
                       <a:noAutofit/>
                     </a:bodyPr>
                     <a:p>
+                      <a:pPr>
+                        <a:lnSpc>
+                          <a:spcPct val="100000"/>
+                        </a:lnSpc>
+                      </a:pPr>
                       <a:r>
                         <a:rPr b="0" lang="en-IN" sz="1800" spc="-1" strike="noStrike">
                           <a:latin typeface="Arial"/>
@@ -9700,6 +9741,11 @@
                       </a:endParaRPr>
                     </a:p>
                     <a:p>
+                      <a:pPr>
+                        <a:lnSpc>
+                          <a:spcPct val="100000"/>
+                        </a:lnSpc>
+                      </a:pPr>
                       <a:r>
                         <a:rPr b="0" lang="en-IN" sz="1800" spc="-1" strike="noStrike">
                           <a:latin typeface="Arial"/>
@@ -9739,10 +9785,15 @@
                 </a:tc>
                 <a:tc>
                   <a:txBody>
-                    <a:bodyPr lIns="90000" rIns="90000" tIns="46800" bIns="46800">
+                    <a:bodyPr lIns="90000" rIns="90000">
                       <a:noAutofit/>
                     </a:bodyPr>
                     <a:p>
+                      <a:pPr>
+                        <a:lnSpc>
+                          <a:spcPct val="100000"/>
+                        </a:lnSpc>
+                      </a:pPr>
                       <a:r>
                         <a:rPr b="0" lang="en-IN" sz="1800" spc="-1" strike="noStrike">
                           <a:latin typeface="Arial"/>
@@ -9784,10 +9835,15 @@
               <a:tr h="720360">
                 <a:tc>
                   <a:txBody>
-                    <a:bodyPr lIns="90000" rIns="90000" tIns="46800" bIns="46800">
+                    <a:bodyPr lIns="90000" rIns="90000">
                       <a:noAutofit/>
                     </a:bodyPr>
                     <a:p>
+                      <a:pPr>
+                        <a:lnSpc>
+                          <a:spcPct val="100000"/>
+                        </a:lnSpc>
+                      </a:pPr>
                       <a:r>
                         <a:rPr b="0" lang="en-IN" sz="1800" spc="-1" strike="noStrike">
                           <a:latin typeface="Arial"/>
@@ -9827,10 +9883,15 @@
                 </a:tc>
                 <a:tc>
                   <a:txBody>
-                    <a:bodyPr lIns="90000" rIns="90000" tIns="46800" bIns="46800">
+                    <a:bodyPr lIns="90000" rIns="90000">
                       <a:noAutofit/>
                     </a:bodyPr>
                     <a:p>
+                      <a:pPr>
+                        <a:lnSpc>
+                          <a:spcPct val="100000"/>
+                        </a:lnSpc>
+                      </a:pPr>
                       <a:r>
                         <a:rPr b="0" lang="en-IN" sz="1800" spc="-1" strike="noStrike">
                           <a:latin typeface="Arial"/>
@@ -9842,6 +9903,11 @@
                       </a:endParaRPr>
                     </a:p>
                     <a:p>
+                      <a:pPr>
+                        <a:lnSpc>
+                          <a:spcPct val="100000"/>
+                        </a:lnSpc>
+                      </a:pPr>
                       <a:r>
                         <a:rPr b="0" lang="en-IN" sz="1800" spc="-1" strike="noStrike">
                           <a:latin typeface="Arial"/>
@@ -9881,10 +9947,15 @@
                 </a:tc>
                 <a:tc>
                   <a:txBody>
-                    <a:bodyPr lIns="90000" rIns="90000" tIns="46800" bIns="46800">
+                    <a:bodyPr lIns="90000" rIns="90000">
                       <a:noAutofit/>
                     </a:bodyPr>
                     <a:p>
+                      <a:pPr>
+                        <a:lnSpc>
+                          <a:spcPct val="100000"/>
+                        </a:lnSpc>
+                      </a:pPr>
                       <a:r>
                         <a:rPr b="0" lang="en-IN" sz="1800" spc="-1" strike="noStrike">
                           <a:latin typeface="Arial"/>
@@ -9896,6 +9967,11 @@
                       </a:endParaRPr>
                     </a:p>
                     <a:p>
+                      <a:pPr>
+                        <a:lnSpc>
+                          <a:spcPct val="100000"/>
+                        </a:lnSpc>
+                      </a:pPr>
                       <a:r>
                         <a:rPr b="0" lang="en-IN" sz="1800" spc="-1" strike="noStrike">
                           <a:latin typeface="Arial"/>
@@ -9977,7 +10053,7 @@
         <p:spPr>
           <a:xfrm>
             <a:off x="1908000" y="936000"/>
-            <a:ext cx="1437480" cy="789480"/>
+            <a:ext cx="1436760" cy="788760"/>
           </a:xfrm>
           <a:prstGeom prst="rect">
             <a:avLst/>
@@ -10032,7 +10108,7 @@
         <p:spPr>
           <a:xfrm>
             <a:off x="6084000" y="936000"/>
-            <a:ext cx="1437480" cy="789480"/>
+            <a:ext cx="1436760" cy="788760"/>
           </a:xfrm>
           <a:prstGeom prst="rect">
             <a:avLst/>
@@ -10087,7 +10163,7 @@
         <p:spPr>
           <a:xfrm>
             <a:off x="1908000" y="4068000"/>
-            <a:ext cx="1437480" cy="789480"/>
+            <a:ext cx="1436760" cy="788760"/>
           </a:xfrm>
           <a:prstGeom prst="rect">
             <a:avLst/>
@@ -10142,7 +10218,7 @@
         <p:spPr>
           <a:xfrm>
             <a:off x="4032000" y="648000"/>
-            <a:ext cx="1437480" cy="1365480"/>
+            <a:ext cx="1436760" cy="1364760"/>
           </a:xfrm>
           <a:custGeom>
             <a:avLst/>
@@ -10240,7 +10316,7 @@
         <p:spPr>
           <a:xfrm>
             <a:off x="1872000" y="2232360"/>
-            <a:ext cx="1437480" cy="1365480"/>
+            <a:ext cx="1436760" cy="1364760"/>
           </a:xfrm>
           <a:custGeom>
             <a:avLst/>
@@ -10446,7 +10522,7 @@
         <p:spPr>
           <a:xfrm>
             <a:off x="5184000" y="2340000"/>
-            <a:ext cx="2013480" cy="573480"/>
+            <a:ext cx="2012760" cy="572760"/>
           </a:xfrm>
           <a:prstGeom prst="ellipse">
             <a:avLst/>
@@ -10501,7 +10577,7 @@
         <p:spPr>
           <a:xfrm>
             <a:off x="3960360" y="3240360"/>
-            <a:ext cx="2013480" cy="573480"/>
+            <a:ext cx="2012760" cy="572760"/>
           </a:xfrm>
           <a:prstGeom prst="ellipse">
             <a:avLst/>
@@ -10640,7 +10716,7 @@
         <p:spPr>
           <a:xfrm>
             <a:off x="3060000" y="2268000"/>
-            <a:ext cx="1437480" cy="789480"/>
+            <a:ext cx="1436760" cy="788760"/>
           </a:xfrm>
           <a:prstGeom prst="rect">
             <a:avLst/>
@@ -10695,7 +10771,7 @@
         <p:spPr>
           <a:xfrm>
             <a:off x="5832000" y="1980000"/>
-            <a:ext cx="1437480" cy="1365480"/>
+            <a:ext cx="1436760" cy="1364760"/>
           </a:xfrm>
           <a:custGeom>
             <a:avLst/>
@@ -10847,7 +10923,7 @@
         <p:spPr>
           <a:xfrm>
             <a:off x="2376000" y="1044000"/>
-            <a:ext cx="1149480" cy="681480"/>
+            <a:ext cx="1148760" cy="680760"/>
           </a:xfrm>
           <a:prstGeom prst="ellipse">
             <a:avLst/>
@@ -10902,7 +10978,7 @@
         <p:spPr>
           <a:xfrm>
             <a:off x="3780360" y="1044360"/>
-            <a:ext cx="1149480" cy="681480"/>
+            <a:ext cx="1148760" cy="680760"/>
           </a:xfrm>
           <a:prstGeom prst="ellipse">
             <a:avLst/>
@@ -10957,7 +11033,7 @@
         <p:spPr>
           <a:xfrm>
             <a:off x="2376360" y="1044360"/>
-            <a:ext cx="1149480" cy="681480"/>
+            <a:ext cx="1148760" cy="680760"/>
           </a:xfrm>
           <a:prstGeom prst="ellipse">
             <a:avLst/>
@@ -11012,7 +11088,7 @@
         <p:spPr>
           <a:xfrm>
             <a:off x="1512720" y="2160720"/>
-            <a:ext cx="1149480" cy="681480"/>
+            <a:ext cx="1148760" cy="680760"/>
           </a:xfrm>
           <a:prstGeom prst="ellipse">
             <a:avLst/>
@@ -11148,7 +11224,7 @@
         <p:spPr>
           <a:xfrm>
             <a:off x="4500000" y="2376000"/>
-            <a:ext cx="1401480" cy="599760"/>
+            <a:ext cx="1400760" cy="599040"/>
           </a:xfrm>
           <a:prstGeom prst="rect">
             <a:avLst/>
@@ -11199,7 +11275,7 @@
         <p:spPr>
           <a:xfrm>
             <a:off x="4320000" y="3204360"/>
-            <a:ext cx="1401480" cy="599760"/>
+            <a:ext cx="1400760" cy="599040"/>
           </a:xfrm>
           <a:prstGeom prst="rect">
             <a:avLst/>
@@ -11280,7 +11356,7 @@
         <p:spPr>
           <a:xfrm>
             <a:off x="504000" y="576000"/>
-            <a:ext cx="429840" cy="1653840"/>
+            <a:ext cx="429120" cy="1653120"/>
           </a:xfrm>
           <a:prstGeom prst="ellipse">
             <a:avLst/>
@@ -11310,7 +11386,7 @@
         <p:spPr>
           <a:xfrm>
             <a:off x="1440360" y="576360"/>
-            <a:ext cx="429840" cy="1653840"/>
+            <a:ext cx="429120" cy="1653120"/>
           </a:xfrm>
           <a:prstGeom prst="ellipse">
             <a:avLst/>
@@ -11340,7 +11416,7 @@
         <p:spPr>
           <a:xfrm>
             <a:off x="3204720" y="612720"/>
-            <a:ext cx="429840" cy="1653840"/>
+            <a:ext cx="429120" cy="1653120"/>
           </a:xfrm>
           <a:prstGeom prst="ellipse">
             <a:avLst/>
@@ -11370,7 +11446,7 @@
         <p:spPr>
           <a:xfrm>
             <a:off x="4068720" y="576720"/>
-            <a:ext cx="429840" cy="1653840"/>
+            <a:ext cx="429120" cy="1653120"/>
           </a:xfrm>
           <a:prstGeom prst="ellipse">
             <a:avLst/>
@@ -11400,7 +11476,7 @@
         <p:spPr>
           <a:xfrm>
             <a:off x="504720" y="3204720"/>
-            <a:ext cx="429840" cy="1653840"/>
+            <a:ext cx="429120" cy="1653120"/>
           </a:xfrm>
           <a:prstGeom prst="ellipse">
             <a:avLst/>
@@ -11430,7 +11506,7 @@
         <p:spPr>
           <a:xfrm>
             <a:off x="1440720" y="3168720"/>
-            <a:ext cx="429840" cy="1653840"/>
+            <a:ext cx="429120" cy="1653120"/>
           </a:xfrm>
           <a:prstGeom prst="ellipse">
             <a:avLst/>
@@ -11460,7 +11536,7 @@
         <p:spPr>
           <a:xfrm>
             <a:off x="3240720" y="3168720"/>
-            <a:ext cx="429840" cy="1653840"/>
+            <a:ext cx="429120" cy="1653120"/>
           </a:xfrm>
           <a:prstGeom prst="ellipse">
             <a:avLst/>
@@ -11490,7 +11566,7 @@
         <p:spPr>
           <a:xfrm>
             <a:off x="4068720" y="3168720"/>
-            <a:ext cx="429840" cy="1653840"/>
+            <a:ext cx="429120" cy="1653120"/>
           </a:xfrm>
           <a:prstGeom prst="ellipse">
             <a:avLst/>
@@ -11520,7 +11596,7 @@
         <p:spPr>
           <a:xfrm>
             <a:off x="540000" y="936000"/>
-            <a:ext cx="501840" cy="344160"/>
+            <a:ext cx="501120" cy="343440"/>
           </a:xfrm>
           <a:prstGeom prst="rect">
             <a:avLst/>
@@ -11571,7 +11647,7 @@
         <p:spPr>
           <a:xfrm>
             <a:off x="540000" y="1512000"/>
-            <a:ext cx="501840" cy="344160"/>
+            <a:ext cx="501120" cy="343440"/>
           </a:xfrm>
           <a:prstGeom prst="rect">
             <a:avLst/>
@@ -11622,7 +11698,7 @@
         <p:spPr>
           <a:xfrm>
             <a:off x="1512000" y="1512000"/>
-            <a:ext cx="501840" cy="344160"/>
+            <a:ext cx="501120" cy="343440"/>
           </a:xfrm>
           <a:prstGeom prst="rect">
             <a:avLst/>
@@ -11673,7 +11749,7 @@
         <p:spPr>
           <a:xfrm>
             <a:off x="1512000" y="900000"/>
-            <a:ext cx="501840" cy="344160"/>
+            <a:ext cx="501120" cy="343440"/>
           </a:xfrm>
           <a:prstGeom prst="rect">
             <a:avLst/>
@@ -11724,7 +11800,7 @@
         <p:spPr>
           <a:xfrm>
             <a:off x="540000" y="1260000"/>
-            <a:ext cx="501840" cy="344160"/>
+            <a:ext cx="501120" cy="343440"/>
           </a:xfrm>
           <a:prstGeom prst="rect">
             <a:avLst/>
@@ -11775,7 +11851,7 @@
         <p:spPr>
           <a:xfrm>
             <a:off x="1512000" y="1224000"/>
-            <a:ext cx="501840" cy="344160"/>
+            <a:ext cx="501120" cy="343440"/>
           </a:xfrm>
           <a:prstGeom prst="rect">
             <a:avLst/>
@@ -11826,7 +11902,7 @@
         <p:spPr>
           <a:xfrm>
             <a:off x="3240000" y="900000"/>
-            <a:ext cx="501840" cy="344160"/>
+            <a:ext cx="501120" cy="343440"/>
           </a:xfrm>
           <a:prstGeom prst="rect">
             <a:avLst/>
@@ -11877,7 +11953,7 @@
         <p:spPr>
           <a:xfrm>
             <a:off x="4104000" y="900000"/>
-            <a:ext cx="501840" cy="344160"/>
+            <a:ext cx="501120" cy="343440"/>
           </a:xfrm>
           <a:prstGeom prst="rect">
             <a:avLst/>
@@ -11928,7 +12004,7 @@
         <p:spPr>
           <a:xfrm>
             <a:off x="4104000" y="1224000"/>
-            <a:ext cx="501840" cy="344160"/>
+            <a:ext cx="501120" cy="343440"/>
           </a:xfrm>
           <a:prstGeom prst="rect">
             <a:avLst/>
@@ -11979,7 +12055,7 @@
         <p:spPr>
           <a:xfrm>
             <a:off x="4104000" y="1620000"/>
-            <a:ext cx="501840" cy="344160"/>
+            <a:ext cx="501120" cy="343440"/>
           </a:xfrm>
           <a:prstGeom prst="rect">
             <a:avLst/>
@@ -12030,7 +12106,7 @@
         <p:spPr>
           <a:xfrm>
             <a:off x="576000" y="3492000"/>
-            <a:ext cx="501840" cy="344160"/>
+            <a:ext cx="501120" cy="343440"/>
           </a:xfrm>
           <a:prstGeom prst="rect">
             <a:avLst/>
@@ -12081,7 +12157,7 @@
         <p:spPr>
           <a:xfrm>
             <a:off x="576000" y="3852000"/>
-            <a:ext cx="501840" cy="344160"/>
+            <a:ext cx="501120" cy="343440"/>
           </a:xfrm>
           <a:prstGeom prst="rect">
             <a:avLst/>
@@ -12132,7 +12208,7 @@
         <p:spPr>
           <a:xfrm>
             <a:off x="576000" y="4176000"/>
-            <a:ext cx="501840" cy="344160"/>
+            <a:ext cx="501120" cy="343440"/>
           </a:xfrm>
           <a:prstGeom prst="rect">
             <a:avLst/>
@@ -12183,7 +12259,7 @@
         <p:spPr>
           <a:xfrm>
             <a:off x="1476000" y="3492000"/>
-            <a:ext cx="501840" cy="344160"/>
+            <a:ext cx="501120" cy="343440"/>
           </a:xfrm>
           <a:prstGeom prst="rect">
             <a:avLst/>
@@ -12234,7 +12310,7 @@
         <p:spPr>
           <a:xfrm>
             <a:off x="3240000" y="3492000"/>
-            <a:ext cx="501840" cy="344160"/>
+            <a:ext cx="501120" cy="343440"/>
           </a:xfrm>
           <a:prstGeom prst="rect">
             <a:avLst/>
@@ -12285,7 +12361,7 @@
         <p:spPr>
           <a:xfrm>
             <a:off x="3276000" y="3960000"/>
-            <a:ext cx="501840" cy="344160"/>
+            <a:ext cx="501120" cy="343440"/>
           </a:xfrm>
           <a:prstGeom prst="rect">
             <a:avLst/>
@@ -12336,7 +12412,7 @@
         <p:spPr>
           <a:xfrm>
             <a:off x="4140000" y="3492000"/>
-            <a:ext cx="501840" cy="344160"/>
+            <a:ext cx="501120" cy="343440"/>
           </a:xfrm>
           <a:prstGeom prst="rect">
             <a:avLst/>
@@ -12387,7 +12463,7 @@
         <p:spPr>
           <a:xfrm>
             <a:off x="4140000" y="3924000"/>
-            <a:ext cx="501840" cy="344160"/>
+            <a:ext cx="501120" cy="343440"/>
           </a:xfrm>
           <a:prstGeom prst="rect">
             <a:avLst/>
@@ -12735,7 +12811,7 @@
         <p:spPr>
           <a:xfrm>
             <a:off x="540000" y="2412000"/>
-            <a:ext cx="1293840" cy="344160"/>
+            <a:ext cx="1293120" cy="343440"/>
           </a:xfrm>
           <a:prstGeom prst="rect">
             <a:avLst/>
@@ -12786,7 +12862,7 @@
         <p:spPr>
           <a:xfrm>
             <a:off x="3168000" y="2412000"/>
-            <a:ext cx="1437840" cy="393840"/>
+            <a:ext cx="1437120" cy="393120"/>
           </a:xfrm>
           <a:prstGeom prst="rect">
             <a:avLst/>
@@ -12837,7 +12913,7 @@
         <p:spPr>
           <a:xfrm>
             <a:off x="3168000" y="4968000"/>
-            <a:ext cx="1581840" cy="357840"/>
+            <a:ext cx="1581120" cy="357120"/>
           </a:xfrm>
           <a:prstGeom prst="rect">
             <a:avLst/>
@@ -12888,7 +12964,7 @@
         <p:spPr>
           <a:xfrm>
             <a:off x="504000" y="4968000"/>
-            <a:ext cx="1437840" cy="357840"/>
+            <a:ext cx="1437120" cy="357120"/>
           </a:xfrm>
           <a:prstGeom prst="rect">
             <a:avLst/>
@@ -12969,7 +13045,7 @@
         <p:spPr>
           <a:xfrm>
             <a:off x="1872000" y="1008000"/>
-            <a:ext cx="2086200" cy="790200"/>
+            <a:ext cx="2085480" cy="789480"/>
           </a:xfrm>
           <a:prstGeom prst="rect">
             <a:avLst/>
@@ -12999,7 +13075,7 @@
         <p:spPr>
           <a:xfrm>
             <a:off x="5328000" y="756000"/>
-            <a:ext cx="1654200" cy="1222200"/>
+            <a:ext cx="1653480" cy="1221480"/>
           </a:xfrm>
           <a:custGeom>
             <a:avLst/>
@@ -13052,7 +13128,7 @@
         <p:spPr>
           <a:xfrm>
             <a:off x="1872360" y="3672360"/>
-            <a:ext cx="2086200" cy="790200"/>
+            <a:ext cx="2085480" cy="789480"/>
           </a:xfrm>
           <a:prstGeom prst="rect">
             <a:avLst/>
@@ -13082,7 +13158,7 @@
         <p:spPr>
           <a:xfrm>
             <a:off x="5328360" y="3420360"/>
-            <a:ext cx="1654200" cy="1222200"/>
+            <a:ext cx="1653480" cy="1221480"/>
           </a:xfrm>
           <a:custGeom>
             <a:avLst/>
@@ -13190,7 +13266,7 @@
         <p:spPr>
           <a:xfrm>
             <a:off x="1188000" y="2304000"/>
-            <a:ext cx="6910200" cy="344520"/>
+            <a:ext cx="6909480" cy="343800"/>
           </a:xfrm>
           <a:prstGeom prst="rect">
             <a:avLst/>
@@ -13241,7 +13317,7 @@
         <p:spPr>
           <a:xfrm>
             <a:off x="1080000" y="4788000"/>
-            <a:ext cx="7162200" cy="600480"/>
+            <a:ext cx="7161480" cy="599760"/>
           </a:xfrm>
           <a:prstGeom prst="rect">
             <a:avLst/>
@@ -13322,7 +13398,7 @@
         <p:spPr>
           <a:xfrm>
             <a:off x="1908000" y="2232000"/>
-            <a:ext cx="1437480" cy="789480"/>
+            <a:ext cx="1436760" cy="788760"/>
           </a:xfrm>
           <a:prstGeom prst="rect">
             <a:avLst/>
@@ -13377,7 +13453,7 @@
         <p:spPr>
           <a:xfrm>
             <a:off x="6084000" y="2232000"/>
-            <a:ext cx="1437480" cy="789480"/>
+            <a:ext cx="1436760" cy="788760"/>
           </a:xfrm>
           <a:prstGeom prst="rect">
             <a:avLst/>
@@ -13432,7 +13508,7 @@
         <p:spPr>
           <a:xfrm>
             <a:off x="4032000" y="1944000"/>
-            <a:ext cx="1437480" cy="1365480"/>
+            <a:ext cx="1436760" cy="1364760"/>
           </a:xfrm>
           <a:custGeom>
             <a:avLst/>
@@ -13639,7 +13715,7 @@
         <p:spPr>
           <a:xfrm>
             <a:off x="2592000" y="3636000"/>
-            <a:ext cx="7126200" cy="600480"/>
+            <a:ext cx="7125480" cy="599760"/>
           </a:xfrm>
           <a:prstGeom prst="rect">
             <a:avLst/>
@@ -13740,7 +13816,7 @@
         <p:spPr>
           <a:xfrm>
             <a:off x="5934960" y="2130480"/>
-            <a:ext cx="1695960" cy="1006920"/>
+            <a:ext cx="1695240" cy="1006200"/>
           </a:xfrm>
           <a:prstGeom prst="rect">
             <a:avLst/>
@@ -13770,7 +13846,7 @@
         <p:spPr>
           <a:xfrm>
             <a:off x="1908000" y="2232000"/>
-            <a:ext cx="1437480" cy="789480"/>
+            <a:ext cx="1436760" cy="788760"/>
           </a:xfrm>
           <a:prstGeom prst="rect">
             <a:avLst/>
@@ -13825,7 +13901,7 @@
         <p:spPr>
           <a:xfrm>
             <a:off x="6084000" y="2232000"/>
-            <a:ext cx="1437480" cy="789480"/>
+            <a:ext cx="1436760" cy="788760"/>
           </a:xfrm>
           <a:prstGeom prst="rect">
             <a:avLst/>
@@ -13880,7 +13956,7 @@
         <p:spPr>
           <a:xfrm>
             <a:off x="4032000" y="1944000"/>
-            <a:ext cx="1437480" cy="1365480"/>
+            <a:ext cx="1436760" cy="1364760"/>
           </a:xfrm>
           <a:custGeom>
             <a:avLst/>
@@ -14039,7 +14115,7 @@
         <p:spPr>
           <a:xfrm>
             <a:off x="1764000" y="3564000"/>
-            <a:ext cx="7126200" cy="600480"/>
+            <a:ext cx="7125480" cy="599760"/>
           </a:xfrm>
           <a:prstGeom prst="rect">
             <a:avLst/>
@@ -14147,7 +14223,7 @@
         <p:spPr>
           <a:xfrm>
             <a:off x="1945800" y="3636000"/>
-            <a:ext cx="1437480" cy="789480"/>
+            <a:ext cx="1436760" cy="788760"/>
           </a:xfrm>
           <a:prstGeom prst="rect">
             <a:avLst/>
@@ -14222,7 +14298,7 @@
         <p:spPr>
           <a:xfrm>
             <a:off x="6300000" y="3673800"/>
-            <a:ext cx="1437480" cy="789480"/>
+            <a:ext cx="1436760" cy="788760"/>
           </a:xfrm>
           <a:prstGeom prst="rect">
             <a:avLst/>
@@ -14351,7 +14427,7 @@
         <p:spPr>
           <a:xfrm>
             <a:off x="1764000" y="4860000"/>
-            <a:ext cx="7126200" cy="600480"/>
+            <a:ext cx="7125480" cy="599760"/>
           </a:xfrm>
           <a:prstGeom prst="rect">
             <a:avLst/>
@@ -14377,7 +14453,7 @@
         <p:spPr>
           <a:xfrm>
             <a:off x="4140000" y="1080000"/>
-            <a:ext cx="1437480" cy="789480"/>
+            <a:ext cx="1436760" cy="788760"/>
           </a:xfrm>
           <a:prstGeom prst="rect">
             <a:avLst/>
@@ -14432,7 +14508,7 @@
         <p:spPr>
           <a:xfrm>
             <a:off x="4392000" y="2267640"/>
-            <a:ext cx="935280" cy="1007280"/>
+            <a:ext cx="934560" cy="1006560"/>
           </a:xfrm>
           <a:custGeom>
             <a:avLst/>
@@ -14481,7 +14557,7 @@
         <p:spPr>
           <a:xfrm>
             <a:off x="4572000" y="2304000"/>
-            <a:ext cx="647280" cy="345600"/>
+            <a:ext cx="646560" cy="344880"/>
           </a:xfrm>
           <a:prstGeom prst="rect">
             <a:avLst/>
@@ -14613,7 +14689,7 @@
         <p:spPr>
           <a:xfrm>
             <a:off x="2592000" y="432000"/>
-            <a:ext cx="1151280" cy="503280"/>
+            <a:ext cx="1150560" cy="502560"/>
           </a:xfrm>
           <a:prstGeom prst="ellipse">
             <a:avLst/>
@@ -14668,7 +14744,7 @@
         <p:spPr>
           <a:xfrm>
             <a:off x="4104360" y="360360"/>
-            <a:ext cx="1151280" cy="503280"/>
+            <a:ext cx="1150560" cy="502560"/>
           </a:xfrm>
           <a:prstGeom prst="ellipse">
             <a:avLst/>
@@ -14723,7 +14799,7 @@
         <p:spPr>
           <a:xfrm>
             <a:off x="5652720" y="432720"/>
-            <a:ext cx="1151280" cy="503280"/>
+            <a:ext cx="1150560" cy="502560"/>
           </a:xfrm>
           <a:prstGeom prst="ellipse">
             <a:avLst/>
@@ -14778,7 +14854,7 @@
         <p:spPr>
           <a:xfrm>
             <a:off x="3813480" y="4321080"/>
-            <a:ext cx="1151280" cy="503280"/>
+            <a:ext cx="1150560" cy="502560"/>
           </a:xfrm>
           <a:prstGeom prst="ellipse">
             <a:avLst/>
@@ -14833,7 +14909,7 @@
         <p:spPr>
           <a:xfrm>
             <a:off x="2193840" y="4717440"/>
-            <a:ext cx="1151280" cy="503280"/>
+            <a:ext cx="1150560" cy="502560"/>
           </a:xfrm>
           <a:prstGeom prst="ellipse">
             <a:avLst/>
@@ -14888,7 +14964,7 @@
         <p:spPr>
           <a:xfrm>
             <a:off x="682200" y="4501800"/>
-            <a:ext cx="1151280" cy="503280"/>
+            <a:ext cx="1150560" cy="502560"/>
           </a:xfrm>
           <a:prstGeom prst="ellipse">
             <a:avLst/>
@@ -14943,7 +15019,7 @@
         <p:spPr>
           <a:xfrm>
             <a:off x="5434560" y="4574160"/>
-            <a:ext cx="1151280" cy="503280"/>
+            <a:ext cx="1150560" cy="502560"/>
           </a:xfrm>
           <a:prstGeom prst="ellipse">
             <a:avLst/>
@@ -14998,7 +15074,7 @@
         <p:spPr>
           <a:xfrm>
             <a:off x="7634160" y="4574520"/>
-            <a:ext cx="1151280" cy="503280"/>
+            <a:ext cx="1150560" cy="502560"/>
           </a:xfrm>
           <a:prstGeom prst="ellipse">
             <a:avLst/>
@@ -15053,7 +15129,7 @@
         <p:spPr>
           <a:xfrm>
             <a:off x="686520" y="3098880"/>
-            <a:ext cx="1151280" cy="503280"/>
+            <a:ext cx="1150560" cy="502560"/>
           </a:xfrm>
           <a:prstGeom prst="ellipse">
             <a:avLst/>
@@ -15381,7 +15457,7 @@
         <p:spPr>
           <a:xfrm>
             <a:off x="432000" y="72000"/>
-            <a:ext cx="9071280" cy="2519280"/>
+            <a:ext cx="9070560" cy="2518560"/>
           </a:xfrm>
           <a:prstGeom prst="rect">
             <a:avLst/>
@@ -15411,7 +15487,7 @@
         <p:spPr>
           <a:xfrm>
             <a:off x="2016000" y="1188000"/>
-            <a:ext cx="1437480" cy="789480"/>
+            <a:ext cx="1436760" cy="788760"/>
           </a:xfrm>
           <a:prstGeom prst="rect">
             <a:avLst/>
@@ -15466,7 +15542,7 @@
         <p:spPr>
           <a:xfrm>
             <a:off x="6192000" y="1188000"/>
-            <a:ext cx="1437480" cy="789480"/>
+            <a:ext cx="1436760" cy="788760"/>
           </a:xfrm>
           <a:prstGeom prst="rect">
             <a:avLst/>
@@ -15521,7 +15597,7 @@
         <p:spPr>
           <a:xfrm>
             <a:off x="4140000" y="900000"/>
-            <a:ext cx="1437480" cy="1365480"/>
+            <a:ext cx="1436760" cy="1364760"/>
           </a:xfrm>
           <a:custGeom>
             <a:avLst/>
@@ -15680,7 +15756,7 @@
         <p:spPr>
           <a:xfrm>
             <a:off x="-36000" y="3384000"/>
-            <a:ext cx="2627280" cy="600480"/>
+            <a:ext cx="2626560" cy="599760"/>
           </a:xfrm>
           <a:prstGeom prst="rect">
             <a:avLst/>
@@ -15758,7 +15834,7 @@
         <p:spPr>
           <a:xfrm>
             <a:off x="5868360" y="180360"/>
-            <a:ext cx="1151280" cy="503280"/>
+            <a:ext cx="1150560" cy="502560"/>
           </a:xfrm>
           <a:prstGeom prst="ellipse">
             <a:avLst/>
@@ -15813,7 +15889,7 @@
         <p:spPr>
           <a:xfrm>
             <a:off x="7344720" y="216720"/>
-            <a:ext cx="1151280" cy="503280"/>
+            <a:ext cx="1150560" cy="502560"/>
           </a:xfrm>
           <a:prstGeom prst="ellipse">
             <a:avLst/>
@@ -15868,7 +15944,7 @@
         <p:spPr>
           <a:xfrm>
             <a:off x="7921080" y="937080"/>
-            <a:ext cx="1151280" cy="503280"/>
+            <a:ext cx="1150560" cy="502560"/>
           </a:xfrm>
           <a:prstGeom prst="ellipse">
             <a:avLst/>
@@ -15923,7 +15999,7 @@
         <p:spPr>
           <a:xfrm>
             <a:off x="7921440" y="1693440"/>
-            <a:ext cx="1151280" cy="503280"/>
+            <a:ext cx="1150560" cy="502560"/>
           </a:xfrm>
           <a:prstGeom prst="ellipse">
             <a:avLst/>
@@ -15978,7 +16054,7 @@
         <p:spPr>
           <a:xfrm>
             <a:off x="7921440" y="937440"/>
-            <a:ext cx="1151280" cy="503280"/>
+            <a:ext cx="1150560" cy="502560"/>
           </a:xfrm>
           <a:prstGeom prst="ellipse">
             <a:avLst/>
@@ -16033,7 +16109,7 @@
         <p:spPr>
           <a:xfrm>
             <a:off x="2089440" y="433440"/>
-            <a:ext cx="1151280" cy="503280"/>
+            <a:ext cx="1150560" cy="502560"/>
           </a:xfrm>
           <a:prstGeom prst="ellipse">
             <a:avLst/>
@@ -16088,7 +16164,7 @@
         <p:spPr>
           <a:xfrm>
             <a:off x="649800" y="541800"/>
-            <a:ext cx="1151280" cy="503280"/>
+            <a:ext cx="1150560" cy="502560"/>
           </a:xfrm>
           <a:prstGeom prst="ellipse">
             <a:avLst/>
@@ -16143,7 +16219,7 @@
         <p:spPr>
           <a:xfrm>
             <a:off x="4320000" y="3168000"/>
-            <a:ext cx="1041480" cy="791280"/>
+            <a:ext cx="1040760" cy="790560"/>
           </a:xfrm>
           <a:custGeom>
             <a:avLst/>
@@ -16221,7 +16297,7 @@
         <p:spPr>
           <a:xfrm>
             <a:off x="4176000" y="4428000"/>
-            <a:ext cx="1437480" cy="789480"/>
+            <a:ext cx="1436760" cy="788760"/>
           </a:xfrm>
           <a:prstGeom prst="rect">
             <a:avLst/>
@@ -16357,7 +16433,7 @@
         <p:spPr>
           <a:xfrm>
             <a:off x="5870160" y="3782160"/>
-            <a:ext cx="1151280" cy="503280"/>
+            <a:ext cx="1150560" cy="502560"/>
           </a:xfrm>
           <a:prstGeom prst="ellipse">
             <a:avLst/>
@@ -16412,7 +16488,7 @@
         <p:spPr>
           <a:xfrm>
             <a:off x="7380000" y="3115440"/>
-            <a:ext cx="2627280" cy="600480"/>
+            <a:ext cx="2626560" cy="599760"/>
           </a:xfrm>
           <a:prstGeom prst="rect">
             <a:avLst/>

--- a/GATE/images/gate_images.pptx
+++ b/GATE/images/gate_images.pptx
@@ -20,6 +20,10 @@
     <p:sldId id="268" r:id="rId15"/>
     <p:sldId id="269" r:id="rId16"/>
     <p:sldId id="270" r:id="rId17"/>
+    <p:sldId id="271" r:id="rId18"/>
+    <p:sldId id="272" r:id="rId19"/>
+    <p:sldId id="273" r:id="rId20"/>
+    <p:sldId id="274" r:id="rId21"/>
   </p:sldIdLst>
   <p:sldSz cx="10080625" cy="5670550"/>
   <p:notesSz cx="7559675" cy="10691812"/>
@@ -1661,7 +1665,7 @@
         <p:spPr>
           <a:xfrm>
             <a:off x="1836000" y="1332000"/>
-            <a:ext cx="2372400" cy="788400"/>
+            <a:ext cx="2371680" cy="787680"/>
           </a:xfrm>
           <a:prstGeom prst="rect">
             <a:avLst/>
@@ -1716,7 +1720,7 @@
         <p:spPr>
           <a:xfrm>
             <a:off x="1836000" y="2880000"/>
-            <a:ext cx="2372400" cy="788400"/>
+            <a:ext cx="2371680" cy="787680"/>
           </a:xfrm>
           <a:prstGeom prst="rect">
             <a:avLst/>
@@ -1781,7 +1785,7 @@
         <p:spPr>
           <a:xfrm>
             <a:off x="1836000" y="4176000"/>
-            <a:ext cx="2372400" cy="788400"/>
+            <a:ext cx="2371680" cy="787680"/>
           </a:xfrm>
           <a:prstGeom prst="rect">
             <a:avLst/>
@@ -1856,7 +1860,7 @@
         <p:spPr>
           <a:xfrm>
             <a:off x="5292000" y="900000"/>
-            <a:ext cx="2372400" cy="1508400"/>
+            <a:ext cx="2371680" cy="1507680"/>
           </a:xfrm>
           <a:prstGeom prst="rect">
             <a:avLst/>
@@ -1991,7 +1995,7 @@
         <p:spPr>
           <a:xfrm>
             <a:off x="5292000" y="2571480"/>
-            <a:ext cx="2372400" cy="1276920"/>
+            <a:ext cx="2371680" cy="1276200"/>
           </a:xfrm>
           <a:prstGeom prst="rect">
             <a:avLst/>
@@ -2106,7 +2110,7 @@
         <p:spPr>
           <a:xfrm>
             <a:off x="5292000" y="4047480"/>
-            <a:ext cx="2372400" cy="1024920"/>
+            <a:ext cx="2371680" cy="1024200"/>
           </a:xfrm>
           <a:prstGeom prst="rect">
             <a:avLst/>
@@ -2285,7 +2289,7 @@
         <p:spPr>
           <a:xfrm>
             <a:off x="2988000" y="360000"/>
-            <a:ext cx="4388400" cy="342720"/>
+            <a:ext cx="4387680" cy="342000"/>
           </a:xfrm>
           <a:prstGeom prst="rect">
             <a:avLst/>
@@ -2366,7 +2370,7 @@
         <p:spPr>
           <a:xfrm>
             <a:off x="1440000" y="720000"/>
-            <a:ext cx="6766560" cy="1798560"/>
+            <a:ext cx="6765840" cy="1797840"/>
           </a:xfrm>
           <a:prstGeom prst="rect">
             <a:avLst/>
@@ -2396,7 +2400,7 @@
         <p:spPr>
           <a:xfrm>
             <a:off x="2016000" y="1188000"/>
-            <a:ext cx="1436760" cy="788760"/>
+            <a:ext cx="1436040" cy="788040"/>
           </a:xfrm>
           <a:prstGeom prst="rect">
             <a:avLst/>
@@ -2451,7 +2455,7 @@
         <p:spPr>
           <a:xfrm>
             <a:off x="6192000" y="1188000"/>
-            <a:ext cx="1436760" cy="788760"/>
+            <a:ext cx="1436040" cy="788040"/>
           </a:xfrm>
           <a:prstGeom prst="rect">
             <a:avLst/>
@@ -2506,7 +2510,7 @@
         <p:spPr>
           <a:xfrm>
             <a:off x="4140000" y="900000"/>
-            <a:ext cx="1436760" cy="1364760"/>
+            <a:ext cx="1436040" cy="1364040"/>
           </a:xfrm>
           <a:custGeom>
             <a:avLst/>
@@ -2692,7 +2696,7 @@
         <p:spPr>
           <a:xfrm>
             <a:off x="4320000" y="3168000"/>
-            <a:ext cx="1040760" cy="790560"/>
+            <a:ext cx="1040040" cy="789840"/>
           </a:xfrm>
           <a:custGeom>
             <a:avLst/>
@@ -2770,7 +2774,7 @@
         <p:spPr>
           <a:xfrm>
             <a:off x="4176000" y="4428000"/>
-            <a:ext cx="1436760" cy="788760"/>
+            <a:ext cx="1436040" cy="788040"/>
           </a:xfrm>
           <a:prstGeom prst="rect">
             <a:avLst/>
@@ -2852,7 +2856,7 @@
         <p:spPr>
           <a:xfrm>
             <a:off x="5870160" y="3314160"/>
-            <a:ext cx="1150560" cy="502560"/>
+            <a:ext cx="1149840" cy="501840"/>
           </a:xfrm>
           <a:prstGeom prst="ellipse">
             <a:avLst/>
@@ -2991,7 +2995,7 @@
         <p:spPr>
           <a:xfrm>
             <a:off x="1944000" y="900000"/>
-            <a:ext cx="1436760" cy="788760"/>
+            <a:ext cx="1436040" cy="788040"/>
           </a:xfrm>
           <a:prstGeom prst="rect">
             <a:avLst/>
@@ -3046,7 +3050,7 @@
         <p:spPr>
           <a:xfrm>
             <a:off x="6120000" y="900000"/>
-            <a:ext cx="1436760" cy="788760"/>
+            <a:ext cx="1436040" cy="788040"/>
           </a:xfrm>
           <a:prstGeom prst="rect">
             <a:avLst/>
@@ -3101,7 +3105,7 @@
         <p:spPr>
           <a:xfrm>
             <a:off x="4068000" y="612000"/>
-            <a:ext cx="1436760" cy="1364760"/>
+            <a:ext cx="1436040" cy="1364040"/>
           </a:xfrm>
           <a:custGeom>
             <a:avLst/>
@@ -3280,7 +3284,7 @@
         <p:spPr>
           <a:xfrm>
             <a:off x="2592000" y="5904000"/>
-            <a:ext cx="7125480" cy="599760"/>
+            <a:ext cx="7124760" cy="599040"/>
           </a:xfrm>
           <a:prstGeom prst="rect">
             <a:avLst/>
@@ -3351,7 +3355,7 @@
         <p:spPr>
           <a:xfrm>
             <a:off x="360000" y="216360"/>
-            <a:ext cx="1150560" cy="502560"/>
+            <a:ext cx="1149840" cy="501840"/>
           </a:xfrm>
           <a:prstGeom prst="ellipse">
             <a:avLst/>
@@ -3406,7 +3410,7 @@
         <p:spPr>
           <a:xfrm>
             <a:off x="1727640" y="216360"/>
-            <a:ext cx="1150560" cy="502560"/>
+            <a:ext cx="1149840" cy="501840"/>
           </a:xfrm>
           <a:prstGeom prst="ellipse">
             <a:avLst/>
@@ -3461,7 +3465,7 @@
         <p:spPr>
           <a:xfrm>
             <a:off x="359280" y="1008360"/>
-            <a:ext cx="1150560" cy="502560"/>
+            <a:ext cx="1149840" cy="501840"/>
           </a:xfrm>
           <a:prstGeom prst="ellipse">
             <a:avLst/>
@@ -3516,7 +3520,7 @@
         <p:spPr>
           <a:xfrm>
             <a:off x="358920" y="1800360"/>
-            <a:ext cx="1150560" cy="502560"/>
+            <a:ext cx="1149840" cy="501840"/>
           </a:xfrm>
           <a:prstGeom prst="ellipse">
             <a:avLst/>
@@ -3571,7 +3575,7 @@
         <p:spPr>
           <a:xfrm>
             <a:off x="1906560" y="1836360"/>
-            <a:ext cx="1150560" cy="502560"/>
+            <a:ext cx="1149840" cy="501840"/>
           </a:xfrm>
           <a:prstGeom prst="ellipse">
             <a:avLst/>
@@ -3626,7 +3630,7 @@
         <p:spPr>
           <a:xfrm>
             <a:off x="4211280" y="360"/>
-            <a:ext cx="1150560" cy="502560"/>
+            <a:ext cx="1149840" cy="501840"/>
           </a:xfrm>
           <a:prstGeom prst="ellipse">
             <a:avLst/>
@@ -3681,7 +3685,7 @@
         <p:spPr>
           <a:xfrm>
             <a:off x="6226920" y="360"/>
-            <a:ext cx="1150560" cy="502560"/>
+            <a:ext cx="1149840" cy="501840"/>
           </a:xfrm>
           <a:prstGeom prst="ellipse">
             <a:avLst/>
@@ -3736,7 +3740,7 @@
         <p:spPr>
           <a:xfrm>
             <a:off x="4210920" y="360"/>
-            <a:ext cx="1150560" cy="502560"/>
+            <a:ext cx="1149840" cy="501840"/>
           </a:xfrm>
           <a:prstGeom prst="ellipse">
             <a:avLst/>
@@ -3791,7 +3795,7 @@
         <p:spPr>
           <a:xfrm>
             <a:off x="7738920" y="252360"/>
-            <a:ext cx="1150560" cy="502560"/>
+            <a:ext cx="1149840" cy="501840"/>
           </a:xfrm>
           <a:prstGeom prst="ellipse">
             <a:avLst/>
@@ -3846,7 +3850,7 @@
         <p:spPr>
           <a:xfrm>
             <a:off x="7810920" y="936360"/>
-            <a:ext cx="1150560" cy="502560"/>
+            <a:ext cx="1149840" cy="501840"/>
           </a:xfrm>
           <a:prstGeom prst="ellipse">
             <a:avLst/>
@@ -5382,7 +5386,7 @@
         <p:spPr>
           <a:xfrm>
             <a:off x="576000" y="4320000"/>
-            <a:ext cx="2446920" cy="345240"/>
+            <a:ext cx="2446200" cy="344520"/>
           </a:xfrm>
           <a:prstGeom prst="rect">
             <a:avLst/>
@@ -5433,7 +5437,7 @@
         <p:spPr>
           <a:xfrm>
             <a:off x="7092000" y="3672000"/>
-            <a:ext cx="2446920" cy="345240"/>
+            <a:ext cx="2446200" cy="344520"/>
           </a:xfrm>
           <a:prstGeom prst="rect">
             <a:avLst/>
@@ -5484,7 +5488,7 @@
         <p:spPr>
           <a:xfrm>
             <a:off x="3744000" y="5328000"/>
-            <a:ext cx="2446920" cy="345240"/>
+            <a:ext cx="2446200" cy="344520"/>
           </a:xfrm>
           <a:prstGeom prst="rect">
             <a:avLst/>
@@ -5565,7 +5569,7 @@
         <p:spPr>
           <a:xfrm>
             <a:off x="5934960" y="1050480"/>
-            <a:ext cx="1695240" cy="1006200"/>
+            <a:ext cx="1694520" cy="1005480"/>
           </a:xfrm>
           <a:prstGeom prst="rect">
             <a:avLst/>
@@ -5595,7 +5599,7 @@
         <p:spPr>
           <a:xfrm>
             <a:off x="1908000" y="1152000"/>
-            <a:ext cx="1436760" cy="788760"/>
+            <a:ext cx="1436040" cy="788040"/>
           </a:xfrm>
           <a:prstGeom prst="rect">
             <a:avLst/>
@@ -5650,7 +5654,7 @@
         <p:spPr>
           <a:xfrm>
             <a:off x="6084000" y="1152000"/>
-            <a:ext cx="1436760" cy="788760"/>
+            <a:ext cx="1436040" cy="788040"/>
           </a:xfrm>
           <a:prstGeom prst="rect">
             <a:avLst/>
@@ -5705,7 +5709,7 @@
         <p:spPr>
           <a:xfrm>
             <a:off x="4032000" y="864000"/>
-            <a:ext cx="1436760" cy="1364760"/>
+            <a:ext cx="1436040" cy="1364040"/>
           </a:xfrm>
           <a:custGeom>
             <a:avLst/>
@@ -5837,7 +5841,7 @@
         <p:spPr>
           <a:xfrm>
             <a:off x="1548000" y="576000"/>
-            <a:ext cx="2122920" cy="466920"/>
+            <a:ext cx="2122200" cy="466200"/>
           </a:xfrm>
           <a:prstGeom prst="rect">
             <a:avLst/>
@@ -5943,7 +5947,7 @@
         <p:spPr>
           <a:xfrm>
             <a:off x="5760000" y="576000"/>
-            <a:ext cx="2122920" cy="466920"/>
+            <a:ext cx="2122200" cy="466200"/>
           </a:xfrm>
           <a:prstGeom prst="rect">
             <a:avLst/>
@@ -5994,7 +5998,7 @@
         <p:spPr>
           <a:xfrm>
             <a:off x="216000" y="2376000"/>
-            <a:ext cx="2122920" cy="2590920"/>
+            <a:ext cx="2122200" cy="2590200"/>
           </a:xfrm>
           <a:prstGeom prst="rect">
             <a:avLst/>
@@ -6703,7 +6707,7 @@
         <p:spPr>
           <a:xfrm>
             <a:off x="1945800" y="3636000"/>
-            <a:ext cx="1436760" cy="788760"/>
+            <a:ext cx="1436040" cy="788040"/>
           </a:xfrm>
           <a:prstGeom prst="rect">
             <a:avLst/>
@@ -6778,7 +6782,7 @@
         <p:spPr>
           <a:xfrm>
             <a:off x="6300000" y="3673800"/>
-            <a:ext cx="1436760" cy="788760"/>
+            <a:ext cx="1436040" cy="788040"/>
           </a:xfrm>
           <a:prstGeom prst="rect">
             <a:avLst/>
@@ -6907,7 +6911,7 @@
         <p:spPr>
           <a:xfrm>
             <a:off x="1764000" y="4860000"/>
-            <a:ext cx="7125480" cy="599760"/>
+            <a:ext cx="7124760" cy="599040"/>
           </a:xfrm>
           <a:prstGeom prst="rect">
             <a:avLst/>
@@ -6933,7 +6937,7 @@
         <p:spPr>
           <a:xfrm>
             <a:off x="4140000" y="1080000"/>
-            <a:ext cx="1436760" cy="788760"/>
+            <a:ext cx="1436040" cy="788040"/>
           </a:xfrm>
           <a:prstGeom prst="rect">
             <a:avLst/>
@@ -6988,7 +6992,7 @@
         <p:spPr>
           <a:xfrm>
             <a:off x="4392000" y="2267640"/>
-            <a:ext cx="934560" cy="1006560"/>
+            <a:ext cx="933840" cy="1005840"/>
           </a:xfrm>
           <a:custGeom>
             <a:avLst/>
@@ -7037,7 +7041,7 @@
         <p:spPr>
           <a:xfrm>
             <a:off x="4572000" y="2304000"/>
-            <a:ext cx="646560" cy="344880"/>
+            <a:ext cx="645840" cy="344160"/>
           </a:xfrm>
           <a:prstGeom prst="rect">
             <a:avLst/>
@@ -7169,7 +7173,7 @@
         <p:spPr>
           <a:xfrm>
             <a:off x="2592000" y="432000"/>
-            <a:ext cx="1150560" cy="502560"/>
+            <a:ext cx="1149840" cy="501840"/>
           </a:xfrm>
           <a:prstGeom prst="ellipse">
             <a:avLst/>
@@ -7224,7 +7228,7 @@
         <p:spPr>
           <a:xfrm>
             <a:off x="4104360" y="360360"/>
-            <a:ext cx="1150560" cy="502560"/>
+            <a:ext cx="1149840" cy="501840"/>
           </a:xfrm>
           <a:prstGeom prst="ellipse">
             <a:avLst/>
@@ -7279,7 +7283,7 @@
         <p:spPr>
           <a:xfrm>
             <a:off x="5652720" y="432720"/>
-            <a:ext cx="1150560" cy="502560"/>
+            <a:ext cx="1149840" cy="501840"/>
           </a:xfrm>
           <a:prstGeom prst="ellipse">
             <a:avLst/>
@@ -7334,7 +7338,7 @@
         <p:spPr>
           <a:xfrm>
             <a:off x="3813480" y="4321080"/>
-            <a:ext cx="1150560" cy="502560"/>
+            <a:ext cx="1149840" cy="501840"/>
           </a:xfrm>
           <a:prstGeom prst="ellipse">
             <a:avLst/>
@@ -7389,7 +7393,7 @@
         <p:spPr>
           <a:xfrm>
             <a:off x="2193840" y="4717440"/>
-            <a:ext cx="1150560" cy="502560"/>
+            <a:ext cx="1149840" cy="501840"/>
           </a:xfrm>
           <a:prstGeom prst="ellipse">
             <a:avLst/>
@@ -7444,7 +7448,7 @@
         <p:spPr>
           <a:xfrm>
             <a:off x="682200" y="4501800"/>
-            <a:ext cx="1150560" cy="502560"/>
+            <a:ext cx="1149840" cy="501840"/>
           </a:xfrm>
           <a:prstGeom prst="ellipse">
             <a:avLst/>
@@ -7499,7 +7503,7 @@
         <p:spPr>
           <a:xfrm>
             <a:off x="5434560" y="4574160"/>
-            <a:ext cx="1150560" cy="502560"/>
+            <a:ext cx="1149840" cy="501840"/>
           </a:xfrm>
           <a:prstGeom prst="ellipse">
             <a:avLst/>
@@ -7554,7 +7558,7 @@
         <p:spPr>
           <a:xfrm>
             <a:off x="7634160" y="4574520"/>
-            <a:ext cx="1150560" cy="502560"/>
+            <a:ext cx="1149840" cy="501840"/>
           </a:xfrm>
           <a:prstGeom prst="ellipse">
             <a:avLst/>
@@ -7609,7 +7613,7 @@
         <p:spPr>
           <a:xfrm>
             <a:off x="686520" y="3098880"/>
-            <a:ext cx="1150560" cy="502560"/>
+            <a:ext cx="1149840" cy="501840"/>
           </a:xfrm>
           <a:prstGeom prst="ellipse">
             <a:avLst/>
@@ -7907,7 +7911,7 @@
         <p:spPr>
           <a:xfrm>
             <a:off x="216000" y="288000"/>
-            <a:ext cx="2374920" cy="2302920"/>
+            <a:ext cx="2374200" cy="2302200"/>
           </a:xfrm>
           <a:prstGeom prst="rect">
             <a:avLst/>
@@ -8028,7 +8032,7 @@
         <p:spPr>
           <a:xfrm>
             <a:off x="1908000" y="936000"/>
-            <a:ext cx="1436760" cy="788760"/>
+            <a:ext cx="1436040" cy="788040"/>
           </a:xfrm>
           <a:prstGeom prst="rect">
             <a:avLst/>
@@ -8083,7 +8087,7 @@
         <p:spPr>
           <a:xfrm>
             <a:off x="6084000" y="936000"/>
-            <a:ext cx="1436760" cy="788760"/>
+            <a:ext cx="1436040" cy="788040"/>
           </a:xfrm>
           <a:prstGeom prst="rect">
             <a:avLst/>
@@ -8138,7 +8142,7 @@
         <p:spPr>
           <a:xfrm>
             <a:off x="4934160" y="4392000"/>
-            <a:ext cx="1436760" cy="788760"/>
+            <a:ext cx="1436040" cy="788040"/>
           </a:xfrm>
           <a:prstGeom prst="rect">
             <a:avLst/>
@@ -8193,7 +8197,7 @@
         <p:spPr>
           <a:xfrm>
             <a:off x="4032000" y="648000"/>
-            <a:ext cx="1436760" cy="1364760"/>
+            <a:ext cx="1436040" cy="1364040"/>
           </a:xfrm>
           <a:custGeom>
             <a:avLst/>
@@ -8291,7 +8295,7 @@
         <p:spPr>
           <a:xfrm>
             <a:off x="1908000" y="3204360"/>
-            <a:ext cx="1436760" cy="1364760"/>
+            <a:ext cx="1436040" cy="1364040"/>
           </a:xfrm>
           <a:custGeom>
             <a:avLst/>
@@ -8443,7 +8447,7 @@
         <p:spPr>
           <a:xfrm>
             <a:off x="4140000" y="2234160"/>
-            <a:ext cx="1150920" cy="572760"/>
+            <a:ext cx="1150200" cy="572040"/>
           </a:xfrm>
           <a:prstGeom prst="ellipse">
             <a:avLst/>
@@ -8498,7 +8502,7 @@
         <p:spPr>
           <a:xfrm>
             <a:off x="3708360" y="3636360"/>
-            <a:ext cx="1078560" cy="572760"/>
+            <a:ext cx="1077840" cy="572040"/>
           </a:xfrm>
           <a:prstGeom prst="ellipse">
             <a:avLst/>
@@ -8607,7 +8611,7 @@
         <p:spPr>
           <a:xfrm>
             <a:off x="504000" y="396000"/>
-            <a:ext cx="1150920" cy="572760"/>
+            <a:ext cx="1150200" cy="572040"/>
           </a:xfrm>
           <a:prstGeom prst="ellipse">
             <a:avLst/>
@@ -8662,7 +8666,7 @@
         <p:spPr>
           <a:xfrm>
             <a:off x="1944000" y="180000"/>
-            <a:ext cx="1150920" cy="572760"/>
+            <a:ext cx="1150200" cy="572040"/>
           </a:xfrm>
           <a:prstGeom prst="ellipse">
             <a:avLst/>
@@ -8717,7 +8721,7 @@
         <p:spPr>
           <a:xfrm>
             <a:off x="288000" y="1152000"/>
-            <a:ext cx="1150920" cy="572760"/>
+            <a:ext cx="1150200" cy="572040"/>
           </a:xfrm>
           <a:prstGeom prst="ellipse">
             <a:avLst/>
@@ -8772,7 +8776,7 @@
         <p:spPr>
           <a:xfrm>
             <a:off x="5940000" y="180000"/>
-            <a:ext cx="1150920" cy="572760"/>
+            <a:ext cx="1150200" cy="572040"/>
           </a:xfrm>
           <a:prstGeom prst="ellipse">
             <a:avLst/>
@@ -8827,7 +8831,7 @@
         <p:spPr>
           <a:xfrm>
             <a:off x="7560000" y="180000"/>
-            <a:ext cx="1150920" cy="572760"/>
+            <a:ext cx="1150200" cy="572040"/>
           </a:xfrm>
           <a:prstGeom prst="ellipse">
             <a:avLst/>
@@ -8882,7 +8886,7 @@
         <p:spPr>
           <a:xfrm>
             <a:off x="7992000" y="972000"/>
-            <a:ext cx="1150920" cy="572760"/>
+            <a:ext cx="1150200" cy="572040"/>
           </a:xfrm>
           <a:prstGeom prst="ellipse">
             <a:avLst/>
@@ -8964,7 +8968,7 @@
         <p:spPr>
           <a:xfrm>
             <a:off x="432000" y="3636360"/>
-            <a:ext cx="1078560" cy="572760"/>
+            <a:ext cx="1077840" cy="572040"/>
           </a:xfrm>
           <a:prstGeom prst="ellipse">
             <a:avLst/>
@@ -9019,7 +9023,7 @@
         <p:spPr>
           <a:xfrm>
             <a:off x="6803640" y="4068360"/>
-            <a:ext cx="1078560" cy="572760"/>
+            <a:ext cx="1077840" cy="572040"/>
           </a:xfrm>
           <a:prstGeom prst="ellipse">
             <a:avLst/>
@@ -9074,7 +9078,7 @@
         <p:spPr>
           <a:xfrm>
             <a:off x="6839280" y="4752360"/>
-            <a:ext cx="1078560" cy="572760"/>
+            <a:ext cx="1077840" cy="572040"/>
           </a:xfrm>
           <a:prstGeom prst="ellipse">
             <a:avLst/>
@@ -9484,7 +9488,7 @@
         <p:spPr>
           <a:xfrm>
             <a:off x="2556000" y="1152000"/>
-            <a:ext cx="4535280" cy="359280"/>
+            <a:ext cx="4534560" cy="358560"/>
           </a:xfrm>
           <a:prstGeom prst="rect">
             <a:avLst/>
@@ -10027,6 +10031,2273 @@
 </p:sld>
 </file>
 
+<file path=ppt/slides/slide16.xml><?xml version="1.0" encoding="utf-8"?>
+<p:sld xmlns:a="http://schemas.openxmlformats.org/drawingml/2006/main" xmlns:p="http://schemas.openxmlformats.org/presentationml/2006/main" xmlns:r="http://schemas.openxmlformats.org/officeDocument/2006/relationships" xmlns:p14="http://schemas.microsoft.com/office/powerpoint/2010/main" xmlns:p15="http://schemas.microsoft.com/office/powerpoint/2012/main" xmlns:mc="http://schemas.openxmlformats.org/markup-compatibility/2006">
+  <p:cSld>
+    <p:spTree>
+      <p:nvGrpSpPr>
+        <p:cNvPr id="1" name=""/>
+        <p:cNvGrpSpPr/>
+        <p:nvPr/>
+      </p:nvGrpSpPr>
+      <p:grpSpPr>
+        <a:xfrm>
+          <a:off x="0" y="0"/>
+          <a:ext cx="0" cy="0"/>
+          <a:chOff x="0" y="0"/>
+          <a:chExt cx="0" cy="0"/>
+        </a:xfrm>
+      </p:grpSpPr>
+      <p:graphicFrame>
+        <p:nvGraphicFramePr>
+          <p:cNvPr id="327" name="Table 1"/>
+          <p:cNvGraphicFramePr/>
+          <p:nvPr/>
+        </p:nvGraphicFramePr>
+        <p:xfrm>
+          <a:off x="648720" y="2534760"/>
+          <a:ext cx="8783640" cy="416880"/>
+        </p:xfrm>
+        <a:graphic>
+          <a:graphicData uri="http://schemas.openxmlformats.org/drawingml/2006/table">
+            <a:tbl>
+              <a:tblPr/>
+              <a:tblGrid>
+                <a:gridCol w="414000"/>
+                <a:gridCol w="2530080"/>
+                <a:gridCol w="312480"/>
+                <a:gridCol w="2440800"/>
+                <a:gridCol w="520920"/>
+                <a:gridCol w="2143080"/>
+                <a:gridCol w="422640"/>
+              </a:tblGrid>
+              <a:tr h="417240">
+                <a:tc>
+                  <a:tcPr marL="90000" marR="90000">
+                    <a:lnL w="720">
+                      <a:solidFill>
+                        <a:srgbClr val="ffffff"/>
+                      </a:solidFill>
+                    </a:lnL>
+                    <a:lnR w="720">
+                      <a:solidFill>
+                        <a:srgbClr val="ffffff"/>
+                      </a:solidFill>
+                    </a:lnR>
+                    <a:lnT w="720">
+                      <a:solidFill>
+                        <a:srgbClr val="ffffff"/>
+                      </a:solidFill>
+                    </a:lnT>
+                    <a:lnB w="720">
+                      <a:solidFill>
+                        <a:srgbClr val="ffffff"/>
+                      </a:solidFill>
+                    </a:lnB>
+                    <a:solidFill>
+                      <a:srgbClr val="b3b3b3"/>
+                    </a:solidFill>
+                  </a:tcPr>
+                </a:tc>
+                <a:tc>
+                  <a:txBody>
+                    <a:bodyPr lIns="90000" rIns="90000">
+                      <a:noAutofit/>
+                    </a:bodyPr>
+                    <a:p>
+                      <a:pPr>
+                        <a:lnSpc>
+                          <a:spcPct val="100000"/>
+                        </a:lnSpc>
+                      </a:pPr>
+                      <a:r>
+                        <a:rPr b="0" lang="en-IN" sz="1800" spc="-1" strike="noStrike">
+                          <a:latin typeface="Arial"/>
+                        </a:rPr>
+                        <a:t>Block B1</a:t>
+                      </a:r>
+                      <a:endParaRPr b="0" lang="en-IN" sz="1800" spc="-1" strike="noStrike">
+                        <a:latin typeface="Arial"/>
+                      </a:endParaRPr>
+                    </a:p>
+                  </a:txBody>
+                  <a:tcPr marL="90000" marR="90000">
+                    <a:lnL w="720">
+                      <a:solidFill>
+                        <a:srgbClr val="ffffff"/>
+                      </a:solidFill>
+                    </a:lnL>
+                    <a:lnR w="720">
+                      <a:solidFill>
+                        <a:srgbClr val="ffffff"/>
+                      </a:solidFill>
+                    </a:lnR>
+                    <a:lnT w="720">
+                      <a:solidFill>
+                        <a:srgbClr val="ffffff"/>
+                      </a:solidFill>
+                    </a:lnT>
+                    <a:lnB w="720">
+                      <a:solidFill>
+                        <a:srgbClr val="ffffff"/>
+                      </a:solidFill>
+                    </a:lnB>
+                    <a:solidFill>
+                      <a:srgbClr val="b3b3b3"/>
+                    </a:solidFill>
+                  </a:tcPr>
+                </a:tc>
+                <a:tc>
+                  <a:tcPr marL="90000" marR="90000">
+                    <a:lnL w="720">
+                      <a:solidFill>
+                        <a:srgbClr val="ffffff"/>
+                      </a:solidFill>
+                    </a:lnL>
+                    <a:lnR w="720">
+                      <a:solidFill>
+                        <a:srgbClr val="ffffff"/>
+                      </a:solidFill>
+                    </a:lnR>
+                    <a:lnT w="720">
+                      <a:solidFill>
+                        <a:srgbClr val="ffffff"/>
+                      </a:solidFill>
+                    </a:lnT>
+                    <a:lnB w="720">
+                      <a:solidFill>
+                        <a:srgbClr val="ffffff"/>
+                      </a:solidFill>
+                    </a:lnB>
+                    <a:solidFill>
+                      <a:srgbClr val="b3b3b3"/>
+                    </a:solidFill>
+                  </a:tcPr>
+                </a:tc>
+                <a:tc>
+                  <a:txBody>
+                    <a:bodyPr lIns="90000" rIns="90000">
+                      <a:noAutofit/>
+                    </a:bodyPr>
+                    <a:p>
+                      <a:pPr>
+                        <a:lnSpc>
+                          <a:spcPct val="100000"/>
+                        </a:lnSpc>
+                      </a:pPr>
+                      <a:r>
+                        <a:rPr b="0" lang="en-IN" sz="1800" spc="-1" strike="noStrike">
+                          <a:latin typeface="Arial"/>
+                        </a:rPr>
+                        <a:t>Block B2</a:t>
+                      </a:r>
+                      <a:endParaRPr b="0" lang="en-IN" sz="1800" spc="-1" strike="noStrike">
+                        <a:latin typeface="Arial"/>
+                      </a:endParaRPr>
+                    </a:p>
+                  </a:txBody>
+                  <a:tcPr marL="90000" marR="90000">
+                    <a:lnL w="720">
+                      <a:solidFill>
+                        <a:srgbClr val="ffffff"/>
+                      </a:solidFill>
+                    </a:lnL>
+                    <a:lnR w="720">
+                      <a:solidFill>
+                        <a:srgbClr val="ffffff"/>
+                      </a:solidFill>
+                    </a:lnR>
+                    <a:lnT w="720">
+                      <a:solidFill>
+                        <a:srgbClr val="ffffff"/>
+                      </a:solidFill>
+                    </a:lnT>
+                    <a:lnB w="720">
+                      <a:solidFill>
+                        <a:srgbClr val="ffffff"/>
+                      </a:solidFill>
+                    </a:lnB>
+                    <a:solidFill>
+                      <a:srgbClr val="b3b3b3"/>
+                    </a:solidFill>
+                  </a:tcPr>
+                </a:tc>
+                <a:tc>
+                  <a:tcPr marL="90000" marR="90000">
+                    <a:lnL w="720">
+                      <a:solidFill>
+                        <a:srgbClr val="ffffff"/>
+                      </a:solidFill>
+                    </a:lnL>
+                    <a:lnR w="720">
+                      <a:solidFill>
+                        <a:srgbClr val="ffffff"/>
+                      </a:solidFill>
+                    </a:lnR>
+                    <a:lnT w="720">
+                      <a:solidFill>
+                        <a:srgbClr val="ffffff"/>
+                      </a:solidFill>
+                    </a:lnT>
+                    <a:lnB w="720">
+                      <a:solidFill>
+                        <a:srgbClr val="ffffff"/>
+                      </a:solidFill>
+                    </a:lnB>
+                    <a:solidFill>
+                      <a:srgbClr val="b3b3b3"/>
+                    </a:solidFill>
+                  </a:tcPr>
+                </a:tc>
+                <a:tc>
+                  <a:txBody>
+                    <a:bodyPr lIns="90000" rIns="90000">
+                      <a:noAutofit/>
+                    </a:bodyPr>
+                    <a:p>
+                      <a:pPr>
+                        <a:lnSpc>
+                          <a:spcPct val="100000"/>
+                        </a:lnSpc>
+                      </a:pPr>
+                      <a:r>
+                        <a:rPr b="0" lang="en-IN" sz="1800" spc="-1" strike="noStrike">
+                          <a:latin typeface="Arial"/>
+                        </a:rPr>
+                        <a:t>Block B3</a:t>
+                      </a:r>
+                      <a:endParaRPr b="0" lang="en-IN" sz="1800" spc="-1" strike="noStrike">
+                        <a:latin typeface="Arial"/>
+                      </a:endParaRPr>
+                    </a:p>
+                  </a:txBody>
+                  <a:tcPr marL="90000" marR="90000">
+                    <a:lnL w="720">
+                      <a:solidFill>
+                        <a:srgbClr val="ffffff"/>
+                      </a:solidFill>
+                    </a:lnL>
+                    <a:lnR w="720">
+                      <a:solidFill>
+                        <a:srgbClr val="ffffff"/>
+                      </a:solidFill>
+                    </a:lnR>
+                    <a:lnT w="720">
+                      <a:solidFill>
+                        <a:srgbClr val="ffffff"/>
+                      </a:solidFill>
+                    </a:lnT>
+                    <a:lnB w="720">
+                      <a:solidFill>
+                        <a:srgbClr val="ffffff"/>
+                      </a:solidFill>
+                    </a:lnB>
+                    <a:solidFill>
+                      <a:srgbClr val="b3b3b3"/>
+                    </a:solidFill>
+                  </a:tcPr>
+                </a:tc>
+                <a:tc>
+                  <a:tcPr marL="90000" marR="90000">
+                    <a:lnL w="720">
+                      <a:solidFill>
+                        <a:srgbClr val="ffffff"/>
+                      </a:solidFill>
+                    </a:lnL>
+                    <a:lnR w="720">
+                      <a:solidFill>
+                        <a:srgbClr val="ffffff"/>
+                      </a:solidFill>
+                    </a:lnR>
+                    <a:lnT w="720">
+                      <a:solidFill>
+                        <a:srgbClr val="ffffff"/>
+                      </a:solidFill>
+                    </a:lnT>
+                    <a:lnB w="720">
+                      <a:solidFill>
+                        <a:srgbClr val="ffffff"/>
+                      </a:solidFill>
+                    </a:lnB>
+                    <a:solidFill>
+                      <a:srgbClr val="b3b3b3"/>
+                    </a:solidFill>
+                  </a:tcPr>
+                </a:tc>
+              </a:tr>
+            </a:tbl>
+          </a:graphicData>
+        </a:graphic>
+      </p:graphicFrame>
+      <p:sp>
+        <p:nvSpPr>
+          <p:cNvPr id="328" name="CustomShape 2"/>
+          <p:cNvSpPr/>
+          <p:nvPr/>
+        </p:nvSpPr>
+        <p:spPr>
+          <a:xfrm>
+            <a:off x="3492000" y="3541680"/>
+            <a:ext cx="3023640" cy="345960"/>
+          </a:xfrm>
+          <a:prstGeom prst="rect">
+            <a:avLst/>
+          </a:prstGeom>
+          <a:noFill/>
+          <a:ln>
+            <a:noFill/>
+          </a:ln>
+        </p:spPr>
+        <p:style>
+          <a:lnRef idx="0"/>
+          <a:fillRef idx="0"/>
+          <a:effectRef idx="0"/>
+          <a:fontRef idx="minor"/>
+        </p:style>
+        <p:txBody>
+          <a:bodyPr lIns="90000" rIns="90000" tIns="45000" bIns="45000">
+            <a:noAutofit/>
+          </a:bodyPr>
+          <a:p>
+            <a:pPr>
+              <a:lnSpc>
+                <a:spcPct val="100000"/>
+              </a:lnSpc>
+            </a:pPr>
+            <a:r>
+              <a:rPr b="0" lang="en-IN" sz="1800" spc="-1" strike="noStrike">
+                <a:latin typeface="Arial"/>
+              </a:rPr>
+              <a:t>Inter block gap</a:t>
+            </a:r>
+            <a:endParaRPr b="0" lang="en-IN" sz="1800" spc="-1" strike="noStrike">
+              <a:latin typeface="Arial"/>
+            </a:endParaRPr>
+          </a:p>
+        </p:txBody>
+      </p:sp>
+      <p:sp>
+        <p:nvSpPr>
+          <p:cNvPr id="329" name="CustomShape 3"/>
+          <p:cNvSpPr/>
+          <p:nvPr/>
+        </p:nvSpPr>
+        <p:spPr>
+          <a:xfrm>
+            <a:off x="144000" y="3564000"/>
+            <a:ext cx="3023640" cy="345960"/>
+          </a:xfrm>
+          <a:prstGeom prst="rect">
+            <a:avLst/>
+          </a:prstGeom>
+          <a:noFill/>
+          <a:ln>
+            <a:noFill/>
+          </a:ln>
+        </p:spPr>
+        <p:style>
+          <a:lnRef idx="0"/>
+          <a:fillRef idx="0"/>
+          <a:effectRef idx="0"/>
+          <a:fontRef idx="minor"/>
+        </p:style>
+        <p:txBody>
+          <a:bodyPr lIns="90000" rIns="90000" tIns="45000" bIns="45000">
+            <a:noAutofit/>
+          </a:bodyPr>
+          <a:p>
+            <a:pPr>
+              <a:lnSpc>
+                <a:spcPct val="100000"/>
+              </a:lnSpc>
+            </a:pPr>
+            <a:r>
+              <a:rPr b="0" lang="en-IN" sz="1800" spc="-1" strike="noStrike">
+                <a:latin typeface="Arial"/>
+              </a:rPr>
+              <a:t>Track Begin</a:t>
+            </a:r>
+            <a:endParaRPr b="0" lang="en-IN" sz="1800" spc="-1" strike="noStrike">
+              <a:latin typeface="Arial"/>
+            </a:endParaRPr>
+          </a:p>
+        </p:txBody>
+      </p:sp>
+      <p:sp>
+        <p:nvSpPr>
+          <p:cNvPr id="330" name="CustomShape 4"/>
+          <p:cNvSpPr/>
+          <p:nvPr/>
+        </p:nvSpPr>
+        <p:spPr>
+          <a:xfrm>
+            <a:off x="7308000" y="3528000"/>
+            <a:ext cx="3023640" cy="345960"/>
+          </a:xfrm>
+          <a:prstGeom prst="rect">
+            <a:avLst/>
+          </a:prstGeom>
+          <a:noFill/>
+          <a:ln>
+            <a:noFill/>
+          </a:ln>
+        </p:spPr>
+        <p:style>
+          <a:lnRef idx="0"/>
+          <a:fillRef idx="0"/>
+          <a:effectRef idx="0"/>
+          <a:fontRef idx="minor"/>
+        </p:style>
+        <p:txBody>
+          <a:bodyPr lIns="90000" rIns="90000" tIns="45000" bIns="45000">
+            <a:noAutofit/>
+          </a:bodyPr>
+          <a:p>
+            <a:pPr>
+              <a:lnSpc>
+                <a:spcPct val="100000"/>
+              </a:lnSpc>
+            </a:pPr>
+            <a:r>
+              <a:rPr b="0" lang="en-IN" sz="1800" spc="-1" strike="noStrike">
+                <a:latin typeface="Arial"/>
+              </a:rPr>
+              <a:t>Track End</a:t>
+            </a:r>
+            <a:endParaRPr b="0" lang="en-IN" sz="1800" spc="-1" strike="noStrike">
+              <a:latin typeface="Arial"/>
+            </a:endParaRPr>
+          </a:p>
+        </p:txBody>
+      </p:sp>
+      <p:sp>
+        <p:nvSpPr>
+          <p:cNvPr id="331" name="Line 5"/>
+          <p:cNvSpPr/>
+          <p:nvPr/>
+        </p:nvSpPr>
+        <p:spPr>
+          <a:xfrm>
+            <a:off x="864000" y="2951640"/>
+            <a:ext cx="0" cy="612360"/>
+          </a:xfrm>
+          <a:prstGeom prst="line">
+            <a:avLst/>
+          </a:prstGeom>
+          <a:ln>
+            <a:solidFill>
+              <a:srgbClr val="3465a4"/>
+            </a:solidFill>
+            <a:tailEnd len="med" type="triangle" w="med"/>
+          </a:ln>
+        </p:spPr>
+        <p:style>
+          <a:lnRef idx="0"/>
+          <a:fillRef idx="0"/>
+          <a:effectRef idx="0"/>
+          <a:fontRef idx="minor"/>
+        </p:style>
+      </p:sp>
+      <p:sp>
+        <p:nvSpPr>
+          <p:cNvPr id="332" name="Line 6"/>
+          <p:cNvSpPr/>
+          <p:nvPr/>
+        </p:nvSpPr>
+        <p:spPr>
+          <a:xfrm>
+            <a:off x="3816000" y="2951640"/>
+            <a:ext cx="432000" cy="590040"/>
+          </a:xfrm>
+          <a:prstGeom prst="line">
+            <a:avLst/>
+          </a:prstGeom>
+          <a:ln>
+            <a:solidFill>
+              <a:srgbClr val="3465a4"/>
+            </a:solidFill>
+            <a:tailEnd len="med" type="triangle" w="med"/>
+          </a:ln>
+        </p:spPr>
+        <p:style>
+          <a:lnRef idx="0"/>
+          <a:fillRef idx="0"/>
+          <a:effectRef idx="0"/>
+          <a:fontRef idx="minor"/>
+        </p:style>
+      </p:sp>
+      <p:sp>
+        <p:nvSpPr>
+          <p:cNvPr id="333" name="Line 7"/>
+          <p:cNvSpPr/>
+          <p:nvPr/>
+        </p:nvSpPr>
+        <p:spPr>
+          <a:xfrm flipH="1">
+            <a:off x="4536000" y="2951640"/>
+            <a:ext cx="2016000" cy="504360"/>
+          </a:xfrm>
+          <a:prstGeom prst="line">
+            <a:avLst/>
+          </a:prstGeom>
+          <a:ln>
+            <a:solidFill>
+              <a:srgbClr val="3465a4"/>
+            </a:solidFill>
+            <a:tailEnd len="med" type="triangle" w="med"/>
+          </a:ln>
+        </p:spPr>
+        <p:style>
+          <a:lnRef idx="0"/>
+          <a:fillRef idx="0"/>
+          <a:effectRef idx="0"/>
+          <a:fontRef idx="minor"/>
+        </p:style>
+      </p:sp>
+      <p:sp>
+        <p:nvSpPr>
+          <p:cNvPr id="334" name="Line 8"/>
+          <p:cNvSpPr/>
+          <p:nvPr/>
+        </p:nvSpPr>
+        <p:spPr>
+          <a:xfrm flipH="1">
+            <a:off x="8280000" y="2951640"/>
+            <a:ext cx="936000" cy="576360"/>
+          </a:xfrm>
+          <a:prstGeom prst="line">
+            <a:avLst/>
+          </a:prstGeom>
+          <a:ln>
+            <a:solidFill>
+              <a:srgbClr val="3465a4"/>
+            </a:solidFill>
+            <a:tailEnd len="med" type="triangle" w="med"/>
+          </a:ln>
+        </p:spPr>
+        <p:style>
+          <a:lnRef idx="0"/>
+          <a:fillRef idx="0"/>
+          <a:effectRef idx="0"/>
+          <a:fontRef idx="minor"/>
+        </p:style>
+      </p:sp>
+    </p:spTree>
+  </p:cSld>
+  <mc:AlternateContent>
+    <mc:Choice Requires="p14">
+      <p:transition spd="slow" p14:dur="2000"/>
+    </mc:Choice>
+    <mc:Fallback>
+      <p:transition spd="slow"/>
+    </mc:Fallback>
+  </mc:AlternateContent>
+</p:sld>
+</file>
+
+<file path=ppt/slides/slide17.xml><?xml version="1.0" encoding="utf-8"?>
+<p:sld xmlns:a="http://schemas.openxmlformats.org/drawingml/2006/main" xmlns:p="http://schemas.openxmlformats.org/presentationml/2006/main" xmlns:r="http://schemas.openxmlformats.org/officeDocument/2006/relationships" xmlns:p14="http://schemas.microsoft.com/office/powerpoint/2010/main" xmlns:p15="http://schemas.microsoft.com/office/powerpoint/2012/main" xmlns:mc="http://schemas.openxmlformats.org/markup-compatibility/2006">
+  <p:cSld>
+    <p:spTree>
+      <p:nvGrpSpPr>
+        <p:cNvPr id="1" name=""/>
+        <p:cNvGrpSpPr/>
+        <p:nvPr/>
+      </p:nvGrpSpPr>
+      <p:grpSpPr>
+        <a:xfrm>
+          <a:off x="0" y="0"/>
+          <a:ext cx="0" cy="0"/>
+          <a:chOff x="0" y="0"/>
+          <a:chExt cx="0" cy="0"/>
+        </a:xfrm>
+      </p:grpSpPr>
+      <p:graphicFrame>
+        <p:nvGraphicFramePr>
+          <p:cNvPr id="335" name="Table 1"/>
+          <p:cNvGraphicFramePr/>
+          <p:nvPr/>
+        </p:nvGraphicFramePr>
+        <p:xfrm>
+          <a:off x="648720" y="2160000"/>
+          <a:ext cx="8783640" cy="791640"/>
+        </p:xfrm>
+        <a:graphic>
+          <a:graphicData uri="http://schemas.openxmlformats.org/drawingml/2006/table">
+            <a:tbl>
+              <a:tblPr/>
+              <a:tblGrid>
+                <a:gridCol w="414000"/>
+                <a:gridCol w="2530080"/>
+                <a:gridCol w="312480"/>
+                <a:gridCol w="2440800"/>
+                <a:gridCol w="520920"/>
+                <a:gridCol w="2143080"/>
+                <a:gridCol w="422640"/>
+              </a:tblGrid>
+              <a:tr h="791640">
+                <a:tc>
+                  <a:tcPr marL="90000" marR="90000">
+                    <a:lnL w="720">
+                      <a:solidFill>
+                        <a:srgbClr val="ffffff"/>
+                      </a:solidFill>
+                    </a:lnL>
+                    <a:lnR w="720">
+                      <a:solidFill>
+                        <a:srgbClr val="ffffff"/>
+                      </a:solidFill>
+                    </a:lnR>
+                    <a:lnT w="720">
+                      <a:solidFill>
+                        <a:srgbClr val="ffffff"/>
+                      </a:solidFill>
+                    </a:lnT>
+                    <a:lnB w="720">
+                      <a:solidFill>
+                        <a:srgbClr val="ffffff"/>
+                      </a:solidFill>
+                    </a:lnB>
+                    <a:solidFill>
+                      <a:srgbClr val="b3b3b3"/>
+                    </a:solidFill>
+                  </a:tcPr>
+                </a:tc>
+                <a:tc>
+                  <a:tcPr marL="90000" marR="90000">
+                    <a:lnL w="720">
+                      <a:solidFill>
+                        <a:srgbClr val="ffffff"/>
+                      </a:solidFill>
+                    </a:lnL>
+                    <a:lnR w="720">
+                      <a:solidFill>
+                        <a:srgbClr val="ffffff"/>
+                      </a:solidFill>
+                    </a:lnR>
+                    <a:lnT w="720">
+                      <a:solidFill>
+                        <a:srgbClr val="ffffff"/>
+                      </a:solidFill>
+                    </a:lnT>
+                    <a:lnB w="720">
+                      <a:solidFill>
+                        <a:srgbClr val="ffffff"/>
+                      </a:solidFill>
+                    </a:lnB>
+                    <a:solidFill>
+                      <a:srgbClr val="b3b3b3"/>
+                    </a:solidFill>
+                  </a:tcPr>
+                </a:tc>
+                <a:tc>
+                  <a:tcPr marL="90000" marR="90000">
+                    <a:lnL w="720">
+                      <a:solidFill>
+                        <a:srgbClr val="ffffff"/>
+                      </a:solidFill>
+                    </a:lnL>
+                    <a:lnR w="720">
+                      <a:solidFill>
+                        <a:srgbClr val="ffffff"/>
+                      </a:solidFill>
+                    </a:lnR>
+                    <a:lnT w="720">
+                      <a:solidFill>
+                        <a:srgbClr val="ffffff"/>
+                      </a:solidFill>
+                    </a:lnT>
+                    <a:lnB w="720">
+                      <a:solidFill>
+                        <a:srgbClr val="ffffff"/>
+                      </a:solidFill>
+                    </a:lnB>
+                    <a:solidFill>
+                      <a:srgbClr val="b3b3b3"/>
+                    </a:solidFill>
+                  </a:tcPr>
+                </a:tc>
+                <a:tc>
+                  <a:txBody>
+                    <a:bodyPr lIns="90000" rIns="90000">
+                      <a:noAutofit/>
+                    </a:bodyPr>
+                    <a:p>
+                      <a:pPr>
+                        <a:lnSpc>
+                          <a:spcPct val="100000"/>
+                        </a:lnSpc>
+                      </a:pPr>
+                      <a:r>
+                        <a:rPr b="0" lang="en-IN" sz="1800" spc="-1" strike="noStrike">
+                          <a:latin typeface="Arial"/>
+                        </a:rPr>
+                        <a:t>Block B2</a:t>
+                      </a:r>
+                      <a:endParaRPr b="0" lang="en-IN" sz="1800" spc="-1" strike="noStrike">
+                        <a:latin typeface="Arial"/>
+                      </a:endParaRPr>
+                    </a:p>
+                  </a:txBody>
+                  <a:tcPr marL="90000" marR="90000">
+                    <a:lnL w="720">
+                      <a:solidFill>
+                        <a:srgbClr val="ffffff"/>
+                      </a:solidFill>
+                    </a:lnL>
+                    <a:lnR w="720">
+                      <a:solidFill>
+                        <a:srgbClr val="ffffff"/>
+                      </a:solidFill>
+                    </a:lnR>
+                    <a:lnT w="720">
+                      <a:solidFill>
+                        <a:srgbClr val="ffffff"/>
+                      </a:solidFill>
+                    </a:lnT>
+                    <a:lnB w="720">
+                      <a:solidFill>
+                        <a:srgbClr val="ffffff"/>
+                      </a:solidFill>
+                    </a:lnB>
+                    <a:solidFill>
+                      <a:srgbClr val="b3b3b3"/>
+                    </a:solidFill>
+                  </a:tcPr>
+                </a:tc>
+                <a:tc>
+                  <a:tcPr marL="90000" marR="90000">
+                    <a:lnL w="720">
+                      <a:solidFill>
+                        <a:srgbClr val="ffffff"/>
+                      </a:solidFill>
+                    </a:lnL>
+                    <a:lnR w="720">
+                      <a:solidFill>
+                        <a:srgbClr val="ffffff"/>
+                      </a:solidFill>
+                    </a:lnR>
+                    <a:lnT w="720">
+                      <a:solidFill>
+                        <a:srgbClr val="ffffff"/>
+                      </a:solidFill>
+                    </a:lnT>
+                    <a:lnB w="720">
+                      <a:solidFill>
+                        <a:srgbClr val="ffffff"/>
+                      </a:solidFill>
+                    </a:lnB>
+                    <a:solidFill>
+                      <a:srgbClr val="b3b3b3"/>
+                    </a:solidFill>
+                  </a:tcPr>
+                </a:tc>
+                <a:tc>
+                  <a:txBody>
+                    <a:bodyPr lIns="90000" rIns="90000">
+                      <a:noAutofit/>
+                    </a:bodyPr>
+                    <a:p>
+                      <a:pPr>
+                        <a:lnSpc>
+                          <a:spcPct val="100000"/>
+                        </a:lnSpc>
+                      </a:pPr>
+                      <a:r>
+                        <a:rPr b="0" lang="en-IN" sz="1800" spc="-1" strike="noStrike">
+                          <a:latin typeface="Arial"/>
+                        </a:rPr>
+                        <a:t>Block B3</a:t>
+                      </a:r>
+                      <a:endParaRPr b="0" lang="en-IN" sz="1800" spc="-1" strike="noStrike">
+                        <a:latin typeface="Arial"/>
+                      </a:endParaRPr>
+                    </a:p>
+                  </a:txBody>
+                  <a:tcPr marL="90000" marR="90000">
+                    <a:lnL w="720">
+                      <a:solidFill>
+                        <a:srgbClr val="ffffff"/>
+                      </a:solidFill>
+                    </a:lnL>
+                    <a:lnR w="720">
+                      <a:solidFill>
+                        <a:srgbClr val="ffffff"/>
+                      </a:solidFill>
+                    </a:lnR>
+                    <a:lnT w="720">
+                      <a:solidFill>
+                        <a:srgbClr val="ffffff"/>
+                      </a:solidFill>
+                    </a:lnT>
+                    <a:lnB w="720">
+                      <a:solidFill>
+                        <a:srgbClr val="ffffff"/>
+                      </a:solidFill>
+                    </a:lnB>
+                    <a:solidFill>
+                      <a:srgbClr val="b3b3b3"/>
+                    </a:solidFill>
+                  </a:tcPr>
+                </a:tc>
+                <a:tc>
+                  <a:tcPr marL="90000" marR="90000">
+                    <a:lnL w="720">
+                      <a:solidFill>
+                        <a:srgbClr val="ffffff"/>
+                      </a:solidFill>
+                    </a:lnL>
+                    <a:lnR w="720">
+                      <a:solidFill>
+                        <a:srgbClr val="ffffff"/>
+                      </a:solidFill>
+                    </a:lnR>
+                    <a:lnT w="720">
+                      <a:solidFill>
+                        <a:srgbClr val="ffffff"/>
+                      </a:solidFill>
+                    </a:lnT>
+                    <a:lnB w="720">
+                      <a:solidFill>
+                        <a:srgbClr val="ffffff"/>
+                      </a:solidFill>
+                    </a:lnB>
+                    <a:solidFill>
+                      <a:srgbClr val="b3b3b3"/>
+                    </a:solidFill>
+                  </a:tcPr>
+                </a:tc>
+              </a:tr>
+            </a:tbl>
+          </a:graphicData>
+        </a:graphic>
+      </p:graphicFrame>
+      <p:sp>
+        <p:nvSpPr>
+          <p:cNvPr id="336" name="CustomShape 2"/>
+          <p:cNvSpPr/>
+          <p:nvPr/>
+        </p:nvSpPr>
+        <p:spPr>
+          <a:xfrm>
+            <a:off x="3492000" y="3541680"/>
+            <a:ext cx="3023640" cy="345960"/>
+          </a:xfrm>
+          <a:prstGeom prst="rect">
+            <a:avLst/>
+          </a:prstGeom>
+          <a:noFill/>
+          <a:ln>
+            <a:noFill/>
+          </a:ln>
+        </p:spPr>
+        <p:style>
+          <a:lnRef idx="0"/>
+          <a:fillRef idx="0"/>
+          <a:effectRef idx="0"/>
+          <a:fontRef idx="minor"/>
+        </p:style>
+        <p:txBody>
+          <a:bodyPr lIns="90000" rIns="90000" tIns="45000" bIns="45000">
+            <a:noAutofit/>
+          </a:bodyPr>
+          <a:p>
+            <a:pPr>
+              <a:lnSpc>
+                <a:spcPct val="100000"/>
+              </a:lnSpc>
+            </a:pPr>
+            <a:r>
+              <a:rPr b="0" lang="en-IN" sz="1800" spc="-1" strike="noStrike">
+                <a:latin typeface="Arial"/>
+              </a:rPr>
+              <a:t>Inter block gap</a:t>
+            </a:r>
+            <a:endParaRPr b="0" lang="en-IN" sz="1800" spc="-1" strike="noStrike">
+              <a:latin typeface="Arial"/>
+            </a:endParaRPr>
+          </a:p>
+        </p:txBody>
+      </p:sp>
+      <p:sp>
+        <p:nvSpPr>
+          <p:cNvPr id="337" name="CustomShape 3"/>
+          <p:cNvSpPr/>
+          <p:nvPr/>
+        </p:nvSpPr>
+        <p:spPr>
+          <a:xfrm>
+            <a:off x="144000" y="3564000"/>
+            <a:ext cx="3023640" cy="345960"/>
+          </a:xfrm>
+          <a:prstGeom prst="rect">
+            <a:avLst/>
+          </a:prstGeom>
+          <a:noFill/>
+          <a:ln>
+            <a:noFill/>
+          </a:ln>
+        </p:spPr>
+        <p:style>
+          <a:lnRef idx="0"/>
+          <a:fillRef idx="0"/>
+          <a:effectRef idx="0"/>
+          <a:fontRef idx="minor"/>
+        </p:style>
+        <p:txBody>
+          <a:bodyPr lIns="90000" rIns="90000" tIns="45000" bIns="45000">
+            <a:noAutofit/>
+          </a:bodyPr>
+          <a:p>
+            <a:pPr>
+              <a:lnSpc>
+                <a:spcPct val="100000"/>
+              </a:lnSpc>
+            </a:pPr>
+            <a:r>
+              <a:rPr b="0" lang="en-IN" sz="1800" spc="-1" strike="noStrike">
+                <a:latin typeface="Arial"/>
+              </a:rPr>
+              <a:t>Track Begin</a:t>
+            </a:r>
+            <a:endParaRPr b="0" lang="en-IN" sz="1800" spc="-1" strike="noStrike">
+              <a:latin typeface="Arial"/>
+            </a:endParaRPr>
+          </a:p>
+        </p:txBody>
+      </p:sp>
+      <p:sp>
+        <p:nvSpPr>
+          <p:cNvPr id="338" name="CustomShape 4"/>
+          <p:cNvSpPr/>
+          <p:nvPr/>
+        </p:nvSpPr>
+        <p:spPr>
+          <a:xfrm>
+            <a:off x="7308000" y="3528000"/>
+            <a:ext cx="3023640" cy="345960"/>
+          </a:xfrm>
+          <a:prstGeom prst="rect">
+            <a:avLst/>
+          </a:prstGeom>
+          <a:noFill/>
+          <a:ln>
+            <a:noFill/>
+          </a:ln>
+        </p:spPr>
+        <p:style>
+          <a:lnRef idx="0"/>
+          <a:fillRef idx="0"/>
+          <a:effectRef idx="0"/>
+          <a:fontRef idx="minor"/>
+        </p:style>
+        <p:txBody>
+          <a:bodyPr lIns="90000" rIns="90000" tIns="45000" bIns="45000">
+            <a:noAutofit/>
+          </a:bodyPr>
+          <a:p>
+            <a:pPr>
+              <a:lnSpc>
+                <a:spcPct val="100000"/>
+              </a:lnSpc>
+            </a:pPr>
+            <a:r>
+              <a:rPr b="0" lang="en-IN" sz="1800" spc="-1" strike="noStrike">
+                <a:latin typeface="Arial"/>
+              </a:rPr>
+              <a:t>Track End</a:t>
+            </a:r>
+            <a:endParaRPr b="0" lang="en-IN" sz="1800" spc="-1" strike="noStrike">
+              <a:latin typeface="Arial"/>
+            </a:endParaRPr>
+          </a:p>
+        </p:txBody>
+      </p:sp>
+      <p:sp>
+        <p:nvSpPr>
+          <p:cNvPr id="339" name="Line 5"/>
+          <p:cNvSpPr/>
+          <p:nvPr/>
+        </p:nvSpPr>
+        <p:spPr>
+          <a:xfrm>
+            <a:off x="864000" y="2951640"/>
+            <a:ext cx="0" cy="612360"/>
+          </a:xfrm>
+          <a:prstGeom prst="line">
+            <a:avLst/>
+          </a:prstGeom>
+          <a:ln>
+            <a:solidFill>
+              <a:srgbClr val="3465a4"/>
+            </a:solidFill>
+            <a:tailEnd len="med" type="triangle" w="med"/>
+          </a:ln>
+        </p:spPr>
+        <p:style>
+          <a:lnRef idx="0"/>
+          <a:fillRef idx="0"/>
+          <a:effectRef idx="0"/>
+          <a:fontRef idx="minor"/>
+        </p:style>
+      </p:sp>
+      <p:sp>
+        <p:nvSpPr>
+          <p:cNvPr id="340" name="Line 6"/>
+          <p:cNvSpPr/>
+          <p:nvPr/>
+        </p:nvSpPr>
+        <p:spPr>
+          <a:xfrm>
+            <a:off x="3816000" y="2951640"/>
+            <a:ext cx="432000" cy="590040"/>
+          </a:xfrm>
+          <a:prstGeom prst="line">
+            <a:avLst/>
+          </a:prstGeom>
+          <a:ln>
+            <a:solidFill>
+              <a:srgbClr val="3465a4"/>
+            </a:solidFill>
+            <a:tailEnd len="med" type="triangle" w="med"/>
+          </a:ln>
+        </p:spPr>
+        <p:style>
+          <a:lnRef idx="0"/>
+          <a:fillRef idx="0"/>
+          <a:effectRef idx="0"/>
+          <a:fontRef idx="minor"/>
+        </p:style>
+      </p:sp>
+      <p:sp>
+        <p:nvSpPr>
+          <p:cNvPr id="341" name="Line 7"/>
+          <p:cNvSpPr/>
+          <p:nvPr/>
+        </p:nvSpPr>
+        <p:spPr>
+          <a:xfrm flipH="1">
+            <a:off x="4536000" y="2951640"/>
+            <a:ext cx="2016000" cy="504360"/>
+          </a:xfrm>
+          <a:prstGeom prst="line">
+            <a:avLst/>
+          </a:prstGeom>
+          <a:ln>
+            <a:solidFill>
+              <a:srgbClr val="3465a4"/>
+            </a:solidFill>
+            <a:tailEnd len="med" type="triangle" w="med"/>
+          </a:ln>
+        </p:spPr>
+        <p:style>
+          <a:lnRef idx="0"/>
+          <a:fillRef idx="0"/>
+          <a:effectRef idx="0"/>
+          <a:fontRef idx="minor"/>
+        </p:style>
+      </p:sp>
+      <p:sp>
+        <p:nvSpPr>
+          <p:cNvPr id="342" name="Line 8"/>
+          <p:cNvSpPr/>
+          <p:nvPr/>
+        </p:nvSpPr>
+        <p:spPr>
+          <a:xfrm flipH="1">
+            <a:off x="8280000" y="2951640"/>
+            <a:ext cx="936000" cy="576360"/>
+          </a:xfrm>
+          <a:prstGeom prst="line">
+            <a:avLst/>
+          </a:prstGeom>
+          <a:ln>
+            <a:solidFill>
+              <a:srgbClr val="3465a4"/>
+            </a:solidFill>
+            <a:tailEnd len="med" type="triangle" w="med"/>
+          </a:ln>
+        </p:spPr>
+        <p:style>
+          <a:lnRef idx="0"/>
+          <a:fillRef idx="0"/>
+          <a:effectRef idx="0"/>
+          <a:fontRef idx="minor"/>
+        </p:style>
+      </p:sp>
+    </p:spTree>
+  </p:cSld>
+  <mc:AlternateContent>
+    <mc:Choice Requires="p14">
+      <p:transition spd="slow" p14:dur="2000"/>
+    </mc:Choice>
+    <mc:Fallback>
+      <p:transition spd="slow"/>
+    </mc:Fallback>
+  </mc:AlternateContent>
+</p:sld>
+</file>
+
+<file path=ppt/slides/slide18.xml><?xml version="1.0" encoding="utf-8"?>
+<p:sld xmlns:a="http://schemas.openxmlformats.org/drawingml/2006/main" xmlns:p="http://schemas.openxmlformats.org/presentationml/2006/main" xmlns:r="http://schemas.openxmlformats.org/officeDocument/2006/relationships" xmlns:p14="http://schemas.microsoft.com/office/powerpoint/2010/main" xmlns:p15="http://schemas.microsoft.com/office/powerpoint/2012/main" xmlns:mc="http://schemas.openxmlformats.org/markup-compatibility/2006">
+  <p:cSld>
+    <p:spTree>
+      <p:nvGrpSpPr>
+        <p:cNvPr id="1" name=""/>
+        <p:cNvGrpSpPr/>
+        <p:nvPr/>
+      </p:nvGrpSpPr>
+      <p:grpSpPr>
+        <a:xfrm>
+          <a:off x="0" y="0"/>
+          <a:ext cx="0" cy="0"/>
+          <a:chOff x="0" y="0"/>
+          <a:chExt cx="0" cy="0"/>
+        </a:xfrm>
+      </p:grpSpPr>
+      <p:graphicFrame>
+        <p:nvGraphicFramePr>
+          <p:cNvPr id="343" name="Table 1"/>
+          <p:cNvGraphicFramePr/>
+          <p:nvPr/>
+        </p:nvGraphicFramePr>
+        <p:xfrm>
+          <a:off x="587520" y="2302920"/>
+          <a:ext cx="5075280" cy="2879280"/>
+        </p:xfrm>
+        <a:graphic>
+          <a:graphicData uri="http://schemas.openxmlformats.org/drawingml/2006/table">
+            <a:tbl>
+              <a:tblPr/>
+              <a:tblGrid>
+                <a:gridCol w="1042200"/>
+                <a:gridCol w="1131120"/>
+                <a:gridCol w="1056600"/>
+              </a:tblGrid>
+              <a:tr h="405360">
+                <a:tc>
+                  <a:txBody>
+                    <a:bodyPr lIns="90000" rIns="90000" tIns="46800" bIns="46800">
+                      <a:noAutofit/>
+                    </a:bodyPr>
+                    <a:p>
+                      <a:r>
+                        <a:rPr b="0" lang="en-IN" sz="1800" spc="-1" strike="noStrike">
+                          <a:latin typeface="Arial"/>
+                        </a:rPr>
+                        <a:t>A</a:t>
+                      </a:r>
+                      <a:endParaRPr b="0" lang="en-IN" sz="1800" spc="-1" strike="noStrike">
+                        <a:latin typeface="Arial"/>
+                      </a:endParaRPr>
+                    </a:p>
+                  </a:txBody>
+                  <a:tcPr marL="90000" marR="90000">
+                    <a:lnL w="720">
+                      <a:solidFill>
+                        <a:srgbClr val="ffffff"/>
+                      </a:solidFill>
+                    </a:lnL>
+                    <a:lnR w="720">
+                      <a:solidFill>
+                        <a:srgbClr val="ffffff"/>
+                      </a:solidFill>
+                    </a:lnR>
+                    <a:lnT w="720">
+                      <a:solidFill>
+                        <a:srgbClr val="ffffff"/>
+                      </a:solidFill>
+                    </a:lnT>
+                    <a:lnB w="720">
+                      <a:solidFill>
+                        <a:srgbClr val="ffffff"/>
+                      </a:solidFill>
+                    </a:lnB>
+                    <a:solidFill>
+                      <a:srgbClr val="b3b3b3"/>
+                    </a:solidFill>
+                  </a:tcPr>
+                </a:tc>
+                <a:tc>
+                  <a:txBody>
+                    <a:bodyPr lIns="90000" rIns="90000" tIns="46800" bIns="46800">
+                      <a:noAutofit/>
+                    </a:bodyPr>
+                    <a:p>
+                      <a:r>
+                        <a:rPr b="0" lang="en-IN" sz="1800" spc="-1" strike="noStrike">
+                          <a:latin typeface="Arial"/>
+                        </a:rPr>
+                        <a:t>B</a:t>
+                      </a:r>
+                      <a:endParaRPr b="0" lang="en-IN" sz="1800" spc="-1" strike="noStrike">
+                        <a:latin typeface="Arial"/>
+                      </a:endParaRPr>
+                    </a:p>
+                  </a:txBody>
+                  <a:tcPr marL="90000" marR="90000">
+                    <a:lnL w="720">
+                      <a:solidFill>
+                        <a:srgbClr val="ffffff"/>
+                      </a:solidFill>
+                    </a:lnL>
+                    <a:lnR w="720">
+                      <a:solidFill>
+                        <a:srgbClr val="ffffff"/>
+                      </a:solidFill>
+                    </a:lnR>
+                    <a:lnT w="720">
+                      <a:solidFill>
+                        <a:srgbClr val="ffffff"/>
+                      </a:solidFill>
+                    </a:lnT>
+                    <a:lnB w="720">
+                      <a:solidFill>
+                        <a:srgbClr val="ffffff"/>
+                      </a:solidFill>
+                    </a:lnB>
+                    <a:solidFill>
+                      <a:srgbClr val="b3b3b3"/>
+                    </a:solidFill>
+                  </a:tcPr>
+                </a:tc>
+                <a:tc>
+                  <a:txBody>
+                    <a:bodyPr lIns="90000" rIns="90000" tIns="46800" bIns="46800">
+                      <a:noAutofit/>
+                    </a:bodyPr>
+                    <a:p>
+                      <a:r>
+                        <a:rPr b="0" lang="en-IN" sz="1800" spc="-1" strike="noStrike">
+                          <a:latin typeface="Arial"/>
+                        </a:rPr>
+                        <a:t>C</a:t>
+                      </a:r>
+                      <a:endParaRPr b="0" lang="en-IN" sz="1800" spc="-1" strike="noStrike">
+                        <a:latin typeface="Arial"/>
+                      </a:endParaRPr>
+                    </a:p>
+                  </a:txBody>
+                  <a:tcPr marL="90000" marR="90000">
+                    <a:lnL w="720">
+                      <a:solidFill>
+                        <a:srgbClr val="ffffff"/>
+                      </a:solidFill>
+                    </a:lnL>
+                    <a:lnR w="720">
+                      <a:solidFill>
+                        <a:srgbClr val="ffffff"/>
+                      </a:solidFill>
+                    </a:lnR>
+                    <a:lnT w="720">
+                      <a:solidFill>
+                        <a:srgbClr val="ffffff"/>
+                      </a:solidFill>
+                    </a:lnT>
+                    <a:lnB w="720">
+                      <a:solidFill>
+                        <a:srgbClr val="ffffff"/>
+                      </a:solidFill>
+                    </a:lnB>
+                    <a:solidFill>
+                      <a:srgbClr val="b3b3b3"/>
+                    </a:solidFill>
+                  </a:tcPr>
+                </a:tc>
+              </a:tr>
+              <a:tr h="416880">
+                <a:tc>
+                  <a:tcPr marL="90000" marR="90000">
+                    <a:lnL w="720">
+                      <a:solidFill>
+                        <a:srgbClr val="ffffff"/>
+                      </a:solidFill>
+                    </a:lnL>
+                    <a:lnR w="720">
+                      <a:solidFill>
+                        <a:srgbClr val="ffffff"/>
+                      </a:solidFill>
+                    </a:lnR>
+                    <a:lnT w="720">
+                      <a:solidFill>
+                        <a:srgbClr val="ffffff"/>
+                      </a:solidFill>
+                    </a:lnT>
+                    <a:lnB w="720">
+                      <a:solidFill>
+                        <a:srgbClr val="ffffff"/>
+                      </a:solidFill>
+                    </a:lnB>
+                    <a:solidFill>
+                      <a:srgbClr val="cccccc"/>
+                    </a:solidFill>
+                  </a:tcPr>
+                </a:tc>
+                <a:tc>
+                  <a:tcPr marL="90000" marR="90000">
+                    <a:lnL w="720">
+                      <a:solidFill>
+                        <a:srgbClr val="ffffff"/>
+                      </a:solidFill>
+                    </a:lnL>
+                    <a:lnR w="720">
+                      <a:solidFill>
+                        <a:srgbClr val="ffffff"/>
+                      </a:solidFill>
+                    </a:lnR>
+                    <a:lnT w="720">
+                      <a:solidFill>
+                        <a:srgbClr val="ffffff"/>
+                      </a:solidFill>
+                    </a:lnT>
+                    <a:lnB w="720">
+                      <a:solidFill>
+                        <a:srgbClr val="ffffff"/>
+                      </a:solidFill>
+                    </a:lnB>
+                    <a:solidFill>
+                      <a:srgbClr val="cccccc"/>
+                    </a:solidFill>
+                  </a:tcPr>
+                </a:tc>
+                <a:tc>
+                  <a:tcPr marL="90000" marR="90000">
+                    <a:lnL w="720">
+                      <a:solidFill>
+                        <a:srgbClr val="ffffff"/>
+                      </a:solidFill>
+                    </a:lnL>
+                    <a:lnR w="720">
+                      <a:solidFill>
+                        <a:srgbClr val="ffffff"/>
+                      </a:solidFill>
+                    </a:lnR>
+                    <a:lnT w="720">
+                      <a:solidFill>
+                        <a:srgbClr val="ffffff"/>
+                      </a:solidFill>
+                    </a:lnT>
+                    <a:lnB w="720">
+                      <a:solidFill>
+                        <a:srgbClr val="ffffff"/>
+                      </a:solidFill>
+                    </a:lnB>
+                    <a:solidFill>
+                      <a:srgbClr val="cccccc"/>
+                    </a:solidFill>
+                  </a:tcPr>
+                </a:tc>
+              </a:tr>
+              <a:tr h="371880">
+                <a:tc>
+                  <a:tcPr marL="90000" marR="90000">
+                    <a:lnL w="720">
+                      <a:solidFill>
+                        <a:srgbClr val="ffffff"/>
+                      </a:solidFill>
+                    </a:lnL>
+                    <a:lnR w="720">
+                      <a:solidFill>
+                        <a:srgbClr val="ffffff"/>
+                      </a:solidFill>
+                    </a:lnR>
+                    <a:lnT w="720">
+                      <a:solidFill>
+                        <a:srgbClr val="ffffff"/>
+                      </a:solidFill>
+                    </a:lnT>
+                    <a:lnB w="720">
+                      <a:solidFill>
+                        <a:srgbClr val="ffffff"/>
+                      </a:solidFill>
+                    </a:lnB>
+                    <a:solidFill>
+                      <a:srgbClr val="e6e6e6"/>
+                    </a:solidFill>
+                  </a:tcPr>
+                </a:tc>
+                <a:tc>
+                  <a:tcPr marL="90000" marR="90000">
+                    <a:lnL w="720">
+                      <a:solidFill>
+                        <a:srgbClr val="ffffff"/>
+                      </a:solidFill>
+                    </a:lnL>
+                    <a:lnR w="720">
+                      <a:solidFill>
+                        <a:srgbClr val="ffffff"/>
+                      </a:solidFill>
+                    </a:lnR>
+                    <a:lnT w="720">
+                      <a:solidFill>
+                        <a:srgbClr val="ffffff"/>
+                      </a:solidFill>
+                    </a:lnT>
+                    <a:lnB w="720">
+                      <a:solidFill>
+                        <a:srgbClr val="ffffff"/>
+                      </a:solidFill>
+                    </a:lnB>
+                    <a:solidFill>
+                      <a:srgbClr val="e6e6e6"/>
+                    </a:solidFill>
+                  </a:tcPr>
+                </a:tc>
+                <a:tc>
+                  <a:tcPr marL="90000" marR="90000">
+                    <a:lnL w="720">
+                      <a:solidFill>
+                        <a:srgbClr val="ffffff"/>
+                      </a:solidFill>
+                    </a:lnL>
+                    <a:lnR w="720">
+                      <a:solidFill>
+                        <a:srgbClr val="ffffff"/>
+                      </a:solidFill>
+                    </a:lnR>
+                    <a:lnT w="720">
+                      <a:solidFill>
+                        <a:srgbClr val="ffffff"/>
+                      </a:solidFill>
+                    </a:lnT>
+                    <a:lnB w="720">
+                      <a:solidFill>
+                        <a:srgbClr val="ffffff"/>
+                      </a:solidFill>
+                    </a:lnB>
+                    <a:solidFill>
+                      <a:srgbClr val="e6e6e6"/>
+                    </a:solidFill>
+                  </a:tcPr>
+                </a:tc>
+              </a:tr>
+              <a:tr h="357120">
+                <a:tc>
+                  <a:tcPr marL="90000" marR="90000">
+                    <a:lnL w="720">
+                      <a:solidFill>
+                        <a:srgbClr val="ffffff"/>
+                      </a:solidFill>
+                    </a:lnL>
+                    <a:lnR w="720">
+                      <a:solidFill>
+                        <a:srgbClr val="ffffff"/>
+                      </a:solidFill>
+                    </a:lnR>
+                    <a:lnT w="720">
+                      <a:solidFill>
+                        <a:srgbClr val="ffffff"/>
+                      </a:solidFill>
+                    </a:lnT>
+                    <a:lnB w="720">
+                      <a:solidFill>
+                        <a:srgbClr val="ffffff"/>
+                      </a:solidFill>
+                    </a:lnB>
+                    <a:solidFill>
+                      <a:srgbClr val="cccccc"/>
+                    </a:solidFill>
+                  </a:tcPr>
+                </a:tc>
+                <a:tc>
+                  <a:tcPr marL="90000" marR="90000">
+                    <a:lnL w="720">
+                      <a:solidFill>
+                        <a:srgbClr val="ffffff"/>
+                      </a:solidFill>
+                    </a:lnL>
+                    <a:lnR w="720">
+                      <a:solidFill>
+                        <a:srgbClr val="ffffff"/>
+                      </a:solidFill>
+                    </a:lnR>
+                    <a:lnT w="720">
+                      <a:solidFill>
+                        <a:srgbClr val="ffffff"/>
+                      </a:solidFill>
+                    </a:lnT>
+                    <a:lnB w="720">
+                      <a:solidFill>
+                        <a:srgbClr val="ffffff"/>
+                      </a:solidFill>
+                    </a:lnB>
+                    <a:solidFill>
+                      <a:srgbClr val="cccccc"/>
+                    </a:solidFill>
+                  </a:tcPr>
+                </a:tc>
+                <a:tc>
+                  <a:tcPr marL="90000" marR="90000">
+                    <a:lnL w="720">
+                      <a:solidFill>
+                        <a:srgbClr val="ffffff"/>
+                      </a:solidFill>
+                    </a:lnL>
+                    <a:lnR w="720">
+                      <a:solidFill>
+                        <a:srgbClr val="ffffff"/>
+                      </a:solidFill>
+                    </a:lnR>
+                    <a:lnT w="720">
+                      <a:solidFill>
+                        <a:srgbClr val="ffffff"/>
+                      </a:solidFill>
+                    </a:lnT>
+                    <a:lnB w="720">
+                      <a:solidFill>
+                        <a:srgbClr val="ffffff"/>
+                      </a:solidFill>
+                    </a:lnB>
+                    <a:solidFill>
+                      <a:srgbClr val="cccccc"/>
+                    </a:solidFill>
+                  </a:tcPr>
+                </a:tc>
+              </a:tr>
+            </a:tbl>
+          </a:graphicData>
+        </a:graphic>
+      </p:graphicFrame>
+      <p:graphicFrame>
+        <p:nvGraphicFramePr>
+          <p:cNvPr id="344" name="Table 2"/>
+          <p:cNvGraphicFramePr/>
+          <p:nvPr/>
+        </p:nvGraphicFramePr>
+        <p:xfrm>
+          <a:off x="5497200" y="2705040"/>
+          <a:ext cx="5075280" cy="2879280"/>
+        </p:xfrm>
+        <a:graphic>
+          <a:graphicData uri="http://schemas.openxmlformats.org/drawingml/2006/table">
+            <a:tbl>
+              <a:tblPr/>
+              <a:tblGrid>
+                <a:gridCol w="938160"/>
+                <a:gridCol w="878040"/>
+                <a:gridCol w="848160"/>
+              </a:tblGrid>
+              <a:tr h="420480">
+                <a:tc>
+                  <a:txBody>
+                    <a:bodyPr lIns="90000" rIns="90000" tIns="46800" bIns="46800">
+                      <a:noAutofit/>
+                    </a:bodyPr>
+                    <a:p>
+                      <a:r>
+                        <a:rPr b="0" lang="en-IN" sz="1800" spc="-1" strike="noStrike">
+                          <a:latin typeface="Arial"/>
+                        </a:rPr>
+                        <a:t>A</a:t>
+                      </a:r>
+                      <a:endParaRPr b="0" lang="en-IN" sz="1800" spc="-1" strike="noStrike">
+                        <a:latin typeface="Arial"/>
+                      </a:endParaRPr>
+                    </a:p>
+                  </a:txBody>
+                  <a:tcPr marL="90000" marR="90000">
+                    <a:lnL w="720">
+                      <a:solidFill>
+                        <a:srgbClr val="ffffff"/>
+                      </a:solidFill>
+                    </a:lnL>
+                    <a:lnR w="720">
+                      <a:solidFill>
+                        <a:srgbClr val="ffffff"/>
+                      </a:solidFill>
+                    </a:lnR>
+                    <a:lnT w="720">
+                      <a:solidFill>
+                        <a:srgbClr val="ffffff"/>
+                      </a:solidFill>
+                    </a:lnT>
+                    <a:lnB w="720">
+                      <a:solidFill>
+                        <a:srgbClr val="ffffff"/>
+                      </a:solidFill>
+                    </a:lnB>
+                    <a:solidFill>
+                      <a:srgbClr val="b3b3b3"/>
+                    </a:solidFill>
+                  </a:tcPr>
+                </a:tc>
+                <a:tc>
+                  <a:txBody>
+                    <a:bodyPr lIns="90000" rIns="90000" tIns="46800" bIns="46800">
+                      <a:noAutofit/>
+                    </a:bodyPr>
+                    <a:p>
+                      <a:r>
+                        <a:rPr b="0" lang="en-IN" sz="1800" spc="-1" strike="noStrike">
+                          <a:latin typeface="Arial"/>
+                        </a:rPr>
+                        <a:t>B</a:t>
+                      </a:r>
+                      <a:endParaRPr b="0" lang="en-IN" sz="1800" spc="-1" strike="noStrike">
+                        <a:latin typeface="Arial"/>
+                      </a:endParaRPr>
+                    </a:p>
+                  </a:txBody>
+                  <a:tcPr marL="90000" marR="90000">
+                    <a:lnL w="720">
+                      <a:solidFill>
+                        <a:srgbClr val="ffffff"/>
+                      </a:solidFill>
+                    </a:lnL>
+                    <a:lnR w="720">
+                      <a:solidFill>
+                        <a:srgbClr val="ffffff"/>
+                      </a:solidFill>
+                    </a:lnR>
+                    <a:lnT w="720">
+                      <a:solidFill>
+                        <a:srgbClr val="ffffff"/>
+                      </a:solidFill>
+                    </a:lnT>
+                    <a:lnB w="720">
+                      <a:solidFill>
+                        <a:srgbClr val="ffffff"/>
+                      </a:solidFill>
+                    </a:lnB>
+                    <a:solidFill>
+                      <a:srgbClr val="b3b3b3"/>
+                    </a:solidFill>
+                  </a:tcPr>
+                </a:tc>
+                <a:tc>
+                  <a:txBody>
+                    <a:bodyPr lIns="90000" rIns="90000" tIns="46800" bIns="46800">
+                      <a:noAutofit/>
+                    </a:bodyPr>
+                    <a:p>
+                      <a:r>
+                        <a:rPr b="0" lang="en-IN" sz="1800" spc="-1" strike="noStrike">
+                          <a:latin typeface="Arial"/>
+                        </a:rPr>
+                        <a:t>C</a:t>
+                      </a:r>
+                      <a:endParaRPr b="0" lang="en-IN" sz="1800" spc="-1" strike="noStrike">
+                        <a:latin typeface="Arial"/>
+                      </a:endParaRPr>
+                    </a:p>
+                  </a:txBody>
+                  <a:tcPr marL="90000" marR="90000">
+                    <a:lnL w="720">
+                      <a:solidFill>
+                        <a:srgbClr val="ffffff"/>
+                      </a:solidFill>
+                    </a:lnL>
+                    <a:lnR w="720">
+                      <a:solidFill>
+                        <a:srgbClr val="ffffff"/>
+                      </a:solidFill>
+                    </a:lnR>
+                    <a:lnT w="720">
+                      <a:solidFill>
+                        <a:srgbClr val="ffffff"/>
+                      </a:solidFill>
+                    </a:lnT>
+                    <a:lnB w="720">
+                      <a:solidFill>
+                        <a:srgbClr val="ffffff"/>
+                      </a:solidFill>
+                    </a:lnB>
+                    <a:solidFill>
+                      <a:srgbClr val="b3b3b3"/>
+                    </a:solidFill>
+                  </a:tcPr>
+                </a:tc>
+              </a:tr>
+              <a:tr h="431280">
+                <a:tc>
+                  <a:tcPr marL="90000" marR="90000">
+                    <a:lnL w="720">
+                      <a:solidFill>
+                        <a:srgbClr val="ffffff"/>
+                      </a:solidFill>
+                    </a:lnL>
+                    <a:lnR w="720">
+                      <a:solidFill>
+                        <a:srgbClr val="ffffff"/>
+                      </a:solidFill>
+                    </a:lnR>
+                    <a:lnT w="720">
+                      <a:solidFill>
+                        <a:srgbClr val="ffffff"/>
+                      </a:solidFill>
+                    </a:lnT>
+                    <a:lnB w="720">
+                      <a:solidFill>
+                        <a:srgbClr val="ffffff"/>
+                      </a:solidFill>
+                    </a:lnB>
+                    <a:solidFill>
+                      <a:srgbClr val="cccccc"/>
+                    </a:solidFill>
+                  </a:tcPr>
+                </a:tc>
+                <a:tc>
+                  <a:tcPr marL="90000" marR="90000">
+                    <a:lnL w="720">
+                      <a:solidFill>
+                        <a:srgbClr val="ffffff"/>
+                      </a:solidFill>
+                    </a:lnL>
+                    <a:lnR w="720">
+                      <a:solidFill>
+                        <a:srgbClr val="ffffff"/>
+                      </a:solidFill>
+                    </a:lnR>
+                    <a:lnT w="720">
+                      <a:solidFill>
+                        <a:srgbClr val="ffffff"/>
+                      </a:solidFill>
+                    </a:lnT>
+                    <a:lnB w="720">
+                      <a:solidFill>
+                        <a:srgbClr val="ffffff"/>
+                      </a:solidFill>
+                    </a:lnB>
+                    <a:solidFill>
+                      <a:srgbClr val="cccccc"/>
+                    </a:solidFill>
+                  </a:tcPr>
+                </a:tc>
+                <a:tc>
+                  <a:tcPr marL="90000" marR="90000">
+                    <a:lnL w="720">
+                      <a:solidFill>
+                        <a:srgbClr val="ffffff"/>
+                      </a:solidFill>
+                    </a:lnL>
+                    <a:lnR w="720">
+                      <a:solidFill>
+                        <a:srgbClr val="ffffff"/>
+                      </a:solidFill>
+                    </a:lnR>
+                    <a:lnT w="720">
+                      <a:solidFill>
+                        <a:srgbClr val="ffffff"/>
+                      </a:solidFill>
+                    </a:lnT>
+                    <a:lnB w="720">
+                      <a:solidFill>
+                        <a:srgbClr val="ffffff"/>
+                      </a:solidFill>
+                    </a:lnB>
+                    <a:solidFill>
+                      <a:srgbClr val="cccccc"/>
+                    </a:solidFill>
+                  </a:tcPr>
+                </a:tc>
+              </a:tr>
+              <a:tr h="372240">
+                <a:tc>
+                  <a:tcPr marL="90000" marR="90000">
+                    <a:lnL w="720">
+                      <a:solidFill>
+                        <a:srgbClr val="ffffff"/>
+                      </a:solidFill>
+                    </a:lnL>
+                    <a:lnR w="720">
+                      <a:solidFill>
+                        <a:srgbClr val="ffffff"/>
+                      </a:solidFill>
+                    </a:lnR>
+                    <a:lnT w="720">
+                      <a:solidFill>
+                        <a:srgbClr val="ffffff"/>
+                      </a:solidFill>
+                    </a:lnT>
+                    <a:lnB w="720">
+                      <a:solidFill>
+                        <a:srgbClr val="ffffff"/>
+                      </a:solidFill>
+                    </a:lnB>
+                    <a:solidFill>
+                      <a:srgbClr val="e6e6e6"/>
+                    </a:solidFill>
+                  </a:tcPr>
+                </a:tc>
+                <a:tc>
+                  <a:tcPr marL="90000" marR="90000">
+                    <a:lnL w="720">
+                      <a:solidFill>
+                        <a:srgbClr val="ffffff"/>
+                      </a:solidFill>
+                    </a:lnL>
+                    <a:lnR w="720">
+                      <a:solidFill>
+                        <a:srgbClr val="ffffff"/>
+                      </a:solidFill>
+                    </a:lnR>
+                    <a:lnT w="720">
+                      <a:solidFill>
+                        <a:srgbClr val="ffffff"/>
+                      </a:solidFill>
+                    </a:lnT>
+                    <a:lnB w="720">
+                      <a:solidFill>
+                        <a:srgbClr val="ffffff"/>
+                      </a:solidFill>
+                    </a:lnB>
+                    <a:solidFill>
+                      <a:srgbClr val="e6e6e6"/>
+                    </a:solidFill>
+                  </a:tcPr>
+                </a:tc>
+                <a:tc>
+                  <a:tcPr marL="90000" marR="90000">
+                    <a:lnL w="720">
+                      <a:solidFill>
+                        <a:srgbClr val="ffffff"/>
+                      </a:solidFill>
+                    </a:lnL>
+                    <a:lnR w="720">
+                      <a:solidFill>
+                        <a:srgbClr val="ffffff"/>
+                      </a:solidFill>
+                    </a:lnR>
+                    <a:lnT w="720">
+                      <a:solidFill>
+                        <a:srgbClr val="ffffff"/>
+                      </a:solidFill>
+                    </a:lnT>
+                    <a:lnB w="720">
+                      <a:solidFill>
+                        <a:srgbClr val="ffffff"/>
+                      </a:solidFill>
+                    </a:lnB>
+                    <a:solidFill>
+                      <a:srgbClr val="e6e6e6"/>
+                    </a:solidFill>
+                  </a:tcPr>
+                </a:tc>
+              </a:tr>
+              <a:tr h="357120">
+                <a:tc>
+                  <a:tcPr marL="90000" marR="90000">
+                    <a:lnL w="720">
+                      <a:solidFill>
+                        <a:srgbClr val="ffffff"/>
+                      </a:solidFill>
+                    </a:lnL>
+                    <a:lnR w="720">
+                      <a:solidFill>
+                        <a:srgbClr val="ffffff"/>
+                      </a:solidFill>
+                    </a:lnR>
+                    <a:lnT w="720">
+                      <a:solidFill>
+                        <a:srgbClr val="ffffff"/>
+                      </a:solidFill>
+                    </a:lnT>
+                    <a:lnB w="720">
+                      <a:solidFill>
+                        <a:srgbClr val="ffffff"/>
+                      </a:solidFill>
+                    </a:lnB>
+                    <a:solidFill>
+                      <a:srgbClr val="cccccc"/>
+                    </a:solidFill>
+                  </a:tcPr>
+                </a:tc>
+                <a:tc>
+                  <a:tcPr marL="90000" marR="90000">
+                    <a:lnL w="720">
+                      <a:solidFill>
+                        <a:srgbClr val="ffffff"/>
+                      </a:solidFill>
+                    </a:lnL>
+                    <a:lnR w="720">
+                      <a:solidFill>
+                        <a:srgbClr val="ffffff"/>
+                      </a:solidFill>
+                    </a:lnR>
+                    <a:lnT w="720">
+                      <a:solidFill>
+                        <a:srgbClr val="ffffff"/>
+                      </a:solidFill>
+                    </a:lnT>
+                    <a:lnB w="720">
+                      <a:solidFill>
+                        <a:srgbClr val="ffffff"/>
+                      </a:solidFill>
+                    </a:lnB>
+                    <a:solidFill>
+                      <a:srgbClr val="cccccc"/>
+                    </a:solidFill>
+                  </a:tcPr>
+                </a:tc>
+                <a:tc>
+                  <a:tcPr marL="90000" marR="90000">
+                    <a:lnL w="720">
+                      <a:solidFill>
+                        <a:srgbClr val="ffffff"/>
+                      </a:solidFill>
+                    </a:lnL>
+                    <a:lnR w="720">
+                      <a:solidFill>
+                        <a:srgbClr val="ffffff"/>
+                      </a:solidFill>
+                    </a:lnR>
+                    <a:lnT w="720">
+                      <a:solidFill>
+                        <a:srgbClr val="ffffff"/>
+                      </a:solidFill>
+                    </a:lnT>
+                    <a:lnB w="720">
+                      <a:solidFill>
+                        <a:srgbClr val="ffffff"/>
+                      </a:solidFill>
+                    </a:lnB>
+                    <a:solidFill>
+                      <a:srgbClr val="cccccc"/>
+                    </a:solidFill>
+                  </a:tcPr>
+                </a:tc>
+              </a:tr>
+            </a:tbl>
+          </a:graphicData>
+        </a:graphic>
+      </p:graphicFrame>
+      <p:sp>
+        <p:nvSpPr>
+          <p:cNvPr id="345" name="TextShape 3"/>
+          <p:cNvSpPr txBox="1"/>
+          <p:nvPr/>
+        </p:nvSpPr>
+        <p:spPr>
+          <a:xfrm>
+            <a:off x="3456000" y="1008000"/>
+            <a:ext cx="3240000" cy="346320"/>
+          </a:xfrm>
+          <a:prstGeom prst="rect">
+            <a:avLst/>
+          </a:prstGeom>
+          <a:noFill/>
+          <a:ln>
+            <a:noFill/>
+          </a:ln>
+        </p:spPr>
+        <p:txBody>
+          <a:bodyPr lIns="90000" rIns="90000" tIns="45000" bIns="45000">
+            <a:noAutofit/>
+          </a:bodyPr>
+          <a:p>
+            <a:r>
+              <a:rPr b="0" lang="en-IN" sz="1800" spc="-1" strike="noStrike">
+                <a:latin typeface="Arial"/>
+              </a:rPr>
+              <a:t>Fixed Length Records</a:t>
+            </a:r>
+            <a:endParaRPr b="0" lang="en-IN" sz="1800" spc="-1" strike="noStrike">
+              <a:latin typeface="Arial"/>
+            </a:endParaRPr>
+          </a:p>
+        </p:txBody>
+      </p:sp>
+      <p:sp>
+        <p:nvSpPr>
+          <p:cNvPr id="346" name="TextShape 4"/>
+          <p:cNvSpPr txBox="1"/>
+          <p:nvPr/>
+        </p:nvSpPr>
+        <p:spPr>
+          <a:xfrm>
+            <a:off x="648000" y="1836000"/>
+            <a:ext cx="3240000" cy="346320"/>
+          </a:xfrm>
+          <a:prstGeom prst="rect">
+            <a:avLst/>
+          </a:prstGeom>
+          <a:noFill/>
+          <a:ln>
+            <a:noFill/>
+          </a:ln>
+        </p:spPr>
+        <p:txBody>
+          <a:bodyPr lIns="90000" rIns="90000" tIns="45000" bIns="45000">
+            <a:noAutofit/>
+          </a:bodyPr>
+          <a:p>
+            <a:r>
+              <a:rPr b="0" lang="en-IN" sz="1800" spc="-1" strike="noStrike">
+                <a:latin typeface="Arial"/>
+              </a:rPr>
+              <a:t>Relation table</a:t>
+            </a:r>
+            <a:endParaRPr b="0" lang="en-IN" sz="1800" spc="-1" strike="noStrike">
+              <a:latin typeface="Arial"/>
+            </a:endParaRPr>
+          </a:p>
+        </p:txBody>
+      </p:sp>
+      <p:sp>
+        <p:nvSpPr>
+          <p:cNvPr id="347" name="TextShape 5"/>
+          <p:cNvSpPr txBox="1"/>
+          <p:nvPr/>
+        </p:nvSpPr>
+        <p:spPr>
+          <a:xfrm>
+            <a:off x="5436000" y="2160000"/>
+            <a:ext cx="3240000" cy="346320"/>
+          </a:xfrm>
+          <a:prstGeom prst="rect">
+            <a:avLst/>
+          </a:prstGeom>
+          <a:noFill/>
+          <a:ln>
+            <a:noFill/>
+          </a:ln>
+        </p:spPr>
+        <p:txBody>
+          <a:bodyPr lIns="90000" rIns="90000" tIns="45000" bIns="45000">
+            <a:noAutofit/>
+          </a:bodyPr>
+          <a:p>
+            <a:r>
+              <a:rPr b="0" lang="en-IN" sz="1800" spc="-1" strike="noStrike">
+                <a:latin typeface="Arial"/>
+              </a:rPr>
+              <a:t>File</a:t>
+            </a:r>
+            <a:endParaRPr b="0" lang="en-IN" sz="1800" spc="-1" strike="noStrike">
+              <a:latin typeface="Arial"/>
+            </a:endParaRPr>
+          </a:p>
+        </p:txBody>
+      </p:sp>
+      <p:sp>
+        <p:nvSpPr>
+          <p:cNvPr id="348" name="Line 6"/>
+          <p:cNvSpPr/>
+          <p:nvPr/>
+        </p:nvSpPr>
+        <p:spPr>
+          <a:xfrm>
+            <a:off x="8496000" y="2808000"/>
+            <a:ext cx="0" cy="1368000"/>
+          </a:xfrm>
+          <a:prstGeom prst="line">
+            <a:avLst/>
+          </a:prstGeom>
+          <a:ln>
+            <a:solidFill>
+              <a:srgbClr val="3465a4"/>
+            </a:solidFill>
+          </a:ln>
+        </p:spPr>
+        <p:style>
+          <a:lnRef idx="0"/>
+          <a:fillRef idx="0"/>
+          <a:effectRef idx="0"/>
+          <a:fontRef idx="minor"/>
+        </p:style>
+      </p:sp>
+      <p:sp>
+        <p:nvSpPr>
+          <p:cNvPr id="349" name="TextShape 7"/>
+          <p:cNvSpPr txBox="1"/>
+          <p:nvPr/>
+        </p:nvSpPr>
+        <p:spPr>
+          <a:xfrm>
+            <a:off x="8676000" y="2988000"/>
+            <a:ext cx="1044000" cy="756000"/>
+          </a:xfrm>
+          <a:prstGeom prst="rect">
+            <a:avLst/>
+          </a:prstGeom>
+          <a:noFill/>
+          <a:ln>
+            <a:noFill/>
+          </a:ln>
+        </p:spPr>
+        <p:txBody>
+          <a:bodyPr lIns="90000" rIns="90000" tIns="45000" bIns="45000">
+            <a:noAutofit/>
+          </a:bodyPr>
+          <a:p>
+            <a:r>
+              <a:rPr b="0" lang="en-IN" sz="1800" spc="-1" strike="noStrike">
+                <a:latin typeface="Arial"/>
+              </a:rPr>
+              <a:t>Records in a file</a:t>
+            </a:r>
+            <a:endParaRPr b="0" lang="en-IN" sz="1800" spc="-1" strike="noStrike">
+              <a:latin typeface="Arial"/>
+            </a:endParaRPr>
+          </a:p>
+        </p:txBody>
+      </p:sp>
+      <p:sp>
+        <p:nvSpPr>
+          <p:cNvPr id="350" name="Line 8"/>
+          <p:cNvSpPr/>
+          <p:nvPr/>
+        </p:nvSpPr>
+        <p:spPr>
+          <a:xfrm>
+            <a:off x="3817080" y="2880000"/>
+            <a:ext cx="1680120" cy="504000"/>
+          </a:xfrm>
+          <a:prstGeom prst="line">
+            <a:avLst/>
+          </a:prstGeom>
+          <a:ln>
+            <a:solidFill>
+              <a:srgbClr val="3465a4"/>
+            </a:solidFill>
+            <a:headEnd len="med" type="oval" w="med"/>
+            <a:tailEnd len="med" type="triangle" w="med"/>
+          </a:ln>
+        </p:spPr>
+        <p:style>
+          <a:lnRef idx="0"/>
+          <a:fillRef idx="0"/>
+          <a:effectRef idx="0"/>
+          <a:fontRef idx="minor"/>
+        </p:style>
+      </p:sp>
+      <p:sp>
+        <p:nvSpPr>
+          <p:cNvPr id="351" name="Line 9"/>
+          <p:cNvSpPr/>
+          <p:nvPr/>
+        </p:nvSpPr>
+        <p:spPr>
+          <a:xfrm>
+            <a:off x="3816360" y="3295800"/>
+            <a:ext cx="1680120" cy="504000"/>
+          </a:xfrm>
+          <a:prstGeom prst="line">
+            <a:avLst/>
+          </a:prstGeom>
+          <a:ln>
+            <a:solidFill>
+              <a:srgbClr val="3465a4"/>
+            </a:solidFill>
+            <a:headEnd len="med" type="oval" w="med"/>
+            <a:tailEnd len="med" type="triangle" w="med"/>
+          </a:ln>
+        </p:spPr>
+        <p:style>
+          <a:lnRef idx="0"/>
+          <a:fillRef idx="0"/>
+          <a:effectRef idx="0"/>
+          <a:fontRef idx="minor"/>
+        </p:style>
+      </p:sp>
+      <p:sp>
+        <p:nvSpPr>
+          <p:cNvPr id="352" name="Line 10"/>
+          <p:cNvSpPr/>
+          <p:nvPr/>
+        </p:nvSpPr>
+        <p:spPr>
+          <a:xfrm>
+            <a:off x="3815640" y="3675600"/>
+            <a:ext cx="1680120" cy="504000"/>
+          </a:xfrm>
+          <a:prstGeom prst="line">
+            <a:avLst/>
+          </a:prstGeom>
+          <a:ln>
+            <a:solidFill>
+              <a:srgbClr val="3465a4"/>
+            </a:solidFill>
+            <a:headEnd len="med" type="oval" w="med"/>
+            <a:tailEnd len="med" type="triangle" w="med"/>
+          </a:ln>
+        </p:spPr>
+        <p:style>
+          <a:lnRef idx="0"/>
+          <a:fillRef idx="0"/>
+          <a:effectRef idx="0"/>
+          <a:fontRef idx="minor"/>
+        </p:style>
+      </p:sp>
+      <p:sp>
+        <p:nvSpPr>
+          <p:cNvPr id="353" name="TextShape 11"/>
+          <p:cNvSpPr txBox="1"/>
+          <p:nvPr/>
+        </p:nvSpPr>
+        <p:spPr>
+          <a:xfrm>
+            <a:off x="2448000" y="4464000"/>
+            <a:ext cx="5832000" cy="756000"/>
+          </a:xfrm>
+          <a:prstGeom prst="rect">
+            <a:avLst/>
+          </a:prstGeom>
+          <a:noFill/>
+          <a:ln>
+            <a:noFill/>
+          </a:ln>
+        </p:spPr>
+        <p:txBody>
+          <a:bodyPr lIns="90000" rIns="90000" tIns="45000" bIns="45000">
+            <a:noAutofit/>
+          </a:bodyPr>
+          <a:p>
+            <a:r>
+              <a:rPr b="0" lang="en-IN" sz="1800" spc="-1" strike="noStrike">
+                <a:latin typeface="Arial"/>
+              </a:rPr>
+              <a:t>Each tuple in the table is stored as a fixed length record in the file</a:t>
+            </a:r>
+            <a:endParaRPr b="0" lang="en-IN" sz="1800" spc="-1" strike="noStrike">
+              <a:latin typeface="Arial"/>
+            </a:endParaRPr>
+          </a:p>
+        </p:txBody>
+      </p:sp>
+    </p:spTree>
+  </p:cSld>
+  <mc:AlternateContent>
+    <mc:Choice Requires="p14">
+      <p:transition spd="slow" p14:dur="2000"/>
+    </mc:Choice>
+    <mc:Fallback>
+      <p:transition spd="slow"/>
+    </mc:Fallback>
+  </mc:AlternateContent>
+</p:sld>
+</file>
+
+<file path=ppt/slides/slide19.xml><?xml version="1.0" encoding="utf-8"?>
+<p:sld xmlns:a="http://schemas.openxmlformats.org/drawingml/2006/main" xmlns:p="http://schemas.openxmlformats.org/presentationml/2006/main" xmlns:r="http://schemas.openxmlformats.org/officeDocument/2006/relationships" xmlns:p14="http://schemas.microsoft.com/office/powerpoint/2010/main" xmlns:p15="http://schemas.microsoft.com/office/powerpoint/2012/main" xmlns:mc="http://schemas.openxmlformats.org/markup-compatibility/2006">
+  <p:cSld>
+    <p:spTree>
+      <p:nvGrpSpPr>
+        <p:cNvPr id="1" name=""/>
+        <p:cNvGrpSpPr/>
+        <p:nvPr/>
+      </p:nvGrpSpPr>
+      <p:grpSpPr>
+        <a:xfrm>
+          <a:off x="0" y="0"/>
+          <a:ext cx="0" cy="0"/>
+          <a:chOff x="0" y="0"/>
+          <a:chExt cx="0" cy="0"/>
+        </a:xfrm>
+      </p:grpSpPr>
+    </p:spTree>
+  </p:cSld>
+  <mc:AlternateContent>
+    <mc:Choice Requires="p14">
+      <p:transition spd="slow" p14:dur="2000"/>
+    </mc:Choice>
+    <mc:Fallback>
+      <p:transition spd="slow"/>
+    </mc:Fallback>
+  </mc:AlternateContent>
+</p:sld>
+</file>
+
 <file path=ppt/slides/slide2.xml><?xml version="1.0" encoding="utf-8"?>
 <p:sld xmlns:a="http://schemas.openxmlformats.org/drawingml/2006/main" xmlns:p="http://schemas.openxmlformats.org/presentationml/2006/main" xmlns:r="http://schemas.openxmlformats.org/officeDocument/2006/relationships" xmlns:p14="http://schemas.microsoft.com/office/powerpoint/2010/main" xmlns:p15="http://schemas.microsoft.com/office/powerpoint/2012/main" xmlns:mc="http://schemas.openxmlformats.org/markup-compatibility/2006">
   <p:cSld>
@@ -10053,7 +12324,7 @@
         <p:spPr>
           <a:xfrm>
             <a:off x="1908000" y="936000"/>
-            <a:ext cx="1436760" cy="788760"/>
+            <a:ext cx="1436040" cy="788040"/>
           </a:xfrm>
           <a:prstGeom prst="rect">
             <a:avLst/>
@@ -10108,7 +12379,7 @@
         <p:spPr>
           <a:xfrm>
             <a:off x="6084000" y="936000"/>
-            <a:ext cx="1436760" cy="788760"/>
+            <a:ext cx="1436040" cy="788040"/>
           </a:xfrm>
           <a:prstGeom prst="rect">
             <a:avLst/>
@@ -10163,7 +12434,7 @@
         <p:spPr>
           <a:xfrm>
             <a:off x="1908000" y="4068000"/>
-            <a:ext cx="1436760" cy="788760"/>
+            <a:ext cx="1436040" cy="788040"/>
           </a:xfrm>
           <a:prstGeom prst="rect">
             <a:avLst/>
@@ -10218,7 +12489,7 @@
         <p:spPr>
           <a:xfrm>
             <a:off x="4032000" y="648000"/>
-            <a:ext cx="1436760" cy="1364760"/>
+            <a:ext cx="1436040" cy="1364040"/>
           </a:xfrm>
           <a:custGeom>
             <a:avLst/>
@@ -10316,7 +12587,7 @@
         <p:spPr>
           <a:xfrm>
             <a:off x="1872000" y="2232360"/>
-            <a:ext cx="1436760" cy="1364760"/>
+            <a:ext cx="1436040" cy="1364040"/>
           </a:xfrm>
           <a:custGeom>
             <a:avLst/>
@@ -10522,7 +12793,7 @@
         <p:spPr>
           <a:xfrm>
             <a:off x="5184000" y="2340000"/>
-            <a:ext cx="2012760" cy="572760"/>
+            <a:ext cx="2012040" cy="572040"/>
           </a:xfrm>
           <a:prstGeom prst="ellipse">
             <a:avLst/>
@@ -10577,7 +12848,7 @@
         <p:spPr>
           <a:xfrm>
             <a:off x="3960360" y="3240360"/>
-            <a:ext cx="2012760" cy="572760"/>
+            <a:ext cx="2012040" cy="572040"/>
           </a:xfrm>
           <a:prstGeom prst="ellipse">
             <a:avLst/>
@@ -10716,7 +12987,7 @@
         <p:spPr>
           <a:xfrm>
             <a:off x="3060000" y="2268000"/>
-            <a:ext cx="1436760" cy="788760"/>
+            <a:ext cx="1436040" cy="788040"/>
           </a:xfrm>
           <a:prstGeom prst="rect">
             <a:avLst/>
@@ -10771,7 +13042,7 @@
         <p:spPr>
           <a:xfrm>
             <a:off x="5832000" y="1980000"/>
-            <a:ext cx="1436760" cy="1364760"/>
+            <a:ext cx="1436040" cy="1364040"/>
           </a:xfrm>
           <a:custGeom>
             <a:avLst/>
@@ -10923,7 +13194,7 @@
         <p:spPr>
           <a:xfrm>
             <a:off x="2376000" y="1044000"/>
-            <a:ext cx="1148760" cy="680760"/>
+            <a:ext cx="1148040" cy="680040"/>
           </a:xfrm>
           <a:prstGeom prst="ellipse">
             <a:avLst/>
@@ -10978,7 +13249,7 @@
         <p:spPr>
           <a:xfrm>
             <a:off x="3780360" y="1044360"/>
-            <a:ext cx="1148760" cy="680760"/>
+            <a:ext cx="1148040" cy="680040"/>
           </a:xfrm>
           <a:prstGeom prst="ellipse">
             <a:avLst/>
@@ -11033,7 +13304,7 @@
         <p:spPr>
           <a:xfrm>
             <a:off x="2376360" y="1044360"/>
-            <a:ext cx="1148760" cy="680760"/>
+            <a:ext cx="1148040" cy="680040"/>
           </a:xfrm>
           <a:prstGeom prst="ellipse">
             <a:avLst/>
@@ -11088,7 +13359,7 @@
         <p:spPr>
           <a:xfrm>
             <a:off x="1512720" y="2160720"/>
-            <a:ext cx="1148760" cy="680760"/>
+            <a:ext cx="1148040" cy="680040"/>
           </a:xfrm>
           <a:prstGeom prst="ellipse">
             <a:avLst/>
@@ -11224,7 +13495,7 @@
         <p:spPr>
           <a:xfrm>
             <a:off x="4500000" y="2376000"/>
-            <a:ext cx="1400760" cy="599040"/>
+            <a:ext cx="1400040" cy="598320"/>
           </a:xfrm>
           <a:prstGeom prst="rect">
             <a:avLst/>
@@ -11275,7 +13546,7 @@
         <p:spPr>
           <a:xfrm>
             <a:off x="4320000" y="3204360"/>
-            <a:ext cx="1400760" cy="599040"/>
+            <a:ext cx="1400040" cy="598320"/>
           </a:xfrm>
           <a:prstGeom prst="rect">
             <a:avLst/>
@@ -11356,7 +13627,7 @@
         <p:spPr>
           <a:xfrm>
             <a:off x="504000" y="576000"/>
-            <a:ext cx="429120" cy="1653120"/>
+            <a:ext cx="428400" cy="1652400"/>
           </a:xfrm>
           <a:prstGeom prst="ellipse">
             <a:avLst/>
@@ -11386,7 +13657,7 @@
         <p:spPr>
           <a:xfrm>
             <a:off x="1440360" y="576360"/>
-            <a:ext cx="429120" cy="1653120"/>
+            <a:ext cx="428400" cy="1652400"/>
           </a:xfrm>
           <a:prstGeom prst="ellipse">
             <a:avLst/>
@@ -11416,7 +13687,7 @@
         <p:spPr>
           <a:xfrm>
             <a:off x="3204720" y="612720"/>
-            <a:ext cx="429120" cy="1653120"/>
+            <a:ext cx="428400" cy="1652400"/>
           </a:xfrm>
           <a:prstGeom prst="ellipse">
             <a:avLst/>
@@ -11446,7 +13717,7 @@
         <p:spPr>
           <a:xfrm>
             <a:off x="4068720" y="576720"/>
-            <a:ext cx="429120" cy="1653120"/>
+            <a:ext cx="428400" cy="1652400"/>
           </a:xfrm>
           <a:prstGeom prst="ellipse">
             <a:avLst/>
@@ -11476,7 +13747,7 @@
         <p:spPr>
           <a:xfrm>
             <a:off x="504720" y="3204720"/>
-            <a:ext cx="429120" cy="1653120"/>
+            <a:ext cx="428400" cy="1652400"/>
           </a:xfrm>
           <a:prstGeom prst="ellipse">
             <a:avLst/>
@@ -11506,7 +13777,7 @@
         <p:spPr>
           <a:xfrm>
             <a:off x="1440720" y="3168720"/>
-            <a:ext cx="429120" cy="1653120"/>
+            <a:ext cx="428400" cy="1652400"/>
           </a:xfrm>
           <a:prstGeom prst="ellipse">
             <a:avLst/>
@@ -11536,7 +13807,7 @@
         <p:spPr>
           <a:xfrm>
             <a:off x="3240720" y="3168720"/>
-            <a:ext cx="429120" cy="1653120"/>
+            <a:ext cx="428400" cy="1652400"/>
           </a:xfrm>
           <a:prstGeom prst="ellipse">
             <a:avLst/>
@@ -11566,7 +13837,7 @@
         <p:spPr>
           <a:xfrm>
             <a:off x="4068720" y="3168720"/>
-            <a:ext cx="429120" cy="1653120"/>
+            <a:ext cx="428400" cy="1652400"/>
           </a:xfrm>
           <a:prstGeom prst="ellipse">
             <a:avLst/>
@@ -11596,7 +13867,7 @@
         <p:spPr>
           <a:xfrm>
             <a:off x="540000" y="936000"/>
-            <a:ext cx="501120" cy="343440"/>
+            <a:ext cx="500400" cy="342720"/>
           </a:xfrm>
           <a:prstGeom prst="rect">
             <a:avLst/>
@@ -11647,7 +13918,7 @@
         <p:spPr>
           <a:xfrm>
             <a:off x="540000" y="1512000"/>
-            <a:ext cx="501120" cy="343440"/>
+            <a:ext cx="500400" cy="342720"/>
           </a:xfrm>
           <a:prstGeom prst="rect">
             <a:avLst/>
@@ -11698,7 +13969,7 @@
         <p:spPr>
           <a:xfrm>
             <a:off x="1512000" y="1512000"/>
-            <a:ext cx="501120" cy="343440"/>
+            <a:ext cx="500400" cy="342720"/>
           </a:xfrm>
           <a:prstGeom prst="rect">
             <a:avLst/>
@@ -11749,7 +14020,7 @@
         <p:spPr>
           <a:xfrm>
             <a:off x="1512000" y="900000"/>
-            <a:ext cx="501120" cy="343440"/>
+            <a:ext cx="500400" cy="342720"/>
           </a:xfrm>
           <a:prstGeom prst="rect">
             <a:avLst/>
@@ -11800,7 +14071,7 @@
         <p:spPr>
           <a:xfrm>
             <a:off x="540000" y="1260000"/>
-            <a:ext cx="501120" cy="343440"/>
+            <a:ext cx="500400" cy="342720"/>
           </a:xfrm>
           <a:prstGeom prst="rect">
             <a:avLst/>
@@ -11851,7 +14122,7 @@
         <p:spPr>
           <a:xfrm>
             <a:off x="1512000" y="1224000"/>
-            <a:ext cx="501120" cy="343440"/>
+            <a:ext cx="500400" cy="342720"/>
           </a:xfrm>
           <a:prstGeom prst="rect">
             <a:avLst/>
@@ -11902,7 +14173,7 @@
         <p:spPr>
           <a:xfrm>
             <a:off x="3240000" y="900000"/>
-            <a:ext cx="501120" cy="343440"/>
+            <a:ext cx="500400" cy="342720"/>
           </a:xfrm>
           <a:prstGeom prst="rect">
             <a:avLst/>
@@ -11953,7 +14224,7 @@
         <p:spPr>
           <a:xfrm>
             <a:off x="4104000" y="900000"/>
-            <a:ext cx="501120" cy="343440"/>
+            <a:ext cx="500400" cy="342720"/>
           </a:xfrm>
           <a:prstGeom prst="rect">
             <a:avLst/>
@@ -12004,7 +14275,7 @@
         <p:spPr>
           <a:xfrm>
             <a:off x="4104000" y="1224000"/>
-            <a:ext cx="501120" cy="343440"/>
+            <a:ext cx="500400" cy="342720"/>
           </a:xfrm>
           <a:prstGeom prst="rect">
             <a:avLst/>
@@ -12055,7 +14326,7 @@
         <p:spPr>
           <a:xfrm>
             <a:off x="4104000" y="1620000"/>
-            <a:ext cx="501120" cy="343440"/>
+            <a:ext cx="500400" cy="342720"/>
           </a:xfrm>
           <a:prstGeom prst="rect">
             <a:avLst/>
@@ -12106,7 +14377,7 @@
         <p:spPr>
           <a:xfrm>
             <a:off x="576000" y="3492000"/>
-            <a:ext cx="501120" cy="343440"/>
+            <a:ext cx="500400" cy="342720"/>
           </a:xfrm>
           <a:prstGeom prst="rect">
             <a:avLst/>
@@ -12157,7 +14428,7 @@
         <p:spPr>
           <a:xfrm>
             <a:off x="576000" y="3852000"/>
-            <a:ext cx="501120" cy="343440"/>
+            <a:ext cx="500400" cy="342720"/>
           </a:xfrm>
           <a:prstGeom prst="rect">
             <a:avLst/>
@@ -12208,7 +14479,7 @@
         <p:spPr>
           <a:xfrm>
             <a:off x="576000" y="4176000"/>
-            <a:ext cx="501120" cy="343440"/>
+            <a:ext cx="500400" cy="342720"/>
           </a:xfrm>
           <a:prstGeom prst="rect">
             <a:avLst/>
@@ -12259,7 +14530,7 @@
         <p:spPr>
           <a:xfrm>
             <a:off x="1476000" y="3492000"/>
-            <a:ext cx="501120" cy="343440"/>
+            <a:ext cx="500400" cy="342720"/>
           </a:xfrm>
           <a:prstGeom prst="rect">
             <a:avLst/>
@@ -12310,7 +14581,7 @@
         <p:spPr>
           <a:xfrm>
             <a:off x="3240000" y="3492000"/>
-            <a:ext cx="501120" cy="343440"/>
+            <a:ext cx="500400" cy="342720"/>
           </a:xfrm>
           <a:prstGeom prst="rect">
             <a:avLst/>
@@ -12361,7 +14632,7 @@
         <p:spPr>
           <a:xfrm>
             <a:off x="3276000" y="3960000"/>
-            <a:ext cx="501120" cy="343440"/>
+            <a:ext cx="500400" cy="342720"/>
           </a:xfrm>
           <a:prstGeom prst="rect">
             <a:avLst/>
@@ -12412,7 +14683,7 @@
         <p:spPr>
           <a:xfrm>
             <a:off x="4140000" y="3492000"/>
-            <a:ext cx="501120" cy="343440"/>
+            <a:ext cx="500400" cy="342720"/>
           </a:xfrm>
           <a:prstGeom prst="rect">
             <a:avLst/>
@@ -12463,7 +14734,7 @@
         <p:spPr>
           <a:xfrm>
             <a:off x="4140000" y="3924000"/>
-            <a:ext cx="501120" cy="343440"/>
+            <a:ext cx="500400" cy="342720"/>
           </a:xfrm>
           <a:prstGeom prst="rect">
             <a:avLst/>
@@ -12811,7 +15082,7 @@
         <p:spPr>
           <a:xfrm>
             <a:off x="540000" y="2412000"/>
-            <a:ext cx="1293120" cy="343440"/>
+            <a:ext cx="1292400" cy="342720"/>
           </a:xfrm>
           <a:prstGeom prst="rect">
             <a:avLst/>
@@ -12862,7 +15133,7 @@
         <p:spPr>
           <a:xfrm>
             <a:off x="3168000" y="2412000"/>
-            <a:ext cx="1437120" cy="393120"/>
+            <a:ext cx="1436400" cy="392400"/>
           </a:xfrm>
           <a:prstGeom prst="rect">
             <a:avLst/>
@@ -12913,7 +15184,7 @@
         <p:spPr>
           <a:xfrm>
             <a:off x="3168000" y="4968000"/>
-            <a:ext cx="1581120" cy="357120"/>
+            <a:ext cx="1580400" cy="356400"/>
           </a:xfrm>
           <a:prstGeom prst="rect">
             <a:avLst/>
@@ -12964,7 +15235,7 @@
         <p:spPr>
           <a:xfrm>
             <a:off x="504000" y="4968000"/>
-            <a:ext cx="1437120" cy="357120"/>
+            <a:ext cx="1436400" cy="356400"/>
           </a:xfrm>
           <a:prstGeom prst="rect">
             <a:avLst/>
@@ -13045,7 +15316,7 @@
         <p:spPr>
           <a:xfrm>
             <a:off x="1872000" y="1008000"/>
-            <a:ext cx="2085480" cy="789480"/>
+            <a:ext cx="2084760" cy="788760"/>
           </a:xfrm>
           <a:prstGeom prst="rect">
             <a:avLst/>
@@ -13075,7 +15346,7 @@
         <p:spPr>
           <a:xfrm>
             <a:off x="5328000" y="756000"/>
-            <a:ext cx="1653480" cy="1221480"/>
+            <a:ext cx="1652760" cy="1220760"/>
           </a:xfrm>
           <a:custGeom>
             <a:avLst/>
@@ -13128,7 +15399,7 @@
         <p:spPr>
           <a:xfrm>
             <a:off x="1872360" y="3672360"/>
-            <a:ext cx="2085480" cy="789480"/>
+            <a:ext cx="2084760" cy="788760"/>
           </a:xfrm>
           <a:prstGeom prst="rect">
             <a:avLst/>
@@ -13158,7 +15429,7 @@
         <p:spPr>
           <a:xfrm>
             <a:off x="5328360" y="3420360"/>
-            <a:ext cx="1653480" cy="1221480"/>
+            <a:ext cx="1652760" cy="1220760"/>
           </a:xfrm>
           <a:custGeom>
             <a:avLst/>
@@ -13266,7 +15537,7 @@
         <p:spPr>
           <a:xfrm>
             <a:off x="1188000" y="2304000"/>
-            <a:ext cx="6909480" cy="343800"/>
+            <a:ext cx="6908760" cy="343080"/>
           </a:xfrm>
           <a:prstGeom prst="rect">
             <a:avLst/>
@@ -13317,7 +15588,7 @@
         <p:spPr>
           <a:xfrm>
             <a:off x="1080000" y="4788000"/>
-            <a:ext cx="7161480" cy="599760"/>
+            <a:ext cx="7160760" cy="599040"/>
           </a:xfrm>
           <a:prstGeom prst="rect">
             <a:avLst/>
@@ -13398,7 +15669,7 @@
         <p:spPr>
           <a:xfrm>
             <a:off x="1908000" y="2232000"/>
-            <a:ext cx="1436760" cy="788760"/>
+            <a:ext cx="1436040" cy="788040"/>
           </a:xfrm>
           <a:prstGeom prst="rect">
             <a:avLst/>
@@ -13453,7 +15724,7 @@
         <p:spPr>
           <a:xfrm>
             <a:off x="6084000" y="2232000"/>
-            <a:ext cx="1436760" cy="788760"/>
+            <a:ext cx="1436040" cy="788040"/>
           </a:xfrm>
           <a:prstGeom prst="rect">
             <a:avLst/>
@@ -13508,7 +15779,7 @@
         <p:spPr>
           <a:xfrm>
             <a:off x="4032000" y="1944000"/>
-            <a:ext cx="1436760" cy="1364760"/>
+            <a:ext cx="1436040" cy="1364040"/>
           </a:xfrm>
           <a:custGeom>
             <a:avLst/>
@@ -13715,7 +15986,7 @@
         <p:spPr>
           <a:xfrm>
             <a:off x="2592000" y="3636000"/>
-            <a:ext cx="7125480" cy="599760"/>
+            <a:ext cx="7124760" cy="599040"/>
           </a:xfrm>
           <a:prstGeom prst="rect">
             <a:avLst/>
@@ -13816,7 +16087,7 @@
         <p:spPr>
           <a:xfrm>
             <a:off x="5934960" y="2130480"/>
-            <a:ext cx="1695240" cy="1006200"/>
+            <a:ext cx="1694520" cy="1005480"/>
           </a:xfrm>
           <a:prstGeom prst="rect">
             <a:avLst/>
@@ -13846,7 +16117,7 @@
         <p:spPr>
           <a:xfrm>
             <a:off x="1908000" y="2232000"/>
-            <a:ext cx="1436760" cy="788760"/>
+            <a:ext cx="1436040" cy="788040"/>
           </a:xfrm>
           <a:prstGeom prst="rect">
             <a:avLst/>
@@ -13901,7 +16172,7 @@
         <p:spPr>
           <a:xfrm>
             <a:off x="6084000" y="2232000"/>
-            <a:ext cx="1436760" cy="788760"/>
+            <a:ext cx="1436040" cy="788040"/>
           </a:xfrm>
           <a:prstGeom prst="rect">
             <a:avLst/>
@@ -13956,7 +16227,7 @@
         <p:spPr>
           <a:xfrm>
             <a:off x="4032000" y="1944000"/>
-            <a:ext cx="1436760" cy="1364760"/>
+            <a:ext cx="1436040" cy="1364040"/>
           </a:xfrm>
           <a:custGeom>
             <a:avLst/>
@@ -14115,7 +16386,7 @@
         <p:spPr>
           <a:xfrm>
             <a:off x="1764000" y="3564000"/>
-            <a:ext cx="7125480" cy="599760"/>
+            <a:ext cx="7124760" cy="599040"/>
           </a:xfrm>
           <a:prstGeom prst="rect">
             <a:avLst/>
@@ -14223,7 +16494,7 @@
         <p:spPr>
           <a:xfrm>
             <a:off x="1945800" y="3636000"/>
-            <a:ext cx="1436760" cy="788760"/>
+            <a:ext cx="1436040" cy="788040"/>
           </a:xfrm>
           <a:prstGeom prst="rect">
             <a:avLst/>
@@ -14298,7 +16569,7 @@
         <p:spPr>
           <a:xfrm>
             <a:off x="6300000" y="3673800"/>
-            <a:ext cx="1436760" cy="788760"/>
+            <a:ext cx="1436040" cy="788040"/>
           </a:xfrm>
           <a:prstGeom prst="rect">
             <a:avLst/>
@@ -14427,7 +16698,7 @@
         <p:spPr>
           <a:xfrm>
             <a:off x="1764000" y="4860000"/>
-            <a:ext cx="7125480" cy="599760"/>
+            <a:ext cx="7124760" cy="599040"/>
           </a:xfrm>
           <a:prstGeom prst="rect">
             <a:avLst/>
@@ -14453,7 +16724,7 @@
         <p:spPr>
           <a:xfrm>
             <a:off x="4140000" y="1080000"/>
-            <a:ext cx="1436760" cy="788760"/>
+            <a:ext cx="1436040" cy="788040"/>
           </a:xfrm>
           <a:prstGeom prst="rect">
             <a:avLst/>
@@ -14508,7 +16779,7 @@
         <p:spPr>
           <a:xfrm>
             <a:off x="4392000" y="2267640"/>
-            <a:ext cx="934560" cy="1006560"/>
+            <a:ext cx="933840" cy="1005840"/>
           </a:xfrm>
           <a:custGeom>
             <a:avLst/>
@@ -14557,7 +16828,7 @@
         <p:spPr>
           <a:xfrm>
             <a:off x="4572000" y="2304000"/>
-            <a:ext cx="646560" cy="344880"/>
+            <a:ext cx="645840" cy="344160"/>
           </a:xfrm>
           <a:prstGeom prst="rect">
             <a:avLst/>
@@ -14689,7 +16960,7 @@
         <p:spPr>
           <a:xfrm>
             <a:off x="2592000" y="432000"/>
-            <a:ext cx="1150560" cy="502560"/>
+            <a:ext cx="1149840" cy="501840"/>
           </a:xfrm>
           <a:prstGeom prst="ellipse">
             <a:avLst/>
@@ -14744,7 +17015,7 @@
         <p:spPr>
           <a:xfrm>
             <a:off x="4104360" y="360360"/>
-            <a:ext cx="1150560" cy="502560"/>
+            <a:ext cx="1149840" cy="501840"/>
           </a:xfrm>
           <a:prstGeom prst="ellipse">
             <a:avLst/>
@@ -14799,7 +17070,7 @@
         <p:spPr>
           <a:xfrm>
             <a:off x="5652720" y="432720"/>
-            <a:ext cx="1150560" cy="502560"/>
+            <a:ext cx="1149840" cy="501840"/>
           </a:xfrm>
           <a:prstGeom prst="ellipse">
             <a:avLst/>
@@ -14854,7 +17125,7 @@
         <p:spPr>
           <a:xfrm>
             <a:off x="3813480" y="4321080"/>
-            <a:ext cx="1150560" cy="502560"/>
+            <a:ext cx="1149840" cy="501840"/>
           </a:xfrm>
           <a:prstGeom prst="ellipse">
             <a:avLst/>
@@ -14909,7 +17180,7 @@
         <p:spPr>
           <a:xfrm>
             <a:off x="2193840" y="4717440"/>
-            <a:ext cx="1150560" cy="502560"/>
+            <a:ext cx="1149840" cy="501840"/>
           </a:xfrm>
           <a:prstGeom prst="ellipse">
             <a:avLst/>
@@ -14964,7 +17235,7 @@
         <p:spPr>
           <a:xfrm>
             <a:off x="682200" y="4501800"/>
-            <a:ext cx="1150560" cy="502560"/>
+            <a:ext cx="1149840" cy="501840"/>
           </a:xfrm>
           <a:prstGeom prst="ellipse">
             <a:avLst/>
@@ -15019,7 +17290,7 @@
         <p:spPr>
           <a:xfrm>
             <a:off x="5434560" y="4574160"/>
-            <a:ext cx="1150560" cy="502560"/>
+            <a:ext cx="1149840" cy="501840"/>
           </a:xfrm>
           <a:prstGeom prst="ellipse">
             <a:avLst/>
@@ -15074,7 +17345,7 @@
         <p:spPr>
           <a:xfrm>
             <a:off x="7634160" y="4574520"/>
-            <a:ext cx="1150560" cy="502560"/>
+            <a:ext cx="1149840" cy="501840"/>
           </a:xfrm>
           <a:prstGeom prst="ellipse">
             <a:avLst/>
@@ -15129,7 +17400,7 @@
         <p:spPr>
           <a:xfrm>
             <a:off x="686520" y="3098880"/>
-            <a:ext cx="1150560" cy="502560"/>
+            <a:ext cx="1149840" cy="501840"/>
           </a:xfrm>
           <a:prstGeom prst="ellipse">
             <a:avLst/>
@@ -15457,7 +17728,7 @@
         <p:spPr>
           <a:xfrm>
             <a:off x="432000" y="72000"/>
-            <a:ext cx="9070560" cy="2518560"/>
+            <a:ext cx="9069840" cy="2517840"/>
           </a:xfrm>
           <a:prstGeom prst="rect">
             <a:avLst/>
@@ -15487,7 +17758,7 @@
         <p:spPr>
           <a:xfrm>
             <a:off x="2016000" y="1188000"/>
-            <a:ext cx="1436760" cy="788760"/>
+            <a:ext cx="1436040" cy="788040"/>
           </a:xfrm>
           <a:prstGeom prst="rect">
             <a:avLst/>
@@ -15542,7 +17813,7 @@
         <p:spPr>
           <a:xfrm>
             <a:off x="6192000" y="1188000"/>
-            <a:ext cx="1436760" cy="788760"/>
+            <a:ext cx="1436040" cy="788040"/>
           </a:xfrm>
           <a:prstGeom prst="rect">
             <a:avLst/>
@@ -15597,7 +17868,7 @@
         <p:spPr>
           <a:xfrm>
             <a:off x="4140000" y="900000"/>
-            <a:ext cx="1436760" cy="1364760"/>
+            <a:ext cx="1436040" cy="1364040"/>
           </a:xfrm>
           <a:custGeom>
             <a:avLst/>
@@ -15756,7 +18027,7 @@
         <p:spPr>
           <a:xfrm>
             <a:off x="-36000" y="3384000"/>
-            <a:ext cx="2626560" cy="599760"/>
+            <a:ext cx="2625840" cy="599040"/>
           </a:xfrm>
           <a:prstGeom prst="rect">
             <a:avLst/>
@@ -15834,7 +18105,7 @@
         <p:spPr>
           <a:xfrm>
             <a:off x="5868360" y="180360"/>
-            <a:ext cx="1150560" cy="502560"/>
+            <a:ext cx="1149840" cy="501840"/>
           </a:xfrm>
           <a:prstGeom prst="ellipse">
             <a:avLst/>
@@ -15889,7 +18160,7 @@
         <p:spPr>
           <a:xfrm>
             <a:off x="7344720" y="216720"/>
-            <a:ext cx="1150560" cy="502560"/>
+            <a:ext cx="1149840" cy="501840"/>
           </a:xfrm>
           <a:prstGeom prst="ellipse">
             <a:avLst/>
@@ -15944,7 +18215,7 @@
         <p:spPr>
           <a:xfrm>
             <a:off x="7921080" y="937080"/>
-            <a:ext cx="1150560" cy="502560"/>
+            <a:ext cx="1149840" cy="501840"/>
           </a:xfrm>
           <a:prstGeom prst="ellipse">
             <a:avLst/>
@@ -15999,7 +18270,7 @@
         <p:spPr>
           <a:xfrm>
             <a:off x="7921440" y="1693440"/>
-            <a:ext cx="1150560" cy="502560"/>
+            <a:ext cx="1149840" cy="501840"/>
           </a:xfrm>
           <a:prstGeom prst="ellipse">
             <a:avLst/>
@@ -16054,7 +18325,7 @@
         <p:spPr>
           <a:xfrm>
             <a:off x="7921440" y="937440"/>
-            <a:ext cx="1150560" cy="502560"/>
+            <a:ext cx="1149840" cy="501840"/>
           </a:xfrm>
           <a:prstGeom prst="ellipse">
             <a:avLst/>
@@ -16109,7 +18380,7 @@
         <p:spPr>
           <a:xfrm>
             <a:off x="2089440" y="433440"/>
-            <a:ext cx="1150560" cy="502560"/>
+            <a:ext cx="1149840" cy="501840"/>
           </a:xfrm>
           <a:prstGeom prst="ellipse">
             <a:avLst/>
@@ -16164,7 +18435,7 @@
         <p:spPr>
           <a:xfrm>
             <a:off x="649800" y="541800"/>
-            <a:ext cx="1150560" cy="502560"/>
+            <a:ext cx="1149840" cy="501840"/>
           </a:xfrm>
           <a:prstGeom prst="ellipse">
             <a:avLst/>
@@ -16219,7 +18490,7 @@
         <p:spPr>
           <a:xfrm>
             <a:off x="4320000" y="3168000"/>
-            <a:ext cx="1040760" cy="790560"/>
+            <a:ext cx="1040040" cy="789840"/>
           </a:xfrm>
           <a:custGeom>
             <a:avLst/>
@@ -16297,7 +18568,7 @@
         <p:spPr>
           <a:xfrm>
             <a:off x="4176000" y="4428000"/>
-            <a:ext cx="1436760" cy="788760"/>
+            <a:ext cx="1436040" cy="788040"/>
           </a:xfrm>
           <a:prstGeom prst="rect">
             <a:avLst/>
@@ -16433,7 +18704,7 @@
         <p:spPr>
           <a:xfrm>
             <a:off x="5870160" y="3782160"/>
-            <a:ext cx="1150560" cy="502560"/>
+            <a:ext cx="1149840" cy="501840"/>
           </a:xfrm>
           <a:prstGeom prst="ellipse">
             <a:avLst/>
@@ -16488,7 +18759,7 @@
         <p:spPr>
           <a:xfrm>
             <a:off x="7380000" y="3115440"/>
-            <a:ext cx="2626560" cy="599760"/>
+            <a:ext cx="2625840" cy="599040"/>
           </a:xfrm>
           <a:prstGeom prst="rect">
             <a:avLst/>

--- a/GATE/images/gate_images.pptx
+++ b/GATE/images/gate_images.pptx
@@ -1665,7 +1665,7 @@
         <p:spPr>
           <a:xfrm>
             <a:off x="1836000" y="1332000"/>
-            <a:ext cx="2371680" cy="787680"/>
+            <a:ext cx="2371320" cy="787320"/>
           </a:xfrm>
           <a:prstGeom prst="rect">
             <a:avLst/>
@@ -1720,7 +1720,7 @@
         <p:spPr>
           <a:xfrm>
             <a:off x="1836000" y="2880000"/>
-            <a:ext cx="2371680" cy="787680"/>
+            <a:ext cx="2371320" cy="787320"/>
           </a:xfrm>
           <a:prstGeom prst="rect">
             <a:avLst/>
@@ -1785,7 +1785,7 @@
         <p:spPr>
           <a:xfrm>
             <a:off x="1836000" y="4176000"/>
-            <a:ext cx="2371680" cy="787680"/>
+            <a:ext cx="2371320" cy="787320"/>
           </a:xfrm>
           <a:prstGeom prst="rect">
             <a:avLst/>
@@ -1860,7 +1860,7 @@
         <p:spPr>
           <a:xfrm>
             <a:off x="5292000" y="900000"/>
-            <a:ext cx="2371680" cy="1507680"/>
+            <a:ext cx="2371320" cy="1507320"/>
           </a:xfrm>
           <a:prstGeom prst="rect">
             <a:avLst/>
@@ -1995,7 +1995,7 @@
         <p:spPr>
           <a:xfrm>
             <a:off x="5292000" y="2571480"/>
-            <a:ext cx="2371680" cy="1276200"/>
+            <a:ext cx="2371320" cy="1275840"/>
           </a:xfrm>
           <a:prstGeom prst="rect">
             <a:avLst/>
@@ -2110,7 +2110,7 @@
         <p:spPr>
           <a:xfrm>
             <a:off x="5292000" y="4047480"/>
-            <a:ext cx="2371680" cy="1024200"/>
+            <a:ext cx="2371320" cy="1023840"/>
           </a:xfrm>
           <a:prstGeom prst="rect">
             <a:avLst/>
@@ -2289,7 +2289,7 @@
         <p:spPr>
           <a:xfrm>
             <a:off x="2988000" y="360000"/>
-            <a:ext cx="4387680" cy="342000"/>
+            <a:ext cx="4387320" cy="341640"/>
           </a:xfrm>
           <a:prstGeom prst="rect">
             <a:avLst/>
@@ -2370,7 +2370,7 @@
         <p:spPr>
           <a:xfrm>
             <a:off x="1440000" y="720000"/>
-            <a:ext cx="6765840" cy="1797840"/>
+            <a:ext cx="6765480" cy="1797480"/>
           </a:xfrm>
           <a:prstGeom prst="rect">
             <a:avLst/>
@@ -2400,7 +2400,7 @@
         <p:spPr>
           <a:xfrm>
             <a:off x="2016000" y="1188000"/>
-            <a:ext cx="1436040" cy="788040"/>
+            <a:ext cx="1435680" cy="787680"/>
           </a:xfrm>
           <a:prstGeom prst="rect">
             <a:avLst/>
@@ -2455,7 +2455,7 @@
         <p:spPr>
           <a:xfrm>
             <a:off x="6192000" y="1188000"/>
-            <a:ext cx="1436040" cy="788040"/>
+            <a:ext cx="1435680" cy="787680"/>
           </a:xfrm>
           <a:prstGeom prst="rect">
             <a:avLst/>
@@ -2510,7 +2510,7 @@
         <p:spPr>
           <a:xfrm>
             <a:off x="4140000" y="900000"/>
-            <a:ext cx="1436040" cy="1364040"/>
+            <a:ext cx="1435680" cy="1363680"/>
           </a:xfrm>
           <a:custGeom>
             <a:avLst/>
@@ -2696,7 +2696,7 @@
         <p:spPr>
           <a:xfrm>
             <a:off x="4320000" y="3168000"/>
-            <a:ext cx="1040040" cy="789840"/>
+            <a:ext cx="1039680" cy="789480"/>
           </a:xfrm>
           <a:custGeom>
             <a:avLst/>
@@ -2774,7 +2774,7 @@
         <p:spPr>
           <a:xfrm>
             <a:off x="4176000" y="4428000"/>
-            <a:ext cx="1436040" cy="788040"/>
+            <a:ext cx="1435680" cy="787680"/>
           </a:xfrm>
           <a:prstGeom prst="rect">
             <a:avLst/>
@@ -2856,7 +2856,7 @@
         <p:spPr>
           <a:xfrm>
             <a:off x="5870160" y="3314160"/>
-            <a:ext cx="1149840" cy="501840"/>
+            <a:ext cx="1149480" cy="501480"/>
           </a:xfrm>
           <a:prstGeom prst="ellipse">
             <a:avLst/>
@@ -2995,7 +2995,7 @@
         <p:spPr>
           <a:xfrm>
             <a:off x="1944000" y="900000"/>
-            <a:ext cx="1436040" cy="788040"/>
+            <a:ext cx="1435680" cy="787680"/>
           </a:xfrm>
           <a:prstGeom prst="rect">
             <a:avLst/>
@@ -3050,7 +3050,7 @@
         <p:spPr>
           <a:xfrm>
             <a:off x="6120000" y="900000"/>
-            <a:ext cx="1436040" cy="788040"/>
+            <a:ext cx="1435680" cy="787680"/>
           </a:xfrm>
           <a:prstGeom prst="rect">
             <a:avLst/>
@@ -3105,7 +3105,7 @@
         <p:spPr>
           <a:xfrm>
             <a:off x="4068000" y="612000"/>
-            <a:ext cx="1436040" cy="1364040"/>
+            <a:ext cx="1435680" cy="1363680"/>
           </a:xfrm>
           <a:custGeom>
             <a:avLst/>
@@ -3284,7 +3284,7 @@
         <p:spPr>
           <a:xfrm>
             <a:off x="2592000" y="5904000"/>
-            <a:ext cx="7124760" cy="599040"/>
+            <a:ext cx="7124400" cy="598680"/>
           </a:xfrm>
           <a:prstGeom prst="rect">
             <a:avLst/>
@@ -3355,7 +3355,7 @@
         <p:spPr>
           <a:xfrm>
             <a:off x="360000" y="216360"/>
-            <a:ext cx="1149840" cy="501840"/>
+            <a:ext cx="1149480" cy="501480"/>
           </a:xfrm>
           <a:prstGeom prst="ellipse">
             <a:avLst/>
@@ -3410,7 +3410,7 @@
         <p:spPr>
           <a:xfrm>
             <a:off x="1727640" y="216360"/>
-            <a:ext cx="1149840" cy="501840"/>
+            <a:ext cx="1149480" cy="501480"/>
           </a:xfrm>
           <a:prstGeom prst="ellipse">
             <a:avLst/>
@@ -3465,7 +3465,7 @@
         <p:spPr>
           <a:xfrm>
             <a:off x="359280" y="1008360"/>
-            <a:ext cx="1149840" cy="501840"/>
+            <a:ext cx="1149480" cy="501480"/>
           </a:xfrm>
           <a:prstGeom prst="ellipse">
             <a:avLst/>
@@ -3520,7 +3520,7 @@
         <p:spPr>
           <a:xfrm>
             <a:off x="358920" y="1800360"/>
-            <a:ext cx="1149840" cy="501840"/>
+            <a:ext cx="1149480" cy="501480"/>
           </a:xfrm>
           <a:prstGeom prst="ellipse">
             <a:avLst/>
@@ -3575,7 +3575,7 @@
         <p:spPr>
           <a:xfrm>
             <a:off x="1906560" y="1836360"/>
-            <a:ext cx="1149840" cy="501840"/>
+            <a:ext cx="1149480" cy="501480"/>
           </a:xfrm>
           <a:prstGeom prst="ellipse">
             <a:avLst/>
@@ -3630,7 +3630,7 @@
         <p:spPr>
           <a:xfrm>
             <a:off x="4211280" y="360"/>
-            <a:ext cx="1149840" cy="501840"/>
+            <a:ext cx="1149480" cy="501480"/>
           </a:xfrm>
           <a:prstGeom prst="ellipse">
             <a:avLst/>
@@ -3685,7 +3685,7 @@
         <p:spPr>
           <a:xfrm>
             <a:off x="6226920" y="360"/>
-            <a:ext cx="1149840" cy="501840"/>
+            <a:ext cx="1149480" cy="501480"/>
           </a:xfrm>
           <a:prstGeom prst="ellipse">
             <a:avLst/>
@@ -3740,7 +3740,7 @@
         <p:spPr>
           <a:xfrm>
             <a:off x="4210920" y="360"/>
-            <a:ext cx="1149840" cy="501840"/>
+            <a:ext cx="1149480" cy="501480"/>
           </a:xfrm>
           <a:prstGeom prst="ellipse">
             <a:avLst/>
@@ -3795,7 +3795,7 @@
         <p:spPr>
           <a:xfrm>
             <a:off x="7738920" y="252360"/>
-            <a:ext cx="1149840" cy="501840"/>
+            <a:ext cx="1149480" cy="501480"/>
           </a:xfrm>
           <a:prstGeom prst="ellipse">
             <a:avLst/>
@@ -3850,7 +3850,7 @@
         <p:spPr>
           <a:xfrm>
             <a:off x="7810920" y="936360"/>
-            <a:ext cx="1149840" cy="501840"/>
+            <a:ext cx="1149480" cy="501480"/>
           </a:xfrm>
           <a:prstGeom prst="ellipse">
             <a:avLst/>
@@ -5386,7 +5386,7 @@
         <p:spPr>
           <a:xfrm>
             <a:off x="576000" y="4320000"/>
-            <a:ext cx="2446200" cy="344520"/>
+            <a:ext cx="2445840" cy="344160"/>
           </a:xfrm>
           <a:prstGeom prst="rect">
             <a:avLst/>
@@ -5437,7 +5437,7 @@
         <p:spPr>
           <a:xfrm>
             <a:off x="7092000" y="3672000"/>
-            <a:ext cx="2446200" cy="344520"/>
+            <a:ext cx="2445840" cy="344160"/>
           </a:xfrm>
           <a:prstGeom prst="rect">
             <a:avLst/>
@@ -5488,7 +5488,7 @@
         <p:spPr>
           <a:xfrm>
             <a:off x="3744000" y="5328000"/>
-            <a:ext cx="2446200" cy="344520"/>
+            <a:ext cx="2445840" cy="344160"/>
           </a:xfrm>
           <a:prstGeom prst="rect">
             <a:avLst/>
@@ -5569,7 +5569,7 @@
         <p:spPr>
           <a:xfrm>
             <a:off x="5934960" y="1050480"/>
-            <a:ext cx="1694520" cy="1005480"/>
+            <a:ext cx="1694160" cy="1005120"/>
           </a:xfrm>
           <a:prstGeom prst="rect">
             <a:avLst/>
@@ -5599,7 +5599,7 @@
         <p:spPr>
           <a:xfrm>
             <a:off x="1908000" y="1152000"/>
-            <a:ext cx="1436040" cy="788040"/>
+            <a:ext cx="1435680" cy="787680"/>
           </a:xfrm>
           <a:prstGeom prst="rect">
             <a:avLst/>
@@ -5654,7 +5654,7 @@
         <p:spPr>
           <a:xfrm>
             <a:off x="6084000" y="1152000"/>
-            <a:ext cx="1436040" cy="788040"/>
+            <a:ext cx="1435680" cy="787680"/>
           </a:xfrm>
           <a:prstGeom prst="rect">
             <a:avLst/>
@@ -5709,7 +5709,7 @@
         <p:spPr>
           <a:xfrm>
             <a:off x="4032000" y="864000"/>
-            <a:ext cx="1436040" cy="1364040"/>
+            <a:ext cx="1435680" cy="1363680"/>
           </a:xfrm>
           <a:custGeom>
             <a:avLst/>
@@ -5841,7 +5841,7 @@
         <p:spPr>
           <a:xfrm>
             <a:off x="1548000" y="576000"/>
-            <a:ext cx="2122200" cy="466200"/>
+            <a:ext cx="2121840" cy="465840"/>
           </a:xfrm>
           <a:prstGeom prst="rect">
             <a:avLst/>
@@ -5947,7 +5947,7 @@
         <p:spPr>
           <a:xfrm>
             <a:off x="5760000" y="576000"/>
-            <a:ext cx="2122200" cy="466200"/>
+            <a:ext cx="2121840" cy="465840"/>
           </a:xfrm>
           <a:prstGeom prst="rect">
             <a:avLst/>
@@ -5998,7 +5998,7 @@
         <p:spPr>
           <a:xfrm>
             <a:off x="216000" y="2376000"/>
-            <a:ext cx="2122200" cy="2590200"/>
+            <a:ext cx="2121840" cy="2589840"/>
           </a:xfrm>
           <a:prstGeom prst="rect">
             <a:avLst/>
@@ -6707,7 +6707,7 @@
         <p:spPr>
           <a:xfrm>
             <a:off x="1945800" y="3636000"/>
-            <a:ext cx="1436040" cy="788040"/>
+            <a:ext cx="1435680" cy="787680"/>
           </a:xfrm>
           <a:prstGeom prst="rect">
             <a:avLst/>
@@ -6782,7 +6782,7 @@
         <p:spPr>
           <a:xfrm>
             <a:off x="6300000" y="3673800"/>
-            <a:ext cx="1436040" cy="788040"/>
+            <a:ext cx="1435680" cy="787680"/>
           </a:xfrm>
           <a:prstGeom prst="rect">
             <a:avLst/>
@@ -6911,7 +6911,7 @@
         <p:spPr>
           <a:xfrm>
             <a:off x="1764000" y="4860000"/>
-            <a:ext cx="7124760" cy="599040"/>
+            <a:ext cx="7124400" cy="598680"/>
           </a:xfrm>
           <a:prstGeom prst="rect">
             <a:avLst/>
@@ -6937,7 +6937,7 @@
         <p:spPr>
           <a:xfrm>
             <a:off x="4140000" y="1080000"/>
-            <a:ext cx="1436040" cy="788040"/>
+            <a:ext cx="1435680" cy="787680"/>
           </a:xfrm>
           <a:prstGeom prst="rect">
             <a:avLst/>
@@ -6992,7 +6992,7 @@
         <p:spPr>
           <a:xfrm>
             <a:off x="4392000" y="2267640"/>
-            <a:ext cx="933840" cy="1005840"/>
+            <a:ext cx="933480" cy="1005480"/>
           </a:xfrm>
           <a:custGeom>
             <a:avLst/>
@@ -7041,7 +7041,7 @@
         <p:spPr>
           <a:xfrm>
             <a:off x="4572000" y="2304000"/>
-            <a:ext cx="645840" cy="344160"/>
+            <a:ext cx="645480" cy="343800"/>
           </a:xfrm>
           <a:prstGeom prst="rect">
             <a:avLst/>
@@ -7173,7 +7173,7 @@
         <p:spPr>
           <a:xfrm>
             <a:off x="2592000" y="432000"/>
-            <a:ext cx="1149840" cy="501840"/>
+            <a:ext cx="1149480" cy="501480"/>
           </a:xfrm>
           <a:prstGeom prst="ellipse">
             <a:avLst/>
@@ -7228,7 +7228,7 @@
         <p:spPr>
           <a:xfrm>
             <a:off x="4104360" y="360360"/>
-            <a:ext cx="1149840" cy="501840"/>
+            <a:ext cx="1149480" cy="501480"/>
           </a:xfrm>
           <a:prstGeom prst="ellipse">
             <a:avLst/>
@@ -7283,7 +7283,7 @@
         <p:spPr>
           <a:xfrm>
             <a:off x="5652720" y="432720"/>
-            <a:ext cx="1149840" cy="501840"/>
+            <a:ext cx="1149480" cy="501480"/>
           </a:xfrm>
           <a:prstGeom prst="ellipse">
             <a:avLst/>
@@ -7338,7 +7338,7 @@
         <p:spPr>
           <a:xfrm>
             <a:off x="3813480" y="4321080"/>
-            <a:ext cx="1149840" cy="501840"/>
+            <a:ext cx="1149480" cy="501480"/>
           </a:xfrm>
           <a:prstGeom prst="ellipse">
             <a:avLst/>
@@ -7393,7 +7393,7 @@
         <p:spPr>
           <a:xfrm>
             <a:off x="2193840" y="4717440"/>
-            <a:ext cx="1149840" cy="501840"/>
+            <a:ext cx="1149480" cy="501480"/>
           </a:xfrm>
           <a:prstGeom prst="ellipse">
             <a:avLst/>
@@ -7448,7 +7448,7 @@
         <p:spPr>
           <a:xfrm>
             <a:off x="682200" y="4501800"/>
-            <a:ext cx="1149840" cy="501840"/>
+            <a:ext cx="1149480" cy="501480"/>
           </a:xfrm>
           <a:prstGeom prst="ellipse">
             <a:avLst/>
@@ -7503,7 +7503,7 @@
         <p:spPr>
           <a:xfrm>
             <a:off x="5434560" y="4574160"/>
-            <a:ext cx="1149840" cy="501840"/>
+            <a:ext cx="1149480" cy="501480"/>
           </a:xfrm>
           <a:prstGeom prst="ellipse">
             <a:avLst/>
@@ -7558,7 +7558,7 @@
         <p:spPr>
           <a:xfrm>
             <a:off x="7634160" y="4574520"/>
-            <a:ext cx="1149840" cy="501840"/>
+            <a:ext cx="1149480" cy="501480"/>
           </a:xfrm>
           <a:prstGeom prst="ellipse">
             <a:avLst/>
@@ -7613,7 +7613,7 @@
         <p:spPr>
           <a:xfrm>
             <a:off x="686520" y="3098880"/>
-            <a:ext cx="1149840" cy="501840"/>
+            <a:ext cx="1149480" cy="501480"/>
           </a:xfrm>
           <a:prstGeom prst="ellipse">
             <a:avLst/>
@@ -7911,7 +7911,7 @@
         <p:spPr>
           <a:xfrm>
             <a:off x="216000" y="288000"/>
-            <a:ext cx="2374200" cy="2302200"/>
+            <a:ext cx="2373840" cy="2301840"/>
           </a:xfrm>
           <a:prstGeom prst="rect">
             <a:avLst/>
@@ -8032,7 +8032,7 @@
         <p:spPr>
           <a:xfrm>
             <a:off x="1908000" y="936000"/>
-            <a:ext cx="1436040" cy="788040"/>
+            <a:ext cx="1435680" cy="787680"/>
           </a:xfrm>
           <a:prstGeom prst="rect">
             <a:avLst/>
@@ -8087,7 +8087,7 @@
         <p:spPr>
           <a:xfrm>
             <a:off x="6084000" y="936000"/>
-            <a:ext cx="1436040" cy="788040"/>
+            <a:ext cx="1435680" cy="787680"/>
           </a:xfrm>
           <a:prstGeom prst="rect">
             <a:avLst/>
@@ -8142,7 +8142,7 @@
         <p:spPr>
           <a:xfrm>
             <a:off x="4934160" y="4392000"/>
-            <a:ext cx="1436040" cy="788040"/>
+            <a:ext cx="1435680" cy="787680"/>
           </a:xfrm>
           <a:prstGeom prst="rect">
             <a:avLst/>
@@ -8197,7 +8197,7 @@
         <p:spPr>
           <a:xfrm>
             <a:off x="4032000" y="648000"/>
-            <a:ext cx="1436040" cy="1364040"/>
+            <a:ext cx="1435680" cy="1363680"/>
           </a:xfrm>
           <a:custGeom>
             <a:avLst/>
@@ -8295,7 +8295,7 @@
         <p:spPr>
           <a:xfrm>
             <a:off x="1908000" y="3204360"/>
-            <a:ext cx="1436040" cy="1364040"/>
+            <a:ext cx="1435680" cy="1363680"/>
           </a:xfrm>
           <a:custGeom>
             <a:avLst/>
@@ -8447,7 +8447,7 @@
         <p:spPr>
           <a:xfrm>
             <a:off x="4140000" y="2234160"/>
-            <a:ext cx="1150200" cy="572040"/>
+            <a:ext cx="1149840" cy="571680"/>
           </a:xfrm>
           <a:prstGeom prst="ellipse">
             <a:avLst/>
@@ -8502,7 +8502,7 @@
         <p:spPr>
           <a:xfrm>
             <a:off x="3708360" y="3636360"/>
-            <a:ext cx="1077840" cy="572040"/>
+            <a:ext cx="1077480" cy="571680"/>
           </a:xfrm>
           <a:prstGeom prst="ellipse">
             <a:avLst/>
@@ -8611,7 +8611,7 @@
         <p:spPr>
           <a:xfrm>
             <a:off x="504000" y="396000"/>
-            <a:ext cx="1150200" cy="572040"/>
+            <a:ext cx="1149840" cy="571680"/>
           </a:xfrm>
           <a:prstGeom prst="ellipse">
             <a:avLst/>
@@ -8666,7 +8666,7 @@
         <p:spPr>
           <a:xfrm>
             <a:off x="1944000" y="180000"/>
-            <a:ext cx="1150200" cy="572040"/>
+            <a:ext cx="1149840" cy="571680"/>
           </a:xfrm>
           <a:prstGeom prst="ellipse">
             <a:avLst/>
@@ -8721,7 +8721,7 @@
         <p:spPr>
           <a:xfrm>
             <a:off x="288000" y="1152000"/>
-            <a:ext cx="1150200" cy="572040"/>
+            <a:ext cx="1149840" cy="571680"/>
           </a:xfrm>
           <a:prstGeom prst="ellipse">
             <a:avLst/>
@@ -8776,7 +8776,7 @@
         <p:spPr>
           <a:xfrm>
             <a:off x="5940000" y="180000"/>
-            <a:ext cx="1150200" cy="572040"/>
+            <a:ext cx="1149840" cy="571680"/>
           </a:xfrm>
           <a:prstGeom prst="ellipse">
             <a:avLst/>
@@ -8831,7 +8831,7 @@
         <p:spPr>
           <a:xfrm>
             <a:off x="7560000" y="180000"/>
-            <a:ext cx="1150200" cy="572040"/>
+            <a:ext cx="1149840" cy="571680"/>
           </a:xfrm>
           <a:prstGeom prst="ellipse">
             <a:avLst/>
@@ -8886,7 +8886,7 @@
         <p:spPr>
           <a:xfrm>
             <a:off x="7992000" y="972000"/>
-            <a:ext cx="1150200" cy="572040"/>
+            <a:ext cx="1149840" cy="571680"/>
           </a:xfrm>
           <a:prstGeom prst="ellipse">
             <a:avLst/>
@@ -8968,7 +8968,7 @@
         <p:spPr>
           <a:xfrm>
             <a:off x="432000" y="3636360"/>
-            <a:ext cx="1077840" cy="572040"/>
+            <a:ext cx="1077480" cy="571680"/>
           </a:xfrm>
           <a:prstGeom prst="ellipse">
             <a:avLst/>
@@ -9023,7 +9023,7 @@
         <p:spPr>
           <a:xfrm>
             <a:off x="6803640" y="4068360"/>
-            <a:ext cx="1077840" cy="572040"/>
+            <a:ext cx="1077480" cy="571680"/>
           </a:xfrm>
           <a:prstGeom prst="ellipse">
             <a:avLst/>
@@ -9078,7 +9078,7 @@
         <p:spPr>
           <a:xfrm>
             <a:off x="6839280" y="4752360"/>
-            <a:ext cx="1077840" cy="572040"/>
+            <a:ext cx="1077480" cy="571680"/>
           </a:xfrm>
           <a:prstGeom prst="ellipse">
             <a:avLst/>
@@ -9488,7 +9488,7 @@
         <p:spPr>
           <a:xfrm>
             <a:off x="2556000" y="1152000"/>
-            <a:ext cx="4534560" cy="358560"/>
+            <a:ext cx="4534200" cy="358200"/>
           </a:xfrm>
           <a:prstGeom prst="rect">
             <a:avLst/>
@@ -10338,7 +10338,7 @@
         <p:spPr>
           <a:xfrm>
             <a:off x="3492000" y="3541680"/>
-            <a:ext cx="3023640" cy="345960"/>
+            <a:ext cx="3023280" cy="345600"/>
           </a:xfrm>
           <a:prstGeom prst="rect">
             <a:avLst/>
@@ -10366,7 +10366,11 @@
             </a:pPr>
             <a:r>
               <a:rPr b="0" lang="en-IN" sz="1800" spc="-1" strike="noStrike">
+                <a:solidFill>
+                  <a:srgbClr val="000000"/>
+                </a:solidFill>
                 <a:latin typeface="Arial"/>
+                <a:ea typeface="DejaVu Sans"/>
               </a:rPr>
               <a:t>Inter block gap</a:t>
             </a:r>
@@ -10385,7 +10389,7 @@
         <p:spPr>
           <a:xfrm>
             <a:off x="144000" y="3564000"/>
-            <a:ext cx="3023640" cy="345960"/>
+            <a:ext cx="3023280" cy="345600"/>
           </a:xfrm>
           <a:prstGeom prst="rect">
             <a:avLst/>
@@ -10413,7 +10417,11 @@
             </a:pPr>
             <a:r>
               <a:rPr b="0" lang="en-IN" sz="1800" spc="-1" strike="noStrike">
+                <a:solidFill>
+                  <a:srgbClr val="000000"/>
+                </a:solidFill>
                 <a:latin typeface="Arial"/>
+                <a:ea typeface="DejaVu Sans"/>
               </a:rPr>
               <a:t>Track Begin</a:t>
             </a:r>
@@ -10432,7 +10440,7 @@
         <p:spPr>
           <a:xfrm>
             <a:off x="7308000" y="3528000"/>
-            <a:ext cx="3023640" cy="345960"/>
+            <a:ext cx="3023280" cy="345600"/>
           </a:xfrm>
           <a:prstGeom prst="rect">
             <a:avLst/>
@@ -10460,7 +10468,11 @@
             </a:pPr>
             <a:r>
               <a:rPr b="0" lang="en-IN" sz="1800" spc="-1" strike="noStrike">
+                <a:solidFill>
+                  <a:srgbClr val="000000"/>
+                </a:solidFill>
                 <a:latin typeface="Arial"/>
+                <a:ea typeface="DejaVu Sans"/>
               </a:rPr>
               <a:t>Track End</a:t>
             </a:r>
@@ -10620,7 +10632,7 @@
         </p:nvGraphicFramePr>
         <p:xfrm>
           <a:off x="648720" y="2160000"/>
-          <a:ext cx="8783640" cy="791640"/>
+          <a:ext cx="8783640" cy="791280"/>
         </p:xfrm>
         <a:graphic>
           <a:graphicData uri="http://schemas.openxmlformats.org/drawingml/2006/table">
@@ -10881,7 +10893,7 @@
         <p:spPr>
           <a:xfrm>
             <a:off x="3492000" y="3541680"/>
-            <a:ext cx="3023640" cy="345960"/>
+            <a:ext cx="3023280" cy="345600"/>
           </a:xfrm>
           <a:prstGeom prst="rect">
             <a:avLst/>
@@ -10909,7 +10921,11 @@
             </a:pPr>
             <a:r>
               <a:rPr b="0" lang="en-IN" sz="1800" spc="-1" strike="noStrike">
+                <a:solidFill>
+                  <a:srgbClr val="000000"/>
+                </a:solidFill>
                 <a:latin typeface="Arial"/>
+                <a:ea typeface="DejaVu Sans"/>
               </a:rPr>
               <a:t>Inter block gap</a:t>
             </a:r>
@@ -10928,7 +10944,7 @@
         <p:spPr>
           <a:xfrm>
             <a:off x="144000" y="3564000"/>
-            <a:ext cx="3023640" cy="345960"/>
+            <a:ext cx="3023280" cy="345600"/>
           </a:xfrm>
           <a:prstGeom prst="rect">
             <a:avLst/>
@@ -10956,7 +10972,11 @@
             </a:pPr>
             <a:r>
               <a:rPr b="0" lang="en-IN" sz="1800" spc="-1" strike="noStrike">
+                <a:solidFill>
+                  <a:srgbClr val="000000"/>
+                </a:solidFill>
                 <a:latin typeface="Arial"/>
+                <a:ea typeface="DejaVu Sans"/>
               </a:rPr>
               <a:t>Track Begin</a:t>
             </a:r>
@@ -10975,7 +10995,7 @@
         <p:spPr>
           <a:xfrm>
             <a:off x="7308000" y="3528000"/>
-            <a:ext cx="3023640" cy="345960"/>
+            <a:ext cx="3023280" cy="345600"/>
           </a:xfrm>
           <a:prstGeom prst="rect">
             <a:avLst/>
@@ -11003,7 +11023,11 @@
             </a:pPr>
             <a:r>
               <a:rPr b="0" lang="en-IN" sz="1800" spc="-1" strike="noStrike">
+                <a:solidFill>
+                  <a:srgbClr val="000000"/>
+                </a:solidFill>
                 <a:latin typeface="Arial"/>
+                <a:ea typeface="DejaVu Sans"/>
               </a:rPr>
               <a:t>Track End</a:t>
             </a:r>
@@ -11163,7 +11187,7 @@
         </p:nvGraphicFramePr>
         <p:xfrm>
           <a:off x="587520" y="2302920"/>
-          <a:ext cx="5075280" cy="2879280"/>
+          <a:ext cx="3229560" cy="1550880"/>
         </p:xfrm>
         <a:graphic>
           <a:graphicData uri="http://schemas.openxmlformats.org/drawingml/2006/table">
@@ -11177,10 +11201,15 @@
               <a:tr h="405360">
                 <a:tc>
                   <a:txBody>
-                    <a:bodyPr lIns="90000" rIns="90000" tIns="46800" bIns="46800">
+                    <a:bodyPr lIns="90000" rIns="90000">
                       <a:noAutofit/>
                     </a:bodyPr>
                     <a:p>
+                      <a:pPr>
+                        <a:lnSpc>
+                          <a:spcPct val="100000"/>
+                        </a:lnSpc>
+                      </a:pPr>
                       <a:r>
                         <a:rPr b="0" lang="en-IN" sz="1800" spc="-1" strike="noStrike">
                           <a:latin typeface="Arial"/>
@@ -11220,10 +11249,15 @@
                 </a:tc>
                 <a:tc>
                   <a:txBody>
-                    <a:bodyPr lIns="90000" rIns="90000" tIns="46800" bIns="46800">
+                    <a:bodyPr lIns="90000" rIns="90000">
                       <a:noAutofit/>
                     </a:bodyPr>
                     <a:p>
+                      <a:pPr>
+                        <a:lnSpc>
+                          <a:spcPct val="100000"/>
+                        </a:lnSpc>
+                      </a:pPr>
                       <a:r>
                         <a:rPr b="0" lang="en-IN" sz="1800" spc="-1" strike="noStrike">
                           <a:latin typeface="Arial"/>
@@ -11263,10 +11297,15 @@
                 </a:tc>
                 <a:tc>
                   <a:txBody>
-                    <a:bodyPr lIns="90000" rIns="90000" tIns="46800" bIns="46800">
+                    <a:bodyPr lIns="90000" rIns="90000">
                       <a:noAutofit/>
                     </a:bodyPr>
                     <a:p>
+                      <a:pPr>
+                        <a:lnSpc>
+                          <a:spcPct val="100000"/>
+                        </a:lnSpc>
+                      </a:pPr>
                       <a:r>
                         <a:rPr b="0" lang="en-IN" sz="1800" spc="-1" strike="noStrike">
                           <a:latin typeface="Arial"/>
@@ -11566,7 +11605,7 @@
         </p:nvGraphicFramePr>
         <p:xfrm>
           <a:off x="5497200" y="2705040"/>
-          <a:ext cx="5075280" cy="2879280"/>
+          <a:ext cx="2664000" cy="1580760"/>
         </p:xfrm>
         <a:graphic>
           <a:graphicData uri="http://schemas.openxmlformats.org/drawingml/2006/table">
@@ -11580,10 +11619,15 @@
               <a:tr h="420480">
                 <a:tc>
                   <a:txBody>
-                    <a:bodyPr lIns="90000" rIns="90000" tIns="46800" bIns="46800">
+                    <a:bodyPr lIns="90000" rIns="90000">
                       <a:noAutofit/>
                     </a:bodyPr>
                     <a:p>
+                      <a:pPr>
+                        <a:lnSpc>
+                          <a:spcPct val="100000"/>
+                        </a:lnSpc>
+                      </a:pPr>
                       <a:r>
                         <a:rPr b="0" lang="en-IN" sz="1800" spc="-1" strike="noStrike">
                           <a:latin typeface="Arial"/>
@@ -11623,10 +11667,15 @@
                 </a:tc>
                 <a:tc>
                   <a:txBody>
-                    <a:bodyPr lIns="90000" rIns="90000" tIns="46800" bIns="46800">
+                    <a:bodyPr lIns="90000" rIns="90000">
                       <a:noAutofit/>
                     </a:bodyPr>
                     <a:p>
+                      <a:pPr>
+                        <a:lnSpc>
+                          <a:spcPct val="100000"/>
+                        </a:lnSpc>
+                      </a:pPr>
                       <a:r>
                         <a:rPr b="0" lang="en-IN" sz="1800" spc="-1" strike="noStrike">
                           <a:latin typeface="Arial"/>
@@ -11666,10 +11715,15 @@
                 </a:tc>
                 <a:tc>
                   <a:txBody>
-                    <a:bodyPr lIns="90000" rIns="90000" tIns="46800" bIns="46800">
+                    <a:bodyPr lIns="90000" rIns="90000">
                       <a:noAutofit/>
                     </a:bodyPr>
                     <a:p>
+                      <a:pPr>
+                        <a:lnSpc>
+                          <a:spcPct val="100000"/>
+                        </a:lnSpc>
+                      </a:pPr>
                       <a:r>
                         <a:rPr b="0" lang="en-IN" sz="1800" spc="-1" strike="noStrike">
                           <a:latin typeface="Arial"/>
@@ -11963,14 +12017,14 @@
       </p:graphicFrame>
       <p:sp>
         <p:nvSpPr>
-          <p:cNvPr id="345" name="TextShape 3"/>
-          <p:cNvSpPr txBox="1"/>
+          <p:cNvPr id="345" name="CustomShape 3"/>
+          <p:cNvSpPr/>
           <p:nvPr/>
         </p:nvSpPr>
         <p:spPr>
           <a:xfrm>
             <a:off x="3456000" y="1008000"/>
-            <a:ext cx="3240000" cy="346320"/>
+            <a:ext cx="3239640" cy="345960"/>
           </a:xfrm>
           <a:prstGeom prst="rect">
             <a:avLst/>
@@ -11980,11 +12034,22 @@
             <a:noFill/>
           </a:ln>
         </p:spPr>
+        <p:style>
+          <a:lnRef idx="0"/>
+          <a:fillRef idx="0"/>
+          <a:effectRef idx="0"/>
+          <a:fontRef idx="minor"/>
+        </p:style>
         <p:txBody>
           <a:bodyPr lIns="90000" rIns="90000" tIns="45000" bIns="45000">
             <a:noAutofit/>
           </a:bodyPr>
           <a:p>
+            <a:pPr>
+              <a:lnSpc>
+                <a:spcPct val="100000"/>
+              </a:lnSpc>
+            </a:pPr>
             <a:r>
               <a:rPr b="0" lang="en-IN" sz="1800" spc="-1" strike="noStrike">
                 <a:latin typeface="Arial"/>
@@ -11999,14 +12064,14 @@
       </p:sp>
       <p:sp>
         <p:nvSpPr>
-          <p:cNvPr id="346" name="TextShape 4"/>
-          <p:cNvSpPr txBox="1"/>
+          <p:cNvPr id="346" name="CustomShape 4"/>
+          <p:cNvSpPr/>
           <p:nvPr/>
         </p:nvSpPr>
         <p:spPr>
           <a:xfrm>
             <a:off x="648000" y="1836000"/>
-            <a:ext cx="3240000" cy="346320"/>
+            <a:ext cx="3239640" cy="345960"/>
           </a:xfrm>
           <a:prstGeom prst="rect">
             <a:avLst/>
@@ -12016,11 +12081,22 @@
             <a:noFill/>
           </a:ln>
         </p:spPr>
+        <p:style>
+          <a:lnRef idx="0"/>
+          <a:fillRef idx="0"/>
+          <a:effectRef idx="0"/>
+          <a:fontRef idx="minor"/>
+        </p:style>
         <p:txBody>
           <a:bodyPr lIns="90000" rIns="90000" tIns="45000" bIns="45000">
             <a:noAutofit/>
           </a:bodyPr>
           <a:p>
+            <a:pPr>
+              <a:lnSpc>
+                <a:spcPct val="100000"/>
+              </a:lnSpc>
+            </a:pPr>
             <a:r>
               <a:rPr b="0" lang="en-IN" sz="1800" spc="-1" strike="noStrike">
                 <a:latin typeface="Arial"/>
@@ -12035,14 +12111,14 @@
       </p:sp>
       <p:sp>
         <p:nvSpPr>
-          <p:cNvPr id="347" name="TextShape 5"/>
-          <p:cNvSpPr txBox="1"/>
+          <p:cNvPr id="347" name="CustomShape 5"/>
+          <p:cNvSpPr/>
           <p:nvPr/>
         </p:nvSpPr>
         <p:spPr>
           <a:xfrm>
             <a:off x="5436000" y="2160000"/>
-            <a:ext cx="3240000" cy="346320"/>
+            <a:ext cx="3239640" cy="345960"/>
           </a:xfrm>
           <a:prstGeom prst="rect">
             <a:avLst/>
@@ -12052,11 +12128,22 @@
             <a:noFill/>
           </a:ln>
         </p:spPr>
+        <p:style>
+          <a:lnRef idx="0"/>
+          <a:fillRef idx="0"/>
+          <a:effectRef idx="0"/>
+          <a:fontRef idx="minor"/>
+        </p:style>
         <p:txBody>
           <a:bodyPr lIns="90000" rIns="90000" tIns="45000" bIns="45000">
             <a:noAutofit/>
           </a:bodyPr>
           <a:p>
+            <a:pPr>
+              <a:lnSpc>
+                <a:spcPct val="100000"/>
+              </a:lnSpc>
+            </a:pPr>
             <a:r>
               <a:rPr b="0" lang="en-IN" sz="1800" spc="-1" strike="noStrike">
                 <a:latin typeface="Arial"/>
@@ -12098,14 +12185,14 @@
       </p:sp>
       <p:sp>
         <p:nvSpPr>
-          <p:cNvPr id="349" name="TextShape 7"/>
-          <p:cNvSpPr txBox="1"/>
+          <p:cNvPr id="349" name="CustomShape 7"/>
+          <p:cNvSpPr/>
           <p:nvPr/>
         </p:nvSpPr>
         <p:spPr>
           <a:xfrm>
             <a:off x="8676000" y="2988000"/>
-            <a:ext cx="1044000" cy="756000"/>
+            <a:ext cx="1043640" cy="755640"/>
           </a:xfrm>
           <a:prstGeom prst="rect">
             <a:avLst/>
@@ -12115,11 +12202,22 @@
             <a:noFill/>
           </a:ln>
         </p:spPr>
+        <p:style>
+          <a:lnRef idx="0"/>
+          <a:fillRef idx="0"/>
+          <a:effectRef idx="0"/>
+          <a:fontRef idx="minor"/>
+        </p:style>
         <p:txBody>
           <a:bodyPr lIns="90000" rIns="90000" tIns="45000" bIns="45000">
             <a:noAutofit/>
           </a:bodyPr>
           <a:p>
+            <a:pPr>
+              <a:lnSpc>
+                <a:spcPct val="100000"/>
+              </a:lnSpc>
+            </a:pPr>
             <a:r>
               <a:rPr b="0" lang="en-IN" sz="1800" spc="-1" strike="noStrike">
                 <a:latin typeface="Arial"/>
@@ -12221,14 +12319,14 @@
       </p:sp>
       <p:sp>
         <p:nvSpPr>
-          <p:cNvPr id="353" name="TextShape 11"/>
-          <p:cNvSpPr txBox="1"/>
+          <p:cNvPr id="353" name="CustomShape 11"/>
+          <p:cNvSpPr/>
           <p:nvPr/>
         </p:nvSpPr>
         <p:spPr>
           <a:xfrm>
             <a:off x="2448000" y="4464000"/>
-            <a:ext cx="5832000" cy="756000"/>
+            <a:ext cx="5831640" cy="755640"/>
           </a:xfrm>
           <a:prstGeom prst="rect">
             <a:avLst/>
@@ -12238,11 +12336,22 @@
             <a:noFill/>
           </a:ln>
         </p:spPr>
+        <p:style>
+          <a:lnRef idx="0"/>
+          <a:fillRef idx="0"/>
+          <a:effectRef idx="0"/>
+          <a:fontRef idx="minor"/>
+        </p:style>
         <p:txBody>
           <a:bodyPr lIns="90000" rIns="90000" tIns="45000" bIns="45000">
             <a:noAutofit/>
           </a:bodyPr>
           <a:p>
+            <a:pPr>
+              <a:lnSpc>
+                <a:spcPct val="100000"/>
+              </a:lnSpc>
+            </a:pPr>
             <a:r>
               <a:rPr b="0" lang="en-IN" sz="1800" spc="-1" strike="noStrike">
                 <a:latin typeface="Arial"/>
@@ -12285,6 +12394,1794 @@
           <a:chExt cx="0" cy="0"/>
         </a:xfrm>
       </p:grpSpPr>
+      <p:graphicFrame>
+        <p:nvGraphicFramePr>
+          <p:cNvPr id="354" name="Table 1"/>
+          <p:cNvGraphicFramePr/>
+          <p:nvPr/>
+        </p:nvGraphicFramePr>
+        <p:xfrm>
+          <a:off x="5669280" y="1124640"/>
+          <a:ext cx="5075280" cy="5670000"/>
+        </p:xfrm>
+        <a:graphic>
+          <a:graphicData uri="http://schemas.openxmlformats.org/drawingml/2006/table">
+            <a:tbl>
+              <a:tblPr/>
+              <a:tblGrid>
+                <a:gridCol w="1101960"/>
+                <a:gridCol w="758880"/>
+                <a:gridCol w="758880"/>
+                <a:gridCol w="640080"/>
+              </a:tblGrid>
+              <a:tr h="387000">
+                <a:tc>
+                  <a:txBody>
+                    <a:bodyPr lIns="90000" rIns="90000" tIns="46800" bIns="46800">
+                      <a:noAutofit/>
+                    </a:bodyPr>
+                    <a:p>
+                      <a:r>
+                        <a:rPr b="0" lang="en-IN" sz="1800" spc="-1" strike="noStrike">
+                          <a:latin typeface="Arial"/>
+                        </a:rPr>
+                        <a:t>5721</a:t>
+                      </a:r>
+                      <a:endParaRPr b="0" lang="en-IN" sz="1800" spc="-1" strike="noStrike">
+                        <a:latin typeface="Arial"/>
+                      </a:endParaRPr>
+                    </a:p>
+                  </a:txBody>
+                  <a:tcPr marL="90000" marR="90000">
+                    <a:lnL w="720">
+                      <a:solidFill>
+                        <a:srgbClr val="ffffff"/>
+                      </a:solidFill>
+                    </a:lnL>
+                    <a:lnR w="720">
+                      <a:solidFill>
+                        <a:srgbClr val="ffffff"/>
+                      </a:solidFill>
+                    </a:lnR>
+                    <a:lnT w="720">
+                      <a:solidFill>
+                        <a:srgbClr val="ffffff"/>
+                      </a:solidFill>
+                    </a:lnT>
+                    <a:lnB w="720">
+                      <a:solidFill>
+                        <a:srgbClr val="ffffff"/>
+                      </a:solidFill>
+                    </a:lnB>
+                    <a:solidFill>
+                      <a:srgbClr val="b3b3b3"/>
+                    </a:solidFill>
+                  </a:tcPr>
+                </a:tc>
+                <a:tc>
+                  <a:tcPr marL="90000" marR="90000">
+                    <a:lnL w="720">
+                      <a:solidFill>
+                        <a:srgbClr val="ffffff"/>
+                      </a:solidFill>
+                    </a:lnL>
+                    <a:lnR w="720">
+                      <a:solidFill>
+                        <a:srgbClr val="ffffff"/>
+                      </a:solidFill>
+                    </a:lnR>
+                    <a:lnT w="720">
+                      <a:solidFill>
+                        <a:srgbClr val="ffffff"/>
+                      </a:solidFill>
+                    </a:lnT>
+                    <a:lnB w="720">
+                      <a:solidFill>
+                        <a:srgbClr val="ffffff"/>
+                      </a:solidFill>
+                    </a:lnB>
+                    <a:solidFill>
+                      <a:srgbClr val="b3b3b3"/>
+                    </a:solidFill>
+                  </a:tcPr>
+                </a:tc>
+                <a:tc>
+                  <a:tcPr marL="90000" marR="90000">
+                    <a:lnL w="720">
+                      <a:solidFill>
+                        <a:srgbClr val="ffffff"/>
+                      </a:solidFill>
+                    </a:lnL>
+                    <a:lnR w="720">
+                      <a:solidFill>
+                        <a:srgbClr val="ffffff"/>
+                      </a:solidFill>
+                    </a:lnR>
+                    <a:lnT w="720">
+                      <a:solidFill>
+                        <a:srgbClr val="ffffff"/>
+                      </a:solidFill>
+                    </a:lnT>
+                    <a:lnB w="720">
+                      <a:solidFill>
+                        <a:srgbClr val="ffffff"/>
+                      </a:solidFill>
+                    </a:lnB>
+                    <a:solidFill>
+                      <a:srgbClr val="b3b3b3"/>
+                    </a:solidFill>
+                  </a:tcPr>
+                </a:tc>
+                <a:tc>
+                  <a:tcPr marL="90000" marR="90000">
+                    <a:lnL w="720">
+                      <a:solidFill>
+                        <a:srgbClr val="ffffff"/>
+                      </a:solidFill>
+                    </a:lnL>
+                    <a:lnR w="720">
+                      <a:solidFill>
+                        <a:srgbClr val="ffffff"/>
+                      </a:solidFill>
+                    </a:lnR>
+                    <a:lnT w="720">
+                      <a:solidFill>
+                        <a:srgbClr val="ffffff"/>
+                      </a:solidFill>
+                    </a:lnT>
+                    <a:lnB w="720">
+                      <a:solidFill>
+                        <a:srgbClr val="ffffff"/>
+                      </a:solidFill>
+                    </a:lnB>
+                    <a:solidFill>
+                      <a:srgbClr val="b3b3b3"/>
+                    </a:solidFill>
+                  </a:tcPr>
+                </a:tc>
+              </a:tr>
+              <a:tr h="371880">
+                <a:tc>
+                  <a:txBody>
+                    <a:bodyPr lIns="90000" rIns="90000" tIns="46800" bIns="46800">
+                      <a:noAutofit/>
+                    </a:bodyPr>
+                    <a:p>
+                      <a:r>
+                        <a:rPr b="0" lang="en-IN" sz="1800" spc="-1" strike="noStrike">
+                          <a:latin typeface="Arial"/>
+                        </a:rPr>
+                        <a:t>5722</a:t>
+                      </a:r>
+                      <a:endParaRPr b="0" lang="en-IN" sz="1800" spc="-1" strike="noStrike">
+                        <a:latin typeface="Arial"/>
+                      </a:endParaRPr>
+                    </a:p>
+                  </a:txBody>
+                  <a:tcPr marL="90000" marR="90000">
+                    <a:lnL w="720">
+                      <a:solidFill>
+                        <a:srgbClr val="ffffff"/>
+                      </a:solidFill>
+                    </a:lnL>
+                    <a:lnR w="720">
+                      <a:solidFill>
+                        <a:srgbClr val="ffffff"/>
+                      </a:solidFill>
+                    </a:lnR>
+                    <a:lnT w="720">
+                      <a:solidFill>
+                        <a:srgbClr val="ffffff"/>
+                      </a:solidFill>
+                    </a:lnT>
+                    <a:lnB w="720">
+                      <a:solidFill>
+                        <a:srgbClr val="ffffff"/>
+                      </a:solidFill>
+                    </a:lnB>
+                    <a:solidFill>
+                      <a:srgbClr val="cccccc"/>
+                    </a:solidFill>
+                  </a:tcPr>
+                </a:tc>
+                <a:tc>
+                  <a:tcPr marL="90000" marR="90000">
+                    <a:lnL w="720">
+                      <a:solidFill>
+                        <a:srgbClr val="ffffff"/>
+                      </a:solidFill>
+                    </a:lnL>
+                    <a:lnR w="720">
+                      <a:solidFill>
+                        <a:srgbClr val="ffffff"/>
+                      </a:solidFill>
+                    </a:lnR>
+                    <a:lnT w="720">
+                      <a:solidFill>
+                        <a:srgbClr val="ffffff"/>
+                      </a:solidFill>
+                    </a:lnT>
+                    <a:lnB w="720">
+                      <a:solidFill>
+                        <a:srgbClr val="ffffff"/>
+                      </a:solidFill>
+                    </a:lnB>
+                    <a:solidFill>
+                      <a:srgbClr val="cccccc"/>
+                    </a:solidFill>
+                  </a:tcPr>
+                </a:tc>
+                <a:tc>
+                  <a:tcPr marL="90000" marR="90000">
+                    <a:lnL w="720">
+                      <a:solidFill>
+                        <a:srgbClr val="ffffff"/>
+                      </a:solidFill>
+                    </a:lnL>
+                    <a:lnR w="720">
+                      <a:solidFill>
+                        <a:srgbClr val="ffffff"/>
+                      </a:solidFill>
+                    </a:lnR>
+                    <a:lnT w="720">
+                      <a:solidFill>
+                        <a:srgbClr val="ffffff"/>
+                      </a:solidFill>
+                    </a:lnT>
+                    <a:lnB w="720">
+                      <a:solidFill>
+                        <a:srgbClr val="ffffff"/>
+                      </a:solidFill>
+                    </a:lnB>
+                    <a:solidFill>
+                      <a:srgbClr val="cccccc"/>
+                    </a:solidFill>
+                  </a:tcPr>
+                </a:tc>
+                <a:tc>
+                  <a:tcPr marL="90000" marR="90000">
+                    <a:lnL w="720">
+                      <a:solidFill>
+                        <a:srgbClr val="ffffff"/>
+                      </a:solidFill>
+                    </a:lnL>
+                    <a:lnR w="720">
+                      <a:solidFill>
+                        <a:srgbClr val="ffffff"/>
+                      </a:solidFill>
+                    </a:lnR>
+                    <a:lnT w="720">
+                      <a:solidFill>
+                        <a:srgbClr val="ffffff"/>
+                      </a:solidFill>
+                    </a:lnT>
+                    <a:lnB w="720">
+                      <a:solidFill>
+                        <a:srgbClr val="ffffff"/>
+                      </a:solidFill>
+                    </a:lnB>
+                    <a:solidFill>
+                      <a:srgbClr val="cccccc"/>
+                    </a:solidFill>
+                  </a:tcPr>
+                </a:tc>
+              </a:tr>
+              <a:tr h="327600">
+                <a:tc>
+                  <a:txBody>
+                    <a:bodyPr lIns="90000" rIns="90000" tIns="46800" bIns="46800">
+                      <a:noAutofit/>
+                    </a:bodyPr>
+                    <a:p>
+                      <a:r>
+                        <a:rPr b="0" lang="en-IN" sz="1800" spc="-1" strike="noStrike">
+                          <a:latin typeface="Arial"/>
+                        </a:rPr>
+                        <a:t>5724</a:t>
+                      </a:r>
+                      <a:endParaRPr b="0" lang="en-IN" sz="1800" spc="-1" strike="noStrike">
+                        <a:latin typeface="Arial"/>
+                      </a:endParaRPr>
+                    </a:p>
+                  </a:txBody>
+                  <a:tcPr marL="90000" marR="90000">
+                    <a:lnL w="720">
+                      <a:solidFill>
+                        <a:srgbClr val="ffffff"/>
+                      </a:solidFill>
+                    </a:lnL>
+                    <a:lnR w="720">
+                      <a:solidFill>
+                        <a:srgbClr val="ffffff"/>
+                      </a:solidFill>
+                    </a:lnR>
+                    <a:lnT w="720">
+                      <a:solidFill>
+                        <a:srgbClr val="ffffff"/>
+                      </a:solidFill>
+                    </a:lnT>
+                    <a:lnB w="720">
+                      <a:solidFill>
+                        <a:srgbClr val="ffffff"/>
+                      </a:solidFill>
+                    </a:lnB>
+                    <a:solidFill>
+                      <a:srgbClr val="e6e6e6"/>
+                    </a:solidFill>
+                  </a:tcPr>
+                </a:tc>
+                <a:tc>
+                  <a:tcPr marL="90000" marR="90000">
+                    <a:lnL w="720">
+                      <a:solidFill>
+                        <a:srgbClr val="ffffff"/>
+                      </a:solidFill>
+                    </a:lnL>
+                    <a:lnR w="720">
+                      <a:solidFill>
+                        <a:srgbClr val="ffffff"/>
+                      </a:solidFill>
+                    </a:lnR>
+                    <a:lnT w="720">
+                      <a:solidFill>
+                        <a:srgbClr val="ffffff"/>
+                      </a:solidFill>
+                    </a:lnT>
+                    <a:lnB w="720">
+                      <a:solidFill>
+                        <a:srgbClr val="ffffff"/>
+                      </a:solidFill>
+                    </a:lnB>
+                    <a:solidFill>
+                      <a:srgbClr val="e6e6e6"/>
+                    </a:solidFill>
+                  </a:tcPr>
+                </a:tc>
+                <a:tc>
+                  <a:tcPr marL="90000" marR="90000">
+                    <a:lnL w="720">
+                      <a:solidFill>
+                        <a:srgbClr val="ffffff"/>
+                      </a:solidFill>
+                    </a:lnL>
+                    <a:lnR w="720">
+                      <a:solidFill>
+                        <a:srgbClr val="ffffff"/>
+                      </a:solidFill>
+                    </a:lnR>
+                    <a:lnT w="720">
+                      <a:solidFill>
+                        <a:srgbClr val="ffffff"/>
+                      </a:solidFill>
+                    </a:lnT>
+                    <a:lnB w="720">
+                      <a:solidFill>
+                        <a:srgbClr val="ffffff"/>
+                      </a:solidFill>
+                    </a:lnB>
+                    <a:solidFill>
+                      <a:srgbClr val="e6e6e6"/>
+                    </a:solidFill>
+                  </a:tcPr>
+                </a:tc>
+                <a:tc>
+                  <a:tcPr marL="90000" marR="90000">
+                    <a:lnL w="720">
+                      <a:solidFill>
+                        <a:srgbClr val="ffffff"/>
+                      </a:solidFill>
+                    </a:lnL>
+                    <a:lnR w="720">
+                      <a:solidFill>
+                        <a:srgbClr val="ffffff"/>
+                      </a:solidFill>
+                    </a:lnR>
+                    <a:lnT w="720">
+                      <a:solidFill>
+                        <a:srgbClr val="ffffff"/>
+                      </a:solidFill>
+                    </a:lnT>
+                    <a:lnB w="720">
+                      <a:solidFill>
+                        <a:srgbClr val="ffffff"/>
+                      </a:solidFill>
+                    </a:lnB>
+                    <a:solidFill>
+                      <a:srgbClr val="e6e6e6"/>
+                    </a:solidFill>
+                  </a:tcPr>
+                </a:tc>
+              </a:tr>
+              <a:tr h="320040">
+                <a:tc>
+                  <a:txBody>
+                    <a:bodyPr lIns="90000" rIns="90000" tIns="46800" bIns="46800">
+                      <a:noAutofit/>
+                    </a:bodyPr>
+                    <a:p>
+                      <a:r>
+                        <a:rPr b="0" lang="en-IN" sz="1800" spc="-1" strike="noStrike">
+                          <a:latin typeface="Arial"/>
+                        </a:rPr>
+                        <a:t>5728</a:t>
+                      </a:r>
+                      <a:endParaRPr b="0" lang="en-IN" sz="1800" spc="-1" strike="noStrike">
+                        <a:latin typeface="Arial"/>
+                      </a:endParaRPr>
+                    </a:p>
+                  </a:txBody>
+                  <a:tcPr marL="90000" marR="90000">
+                    <a:lnL w="720">
+                      <a:solidFill>
+                        <a:srgbClr val="ffffff"/>
+                      </a:solidFill>
+                    </a:lnL>
+                    <a:lnR w="720">
+                      <a:solidFill>
+                        <a:srgbClr val="ffffff"/>
+                      </a:solidFill>
+                    </a:lnR>
+                    <a:lnT w="720">
+                      <a:solidFill>
+                        <a:srgbClr val="ffffff"/>
+                      </a:solidFill>
+                    </a:lnT>
+                    <a:lnB w="720">
+                      <a:solidFill>
+                        <a:srgbClr val="ffffff"/>
+                      </a:solidFill>
+                    </a:lnB>
+                    <a:solidFill>
+                      <a:srgbClr val="cccccc"/>
+                    </a:solidFill>
+                  </a:tcPr>
+                </a:tc>
+                <a:tc>
+                  <a:tcPr marL="90000" marR="90000">
+                    <a:lnL w="720">
+                      <a:solidFill>
+                        <a:srgbClr val="ffffff"/>
+                      </a:solidFill>
+                    </a:lnL>
+                    <a:lnR w="720">
+                      <a:solidFill>
+                        <a:srgbClr val="ffffff"/>
+                      </a:solidFill>
+                    </a:lnR>
+                    <a:lnT w="720">
+                      <a:solidFill>
+                        <a:srgbClr val="ffffff"/>
+                      </a:solidFill>
+                    </a:lnT>
+                    <a:lnB w="720">
+                      <a:solidFill>
+                        <a:srgbClr val="ffffff"/>
+                      </a:solidFill>
+                    </a:lnB>
+                    <a:solidFill>
+                      <a:srgbClr val="cccccc"/>
+                    </a:solidFill>
+                  </a:tcPr>
+                </a:tc>
+                <a:tc>
+                  <a:tcPr marL="90000" marR="90000">
+                    <a:lnL w="720">
+                      <a:solidFill>
+                        <a:srgbClr val="ffffff"/>
+                      </a:solidFill>
+                    </a:lnL>
+                    <a:lnR w="720">
+                      <a:solidFill>
+                        <a:srgbClr val="ffffff"/>
+                      </a:solidFill>
+                    </a:lnR>
+                    <a:lnT w="720">
+                      <a:solidFill>
+                        <a:srgbClr val="ffffff"/>
+                      </a:solidFill>
+                    </a:lnT>
+                    <a:lnB w="720">
+                      <a:solidFill>
+                        <a:srgbClr val="ffffff"/>
+                      </a:solidFill>
+                    </a:lnB>
+                    <a:solidFill>
+                      <a:srgbClr val="cccccc"/>
+                    </a:solidFill>
+                  </a:tcPr>
+                </a:tc>
+                <a:tc>
+                  <a:tcPr marL="90000" marR="90000">
+                    <a:lnL w="720">
+                      <a:solidFill>
+                        <a:srgbClr val="ffffff"/>
+                      </a:solidFill>
+                    </a:lnL>
+                    <a:lnR w="720">
+                      <a:solidFill>
+                        <a:srgbClr val="ffffff"/>
+                      </a:solidFill>
+                    </a:lnR>
+                    <a:lnT w="720">
+                      <a:solidFill>
+                        <a:srgbClr val="ffffff"/>
+                      </a:solidFill>
+                    </a:lnT>
+                    <a:lnB w="720">
+                      <a:solidFill>
+                        <a:srgbClr val="ffffff"/>
+                      </a:solidFill>
+                    </a:lnB>
+                    <a:solidFill>
+                      <a:srgbClr val="cccccc"/>
+                    </a:solidFill>
+                  </a:tcPr>
+                </a:tc>
+              </a:tr>
+              <a:tr h="327240">
+                <a:tc>
+                  <a:txBody>
+                    <a:bodyPr lIns="90000" rIns="90000" tIns="46800" bIns="46800">
+                      <a:noAutofit/>
+                    </a:bodyPr>
+                    <a:p>
+                      <a:r>
+                        <a:rPr b="0" lang="en-IN" sz="1800" spc="-1" strike="noStrike">
+                          <a:latin typeface="Arial"/>
+                        </a:rPr>
+                        <a:t>5733</a:t>
+                      </a:r>
+                      <a:endParaRPr b="0" lang="en-IN" sz="1800" spc="-1" strike="noStrike">
+                        <a:latin typeface="Arial"/>
+                      </a:endParaRPr>
+                    </a:p>
+                  </a:txBody>
+                  <a:tcPr marL="90000" marR="90000">
+                    <a:lnL w="720">
+                      <a:solidFill>
+                        <a:srgbClr val="ffffff"/>
+                      </a:solidFill>
+                    </a:lnL>
+                    <a:lnR w="720">
+                      <a:solidFill>
+                        <a:srgbClr val="ffffff"/>
+                      </a:solidFill>
+                    </a:lnR>
+                    <a:lnT w="720">
+                      <a:solidFill>
+                        <a:srgbClr val="ffffff"/>
+                      </a:solidFill>
+                    </a:lnT>
+                    <a:lnB w="720">
+                      <a:solidFill>
+                        <a:srgbClr val="ffffff"/>
+                      </a:solidFill>
+                    </a:lnB>
+                    <a:solidFill>
+                      <a:srgbClr val="e6e6e6"/>
+                    </a:solidFill>
+                  </a:tcPr>
+                </a:tc>
+                <a:tc>
+                  <a:tcPr marL="90000" marR="90000">
+                    <a:lnL w="720">
+                      <a:solidFill>
+                        <a:srgbClr val="ffffff"/>
+                      </a:solidFill>
+                    </a:lnL>
+                    <a:lnR w="720">
+                      <a:solidFill>
+                        <a:srgbClr val="ffffff"/>
+                      </a:solidFill>
+                    </a:lnR>
+                    <a:lnT w="720">
+                      <a:solidFill>
+                        <a:srgbClr val="ffffff"/>
+                      </a:solidFill>
+                    </a:lnT>
+                    <a:lnB w="720">
+                      <a:solidFill>
+                        <a:srgbClr val="ffffff"/>
+                      </a:solidFill>
+                    </a:lnB>
+                    <a:solidFill>
+                      <a:srgbClr val="e6e6e6"/>
+                    </a:solidFill>
+                  </a:tcPr>
+                </a:tc>
+                <a:tc>
+                  <a:tcPr marL="90000" marR="90000">
+                    <a:lnL w="720">
+                      <a:solidFill>
+                        <a:srgbClr val="ffffff"/>
+                      </a:solidFill>
+                    </a:lnL>
+                    <a:lnR w="720">
+                      <a:solidFill>
+                        <a:srgbClr val="ffffff"/>
+                      </a:solidFill>
+                    </a:lnR>
+                    <a:lnT w="720">
+                      <a:solidFill>
+                        <a:srgbClr val="ffffff"/>
+                      </a:solidFill>
+                    </a:lnT>
+                    <a:lnB w="720">
+                      <a:solidFill>
+                        <a:srgbClr val="ffffff"/>
+                      </a:solidFill>
+                    </a:lnB>
+                    <a:solidFill>
+                      <a:srgbClr val="e6e6e6"/>
+                    </a:solidFill>
+                  </a:tcPr>
+                </a:tc>
+                <a:tc>
+                  <a:tcPr marL="90000" marR="90000">
+                    <a:lnL w="720">
+                      <a:solidFill>
+                        <a:srgbClr val="ffffff"/>
+                      </a:solidFill>
+                    </a:lnL>
+                    <a:lnR w="720">
+                      <a:solidFill>
+                        <a:srgbClr val="ffffff"/>
+                      </a:solidFill>
+                    </a:lnR>
+                    <a:lnT w="720">
+                      <a:solidFill>
+                        <a:srgbClr val="ffffff"/>
+                      </a:solidFill>
+                    </a:lnT>
+                    <a:lnB w="720">
+                      <a:solidFill>
+                        <a:srgbClr val="ffffff"/>
+                      </a:solidFill>
+                    </a:lnB>
+                    <a:solidFill>
+                      <a:srgbClr val="e6e6e6"/>
+                    </a:solidFill>
+                  </a:tcPr>
+                </a:tc>
+              </a:tr>
+              <a:tr h="349200">
+                <a:tc>
+                  <a:txBody>
+                    <a:bodyPr lIns="90000" rIns="90000" tIns="46800" bIns="46800">
+                      <a:noAutofit/>
+                    </a:bodyPr>
+                    <a:p>
+                      <a:r>
+                        <a:rPr b="0" lang="en-IN" sz="1800" spc="-1" strike="noStrike">
+                          <a:latin typeface="Arial"/>
+                        </a:rPr>
+                        <a:t>5740</a:t>
+                      </a:r>
+                      <a:endParaRPr b="0" lang="en-IN" sz="1800" spc="-1" strike="noStrike">
+                        <a:latin typeface="Arial"/>
+                      </a:endParaRPr>
+                    </a:p>
+                  </a:txBody>
+                  <a:tcPr marL="90000" marR="90000">
+                    <a:lnL w="720">
+                      <a:solidFill>
+                        <a:srgbClr val="ffffff"/>
+                      </a:solidFill>
+                    </a:lnL>
+                    <a:lnR w="720">
+                      <a:solidFill>
+                        <a:srgbClr val="ffffff"/>
+                      </a:solidFill>
+                    </a:lnR>
+                    <a:lnT w="720">
+                      <a:solidFill>
+                        <a:srgbClr val="ffffff"/>
+                      </a:solidFill>
+                    </a:lnT>
+                    <a:lnB w="720">
+                      <a:solidFill>
+                        <a:srgbClr val="ffffff"/>
+                      </a:solidFill>
+                    </a:lnB>
+                    <a:solidFill>
+                      <a:srgbClr val="cccccc"/>
+                    </a:solidFill>
+                  </a:tcPr>
+                </a:tc>
+                <a:tc>
+                  <a:tcPr marL="90000" marR="90000">
+                    <a:lnL w="720">
+                      <a:solidFill>
+                        <a:srgbClr val="ffffff"/>
+                      </a:solidFill>
+                    </a:lnL>
+                    <a:lnR w="720">
+                      <a:solidFill>
+                        <a:srgbClr val="ffffff"/>
+                      </a:solidFill>
+                    </a:lnR>
+                    <a:lnT w="720">
+                      <a:solidFill>
+                        <a:srgbClr val="ffffff"/>
+                      </a:solidFill>
+                    </a:lnT>
+                    <a:lnB w="720">
+                      <a:solidFill>
+                        <a:srgbClr val="ffffff"/>
+                      </a:solidFill>
+                    </a:lnB>
+                    <a:solidFill>
+                      <a:srgbClr val="cccccc"/>
+                    </a:solidFill>
+                  </a:tcPr>
+                </a:tc>
+                <a:tc>
+                  <a:tcPr marL="90000" marR="90000">
+                    <a:lnL w="720">
+                      <a:solidFill>
+                        <a:srgbClr val="ffffff"/>
+                      </a:solidFill>
+                    </a:lnL>
+                    <a:lnR w="720">
+                      <a:solidFill>
+                        <a:srgbClr val="ffffff"/>
+                      </a:solidFill>
+                    </a:lnR>
+                    <a:lnT w="720">
+                      <a:solidFill>
+                        <a:srgbClr val="ffffff"/>
+                      </a:solidFill>
+                    </a:lnT>
+                    <a:lnB w="720">
+                      <a:solidFill>
+                        <a:srgbClr val="ffffff"/>
+                      </a:solidFill>
+                    </a:lnB>
+                    <a:solidFill>
+                      <a:srgbClr val="cccccc"/>
+                    </a:solidFill>
+                  </a:tcPr>
+                </a:tc>
+                <a:tc>
+                  <a:tcPr marL="90000" marR="90000">
+                    <a:lnL w="720">
+                      <a:solidFill>
+                        <a:srgbClr val="ffffff"/>
+                      </a:solidFill>
+                    </a:lnL>
+                    <a:lnR w="720">
+                      <a:solidFill>
+                        <a:srgbClr val="ffffff"/>
+                      </a:solidFill>
+                    </a:lnR>
+                    <a:lnT w="720">
+                      <a:solidFill>
+                        <a:srgbClr val="ffffff"/>
+                      </a:solidFill>
+                    </a:lnT>
+                    <a:lnB w="720">
+                      <a:solidFill>
+                        <a:srgbClr val="ffffff"/>
+                      </a:solidFill>
+                    </a:lnB>
+                    <a:solidFill>
+                      <a:srgbClr val="cccccc"/>
+                    </a:solidFill>
+                  </a:tcPr>
+                </a:tc>
+              </a:tr>
+              <a:tr h="326880">
+                <a:tc>
+                  <a:txBody>
+                    <a:bodyPr lIns="90000" rIns="90000" tIns="46800" bIns="46800">
+                      <a:noAutofit/>
+                    </a:bodyPr>
+                    <a:p>
+                      <a:r>
+                        <a:rPr b="0" lang="en-IN" sz="1800" spc="-1" strike="noStrike">
+                          <a:latin typeface="Arial"/>
+                        </a:rPr>
+                        <a:t>5746</a:t>
+                      </a:r>
+                      <a:endParaRPr b="0" lang="en-IN" sz="1800" spc="-1" strike="noStrike">
+                        <a:latin typeface="Arial"/>
+                      </a:endParaRPr>
+                    </a:p>
+                  </a:txBody>
+                  <a:tcPr marL="90000" marR="90000">
+                    <a:lnL w="720">
+                      <a:solidFill>
+                        <a:srgbClr val="ffffff"/>
+                      </a:solidFill>
+                    </a:lnL>
+                    <a:lnR w="720">
+                      <a:solidFill>
+                        <a:srgbClr val="ffffff"/>
+                      </a:solidFill>
+                    </a:lnR>
+                    <a:lnT w="720">
+                      <a:solidFill>
+                        <a:srgbClr val="ffffff"/>
+                      </a:solidFill>
+                    </a:lnT>
+                    <a:lnB w="720">
+                      <a:solidFill>
+                        <a:srgbClr val="ffffff"/>
+                      </a:solidFill>
+                    </a:lnB>
+                    <a:solidFill>
+                      <a:srgbClr val="e6e6e6"/>
+                    </a:solidFill>
+                  </a:tcPr>
+                </a:tc>
+                <a:tc>
+                  <a:tcPr marL="90000" marR="90000">
+                    <a:lnL w="720">
+                      <a:solidFill>
+                        <a:srgbClr val="ffffff"/>
+                      </a:solidFill>
+                    </a:lnL>
+                    <a:lnR w="720">
+                      <a:solidFill>
+                        <a:srgbClr val="ffffff"/>
+                      </a:solidFill>
+                    </a:lnR>
+                    <a:lnT w="720">
+                      <a:solidFill>
+                        <a:srgbClr val="ffffff"/>
+                      </a:solidFill>
+                    </a:lnT>
+                    <a:lnB w="720">
+                      <a:solidFill>
+                        <a:srgbClr val="ffffff"/>
+                      </a:solidFill>
+                    </a:lnB>
+                    <a:solidFill>
+                      <a:srgbClr val="e6e6e6"/>
+                    </a:solidFill>
+                  </a:tcPr>
+                </a:tc>
+                <a:tc>
+                  <a:tcPr marL="90000" marR="90000">
+                    <a:lnL w="720">
+                      <a:solidFill>
+                        <a:srgbClr val="ffffff"/>
+                      </a:solidFill>
+                    </a:lnL>
+                    <a:lnR w="720">
+                      <a:solidFill>
+                        <a:srgbClr val="ffffff"/>
+                      </a:solidFill>
+                    </a:lnR>
+                    <a:lnT w="720">
+                      <a:solidFill>
+                        <a:srgbClr val="ffffff"/>
+                      </a:solidFill>
+                    </a:lnT>
+                    <a:lnB w="720">
+                      <a:solidFill>
+                        <a:srgbClr val="ffffff"/>
+                      </a:solidFill>
+                    </a:lnB>
+                    <a:solidFill>
+                      <a:srgbClr val="e6e6e6"/>
+                    </a:solidFill>
+                  </a:tcPr>
+                </a:tc>
+                <a:tc>
+                  <a:tcPr marL="90000" marR="90000">
+                    <a:lnL w="720">
+                      <a:solidFill>
+                        <a:srgbClr val="ffffff"/>
+                      </a:solidFill>
+                    </a:lnL>
+                    <a:lnR w="720">
+                      <a:solidFill>
+                        <a:srgbClr val="ffffff"/>
+                      </a:solidFill>
+                    </a:lnR>
+                    <a:lnT w="720">
+                      <a:solidFill>
+                        <a:srgbClr val="ffffff"/>
+                      </a:solidFill>
+                    </a:lnT>
+                    <a:lnB w="720">
+                      <a:solidFill>
+                        <a:srgbClr val="ffffff"/>
+                      </a:solidFill>
+                    </a:lnB>
+                    <a:solidFill>
+                      <a:srgbClr val="e6e6e6"/>
+                    </a:solidFill>
+                  </a:tcPr>
+                </a:tc>
+              </a:tr>
+              <a:tr h="342360">
+                <a:tc>
+                  <a:txBody>
+                    <a:bodyPr lIns="90000" rIns="90000" tIns="46800" bIns="46800">
+                      <a:noAutofit/>
+                    </a:bodyPr>
+                    <a:p>
+                      <a:r>
+                        <a:rPr b="0" lang="en-IN" sz="1800" spc="-1" strike="noStrike">
+                          <a:latin typeface="Arial"/>
+                        </a:rPr>
+                        <a:t>5748</a:t>
+                      </a:r>
+                      <a:endParaRPr b="0" lang="en-IN" sz="1800" spc="-1" strike="noStrike">
+                        <a:latin typeface="Arial"/>
+                      </a:endParaRPr>
+                    </a:p>
+                  </a:txBody>
+                  <a:tcPr marL="90000" marR="90000">
+                    <a:lnL w="720">
+                      <a:solidFill>
+                        <a:srgbClr val="ffffff"/>
+                      </a:solidFill>
+                    </a:lnL>
+                    <a:lnR w="720">
+                      <a:solidFill>
+                        <a:srgbClr val="ffffff"/>
+                      </a:solidFill>
+                    </a:lnR>
+                    <a:lnT w="720">
+                      <a:solidFill>
+                        <a:srgbClr val="ffffff"/>
+                      </a:solidFill>
+                    </a:lnT>
+                    <a:lnB w="720">
+                      <a:solidFill>
+                        <a:srgbClr val="ffffff"/>
+                      </a:solidFill>
+                    </a:lnB>
+                    <a:solidFill>
+                      <a:srgbClr val="cccccc"/>
+                    </a:solidFill>
+                  </a:tcPr>
+                </a:tc>
+                <a:tc>
+                  <a:tcPr marL="90000" marR="90000">
+                    <a:lnL w="720">
+                      <a:solidFill>
+                        <a:srgbClr val="ffffff"/>
+                      </a:solidFill>
+                    </a:lnL>
+                    <a:lnR w="720">
+                      <a:solidFill>
+                        <a:srgbClr val="ffffff"/>
+                      </a:solidFill>
+                    </a:lnR>
+                    <a:lnT w="720">
+                      <a:solidFill>
+                        <a:srgbClr val="ffffff"/>
+                      </a:solidFill>
+                    </a:lnT>
+                    <a:lnB w="720">
+                      <a:solidFill>
+                        <a:srgbClr val="ffffff"/>
+                      </a:solidFill>
+                    </a:lnB>
+                    <a:solidFill>
+                      <a:srgbClr val="cccccc"/>
+                    </a:solidFill>
+                  </a:tcPr>
+                </a:tc>
+                <a:tc>
+                  <a:tcPr marL="90000" marR="90000">
+                    <a:lnL w="720">
+                      <a:solidFill>
+                        <a:srgbClr val="ffffff"/>
+                      </a:solidFill>
+                    </a:lnL>
+                    <a:lnR w="720">
+                      <a:solidFill>
+                        <a:srgbClr val="ffffff"/>
+                      </a:solidFill>
+                    </a:lnR>
+                    <a:lnT w="720">
+                      <a:solidFill>
+                        <a:srgbClr val="ffffff"/>
+                      </a:solidFill>
+                    </a:lnT>
+                    <a:lnB w="720">
+                      <a:solidFill>
+                        <a:srgbClr val="ffffff"/>
+                      </a:solidFill>
+                    </a:lnB>
+                    <a:solidFill>
+                      <a:srgbClr val="cccccc"/>
+                    </a:solidFill>
+                  </a:tcPr>
+                </a:tc>
+                <a:tc>
+                  <a:tcPr marL="90000" marR="90000">
+                    <a:lnL w="720">
+                      <a:solidFill>
+                        <a:srgbClr val="ffffff"/>
+                      </a:solidFill>
+                    </a:lnL>
+                    <a:lnR w="720">
+                      <a:solidFill>
+                        <a:srgbClr val="ffffff"/>
+                      </a:solidFill>
+                    </a:lnR>
+                    <a:lnT w="720">
+                      <a:solidFill>
+                        <a:srgbClr val="ffffff"/>
+                      </a:solidFill>
+                    </a:lnT>
+                    <a:lnB w="720">
+                      <a:solidFill>
+                        <a:srgbClr val="ffffff"/>
+                      </a:solidFill>
+                    </a:lnB>
+                    <a:solidFill>
+                      <a:srgbClr val="cccccc"/>
+                    </a:solidFill>
+                  </a:tcPr>
+                </a:tc>
+              </a:tr>
+              <a:tr h="371160">
+                <a:tc>
+                  <a:txBody>
+                    <a:bodyPr lIns="90000" rIns="90000" tIns="46800" bIns="46800">
+                      <a:noAutofit/>
+                    </a:bodyPr>
+                    <a:p>
+                      <a:r>
+                        <a:rPr b="0" lang="en-IN" sz="1800" spc="-1" strike="noStrike">
+                          <a:latin typeface="Arial"/>
+                        </a:rPr>
+                        <a:t>5749</a:t>
+                      </a:r>
+                      <a:endParaRPr b="0" lang="en-IN" sz="1800" spc="-1" strike="noStrike">
+                        <a:latin typeface="Arial"/>
+                      </a:endParaRPr>
+                    </a:p>
+                  </a:txBody>
+                  <a:tcPr marL="90000" marR="90000">
+                    <a:lnL w="720">
+                      <a:solidFill>
+                        <a:srgbClr val="ffffff"/>
+                      </a:solidFill>
+                    </a:lnL>
+                    <a:lnR w="720">
+                      <a:solidFill>
+                        <a:srgbClr val="ffffff"/>
+                      </a:solidFill>
+                    </a:lnR>
+                    <a:lnT w="720">
+                      <a:solidFill>
+                        <a:srgbClr val="ffffff"/>
+                      </a:solidFill>
+                    </a:lnT>
+                    <a:lnB w="720">
+                      <a:solidFill>
+                        <a:srgbClr val="ffffff"/>
+                      </a:solidFill>
+                    </a:lnB>
+                    <a:solidFill>
+                      <a:srgbClr val="e6e6e6"/>
+                    </a:solidFill>
+                  </a:tcPr>
+                </a:tc>
+                <a:tc>
+                  <a:tcPr marL="90000" marR="90000">
+                    <a:lnL w="720">
+                      <a:solidFill>
+                        <a:srgbClr val="ffffff"/>
+                      </a:solidFill>
+                    </a:lnL>
+                    <a:lnR w="720">
+                      <a:solidFill>
+                        <a:srgbClr val="ffffff"/>
+                      </a:solidFill>
+                    </a:lnR>
+                    <a:lnT w="720">
+                      <a:solidFill>
+                        <a:srgbClr val="ffffff"/>
+                      </a:solidFill>
+                    </a:lnT>
+                    <a:lnB w="720">
+                      <a:solidFill>
+                        <a:srgbClr val="ffffff"/>
+                      </a:solidFill>
+                    </a:lnB>
+                    <a:solidFill>
+                      <a:srgbClr val="e6e6e6"/>
+                    </a:solidFill>
+                  </a:tcPr>
+                </a:tc>
+                <a:tc>
+                  <a:tcPr marL="90000" marR="90000">
+                    <a:lnL w="720">
+                      <a:solidFill>
+                        <a:srgbClr val="ffffff"/>
+                      </a:solidFill>
+                    </a:lnL>
+                    <a:lnR w="720">
+                      <a:solidFill>
+                        <a:srgbClr val="ffffff"/>
+                      </a:solidFill>
+                    </a:lnR>
+                    <a:lnT w="720">
+                      <a:solidFill>
+                        <a:srgbClr val="ffffff"/>
+                      </a:solidFill>
+                    </a:lnT>
+                    <a:lnB w="720">
+                      <a:solidFill>
+                        <a:srgbClr val="ffffff"/>
+                      </a:solidFill>
+                    </a:lnB>
+                    <a:solidFill>
+                      <a:srgbClr val="e6e6e6"/>
+                    </a:solidFill>
+                  </a:tcPr>
+                </a:tc>
+                <a:tc>
+                  <a:tcPr marL="90000" marR="90000">
+                    <a:lnL w="720">
+                      <a:solidFill>
+                        <a:srgbClr val="ffffff"/>
+                      </a:solidFill>
+                    </a:lnL>
+                    <a:lnR w="720">
+                      <a:solidFill>
+                        <a:srgbClr val="ffffff"/>
+                      </a:solidFill>
+                    </a:lnR>
+                    <a:lnT w="720">
+                      <a:solidFill>
+                        <a:srgbClr val="ffffff"/>
+                      </a:solidFill>
+                    </a:lnT>
+                    <a:lnB w="720">
+                      <a:solidFill>
+                        <a:srgbClr val="ffffff"/>
+                      </a:solidFill>
+                    </a:lnB>
+                    <a:solidFill>
+                      <a:srgbClr val="e6e6e6"/>
+                    </a:solidFill>
+                  </a:tcPr>
+                </a:tc>
+              </a:tr>
+              <a:tr h="371880">
+                <a:tc>
+                  <a:txBody>
+                    <a:bodyPr lIns="90000" rIns="90000" tIns="46800" bIns="46800">
+                      <a:noAutofit/>
+                    </a:bodyPr>
+                    <a:p>
+                      <a:r>
+                        <a:rPr b="0" lang="en-IN" sz="1800" spc="-1" strike="noStrike">
+                          <a:latin typeface="Arial"/>
+                        </a:rPr>
+                        <a:t>5790</a:t>
+                      </a:r>
+                      <a:endParaRPr b="0" lang="en-IN" sz="1800" spc="-1" strike="noStrike">
+                        <a:latin typeface="Arial"/>
+                      </a:endParaRPr>
+                    </a:p>
+                  </a:txBody>
+                  <a:tcPr marL="90000" marR="90000">
+                    <a:lnL w="720">
+                      <a:solidFill>
+                        <a:srgbClr val="ffffff"/>
+                      </a:solidFill>
+                    </a:lnL>
+                    <a:lnR w="720">
+                      <a:solidFill>
+                        <a:srgbClr val="ffffff"/>
+                      </a:solidFill>
+                    </a:lnR>
+                    <a:lnT w="720">
+                      <a:solidFill>
+                        <a:srgbClr val="ffffff"/>
+                      </a:solidFill>
+                    </a:lnT>
+                    <a:lnB w="720">
+                      <a:solidFill>
+                        <a:srgbClr val="ffffff"/>
+                      </a:solidFill>
+                    </a:lnB>
+                    <a:solidFill>
+                      <a:srgbClr val="cccccc"/>
+                    </a:solidFill>
+                  </a:tcPr>
+                </a:tc>
+                <a:tc>
+                  <a:tcPr marL="90000" marR="90000">
+                    <a:lnL w="720">
+                      <a:solidFill>
+                        <a:srgbClr val="ffffff"/>
+                      </a:solidFill>
+                    </a:lnL>
+                    <a:lnR w="720">
+                      <a:solidFill>
+                        <a:srgbClr val="ffffff"/>
+                      </a:solidFill>
+                    </a:lnR>
+                    <a:lnT w="720">
+                      <a:solidFill>
+                        <a:srgbClr val="ffffff"/>
+                      </a:solidFill>
+                    </a:lnT>
+                    <a:lnB w="720">
+                      <a:solidFill>
+                        <a:srgbClr val="ffffff"/>
+                      </a:solidFill>
+                    </a:lnB>
+                    <a:solidFill>
+                      <a:srgbClr val="cccccc"/>
+                    </a:solidFill>
+                  </a:tcPr>
+                </a:tc>
+                <a:tc>
+                  <a:tcPr marL="90000" marR="90000">
+                    <a:lnL w="720">
+                      <a:solidFill>
+                        <a:srgbClr val="ffffff"/>
+                      </a:solidFill>
+                    </a:lnL>
+                    <a:lnR w="720">
+                      <a:solidFill>
+                        <a:srgbClr val="ffffff"/>
+                      </a:solidFill>
+                    </a:lnR>
+                    <a:lnT w="720">
+                      <a:solidFill>
+                        <a:srgbClr val="ffffff"/>
+                      </a:solidFill>
+                    </a:lnT>
+                    <a:lnB w="720">
+                      <a:solidFill>
+                        <a:srgbClr val="ffffff"/>
+                      </a:solidFill>
+                    </a:lnB>
+                    <a:solidFill>
+                      <a:srgbClr val="cccccc"/>
+                    </a:solidFill>
+                  </a:tcPr>
+                </a:tc>
+                <a:tc>
+                  <a:tcPr marL="90000" marR="90000">
+                    <a:lnL w="720">
+                      <a:solidFill>
+                        <a:srgbClr val="ffffff"/>
+                      </a:solidFill>
+                    </a:lnL>
+                    <a:lnR w="720">
+                      <a:solidFill>
+                        <a:srgbClr val="ffffff"/>
+                      </a:solidFill>
+                    </a:lnR>
+                    <a:lnT w="720">
+                      <a:solidFill>
+                        <a:srgbClr val="ffffff"/>
+                      </a:solidFill>
+                    </a:lnT>
+                    <a:lnB w="720">
+                      <a:solidFill>
+                        <a:srgbClr val="ffffff"/>
+                      </a:solidFill>
+                    </a:lnB>
+                    <a:solidFill>
+                      <a:srgbClr val="cccccc"/>
+                    </a:solidFill>
+                  </a:tcPr>
+                </a:tc>
+              </a:tr>
+              <a:tr h="342360">
+                <a:tc>
+                  <a:tcPr marL="90000" marR="90000">
+                    <a:lnL w="720">
+                      <a:solidFill>
+                        <a:srgbClr val="ffffff"/>
+                      </a:solidFill>
+                    </a:lnL>
+                    <a:lnR w="720">
+                      <a:solidFill>
+                        <a:srgbClr val="ffffff"/>
+                      </a:solidFill>
+                    </a:lnR>
+                    <a:lnT w="720">
+                      <a:solidFill>
+                        <a:srgbClr val="ffffff"/>
+                      </a:solidFill>
+                    </a:lnT>
+                    <a:lnB w="720">
+                      <a:solidFill>
+                        <a:srgbClr val="ffffff"/>
+                      </a:solidFill>
+                    </a:lnB>
+                    <a:solidFill>
+                      <a:srgbClr val="e6e6e6"/>
+                    </a:solidFill>
+                  </a:tcPr>
+                </a:tc>
+                <a:tc>
+                  <a:tcPr marL="90000" marR="90000">
+                    <a:lnL w="720">
+                      <a:solidFill>
+                        <a:srgbClr val="ffffff"/>
+                      </a:solidFill>
+                    </a:lnL>
+                    <a:lnR w="720">
+                      <a:solidFill>
+                        <a:srgbClr val="ffffff"/>
+                      </a:solidFill>
+                    </a:lnR>
+                    <a:lnT w="720">
+                      <a:solidFill>
+                        <a:srgbClr val="ffffff"/>
+                      </a:solidFill>
+                    </a:lnT>
+                    <a:lnB w="720">
+                      <a:solidFill>
+                        <a:srgbClr val="ffffff"/>
+                      </a:solidFill>
+                    </a:lnB>
+                    <a:solidFill>
+                      <a:srgbClr val="e6e6e6"/>
+                    </a:solidFill>
+                  </a:tcPr>
+                </a:tc>
+                <a:tc>
+                  <a:tcPr marL="90000" marR="90000">
+                    <a:lnL w="720">
+                      <a:solidFill>
+                        <a:srgbClr val="ffffff"/>
+                      </a:solidFill>
+                    </a:lnL>
+                    <a:lnR w="720">
+                      <a:solidFill>
+                        <a:srgbClr val="ffffff"/>
+                      </a:solidFill>
+                    </a:lnR>
+                    <a:lnT w="720">
+                      <a:solidFill>
+                        <a:srgbClr val="ffffff"/>
+                      </a:solidFill>
+                    </a:lnT>
+                    <a:lnB w="720">
+                      <a:solidFill>
+                        <a:srgbClr val="ffffff"/>
+                      </a:solidFill>
+                    </a:lnB>
+                    <a:solidFill>
+                      <a:srgbClr val="e6e6e6"/>
+                    </a:solidFill>
+                  </a:tcPr>
+                </a:tc>
+                <a:tc>
+                  <a:tcPr marL="90000" marR="90000">
+                    <a:lnL w="720">
+                      <a:solidFill>
+                        <a:srgbClr val="ffffff"/>
+                      </a:solidFill>
+                    </a:lnL>
+                    <a:lnR w="720">
+                      <a:solidFill>
+                        <a:srgbClr val="ffffff"/>
+                      </a:solidFill>
+                    </a:lnR>
+                    <a:lnT w="720">
+                      <a:solidFill>
+                        <a:srgbClr val="ffffff"/>
+                      </a:solidFill>
+                    </a:lnT>
+                    <a:lnB w="720">
+                      <a:solidFill>
+                        <a:srgbClr val="ffffff"/>
+                      </a:solidFill>
+                    </a:lnB>
+                    <a:solidFill>
+                      <a:srgbClr val="e6e6e6"/>
+                    </a:solidFill>
+                  </a:tcPr>
+                </a:tc>
+              </a:tr>
+            </a:tbl>
+          </a:graphicData>
+        </a:graphic>
+      </p:graphicFrame>
+      <p:graphicFrame>
+        <p:nvGraphicFramePr>
+          <p:cNvPr id="355" name="Table 2"/>
+          <p:cNvGraphicFramePr/>
+          <p:nvPr/>
+        </p:nvGraphicFramePr>
+        <p:xfrm>
+          <a:off x="1026360" y="2240640"/>
+          <a:ext cx="5075280" cy="2159280"/>
+        </p:xfrm>
+        <a:graphic>
+          <a:graphicData uri="http://schemas.openxmlformats.org/drawingml/2006/table">
+            <a:tbl>
+              <a:tblPr/>
+              <a:tblGrid>
+                <a:gridCol w="1310040"/>
+                <a:gridCol w="1116360"/>
+              </a:tblGrid>
+              <a:tr h="371880">
+                <a:tc>
+                  <a:txBody>
+                    <a:bodyPr lIns="90000" rIns="90000" tIns="46800" bIns="46800">
+                      <a:noAutofit/>
+                    </a:bodyPr>
+                    <a:p>
+                      <a:r>
+                        <a:rPr b="0" lang="en-IN" sz="1800" spc="-1" strike="noStrike">
+                          <a:latin typeface="Arial"/>
+                        </a:rPr>
+                        <a:t>5721</a:t>
+                      </a:r>
+                      <a:endParaRPr b="0" lang="en-IN" sz="1800" spc="-1" strike="noStrike">
+                        <a:latin typeface="Arial"/>
+                      </a:endParaRPr>
+                    </a:p>
+                  </a:txBody>
+                  <a:tcPr marL="90000" marR="90000">
+                    <a:lnL w="720">
+                      <a:solidFill>
+                        <a:srgbClr val="ffffff"/>
+                      </a:solidFill>
+                    </a:lnL>
+                    <a:lnR w="720">
+                      <a:solidFill>
+                        <a:srgbClr val="ffffff"/>
+                      </a:solidFill>
+                    </a:lnR>
+                    <a:lnT w="720">
+                      <a:solidFill>
+                        <a:srgbClr val="ffffff"/>
+                      </a:solidFill>
+                    </a:lnT>
+                    <a:lnB w="720">
+                      <a:solidFill>
+                        <a:srgbClr val="ffffff"/>
+                      </a:solidFill>
+                    </a:lnB>
+                    <a:solidFill>
+                      <a:srgbClr val="b3b3b3"/>
+                    </a:solidFill>
+                  </a:tcPr>
+                </a:tc>
+                <a:tc>
+                  <a:tcPr marL="90000" marR="90000">
+                    <a:lnL w="720">
+                      <a:solidFill>
+                        <a:srgbClr val="ffffff"/>
+                      </a:solidFill>
+                    </a:lnL>
+                    <a:lnR w="720">
+                      <a:solidFill>
+                        <a:srgbClr val="ffffff"/>
+                      </a:solidFill>
+                    </a:lnR>
+                    <a:lnT w="720">
+                      <a:solidFill>
+                        <a:srgbClr val="ffffff"/>
+                      </a:solidFill>
+                    </a:lnT>
+                    <a:lnB w="720">
+                      <a:solidFill>
+                        <a:srgbClr val="ffffff"/>
+                      </a:solidFill>
+                    </a:lnB>
+                    <a:solidFill>
+                      <a:srgbClr val="b3b3b3"/>
+                    </a:solidFill>
+                  </a:tcPr>
+                </a:tc>
+              </a:tr>
+              <a:tr h="416880">
+                <a:tc>
+                  <a:txBody>
+                    <a:bodyPr lIns="90000" rIns="90000" tIns="46800" bIns="46800">
+                      <a:noAutofit/>
+                    </a:bodyPr>
+                    <a:p>
+                      <a:r>
+                        <a:rPr b="0" lang="en-IN" sz="1800" spc="-1" strike="noStrike">
+                          <a:latin typeface="Arial"/>
+                        </a:rPr>
+                        <a:t>5733</a:t>
+                      </a:r>
+                      <a:endParaRPr b="0" lang="en-IN" sz="1800" spc="-1" strike="noStrike">
+                        <a:latin typeface="Arial"/>
+                      </a:endParaRPr>
+                    </a:p>
+                  </a:txBody>
+                  <a:tcPr marL="90000" marR="90000">
+                    <a:lnL w="720">
+                      <a:solidFill>
+                        <a:srgbClr val="ffffff"/>
+                      </a:solidFill>
+                    </a:lnL>
+                    <a:lnR w="720">
+                      <a:solidFill>
+                        <a:srgbClr val="ffffff"/>
+                      </a:solidFill>
+                    </a:lnR>
+                    <a:lnT w="720">
+                      <a:solidFill>
+                        <a:srgbClr val="ffffff"/>
+                      </a:solidFill>
+                    </a:lnT>
+                    <a:lnB w="720">
+                      <a:solidFill>
+                        <a:srgbClr val="ffffff"/>
+                      </a:solidFill>
+                    </a:lnB>
+                    <a:solidFill>
+                      <a:srgbClr val="cccccc"/>
+                    </a:solidFill>
+                  </a:tcPr>
+                </a:tc>
+                <a:tc>
+                  <a:tcPr marL="90000" marR="90000">
+                    <a:lnL w="720">
+                      <a:solidFill>
+                        <a:srgbClr val="ffffff"/>
+                      </a:solidFill>
+                    </a:lnL>
+                    <a:lnR w="720">
+                      <a:solidFill>
+                        <a:srgbClr val="ffffff"/>
+                      </a:solidFill>
+                    </a:lnR>
+                    <a:lnT w="720">
+                      <a:solidFill>
+                        <a:srgbClr val="ffffff"/>
+                      </a:solidFill>
+                    </a:lnT>
+                    <a:lnB w="720">
+                      <a:solidFill>
+                        <a:srgbClr val="ffffff"/>
+                      </a:solidFill>
+                    </a:lnB>
+                    <a:solidFill>
+                      <a:srgbClr val="cccccc"/>
+                    </a:solidFill>
+                  </a:tcPr>
+                </a:tc>
+              </a:tr>
+              <a:tr h="342360">
+                <a:tc>
+                  <a:txBody>
+                    <a:bodyPr lIns="90000" rIns="90000" tIns="46800" bIns="46800">
+                      <a:noAutofit/>
+                    </a:bodyPr>
+                    <a:p>
+                      <a:r>
+                        <a:rPr b="0" lang="en-IN" sz="1800" spc="-1" strike="noStrike">
+                          <a:latin typeface="Arial"/>
+                        </a:rPr>
+                        <a:t>5749</a:t>
+                      </a:r>
+                      <a:endParaRPr b="0" lang="en-IN" sz="1800" spc="-1" strike="noStrike">
+                        <a:latin typeface="Arial"/>
+                      </a:endParaRPr>
+                    </a:p>
+                  </a:txBody>
+                  <a:tcPr marL="90000" marR="90000">
+                    <a:lnL w="720">
+                      <a:solidFill>
+                        <a:srgbClr val="ffffff"/>
+                      </a:solidFill>
+                    </a:lnL>
+                    <a:lnR w="720">
+                      <a:solidFill>
+                        <a:srgbClr val="ffffff"/>
+                      </a:solidFill>
+                    </a:lnR>
+                    <a:lnT w="720">
+                      <a:solidFill>
+                        <a:srgbClr val="ffffff"/>
+                      </a:solidFill>
+                    </a:lnT>
+                    <a:lnB w="720">
+                      <a:solidFill>
+                        <a:srgbClr val="ffffff"/>
+                      </a:solidFill>
+                    </a:lnB>
+                    <a:solidFill>
+                      <a:srgbClr val="e6e6e6"/>
+                    </a:solidFill>
+                  </a:tcPr>
+                </a:tc>
+                <a:tc>
+                  <a:tcPr marL="90000" marR="90000">
+                    <a:lnL w="720">
+                      <a:solidFill>
+                        <a:srgbClr val="ffffff"/>
+                      </a:solidFill>
+                    </a:lnL>
+                    <a:lnR w="720">
+                      <a:solidFill>
+                        <a:srgbClr val="ffffff"/>
+                      </a:solidFill>
+                    </a:lnR>
+                    <a:lnT w="720">
+                      <a:solidFill>
+                        <a:srgbClr val="ffffff"/>
+                      </a:solidFill>
+                    </a:lnT>
+                    <a:lnB w="720">
+                      <a:solidFill>
+                        <a:srgbClr val="ffffff"/>
+                      </a:solidFill>
+                    </a:lnB>
+                    <a:solidFill>
+                      <a:srgbClr val="e6e6e6"/>
+                    </a:solidFill>
+                  </a:tcPr>
+                </a:tc>
+              </a:tr>
+            </a:tbl>
+          </a:graphicData>
+        </a:graphic>
+      </p:graphicFrame>
+      <p:sp>
+        <p:nvSpPr>
+          <p:cNvPr id="356" name="Line 3"/>
+          <p:cNvSpPr/>
+          <p:nvPr/>
+        </p:nvSpPr>
+        <p:spPr>
+          <a:xfrm flipV="1">
+            <a:off x="3168000" y="1368000"/>
+            <a:ext cx="2501280" cy="1080000"/>
+          </a:xfrm>
+          <a:prstGeom prst="line">
+            <a:avLst/>
+          </a:prstGeom>
+          <a:ln>
+            <a:solidFill>
+              <a:srgbClr val="3465a4"/>
+            </a:solidFill>
+            <a:tailEnd len="med" type="triangle" w="med"/>
+          </a:ln>
+        </p:spPr>
+        <p:style>
+          <a:lnRef idx="0"/>
+          <a:fillRef idx="0"/>
+          <a:effectRef idx="0"/>
+          <a:fontRef idx="minor"/>
+        </p:style>
+      </p:sp>
+      <p:sp>
+        <p:nvSpPr>
+          <p:cNvPr id="357" name="Line 4"/>
+          <p:cNvSpPr/>
+          <p:nvPr/>
+        </p:nvSpPr>
+        <p:spPr>
+          <a:xfrm flipV="1">
+            <a:off x="3096000" y="2736000"/>
+            <a:ext cx="2573280" cy="72000"/>
+          </a:xfrm>
+          <a:prstGeom prst="line">
+            <a:avLst/>
+          </a:prstGeom>
+          <a:ln>
+            <a:solidFill>
+              <a:srgbClr val="3465a4"/>
+            </a:solidFill>
+            <a:tailEnd len="med" type="triangle" w="med"/>
+          </a:ln>
+        </p:spPr>
+        <p:style>
+          <a:lnRef idx="0"/>
+          <a:fillRef idx="0"/>
+          <a:effectRef idx="0"/>
+          <a:fontRef idx="minor"/>
+        </p:style>
+      </p:sp>
+      <p:sp>
+        <p:nvSpPr>
+          <p:cNvPr id="358" name="Line 5"/>
+          <p:cNvSpPr/>
+          <p:nvPr/>
+        </p:nvSpPr>
+        <p:spPr>
+          <a:xfrm>
+            <a:off x="3240000" y="3240000"/>
+            <a:ext cx="2429280" cy="864000"/>
+          </a:xfrm>
+          <a:prstGeom prst="line">
+            <a:avLst/>
+          </a:prstGeom>
+          <a:ln>
+            <a:solidFill>
+              <a:srgbClr val="3465a4"/>
+            </a:solidFill>
+            <a:tailEnd len="med" type="triangle" w="med"/>
+          </a:ln>
+        </p:spPr>
+        <p:style>
+          <a:lnRef idx="0"/>
+          <a:fillRef idx="0"/>
+          <a:effectRef idx="0"/>
+          <a:fontRef idx="minor"/>
+        </p:style>
+      </p:sp>
+      <p:sp>
+        <p:nvSpPr>
+          <p:cNvPr id="359" name="TextShape 6"/>
+          <p:cNvSpPr txBox="1"/>
+          <p:nvPr/>
+        </p:nvSpPr>
+        <p:spPr>
+          <a:xfrm>
+            <a:off x="1728000" y="1741680"/>
+            <a:ext cx="1152000" cy="346320"/>
+          </a:xfrm>
+          <a:prstGeom prst="rect">
+            <a:avLst/>
+          </a:prstGeom>
+          <a:noFill/>
+          <a:ln>
+            <a:noFill/>
+          </a:ln>
+        </p:spPr>
+        <p:txBody>
+          <a:bodyPr lIns="90000" rIns="90000" tIns="45000" bIns="45000">
+            <a:noAutofit/>
+          </a:bodyPr>
+          <a:p>
+            <a:r>
+              <a:rPr b="0" lang="en-IN" sz="1800" spc="-1" strike="noStrike">
+                <a:latin typeface="Arial"/>
+              </a:rPr>
+              <a:t>Index file</a:t>
+            </a:r>
+            <a:endParaRPr b="0" lang="en-IN" sz="1800" spc="-1" strike="noStrike">
+              <a:latin typeface="Arial"/>
+            </a:endParaRPr>
+          </a:p>
+        </p:txBody>
+      </p:sp>
+      <p:sp>
+        <p:nvSpPr>
+          <p:cNvPr id="360" name="TextShape 7"/>
+          <p:cNvSpPr txBox="1"/>
+          <p:nvPr/>
+        </p:nvSpPr>
+        <p:spPr>
+          <a:xfrm>
+            <a:off x="6480000" y="648000"/>
+            <a:ext cx="1692000" cy="346320"/>
+          </a:xfrm>
+          <a:prstGeom prst="rect">
+            <a:avLst/>
+          </a:prstGeom>
+          <a:noFill/>
+          <a:ln>
+            <a:noFill/>
+          </a:ln>
+        </p:spPr>
+        <p:txBody>
+          <a:bodyPr lIns="90000" rIns="90000" tIns="45000" bIns="45000">
+            <a:noAutofit/>
+          </a:bodyPr>
+          <a:p>
+            <a:r>
+              <a:rPr b="0" lang="en-IN" sz="1800" spc="-1" strike="noStrike">
+                <a:latin typeface="Arial"/>
+              </a:rPr>
+              <a:t>Sequential file</a:t>
+            </a:r>
+            <a:endParaRPr b="0" lang="en-IN" sz="1800" spc="-1" strike="noStrike">
+              <a:latin typeface="Arial"/>
+            </a:endParaRPr>
+          </a:p>
+        </p:txBody>
+      </p:sp>
     </p:spTree>
   </p:cSld>
   <mc:AlternateContent>
@@ -12324,7 +14221,7 @@
         <p:spPr>
           <a:xfrm>
             <a:off x="1908000" y="936000"/>
-            <a:ext cx="1436040" cy="788040"/>
+            <a:ext cx="1435680" cy="787680"/>
           </a:xfrm>
           <a:prstGeom prst="rect">
             <a:avLst/>
@@ -12379,7 +14276,7 @@
         <p:spPr>
           <a:xfrm>
             <a:off x="6084000" y="936000"/>
-            <a:ext cx="1436040" cy="788040"/>
+            <a:ext cx="1435680" cy="787680"/>
           </a:xfrm>
           <a:prstGeom prst="rect">
             <a:avLst/>
@@ -12434,7 +14331,7 @@
         <p:spPr>
           <a:xfrm>
             <a:off x="1908000" y="4068000"/>
-            <a:ext cx="1436040" cy="788040"/>
+            <a:ext cx="1435680" cy="787680"/>
           </a:xfrm>
           <a:prstGeom prst="rect">
             <a:avLst/>
@@ -12489,7 +14386,7 @@
         <p:spPr>
           <a:xfrm>
             <a:off x="4032000" y="648000"/>
-            <a:ext cx="1436040" cy="1364040"/>
+            <a:ext cx="1435680" cy="1363680"/>
           </a:xfrm>
           <a:custGeom>
             <a:avLst/>
@@ -12587,7 +14484,7 @@
         <p:spPr>
           <a:xfrm>
             <a:off x="1872000" y="2232360"/>
-            <a:ext cx="1436040" cy="1364040"/>
+            <a:ext cx="1435680" cy="1363680"/>
           </a:xfrm>
           <a:custGeom>
             <a:avLst/>
@@ -12793,7 +14690,7 @@
         <p:spPr>
           <a:xfrm>
             <a:off x="5184000" y="2340000"/>
-            <a:ext cx="2012040" cy="572040"/>
+            <a:ext cx="2011680" cy="571680"/>
           </a:xfrm>
           <a:prstGeom prst="ellipse">
             <a:avLst/>
@@ -12848,7 +14745,7 @@
         <p:spPr>
           <a:xfrm>
             <a:off x="3960360" y="3240360"/>
-            <a:ext cx="2012040" cy="572040"/>
+            <a:ext cx="2011680" cy="571680"/>
           </a:xfrm>
           <a:prstGeom prst="ellipse">
             <a:avLst/>
@@ -12987,7 +14884,7 @@
         <p:spPr>
           <a:xfrm>
             <a:off x="3060000" y="2268000"/>
-            <a:ext cx="1436040" cy="788040"/>
+            <a:ext cx="1435680" cy="787680"/>
           </a:xfrm>
           <a:prstGeom prst="rect">
             <a:avLst/>
@@ -13042,7 +14939,7 @@
         <p:spPr>
           <a:xfrm>
             <a:off x="5832000" y="1980000"/>
-            <a:ext cx="1436040" cy="1364040"/>
+            <a:ext cx="1435680" cy="1363680"/>
           </a:xfrm>
           <a:custGeom>
             <a:avLst/>
@@ -13194,7 +15091,7 @@
         <p:spPr>
           <a:xfrm>
             <a:off x="2376000" y="1044000"/>
-            <a:ext cx="1148040" cy="680040"/>
+            <a:ext cx="1147680" cy="679680"/>
           </a:xfrm>
           <a:prstGeom prst="ellipse">
             <a:avLst/>
@@ -13249,7 +15146,7 @@
         <p:spPr>
           <a:xfrm>
             <a:off x="3780360" y="1044360"/>
-            <a:ext cx="1148040" cy="680040"/>
+            <a:ext cx="1147680" cy="679680"/>
           </a:xfrm>
           <a:prstGeom prst="ellipse">
             <a:avLst/>
@@ -13304,7 +15201,7 @@
         <p:spPr>
           <a:xfrm>
             <a:off x="2376360" y="1044360"/>
-            <a:ext cx="1148040" cy="680040"/>
+            <a:ext cx="1147680" cy="679680"/>
           </a:xfrm>
           <a:prstGeom prst="ellipse">
             <a:avLst/>
@@ -13359,7 +15256,7 @@
         <p:spPr>
           <a:xfrm>
             <a:off x="1512720" y="2160720"/>
-            <a:ext cx="1148040" cy="680040"/>
+            <a:ext cx="1147680" cy="679680"/>
           </a:xfrm>
           <a:prstGeom prst="ellipse">
             <a:avLst/>
@@ -13495,7 +15392,7 @@
         <p:spPr>
           <a:xfrm>
             <a:off x="4500000" y="2376000"/>
-            <a:ext cx="1400040" cy="598320"/>
+            <a:ext cx="1399680" cy="597960"/>
           </a:xfrm>
           <a:prstGeom prst="rect">
             <a:avLst/>
@@ -13546,7 +15443,7 @@
         <p:spPr>
           <a:xfrm>
             <a:off x="4320000" y="3204360"/>
-            <a:ext cx="1400040" cy="598320"/>
+            <a:ext cx="1399680" cy="597960"/>
           </a:xfrm>
           <a:prstGeom prst="rect">
             <a:avLst/>
@@ -13627,7 +15524,7 @@
         <p:spPr>
           <a:xfrm>
             <a:off x="504000" y="576000"/>
-            <a:ext cx="428400" cy="1652400"/>
+            <a:ext cx="428040" cy="1652040"/>
           </a:xfrm>
           <a:prstGeom prst="ellipse">
             <a:avLst/>
@@ -13657,7 +15554,7 @@
         <p:spPr>
           <a:xfrm>
             <a:off x="1440360" y="576360"/>
-            <a:ext cx="428400" cy="1652400"/>
+            <a:ext cx="428040" cy="1652040"/>
           </a:xfrm>
           <a:prstGeom prst="ellipse">
             <a:avLst/>
@@ -13687,7 +15584,7 @@
         <p:spPr>
           <a:xfrm>
             <a:off x="3204720" y="612720"/>
-            <a:ext cx="428400" cy="1652400"/>
+            <a:ext cx="428040" cy="1652040"/>
           </a:xfrm>
           <a:prstGeom prst="ellipse">
             <a:avLst/>
@@ -13717,7 +15614,7 @@
         <p:spPr>
           <a:xfrm>
             <a:off x="4068720" y="576720"/>
-            <a:ext cx="428400" cy="1652400"/>
+            <a:ext cx="428040" cy="1652040"/>
           </a:xfrm>
           <a:prstGeom prst="ellipse">
             <a:avLst/>
@@ -13747,7 +15644,7 @@
         <p:spPr>
           <a:xfrm>
             <a:off x="504720" y="3204720"/>
-            <a:ext cx="428400" cy="1652400"/>
+            <a:ext cx="428040" cy="1652040"/>
           </a:xfrm>
           <a:prstGeom prst="ellipse">
             <a:avLst/>
@@ -13777,7 +15674,7 @@
         <p:spPr>
           <a:xfrm>
             <a:off x="1440720" y="3168720"/>
-            <a:ext cx="428400" cy="1652400"/>
+            <a:ext cx="428040" cy="1652040"/>
           </a:xfrm>
           <a:prstGeom prst="ellipse">
             <a:avLst/>
@@ -13807,7 +15704,7 @@
         <p:spPr>
           <a:xfrm>
             <a:off x="3240720" y="3168720"/>
-            <a:ext cx="428400" cy="1652400"/>
+            <a:ext cx="428040" cy="1652040"/>
           </a:xfrm>
           <a:prstGeom prst="ellipse">
             <a:avLst/>
@@ -13837,7 +15734,7 @@
         <p:spPr>
           <a:xfrm>
             <a:off x="4068720" y="3168720"/>
-            <a:ext cx="428400" cy="1652400"/>
+            <a:ext cx="428040" cy="1652040"/>
           </a:xfrm>
           <a:prstGeom prst="ellipse">
             <a:avLst/>
@@ -13867,7 +15764,7 @@
         <p:spPr>
           <a:xfrm>
             <a:off x="540000" y="936000"/>
-            <a:ext cx="500400" cy="342720"/>
+            <a:ext cx="500040" cy="342360"/>
           </a:xfrm>
           <a:prstGeom prst="rect">
             <a:avLst/>
@@ -13918,7 +15815,7 @@
         <p:spPr>
           <a:xfrm>
             <a:off x="540000" y="1512000"/>
-            <a:ext cx="500400" cy="342720"/>
+            <a:ext cx="500040" cy="342360"/>
           </a:xfrm>
           <a:prstGeom prst="rect">
             <a:avLst/>
@@ -13969,7 +15866,7 @@
         <p:spPr>
           <a:xfrm>
             <a:off x="1512000" y="1512000"/>
-            <a:ext cx="500400" cy="342720"/>
+            <a:ext cx="500040" cy="342360"/>
           </a:xfrm>
           <a:prstGeom prst="rect">
             <a:avLst/>
@@ -14020,7 +15917,7 @@
         <p:spPr>
           <a:xfrm>
             <a:off x="1512000" y="900000"/>
-            <a:ext cx="500400" cy="342720"/>
+            <a:ext cx="500040" cy="342360"/>
           </a:xfrm>
           <a:prstGeom prst="rect">
             <a:avLst/>
@@ -14071,7 +15968,7 @@
         <p:spPr>
           <a:xfrm>
             <a:off x="540000" y="1260000"/>
-            <a:ext cx="500400" cy="342720"/>
+            <a:ext cx="500040" cy="342360"/>
           </a:xfrm>
           <a:prstGeom prst="rect">
             <a:avLst/>
@@ -14122,7 +16019,7 @@
         <p:spPr>
           <a:xfrm>
             <a:off x="1512000" y="1224000"/>
-            <a:ext cx="500400" cy="342720"/>
+            <a:ext cx="500040" cy="342360"/>
           </a:xfrm>
           <a:prstGeom prst="rect">
             <a:avLst/>
@@ -14173,7 +16070,7 @@
         <p:spPr>
           <a:xfrm>
             <a:off x="3240000" y="900000"/>
-            <a:ext cx="500400" cy="342720"/>
+            <a:ext cx="500040" cy="342360"/>
           </a:xfrm>
           <a:prstGeom prst="rect">
             <a:avLst/>
@@ -14224,7 +16121,7 @@
         <p:spPr>
           <a:xfrm>
             <a:off x="4104000" y="900000"/>
-            <a:ext cx="500400" cy="342720"/>
+            <a:ext cx="500040" cy="342360"/>
           </a:xfrm>
           <a:prstGeom prst="rect">
             <a:avLst/>
@@ -14275,7 +16172,7 @@
         <p:spPr>
           <a:xfrm>
             <a:off x="4104000" y="1224000"/>
-            <a:ext cx="500400" cy="342720"/>
+            <a:ext cx="500040" cy="342360"/>
           </a:xfrm>
           <a:prstGeom prst="rect">
             <a:avLst/>
@@ -14326,7 +16223,7 @@
         <p:spPr>
           <a:xfrm>
             <a:off x="4104000" y="1620000"/>
-            <a:ext cx="500400" cy="342720"/>
+            <a:ext cx="500040" cy="342360"/>
           </a:xfrm>
           <a:prstGeom prst="rect">
             <a:avLst/>
@@ -14377,7 +16274,7 @@
         <p:spPr>
           <a:xfrm>
             <a:off x="576000" y="3492000"/>
-            <a:ext cx="500400" cy="342720"/>
+            <a:ext cx="500040" cy="342360"/>
           </a:xfrm>
           <a:prstGeom prst="rect">
             <a:avLst/>
@@ -14428,7 +16325,7 @@
         <p:spPr>
           <a:xfrm>
             <a:off x="576000" y="3852000"/>
-            <a:ext cx="500400" cy="342720"/>
+            <a:ext cx="500040" cy="342360"/>
           </a:xfrm>
           <a:prstGeom prst="rect">
             <a:avLst/>
@@ -14479,7 +16376,7 @@
         <p:spPr>
           <a:xfrm>
             <a:off x="576000" y="4176000"/>
-            <a:ext cx="500400" cy="342720"/>
+            <a:ext cx="500040" cy="342360"/>
           </a:xfrm>
           <a:prstGeom prst="rect">
             <a:avLst/>
@@ -14530,7 +16427,7 @@
         <p:spPr>
           <a:xfrm>
             <a:off x="1476000" y="3492000"/>
-            <a:ext cx="500400" cy="342720"/>
+            <a:ext cx="500040" cy="342360"/>
           </a:xfrm>
           <a:prstGeom prst="rect">
             <a:avLst/>
@@ -14581,7 +16478,7 @@
         <p:spPr>
           <a:xfrm>
             <a:off x="3240000" y="3492000"/>
-            <a:ext cx="500400" cy="342720"/>
+            <a:ext cx="500040" cy="342360"/>
           </a:xfrm>
           <a:prstGeom prst="rect">
             <a:avLst/>
@@ -14632,7 +16529,7 @@
         <p:spPr>
           <a:xfrm>
             <a:off x="3276000" y="3960000"/>
-            <a:ext cx="500400" cy="342720"/>
+            <a:ext cx="500040" cy="342360"/>
           </a:xfrm>
           <a:prstGeom prst="rect">
             <a:avLst/>
@@ -14683,7 +16580,7 @@
         <p:spPr>
           <a:xfrm>
             <a:off x="4140000" y="3492000"/>
-            <a:ext cx="500400" cy="342720"/>
+            <a:ext cx="500040" cy="342360"/>
           </a:xfrm>
           <a:prstGeom prst="rect">
             <a:avLst/>
@@ -14734,7 +16631,7 @@
         <p:spPr>
           <a:xfrm>
             <a:off x="4140000" y="3924000"/>
-            <a:ext cx="500400" cy="342720"/>
+            <a:ext cx="500040" cy="342360"/>
           </a:xfrm>
           <a:prstGeom prst="rect">
             <a:avLst/>
@@ -15082,7 +16979,7 @@
         <p:spPr>
           <a:xfrm>
             <a:off x="540000" y="2412000"/>
-            <a:ext cx="1292400" cy="342720"/>
+            <a:ext cx="1292040" cy="342360"/>
           </a:xfrm>
           <a:prstGeom prst="rect">
             <a:avLst/>
@@ -15133,7 +17030,7 @@
         <p:spPr>
           <a:xfrm>
             <a:off x="3168000" y="2412000"/>
-            <a:ext cx="1436400" cy="392400"/>
+            <a:ext cx="1436040" cy="392040"/>
           </a:xfrm>
           <a:prstGeom prst="rect">
             <a:avLst/>
@@ -15184,7 +17081,7 @@
         <p:spPr>
           <a:xfrm>
             <a:off x="3168000" y="4968000"/>
-            <a:ext cx="1580400" cy="356400"/>
+            <a:ext cx="1580040" cy="356040"/>
           </a:xfrm>
           <a:prstGeom prst="rect">
             <a:avLst/>
@@ -15235,7 +17132,7 @@
         <p:spPr>
           <a:xfrm>
             <a:off x="504000" y="4968000"/>
-            <a:ext cx="1436400" cy="356400"/>
+            <a:ext cx="1436040" cy="356040"/>
           </a:xfrm>
           <a:prstGeom prst="rect">
             <a:avLst/>
@@ -15316,7 +17213,7 @@
         <p:spPr>
           <a:xfrm>
             <a:off x="1872000" y="1008000"/>
-            <a:ext cx="2084760" cy="788760"/>
+            <a:ext cx="2084400" cy="788400"/>
           </a:xfrm>
           <a:prstGeom prst="rect">
             <a:avLst/>
@@ -15346,7 +17243,7 @@
         <p:spPr>
           <a:xfrm>
             <a:off x="5328000" y="756000"/>
-            <a:ext cx="1652760" cy="1220760"/>
+            <a:ext cx="1652400" cy="1220400"/>
           </a:xfrm>
           <a:custGeom>
             <a:avLst/>
@@ -15399,7 +17296,7 @@
         <p:spPr>
           <a:xfrm>
             <a:off x="1872360" y="3672360"/>
-            <a:ext cx="2084760" cy="788760"/>
+            <a:ext cx="2084400" cy="788400"/>
           </a:xfrm>
           <a:prstGeom prst="rect">
             <a:avLst/>
@@ -15429,7 +17326,7 @@
         <p:spPr>
           <a:xfrm>
             <a:off x="5328360" y="3420360"/>
-            <a:ext cx="1652760" cy="1220760"/>
+            <a:ext cx="1652400" cy="1220400"/>
           </a:xfrm>
           <a:custGeom>
             <a:avLst/>
@@ -15537,7 +17434,7 @@
         <p:spPr>
           <a:xfrm>
             <a:off x="1188000" y="2304000"/>
-            <a:ext cx="6908760" cy="343080"/>
+            <a:ext cx="6908400" cy="342720"/>
           </a:xfrm>
           <a:prstGeom prst="rect">
             <a:avLst/>
@@ -15588,7 +17485,7 @@
         <p:spPr>
           <a:xfrm>
             <a:off x="1080000" y="4788000"/>
-            <a:ext cx="7160760" cy="599040"/>
+            <a:ext cx="7160400" cy="598680"/>
           </a:xfrm>
           <a:prstGeom prst="rect">
             <a:avLst/>
@@ -15669,7 +17566,7 @@
         <p:spPr>
           <a:xfrm>
             <a:off x="1908000" y="2232000"/>
-            <a:ext cx="1436040" cy="788040"/>
+            <a:ext cx="1435680" cy="787680"/>
           </a:xfrm>
           <a:prstGeom prst="rect">
             <a:avLst/>
@@ -15724,7 +17621,7 @@
         <p:spPr>
           <a:xfrm>
             <a:off x="6084000" y="2232000"/>
-            <a:ext cx="1436040" cy="788040"/>
+            <a:ext cx="1435680" cy="787680"/>
           </a:xfrm>
           <a:prstGeom prst="rect">
             <a:avLst/>
@@ -15779,7 +17676,7 @@
         <p:spPr>
           <a:xfrm>
             <a:off x="4032000" y="1944000"/>
-            <a:ext cx="1436040" cy="1364040"/>
+            <a:ext cx="1435680" cy="1363680"/>
           </a:xfrm>
           <a:custGeom>
             <a:avLst/>
@@ -15986,7 +17883,7 @@
         <p:spPr>
           <a:xfrm>
             <a:off x="2592000" y="3636000"/>
-            <a:ext cx="7124760" cy="599040"/>
+            <a:ext cx="7124400" cy="598680"/>
           </a:xfrm>
           <a:prstGeom prst="rect">
             <a:avLst/>
@@ -16087,7 +17984,7 @@
         <p:spPr>
           <a:xfrm>
             <a:off x="5934960" y="2130480"/>
-            <a:ext cx="1694520" cy="1005480"/>
+            <a:ext cx="1694160" cy="1005120"/>
           </a:xfrm>
           <a:prstGeom prst="rect">
             <a:avLst/>
@@ -16117,7 +18014,7 @@
         <p:spPr>
           <a:xfrm>
             <a:off x="1908000" y="2232000"/>
-            <a:ext cx="1436040" cy="788040"/>
+            <a:ext cx="1435680" cy="787680"/>
           </a:xfrm>
           <a:prstGeom prst="rect">
             <a:avLst/>
@@ -16172,7 +18069,7 @@
         <p:spPr>
           <a:xfrm>
             <a:off x="6084000" y="2232000"/>
-            <a:ext cx="1436040" cy="788040"/>
+            <a:ext cx="1435680" cy="787680"/>
           </a:xfrm>
           <a:prstGeom prst="rect">
             <a:avLst/>
@@ -16227,7 +18124,7 @@
         <p:spPr>
           <a:xfrm>
             <a:off x="4032000" y="1944000"/>
-            <a:ext cx="1436040" cy="1364040"/>
+            <a:ext cx="1435680" cy="1363680"/>
           </a:xfrm>
           <a:custGeom>
             <a:avLst/>
@@ -16386,7 +18283,7 @@
         <p:spPr>
           <a:xfrm>
             <a:off x="1764000" y="3564000"/>
-            <a:ext cx="7124760" cy="599040"/>
+            <a:ext cx="7124400" cy="598680"/>
           </a:xfrm>
           <a:prstGeom prst="rect">
             <a:avLst/>
@@ -16494,7 +18391,7 @@
         <p:spPr>
           <a:xfrm>
             <a:off x="1945800" y="3636000"/>
-            <a:ext cx="1436040" cy="788040"/>
+            <a:ext cx="1435680" cy="787680"/>
           </a:xfrm>
           <a:prstGeom prst="rect">
             <a:avLst/>
@@ -16569,7 +18466,7 @@
         <p:spPr>
           <a:xfrm>
             <a:off x="6300000" y="3673800"/>
-            <a:ext cx="1436040" cy="788040"/>
+            <a:ext cx="1435680" cy="787680"/>
           </a:xfrm>
           <a:prstGeom prst="rect">
             <a:avLst/>
@@ -16698,7 +18595,7 @@
         <p:spPr>
           <a:xfrm>
             <a:off x="1764000" y="4860000"/>
-            <a:ext cx="7124760" cy="599040"/>
+            <a:ext cx="7124400" cy="598680"/>
           </a:xfrm>
           <a:prstGeom prst="rect">
             <a:avLst/>
@@ -16724,7 +18621,7 @@
         <p:spPr>
           <a:xfrm>
             <a:off x="4140000" y="1080000"/>
-            <a:ext cx="1436040" cy="788040"/>
+            <a:ext cx="1435680" cy="787680"/>
           </a:xfrm>
           <a:prstGeom prst="rect">
             <a:avLst/>
@@ -16779,7 +18676,7 @@
         <p:spPr>
           <a:xfrm>
             <a:off x="4392000" y="2267640"/>
-            <a:ext cx="933840" cy="1005840"/>
+            <a:ext cx="933480" cy="1005480"/>
           </a:xfrm>
           <a:custGeom>
             <a:avLst/>
@@ -16828,7 +18725,7 @@
         <p:spPr>
           <a:xfrm>
             <a:off x="4572000" y="2304000"/>
-            <a:ext cx="645840" cy="344160"/>
+            <a:ext cx="645480" cy="343800"/>
           </a:xfrm>
           <a:prstGeom prst="rect">
             <a:avLst/>
@@ -16960,7 +18857,7 @@
         <p:spPr>
           <a:xfrm>
             <a:off x="2592000" y="432000"/>
-            <a:ext cx="1149840" cy="501840"/>
+            <a:ext cx="1149480" cy="501480"/>
           </a:xfrm>
           <a:prstGeom prst="ellipse">
             <a:avLst/>
@@ -17015,7 +18912,7 @@
         <p:spPr>
           <a:xfrm>
             <a:off x="4104360" y="360360"/>
-            <a:ext cx="1149840" cy="501840"/>
+            <a:ext cx="1149480" cy="501480"/>
           </a:xfrm>
           <a:prstGeom prst="ellipse">
             <a:avLst/>
@@ -17070,7 +18967,7 @@
         <p:spPr>
           <a:xfrm>
             <a:off x="5652720" y="432720"/>
-            <a:ext cx="1149840" cy="501840"/>
+            <a:ext cx="1149480" cy="501480"/>
           </a:xfrm>
           <a:prstGeom prst="ellipse">
             <a:avLst/>
@@ -17125,7 +19022,7 @@
         <p:spPr>
           <a:xfrm>
             <a:off x="3813480" y="4321080"/>
-            <a:ext cx="1149840" cy="501840"/>
+            <a:ext cx="1149480" cy="501480"/>
           </a:xfrm>
           <a:prstGeom prst="ellipse">
             <a:avLst/>
@@ -17180,7 +19077,7 @@
         <p:spPr>
           <a:xfrm>
             <a:off x="2193840" y="4717440"/>
-            <a:ext cx="1149840" cy="501840"/>
+            <a:ext cx="1149480" cy="501480"/>
           </a:xfrm>
           <a:prstGeom prst="ellipse">
             <a:avLst/>
@@ -17235,7 +19132,7 @@
         <p:spPr>
           <a:xfrm>
             <a:off x="682200" y="4501800"/>
-            <a:ext cx="1149840" cy="501840"/>
+            <a:ext cx="1149480" cy="501480"/>
           </a:xfrm>
           <a:prstGeom prst="ellipse">
             <a:avLst/>
@@ -17290,7 +19187,7 @@
         <p:spPr>
           <a:xfrm>
             <a:off x="5434560" y="4574160"/>
-            <a:ext cx="1149840" cy="501840"/>
+            <a:ext cx="1149480" cy="501480"/>
           </a:xfrm>
           <a:prstGeom prst="ellipse">
             <a:avLst/>
@@ -17345,7 +19242,7 @@
         <p:spPr>
           <a:xfrm>
             <a:off x="7634160" y="4574520"/>
-            <a:ext cx="1149840" cy="501840"/>
+            <a:ext cx="1149480" cy="501480"/>
           </a:xfrm>
           <a:prstGeom prst="ellipse">
             <a:avLst/>
@@ -17400,7 +19297,7 @@
         <p:spPr>
           <a:xfrm>
             <a:off x="686520" y="3098880"/>
-            <a:ext cx="1149840" cy="501840"/>
+            <a:ext cx="1149480" cy="501480"/>
           </a:xfrm>
           <a:prstGeom prst="ellipse">
             <a:avLst/>
@@ -17728,7 +19625,7 @@
         <p:spPr>
           <a:xfrm>
             <a:off x="432000" y="72000"/>
-            <a:ext cx="9069840" cy="2517840"/>
+            <a:ext cx="9069480" cy="2517480"/>
           </a:xfrm>
           <a:prstGeom prst="rect">
             <a:avLst/>
@@ -17758,7 +19655,7 @@
         <p:spPr>
           <a:xfrm>
             <a:off x="2016000" y="1188000"/>
-            <a:ext cx="1436040" cy="788040"/>
+            <a:ext cx="1435680" cy="787680"/>
           </a:xfrm>
           <a:prstGeom prst="rect">
             <a:avLst/>
@@ -17813,7 +19710,7 @@
         <p:spPr>
           <a:xfrm>
             <a:off x="6192000" y="1188000"/>
-            <a:ext cx="1436040" cy="788040"/>
+            <a:ext cx="1435680" cy="787680"/>
           </a:xfrm>
           <a:prstGeom prst="rect">
             <a:avLst/>
@@ -17868,7 +19765,7 @@
         <p:spPr>
           <a:xfrm>
             <a:off x="4140000" y="900000"/>
-            <a:ext cx="1436040" cy="1364040"/>
+            <a:ext cx="1435680" cy="1363680"/>
           </a:xfrm>
           <a:custGeom>
             <a:avLst/>
@@ -18027,7 +19924,7 @@
         <p:spPr>
           <a:xfrm>
             <a:off x="-36000" y="3384000"/>
-            <a:ext cx="2625840" cy="599040"/>
+            <a:ext cx="2625480" cy="598680"/>
           </a:xfrm>
           <a:prstGeom prst="rect">
             <a:avLst/>
@@ -18105,7 +20002,7 @@
         <p:spPr>
           <a:xfrm>
             <a:off x="5868360" y="180360"/>
-            <a:ext cx="1149840" cy="501840"/>
+            <a:ext cx="1149480" cy="501480"/>
           </a:xfrm>
           <a:prstGeom prst="ellipse">
             <a:avLst/>
@@ -18160,7 +20057,7 @@
         <p:spPr>
           <a:xfrm>
             <a:off x="7344720" y="216720"/>
-            <a:ext cx="1149840" cy="501840"/>
+            <a:ext cx="1149480" cy="501480"/>
           </a:xfrm>
           <a:prstGeom prst="ellipse">
             <a:avLst/>
@@ -18215,7 +20112,7 @@
         <p:spPr>
           <a:xfrm>
             <a:off x="7921080" y="937080"/>
-            <a:ext cx="1149840" cy="501840"/>
+            <a:ext cx="1149480" cy="501480"/>
           </a:xfrm>
           <a:prstGeom prst="ellipse">
             <a:avLst/>
@@ -18270,7 +20167,7 @@
         <p:spPr>
           <a:xfrm>
             <a:off x="7921440" y="1693440"/>
-            <a:ext cx="1149840" cy="501840"/>
+            <a:ext cx="1149480" cy="501480"/>
           </a:xfrm>
           <a:prstGeom prst="ellipse">
             <a:avLst/>
@@ -18325,7 +20222,7 @@
         <p:spPr>
           <a:xfrm>
             <a:off x="7921440" y="937440"/>
-            <a:ext cx="1149840" cy="501840"/>
+            <a:ext cx="1149480" cy="501480"/>
           </a:xfrm>
           <a:prstGeom prst="ellipse">
             <a:avLst/>
@@ -18380,7 +20277,7 @@
         <p:spPr>
           <a:xfrm>
             <a:off x="2089440" y="433440"/>
-            <a:ext cx="1149840" cy="501840"/>
+            <a:ext cx="1149480" cy="501480"/>
           </a:xfrm>
           <a:prstGeom prst="ellipse">
             <a:avLst/>
@@ -18435,7 +20332,7 @@
         <p:spPr>
           <a:xfrm>
             <a:off x="649800" y="541800"/>
-            <a:ext cx="1149840" cy="501840"/>
+            <a:ext cx="1149480" cy="501480"/>
           </a:xfrm>
           <a:prstGeom prst="ellipse">
             <a:avLst/>
@@ -18490,7 +20387,7 @@
         <p:spPr>
           <a:xfrm>
             <a:off x="4320000" y="3168000"/>
-            <a:ext cx="1040040" cy="789840"/>
+            <a:ext cx="1039680" cy="789480"/>
           </a:xfrm>
           <a:custGeom>
             <a:avLst/>
@@ -18568,7 +20465,7 @@
         <p:spPr>
           <a:xfrm>
             <a:off x="4176000" y="4428000"/>
-            <a:ext cx="1436040" cy="788040"/>
+            <a:ext cx="1435680" cy="787680"/>
           </a:xfrm>
           <a:prstGeom prst="rect">
             <a:avLst/>
@@ -18704,7 +20601,7 @@
         <p:spPr>
           <a:xfrm>
             <a:off x="5870160" y="3782160"/>
-            <a:ext cx="1149840" cy="501840"/>
+            <a:ext cx="1149480" cy="501480"/>
           </a:xfrm>
           <a:prstGeom prst="ellipse">
             <a:avLst/>
@@ -18759,7 +20656,7 @@
         <p:spPr>
           <a:xfrm>
             <a:off x="7380000" y="3115440"/>
-            <a:ext cx="2625840" cy="599040"/>
+            <a:ext cx="2625480" cy="598680"/>
           </a:xfrm>
           <a:prstGeom prst="rect">
             <a:avLst/>

--- a/GATE/images/gate_images.pptx
+++ b/GATE/images/gate_images.pptx
@@ -24,9 +24,11 @@
     <p:sldId id="272" r:id="rId19"/>
     <p:sldId id="273" r:id="rId20"/>
     <p:sldId id="274" r:id="rId21"/>
+    <p:sldId id="275" r:id="rId22"/>
+    <p:sldId id="276" r:id="rId23"/>
   </p:sldIdLst>
   <p:sldSz cx="10080625" cy="5670550"/>
-  <p:notesSz cx="7559675" cy="10691812"/>
+  <p:notesSz cx="7772400" cy="10058400"/>
 </p:presentation>
 </file>
 
@@ -94,7 +96,7 @@
           </a:bodyPr>
           <a:p>
             <a:pPr algn="ctr"/>
-            <a:endParaRPr b="0" lang="en-IN" sz="4400" spc="-1" strike="noStrike">
+            <a:endParaRPr b="0" lang="en-US" sz="4400" spc="-1" strike="noStrike">
               <a:latin typeface="Arial"/>
             </a:endParaRPr>
           </a:p>
@@ -124,7 +126,7 @@
             <a:normAutofit/>
           </a:bodyPr>
           <a:p>
-            <a:endParaRPr b="0" lang="en-IN" sz="3200" spc="-1" strike="noStrike">
+            <a:endParaRPr b="0" lang="en-US" sz="3200" spc="-1" strike="noStrike">
               <a:latin typeface="Arial"/>
             </a:endParaRPr>
           </a:p>
@@ -154,7 +156,7 @@
             <a:normAutofit/>
           </a:bodyPr>
           <a:p>
-            <a:endParaRPr b="0" lang="en-IN" sz="3200" spc="-1" strike="noStrike">
+            <a:endParaRPr b="0" lang="en-US" sz="3200" spc="-1" strike="noStrike">
               <a:latin typeface="Arial"/>
             </a:endParaRPr>
           </a:p>
@@ -207,7 +209,7 @@
           </a:bodyPr>
           <a:p>
             <a:pPr algn="ctr"/>
-            <a:endParaRPr b="0" lang="en-IN" sz="4400" spc="-1" strike="noStrike">
+            <a:endParaRPr b="0" lang="en-US" sz="4400" spc="-1" strike="noStrike">
               <a:latin typeface="Arial"/>
             </a:endParaRPr>
           </a:p>
@@ -237,7 +239,7 @@
             <a:normAutofit/>
           </a:bodyPr>
           <a:p>
-            <a:endParaRPr b="0" lang="en-IN" sz="3200" spc="-1" strike="noStrike">
+            <a:endParaRPr b="0" lang="en-US" sz="3200" spc="-1" strike="noStrike">
               <a:latin typeface="Arial"/>
             </a:endParaRPr>
           </a:p>
@@ -267,7 +269,7 @@
             <a:normAutofit/>
           </a:bodyPr>
           <a:p>
-            <a:endParaRPr b="0" lang="en-IN" sz="3200" spc="-1" strike="noStrike">
+            <a:endParaRPr b="0" lang="en-US" sz="3200" spc="-1" strike="noStrike">
               <a:latin typeface="Arial"/>
             </a:endParaRPr>
           </a:p>
@@ -297,7 +299,7 @@
             <a:normAutofit/>
           </a:bodyPr>
           <a:p>
-            <a:endParaRPr b="0" lang="en-IN" sz="3200" spc="-1" strike="noStrike">
+            <a:endParaRPr b="0" lang="en-US" sz="3200" spc="-1" strike="noStrike">
               <a:latin typeface="Arial"/>
             </a:endParaRPr>
           </a:p>
@@ -327,7 +329,7 @@
             <a:normAutofit/>
           </a:bodyPr>
           <a:p>
-            <a:endParaRPr b="0" lang="en-IN" sz="3200" spc="-1" strike="noStrike">
+            <a:endParaRPr b="0" lang="en-US" sz="3200" spc="-1" strike="noStrike">
               <a:latin typeface="Arial"/>
             </a:endParaRPr>
           </a:p>
@@ -380,7 +382,7 @@
           </a:bodyPr>
           <a:p>
             <a:pPr algn="ctr"/>
-            <a:endParaRPr b="0" lang="en-IN" sz="4400" spc="-1" strike="noStrike">
+            <a:endParaRPr b="0" lang="en-US" sz="4400" spc="-1" strike="noStrike">
               <a:latin typeface="Arial"/>
             </a:endParaRPr>
           </a:p>
@@ -410,7 +412,7 @@
             <a:normAutofit/>
           </a:bodyPr>
           <a:p>
-            <a:endParaRPr b="0" lang="en-IN" sz="3200" spc="-1" strike="noStrike">
+            <a:endParaRPr b="0" lang="en-US" sz="3200" spc="-1" strike="noStrike">
               <a:latin typeface="Arial"/>
             </a:endParaRPr>
           </a:p>
@@ -440,7 +442,7 @@
             <a:normAutofit/>
           </a:bodyPr>
           <a:p>
-            <a:endParaRPr b="0" lang="en-IN" sz="3200" spc="-1" strike="noStrike">
+            <a:endParaRPr b="0" lang="en-US" sz="3200" spc="-1" strike="noStrike">
               <a:latin typeface="Arial"/>
             </a:endParaRPr>
           </a:p>
@@ -470,7 +472,7 @@
             <a:normAutofit/>
           </a:bodyPr>
           <a:p>
-            <a:endParaRPr b="0" lang="en-IN" sz="3200" spc="-1" strike="noStrike">
+            <a:endParaRPr b="0" lang="en-US" sz="3200" spc="-1" strike="noStrike">
               <a:latin typeface="Arial"/>
             </a:endParaRPr>
           </a:p>
@@ -500,7 +502,7 @@
             <a:normAutofit/>
           </a:bodyPr>
           <a:p>
-            <a:endParaRPr b="0" lang="en-IN" sz="3200" spc="-1" strike="noStrike">
+            <a:endParaRPr b="0" lang="en-US" sz="3200" spc="-1" strike="noStrike">
               <a:latin typeface="Arial"/>
             </a:endParaRPr>
           </a:p>
@@ -530,7 +532,7 @@
             <a:normAutofit/>
           </a:bodyPr>
           <a:p>
-            <a:endParaRPr b="0" lang="en-IN" sz="3200" spc="-1" strike="noStrike">
+            <a:endParaRPr b="0" lang="en-US" sz="3200" spc="-1" strike="noStrike">
               <a:latin typeface="Arial"/>
             </a:endParaRPr>
           </a:p>
@@ -560,7 +562,7 @@
             <a:normAutofit/>
           </a:bodyPr>
           <a:p>
-            <a:endParaRPr b="0" lang="en-IN" sz="3200" spc="-1" strike="noStrike">
+            <a:endParaRPr b="0" lang="en-US" sz="3200" spc="-1" strike="noStrike">
               <a:latin typeface="Arial"/>
             </a:endParaRPr>
           </a:p>
@@ -613,7 +615,7 @@
           </a:bodyPr>
           <a:p>
             <a:pPr algn="ctr"/>
-            <a:endParaRPr b="0" lang="en-IN" sz="4400" spc="-1" strike="noStrike">
+            <a:endParaRPr b="0" lang="en-US" sz="4400" spc="-1" strike="noStrike">
               <a:latin typeface="Arial"/>
             </a:endParaRPr>
           </a:p>
@@ -644,7 +646,7 @@
           </a:bodyPr>
           <a:p>
             <a:pPr algn="ctr"/>
-            <a:endParaRPr b="0" lang="en-IN" sz="3200" spc="-1" strike="noStrike">
+            <a:endParaRPr b="0" lang="en-US" sz="3200" spc="-1" strike="noStrike">
               <a:latin typeface="Arial"/>
             </a:endParaRPr>
           </a:p>
@@ -697,7 +699,7 @@
           </a:bodyPr>
           <a:p>
             <a:pPr algn="ctr"/>
-            <a:endParaRPr b="0" lang="en-IN" sz="4400" spc="-1" strike="noStrike">
+            <a:endParaRPr b="0" lang="en-US" sz="4400" spc="-1" strike="noStrike">
               <a:latin typeface="Arial"/>
             </a:endParaRPr>
           </a:p>
@@ -727,7 +729,7 @@
             <a:normAutofit/>
           </a:bodyPr>
           <a:p>
-            <a:endParaRPr b="0" lang="en-IN" sz="3200" spc="-1" strike="noStrike">
+            <a:endParaRPr b="0" lang="en-US" sz="3200" spc="-1" strike="noStrike">
               <a:latin typeface="Arial"/>
             </a:endParaRPr>
           </a:p>
@@ -780,7 +782,7 @@
           </a:bodyPr>
           <a:p>
             <a:pPr algn="ctr"/>
-            <a:endParaRPr b="0" lang="en-IN" sz="4400" spc="-1" strike="noStrike">
+            <a:endParaRPr b="0" lang="en-US" sz="4400" spc="-1" strike="noStrike">
               <a:latin typeface="Arial"/>
             </a:endParaRPr>
           </a:p>
@@ -810,7 +812,7 @@
             <a:normAutofit/>
           </a:bodyPr>
           <a:p>
-            <a:endParaRPr b="0" lang="en-IN" sz="3200" spc="-1" strike="noStrike">
+            <a:endParaRPr b="0" lang="en-US" sz="3200" spc="-1" strike="noStrike">
               <a:latin typeface="Arial"/>
             </a:endParaRPr>
           </a:p>
@@ -840,7 +842,7 @@
             <a:normAutofit/>
           </a:bodyPr>
           <a:p>
-            <a:endParaRPr b="0" lang="en-IN" sz="3200" spc="-1" strike="noStrike">
+            <a:endParaRPr b="0" lang="en-US" sz="3200" spc="-1" strike="noStrike">
               <a:latin typeface="Arial"/>
             </a:endParaRPr>
           </a:p>
@@ -893,7 +895,7 @@
           </a:bodyPr>
           <a:p>
             <a:pPr algn="ctr"/>
-            <a:endParaRPr b="0" lang="en-IN" sz="4400" spc="-1" strike="noStrike">
+            <a:endParaRPr b="0" lang="en-US" sz="4400" spc="-1" strike="noStrike">
               <a:latin typeface="Arial"/>
             </a:endParaRPr>
           </a:p>
@@ -946,7 +948,7 @@
           </a:bodyPr>
           <a:p>
             <a:pPr algn="ctr"/>
-            <a:endParaRPr b="0" lang="en-IN" sz="3200" spc="-1" strike="noStrike">
+            <a:endParaRPr b="0" lang="en-US" sz="3200" spc="-1" strike="noStrike">
               <a:latin typeface="Arial"/>
             </a:endParaRPr>
           </a:p>
@@ -999,7 +1001,7 @@
           </a:bodyPr>
           <a:p>
             <a:pPr algn="ctr"/>
-            <a:endParaRPr b="0" lang="en-IN" sz="4400" spc="-1" strike="noStrike">
+            <a:endParaRPr b="0" lang="en-US" sz="4400" spc="-1" strike="noStrike">
               <a:latin typeface="Arial"/>
             </a:endParaRPr>
           </a:p>
@@ -1029,7 +1031,7 @@
             <a:normAutofit/>
           </a:bodyPr>
           <a:p>
-            <a:endParaRPr b="0" lang="en-IN" sz="3200" spc="-1" strike="noStrike">
+            <a:endParaRPr b="0" lang="en-US" sz="3200" spc="-1" strike="noStrike">
               <a:latin typeface="Arial"/>
             </a:endParaRPr>
           </a:p>
@@ -1059,7 +1061,7 @@
             <a:normAutofit/>
           </a:bodyPr>
           <a:p>
-            <a:endParaRPr b="0" lang="en-IN" sz="3200" spc="-1" strike="noStrike">
+            <a:endParaRPr b="0" lang="en-US" sz="3200" spc="-1" strike="noStrike">
               <a:latin typeface="Arial"/>
             </a:endParaRPr>
           </a:p>
@@ -1089,7 +1091,7 @@
             <a:normAutofit/>
           </a:bodyPr>
           <a:p>
-            <a:endParaRPr b="0" lang="en-IN" sz="3200" spc="-1" strike="noStrike">
+            <a:endParaRPr b="0" lang="en-US" sz="3200" spc="-1" strike="noStrike">
               <a:latin typeface="Arial"/>
             </a:endParaRPr>
           </a:p>
@@ -1142,7 +1144,7 @@
           </a:bodyPr>
           <a:p>
             <a:pPr algn="ctr"/>
-            <a:endParaRPr b="0" lang="en-IN" sz="4400" spc="-1" strike="noStrike">
+            <a:endParaRPr b="0" lang="en-US" sz="4400" spc="-1" strike="noStrike">
               <a:latin typeface="Arial"/>
             </a:endParaRPr>
           </a:p>
@@ -1172,7 +1174,7 @@
             <a:normAutofit/>
           </a:bodyPr>
           <a:p>
-            <a:endParaRPr b="0" lang="en-IN" sz="3200" spc="-1" strike="noStrike">
+            <a:endParaRPr b="0" lang="en-US" sz="3200" spc="-1" strike="noStrike">
               <a:latin typeface="Arial"/>
             </a:endParaRPr>
           </a:p>
@@ -1202,7 +1204,7 @@
             <a:normAutofit/>
           </a:bodyPr>
           <a:p>
-            <a:endParaRPr b="0" lang="en-IN" sz="3200" spc="-1" strike="noStrike">
+            <a:endParaRPr b="0" lang="en-US" sz="3200" spc="-1" strike="noStrike">
               <a:latin typeface="Arial"/>
             </a:endParaRPr>
           </a:p>
@@ -1232,7 +1234,7 @@
             <a:normAutofit/>
           </a:bodyPr>
           <a:p>
-            <a:endParaRPr b="0" lang="en-IN" sz="3200" spc="-1" strike="noStrike">
+            <a:endParaRPr b="0" lang="en-US" sz="3200" spc="-1" strike="noStrike">
               <a:latin typeface="Arial"/>
             </a:endParaRPr>
           </a:p>
@@ -1285,7 +1287,7 @@
           </a:bodyPr>
           <a:p>
             <a:pPr algn="ctr"/>
-            <a:endParaRPr b="0" lang="en-IN" sz="4400" spc="-1" strike="noStrike">
+            <a:endParaRPr b="0" lang="en-US" sz="4400" spc="-1" strike="noStrike">
               <a:latin typeface="Arial"/>
             </a:endParaRPr>
           </a:p>
@@ -1315,7 +1317,7 @@
             <a:normAutofit/>
           </a:bodyPr>
           <a:p>
-            <a:endParaRPr b="0" lang="en-IN" sz="3200" spc="-1" strike="noStrike">
+            <a:endParaRPr b="0" lang="en-US" sz="3200" spc="-1" strike="noStrike">
               <a:latin typeface="Arial"/>
             </a:endParaRPr>
           </a:p>
@@ -1345,7 +1347,7 @@
             <a:normAutofit/>
           </a:bodyPr>
           <a:p>
-            <a:endParaRPr b="0" lang="en-IN" sz="3200" spc="-1" strike="noStrike">
+            <a:endParaRPr b="0" lang="en-US" sz="3200" spc="-1" strike="noStrike">
               <a:latin typeface="Arial"/>
             </a:endParaRPr>
           </a:p>
@@ -1375,7 +1377,7 @@
             <a:normAutofit/>
           </a:bodyPr>
           <a:p>
-            <a:endParaRPr b="0" lang="en-IN" sz="3200" spc="-1" strike="noStrike">
+            <a:endParaRPr b="0" lang="en-US" sz="3200" spc="-1" strike="noStrike">
               <a:latin typeface="Arial"/>
             </a:endParaRPr>
           </a:p>
@@ -1429,12 +1431,12 @@
           <a:p>
             <a:pPr algn="ctr"/>
             <a:r>
-              <a:rPr b="0" lang="en-IN" sz="4400" spc="-1" strike="noStrike">
+              <a:rPr b="0" lang="en-US" sz="4400" spc="-1" strike="noStrike">
                 <a:latin typeface="Arial"/>
               </a:rPr>
               <a:t>Click to edit the title text format</a:t>
             </a:r>
-            <a:endParaRPr b="0" lang="en-IN" sz="4400" spc="-1" strike="noStrike">
+            <a:endParaRPr b="0" lang="en-US" sz="4400" spc="-1" strike="noStrike">
               <a:latin typeface="Arial"/>
             </a:endParaRPr>
           </a:p>
@@ -1476,12 +1478,12 @@
               <a:buChar char=""/>
             </a:pPr>
             <a:r>
-              <a:rPr b="0" lang="en-IN" sz="3200" spc="-1" strike="noStrike">
+              <a:rPr b="0" lang="en-US" sz="3200" spc="-1" strike="noStrike">
                 <a:latin typeface="Arial"/>
               </a:rPr>
               <a:t>Click to edit the outline text format</a:t>
             </a:r>
-            <a:endParaRPr b="0" lang="en-IN" sz="3200" spc="-1" strike="noStrike">
+            <a:endParaRPr b="0" lang="en-US" sz="3200" spc="-1" strike="noStrike">
               <a:latin typeface="Arial"/>
             </a:endParaRPr>
           </a:p>
@@ -1498,12 +1500,12 @@
               <a:buChar char=""/>
             </a:pPr>
             <a:r>
-              <a:rPr b="0" lang="en-IN" sz="2800" spc="-1" strike="noStrike">
+              <a:rPr b="0" lang="en-US" sz="2800" spc="-1" strike="noStrike">
                 <a:latin typeface="Arial"/>
               </a:rPr>
               <a:t>Second Outline Level</a:t>
             </a:r>
-            <a:endParaRPr b="0" lang="en-IN" sz="2800" spc="-1" strike="noStrike">
+            <a:endParaRPr b="0" lang="en-US" sz="2800" spc="-1" strike="noStrike">
               <a:latin typeface="Arial"/>
             </a:endParaRPr>
           </a:p>
@@ -1520,12 +1522,12 @@
               <a:buChar char=""/>
             </a:pPr>
             <a:r>
-              <a:rPr b="0" lang="en-IN" sz="2400" spc="-1" strike="noStrike">
+              <a:rPr b="0" lang="en-US" sz="2400" spc="-1" strike="noStrike">
                 <a:latin typeface="Arial"/>
               </a:rPr>
               <a:t>Third Outline Level</a:t>
             </a:r>
-            <a:endParaRPr b="0" lang="en-IN" sz="2400" spc="-1" strike="noStrike">
+            <a:endParaRPr b="0" lang="en-US" sz="2400" spc="-1" strike="noStrike">
               <a:latin typeface="Arial"/>
             </a:endParaRPr>
           </a:p>
@@ -1542,12 +1544,12 @@
               <a:buChar char=""/>
             </a:pPr>
             <a:r>
-              <a:rPr b="0" lang="en-IN" sz="2000" spc="-1" strike="noStrike">
+              <a:rPr b="0" lang="en-US" sz="2000" spc="-1" strike="noStrike">
                 <a:latin typeface="Arial"/>
               </a:rPr>
               <a:t>Fourth Outline Level</a:t>
             </a:r>
-            <a:endParaRPr b="0" lang="en-IN" sz="2000" spc="-1" strike="noStrike">
+            <a:endParaRPr b="0" lang="en-US" sz="2000" spc="-1" strike="noStrike">
               <a:latin typeface="Arial"/>
             </a:endParaRPr>
           </a:p>
@@ -1564,12 +1566,12 @@
               <a:buChar char=""/>
             </a:pPr>
             <a:r>
-              <a:rPr b="0" lang="en-IN" sz="2000" spc="-1" strike="noStrike">
+              <a:rPr b="0" lang="en-US" sz="2000" spc="-1" strike="noStrike">
                 <a:latin typeface="Arial"/>
               </a:rPr>
               <a:t>Fifth Outline Level</a:t>
             </a:r>
-            <a:endParaRPr b="0" lang="en-IN" sz="2000" spc="-1" strike="noStrike">
+            <a:endParaRPr b="0" lang="en-US" sz="2000" spc="-1" strike="noStrike">
               <a:latin typeface="Arial"/>
             </a:endParaRPr>
           </a:p>
@@ -1586,12 +1588,12 @@
               <a:buChar char=""/>
             </a:pPr>
             <a:r>
-              <a:rPr b="0" lang="en-IN" sz="2000" spc="-1" strike="noStrike">
+              <a:rPr b="0" lang="en-US" sz="2000" spc="-1" strike="noStrike">
                 <a:latin typeface="Arial"/>
               </a:rPr>
               <a:t>Sixth Outline Level</a:t>
             </a:r>
-            <a:endParaRPr b="0" lang="en-IN" sz="2000" spc="-1" strike="noStrike">
+            <a:endParaRPr b="0" lang="en-US" sz="2000" spc="-1" strike="noStrike">
               <a:latin typeface="Arial"/>
             </a:endParaRPr>
           </a:p>
@@ -1608,12 +1610,12 @@
               <a:buChar char=""/>
             </a:pPr>
             <a:r>
-              <a:rPr b="0" lang="en-IN" sz="2000" spc="-1" strike="noStrike">
+              <a:rPr b="0" lang="en-US" sz="2000" spc="-1" strike="noStrike">
                 <a:latin typeface="Arial"/>
               </a:rPr>
               <a:t>Seventh Outline Level</a:t>
             </a:r>
-            <a:endParaRPr b="0" lang="en-IN" sz="2000" spc="-1" strike="noStrike">
+            <a:endParaRPr b="0" lang="en-US" sz="2000" spc="-1" strike="noStrike">
               <a:latin typeface="Arial"/>
             </a:endParaRPr>
           </a:p>
@@ -1665,7 +1667,7 @@
         <p:spPr>
           <a:xfrm>
             <a:off x="1836000" y="1332000"/>
-            <a:ext cx="2371320" cy="787320"/>
+            <a:ext cx="2370960" cy="786960"/>
           </a:xfrm>
           <a:prstGeom prst="rect">
             <a:avLst/>
@@ -1673,7 +1675,7 @@
           <a:solidFill>
             <a:srgbClr val="729fcf"/>
           </a:solidFill>
-          <a:ln>
+          <a:ln w="0">
             <a:solidFill>
               <a:srgbClr val="3465a4"/>
             </a:solidFill>
@@ -1705,7 +1707,7 @@
               </a:rPr>
               <a:t>User Requirements</a:t>
             </a:r>
-            <a:endParaRPr b="0" lang="en-IN" sz="1800" spc="-1" strike="noStrike">
+            <a:endParaRPr b="0" lang="en-US" sz="1800" spc="-1" strike="noStrike">
               <a:latin typeface="Arial"/>
             </a:endParaRPr>
           </a:p>
@@ -1720,7 +1722,7 @@
         <p:spPr>
           <a:xfrm>
             <a:off x="1836000" y="2880000"/>
-            <a:ext cx="2371320" cy="787320"/>
+            <a:ext cx="2370960" cy="786960"/>
           </a:xfrm>
           <a:prstGeom prst="rect">
             <a:avLst/>
@@ -1728,7 +1730,7 @@
           <a:solidFill>
             <a:srgbClr val="729fcf"/>
           </a:solidFill>
-          <a:ln>
+          <a:ln w="0">
             <a:solidFill>
               <a:srgbClr val="3465a4"/>
             </a:solidFill>
@@ -1770,7 +1772,7 @@
               </a:rPr>
               <a:t>	</a:t>
             </a:r>
-            <a:endParaRPr b="0" lang="en-IN" sz="1800" spc="-1" strike="noStrike">
+            <a:endParaRPr b="0" lang="en-US" sz="1800" spc="-1" strike="noStrike">
               <a:latin typeface="Arial"/>
             </a:endParaRPr>
           </a:p>
@@ -1785,7 +1787,7 @@
         <p:spPr>
           <a:xfrm>
             <a:off x="1836000" y="4176000"/>
-            <a:ext cx="2371320" cy="787320"/>
+            <a:ext cx="2370960" cy="786960"/>
           </a:xfrm>
           <a:prstGeom prst="rect">
             <a:avLst/>
@@ -1793,7 +1795,7 @@
           <a:solidFill>
             <a:srgbClr val="729fcf"/>
           </a:solidFill>
-          <a:ln>
+          <a:ln w="0">
             <a:solidFill>
               <a:srgbClr val="3465a4"/>
             </a:solidFill>
@@ -1825,7 +1827,7 @@
               </a:rPr>
               <a:t>Software desgin</a:t>
             </a:r>
-            <a:endParaRPr b="0" lang="en-IN" sz="1800" spc="-1" strike="noStrike">
+            <a:endParaRPr b="0" lang="en-US" sz="1800" spc="-1" strike="noStrike">
               <a:latin typeface="Arial"/>
             </a:endParaRPr>
           </a:p>
@@ -1845,7 +1847,7 @@
               </a:rPr>
               <a:t>Specification</a:t>
             </a:r>
-            <a:endParaRPr b="0" lang="en-IN" sz="1800" spc="-1" strike="noStrike">
+            <a:endParaRPr b="0" lang="en-US" sz="1800" spc="-1" strike="noStrike">
               <a:latin typeface="Arial"/>
             </a:endParaRPr>
           </a:p>
@@ -1860,7 +1862,7 @@
         <p:spPr>
           <a:xfrm>
             <a:off x="5292000" y="900000"/>
-            <a:ext cx="2371320" cy="1507320"/>
+            <a:ext cx="2370960" cy="1506960"/>
           </a:xfrm>
           <a:prstGeom prst="rect">
             <a:avLst/>
@@ -1868,7 +1870,7 @@
           <a:solidFill>
             <a:srgbClr val="729fcf"/>
           </a:solidFill>
-          <a:ln>
+          <a:ln w="0">
             <a:solidFill>
               <a:srgbClr val="3465a4"/>
             </a:solidFill>
@@ -1900,7 +1902,7 @@
               </a:rPr>
               <a:t>Client Managers</a:t>
             </a:r>
-            <a:endParaRPr b="0" lang="en-IN" sz="1800" spc="-1" strike="noStrike">
+            <a:endParaRPr b="0" lang="en-US" sz="1800" spc="-1" strike="noStrike">
               <a:latin typeface="Arial"/>
             </a:endParaRPr>
           </a:p>
@@ -1920,7 +1922,7 @@
               </a:rPr>
               <a:t>System end-users</a:t>
             </a:r>
-            <a:endParaRPr b="0" lang="en-IN" sz="1800" spc="-1" strike="noStrike">
+            <a:endParaRPr b="0" lang="en-US" sz="1800" spc="-1" strike="noStrike">
               <a:latin typeface="Arial"/>
             </a:endParaRPr>
           </a:p>
@@ -1940,7 +1942,7 @@
               </a:rPr>
               <a:t>Client engineers</a:t>
             </a:r>
-            <a:endParaRPr b="0" lang="en-IN" sz="1800" spc="-1" strike="noStrike">
+            <a:endParaRPr b="0" lang="en-US" sz="1800" spc="-1" strike="noStrike">
               <a:latin typeface="Arial"/>
             </a:endParaRPr>
           </a:p>
@@ -1960,7 +1962,7 @@
               </a:rPr>
               <a:t>Contract Managers</a:t>
             </a:r>
-            <a:endParaRPr b="0" lang="en-IN" sz="1800" spc="-1" strike="noStrike">
+            <a:endParaRPr b="0" lang="en-US" sz="1800" spc="-1" strike="noStrike">
               <a:latin typeface="Arial"/>
             </a:endParaRPr>
           </a:p>
@@ -1980,7 +1982,7 @@
               </a:rPr>
               <a:t>System architects</a:t>
             </a:r>
-            <a:endParaRPr b="0" lang="en-IN" sz="1800" spc="-1" strike="noStrike">
+            <a:endParaRPr b="0" lang="en-US" sz="1800" spc="-1" strike="noStrike">
               <a:latin typeface="Arial"/>
             </a:endParaRPr>
           </a:p>
@@ -1995,7 +1997,7 @@
         <p:spPr>
           <a:xfrm>
             <a:off x="5292000" y="2571480"/>
-            <a:ext cx="2371320" cy="1275840"/>
+            <a:ext cx="2370960" cy="1275480"/>
           </a:xfrm>
           <a:prstGeom prst="rect">
             <a:avLst/>
@@ -2003,7 +2005,7 @@
           <a:solidFill>
             <a:srgbClr val="729fcf"/>
           </a:solidFill>
-          <a:ln>
+          <a:ln w="0">
             <a:solidFill>
               <a:srgbClr val="3465a4"/>
             </a:solidFill>
@@ -2035,7 +2037,7 @@
               </a:rPr>
               <a:t>System end-users</a:t>
             </a:r>
-            <a:endParaRPr b="0" lang="en-IN" sz="1800" spc="-1" strike="noStrike">
+            <a:endParaRPr b="0" lang="en-US" sz="1800" spc="-1" strike="noStrike">
               <a:latin typeface="Arial"/>
             </a:endParaRPr>
           </a:p>
@@ -2055,7 +2057,7 @@
               </a:rPr>
               <a:t>Client engineers</a:t>
             </a:r>
-            <a:endParaRPr b="0" lang="en-IN" sz="1800" spc="-1" strike="noStrike">
+            <a:endParaRPr b="0" lang="en-US" sz="1800" spc="-1" strike="noStrike">
               <a:latin typeface="Arial"/>
             </a:endParaRPr>
           </a:p>
@@ -2075,7 +2077,7 @@
               </a:rPr>
               <a:t>System architects</a:t>
             </a:r>
-            <a:endParaRPr b="0" lang="en-IN" sz="1800" spc="-1" strike="noStrike">
+            <a:endParaRPr b="0" lang="en-US" sz="1800" spc="-1" strike="noStrike">
               <a:latin typeface="Arial"/>
             </a:endParaRPr>
           </a:p>
@@ -2095,7 +2097,7 @@
               </a:rPr>
               <a:t>Software Developers</a:t>
             </a:r>
-            <a:endParaRPr b="0" lang="en-IN" sz="1800" spc="-1" strike="noStrike">
+            <a:endParaRPr b="0" lang="en-US" sz="1800" spc="-1" strike="noStrike">
               <a:latin typeface="Arial"/>
             </a:endParaRPr>
           </a:p>
@@ -2110,7 +2112,7 @@
         <p:spPr>
           <a:xfrm>
             <a:off x="5292000" y="4047480"/>
-            <a:ext cx="2371320" cy="1023840"/>
+            <a:ext cx="2370960" cy="1023480"/>
           </a:xfrm>
           <a:prstGeom prst="rect">
             <a:avLst/>
@@ -2118,7 +2120,7 @@
           <a:solidFill>
             <a:srgbClr val="729fcf"/>
           </a:solidFill>
-          <a:ln>
+          <a:ln w="0">
             <a:solidFill>
               <a:srgbClr val="3465a4"/>
             </a:solidFill>
@@ -2150,7 +2152,7 @@
               </a:rPr>
               <a:t>Client engineers</a:t>
             </a:r>
-            <a:endParaRPr b="0" lang="en-IN" sz="1800" spc="-1" strike="noStrike">
+            <a:endParaRPr b="0" lang="en-US" sz="1800" spc="-1" strike="noStrike">
               <a:latin typeface="Arial"/>
             </a:endParaRPr>
           </a:p>
@@ -2170,7 +2172,7 @@
               </a:rPr>
               <a:t>System architects</a:t>
             </a:r>
-            <a:endParaRPr b="0" lang="en-IN" sz="1800" spc="-1" strike="noStrike">
+            <a:endParaRPr b="0" lang="en-US" sz="1800" spc="-1" strike="noStrike">
               <a:latin typeface="Arial"/>
             </a:endParaRPr>
           </a:p>
@@ -2190,7 +2192,7 @@
               </a:rPr>
               <a:t>System developers</a:t>
             </a:r>
-            <a:endParaRPr b="0" lang="en-IN" sz="1800" spc="-1" strike="noStrike">
+            <a:endParaRPr b="0" lang="en-US" sz="1800" spc="-1" strike="noStrike">
               <a:latin typeface="Arial"/>
             </a:endParaRPr>
           </a:p>
@@ -2210,7 +2212,7 @@
           <a:prstGeom prst="line">
             <a:avLst/>
           </a:prstGeom>
-          <a:ln>
+          <a:ln w="0">
             <a:solidFill>
               <a:srgbClr val="3465a4"/>
             </a:solidFill>
@@ -2238,7 +2240,7 @@
           <a:prstGeom prst="line">
             <a:avLst/>
           </a:prstGeom>
-          <a:ln>
+          <a:ln w="0">
             <a:solidFill>
               <a:srgbClr val="3465a4"/>
             </a:solidFill>
@@ -2266,7 +2268,7 @@
           <a:prstGeom prst="line">
             <a:avLst/>
           </a:prstGeom>
-          <a:ln>
+          <a:ln w="0">
             <a:solidFill>
               <a:srgbClr val="3465a4"/>
             </a:solidFill>
@@ -2289,13 +2291,13 @@
         <p:spPr>
           <a:xfrm>
             <a:off x="2988000" y="360000"/>
-            <a:ext cx="4387320" cy="341640"/>
+            <a:ext cx="4386960" cy="341280"/>
           </a:xfrm>
           <a:prstGeom prst="rect">
             <a:avLst/>
           </a:prstGeom>
           <a:noFill/>
-          <a:ln>
+          <a:ln w="0">
             <a:noFill/>
           </a:ln>
         </p:spPr>
@@ -2325,7 +2327,7 @@
               </a:rPr>
               <a:t>Requirements ---&gt; Audience</a:t>
             </a:r>
-            <a:endParaRPr b="0" lang="en-IN" sz="1800" spc="-1" strike="noStrike">
+            <a:endParaRPr b="0" lang="en-US" sz="1800" spc="-1" strike="noStrike">
               <a:latin typeface="Arial"/>
             </a:endParaRPr>
           </a:p>
@@ -2370,7 +2372,7 @@
         <p:spPr>
           <a:xfrm>
             <a:off x="1440000" y="720000"/>
-            <a:ext cx="6765480" cy="1797480"/>
+            <a:ext cx="6765120" cy="1797120"/>
           </a:xfrm>
           <a:prstGeom prst="rect">
             <a:avLst/>
@@ -2378,7 +2380,7 @@
           <a:solidFill>
             <a:srgbClr val="cccccc"/>
           </a:solidFill>
-          <a:ln>
+          <a:ln w="0">
             <a:solidFill>
               <a:srgbClr val="3465a4"/>
             </a:solidFill>
@@ -2400,7 +2402,7 @@
         <p:spPr>
           <a:xfrm>
             <a:off x="2016000" y="1188000"/>
-            <a:ext cx="1435680" cy="787680"/>
+            <a:ext cx="1435320" cy="787320"/>
           </a:xfrm>
           <a:prstGeom prst="rect">
             <a:avLst/>
@@ -2408,7 +2410,7 @@
           <a:solidFill>
             <a:srgbClr val="729fcf"/>
           </a:solidFill>
-          <a:ln>
+          <a:ln w="0">
             <a:solidFill>
               <a:srgbClr val="3465a4"/>
             </a:solidFill>
@@ -2440,7 +2442,7 @@
               </a:rPr>
               <a:t>TEACHER</a:t>
             </a:r>
-            <a:endParaRPr b="0" lang="en-IN" sz="1800" spc="-1" strike="noStrike">
+            <a:endParaRPr b="0" lang="en-US" sz="1800" spc="-1" strike="noStrike">
               <a:latin typeface="Arial"/>
             </a:endParaRPr>
           </a:p>
@@ -2455,7 +2457,7 @@
         <p:spPr>
           <a:xfrm>
             <a:off x="6192000" y="1188000"/>
-            <a:ext cx="1435680" cy="787680"/>
+            <a:ext cx="1435320" cy="787320"/>
           </a:xfrm>
           <a:prstGeom prst="rect">
             <a:avLst/>
@@ -2463,7 +2465,7 @@
           <a:solidFill>
             <a:srgbClr val="729fcf"/>
           </a:solidFill>
-          <a:ln>
+          <a:ln w="0">
             <a:solidFill>
               <a:srgbClr val="3465a4"/>
             </a:solidFill>
@@ -2495,7 +2497,7 @@
               </a:rPr>
               <a:t>SUBJECT</a:t>
             </a:r>
-            <a:endParaRPr b="0" lang="en-IN" sz="1800" spc="-1" strike="noStrike">
+            <a:endParaRPr b="0" lang="en-US" sz="1800" spc="-1" strike="noStrike">
               <a:latin typeface="Arial"/>
             </a:endParaRPr>
           </a:p>
@@ -2510,7 +2512,7 @@
         <p:spPr>
           <a:xfrm>
             <a:off x="4140000" y="900000"/>
-            <a:ext cx="1435680" cy="1363680"/>
+            <a:ext cx="1435320" cy="1363320"/>
           </a:xfrm>
           <a:custGeom>
             <a:avLst/>
@@ -2541,7 +2543,7 @@
           <a:solidFill>
             <a:srgbClr val="729fcf"/>
           </a:solidFill>
-          <a:ln>
+          <a:ln w="0">
             <a:solidFill>
               <a:srgbClr val="3465a4"/>
             </a:solidFill>
@@ -2573,7 +2575,7 @@
               </a:rPr>
               <a:t>TEACHES</a:t>
             </a:r>
-            <a:endParaRPr b="0" lang="en-IN" sz="1800" spc="-1" strike="noStrike">
+            <a:endParaRPr b="0" lang="en-US" sz="1800" spc="-1" strike="noStrike">
               <a:latin typeface="Arial"/>
             </a:endParaRPr>
           </a:p>
@@ -2593,7 +2595,7 @@
           <a:prstGeom prst="line">
             <a:avLst/>
           </a:prstGeom>
-          <a:ln>
+          <a:ln w="0">
             <a:solidFill>
               <a:srgbClr val="3465a4"/>
             </a:solidFill>
@@ -2620,7 +2622,7 @@
           <a:prstGeom prst="line">
             <a:avLst/>
           </a:prstGeom>
-          <a:ln>
+          <a:ln w="0">
             <a:solidFill>
               <a:srgbClr val="3465a4"/>
             </a:solidFill>
@@ -2647,7 +2649,7 @@
           <a:prstGeom prst="line">
             <a:avLst/>
           </a:prstGeom>
-          <a:ln>
+          <a:ln w="0">
             <a:solidFill>
               <a:srgbClr val="3465a4"/>
             </a:solidFill>
@@ -2674,7 +2676,7 @@
           <a:prstGeom prst="line">
             <a:avLst/>
           </a:prstGeom>
-          <a:ln>
+          <a:ln w="0">
             <a:solidFill>
               <a:srgbClr val="3465a4"/>
             </a:solidFill>
@@ -2696,7 +2698,7 @@
         <p:spPr>
           <a:xfrm>
             <a:off x="4320000" y="3168000"/>
-            <a:ext cx="1039680" cy="789480"/>
+            <a:ext cx="1039320" cy="789120"/>
           </a:xfrm>
           <a:custGeom>
             <a:avLst/>
@@ -2727,7 +2729,7 @@
           <a:solidFill>
             <a:srgbClr val="729fcf"/>
           </a:solidFill>
-          <a:ln>
+          <a:ln w="0">
             <a:solidFill>
               <a:srgbClr val="3465a4"/>
             </a:solidFill>
@@ -2759,7 +2761,7 @@
               </a:rPr>
               <a:t>USES</a:t>
             </a:r>
-            <a:endParaRPr b="0" lang="en-IN" sz="1800" spc="-1" strike="noStrike">
+            <a:endParaRPr b="0" lang="en-US" sz="1800" spc="-1" strike="noStrike">
               <a:latin typeface="Arial"/>
             </a:endParaRPr>
           </a:p>
@@ -2774,7 +2776,7 @@
         <p:spPr>
           <a:xfrm>
             <a:off x="4176000" y="4428000"/>
-            <a:ext cx="1435680" cy="787680"/>
+            <a:ext cx="1435320" cy="787320"/>
           </a:xfrm>
           <a:prstGeom prst="rect">
             <a:avLst/>
@@ -2782,7 +2784,7 @@
           <a:solidFill>
             <a:srgbClr val="729fcf"/>
           </a:solidFill>
-          <a:ln>
+          <a:ln w="0">
             <a:solidFill>
               <a:srgbClr val="3465a4"/>
             </a:solidFill>
@@ -2814,7 +2816,7 @@
               </a:rPr>
               <a:t>BOOKS</a:t>
             </a:r>
-            <a:endParaRPr b="0" lang="en-IN" sz="1800" spc="-1" strike="noStrike">
+            <a:endParaRPr b="0" lang="en-US" sz="1800" spc="-1" strike="noStrike">
               <a:latin typeface="Arial"/>
             </a:endParaRPr>
           </a:p>
@@ -2834,7 +2836,7 @@
           <a:prstGeom prst="line">
             <a:avLst/>
           </a:prstGeom>
-          <a:ln>
+          <a:ln w="0">
             <a:solidFill>
               <a:srgbClr val="3465a4"/>
             </a:solidFill>
@@ -2856,7 +2858,7 @@
         <p:spPr>
           <a:xfrm>
             <a:off x="5870160" y="3314160"/>
-            <a:ext cx="1149480" cy="501480"/>
+            <a:ext cx="1149120" cy="501120"/>
           </a:xfrm>
           <a:prstGeom prst="ellipse">
             <a:avLst/>
@@ -2864,7 +2866,7 @@
           <a:solidFill>
             <a:srgbClr val="729fcf"/>
           </a:solidFill>
-          <a:ln>
+          <a:ln w="0">
             <a:solidFill>
               <a:srgbClr val="3465a4"/>
             </a:solidFill>
@@ -2896,7 +2898,7 @@
               </a:rPr>
               <a:t>REF/TEXT</a:t>
             </a:r>
-            <a:endParaRPr b="0" lang="en-IN" sz="1800" spc="-1" strike="noStrike">
+            <a:endParaRPr b="0" lang="en-US" sz="1800" spc="-1" strike="noStrike">
               <a:latin typeface="Arial"/>
             </a:endParaRPr>
           </a:p>
@@ -2916,7 +2918,7 @@
           <a:prstGeom prst="line">
             <a:avLst/>
           </a:prstGeom>
-          <a:ln>
+          <a:ln w="0">
             <a:solidFill>
               <a:srgbClr val="3465a4"/>
             </a:solidFill>
@@ -2943,7 +2945,7 @@
           <a:prstGeom prst="line">
             <a:avLst/>
           </a:prstGeom>
-          <a:ln>
+          <a:ln w="0">
             <a:solidFill>
               <a:srgbClr val="3465a4"/>
             </a:solidFill>
@@ -2995,7 +2997,7 @@
         <p:spPr>
           <a:xfrm>
             <a:off x="1944000" y="900000"/>
-            <a:ext cx="1435680" cy="787680"/>
+            <a:ext cx="1435320" cy="787320"/>
           </a:xfrm>
           <a:prstGeom prst="rect">
             <a:avLst/>
@@ -3003,7 +3005,7 @@
           <a:solidFill>
             <a:srgbClr val="729fcf"/>
           </a:solidFill>
-          <a:ln>
+          <a:ln w="0">
             <a:solidFill>
               <a:srgbClr val="3465a4"/>
             </a:solidFill>
@@ -3035,7 +3037,7 @@
               </a:rPr>
               <a:t>BOOKS</a:t>
             </a:r>
-            <a:endParaRPr b="0" lang="en-IN" sz="1800" spc="-1" strike="noStrike">
+            <a:endParaRPr b="0" lang="en-US" sz="1800" spc="-1" strike="noStrike">
               <a:latin typeface="Arial"/>
             </a:endParaRPr>
           </a:p>
@@ -3050,7 +3052,7 @@
         <p:spPr>
           <a:xfrm>
             <a:off x="6120000" y="900000"/>
-            <a:ext cx="1435680" cy="787680"/>
+            <a:ext cx="1435320" cy="787320"/>
           </a:xfrm>
           <a:prstGeom prst="rect">
             <a:avLst/>
@@ -3058,7 +3060,7 @@
           <a:solidFill>
             <a:srgbClr val="729fcf"/>
           </a:solidFill>
-          <a:ln>
+          <a:ln w="0">
             <a:solidFill>
               <a:srgbClr val="3465a4"/>
             </a:solidFill>
@@ -3090,7 +3092,7 @@
               </a:rPr>
               <a:t>USERS</a:t>
             </a:r>
-            <a:endParaRPr b="0" lang="en-IN" sz="1800" spc="-1" strike="noStrike">
+            <a:endParaRPr b="0" lang="en-US" sz="1800" spc="-1" strike="noStrike">
               <a:latin typeface="Arial"/>
             </a:endParaRPr>
           </a:p>
@@ -3105,7 +3107,7 @@
         <p:spPr>
           <a:xfrm>
             <a:off x="4068000" y="612000"/>
-            <a:ext cx="1435680" cy="1363680"/>
+            <a:ext cx="1435320" cy="1363320"/>
           </a:xfrm>
           <a:custGeom>
             <a:avLst/>
@@ -3136,7 +3138,7 @@
           <a:solidFill>
             <a:srgbClr val="729fcf"/>
           </a:solidFill>
-          <a:ln>
+          <a:ln w="0">
             <a:solidFill>
               <a:srgbClr val="3465a4"/>
             </a:solidFill>
@@ -3168,7 +3170,7 @@
               </a:rPr>
               <a:t>Borrowed</a:t>
             </a:r>
-            <a:endParaRPr b="0" lang="en-IN" sz="1800" spc="-1" strike="noStrike">
+            <a:endParaRPr b="0" lang="en-US" sz="1800" spc="-1" strike="noStrike">
               <a:latin typeface="Arial"/>
             </a:endParaRPr>
           </a:p>
@@ -3188,7 +3190,7 @@
               </a:rPr>
               <a:t>By</a:t>
             </a:r>
-            <a:endParaRPr b="0" lang="en-IN" sz="1800" spc="-1" strike="noStrike">
+            <a:endParaRPr b="0" lang="en-US" sz="1800" spc="-1" strike="noStrike">
               <a:latin typeface="Arial"/>
             </a:endParaRPr>
           </a:p>
@@ -3208,7 +3210,7 @@
           <a:prstGeom prst="line">
             <a:avLst/>
           </a:prstGeom>
-          <a:ln>
+          <a:ln w="0">
             <a:solidFill>
               <a:srgbClr val="3465a4"/>
             </a:solidFill>
@@ -3235,7 +3237,7 @@
           <a:prstGeom prst="line">
             <a:avLst/>
           </a:prstGeom>
-          <a:ln>
+          <a:ln w="0">
             <a:solidFill>
               <a:srgbClr val="3465a4"/>
             </a:solidFill>
@@ -3262,7 +3264,7 @@
           <a:prstGeom prst="line">
             <a:avLst/>
           </a:prstGeom>
-          <a:ln>
+          <a:ln w="0">
             <a:solidFill>
               <a:srgbClr val="3465a4"/>
             </a:solidFill>
@@ -3284,13 +3286,13 @@
         <p:spPr>
           <a:xfrm>
             <a:off x="2592000" y="5904000"/>
-            <a:ext cx="7124400" cy="598680"/>
+            <a:ext cx="7124040" cy="598320"/>
           </a:xfrm>
           <a:prstGeom prst="rect">
             <a:avLst/>
           </a:prstGeom>
           <a:noFill/>
-          <a:ln>
+          <a:ln w="0">
             <a:noFill/>
           </a:ln>
         </p:spPr>
@@ -3320,7 +3322,7 @@
               </a:rPr>
               <a:t>ONE user can borrow MANY books.</a:t>
             </a:r>
-            <a:endParaRPr b="0" lang="en-IN" sz="1800" spc="-1" strike="noStrike">
+            <a:endParaRPr b="0" lang="en-US" sz="1800" spc="-1" strike="noStrike">
               <a:latin typeface="Arial"/>
             </a:endParaRPr>
           </a:p>
@@ -3340,7 +3342,7 @@
               </a:rPr>
               <a:t>MANY books can be borrowed by ONE USER</a:t>
             </a:r>
-            <a:endParaRPr b="0" lang="en-IN" sz="1800" spc="-1" strike="noStrike">
+            <a:endParaRPr b="0" lang="en-US" sz="1800" spc="-1" strike="noStrike">
               <a:latin typeface="Arial"/>
             </a:endParaRPr>
           </a:p>
@@ -3355,7 +3357,7 @@
         <p:spPr>
           <a:xfrm>
             <a:off x="360000" y="216360"/>
-            <a:ext cx="1149480" cy="501480"/>
+            <a:ext cx="1149120" cy="501120"/>
           </a:xfrm>
           <a:prstGeom prst="ellipse">
             <a:avLst/>
@@ -3363,7 +3365,7 @@
           <a:solidFill>
             <a:srgbClr val="729fcf"/>
           </a:solidFill>
-          <a:ln>
+          <a:ln w="0">
             <a:solidFill>
               <a:srgbClr val="3465a4"/>
             </a:solidFill>
@@ -3395,7 +3397,7 @@
               </a:rPr>
               <a:t>ACC_NO</a:t>
             </a:r>
-            <a:endParaRPr b="0" lang="en-IN" sz="1800" spc="-1" strike="noStrike">
+            <a:endParaRPr b="0" lang="en-US" sz="1800" spc="-1" strike="noStrike">
               <a:latin typeface="Arial"/>
             </a:endParaRPr>
           </a:p>
@@ -3410,7 +3412,7 @@
         <p:spPr>
           <a:xfrm>
             <a:off x="1727640" y="216360"/>
-            <a:ext cx="1149480" cy="501480"/>
+            <a:ext cx="1149120" cy="501120"/>
           </a:xfrm>
           <a:prstGeom prst="ellipse">
             <a:avLst/>
@@ -3418,7 +3420,7 @@
           <a:solidFill>
             <a:srgbClr val="729fcf"/>
           </a:solidFill>
-          <a:ln>
+          <a:ln w="0">
             <a:solidFill>
               <a:srgbClr val="3465a4"/>
             </a:solidFill>
@@ -3450,7 +3452,7 @@
               </a:rPr>
               <a:t>TITLE</a:t>
             </a:r>
-            <a:endParaRPr b="0" lang="en-IN" sz="1800" spc="-1" strike="noStrike">
+            <a:endParaRPr b="0" lang="en-US" sz="1800" spc="-1" strike="noStrike">
               <a:latin typeface="Arial"/>
             </a:endParaRPr>
           </a:p>
@@ -3465,7 +3467,7 @@
         <p:spPr>
           <a:xfrm>
             <a:off x="359280" y="1008360"/>
-            <a:ext cx="1149480" cy="501480"/>
+            <a:ext cx="1149120" cy="501120"/>
           </a:xfrm>
           <a:prstGeom prst="ellipse">
             <a:avLst/>
@@ -3473,7 +3475,7 @@
           <a:solidFill>
             <a:srgbClr val="729fcf"/>
           </a:solidFill>
-          <a:ln>
+          <a:ln w="0">
             <a:solidFill>
               <a:srgbClr val="3465a4"/>
             </a:solidFill>
@@ -3505,7 +3507,7 @@
               </a:rPr>
               <a:t>AUTHOR</a:t>
             </a:r>
-            <a:endParaRPr b="0" lang="en-IN" sz="1800" spc="-1" strike="noStrike">
+            <a:endParaRPr b="0" lang="en-US" sz="1800" spc="-1" strike="noStrike">
               <a:latin typeface="Arial"/>
             </a:endParaRPr>
           </a:p>
@@ -3520,7 +3522,7 @@
         <p:spPr>
           <a:xfrm>
             <a:off x="358920" y="1800360"/>
-            <a:ext cx="1149480" cy="501480"/>
+            <a:ext cx="1149120" cy="501120"/>
           </a:xfrm>
           <a:prstGeom prst="ellipse">
             <a:avLst/>
@@ -3528,7 +3530,7 @@
           <a:solidFill>
             <a:srgbClr val="729fcf"/>
           </a:solidFill>
-          <a:ln>
+          <a:ln w="0">
             <a:solidFill>
               <a:srgbClr val="3465a4"/>
             </a:solidFill>
@@ -3560,7 +3562,7 @@
               </a:rPr>
               <a:t>PUB.DATE</a:t>
             </a:r>
-            <a:endParaRPr b="0" lang="en-IN" sz="1800" spc="-1" strike="noStrike">
+            <a:endParaRPr b="0" lang="en-US" sz="1800" spc="-1" strike="noStrike">
               <a:latin typeface="Arial"/>
             </a:endParaRPr>
           </a:p>
@@ -3575,7 +3577,7 @@
         <p:spPr>
           <a:xfrm>
             <a:off x="1906560" y="1836360"/>
-            <a:ext cx="1149480" cy="501480"/>
+            <a:ext cx="1149120" cy="501120"/>
           </a:xfrm>
           <a:prstGeom prst="ellipse">
             <a:avLst/>
@@ -3583,7 +3585,7 @@
           <a:solidFill>
             <a:srgbClr val="729fcf"/>
           </a:solidFill>
-          <a:ln>
+          <a:ln w="0">
             <a:solidFill>
               <a:srgbClr val="3465a4"/>
             </a:solidFill>
@@ -3615,7 +3617,7 @@
               </a:rPr>
               <a:t>PUBLISHER</a:t>
             </a:r>
-            <a:endParaRPr b="0" lang="en-IN" sz="1800" spc="-1" strike="noStrike">
+            <a:endParaRPr b="0" lang="en-US" sz="1800" spc="-1" strike="noStrike">
               <a:latin typeface="Arial"/>
             </a:endParaRPr>
           </a:p>
@@ -3630,7 +3632,7 @@
         <p:spPr>
           <a:xfrm>
             <a:off x="4211280" y="360"/>
-            <a:ext cx="1149480" cy="501480"/>
+            <a:ext cx="1149120" cy="501120"/>
           </a:xfrm>
           <a:prstGeom prst="ellipse">
             <a:avLst/>
@@ -3638,7 +3640,7 @@
           <a:solidFill>
             <a:srgbClr val="729fcf"/>
           </a:solidFill>
-          <a:ln>
+          <a:ln w="0">
             <a:solidFill>
               <a:srgbClr val="3465a4"/>
             </a:solidFill>
@@ -3670,7 +3672,7 @@
               </a:rPr>
               <a:t>TITLE</a:t>
             </a:r>
-            <a:endParaRPr b="0" lang="en-IN" sz="1800" spc="-1" strike="noStrike">
+            <a:endParaRPr b="0" lang="en-US" sz="1800" spc="-1" strike="noStrike">
               <a:latin typeface="Arial"/>
             </a:endParaRPr>
           </a:p>
@@ -3685,7 +3687,7 @@
         <p:spPr>
           <a:xfrm>
             <a:off x="6226920" y="360"/>
-            <a:ext cx="1149480" cy="501480"/>
+            <a:ext cx="1149120" cy="501120"/>
           </a:xfrm>
           <a:prstGeom prst="ellipse">
             <a:avLst/>
@@ -3693,7 +3695,7 @@
           <a:solidFill>
             <a:srgbClr val="729fcf"/>
           </a:solidFill>
-          <a:ln>
+          <a:ln w="0">
             <a:solidFill>
               <a:srgbClr val="3465a4"/>
             </a:solidFill>
@@ -3725,7 +3727,7 @@
               </a:rPr>
               <a:t>CARD NO</a:t>
             </a:r>
-            <a:endParaRPr b="0" lang="en-IN" sz="1800" spc="-1" strike="noStrike">
+            <a:endParaRPr b="0" lang="en-US" sz="1800" spc="-1" strike="noStrike">
               <a:latin typeface="Arial"/>
             </a:endParaRPr>
           </a:p>
@@ -3740,7 +3742,7 @@
         <p:spPr>
           <a:xfrm>
             <a:off x="4210920" y="360"/>
-            <a:ext cx="1149480" cy="501480"/>
+            <a:ext cx="1149120" cy="501120"/>
           </a:xfrm>
           <a:prstGeom prst="ellipse">
             <a:avLst/>
@@ -3748,7 +3750,7 @@
           <a:solidFill>
             <a:srgbClr val="729fcf"/>
           </a:solidFill>
-          <a:ln>
+          <a:ln w="0">
             <a:solidFill>
               <a:srgbClr val="3465a4"/>
             </a:solidFill>
@@ -3780,7 +3782,7 @@
               </a:rPr>
               <a:t>DOI</a:t>
             </a:r>
-            <a:endParaRPr b="0" lang="en-IN" sz="1800" spc="-1" strike="noStrike">
+            <a:endParaRPr b="0" lang="en-US" sz="1800" spc="-1" strike="noStrike">
               <a:latin typeface="Arial"/>
             </a:endParaRPr>
           </a:p>
@@ -3795,7 +3797,7 @@
         <p:spPr>
           <a:xfrm>
             <a:off x="7738920" y="252360"/>
-            <a:ext cx="1149480" cy="501480"/>
+            <a:ext cx="1149120" cy="501120"/>
           </a:xfrm>
           <a:prstGeom prst="ellipse">
             <a:avLst/>
@@ -3803,7 +3805,7 @@
           <a:solidFill>
             <a:srgbClr val="729fcf"/>
           </a:solidFill>
-          <a:ln>
+          <a:ln w="0">
             <a:solidFill>
               <a:srgbClr val="3465a4"/>
             </a:solidFill>
@@ -3835,7 +3837,7 @@
               </a:rPr>
               <a:t>NAME</a:t>
             </a:r>
-            <a:endParaRPr b="0" lang="en-IN" sz="1800" spc="-1" strike="noStrike">
+            <a:endParaRPr b="0" lang="en-US" sz="1800" spc="-1" strike="noStrike">
               <a:latin typeface="Arial"/>
             </a:endParaRPr>
           </a:p>
@@ -3850,7 +3852,7 @@
         <p:spPr>
           <a:xfrm>
             <a:off x="7810920" y="936360"/>
-            <a:ext cx="1149480" cy="501480"/>
+            <a:ext cx="1149120" cy="501120"/>
           </a:xfrm>
           <a:prstGeom prst="ellipse">
             <a:avLst/>
@@ -3858,7 +3860,7 @@
           <a:solidFill>
             <a:srgbClr val="729fcf"/>
           </a:solidFill>
-          <a:ln>
+          <a:ln w="0">
             <a:solidFill>
               <a:srgbClr val="3465a4"/>
             </a:solidFill>
@@ -3890,7 +3892,7 @@
               </a:rPr>
               <a:t>ADDR.</a:t>
             </a:r>
-            <a:endParaRPr b="0" lang="en-IN" sz="1800" spc="-1" strike="noStrike">
+            <a:endParaRPr b="0" lang="en-US" sz="1800" spc="-1" strike="noStrike">
               <a:latin typeface="Arial"/>
             </a:endParaRPr>
           </a:p>
@@ -3910,7 +3912,7 @@
           <a:prstGeom prst="line">
             <a:avLst/>
           </a:prstGeom>
-          <a:ln>
+          <a:ln w="0">
             <a:solidFill>
               <a:srgbClr val="3465a4"/>
             </a:solidFill>
@@ -3937,7 +3939,7 @@
           <a:prstGeom prst="line">
             <a:avLst/>
           </a:prstGeom>
-          <a:ln>
+          <a:ln w="0">
             <a:solidFill>
               <a:srgbClr val="3465a4"/>
             </a:solidFill>
@@ -3964,7 +3966,7 @@
           <a:prstGeom prst="line">
             <a:avLst/>
           </a:prstGeom>
-          <a:ln>
+          <a:ln w="0">
             <a:solidFill>
               <a:srgbClr val="3465a4"/>
             </a:solidFill>
@@ -3991,7 +3993,7 @@
           <a:prstGeom prst="line">
             <a:avLst/>
           </a:prstGeom>
-          <a:ln>
+          <a:ln w="0">
             <a:solidFill>
               <a:srgbClr val="3465a4"/>
             </a:solidFill>
@@ -4018,7 +4020,7 @@
           <a:prstGeom prst="line">
             <a:avLst/>
           </a:prstGeom>
-          <a:ln>
+          <a:ln w="0">
             <a:solidFill>
               <a:srgbClr val="3465a4"/>
             </a:solidFill>
@@ -4045,7 +4047,7 @@
           <a:prstGeom prst="line">
             <a:avLst/>
           </a:prstGeom>
-          <a:ln>
+          <a:ln w="0">
             <a:solidFill>
               <a:srgbClr val="3465a4"/>
             </a:solidFill>
@@ -4072,7 +4074,7 @@
           <a:prstGeom prst="line">
             <a:avLst/>
           </a:prstGeom>
-          <a:ln>
+          <a:ln w="0">
             <a:solidFill>
               <a:srgbClr val="3465a4"/>
             </a:solidFill>
@@ -4099,7 +4101,7 @@
           <a:prstGeom prst="line">
             <a:avLst/>
           </a:prstGeom>
-          <a:ln>
+          <a:ln w="0">
             <a:solidFill>
               <a:srgbClr val="3465a4"/>
             </a:solidFill>
@@ -4126,7 +4128,7 @@
           <a:prstGeom prst="line">
             <a:avLst/>
           </a:prstGeom>
-          <a:ln>
+          <a:ln w="0">
             <a:solidFill>
               <a:srgbClr val="3465a4"/>
             </a:solidFill>
@@ -4153,7 +4155,7 @@
           <a:prstGeom prst="line">
             <a:avLst/>
           </a:prstGeom>
-          <a:ln>
+          <a:ln w="0">
             <a:solidFill>
               <a:srgbClr val="3465a4"/>
             </a:solidFill>
@@ -4205,7 +4207,7 @@
                         </a:rPr>
                         <a:t>ACCNO</a:t>
                       </a:r>
-                      <a:endParaRPr b="0" lang="en-IN" sz="1800" spc="-1" strike="noStrike">
+                      <a:endParaRPr b="0" lang="en-US" sz="1800" spc="-1" strike="noStrike">
                         <a:latin typeface="Arial"/>
                       </a:endParaRPr>
                     </a:p>
@@ -4253,7 +4255,7 @@
                         </a:rPr>
                         <a:t>TITLE</a:t>
                       </a:r>
-                      <a:endParaRPr b="0" lang="en-IN" sz="1800" spc="-1" strike="noStrike">
+                      <a:endParaRPr b="0" lang="en-US" sz="1800" spc="-1" strike="noStrike">
                         <a:latin typeface="Arial"/>
                       </a:endParaRPr>
                     </a:p>
@@ -4301,7 +4303,7 @@
                         </a:rPr>
                         <a:t>AUTHO</a:t>
                       </a:r>
-                      <a:endParaRPr b="0" lang="en-IN" sz="1800" spc="-1" strike="noStrike">
+                      <a:endParaRPr b="0" lang="en-US" sz="1800" spc="-1" strike="noStrike">
                         <a:latin typeface="Arial"/>
                       </a:endParaRPr>
                     </a:p>
@@ -4349,7 +4351,7 @@
                         </a:rPr>
                         <a:t>PUBDA</a:t>
                       </a:r>
-                      <a:endParaRPr b="0" lang="en-IN" sz="1800" spc="-1" strike="noStrike">
+                      <a:endParaRPr b="0" lang="en-US" sz="1800" spc="-1" strike="noStrike">
                         <a:latin typeface="Arial"/>
                       </a:endParaRPr>
                     </a:p>
@@ -4397,7 +4399,7 @@
                         </a:rPr>
                         <a:t>PUB</a:t>
                       </a:r>
-                      <a:endParaRPr b="0" lang="en-IN" sz="1800" spc="-1" strike="noStrike">
+                      <a:endParaRPr b="0" lang="en-US" sz="1800" spc="-1" strike="noStrike">
                         <a:latin typeface="Arial"/>
                       </a:endParaRPr>
                     </a:p>
@@ -4744,7 +4746,7 @@
                         </a:rPr>
                         <a:t>CARDNO</a:t>
                       </a:r>
-                      <a:endParaRPr b="0" lang="en-IN" sz="1800" spc="-1" strike="noStrike">
+                      <a:endParaRPr b="0" lang="en-US" sz="1800" spc="-1" strike="noStrike">
                         <a:latin typeface="Arial"/>
                       </a:endParaRPr>
                     </a:p>
@@ -4792,7 +4794,7 @@
                         </a:rPr>
                         <a:t>NAME</a:t>
                       </a:r>
-                      <a:endParaRPr b="0" lang="en-IN" sz="1800" spc="-1" strike="noStrike">
+                      <a:endParaRPr b="0" lang="en-US" sz="1800" spc="-1" strike="noStrike">
                         <a:latin typeface="Arial"/>
                       </a:endParaRPr>
                     </a:p>
@@ -4840,7 +4842,7 @@
                         </a:rPr>
                         <a:t>ADDR</a:t>
                       </a:r>
-                      <a:endParaRPr b="0" lang="en-IN" sz="1800" spc="-1" strike="noStrike">
+                      <a:endParaRPr b="0" lang="en-US" sz="1800" spc="-1" strike="noStrike">
                         <a:latin typeface="Arial"/>
                       </a:endParaRPr>
                     </a:p>
@@ -5079,7 +5081,7 @@
                         </a:rPr>
                         <a:t>DOI</a:t>
                       </a:r>
-                      <a:endParaRPr b="0" lang="en-IN" sz="1800" spc="-1" strike="noStrike">
+                      <a:endParaRPr b="0" lang="en-US" sz="1800" spc="-1" strike="noStrike">
                         <a:latin typeface="Arial"/>
                       </a:endParaRPr>
                     </a:p>
@@ -5127,7 +5129,7 @@
                         </a:rPr>
                         <a:t>ACCNO</a:t>
                       </a:r>
-                      <a:endParaRPr b="0" lang="en-IN" sz="1800" spc="-1" strike="noStrike">
+                      <a:endParaRPr b="0" lang="en-US" sz="1800" spc="-1" strike="noStrike">
                         <a:latin typeface="Arial"/>
                       </a:endParaRPr>
                     </a:p>
@@ -5175,7 +5177,7 @@
                         </a:rPr>
                         <a:t>CARDNO</a:t>
                       </a:r>
-                      <a:endParaRPr b="0" lang="en-IN" sz="1800" spc="-1" strike="noStrike">
+                      <a:endParaRPr b="0" lang="en-US" sz="1800" spc="-1" strike="noStrike">
                         <a:latin typeface="Arial"/>
                       </a:endParaRPr>
                     </a:p>
@@ -5386,13 +5388,13 @@
         <p:spPr>
           <a:xfrm>
             <a:off x="576000" y="4320000"/>
-            <a:ext cx="2445840" cy="344160"/>
+            <a:ext cx="2445480" cy="343800"/>
           </a:xfrm>
           <a:prstGeom prst="rect">
             <a:avLst/>
           </a:prstGeom>
           <a:noFill/>
-          <a:ln>
+          <a:ln w="0">
             <a:noFill/>
           </a:ln>
         </p:spPr>
@@ -5422,7 +5424,7 @@
               </a:rPr>
               <a:t>BOOKS TABLE</a:t>
             </a:r>
-            <a:endParaRPr b="0" lang="en-IN" sz="1800" spc="-1" strike="noStrike">
+            <a:endParaRPr b="0" lang="en-US" sz="1800" spc="-1" strike="noStrike">
               <a:latin typeface="Arial"/>
             </a:endParaRPr>
           </a:p>
@@ -5437,13 +5439,13 @@
         <p:spPr>
           <a:xfrm>
             <a:off x="7092000" y="3672000"/>
-            <a:ext cx="2445840" cy="344160"/>
+            <a:ext cx="2445480" cy="343800"/>
           </a:xfrm>
           <a:prstGeom prst="rect">
             <a:avLst/>
           </a:prstGeom>
           <a:noFill/>
-          <a:ln>
+          <a:ln w="0">
             <a:noFill/>
           </a:ln>
         </p:spPr>
@@ -5473,7 +5475,7 @@
               </a:rPr>
               <a:t>USERS TABLE</a:t>
             </a:r>
-            <a:endParaRPr b="0" lang="en-IN" sz="1800" spc="-1" strike="noStrike">
+            <a:endParaRPr b="0" lang="en-US" sz="1800" spc="-1" strike="noStrike">
               <a:latin typeface="Arial"/>
             </a:endParaRPr>
           </a:p>
@@ -5488,13 +5490,13 @@
         <p:spPr>
           <a:xfrm>
             <a:off x="3744000" y="5328000"/>
-            <a:ext cx="2445840" cy="344160"/>
+            <a:ext cx="2445480" cy="343800"/>
           </a:xfrm>
           <a:prstGeom prst="rect">
             <a:avLst/>
           </a:prstGeom>
           <a:noFill/>
-          <a:ln>
+          <a:ln w="0">
             <a:noFill/>
           </a:ln>
         </p:spPr>
@@ -5524,7 +5526,7 @@
               </a:rPr>
               <a:t>Borrowed By TABLE</a:t>
             </a:r>
-            <a:endParaRPr b="0" lang="en-IN" sz="1800" spc="-1" strike="noStrike">
+            <a:endParaRPr b="0" lang="en-US" sz="1800" spc="-1" strike="noStrike">
               <a:latin typeface="Arial"/>
             </a:endParaRPr>
           </a:p>
@@ -5569,7 +5571,7 @@
         <p:spPr>
           <a:xfrm>
             <a:off x="5934960" y="1050480"/>
-            <a:ext cx="1694160" cy="1005120"/>
+            <a:ext cx="1693800" cy="1004760"/>
           </a:xfrm>
           <a:prstGeom prst="rect">
             <a:avLst/>
@@ -5577,7 +5579,7 @@
           <a:solidFill>
             <a:srgbClr val="729fcf"/>
           </a:solidFill>
-          <a:ln>
+          <a:ln w="0">
             <a:solidFill>
               <a:srgbClr val="3465a4"/>
             </a:solidFill>
@@ -5599,7 +5601,7 @@
         <p:spPr>
           <a:xfrm>
             <a:off x="1908000" y="1152000"/>
-            <a:ext cx="1435680" cy="787680"/>
+            <a:ext cx="1435320" cy="787320"/>
           </a:xfrm>
           <a:prstGeom prst="rect">
             <a:avLst/>
@@ -5607,7 +5609,7 @@
           <a:solidFill>
             <a:srgbClr val="729fcf"/>
           </a:solidFill>
-          <a:ln>
+          <a:ln w="0">
             <a:solidFill>
               <a:srgbClr val="3465a4"/>
             </a:solidFill>
@@ -5639,7 +5641,7 @@
               </a:rPr>
               <a:t>CUSTOMER</a:t>
             </a:r>
-            <a:endParaRPr b="0" lang="en-IN" sz="1800" spc="-1" strike="noStrike">
+            <a:endParaRPr b="0" lang="en-US" sz="1800" spc="-1" strike="noStrike">
               <a:latin typeface="Arial"/>
             </a:endParaRPr>
           </a:p>
@@ -5654,7 +5656,7 @@
         <p:spPr>
           <a:xfrm>
             <a:off x="6084000" y="1152000"/>
-            <a:ext cx="1435680" cy="787680"/>
+            <a:ext cx="1435320" cy="787320"/>
           </a:xfrm>
           <a:prstGeom prst="rect">
             <a:avLst/>
@@ -5662,7 +5664,7 @@
           <a:solidFill>
             <a:srgbClr val="729fcf"/>
           </a:solidFill>
-          <a:ln>
+          <a:ln w="0">
             <a:solidFill>
               <a:srgbClr val="3465a4"/>
             </a:solidFill>
@@ -5694,7 +5696,7 @@
               </a:rPr>
               <a:t>ACCOUNT</a:t>
             </a:r>
-            <a:endParaRPr b="0" lang="en-IN" sz="1800" spc="-1" strike="noStrike">
+            <a:endParaRPr b="0" lang="en-US" sz="1800" spc="-1" strike="noStrike">
               <a:latin typeface="Arial"/>
             </a:endParaRPr>
           </a:p>
@@ -5709,7 +5711,7 @@
         <p:spPr>
           <a:xfrm>
             <a:off x="4032000" y="864000"/>
-            <a:ext cx="1435680" cy="1363680"/>
+            <a:ext cx="1435320" cy="1363320"/>
           </a:xfrm>
           <a:custGeom>
             <a:avLst/>
@@ -5740,7 +5742,7 @@
           <a:solidFill>
             <a:srgbClr val="729fcf"/>
           </a:solidFill>
-          <a:ln>
+          <a:ln w="0">
             <a:solidFill>
               <a:srgbClr val="3465a4"/>
             </a:solidFill>
@@ -5772,7 +5774,7 @@
               </a:rPr>
               <a:t>ACC</a:t>
             </a:r>
-            <a:endParaRPr b="0" lang="en-IN" sz="1800" spc="-1" strike="noStrike">
+            <a:endParaRPr b="0" lang="en-US" sz="1800" spc="-1" strike="noStrike">
               <a:latin typeface="Arial"/>
             </a:endParaRPr>
           </a:p>
@@ -5792,7 +5794,7 @@
           <a:prstGeom prst="line">
             <a:avLst/>
           </a:prstGeom>
-          <a:ln>
+          <a:ln w="0">
             <a:solidFill>
               <a:srgbClr val="3465a4"/>
             </a:solidFill>
@@ -5819,7 +5821,7 @@
           <a:prstGeom prst="line">
             <a:avLst/>
           </a:prstGeom>
-          <a:ln>
+          <a:ln w="0">
             <a:solidFill>
               <a:srgbClr val="3465a4"/>
             </a:solidFill>
@@ -5841,13 +5843,13 @@
         <p:spPr>
           <a:xfrm>
             <a:off x="1548000" y="576000"/>
-            <a:ext cx="2121840" cy="465840"/>
+            <a:ext cx="2121480" cy="465480"/>
           </a:xfrm>
           <a:prstGeom prst="rect">
             <a:avLst/>
           </a:prstGeom>
           <a:noFill/>
-          <a:ln>
+          <a:ln w="0">
             <a:noFill/>
           </a:ln>
         </p:spPr>
@@ -5877,7 +5879,7 @@
               </a:rPr>
               <a:t>STRONG ENTITY</a:t>
             </a:r>
-            <a:endParaRPr b="0" lang="en-IN" sz="1800" spc="-1" strike="noStrike">
+            <a:endParaRPr b="0" lang="en-US" sz="1800" spc="-1" strike="noStrike">
               <a:latin typeface="Arial"/>
             </a:endParaRPr>
           </a:p>
@@ -5897,7 +5899,7 @@
           <a:prstGeom prst="line">
             <a:avLst/>
           </a:prstGeom>
-          <a:ln>
+          <a:ln w="0">
             <a:solidFill>
               <a:srgbClr val="3465a4"/>
             </a:solidFill>
@@ -5924,7 +5926,7 @@
           <a:prstGeom prst="line">
             <a:avLst/>
           </a:prstGeom>
-          <a:ln>
+          <a:ln w="0">
             <a:solidFill>
               <a:srgbClr val="3465a4"/>
             </a:solidFill>
@@ -5947,13 +5949,13 @@
         <p:spPr>
           <a:xfrm>
             <a:off x="5760000" y="576000"/>
-            <a:ext cx="2121840" cy="465840"/>
+            <a:ext cx="2121480" cy="465480"/>
           </a:xfrm>
           <a:prstGeom prst="rect">
             <a:avLst/>
           </a:prstGeom>
           <a:noFill/>
-          <a:ln>
+          <a:ln w="0">
             <a:noFill/>
           </a:ln>
         </p:spPr>
@@ -5983,7 +5985,7 @@
               </a:rPr>
               <a:t>WEAK ENTITY</a:t>
             </a:r>
-            <a:endParaRPr b="0" lang="en-IN" sz="1800" spc="-1" strike="noStrike">
+            <a:endParaRPr b="0" lang="en-US" sz="1800" spc="-1" strike="noStrike">
               <a:latin typeface="Arial"/>
             </a:endParaRPr>
           </a:p>
@@ -5998,13 +6000,13 @@
         <p:spPr>
           <a:xfrm>
             <a:off x="216000" y="2376000"/>
-            <a:ext cx="2121840" cy="2589840"/>
+            <a:ext cx="2121480" cy="2589480"/>
           </a:xfrm>
           <a:prstGeom prst="rect">
             <a:avLst/>
           </a:prstGeom>
           <a:noFill/>
-          <a:ln>
+          <a:ln w="0">
             <a:noFill/>
           </a:ln>
         </p:spPr>
@@ -6034,7 +6036,7 @@
               </a:rPr>
               <a:t>Here the realtion is  that a customer can have multiple accounts and if there is an account then there must be a customer associated to that account</a:t>
             </a:r>
-            <a:endParaRPr b="0" lang="en-IN" sz="1800" spc="-1" strike="noStrike">
+            <a:endParaRPr b="0" lang="en-US" sz="1800" spc="-1" strike="noStrike">
               <a:latin typeface="Arial"/>
             </a:endParaRPr>
           </a:p>
@@ -6598,7 +6600,7 @@
           <a:prstGeom prst="line">
             <a:avLst/>
           </a:prstGeom>
-          <a:ln>
+          <a:ln w="0">
             <a:solidFill>
               <a:srgbClr val="3465a4"/>
             </a:solidFill>
@@ -6626,7 +6628,7 @@
           <a:prstGeom prst="line">
             <a:avLst/>
           </a:prstGeom>
-          <a:ln>
+          <a:ln w="0">
             <a:solidFill>
               <a:srgbClr val="3465a4"/>
             </a:solidFill>
@@ -6654,7 +6656,7 @@
           <a:prstGeom prst="line">
             <a:avLst/>
           </a:prstGeom>
-          <a:ln>
+          <a:ln w="0">
             <a:solidFill>
               <a:srgbClr val="3465a4"/>
             </a:solidFill>
@@ -6707,7 +6709,7 @@
         <p:spPr>
           <a:xfrm>
             <a:off x="1945800" y="3636000"/>
-            <a:ext cx="1435680" cy="787680"/>
+            <a:ext cx="1435320" cy="787320"/>
           </a:xfrm>
           <a:prstGeom prst="rect">
             <a:avLst/>
@@ -6715,7 +6717,7 @@
           <a:solidFill>
             <a:srgbClr val="729fcf"/>
           </a:solidFill>
-          <a:ln>
+          <a:ln w="0">
             <a:solidFill>
               <a:srgbClr val="3465a4"/>
             </a:solidFill>
@@ -6747,7 +6749,7 @@
               </a:rPr>
               <a:t>RESERVED</a:t>
             </a:r>
-            <a:endParaRPr b="0" lang="en-IN" sz="1800" spc="-1" strike="noStrike">
+            <a:endParaRPr b="0" lang="en-US" sz="1800" spc="-1" strike="noStrike">
               <a:latin typeface="Arial"/>
             </a:endParaRPr>
           </a:p>
@@ -6767,7 +6769,7 @@
               </a:rPr>
               <a:t>TICKET</a:t>
             </a:r>
-            <a:endParaRPr b="0" lang="en-IN" sz="1800" spc="-1" strike="noStrike">
+            <a:endParaRPr b="0" lang="en-US" sz="1800" spc="-1" strike="noStrike">
               <a:latin typeface="Arial"/>
             </a:endParaRPr>
           </a:p>
@@ -6782,7 +6784,7 @@
         <p:spPr>
           <a:xfrm>
             <a:off x="6300000" y="3673800"/>
-            <a:ext cx="1435680" cy="787680"/>
+            <a:ext cx="1435320" cy="787320"/>
           </a:xfrm>
           <a:prstGeom prst="rect">
             <a:avLst/>
@@ -6790,7 +6792,7 @@
           <a:solidFill>
             <a:srgbClr val="729fcf"/>
           </a:solidFill>
-          <a:ln>
+          <a:ln w="0">
             <a:solidFill>
               <a:srgbClr val="3465a4"/>
             </a:solidFill>
@@ -6822,7 +6824,7 @@
               </a:rPr>
               <a:t>UNRES..</a:t>
             </a:r>
-            <a:endParaRPr b="0" lang="en-IN" sz="1800" spc="-1" strike="noStrike">
+            <a:endParaRPr b="0" lang="en-US" sz="1800" spc="-1" strike="noStrike">
               <a:latin typeface="Arial"/>
             </a:endParaRPr>
           </a:p>
@@ -6842,7 +6844,7 @@
               </a:rPr>
               <a:t>TICKET</a:t>
             </a:r>
-            <a:endParaRPr b="0" lang="en-IN" sz="1800" spc="-1" strike="noStrike">
+            <a:endParaRPr b="0" lang="en-US" sz="1800" spc="-1" strike="noStrike">
               <a:latin typeface="Arial"/>
             </a:endParaRPr>
           </a:p>
@@ -6862,7 +6864,7 @@
           <a:prstGeom prst="line">
             <a:avLst/>
           </a:prstGeom>
-          <a:ln>
+          <a:ln w="0">
             <a:solidFill>
               <a:srgbClr val="3465a4"/>
             </a:solidFill>
@@ -6889,7 +6891,7 @@
           <a:prstGeom prst="line">
             <a:avLst/>
           </a:prstGeom>
-          <a:ln>
+          <a:ln w="0">
             <a:solidFill>
               <a:srgbClr val="3465a4"/>
             </a:solidFill>
@@ -6911,13 +6913,13 @@
         <p:spPr>
           <a:xfrm>
             <a:off x="1764000" y="4860000"/>
-            <a:ext cx="7124400" cy="598680"/>
+            <a:ext cx="7124040" cy="598320"/>
           </a:xfrm>
           <a:prstGeom prst="rect">
             <a:avLst/>
           </a:prstGeom>
           <a:noFill/>
-          <a:ln>
+          <a:ln w="0">
             <a:noFill/>
           </a:ln>
         </p:spPr>
@@ -6937,7 +6939,7 @@
         <p:spPr>
           <a:xfrm>
             <a:off x="4140000" y="1080000"/>
-            <a:ext cx="1435680" cy="787680"/>
+            <a:ext cx="1435320" cy="787320"/>
           </a:xfrm>
           <a:prstGeom prst="rect">
             <a:avLst/>
@@ -6945,7 +6947,7 @@
           <a:solidFill>
             <a:srgbClr val="729fcf"/>
           </a:solidFill>
-          <a:ln>
+          <a:ln w="0">
             <a:solidFill>
               <a:srgbClr val="3465a4"/>
             </a:solidFill>
@@ -6977,7 +6979,7 @@
               </a:rPr>
               <a:t>TICKET</a:t>
             </a:r>
-            <a:endParaRPr b="0" lang="en-IN" sz="1800" spc="-1" strike="noStrike">
+            <a:endParaRPr b="0" lang="en-US" sz="1800" spc="-1" strike="noStrike">
               <a:latin typeface="Arial"/>
             </a:endParaRPr>
           </a:p>
@@ -6992,7 +6994,7 @@
         <p:spPr>
           <a:xfrm>
             <a:off x="4392000" y="2267640"/>
-            <a:ext cx="933480" cy="1005480"/>
+            <a:ext cx="933120" cy="1005120"/>
           </a:xfrm>
           <a:custGeom>
             <a:avLst/>
@@ -7019,7 +7021,7 @@
           <a:solidFill>
             <a:srgbClr val="729fcf"/>
           </a:solidFill>
-          <a:ln>
+          <a:ln w="0">
             <a:solidFill>
               <a:srgbClr val="3465a4"/>
             </a:solidFill>
@@ -7041,13 +7043,13 @@
         <p:spPr>
           <a:xfrm>
             <a:off x="4572000" y="2304000"/>
-            <a:ext cx="645480" cy="343800"/>
+            <a:ext cx="645120" cy="343440"/>
           </a:xfrm>
           <a:prstGeom prst="rect">
             <a:avLst/>
           </a:prstGeom>
           <a:noFill/>
-          <a:ln>
+          <a:ln w="0">
             <a:noFill/>
           </a:ln>
         </p:spPr>
@@ -7077,7 +7079,7 @@
               </a:rPr>
               <a:t>IS A</a:t>
             </a:r>
-            <a:endParaRPr b="0" lang="en-IN" sz="1800" spc="-1" strike="noStrike">
+            <a:endParaRPr b="0" lang="en-US" sz="1800" spc="-1" strike="noStrike">
               <a:latin typeface="Arial"/>
             </a:endParaRPr>
           </a:p>
@@ -7097,7 +7099,7 @@
           <a:prstGeom prst="line">
             <a:avLst/>
           </a:prstGeom>
-          <a:ln>
+          <a:ln w="0">
             <a:solidFill>
               <a:srgbClr val="3465a4"/>
             </a:solidFill>
@@ -7124,7 +7126,7 @@
           <a:prstGeom prst="line">
             <a:avLst/>
           </a:prstGeom>
-          <a:ln>
+          <a:ln w="0">
             <a:solidFill>
               <a:srgbClr val="3465a4"/>
             </a:solidFill>
@@ -7151,7 +7153,7 @@
           <a:prstGeom prst="line">
             <a:avLst/>
           </a:prstGeom>
-          <a:ln>
+          <a:ln w="0">
             <a:solidFill>
               <a:srgbClr val="3465a4"/>
             </a:solidFill>
@@ -7173,7 +7175,7 @@
         <p:spPr>
           <a:xfrm>
             <a:off x="2592000" y="432000"/>
-            <a:ext cx="1149480" cy="501480"/>
+            <a:ext cx="1149120" cy="501120"/>
           </a:xfrm>
           <a:prstGeom prst="ellipse">
             <a:avLst/>
@@ -7181,7 +7183,7 @@
           <a:solidFill>
             <a:srgbClr val="729fcf"/>
           </a:solidFill>
-          <a:ln>
+          <a:ln w="0">
             <a:solidFill>
               <a:srgbClr val="3465a4"/>
             </a:solidFill>
@@ -7213,7 +7215,7 @@
               </a:rPr>
               <a:t>DESTI..</a:t>
             </a:r>
-            <a:endParaRPr b="0" lang="en-IN" sz="1800" spc="-1" strike="noStrike">
+            <a:endParaRPr b="0" lang="en-US" sz="1800" spc="-1" strike="noStrike">
               <a:latin typeface="Arial"/>
             </a:endParaRPr>
           </a:p>
@@ -7228,7 +7230,7 @@
         <p:spPr>
           <a:xfrm>
             <a:off x="4104360" y="360360"/>
-            <a:ext cx="1149480" cy="501480"/>
+            <a:ext cx="1149120" cy="501120"/>
           </a:xfrm>
           <a:prstGeom prst="ellipse">
             <a:avLst/>
@@ -7236,7 +7238,7 @@
           <a:solidFill>
             <a:srgbClr val="729fcf"/>
           </a:solidFill>
-          <a:ln>
+          <a:ln w="0">
             <a:solidFill>
               <a:srgbClr val="3465a4"/>
             </a:solidFill>
@@ -7268,7 +7270,7 @@
               </a:rPr>
               <a:t>SOURCE</a:t>
             </a:r>
-            <a:endParaRPr b="0" lang="en-IN" sz="1800" spc="-1" strike="noStrike">
+            <a:endParaRPr b="0" lang="en-US" sz="1800" spc="-1" strike="noStrike">
               <a:latin typeface="Arial"/>
             </a:endParaRPr>
           </a:p>
@@ -7283,7 +7285,7 @@
         <p:spPr>
           <a:xfrm>
             <a:off x="5652720" y="432720"/>
-            <a:ext cx="1149480" cy="501480"/>
+            <a:ext cx="1149120" cy="501120"/>
           </a:xfrm>
           <a:prstGeom prst="ellipse">
             <a:avLst/>
@@ -7291,7 +7293,7 @@
           <a:solidFill>
             <a:srgbClr val="729fcf"/>
           </a:solidFill>
-          <a:ln>
+          <a:ln w="0">
             <a:solidFill>
               <a:srgbClr val="3465a4"/>
             </a:solidFill>
@@ -7323,7 +7325,7 @@
               </a:rPr>
               <a:t>TICKET NO</a:t>
             </a:r>
-            <a:endParaRPr b="0" lang="en-IN" sz="1800" spc="-1" strike="noStrike">
+            <a:endParaRPr b="0" lang="en-US" sz="1800" spc="-1" strike="noStrike">
               <a:latin typeface="Arial"/>
             </a:endParaRPr>
           </a:p>
@@ -7338,7 +7340,7 @@
         <p:spPr>
           <a:xfrm>
             <a:off x="3813480" y="4321080"/>
-            <a:ext cx="1149480" cy="501480"/>
+            <a:ext cx="1149120" cy="501120"/>
           </a:xfrm>
           <a:prstGeom prst="ellipse">
             <a:avLst/>
@@ -7346,7 +7348,7 @@
           <a:solidFill>
             <a:srgbClr val="729fcf"/>
           </a:solidFill>
-          <a:ln>
+          <a:ln w="0">
             <a:solidFill>
               <a:srgbClr val="3465a4"/>
             </a:solidFill>
@@ -7378,7 +7380,7 @@
               </a:rPr>
               <a:t>TRAIN NO</a:t>
             </a:r>
-            <a:endParaRPr b="0" lang="en-IN" sz="1800" spc="-1" strike="noStrike">
+            <a:endParaRPr b="0" lang="en-US" sz="1800" spc="-1" strike="noStrike">
               <a:latin typeface="Arial"/>
             </a:endParaRPr>
           </a:p>
@@ -7393,7 +7395,7 @@
         <p:spPr>
           <a:xfrm>
             <a:off x="2193840" y="4717440"/>
-            <a:ext cx="1149480" cy="501480"/>
+            <a:ext cx="1149120" cy="501120"/>
           </a:xfrm>
           <a:prstGeom prst="ellipse">
             <a:avLst/>
@@ -7401,7 +7403,7 @@
           <a:solidFill>
             <a:srgbClr val="729fcf"/>
           </a:solidFill>
-          <a:ln>
+          <a:ln w="0">
             <a:solidFill>
               <a:srgbClr val="3465a4"/>
             </a:solidFill>
@@ -7433,7 +7435,7 @@
               </a:rPr>
               <a:t>SEAT NO</a:t>
             </a:r>
-            <a:endParaRPr b="0" lang="en-IN" sz="1800" spc="-1" strike="noStrike">
+            <a:endParaRPr b="0" lang="en-US" sz="1800" spc="-1" strike="noStrike">
               <a:latin typeface="Arial"/>
             </a:endParaRPr>
           </a:p>
@@ -7448,7 +7450,7 @@
         <p:spPr>
           <a:xfrm>
             <a:off x="682200" y="4501800"/>
-            <a:ext cx="1149480" cy="501480"/>
+            <a:ext cx="1149120" cy="501120"/>
           </a:xfrm>
           <a:prstGeom prst="ellipse">
             <a:avLst/>
@@ -7456,7 +7458,7 @@
           <a:solidFill>
             <a:srgbClr val="729fcf"/>
           </a:solidFill>
-          <a:ln>
+          <a:ln w="0">
             <a:solidFill>
               <a:srgbClr val="3465a4"/>
             </a:solidFill>
@@ -7488,7 +7490,7 @@
               </a:rPr>
               <a:t>RES UPTO</a:t>
             </a:r>
-            <a:endParaRPr b="0" lang="en-IN" sz="1800" spc="-1" strike="noStrike">
+            <a:endParaRPr b="0" lang="en-US" sz="1800" spc="-1" strike="noStrike">
               <a:latin typeface="Arial"/>
             </a:endParaRPr>
           </a:p>
@@ -7503,7 +7505,7 @@
         <p:spPr>
           <a:xfrm>
             <a:off x="5434560" y="4574160"/>
-            <a:ext cx="1149480" cy="501480"/>
+            <a:ext cx="1149120" cy="501120"/>
           </a:xfrm>
           <a:prstGeom prst="ellipse">
             <a:avLst/>
@@ -7511,7 +7513,7 @@
           <a:solidFill>
             <a:srgbClr val="729fcf"/>
           </a:solidFill>
-          <a:ln>
+          <a:ln w="0">
             <a:solidFill>
               <a:srgbClr val="3465a4"/>
             </a:solidFill>
@@ -7543,7 +7545,7 @@
               </a:rPr>
               <a:t>LOCAL /EXP</a:t>
             </a:r>
-            <a:endParaRPr b="0" lang="en-IN" sz="1800" spc="-1" strike="noStrike">
+            <a:endParaRPr b="0" lang="en-US" sz="1800" spc="-1" strike="noStrike">
               <a:latin typeface="Arial"/>
             </a:endParaRPr>
           </a:p>
@@ -7558,7 +7560,7 @@
         <p:spPr>
           <a:xfrm>
             <a:off x="7634160" y="4574520"/>
-            <a:ext cx="1149480" cy="501480"/>
+            <a:ext cx="1149120" cy="501120"/>
           </a:xfrm>
           <a:prstGeom prst="ellipse">
             <a:avLst/>
@@ -7566,7 +7568,7 @@
           <a:solidFill>
             <a:srgbClr val="729fcf"/>
           </a:solidFill>
-          <a:ln>
+          <a:ln w="0">
             <a:solidFill>
               <a:srgbClr val="3465a4"/>
             </a:solidFill>
@@ -7598,7 +7600,7 @@
               </a:rPr>
               <a:t>FARE</a:t>
             </a:r>
-            <a:endParaRPr b="0" lang="en-IN" sz="1800" spc="-1" strike="noStrike">
+            <a:endParaRPr b="0" lang="en-US" sz="1800" spc="-1" strike="noStrike">
               <a:latin typeface="Arial"/>
             </a:endParaRPr>
           </a:p>
@@ -7613,7 +7615,7 @@
         <p:spPr>
           <a:xfrm>
             <a:off x="686520" y="3098880"/>
-            <a:ext cx="1149480" cy="501480"/>
+            <a:ext cx="1149120" cy="501120"/>
           </a:xfrm>
           <a:prstGeom prst="ellipse">
             <a:avLst/>
@@ -7621,7 +7623,7 @@
           <a:solidFill>
             <a:srgbClr val="729fcf"/>
           </a:solidFill>
-          <a:ln>
+          <a:ln w="0">
             <a:solidFill>
               <a:srgbClr val="3465a4"/>
             </a:solidFill>
@@ -7653,7 +7655,7 @@
               </a:rPr>
               <a:t>FARE</a:t>
             </a:r>
-            <a:endParaRPr b="0" lang="en-IN" sz="1800" spc="-1" strike="noStrike">
+            <a:endParaRPr b="0" lang="en-US" sz="1800" spc="-1" strike="noStrike">
               <a:latin typeface="Arial"/>
             </a:endParaRPr>
           </a:p>
@@ -7673,7 +7675,7 @@
           <a:prstGeom prst="line">
             <a:avLst/>
           </a:prstGeom>
-          <a:ln>
+          <a:ln w="0">
             <a:solidFill>
               <a:srgbClr val="3465a4"/>
             </a:solidFill>
@@ -7700,7 +7702,7 @@
           <a:prstGeom prst="line">
             <a:avLst/>
           </a:prstGeom>
-          <a:ln>
+          <a:ln w="0">
             <a:solidFill>
               <a:srgbClr val="3465a4"/>
             </a:solidFill>
@@ -7727,7 +7729,7 @@
           <a:prstGeom prst="line">
             <a:avLst/>
           </a:prstGeom>
-          <a:ln>
+          <a:ln w="0">
             <a:solidFill>
               <a:srgbClr val="3465a4"/>
             </a:solidFill>
@@ -7754,7 +7756,7 @@
           <a:prstGeom prst="line">
             <a:avLst/>
           </a:prstGeom>
-          <a:ln>
+          <a:ln w="0">
             <a:solidFill>
               <a:srgbClr val="3465a4"/>
             </a:solidFill>
@@ -7781,7 +7783,7 @@
           <a:prstGeom prst="line">
             <a:avLst/>
           </a:prstGeom>
-          <a:ln>
+          <a:ln w="0">
             <a:solidFill>
               <a:srgbClr val="3465a4"/>
             </a:solidFill>
@@ -7808,7 +7810,7 @@
           <a:prstGeom prst="line">
             <a:avLst/>
           </a:prstGeom>
-          <a:ln>
+          <a:ln w="0">
             <a:solidFill>
               <a:srgbClr val="3465a4"/>
             </a:solidFill>
@@ -7835,7 +7837,7 @@
           <a:prstGeom prst="line">
             <a:avLst/>
           </a:prstGeom>
-          <a:ln>
+          <a:ln w="0">
             <a:solidFill>
               <a:srgbClr val="3465a4"/>
             </a:solidFill>
@@ -7862,7 +7864,7 @@
           <a:prstGeom prst="line">
             <a:avLst/>
           </a:prstGeom>
-          <a:ln>
+          <a:ln w="0">
             <a:solidFill>
               <a:srgbClr val="3465a4"/>
             </a:solidFill>
@@ -7889,7 +7891,7 @@
           <a:prstGeom prst="line">
             <a:avLst/>
           </a:prstGeom>
-          <a:ln>
+          <a:ln w="0">
             <a:solidFill>
               <a:srgbClr val="3465a4"/>
             </a:solidFill>
@@ -7911,13 +7913,13 @@
         <p:spPr>
           <a:xfrm>
             <a:off x="216000" y="288000"/>
-            <a:ext cx="2373840" cy="2301840"/>
+            <a:ext cx="2373480" cy="2301480"/>
           </a:xfrm>
           <a:prstGeom prst="rect">
             <a:avLst/>
           </a:prstGeom>
           <a:noFill/>
-          <a:ln>
+          <a:ln w="0">
             <a:noFill/>
           </a:ln>
         </p:spPr>
@@ -7947,7 +7949,7 @@
               </a:rPr>
               <a:t>These types of ER models (generalization) are represented using</a:t>
             </a:r>
-            <a:endParaRPr b="0" lang="en-IN" sz="1800" spc="-1" strike="noStrike">
+            <a:endParaRPr b="0" lang="en-US" sz="1800" spc="-1" strike="noStrike">
               <a:latin typeface="Arial"/>
             </a:endParaRPr>
           </a:p>
@@ -7967,7 +7969,7 @@
               </a:rPr>
               <a:t>- Variant record structure</a:t>
             </a:r>
-            <a:endParaRPr b="0" lang="en-IN" sz="1800" spc="-1" strike="noStrike">
+            <a:endParaRPr b="0" lang="en-US" sz="1800" spc="-1" strike="noStrike">
               <a:latin typeface="Arial"/>
             </a:endParaRPr>
           </a:p>
@@ -7987,7 +7989,7 @@
               </a:rPr>
               <a:t>- Two table structure</a:t>
             </a:r>
-            <a:endParaRPr b="0" lang="en-IN" sz="1800" spc="-1" strike="noStrike">
+            <a:endParaRPr b="0" lang="en-US" sz="1800" spc="-1" strike="noStrike">
               <a:latin typeface="Arial"/>
             </a:endParaRPr>
           </a:p>
@@ -8032,7 +8034,7 @@
         <p:spPr>
           <a:xfrm>
             <a:off x="1908000" y="936000"/>
-            <a:ext cx="1435680" cy="787680"/>
+            <a:ext cx="1435320" cy="787320"/>
           </a:xfrm>
           <a:prstGeom prst="rect">
             <a:avLst/>
@@ -8040,7 +8042,7 @@
           <a:solidFill>
             <a:srgbClr val="729fcf"/>
           </a:solidFill>
-          <a:ln>
+          <a:ln w="0">
             <a:solidFill>
               <a:srgbClr val="3465a4"/>
             </a:solidFill>
@@ -8072,7 +8074,7 @@
               </a:rPr>
               <a:t>BOOKS</a:t>
             </a:r>
-            <a:endParaRPr b="0" lang="en-IN" sz="1800" spc="-1" strike="noStrike">
+            <a:endParaRPr b="0" lang="en-US" sz="1800" spc="-1" strike="noStrike">
               <a:latin typeface="Arial"/>
             </a:endParaRPr>
           </a:p>
@@ -8087,7 +8089,7 @@
         <p:spPr>
           <a:xfrm>
             <a:off x="6084000" y="936000"/>
-            <a:ext cx="1435680" cy="787680"/>
+            <a:ext cx="1435320" cy="787320"/>
           </a:xfrm>
           <a:prstGeom prst="rect">
             <a:avLst/>
@@ -8095,7 +8097,7 @@
           <a:solidFill>
             <a:srgbClr val="729fcf"/>
           </a:solidFill>
-          <a:ln>
+          <a:ln w="0">
             <a:solidFill>
               <a:srgbClr val="3465a4"/>
             </a:solidFill>
@@ -8127,7 +8129,7 @@
               </a:rPr>
               <a:t>USERS</a:t>
             </a:r>
-            <a:endParaRPr b="0" lang="en-IN" sz="1800" spc="-1" strike="noStrike">
+            <a:endParaRPr b="0" lang="en-US" sz="1800" spc="-1" strike="noStrike">
               <a:latin typeface="Arial"/>
             </a:endParaRPr>
           </a:p>
@@ -8142,7 +8144,7 @@
         <p:spPr>
           <a:xfrm>
             <a:off x="4934160" y="4392000"/>
-            <a:ext cx="1435680" cy="787680"/>
+            <a:ext cx="1435320" cy="787320"/>
           </a:xfrm>
           <a:prstGeom prst="rect">
             <a:avLst/>
@@ -8150,7 +8152,7 @@
           <a:solidFill>
             <a:srgbClr val="729fcf"/>
           </a:solidFill>
-          <a:ln>
+          <a:ln w="0">
             <a:solidFill>
               <a:srgbClr val="3465a4"/>
             </a:solidFill>
@@ -8182,7 +8184,7 @@
               </a:rPr>
               <a:t>SUPPLIERS</a:t>
             </a:r>
-            <a:endParaRPr b="0" lang="en-IN" sz="1800" spc="-1" strike="noStrike">
+            <a:endParaRPr b="0" lang="en-US" sz="1800" spc="-1" strike="noStrike">
               <a:latin typeface="Arial"/>
             </a:endParaRPr>
           </a:p>
@@ -8197,7 +8199,7 @@
         <p:spPr>
           <a:xfrm>
             <a:off x="4032000" y="648000"/>
-            <a:ext cx="1435680" cy="1363680"/>
+            <a:ext cx="1435320" cy="1363320"/>
           </a:xfrm>
           <a:custGeom>
             <a:avLst/>
@@ -8228,7 +8230,7 @@
           <a:solidFill>
             <a:srgbClr val="729fcf"/>
           </a:solidFill>
-          <a:ln>
+          <a:ln w="0">
             <a:solidFill>
               <a:srgbClr val="3465a4"/>
             </a:solidFill>
@@ -8260,7 +8262,7 @@
               </a:rPr>
               <a:t>Borrowed</a:t>
             </a:r>
-            <a:endParaRPr b="0" lang="en-IN" sz="1800" spc="-1" strike="noStrike">
+            <a:endParaRPr b="0" lang="en-US" sz="1800" spc="-1" strike="noStrike">
               <a:latin typeface="Arial"/>
             </a:endParaRPr>
           </a:p>
@@ -8280,7 +8282,7 @@
               </a:rPr>
               <a:t>By</a:t>
             </a:r>
-            <a:endParaRPr b="0" lang="en-IN" sz="1800" spc="-1" strike="noStrike">
+            <a:endParaRPr b="0" lang="en-US" sz="1800" spc="-1" strike="noStrike">
               <a:latin typeface="Arial"/>
             </a:endParaRPr>
           </a:p>
@@ -8295,7 +8297,7 @@
         <p:spPr>
           <a:xfrm>
             <a:off x="1908000" y="3204360"/>
-            <a:ext cx="1435680" cy="1363680"/>
+            <a:ext cx="1435320" cy="1363320"/>
           </a:xfrm>
           <a:custGeom>
             <a:avLst/>
@@ -8326,7 +8328,7 @@
           <a:solidFill>
             <a:srgbClr val="729fcf"/>
           </a:solidFill>
-          <a:ln>
+          <a:ln w="0">
             <a:solidFill>
               <a:srgbClr val="3465a4"/>
             </a:solidFill>
@@ -8358,7 +8360,7 @@
               </a:rPr>
               <a:t>Supplied</a:t>
             </a:r>
-            <a:endParaRPr b="0" lang="en-IN" sz="1800" spc="-1" strike="noStrike">
+            <a:endParaRPr b="0" lang="en-US" sz="1800" spc="-1" strike="noStrike">
               <a:latin typeface="Arial"/>
             </a:endParaRPr>
           </a:p>
@@ -8378,7 +8380,7 @@
               </a:rPr>
               <a:t>By</a:t>
             </a:r>
-            <a:endParaRPr b="0" lang="en-IN" sz="1800" spc="-1" strike="noStrike">
+            <a:endParaRPr b="0" lang="en-US" sz="1800" spc="-1" strike="noStrike">
               <a:latin typeface="Arial"/>
             </a:endParaRPr>
           </a:p>
@@ -8398,7 +8400,7 @@
           <a:prstGeom prst="line">
             <a:avLst/>
           </a:prstGeom>
-          <a:ln>
+          <a:ln w="0">
             <a:solidFill>
               <a:srgbClr val="3465a4"/>
             </a:solidFill>
@@ -8425,7 +8427,7 @@
           <a:prstGeom prst="line">
             <a:avLst/>
           </a:prstGeom>
-          <a:ln>
+          <a:ln w="0">
             <a:solidFill>
               <a:srgbClr val="3465a4"/>
             </a:solidFill>
@@ -8447,7 +8449,7 @@
         <p:spPr>
           <a:xfrm>
             <a:off x="4140000" y="2234160"/>
-            <a:ext cx="1149840" cy="571680"/>
+            <a:ext cx="1149480" cy="571320"/>
           </a:xfrm>
           <a:prstGeom prst="ellipse">
             <a:avLst/>
@@ -8455,7 +8457,7 @@
           <a:solidFill>
             <a:srgbClr val="729fcf"/>
           </a:solidFill>
-          <a:ln>
+          <a:ln w="0">
             <a:solidFill>
               <a:srgbClr val="3465a4"/>
             </a:solidFill>
@@ -8487,7 +8489,7 @@
               </a:rPr>
               <a:t>DOI</a:t>
             </a:r>
-            <a:endParaRPr b="0" lang="en-IN" sz="1800" spc="-1" strike="noStrike">
+            <a:endParaRPr b="0" lang="en-US" sz="1800" spc="-1" strike="noStrike">
               <a:latin typeface="Arial"/>
             </a:endParaRPr>
           </a:p>
@@ -8502,7 +8504,7 @@
         <p:spPr>
           <a:xfrm>
             <a:off x="3708360" y="3636360"/>
-            <a:ext cx="1077480" cy="571680"/>
+            <a:ext cx="1077120" cy="571320"/>
           </a:xfrm>
           <a:prstGeom prst="ellipse">
             <a:avLst/>
@@ -8510,7 +8512,7 @@
           <a:solidFill>
             <a:srgbClr val="729fcf"/>
           </a:solidFill>
-          <a:ln>
+          <a:ln w="0">
             <a:solidFill>
               <a:srgbClr val="3465a4"/>
             </a:solidFill>
@@ -8542,7 +8544,7 @@
               </a:rPr>
               <a:t>DOS</a:t>
             </a:r>
-            <a:endParaRPr b="0" lang="en-IN" sz="1800" spc="-1" strike="noStrike">
+            <a:endParaRPr b="0" lang="en-US" sz="1800" spc="-1" strike="noStrike">
               <a:latin typeface="Arial"/>
             </a:endParaRPr>
           </a:p>
@@ -8562,7 +8564,7 @@
           <a:prstGeom prst="line">
             <a:avLst/>
           </a:prstGeom>
-          <a:ln>
+          <a:ln w="0">
             <a:solidFill>
               <a:srgbClr val="3465a4"/>
             </a:solidFill>
@@ -8589,7 +8591,7 @@
           <a:prstGeom prst="line">
             <a:avLst/>
           </a:prstGeom>
-          <a:ln>
+          <a:ln w="0">
             <a:solidFill>
               <a:srgbClr val="3465a4"/>
             </a:solidFill>
@@ -8611,7 +8613,7 @@
         <p:spPr>
           <a:xfrm>
             <a:off x="504000" y="396000"/>
-            <a:ext cx="1149840" cy="571680"/>
+            <a:ext cx="1149480" cy="571320"/>
           </a:xfrm>
           <a:prstGeom prst="ellipse">
             <a:avLst/>
@@ -8619,7 +8621,7 @@
           <a:solidFill>
             <a:srgbClr val="729fcf"/>
           </a:solidFill>
-          <a:ln>
+          <a:ln w="0">
             <a:solidFill>
               <a:srgbClr val="3465a4"/>
             </a:solidFill>
@@ -8651,7 +8653,7 @@
               </a:rPr>
               <a:t>ACCNO</a:t>
             </a:r>
-            <a:endParaRPr b="0" lang="en-IN" sz="1800" spc="-1" strike="noStrike">
+            <a:endParaRPr b="0" lang="en-US" sz="1800" spc="-1" strike="noStrike">
               <a:latin typeface="Arial"/>
             </a:endParaRPr>
           </a:p>
@@ -8666,7 +8668,7 @@
         <p:spPr>
           <a:xfrm>
             <a:off x="1944000" y="180000"/>
-            <a:ext cx="1149840" cy="571680"/>
+            <a:ext cx="1149480" cy="571320"/>
           </a:xfrm>
           <a:prstGeom prst="ellipse">
             <a:avLst/>
@@ -8674,7 +8676,7 @@
           <a:solidFill>
             <a:srgbClr val="729fcf"/>
           </a:solidFill>
-          <a:ln>
+          <a:ln w="0">
             <a:solidFill>
               <a:srgbClr val="3465a4"/>
             </a:solidFill>
@@ -8706,7 +8708,7 @@
               </a:rPr>
               <a:t>TITLE</a:t>
             </a:r>
-            <a:endParaRPr b="0" lang="en-IN" sz="1800" spc="-1" strike="noStrike">
+            <a:endParaRPr b="0" lang="en-US" sz="1800" spc="-1" strike="noStrike">
               <a:latin typeface="Arial"/>
             </a:endParaRPr>
           </a:p>
@@ -8721,7 +8723,7 @@
         <p:spPr>
           <a:xfrm>
             <a:off x="288000" y="1152000"/>
-            <a:ext cx="1149840" cy="571680"/>
+            <a:ext cx="1149480" cy="571320"/>
           </a:xfrm>
           <a:prstGeom prst="ellipse">
             <a:avLst/>
@@ -8729,7 +8731,7 @@
           <a:solidFill>
             <a:srgbClr val="729fcf"/>
           </a:solidFill>
-          <a:ln>
+          <a:ln w="0">
             <a:solidFill>
               <a:srgbClr val="3465a4"/>
             </a:solidFill>
@@ -8761,7 +8763,7 @@
               </a:rPr>
               <a:t>YR</a:t>
             </a:r>
-            <a:endParaRPr b="0" lang="en-IN" sz="1800" spc="-1" strike="noStrike">
+            <a:endParaRPr b="0" lang="en-US" sz="1800" spc="-1" strike="noStrike">
               <a:latin typeface="Arial"/>
             </a:endParaRPr>
           </a:p>
@@ -8776,7 +8778,7 @@
         <p:spPr>
           <a:xfrm>
             <a:off x="5940000" y="180000"/>
-            <a:ext cx="1149840" cy="571680"/>
+            <a:ext cx="1149480" cy="571320"/>
           </a:xfrm>
           <a:prstGeom prst="ellipse">
             <a:avLst/>
@@ -8784,7 +8786,7 @@
           <a:solidFill>
             <a:srgbClr val="729fcf"/>
           </a:solidFill>
-          <a:ln>
+          <a:ln w="0">
             <a:solidFill>
               <a:srgbClr val="3465a4"/>
             </a:solidFill>
@@ -8816,7 +8818,7 @@
               </a:rPr>
               <a:t>CARDNO</a:t>
             </a:r>
-            <a:endParaRPr b="0" lang="en-IN" sz="1800" spc="-1" strike="noStrike">
+            <a:endParaRPr b="0" lang="en-US" sz="1800" spc="-1" strike="noStrike">
               <a:latin typeface="Arial"/>
             </a:endParaRPr>
           </a:p>
@@ -8831,7 +8833,7 @@
         <p:spPr>
           <a:xfrm>
             <a:off x="7560000" y="180000"/>
-            <a:ext cx="1149840" cy="571680"/>
+            <a:ext cx="1149480" cy="571320"/>
           </a:xfrm>
           <a:prstGeom prst="ellipse">
             <a:avLst/>
@@ -8839,7 +8841,7 @@
           <a:solidFill>
             <a:srgbClr val="729fcf"/>
           </a:solidFill>
-          <a:ln>
+          <a:ln w="0">
             <a:solidFill>
               <a:srgbClr val="3465a4"/>
             </a:solidFill>
@@ -8871,7 +8873,7 @@
               </a:rPr>
               <a:t>NAME</a:t>
             </a:r>
-            <a:endParaRPr b="0" lang="en-IN" sz="1800" spc="-1" strike="noStrike">
+            <a:endParaRPr b="0" lang="en-US" sz="1800" spc="-1" strike="noStrike">
               <a:latin typeface="Arial"/>
             </a:endParaRPr>
           </a:p>
@@ -8886,7 +8888,7 @@
         <p:spPr>
           <a:xfrm>
             <a:off x="7992000" y="972000"/>
-            <a:ext cx="1149840" cy="571680"/>
+            <a:ext cx="1149480" cy="571320"/>
           </a:xfrm>
           <a:prstGeom prst="ellipse">
             <a:avLst/>
@@ -8894,7 +8896,7 @@
           <a:solidFill>
             <a:srgbClr val="729fcf"/>
           </a:solidFill>
-          <a:ln>
+          <a:ln w="0">
             <a:solidFill>
               <a:srgbClr val="3465a4"/>
             </a:solidFill>
@@ -8926,7 +8928,7 @@
               </a:rPr>
               <a:t>ADDRESS</a:t>
             </a:r>
-            <a:endParaRPr b="0" lang="en-IN" sz="1800" spc="-1" strike="noStrike">
+            <a:endParaRPr b="0" lang="en-US" sz="1800" spc="-1" strike="noStrike">
               <a:latin typeface="Arial"/>
             </a:endParaRPr>
           </a:p>
@@ -8946,7 +8948,7 @@
           <a:prstGeom prst="line">
             <a:avLst/>
           </a:prstGeom>
-          <a:ln>
+          <a:ln w="0">
             <a:solidFill>
               <a:srgbClr val="3465a4"/>
             </a:solidFill>
@@ -8968,7 +8970,7 @@
         <p:spPr>
           <a:xfrm>
             <a:off x="432000" y="3636360"/>
-            <a:ext cx="1077480" cy="571680"/>
+            <a:ext cx="1077120" cy="571320"/>
           </a:xfrm>
           <a:prstGeom prst="ellipse">
             <a:avLst/>
@@ -8976,7 +8978,7 @@
           <a:solidFill>
             <a:srgbClr val="729fcf"/>
           </a:solidFill>
-          <a:ln>
+          <a:ln w="0">
             <a:solidFill>
               <a:srgbClr val="3465a4"/>
             </a:solidFill>
@@ -9008,7 +9010,7 @@
               </a:rPr>
               <a:t>PRICE</a:t>
             </a:r>
-            <a:endParaRPr b="0" lang="en-IN" sz="1800" spc="-1" strike="noStrike">
+            <a:endParaRPr b="0" lang="en-US" sz="1800" spc="-1" strike="noStrike">
               <a:latin typeface="Arial"/>
             </a:endParaRPr>
           </a:p>
@@ -9023,7 +9025,7 @@
         <p:spPr>
           <a:xfrm>
             <a:off x="6803640" y="4068360"/>
-            <a:ext cx="1077480" cy="571680"/>
+            <a:ext cx="1077120" cy="571320"/>
           </a:xfrm>
           <a:prstGeom prst="ellipse">
             <a:avLst/>
@@ -9031,7 +9033,7 @@
           <a:solidFill>
             <a:srgbClr val="729fcf"/>
           </a:solidFill>
-          <a:ln>
+          <a:ln w="0">
             <a:solidFill>
               <a:srgbClr val="3465a4"/>
             </a:solidFill>
@@ -9063,7 +9065,7 @@
               </a:rPr>
               <a:t>SNAME</a:t>
             </a:r>
-            <a:endParaRPr b="0" lang="en-IN" sz="1800" spc="-1" strike="noStrike">
+            <a:endParaRPr b="0" lang="en-US" sz="1800" spc="-1" strike="noStrike">
               <a:latin typeface="Arial"/>
             </a:endParaRPr>
           </a:p>
@@ -9078,7 +9080,7 @@
         <p:spPr>
           <a:xfrm>
             <a:off x="6839280" y="4752360"/>
-            <a:ext cx="1077480" cy="571680"/>
+            <a:ext cx="1077120" cy="571320"/>
           </a:xfrm>
           <a:prstGeom prst="ellipse">
             <a:avLst/>
@@ -9086,7 +9088,7 @@
           <a:solidFill>
             <a:srgbClr val="729fcf"/>
           </a:solidFill>
-          <a:ln>
+          <a:ln w="0">
             <a:solidFill>
               <a:srgbClr val="3465a4"/>
             </a:solidFill>
@@ -9118,7 +9120,7 @@
               </a:rPr>
               <a:t>ADDR</a:t>
             </a:r>
-            <a:endParaRPr b="0" lang="en-IN" sz="1800" spc="-1" strike="noStrike">
+            <a:endParaRPr b="0" lang="en-US" sz="1800" spc="-1" strike="noStrike">
               <a:latin typeface="Arial"/>
             </a:endParaRPr>
           </a:p>
@@ -9138,7 +9140,7 @@
           <a:prstGeom prst="line">
             <a:avLst/>
           </a:prstGeom>
-          <a:ln>
+          <a:ln w="0">
             <a:solidFill>
               <a:srgbClr val="3465a4"/>
             </a:solidFill>
@@ -9165,7 +9167,7 @@
           <a:prstGeom prst="line">
             <a:avLst/>
           </a:prstGeom>
-          <a:ln>
+          <a:ln w="0">
             <a:solidFill>
               <a:srgbClr val="3465a4"/>
             </a:solidFill>
@@ -9192,7 +9194,7 @@
           <a:prstGeom prst="line">
             <a:avLst/>
           </a:prstGeom>
-          <a:ln>
+          <a:ln w="0">
             <a:solidFill>
               <a:srgbClr val="3465a4"/>
             </a:solidFill>
@@ -9219,7 +9221,7 @@
           <a:prstGeom prst="line">
             <a:avLst/>
           </a:prstGeom>
-          <a:ln>
+          <a:ln w="0">
             <a:solidFill>
               <a:srgbClr val="3465a4"/>
             </a:solidFill>
@@ -9246,7 +9248,7 @@
           <a:prstGeom prst="line">
             <a:avLst/>
           </a:prstGeom>
-          <a:ln>
+          <a:ln w="0">
             <a:solidFill>
               <a:srgbClr val="3465a4"/>
             </a:solidFill>
@@ -9273,7 +9275,7 @@
           <a:prstGeom prst="line">
             <a:avLst/>
           </a:prstGeom>
-          <a:ln>
+          <a:ln w="0">
             <a:solidFill>
               <a:srgbClr val="3465a4"/>
             </a:solidFill>
@@ -9300,7 +9302,7 @@
           <a:prstGeom prst="line">
             <a:avLst/>
           </a:prstGeom>
-          <a:ln>
+          <a:ln w="0">
             <a:solidFill>
               <a:srgbClr val="3465a4"/>
             </a:solidFill>
@@ -9327,7 +9329,7 @@
           <a:prstGeom prst="line">
             <a:avLst/>
           </a:prstGeom>
-          <a:ln>
+          <a:ln w="0">
             <a:solidFill>
               <a:srgbClr val="3465a4"/>
             </a:solidFill>
@@ -9354,7 +9356,7 @@
           <a:prstGeom prst="line">
             <a:avLst/>
           </a:prstGeom>
-          <a:ln>
+          <a:ln w="0">
             <a:solidFill>
               <a:srgbClr val="3465a4"/>
             </a:solidFill>
@@ -9381,7 +9383,7 @@
           <a:prstGeom prst="line">
             <a:avLst/>
           </a:prstGeom>
-          <a:ln>
+          <a:ln w="0">
             <a:solidFill>
               <a:srgbClr val="3465a4"/>
             </a:solidFill>
@@ -9408,7 +9410,7 @@
           <a:prstGeom prst="line">
             <a:avLst/>
           </a:prstGeom>
-          <a:ln>
+          <a:ln w="0">
             <a:solidFill>
               <a:srgbClr val="3465a4"/>
             </a:solidFill>
@@ -9435,7 +9437,7 @@
           <a:prstGeom prst="line">
             <a:avLst/>
           </a:prstGeom>
-          <a:ln>
+          <a:ln w="0">
             <a:solidFill>
               <a:srgbClr val="3465a4"/>
             </a:solidFill>
@@ -9488,13 +9490,13 @@
         <p:spPr>
           <a:xfrm>
             <a:off x="2556000" y="1152000"/>
-            <a:ext cx="4534200" cy="358200"/>
+            <a:ext cx="4533840" cy="357840"/>
           </a:xfrm>
           <a:prstGeom prst="rect">
             <a:avLst/>
           </a:prstGeom>
           <a:noFill/>
-          <a:ln>
+          <a:ln w="0">
             <a:noFill/>
           </a:ln>
         </p:spPr>
@@ -9524,7 +9526,7 @@
               </a:rPr>
               <a:t>FORMAL SPECIFICATION LANGUAGES</a:t>
             </a:r>
-            <a:endParaRPr b="0" lang="en-IN" sz="1800" spc="-1" strike="noStrike">
+            <a:endParaRPr b="0" lang="en-US" sz="1800" spc="-1" strike="noStrike">
               <a:latin typeface="Arial"/>
             </a:endParaRPr>
           </a:p>
@@ -9594,7 +9596,7 @@
                         </a:rPr>
                         <a:t>Sequential</a:t>
                       </a:r>
-                      <a:endParaRPr b="0" lang="en-IN" sz="1800" spc="-1" strike="noStrike">
+                      <a:endParaRPr b="0" lang="en-US" sz="1800" spc="-1" strike="noStrike">
                         <a:latin typeface="Arial"/>
                       </a:endParaRPr>
                     </a:p>
@@ -9642,7 +9644,7 @@
                         </a:rPr>
                         <a:t>Concurrent</a:t>
                       </a:r>
-                      <a:endParaRPr b="0" lang="en-IN" sz="1800" spc="-1" strike="noStrike">
+                      <a:endParaRPr b="0" lang="en-US" sz="1800" spc="-1" strike="noStrike">
                         <a:latin typeface="Arial"/>
                       </a:endParaRPr>
                     </a:p>
@@ -9692,7 +9694,7 @@
                         </a:rPr>
                         <a:t>Algebraic</a:t>
                       </a:r>
-                      <a:endParaRPr b="0" lang="en-IN" sz="1800" spc="-1" strike="noStrike">
+                      <a:endParaRPr b="0" lang="en-US" sz="1800" spc="-1" strike="noStrike">
                         <a:latin typeface="Arial"/>
                       </a:endParaRPr>
                     </a:p>
@@ -9740,7 +9742,7 @@
                         </a:rPr>
                         <a:t>Larch(Guttag et. al)</a:t>
                       </a:r>
-                      <a:endParaRPr b="0" lang="en-IN" sz="1800" spc="-1" strike="noStrike">
+                      <a:endParaRPr b="0" lang="en-US" sz="1800" spc="-1" strike="noStrike">
                         <a:latin typeface="Arial"/>
                       </a:endParaRPr>
                     </a:p>
@@ -9756,7 +9758,7 @@
                         </a:rPr>
                         <a:t>OBJ(Futatsugi et. al)</a:t>
                       </a:r>
-                      <a:endParaRPr b="0" lang="en-IN" sz="1800" spc="-1" strike="noStrike">
+                      <a:endParaRPr b="0" lang="en-US" sz="1800" spc="-1" strike="noStrike">
                         <a:latin typeface="Arial"/>
                       </a:endParaRPr>
                     </a:p>
@@ -9804,7 +9806,7 @@
                         </a:rPr>
                         <a:t>Lotos(Bolognesi)</a:t>
                       </a:r>
-                      <a:endParaRPr b="0" lang="en-IN" sz="1800" spc="-1" strike="noStrike">
+                      <a:endParaRPr b="0" lang="en-US" sz="1800" spc="-1" strike="noStrike">
                         <a:latin typeface="Arial"/>
                       </a:endParaRPr>
                     </a:p>
@@ -9854,7 +9856,7 @@
                         </a:rPr>
                         <a:t>Model-based</a:t>
                       </a:r>
-                      <a:endParaRPr b="0" lang="en-IN" sz="1800" spc="-1" strike="noStrike">
+                      <a:endParaRPr b="0" lang="en-US" sz="1800" spc="-1" strike="noStrike">
                         <a:latin typeface="Arial"/>
                       </a:endParaRPr>
                     </a:p>
@@ -9902,7 +9904,7 @@
                         </a:rPr>
                         <a:t>Z (Spivey et. al)</a:t>
                       </a:r>
-                      <a:endParaRPr b="0" lang="en-IN" sz="1800" spc="-1" strike="noStrike">
+                      <a:endParaRPr b="0" lang="en-US" sz="1800" spc="-1" strike="noStrike">
                         <a:latin typeface="Arial"/>
                       </a:endParaRPr>
                     </a:p>
@@ -9918,7 +9920,7 @@
                         </a:rPr>
                         <a:t>VDM(Jones et. al)</a:t>
                       </a:r>
-                      <a:endParaRPr b="0" lang="en-IN" sz="1800" spc="-1" strike="noStrike">
+                      <a:endParaRPr b="0" lang="en-US" sz="1800" spc="-1" strike="noStrike">
                         <a:latin typeface="Arial"/>
                       </a:endParaRPr>
                     </a:p>
@@ -9966,7 +9968,7 @@
                         </a:rPr>
                         <a:t>CSP</a:t>
                       </a:r>
-                      <a:endParaRPr b="0" lang="en-IN" sz="1800" spc="-1" strike="noStrike">
+                      <a:endParaRPr b="0" lang="en-US" sz="1800" spc="-1" strike="noStrike">
                         <a:latin typeface="Arial"/>
                       </a:endParaRPr>
                     </a:p>
@@ -9982,7 +9984,7 @@
                         </a:rPr>
                         <a:t>Petri Nets(Peterson)</a:t>
                       </a:r>
-                      <a:endParaRPr b="0" lang="en-IN" sz="1800" spc="-1" strike="noStrike">
+                      <a:endParaRPr b="0" lang="en-US" sz="1800" spc="-1" strike="noStrike">
                         <a:latin typeface="Arial"/>
                       </a:endParaRPr>
                     </a:p>
@@ -10116,7 +10118,7 @@
                         </a:rPr>
                         <a:t>Block B1</a:t>
                       </a:r>
-                      <a:endParaRPr b="0" lang="en-IN" sz="1800" spc="-1" strike="noStrike">
+                      <a:endParaRPr b="0" lang="en-US" sz="1800" spc="-1" strike="noStrike">
                         <a:latin typeface="Arial"/>
                       </a:endParaRPr>
                     </a:p>
@@ -10191,7 +10193,7 @@
                         </a:rPr>
                         <a:t>Block B2</a:t>
                       </a:r>
-                      <a:endParaRPr b="0" lang="en-IN" sz="1800" spc="-1" strike="noStrike">
+                      <a:endParaRPr b="0" lang="en-US" sz="1800" spc="-1" strike="noStrike">
                         <a:latin typeface="Arial"/>
                       </a:endParaRPr>
                     </a:p>
@@ -10266,7 +10268,7 @@
                         </a:rPr>
                         <a:t>Block B3</a:t>
                       </a:r>
-                      <a:endParaRPr b="0" lang="en-IN" sz="1800" spc="-1" strike="noStrike">
+                      <a:endParaRPr b="0" lang="en-US" sz="1800" spc="-1" strike="noStrike">
                         <a:latin typeface="Arial"/>
                       </a:endParaRPr>
                     </a:p>
@@ -10338,13 +10340,13 @@
         <p:spPr>
           <a:xfrm>
             <a:off x="3492000" y="3541680"/>
-            <a:ext cx="3023280" cy="345600"/>
+            <a:ext cx="3022920" cy="345240"/>
           </a:xfrm>
           <a:prstGeom prst="rect">
             <a:avLst/>
           </a:prstGeom>
           <a:noFill/>
-          <a:ln>
+          <a:ln w="0">
             <a:noFill/>
           </a:ln>
         </p:spPr>
@@ -10374,7 +10376,7 @@
               </a:rPr>
               <a:t>Inter block gap</a:t>
             </a:r>
-            <a:endParaRPr b="0" lang="en-IN" sz="1800" spc="-1" strike="noStrike">
+            <a:endParaRPr b="0" lang="en-US" sz="1800" spc="-1" strike="noStrike">
               <a:latin typeface="Arial"/>
             </a:endParaRPr>
           </a:p>
@@ -10389,13 +10391,13 @@
         <p:spPr>
           <a:xfrm>
             <a:off x="144000" y="3564000"/>
-            <a:ext cx="3023280" cy="345600"/>
+            <a:ext cx="3022920" cy="345240"/>
           </a:xfrm>
           <a:prstGeom prst="rect">
             <a:avLst/>
           </a:prstGeom>
           <a:noFill/>
-          <a:ln>
+          <a:ln w="0">
             <a:noFill/>
           </a:ln>
         </p:spPr>
@@ -10425,7 +10427,7 @@
               </a:rPr>
               <a:t>Track Begin</a:t>
             </a:r>
-            <a:endParaRPr b="0" lang="en-IN" sz="1800" spc="-1" strike="noStrike">
+            <a:endParaRPr b="0" lang="en-US" sz="1800" spc="-1" strike="noStrike">
               <a:latin typeface="Arial"/>
             </a:endParaRPr>
           </a:p>
@@ -10440,13 +10442,13 @@
         <p:spPr>
           <a:xfrm>
             <a:off x="7308000" y="3528000"/>
-            <a:ext cx="3023280" cy="345600"/>
+            <a:ext cx="3022920" cy="345240"/>
           </a:xfrm>
           <a:prstGeom prst="rect">
             <a:avLst/>
           </a:prstGeom>
           <a:noFill/>
-          <a:ln>
+          <a:ln w="0">
             <a:noFill/>
           </a:ln>
         </p:spPr>
@@ -10476,7 +10478,7 @@
               </a:rPr>
               <a:t>Track End</a:t>
             </a:r>
-            <a:endParaRPr b="0" lang="en-IN" sz="1800" spc="-1" strike="noStrike">
+            <a:endParaRPr b="0" lang="en-US" sz="1800" spc="-1" strike="noStrike">
               <a:latin typeface="Arial"/>
             </a:endParaRPr>
           </a:p>
@@ -10496,7 +10498,7 @@
           <a:prstGeom prst="line">
             <a:avLst/>
           </a:prstGeom>
-          <a:ln>
+          <a:ln w="0">
             <a:solidFill>
               <a:srgbClr val="3465a4"/>
             </a:solidFill>
@@ -10524,7 +10526,7 @@
           <a:prstGeom prst="line">
             <a:avLst/>
           </a:prstGeom>
-          <a:ln>
+          <a:ln w="0">
             <a:solidFill>
               <a:srgbClr val="3465a4"/>
             </a:solidFill>
@@ -10552,7 +10554,7 @@
           <a:prstGeom prst="line">
             <a:avLst/>
           </a:prstGeom>
-          <a:ln>
+          <a:ln w="0">
             <a:solidFill>
               <a:srgbClr val="3465a4"/>
             </a:solidFill>
@@ -10580,7 +10582,7 @@
           <a:prstGeom prst="line">
             <a:avLst/>
           </a:prstGeom>
-          <a:ln>
+          <a:ln w="0">
             <a:solidFill>
               <a:srgbClr val="3465a4"/>
             </a:solidFill>
@@ -10746,7 +10748,7 @@
                         </a:rPr>
                         <a:t>Block B2</a:t>
                       </a:r>
-                      <a:endParaRPr b="0" lang="en-IN" sz="1800" spc="-1" strike="noStrike">
+                      <a:endParaRPr b="0" lang="en-US" sz="1800" spc="-1" strike="noStrike">
                         <a:latin typeface="Arial"/>
                       </a:endParaRPr>
                     </a:p>
@@ -10821,7 +10823,7 @@
                         </a:rPr>
                         <a:t>Block B3</a:t>
                       </a:r>
-                      <a:endParaRPr b="0" lang="en-IN" sz="1800" spc="-1" strike="noStrike">
+                      <a:endParaRPr b="0" lang="en-US" sz="1800" spc="-1" strike="noStrike">
                         <a:latin typeface="Arial"/>
                       </a:endParaRPr>
                     </a:p>
@@ -10893,13 +10895,13 @@
         <p:spPr>
           <a:xfrm>
             <a:off x="3492000" y="3541680"/>
-            <a:ext cx="3023280" cy="345600"/>
+            <a:ext cx="3022920" cy="345240"/>
           </a:xfrm>
           <a:prstGeom prst="rect">
             <a:avLst/>
           </a:prstGeom>
           <a:noFill/>
-          <a:ln>
+          <a:ln w="0">
             <a:noFill/>
           </a:ln>
         </p:spPr>
@@ -10929,7 +10931,7 @@
               </a:rPr>
               <a:t>Inter block gap</a:t>
             </a:r>
-            <a:endParaRPr b="0" lang="en-IN" sz="1800" spc="-1" strike="noStrike">
+            <a:endParaRPr b="0" lang="en-US" sz="1800" spc="-1" strike="noStrike">
               <a:latin typeface="Arial"/>
             </a:endParaRPr>
           </a:p>
@@ -10944,13 +10946,13 @@
         <p:spPr>
           <a:xfrm>
             <a:off x="144000" y="3564000"/>
-            <a:ext cx="3023280" cy="345600"/>
+            <a:ext cx="3022920" cy="345240"/>
           </a:xfrm>
           <a:prstGeom prst="rect">
             <a:avLst/>
           </a:prstGeom>
           <a:noFill/>
-          <a:ln>
+          <a:ln w="0">
             <a:noFill/>
           </a:ln>
         </p:spPr>
@@ -10980,7 +10982,7 @@
               </a:rPr>
               <a:t>Track Begin</a:t>
             </a:r>
-            <a:endParaRPr b="0" lang="en-IN" sz="1800" spc="-1" strike="noStrike">
+            <a:endParaRPr b="0" lang="en-US" sz="1800" spc="-1" strike="noStrike">
               <a:latin typeface="Arial"/>
             </a:endParaRPr>
           </a:p>
@@ -10995,13 +10997,13 @@
         <p:spPr>
           <a:xfrm>
             <a:off x="7308000" y="3528000"/>
-            <a:ext cx="3023280" cy="345600"/>
+            <a:ext cx="3022920" cy="345240"/>
           </a:xfrm>
           <a:prstGeom prst="rect">
             <a:avLst/>
           </a:prstGeom>
           <a:noFill/>
-          <a:ln>
+          <a:ln w="0">
             <a:noFill/>
           </a:ln>
         </p:spPr>
@@ -11031,7 +11033,7 @@
               </a:rPr>
               <a:t>Track End</a:t>
             </a:r>
-            <a:endParaRPr b="0" lang="en-IN" sz="1800" spc="-1" strike="noStrike">
+            <a:endParaRPr b="0" lang="en-US" sz="1800" spc="-1" strike="noStrike">
               <a:latin typeface="Arial"/>
             </a:endParaRPr>
           </a:p>
@@ -11051,7 +11053,7 @@
           <a:prstGeom prst="line">
             <a:avLst/>
           </a:prstGeom>
-          <a:ln>
+          <a:ln w="0">
             <a:solidFill>
               <a:srgbClr val="3465a4"/>
             </a:solidFill>
@@ -11079,7 +11081,7 @@
           <a:prstGeom prst="line">
             <a:avLst/>
           </a:prstGeom>
-          <a:ln>
+          <a:ln w="0">
             <a:solidFill>
               <a:srgbClr val="3465a4"/>
             </a:solidFill>
@@ -11107,7 +11109,7 @@
           <a:prstGeom prst="line">
             <a:avLst/>
           </a:prstGeom>
-          <a:ln>
+          <a:ln w="0">
             <a:solidFill>
               <a:srgbClr val="3465a4"/>
             </a:solidFill>
@@ -11135,7 +11137,7 @@
           <a:prstGeom prst="line">
             <a:avLst/>
           </a:prstGeom>
-          <a:ln>
+          <a:ln w="0">
             <a:solidFill>
               <a:srgbClr val="3465a4"/>
             </a:solidFill>
@@ -11216,7 +11218,7 @@
                         </a:rPr>
                         <a:t>A</a:t>
                       </a:r>
-                      <a:endParaRPr b="0" lang="en-IN" sz="1800" spc="-1" strike="noStrike">
+                      <a:endParaRPr b="0" lang="en-US" sz="1800" spc="-1" strike="noStrike">
                         <a:latin typeface="Arial"/>
                       </a:endParaRPr>
                     </a:p>
@@ -11264,7 +11266,7 @@
                         </a:rPr>
                         <a:t>B</a:t>
                       </a:r>
-                      <a:endParaRPr b="0" lang="en-IN" sz="1800" spc="-1" strike="noStrike">
+                      <a:endParaRPr b="0" lang="en-US" sz="1800" spc="-1" strike="noStrike">
                         <a:latin typeface="Arial"/>
                       </a:endParaRPr>
                     </a:p>
@@ -11312,7 +11314,7 @@
                         </a:rPr>
                         <a:t>C</a:t>
                       </a:r>
-                      <a:endParaRPr b="0" lang="en-IN" sz="1800" spc="-1" strike="noStrike">
+                      <a:endParaRPr b="0" lang="en-US" sz="1800" spc="-1" strike="noStrike">
                         <a:latin typeface="Arial"/>
                       </a:endParaRPr>
                     </a:p>
@@ -11634,7 +11636,7 @@
                         </a:rPr>
                         <a:t>A</a:t>
                       </a:r>
-                      <a:endParaRPr b="0" lang="en-IN" sz="1800" spc="-1" strike="noStrike">
+                      <a:endParaRPr b="0" lang="en-US" sz="1800" spc="-1" strike="noStrike">
                         <a:latin typeface="Arial"/>
                       </a:endParaRPr>
                     </a:p>
@@ -11682,7 +11684,7 @@
                         </a:rPr>
                         <a:t>B</a:t>
                       </a:r>
-                      <a:endParaRPr b="0" lang="en-IN" sz="1800" spc="-1" strike="noStrike">
+                      <a:endParaRPr b="0" lang="en-US" sz="1800" spc="-1" strike="noStrike">
                         <a:latin typeface="Arial"/>
                       </a:endParaRPr>
                     </a:p>
@@ -11730,7 +11732,7 @@
                         </a:rPr>
                         <a:t>C</a:t>
                       </a:r>
-                      <a:endParaRPr b="0" lang="en-IN" sz="1800" spc="-1" strike="noStrike">
+                      <a:endParaRPr b="0" lang="en-US" sz="1800" spc="-1" strike="noStrike">
                         <a:latin typeface="Arial"/>
                       </a:endParaRPr>
                     </a:p>
@@ -12024,13 +12026,13 @@
         <p:spPr>
           <a:xfrm>
             <a:off x="3456000" y="1008000"/>
-            <a:ext cx="3239640" cy="345960"/>
+            <a:ext cx="3239280" cy="345600"/>
           </a:xfrm>
           <a:prstGeom prst="rect">
             <a:avLst/>
           </a:prstGeom>
           <a:noFill/>
-          <a:ln>
+          <a:ln w="0">
             <a:noFill/>
           </a:ln>
         </p:spPr>
@@ -12052,11 +12054,15 @@
             </a:pPr>
             <a:r>
               <a:rPr b="0" lang="en-IN" sz="1800" spc="-1" strike="noStrike">
+                <a:solidFill>
+                  <a:srgbClr val="000000"/>
+                </a:solidFill>
                 <a:latin typeface="Arial"/>
+                <a:ea typeface="DejaVu Sans"/>
               </a:rPr>
               <a:t>Fixed Length Records</a:t>
             </a:r>
-            <a:endParaRPr b="0" lang="en-IN" sz="1800" spc="-1" strike="noStrike">
+            <a:endParaRPr b="0" lang="en-US" sz="1800" spc="-1" strike="noStrike">
               <a:latin typeface="Arial"/>
             </a:endParaRPr>
           </a:p>
@@ -12071,13 +12077,13 @@
         <p:spPr>
           <a:xfrm>
             <a:off x="648000" y="1836000"/>
-            <a:ext cx="3239640" cy="345960"/>
+            <a:ext cx="3239280" cy="345600"/>
           </a:xfrm>
           <a:prstGeom prst="rect">
             <a:avLst/>
           </a:prstGeom>
           <a:noFill/>
-          <a:ln>
+          <a:ln w="0">
             <a:noFill/>
           </a:ln>
         </p:spPr>
@@ -12099,11 +12105,15 @@
             </a:pPr>
             <a:r>
               <a:rPr b="0" lang="en-IN" sz="1800" spc="-1" strike="noStrike">
+                <a:solidFill>
+                  <a:srgbClr val="000000"/>
+                </a:solidFill>
                 <a:latin typeface="Arial"/>
+                <a:ea typeface="DejaVu Sans"/>
               </a:rPr>
               <a:t>Relation table</a:t>
             </a:r>
-            <a:endParaRPr b="0" lang="en-IN" sz="1800" spc="-1" strike="noStrike">
+            <a:endParaRPr b="0" lang="en-US" sz="1800" spc="-1" strike="noStrike">
               <a:latin typeface="Arial"/>
             </a:endParaRPr>
           </a:p>
@@ -12118,13 +12128,13 @@
         <p:spPr>
           <a:xfrm>
             <a:off x="5436000" y="2160000"/>
-            <a:ext cx="3239640" cy="345960"/>
+            <a:ext cx="3239280" cy="345600"/>
           </a:xfrm>
           <a:prstGeom prst="rect">
             <a:avLst/>
           </a:prstGeom>
           <a:noFill/>
-          <a:ln>
+          <a:ln w="0">
             <a:noFill/>
           </a:ln>
         </p:spPr>
@@ -12146,11 +12156,15 @@
             </a:pPr>
             <a:r>
               <a:rPr b="0" lang="en-IN" sz="1800" spc="-1" strike="noStrike">
+                <a:solidFill>
+                  <a:srgbClr val="000000"/>
+                </a:solidFill>
                 <a:latin typeface="Arial"/>
+                <a:ea typeface="DejaVu Sans"/>
               </a:rPr>
               <a:t>File</a:t>
             </a:r>
-            <a:endParaRPr b="0" lang="en-IN" sz="1800" spc="-1" strike="noStrike">
+            <a:endParaRPr b="0" lang="en-US" sz="1800" spc="-1" strike="noStrike">
               <a:latin typeface="Arial"/>
             </a:endParaRPr>
           </a:p>
@@ -12170,7 +12184,7 @@
           <a:prstGeom prst="line">
             <a:avLst/>
           </a:prstGeom>
-          <a:ln>
+          <a:ln w="0">
             <a:solidFill>
               <a:srgbClr val="3465a4"/>
             </a:solidFill>
@@ -12192,13 +12206,13 @@
         <p:spPr>
           <a:xfrm>
             <a:off x="8676000" y="2988000"/>
-            <a:ext cx="1043640" cy="755640"/>
+            <a:ext cx="1043280" cy="755280"/>
           </a:xfrm>
           <a:prstGeom prst="rect">
             <a:avLst/>
           </a:prstGeom>
           <a:noFill/>
-          <a:ln>
+          <a:ln w="0">
             <a:noFill/>
           </a:ln>
         </p:spPr>
@@ -12220,11 +12234,15 @@
             </a:pPr>
             <a:r>
               <a:rPr b="0" lang="en-IN" sz="1800" spc="-1" strike="noStrike">
+                <a:solidFill>
+                  <a:srgbClr val="000000"/>
+                </a:solidFill>
                 <a:latin typeface="Arial"/>
+                <a:ea typeface="DejaVu Sans"/>
               </a:rPr>
               <a:t>Records in a file</a:t>
             </a:r>
-            <a:endParaRPr b="0" lang="en-IN" sz="1800" spc="-1" strike="noStrike">
+            <a:endParaRPr b="0" lang="en-US" sz="1800" spc="-1" strike="noStrike">
               <a:latin typeface="Arial"/>
             </a:endParaRPr>
           </a:p>
@@ -12244,7 +12262,7 @@
           <a:prstGeom prst="line">
             <a:avLst/>
           </a:prstGeom>
-          <a:ln>
+          <a:ln w="0">
             <a:solidFill>
               <a:srgbClr val="3465a4"/>
             </a:solidFill>
@@ -12273,7 +12291,7 @@
           <a:prstGeom prst="line">
             <a:avLst/>
           </a:prstGeom>
-          <a:ln>
+          <a:ln w="0">
             <a:solidFill>
               <a:srgbClr val="3465a4"/>
             </a:solidFill>
@@ -12302,7 +12320,7 @@
           <a:prstGeom prst="line">
             <a:avLst/>
           </a:prstGeom>
-          <a:ln>
+          <a:ln w="0">
             <a:solidFill>
               <a:srgbClr val="3465a4"/>
             </a:solidFill>
@@ -12326,13 +12344,13 @@
         <p:spPr>
           <a:xfrm>
             <a:off x="2448000" y="4464000"/>
-            <a:ext cx="5831640" cy="755640"/>
+            <a:ext cx="5831280" cy="755280"/>
           </a:xfrm>
           <a:prstGeom prst="rect">
             <a:avLst/>
           </a:prstGeom>
           <a:noFill/>
-          <a:ln>
+          <a:ln w="0">
             <a:noFill/>
           </a:ln>
         </p:spPr>
@@ -12354,11 +12372,15 @@
             </a:pPr>
             <a:r>
               <a:rPr b="0" lang="en-IN" sz="1800" spc="-1" strike="noStrike">
+                <a:solidFill>
+                  <a:srgbClr val="000000"/>
+                </a:solidFill>
                 <a:latin typeface="Arial"/>
+                <a:ea typeface="DejaVu Sans"/>
               </a:rPr>
               <a:t>Each tuple in the table is stored as a fixed length record in the file</a:t>
             </a:r>
-            <a:endParaRPr b="0" lang="en-IN" sz="1800" spc="-1" strike="noStrike">
+            <a:endParaRPr b="0" lang="en-US" sz="1800" spc="-1" strike="noStrike">
               <a:latin typeface="Arial"/>
             </a:endParaRPr>
           </a:p>
@@ -12402,7 +12424,7 @@
         </p:nvGraphicFramePr>
         <p:xfrm>
           <a:off x="5669280" y="1124640"/>
-          <a:ext cx="5075280" cy="5670000"/>
+          <a:ext cx="3259440" cy="3837240"/>
         </p:xfrm>
         <a:graphic>
           <a:graphicData uri="http://schemas.openxmlformats.org/drawingml/2006/table">
@@ -12414,20 +12436,25 @@
                 <a:gridCol w="758880"/>
                 <a:gridCol w="640080"/>
               </a:tblGrid>
-              <a:tr h="387000">
+              <a:tr h="347760">
                 <a:tc>
                   <a:txBody>
-                    <a:bodyPr lIns="90000" rIns="90000" tIns="46800" bIns="46800">
+                    <a:bodyPr lIns="90000" rIns="90000">
                       <a:noAutofit/>
                     </a:bodyPr>
                     <a:p>
+                      <a:pPr>
+                        <a:lnSpc>
+                          <a:spcPct val="100000"/>
+                        </a:lnSpc>
+                      </a:pPr>
                       <a:r>
                         <a:rPr b="0" lang="en-IN" sz="1800" spc="-1" strike="noStrike">
                           <a:latin typeface="Arial"/>
                         </a:rPr>
                         <a:t>5721</a:t>
                       </a:r>
-                      <a:endParaRPr b="0" lang="en-IN" sz="1800" spc="-1" strike="noStrike">
+                      <a:endParaRPr b="0" lang="en-US" sz="1800" spc="-1" strike="noStrike">
                         <a:latin typeface="Arial"/>
                       </a:endParaRPr>
                     </a:p>
@@ -12540,20 +12567,25 @@
                   </a:tcPr>
                 </a:tc>
               </a:tr>
-              <a:tr h="371880">
+              <a:tr h="347760">
                 <a:tc>
                   <a:txBody>
-                    <a:bodyPr lIns="90000" rIns="90000" tIns="46800" bIns="46800">
+                    <a:bodyPr lIns="90000" rIns="90000">
                       <a:noAutofit/>
                     </a:bodyPr>
                     <a:p>
+                      <a:pPr>
+                        <a:lnSpc>
+                          <a:spcPct val="100000"/>
+                        </a:lnSpc>
+                      </a:pPr>
                       <a:r>
                         <a:rPr b="0" lang="en-IN" sz="1800" spc="-1" strike="noStrike">
                           <a:latin typeface="Arial"/>
                         </a:rPr>
                         <a:t>5722</a:t>
                       </a:r>
-                      <a:endParaRPr b="0" lang="en-IN" sz="1800" spc="-1" strike="noStrike">
+                      <a:endParaRPr b="0" lang="en-US" sz="1800" spc="-1" strike="noStrike">
                         <a:latin typeface="Arial"/>
                       </a:endParaRPr>
                     </a:p>
@@ -12666,20 +12698,25 @@
                   </a:tcPr>
                 </a:tc>
               </a:tr>
-              <a:tr h="327600">
+              <a:tr h="347760">
                 <a:tc>
                   <a:txBody>
-                    <a:bodyPr lIns="90000" rIns="90000" tIns="46800" bIns="46800">
+                    <a:bodyPr lIns="90000" rIns="90000">
                       <a:noAutofit/>
                     </a:bodyPr>
                     <a:p>
+                      <a:pPr>
+                        <a:lnSpc>
+                          <a:spcPct val="100000"/>
+                        </a:lnSpc>
+                      </a:pPr>
                       <a:r>
                         <a:rPr b="0" lang="en-IN" sz="1800" spc="-1" strike="noStrike">
                           <a:latin typeface="Arial"/>
                         </a:rPr>
                         <a:t>5724</a:t>
                       </a:r>
-                      <a:endParaRPr b="0" lang="en-IN" sz="1800" spc="-1" strike="noStrike">
+                      <a:endParaRPr b="0" lang="en-US" sz="1800" spc="-1" strike="noStrike">
                         <a:latin typeface="Arial"/>
                       </a:endParaRPr>
                     </a:p>
@@ -12792,20 +12829,25 @@
                   </a:tcPr>
                 </a:tc>
               </a:tr>
-              <a:tr h="320040">
+              <a:tr h="347760">
                 <a:tc>
                   <a:txBody>
-                    <a:bodyPr lIns="90000" rIns="90000" tIns="46800" bIns="46800">
+                    <a:bodyPr lIns="90000" rIns="90000">
                       <a:noAutofit/>
                     </a:bodyPr>
                     <a:p>
+                      <a:pPr>
+                        <a:lnSpc>
+                          <a:spcPct val="100000"/>
+                        </a:lnSpc>
+                      </a:pPr>
                       <a:r>
                         <a:rPr b="0" lang="en-IN" sz="1800" spc="-1" strike="noStrike">
                           <a:latin typeface="Arial"/>
                         </a:rPr>
                         <a:t>5728</a:t>
                       </a:r>
-                      <a:endParaRPr b="0" lang="en-IN" sz="1800" spc="-1" strike="noStrike">
+                      <a:endParaRPr b="0" lang="en-US" sz="1800" spc="-1" strike="noStrike">
                         <a:latin typeface="Arial"/>
                       </a:endParaRPr>
                     </a:p>
@@ -12918,20 +12960,25 @@
                   </a:tcPr>
                 </a:tc>
               </a:tr>
-              <a:tr h="327240">
+              <a:tr h="347760">
                 <a:tc>
                   <a:txBody>
-                    <a:bodyPr lIns="90000" rIns="90000" tIns="46800" bIns="46800">
+                    <a:bodyPr lIns="90000" rIns="90000">
                       <a:noAutofit/>
                     </a:bodyPr>
                     <a:p>
+                      <a:pPr>
+                        <a:lnSpc>
+                          <a:spcPct val="100000"/>
+                        </a:lnSpc>
+                      </a:pPr>
                       <a:r>
                         <a:rPr b="0" lang="en-IN" sz="1800" spc="-1" strike="noStrike">
                           <a:latin typeface="Arial"/>
                         </a:rPr>
                         <a:t>5733</a:t>
                       </a:r>
-                      <a:endParaRPr b="0" lang="en-IN" sz="1800" spc="-1" strike="noStrike">
+                      <a:endParaRPr b="0" lang="en-US" sz="1800" spc="-1" strike="noStrike">
                         <a:latin typeface="Arial"/>
                       </a:endParaRPr>
                     </a:p>
@@ -13044,20 +13091,25 @@
                   </a:tcPr>
                 </a:tc>
               </a:tr>
-              <a:tr h="349200">
+              <a:tr h="347760">
                 <a:tc>
                   <a:txBody>
-                    <a:bodyPr lIns="90000" rIns="90000" tIns="46800" bIns="46800">
+                    <a:bodyPr lIns="90000" rIns="90000">
                       <a:noAutofit/>
                     </a:bodyPr>
                     <a:p>
+                      <a:pPr>
+                        <a:lnSpc>
+                          <a:spcPct val="100000"/>
+                        </a:lnSpc>
+                      </a:pPr>
                       <a:r>
                         <a:rPr b="0" lang="en-IN" sz="1800" spc="-1" strike="noStrike">
                           <a:latin typeface="Arial"/>
                         </a:rPr>
                         <a:t>5740</a:t>
                       </a:r>
-                      <a:endParaRPr b="0" lang="en-IN" sz="1800" spc="-1" strike="noStrike">
+                      <a:endParaRPr b="0" lang="en-US" sz="1800" spc="-1" strike="noStrike">
                         <a:latin typeface="Arial"/>
                       </a:endParaRPr>
                     </a:p>
@@ -13170,20 +13222,25 @@
                   </a:tcPr>
                 </a:tc>
               </a:tr>
-              <a:tr h="326880">
+              <a:tr h="347760">
                 <a:tc>
                   <a:txBody>
-                    <a:bodyPr lIns="90000" rIns="90000" tIns="46800" bIns="46800">
+                    <a:bodyPr lIns="90000" rIns="90000">
                       <a:noAutofit/>
                     </a:bodyPr>
                     <a:p>
+                      <a:pPr>
+                        <a:lnSpc>
+                          <a:spcPct val="100000"/>
+                        </a:lnSpc>
+                      </a:pPr>
                       <a:r>
                         <a:rPr b="0" lang="en-IN" sz="1800" spc="-1" strike="noStrike">
                           <a:latin typeface="Arial"/>
                         </a:rPr>
                         <a:t>5746</a:t>
                       </a:r>
-                      <a:endParaRPr b="0" lang="en-IN" sz="1800" spc="-1" strike="noStrike">
+                      <a:endParaRPr b="0" lang="en-US" sz="1800" spc="-1" strike="noStrike">
                         <a:latin typeface="Arial"/>
                       </a:endParaRPr>
                     </a:p>
@@ -13296,20 +13353,25 @@
                   </a:tcPr>
                 </a:tc>
               </a:tr>
-              <a:tr h="342360">
+              <a:tr h="347760">
                 <a:tc>
                   <a:txBody>
-                    <a:bodyPr lIns="90000" rIns="90000" tIns="46800" bIns="46800">
+                    <a:bodyPr lIns="90000" rIns="90000">
                       <a:noAutofit/>
                     </a:bodyPr>
                     <a:p>
+                      <a:pPr>
+                        <a:lnSpc>
+                          <a:spcPct val="100000"/>
+                        </a:lnSpc>
+                      </a:pPr>
                       <a:r>
                         <a:rPr b="0" lang="en-IN" sz="1800" spc="-1" strike="noStrike">
                           <a:latin typeface="Arial"/>
                         </a:rPr>
                         <a:t>5748</a:t>
                       </a:r>
-                      <a:endParaRPr b="0" lang="en-IN" sz="1800" spc="-1" strike="noStrike">
+                      <a:endParaRPr b="0" lang="en-US" sz="1800" spc="-1" strike="noStrike">
                         <a:latin typeface="Arial"/>
                       </a:endParaRPr>
                     </a:p>
@@ -13422,20 +13484,25 @@
                   </a:tcPr>
                 </a:tc>
               </a:tr>
-              <a:tr h="371160">
+              <a:tr h="347760">
                 <a:tc>
                   <a:txBody>
-                    <a:bodyPr lIns="90000" rIns="90000" tIns="46800" bIns="46800">
+                    <a:bodyPr lIns="90000" rIns="90000">
                       <a:noAutofit/>
                     </a:bodyPr>
                     <a:p>
+                      <a:pPr>
+                        <a:lnSpc>
+                          <a:spcPct val="100000"/>
+                        </a:lnSpc>
+                      </a:pPr>
                       <a:r>
                         <a:rPr b="0" lang="en-IN" sz="1800" spc="-1" strike="noStrike">
                           <a:latin typeface="Arial"/>
                         </a:rPr>
                         <a:t>5749</a:t>
                       </a:r>
-                      <a:endParaRPr b="0" lang="en-IN" sz="1800" spc="-1" strike="noStrike">
+                      <a:endParaRPr b="0" lang="en-US" sz="1800" spc="-1" strike="noStrike">
                         <a:latin typeface="Arial"/>
                       </a:endParaRPr>
                     </a:p>
@@ -13548,20 +13615,25 @@
                   </a:tcPr>
                 </a:tc>
               </a:tr>
-              <a:tr h="371880">
+              <a:tr h="347760">
                 <a:tc>
                   <a:txBody>
-                    <a:bodyPr lIns="90000" rIns="90000" tIns="46800" bIns="46800">
+                    <a:bodyPr lIns="90000" rIns="90000">
                       <a:noAutofit/>
                     </a:bodyPr>
                     <a:p>
+                      <a:pPr>
+                        <a:lnSpc>
+                          <a:spcPct val="100000"/>
+                        </a:lnSpc>
+                      </a:pPr>
                       <a:r>
                         <a:rPr b="0" lang="en-IN" sz="1800" spc="-1" strike="noStrike">
                           <a:latin typeface="Arial"/>
                         </a:rPr>
                         <a:t>5790</a:t>
                       </a:r>
-                      <a:endParaRPr b="0" lang="en-IN" sz="1800" spc="-1" strike="noStrike">
+                      <a:endParaRPr b="0" lang="en-US" sz="1800" spc="-1" strike="noStrike">
                         <a:latin typeface="Arial"/>
                       </a:endParaRPr>
                     </a:p>
@@ -13674,7 +13746,7 @@
                   </a:tcPr>
                 </a:tc>
               </a:tr>
-              <a:tr h="342360">
+              <a:tr h="347760">
                 <a:tc>
                   <a:tcPr marL="90000" marR="90000">
                     <a:lnL w="720">
@@ -13796,7 +13868,7 @@
         </p:nvGraphicFramePr>
         <p:xfrm>
           <a:off x="1026360" y="2240640"/>
-          <a:ext cx="5075280" cy="2159280"/>
+          <a:ext cx="2426040" cy="1130760"/>
         </p:xfrm>
         <a:graphic>
           <a:graphicData uri="http://schemas.openxmlformats.org/drawingml/2006/table">
@@ -13806,20 +13878,25 @@
                 <a:gridCol w="1310040"/>
                 <a:gridCol w="1116360"/>
               </a:tblGrid>
-              <a:tr h="371880">
+              <a:tr h="369360">
                 <a:tc>
                   <a:txBody>
-                    <a:bodyPr lIns="90000" rIns="90000" tIns="46800" bIns="46800">
+                    <a:bodyPr lIns="90000" rIns="90000">
                       <a:noAutofit/>
                     </a:bodyPr>
                     <a:p>
+                      <a:pPr>
+                        <a:lnSpc>
+                          <a:spcPct val="100000"/>
+                        </a:lnSpc>
+                      </a:pPr>
                       <a:r>
                         <a:rPr b="0" lang="en-IN" sz="1800" spc="-1" strike="noStrike">
                           <a:latin typeface="Arial"/>
                         </a:rPr>
                         <a:t>5721</a:t>
                       </a:r>
-                      <a:endParaRPr b="0" lang="en-IN" sz="1800" spc="-1" strike="noStrike">
+                      <a:endParaRPr b="0" lang="en-US" sz="1800" spc="-1" strike="noStrike">
                         <a:latin typeface="Arial"/>
                       </a:endParaRPr>
                     </a:p>
@@ -13878,20 +13955,25 @@
                   </a:tcPr>
                 </a:tc>
               </a:tr>
-              <a:tr h="416880">
+              <a:tr h="414000">
                 <a:tc>
                   <a:txBody>
-                    <a:bodyPr lIns="90000" rIns="90000" tIns="46800" bIns="46800">
+                    <a:bodyPr lIns="90000" rIns="90000">
                       <a:noAutofit/>
                     </a:bodyPr>
                     <a:p>
+                      <a:pPr>
+                        <a:lnSpc>
+                          <a:spcPct val="100000"/>
+                        </a:lnSpc>
+                      </a:pPr>
                       <a:r>
                         <a:rPr b="0" lang="en-IN" sz="1800" spc="-1" strike="noStrike">
                           <a:latin typeface="Arial"/>
                         </a:rPr>
                         <a:t>5733</a:t>
                       </a:r>
-                      <a:endParaRPr b="0" lang="en-IN" sz="1800" spc="-1" strike="noStrike">
+                      <a:endParaRPr b="0" lang="en-US" sz="1800" spc="-1" strike="noStrike">
                         <a:latin typeface="Arial"/>
                       </a:endParaRPr>
                     </a:p>
@@ -13950,20 +14032,25 @@
                   </a:tcPr>
                 </a:tc>
               </a:tr>
-              <a:tr h="342360">
+              <a:tr h="347760">
                 <a:tc>
                   <a:txBody>
-                    <a:bodyPr lIns="90000" rIns="90000" tIns="46800" bIns="46800">
+                    <a:bodyPr lIns="90000" rIns="90000">
                       <a:noAutofit/>
                     </a:bodyPr>
                     <a:p>
+                      <a:pPr>
+                        <a:lnSpc>
+                          <a:spcPct val="100000"/>
+                        </a:lnSpc>
+                      </a:pPr>
                       <a:r>
                         <a:rPr b="0" lang="en-IN" sz="1800" spc="-1" strike="noStrike">
                           <a:latin typeface="Arial"/>
                         </a:rPr>
                         <a:t>5749</a:t>
                       </a:r>
-                      <a:endParaRPr b="0" lang="en-IN" sz="1800" spc="-1" strike="noStrike">
+                      <a:endParaRPr b="0" lang="en-US" sz="1800" spc="-1" strike="noStrike">
                         <a:latin typeface="Arial"/>
                       </a:endParaRPr>
                     </a:p>
@@ -14040,7 +14127,7 @@
           <a:prstGeom prst="line">
             <a:avLst/>
           </a:prstGeom>
-          <a:ln>
+          <a:ln w="0">
             <a:solidFill>
               <a:srgbClr val="3465a4"/>
             </a:solidFill>
@@ -14068,7 +14155,7 @@
           <a:prstGeom prst="line">
             <a:avLst/>
           </a:prstGeom>
-          <a:ln>
+          <a:ln w="0">
             <a:solidFill>
               <a:srgbClr val="3465a4"/>
             </a:solidFill>
@@ -14096,7 +14183,7 @@
           <a:prstGeom prst="line">
             <a:avLst/>
           </a:prstGeom>
-          <a:ln>
+          <a:ln w="0">
             <a:solidFill>
               <a:srgbClr val="3465a4"/>
             </a:solidFill>
@@ -14112,35 +14199,46 @@
       </p:sp>
       <p:sp>
         <p:nvSpPr>
-          <p:cNvPr id="359" name="TextShape 6"/>
-          <p:cNvSpPr txBox="1"/>
+          <p:cNvPr id="359" name="CustomShape 6"/>
+          <p:cNvSpPr/>
           <p:nvPr/>
         </p:nvSpPr>
         <p:spPr>
           <a:xfrm>
             <a:off x="1728000" y="1741680"/>
-            <a:ext cx="1152000" cy="346320"/>
+            <a:ext cx="1151640" cy="345960"/>
           </a:xfrm>
           <a:prstGeom prst="rect">
             <a:avLst/>
           </a:prstGeom>
           <a:noFill/>
-          <a:ln>
+          <a:ln w="0">
             <a:noFill/>
           </a:ln>
         </p:spPr>
+        <p:style>
+          <a:lnRef idx="0"/>
+          <a:fillRef idx="0"/>
+          <a:effectRef idx="0"/>
+          <a:fontRef idx="minor"/>
+        </p:style>
         <p:txBody>
           <a:bodyPr lIns="90000" rIns="90000" tIns="45000" bIns="45000">
             <a:noAutofit/>
           </a:bodyPr>
           <a:p>
+            <a:pPr>
+              <a:lnSpc>
+                <a:spcPct val="100000"/>
+              </a:lnSpc>
+            </a:pPr>
             <a:r>
               <a:rPr b="0" lang="en-IN" sz="1800" spc="-1" strike="noStrike">
                 <a:latin typeface="Arial"/>
               </a:rPr>
               <a:t>Index file</a:t>
             </a:r>
-            <a:endParaRPr b="0" lang="en-IN" sz="1800" spc="-1" strike="noStrike">
+            <a:endParaRPr b="0" lang="en-US" sz="1800" spc="-1" strike="noStrike">
               <a:latin typeface="Arial"/>
             </a:endParaRPr>
           </a:p>
@@ -14148,35 +14246,46 @@
       </p:sp>
       <p:sp>
         <p:nvSpPr>
-          <p:cNvPr id="360" name="TextShape 7"/>
-          <p:cNvSpPr txBox="1"/>
+          <p:cNvPr id="360" name="CustomShape 7"/>
+          <p:cNvSpPr/>
           <p:nvPr/>
         </p:nvSpPr>
         <p:spPr>
           <a:xfrm>
             <a:off x="6480000" y="648000"/>
-            <a:ext cx="1692000" cy="346320"/>
+            <a:ext cx="1691640" cy="345960"/>
           </a:xfrm>
           <a:prstGeom prst="rect">
             <a:avLst/>
           </a:prstGeom>
           <a:noFill/>
-          <a:ln>
+          <a:ln w="0">
             <a:noFill/>
           </a:ln>
         </p:spPr>
+        <p:style>
+          <a:lnRef idx="0"/>
+          <a:fillRef idx="0"/>
+          <a:effectRef idx="0"/>
+          <a:fontRef idx="minor"/>
+        </p:style>
         <p:txBody>
           <a:bodyPr lIns="90000" rIns="90000" tIns="45000" bIns="45000">
             <a:noAutofit/>
           </a:bodyPr>
           <a:p>
+            <a:pPr>
+              <a:lnSpc>
+                <a:spcPct val="100000"/>
+              </a:lnSpc>
+            </a:pPr>
             <a:r>
               <a:rPr b="0" lang="en-IN" sz="1800" spc="-1" strike="noStrike">
                 <a:latin typeface="Arial"/>
               </a:rPr>
               <a:t>Sequential file</a:t>
             </a:r>
-            <a:endParaRPr b="0" lang="en-IN" sz="1800" spc="-1" strike="noStrike">
+            <a:endParaRPr b="0" lang="en-US" sz="1800" spc="-1" strike="noStrike">
               <a:latin typeface="Arial"/>
             </a:endParaRPr>
           </a:p>
@@ -14221,7 +14330,7 @@
         <p:spPr>
           <a:xfrm>
             <a:off x="1908000" y="936000"/>
-            <a:ext cx="1435680" cy="787680"/>
+            <a:ext cx="1435320" cy="787320"/>
           </a:xfrm>
           <a:prstGeom prst="rect">
             <a:avLst/>
@@ -14229,7 +14338,7 @@
           <a:solidFill>
             <a:srgbClr val="729fcf"/>
           </a:solidFill>
-          <a:ln>
+          <a:ln w="0">
             <a:solidFill>
               <a:srgbClr val="3465a4"/>
             </a:solidFill>
@@ -14261,7 +14370,7 @@
               </a:rPr>
               <a:t>BOOKS</a:t>
             </a:r>
-            <a:endParaRPr b="0" lang="en-IN" sz="1800" spc="-1" strike="noStrike">
+            <a:endParaRPr b="0" lang="en-US" sz="1800" spc="-1" strike="noStrike">
               <a:latin typeface="Arial"/>
             </a:endParaRPr>
           </a:p>
@@ -14276,7 +14385,7 @@
         <p:spPr>
           <a:xfrm>
             <a:off x="6084000" y="936000"/>
-            <a:ext cx="1435680" cy="787680"/>
+            <a:ext cx="1435320" cy="787320"/>
           </a:xfrm>
           <a:prstGeom prst="rect">
             <a:avLst/>
@@ -14284,7 +14393,7 @@
           <a:solidFill>
             <a:srgbClr val="729fcf"/>
           </a:solidFill>
-          <a:ln>
+          <a:ln w="0">
             <a:solidFill>
               <a:srgbClr val="3465a4"/>
             </a:solidFill>
@@ -14316,7 +14425,7 @@
               </a:rPr>
               <a:t>USERS</a:t>
             </a:r>
-            <a:endParaRPr b="0" lang="en-IN" sz="1800" spc="-1" strike="noStrike">
+            <a:endParaRPr b="0" lang="en-US" sz="1800" spc="-1" strike="noStrike">
               <a:latin typeface="Arial"/>
             </a:endParaRPr>
           </a:p>
@@ -14331,7 +14440,7 @@
         <p:spPr>
           <a:xfrm>
             <a:off x="1908000" y="4068000"/>
-            <a:ext cx="1435680" cy="787680"/>
+            <a:ext cx="1435320" cy="787320"/>
           </a:xfrm>
           <a:prstGeom prst="rect">
             <a:avLst/>
@@ -14339,7 +14448,7 @@
           <a:solidFill>
             <a:srgbClr val="729fcf"/>
           </a:solidFill>
-          <a:ln>
+          <a:ln w="0">
             <a:solidFill>
               <a:srgbClr val="3465a4"/>
             </a:solidFill>
@@ -14371,7 +14480,7 @@
               </a:rPr>
               <a:t>SUPPLIERS</a:t>
             </a:r>
-            <a:endParaRPr b="0" lang="en-IN" sz="1800" spc="-1" strike="noStrike">
+            <a:endParaRPr b="0" lang="en-US" sz="1800" spc="-1" strike="noStrike">
               <a:latin typeface="Arial"/>
             </a:endParaRPr>
           </a:p>
@@ -14386,7 +14495,7 @@
         <p:spPr>
           <a:xfrm>
             <a:off x="4032000" y="648000"/>
-            <a:ext cx="1435680" cy="1363680"/>
+            <a:ext cx="1435320" cy="1363320"/>
           </a:xfrm>
           <a:custGeom>
             <a:avLst/>
@@ -14417,7 +14526,7 @@
           <a:solidFill>
             <a:srgbClr val="729fcf"/>
           </a:solidFill>
-          <a:ln>
+          <a:ln w="0">
             <a:solidFill>
               <a:srgbClr val="3465a4"/>
             </a:solidFill>
@@ -14449,7 +14558,7 @@
               </a:rPr>
               <a:t>Borrowed</a:t>
             </a:r>
-            <a:endParaRPr b="0" lang="en-IN" sz="1800" spc="-1" strike="noStrike">
+            <a:endParaRPr b="0" lang="en-US" sz="1800" spc="-1" strike="noStrike">
               <a:latin typeface="Arial"/>
             </a:endParaRPr>
           </a:p>
@@ -14469,7 +14578,7 @@
               </a:rPr>
               <a:t>By</a:t>
             </a:r>
-            <a:endParaRPr b="0" lang="en-IN" sz="1800" spc="-1" strike="noStrike">
+            <a:endParaRPr b="0" lang="en-US" sz="1800" spc="-1" strike="noStrike">
               <a:latin typeface="Arial"/>
             </a:endParaRPr>
           </a:p>
@@ -14484,7 +14593,7 @@
         <p:spPr>
           <a:xfrm>
             <a:off x="1872000" y="2232360"/>
-            <a:ext cx="1435680" cy="1363680"/>
+            <a:ext cx="1435320" cy="1363320"/>
           </a:xfrm>
           <a:custGeom>
             <a:avLst/>
@@ -14515,7 +14624,7 @@
           <a:solidFill>
             <a:srgbClr val="729fcf"/>
           </a:solidFill>
-          <a:ln>
+          <a:ln w="0">
             <a:solidFill>
               <a:srgbClr val="3465a4"/>
             </a:solidFill>
@@ -14547,7 +14656,7 @@
               </a:rPr>
               <a:t>Supplied</a:t>
             </a:r>
-            <a:endParaRPr b="0" lang="en-IN" sz="1800" spc="-1" strike="noStrike">
+            <a:endParaRPr b="0" lang="en-US" sz="1800" spc="-1" strike="noStrike">
               <a:latin typeface="Arial"/>
             </a:endParaRPr>
           </a:p>
@@ -14567,7 +14676,7 @@
               </a:rPr>
               <a:t>By</a:t>
             </a:r>
-            <a:endParaRPr b="0" lang="en-IN" sz="1800" spc="-1" strike="noStrike">
+            <a:endParaRPr b="0" lang="en-US" sz="1800" spc="-1" strike="noStrike">
               <a:latin typeface="Arial"/>
             </a:endParaRPr>
           </a:p>
@@ -14587,7 +14696,7 @@
           <a:prstGeom prst="line">
             <a:avLst/>
           </a:prstGeom>
-          <a:ln>
+          <a:ln w="0">
             <a:solidFill>
               <a:srgbClr val="3465a4"/>
             </a:solidFill>
@@ -14614,7 +14723,7 @@
           <a:prstGeom prst="line">
             <a:avLst/>
           </a:prstGeom>
-          <a:ln>
+          <a:ln w="0">
             <a:solidFill>
               <a:srgbClr val="3465a4"/>
             </a:solidFill>
@@ -14641,7 +14750,7 @@
           <a:prstGeom prst="line">
             <a:avLst/>
           </a:prstGeom>
-          <a:ln>
+          <a:ln w="0">
             <a:solidFill>
               <a:srgbClr val="3465a4"/>
             </a:solidFill>
@@ -14668,7 +14777,7 @@
           <a:prstGeom prst="line">
             <a:avLst/>
           </a:prstGeom>
-          <a:ln>
+          <a:ln w="0">
             <a:solidFill>
               <a:srgbClr val="3465a4"/>
             </a:solidFill>
@@ -14690,7 +14799,7 @@
         <p:spPr>
           <a:xfrm>
             <a:off x="5184000" y="2340000"/>
-            <a:ext cx="2011680" cy="571680"/>
+            <a:ext cx="2011320" cy="571320"/>
           </a:xfrm>
           <a:prstGeom prst="ellipse">
             <a:avLst/>
@@ -14698,7 +14807,7 @@
           <a:solidFill>
             <a:srgbClr val="729fcf"/>
           </a:solidFill>
-          <a:ln>
+          <a:ln w="0">
             <a:solidFill>
               <a:srgbClr val="3465a4"/>
             </a:solidFill>
@@ -14730,7 +14839,7 @@
               </a:rPr>
               <a:t>Date of Issue</a:t>
             </a:r>
-            <a:endParaRPr b="0" lang="en-IN" sz="1800" spc="-1" strike="noStrike">
+            <a:endParaRPr b="0" lang="en-US" sz="1800" spc="-1" strike="noStrike">
               <a:latin typeface="Arial"/>
             </a:endParaRPr>
           </a:p>
@@ -14745,7 +14854,7 @@
         <p:spPr>
           <a:xfrm>
             <a:off x="3960360" y="3240360"/>
-            <a:ext cx="2011680" cy="571680"/>
+            <a:ext cx="2011320" cy="571320"/>
           </a:xfrm>
           <a:prstGeom prst="ellipse">
             <a:avLst/>
@@ -14753,7 +14862,7 @@
           <a:solidFill>
             <a:srgbClr val="729fcf"/>
           </a:solidFill>
-          <a:ln>
+          <a:ln w="0">
             <a:solidFill>
               <a:srgbClr val="3465a4"/>
             </a:solidFill>
@@ -14785,7 +14894,7 @@
               </a:rPr>
               <a:t>Date of Supply</a:t>
             </a:r>
-            <a:endParaRPr b="0" lang="en-IN" sz="1800" spc="-1" strike="noStrike">
+            <a:endParaRPr b="0" lang="en-US" sz="1800" spc="-1" strike="noStrike">
               <a:latin typeface="Arial"/>
             </a:endParaRPr>
           </a:p>
@@ -14805,7 +14914,7 @@
           <a:prstGeom prst="line">
             <a:avLst/>
           </a:prstGeom>
-          <a:ln>
+          <a:ln w="0">
             <a:solidFill>
               <a:srgbClr val="3465a4"/>
             </a:solidFill>
@@ -14832,18 +14941,1222 @@
           <a:prstGeom prst="line">
             <a:avLst/>
           </a:prstGeom>
-          <a:ln>
-            <a:solidFill>
-              <a:srgbClr val="3465a4"/>
-            </a:solidFill>
-          </a:ln>
-        </p:spPr>
-        <p:style>
-          <a:lnRef idx="0"/>
-          <a:fillRef idx="0"/>
-          <a:effectRef idx="0"/>
-          <a:fontRef idx="minor"/>
-        </p:style>
+          <a:ln w="0">
+            <a:solidFill>
+              <a:srgbClr val="3465a4"/>
+            </a:solidFill>
+          </a:ln>
+        </p:spPr>
+        <p:style>
+          <a:lnRef idx="0"/>
+          <a:fillRef idx="0"/>
+          <a:effectRef idx="0"/>
+          <a:fontRef idx="minor"/>
+        </p:style>
+      </p:sp>
+    </p:spTree>
+  </p:cSld>
+  <mc:AlternateContent>
+    <mc:Choice Requires="p14">
+      <p:transition spd="slow" p14:dur="2000"/>
+    </mc:Choice>
+    <mc:Fallback>
+      <p:transition spd="slow"/>
+    </mc:Fallback>
+  </mc:AlternateContent>
+</p:sld>
+</file>
+
+<file path=ppt/slides/slide20.xml><?xml version="1.0" encoding="utf-8"?>
+<p:sld xmlns:a="http://schemas.openxmlformats.org/drawingml/2006/main" xmlns:p="http://schemas.openxmlformats.org/presentationml/2006/main" xmlns:r="http://schemas.openxmlformats.org/officeDocument/2006/relationships" xmlns:p14="http://schemas.microsoft.com/office/powerpoint/2010/main" xmlns:p15="http://schemas.microsoft.com/office/powerpoint/2012/main" xmlns:mc="http://schemas.openxmlformats.org/markup-compatibility/2006">
+  <p:cSld>
+    <p:spTree>
+      <p:nvGrpSpPr>
+        <p:cNvPr id="1" name=""/>
+        <p:cNvGrpSpPr/>
+        <p:nvPr/>
+      </p:nvGrpSpPr>
+      <p:grpSpPr>
+        <a:xfrm>
+          <a:off x="0" y="0"/>
+          <a:ext cx="0" cy="0"/>
+          <a:chOff x="0" y="0"/>
+          <a:chExt cx="0" cy="0"/>
+        </a:xfrm>
+      </p:grpSpPr>
+      <p:graphicFrame>
+        <p:nvGraphicFramePr>
+          <p:cNvPr id="361" name="Table 1"/>
+          <p:cNvGraphicFramePr/>
+          <p:nvPr/>
+        </p:nvGraphicFramePr>
+        <p:xfrm>
+          <a:off x="2431800" y="1911240"/>
+          <a:ext cx="4883400" cy="719280"/>
+        </p:xfrm>
+        <a:graphic>
+          <a:graphicData uri="http://schemas.openxmlformats.org/drawingml/2006/table">
+            <a:tbl>
+              <a:tblPr/>
+              <a:tblGrid>
+                <a:gridCol w="551160"/>
+                <a:gridCol w="1562040"/>
+                <a:gridCol w="503280"/>
+                <a:gridCol w="1678320"/>
+                <a:gridCol w="588600"/>
+              </a:tblGrid>
+              <a:tr h="719640">
+                <a:tc>
+                  <a:tcPr marL="90000" marR="90000">
+                    <a:lnL w="720">
+                      <a:solidFill>
+                        <a:srgbClr val="ffffff"/>
+                      </a:solidFill>
+                    </a:lnL>
+                    <a:lnR w="720">
+                      <a:solidFill>
+                        <a:srgbClr val="ffffff"/>
+                      </a:solidFill>
+                    </a:lnR>
+                    <a:lnT w="720">
+                      <a:solidFill>
+                        <a:srgbClr val="ffffff"/>
+                      </a:solidFill>
+                    </a:lnT>
+                    <a:lnB w="720">
+                      <a:solidFill>
+                        <a:srgbClr val="ffffff"/>
+                      </a:solidFill>
+                    </a:lnB>
+                    <a:solidFill>
+                      <a:srgbClr val="b3b3b3"/>
+                    </a:solidFill>
+                  </a:tcPr>
+                </a:tc>
+                <a:tc>
+                  <a:txBody>
+                    <a:bodyPr lIns="90000" rIns="90000" tIns="46800" bIns="46800">
+                      <a:noAutofit/>
+                    </a:bodyPr>
+                    <a:p>
+                      <a:r>
+                        <a:rPr b="0" lang="en-US" sz="1800" spc="-1" strike="noStrike">
+                          <a:latin typeface="Arial"/>
+                        </a:rPr>
+                        <a:t>5272</a:t>
+                      </a:r>
+                      <a:endParaRPr b="0" lang="en-US" sz="1800" spc="-1" strike="noStrike">
+                        <a:latin typeface="Arial"/>
+                      </a:endParaRPr>
+                    </a:p>
+                  </a:txBody>
+                  <a:tcPr marL="90000" marR="90000">
+                    <a:lnL w="720">
+                      <a:solidFill>
+                        <a:srgbClr val="ffffff"/>
+                      </a:solidFill>
+                    </a:lnL>
+                    <a:lnR w="720">
+                      <a:solidFill>
+                        <a:srgbClr val="ffffff"/>
+                      </a:solidFill>
+                    </a:lnR>
+                    <a:lnT w="720">
+                      <a:solidFill>
+                        <a:srgbClr val="ffffff"/>
+                      </a:solidFill>
+                    </a:lnT>
+                    <a:lnB w="720">
+                      <a:solidFill>
+                        <a:srgbClr val="ffffff"/>
+                      </a:solidFill>
+                    </a:lnB>
+                    <a:solidFill>
+                      <a:srgbClr val="b3b3b3"/>
+                    </a:solidFill>
+                  </a:tcPr>
+                </a:tc>
+                <a:tc>
+                  <a:tcPr marL="90000" marR="90000">
+                    <a:lnL w="720">
+                      <a:solidFill>
+                        <a:srgbClr val="ffffff"/>
+                      </a:solidFill>
+                    </a:lnL>
+                    <a:lnR w="720">
+                      <a:solidFill>
+                        <a:srgbClr val="ffffff"/>
+                      </a:solidFill>
+                    </a:lnR>
+                    <a:lnT w="720">
+                      <a:solidFill>
+                        <a:srgbClr val="ffffff"/>
+                      </a:solidFill>
+                    </a:lnT>
+                    <a:lnB w="720">
+                      <a:solidFill>
+                        <a:srgbClr val="ffffff"/>
+                      </a:solidFill>
+                    </a:lnB>
+                    <a:solidFill>
+                      <a:srgbClr val="b3b3b3"/>
+                    </a:solidFill>
+                  </a:tcPr>
+                </a:tc>
+                <a:tc>
+                  <a:txBody>
+                    <a:bodyPr lIns="90000" rIns="90000" tIns="46800" bIns="46800">
+                      <a:noAutofit/>
+                    </a:bodyPr>
+                    <a:p>
+                      <a:r>
+                        <a:rPr b="0" lang="en-US" sz="1800" spc="-1" strike="noStrike">
+                          <a:latin typeface="Arial"/>
+                        </a:rPr>
+                        <a:t>5384</a:t>
+                      </a:r>
+                      <a:endParaRPr b="0" lang="en-US" sz="1800" spc="-1" strike="noStrike">
+                        <a:latin typeface="Arial"/>
+                      </a:endParaRPr>
+                    </a:p>
+                  </a:txBody>
+                  <a:tcPr marL="90000" marR="90000">
+                    <a:lnL w="720">
+                      <a:solidFill>
+                        <a:srgbClr val="ffffff"/>
+                      </a:solidFill>
+                    </a:lnL>
+                    <a:lnR w="720">
+                      <a:solidFill>
+                        <a:srgbClr val="ffffff"/>
+                      </a:solidFill>
+                    </a:lnR>
+                    <a:lnT w="720">
+                      <a:solidFill>
+                        <a:srgbClr val="ffffff"/>
+                      </a:solidFill>
+                    </a:lnT>
+                    <a:lnB w="720">
+                      <a:solidFill>
+                        <a:srgbClr val="ffffff"/>
+                      </a:solidFill>
+                    </a:lnB>
+                    <a:solidFill>
+                      <a:srgbClr val="b3b3b3"/>
+                    </a:solidFill>
+                  </a:tcPr>
+                </a:tc>
+                <a:tc>
+                  <a:tcPr marL="90000" marR="90000">
+                    <a:lnL w="720">
+                      <a:solidFill>
+                        <a:srgbClr val="ffffff"/>
+                      </a:solidFill>
+                    </a:lnL>
+                    <a:lnR w="720">
+                      <a:solidFill>
+                        <a:srgbClr val="ffffff"/>
+                      </a:solidFill>
+                    </a:lnR>
+                    <a:lnT w="720">
+                      <a:solidFill>
+                        <a:srgbClr val="ffffff"/>
+                      </a:solidFill>
+                    </a:lnT>
+                    <a:lnB w="720">
+                      <a:solidFill>
+                        <a:srgbClr val="ffffff"/>
+                      </a:solidFill>
+                    </a:lnB>
+                    <a:solidFill>
+                      <a:srgbClr val="b3b3b3"/>
+                    </a:solidFill>
+                  </a:tcPr>
+                </a:tc>
+              </a:tr>
+            </a:tbl>
+          </a:graphicData>
+        </a:graphic>
+      </p:graphicFrame>
+      <p:sp>
+        <p:nvSpPr>
+          <p:cNvPr id="362" name="TextShape 2"/>
+          <p:cNvSpPr txBox="1"/>
+          <p:nvPr/>
+        </p:nvSpPr>
+        <p:spPr>
+          <a:xfrm>
+            <a:off x="144000" y="2057400"/>
+            <a:ext cx="2514600" cy="602280"/>
+          </a:xfrm>
+          <a:prstGeom prst="rect">
+            <a:avLst/>
+          </a:prstGeom>
+          <a:noFill/>
+          <a:ln w="0">
+            <a:noFill/>
+          </a:ln>
+        </p:spPr>
+        <p:txBody>
+          <a:bodyPr lIns="90000" rIns="90000" tIns="45000" bIns="45000">
+            <a:noAutofit/>
+          </a:bodyPr>
+          <a:p>
+            <a:r>
+              <a:rPr b="0" lang="en-US" sz="1800" spc="-1" strike="noStrike">
+                <a:latin typeface="Arial"/>
+              </a:rPr>
+              <a:t>K=2, then 2 records and 3 pointers</a:t>
+            </a:r>
+            <a:endParaRPr b="0" lang="en-US" sz="1800" spc="-1" strike="noStrike">
+              <a:latin typeface="Arial"/>
+            </a:endParaRPr>
+          </a:p>
+        </p:txBody>
+      </p:sp>
+      <p:sp>
+        <p:nvSpPr>
+          <p:cNvPr id="363" name="TextShape 3"/>
+          <p:cNvSpPr txBox="1"/>
+          <p:nvPr/>
+        </p:nvSpPr>
+        <p:spPr>
+          <a:xfrm>
+            <a:off x="3405600" y="976680"/>
+            <a:ext cx="2971800" cy="346320"/>
+          </a:xfrm>
+          <a:prstGeom prst="rect">
+            <a:avLst/>
+          </a:prstGeom>
+          <a:noFill/>
+          <a:ln w="0">
+            <a:noFill/>
+          </a:ln>
+        </p:spPr>
+        <p:txBody>
+          <a:bodyPr lIns="90000" rIns="90000" tIns="45000" bIns="45000">
+            <a:noAutofit/>
+          </a:bodyPr>
+          <a:p>
+            <a:r>
+              <a:rPr b="0" lang="en-US" sz="1800" spc="-1" strike="noStrike">
+                <a:latin typeface="Arial"/>
+              </a:rPr>
+              <a:t>B+ Tree Non-Leaf node</a:t>
+            </a:r>
+            <a:endParaRPr b="0" lang="en-US" sz="1800" spc="-1" strike="noStrike">
+              <a:latin typeface="Arial"/>
+            </a:endParaRPr>
+          </a:p>
+        </p:txBody>
+      </p:sp>
+      <p:sp>
+        <p:nvSpPr>
+          <p:cNvPr id="364" name="Line 4"/>
+          <p:cNvSpPr/>
+          <p:nvPr/>
+        </p:nvSpPr>
+        <p:spPr>
+          <a:xfrm flipH="1">
+            <a:off x="1828800" y="2514600"/>
+            <a:ext cx="829800" cy="1143000"/>
+          </a:xfrm>
+          <a:prstGeom prst="line">
+            <a:avLst/>
+          </a:prstGeom>
+          <a:ln w="0">
+            <a:solidFill>
+              <a:srgbClr val="3465a4"/>
+            </a:solidFill>
+            <a:tailEnd len="med" type="triangle" w="med"/>
+          </a:ln>
+        </p:spPr>
+        <p:style>
+          <a:lnRef idx="0"/>
+          <a:fillRef idx="0"/>
+          <a:effectRef idx="0"/>
+          <a:fontRef idx="minor"/>
+        </p:style>
+      </p:sp>
+      <p:sp>
+        <p:nvSpPr>
+          <p:cNvPr id="365" name="Line 5"/>
+          <p:cNvSpPr/>
+          <p:nvPr/>
+        </p:nvSpPr>
+        <p:spPr>
+          <a:xfrm>
+            <a:off x="4921200" y="2514600"/>
+            <a:ext cx="0" cy="1143000"/>
+          </a:xfrm>
+          <a:prstGeom prst="line">
+            <a:avLst/>
+          </a:prstGeom>
+          <a:ln w="0">
+            <a:solidFill>
+              <a:srgbClr val="3465a4"/>
+            </a:solidFill>
+            <a:tailEnd len="med" type="triangle" w="med"/>
+          </a:ln>
+        </p:spPr>
+        <p:style>
+          <a:lnRef idx="0"/>
+          <a:fillRef idx="0"/>
+          <a:effectRef idx="0"/>
+          <a:fontRef idx="minor"/>
+        </p:style>
+      </p:sp>
+      <p:sp>
+        <p:nvSpPr>
+          <p:cNvPr id="366" name="Line 6"/>
+          <p:cNvSpPr/>
+          <p:nvPr/>
+        </p:nvSpPr>
+        <p:spPr>
+          <a:xfrm>
+            <a:off x="7086600" y="2286000"/>
+            <a:ext cx="1371600" cy="1371600"/>
+          </a:xfrm>
+          <a:prstGeom prst="line">
+            <a:avLst/>
+          </a:prstGeom>
+          <a:ln w="0">
+            <a:solidFill>
+              <a:srgbClr val="3465a4"/>
+            </a:solidFill>
+            <a:tailEnd len="med" type="triangle" w="med"/>
+          </a:ln>
+        </p:spPr>
+        <p:style>
+          <a:lnRef idx="0"/>
+          <a:fillRef idx="0"/>
+          <a:effectRef idx="0"/>
+          <a:fontRef idx="minor"/>
+        </p:style>
+      </p:sp>
+      <p:sp>
+        <p:nvSpPr>
+          <p:cNvPr id="367" name="TextShape 7"/>
+          <p:cNvSpPr txBox="1"/>
+          <p:nvPr/>
+        </p:nvSpPr>
+        <p:spPr>
+          <a:xfrm>
+            <a:off x="457200" y="3742200"/>
+            <a:ext cx="2971800" cy="858240"/>
+          </a:xfrm>
+          <a:prstGeom prst="rect">
+            <a:avLst/>
+          </a:prstGeom>
+          <a:noFill/>
+          <a:ln w="0">
+            <a:noFill/>
+          </a:ln>
+        </p:spPr>
+        <p:txBody>
+          <a:bodyPr lIns="90000" rIns="90000" tIns="45000" bIns="45000">
+            <a:noAutofit/>
+          </a:bodyPr>
+          <a:p>
+            <a:r>
+              <a:rPr b="0" lang="en-US" sz="1800" spc="-1" strike="noStrike">
+                <a:latin typeface="Arial"/>
+              </a:rPr>
+              <a:t>Indexblock(Leaf or Non-Leaf) for the records with key &lt; 5272</a:t>
+            </a:r>
+            <a:endParaRPr b="0" lang="en-US" sz="1800" spc="-1" strike="noStrike">
+              <a:latin typeface="Arial"/>
+            </a:endParaRPr>
+          </a:p>
+        </p:txBody>
+      </p:sp>
+      <p:sp>
+        <p:nvSpPr>
+          <p:cNvPr id="368" name="TextShape 8"/>
+          <p:cNvSpPr txBox="1"/>
+          <p:nvPr/>
+        </p:nvSpPr>
+        <p:spPr>
+          <a:xfrm>
+            <a:off x="3866400" y="3742200"/>
+            <a:ext cx="2534400" cy="1114200"/>
+          </a:xfrm>
+          <a:prstGeom prst="rect">
+            <a:avLst/>
+          </a:prstGeom>
+          <a:noFill/>
+          <a:ln w="0">
+            <a:noFill/>
+          </a:ln>
+        </p:spPr>
+        <p:txBody>
+          <a:bodyPr lIns="90000" rIns="90000" tIns="45000" bIns="45000">
+            <a:noAutofit/>
+          </a:bodyPr>
+          <a:p>
+            <a:pPr>
+              <a:lnSpc>
+                <a:spcPct val="100000"/>
+              </a:lnSpc>
+            </a:pPr>
+            <a:r>
+              <a:rPr b="0" lang="en-US" sz="1800" spc="-1" strike="noStrike">
+                <a:latin typeface="Arial"/>
+              </a:rPr>
+              <a:t>Indexblock(Leaf or Non-Leaf) for the records with key &gt;= 5272 and key &lt; 5384</a:t>
+            </a:r>
+            <a:endParaRPr b="0" lang="en-US" sz="1800" spc="-1" strike="noStrike">
+              <a:latin typeface="Arial"/>
+            </a:endParaRPr>
+          </a:p>
+        </p:txBody>
+      </p:sp>
+      <p:sp>
+        <p:nvSpPr>
+          <p:cNvPr id="369" name="TextShape 9"/>
+          <p:cNvSpPr txBox="1"/>
+          <p:nvPr/>
+        </p:nvSpPr>
+        <p:spPr>
+          <a:xfrm>
+            <a:off x="7086600" y="3706200"/>
+            <a:ext cx="2743200" cy="1094400"/>
+          </a:xfrm>
+          <a:prstGeom prst="rect">
+            <a:avLst/>
+          </a:prstGeom>
+          <a:noFill/>
+          <a:ln w="0">
+            <a:noFill/>
+          </a:ln>
+        </p:spPr>
+        <p:txBody>
+          <a:bodyPr lIns="90000" rIns="90000" tIns="45000" bIns="45000">
+            <a:noAutofit/>
+          </a:bodyPr>
+          <a:p>
+            <a:pPr>
+              <a:lnSpc>
+                <a:spcPct val="100000"/>
+              </a:lnSpc>
+            </a:pPr>
+            <a:r>
+              <a:rPr b="0" lang="en-US" sz="1800" spc="-1" strike="noStrike">
+                <a:latin typeface="Arial"/>
+              </a:rPr>
+              <a:t>Indexblock(Leaf or Non-Leaf) for the records with key &gt;= 5384</a:t>
+            </a:r>
+            <a:endParaRPr b="0" lang="en-US" sz="1800" spc="-1" strike="noStrike">
+              <a:latin typeface="Arial"/>
+            </a:endParaRPr>
+          </a:p>
+        </p:txBody>
+      </p:sp>
+      <p:sp>
+        <p:nvSpPr>
+          <p:cNvPr id="370" name="TextShape 10"/>
+          <p:cNvSpPr txBox="1"/>
+          <p:nvPr/>
+        </p:nvSpPr>
+        <p:spPr>
+          <a:xfrm>
+            <a:off x="7488360" y="2057760"/>
+            <a:ext cx="2514600" cy="346320"/>
+          </a:xfrm>
+          <a:prstGeom prst="rect">
+            <a:avLst/>
+          </a:prstGeom>
+          <a:noFill/>
+          <a:ln w="0">
+            <a:noFill/>
+          </a:ln>
+        </p:spPr>
+        <p:txBody>
+          <a:bodyPr lIns="90000" rIns="90000" tIns="45000" bIns="45000">
+            <a:noAutofit/>
+          </a:bodyPr>
+          <a:p>
+            <a:r>
+              <a:rPr b="0" lang="en-US" sz="1800" spc="-1" strike="noStrike">
+                <a:latin typeface="Arial"/>
+              </a:rPr>
+              <a:t>Size = One Block Size</a:t>
+            </a:r>
+            <a:endParaRPr b="0" lang="en-US" sz="1800" spc="-1" strike="noStrike">
+              <a:latin typeface="Arial"/>
+            </a:endParaRPr>
+          </a:p>
+        </p:txBody>
+      </p:sp>
+    </p:spTree>
+  </p:cSld>
+  <mc:AlternateContent>
+    <mc:Choice Requires="p14">
+      <p:transition spd="slow" p14:dur="2000"/>
+    </mc:Choice>
+    <mc:Fallback>
+      <p:transition spd="slow"/>
+    </mc:Fallback>
+  </mc:AlternateContent>
+</p:sld>
+</file>
+
+<file path=ppt/slides/slide21.xml><?xml version="1.0" encoding="utf-8"?>
+<p:sld xmlns:a="http://schemas.openxmlformats.org/drawingml/2006/main" xmlns:p="http://schemas.openxmlformats.org/presentationml/2006/main" xmlns:r="http://schemas.openxmlformats.org/officeDocument/2006/relationships" xmlns:p14="http://schemas.microsoft.com/office/powerpoint/2010/main" xmlns:p15="http://schemas.microsoft.com/office/powerpoint/2012/main" xmlns:mc="http://schemas.openxmlformats.org/markup-compatibility/2006">
+  <p:cSld>
+    <p:spTree>
+      <p:nvGrpSpPr>
+        <p:cNvPr id="1" name=""/>
+        <p:cNvGrpSpPr/>
+        <p:nvPr/>
+      </p:nvGrpSpPr>
+      <p:grpSpPr>
+        <a:xfrm>
+          <a:off x="0" y="0"/>
+          <a:ext cx="0" cy="0"/>
+          <a:chOff x="0" y="0"/>
+          <a:chExt cx="0" cy="0"/>
+        </a:xfrm>
+      </p:grpSpPr>
+      <p:graphicFrame>
+        <p:nvGraphicFramePr>
+          <p:cNvPr id="371" name="Table 1"/>
+          <p:cNvGraphicFramePr/>
+          <p:nvPr/>
+        </p:nvGraphicFramePr>
+        <p:xfrm>
+          <a:off x="2431800" y="1911240"/>
+          <a:ext cx="4883400" cy="719280"/>
+        </p:xfrm>
+        <a:graphic>
+          <a:graphicData uri="http://schemas.openxmlformats.org/drawingml/2006/table">
+            <a:tbl>
+              <a:tblPr/>
+              <a:tblGrid>
+                <a:gridCol w="444240"/>
+                <a:gridCol w="1001160"/>
+                <a:gridCol w="429120"/>
+                <a:gridCol w="992880"/>
+                <a:gridCol w="415800"/>
+                <a:gridCol w="1194120"/>
+                <a:gridCol w="406080"/>
+              </a:tblGrid>
+              <a:tr h="719640">
+                <a:tc>
+                  <a:tcPr marL="90000" marR="90000">
+                    <a:lnL w="720">
+                      <a:solidFill>
+                        <a:srgbClr val="ffffff"/>
+                      </a:solidFill>
+                    </a:lnL>
+                    <a:lnR w="720">
+                      <a:solidFill>
+                        <a:srgbClr val="ffffff"/>
+                      </a:solidFill>
+                    </a:lnR>
+                    <a:lnT w="720">
+                      <a:solidFill>
+                        <a:srgbClr val="ffffff"/>
+                      </a:solidFill>
+                    </a:lnT>
+                    <a:lnB w="720">
+                      <a:solidFill>
+                        <a:srgbClr val="ffffff"/>
+                      </a:solidFill>
+                    </a:lnB>
+                    <a:solidFill>
+                      <a:srgbClr val="b3b3b3"/>
+                    </a:solidFill>
+                  </a:tcPr>
+                </a:tc>
+                <a:tc>
+                  <a:txBody>
+                    <a:bodyPr lIns="90000" rIns="90000" tIns="46800" bIns="46800">
+                      <a:noAutofit/>
+                    </a:bodyPr>
+                    <a:p>
+                      <a:r>
+                        <a:rPr b="0" lang="en-US" sz="1800" spc="-1" strike="noStrike">
+                          <a:latin typeface="Arial"/>
+                        </a:rPr>
+                        <a:t>01</a:t>
+                      </a:r>
+                      <a:endParaRPr b="0" lang="en-US" sz="1800" spc="-1" strike="noStrike">
+                        <a:latin typeface="Arial"/>
+                      </a:endParaRPr>
+                    </a:p>
+                  </a:txBody>
+                  <a:tcPr marL="90000" marR="90000">
+                    <a:lnL w="720">
+                      <a:solidFill>
+                        <a:srgbClr val="ffffff"/>
+                      </a:solidFill>
+                    </a:lnL>
+                    <a:lnR w="720">
+                      <a:solidFill>
+                        <a:srgbClr val="ffffff"/>
+                      </a:solidFill>
+                    </a:lnR>
+                    <a:lnT w="720">
+                      <a:solidFill>
+                        <a:srgbClr val="ffffff"/>
+                      </a:solidFill>
+                    </a:lnT>
+                    <a:lnB w="720">
+                      <a:solidFill>
+                        <a:srgbClr val="ffffff"/>
+                      </a:solidFill>
+                    </a:lnB>
+                    <a:solidFill>
+                      <a:srgbClr val="b3b3b3"/>
+                    </a:solidFill>
+                  </a:tcPr>
+                </a:tc>
+                <a:tc>
+                  <a:tcPr marL="90000" marR="90000">
+                    <a:lnL w="720">
+                      <a:solidFill>
+                        <a:srgbClr val="ffffff"/>
+                      </a:solidFill>
+                    </a:lnL>
+                    <a:lnR w="720">
+                      <a:solidFill>
+                        <a:srgbClr val="ffffff"/>
+                      </a:solidFill>
+                    </a:lnR>
+                    <a:lnT w="720">
+                      <a:solidFill>
+                        <a:srgbClr val="ffffff"/>
+                      </a:solidFill>
+                    </a:lnT>
+                    <a:lnB w="720">
+                      <a:solidFill>
+                        <a:srgbClr val="ffffff"/>
+                      </a:solidFill>
+                    </a:lnB>
+                    <a:solidFill>
+                      <a:srgbClr val="b3b3b3"/>
+                    </a:solidFill>
+                  </a:tcPr>
+                </a:tc>
+                <a:tc>
+                  <a:txBody>
+                    <a:bodyPr lIns="90000" rIns="90000" tIns="46800" bIns="46800">
+                      <a:noAutofit/>
+                    </a:bodyPr>
+                    <a:p>
+                      <a:r>
+                        <a:rPr b="0" lang="en-US" sz="1800" spc="-1" strike="noStrike">
+                          <a:latin typeface="Arial"/>
+                        </a:rPr>
+                        <a:t>03</a:t>
+                      </a:r>
+                      <a:endParaRPr b="0" lang="en-US" sz="1800" spc="-1" strike="noStrike">
+                        <a:latin typeface="Arial"/>
+                      </a:endParaRPr>
+                    </a:p>
+                  </a:txBody>
+                  <a:tcPr marL="90000" marR="90000">
+                    <a:lnL w="720">
+                      <a:solidFill>
+                        <a:srgbClr val="ffffff"/>
+                      </a:solidFill>
+                    </a:lnL>
+                    <a:lnR w="720">
+                      <a:solidFill>
+                        <a:srgbClr val="ffffff"/>
+                      </a:solidFill>
+                    </a:lnR>
+                    <a:lnT w="720">
+                      <a:solidFill>
+                        <a:srgbClr val="ffffff"/>
+                      </a:solidFill>
+                    </a:lnT>
+                    <a:lnB w="720">
+                      <a:solidFill>
+                        <a:srgbClr val="ffffff"/>
+                      </a:solidFill>
+                    </a:lnB>
+                    <a:solidFill>
+                      <a:srgbClr val="b3b3b3"/>
+                    </a:solidFill>
+                  </a:tcPr>
+                </a:tc>
+                <a:tc>
+                  <a:tcPr marL="90000" marR="90000">
+                    <a:lnL w="720">
+                      <a:solidFill>
+                        <a:srgbClr val="ffffff"/>
+                      </a:solidFill>
+                    </a:lnL>
+                    <a:lnR w="720">
+                      <a:solidFill>
+                        <a:srgbClr val="ffffff"/>
+                      </a:solidFill>
+                    </a:lnR>
+                    <a:lnT w="720">
+                      <a:solidFill>
+                        <a:srgbClr val="ffffff"/>
+                      </a:solidFill>
+                    </a:lnT>
+                    <a:lnB w="720">
+                      <a:solidFill>
+                        <a:srgbClr val="ffffff"/>
+                      </a:solidFill>
+                    </a:lnB>
+                    <a:solidFill>
+                      <a:srgbClr val="b3b3b3"/>
+                    </a:solidFill>
+                  </a:tcPr>
+                </a:tc>
+                <a:tc>
+                  <a:txBody>
+                    <a:bodyPr lIns="90000" rIns="90000" tIns="46800" bIns="46800">
+                      <a:noAutofit/>
+                    </a:bodyPr>
+                    <a:p>
+                      <a:r>
+                        <a:rPr b="0" lang="en-US" sz="1800" spc="-1" strike="noStrike">
+                          <a:latin typeface="Arial"/>
+                        </a:rPr>
+                        <a:t>04</a:t>
+                      </a:r>
+                      <a:endParaRPr b="0" lang="en-US" sz="1800" spc="-1" strike="noStrike">
+                        <a:latin typeface="Arial"/>
+                      </a:endParaRPr>
+                    </a:p>
+                  </a:txBody>
+                  <a:tcPr marL="90000" marR="90000">
+                    <a:lnL w="720">
+                      <a:solidFill>
+                        <a:srgbClr val="ffffff"/>
+                      </a:solidFill>
+                    </a:lnL>
+                    <a:lnR w="720">
+                      <a:solidFill>
+                        <a:srgbClr val="ffffff"/>
+                      </a:solidFill>
+                    </a:lnR>
+                    <a:lnT w="720">
+                      <a:solidFill>
+                        <a:srgbClr val="ffffff"/>
+                      </a:solidFill>
+                    </a:lnT>
+                    <a:lnB w="720">
+                      <a:solidFill>
+                        <a:srgbClr val="ffffff"/>
+                      </a:solidFill>
+                    </a:lnB>
+                    <a:solidFill>
+                      <a:srgbClr val="b3b3b3"/>
+                    </a:solidFill>
+                  </a:tcPr>
+                </a:tc>
+                <a:tc>
+                  <a:tcPr marL="90000" marR="90000">
+                    <a:lnL w="720">
+                      <a:solidFill>
+                        <a:srgbClr val="ffffff"/>
+                      </a:solidFill>
+                    </a:lnL>
+                    <a:lnR w="720">
+                      <a:solidFill>
+                        <a:srgbClr val="ffffff"/>
+                      </a:solidFill>
+                    </a:lnR>
+                    <a:lnT w="720">
+                      <a:solidFill>
+                        <a:srgbClr val="ffffff"/>
+                      </a:solidFill>
+                    </a:lnT>
+                    <a:lnB w="720">
+                      <a:solidFill>
+                        <a:srgbClr val="ffffff"/>
+                      </a:solidFill>
+                    </a:lnB>
+                    <a:solidFill>
+                      <a:srgbClr val="b3b3b3"/>
+                    </a:solidFill>
+                  </a:tcPr>
+                </a:tc>
+              </a:tr>
+            </a:tbl>
+          </a:graphicData>
+        </a:graphic>
+      </p:graphicFrame>
+      <p:sp>
+        <p:nvSpPr>
+          <p:cNvPr id="372" name="TextShape 2"/>
+          <p:cNvSpPr txBox="1"/>
+          <p:nvPr/>
+        </p:nvSpPr>
+        <p:spPr>
+          <a:xfrm>
+            <a:off x="144000" y="2057400"/>
+            <a:ext cx="2514600" cy="602280"/>
+          </a:xfrm>
+          <a:prstGeom prst="rect">
+            <a:avLst/>
+          </a:prstGeom>
+          <a:noFill/>
+          <a:ln w="0">
+            <a:noFill/>
+          </a:ln>
+        </p:spPr>
+        <p:txBody>
+          <a:bodyPr lIns="90000" rIns="90000" tIns="45000" bIns="45000">
+            <a:noAutofit/>
+          </a:bodyPr>
+          <a:p>
+            <a:r>
+              <a:rPr b="0" lang="en-US" sz="1800" spc="-1" strike="noStrike">
+                <a:latin typeface="Arial"/>
+              </a:rPr>
+              <a:t>K=3, then 3 records and 4 pointers</a:t>
+            </a:r>
+            <a:endParaRPr b="0" lang="en-US" sz="1800" spc="-1" strike="noStrike">
+              <a:latin typeface="Arial"/>
+            </a:endParaRPr>
+          </a:p>
+        </p:txBody>
+      </p:sp>
+      <p:sp>
+        <p:nvSpPr>
+          <p:cNvPr id="373" name="TextShape 3"/>
+          <p:cNvSpPr txBox="1"/>
+          <p:nvPr/>
+        </p:nvSpPr>
+        <p:spPr>
+          <a:xfrm>
+            <a:off x="3405600" y="976680"/>
+            <a:ext cx="2971800" cy="346320"/>
+          </a:xfrm>
+          <a:prstGeom prst="rect">
+            <a:avLst/>
+          </a:prstGeom>
+          <a:noFill/>
+          <a:ln w="0">
+            <a:noFill/>
+          </a:ln>
+        </p:spPr>
+        <p:txBody>
+          <a:bodyPr lIns="90000" rIns="90000" tIns="45000" bIns="45000">
+            <a:noAutofit/>
+          </a:bodyPr>
+          <a:p>
+            <a:r>
+              <a:rPr b="0" lang="en-US" sz="1800" spc="-1" strike="noStrike">
+                <a:latin typeface="Arial"/>
+              </a:rPr>
+              <a:t>B+ Tree Leaf node</a:t>
+            </a:r>
+            <a:endParaRPr b="0" lang="en-US" sz="1800" spc="-1" strike="noStrike">
+              <a:latin typeface="Arial"/>
+            </a:endParaRPr>
+          </a:p>
+        </p:txBody>
+      </p:sp>
+      <p:sp>
+        <p:nvSpPr>
+          <p:cNvPr id="374" name="Line 4"/>
+          <p:cNvSpPr/>
+          <p:nvPr/>
+        </p:nvSpPr>
+        <p:spPr>
+          <a:xfrm flipH="1">
+            <a:off x="1828800" y="2514600"/>
+            <a:ext cx="829800" cy="1143000"/>
+          </a:xfrm>
+          <a:prstGeom prst="line">
+            <a:avLst/>
+          </a:prstGeom>
+          <a:ln w="0">
+            <a:solidFill>
+              <a:srgbClr val="3465a4"/>
+            </a:solidFill>
+            <a:tailEnd len="med" type="triangle" w="med"/>
+          </a:ln>
+        </p:spPr>
+        <p:style>
+          <a:lnRef idx="0"/>
+          <a:fillRef idx="0"/>
+          <a:effectRef idx="0"/>
+          <a:fontRef idx="minor"/>
+        </p:style>
+      </p:sp>
+      <p:sp>
+        <p:nvSpPr>
+          <p:cNvPr id="375" name="Line 5"/>
+          <p:cNvSpPr/>
+          <p:nvPr/>
+        </p:nvSpPr>
+        <p:spPr>
+          <a:xfrm>
+            <a:off x="4129200" y="2514600"/>
+            <a:ext cx="0" cy="1143000"/>
+          </a:xfrm>
+          <a:prstGeom prst="line">
+            <a:avLst/>
+          </a:prstGeom>
+          <a:ln w="0">
+            <a:solidFill>
+              <a:srgbClr val="3465a4"/>
+            </a:solidFill>
+            <a:tailEnd len="med" type="triangle" w="med"/>
+          </a:ln>
+        </p:spPr>
+        <p:style>
+          <a:lnRef idx="0"/>
+          <a:fillRef idx="0"/>
+          <a:effectRef idx="0"/>
+          <a:fontRef idx="minor"/>
+        </p:style>
+      </p:sp>
+      <p:sp>
+        <p:nvSpPr>
+          <p:cNvPr id="376" name="Line 6"/>
+          <p:cNvSpPr/>
+          <p:nvPr/>
+        </p:nvSpPr>
+        <p:spPr>
+          <a:xfrm>
+            <a:off x="7086600" y="2286000"/>
+            <a:ext cx="1371600" cy="1371600"/>
+          </a:xfrm>
+          <a:prstGeom prst="line">
+            <a:avLst/>
+          </a:prstGeom>
+          <a:ln w="0">
+            <a:solidFill>
+              <a:srgbClr val="3465a4"/>
+            </a:solidFill>
+            <a:tailEnd len="med" type="triangle" w="med"/>
+          </a:ln>
+        </p:spPr>
+        <p:style>
+          <a:lnRef idx="0"/>
+          <a:fillRef idx="0"/>
+          <a:effectRef idx="0"/>
+          <a:fontRef idx="minor"/>
+        </p:style>
+      </p:sp>
+      <p:sp>
+        <p:nvSpPr>
+          <p:cNvPr id="377" name="TextShape 7"/>
+          <p:cNvSpPr txBox="1"/>
+          <p:nvPr/>
+        </p:nvSpPr>
+        <p:spPr>
+          <a:xfrm>
+            <a:off x="842400" y="3742200"/>
+            <a:ext cx="1697400" cy="1114200"/>
+          </a:xfrm>
+          <a:prstGeom prst="rect">
+            <a:avLst/>
+          </a:prstGeom>
+          <a:noFill/>
+          <a:ln w="0">
+            <a:noFill/>
+          </a:ln>
+        </p:spPr>
+        <p:txBody>
+          <a:bodyPr lIns="90000" rIns="90000" tIns="45000" bIns="45000">
+            <a:noAutofit/>
+          </a:bodyPr>
+          <a:p>
+            <a:r>
+              <a:rPr b="0" lang="en-US" sz="1800" spc="-1" strike="noStrike">
+                <a:latin typeface="Arial"/>
+              </a:rPr>
+              <a:t>Points block for the record with key value 01</a:t>
+            </a:r>
+            <a:endParaRPr b="0" lang="en-US" sz="1800" spc="-1" strike="noStrike">
+              <a:latin typeface="Arial"/>
+            </a:endParaRPr>
+          </a:p>
+        </p:txBody>
+      </p:sp>
+      <p:sp>
+        <p:nvSpPr>
+          <p:cNvPr id="378" name="TextShape 8"/>
+          <p:cNvSpPr txBox="1"/>
+          <p:nvPr/>
+        </p:nvSpPr>
+        <p:spPr>
+          <a:xfrm>
+            <a:off x="2822400" y="3742200"/>
+            <a:ext cx="2210400" cy="858240"/>
+          </a:xfrm>
+          <a:prstGeom prst="rect">
+            <a:avLst/>
+          </a:prstGeom>
+          <a:noFill/>
+          <a:ln w="0">
+            <a:noFill/>
+          </a:ln>
+        </p:spPr>
+        <p:txBody>
+          <a:bodyPr lIns="90000" rIns="90000" tIns="45000" bIns="45000">
+            <a:noAutofit/>
+          </a:bodyPr>
+          <a:p>
+            <a:pPr>
+              <a:lnSpc>
+                <a:spcPct val="100000"/>
+              </a:lnSpc>
+            </a:pPr>
+            <a:r>
+              <a:rPr b="0" lang="en-US" sz="1800" spc="-1" strike="noStrike">
+                <a:latin typeface="Arial"/>
+              </a:rPr>
+              <a:t>Points block for the record with key value 03</a:t>
+            </a:r>
+            <a:endParaRPr b="0" lang="en-US" sz="1800" spc="-1" strike="noStrike">
+              <a:latin typeface="Arial"/>
+            </a:endParaRPr>
+          </a:p>
+        </p:txBody>
+      </p:sp>
+      <p:sp>
+        <p:nvSpPr>
+          <p:cNvPr id="379" name="TextShape 9"/>
+          <p:cNvSpPr txBox="1"/>
+          <p:nvPr/>
+        </p:nvSpPr>
+        <p:spPr>
+          <a:xfrm>
+            <a:off x="7772400" y="3706200"/>
+            <a:ext cx="2057400" cy="637200"/>
+          </a:xfrm>
+          <a:prstGeom prst="rect">
+            <a:avLst/>
+          </a:prstGeom>
+          <a:noFill/>
+          <a:ln w="0">
+            <a:noFill/>
+          </a:ln>
+        </p:spPr>
+        <p:txBody>
+          <a:bodyPr lIns="90000" rIns="90000" tIns="45000" bIns="45000">
+            <a:noAutofit/>
+          </a:bodyPr>
+          <a:p>
+            <a:r>
+              <a:rPr b="0" lang="en-US" sz="1800" spc="-1" strike="noStrike">
+                <a:latin typeface="Arial"/>
+              </a:rPr>
+              <a:t>Points to the next Leaf node</a:t>
+            </a:r>
+            <a:endParaRPr b="0" lang="en-US" sz="1800" spc="-1" strike="noStrike">
+              <a:latin typeface="Arial"/>
+            </a:endParaRPr>
+          </a:p>
+        </p:txBody>
+      </p:sp>
+      <p:sp>
+        <p:nvSpPr>
+          <p:cNvPr id="380" name="TextShape 10"/>
+          <p:cNvSpPr txBox="1"/>
+          <p:nvPr/>
+        </p:nvSpPr>
+        <p:spPr>
+          <a:xfrm>
+            <a:off x="7488360" y="2057760"/>
+            <a:ext cx="2514600" cy="346320"/>
+          </a:xfrm>
+          <a:prstGeom prst="rect">
+            <a:avLst/>
+          </a:prstGeom>
+          <a:noFill/>
+          <a:ln w="0">
+            <a:noFill/>
+          </a:ln>
+        </p:spPr>
+        <p:txBody>
+          <a:bodyPr lIns="90000" rIns="90000" tIns="45000" bIns="45000">
+            <a:noAutofit/>
+          </a:bodyPr>
+          <a:p>
+            <a:r>
+              <a:rPr b="0" lang="en-US" sz="1800" spc="-1" strike="noStrike">
+                <a:latin typeface="Arial"/>
+              </a:rPr>
+              <a:t>Size = One Block Size</a:t>
+            </a:r>
+            <a:endParaRPr b="0" lang="en-US" sz="1800" spc="-1" strike="noStrike">
+              <a:latin typeface="Arial"/>
+            </a:endParaRPr>
+          </a:p>
+        </p:txBody>
+      </p:sp>
+      <p:sp>
+        <p:nvSpPr>
+          <p:cNvPr id="381" name="Line 11"/>
+          <p:cNvSpPr/>
+          <p:nvPr/>
+        </p:nvSpPr>
+        <p:spPr>
+          <a:xfrm>
+            <a:off x="5569200" y="2514600"/>
+            <a:ext cx="0" cy="1143000"/>
+          </a:xfrm>
+          <a:prstGeom prst="line">
+            <a:avLst/>
+          </a:prstGeom>
+          <a:ln w="0">
+            <a:solidFill>
+              <a:srgbClr val="3465a4"/>
+            </a:solidFill>
+            <a:tailEnd len="med" type="triangle" w="med"/>
+          </a:ln>
+        </p:spPr>
+        <p:style>
+          <a:lnRef idx="0"/>
+          <a:fillRef idx="0"/>
+          <a:effectRef idx="0"/>
+          <a:fontRef idx="minor"/>
+        </p:style>
+      </p:sp>
+      <p:sp>
+        <p:nvSpPr>
+          <p:cNvPr id="382" name="TextShape 12"/>
+          <p:cNvSpPr txBox="1"/>
+          <p:nvPr/>
+        </p:nvSpPr>
+        <p:spPr>
+          <a:xfrm>
+            <a:off x="5090400" y="3742200"/>
+            <a:ext cx="2210400" cy="858240"/>
+          </a:xfrm>
+          <a:prstGeom prst="rect">
+            <a:avLst/>
+          </a:prstGeom>
+          <a:noFill/>
+          <a:ln w="0">
+            <a:noFill/>
+          </a:ln>
+        </p:spPr>
+        <p:txBody>
+          <a:bodyPr lIns="90000" rIns="90000" tIns="45000" bIns="45000">
+            <a:noAutofit/>
+          </a:bodyPr>
+          <a:p>
+            <a:pPr>
+              <a:lnSpc>
+                <a:spcPct val="100000"/>
+              </a:lnSpc>
+            </a:pPr>
+            <a:r>
+              <a:rPr b="0" lang="en-US" sz="1800" spc="-1" strike="noStrike">
+                <a:latin typeface="Arial"/>
+              </a:rPr>
+              <a:t>Points block for the record with key value 04</a:t>
+            </a:r>
+            <a:endParaRPr b="0" lang="en-US" sz="1800" spc="-1" strike="noStrike">
+              <a:latin typeface="Arial"/>
+            </a:endParaRPr>
+          </a:p>
+        </p:txBody>
       </p:sp>
     </p:spTree>
   </p:cSld>
@@ -14884,7 +16197,7 @@
         <p:spPr>
           <a:xfrm>
             <a:off x="3060000" y="2268000"/>
-            <a:ext cx="1435680" cy="787680"/>
+            <a:ext cx="1435320" cy="787320"/>
           </a:xfrm>
           <a:prstGeom prst="rect">
             <a:avLst/>
@@ -14892,7 +16205,7 @@
           <a:solidFill>
             <a:srgbClr val="729fcf"/>
           </a:solidFill>
-          <a:ln>
+          <a:ln w="0">
             <a:solidFill>
               <a:srgbClr val="3465a4"/>
             </a:solidFill>
@@ -14924,7 +16237,7 @@
               </a:rPr>
               <a:t>STAFF</a:t>
             </a:r>
-            <a:endParaRPr b="0" lang="en-IN" sz="1800" spc="-1" strike="noStrike">
+            <a:endParaRPr b="0" lang="en-US" sz="1800" spc="-1" strike="noStrike">
               <a:latin typeface="Arial"/>
             </a:endParaRPr>
           </a:p>
@@ -14939,7 +16252,7 @@
         <p:spPr>
           <a:xfrm>
             <a:off x="5832000" y="1980000"/>
-            <a:ext cx="1435680" cy="1363680"/>
+            <a:ext cx="1435320" cy="1363320"/>
           </a:xfrm>
           <a:custGeom>
             <a:avLst/>
@@ -14970,7 +16283,7 @@
           <a:solidFill>
             <a:srgbClr val="729fcf"/>
           </a:solidFill>
-          <a:ln>
+          <a:ln w="0">
             <a:solidFill>
               <a:srgbClr val="3465a4"/>
             </a:solidFill>
@@ -15002,7 +16315,7 @@
               </a:rPr>
               <a:t>Report</a:t>
             </a:r>
-            <a:endParaRPr b="0" lang="en-IN" sz="1800" spc="-1" strike="noStrike">
+            <a:endParaRPr b="0" lang="en-US" sz="1800" spc="-1" strike="noStrike">
               <a:latin typeface="Arial"/>
             </a:endParaRPr>
           </a:p>
@@ -15022,7 +16335,7 @@
               </a:rPr>
               <a:t>To</a:t>
             </a:r>
-            <a:endParaRPr b="0" lang="en-IN" sz="1800" spc="-1" strike="noStrike">
+            <a:endParaRPr b="0" lang="en-US" sz="1800" spc="-1" strike="noStrike">
               <a:latin typeface="Arial"/>
             </a:endParaRPr>
           </a:p>
@@ -15042,7 +16355,7 @@
           <a:prstGeom prst="line">
             <a:avLst/>
           </a:prstGeom>
-          <a:ln>
+          <a:ln w="0">
             <a:solidFill>
               <a:srgbClr val="3465a4"/>
             </a:solidFill>
@@ -15069,7 +16382,7 @@
           <a:prstGeom prst="line">
             <a:avLst/>
           </a:prstGeom>
-          <a:ln>
+          <a:ln w="0">
             <a:solidFill>
               <a:srgbClr val="3465a4"/>
             </a:solidFill>
@@ -15091,7 +16404,7 @@
         <p:spPr>
           <a:xfrm>
             <a:off x="2376000" y="1044000"/>
-            <a:ext cx="1147680" cy="679680"/>
+            <a:ext cx="1147320" cy="679320"/>
           </a:xfrm>
           <a:prstGeom prst="ellipse">
             <a:avLst/>
@@ -15099,7 +16412,7 @@
           <a:solidFill>
             <a:srgbClr val="729fcf"/>
           </a:solidFill>
-          <a:ln>
+          <a:ln w="0">
             <a:solidFill>
               <a:srgbClr val="3465a4"/>
             </a:solidFill>
@@ -15131,7 +16444,7 @@
               </a:rPr>
               <a:t>E_CODE</a:t>
             </a:r>
-            <a:endParaRPr b="0" lang="en-IN" sz="1800" spc="-1" strike="noStrike">
+            <a:endParaRPr b="0" lang="en-US" sz="1800" spc="-1" strike="noStrike">
               <a:latin typeface="Arial"/>
             </a:endParaRPr>
           </a:p>
@@ -15146,7 +16459,7 @@
         <p:spPr>
           <a:xfrm>
             <a:off x="3780360" y="1044360"/>
-            <a:ext cx="1147680" cy="679680"/>
+            <a:ext cx="1147320" cy="679320"/>
           </a:xfrm>
           <a:prstGeom prst="ellipse">
             <a:avLst/>
@@ -15154,7 +16467,7 @@
           <a:solidFill>
             <a:srgbClr val="729fcf"/>
           </a:solidFill>
-          <a:ln>
+          <a:ln w="0">
             <a:solidFill>
               <a:srgbClr val="3465a4"/>
             </a:solidFill>
@@ -15186,7 +16499,7 @@
               </a:rPr>
               <a:t>NAME</a:t>
             </a:r>
-            <a:endParaRPr b="0" lang="en-IN" sz="1800" spc="-1" strike="noStrike">
+            <a:endParaRPr b="0" lang="en-US" sz="1800" spc="-1" strike="noStrike">
               <a:latin typeface="Arial"/>
             </a:endParaRPr>
           </a:p>
@@ -15201,7 +16514,7 @@
         <p:spPr>
           <a:xfrm>
             <a:off x="2376360" y="1044360"/>
-            <a:ext cx="1147680" cy="679680"/>
+            <a:ext cx="1147320" cy="679320"/>
           </a:xfrm>
           <a:prstGeom prst="ellipse">
             <a:avLst/>
@@ -15209,7 +16522,7 @@
           <a:solidFill>
             <a:srgbClr val="729fcf"/>
           </a:solidFill>
-          <a:ln>
+          <a:ln w="0">
             <a:solidFill>
               <a:srgbClr val="3465a4"/>
             </a:solidFill>
@@ -15241,7 +16554,7 @@
               </a:rPr>
               <a:t>E_CODE</a:t>
             </a:r>
-            <a:endParaRPr b="0" lang="en-IN" sz="1800" spc="-1" strike="noStrike">
+            <a:endParaRPr b="0" lang="en-US" sz="1800" spc="-1" strike="noStrike">
               <a:latin typeface="Arial"/>
             </a:endParaRPr>
           </a:p>
@@ -15256,7 +16569,7 @@
         <p:spPr>
           <a:xfrm>
             <a:off x="1512720" y="2160720"/>
-            <a:ext cx="1147680" cy="679680"/>
+            <a:ext cx="1147320" cy="679320"/>
           </a:xfrm>
           <a:prstGeom prst="ellipse">
             <a:avLst/>
@@ -15264,7 +16577,7 @@
           <a:solidFill>
             <a:srgbClr val="729fcf"/>
           </a:solidFill>
-          <a:ln>
+          <a:ln w="0">
             <a:solidFill>
               <a:srgbClr val="3465a4"/>
             </a:solidFill>
@@ -15296,7 +16609,7 @@
               </a:rPr>
               <a:t>DEPT</a:t>
             </a:r>
-            <a:endParaRPr b="0" lang="en-IN" sz="1800" spc="-1" strike="noStrike">
+            <a:endParaRPr b="0" lang="en-US" sz="1800" spc="-1" strike="noStrike">
               <a:latin typeface="Arial"/>
             </a:endParaRPr>
           </a:p>
@@ -15316,7 +16629,7 @@
           <a:prstGeom prst="line">
             <a:avLst/>
           </a:prstGeom>
-          <a:ln>
+          <a:ln w="0">
             <a:solidFill>
               <a:srgbClr val="3465a4"/>
             </a:solidFill>
@@ -15343,7 +16656,7 @@
           <a:prstGeom prst="line">
             <a:avLst/>
           </a:prstGeom>
-          <a:ln>
+          <a:ln w="0">
             <a:solidFill>
               <a:srgbClr val="3465a4"/>
             </a:solidFill>
@@ -15370,7 +16683,7 @@
           <a:prstGeom prst="line">
             <a:avLst/>
           </a:prstGeom>
-          <a:ln>
+          <a:ln w="0">
             <a:solidFill>
               <a:srgbClr val="3465a4"/>
             </a:solidFill>
@@ -15392,13 +16705,13 @@
         <p:spPr>
           <a:xfrm>
             <a:off x="4500000" y="2376000"/>
-            <a:ext cx="1399680" cy="597960"/>
+            <a:ext cx="1399320" cy="597600"/>
           </a:xfrm>
           <a:prstGeom prst="rect">
             <a:avLst/>
           </a:prstGeom>
           <a:noFill/>
-          <a:ln>
+          <a:ln w="0">
             <a:noFill/>
           </a:ln>
         </p:spPr>
@@ -15428,7 +16741,7 @@
               </a:rPr>
               <a:t>MANAGER</a:t>
             </a:r>
-            <a:endParaRPr b="0" lang="en-IN" sz="1800" spc="-1" strike="noStrike">
+            <a:endParaRPr b="0" lang="en-US" sz="1800" spc="-1" strike="noStrike">
               <a:latin typeface="Arial"/>
             </a:endParaRPr>
           </a:p>
@@ -15443,13 +16756,13 @@
         <p:spPr>
           <a:xfrm>
             <a:off x="4320000" y="3204360"/>
-            <a:ext cx="1399680" cy="597960"/>
+            <a:ext cx="1399320" cy="597600"/>
           </a:xfrm>
           <a:prstGeom prst="rect">
             <a:avLst/>
           </a:prstGeom>
           <a:noFill/>
-          <a:ln>
+          <a:ln w="0">
             <a:noFill/>
           </a:ln>
         </p:spPr>
@@ -15479,7 +16792,7 @@
               </a:rPr>
               <a:t>WORKER</a:t>
             </a:r>
-            <a:endParaRPr b="0" lang="en-IN" sz="1800" spc="-1" strike="noStrike">
+            <a:endParaRPr b="0" lang="en-US" sz="1800" spc="-1" strike="noStrike">
               <a:latin typeface="Arial"/>
             </a:endParaRPr>
           </a:p>
@@ -15524,7 +16837,7 @@
         <p:spPr>
           <a:xfrm>
             <a:off x="504000" y="576000"/>
-            <a:ext cx="428040" cy="1652040"/>
+            <a:ext cx="427680" cy="1651680"/>
           </a:xfrm>
           <a:prstGeom prst="ellipse">
             <a:avLst/>
@@ -15532,7 +16845,7 @@
           <a:solidFill>
             <a:srgbClr val="729fcf"/>
           </a:solidFill>
-          <a:ln>
+          <a:ln w="0">
             <a:solidFill>
               <a:srgbClr val="3465a4"/>
             </a:solidFill>
@@ -15554,7 +16867,7 @@
         <p:spPr>
           <a:xfrm>
             <a:off x="1440360" y="576360"/>
-            <a:ext cx="428040" cy="1652040"/>
+            <a:ext cx="427680" cy="1651680"/>
           </a:xfrm>
           <a:prstGeom prst="ellipse">
             <a:avLst/>
@@ -15562,7 +16875,7 @@
           <a:solidFill>
             <a:srgbClr val="729fcf"/>
           </a:solidFill>
-          <a:ln>
+          <a:ln w="0">
             <a:solidFill>
               <a:srgbClr val="3465a4"/>
             </a:solidFill>
@@ -15584,7 +16897,7 @@
         <p:spPr>
           <a:xfrm>
             <a:off x="3204720" y="612720"/>
-            <a:ext cx="428040" cy="1652040"/>
+            <a:ext cx="427680" cy="1651680"/>
           </a:xfrm>
           <a:prstGeom prst="ellipse">
             <a:avLst/>
@@ -15592,7 +16905,7 @@
           <a:solidFill>
             <a:srgbClr val="729fcf"/>
           </a:solidFill>
-          <a:ln>
+          <a:ln w="0">
             <a:solidFill>
               <a:srgbClr val="3465a4"/>
             </a:solidFill>
@@ -15614,7 +16927,7 @@
         <p:spPr>
           <a:xfrm>
             <a:off x="4068720" y="576720"/>
-            <a:ext cx="428040" cy="1652040"/>
+            <a:ext cx="427680" cy="1651680"/>
           </a:xfrm>
           <a:prstGeom prst="ellipse">
             <a:avLst/>
@@ -15622,7 +16935,7 @@
           <a:solidFill>
             <a:srgbClr val="729fcf"/>
           </a:solidFill>
-          <a:ln>
+          <a:ln w="0">
             <a:solidFill>
               <a:srgbClr val="3465a4"/>
             </a:solidFill>
@@ -15644,7 +16957,7 @@
         <p:spPr>
           <a:xfrm>
             <a:off x="504720" y="3204720"/>
-            <a:ext cx="428040" cy="1652040"/>
+            <a:ext cx="427680" cy="1651680"/>
           </a:xfrm>
           <a:prstGeom prst="ellipse">
             <a:avLst/>
@@ -15652,7 +16965,7 @@
           <a:solidFill>
             <a:srgbClr val="729fcf"/>
           </a:solidFill>
-          <a:ln>
+          <a:ln w="0">
             <a:solidFill>
               <a:srgbClr val="3465a4"/>
             </a:solidFill>
@@ -15674,7 +16987,7 @@
         <p:spPr>
           <a:xfrm>
             <a:off x="1440720" y="3168720"/>
-            <a:ext cx="428040" cy="1652040"/>
+            <a:ext cx="427680" cy="1651680"/>
           </a:xfrm>
           <a:prstGeom prst="ellipse">
             <a:avLst/>
@@ -15682,7 +16995,7 @@
           <a:solidFill>
             <a:srgbClr val="729fcf"/>
           </a:solidFill>
-          <a:ln>
+          <a:ln w="0">
             <a:solidFill>
               <a:srgbClr val="3465a4"/>
             </a:solidFill>
@@ -15704,7 +17017,7 @@
         <p:spPr>
           <a:xfrm>
             <a:off x="3240720" y="3168720"/>
-            <a:ext cx="428040" cy="1652040"/>
+            <a:ext cx="427680" cy="1651680"/>
           </a:xfrm>
           <a:prstGeom prst="ellipse">
             <a:avLst/>
@@ -15712,7 +17025,7 @@
           <a:solidFill>
             <a:srgbClr val="729fcf"/>
           </a:solidFill>
-          <a:ln>
+          <a:ln w="0">
             <a:solidFill>
               <a:srgbClr val="3465a4"/>
             </a:solidFill>
@@ -15734,7 +17047,7 @@
         <p:spPr>
           <a:xfrm>
             <a:off x="4068720" y="3168720"/>
-            <a:ext cx="428040" cy="1652040"/>
+            <a:ext cx="427680" cy="1651680"/>
           </a:xfrm>
           <a:prstGeom prst="ellipse">
             <a:avLst/>
@@ -15742,7 +17055,7 @@
           <a:solidFill>
             <a:srgbClr val="729fcf"/>
           </a:solidFill>
-          <a:ln>
+          <a:ln w="0">
             <a:solidFill>
               <a:srgbClr val="3465a4"/>
             </a:solidFill>
@@ -15764,13 +17077,13 @@
         <p:spPr>
           <a:xfrm>
             <a:off x="540000" y="936000"/>
-            <a:ext cx="500040" cy="342360"/>
+            <a:ext cx="499680" cy="342000"/>
           </a:xfrm>
           <a:prstGeom prst="rect">
             <a:avLst/>
           </a:prstGeom>
           <a:noFill/>
-          <a:ln>
+          <a:ln w="0">
             <a:noFill/>
           </a:ln>
         </p:spPr>
@@ -15800,7 +17113,7 @@
               </a:rPr>
               <a:t>X</a:t>
             </a:r>
-            <a:endParaRPr b="0" lang="en-IN" sz="1800" spc="-1" strike="noStrike">
+            <a:endParaRPr b="0" lang="en-US" sz="1800" spc="-1" strike="noStrike">
               <a:latin typeface="Arial"/>
             </a:endParaRPr>
           </a:p>
@@ -15815,13 +17128,13 @@
         <p:spPr>
           <a:xfrm>
             <a:off x="540000" y="1512000"/>
-            <a:ext cx="500040" cy="342360"/>
+            <a:ext cx="499680" cy="342000"/>
           </a:xfrm>
           <a:prstGeom prst="rect">
             <a:avLst/>
           </a:prstGeom>
           <a:noFill/>
-          <a:ln>
+          <a:ln w="0">
             <a:noFill/>
           </a:ln>
         </p:spPr>
@@ -15851,7 +17164,7 @@
               </a:rPr>
               <a:t>X</a:t>
             </a:r>
-            <a:endParaRPr b="0" lang="en-IN" sz="1800" spc="-1" strike="noStrike">
+            <a:endParaRPr b="0" lang="en-US" sz="1800" spc="-1" strike="noStrike">
               <a:latin typeface="Arial"/>
             </a:endParaRPr>
           </a:p>
@@ -15866,13 +17179,13 @@
         <p:spPr>
           <a:xfrm>
             <a:off x="1512000" y="1512000"/>
-            <a:ext cx="500040" cy="342360"/>
+            <a:ext cx="499680" cy="342000"/>
           </a:xfrm>
           <a:prstGeom prst="rect">
             <a:avLst/>
           </a:prstGeom>
           <a:noFill/>
-          <a:ln>
+          <a:ln w="0">
             <a:noFill/>
           </a:ln>
         </p:spPr>
@@ -15902,7 +17215,7 @@
               </a:rPr>
               <a:t>X</a:t>
             </a:r>
-            <a:endParaRPr b="0" lang="en-IN" sz="1800" spc="-1" strike="noStrike">
+            <a:endParaRPr b="0" lang="en-US" sz="1800" spc="-1" strike="noStrike">
               <a:latin typeface="Arial"/>
             </a:endParaRPr>
           </a:p>
@@ -15917,13 +17230,13 @@
         <p:spPr>
           <a:xfrm>
             <a:off x="1512000" y="900000"/>
-            <a:ext cx="500040" cy="342360"/>
+            <a:ext cx="499680" cy="342000"/>
           </a:xfrm>
           <a:prstGeom prst="rect">
             <a:avLst/>
           </a:prstGeom>
           <a:noFill/>
-          <a:ln>
+          <a:ln w="0">
             <a:noFill/>
           </a:ln>
         </p:spPr>
@@ -15953,7 +17266,7 @@
               </a:rPr>
               <a:t>X</a:t>
             </a:r>
-            <a:endParaRPr b="0" lang="en-IN" sz="1800" spc="-1" strike="noStrike">
+            <a:endParaRPr b="0" lang="en-US" sz="1800" spc="-1" strike="noStrike">
               <a:latin typeface="Arial"/>
             </a:endParaRPr>
           </a:p>
@@ -15968,13 +17281,13 @@
         <p:spPr>
           <a:xfrm>
             <a:off x="540000" y="1260000"/>
-            <a:ext cx="500040" cy="342360"/>
+            <a:ext cx="499680" cy="342000"/>
           </a:xfrm>
           <a:prstGeom prst="rect">
             <a:avLst/>
           </a:prstGeom>
           <a:noFill/>
-          <a:ln>
+          <a:ln w="0">
             <a:noFill/>
           </a:ln>
         </p:spPr>
@@ -16004,7 +17317,7 @@
               </a:rPr>
               <a:t>X</a:t>
             </a:r>
-            <a:endParaRPr b="0" lang="en-IN" sz="1800" spc="-1" strike="noStrike">
+            <a:endParaRPr b="0" lang="en-US" sz="1800" spc="-1" strike="noStrike">
               <a:latin typeface="Arial"/>
             </a:endParaRPr>
           </a:p>
@@ -16019,13 +17332,13 @@
         <p:spPr>
           <a:xfrm>
             <a:off x="1512000" y="1224000"/>
-            <a:ext cx="500040" cy="342360"/>
+            <a:ext cx="499680" cy="342000"/>
           </a:xfrm>
           <a:prstGeom prst="rect">
             <a:avLst/>
           </a:prstGeom>
           <a:noFill/>
-          <a:ln>
+          <a:ln w="0">
             <a:noFill/>
           </a:ln>
         </p:spPr>
@@ -16055,7 +17368,7 @@
               </a:rPr>
               <a:t>X</a:t>
             </a:r>
-            <a:endParaRPr b="0" lang="en-IN" sz="1800" spc="-1" strike="noStrike">
+            <a:endParaRPr b="0" lang="en-US" sz="1800" spc="-1" strike="noStrike">
               <a:latin typeface="Arial"/>
             </a:endParaRPr>
           </a:p>
@@ -16070,13 +17383,13 @@
         <p:spPr>
           <a:xfrm>
             <a:off x="3240000" y="900000"/>
-            <a:ext cx="500040" cy="342360"/>
+            <a:ext cx="499680" cy="342000"/>
           </a:xfrm>
           <a:prstGeom prst="rect">
             <a:avLst/>
           </a:prstGeom>
           <a:noFill/>
-          <a:ln>
+          <a:ln w="0">
             <a:noFill/>
           </a:ln>
         </p:spPr>
@@ -16106,7 +17419,7 @@
               </a:rPr>
               <a:t>X</a:t>
             </a:r>
-            <a:endParaRPr b="0" lang="en-IN" sz="1800" spc="-1" strike="noStrike">
+            <a:endParaRPr b="0" lang="en-US" sz="1800" spc="-1" strike="noStrike">
               <a:latin typeface="Arial"/>
             </a:endParaRPr>
           </a:p>
@@ -16121,13 +17434,13 @@
         <p:spPr>
           <a:xfrm>
             <a:off x="4104000" y="900000"/>
-            <a:ext cx="500040" cy="342360"/>
+            <a:ext cx="499680" cy="342000"/>
           </a:xfrm>
           <a:prstGeom prst="rect">
             <a:avLst/>
           </a:prstGeom>
           <a:noFill/>
-          <a:ln>
+          <a:ln w="0">
             <a:noFill/>
           </a:ln>
         </p:spPr>
@@ -16157,7 +17470,7 @@
               </a:rPr>
               <a:t>X</a:t>
             </a:r>
-            <a:endParaRPr b="0" lang="en-IN" sz="1800" spc="-1" strike="noStrike">
+            <a:endParaRPr b="0" lang="en-US" sz="1800" spc="-1" strike="noStrike">
               <a:latin typeface="Arial"/>
             </a:endParaRPr>
           </a:p>
@@ -16172,13 +17485,13 @@
         <p:spPr>
           <a:xfrm>
             <a:off x="4104000" y="1224000"/>
-            <a:ext cx="500040" cy="342360"/>
+            <a:ext cx="499680" cy="342000"/>
           </a:xfrm>
           <a:prstGeom prst="rect">
             <a:avLst/>
           </a:prstGeom>
           <a:noFill/>
-          <a:ln>
+          <a:ln w="0">
             <a:noFill/>
           </a:ln>
         </p:spPr>
@@ -16208,7 +17521,7 @@
               </a:rPr>
               <a:t>X</a:t>
             </a:r>
-            <a:endParaRPr b="0" lang="en-IN" sz="1800" spc="-1" strike="noStrike">
+            <a:endParaRPr b="0" lang="en-US" sz="1800" spc="-1" strike="noStrike">
               <a:latin typeface="Arial"/>
             </a:endParaRPr>
           </a:p>
@@ -16223,13 +17536,13 @@
         <p:spPr>
           <a:xfrm>
             <a:off x="4104000" y="1620000"/>
-            <a:ext cx="500040" cy="342360"/>
+            <a:ext cx="499680" cy="342000"/>
           </a:xfrm>
           <a:prstGeom prst="rect">
             <a:avLst/>
           </a:prstGeom>
           <a:noFill/>
-          <a:ln>
+          <a:ln w="0">
             <a:noFill/>
           </a:ln>
         </p:spPr>
@@ -16259,7 +17572,7 @@
               </a:rPr>
               <a:t>X</a:t>
             </a:r>
-            <a:endParaRPr b="0" lang="en-IN" sz="1800" spc="-1" strike="noStrike">
+            <a:endParaRPr b="0" lang="en-US" sz="1800" spc="-1" strike="noStrike">
               <a:latin typeface="Arial"/>
             </a:endParaRPr>
           </a:p>
@@ -16274,13 +17587,13 @@
         <p:spPr>
           <a:xfrm>
             <a:off x="576000" y="3492000"/>
-            <a:ext cx="500040" cy="342360"/>
+            <a:ext cx="499680" cy="342000"/>
           </a:xfrm>
           <a:prstGeom prst="rect">
             <a:avLst/>
           </a:prstGeom>
           <a:noFill/>
-          <a:ln>
+          <a:ln w="0">
             <a:noFill/>
           </a:ln>
         </p:spPr>
@@ -16310,7 +17623,7 @@
               </a:rPr>
               <a:t>X</a:t>
             </a:r>
-            <a:endParaRPr b="0" lang="en-IN" sz="1800" spc="-1" strike="noStrike">
+            <a:endParaRPr b="0" lang="en-US" sz="1800" spc="-1" strike="noStrike">
               <a:latin typeface="Arial"/>
             </a:endParaRPr>
           </a:p>
@@ -16325,13 +17638,13 @@
         <p:spPr>
           <a:xfrm>
             <a:off x="576000" y="3852000"/>
-            <a:ext cx="500040" cy="342360"/>
+            <a:ext cx="499680" cy="342000"/>
           </a:xfrm>
           <a:prstGeom prst="rect">
             <a:avLst/>
           </a:prstGeom>
           <a:noFill/>
-          <a:ln>
+          <a:ln w="0">
             <a:noFill/>
           </a:ln>
         </p:spPr>
@@ -16361,7 +17674,7 @@
               </a:rPr>
               <a:t>X</a:t>
             </a:r>
-            <a:endParaRPr b="0" lang="en-IN" sz="1800" spc="-1" strike="noStrike">
+            <a:endParaRPr b="0" lang="en-US" sz="1800" spc="-1" strike="noStrike">
               <a:latin typeface="Arial"/>
             </a:endParaRPr>
           </a:p>
@@ -16376,13 +17689,13 @@
         <p:spPr>
           <a:xfrm>
             <a:off x="576000" y="4176000"/>
-            <a:ext cx="500040" cy="342360"/>
+            <a:ext cx="499680" cy="342000"/>
           </a:xfrm>
           <a:prstGeom prst="rect">
             <a:avLst/>
           </a:prstGeom>
           <a:noFill/>
-          <a:ln>
+          <a:ln w="0">
             <a:noFill/>
           </a:ln>
         </p:spPr>
@@ -16412,7 +17725,7 @@
               </a:rPr>
               <a:t>X</a:t>
             </a:r>
-            <a:endParaRPr b="0" lang="en-IN" sz="1800" spc="-1" strike="noStrike">
+            <a:endParaRPr b="0" lang="en-US" sz="1800" spc="-1" strike="noStrike">
               <a:latin typeface="Arial"/>
             </a:endParaRPr>
           </a:p>
@@ -16427,13 +17740,13 @@
         <p:spPr>
           <a:xfrm>
             <a:off x="1476000" y="3492000"/>
-            <a:ext cx="500040" cy="342360"/>
+            <a:ext cx="499680" cy="342000"/>
           </a:xfrm>
           <a:prstGeom prst="rect">
             <a:avLst/>
           </a:prstGeom>
           <a:noFill/>
-          <a:ln>
+          <a:ln w="0">
             <a:noFill/>
           </a:ln>
         </p:spPr>
@@ -16463,7 +17776,7 @@
               </a:rPr>
               <a:t>X</a:t>
             </a:r>
-            <a:endParaRPr b="0" lang="en-IN" sz="1800" spc="-1" strike="noStrike">
+            <a:endParaRPr b="0" lang="en-US" sz="1800" spc="-1" strike="noStrike">
               <a:latin typeface="Arial"/>
             </a:endParaRPr>
           </a:p>
@@ -16478,13 +17791,13 @@
         <p:spPr>
           <a:xfrm>
             <a:off x="3240000" y="3492000"/>
-            <a:ext cx="500040" cy="342360"/>
+            <a:ext cx="499680" cy="342000"/>
           </a:xfrm>
           <a:prstGeom prst="rect">
             <a:avLst/>
           </a:prstGeom>
           <a:noFill/>
-          <a:ln>
+          <a:ln w="0">
             <a:noFill/>
           </a:ln>
         </p:spPr>
@@ -16514,7 +17827,7 @@
               </a:rPr>
               <a:t>X</a:t>
             </a:r>
-            <a:endParaRPr b="0" lang="en-IN" sz="1800" spc="-1" strike="noStrike">
+            <a:endParaRPr b="0" lang="en-US" sz="1800" spc="-1" strike="noStrike">
               <a:latin typeface="Arial"/>
             </a:endParaRPr>
           </a:p>
@@ -16529,13 +17842,13 @@
         <p:spPr>
           <a:xfrm>
             <a:off x="3276000" y="3960000"/>
-            <a:ext cx="500040" cy="342360"/>
+            <a:ext cx="499680" cy="342000"/>
           </a:xfrm>
           <a:prstGeom prst="rect">
             <a:avLst/>
           </a:prstGeom>
           <a:noFill/>
-          <a:ln>
+          <a:ln w="0">
             <a:noFill/>
           </a:ln>
         </p:spPr>
@@ -16565,7 +17878,7 @@
               </a:rPr>
               <a:t>X</a:t>
             </a:r>
-            <a:endParaRPr b="0" lang="en-IN" sz="1800" spc="-1" strike="noStrike">
+            <a:endParaRPr b="0" lang="en-US" sz="1800" spc="-1" strike="noStrike">
               <a:latin typeface="Arial"/>
             </a:endParaRPr>
           </a:p>
@@ -16580,13 +17893,13 @@
         <p:spPr>
           <a:xfrm>
             <a:off x="4140000" y="3492000"/>
-            <a:ext cx="500040" cy="342360"/>
+            <a:ext cx="499680" cy="342000"/>
           </a:xfrm>
           <a:prstGeom prst="rect">
             <a:avLst/>
           </a:prstGeom>
           <a:noFill/>
-          <a:ln>
+          <a:ln w="0">
             <a:noFill/>
           </a:ln>
         </p:spPr>
@@ -16616,7 +17929,7 @@
               </a:rPr>
               <a:t>X</a:t>
             </a:r>
-            <a:endParaRPr b="0" lang="en-IN" sz="1800" spc="-1" strike="noStrike">
+            <a:endParaRPr b="0" lang="en-US" sz="1800" spc="-1" strike="noStrike">
               <a:latin typeface="Arial"/>
             </a:endParaRPr>
           </a:p>
@@ -16631,13 +17944,13 @@
         <p:spPr>
           <a:xfrm>
             <a:off x="4140000" y="3924000"/>
-            <a:ext cx="500040" cy="342360"/>
+            <a:ext cx="499680" cy="342000"/>
           </a:xfrm>
           <a:prstGeom prst="rect">
             <a:avLst/>
           </a:prstGeom>
           <a:noFill/>
-          <a:ln>
+          <a:ln w="0">
             <a:noFill/>
           </a:ln>
         </p:spPr>
@@ -16667,7 +17980,7 @@
               </a:rPr>
               <a:t>X</a:t>
             </a:r>
-            <a:endParaRPr b="0" lang="en-IN" sz="1800" spc="-1" strike="noStrike">
+            <a:endParaRPr b="0" lang="en-US" sz="1800" spc="-1" strike="noStrike">
               <a:latin typeface="Arial"/>
             </a:endParaRPr>
           </a:p>
@@ -16687,7 +18000,7 @@
           <a:prstGeom prst="line">
             <a:avLst/>
           </a:prstGeom>
-          <a:ln>
+          <a:ln w="0">
             <a:solidFill>
               <a:srgbClr val="3465a4"/>
             </a:solidFill>
@@ -16714,7 +18027,7 @@
           <a:prstGeom prst="line">
             <a:avLst/>
           </a:prstGeom>
-          <a:ln>
+          <a:ln w="0">
             <a:solidFill>
               <a:srgbClr val="3465a4"/>
             </a:solidFill>
@@ -16741,7 +18054,7 @@
           <a:prstGeom prst="line">
             <a:avLst/>
           </a:prstGeom>
-          <a:ln>
+          <a:ln w="0">
             <a:solidFill>
               <a:srgbClr val="3465a4"/>
             </a:solidFill>
@@ -16768,7 +18081,7 @@
           <a:prstGeom prst="line">
             <a:avLst/>
           </a:prstGeom>
-          <a:ln>
+          <a:ln w="0">
             <a:solidFill>
               <a:srgbClr val="3465a4"/>
             </a:solidFill>
@@ -16795,7 +18108,7 @@
           <a:prstGeom prst="line">
             <a:avLst/>
           </a:prstGeom>
-          <a:ln>
+          <a:ln w="0">
             <a:solidFill>
               <a:srgbClr val="3465a4"/>
             </a:solidFill>
@@ -16822,7 +18135,7 @@
           <a:prstGeom prst="line">
             <a:avLst/>
           </a:prstGeom>
-          <a:ln>
+          <a:ln w="0">
             <a:solidFill>
               <a:srgbClr val="3465a4"/>
             </a:solidFill>
@@ -16849,7 +18162,7 @@
           <a:prstGeom prst="line">
             <a:avLst/>
           </a:prstGeom>
-          <a:ln>
+          <a:ln w="0">
             <a:solidFill>
               <a:srgbClr val="3465a4"/>
             </a:solidFill>
@@ -16876,7 +18189,7 @@
           <a:prstGeom prst="line">
             <a:avLst/>
           </a:prstGeom>
-          <a:ln>
+          <a:ln w="0">
             <a:solidFill>
               <a:srgbClr val="3465a4"/>
             </a:solidFill>
@@ -16903,7 +18216,7 @@
           <a:prstGeom prst="line">
             <a:avLst/>
           </a:prstGeom>
-          <a:ln>
+          <a:ln w="0">
             <a:solidFill>
               <a:srgbClr val="3465a4"/>
             </a:solidFill>
@@ -16930,7 +18243,7 @@
           <a:prstGeom prst="line">
             <a:avLst/>
           </a:prstGeom>
-          <a:ln>
+          <a:ln w="0">
             <a:solidFill>
               <a:srgbClr val="3465a4"/>
             </a:solidFill>
@@ -16957,7 +18270,7 @@
           <a:prstGeom prst="line">
             <a:avLst/>
           </a:prstGeom>
-          <a:ln>
+          <a:ln w="0">
             <a:solidFill>
               <a:srgbClr val="3465a4"/>
             </a:solidFill>
@@ -16979,13 +18292,13 @@
         <p:spPr>
           <a:xfrm>
             <a:off x="540000" y="2412000"/>
-            <a:ext cx="1292040" cy="342360"/>
+            <a:ext cx="1291680" cy="342000"/>
           </a:xfrm>
           <a:prstGeom prst="rect">
             <a:avLst/>
           </a:prstGeom>
           <a:noFill/>
-          <a:ln>
+          <a:ln w="0">
             <a:noFill/>
           </a:ln>
         </p:spPr>
@@ -17015,7 +18328,7 @@
               </a:rPr>
               <a:t>ONE-ONE</a:t>
             </a:r>
-            <a:endParaRPr b="0" lang="en-IN" sz="1800" spc="-1" strike="noStrike">
+            <a:endParaRPr b="0" lang="en-US" sz="1800" spc="-1" strike="noStrike">
               <a:latin typeface="Arial"/>
             </a:endParaRPr>
           </a:p>
@@ -17030,13 +18343,13 @@
         <p:spPr>
           <a:xfrm>
             <a:off x="3168000" y="2412000"/>
-            <a:ext cx="1436040" cy="392040"/>
+            <a:ext cx="1435680" cy="391680"/>
           </a:xfrm>
           <a:prstGeom prst="rect">
             <a:avLst/>
           </a:prstGeom>
           <a:noFill/>
-          <a:ln>
+          <a:ln w="0">
             <a:noFill/>
           </a:ln>
         </p:spPr>
@@ -17066,7 +18379,7 @@
               </a:rPr>
               <a:t>ONE-MANY</a:t>
             </a:r>
-            <a:endParaRPr b="0" lang="en-IN" sz="1800" spc="-1" strike="noStrike">
+            <a:endParaRPr b="0" lang="en-US" sz="1800" spc="-1" strike="noStrike">
               <a:latin typeface="Arial"/>
             </a:endParaRPr>
           </a:p>
@@ -17081,13 +18394,13 @@
         <p:spPr>
           <a:xfrm>
             <a:off x="3168000" y="4968000"/>
-            <a:ext cx="1580040" cy="356040"/>
+            <a:ext cx="1579680" cy="355680"/>
           </a:xfrm>
           <a:prstGeom prst="rect">
             <a:avLst/>
           </a:prstGeom>
           <a:noFill/>
-          <a:ln>
+          <a:ln w="0">
             <a:noFill/>
           </a:ln>
         </p:spPr>
@@ -17117,7 +18430,7 @@
               </a:rPr>
               <a:t>MANY-MANY</a:t>
             </a:r>
-            <a:endParaRPr b="0" lang="en-IN" sz="1800" spc="-1" strike="noStrike">
+            <a:endParaRPr b="0" lang="en-US" sz="1800" spc="-1" strike="noStrike">
               <a:latin typeface="Arial"/>
             </a:endParaRPr>
           </a:p>
@@ -17132,13 +18445,13 @@
         <p:spPr>
           <a:xfrm>
             <a:off x="504000" y="4968000"/>
-            <a:ext cx="1436040" cy="356040"/>
+            <a:ext cx="1435680" cy="355680"/>
           </a:xfrm>
           <a:prstGeom prst="rect">
             <a:avLst/>
           </a:prstGeom>
           <a:noFill/>
-          <a:ln>
+          <a:ln w="0">
             <a:noFill/>
           </a:ln>
         </p:spPr>
@@ -17168,7 +18481,7 @@
               </a:rPr>
               <a:t>MANY-ONE</a:t>
             </a:r>
-            <a:endParaRPr b="0" lang="en-IN" sz="1800" spc="-1" strike="noStrike">
+            <a:endParaRPr b="0" lang="en-US" sz="1800" spc="-1" strike="noStrike">
               <a:latin typeface="Arial"/>
             </a:endParaRPr>
           </a:p>
@@ -17213,7 +18526,7 @@
         <p:spPr>
           <a:xfrm>
             <a:off x="1872000" y="1008000"/>
-            <a:ext cx="2084400" cy="788400"/>
+            <a:ext cx="2084040" cy="788040"/>
           </a:xfrm>
           <a:prstGeom prst="rect">
             <a:avLst/>
@@ -17221,7 +18534,7 @@
           <a:solidFill>
             <a:srgbClr val="729fcf"/>
           </a:solidFill>
-          <a:ln>
+          <a:ln w="0">
             <a:solidFill>
               <a:srgbClr val="3465a4"/>
             </a:solidFill>
@@ -17243,7 +18556,7 @@
         <p:spPr>
           <a:xfrm>
             <a:off x="5328000" y="756000"/>
-            <a:ext cx="1652400" cy="1220400"/>
+            <a:ext cx="1652040" cy="1220040"/>
           </a:xfrm>
           <a:custGeom>
             <a:avLst/>
@@ -17274,7 +18587,7 @@
           <a:solidFill>
             <a:srgbClr val="729fcf"/>
           </a:solidFill>
-          <a:ln>
+          <a:ln w="0">
             <a:solidFill>
               <a:srgbClr val="3465a4"/>
             </a:solidFill>
@@ -17296,7 +18609,7 @@
         <p:spPr>
           <a:xfrm>
             <a:off x="1872360" y="3672360"/>
-            <a:ext cx="2084400" cy="788400"/>
+            <a:ext cx="2084040" cy="788040"/>
           </a:xfrm>
           <a:prstGeom prst="rect">
             <a:avLst/>
@@ -17304,7 +18617,7 @@
           <a:solidFill>
             <a:srgbClr val="729fcf"/>
           </a:solidFill>
-          <a:ln>
+          <a:ln w="0">
             <a:solidFill>
               <a:srgbClr val="3465a4"/>
             </a:solidFill>
@@ -17326,7 +18639,7 @@
         <p:spPr>
           <a:xfrm>
             <a:off x="5328360" y="3420360"/>
-            <a:ext cx="1652400" cy="1220400"/>
+            <a:ext cx="1652040" cy="1220040"/>
           </a:xfrm>
           <a:custGeom>
             <a:avLst/>
@@ -17357,7 +18670,7 @@
           <a:solidFill>
             <a:srgbClr val="729fcf"/>
           </a:solidFill>
-          <a:ln>
+          <a:ln w="0">
             <a:solidFill>
               <a:srgbClr val="3465a4"/>
             </a:solidFill>
@@ -17384,7 +18697,7 @@
           <a:prstGeom prst="line">
             <a:avLst/>
           </a:prstGeom>
-          <a:ln>
+          <a:ln w="0">
             <a:solidFill>
               <a:srgbClr val="3465a4"/>
             </a:solidFill>
@@ -17412,7 +18725,7 @@
           <a:prstGeom prst="line">
             <a:avLst/>
           </a:prstGeom>
-          <a:ln>
+          <a:ln w="0">
             <a:solidFill>
               <a:srgbClr val="3465a4"/>
             </a:solidFill>
@@ -17434,13 +18747,13 @@
         <p:spPr>
           <a:xfrm>
             <a:off x="1188000" y="2304000"/>
-            <a:ext cx="6908400" cy="342720"/>
+            <a:ext cx="6908040" cy="342360"/>
           </a:xfrm>
           <a:prstGeom prst="rect">
             <a:avLst/>
           </a:prstGeom>
           <a:noFill/>
-          <a:ln>
+          <a:ln w="0">
             <a:noFill/>
           </a:ln>
         </p:spPr>
@@ -17470,7 +18783,7 @@
               </a:rPr>
               <a:t>In this the entity can participate in one-one/one-many relationship</a:t>
             </a:r>
-            <a:endParaRPr b="0" lang="en-IN" sz="1800" spc="-1" strike="noStrike">
+            <a:endParaRPr b="0" lang="en-US" sz="1800" spc="-1" strike="noStrike">
               <a:latin typeface="Arial"/>
             </a:endParaRPr>
           </a:p>
@@ -17485,13 +18798,13 @@
         <p:spPr>
           <a:xfrm>
             <a:off x="1080000" y="4788000"/>
-            <a:ext cx="7160400" cy="598680"/>
+            <a:ext cx="7160040" cy="598320"/>
           </a:xfrm>
           <a:prstGeom prst="rect">
             <a:avLst/>
           </a:prstGeom>
           <a:noFill/>
-          <a:ln>
+          <a:ln w="0">
             <a:noFill/>
           </a:ln>
         </p:spPr>
@@ -17521,7 +18834,7 @@
               </a:rPr>
               <a:t>In this the entity can participate in many-one/many-many relationship</a:t>
             </a:r>
-            <a:endParaRPr b="0" lang="en-IN" sz="1800" spc="-1" strike="noStrike">
+            <a:endParaRPr b="0" lang="en-US" sz="1800" spc="-1" strike="noStrike">
               <a:latin typeface="Arial"/>
             </a:endParaRPr>
           </a:p>
@@ -17566,7 +18879,7 @@
         <p:spPr>
           <a:xfrm>
             <a:off x="1908000" y="2232000"/>
-            <a:ext cx="1435680" cy="787680"/>
+            <a:ext cx="1435320" cy="787320"/>
           </a:xfrm>
           <a:prstGeom prst="rect">
             <a:avLst/>
@@ -17574,7 +18887,7 @@
           <a:solidFill>
             <a:srgbClr val="729fcf"/>
           </a:solidFill>
-          <a:ln>
+          <a:ln w="0">
             <a:solidFill>
               <a:srgbClr val="3465a4"/>
             </a:solidFill>
@@ -17606,7 +18919,7 @@
               </a:rPr>
               <a:t>BOOKS</a:t>
             </a:r>
-            <a:endParaRPr b="0" lang="en-IN" sz="1800" spc="-1" strike="noStrike">
+            <a:endParaRPr b="0" lang="en-US" sz="1800" spc="-1" strike="noStrike">
               <a:latin typeface="Arial"/>
             </a:endParaRPr>
           </a:p>
@@ -17621,7 +18934,7 @@
         <p:spPr>
           <a:xfrm>
             <a:off x="6084000" y="2232000"/>
-            <a:ext cx="1435680" cy="787680"/>
+            <a:ext cx="1435320" cy="787320"/>
           </a:xfrm>
           <a:prstGeom prst="rect">
             <a:avLst/>
@@ -17629,7 +18942,7 @@
           <a:solidFill>
             <a:srgbClr val="729fcf"/>
           </a:solidFill>
-          <a:ln>
+          <a:ln w="0">
             <a:solidFill>
               <a:srgbClr val="3465a4"/>
             </a:solidFill>
@@ -17661,7 +18974,7 @@
               </a:rPr>
               <a:t>USERS</a:t>
             </a:r>
-            <a:endParaRPr b="0" lang="en-IN" sz="1800" spc="-1" strike="noStrike">
+            <a:endParaRPr b="0" lang="en-US" sz="1800" spc="-1" strike="noStrike">
               <a:latin typeface="Arial"/>
             </a:endParaRPr>
           </a:p>
@@ -17676,7 +18989,7 @@
         <p:spPr>
           <a:xfrm>
             <a:off x="4032000" y="1944000"/>
-            <a:ext cx="1435680" cy="1363680"/>
+            <a:ext cx="1435320" cy="1363320"/>
           </a:xfrm>
           <a:custGeom>
             <a:avLst/>
@@ -17707,7 +19020,7 @@
           <a:solidFill>
             <a:srgbClr val="729fcf"/>
           </a:solidFill>
-          <a:ln>
+          <a:ln w="0">
             <a:solidFill>
               <a:srgbClr val="3465a4"/>
             </a:solidFill>
@@ -17739,7 +19052,7 @@
               </a:rPr>
               <a:t>Borrowed</a:t>
             </a:r>
-            <a:endParaRPr b="0" lang="en-IN" sz="1800" spc="-1" strike="noStrike">
+            <a:endParaRPr b="0" lang="en-US" sz="1800" spc="-1" strike="noStrike">
               <a:latin typeface="Arial"/>
             </a:endParaRPr>
           </a:p>
@@ -17759,7 +19072,7 @@
               </a:rPr>
               <a:t>By</a:t>
             </a:r>
-            <a:endParaRPr b="0" lang="en-IN" sz="1800" spc="-1" strike="noStrike">
+            <a:endParaRPr b="0" lang="en-US" sz="1800" spc="-1" strike="noStrike">
               <a:latin typeface="Arial"/>
             </a:endParaRPr>
           </a:p>
@@ -17779,7 +19092,7 @@
           <a:prstGeom prst="line">
             <a:avLst/>
           </a:prstGeom>
-          <a:ln>
+          <a:ln w="0">
             <a:solidFill>
               <a:srgbClr val="3465a4"/>
             </a:solidFill>
@@ -17806,7 +19119,7 @@
           <a:prstGeom prst="line">
             <a:avLst/>
           </a:prstGeom>
-          <a:ln>
+          <a:ln w="0">
             <a:solidFill>
               <a:srgbClr val="3465a4"/>
             </a:solidFill>
@@ -17833,7 +19146,7 @@
           <a:prstGeom prst="line">
             <a:avLst/>
           </a:prstGeom>
-          <a:ln>
+          <a:ln w="0">
             <a:solidFill>
               <a:srgbClr val="3465a4"/>
             </a:solidFill>
@@ -17860,7 +19173,7 @@
           <a:prstGeom prst="line">
             <a:avLst/>
           </a:prstGeom>
-          <a:ln>
+          <a:ln w="0">
             <a:solidFill>
               <a:srgbClr val="3465a4"/>
             </a:solidFill>
@@ -17883,13 +19196,13 @@
         <p:spPr>
           <a:xfrm>
             <a:off x="2592000" y="3636000"/>
-            <a:ext cx="7124400" cy="598680"/>
+            <a:ext cx="7124040" cy="598320"/>
           </a:xfrm>
           <a:prstGeom prst="rect">
             <a:avLst/>
           </a:prstGeom>
           <a:noFill/>
-          <a:ln>
+          <a:ln w="0">
             <a:noFill/>
           </a:ln>
         </p:spPr>
@@ -17919,7 +19232,7 @@
               </a:rPr>
               <a:t>ONE user can borrow MANY books.</a:t>
             </a:r>
-            <a:endParaRPr b="0" lang="en-IN" sz="1800" spc="-1" strike="noStrike">
+            <a:endParaRPr b="0" lang="en-US" sz="1800" spc="-1" strike="noStrike">
               <a:latin typeface="Arial"/>
             </a:endParaRPr>
           </a:p>
@@ -17939,7 +19252,7 @@
               </a:rPr>
               <a:t>MANY books can be borrowed by ONE USER</a:t>
             </a:r>
-            <a:endParaRPr b="0" lang="en-IN" sz="1800" spc="-1" strike="noStrike">
+            <a:endParaRPr b="0" lang="en-US" sz="1800" spc="-1" strike="noStrike">
               <a:latin typeface="Arial"/>
             </a:endParaRPr>
           </a:p>
@@ -17984,7 +19297,7 @@
         <p:spPr>
           <a:xfrm>
             <a:off x="5934960" y="2130480"/>
-            <a:ext cx="1694160" cy="1005120"/>
+            <a:ext cx="1693800" cy="1004760"/>
           </a:xfrm>
           <a:prstGeom prst="rect">
             <a:avLst/>
@@ -17992,7 +19305,7 @@
           <a:solidFill>
             <a:srgbClr val="729fcf"/>
           </a:solidFill>
-          <a:ln>
+          <a:ln w="0">
             <a:solidFill>
               <a:srgbClr val="3465a4"/>
             </a:solidFill>
@@ -18014,7 +19327,7 @@
         <p:spPr>
           <a:xfrm>
             <a:off x="1908000" y="2232000"/>
-            <a:ext cx="1435680" cy="787680"/>
+            <a:ext cx="1435320" cy="787320"/>
           </a:xfrm>
           <a:prstGeom prst="rect">
             <a:avLst/>
@@ -18022,7 +19335,7 @@
           <a:solidFill>
             <a:srgbClr val="729fcf"/>
           </a:solidFill>
-          <a:ln>
+          <a:ln w="0">
             <a:solidFill>
               <a:srgbClr val="3465a4"/>
             </a:solidFill>
@@ -18054,7 +19367,7 @@
               </a:rPr>
               <a:t>CUSTOMER</a:t>
             </a:r>
-            <a:endParaRPr b="0" lang="en-IN" sz="1800" spc="-1" strike="noStrike">
+            <a:endParaRPr b="0" lang="en-US" sz="1800" spc="-1" strike="noStrike">
               <a:latin typeface="Arial"/>
             </a:endParaRPr>
           </a:p>
@@ -18069,7 +19382,7 @@
         <p:spPr>
           <a:xfrm>
             <a:off x="6084000" y="2232000"/>
-            <a:ext cx="1435680" cy="787680"/>
+            <a:ext cx="1435320" cy="787320"/>
           </a:xfrm>
           <a:prstGeom prst="rect">
             <a:avLst/>
@@ -18077,7 +19390,7 @@
           <a:solidFill>
             <a:srgbClr val="729fcf"/>
           </a:solidFill>
-          <a:ln>
+          <a:ln w="0">
             <a:solidFill>
               <a:srgbClr val="3465a4"/>
             </a:solidFill>
@@ -18109,7 +19422,7 @@
               </a:rPr>
               <a:t>ACCOUNT</a:t>
             </a:r>
-            <a:endParaRPr b="0" lang="en-IN" sz="1800" spc="-1" strike="noStrike">
+            <a:endParaRPr b="0" lang="en-US" sz="1800" spc="-1" strike="noStrike">
               <a:latin typeface="Arial"/>
             </a:endParaRPr>
           </a:p>
@@ -18124,7 +19437,7 @@
         <p:spPr>
           <a:xfrm>
             <a:off x="4032000" y="1944000"/>
-            <a:ext cx="1435680" cy="1363680"/>
+            <a:ext cx="1435320" cy="1363320"/>
           </a:xfrm>
           <a:custGeom>
             <a:avLst/>
@@ -18155,7 +19468,7 @@
           <a:solidFill>
             <a:srgbClr val="729fcf"/>
           </a:solidFill>
-          <a:ln>
+          <a:ln w="0">
             <a:solidFill>
               <a:srgbClr val="3465a4"/>
             </a:solidFill>
@@ -18187,7 +19500,7 @@
               </a:rPr>
               <a:t>ACC</a:t>
             </a:r>
-            <a:endParaRPr b="0" lang="en-IN" sz="1800" spc="-1" strike="noStrike">
+            <a:endParaRPr b="0" lang="en-US" sz="1800" spc="-1" strike="noStrike">
               <a:latin typeface="Arial"/>
             </a:endParaRPr>
           </a:p>
@@ -18207,7 +19520,7 @@
           <a:prstGeom prst="line">
             <a:avLst/>
           </a:prstGeom>
-          <a:ln>
+          <a:ln w="0">
             <a:solidFill>
               <a:srgbClr val="3465a4"/>
             </a:solidFill>
@@ -18234,7 +19547,7 @@
           <a:prstGeom prst="line">
             <a:avLst/>
           </a:prstGeom>
-          <a:ln>
+          <a:ln w="0">
             <a:solidFill>
               <a:srgbClr val="3465a4"/>
             </a:solidFill>
@@ -18261,7 +19574,7 @@
           <a:prstGeom prst="line">
             <a:avLst/>
           </a:prstGeom>
-          <a:ln>
+          <a:ln w="0">
             <a:solidFill>
               <a:srgbClr val="3465a4"/>
             </a:solidFill>
@@ -18283,13 +19596,13 @@
         <p:spPr>
           <a:xfrm>
             <a:off x="1764000" y="3564000"/>
-            <a:ext cx="7124400" cy="598680"/>
+            <a:ext cx="7124040" cy="598320"/>
           </a:xfrm>
           <a:prstGeom prst="rect">
             <a:avLst/>
           </a:prstGeom>
           <a:noFill/>
-          <a:ln>
+          <a:ln w="0">
             <a:noFill/>
           </a:ln>
         </p:spPr>
@@ -18319,7 +19632,7 @@
               </a:rPr>
               <a:t>ACCOUNT is EXISTENT DEPENDANTA on CUSTOMER, so ACCOUNT is a weak entity</a:t>
             </a:r>
-            <a:endParaRPr b="0" lang="en-IN" sz="1800" spc="-1" strike="noStrike">
+            <a:endParaRPr b="0" lang="en-US" sz="1800" spc="-1" strike="noStrike">
               <a:latin typeface="Arial"/>
             </a:endParaRPr>
           </a:p>
@@ -18339,7 +19652,7 @@
           <a:prstGeom prst="line">
             <a:avLst/>
           </a:prstGeom>
-          <a:ln>
+          <a:ln w="0">
             <a:solidFill>
               <a:srgbClr val="3465a4"/>
             </a:solidFill>
@@ -18391,7 +19704,7 @@
         <p:spPr>
           <a:xfrm>
             <a:off x="1945800" y="3636000"/>
-            <a:ext cx="1435680" cy="787680"/>
+            <a:ext cx="1435320" cy="787320"/>
           </a:xfrm>
           <a:prstGeom prst="rect">
             <a:avLst/>
@@ -18399,7 +19712,7 @@
           <a:solidFill>
             <a:srgbClr val="729fcf"/>
           </a:solidFill>
-          <a:ln>
+          <a:ln w="0">
             <a:solidFill>
               <a:srgbClr val="3465a4"/>
             </a:solidFill>
@@ -18431,7 +19744,7 @@
               </a:rPr>
               <a:t>RESERVED</a:t>
             </a:r>
-            <a:endParaRPr b="0" lang="en-IN" sz="1800" spc="-1" strike="noStrike">
+            <a:endParaRPr b="0" lang="en-US" sz="1800" spc="-1" strike="noStrike">
               <a:latin typeface="Arial"/>
             </a:endParaRPr>
           </a:p>
@@ -18451,7 +19764,7 @@
               </a:rPr>
               <a:t>TICKET</a:t>
             </a:r>
-            <a:endParaRPr b="0" lang="en-IN" sz="1800" spc="-1" strike="noStrike">
+            <a:endParaRPr b="0" lang="en-US" sz="1800" spc="-1" strike="noStrike">
               <a:latin typeface="Arial"/>
             </a:endParaRPr>
           </a:p>
@@ -18466,7 +19779,7 @@
         <p:spPr>
           <a:xfrm>
             <a:off x="6300000" y="3673800"/>
-            <a:ext cx="1435680" cy="787680"/>
+            <a:ext cx="1435320" cy="787320"/>
           </a:xfrm>
           <a:prstGeom prst="rect">
             <a:avLst/>
@@ -18474,7 +19787,7 @@
           <a:solidFill>
             <a:srgbClr val="729fcf"/>
           </a:solidFill>
-          <a:ln>
+          <a:ln w="0">
             <a:solidFill>
               <a:srgbClr val="3465a4"/>
             </a:solidFill>
@@ -18506,7 +19819,7 @@
               </a:rPr>
               <a:t>UNRES..</a:t>
             </a:r>
-            <a:endParaRPr b="0" lang="en-IN" sz="1800" spc="-1" strike="noStrike">
+            <a:endParaRPr b="0" lang="en-US" sz="1800" spc="-1" strike="noStrike">
               <a:latin typeface="Arial"/>
             </a:endParaRPr>
           </a:p>
@@ -18526,7 +19839,7 @@
               </a:rPr>
               <a:t>TICKET</a:t>
             </a:r>
-            <a:endParaRPr b="0" lang="en-IN" sz="1800" spc="-1" strike="noStrike">
+            <a:endParaRPr b="0" lang="en-US" sz="1800" spc="-1" strike="noStrike">
               <a:latin typeface="Arial"/>
             </a:endParaRPr>
           </a:p>
@@ -18546,7 +19859,7 @@
           <a:prstGeom prst="line">
             <a:avLst/>
           </a:prstGeom>
-          <a:ln>
+          <a:ln w="0">
             <a:solidFill>
               <a:srgbClr val="3465a4"/>
             </a:solidFill>
@@ -18573,7 +19886,7 @@
           <a:prstGeom prst="line">
             <a:avLst/>
           </a:prstGeom>
-          <a:ln>
+          <a:ln w="0">
             <a:solidFill>
               <a:srgbClr val="3465a4"/>
             </a:solidFill>
@@ -18595,13 +19908,13 @@
         <p:spPr>
           <a:xfrm>
             <a:off x="1764000" y="4860000"/>
-            <a:ext cx="7124400" cy="598680"/>
+            <a:ext cx="7124040" cy="598320"/>
           </a:xfrm>
           <a:prstGeom prst="rect">
             <a:avLst/>
           </a:prstGeom>
           <a:noFill/>
-          <a:ln>
+          <a:ln w="0">
             <a:noFill/>
           </a:ln>
         </p:spPr>
@@ -18621,7 +19934,7 @@
         <p:spPr>
           <a:xfrm>
             <a:off x="4140000" y="1080000"/>
-            <a:ext cx="1435680" cy="787680"/>
+            <a:ext cx="1435320" cy="787320"/>
           </a:xfrm>
           <a:prstGeom prst="rect">
             <a:avLst/>
@@ -18629,7 +19942,7 @@
           <a:solidFill>
             <a:srgbClr val="729fcf"/>
           </a:solidFill>
-          <a:ln>
+          <a:ln w="0">
             <a:solidFill>
               <a:srgbClr val="3465a4"/>
             </a:solidFill>
@@ -18661,7 +19974,7 @@
               </a:rPr>
               <a:t>TICKET</a:t>
             </a:r>
-            <a:endParaRPr b="0" lang="en-IN" sz="1800" spc="-1" strike="noStrike">
+            <a:endParaRPr b="0" lang="en-US" sz="1800" spc="-1" strike="noStrike">
               <a:latin typeface="Arial"/>
             </a:endParaRPr>
           </a:p>
@@ -18676,7 +19989,7 @@
         <p:spPr>
           <a:xfrm>
             <a:off x="4392000" y="2267640"/>
-            <a:ext cx="933480" cy="1005480"/>
+            <a:ext cx="933120" cy="1005120"/>
           </a:xfrm>
           <a:custGeom>
             <a:avLst/>
@@ -18703,7 +20016,7 @@
           <a:solidFill>
             <a:srgbClr val="729fcf"/>
           </a:solidFill>
-          <a:ln>
+          <a:ln w="0">
             <a:solidFill>
               <a:srgbClr val="3465a4"/>
             </a:solidFill>
@@ -18725,13 +20038,13 @@
         <p:spPr>
           <a:xfrm>
             <a:off x="4572000" y="2304000"/>
-            <a:ext cx="645480" cy="343800"/>
+            <a:ext cx="645120" cy="343440"/>
           </a:xfrm>
           <a:prstGeom prst="rect">
             <a:avLst/>
           </a:prstGeom>
           <a:noFill/>
-          <a:ln>
+          <a:ln w="0">
             <a:noFill/>
           </a:ln>
         </p:spPr>
@@ -18761,7 +20074,7 @@
               </a:rPr>
               <a:t>IS A</a:t>
             </a:r>
-            <a:endParaRPr b="0" lang="en-IN" sz="1800" spc="-1" strike="noStrike">
+            <a:endParaRPr b="0" lang="en-US" sz="1800" spc="-1" strike="noStrike">
               <a:latin typeface="Arial"/>
             </a:endParaRPr>
           </a:p>
@@ -18781,7 +20094,7 @@
           <a:prstGeom prst="line">
             <a:avLst/>
           </a:prstGeom>
-          <a:ln>
+          <a:ln w="0">
             <a:solidFill>
               <a:srgbClr val="3465a4"/>
             </a:solidFill>
@@ -18808,7 +20121,7 @@
           <a:prstGeom prst="line">
             <a:avLst/>
           </a:prstGeom>
-          <a:ln>
+          <a:ln w="0">
             <a:solidFill>
               <a:srgbClr val="3465a4"/>
             </a:solidFill>
@@ -18835,7 +20148,7 @@
           <a:prstGeom prst="line">
             <a:avLst/>
           </a:prstGeom>
-          <a:ln>
+          <a:ln w="0">
             <a:solidFill>
               <a:srgbClr val="3465a4"/>
             </a:solidFill>
@@ -18857,7 +20170,7 @@
         <p:spPr>
           <a:xfrm>
             <a:off x="2592000" y="432000"/>
-            <a:ext cx="1149480" cy="501480"/>
+            <a:ext cx="1149120" cy="501120"/>
           </a:xfrm>
           <a:prstGeom prst="ellipse">
             <a:avLst/>
@@ -18865,7 +20178,7 @@
           <a:solidFill>
             <a:srgbClr val="729fcf"/>
           </a:solidFill>
-          <a:ln>
+          <a:ln w="0">
             <a:solidFill>
               <a:srgbClr val="3465a4"/>
             </a:solidFill>
@@ -18897,7 +20210,7 @@
               </a:rPr>
               <a:t>DESTI..</a:t>
             </a:r>
-            <a:endParaRPr b="0" lang="en-IN" sz="1800" spc="-1" strike="noStrike">
+            <a:endParaRPr b="0" lang="en-US" sz="1800" spc="-1" strike="noStrike">
               <a:latin typeface="Arial"/>
             </a:endParaRPr>
           </a:p>
@@ -18912,7 +20225,7 @@
         <p:spPr>
           <a:xfrm>
             <a:off x="4104360" y="360360"/>
-            <a:ext cx="1149480" cy="501480"/>
+            <a:ext cx="1149120" cy="501120"/>
           </a:xfrm>
           <a:prstGeom prst="ellipse">
             <a:avLst/>
@@ -18920,7 +20233,7 @@
           <a:solidFill>
             <a:srgbClr val="729fcf"/>
           </a:solidFill>
-          <a:ln>
+          <a:ln w="0">
             <a:solidFill>
               <a:srgbClr val="3465a4"/>
             </a:solidFill>
@@ -18952,7 +20265,7 @@
               </a:rPr>
               <a:t>SOURCE</a:t>
             </a:r>
-            <a:endParaRPr b="0" lang="en-IN" sz="1800" spc="-1" strike="noStrike">
+            <a:endParaRPr b="0" lang="en-US" sz="1800" spc="-1" strike="noStrike">
               <a:latin typeface="Arial"/>
             </a:endParaRPr>
           </a:p>
@@ -18967,7 +20280,7 @@
         <p:spPr>
           <a:xfrm>
             <a:off x="5652720" y="432720"/>
-            <a:ext cx="1149480" cy="501480"/>
+            <a:ext cx="1149120" cy="501120"/>
           </a:xfrm>
           <a:prstGeom prst="ellipse">
             <a:avLst/>
@@ -18975,7 +20288,7 @@
           <a:solidFill>
             <a:srgbClr val="729fcf"/>
           </a:solidFill>
-          <a:ln>
+          <a:ln w="0">
             <a:solidFill>
               <a:srgbClr val="3465a4"/>
             </a:solidFill>
@@ -19007,7 +20320,7 @@
               </a:rPr>
               <a:t>TICKET NO</a:t>
             </a:r>
-            <a:endParaRPr b="0" lang="en-IN" sz="1800" spc="-1" strike="noStrike">
+            <a:endParaRPr b="0" lang="en-US" sz="1800" spc="-1" strike="noStrike">
               <a:latin typeface="Arial"/>
             </a:endParaRPr>
           </a:p>
@@ -19022,7 +20335,7 @@
         <p:spPr>
           <a:xfrm>
             <a:off x="3813480" y="4321080"/>
-            <a:ext cx="1149480" cy="501480"/>
+            <a:ext cx="1149120" cy="501120"/>
           </a:xfrm>
           <a:prstGeom prst="ellipse">
             <a:avLst/>
@@ -19030,7 +20343,7 @@
           <a:solidFill>
             <a:srgbClr val="729fcf"/>
           </a:solidFill>
-          <a:ln>
+          <a:ln w="0">
             <a:solidFill>
               <a:srgbClr val="3465a4"/>
             </a:solidFill>
@@ -19062,7 +20375,7 @@
               </a:rPr>
               <a:t>TRAIN NO</a:t>
             </a:r>
-            <a:endParaRPr b="0" lang="en-IN" sz="1800" spc="-1" strike="noStrike">
+            <a:endParaRPr b="0" lang="en-US" sz="1800" spc="-1" strike="noStrike">
               <a:latin typeface="Arial"/>
             </a:endParaRPr>
           </a:p>
@@ -19077,7 +20390,7 @@
         <p:spPr>
           <a:xfrm>
             <a:off x="2193840" y="4717440"/>
-            <a:ext cx="1149480" cy="501480"/>
+            <a:ext cx="1149120" cy="501120"/>
           </a:xfrm>
           <a:prstGeom prst="ellipse">
             <a:avLst/>
@@ -19085,7 +20398,7 @@
           <a:solidFill>
             <a:srgbClr val="729fcf"/>
           </a:solidFill>
-          <a:ln>
+          <a:ln w="0">
             <a:solidFill>
               <a:srgbClr val="3465a4"/>
             </a:solidFill>
@@ -19117,7 +20430,7 @@
               </a:rPr>
               <a:t>SEAT NO</a:t>
             </a:r>
-            <a:endParaRPr b="0" lang="en-IN" sz="1800" spc="-1" strike="noStrike">
+            <a:endParaRPr b="0" lang="en-US" sz="1800" spc="-1" strike="noStrike">
               <a:latin typeface="Arial"/>
             </a:endParaRPr>
           </a:p>
@@ -19132,7 +20445,7 @@
         <p:spPr>
           <a:xfrm>
             <a:off x="682200" y="4501800"/>
-            <a:ext cx="1149480" cy="501480"/>
+            <a:ext cx="1149120" cy="501120"/>
           </a:xfrm>
           <a:prstGeom prst="ellipse">
             <a:avLst/>
@@ -19140,7 +20453,7 @@
           <a:solidFill>
             <a:srgbClr val="729fcf"/>
           </a:solidFill>
-          <a:ln>
+          <a:ln w="0">
             <a:solidFill>
               <a:srgbClr val="3465a4"/>
             </a:solidFill>
@@ -19172,7 +20485,7 @@
               </a:rPr>
               <a:t>RES UPTO</a:t>
             </a:r>
-            <a:endParaRPr b="0" lang="en-IN" sz="1800" spc="-1" strike="noStrike">
+            <a:endParaRPr b="0" lang="en-US" sz="1800" spc="-1" strike="noStrike">
               <a:latin typeface="Arial"/>
             </a:endParaRPr>
           </a:p>
@@ -19187,7 +20500,7 @@
         <p:spPr>
           <a:xfrm>
             <a:off x="5434560" y="4574160"/>
-            <a:ext cx="1149480" cy="501480"/>
+            <a:ext cx="1149120" cy="501120"/>
           </a:xfrm>
           <a:prstGeom prst="ellipse">
             <a:avLst/>
@@ -19195,7 +20508,7 @@
           <a:solidFill>
             <a:srgbClr val="729fcf"/>
           </a:solidFill>
-          <a:ln>
+          <a:ln w="0">
             <a:solidFill>
               <a:srgbClr val="3465a4"/>
             </a:solidFill>
@@ -19227,7 +20540,7 @@
               </a:rPr>
               <a:t>LOCAL /EXP</a:t>
             </a:r>
-            <a:endParaRPr b="0" lang="en-IN" sz="1800" spc="-1" strike="noStrike">
+            <a:endParaRPr b="0" lang="en-US" sz="1800" spc="-1" strike="noStrike">
               <a:latin typeface="Arial"/>
             </a:endParaRPr>
           </a:p>
@@ -19242,7 +20555,7 @@
         <p:spPr>
           <a:xfrm>
             <a:off x="7634160" y="4574520"/>
-            <a:ext cx="1149480" cy="501480"/>
+            <a:ext cx="1149120" cy="501120"/>
           </a:xfrm>
           <a:prstGeom prst="ellipse">
             <a:avLst/>
@@ -19250,7 +20563,7 @@
           <a:solidFill>
             <a:srgbClr val="729fcf"/>
           </a:solidFill>
-          <a:ln>
+          <a:ln w="0">
             <a:solidFill>
               <a:srgbClr val="3465a4"/>
             </a:solidFill>
@@ -19282,7 +20595,7 @@
               </a:rPr>
               <a:t>FARE</a:t>
             </a:r>
-            <a:endParaRPr b="0" lang="en-IN" sz="1800" spc="-1" strike="noStrike">
+            <a:endParaRPr b="0" lang="en-US" sz="1800" spc="-1" strike="noStrike">
               <a:latin typeface="Arial"/>
             </a:endParaRPr>
           </a:p>
@@ -19297,7 +20610,7 @@
         <p:spPr>
           <a:xfrm>
             <a:off x="686520" y="3098880"/>
-            <a:ext cx="1149480" cy="501480"/>
+            <a:ext cx="1149120" cy="501120"/>
           </a:xfrm>
           <a:prstGeom prst="ellipse">
             <a:avLst/>
@@ -19305,7 +20618,7 @@
           <a:solidFill>
             <a:srgbClr val="729fcf"/>
           </a:solidFill>
-          <a:ln>
+          <a:ln w="0">
             <a:solidFill>
               <a:srgbClr val="3465a4"/>
             </a:solidFill>
@@ -19337,7 +20650,7 @@
               </a:rPr>
               <a:t>FARE</a:t>
             </a:r>
-            <a:endParaRPr b="0" lang="en-IN" sz="1800" spc="-1" strike="noStrike">
+            <a:endParaRPr b="0" lang="en-US" sz="1800" spc="-1" strike="noStrike">
               <a:latin typeface="Arial"/>
             </a:endParaRPr>
           </a:p>
@@ -19357,7 +20670,7 @@
           <a:prstGeom prst="line">
             <a:avLst/>
           </a:prstGeom>
-          <a:ln>
+          <a:ln w="0">
             <a:solidFill>
               <a:srgbClr val="3465a4"/>
             </a:solidFill>
@@ -19384,7 +20697,7 @@
           <a:prstGeom prst="line">
             <a:avLst/>
           </a:prstGeom>
-          <a:ln>
+          <a:ln w="0">
             <a:solidFill>
               <a:srgbClr val="3465a4"/>
             </a:solidFill>
@@ -19411,7 +20724,7 @@
           <a:prstGeom prst="line">
             <a:avLst/>
           </a:prstGeom>
-          <a:ln>
+          <a:ln w="0">
             <a:solidFill>
               <a:srgbClr val="3465a4"/>
             </a:solidFill>
@@ -19438,7 +20751,7 @@
           <a:prstGeom prst="line">
             <a:avLst/>
           </a:prstGeom>
-          <a:ln>
+          <a:ln w="0">
             <a:solidFill>
               <a:srgbClr val="3465a4"/>
             </a:solidFill>
@@ -19465,7 +20778,7 @@
           <a:prstGeom prst="line">
             <a:avLst/>
           </a:prstGeom>
-          <a:ln>
+          <a:ln w="0">
             <a:solidFill>
               <a:srgbClr val="3465a4"/>
             </a:solidFill>
@@ -19492,7 +20805,7 @@
           <a:prstGeom prst="line">
             <a:avLst/>
           </a:prstGeom>
-          <a:ln>
+          <a:ln w="0">
             <a:solidFill>
               <a:srgbClr val="3465a4"/>
             </a:solidFill>
@@ -19519,7 +20832,7 @@
           <a:prstGeom prst="line">
             <a:avLst/>
           </a:prstGeom>
-          <a:ln>
+          <a:ln w="0">
             <a:solidFill>
               <a:srgbClr val="3465a4"/>
             </a:solidFill>
@@ -19546,7 +20859,7 @@
           <a:prstGeom prst="line">
             <a:avLst/>
           </a:prstGeom>
-          <a:ln>
+          <a:ln w="0">
             <a:solidFill>
               <a:srgbClr val="3465a4"/>
             </a:solidFill>
@@ -19573,7 +20886,7 @@
           <a:prstGeom prst="line">
             <a:avLst/>
           </a:prstGeom>
-          <a:ln>
+          <a:ln w="0">
             <a:solidFill>
               <a:srgbClr val="3465a4"/>
             </a:solidFill>
@@ -19625,7 +20938,7 @@
         <p:spPr>
           <a:xfrm>
             <a:off x="432000" y="72000"/>
-            <a:ext cx="9069480" cy="2517480"/>
+            <a:ext cx="9069120" cy="2517120"/>
           </a:xfrm>
           <a:prstGeom prst="rect">
             <a:avLst/>
@@ -19633,7 +20946,7 @@
           <a:solidFill>
             <a:srgbClr val="cccccc"/>
           </a:solidFill>
-          <a:ln>
+          <a:ln w="0">
             <a:solidFill>
               <a:srgbClr val="3465a4"/>
             </a:solidFill>
@@ -19655,7 +20968,7 @@
         <p:spPr>
           <a:xfrm>
             <a:off x="2016000" y="1188000"/>
-            <a:ext cx="1435680" cy="787680"/>
+            <a:ext cx="1435320" cy="787320"/>
           </a:xfrm>
           <a:prstGeom prst="rect">
             <a:avLst/>
@@ -19663,7 +20976,7 @@
           <a:solidFill>
             <a:srgbClr val="729fcf"/>
           </a:solidFill>
-          <a:ln>
+          <a:ln w="0">
             <a:solidFill>
               <a:srgbClr val="3465a4"/>
             </a:solidFill>
@@ -19695,7 +21008,7 @@
               </a:rPr>
               <a:t>TEACHER</a:t>
             </a:r>
-            <a:endParaRPr b="0" lang="en-IN" sz="1800" spc="-1" strike="noStrike">
+            <a:endParaRPr b="0" lang="en-US" sz="1800" spc="-1" strike="noStrike">
               <a:latin typeface="Arial"/>
             </a:endParaRPr>
           </a:p>
@@ -19710,7 +21023,7 @@
         <p:spPr>
           <a:xfrm>
             <a:off x="6192000" y="1188000"/>
-            <a:ext cx="1435680" cy="787680"/>
+            <a:ext cx="1435320" cy="787320"/>
           </a:xfrm>
           <a:prstGeom prst="rect">
             <a:avLst/>
@@ -19718,7 +21031,7 @@
           <a:solidFill>
             <a:srgbClr val="729fcf"/>
           </a:solidFill>
-          <a:ln>
+          <a:ln w="0">
             <a:solidFill>
               <a:srgbClr val="3465a4"/>
             </a:solidFill>
@@ -19750,7 +21063,7 @@
               </a:rPr>
               <a:t>SUBJECT</a:t>
             </a:r>
-            <a:endParaRPr b="0" lang="en-IN" sz="1800" spc="-1" strike="noStrike">
+            <a:endParaRPr b="0" lang="en-US" sz="1800" spc="-1" strike="noStrike">
               <a:latin typeface="Arial"/>
             </a:endParaRPr>
           </a:p>
@@ -19765,7 +21078,7 @@
         <p:spPr>
           <a:xfrm>
             <a:off x="4140000" y="900000"/>
-            <a:ext cx="1435680" cy="1363680"/>
+            <a:ext cx="1435320" cy="1363320"/>
           </a:xfrm>
           <a:custGeom>
             <a:avLst/>
@@ -19796,7 +21109,7 @@
           <a:solidFill>
             <a:srgbClr val="729fcf"/>
           </a:solidFill>
-          <a:ln>
+          <a:ln w="0">
             <a:solidFill>
               <a:srgbClr val="3465a4"/>
             </a:solidFill>
@@ -19828,7 +21141,7 @@
               </a:rPr>
               <a:t>TEACHES</a:t>
             </a:r>
-            <a:endParaRPr b="0" lang="en-IN" sz="1800" spc="-1" strike="noStrike">
+            <a:endParaRPr b="0" lang="en-US" sz="1800" spc="-1" strike="noStrike">
               <a:latin typeface="Arial"/>
             </a:endParaRPr>
           </a:p>
@@ -19848,7 +21161,7 @@
           <a:prstGeom prst="line">
             <a:avLst/>
           </a:prstGeom>
-          <a:ln>
+          <a:ln w="0">
             <a:solidFill>
               <a:srgbClr val="3465a4"/>
             </a:solidFill>
@@ -19875,7 +21188,7 @@
           <a:prstGeom prst="line">
             <a:avLst/>
           </a:prstGeom>
-          <a:ln>
+          <a:ln w="0">
             <a:solidFill>
               <a:srgbClr val="3465a4"/>
             </a:solidFill>
@@ -19902,7 +21215,7 @@
           <a:prstGeom prst="line">
             <a:avLst/>
           </a:prstGeom>
-          <a:ln>
+          <a:ln w="0">
             <a:solidFill>
               <a:srgbClr val="3465a4"/>
             </a:solidFill>
@@ -19924,13 +21237,13 @@
         <p:spPr>
           <a:xfrm>
             <a:off x="-36000" y="3384000"/>
-            <a:ext cx="2625480" cy="598680"/>
+            <a:ext cx="2625120" cy="598320"/>
           </a:xfrm>
           <a:prstGeom prst="rect">
             <a:avLst/>
           </a:prstGeom>
           <a:noFill/>
-          <a:ln>
+          <a:ln w="0">
             <a:noFill/>
           </a:ln>
         </p:spPr>
@@ -19960,7 +21273,7 @@
               </a:rPr>
               <a:t>We require the set of books used by the teacher to teach the subject</a:t>
             </a:r>
-            <a:endParaRPr b="0" lang="en-IN" sz="1800" spc="-1" strike="noStrike">
+            <a:endParaRPr b="0" lang="en-US" sz="1800" spc="-1" strike="noStrike">
               <a:latin typeface="Arial"/>
             </a:endParaRPr>
           </a:p>
@@ -19980,7 +21293,7 @@
           <a:prstGeom prst="line">
             <a:avLst/>
           </a:prstGeom>
-          <a:ln>
+          <a:ln w="0">
             <a:solidFill>
               <a:srgbClr val="3465a4"/>
             </a:solidFill>
@@ -20002,7 +21315,7 @@
         <p:spPr>
           <a:xfrm>
             <a:off x="5868360" y="180360"/>
-            <a:ext cx="1149480" cy="501480"/>
+            <a:ext cx="1149120" cy="501120"/>
           </a:xfrm>
           <a:prstGeom prst="ellipse">
             <a:avLst/>
@@ -20010,7 +21323,7 @@
           <a:solidFill>
             <a:srgbClr val="729fcf"/>
           </a:solidFill>
-          <a:ln>
+          <a:ln w="0">
             <a:solidFill>
               <a:srgbClr val="3465a4"/>
             </a:solidFill>
@@ -20042,7 +21355,7 @@
               </a:rPr>
               <a:t>S_CODE</a:t>
             </a:r>
-            <a:endParaRPr b="0" lang="en-IN" sz="1800" spc="-1" strike="noStrike">
+            <a:endParaRPr b="0" lang="en-US" sz="1800" spc="-1" strike="noStrike">
               <a:latin typeface="Arial"/>
             </a:endParaRPr>
           </a:p>
@@ -20057,7 +21370,7 @@
         <p:spPr>
           <a:xfrm>
             <a:off x="7344720" y="216720"/>
-            <a:ext cx="1149480" cy="501480"/>
+            <a:ext cx="1149120" cy="501120"/>
           </a:xfrm>
           <a:prstGeom prst="ellipse">
             <a:avLst/>
@@ -20065,7 +21378,7 @@
           <a:solidFill>
             <a:srgbClr val="729fcf"/>
           </a:solidFill>
-          <a:ln>
+          <a:ln w="0">
             <a:solidFill>
               <a:srgbClr val="3465a4"/>
             </a:solidFill>
@@ -20097,7 +21410,7 @@
               </a:rPr>
               <a:t>TITLE</a:t>
             </a:r>
-            <a:endParaRPr b="0" lang="en-IN" sz="1800" spc="-1" strike="noStrike">
+            <a:endParaRPr b="0" lang="en-US" sz="1800" spc="-1" strike="noStrike">
               <a:latin typeface="Arial"/>
             </a:endParaRPr>
           </a:p>
@@ -20112,7 +21425,7 @@
         <p:spPr>
           <a:xfrm>
             <a:off x="7921080" y="937080"/>
-            <a:ext cx="1149480" cy="501480"/>
+            <a:ext cx="1149120" cy="501120"/>
           </a:xfrm>
           <a:prstGeom prst="ellipse">
             <a:avLst/>
@@ -20120,7 +21433,7 @@
           <a:solidFill>
             <a:srgbClr val="729fcf"/>
           </a:solidFill>
-          <a:ln>
+          <a:ln w="0">
             <a:solidFill>
               <a:srgbClr val="3465a4"/>
             </a:solidFill>
@@ -20152,7 +21465,7 @@
               </a:rPr>
               <a:t>UG/PG</a:t>
             </a:r>
-            <a:endParaRPr b="0" lang="en-IN" sz="1800" spc="-1" strike="noStrike">
+            <a:endParaRPr b="0" lang="en-US" sz="1800" spc="-1" strike="noStrike">
               <a:latin typeface="Arial"/>
             </a:endParaRPr>
           </a:p>
@@ -20167,7 +21480,7 @@
         <p:spPr>
           <a:xfrm>
             <a:off x="7921440" y="1693440"/>
-            <a:ext cx="1149480" cy="501480"/>
+            <a:ext cx="1149120" cy="501120"/>
           </a:xfrm>
           <a:prstGeom prst="ellipse">
             <a:avLst/>
@@ -20175,7 +21488,7 @@
           <a:solidFill>
             <a:srgbClr val="729fcf"/>
           </a:solidFill>
-          <a:ln>
+          <a:ln w="0">
             <a:solidFill>
               <a:srgbClr val="3465a4"/>
             </a:solidFill>
@@ -20207,7 +21520,7 @@
               </a:rPr>
               <a:t>LTP</a:t>
             </a:r>
-            <a:endParaRPr b="0" lang="en-IN" sz="1800" spc="-1" strike="noStrike">
+            <a:endParaRPr b="0" lang="en-US" sz="1800" spc="-1" strike="noStrike">
               <a:latin typeface="Arial"/>
             </a:endParaRPr>
           </a:p>
@@ -20222,7 +21535,7 @@
         <p:spPr>
           <a:xfrm>
             <a:off x="7921440" y="937440"/>
-            <a:ext cx="1149480" cy="501480"/>
+            <a:ext cx="1149120" cy="501120"/>
           </a:xfrm>
           <a:prstGeom prst="ellipse">
             <a:avLst/>
@@ -20230,7 +21543,7 @@
           <a:solidFill>
             <a:srgbClr val="729fcf"/>
           </a:solidFill>
-          <a:ln>
+          <a:ln w="0">
             <a:solidFill>
               <a:srgbClr val="3465a4"/>
             </a:solidFill>
@@ -20262,7 +21575,7 @@
               </a:rPr>
               <a:t>UG/PG</a:t>
             </a:r>
-            <a:endParaRPr b="0" lang="en-IN" sz="1800" spc="-1" strike="noStrike">
+            <a:endParaRPr b="0" lang="en-US" sz="1800" spc="-1" strike="noStrike">
               <a:latin typeface="Arial"/>
             </a:endParaRPr>
           </a:p>
@@ -20277,7 +21590,7 @@
         <p:spPr>
           <a:xfrm>
             <a:off x="2089440" y="433440"/>
-            <a:ext cx="1149480" cy="501480"/>
+            <a:ext cx="1149120" cy="501120"/>
           </a:xfrm>
           <a:prstGeom prst="ellipse">
             <a:avLst/>
@@ -20285,7 +21598,7 @@
           <a:solidFill>
             <a:srgbClr val="729fcf"/>
           </a:solidFill>
-          <a:ln>
+          <a:ln w="0">
             <a:solidFill>
               <a:srgbClr val="3465a4"/>
             </a:solidFill>
@@ -20317,7 +21630,7 @@
               </a:rPr>
               <a:t>NAME</a:t>
             </a:r>
-            <a:endParaRPr b="0" lang="en-IN" sz="1800" spc="-1" strike="noStrike">
+            <a:endParaRPr b="0" lang="en-US" sz="1800" spc="-1" strike="noStrike">
               <a:latin typeface="Arial"/>
             </a:endParaRPr>
           </a:p>
@@ -20332,7 +21645,7 @@
         <p:spPr>
           <a:xfrm>
             <a:off x="649800" y="541800"/>
-            <a:ext cx="1149480" cy="501480"/>
+            <a:ext cx="1149120" cy="501120"/>
           </a:xfrm>
           <a:prstGeom prst="ellipse">
             <a:avLst/>
@@ -20340,7 +21653,7 @@
           <a:solidFill>
             <a:srgbClr val="729fcf"/>
           </a:solidFill>
-          <a:ln>
+          <a:ln w="0">
             <a:solidFill>
               <a:srgbClr val="3465a4"/>
             </a:solidFill>
@@ -20372,7 +21685,7 @@
               </a:rPr>
               <a:t>DEPT</a:t>
             </a:r>
-            <a:endParaRPr b="0" lang="en-IN" sz="1800" spc="-1" strike="noStrike">
+            <a:endParaRPr b="0" lang="en-US" sz="1800" spc="-1" strike="noStrike">
               <a:latin typeface="Arial"/>
             </a:endParaRPr>
           </a:p>
@@ -20387,7 +21700,7 @@
         <p:spPr>
           <a:xfrm>
             <a:off x="4320000" y="3168000"/>
-            <a:ext cx="1039680" cy="789480"/>
+            <a:ext cx="1039320" cy="789120"/>
           </a:xfrm>
           <a:custGeom>
             <a:avLst/>
@@ -20418,7 +21731,7 @@
           <a:solidFill>
             <a:srgbClr val="729fcf"/>
           </a:solidFill>
-          <a:ln>
+          <a:ln w="0">
             <a:solidFill>
               <a:srgbClr val="3465a4"/>
             </a:solidFill>
@@ -20450,7 +21763,7 @@
               </a:rPr>
               <a:t>USES</a:t>
             </a:r>
-            <a:endParaRPr b="0" lang="en-IN" sz="1800" spc="-1" strike="noStrike">
+            <a:endParaRPr b="0" lang="en-US" sz="1800" spc="-1" strike="noStrike">
               <a:latin typeface="Arial"/>
             </a:endParaRPr>
           </a:p>
@@ -20465,7 +21778,7 @@
         <p:spPr>
           <a:xfrm>
             <a:off x="4176000" y="4428000"/>
-            <a:ext cx="1435680" cy="787680"/>
+            <a:ext cx="1435320" cy="787320"/>
           </a:xfrm>
           <a:prstGeom prst="rect">
             <a:avLst/>
@@ -20473,7 +21786,7 @@
           <a:solidFill>
             <a:srgbClr val="729fcf"/>
           </a:solidFill>
-          <a:ln>
+          <a:ln w="0">
             <a:solidFill>
               <a:srgbClr val="3465a4"/>
             </a:solidFill>
@@ -20505,7 +21818,7 @@
               </a:rPr>
               <a:t>BOOKS</a:t>
             </a:r>
-            <a:endParaRPr b="0" lang="en-IN" sz="1800" spc="-1" strike="noStrike">
+            <a:endParaRPr b="0" lang="en-US" sz="1800" spc="-1" strike="noStrike">
               <a:latin typeface="Arial"/>
             </a:endParaRPr>
           </a:p>
@@ -20525,7 +21838,7 @@
           <a:prstGeom prst="line">
             <a:avLst/>
           </a:prstGeom>
-          <a:ln>
+          <a:ln w="0">
             <a:solidFill>
               <a:srgbClr val="3465a4"/>
             </a:solidFill>
@@ -20552,7 +21865,7 @@
           <a:prstGeom prst="line">
             <a:avLst/>
           </a:prstGeom>
-          <a:ln>
+          <a:ln w="0">
             <a:solidFill>
               <a:srgbClr val="3465a4"/>
             </a:solidFill>
@@ -20579,7 +21892,7 @@
           <a:prstGeom prst="line">
             <a:avLst/>
           </a:prstGeom>
-          <a:ln>
+          <a:ln w="0">
             <a:solidFill>
               <a:srgbClr val="3465a4"/>
             </a:solidFill>
@@ -20601,7 +21914,7 @@
         <p:spPr>
           <a:xfrm>
             <a:off x="5870160" y="3782160"/>
-            <a:ext cx="1149480" cy="501480"/>
+            <a:ext cx="1149120" cy="501120"/>
           </a:xfrm>
           <a:prstGeom prst="ellipse">
             <a:avLst/>
@@ -20609,7 +21922,7 @@
           <a:solidFill>
             <a:srgbClr val="729fcf"/>
           </a:solidFill>
-          <a:ln>
+          <a:ln w="0">
             <a:solidFill>
               <a:srgbClr val="3465a4"/>
             </a:solidFill>
@@ -20641,7 +21954,7 @@
               </a:rPr>
               <a:t>REF/TEXT</a:t>
             </a:r>
-            <a:endParaRPr b="0" lang="en-IN" sz="1800" spc="-1" strike="noStrike">
+            <a:endParaRPr b="0" lang="en-US" sz="1800" spc="-1" strike="noStrike">
               <a:latin typeface="Arial"/>
             </a:endParaRPr>
           </a:p>
@@ -20656,13 +21969,13 @@
         <p:spPr>
           <a:xfrm>
             <a:off x="7380000" y="3115440"/>
-            <a:ext cx="2625480" cy="598680"/>
+            <a:ext cx="2625120" cy="598320"/>
           </a:xfrm>
           <a:prstGeom prst="rect">
             <a:avLst/>
           </a:prstGeom>
           <a:noFill/>
-          <a:ln>
+          <a:ln w="0">
             <a:noFill/>
           </a:ln>
         </p:spPr>
@@ -20692,7 +22005,7 @@
               </a:rPr>
               <a:t>We consider the relationship TEACHES along with entities TEACHER and SUBJECT as an AGGRGATE entity and define the realtion USES.</a:t>
             </a:r>
-            <a:endParaRPr b="0" lang="en-IN" sz="1800" spc="-1" strike="noStrike">
+            <a:endParaRPr b="0" lang="en-US" sz="1800" spc="-1" strike="noStrike">
               <a:latin typeface="Arial"/>
             </a:endParaRPr>
           </a:p>
@@ -20712,7 +22025,7 @@
           <a:prstGeom prst="line">
             <a:avLst/>
           </a:prstGeom>
-          <a:ln>
+          <a:ln w="0">
             <a:solidFill>
               <a:srgbClr val="3465a4"/>
             </a:solidFill>
@@ -20739,7 +22052,7 @@
           <a:prstGeom prst="line">
             <a:avLst/>
           </a:prstGeom>
-          <a:ln>
+          <a:ln w="0">
             <a:solidFill>
               <a:srgbClr val="3465a4"/>
             </a:solidFill>
@@ -20766,7 +22079,7 @@
           <a:prstGeom prst="line">
             <a:avLst/>
           </a:prstGeom>
-          <a:ln>
+          <a:ln w="0">
             <a:solidFill>
               <a:srgbClr val="3465a4"/>
             </a:solidFill>
@@ -20793,7 +22106,7 @@
           <a:prstGeom prst="line">
             <a:avLst/>
           </a:prstGeom>
-          <a:ln>
+          <a:ln w="0">
             <a:solidFill>
               <a:srgbClr val="3465a4"/>
             </a:solidFill>
@@ -20820,7 +22133,7 @@
           <a:prstGeom prst="line">
             <a:avLst/>
           </a:prstGeom>
-          <a:ln>
+          <a:ln w="0">
             <a:solidFill>
               <a:srgbClr val="3465a4"/>
             </a:solidFill>
@@ -20847,7 +22160,7 @@
           <a:prstGeom prst="line">
             <a:avLst/>
           </a:prstGeom>
-          <a:ln>
+          <a:ln w="0">
             <a:solidFill>
               <a:srgbClr val="3465a4"/>
             </a:solidFill>
@@ -20874,7 +22187,7 @@
           <a:prstGeom prst="line">
             <a:avLst/>
           </a:prstGeom>
-          <a:ln>
+          <a:ln w="0">
             <a:solidFill>
               <a:srgbClr val="3465a4"/>
             </a:solidFill>

--- a/GATE/images/gate_images.pptx
+++ b/GATE/images/gate_images.pptx
@@ -26,6 +26,9 @@
     <p:sldId id="274" r:id="rId21"/>
     <p:sldId id="275" r:id="rId22"/>
     <p:sldId id="276" r:id="rId23"/>
+    <p:sldId id="277" r:id="rId24"/>
+    <p:sldId id="278" r:id="rId25"/>
+    <p:sldId id="279" r:id="rId26"/>
   </p:sldIdLst>
   <p:sldSz cx="10080625" cy="5670550"/>
   <p:notesSz cx="7772400" cy="10058400"/>
@@ -1667,7 +1670,7 @@
         <p:spPr>
           <a:xfrm>
             <a:off x="1836000" y="1332000"/>
-            <a:ext cx="2370960" cy="786960"/>
+            <a:ext cx="2370600" cy="786600"/>
           </a:xfrm>
           <a:prstGeom prst="rect">
             <a:avLst/>
@@ -1722,7 +1725,7 @@
         <p:spPr>
           <a:xfrm>
             <a:off x="1836000" y="2880000"/>
-            <a:ext cx="2370960" cy="786960"/>
+            <a:ext cx="2370600" cy="786600"/>
           </a:xfrm>
           <a:prstGeom prst="rect">
             <a:avLst/>
@@ -1787,7 +1790,7 @@
         <p:spPr>
           <a:xfrm>
             <a:off x="1836000" y="4176000"/>
-            <a:ext cx="2370960" cy="786960"/>
+            <a:ext cx="2370600" cy="786600"/>
           </a:xfrm>
           <a:prstGeom prst="rect">
             <a:avLst/>
@@ -1862,7 +1865,7 @@
         <p:spPr>
           <a:xfrm>
             <a:off x="5292000" y="900000"/>
-            <a:ext cx="2370960" cy="1506960"/>
+            <a:ext cx="2370600" cy="1506600"/>
           </a:xfrm>
           <a:prstGeom prst="rect">
             <a:avLst/>
@@ -1997,7 +2000,7 @@
         <p:spPr>
           <a:xfrm>
             <a:off x="5292000" y="2571480"/>
-            <a:ext cx="2370960" cy="1275480"/>
+            <a:ext cx="2370600" cy="1275120"/>
           </a:xfrm>
           <a:prstGeom prst="rect">
             <a:avLst/>
@@ -2112,7 +2115,7 @@
         <p:spPr>
           <a:xfrm>
             <a:off x="5292000" y="4047480"/>
-            <a:ext cx="2370960" cy="1023480"/>
+            <a:ext cx="2370600" cy="1023120"/>
           </a:xfrm>
           <a:prstGeom prst="rect">
             <a:avLst/>
@@ -2291,7 +2294,7 @@
         <p:spPr>
           <a:xfrm>
             <a:off x="2988000" y="360000"/>
-            <a:ext cx="4386960" cy="341280"/>
+            <a:ext cx="4386600" cy="340920"/>
           </a:xfrm>
           <a:prstGeom prst="rect">
             <a:avLst/>
@@ -2372,7 +2375,7 @@
         <p:spPr>
           <a:xfrm>
             <a:off x="1440000" y="720000"/>
-            <a:ext cx="6765120" cy="1797120"/>
+            <a:ext cx="6764760" cy="1796760"/>
           </a:xfrm>
           <a:prstGeom prst="rect">
             <a:avLst/>
@@ -2402,7 +2405,7 @@
         <p:spPr>
           <a:xfrm>
             <a:off x="2016000" y="1188000"/>
-            <a:ext cx="1435320" cy="787320"/>
+            <a:ext cx="1434960" cy="786960"/>
           </a:xfrm>
           <a:prstGeom prst="rect">
             <a:avLst/>
@@ -2457,7 +2460,7 @@
         <p:spPr>
           <a:xfrm>
             <a:off x="6192000" y="1188000"/>
-            <a:ext cx="1435320" cy="787320"/>
+            <a:ext cx="1434960" cy="786960"/>
           </a:xfrm>
           <a:prstGeom prst="rect">
             <a:avLst/>
@@ -2512,7 +2515,7 @@
         <p:spPr>
           <a:xfrm>
             <a:off x="4140000" y="900000"/>
-            <a:ext cx="1435320" cy="1363320"/>
+            <a:ext cx="1434960" cy="1362960"/>
           </a:xfrm>
           <a:custGeom>
             <a:avLst/>
@@ -2698,7 +2701,7 @@
         <p:spPr>
           <a:xfrm>
             <a:off x="4320000" y="3168000"/>
-            <a:ext cx="1039320" cy="789120"/>
+            <a:ext cx="1038960" cy="788760"/>
           </a:xfrm>
           <a:custGeom>
             <a:avLst/>
@@ -2776,7 +2779,7 @@
         <p:spPr>
           <a:xfrm>
             <a:off x="4176000" y="4428000"/>
-            <a:ext cx="1435320" cy="787320"/>
+            <a:ext cx="1434960" cy="786960"/>
           </a:xfrm>
           <a:prstGeom prst="rect">
             <a:avLst/>
@@ -2858,7 +2861,7 @@
         <p:spPr>
           <a:xfrm>
             <a:off x="5870160" y="3314160"/>
-            <a:ext cx="1149120" cy="501120"/>
+            <a:ext cx="1148760" cy="500760"/>
           </a:xfrm>
           <a:prstGeom prst="ellipse">
             <a:avLst/>
@@ -2997,7 +3000,7 @@
         <p:spPr>
           <a:xfrm>
             <a:off x="1944000" y="900000"/>
-            <a:ext cx="1435320" cy="787320"/>
+            <a:ext cx="1434960" cy="786960"/>
           </a:xfrm>
           <a:prstGeom prst="rect">
             <a:avLst/>
@@ -3052,7 +3055,7 @@
         <p:spPr>
           <a:xfrm>
             <a:off x="6120000" y="900000"/>
-            <a:ext cx="1435320" cy="787320"/>
+            <a:ext cx="1434960" cy="786960"/>
           </a:xfrm>
           <a:prstGeom prst="rect">
             <a:avLst/>
@@ -3107,7 +3110,7 @@
         <p:spPr>
           <a:xfrm>
             <a:off x="4068000" y="612000"/>
-            <a:ext cx="1435320" cy="1363320"/>
+            <a:ext cx="1434960" cy="1362960"/>
           </a:xfrm>
           <a:custGeom>
             <a:avLst/>
@@ -3286,7 +3289,7 @@
         <p:spPr>
           <a:xfrm>
             <a:off x="2592000" y="5904000"/>
-            <a:ext cx="7124040" cy="598320"/>
+            <a:ext cx="7123680" cy="597960"/>
           </a:xfrm>
           <a:prstGeom prst="rect">
             <a:avLst/>
@@ -3357,7 +3360,7 @@
         <p:spPr>
           <a:xfrm>
             <a:off x="360000" y="216360"/>
-            <a:ext cx="1149120" cy="501120"/>
+            <a:ext cx="1148760" cy="500760"/>
           </a:xfrm>
           <a:prstGeom prst="ellipse">
             <a:avLst/>
@@ -3412,7 +3415,7 @@
         <p:spPr>
           <a:xfrm>
             <a:off x="1727640" y="216360"/>
-            <a:ext cx="1149120" cy="501120"/>
+            <a:ext cx="1148760" cy="500760"/>
           </a:xfrm>
           <a:prstGeom prst="ellipse">
             <a:avLst/>
@@ -3467,7 +3470,7 @@
         <p:spPr>
           <a:xfrm>
             <a:off x="359280" y="1008360"/>
-            <a:ext cx="1149120" cy="501120"/>
+            <a:ext cx="1148760" cy="500760"/>
           </a:xfrm>
           <a:prstGeom prst="ellipse">
             <a:avLst/>
@@ -3522,7 +3525,7 @@
         <p:spPr>
           <a:xfrm>
             <a:off x="358920" y="1800360"/>
-            <a:ext cx="1149120" cy="501120"/>
+            <a:ext cx="1148760" cy="500760"/>
           </a:xfrm>
           <a:prstGeom prst="ellipse">
             <a:avLst/>
@@ -3577,7 +3580,7 @@
         <p:spPr>
           <a:xfrm>
             <a:off x="1906560" y="1836360"/>
-            <a:ext cx="1149120" cy="501120"/>
+            <a:ext cx="1148760" cy="500760"/>
           </a:xfrm>
           <a:prstGeom prst="ellipse">
             <a:avLst/>
@@ -3632,7 +3635,7 @@
         <p:spPr>
           <a:xfrm>
             <a:off x="4211280" y="360"/>
-            <a:ext cx="1149120" cy="501120"/>
+            <a:ext cx="1148760" cy="500760"/>
           </a:xfrm>
           <a:prstGeom prst="ellipse">
             <a:avLst/>
@@ -3687,7 +3690,7 @@
         <p:spPr>
           <a:xfrm>
             <a:off x="6226920" y="360"/>
-            <a:ext cx="1149120" cy="501120"/>
+            <a:ext cx="1148760" cy="500760"/>
           </a:xfrm>
           <a:prstGeom prst="ellipse">
             <a:avLst/>
@@ -3742,7 +3745,7 @@
         <p:spPr>
           <a:xfrm>
             <a:off x="4210920" y="360"/>
-            <a:ext cx="1149120" cy="501120"/>
+            <a:ext cx="1148760" cy="500760"/>
           </a:xfrm>
           <a:prstGeom prst="ellipse">
             <a:avLst/>
@@ -3797,7 +3800,7 @@
         <p:spPr>
           <a:xfrm>
             <a:off x="7738920" y="252360"/>
-            <a:ext cx="1149120" cy="501120"/>
+            <a:ext cx="1148760" cy="500760"/>
           </a:xfrm>
           <a:prstGeom prst="ellipse">
             <a:avLst/>
@@ -3852,7 +3855,7 @@
         <p:spPr>
           <a:xfrm>
             <a:off x="7810920" y="936360"/>
-            <a:ext cx="1149120" cy="501120"/>
+            <a:ext cx="1148760" cy="500760"/>
           </a:xfrm>
           <a:prstGeom prst="ellipse">
             <a:avLst/>
@@ -5388,7 +5391,7 @@
         <p:spPr>
           <a:xfrm>
             <a:off x="576000" y="4320000"/>
-            <a:ext cx="2445480" cy="343800"/>
+            <a:ext cx="2445120" cy="343440"/>
           </a:xfrm>
           <a:prstGeom prst="rect">
             <a:avLst/>
@@ -5439,7 +5442,7 @@
         <p:spPr>
           <a:xfrm>
             <a:off x="7092000" y="3672000"/>
-            <a:ext cx="2445480" cy="343800"/>
+            <a:ext cx="2445120" cy="343440"/>
           </a:xfrm>
           <a:prstGeom prst="rect">
             <a:avLst/>
@@ -5490,7 +5493,7 @@
         <p:spPr>
           <a:xfrm>
             <a:off x="3744000" y="5328000"/>
-            <a:ext cx="2445480" cy="343800"/>
+            <a:ext cx="2445120" cy="343440"/>
           </a:xfrm>
           <a:prstGeom prst="rect">
             <a:avLst/>
@@ -5571,7 +5574,7 @@
         <p:spPr>
           <a:xfrm>
             <a:off x="5934960" y="1050480"/>
-            <a:ext cx="1693800" cy="1004760"/>
+            <a:ext cx="1693440" cy="1004400"/>
           </a:xfrm>
           <a:prstGeom prst="rect">
             <a:avLst/>
@@ -5601,7 +5604,7 @@
         <p:spPr>
           <a:xfrm>
             <a:off x="1908000" y="1152000"/>
-            <a:ext cx="1435320" cy="787320"/>
+            <a:ext cx="1434960" cy="786960"/>
           </a:xfrm>
           <a:prstGeom prst="rect">
             <a:avLst/>
@@ -5656,7 +5659,7 @@
         <p:spPr>
           <a:xfrm>
             <a:off x="6084000" y="1152000"/>
-            <a:ext cx="1435320" cy="787320"/>
+            <a:ext cx="1434960" cy="786960"/>
           </a:xfrm>
           <a:prstGeom prst="rect">
             <a:avLst/>
@@ -5711,7 +5714,7 @@
         <p:spPr>
           <a:xfrm>
             <a:off x="4032000" y="864000"/>
-            <a:ext cx="1435320" cy="1363320"/>
+            <a:ext cx="1434960" cy="1362960"/>
           </a:xfrm>
           <a:custGeom>
             <a:avLst/>
@@ -5843,7 +5846,7 @@
         <p:spPr>
           <a:xfrm>
             <a:off x="1548000" y="576000"/>
-            <a:ext cx="2121480" cy="465480"/>
+            <a:ext cx="2121120" cy="465120"/>
           </a:xfrm>
           <a:prstGeom prst="rect">
             <a:avLst/>
@@ -5949,7 +5952,7 @@
         <p:spPr>
           <a:xfrm>
             <a:off x="5760000" y="576000"/>
-            <a:ext cx="2121480" cy="465480"/>
+            <a:ext cx="2121120" cy="465120"/>
           </a:xfrm>
           <a:prstGeom prst="rect">
             <a:avLst/>
@@ -6000,7 +6003,7 @@
         <p:spPr>
           <a:xfrm>
             <a:off x="216000" y="2376000"/>
-            <a:ext cx="2121480" cy="2589480"/>
+            <a:ext cx="2121120" cy="2589120"/>
           </a:xfrm>
           <a:prstGeom prst="rect">
             <a:avLst/>
@@ -6709,7 +6712,7 @@
         <p:spPr>
           <a:xfrm>
             <a:off x="1945800" y="3636000"/>
-            <a:ext cx="1435320" cy="787320"/>
+            <a:ext cx="1434960" cy="786960"/>
           </a:xfrm>
           <a:prstGeom prst="rect">
             <a:avLst/>
@@ -6784,7 +6787,7 @@
         <p:spPr>
           <a:xfrm>
             <a:off x="6300000" y="3673800"/>
-            <a:ext cx="1435320" cy="787320"/>
+            <a:ext cx="1434960" cy="786960"/>
           </a:xfrm>
           <a:prstGeom prst="rect">
             <a:avLst/>
@@ -6913,7 +6916,7 @@
         <p:spPr>
           <a:xfrm>
             <a:off x="1764000" y="4860000"/>
-            <a:ext cx="7124040" cy="598320"/>
+            <a:ext cx="7123680" cy="597960"/>
           </a:xfrm>
           <a:prstGeom prst="rect">
             <a:avLst/>
@@ -6939,7 +6942,7 @@
         <p:spPr>
           <a:xfrm>
             <a:off x="4140000" y="1080000"/>
-            <a:ext cx="1435320" cy="787320"/>
+            <a:ext cx="1434960" cy="786960"/>
           </a:xfrm>
           <a:prstGeom prst="rect">
             <a:avLst/>
@@ -6994,7 +6997,7 @@
         <p:spPr>
           <a:xfrm>
             <a:off x="4392000" y="2267640"/>
-            <a:ext cx="933120" cy="1005120"/>
+            <a:ext cx="932760" cy="1004760"/>
           </a:xfrm>
           <a:custGeom>
             <a:avLst/>
@@ -7043,7 +7046,7 @@
         <p:spPr>
           <a:xfrm>
             <a:off x="4572000" y="2304000"/>
-            <a:ext cx="645120" cy="343440"/>
+            <a:ext cx="644760" cy="343080"/>
           </a:xfrm>
           <a:prstGeom prst="rect">
             <a:avLst/>
@@ -7175,7 +7178,7 @@
         <p:spPr>
           <a:xfrm>
             <a:off x="2592000" y="432000"/>
-            <a:ext cx="1149120" cy="501120"/>
+            <a:ext cx="1148760" cy="500760"/>
           </a:xfrm>
           <a:prstGeom prst="ellipse">
             <a:avLst/>
@@ -7230,7 +7233,7 @@
         <p:spPr>
           <a:xfrm>
             <a:off x="4104360" y="360360"/>
-            <a:ext cx="1149120" cy="501120"/>
+            <a:ext cx="1148760" cy="500760"/>
           </a:xfrm>
           <a:prstGeom prst="ellipse">
             <a:avLst/>
@@ -7285,7 +7288,7 @@
         <p:spPr>
           <a:xfrm>
             <a:off x="5652720" y="432720"/>
-            <a:ext cx="1149120" cy="501120"/>
+            <a:ext cx="1148760" cy="500760"/>
           </a:xfrm>
           <a:prstGeom prst="ellipse">
             <a:avLst/>
@@ -7340,7 +7343,7 @@
         <p:spPr>
           <a:xfrm>
             <a:off x="3813480" y="4321080"/>
-            <a:ext cx="1149120" cy="501120"/>
+            <a:ext cx="1148760" cy="500760"/>
           </a:xfrm>
           <a:prstGeom prst="ellipse">
             <a:avLst/>
@@ -7395,7 +7398,7 @@
         <p:spPr>
           <a:xfrm>
             <a:off x="2193840" y="4717440"/>
-            <a:ext cx="1149120" cy="501120"/>
+            <a:ext cx="1148760" cy="500760"/>
           </a:xfrm>
           <a:prstGeom prst="ellipse">
             <a:avLst/>
@@ -7450,7 +7453,7 @@
         <p:spPr>
           <a:xfrm>
             <a:off x="682200" y="4501800"/>
-            <a:ext cx="1149120" cy="501120"/>
+            <a:ext cx="1148760" cy="500760"/>
           </a:xfrm>
           <a:prstGeom prst="ellipse">
             <a:avLst/>
@@ -7505,7 +7508,7 @@
         <p:spPr>
           <a:xfrm>
             <a:off x="5434560" y="4574160"/>
-            <a:ext cx="1149120" cy="501120"/>
+            <a:ext cx="1148760" cy="500760"/>
           </a:xfrm>
           <a:prstGeom prst="ellipse">
             <a:avLst/>
@@ -7560,7 +7563,7 @@
         <p:spPr>
           <a:xfrm>
             <a:off x="7634160" y="4574520"/>
-            <a:ext cx="1149120" cy="501120"/>
+            <a:ext cx="1148760" cy="500760"/>
           </a:xfrm>
           <a:prstGeom prst="ellipse">
             <a:avLst/>
@@ -7615,7 +7618,7 @@
         <p:spPr>
           <a:xfrm>
             <a:off x="686520" y="3098880"/>
-            <a:ext cx="1149120" cy="501120"/>
+            <a:ext cx="1148760" cy="500760"/>
           </a:xfrm>
           <a:prstGeom prst="ellipse">
             <a:avLst/>
@@ -7913,7 +7916,7 @@
         <p:spPr>
           <a:xfrm>
             <a:off x="216000" y="288000"/>
-            <a:ext cx="2373480" cy="2301480"/>
+            <a:ext cx="2373120" cy="2301120"/>
           </a:xfrm>
           <a:prstGeom prst="rect">
             <a:avLst/>
@@ -8034,7 +8037,7 @@
         <p:spPr>
           <a:xfrm>
             <a:off x="1908000" y="936000"/>
-            <a:ext cx="1435320" cy="787320"/>
+            <a:ext cx="1434960" cy="786960"/>
           </a:xfrm>
           <a:prstGeom prst="rect">
             <a:avLst/>
@@ -8089,7 +8092,7 @@
         <p:spPr>
           <a:xfrm>
             <a:off x="6084000" y="936000"/>
-            <a:ext cx="1435320" cy="787320"/>
+            <a:ext cx="1434960" cy="786960"/>
           </a:xfrm>
           <a:prstGeom prst="rect">
             <a:avLst/>
@@ -8144,7 +8147,7 @@
         <p:spPr>
           <a:xfrm>
             <a:off x="4934160" y="4392000"/>
-            <a:ext cx="1435320" cy="787320"/>
+            <a:ext cx="1434960" cy="786960"/>
           </a:xfrm>
           <a:prstGeom prst="rect">
             <a:avLst/>
@@ -8199,7 +8202,7 @@
         <p:spPr>
           <a:xfrm>
             <a:off x="4032000" y="648000"/>
-            <a:ext cx="1435320" cy="1363320"/>
+            <a:ext cx="1434960" cy="1362960"/>
           </a:xfrm>
           <a:custGeom>
             <a:avLst/>
@@ -8297,7 +8300,7 @@
         <p:spPr>
           <a:xfrm>
             <a:off x="1908000" y="3204360"/>
-            <a:ext cx="1435320" cy="1363320"/>
+            <a:ext cx="1434960" cy="1362960"/>
           </a:xfrm>
           <a:custGeom>
             <a:avLst/>
@@ -8449,7 +8452,7 @@
         <p:spPr>
           <a:xfrm>
             <a:off x="4140000" y="2234160"/>
-            <a:ext cx="1149480" cy="571320"/>
+            <a:ext cx="1149120" cy="570960"/>
           </a:xfrm>
           <a:prstGeom prst="ellipse">
             <a:avLst/>
@@ -8504,7 +8507,7 @@
         <p:spPr>
           <a:xfrm>
             <a:off x="3708360" y="3636360"/>
-            <a:ext cx="1077120" cy="571320"/>
+            <a:ext cx="1076760" cy="570960"/>
           </a:xfrm>
           <a:prstGeom prst="ellipse">
             <a:avLst/>
@@ -8613,7 +8616,7 @@
         <p:spPr>
           <a:xfrm>
             <a:off x="504000" y="396000"/>
-            <a:ext cx="1149480" cy="571320"/>
+            <a:ext cx="1149120" cy="570960"/>
           </a:xfrm>
           <a:prstGeom prst="ellipse">
             <a:avLst/>
@@ -8668,7 +8671,7 @@
         <p:spPr>
           <a:xfrm>
             <a:off x="1944000" y="180000"/>
-            <a:ext cx="1149480" cy="571320"/>
+            <a:ext cx="1149120" cy="570960"/>
           </a:xfrm>
           <a:prstGeom prst="ellipse">
             <a:avLst/>
@@ -8723,7 +8726,7 @@
         <p:spPr>
           <a:xfrm>
             <a:off x="288000" y="1152000"/>
-            <a:ext cx="1149480" cy="571320"/>
+            <a:ext cx="1149120" cy="570960"/>
           </a:xfrm>
           <a:prstGeom prst="ellipse">
             <a:avLst/>
@@ -8778,7 +8781,7 @@
         <p:spPr>
           <a:xfrm>
             <a:off x="5940000" y="180000"/>
-            <a:ext cx="1149480" cy="571320"/>
+            <a:ext cx="1149120" cy="570960"/>
           </a:xfrm>
           <a:prstGeom prst="ellipse">
             <a:avLst/>
@@ -8833,7 +8836,7 @@
         <p:spPr>
           <a:xfrm>
             <a:off x="7560000" y="180000"/>
-            <a:ext cx="1149480" cy="571320"/>
+            <a:ext cx="1149120" cy="570960"/>
           </a:xfrm>
           <a:prstGeom prst="ellipse">
             <a:avLst/>
@@ -8888,7 +8891,7 @@
         <p:spPr>
           <a:xfrm>
             <a:off x="7992000" y="972000"/>
-            <a:ext cx="1149480" cy="571320"/>
+            <a:ext cx="1149120" cy="570960"/>
           </a:xfrm>
           <a:prstGeom prst="ellipse">
             <a:avLst/>
@@ -8970,7 +8973,7 @@
         <p:spPr>
           <a:xfrm>
             <a:off x="432000" y="3636360"/>
-            <a:ext cx="1077120" cy="571320"/>
+            <a:ext cx="1076760" cy="570960"/>
           </a:xfrm>
           <a:prstGeom prst="ellipse">
             <a:avLst/>
@@ -9025,7 +9028,7 @@
         <p:spPr>
           <a:xfrm>
             <a:off x="6803640" y="4068360"/>
-            <a:ext cx="1077120" cy="571320"/>
+            <a:ext cx="1076760" cy="570960"/>
           </a:xfrm>
           <a:prstGeom prst="ellipse">
             <a:avLst/>
@@ -9080,7 +9083,7 @@
         <p:spPr>
           <a:xfrm>
             <a:off x="6839280" y="4752360"/>
-            <a:ext cx="1077120" cy="571320"/>
+            <a:ext cx="1076760" cy="570960"/>
           </a:xfrm>
           <a:prstGeom prst="ellipse">
             <a:avLst/>
@@ -9490,7 +9493,7 @@
         <p:spPr>
           <a:xfrm>
             <a:off x="2556000" y="1152000"/>
-            <a:ext cx="4533840" cy="357840"/>
+            <a:ext cx="4533480" cy="357480"/>
           </a:xfrm>
           <a:prstGeom prst="rect">
             <a:avLst/>
@@ -10340,7 +10343,7 @@
         <p:spPr>
           <a:xfrm>
             <a:off x="3492000" y="3541680"/>
-            <a:ext cx="3022920" cy="345240"/>
+            <a:ext cx="3022560" cy="344880"/>
           </a:xfrm>
           <a:prstGeom prst="rect">
             <a:avLst/>
@@ -10391,7 +10394,7 @@
         <p:spPr>
           <a:xfrm>
             <a:off x="144000" y="3564000"/>
-            <a:ext cx="3022920" cy="345240"/>
+            <a:ext cx="3022560" cy="344880"/>
           </a:xfrm>
           <a:prstGeom prst="rect">
             <a:avLst/>
@@ -10442,7 +10445,7 @@
         <p:spPr>
           <a:xfrm>
             <a:off x="7308000" y="3528000"/>
-            <a:ext cx="3022920" cy="345240"/>
+            <a:ext cx="3022560" cy="344880"/>
           </a:xfrm>
           <a:prstGeom prst="rect">
             <a:avLst/>
@@ -10895,7 +10898,7 @@
         <p:spPr>
           <a:xfrm>
             <a:off x="3492000" y="3541680"/>
-            <a:ext cx="3022920" cy="345240"/>
+            <a:ext cx="3022560" cy="344880"/>
           </a:xfrm>
           <a:prstGeom prst="rect">
             <a:avLst/>
@@ -10946,7 +10949,7 @@
         <p:spPr>
           <a:xfrm>
             <a:off x="144000" y="3564000"/>
-            <a:ext cx="3022920" cy="345240"/>
+            <a:ext cx="3022560" cy="344880"/>
           </a:xfrm>
           <a:prstGeom prst="rect">
             <a:avLst/>
@@ -10997,7 +11000,7 @@
         <p:spPr>
           <a:xfrm>
             <a:off x="7308000" y="3528000"/>
-            <a:ext cx="3022920" cy="345240"/>
+            <a:ext cx="3022560" cy="344880"/>
           </a:xfrm>
           <a:prstGeom prst="rect">
             <a:avLst/>
@@ -12026,7 +12029,7 @@
         <p:spPr>
           <a:xfrm>
             <a:off x="3456000" y="1008000"/>
-            <a:ext cx="3239280" cy="345600"/>
+            <a:ext cx="3238920" cy="345240"/>
           </a:xfrm>
           <a:prstGeom prst="rect">
             <a:avLst/>
@@ -12077,7 +12080,7 @@
         <p:spPr>
           <a:xfrm>
             <a:off x="648000" y="1836000"/>
-            <a:ext cx="3239280" cy="345600"/>
+            <a:ext cx="3238920" cy="345240"/>
           </a:xfrm>
           <a:prstGeom prst="rect">
             <a:avLst/>
@@ -12128,7 +12131,7 @@
         <p:spPr>
           <a:xfrm>
             <a:off x="5436000" y="2160000"/>
-            <a:ext cx="3239280" cy="345600"/>
+            <a:ext cx="3238920" cy="345240"/>
           </a:xfrm>
           <a:prstGeom prst="rect">
             <a:avLst/>
@@ -12206,7 +12209,7 @@
         <p:spPr>
           <a:xfrm>
             <a:off x="8676000" y="2988000"/>
-            <a:ext cx="1043280" cy="755280"/>
+            <a:ext cx="1042920" cy="754920"/>
           </a:xfrm>
           <a:prstGeom prst="rect">
             <a:avLst/>
@@ -12344,7 +12347,7 @@
         <p:spPr>
           <a:xfrm>
             <a:off x="2448000" y="4464000"/>
-            <a:ext cx="5831280" cy="755280"/>
+            <a:ext cx="5830920" cy="754920"/>
           </a:xfrm>
           <a:prstGeom prst="rect">
             <a:avLst/>
@@ -12424,7 +12427,7 @@
         </p:nvGraphicFramePr>
         <p:xfrm>
           <a:off x="5669280" y="1124640"/>
-          <a:ext cx="3259440" cy="3837240"/>
+          <a:ext cx="3259440" cy="3825000"/>
         </p:xfrm>
         <a:graphic>
           <a:graphicData uri="http://schemas.openxmlformats.org/drawingml/2006/table">
@@ -14206,7 +14209,7 @@
         <p:spPr>
           <a:xfrm>
             <a:off x="1728000" y="1741680"/>
-            <a:ext cx="1151640" cy="345960"/>
+            <a:ext cx="1151280" cy="345600"/>
           </a:xfrm>
           <a:prstGeom prst="rect">
             <a:avLst/>
@@ -14234,7 +14237,11 @@
             </a:pPr>
             <a:r>
               <a:rPr b="0" lang="en-IN" sz="1800" spc="-1" strike="noStrike">
+                <a:solidFill>
+                  <a:srgbClr val="000000"/>
+                </a:solidFill>
                 <a:latin typeface="Arial"/>
+                <a:ea typeface="DejaVu Sans"/>
               </a:rPr>
               <a:t>Index file</a:t>
             </a:r>
@@ -14253,7 +14260,7 @@
         <p:spPr>
           <a:xfrm>
             <a:off x="6480000" y="648000"/>
-            <a:ext cx="1691640" cy="345960"/>
+            <a:ext cx="1691280" cy="345600"/>
           </a:xfrm>
           <a:prstGeom prst="rect">
             <a:avLst/>
@@ -14281,7 +14288,11 @@
             </a:pPr>
             <a:r>
               <a:rPr b="0" lang="en-IN" sz="1800" spc="-1" strike="noStrike">
+                <a:solidFill>
+                  <a:srgbClr val="000000"/>
+                </a:solidFill>
                 <a:latin typeface="Arial"/>
+                <a:ea typeface="DejaVu Sans"/>
               </a:rPr>
               <a:t>Sequential file</a:t>
             </a:r>
@@ -14330,7 +14341,7 @@
         <p:spPr>
           <a:xfrm>
             <a:off x="1908000" y="936000"/>
-            <a:ext cx="1435320" cy="787320"/>
+            <a:ext cx="1434960" cy="786960"/>
           </a:xfrm>
           <a:prstGeom prst="rect">
             <a:avLst/>
@@ -14385,7 +14396,7 @@
         <p:spPr>
           <a:xfrm>
             <a:off x="6084000" y="936000"/>
-            <a:ext cx="1435320" cy="787320"/>
+            <a:ext cx="1434960" cy="786960"/>
           </a:xfrm>
           <a:prstGeom prst="rect">
             <a:avLst/>
@@ -14440,7 +14451,7 @@
         <p:spPr>
           <a:xfrm>
             <a:off x="1908000" y="4068000"/>
-            <a:ext cx="1435320" cy="787320"/>
+            <a:ext cx="1434960" cy="786960"/>
           </a:xfrm>
           <a:prstGeom prst="rect">
             <a:avLst/>
@@ -14495,7 +14506,7 @@
         <p:spPr>
           <a:xfrm>
             <a:off x="4032000" y="648000"/>
-            <a:ext cx="1435320" cy="1363320"/>
+            <a:ext cx="1434960" cy="1362960"/>
           </a:xfrm>
           <a:custGeom>
             <a:avLst/>
@@ -14593,7 +14604,7 @@
         <p:spPr>
           <a:xfrm>
             <a:off x="1872000" y="2232360"/>
-            <a:ext cx="1435320" cy="1363320"/>
+            <a:ext cx="1434960" cy="1362960"/>
           </a:xfrm>
           <a:custGeom>
             <a:avLst/>
@@ -14799,7 +14810,7 @@
         <p:spPr>
           <a:xfrm>
             <a:off x="5184000" y="2340000"/>
-            <a:ext cx="2011320" cy="571320"/>
+            <a:ext cx="2010960" cy="570960"/>
           </a:xfrm>
           <a:prstGeom prst="ellipse">
             <a:avLst/>
@@ -14854,7 +14865,7 @@
         <p:spPr>
           <a:xfrm>
             <a:off x="3960360" y="3240360"/>
-            <a:ext cx="2011320" cy="571320"/>
+            <a:ext cx="2010960" cy="570960"/>
           </a:xfrm>
           <a:prstGeom prst="ellipse">
             <a:avLst/>
@@ -14992,7 +15003,7 @@
         </p:nvGraphicFramePr>
         <p:xfrm>
           <a:off x="2431800" y="1911240"/>
-          <a:ext cx="4883400" cy="719280"/>
+          <a:ext cx="4883040" cy="719280"/>
         </p:xfrm>
         <a:graphic>
           <a:graphicData uri="http://schemas.openxmlformats.org/drawingml/2006/table">
@@ -15035,10 +15046,15 @@
                 </a:tc>
                 <a:tc>
                   <a:txBody>
-                    <a:bodyPr lIns="90000" rIns="90000" tIns="46800" bIns="46800">
+                    <a:bodyPr lIns="90000" rIns="90000">
                       <a:noAutofit/>
                     </a:bodyPr>
                     <a:p>
+                      <a:pPr>
+                        <a:lnSpc>
+                          <a:spcPct val="100000"/>
+                        </a:lnSpc>
+                      </a:pPr>
                       <a:r>
                         <a:rPr b="0" lang="en-US" sz="1800" spc="-1" strike="noStrike">
                           <a:latin typeface="Arial"/>
@@ -15105,10 +15121,15 @@
                 </a:tc>
                 <a:tc>
                   <a:txBody>
-                    <a:bodyPr lIns="90000" rIns="90000" tIns="46800" bIns="46800">
+                    <a:bodyPr lIns="90000" rIns="90000">
                       <a:noAutofit/>
                     </a:bodyPr>
                     <a:p>
+                      <a:pPr>
+                        <a:lnSpc>
+                          <a:spcPct val="100000"/>
+                        </a:lnSpc>
+                      </a:pPr>
                       <a:r>
                         <a:rPr b="0" lang="en-US" sz="1800" spc="-1" strike="noStrike">
                           <a:latin typeface="Arial"/>
@@ -15180,14 +15201,14 @@
       </p:graphicFrame>
       <p:sp>
         <p:nvSpPr>
-          <p:cNvPr id="362" name="TextShape 2"/>
-          <p:cNvSpPr txBox="1"/>
+          <p:cNvPr id="362" name="CustomShape 2"/>
+          <p:cNvSpPr/>
           <p:nvPr/>
         </p:nvSpPr>
         <p:spPr>
           <a:xfrm>
             <a:off x="144000" y="2057400"/>
-            <a:ext cx="2514600" cy="602280"/>
+            <a:ext cx="2514240" cy="601920"/>
           </a:xfrm>
           <a:prstGeom prst="rect">
             <a:avLst/>
@@ -15197,11 +15218,22 @@
             <a:noFill/>
           </a:ln>
         </p:spPr>
+        <p:style>
+          <a:lnRef idx="0"/>
+          <a:fillRef idx="0"/>
+          <a:effectRef idx="0"/>
+          <a:fontRef idx="minor"/>
+        </p:style>
         <p:txBody>
           <a:bodyPr lIns="90000" rIns="90000" tIns="45000" bIns="45000">
             <a:noAutofit/>
           </a:bodyPr>
           <a:p>
+            <a:pPr>
+              <a:lnSpc>
+                <a:spcPct val="100000"/>
+              </a:lnSpc>
+            </a:pPr>
             <a:r>
               <a:rPr b="0" lang="en-US" sz="1800" spc="-1" strike="noStrike">
                 <a:latin typeface="Arial"/>
@@ -15216,14 +15248,14 @@
       </p:sp>
       <p:sp>
         <p:nvSpPr>
-          <p:cNvPr id="363" name="TextShape 3"/>
-          <p:cNvSpPr txBox="1"/>
+          <p:cNvPr id="363" name="CustomShape 3"/>
+          <p:cNvSpPr/>
           <p:nvPr/>
         </p:nvSpPr>
         <p:spPr>
           <a:xfrm>
             <a:off x="3405600" y="976680"/>
-            <a:ext cx="2971800" cy="346320"/>
+            <a:ext cx="2971440" cy="345960"/>
           </a:xfrm>
           <a:prstGeom prst="rect">
             <a:avLst/>
@@ -15233,11 +15265,22 @@
             <a:noFill/>
           </a:ln>
         </p:spPr>
+        <p:style>
+          <a:lnRef idx="0"/>
+          <a:fillRef idx="0"/>
+          <a:effectRef idx="0"/>
+          <a:fontRef idx="minor"/>
+        </p:style>
         <p:txBody>
           <a:bodyPr lIns="90000" rIns="90000" tIns="45000" bIns="45000">
             <a:noAutofit/>
           </a:bodyPr>
           <a:p>
+            <a:pPr>
+              <a:lnSpc>
+                <a:spcPct val="100000"/>
+              </a:lnSpc>
+            </a:pPr>
             <a:r>
               <a:rPr b="0" lang="en-US" sz="1800" spc="-1" strike="noStrike">
                 <a:latin typeface="Arial"/>
@@ -15336,14 +15379,14 @@
       </p:sp>
       <p:sp>
         <p:nvSpPr>
-          <p:cNvPr id="367" name="TextShape 7"/>
-          <p:cNvSpPr txBox="1"/>
+          <p:cNvPr id="367" name="CustomShape 7"/>
+          <p:cNvSpPr/>
           <p:nvPr/>
         </p:nvSpPr>
         <p:spPr>
           <a:xfrm>
             <a:off x="457200" y="3742200"/>
-            <a:ext cx="2971800" cy="858240"/>
+            <a:ext cx="2971440" cy="857880"/>
           </a:xfrm>
           <a:prstGeom prst="rect">
             <a:avLst/>
@@ -15353,11 +15396,22 @@
             <a:noFill/>
           </a:ln>
         </p:spPr>
+        <p:style>
+          <a:lnRef idx="0"/>
+          <a:fillRef idx="0"/>
+          <a:effectRef idx="0"/>
+          <a:fontRef idx="minor"/>
+        </p:style>
         <p:txBody>
           <a:bodyPr lIns="90000" rIns="90000" tIns="45000" bIns="45000">
             <a:noAutofit/>
           </a:bodyPr>
           <a:p>
+            <a:pPr>
+              <a:lnSpc>
+                <a:spcPct val="100000"/>
+              </a:lnSpc>
+            </a:pPr>
             <a:r>
               <a:rPr b="0" lang="en-US" sz="1800" spc="-1" strike="noStrike">
                 <a:latin typeface="Arial"/>
@@ -15372,14 +15426,14 @@
       </p:sp>
       <p:sp>
         <p:nvSpPr>
-          <p:cNvPr id="368" name="TextShape 8"/>
-          <p:cNvSpPr txBox="1"/>
+          <p:cNvPr id="368" name="CustomShape 8"/>
+          <p:cNvSpPr/>
           <p:nvPr/>
         </p:nvSpPr>
         <p:spPr>
           <a:xfrm>
             <a:off x="3866400" y="3742200"/>
-            <a:ext cx="2534400" cy="1114200"/>
+            <a:ext cx="2534040" cy="1113840"/>
           </a:xfrm>
           <a:prstGeom prst="rect">
             <a:avLst/>
@@ -15389,6 +15443,12 @@
             <a:noFill/>
           </a:ln>
         </p:spPr>
+        <p:style>
+          <a:lnRef idx="0"/>
+          <a:fillRef idx="0"/>
+          <a:effectRef idx="0"/>
+          <a:fontRef idx="minor"/>
+        </p:style>
         <p:txBody>
           <a:bodyPr lIns="90000" rIns="90000" tIns="45000" bIns="45000">
             <a:noAutofit/>
@@ -15413,14 +15473,14 @@
       </p:sp>
       <p:sp>
         <p:nvSpPr>
-          <p:cNvPr id="369" name="TextShape 9"/>
-          <p:cNvSpPr txBox="1"/>
+          <p:cNvPr id="369" name="CustomShape 9"/>
+          <p:cNvSpPr/>
           <p:nvPr/>
         </p:nvSpPr>
         <p:spPr>
           <a:xfrm>
             <a:off x="7086600" y="3706200"/>
-            <a:ext cx="2743200" cy="1094400"/>
+            <a:ext cx="2742840" cy="1094040"/>
           </a:xfrm>
           <a:prstGeom prst="rect">
             <a:avLst/>
@@ -15430,6 +15490,12 @@
             <a:noFill/>
           </a:ln>
         </p:spPr>
+        <p:style>
+          <a:lnRef idx="0"/>
+          <a:fillRef idx="0"/>
+          <a:effectRef idx="0"/>
+          <a:fontRef idx="minor"/>
+        </p:style>
         <p:txBody>
           <a:bodyPr lIns="90000" rIns="90000" tIns="45000" bIns="45000">
             <a:noAutofit/>
@@ -15454,14 +15520,14 @@
       </p:sp>
       <p:sp>
         <p:nvSpPr>
-          <p:cNvPr id="370" name="TextShape 10"/>
-          <p:cNvSpPr txBox="1"/>
+          <p:cNvPr id="370" name="CustomShape 10"/>
+          <p:cNvSpPr/>
           <p:nvPr/>
         </p:nvSpPr>
         <p:spPr>
           <a:xfrm>
             <a:off x="7488360" y="2057760"/>
-            <a:ext cx="2514600" cy="346320"/>
+            <a:ext cx="2514240" cy="345960"/>
           </a:xfrm>
           <a:prstGeom prst="rect">
             <a:avLst/>
@@ -15471,11 +15537,22 @@
             <a:noFill/>
           </a:ln>
         </p:spPr>
+        <p:style>
+          <a:lnRef idx="0"/>
+          <a:fillRef idx="0"/>
+          <a:effectRef idx="0"/>
+          <a:fontRef idx="minor"/>
+        </p:style>
         <p:txBody>
           <a:bodyPr lIns="90000" rIns="90000" tIns="45000" bIns="45000">
             <a:noAutofit/>
           </a:bodyPr>
           <a:p>
+            <a:pPr>
+              <a:lnSpc>
+                <a:spcPct val="100000"/>
+              </a:lnSpc>
+            </a:pPr>
             <a:r>
               <a:rPr b="0" lang="en-US" sz="1800" spc="-1" strike="noStrike">
                 <a:latin typeface="Arial"/>
@@ -15526,7 +15603,7 @@
         </p:nvGraphicFramePr>
         <p:xfrm>
           <a:off x="2431800" y="1911240"/>
-          <a:ext cx="4883400" cy="719280"/>
+          <a:ext cx="4883040" cy="719280"/>
         </p:xfrm>
         <a:graphic>
           <a:graphicData uri="http://schemas.openxmlformats.org/drawingml/2006/table">
@@ -15571,10 +15648,15 @@
                 </a:tc>
                 <a:tc>
                   <a:txBody>
-                    <a:bodyPr lIns="90000" rIns="90000" tIns="46800" bIns="46800">
+                    <a:bodyPr lIns="90000" rIns="90000">
                       <a:noAutofit/>
                     </a:bodyPr>
                     <a:p>
+                      <a:pPr>
+                        <a:lnSpc>
+                          <a:spcPct val="100000"/>
+                        </a:lnSpc>
+                      </a:pPr>
                       <a:r>
                         <a:rPr b="0" lang="en-US" sz="1800" spc="-1" strike="noStrike">
                           <a:latin typeface="Arial"/>
@@ -15641,10 +15723,15 @@
                 </a:tc>
                 <a:tc>
                   <a:txBody>
-                    <a:bodyPr lIns="90000" rIns="90000" tIns="46800" bIns="46800">
+                    <a:bodyPr lIns="90000" rIns="90000">
                       <a:noAutofit/>
                     </a:bodyPr>
                     <a:p>
+                      <a:pPr>
+                        <a:lnSpc>
+                          <a:spcPct val="100000"/>
+                        </a:lnSpc>
+                      </a:pPr>
                       <a:r>
                         <a:rPr b="0" lang="en-US" sz="1800" spc="-1" strike="noStrike">
                           <a:latin typeface="Arial"/>
@@ -15711,10 +15798,15 @@
                 </a:tc>
                 <a:tc>
                   <a:txBody>
-                    <a:bodyPr lIns="90000" rIns="90000" tIns="46800" bIns="46800">
+                    <a:bodyPr lIns="90000" rIns="90000">
                       <a:noAutofit/>
                     </a:bodyPr>
                     <a:p>
+                      <a:pPr>
+                        <a:lnSpc>
+                          <a:spcPct val="100000"/>
+                        </a:lnSpc>
+                      </a:pPr>
                       <a:r>
                         <a:rPr b="0" lang="en-US" sz="1800" spc="-1" strike="noStrike">
                           <a:latin typeface="Arial"/>
@@ -15786,14 +15878,14 @@
       </p:graphicFrame>
       <p:sp>
         <p:nvSpPr>
-          <p:cNvPr id="372" name="TextShape 2"/>
-          <p:cNvSpPr txBox="1"/>
+          <p:cNvPr id="372" name="CustomShape 2"/>
+          <p:cNvSpPr/>
           <p:nvPr/>
         </p:nvSpPr>
         <p:spPr>
           <a:xfrm>
             <a:off x="144000" y="2057400"/>
-            <a:ext cx="2514600" cy="602280"/>
+            <a:ext cx="2514240" cy="601920"/>
           </a:xfrm>
           <a:prstGeom prst="rect">
             <a:avLst/>
@@ -15803,11 +15895,22 @@
             <a:noFill/>
           </a:ln>
         </p:spPr>
+        <p:style>
+          <a:lnRef idx="0"/>
+          <a:fillRef idx="0"/>
+          <a:effectRef idx="0"/>
+          <a:fontRef idx="minor"/>
+        </p:style>
         <p:txBody>
           <a:bodyPr lIns="90000" rIns="90000" tIns="45000" bIns="45000">
             <a:noAutofit/>
           </a:bodyPr>
           <a:p>
+            <a:pPr>
+              <a:lnSpc>
+                <a:spcPct val="100000"/>
+              </a:lnSpc>
+            </a:pPr>
             <a:r>
               <a:rPr b="0" lang="en-US" sz="1800" spc="-1" strike="noStrike">
                 <a:latin typeface="Arial"/>
@@ -15822,14 +15925,14 @@
       </p:sp>
       <p:sp>
         <p:nvSpPr>
-          <p:cNvPr id="373" name="TextShape 3"/>
-          <p:cNvSpPr txBox="1"/>
+          <p:cNvPr id="373" name="CustomShape 3"/>
+          <p:cNvSpPr/>
           <p:nvPr/>
         </p:nvSpPr>
         <p:spPr>
           <a:xfrm>
             <a:off x="3405600" y="976680"/>
-            <a:ext cx="2971800" cy="346320"/>
+            <a:ext cx="2971440" cy="345960"/>
           </a:xfrm>
           <a:prstGeom prst="rect">
             <a:avLst/>
@@ -15839,11 +15942,22 @@
             <a:noFill/>
           </a:ln>
         </p:spPr>
+        <p:style>
+          <a:lnRef idx="0"/>
+          <a:fillRef idx="0"/>
+          <a:effectRef idx="0"/>
+          <a:fontRef idx="minor"/>
+        </p:style>
         <p:txBody>
           <a:bodyPr lIns="90000" rIns="90000" tIns="45000" bIns="45000">
             <a:noAutofit/>
           </a:bodyPr>
           <a:p>
+            <a:pPr>
+              <a:lnSpc>
+                <a:spcPct val="100000"/>
+              </a:lnSpc>
+            </a:pPr>
             <a:r>
               <a:rPr b="0" lang="en-US" sz="1800" spc="-1" strike="noStrike">
                 <a:latin typeface="Arial"/>
@@ -15942,14 +16056,14 @@
       </p:sp>
       <p:sp>
         <p:nvSpPr>
-          <p:cNvPr id="377" name="TextShape 7"/>
-          <p:cNvSpPr txBox="1"/>
+          <p:cNvPr id="377" name="CustomShape 7"/>
+          <p:cNvSpPr/>
           <p:nvPr/>
         </p:nvSpPr>
         <p:spPr>
           <a:xfrm>
             <a:off x="842400" y="3742200"/>
-            <a:ext cx="1697400" cy="1114200"/>
+            <a:ext cx="1697040" cy="1113840"/>
           </a:xfrm>
           <a:prstGeom prst="rect">
             <a:avLst/>
@@ -15959,11 +16073,22 @@
             <a:noFill/>
           </a:ln>
         </p:spPr>
+        <p:style>
+          <a:lnRef idx="0"/>
+          <a:fillRef idx="0"/>
+          <a:effectRef idx="0"/>
+          <a:fontRef idx="minor"/>
+        </p:style>
         <p:txBody>
           <a:bodyPr lIns="90000" rIns="90000" tIns="45000" bIns="45000">
             <a:noAutofit/>
           </a:bodyPr>
           <a:p>
+            <a:pPr>
+              <a:lnSpc>
+                <a:spcPct val="100000"/>
+              </a:lnSpc>
+            </a:pPr>
             <a:r>
               <a:rPr b="0" lang="en-US" sz="1800" spc="-1" strike="noStrike">
                 <a:latin typeface="Arial"/>
@@ -15978,14 +16103,14 @@
       </p:sp>
       <p:sp>
         <p:nvSpPr>
-          <p:cNvPr id="378" name="TextShape 8"/>
-          <p:cNvSpPr txBox="1"/>
+          <p:cNvPr id="378" name="CustomShape 8"/>
+          <p:cNvSpPr/>
           <p:nvPr/>
         </p:nvSpPr>
         <p:spPr>
           <a:xfrm>
             <a:off x="2822400" y="3742200"/>
-            <a:ext cx="2210400" cy="858240"/>
+            <a:ext cx="2210040" cy="857880"/>
           </a:xfrm>
           <a:prstGeom prst="rect">
             <a:avLst/>
@@ -15995,6 +16120,12 @@
             <a:noFill/>
           </a:ln>
         </p:spPr>
+        <p:style>
+          <a:lnRef idx="0"/>
+          <a:fillRef idx="0"/>
+          <a:effectRef idx="0"/>
+          <a:fontRef idx="minor"/>
+        </p:style>
         <p:txBody>
           <a:bodyPr lIns="90000" rIns="90000" tIns="45000" bIns="45000">
             <a:noAutofit/>
@@ -16019,14 +16150,14 @@
       </p:sp>
       <p:sp>
         <p:nvSpPr>
-          <p:cNvPr id="379" name="TextShape 9"/>
-          <p:cNvSpPr txBox="1"/>
+          <p:cNvPr id="379" name="CustomShape 9"/>
+          <p:cNvSpPr/>
           <p:nvPr/>
         </p:nvSpPr>
         <p:spPr>
           <a:xfrm>
             <a:off x="7772400" y="3706200"/>
-            <a:ext cx="2057400" cy="637200"/>
+            <a:ext cx="2057040" cy="636840"/>
           </a:xfrm>
           <a:prstGeom prst="rect">
             <a:avLst/>
@@ -16036,11 +16167,22 @@
             <a:noFill/>
           </a:ln>
         </p:spPr>
+        <p:style>
+          <a:lnRef idx="0"/>
+          <a:fillRef idx="0"/>
+          <a:effectRef idx="0"/>
+          <a:fontRef idx="minor"/>
+        </p:style>
         <p:txBody>
           <a:bodyPr lIns="90000" rIns="90000" tIns="45000" bIns="45000">
             <a:noAutofit/>
           </a:bodyPr>
           <a:p>
+            <a:pPr>
+              <a:lnSpc>
+                <a:spcPct val="100000"/>
+              </a:lnSpc>
+            </a:pPr>
             <a:r>
               <a:rPr b="0" lang="en-US" sz="1800" spc="-1" strike="noStrike">
                 <a:latin typeface="Arial"/>
@@ -16055,14 +16197,14 @@
       </p:sp>
       <p:sp>
         <p:nvSpPr>
-          <p:cNvPr id="380" name="TextShape 10"/>
-          <p:cNvSpPr txBox="1"/>
+          <p:cNvPr id="380" name="CustomShape 10"/>
+          <p:cNvSpPr/>
           <p:nvPr/>
         </p:nvSpPr>
         <p:spPr>
           <a:xfrm>
             <a:off x="7488360" y="2057760"/>
-            <a:ext cx="2514600" cy="346320"/>
+            <a:ext cx="2514240" cy="345960"/>
           </a:xfrm>
           <a:prstGeom prst="rect">
             <a:avLst/>
@@ -16072,11 +16214,22 @@
             <a:noFill/>
           </a:ln>
         </p:spPr>
+        <p:style>
+          <a:lnRef idx="0"/>
+          <a:fillRef idx="0"/>
+          <a:effectRef idx="0"/>
+          <a:fontRef idx="minor"/>
+        </p:style>
         <p:txBody>
           <a:bodyPr lIns="90000" rIns="90000" tIns="45000" bIns="45000">
             <a:noAutofit/>
           </a:bodyPr>
           <a:p>
+            <a:pPr>
+              <a:lnSpc>
+                <a:spcPct val="100000"/>
+              </a:lnSpc>
+            </a:pPr>
             <a:r>
               <a:rPr b="0" lang="en-US" sz="1800" spc="-1" strike="noStrike">
                 <a:latin typeface="Arial"/>
@@ -16119,14 +16272,14 @@
       </p:sp>
       <p:sp>
         <p:nvSpPr>
-          <p:cNvPr id="382" name="TextShape 12"/>
-          <p:cNvSpPr txBox="1"/>
+          <p:cNvPr id="382" name="CustomShape 12"/>
+          <p:cNvSpPr/>
           <p:nvPr/>
         </p:nvSpPr>
         <p:spPr>
           <a:xfrm>
             <a:off x="5090400" y="3742200"/>
-            <a:ext cx="2210400" cy="858240"/>
+            <a:ext cx="2210040" cy="857880"/>
           </a:xfrm>
           <a:prstGeom prst="rect">
             <a:avLst/>
@@ -16136,6 +16289,12 @@
             <a:noFill/>
           </a:ln>
         </p:spPr>
+        <p:style>
+          <a:lnRef idx="0"/>
+          <a:fillRef idx="0"/>
+          <a:effectRef idx="0"/>
+          <a:fontRef idx="minor"/>
+        </p:style>
         <p:txBody>
           <a:bodyPr lIns="90000" rIns="90000" tIns="45000" bIns="45000">
             <a:noAutofit/>
@@ -16158,6 +16317,6376 @@
           </a:p>
         </p:txBody>
       </p:sp>
+    </p:spTree>
+  </p:cSld>
+  <mc:AlternateContent>
+    <mc:Choice Requires="p14">
+      <p:transition spd="slow" p14:dur="2000"/>
+    </mc:Choice>
+    <mc:Fallback>
+      <p:transition spd="slow"/>
+    </mc:Fallback>
+  </mc:AlternateContent>
+</p:sld>
+</file>
+
+<file path=ppt/slides/slide22.xml><?xml version="1.0" encoding="utf-8"?>
+<p:sld xmlns:a="http://schemas.openxmlformats.org/drawingml/2006/main" xmlns:p="http://schemas.openxmlformats.org/presentationml/2006/main" xmlns:r="http://schemas.openxmlformats.org/officeDocument/2006/relationships" xmlns:p14="http://schemas.microsoft.com/office/powerpoint/2010/main" xmlns:p15="http://schemas.microsoft.com/office/powerpoint/2012/main" xmlns:mc="http://schemas.openxmlformats.org/markup-compatibility/2006">
+  <p:cSld>
+    <p:spTree>
+      <p:nvGrpSpPr>
+        <p:cNvPr id="1" name=""/>
+        <p:cNvGrpSpPr/>
+        <p:nvPr/>
+      </p:nvGrpSpPr>
+      <p:grpSpPr>
+        <a:xfrm>
+          <a:off x="0" y="0"/>
+          <a:ext cx="0" cy="0"/>
+          <a:chOff x="0" y="0"/>
+          <a:chExt cx="0" cy="0"/>
+        </a:xfrm>
+      </p:grpSpPr>
+      <p:sp>
+        <p:nvSpPr>
+          <p:cNvPr id="383" name="TextShape 1"/>
+          <p:cNvSpPr txBox="1"/>
+          <p:nvPr/>
+        </p:nvSpPr>
+        <p:spPr>
+          <a:xfrm>
+            <a:off x="1564920" y="685800"/>
+            <a:ext cx="180720" cy="346320"/>
+          </a:xfrm>
+          <a:prstGeom prst="rect">
+            <a:avLst/>
+          </a:prstGeom>
+          <a:noFill/>
+          <a:ln w="0">
+            <a:noFill/>
+          </a:ln>
+        </p:spPr>
+      </p:sp>
+      <p:sp>
+        <p:nvSpPr>
+          <p:cNvPr id="384" name="TextShape 2"/>
+          <p:cNvSpPr txBox="1"/>
+          <p:nvPr/>
+        </p:nvSpPr>
+        <p:spPr>
+          <a:xfrm>
+            <a:off x="228600" y="228600"/>
+            <a:ext cx="1143000" cy="346320"/>
+          </a:xfrm>
+          <a:prstGeom prst="rect">
+            <a:avLst/>
+          </a:prstGeom>
+          <a:noFill/>
+          <a:ln w="0">
+            <a:noFill/>
+          </a:ln>
+        </p:spPr>
+        <p:txBody>
+          <a:bodyPr lIns="90000" rIns="90000" tIns="45000" bIns="45000">
+            <a:noAutofit/>
+          </a:bodyPr>
+          <a:p>
+            <a:r>
+              <a:rPr b="0" lang="en-US" sz="1800" spc="-1" strike="noStrike">
+                <a:latin typeface="Arial"/>
+              </a:rPr>
+              <a:t>Insertion:</a:t>
+            </a:r>
+            <a:endParaRPr b="0" lang="en-US" sz="1800" spc="-1" strike="noStrike">
+              <a:latin typeface="Arial"/>
+            </a:endParaRPr>
+          </a:p>
+        </p:txBody>
+      </p:sp>
+      <p:sp>
+        <p:nvSpPr>
+          <p:cNvPr id="385" name="TextShape 3"/>
+          <p:cNvSpPr txBox="1"/>
+          <p:nvPr/>
+        </p:nvSpPr>
+        <p:spPr>
+          <a:xfrm>
+            <a:off x="169200" y="950400"/>
+            <a:ext cx="2057400" cy="457200"/>
+          </a:xfrm>
+          <a:prstGeom prst="rect">
+            <a:avLst/>
+          </a:prstGeom>
+          <a:noFill/>
+          <a:ln w="0">
+            <a:noFill/>
+          </a:ln>
+        </p:spPr>
+        <p:txBody>
+          <a:bodyPr lIns="90000" rIns="90000" tIns="45000" bIns="45000">
+            <a:noAutofit/>
+          </a:bodyPr>
+          <a:p>
+            <a:r>
+              <a:rPr b="0" lang="en-US" sz="1800" spc="-1" strike="noStrike">
+                <a:latin typeface="Arial"/>
+              </a:rPr>
+              <a:t>Inital: Empty Tree</a:t>
+            </a:r>
+            <a:endParaRPr b="0" lang="en-US" sz="1800" spc="-1" strike="noStrike">
+              <a:latin typeface="Arial"/>
+            </a:endParaRPr>
+          </a:p>
+        </p:txBody>
+      </p:sp>
+      <p:graphicFrame>
+        <p:nvGraphicFramePr>
+          <p:cNvPr id="386" name="Table 4"/>
+          <p:cNvGraphicFramePr/>
+          <p:nvPr/>
+        </p:nvGraphicFramePr>
+        <p:xfrm>
+          <a:off x="3226320" y="883800"/>
+          <a:ext cx="2336400" cy="408240"/>
+        </p:xfrm>
+        <a:graphic>
+          <a:graphicData uri="http://schemas.openxmlformats.org/drawingml/2006/table">
+            <a:tbl>
+              <a:tblPr/>
+              <a:tblGrid>
+                <a:gridCol w="244440"/>
+                <a:gridCol w="810720"/>
+                <a:gridCol w="243000"/>
+                <a:gridCol w="792000"/>
+                <a:gridCol w="246240"/>
+              </a:tblGrid>
+              <a:tr h="408600">
+                <a:tc>
+                  <a:tcPr marL="90000" marR="90000">
+                    <a:lnL w="720">
+                      <a:solidFill>
+                        <a:srgbClr val="ffffff"/>
+                      </a:solidFill>
+                    </a:lnL>
+                    <a:lnR w="720">
+                      <a:solidFill>
+                        <a:srgbClr val="ffffff"/>
+                      </a:solidFill>
+                    </a:lnR>
+                    <a:lnT w="720">
+                      <a:solidFill>
+                        <a:srgbClr val="ffffff"/>
+                      </a:solidFill>
+                    </a:lnT>
+                    <a:lnB w="720">
+                      <a:solidFill>
+                        <a:srgbClr val="ffffff"/>
+                      </a:solidFill>
+                    </a:lnB>
+                    <a:solidFill>
+                      <a:srgbClr val="b3b3b3"/>
+                    </a:solidFill>
+                  </a:tcPr>
+                </a:tc>
+                <a:tc>
+                  <a:txBody>
+                    <a:bodyPr lIns="90000" rIns="90000" tIns="46800" bIns="46800">
+                      <a:noAutofit/>
+                    </a:bodyPr>
+                    <a:p>
+                      <a:pPr algn="ctr">
+                        <a:lnSpc>
+                          <a:spcPct val="100000"/>
+                        </a:lnSpc>
+                      </a:pPr>
+                      <a:r>
+                        <a:rPr b="0" lang="en-US" sz="1800" spc="-1" strike="noStrike">
+                          <a:latin typeface="Arial"/>
+                          <a:ea typeface="Noto Sans"/>
+                        </a:rPr>
+                        <a:t>10</a:t>
+                      </a:r>
+                      <a:endParaRPr b="0" lang="en-US" sz="1800" spc="-1" strike="noStrike">
+                        <a:latin typeface="Arial"/>
+                      </a:endParaRPr>
+                    </a:p>
+                  </a:txBody>
+                  <a:tcPr marL="90000" marR="90000">
+                    <a:lnL w="720">
+                      <a:solidFill>
+                        <a:srgbClr val="ffffff"/>
+                      </a:solidFill>
+                    </a:lnL>
+                    <a:lnR w="720">
+                      <a:solidFill>
+                        <a:srgbClr val="ffffff"/>
+                      </a:solidFill>
+                    </a:lnR>
+                    <a:lnT w="720">
+                      <a:solidFill>
+                        <a:srgbClr val="ffffff"/>
+                      </a:solidFill>
+                    </a:lnT>
+                    <a:lnB w="720">
+                      <a:solidFill>
+                        <a:srgbClr val="ffffff"/>
+                      </a:solidFill>
+                    </a:lnB>
+                    <a:solidFill>
+                      <a:srgbClr val="b3b3b3"/>
+                    </a:solidFill>
+                  </a:tcPr>
+                </a:tc>
+                <a:tc>
+                  <a:tcPr marL="90000" marR="90000">
+                    <a:lnL w="720">
+                      <a:solidFill>
+                        <a:srgbClr val="ffffff"/>
+                      </a:solidFill>
+                    </a:lnL>
+                    <a:lnR w="720">
+                      <a:solidFill>
+                        <a:srgbClr val="ffffff"/>
+                      </a:solidFill>
+                    </a:lnR>
+                    <a:lnT w="720">
+                      <a:solidFill>
+                        <a:srgbClr val="ffffff"/>
+                      </a:solidFill>
+                    </a:lnT>
+                    <a:lnB w="720">
+                      <a:solidFill>
+                        <a:srgbClr val="ffffff"/>
+                      </a:solidFill>
+                    </a:lnB>
+                    <a:solidFill>
+                      <a:srgbClr val="b3b3b3"/>
+                    </a:solidFill>
+                  </a:tcPr>
+                </a:tc>
+                <a:tc>
+                  <a:tcPr marL="90000" marR="90000">
+                    <a:lnL w="720">
+                      <a:solidFill>
+                        <a:srgbClr val="ffffff"/>
+                      </a:solidFill>
+                    </a:lnL>
+                    <a:lnR w="720">
+                      <a:solidFill>
+                        <a:srgbClr val="ffffff"/>
+                      </a:solidFill>
+                    </a:lnR>
+                    <a:lnT w="720">
+                      <a:solidFill>
+                        <a:srgbClr val="ffffff"/>
+                      </a:solidFill>
+                    </a:lnT>
+                    <a:lnB w="720">
+                      <a:solidFill>
+                        <a:srgbClr val="ffffff"/>
+                      </a:solidFill>
+                    </a:lnB>
+                    <a:solidFill>
+                      <a:srgbClr val="b3b3b3"/>
+                    </a:solidFill>
+                  </a:tcPr>
+                </a:tc>
+                <a:tc>
+                  <a:tcPr marL="90000" marR="90000">
+                    <a:lnL w="720">
+                      <a:solidFill>
+                        <a:srgbClr val="ffffff"/>
+                      </a:solidFill>
+                    </a:lnL>
+                    <a:lnR w="720">
+                      <a:solidFill>
+                        <a:srgbClr val="ffffff"/>
+                      </a:solidFill>
+                    </a:lnR>
+                    <a:lnT w="720">
+                      <a:solidFill>
+                        <a:srgbClr val="ffffff"/>
+                      </a:solidFill>
+                    </a:lnT>
+                    <a:lnB w="720">
+                      <a:solidFill>
+                        <a:srgbClr val="ffffff"/>
+                      </a:solidFill>
+                    </a:lnB>
+                    <a:solidFill>
+                      <a:srgbClr val="b3b3b3"/>
+                    </a:solidFill>
+                  </a:tcPr>
+                </a:tc>
+              </a:tr>
+            </a:tbl>
+          </a:graphicData>
+        </a:graphic>
+      </p:graphicFrame>
+      <p:sp>
+        <p:nvSpPr>
+          <p:cNvPr id="387" name="Line 5"/>
+          <p:cNvSpPr/>
+          <p:nvPr/>
+        </p:nvSpPr>
+        <p:spPr>
+          <a:xfrm>
+            <a:off x="2226600" y="1143000"/>
+            <a:ext cx="973800" cy="0"/>
+          </a:xfrm>
+          <a:prstGeom prst="line">
+            <a:avLst/>
+          </a:prstGeom>
+          <a:ln w="0">
+            <a:solidFill>
+              <a:srgbClr val="3465a4"/>
+            </a:solidFill>
+            <a:tailEnd len="med" type="triangle" w="med"/>
+          </a:ln>
+        </p:spPr>
+        <p:style>
+          <a:lnRef idx="0"/>
+          <a:fillRef idx="0"/>
+          <a:effectRef idx="0"/>
+          <a:fontRef idx="minor"/>
+        </p:style>
+      </p:sp>
+      <p:sp>
+        <p:nvSpPr>
+          <p:cNvPr id="388" name="Line 6"/>
+          <p:cNvSpPr/>
+          <p:nvPr/>
+        </p:nvSpPr>
+        <p:spPr>
+          <a:xfrm>
+            <a:off x="3321000" y="1143000"/>
+            <a:ext cx="0" cy="457200"/>
+          </a:xfrm>
+          <a:prstGeom prst="line">
+            <a:avLst/>
+          </a:prstGeom>
+          <a:ln w="0">
+            <a:solidFill>
+              <a:srgbClr val="3465a4"/>
+            </a:solidFill>
+            <a:tailEnd len="med" type="triangle" w="med"/>
+          </a:ln>
+        </p:spPr>
+        <p:style>
+          <a:lnRef idx="0"/>
+          <a:fillRef idx="0"/>
+          <a:effectRef idx="0"/>
+          <a:fontRef idx="minor"/>
+        </p:style>
+      </p:sp>
+      <p:graphicFrame>
+        <p:nvGraphicFramePr>
+          <p:cNvPr id="389" name="Table 7"/>
+          <p:cNvGraphicFramePr/>
+          <p:nvPr/>
+        </p:nvGraphicFramePr>
+        <p:xfrm>
+          <a:off x="7018200" y="884160"/>
+          <a:ext cx="2336040" cy="408240"/>
+        </p:xfrm>
+        <a:graphic>
+          <a:graphicData uri="http://schemas.openxmlformats.org/drawingml/2006/table">
+            <a:tbl>
+              <a:tblPr/>
+              <a:tblGrid>
+                <a:gridCol w="244440"/>
+                <a:gridCol w="810720"/>
+                <a:gridCol w="243000"/>
+                <a:gridCol w="792000"/>
+                <a:gridCol w="246240"/>
+              </a:tblGrid>
+              <a:tr h="408600">
+                <a:tc>
+                  <a:tcPr marL="90000" marR="90000">
+                    <a:lnL w="720">
+                      <a:solidFill>
+                        <a:srgbClr val="ffffff"/>
+                      </a:solidFill>
+                    </a:lnL>
+                    <a:lnR w="720">
+                      <a:solidFill>
+                        <a:srgbClr val="ffffff"/>
+                      </a:solidFill>
+                    </a:lnR>
+                    <a:lnT w="720">
+                      <a:solidFill>
+                        <a:srgbClr val="ffffff"/>
+                      </a:solidFill>
+                    </a:lnT>
+                    <a:lnB w="720">
+                      <a:solidFill>
+                        <a:srgbClr val="ffffff"/>
+                      </a:solidFill>
+                    </a:lnB>
+                    <a:solidFill>
+                      <a:srgbClr val="b3b3b3"/>
+                    </a:solidFill>
+                  </a:tcPr>
+                </a:tc>
+                <a:tc>
+                  <a:txBody>
+                    <a:bodyPr lIns="90000" rIns="90000" tIns="46800" bIns="46800">
+                      <a:noAutofit/>
+                    </a:bodyPr>
+                    <a:p>
+                      <a:pPr algn="ctr">
+                        <a:lnSpc>
+                          <a:spcPct val="100000"/>
+                        </a:lnSpc>
+                      </a:pPr>
+                      <a:r>
+                        <a:rPr b="0" lang="en-US" sz="1800" spc="-1" strike="noStrike">
+                          <a:latin typeface="Arial"/>
+                          <a:ea typeface="Noto Sans"/>
+                        </a:rPr>
+                        <a:t>10</a:t>
+                      </a:r>
+                      <a:endParaRPr b="0" lang="en-US" sz="1800" spc="-1" strike="noStrike">
+                        <a:latin typeface="Arial"/>
+                      </a:endParaRPr>
+                    </a:p>
+                  </a:txBody>
+                  <a:tcPr marL="90000" marR="90000">
+                    <a:lnL w="720">
+                      <a:solidFill>
+                        <a:srgbClr val="ffffff"/>
+                      </a:solidFill>
+                    </a:lnL>
+                    <a:lnR w="720">
+                      <a:solidFill>
+                        <a:srgbClr val="ffffff"/>
+                      </a:solidFill>
+                    </a:lnR>
+                    <a:lnT w="720">
+                      <a:solidFill>
+                        <a:srgbClr val="ffffff"/>
+                      </a:solidFill>
+                    </a:lnT>
+                    <a:lnB w="720">
+                      <a:solidFill>
+                        <a:srgbClr val="ffffff"/>
+                      </a:solidFill>
+                    </a:lnB>
+                    <a:solidFill>
+                      <a:srgbClr val="b3b3b3"/>
+                    </a:solidFill>
+                  </a:tcPr>
+                </a:tc>
+                <a:tc>
+                  <a:tcPr marL="90000" marR="90000">
+                    <a:lnL w="720">
+                      <a:solidFill>
+                        <a:srgbClr val="ffffff"/>
+                      </a:solidFill>
+                    </a:lnL>
+                    <a:lnR w="720">
+                      <a:solidFill>
+                        <a:srgbClr val="ffffff"/>
+                      </a:solidFill>
+                    </a:lnR>
+                    <a:lnT w="720">
+                      <a:solidFill>
+                        <a:srgbClr val="ffffff"/>
+                      </a:solidFill>
+                    </a:lnT>
+                    <a:lnB w="720">
+                      <a:solidFill>
+                        <a:srgbClr val="ffffff"/>
+                      </a:solidFill>
+                    </a:lnB>
+                    <a:solidFill>
+                      <a:srgbClr val="b3b3b3"/>
+                    </a:solidFill>
+                  </a:tcPr>
+                </a:tc>
+                <a:tc>
+                  <a:txBody>
+                    <a:bodyPr lIns="90000" rIns="90000" tIns="46800" bIns="46800">
+                      <a:noAutofit/>
+                    </a:bodyPr>
+                    <a:p>
+                      <a:pPr marL="216000" indent="-216000">
+                        <a:buClr>
+                          <a:srgbClr val="000000"/>
+                        </a:buClr>
+                        <a:buSzPct val="45000"/>
+                        <a:buFont typeface="Wingdings" charset="2"/>
+                        <a:buChar char=""/>
+                      </a:pPr>
+                      <a:r>
+                        <a:rPr b="0" lang="en-US" sz="1800" spc="-1" strike="noStrike">
+                          <a:latin typeface="Arial"/>
+                        </a:rPr>
+                        <a:t>20</a:t>
+                      </a:r>
+                      <a:endParaRPr b="0" lang="en-US" sz="1800" spc="-1" strike="noStrike">
+                        <a:latin typeface="Times New Roman"/>
+                      </a:endParaRPr>
+                    </a:p>
+                  </a:txBody>
+                  <a:tcPr marL="90000" marR="90000">
+                    <a:lnL w="720">
+                      <a:solidFill>
+                        <a:srgbClr val="ffffff"/>
+                      </a:solidFill>
+                    </a:lnL>
+                    <a:lnR w="720">
+                      <a:solidFill>
+                        <a:srgbClr val="ffffff"/>
+                      </a:solidFill>
+                    </a:lnR>
+                    <a:lnT w="720">
+                      <a:solidFill>
+                        <a:srgbClr val="ffffff"/>
+                      </a:solidFill>
+                    </a:lnT>
+                    <a:lnB w="720">
+                      <a:solidFill>
+                        <a:srgbClr val="ffffff"/>
+                      </a:solidFill>
+                    </a:lnB>
+                    <a:solidFill>
+                      <a:srgbClr val="b3b3b3"/>
+                    </a:solidFill>
+                  </a:tcPr>
+                </a:tc>
+                <a:tc>
+                  <a:tcPr marL="90000" marR="90000">
+                    <a:lnL w="720">
+                      <a:solidFill>
+                        <a:srgbClr val="ffffff"/>
+                      </a:solidFill>
+                    </a:lnL>
+                    <a:lnR w="720">
+                      <a:solidFill>
+                        <a:srgbClr val="ffffff"/>
+                      </a:solidFill>
+                    </a:lnR>
+                    <a:lnT w="720">
+                      <a:solidFill>
+                        <a:srgbClr val="ffffff"/>
+                      </a:solidFill>
+                    </a:lnT>
+                    <a:lnB w="720">
+                      <a:solidFill>
+                        <a:srgbClr val="ffffff"/>
+                      </a:solidFill>
+                    </a:lnB>
+                    <a:solidFill>
+                      <a:srgbClr val="b3b3b3"/>
+                    </a:solidFill>
+                  </a:tcPr>
+                </a:tc>
+              </a:tr>
+            </a:tbl>
+          </a:graphicData>
+        </a:graphic>
+      </p:graphicFrame>
+      <p:sp>
+        <p:nvSpPr>
+          <p:cNvPr id="390" name="Line 8"/>
+          <p:cNvSpPr/>
+          <p:nvPr/>
+        </p:nvSpPr>
+        <p:spPr>
+          <a:xfrm>
+            <a:off x="7154640" y="1202760"/>
+            <a:ext cx="0" cy="457200"/>
+          </a:xfrm>
+          <a:prstGeom prst="line">
+            <a:avLst/>
+          </a:prstGeom>
+          <a:ln w="0">
+            <a:solidFill>
+              <a:srgbClr val="3465a4"/>
+            </a:solidFill>
+            <a:tailEnd len="med" type="triangle" w="med"/>
+          </a:ln>
+        </p:spPr>
+        <p:style>
+          <a:lnRef idx="0"/>
+          <a:fillRef idx="0"/>
+          <a:effectRef idx="0"/>
+          <a:fontRef idx="minor"/>
+        </p:style>
+      </p:sp>
+      <p:sp>
+        <p:nvSpPr>
+          <p:cNvPr id="391" name="Line 9"/>
+          <p:cNvSpPr/>
+          <p:nvPr/>
+        </p:nvSpPr>
+        <p:spPr>
+          <a:xfrm>
+            <a:off x="8198640" y="1202760"/>
+            <a:ext cx="0" cy="457200"/>
+          </a:xfrm>
+          <a:prstGeom prst="line">
+            <a:avLst/>
+          </a:prstGeom>
+          <a:ln w="0">
+            <a:solidFill>
+              <a:srgbClr val="3465a4"/>
+            </a:solidFill>
+            <a:tailEnd len="med" type="triangle" w="med"/>
+          </a:ln>
+        </p:spPr>
+        <p:style>
+          <a:lnRef idx="0"/>
+          <a:fillRef idx="0"/>
+          <a:effectRef idx="0"/>
+          <a:fontRef idx="minor"/>
+        </p:style>
+      </p:sp>
+      <p:sp>
+        <p:nvSpPr>
+          <p:cNvPr id="392" name="Line 10"/>
+          <p:cNvSpPr/>
+          <p:nvPr/>
+        </p:nvSpPr>
+        <p:spPr>
+          <a:xfrm>
+            <a:off x="5839920" y="1143360"/>
+            <a:ext cx="973800" cy="0"/>
+          </a:xfrm>
+          <a:prstGeom prst="line">
+            <a:avLst/>
+          </a:prstGeom>
+          <a:ln w="0">
+            <a:solidFill>
+              <a:srgbClr val="3465a4"/>
+            </a:solidFill>
+            <a:tailEnd len="med" type="triangle" w="med"/>
+          </a:ln>
+        </p:spPr>
+        <p:style>
+          <a:lnRef idx="0"/>
+          <a:fillRef idx="0"/>
+          <a:effectRef idx="0"/>
+          <a:fontRef idx="minor"/>
+        </p:style>
+      </p:sp>
+      <p:sp>
+        <p:nvSpPr>
+          <p:cNvPr id="393" name="Line 11"/>
+          <p:cNvSpPr/>
+          <p:nvPr/>
+        </p:nvSpPr>
+        <p:spPr>
+          <a:xfrm>
+            <a:off x="8229600" y="1828800"/>
+            <a:ext cx="0" cy="1143000"/>
+          </a:xfrm>
+          <a:prstGeom prst="line">
+            <a:avLst/>
+          </a:prstGeom>
+          <a:ln w="0">
+            <a:solidFill>
+              <a:srgbClr val="3465a4"/>
+            </a:solidFill>
+            <a:tailEnd len="med" type="triangle" w="med"/>
+          </a:ln>
+        </p:spPr>
+        <p:style>
+          <a:lnRef idx="0"/>
+          <a:fillRef idx="0"/>
+          <a:effectRef idx="0"/>
+          <a:fontRef idx="minor"/>
+        </p:style>
+      </p:sp>
+      <p:graphicFrame>
+        <p:nvGraphicFramePr>
+          <p:cNvPr id="394" name="Table 12"/>
+          <p:cNvGraphicFramePr/>
+          <p:nvPr/>
+        </p:nvGraphicFramePr>
+        <p:xfrm>
+          <a:off x="5086800" y="4391280"/>
+          <a:ext cx="2336040" cy="408240"/>
+        </p:xfrm>
+        <a:graphic>
+          <a:graphicData uri="http://schemas.openxmlformats.org/drawingml/2006/table">
+            <a:tbl>
+              <a:tblPr/>
+              <a:tblGrid>
+                <a:gridCol w="244440"/>
+                <a:gridCol w="810720"/>
+                <a:gridCol w="243000"/>
+                <a:gridCol w="792000"/>
+                <a:gridCol w="246240"/>
+              </a:tblGrid>
+              <a:tr h="408600">
+                <a:tc>
+                  <a:tcPr marL="90000" marR="90000">
+                    <a:lnL w="720">
+                      <a:solidFill>
+                        <a:srgbClr val="ffffff"/>
+                      </a:solidFill>
+                    </a:lnL>
+                    <a:lnR w="720">
+                      <a:solidFill>
+                        <a:srgbClr val="ffffff"/>
+                      </a:solidFill>
+                    </a:lnR>
+                    <a:lnT w="720">
+                      <a:solidFill>
+                        <a:srgbClr val="ffffff"/>
+                      </a:solidFill>
+                    </a:lnT>
+                    <a:lnB w="720">
+                      <a:solidFill>
+                        <a:srgbClr val="ffffff"/>
+                      </a:solidFill>
+                    </a:lnB>
+                    <a:solidFill>
+                      <a:srgbClr val="b3b3b3"/>
+                    </a:solidFill>
+                  </a:tcPr>
+                </a:tc>
+                <a:tc>
+                  <a:txBody>
+                    <a:bodyPr lIns="90000" rIns="90000" tIns="46800" bIns="46800">
+                      <a:noAutofit/>
+                    </a:bodyPr>
+                    <a:p>
+                      <a:pPr algn="ctr">
+                        <a:lnSpc>
+                          <a:spcPct val="100000"/>
+                        </a:lnSpc>
+                      </a:pPr>
+                      <a:r>
+                        <a:rPr b="0" lang="en-US" sz="1800" spc="-1" strike="noStrike">
+                          <a:latin typeface="Arial"/>
+                          <a:ea typeface="Noto Sans"/>
+                        </a:rPr>
+                        <a:t>10</a:t>
+                      </a:r>
+                      <a:endParaRPr b="0" lang="en-US" sz="1800" spc="-1" strike="noStrike">
+                        <a:latin typeface="Arial"/>
+                      </a:endParaRPr>
+                    </a:p>
+                  </a:txBody>
+                  <a:tcPr marL="90000" marR="90000">
+                    <a:lnL w="720">
+                      <a:solidFill>
+                        <a:srgbClr val="ffffff"/>
+                      </a:solidFill>
+                    </a:lnL>
+                    <a:lnR w="720">
+                      <a:solidFill>
+                        <a:srgbClr val="ffffff"/>
+                      </a:solidFill>
+                    </a:lnR>
+                    <a:lnT w="720">
+                      <a:solidFill>
+                        <a:srgbClr val="ffffff"/>
+                      </a:solidFill>
+                    </a:lnT>
+                    <a:lnB w="720">
+                      <a:solidFill>
+                        <a:srgbClr val="ffffff"/>
+                      </a:solidFill>
+                    </a:lnB>
+                    <a:solidFill>
+                      <a:srgbClr val="b3b3b3"/>
+                    </a:solidFill>
+                  </a:tcPr>
+                </a:tc>
+                <a:tc>
+                  <a:tcPr marL="90000" marR="90000">
+                    <a:lnL w="720">
+                      <a:solidFill>
+                        <a:srgbClr val="ffffff"/>
+                      </a:solidFill>
+                    </a:lnL>
+                    <a:lnR w="720">
+                      <a:solidFill>
+                        <a:srgbClr val="ffffff"/>
+                      </a:solidFill>
+                    </a:lnR>
+                    <a:lnT w="720">
+                      <a:solidFill>
+                        <a:srgbClr val="ffffff"/>
+                      </a:solidFill>
+                    </a:lnT>
+                    <a:lnB w="720">
+                      <a:solidFill>
+                        <a:srgbClr val="ffffff"/>
+                      </a:solidFill>
+                    </a:lnB>
+                    <a:solidFill>
+                      <a:srgbClr val="b3b3b3"/>
+                    </a:solidFill>
+                  </a:tcPr>
+                </a:tc>
+                <a:tc>
+                  <a:txBody>
+                    <a:bodyPr lIns="90000" rIns="90000" tIns="46800" bIns="46800">
+                      <a:noAutofit/>
+                    </a:bodyPr>
+                    <a:p>
+                      <a:pPr marL="216000" indent="-216000">
+                        <a:lnSpc>
+                          <a:spcPct val="100000"/>
+                        </a:lnSpc>
+                        <a:buClr>
+                          <a:srgbClr val="000000"/>
+                        </a:buClr>
+                        <a:buSzPct val="45000"/>
+                        <a:buFont typeface="Wingdings" charset="2"/>
+                        <a:buChar char=""/>
+                      </a:pPr>
+                      <a:r>
+                        <a:rPr b="0" lang="en-US" sz="1800" spc="-1" strike="noStrike">
+                          <a:latin typeface="Arial"/>
+                          <a:ea typeface="Noto Sans"/>
+                        </a:rPr>
+                        <a:t>20</a:t>
+                      </a:r>
+                      <a:endParaRPr b="0" lang="en-US" sz="1800" spc="-1" strike="noStrike">
+                        <a:latin typeface="Arial"/>
+                      </a:endParaRPr>
+                    </a:p>
+                  </a:txBody>
+                  <a:tcPr marL="90000" marR="90000">
+                    <a:lnL w="720">
+                      <a:solidFill>
+                        <a:srgbClr val="ffffff"/>
+                      </a:solidFill>
+                    </a:lnL>
+                    <a:lnR w="720">
+                      <a:solidFill>
+                        <a:srgbClr val="ffffff"/>
+                      </a:solidFill>
+                    </a:lnR>
+                    <a:lnT w="720">
+                      <a:solidFill>
+                        <a:srgbClr val="ffffff"/>
+                      </a:solidFill>
+                    </a:lnT>
+                    <a:lnB w="720">
+                      <a:solidFill>
+                        <a:srgbClr val="ffffff"/>
+                      </a:solidFill>
+                    </a:lnB>
+                    <a:solidFill>
+                      <a:srgbClr val="b3b3b3"/>
+                    </a:solidFill>
+                  </a:tcPr>
+                </a:tc>
+                <a:tc>
+                  <a:tcPr marL="90000" marR="90000">
+                    <a:lnL w="720">
+                      <a:solidFill>
+                        <a:srgbClr val="ffffff"/>
+                      </a:solidFill>
+                    </a:lnL>
+                    <a:lnR w="720">
+                      <a:solidFill>
+                        <a:srgbClr val="ffffff"/>
+                      </a:solidFill>
+                    </a:lnR>
+                    <a:lnT w="720">
+                      <a:solidFill>
+                        <a:srgbClr val="ffffff"/>
+                      </a:solidFill>
+                    </a:lnT>
+                    <a:lnB w="720">
+                      <a:solidFill>
+                        <a:srgbClr val="ffffff"/>
+                      </a:solidFill>
+                    </a:lnB>
+                    <a:solidFill>
+                      <a:srgbClr val="b3b3b3"/>
+                    </a:solidFill>
+                  </a:tcPr>
+                </a:tc>
+              </a:tr>
+            </a:tbl>
+          </a:graphicData>
+        </a:graphic>
+      </p:graphicFrame>
+      <p:sp>
+        <p:nvSpPr>
+          <p:cNvPr id="395" name="Line 13"/>
+          <p:cNvSpPr/>
+          <p:nvPr/>
+        </p:nvSpPr>
+        <p:spPr>
+          <a:xfrm>
+            <a:off x="5223240" y="4709880"/>
+            <a:ext cx="0" cy="457200"/>
+          </a:xfrm>
+          <a:prstGeom prst="line">
+            <a:avLst/>
+          </a:prstGeom>
+          <a:ln w="0">
+            <a:solidFill>
+              <a:srgbClr val="3465a4"/>
+            </a:solidFill>
+            <a:tailEnd len="med" type="triangle" w="med"/>
+          </a:ln>
+        </p:spPr>
+        <p:style>
+          <a:lnRef idx="0"/>
+          <a:fillRef idx="0"/>
+          <a:effectRef idx="0"/>
+          <a:fontRef idx="minor"/>
+        </p:style>
+      </p:sp>
+      <p:sp>
+        <p:nvSpPr>
+          <p:cNvPr id="396" name="Line 14"/>
+          <p:cNvSpPr/>
+          <p:nvPr/>
+        </p:nvSpPr>
+        <p:spPr>
+          <a:xfrm>
+            <a:off x="6267240" y="4709880"/>
+            <a:ext cx="0" cy="457200"/>
+          </a:xfrm>
+          <a:prstGeom prst="line">
+            <a:avLst/>
+          </a:prstGeom>
+          <a:ln w="0">
+            <a:solidFill>
+              <a:srgbClr val="3465a4"/>
+            </a:solidFill>
+            <a:tailEnd len="med" type="triangle" w="med"/>
+          </a:ln>
+        </p:spPr>
+        <p:style>
+          <a:lnRef idx="0"/>
+          <a:fillRef idx="0"/>
+          <a:effectRef idx="0"/>
+          <a:fontRef idx="minor"/>
+        </p:style>
+      </p:sp>
+      <p:graphicFrame>
+        <p:nvGraphicFramePr>
+          <p:cNvPr id="397" name="Table 15"/>
+          <p:cNvGraphicFramePr/>
+          <p:nvPr/>
+        </p:nvGraphicFramePr>
+        <p:xfrm>
+          <a:off x="7534800" y="4391280"/>
+          <a:ext cx="2336040" cy="408240"/>
+        </p:xfrm>
+        <a:graphic>
+          <a:graphicData uri="http://schemas.openxmlformats.org/drawingml/2006/table">
+            <a:tbl>
+              <a:tblPr/>
+              <a:tblGrid>
+                <a:gridCol w="244440"/>
+                <a:gridCol w="810720"/>
+                <a:gridCol w="243000"/>
+                <a:gridCol w="792000"/>
+                <a:gridCol w="246240"/>
+              </a:tblGrid>
+              <a:tr h="408600">
+                <a:tc>
+                  <a:tcPr marL="90000" marR="90000">
+                    <a:lnL w="720">
+                      <a:solidFill>
+                        <a:srgbClr val="ffffff"/>
+                      </a:solidFill>
+                    </a:lnL>
+                    <a:lnR w="720">
+                      <a:solidFill>
+                        <a:srgbClr val="ffffff"/>
+                      </a:solidFill>
+                    </a:lnR>
+                    <a:lnT w="720">
+                      <a:solidFill>
+                        <a:srgbClr val="ffffff"/>
+                      </a:solidFill>
+                    </a:lnT>
+                    <a:lnB w="720">
+                      <a:solidFill>
+                        <a:srgbClr val="ffffff"/>
+                      </a:solidFill>
+                    </a:lnB>
+                    <a:solidFill>
+                      <a:srgbClr val="b3b3b3"/>
+                    </a:solidFill>
+                  </a:tcPr>
+                </a:tc>
+                <a:tc>
+                  <a:txBody>
+                    <a:bodyPr lIns="90000" rIns="90000" tIns="46800" bIns="46800">
+                      <a:noAutofit/>
+                    </a:bodyPr>
+                    <a:p>
+                      <a:pPr algn="ctr">
+                        <a:lnSpc>
+                          <a:spcPct val="100000"/>
+                        </a:lnSpc>
+                      </a:pPr>
+                      <a:r>
+                        <a:rPr b="0" lang="en-US" sz="1800" spc="-1" strike="noStrike">
+                          <a:latin typeface="Arial"/>
+                          <a:ea typeface="Noto Sans"/>
+                        </a:rPr>
+                        <a:t>25</a:t>
+                      </a:r>
+                      <a:endParaRPr b="0" lang="en-US" sz="1800" spc="-1" strike="noStrike">
+                        <a:latin typeface="Arial"/>
+                      </a:endParaRPr>
+                    </a:p>
+                  </a:txBody>
+                  <a:tcPr marL="90000" marR="90000">
+                    <a:lnL w="720">
+                      <a:solidFill>
+                        <a:srgbClr val="ffffff"/>
+                      </a:solidFill>
+                    </a:lnL>
+                    <a:lnR w="720">
+                      <a:solidFill>
+                        <a:srgbClr val="ffffff"/>
+                      </a:solidFill>
+                    </a:lnR>
+                    <a:lnT w="720">
+                      <a:solidFill>
+                        <a:srgbClr val="ffffff"/>
+                      </a:solidFill>
+                    </a:lnT>
+                    <a:lnB w="720">
+                      <a:solidFill>
+                        <a:srgbClr val="ffffff"/>
+                      </a:solidFill>
+                    </a:lnB>
+                    <a:solidFill>
+                      <a:srgbClr val="b3b3b3"/>
+                    </a:solidFill>
+                  </a:tcPr>
+                </a:tc>
+                <a:tc>
+                  <a:tcPr marL="90000" marR="90000">
+                    <a:lnL w="720">
+                      <a:solidFill>
+                        <a:srgbClr val="ffffff"/>
+                      </a:solidFill>
+                    </a:lnL>
+                    <a:lnR w="720">
+                      <a:solidFill>
+                        <a:srgbClr val="ffffff"/>
+                      </a:solidFill>
+                    </a:lnR>
+                    <a:lnT w="720">
+                      <a:solidFill>
+                        <a:srgbClr val="ffffff"/>
+                      </a:solidFill>
+                    </a:lnT>
+                    <a:lnB w="720">
+                      <a:solidFill>
+                        <a:srgbClr val="ffffff"/>
+                      </a:solidFill>
+                    </a:lnB>
+                    <a:solidFill>
+                      <a:srgbClr val="b3b3b3"/>
+                    </a:solidFill>
+                  </a:tcPr>
+                </a:tc>
+                <a:tc>
+                  <a:tcPr marL="90000" marR="90000">
+                    <a:lnL w="720">
+                      <a:solidFill>
+                        <a:srgbClr val="ffffff"/>
+                      </a:solidFill>
+                    </a:lnL>
+                    <a:lnR w="720">
+                      <a:solidFill>
+                        <a:srgbClr val="ffffff"/>
+                      </a:solidFill>
+                    </a:lnR>
+                    <a:lnT w="720">
+                      <a:solidFill>
+                        <a:srgbClr val="ffffff"/>
+                      </a:solidFill>
+                    </a:lnT>
+                    <a:lnB w="720">
+                      <a:solidFill>
+                        <a:srgbClr val="ffffff"/>
+                      </a:solidFill>
+                    </a:lnB>
+                    <a:solidFill>
+                      <a:srgbClr val="b3b3b3"/>
+                    </a:solidFill>
+                  </a:tcPr>
+                </a:tc>
+                <a:tc>
+                  <a:tcPr marL="90000" marR="90000">
+                    <a:lnL w="720">
+                      <a:solidFill>
+                        <a:srgbClr val="ffffff"/>
+                      </a:solidFill>
+                    </a:lnL>
+                    <a:lnR w="720">
+                      <a:solidFill>
+                        <a:srgbClr val="ffffff"/>
+                      </a:solidFill>
+                    </a:lnR>
+                    <a:lnT w="720">
+                      <a:solidFill>
+                        <a:srgbClr val="ffffff"/>
+                      </a:solidFill>
+                    </a:lnT>
+                    <a:lnB w="720">
+                      <a:solidFill>
+                        <a:srgbClr val="ffffff"/>
+                      </a:solidFill>
+                    </a:lnB>
+                    <a:solidFill>
+                      <a:srgbClr val="b3b3b3"/>
+                    </a:solidFill>
+                  </a:tcPr>
+                </a:tc>
+              </a:tr>
+            </a:tbl>
+          </a:graphicData>
+        </a:graphic>
+      </p:graphicFrame>
+      <p:sp>
+        <p:nvSpPr>
+          <p:cNvPr id="398" name="Line 16"/>
+          <p:cNvSpPr/>
+          <p:nvPr/>
+        </p:nvSpPr>
+        <p:spPr>
+          <a:xfrm>
+            <a:off x="7671240" y="4709880"/>
+            <a:ext cx="0" cy="457200"/>
+          </a:xfrm>
+          <a:prstGeom prst="line">
+            <a:avLst/>
+          </a:prstGeom>
+          <a:ln w="0">
+            <a:solidFill>
+              <a:srgbClr val="3465a4"/>
+            </a:solidFill>
+            <a:tailEnd len="med" type="triangle" w="med"/>
+          </a:ln>
+        </p:spPr>
+        <p:style>
+          <a:lnRef idx="0"/>
+          <a:fillRef idx="0"/>
+          <a:effectRef idx="0"/>
+          <a:fontRef idx="minor"/>
+        </p:style>
+      </p:sp>
+      <p:graphicFrame>
+        <p:nvGraphicFramePr>
+          <p:cNvPr id="399" name="Table 17"/>
+          <p:cNvGraphicFramePr/>
+          <p:nvPr/>
+        </p:nvGraphicFramePr>
+        <p:xfrm>
+          <a:off x="6248160" y="3527640"/>
+          <a:ext cx="2336040" cy="408240"/>
+        </p:xfrm>
+        <a:graphic>
+          <a:graphicData uri="http://schemas.openxmlformats.org/drawingml/2006/table">
+            <a:tbl>
+              <a:tblPr/>
+              <a:tblGrid>
+                <a:gridCol w="244440"/>
+                <a:gridCol w="810720"/>
+                <a:gridCol w="243000"/>
+                <a:gridCol w="792000"/>
+                <a:gridCol w="246240"/>
+              </a:tblGrid>
+              <a:tr h="408600">
+                <a:tc>
+                  <a:tcPr marL="90000" marR="90000">
+                    <a:lnL w="720">
+                      <a:solidFill>
+                        <a:srgbClr val="ffffff"/>
+                      </a:solidFill>
+                    </a:lnL>
+                    <a:lnR w="720">
+                      <a:solidFill>
+                        <a:srgbClr val="ffffff"/>
+                      </a:solidFill>
+                    </a:lnR>
+                    <a:lnT w="720">
+                      <a:solidFill>
+                        <a:srgbClr val="ffffff"/>
+                      </a:solidFill>
+                    </a:lnT>
+                    <a:lnB w="720">
+                      <a:solidFill>
+                        <a:srgbClr val="ffffff"/>
+                      </a:solidFill>
+                    </a:lnB>
+                    <a:solidFill>
+                      <a:srgbClr val="b3b3b3"/>
+                    </a:solidFill>
+                  </a:tcPr>
+                </a:tc>
+                <a:tc>
+                  <a:txBody>
+                    <a:bodyPr lIns="90000" rIns="90000" tIns="46800" bIns="46800">
+                      <a:noAutofit/>
+                    </a:bodyPr>
+                    <a:p>
+                      <a:pPr algn="ctr">
+                        <a:lnSpc>
+                          <a:spcPct val="100000"/>
+                        </a:lnSpc>
+                      </a:pPr>
+                      <a:r>
+                        <a:rPr b="0" lang="en-US" sz="1800" spc="-1" strike="noStrike">
+                          <a:latin typeface="Arial"/>
+                          <a:ea typeface="Noto Sans"/>
+                        </a:rPr>
+                        <a:t>20</a:t>
+                      </a:r>
+                      <a:endParaRPr b="0" lang="en-US" sz="1800" spc="-1" strike="noStrike">
+                        <a:latin typeface="Arial"/>
+                      </a:endParaRPr>
+                    </a:p>
+                  </a:txBody>
+                  <a:tcPr marL="90000" marR="90000">
+                    <a:lnL w="720">
+                      <a:solidFill>
+                        <a:srgbClr val="ffffff"/>
+                      </a:solidFill>
+                    </a:lnL>
+                    <a:lnR w="720">
+                      <a:solidFill>
+                        <a:srgbClr val="ffffff"/>
+                      </a:solidFill>
+                    </a:lnR>
+                    <a:lnT w="720">
+                      <a:solidFill>
+                        <a:srgbClr val="ffffff"/>
+                      </a:solidFill>
+                    </a:lnT>
+                    <a:lnB w="720">
+                      <a:solidFill>
+                        <a:srgbClr val="ffffff"/>
+                      </a:solidFill>
+                    </a:lnB>
+                    <a:solidFill>
+                      <a:srgbClr val="b3b3b3"/>
+                    </a:solidFill>
+                  </a:tcPr>
+                </a:tc>
+                <a:tc>
+                  <a:tcPr marL="90000" marR="90000">
+                    <a:lnL w="720">
+                      <a:solidFill>
+                        <a:srgbClr val="ffffff"/>
+                      </a:solidFill>
+                    </a:lnL>
+                    <a:lnR w="720">
+                      <a:solidFill>
+                        <a:srgbClr val="ffffff"/>
+                      </a:solidFill>
+                    </a:lnR>
+                    <a:lnT w="720">
+                      <a:solidFill>
+                        <a:srgbClr val="ffffff"/>
+                      </a:solidFill>
+                    </a:lnT>
+                    <a:lnB w="720">
+                      <a:solidFill>
+                        <a:srgbClr val="ffffff"/>
+                      </a:solidFill>
+                    </a:lnB>
+                    <a:solidFill>
+                      <a:srgbClr val="b3b3b3"/>
+                    </a:solidFill>
+                  </a:tcPr>
+                </a:tc>
+                <a:tc>
+                  <a:txBody>
+                    <a:bodyPr lIns="90000" rIns="90000" tIns="46800" bIns="46800">
+                      <a:noAutofit/>
+                    </a:bodyPr>
+                    <a:p>
+                      <a:pPr marL="216000" indent="-216000">
+                        <a:lnSpc>
+                          <a:spcPct val="100000"/>
+                        </a:lnSpc>
+                        <a:buClr>
+                          <a:srgbClr val="000000"/>
+                        </a:buClr>
+                        <a:buSzPct val="45000"/>
+                        <a:buFont typeface="Wingdings" charset="2"/>
+                        <a:buChar char=""/>
+                      </a:pPr>
+                      <a:r>
+                        <a:rPr b="0" lang="en-US" sz="1800" spc="-1" strike="noStrike">
+                          <a:latin typeface="Arial"/>
+                          <a:ea typeface="Noto Sans"/>
+                        </a:rPr>
+                        <a:t>25</a:t>
+                      </a:r>
+                      <a:endParaRPr b="0" lang="en-US" sz="1800" spc="-1" strike="noStrike">
+                        <a:latin typeface="Arial"/>
+                      </a:endParaRPr>
+                    </a:p>
+                  </a:txBody>
+                  <a:tcPr marL="90000" marR="90000">
+                    <a:lnL w="720">
+                      <a:solidFill>
+                        <a:srgbClr val="ffffff"/>
+                      </a:solidFill>
+                    </a:lnL>
+                    <a:lnR w="720">
+                      <a:solidFill>
+                        <a:srgbClr val="ffffff"/>
+                      </a:solidFill>
+                    </a:lnR>
+                    <a:lnT w="720">
+                      <a:solidFill>
+                        <a:srgbClr val="ffffff"/>
+                      </a:solidFill>
+                    </a:lnT>
+                    <a:lnB w="720">
+                      <a:solidFill>
+                        <a:srgbClr val="ffffff"/>
+                      </a:solidFill>
+                    </a:lnB>
+                    <a:solidFill>
+                      <a:srgbClr val="b3b3b3"/>
+                    </a:solidFill>
+                  </a:tcPr>
+                </a:tc>
+                <a:tc>
+                  <a:tcPr marL="90000" marR="90000">
+                    <a:lnL w="720">
+                      <a:solidFill>
+                        <a:srgbClr val="ffffff"/>
+                      </a:solidFill>
+                    </a:lnL>
+                    <a:lnR w="720">
+                      <a:solidFill>
+                        <a:srgbClr val="ffffff"/>
+                      </a:solidFill>
+                    </a:lnR>
+                    <a:lnT w="720">
+                      <a:solidFill>
+                        <a:srgbClr val="ffffff"/>
+                      </a:solidFill>
+                    </a:lnT>
+                    <a:lnB w="720">
+                      <a:solidFill>
+                        <a:srgbClr val="ffffff"/>
+                      </a:solidFill>
+                    </a:lnB>
+                    <a:solidFill>
+                      <a:srgbClr val="b3b3b3"/>
+                    </a:solidFill>
+                  </a:tcPr>
+                </a:tc>
+              </a:tr>
+            </a:tbl>
+          </a:graphicData>
+        </a:graphic>
+      </p:graphicFrame>
+      <p:sp>
+        <p:nvSpPr>
+          <p:cNvPr id="400" name="Line 18"/>
+          <p:cNvSpPr/>
+          <p:nvPr/>
+        </p:nvSpPr>
+        <p:spPr>
+          <a:xfrm flipH="1">
+            <a:off x="6148800" y="3754080"/>
+            <a:ext cx="228600" cy="637200"/>
+          </a:xfrm>
+          <a:prstGeom prst="line">
+            <a:avLst/>
+          </a:prstGeom>
+          <a:ln w="0">
+            <a:solidFill>
+              <a:srgbClr val="3465a4"/>
+            </a:solidFill>
+            <a:tailEnd len="med" type="triangle" w="med"/>
+          </a:ln>
+        </p:spPr>
+        <p:style>
+          <a:lnRef idx="0"/>
+          <a:fillRef idx="0"/>
+          <a:effectRef idx="0"/>
+          <a:fontRef idx="minor"/>
+        </p:style>
+      </p:sp>
+      <p:sp>
+        <p:nvSpPr>
+          <p:cNvPr id="401" name="Line 19"/>
+          <p:cNvSpPr/>
+          <p:nvPr/>
+        </p:nvSpPr>
+        <p:spPr>
+          <a:xfrm>
+            <a:off x="7448400" y="3681000"/>
+            <a:ext cx="457200" cy="685800"/>
+          </a:xfrm>
+          <a:prstGeom prst="line">
+            <a:avLst/>
+          </a:prstGeom>
+          <a:ln w="0">
+            <a:solidFill>
+              <a:srgbClr val="3465a4"/>
+            </a:solidFill>
+            <a:tailEnd len="med" type="triangle" w="med"/>
+          </a:ln>
+        </p:spPr>
+        <p:style>
+          <a:lnRef idx="0"/>
+          <a:fillRef idx="0"/>
+          <a:effectRef idx="0"/>
+          <a:fontRef idx="minor"/>
+        </p:style>
+      </p:sp>
+      <p:sp>
+        <p:nvSpPr>
+          <p:cNvPr id="402" name="Line 20"/>
+          <p:cNvSpPr/>
+          <p:nvPr/>
+        </p:nvSpPr>
+        <p:spPr>
+          <a:xfrm flipH="1">
+            <a:off x="4498200" y="3718800"/>
+            <a:ext cx="1143000" cy="0"/>
+          </a:xfrm>
+          <a:prstGeom prst="line">
+            <a:avLst/>
+          </a:prstGeom>
+          <a:ln w="0">
+            <a:solidFill>
+              <a:srgbClr val="3465a4"/>
+            </a:solidFill>
+            <a:tailEnd len="med" type="triangle" w="med"/>
+          </a:ln>
+        </p:spPr>
+        <p:style>
+          <a:lnRef idx="0"/>
+          <a:fillRef idx="0"/>
+          <a:effectRef idx="0"/>
+          <a:fontRef idx="minor"/>
+        </p:style>
+      </p:sp>
+      <p:graphicFrame>
+        <p:nvGraphicFramePr>
+          <p:cNvPr id="403" name="Table 21"/>
+          <p:cNvGraphicFramePr/>
+          <p:nvPr/>
+        </p:nvGraphicFramePr>
+        <p:xfrm>
+          <a:off x="46800" y="4426920"/>
+          <a:ext cx="2336040" cy="408240"/>
+        </p:xfrm>
+        <a:graphic>
+          <a:graphicData uri="http://schemas.openxmlformats.org/drawingml/2006/table">
+            <a:tbl>
+              <a:tblPr/>
+              <a:tblGrid>
+                <a:gridCol w="244440"/>
+                <a:gridCol w="810720"/>
+                <a:gridCol w="243000"/>
+                <a:gridCol w="792000"/>
+                <a:gridCol w="246240"/>
+              </a:tblGrid>
+              <a:tr h="408600">
+                <a:tc>
+                  <a:tcPr marL="90000" marR="90000">
+                    <a:lnL w="720">
+                      <a:solidFill>
+                        <a:srgbClr val="ffffff"/>
+                      </a:solidFill>
+                    </a:lnL>
+                    <a:lnR w="720">
+                      <a:solidFill>
+                        <a:srgbClr val="ffffff"/>
+                      </a:solidFill>
+                    </a:lnR>
+                    <a:lnT w="720">
+                      <a:solidFill>
+                        <a:srgbClr val="ffffff"/>
+                      </a:solidFill>
+                    </a:lnT>
+                    <a:lnB w="720">
+                      <a:solidFill>
+                        <a:srgbClr val="ffffff"/>
+                      </a:solidFill>
+                    </a:lnB>
+                    <a:solidFill>
+                      <a:srgbClr val="b3b3b3"/>
+                    </a:solidFill>
+                  </a:tcPr>
+                </a:tc>
+                <a:tc>
+                  <a:txBody>
+                    <a:bodyPr lIns="90000" rIns="90000" tIns="46800" bIns="46800">
+                      <a:noAutofit/>
+                    </a:bodyPr>
+                    <a:p>
+                      <a:pPr algn="ctr">
+                        <a:lnSpc>
+                          <a:spcPct val="100000"/>
+                        </a:lnSpc>
+                      </a:pPr>
+                      <a:r>
+                        <a:rPr b="0" lang="en-US" sz="1800" spc="-1" strike="noStrike">
+                          <a:latin typeface="Arial"/>
+                          <a:ea typeface="Noto Sans"/>
+                        </a:rPr>
+                        <a:t>10</a:t>
+                      </a:r>
+                      <a:endParaRPr b="0" lang="en-US" sz="1800" spc="-1" strike="noStrike">
+                        <a:latin typeface="Arial"/>
+                      </a:endParaRPr>
+                    </a:p>
+                  </a:txBody>
+                  <a:tcPr marL="90000" marR="90000">
+                    <a:lnL w="720">
+                      <a:solidFill>
+                        <a:srgbClr val="ffffff"/>
+                      </a:solidFill>
+                    </a:lnL>
+                    <a:lnR w="720">
+                      <a:solidFill>
+                        <a:srgbClr val="ffffff"/>
+                      </a:solidFill>
+                    </a:lnR>
+                    <a:lnT w="720">
+                      <a:solidFill>
+                        <a:srgbClr val="ffffff"/>
+                      </a:solidFill>
+                    </a:lnT>
+                    <a:lnB w="720">
+                      <a:solidFill>
+                        <a:srgbClr val="ffffff"/>
+                      </a:solidFill>
+                    </a:lnB>
+                    <a:solidFill>
+                      <a:srgbClr val="b3b3b3"/>
+                    </a:solidFill>
+                  </a:tcPr>
+                </a:tc>
+                <a:tc>
+                  <a:tcPr marL="90000" marR="90000">
+                    <a:lnL w="720">
+                      <a:solidFill>
+                        <a:srgbClr val="ffffff"/>
+                      </a:solidFill>
+                    </a:lnL>
+                    <a:lnR w="720">
+                      <a:solidFill>
+                        <a:srgbClr val="ffffff"/>
+                      </a:solidFill>
+                    </a:lnR>
+                    <a:lnT w="720">
+                      <a:solidFill>
+                        <a:srgbClr val="ffffff"/>
+                      </a:solidFill>
+                    </a:lnT>
+                    <a:lnB w="720">
+                      <a:solidFill>
+                        <a:srgbClr val="ffffff"/>
+                      </a:solidFill>
+                    </a:lnB>
+                    <a:solidFill>
+                      <a:srgbClr val="b3b3b3"/>
+                    </a:solidFill>
+                  </a:tcPr>
+                </a:tc>
+                <a:tc>
+                  <a:txBody>
+                    <a:bodyPr lIns="90000" rIns="90000" tIns="46800" bIns="46800">
+                      <a:noAutofit/>
+                    </a:bodyPr>
+                    <a:p>
+                      <a:pPr marL="216000" indent="-216000">
+                        <a:lnSpc>
+                          <a:spcPct val="100000"/>
+                        </a:lnSpc>
+                        <a:buClr>
+                          <a:srgbClr val="000000"/>
+                        </a:buClr>
+                        <a:buSzPct val="45000"/>
+                        <a:buFont typeface="Wingdings" charset="2"/>
+                        <a:buChar char=""/>
+                      </a:pPr>
+                      <a:r>
+                        <a:rPr b="0" lang="en-US" sz="1800" spc="-1" strike="noStrike">
+                          <a:latin typeface="Arial"/>
+                          <a:ea typeface="Noto Sans"/>
+                        </a:rPr>
+                        <a:t>20</a:t>
+                      </a:r>
+                      <a:endParaRPr b="0" lang="en-US" sz="1800" spc="-1" strike="noStrike">
+                        <a:latin typeface="Arial"/>
+                      </a:endParaRPr>
+                    </a:p>
+                  </a:txBody>
+                  <a:tcPr marL="90000" marR="90000">
+                    <a:lnL w="720">
+                      <a:solidFill>
+                        <a:srgbClr val="ffffff"/>
+                      </a:solidFill>
+                    </a:lnL>
+                    <a:lnR w="720">
+                      <a:solidFill>
+                        <a:srgbClr val="ffffff"/>
+                      </a:solidFill>
+                    </a:lnR>
+                    <a:lnT w="720">
+                      <a:solidFill>
+                        <a:srgbClr val="ffffff"/>
+                      </a:solidFill>
+                    </a:lnT>
+                    <a:lnB w="720">
+                      <a:solidFill>
+                        <a:srgbClr val="ffffff"/>
+                      </a:solidFill>
+                    </a:lnB>
+                    <a:solidFill>
+                      <a:srgbClr val="b3b3b3"/>
+                    </a:solidFill>
+                  </a:tcPr>
+                </a:tc>
+                <a:tc>
+                  <a:tcPr marL="90000" marR="90000">
+                    <a:lnL w="720">
+                      <a:solidFill>
+                        <a:srgbClr val="ffffff"/>
+                      </a:solidFill>
+                    </a:lnL>
+                    <a:lnR w="720">
+                      <a:solidFill>
+                        <a:srgbClr val="ffffff"/>
+                      </a:solidFill>
+                    </a:lnR>
+                    <a:lnT w="720">
+                      <a:solidFill>
+                        <a:srgbClr val="ffffff"/>
+                      </a:solidFill>
+                    </a:lnT>
+                    <a:lnB w="720">
+                      <a:solidFill>
+                        <a:srgbClr val="ffffff"/>
+                      </a:solidFill>
+                    </a:lnB>
+                    <a:solidFill>
+                      <a:srgbClr val="b3b3b3"/>
+                    </a:solidFill>
+                  </a:tcPr>
+                </a:tc>
+              </a:tr>
+            </a:tbl>
+          </a:graphicData>
+        </a:graphic>
+      </p:graphicFrame>
+      <p:sp>
+        <p:nvSpPr>
+          <p:cNvPr id="404" name="Line 22"/>
+          <p:cNvSpPr/>
+          <p:nvPr/>
+        </p:nvSpPr>
+        <p:spPr>
+          <a:xfrm>
+            <a:off x="183240" y="4745520"/>
+            <a:ext cx="0" cy="457200"/>
+          </a:xfrm>
+          <a:prstGeom prst="line">
+            <a:avLst/>
+          </a:prstGeom>
+          <a:ln w="0">
+            <a:solidFill>
+              <a:srgbClr val="3465a4"/>
+            </a:solidFill>
+            <a:tailEnd len="med" type="triangle" w="med"/>
+          </a:ln>
+        </p:spPr>
+        <p:style>
+          <a:lnRef idx="0"/>
+          <a:fillRef idx="0"/>
+          <a:effectRef idx="0"/>
+          <a:fontRef idx="minor"/>
+        </p:style>
+      </p:sp>
+      <p:sp>
+        <p:nvSpPr>
+          <p:cNvPr id="405" name="Line 23"/>
+          <p:cNvSpPr/>
+          <p:nvPr/>
+        </p:nvSpPr>
+        <p:spPr>
+          <a:xfrm>
+            <a:off x="1227240" y="4745520"/>
+            <a:ext cx="0" cy="457200"/>
+          </a:xfrm>
+          <a:prstGeom prst="line">
+            <a:avLst/>
+          </a:prstGeom>
+          <a:ln w="0">
+            <a:solidFill>
+              <a:srgbClr val="3465a4"/>
+            </a:solidFill>
+            <a:tailEnd len="med" type="triangle" w="med"/>
+          </a:ln>
+        </p:spPr>
+        <p:style>
+          <a:lnRef idx="0"/>
+          <a:fillRef idx="0"/>
+          <a:effectRef idx="0"/>
+          <a:fontRef idx="minor"/>
+        </p:style>
+      </p:sp>
+      <p:graphicFrame>
+        <p:nvGraphicFramePr>
+          <p:cNvPr id="406" name="Table 24"/>
+          <p:cNvGraphicFramePr/>
+          <p:nvPr/>
+        </p:nvGraphicFramePr>
+        <p:xfrm>
+          <a:off x="2494800" y="4426920"/>
+          <a:ext cx="2336040" cy="408240"/>
+        </p:xfrm>
+        <a:graphic>
+          <a:graphicData uri="http://schemas.openxmlformats.org/drawingml/2006/table">
+            <a:tbl>
+              <a:tblPr/>
+              <a:tblGrid>
+                <a:gridCol w="244440"/>
+                <a:gridCol w="810720"/>
+                <a:gridCol w="243000"/>
+                <a:gridCol w="792000"/>
+                <a:gridCol w="246240"/>
+              </a:tblGrid>
+              <a:tr h="408600">
+                <a:tc>
+                  <a:tcPr marL="90000" marR="90000">
+                    <a:lnL w="720">
+                      <a:solidFill>
+                        <a:srgbClr val="ffffff"/>
+                      </a:solidFill>
+                    </a:lnL>
+                    <a:lnR w="720">
+                      <a:solidFill>
+                        <a:srgbClr val="ffffff"/>
+                      </a:solidFill>
+                    </a:lnR>
+                    <a:lnT w="720">
+                      <a:solidFill>
+                        <a:srgbClr val="ffffff"/>
+                      </a:solidFill>
+                    </a:lnT>
+                    <a:lnB w="720">
+                      <a:solidFill>
+                        <a:srgbClr val="ffffff"/>
+                      </a:solidFill>
+                    </a:lnB>
+                    <a:solidFill>
+                      <a:srgbClr val="b3b3b3"/>
+                    </a:solidFill>
+                  </a:tcPr>
+                </a:tc>
+                <a:tc>
+                  <a:txBody>
+                    <a:bodyPr lIns="90000" rIns="90000" tIns="46800" bIns="46800">
+                      <a:noAutofit/>
+                    </a:bodyPr>
+                    <a:p>
+                      <a:pPr algn="ctr">
+                        <a:lnSpc>
+                          <a:spcPct val="100000"/>
+                        </a:lnSpc>
+                      </a:pPr>
+                      <a:r>
+                        <a:rPr b="0" lang="en-US" sz="1800" spc="-1" strike="noStrike">
+                          <a:latin typeface="Arial"/>
+                          <a:ea typeface="Noto Sans"/>
+                        </a:rPr>
+                        <a:t>25</a:t>
+                      </a:r>
+                      <a:endParaRPr b="0" lang="en-US" sz="1800" spc="-1" strike="noStrike">
+                        <a:latin typeface="Arial"/>
+                      </a:endParaRPr>
+                    </a:p>
+                  </a:txBody>
+                  <a:tcPr marL="90000" marR="90000">
+                    <a:lnL w="720">
+                      <a:solidFill>
+                        <a:srgbClr val="ffffff"/>
+                      </a:solidFill>
+                    </a:lnL>
+                    <a:lnR w="720">
+                      <a:solidFill>
+                        <a:srgbClr val="ffffff"/>
+                      </a:solidFill>
+                    </a:lnR>
+                    <a:lnT w="720">
+                      <a:solidFill>
+                        <a:srgbClr val="ffffff"/>
+                      </a:solidFill>
+                    </a:lnT>
+                    <a:lnB w="720">
+                      <a:solidFill>
+                        <a:srgbClr val="ffffff"/>
+                      </a:solidFill>
+                    </a:lnB>
+                    <a:solidFill>
+                      <a:srgbClr val="b3b3b3"/>
+                    </a:solidFill>
+                  </a:tcPr>
+                </a:tc>
+                <a:tc>
+                  <a:tcPr marL="90000" marR="90000">
+                    <a:lnL w="720">
+                      <a:solidFill>
+                        <a:srgbClr val="ffffff"/>
+                      </a:solidFill>
+                    </a:lnL>
+                    <a:lnR w="720">
+                      <a:solidFill>
+                        <a:srgbClr val="ffffff"/>
+                      </a:solidFill>
+                    </a:lnR>
+                    <a:lnT w="720">
+                      <a:solidFill>
+                        <a:srgbClr val="ffffff"/>
+                      </a:solidFill>
+                    </a:lnT>
+                    <a:lnB w="720">
+                      <a:solidFill>
+                        <a:srgbClr val="ffffff"/>
+                      </a:solidFill>
+                    </a:lnB>
+                    <a:solidFill>
+                      <a:srgbClr val="b3b3b3"/>
+                    </a:solidFill>
+                  </a:tcPr>
+                </a:tc>
+                <a:tc>
+                  <a:txBody>
+                    <a:bodyPr lIns="90000" rIns="90000" tIns="46800" bIns="46800">
+                      <a:noAutofit/>
+                    </a:bodyPr>
+                    <a:p>
+                      <a:pPr marL="216000" indent="-216000">
+                        <a:buClr>
+                          <a:srgbClr val="000000"/>
+                        </a:buClr>
+                        <a:buSzPct val="45000"/>
+                        <a:buFont typeface="Wingdings" charset="2"/>
+                        <a:buChar char=""/>
+                      </a:pPr>
+                      <a:r>
+                        <a:rPr b="0" lang="en-US" sz="1800" spc="-1" strike="noStrike">
+                          <a:latin typeface="Arial"/>
+                        </a:rPr>
+                        <a:t>30</a:t>
+                      </a:r>
+                      <a:endParaRPr b="0" lang="en-US" sz="1800" spc="-1" strike="noStrike">
+                        <a:latin typeface="Times New Roman"/>
+                      </a:endParaRPr>
+                    </a:p>
+                  </a:txBody>
+                  <a:tcPr marL="90000" marR="90000">
+                    <a:lnL w="720">
+                      <a:solidFill>
+                        <a:srgbClr val="ffffff"/>
+                      </a:solidFill>
+                    </a:lnL>
+                    <a:lnR w="720">
+                      <a:solidFill>
+                        <a:srgbClr val="ffffff"/>
+                      </a:solidFill>
+                    </a:lnR>
+                    <a:lnT w="720">
+                      <a:solidFill>
+                        <a:srgbClr val="ffffff"/>
+                      </a:solidFill>
+                    </a:lnT>
+                    <a:lnB w="720">
+                      <a:solidFill>
+                        <a:srgbClr val="ffffff"/>
+                      </a:solidFill>
+                    </a:lnB>
+                    <a:solidFill>
+                      <a:srgbClr val="b3b3b3"/>
+                    </a:solidFill>
+                  </a:tcPr>
+                </a:tc>
+                <a:tc>
+                  <a:tcPr marL="90000" marR="90000">
+                    <a:lnL w="720">
+                      <a:solidFill>
+                        <a:srgbClr val="ffffff"/>
+                      </a:solidFill>
+                    </a:lnL>
+                    <a:lnR w="720">
+                      <a:solidFill>
+                        <a:srgbClr val="ffffff"/>
+                      </a:solidFill>
+                    </a:lnR>
+                    <a:lnT w="720">
+                      <a:solidFill>
+                        <a:srgbClr val="ffffff"/>
+                      </a:solidFill>
+                    </a:lnT>
+                    <a:lnB w="720">
+                      <a:solidFill>
+                        <a:srgbClr val="ffffff"/>
+                      </a:solidFill>
+                    </a:lnB>
+                    <a:solidFill>
+                      <a:srgbClr val="b3b3b3"/>
+                    </a:solidFill>
+                  </a:tcPr>
+                </a:tc>
+              </a:tr>
+            </a:tbl>
+          </a:graphicData>
+        </a:graphic>
+      </p:graphicFrame>
+      <p:sp>
+        <p:nvSpPr>
+          <p:cNvPr id="407" name="Line 25"/>
+          <p:cNvSpPr/>
+          <p:nvPr/>
+        </p:nvSpPr>
+        <p:spPr>
+          <a:xfrm>
+            <a:off x="2631240" y="4745520"/>
+            <a:ext cx="0" cy="457200"/>
+          </a:xfrm>
+          <a:prstGeom prst="line">
+            <a:avLst/>
+          </a:prstGeom>
+          <a:ln w="0">
+            <a:solidFill>
+              <a:srgbClr val="3465a4"/>
+            </a:solidFill>
+            <a:tailEnd len="med" type="triangle" w="med"/>
+          </a:ln>
+        </p:spPr>
+        <p:style>
+          <a:lnRef idx="0"/>
+          <a:fillRef idx="0"/>
+          <a:effectRef idx="0"/>
+          <a:fontRef idx="minor"/>
+        </p:style>
+      </p:sp>
+      <p:graphicFrame>
+        <p:nvGraphicFramePr>
+          <p:cNvPr id="408" name="Table 26"/>
+          <p:cNvGraphicFramePr/>
+          <p:nvPr/>
+        </p:nvGraphicFramePr>
+        <p:xfrm>
+          <a:off x="1208160" y="3563280"/>
+          <a:ext cx="2336040" cy="408240"/>
+        </p:xfrm>
+        <a:graphic>
+          <a:graphicData uri="http://schemas.openxmlformats.org/drawingml/2006/table">
+            <a:tbl>
+              <a:tblPr/>
+              <a:tblGrid>
+                <a:gridCol w="244440"/>
+                <a:gridCol w="810720"/>
+                <a:gridCol w="243000"/>
+                <a:gridCol w="792000"/>
+                <a:gridCol w="246240"/>
+              </a:tblGrid>
+              <a:tr h="408600">
+                <a:tc>
+                  <a:tcPr marL="90000" marR="90000">
+                    <a:lnL w="720">
+                      <a:solidFill>
+                        <a:srgbClr val="ffffff"/>
+                      </a:solidFill>
+                    </a:lnL>
+                    <a:lnR w="720">
+                      <a:solidFill>
+                        <a:srgbClr val="ffffff"/>
+                      </a:solidFill>
+                    </a:lnR>
+                    <a:lnT w="720">
+                      <a:solidFill>
+                        <a:srgbClr val="ffffff"/>
+                      </a:solidFill>
+                    </a:lnT>
+                    <a:lnB w="720">
+                      <a:solidFill>
+                        <a:srgbClr val="ffffff"/>
+                      </a:solidFill>
+                    </a:lnB>
+                    <a:solidFill>
+                      <a:srgbClr val="b3b3b3"/>
+                    </a:solidFill>
+                  </a:tcPr>
+                </a:tc>
+                <a:tc>
+                  <a:txBody>
+                    <a:bodyPr lIns="90000" rIns="90000" tIns="46800" bIns="46800">
+                      <a:noAutofit/>
+                    </a:bodyPr>
+                    <a:p>
+                      <a:pPr algn="ctr">
+                        <a:lnSpc>
+                          <a:spcPct val="100000"/>
+                        </a:lnSpc>
+                      </a:pPr>
+                      <a:r>
+                        <a:rPr b="0" lang="en-US" sz="1800" spc="-1" strike="noStrike">
+                          <a:latin typeface="Arial"/>
+                          <a:ea typeface="Noto Sans"/>
+                        </a:rPr>
+                        <a:t>20</a:t>
+                      </a:r>
+                      <a:endParaRPr b="0" lang="en-US" sz="1800" spc="-1" strike="noStrike">
+                        <a:latin typeface="Arial"/>
+                      </a:endParaRPr>
+                    </a:p>
+                  </a:txBody>
+                  <a:tcPr marL="90000" marR="90000">
+                    <a:lnL w="720">
+                      <a:solidFill>
+                        <a:srgbClr val="ffffff"/>
+                      </a:solidFill>
+                    </a:lnL>
+                    <a:lnR w="720">
+                      <a:solidFill>
+                        <a:srgbClr val="ffffff"/>
+                      </a:solidFill>
+                    </a:lnR>
+                    <a:lnT w="720">
+                      <a:solidFill>
+                        <a:srgbClr val="ffffff"/>
+                      </a:solidFill>
+                    </a:lnT>
+                    <a:lnB w="720">
+                      <a:solidFill>
+                        <a:srgbClr val="ffffff"/>
+                      </a:solidFill>
+                    </a:lnB>
+                    <a:solidFill>
+                      <a:srgbClr val="b3b3b3"/>
+                    </a:solidFill>
+                  </a:tcPr>
+                </a:tc>
+                <a:tc>
+                  <a:tcPr marL="90000" marR="90000">
+                    <a:lnL w="720">
+                      <a:solidFill>
+                        <a:srgbClr val="ffffff"/>
+                      </a:solidFill>
+                    </a:lnL>
+                    <a:lnR w="720">
+                      <a:solidFill>
+                        <a:srgbClr val="ffffff"/>
+                      </a:solidFill>
+                    </a:lnR>
+                    <a:lnT w="720">
+                      <a:solidFill>
+                        <a:srgbClr val="ffffff"/>
+                      </a:solidFill>
+                    </a:lnT>
+                    <a:lnB w="720">
+                      <a:solidFill>
+                        <a:srgbClr val="ffffff"/>
+                      </a:solidFill>
+                    </a:lnB>
+                    <a:solidFill>
+                      <a:srgbClr val="b3b3b3"/>
+                    </a:solidFill>
+                  </a:tcPr>
+                </a:tc>
+                <a:tc>
+                  <a:txBody>
+                    <a:bodyPr lIns="90000" rIns="90000" tIns="46800" bIns="46800">
+                      <a:noAutofit/>
+                    </a:bodyPr>
+                    <a:p>
+                      <a:pPr marL="216000" indent="-216000">
+                        <a:lnSpc>
+                          <a:spcPct val="100000"/>
+                        </a:lnSpc>
+                        <a:buClr>
+                          <a:srgbClr val="000000"/>
+                        </a:buClr>
+                        <a:buSzPct val="45000"/>
+                        <a:buFont typeface="Wingdings" charset="2"/>
+                        <a:buChar char=""/>
+                      </a:pPr>
+                      <a:r>
+                        <a:rPr b="0" lang="en-US" sz="1800" spc="-1" strike="noStrike">
+                          <a:latin typeface="Arial"/>
+                          <a:ea typeface="Noto Sans"/>
+                        </a:rPr>
+                        <a:t>30</a:t>
+                      </a:r>
+                      <a:endParaRPr b="0" lang="en-US" sz="1800" spc="-1" strike="noStrike">
+                        <a:latin typeface="Arial"/>
+                      </a:endParaRPr>
+                    </a:p>
+                  </a:txBody>
+                  <a:tcPr marL="90000" marR="90000">
+                    <a:lnL w="720">
+                      <a:solidFill>
+                        <a:srgbClr val="ffffff"/>
+                      </a:solidFill>
+                    </a:lnL>
+                    <a:lnR w="720">
+                      <a:solidFill>
+                        <a:srgbClr val="ffffff"/>
+                      </a:solidFill>
+                    </a:lnR>
+                    <a:lnT w="720">
+                      <a:solidFill>
+                        <a:srgbClr val="ffffff"/>
+                      </a:solidFill>
+                    </a:lnT>
+                    <a:lnB w="720">
+                      <a:solidFill>
+                        <a:srgbClr val="ffffff"/>
+                      </a:solidFill>
+                    </a:lnB>
+                    <a:solidFill>
+                      <a:srgbClr val="b3b3b3"/>
+                    </a:solidFill>
+                  </a:tcPr>
+                </a:tc>
+                <a:tc>
+                  <a:tcPr marL="90000" marR="90000">
+                    <a:lnL w="720">
+                      <a:solidFill>
+                        <a:srgbClr val="ffffff"/>
+                      </a:solidFill>
+                    </a:lnL>
+                    <a:lnR w="720">
+                      <a:solidFill>
+                        <a:srgbClr val="ffffff"/>
+                      </a:solidFill>
+                    </a:lnR>
+                    <a:lnT w="720">
+                      <a:solidFill>
+                        <a:srgbClr val="ffffff"/>
+                      </a:solidFill>
+                    </a:lnT>
+                    <a:lnB w="720">
+                      <a:solidFill>
+                        <a:srgbClr val="ffffff"/>
+                      </a:solidFill>
+                    </a:lnB>
+                    <a:solidFill>
+                      <a:srgbClr val="b3b3b3"/>
+                    </a:solidFill>
+                  </a:tcPr>
+                </a:tc>
+              </a:tr>
+            </a:tbl>
+          </a:graphicData>
+        </a:graphic>
+      </p:graphicFrame>
+      <p:sp>
+        <p:nvSpPr>
+          <p:cNvPr id="409" name="Line 27"/>
+          <p:cNvSpPr/>
+          <p:nvPr/>
+        </p:nvSpPr>
+        <p:spPr>
+          <a:xfrm flipH="1">
+            <a:off x="1108800" y="3789720"/>
+            <a:ext cx="228600" cy="637200"/>
+          </a:xfrm>
+          <a:prstGeom prst="line">
+            <a:avLst/>
+          </a:prstGeom>
+          <a:ln w="0">
+            <a:solidFill>
+              <a:srgbClr val="3465a4"/>
+            </a:solidFill>
+            <a:tailEnd len="med" type="triangle" w="med"/>
+          </a:ln>
+        </p:spPr>
+        <p:style>
+          <a:lnRef idx="0"/>
+          <a:fillRef idx="0"/>
+          <a:effectRef idx="0"/>
+          <a:fontRef idx="minor"/>
+        </p:style>
+      </p:sp>
+      <p:sp>
+        <p:nvSpPr>
+          <p:cNvPr id="410" name="Line 28"/>
+          <p:cNvSpPr/>
+          <p:nvPr/>
+        </p:nvSpPr>
+        <p:spPr>
+          <a:xfrm>
+            <a:off x="2408400" y="3716640"/>
+            <a:ext cx="457200" cy="685800"/>
+          </a:xfrm>
+          <a:prstGeom prst="line">
+            <a:avLst/>
+          </a:prstGeom>
+          <a:ln w="0">
+            <a:solidFill>
+              <a:srgbClr val="3465a4"/>
+            </a:solidFill>
+            <a:tailEnd len="med" type="triangle" w="med"/>
+          </a:ln>
+        </p:spPr>
+        <p:style>
+          <a:lnRef idx="0"/>
+          <a:fillRef idx="0"/>
+          <a:effectRef idx="0"/>
+          <a:fontRef idx="minor"/>
+        </p:style>
+      </p:sp>
+    </p:spTree>
+  </p:cSld>
+  <mc:AlternateContent>
+    <mc:Choice Requires="p14">
+      <p:transition spd="slow" p14:dur="2000"/>
+    </mc:Choice>
+    <mc:Fallback>
+      <p:transition spd="slow"/>
+    </mc:Fallback>
+  </mc:AlternateContent>
+</p:sld>
+</file>
+
+<file path=ppt/slides/slide23.xml><?xml version="1.0" encoding="utf-8"?>
+<p:sld xmlns:a="http://schemas.openxmlformats.org/drawingml/2006/main" xmlns:p="http://schemas.openxmlformats.org/presentationml/2006/main" xmlns:r="http://schemas.openxmlformats.org/officeDocument/2006/relationships" xmlns:p14="http://schemas.microsoft.com/office/powerpoint/2010/main" xmlns:p15="http://schemas.microsoft.com/office/powerpoint/2012/main" xmlns:mc="http://schemas.openxmlformats.org/markup-compatibility/2006">
+  <p:cSld>
+    <p:spTree>
+      <p:nvGrpSpPr>
+        <p:cNvPr id="1" name=""/>
+        <p:cNvGrpSpPr/>
+        <p:nvPr/>
+      </p:nvGrpSpPr>
+      <p:grpSpPr>
+        <a:xfrm>
+          <a:off x="0" y="0"/>
+          <a:ext cx="0" cy="0"/>
+          <a:chOff x="0" y="0"/>
+          <a:chExt cx="0" cy="0"/>
+        </a:xfrm>
+      </p:grpSpPr>
+      <p:sp>
+        <p:nvSpPr>
+          <p:cNvPr id="411" name="TextShape 1"/>
+          <p:cNvSpPr txBox="1"/>
+          <p:nvPr/>
+        </p:nvSpPr>
+        <p:spPr>
+          <a:xfrm>
+            <a:off x="1564920" y="685800"/>
+            <a:ext cx="180720" cy="346320"/>
+          </a:xfrm>
+          <a:prstGeom prst="rect">
+            <a:avLst/>
+          </a:prstGeom>
+          <a:noFill/>
+          <a:ln w="0">
+            <a:noFill/>
+          </a:ln>
+        </p:spPr>
+      </p:sp>
+      <p:sp>
+        <p:nvSpPr>
+          <p:cNvPr id="412" name="TextShape 2"/>
+          <p:cNvSpPr txBox="1"/>
+          <p:nvPr/>
+        </p:nvSpPr>
+        <p:spPr>
+          <a:xfrm>
+            <a:off x="228600" y="228600"/>
+            <a:ext cx="1143000" cy="346320"/>
+          </a:xfrm>
+          <a:prstGeom prst="rect">
+            <a:avLst/>
+          </a:prstGeom>
+          <a:noFill/>
+          <a:ln w="0">
+            <a:noFill/>
+          </a:ln>
+        </p:spPr>
+        <p:txBody>
+          <a:bodyPr lIns="90000" rIns="90000" tIns="45000" bIns="45000">
+            <a:noAutofit/>
+          </a:bodyPr>
+          <a:p>
+            <a:r>
+              <a:rPr b="0" lang="en-US" sz="1800" spc="-1" strike="noStrike">
+                <a:latin typeface="Arial"/>
+              </a:rPr>
+              <a:t>Insertion:</a:t>
+            </a:r>
+            <a:endParaRPr b="0" lang="en-US" sz="1800" spc="-1" strike="noStrike">
+              <a:latin typeface="Arial"/>
+            </a:endParaRPr>
+          </a:p>
+        </p:txBody>
+      </p:sp>
+      <p:graphicFrame>
+        <p:nvGraphicFramePr>
+          <p:cNvPr id="413" name="Table 3"/>
+          <p:cNvGraphicFramePr/>
+          <p:nvPr/>
+        </p:nvGraphicFramePr>
+        <p:xfrm>
+          <a:off x="2212200" y="4257360"/>
+          <a:ext cx="2336040" cy="408240"/>
+        </p:xfrm>
+        <a:graphic>
+          <a:graphicData uri="http://schemas.openxmlformats.org/drawingml/2006/table">
+            <a:tbl>
+              <a:tblPr/>
+              <a:tblGrid>
+                <a:gridCol w="244440"/>
+                <a:gridCol w="810720"/>
+                <a:gridCol w="243000"/>
+                <a:gridCol w="792000"/>
+                <a:gridCol w="246240"/>
+              </a:tblGrid>
+              <a:tr h="408600">
+                <a:tc>
+                  <a:tcPr marL="90000" marR="90000">
+                    <a:lnL w="720">
+                      <a:solidFill>
+                        <a:srgbClr val="ffffff"/>
+                      </a:solidFill>
+                    </a:lnL>
+                    <a:lnR w="720">
+                      <a:solidFill>
+                        <a:srgbClr val="ffffff"/>
+                      </a:solidFill>
+                    </a:lnR>
+                    <a:lnT w="720">
+                      <a:solidFill>
+                        <a:srgbClr val="ffffff"/>
+                      </a:solidFill>
+                    </a:lnT>
+                    <a:lnB w="720">
+                      <a:solidFill>
+                        <a:srgbClr val="ffffff"/>
+                      </a:solidFill>
+                    </a:lnB>
+                    <a:solidFill>
+                      <a:srgbClr val="b3b3b3"/>
+                    </a:solidFill>
+                  </a:tcPr>
+                </a:tc>
+                <a:tc>
+                  <a:txBody>
+                    <a:bodyPr lIns="90000" rIns="90000" tIns="46800" bIns="46800">
+                      <a:noAutofit/>
+                    </a:bodyPr>
+                    <a:p>
+                      <a:pPr algn="ctr">
+                        <a:lnSpc>
+                          <a:spcPct val="100000"/>
+                        </a:lnSpc>
+                      </a:pPr>
+                      <a:r>
+                        <a:rPr b="0" lang="en-US" sz="1800" spc="-1" strike="noStrike">
+                          <a:latin typeface="Arial"/>
+                          <a:ea typeface="Noto Sans"/>
+                        </a:rPr>
+                        <a:t>10</a:t>
+                      </a:r>
+                      <a:endParaRPr b="0" lang="en-US" sz="1800" spc="-1" strike="noStrike">
+                        <a:latin typeface="Arial"/>
+                      </a:endParaRPr>
+                    </a:p>
+                  </a:txBody>
+                  <a:tcPr marL="90000" marR="90000">
+                    <a:lnL w="720">
+                      <a:solidFill>
+                        <a:srgbClr val="ffffff"/>
+                      </a:solidFill>
+                    </a:lnL>
+                    <a:lnR w="720">
+                      <a:solidFill>
+                        <a:srgbClr val="ffffff"/>
+                      </a:solidFill>
+                    </a:lnR>
+                    <a:lnT w="720">
+                      <a:solidFill>
+                        <a:srgbClr val="ffffff"/>
+                      </a:solidFill>
+                    </a:lnT>
+                    <a:lnB w="720">
+                      <a:solidFill>
+                        <a:srgbClr val="ffffff"/>
+                      </a:solidFill>
+                    </a:lnB>
+                    <a:solidFill>
+                      <a:srgbClr val="b3b3b3"/>
+                    </a:solidFill>
+                  </a:tcPr>
+                </a:tc>
+                <a:tc>
+                  <a:tcPr marL="90000" marR="90000">
+                    <a:lnL w="720">
+                      <a:solidFill>
+                        <a:srgbClr val="ffffff"/>
+                      </a:solidFill>
+                    </a:lnL>
+                    <a:lnR w="720">
+                      <a:solidFill>
+                        <a:srgbClr val="ffffff"/>
+                      </a:solidFill>
+                    </a:lnR>
+                    <a:lnT w="720">
+                      <a:solidFill>
+                        <a:srgbClr val="ffffff"/>
+                      </a:solidFill>
+                    </a:lnT>
+                    <a:lnB w="720">
+                      <a:solidFill>
+                        <a:srgbClr val="ffffff"/>
+                      </a:solidFill>
+                    </a:lnB>
+                    <a:solidFill>
+                      <a:srgbClr val="b3b3b3"/>
+                    </a:solidFill>
+                  </a:tcPr>
+                </a:tc>
+                <a:tc>
+                  <a:txBody>
+                    <a:bodyPr lIns="90000" rIns="90000" tIns="46800" bIns="46800">
+                      <a:noAutofit/>
+                    </a:bodyPr>
+                    <a:p>
+                      <a:pPr marL="216000" indent="-216000">
+                        <a:lnSpc>
+                          <a:spcPct val="100000"/>
+                        </a:lnSpc>
+                        <a:buClr>
+                          <a:srgbClr val="000000"/>
+                        </a:buClr>
+                        <a:buSzPct val="45000"/>
+                        <a:buFont typeface="Wingdings" charset="2"/>
+                        <a:buChar char=""/>
+                      </a:pPr>
+                      <a:r>
+                        <a:rPr b="0" lang="en-US" sz="1800" spc="-1" strike="noStrike">
+                          <a:latin typeface="Arial"/>
+                          <a:ea typeface="Noto Sans"/>
+                        </a:rPr>
+                        <a:t>15</a:t>
+                      </a:r>
+                      <a:endParaRPr b="0" lang="en-US" sz="1800" spc="-1" strike="noStrike">
+                        <a:latin typeface="Arial"/>
+                      </a:endParaRPr>
+                    </a:p>
+                  </a:txBody>
+                  <a:tcPr marL="90000" marR="90000">
+                    <a:lnL w="720">
+                      <a:solidFill>
+                        <a:srgbClr val="ffffff"/>
+                      </a:solidFill>
+                    </a:lnL>
+                    <a:lnR w="720">
+                      <a:solidFill>
+                        <a:srgbClr val="ffffff"/>
+                      </a:solidFill>
+                    </a:lnR>
+                    <a:lnT w="720">
+                      <a:solidFill>
+                        <a:srgbClr val="ffffff"/>
+                      </a:solidFill>
+                    </a:lnT>
+                    <a:lnB w="720">
+                      <a:solidFill>
+                        <a:srgbClr val="ffffff"/>
+                      </a:solidFill>
+                    </a:lnB>
+                    <a:solidFill>
+                      <a:srgbClr val="b3b3b3"/>
+                    </a:solidFill>
+                  </a:tcPr>
+                </a:tc>
+                <a:tc>
+                  <a:tcPr marL="90000" marR="90000">
+                    <a:lnL w="720">
+                      <a:solidFill>
+                        <a:srgbClr val="ffffff"/>
+                      </a:solidFill>
+                    </a:lnL>
+                    <a:lnR w="720">
+                      <a:solidFill>
+                        <a:srgbClr val="ffffff"/>
+                      </a:solidFill>
+                    </a:lnR>
+                    <a:lnT w="720">
+                      <a:solidFill>
+                        <a:srgbClr val="ffffff"/>
+                      </a:solidFill>
+                    </a:lnT>
+                    <a:lnB w="720">
+                      <a:solidFill>
+                        <a:srgbClr val="ffffff"/>
+                      </a:solidFill>
+                    </a:lnB>
+                    <a:solidFill>
+                      <a:srgbClr val="b3b3b3"/>
+                    </a:solidFill>
+                  </a:tcPr>
+                </a:tc>
+              </a:tr>
+            </a:tbl>
+          </a:graphicData>
+        </a:graphic>
+      </p:graphicFrame>
+      <p:sp>
+        <p:nvSpPr>
+          <p:cNvPr id="414" name="Line 4"/>
+          <p:cNvSpPr/>
+          <p:nvPr/>
+        </p:nvSpPr>
+        <p:spPr>
+          <a:xfrm>
+            <a:off x="3999240" y="4601880"/>
+            <a:ext cx="0" cy="457200"/>
+          </a:xfrm>
+          <a:prstGeom prst="line">
+            <a:avLst/>
+          </a:prstGeom>
+          <a:ln w="0">
+            <a:solidFill>
+              <a:srgbClr val="3465a4"/>
+            </a:solidFill>
+            <a:tailEnd len="med" type="triangle" w="med"/>
+          </a:ln>
+        </p:spPr>
+        <p:style>
+          <a:lnRef idx="0"/>
+          <a:fillRef idx="0"/>
+          <a:effectRef idx="0"/>
+          <a:fontRef idx="minor"/>
+        </p:style>
+      </p:sp>
+      <p:sp>
+        <p:nvSpPr>
+          <p:cNvPr id="415" name="Line 5"/>
+          <p:cNvSpPr/>
+          <p:nvPr/>
+        </p:nvSpPr>
+        <p:spPr>
+          <a:xfrm>
+            <a:off x="5043240" y="4601880"/>
+            <a:ext cx="0" cy="457200"/>
+          </a:xfrm>
+          <a:prstGeom prst="line">
+            <a:avLst/>
+          </a:prstGeom>
+          <a:ln w="0">
+            <a:solidFill>
+              <a:srgbClr val="3465a4"/>
+            </a:solidFill>
+            <a:tailEnd len="med" type="triangle" w="med"/>
+          </a:ln>
+        </p:spPr>
+        <p:style>
+          <a:lnRef idx="0"/>
+          <a:fillRef idx="0"/>
+          <a:effectRef idx="0"/>
+          <a:fontRef idx="minor"/>
+        </p:style>
+      </p:sp>
+      <p:graphicFrame>
+        <p:nvGraphicFramePr>
+          <p:cNvPr id="416" name="Table 6"/>
+          <p:cNvGraphicFramePr/>
+          <p:nvPr/>
+        </p:nvGraphicFramePr>
+        <p:xfrm>
+          <a:off x="4942800" y="4283280"/>
+          <a:ext cx="2336040" cy="408240"/>
+        </p:xfrm>
+        <a:graphic>
+          <a:graphicData uri="http://schemas.openxmlformats.org/drawingml/2006/table">
+            <a:tbl>
+              <a:tblPr/>
+              <a:tblGrid>
+                <a:gridCol w="244440"/>
+                <a:gridCol w="810720"/>
+                <a:gridCol w="243000"/>
+                <a:gridCol w="792000"/>
+                <a:gridCol w="246240"/>
+              </a:tblGrid>
+              <a:tr h="408600">
+                <a:tc>
+                  <a:tcPr marL="90000" marR="90000">
+                    <a:lnL w="720">
+                      <a:solidFill>
+                        <a:srgbClr val="ffffff"/>
+                      </a:solidFill>
+                    </a:lnL>
+                    <a:lnR w="720">
+                      <a:solidFill>
+                        <a:srgbClr val="ffffff"/>
+                      </a:solidFill>
+                    </a:lnR>
+                    <a:lnT w="720">
+                      <a:solidFill>
+                        <a:srgbClr val="ffffff"/>
+                      </a:solidFill>
+                    </a:lnT>
+                    <a:lnB w="720">
+                      <a:solidFill>
+                        <a:srgbClr val="ffffff"/>
+                      </a:solidFill>
+                    </a:lnB>
+                    <a:solidFill>
+                      <a:srgbClr val="b3b3b3"/>
+                    </a:solidFill>
+                  </a:tcPr>
+                </a:tc>
+                <a:tc>
+                  <a:txBody>
+                    <a:bodyPr lIns="90000" rIns="90000" tIns="46800" bIns="46800">
+                      <a:noAutofit/>
+                    </a:bodyPr>
+                    <a:p>
+                      <a:pPr algn="ctr">
+                        <a:lnSpc>
+                          <a:spcPct val="100000"/>
+                        </a:lnSpc>
+                      </a:pPr>
+                      <a:r>
+                        <a:rPr b="0" lang="en-US" sz="1800" spc="-1" strike="noStrike">
+                          <a:latin typeface="Arial"/>
+                          <a:ea typeface="Noto Sans"/>
+                        </a:rPr>
+                        <a:t>20</a:t>
+                      </a:r>
+                      <a:endParaRPr b="0" lang="en-US" sz="1800" spc="-1" strike="noStrike">
+                        <a:latin typeface="Arial"/>
+                      </a:endParaRPr>
+                    </a:p>
+                  </a:txBody>
+                  <a:tcPr marL="90000" marR="90000">
+                    <a:lnL w="720">
+                      <a:solidFill>
+                        <a:srgbClr val="ffffff"/>
+                      </a:solidFill>
+                    </a:lnL>
+                    <a:lnR w="720">
+                      <a:solidFill>
+                        <a:srgbClr val="ffffff"/>
+                      </a:solidFill>
+                    </a:lnR>
+                    <a:lnT w="720">
+                      <a:solidFill>
+                        <a:srgbClr val="ffffff"/>
+                      </a:solidFill>
+                    </a:lnT>
+                    <a:lnB w="720">
+                      <a:solidFill>
+                        <a:srgbClr val="ffffff"/>
+                      </a:solidFill>
+                    </a:lnB>
+                    <a:solidFill>
+                      <a:srgbClr val="b3b3b3"/>
+                    </a:solidFill>
+                  </a:tcPr>
+                </a:tc>
+                <a:tc>
+                  <a:tcPr marL="90000" marR="90000">
+                    <a:lnL w="720">
+                      <a:solidFill>
+                        <a:srgbClr val="ffffff"/>
+                      </a:solidFill>
+                    </a:lnL>
+                    <a:lnR w="720">
+                      <a:solidFill>
+                        <a:srgbClr val="ffffff"/>
+                      </a:solidFill>
+                    </a:lnR>
+                    <a:lnT w="720">
+                      <a:solidFill>
+                        <a:srgbClr val="ffffff"/>
+                      </a:solidFill>
+                    </a:lnT>
+                    <a:lnB w="720">
+                      <a:solidFill>
+                        <a:srgbClr val="ffffff"/>
+                      </a:solidFill>
+                    </a:lnB>
+                    <a:solidFill>
+                      <a:srgbClr val="b3b3b3"/>
+                    </a:solidFill>
+                  </a:tcPr>
+                </a:tc>
+                <a:tc>
+                  <a:tcPr marL="90000" marR="90000">
+                    <a:lnL w="720">
+                      <a:solidFill>
+                        <a:srgbClr val="ffffff"/>
+                      </a:solidFill>
+                    </a:lnL>
+                    <a:lnR w="720">
+                      <a:solidFill>
+                        <a:srgbClr val="ffffff"/>
+                      </a:solidFill>
+                    </a:lnR>
+                    <a:lnT w="720">
+                      <a:solidFill>
+                        <a:srgbClr val="ffffff"/>
+                      </a:solidFill>
+                    </a:lnT>
+                    <a:lnB w="720">
+                      <a:solidFill>
+                        <a:srgbClr val="ffffff"/>
+                      </a:solidFill>
+                    </a:lnB>
+                    <a:solidFill>
+                      <a:srgbClr val="b3b3b3"/>
+                    </a:solidFill>
+                  </a:tcPr>
+                </a:tc>
+                <a:tc>
+                  <a:tcPr marL="90000" marR="90000">
+                    <a:lnL w="720">
+                      <a:solidFill>
+                        <a:srgbClr val="ffffff"/>
+                      </a:solidFill>
+                    </a:lnL>
+                    <a:lnR w="720">
+                      <a:solidFill>
+                        <a:srgbClr val="ffffff"/>
+                      </a:solidFill>
+                    </a:lnR>
+                    <a:lnT w="720">
+                      <a:solidFill>
+                        <a:srgbClr val="ffffff"/>
+                      </a:solidFill>
+                    </a:lnT>
+                    <a:lnB w="720">
+                      <a:solidFill>
+                        <a:srgbClr val="ffffff"/>
+                      </a:solidFill>
+                    </a:lnB>
+                    <a:solidFill>
+                      <a:srgbClr val="b3b3b3"/>
+                    </a:solidFill>
+                  </a:tcPr>
+                </a:tc>
+              </a:tr>
+            </a:tbl>
+          </a:graphicData>
+        </a:graphic>
+      </p:graphicFrame>
+      <p:sp>
+        <p:nvSpPr>
+          <p:cNvPr id="417" name="Line 7"/>
+          <p:cNvSpPr/>
+          <p:nvPr/>
+        </p:nvSpPr>
+        <p:spPr>
+          <a:xfrm>
+            <a:off x="6447240" y="4601880"/>
+            <a:ext cx="0" cy="457200"/>
+          </a:xfrm>
+          <a:prstGeom prst="line">
+            <a:avLst/>
+          </a:prstGeom>
+          <a:ln w="0">
+            <a:solidFill>
+              <a:srgbClr val="3465a4"/>
+            </a:solidFill>
+            <a:tailEnd len="med" type="triangle" w="med"/>
+          </a:ln>
+        </p:spPr>
+        <p:style>
+          <a:lnRef idx="0"/>
+          <a:fillRef idx="0"/>
+          <a:effectRef idx="0"/>
+          <a:fontRef idx="minor"/>
+        </p:style>
+      </p:sp>
+      <p:graphicFrame>
+        <p:nvGraphicFramePr>
+          <p:cNvPr id="418" name="Table 8"/>
+          <p:cNvGraphicFramePr/>
+          <p:nvPr/>
+        </p:nvGraphicFramePr>
+        <p:xfrm>
+          <a:off x="5024160" y="3419640"/>
+          <a:ext cx="2336040" cy="408240"/>
+        </p:xfrm>
+        <a:graphic>
+          <a:graphicData uri="http://schemas.openxmlformats.org/drawingml/2006/table">
+            <a:tbl>
+              <a:tblPr/>
+              <a:tblGrid>
+                <a:gridCol w="244440"/>
+                <a:gridCol w="810720"/>
+                <a:gridCol w="243000"/>
+                <a:gridCol w="792000"/>
+                <a:gridCol w="246240"/>
+              </a:tblGrid>
+              <a:tr h="408600">
+                <a:tc>
+                  <a:tcPr marL="90000" marR="90000">
+                    <a:lnL w="720">
+                      <a:solidFill>
+                        <a:srgbClr val="ffffff"/>
+                      </a:solidFill>
+                    </a:lnL>
+                    <a:lnR w="720">
+                      <a:solidFill>
+                        <a:srgbClr val="ffffff"/>
+                      </a:solidFill>
+                    </a:lnR>
+                    <a:lnT w="720">
+                      <a:solidFill>
+                        <a:srgbClr val="ffffff"/>
+                      </a:solidFill>
+                    </a:lnT>
+                    <a:lnB w="720">
+                      <a:solidFill>
+                        <a:srgbClr val="ffffff"/>
+                      </a:solidFill>
+                    </a:lnB>
+                    <a:solidFill>
+                      <a:srgbClr val="b3b3b3"/>
+                    </a:solidFill>
+                  </a:tcPr>
+                </a:tc>
+                <a:tc>
+                  <a:txBody>
+                    <a:bodyPr lIns="90000" rIns="90000" tIns="46800" bIns="46800">
+                      <a:noAutofit/>
+                    </a:bodyPr>
+                    <a:p>
+                      <a:pPr algn="ctr">
+                        <a:lnSpc>
+                          <a:spcPct val="100000"/>
+                        </a:lnSpc>
+                      </a:pPr>
+                      <a:r>
+                        <a:rPr b="0" lang="en-US" sz="1800" spc="-1" strike="noStrike">
+                          <a:latin typeface="Arial"/>
+                          <a:ea typeface="Noto Sans"/>
+                        </a:rPr>
+                        <a:t>15</a:t>
+                      </a:r>
+                      <a:endParaRPr b="0" lang="en-US" sz="1800" spc="-1" strike="noStrike">
+                        <a:latin typeface="Arial"/>
+                      </a:endParaRPr>
+                    </a:p>
+                  </a:txBody>
+                  <a:tcPr marL="90000" marR="90000">
+                    <a:lnL w="720">
+                      <a:solidFill>
+                        <a:srgbClr val="ffffff"/>
+                      </a:solidFill>
+                    </a:lnL>
+                    <a:lnR w="720">
+                      <a:solidFill>
+                        <a:srgbClr val="ffffff"/>
+                      </a:solidFill>
+                    </a:lnR>
+                    <a:lnT w="720">
+                      <a:solidFill>
+                        <a:srgbClr val="ffffff"/>
+                      </a:solidFill>
+                    </a:lnT>
+                    <a:lnB w="720">
+                      <a:solidFill>
+                        <a:srgbClr val="ffffff"/>
+                      </a:solidFill>
+                    </a:lnB>
+                    <a:solidFill>
+                      <a:srgbClr val="b3b3b3"/>
+                    </a:solidFill>
+                  </a:tcPr>
+                </a:tc>
+                <a:tc>
+                  <a:tcPr marL="90000" marR="90000">
+                    <a:lnL w="720">
+                      <a:solidFill>
+                        <a:srgbClr val="ffffff"/>
+                      </a:solidFill>
+                    </a:lnL>
+                    <a:lnR w="720">
+                      <a:solidFill>
+                        <a:srgbClr val="ffffff"/>
+                      </a:solidFill>
+                    </a:lnR>
+                    <a:lnT w="720">
+                      <a:solidFill>
+                        <a:srgbClr val="ffffff"/>
+                      </a:solidFill>
+                    </a:lnT>
+                    <a:lnB w="720">
+                      <a:solidFill>
+                        <a:srgbClr val="ffffff"/>
+                      </a:solidFill>
+                    </a:lnB>
+                    <a:solidFill>
+                      <a:srgbClr val="b3b3b3"/>
+                    </a:solidFill>
+                  </a:tcPr>
+                </a:tc>
+                <a:tc>
+                  <a:txBody>
+                    <a:bodyPr lIns="90000" rIns="90000" tIns="46800" bIns="46800">
+                      <a:noAutofit/>
+                    </a:bodyPr>
+                    <a:p>
+                      <a:pPr marL="216000" indent="-216000">
+                        <a:lnSpc>
+                          <a:spcPct val="100000"/>
+                        </a:lnSpc>
+                        <a:buClr>
+                          <a:srgbClr val="000000"/>
+                        </a:buClr>
+                        <a:buSzPct val="45000"/>
+                        <a:buFont typeface="Wingdings" charset="2"/>
+                        <a:buChar char=""/>
+                      </a:pPr>
+                      <a:r>
+                        <a:rPr b="0" lang="en-US" sz="1800" spc="-1" strike="noStrike">
+                          <a:latin typeface="Arial"/>
+                          <a:ea typeface="Noto Sans"/>
+                        </a:rPr>
+                        <a:t>20</a:t>
+                      </a:r>
+                      <a:endParaRPr b="0" lang="en-US" sz="1800" spc="-1" strike="noStrike">
+                        <a:latin typeface="Arial"/>
+                      </a:endParaRPr>
+                    </a:p>
+                  </a:txBody>
+                  <a:tcPr marL="90000" marR="90000">
+                    <a:lnL w="720">
+                      <a:solidFill>
+                        <a:srgbClr val="ffffff"/>
+                      </a:solidFill>
+                    </a:lnL>
+                    <a:lnR w="720">
+                      <a:solidFill>
+                        <a:srgbClr val="ffffff"/>
+                      </a:solidFill>
+                    </a:lnR>
+                    <a:lnT w="720">
+                      <a:solidFill>
+                        <a:srgbClr val="ffffff"/>
+                      </a:solidFill>
+                    </a:lnT>
+                    <a:lnB w="720">
+                      <a:solidFill>
+                        <a:srgbClr val="ffffff"/>
+                      </a:solidFill>
+                    </a:lnB>
+                    <a:solidFill>
+                      <a:srgbClr val="b3b3b3"/>
+                    </a:solidFill>
+                  </a:tcPr>
+                </a:tc>
+                <a:tc>
+                  <a:tcPr marL="90000" marR="90000">
+                    <a:lnL w="720">
+                      <a:solidFill>
+                        <a:srgbClr val="ffffff"/>
+                      </a:solidFill>
+                    </a:lnL>
+                    <a:lnR w="720">
+                      <a:solidFill>
+                        <a:srgbClr val="ffffff"/>
+                      </a:solidFill>
+                    </a:lnR>
+                    <a:lnT w="720">
+                      <a:solidFill>
+                        <a:srgbClr val="ffffff"/>
+                      </a:solidFill>
+                    </a:lnT>
+                    <a:lnB w="720">
+                      <a:solidFill>
+                        <a:srgbClr val="ffffff"/>
+                      </a:solidFill>
+                    </a:lnB>
+                    <a:solidFill>
+                      <a:srgbClr val="b3b3b3"/>
+                    </a:solidFill>
+                  </a:tcPr>
+                </a:tc>
+              </a:tr>
+            </a:tbl>
+          </a:graphicData>
+        </a:graphic>
+      </p:graphicFrame>
+      <p:sp>
+        <p:nvSpPr>
+          <p:cNvPr id="419" name="Line 9"/>
+          <p:cNvSpPr/>
+          <p:nvPr/>
+        </p:nvSpPr>
+        <p:spPr>
+          <a:xfrm flipH="1">
+            <a:off x="3405600" y="3646080"/>
+            <a:ext cx="1747800" cy="611280"/>
+          </a:xfrm>
+          <a:prstGeom prst="line">
+            <a:avLst/>
+          </a:prstGeom>
+          <a:ln w="0">
+            <a:solidFill>
+              <a:srgbClr val="3465a4"/>
+            </a:solidFill>
+            <a:tailEnd len="med" type="triangle" w="med"/>
+          </a:ln>
+        </p:spPr>
+        <p:style>
+          <a:lnRef idx="0"/>
+          <a:fillRef idx="0"/>
+          <a:effectRef idx="0"/>
+          <a:fontRef idx="minor"/>
+        </p:style>
+      </p:sp>
+      <p:sp>
+        <p:nvSpPr>
+          <p:cNvPr id="420" name="Line 10"/>
+          <p:cNvSpPr/>
+          <p:nvPr/>
+        </p:nvSpPr>
+        <p:spPr>
+          <a:xfrm>
+            <a:off x="6148800" y="3573000"/>
+            <a:ext cx="0" cy="685800"/>
+          </a:xfrm>
+          <a:prstGeom prst="line">
+            <a:avLst/>
+          </a:prstGeom>
+          <a:ln w="0">
+            <a:solidFill>
+              <a:srgbClr val="3465a4"/>
+            </a:solidFill>
+            <a:tailEnd len="med" type="triangle" w="med"/>
+          </a:ln>
+        </p:spPr>
+        <p:style>
+          <a:lnRef idx="0"/>
+          <a:fillRef idx="0"/>
+          <a:effectRef idx="0"/>
+          <a:fontRef idx="minor"/>
+        </p:style>
+      </p:sp>
+      <p:graphicFrame>
+        <p:nvGraphicFramePr>
+          <p:cNvPr id="421" name="Table 11"/>
+          <p:cNvGraphicFramePr/>
+          <p:nvPr/>
+        </p:nvGraphicFramePr>
+        <p:xfrm>
+          <a:off x="46800" y="1726920"/>
+          <a:ext cx="2336040" cy="408240"/>
+        </p:xfrm>
+        <a:graphic>
+          <a:graphicData uri="http://schemas.openxmlformats.org/drawingml/2006/table">
+            <a:tbl>
+              <a:tblPr/>
+              <a:tblGrid>
+                <a:gridCol w="244440"/>
+                <a:gridCol w="810720"/>
+                <a:gridCol w="243000"/>
+                <a:gridCol w="792000"/>
+                <a:gridCol w="246240"/>
+              </a:tblGrid>
+              <a:tr h="408600">
+                <a:tc>
+                  <a:tcPr marL="90000" marR="90000">
+                    <a:lnL w="720">
+                      <a:solidFill>
+                        <a:srgbClr val="ffffff"/>
+                      </a:solidFill>
+                    </a:lnL>
+                    <a:lnR w="720">
+                      <a:solidFill>
+                        <a:srgbClr val="ffffff"/>
+                      </a:solidFill>
+                    </a:lnR>
+                    <a:lnT w="720">
+                      <a:solidFill>
+                        <a:srgbClr val="ffffff"/>
+                      </a:solidFill>
+                    </a:lnT>
+                    <a:lnB w="720">
+                      <a:solidFill>
+                        <a:srgbClr val="ffffff"/>
+                      </a:solidFill>
+                    </a:lnB>
+                    <a:solidFill>
+                      <a:srgbClr val="b3b3b3"/>
+                    </a:solidFill>
+                  </a:tcPr>
+                </a:tc>
+                <a:tc>
+                  <a:txBody>
+                    <a:bodyPr lIns="90000" rIns="90000" tIns="46800" bIns="46800">
+                      <a:noAutofit/>
+                    </a:bodyPr>
+                    <a:p>
+                      <a:pPr algn="ctr">
+                        <a:lnSpc>
+                          <a:spcPct val="100000"/>
+                        </a:lnSpc>
+                      </a:pPr>
+                      <a:r>
+                        <a:rPr b="0" lang="en-US" sz="1800" spc="-1" strike="noStrike">
+                          <a:latin typeface="Arial"/>
+                          <a:ea typeface="Noto Sans"/>
+                        </a:rPr>
+                        <a:t>10</a:t>
+                      </a:r>
+                      <a:endParaRPr b="0" lang="en-US" sz="1800" spc="-1" strike="noStrike">
+                        <a:latin typeface="Arial"/>
+                      </a:endParaRPr>
+                    </a:p>
+                  </a:txBody>
+                  <a:tcPr marL="90000" marR="90000">
+                    <a:lnL w="720">
+                      <a:solidFill>
+                        <a:srgbClr val="ffffff"/>
+                      </a:solidFill>
+                    </a:lnL>
+                    <a:lnR w="720">
+                      <a:solidFill>
+                        <a:srgbClr val="ffffff"/>
+                      </a:solidFill>
+                    </a:lnR>
+                    <a:lnT w="720">
+                      <a:solidFill>
+                        <a:srgbClr val="ffffff"/>
+                      </a:solidFill>
+                    </a:lnT>
+                    <a:lnB w="720">
+                      <a:solidFill>
+                        <a:srgbClr val="ffffff"/>
+                      </a:solidFill>
+                    </a:lnB>
+                    <a:solidFill>
+                      <a:srgbClr val="b3b3b3"/>
+                    </a:solidFill>
+                  </a:tcPr>
+                </a:tc>
+                <a:tc>
+                  <a:tcPr marL="90000" marR="90000">
+                    <a:lnL w="720">
+                      <a:solidFill>
+                        <a:srgbClr val="ffffff"/>
+                      </a:solidFill>
+                    </a:lnL>
+                    <a:lnR w="720">
+                      <a:solidFill>
+                        <a:srgbClr val="ffffff"/>
+                      </a:solidFill>
+                    </a:lnR>
+                    <a:lnT w="720">
+                      <a:solidFill>
+                        <a:srgbClr val="ffffff"/>
+                      </a:solidFill>
+                    </a:lnT>
+                    <a:lnB w="720">
+                      <a:solidFill>
+                        <a:srgbClr val="ffffff"/>
+                      </a:solidFill>
+                    </a:lnB>
+                    <a:solidFill>
+                      <a:srgbClr val="b3b3b3"/>
+                    </a:solidFill>
+                  </a:tcPr>
+                </a:tc>
+                <a:tc>
+                  <a:txBody>
+                    <a:bodyPr lIns="90000" rIns="90000" tIns="46800" bIns="46800">
+                      <a:noAutofit/>
+                    </a:bodyPr>
+                    <a:p>
+                      <a:pPr marL="216000" indent="-216000">
+                        <a:lnSpc>
+                          <a:spcPct val="100000"/>
+                        </a:lnSpc>
+                        <a:buClr>
+                          <a:srgbClr val="000000"/>
+                        </a:buClr>
+                        <a:buSzPct val="45000"/>
+                        <a:buFont typeface="Wingdings" charset="2"/>
+                        <a:buChar char=""/>
+                      </a:pPr>
+                      <a:r>
+                        <a:rPr b="0" lang="en-US" sz="1800" spc="-1" strike="noStrike">
+                          <a:latin typeface="Arial"/>
+                          <a:ea typeface="Noto Sans"/>
+                        </a:rPr>
+                        <a:t>20</a:t>
+                      </a:r>
+                      <a:endParaRPr b="0" lang="en-US" sz="1800" spc="-1" strike="noStrike">
+                        <a:latin typeface="Arial"/>
+                      </a:endParaRPr>
+                    </a:p>
+                  </a:txBody>
+                  <a:tcPr marL="90000" marR="90000">
+                    <a:lnL w="720">
+                      <a:solidFill>
+                        <a:srgbClr val="ffffff"/>
+                      </a:solidFill>
+                    </a:lnL>
+                    <a:lnR w="720">
+                      <a:solidFill>
+                        <a:srgbClr val="ffffff"/>
+                      </a:solidFill>
+                    </a:lnR>
+                    <a:lnT w="720">
+                      <a:solidFill>
+                        <a:srgbClr val="ffffff"/>
+                      </a:solidFill>
+                    </a:lnT>
+                    <a:lnB w="720">
+                      <a:solidFill>
+                        <a:srgbClr val="ffffff"/>
+                      </a:solidFill>
+                    </a:lnB>
+                    <a:solidFill>
+                      <a:srgbClr val="b3b3b3"/>
+                    </a:solidFill>
+                  </a:tcPr>
+                </a:tc>
+                <a:tc>
+                  <a:tcPr marL="90000" marR="90000">
+                    <a:lnL w="720">
+                      <a:solidFill>
+                        <a:srgbClr val="ffffff"/>
+                      </a:solidFill>
+                    </a:lnL>
+                    <a:lnR w="720">
+                      <a:solidFill>
+                        <a:srgbClr val="ffffff"/>
+                      </a:solidFill>
+                    </a:lnR>
+                    <a:lnT w="720">
+                      <a:solidFill>
+                        <a:srgbClr val="ffffff"/>
+                      </a:solidFill>
+                    </a:lnT>
+                    <a:lnB w="720">
+                      <a:solidFill>
+                        <a:srgbClr val="ffffff"/>
+                      </a:solidFill>
+                    </a:lnB>
+                    <a:solidFill>
+                      <a:srgbClr val="b3b3b3"/>
+                    </a:solidFill>
+                  </a:tcPr>
+                </a:tc>
+              </a:tr>
+            </a:tbl>
+          </a:graphicData>
+        </a:graphic>
+      </p:graphicFrame>
+      <p:sp>
+        <p:nvSpPr>
+          <p:cNvPr id="422" name="Line 12"/>
+          <p:cNvSpPr/>
+          <p:nvPr/>
+        </p:nvSpPr>
+        <p:spPr>
+          <a:xfrm>
+            <a:off x="183240" y="2045520"/>
+            <a:ext cx="0" cy="457200"/>
+          </a:xfrm>
+          <a:prstGeom prst="line">
+            <a:avLst/>
+          </a:prstGeom>
+          <a:ln w="0">
+            <a:solidFill>
+              <a:srgbClr val="3465a4"/>
+            </a:solidFill>
+            <a:tailEnd len="med" type="triangle" w="med"/>
+          </a:ln>
+        </p:spPr>
+        <p:style>
+          <a:lnRef idx="0"/>
+          <a:fillRef idx="0"/>
+          <a:effectRef idx="0"/>
+          <a:fontRef idx="minor"/>
+        </p:style>
+      </p:sp>
+      <p:sp>
+        <p:nvSpPr>
+          <p:cNvPr id="423" name="Line 13"/>
+          <p:cNvSpPr/>
+          <p:nvPr/>
+        </p:nvSpPr>
+        <p:spPr>
+          <a:xfrm>
+            <a:off x="1227240" y="2045520"/>
+            <a:ext cx="0" cy="457200"/>
+          </a:xfrm>
+          <a:prstGeom prst="line">
+            <a:avLst/>
+          </a:prstGeom>
+          <a:ln w="0">
+            <a:solidFill>
+              <a:srgbClr val="3465a4"/>
+            </a:solidFill>
+            <a:tailEnd len="med" type="triangle" w="med"/>
+          </a:ln>
+        </p:spPr>
+        <p:style>
+          <a:lnRef idx="0"/>
+          <a:fillRef idx="0"/>
+          <a:effectRef idx="0"/>
+          <a:fontRef idx="minor"/>
+        </p:style>
+      </p:sp>
+      <p:graphicFrame>
+        <p:nvGraphicFramePr>
+          <p:cNvPr id="424" name="Table 14"/>
+          <p:cNvGraphicFramePr/>
+          <p:nvPr/>
+        </p:nvGraphicFramePr>
+        <p:xfrm>
+          <a:off x="2494800" y="1726920"/>
+          <a:ext cx="2336040" cy="408240"/>
+        </p:xfrm>
+        <a:graphic>
+          <a:graphicData uri="http://schemas.openxmlformats.org/drawingml/2006/table">
+            <a:tbl>
+              <a:tblPr/>
+              <a:tblGrid>
+                <a:gridCol w="244440"/>
+                <a:gridCol w="810720"/>
+                <a:gridCol w="243000"/>
+                <a:gridCol w="792000"/>
+                <a:gridCol w="246240"/>
+              </a:tblGrid>
+              <a:tr h="408600">
+                <a:tc>
+                  <a:tcPr marL="90000" marR="90000">
+                    <a:lnL w="720">
+                      <a:solidFill>
+                        <a:srgbClr val="ffffff"/>
+                      </a:solidFill>
+                    </a:lnL>
+                    <a:lnR w="720">
+                      <a:solidFill>
+                        <a:srgbClr val="ffffff"/>
+                      </a:solidFill>
+                    </a:lnR>
+                    <a:lnT w="720">
+                      <a:solidFill>
+                        <a:srgbClr val="ffffff"/>
+                      </a:solidFill>
+                    </a:lnT>
+                    <a:lnB w="720">
+                      <a:solidFill>
+                        <a:srgbClr val="ffffff"/>
+                      </a:solidFill>
+                    </a:lnB>
+                    <a:solidFill>
+                      <a:srgbClr val="b3b3b3"/>
+                    </a:solidFill>
+                  </a:tcPr>
+                </a:tc>
+                <a:tc>
+                  <a:txBody>
+                    <a:bodyPr lIns="90000" rIns="90000" tIns="46800" bIns="46800">
+                      <a:noAutofit/>
+                    </a:bodyPr>
+                    <a:p>
+                      <a:pPr algn="ctr">
+                        <a:lnSpc>
+                          <a:spcPct val="100000"/>
+                        </a:lnSpc>
+                      </a:pPr>
+                      <a:r>
+                        <a:rPr b="0" lang="en-US" sz="1800" spc="-1" strike="noStrike">
+                          <a:latin typeface="Arial"/>
+                          <a:ea typeface="Noto Sans"/>
+                        </a:rPr>
+                        <a:t>25</a:t>
+                      </a:r>
+                      <a:endParaRPr b="0" lang="en-US" sz="1800" spc="-1" strike="noStrike">
+                        <a:latin typeface="Arial"/>
+                      </a:endParaRPr>
+                    </a:p>
+                  </a:txBody>
+                  <a:tcPr marL="90000" marR="90000">
+                    <a:lnL w="720">
+                      <a:solidFill>
+                        <a:srgbClr val="ffffff"/>
+                      </a:solidFill>
+                    </a:lnL>
+                    <a:lnR w="720">
+                      <a:solidFill>
+                        <a:srgbClr val="ffffff"/>
+                      </a:solidFill>
+                    </a:lnR>
+                    <a:lnT w="720">
+                      <a:solidFill>
+                        <a:srgbClr val="ffffff"/>
+                      </a:solidFill>
+                    </a:lnT>
+                    <a:lnB w="720">
+                      <a:solidFill>
+                        <a:srgbClr val="ffffff"/>
+                      </a:solidFill>
+                    </a:lnB>
+                    <a:solidFill>
+                      <a:srgbClr val="b3b3b3"/>
+                    </a:solidFill>
+                  </a:tcPr>
+                </a:tc>
+                <a:tc>
+                  <a:tcPr marL="90000" marR="90000">
+                    <a:lnL w="720">
+                      <a:solidFill>
+                        <a:srgbClr val="ffffff"/>
+                      </a:solidFill>
+                    </a:lnL>
+                    <a:lnR w="720">
+                      <a:solidFill>
+                        <a:srgbClr val="ffffff"/>
+                      </a:solidFill>
+                    </a:lnR>
+                    <a:lnT w="720">
+                      <a:solidFill>
+                        <a:srgbClr val="ffffff"/>
+                      </a:solidFill>
+                    </a:lnT>
+                    <a:lnB w="720">
+                      <a:solidFill>
+                        <a:srgbClr val="ffffff"/>
+                      </a:solidFill>
+                    </a:lnB>
+                    <a:solidFill>
+                      <a:srgbClr val="b3b3b3"/>
+                    </a:solidFill>
+                  </a:tcPr>
+                </a:tc>
+                <a:tc>
+                  <a:txBody>
+                    <a:bodyPr lIns="90000" rIns="90000" tIns="46800" bIns="46800">
+                      <a:noAutofit/>
+                    </a:bodyPr>
+                    <a:p>
+                      <a:pPr marL="216000" indent="-216000">
+                        <a:buClr>
+                          <a:srgbClr val="000000"/>
+                        </a:buClr>
+                        <a:buSzPct val="45000"/>
+                        <a:buFont typeface="Wingdings" charset="2"/>
+                        <a:buChar char=""/>
+                      </a:pPr>
+                      <a:r>
+                        <a:rPr b="0" lang="en-US" sz="1800" spc="-1" strike="noStrike">
+                          <a:latin typeface="Arial"/>
+                        </a:rPr>
+                        <a:t>30</a:t>
+                      </a:r>
+                      <a:endParaRPr b="0" lang="en-US" sz="1800" spc="-1" strike="noStrike">
+                        <a:latin typeface="Arial"/>
+                      </a:endParaRPr>
+                    </a:p>
+                  </a:txBody>
+                  <a:tcPr marL="90000" marR="90000">
+                    <a:lnL w="720">
+                      <a:solidFill>
+                        <a:srgbClr val="ffffff"/>
+                      </a:solidFill>
+                    </a:lnL>
+                    <a:lnR w="720">
+                      <a:solidFill>
+                        <a:srgbClr val="ffffff"/>
+                      </a:solidFill>
+                    </a:lnR>
+                    <a:lnT w="720">
+                      <a:solidFill>
+                        <a:srgbClr val="ffffff"/>
+                      </a:solidFill>
+                    </a:lnT>
+                    <a:lnB w="720">
+                      <a:solidFill>
+                        <a:srgbClr val="ffffff"/>
+                      </a:solidFill>
+                    </a:lnB>
+                    <a:solidFill>
+                      <a:srgbClr val="b3b3b3"/>
+                    </a:solidFill>
+                  </a:tcPr>
+                </a:tc>
+                <a:tc>
+                  <a:tcPr marL="90000" marR="90000">
+                    <a:lnL w="720">
+                      <a:solidFill>
+                        <a:srgbClr val="ffffff"/>
+                      </a:solidFill>
+                    </a:lnL>
+                    <a:lnR w="720">
+                      <a:solidFill>
+                        <a:srgbClr val="ffffff"/>
+                      </a:solidFill>
+                    </a:lnR>
+                    <a:lnT w="720">
+                      <a:solidFill>
+                        <a:srgbClr val="ffffff"/>
+                      </a:solidFill>
+                    </a:lnT>
+                    <a:lnB w="720">
+                      <a:solidFill>
+                        <a:srgbClr val="ffffff"/>
+                      </a:solidFill>
+                    </a:lnB>
+                    <a:solidFill>
+                      <a:srgbClr val="b3b3b3"/>
+                    </a:solidFill>
+                  </a:tcPr>
+                </a:tc>
+              </a:tr>
+            </a:tbl>
+          </a:graphicData>
+        </a:graphic>
+      </p:graphicFrame>
+      <p:sp>
+        <p:nvSpPr>
+          <p:cNvPr id="425" name="Line 15"/>
+          <p:cNvSpPr/>
+          <p:nvPr/>
+        </p:nvSpPr>
+        <p:spPr>
+          <a:xfrm>
+            <a:off x="2631240" y="2045520"/>
+            <a:ext cx="0" cy="457200"/>
+          </a:xfrm>
+          <a:prstGeom prst="line">
+            <a:avLst/>
+          </a:prstGeom>
+          <a:ln w="0">
+            <a:solidFill>
+              <a:srgbClr val="3465a4"/>
+            </a:solidFill>
+            <a:tailEnd len="med" type="triangle" w="med"/>
+          </a:ln>
+        </p:spPr>
+        <p:style>
+          <a:lnRef idx="0"/>
+          <a:fillRef idx="0"/>
+          <a:effectRef idx="0"/>
+          <a:fontRef idx="minor"/>
+        </p:style>
+      </p:sp>
+      <p:graphicFrame>
+        <p:nvGraphicFramePr>
+          <p:cNvPr id="426" name="Table 16"/>
+          <p:cNvGraphicFramePr/>
+          <p:nvPr/>
+        </p:nvGraphicFramePr>
+        <p:xfrm>
+          <a:off x="1208160" y="863280"/>
+          <a:ext cx="2336040" cy="408240"/>
+        </p:xfrm>
+        <a:graphic>
+          <a:graphicData uri="http://schemas.openxmlformats.org/drawingml/2006/table">
+            <a:tbl>
+              <a:tblPr/>
+              <a:tblGrid>
+                <a:gridCol w="244440"/>
+                <a:gridCol w="810720"/>
+                <a:gridCol w="243000"/>
+                <a:gridCol w="792000"/>
+                <a:gridCol w="246240"/>
+              </a:tblGrid>
+              <a:tr h="408600">
+                <a:tc>
+                  <a:tcPr marL="90000" marR="90000">
+                    <a:lnL w="720">
+                      <a:solidFill>
+                        <a:srgbClr val="ffffff"/>
+                      </a:solidFill>
+                    </a:lnL>
+                    <a:lnR w="720">
+                      <a:solidFill>
+                        <a:srgbClr val="ffffff"/>
+                      </a:solidFill>
+                    </a:lnR>
+                    <a:lnT w="720">
+                      <a:solidFill>
+                        <a:srgbClr val="ffffff"/>
+                      </a:solidFill>
+                    </a:lnT>
+                    <a:lnB w="720">
+                      <a:solidFill>
+                        <a:srgbClr val="ffffff"/>
+                      </a:solidFill>
+                    </a:lnB>
+                    <a:solidFill>
+                      <a:srgbClr val="b3b3b3"/>
+                    </a:solidFill>
+                  </a:tcPr>
+                </a:tc>
+                <a:tc>
+                  <a:txBody>
+                    <a:bodyPr lIns="90000" rIns="90000" tIns="46800" bIns="46800">
+                      <a:noAutofit/>
+                    </a:bodyPr>
+                    <a:p>
+                      <a:pPr algn="ctr">
+                        <a:lnSpc>
+                          <a:spcPct val="100000"/>
+                        </a:lnSpc>
+                      </a:pPr>
+                      <a:r>
+                        <a:rPr b="0" lang="en-US" sz="1800" spc="-1" strike="noStrike">
+                          <a:latin typeface="Arial"/>
+                          <a:ea typeface="Noto Sans"/>
+                        </a:rPr>
+                        <a:t>20</a:t>
+                      </a:r>
+                      <a:endParaRPr b="0" lang="en-US" sz="1800" spc="-1" strike="noStrike">
+                        <a:latin typeface="Arial"/>
+                      </a:endParaRPr>
+                    </a:p>
+                  </a:txBody>
+                  <a:tcPr marL="90000" marR="90000">
+                    <a:lnL w="720">
+                      <a:solidFill>
+                        <a:srgbClr val="ffffff"/>
+                      </a:solidFill>
+                    </a:lnL>
+                    <a:lnR w="720">
+                      <a:solidFill>
+                        <a:srgbClr val="ffffff"/>
+                      </a:solidFill>
+                    </a:lnR>
+                    <a:lnT w="720">
+                      <a:solidFill>
+                        <a:srgbClr val="ffffff"/>
+                      </a:solidFill>
+                    </a:lnT>
+                    <a:lnB w="720">
+                      <a:solidFill>
+                        <a:srgbClr val="ffffff"/>
+                      </a:solidFill>
+                    </a:lnB>
+                    <a:solidFill>
+                      <a:srgbClr val="b3b3b3"/>
+                    </a:solidFill>
+                  </a:tcPr>
+                </a:tc>
+                <a:tc>
+                  <a:tcPr marL="90000" marR="90000">
+                    <a:lnL w="720">
+                      <a:solidFill>
+                        <a:srgbClr val="ffffff"/>
+                      </a:solidFill>
+                    </a:lnL>
+                    <a:lnR w="720">
+                      <a:solidFill>
+                        <a:srgbClr val="ffffff"/>
+                      </a:solidFill>
+                    </a:lnR>
+                    <a:lnT w="720">
+                      <a:solidFill>
+                        <a:srgbClr val="ffffff"/>
+                      </a:solidFill>
+                    </a:lnT>
+                    <a:lnB w="720">
+                      <a:solidFill>
+                        <a:srgbClr val="ffffff"/>
+                      </a:solidFill>
+                    </a:lnB>
+                    <a:solidFill>
+                      <a:srgbClr val="b3b3b3"/>
+                    </a:solidFill>
+                  </a:tcPr>
+                </a:tc>
+                <a:tc>
+                  <a:txBody>
+                    <a:bodyPr lIns="90000" rIns="90000" tIns="46800" bIns="46800">
+                      <a:noAutofit/>
+                    </a:bodyPr>
+                    <a:p>
+                      <a:pPr marL="216000" indent="-216000">
+                        <a:lnSpc>
+                          <a:spcPct val="100000"/>
+                        </a:lnSpc>
+                        <a:buClr>
+                          <a:srgbClr val="000000"/>
+                        </a:buClr>
+                        <a:buSzPct val="45000"/>
+                        <a:buFont typeface="Wingdings" charset="2"/>
+                        <a:buChar char=""/>
+                      </a:pPr>
+                      <a:r>
+                        <a:rPr b="0" lang="en-US" sz="1800" spc="-1" strike="noStrike">
+                          <a:latin typeface="Arial"/>
+                          <a:ea typeface="Noto Sans"/>
+                        </a:rPr>
+                        <a:t>30</a:t>
+                      </a:r>
+                      <a:endParaRPr b="0" lang="en-US" sz="1800" spc="-1" strike="noStrike">
+                        <a:latin typeface="Arial"/>
+                      </a:endParaRPr>
+                    </a:p>
+                  </a:txBody>
+                  <a:tcPr marL="90000" marR="90000">
+                    <a:lnL w="720">
+                      <a:solidFill>
+                        <a:srgbClr val="ffffff"/>
+                      </a:solidFill>
+                    </a:lnL>
+                    <a:lnR w="720">
+                      <a:solidFill>
+                        <a:srgbClr val="ffffff"/>
+                      </a:solidFill>
+                    </a:lnR>
+                    <a:lnT w="720">
+                      <a:solidFill>
+                        <a:srgbClr val="ffffff"/>
+                      </a:solidFill>
+                    </a:lnT>
+                    <a:lnB w="720">
+                      <a:solidFill>
+                        <a:srgbClr val="ffffff"/>
+                      </a:solidFill>
+                    </a:lnB>
+                    <a:solidFill>
+                      <a:srgbClr val="b3b3b3"/>
+                    </a:solidFill>
+                  </a:tcPr>
+                </a:tc>
+                <a:tc>
+                  <a:tcPr marL="90000" marR="90000">
+                    <a:lnL w="720">
+                      <a:solidFill>
+                        <a:srgbClr val="ffffff"/>
+                      </a:solidFill>
+                    </a:lnL>
+                    <a:lnR w="720">
+                      <a:solidFill>
+                        <a:srgbClr val="ffffff"/>
+                      </a:solidFill>
+                    </a:lnR>
+                    <a:lnT w="720">
+                      <a:solidFill>
+                        <a:srgbClr val="ffffff"/>
+                      </a:solidFill>
+                    </a:lnT>
+                    <a:lnB w="720">
+                      <a:solidFill>
+                        <a:srgbClr val="ffffff"/>
+                      </a:solidFill>
+                    </a:lnB>
+                    <a:solidFill>
+                      <a:srgbClr val="b3b3b3"/>
+                    </a:solidFill>
+                  </a:tcPr>
+                </a:tc>
+              </a:tr>
+            </a:tbl>
+          </a:graphicData>
+        </a:graphic>
+      </p:graphicFrame>
+      <p:sp>
+        <p:nvSpPr>
+          <p:cNvPr id="427" name="Line 17"/>
+          <p:cNvSpPr/>
+          <p:nvPr/>
+        </p:nvSpPr>
+        <p:spPr>
+          <a:xfrm flipH="1">
+            <a:off x="1108800" y="1089720"/>
+            <a:ext cx="228600" cy="637200"/>
+          </a:xfrm>
+          <a:prstGeom prst="line">
+            <a:avLst/>
+          </a:prstGeom>
+          <a:ln w="0">
+            <a:solidFill>
+              <a:srgbClr val="3465a4"/>
+            </a:solidFill>
+            <a:tailEnd len="med" type="triangle" w="med"/>
+          </a:ln>
+        </p:spPr>
+        <p:style>
+          <a:lnRef idx="0"/>
+          <a:fillRef idx="0"/>
+          <a:effectRef idx="0"/>
+          <a:fontRef idx="minor"/>
+        </p:style>
+      </p:sp>
+      <p:sp>
+        <p:nvSpPr>
+          <p:cNvPr id="428" name="Line 18"/>
+          <p:cNvSpPr/>
+          <p:nvPr/>
+        </p:nvSpPr>
+        <p:spPr>
+          <a:xfrm>
+            <a:off x="2408400" y="1016640"/>
+            <a:ext cx="457200" cy="685800"/>
+          </a:xfrm>
+          <a:prstGeom prst="line">
+            <a:avLst/>
+          </a:prstGeom>
+          <a:ln w="0">
+            <a:solidFill>
+              <a:srgbClr val="3465a4"/>
+            </a:solidFill>
+            <a:tailEnd len="med" type="triangle" w="med"/>
+          </a:ln>
+        </p:spPr>
+        <p:style>
+          <a:lnRef idx="0"/>
+          <a:fillRef idx="0"/>
+          <a:effectRef idx="0"/>
+          <a:fontRef idx="minor"/>
+        </p:style>
+      </p:sp>
+      <p:graphicFrame>
+        <p:nvGraphicFramePr>
+          <p:cNvPr id="429" name="Table 19"/>
+          <p:cNvGraphicFramePr/>
+          <p:nvPr/>
+        </p:nvGraphicFramePr>
+        <p:xfrm>
+          <a:off x="7619040" y="4299480"/>
+          <a:ext cx="2336040" cy="408240"/>
+        </p:xfrm>
+        <a:graphic>
+          <a:graphicData uri="http://schemas.openxmlformats.org/drawingml/2006/table">
+            <a:tbl>
+              <a:tblPr/>
+              <a:tblGrid>
+                <a:gridCol w="244440"/>
+                <a:gridCol w="810720"/>
+                <a:gridCol w="243000"/>
+                <a:gridCol w="792000"/>
+                <a:gridCol w="246240"/>
+              </a:tblGrid>
+              <a:tr h="408600">
+                <a:tc>
+                  <a:tcPr marL="90000" marR="90000">
+                    <a:lnL w="720">
+                      <a:solidFill>
+                        <a:srgbClr val="ffffff"/>
+                      </a:solidFill>
+                    </a:lnL>
+                    <a:lnR w="720">
+                      <a:solidFill>
+                        <a:srgbClr val="ffffff"/>
+                      </a:solidFill>
+                    </a:lnR>
+                    <a:lnT w="720">
+                      <a:solidFill>
+                        <a:srgbClr val="ffffff"/>
+                      </a:solidFill>
+                    </a:lnT>
+                    <a:lnB w="720">
+                      <a:solidFill>
+                        <a:srgbClr val="ffffff"/>
+                      </a:solidFill>
+                    </a:lnB>
+                    <a:solidFill>
+                      <a:srgbClr val="b3b3b3"/>
+                    </a:solidFill>
+                  </a:tcPr>
+                </a:tc>
+                <a:tc>
+                  <a:txBody>
+                    <a:bodyPr lIns="90000" rIns="90000" tIns="46800" bIns="46800">
+                      <a:noAutofit/>
+                    </a:bodyPr>
+                    <a:p>
+                      <a:pPr algn="ctr">
+                        <a:lnSpc>
+                          <a:spcPct val="100000"/>
+                        </a:lnSpc>
+                      </a:pPr>
+                      <a:r>
+                        <a:rPr b="0" lang="en-US" sz="1800" spc="-1" strike="noStrike">
+                          <a:latin typeface="Arial"/>
+                          <a:ea typeface="Noto Sans"/>
+                        </a:rPr>
+                        <a:t>25</a:t>
+                      </a:r>
+                      <a:endParaRPr b="0" lang="en-US" sz="1800" spc="-1" strike="noStrike">
+                        <a:latin typeface="Arial"/>
+                      </a:endParaRPr>
+                    </a:p>
+                  </a:txBody>
+                  <a:tcPr marL="90000" marR="90000">
+                    <a:lnL w="720">
+                      <a:solidFill>
+                        <a:srgbClr val="ffffff"/>
+                      </a:solidFill>
+                    </a:lnL>
+                    <a:lnR w="720">
+                      <a:solidFill>
+                        <a:srgbClr val="ffffff"/>
+                      </a:solidFill>
+                    </a:lnR>
+                    <a:lnT w="720">
+                      <a:solidFill>
+                        <a:srgbClr val="ffffff"/>
+                      </a:solidFill>
+                    </a:lnT>
+                    <a:lnB w="720">
+                      <a:solidFill>
+                        <a:srgbClr val="ffffff"/>
+                      </a:solidFill>
+                    </a:lnB>
+                    <a:solidFill>
+                      <a:srgbClr val="b3b3b3"/>
+                    </a:solidFill>
+                  </a:tcPr>
+                </a:tc>
+                <a:tc>
+                  <a:tcPr marL="90000" marR="90000">
+                    <a:lnL w="720">
+                      <a:solidFill>
+                        <a:srgbClr val="ffffff"/>
+                      </a:solidFill>
+                    </a:lnL>
+                    <a:lnR w="720">
+                      <a:solidFill>
+                        <a:srgbClr val="ffffff"/>
+                      </a:solidFill>
+                    </a:lnR>
+                    <a:lnT w="720">
+                      <a:solidFill>
+                        <a:srgbClr val="ffffff"/>
+                      </a:solidFill>
+                    </a:lnT>
+                    <a:lnB w="720">
+                      <a:solidFill>
+                        <a:srgbClr val="ffffff"/>
+                      </a:solidFill>
+                    </a:lnB>
+                    <a:solidFill>
+                      <a:srgbClr val="b3b3b3"/>
+                    </a:solidFill>
+                  </a:tcPr>
+                </a:tc>
+                <a:tc>
+                  <a:txBody>
+                    <a:bodyPr lIns="90000" rIns="90000" tIns="46800" bIns="46800">
+                      <a:noAutofit/>
+                    </a:bodyPr>
+                    <a:p>
+                      <a:pPr marL="216000" indent="-216000">
+                        <a:lnSpc>
+                          <a:spcPct val="100000"/>
+                        </a:lnSpc>
+                        <a:buClr>
+                          <a:srgbClr val="000000"/>
+                        </a:buClr>
+                        <a:buSzPct val="45000"/>
+                        <a:buFont typeface="Wingdings" charset="2"/>
+                        <a:buChar char=""/>
+                      </a:pPr>
+                      <a:r>
+                        <a:rPr b="0" lang="en-US" sz="1800" spc="-1" strike="noStrike">
+                          <a:latin typeface="Arial"/>
+                          <a:ea typeface="Noto Sans"/>
+                        </a:rPr>
+                        <a:t>30</a:t>
+                      </a:r>
+                      <a:endParaRPr b="0" lang="en-US" sz="1800" spc="-1" strike="noStrike">
+                        <a:latin typeface="Arial"/>
+                      </a:endParaRPr>
+                    </a:p>
+                  </a:txBody>
+                  <a:tcPr marL="90000" marR="90000">
+                    <a:lnL w="720">
+                      <a:solidFill>
+                        <a:srgbClr val="ffffff"/>
+                      </a:solidFill>
+                    </a:lnL>
+                    <a:lnR w="720">
+                      <a:solidFill>
+                        <a:srgbClr val="ffffff"/>
+                      </a:solidFill>
+                    </a:lnR>
+                    <a:lnT w="720">
+                      <a:solidFill>
+                        <a:srgbClr val="ffffff"/>
+                      </a:solidFill>
+                    </a:lnT>
+                    <a:lnB w="720">
+                      <a:solidFill>
+                        <a:srgbClr val="ffffff"/>
+                      </a:solidFill>
+                    </a:lnB>
+                    <a:solidFill>
+                      <a:srgbClr val="b3b3b3"/>
+                    </a:solidFill>
+                  </a:tcPr>
+                </a:tc>
+                <a:tc>
+                  <a:tcPr marL="90000" marR="90000">
+                    <a:lnL w="720">
+                      <a:solidFill>
+                        <a:srgbClr val="ffffff"/>
+                      </a:solidFill>
+                    </a:lnL>
+                    <a:lnR w="720">
+                      <a:solidFill>
+                        <a:srgbClr val="ffffff"/>
+                      </a:solidFill>
+                    </a:lnR>
+                    <a:lnT w="720">
+                      <a:solidFill>
+                        <a:srgbClr val="ffffff"/>
+                      </a:solidFill>
+                    </a:lnT>
+                    <a:lnB w="720">
+                      <a:solidFill>
+                        <a:srgbClr val="ffffff"/>
+                      </a:solidFill>
+                    </a:lnB>
+                    <a:solidFill>
+                      <a:srgbClr val="b3b3b3"/>
+                    </a:solidFill>
+                  </a:tcPr>
+                </a:tc>
+              </a:tr>
+            </a:tbl>
+          </a:graphicData>
+        </a:graphic>
+      </p:graphicFrame>
+      <p:sp>
+        <p:nvSpPr>
+          <p:cNvPr id="430" name="Line 20"/>
+          <p:cNvSpPr/>
+          <p:nvPr/>
+        </p:nvSpPr>
+        <p:spPr>
+          <a:xfrm>
+            <a:off x="7226640" y="3608640"/>
+            <a:ext cx="1208160" cy="690840"/>
+          </a:xfrm>
+          <a:prstGeom prst="line">
+            <a:avLst/>
+          </a:prstGeom>
+          <a:ln w="0">
+            <a:solidFill>
+              <a:srgbClr val="3465a4"/>
+            </a:solidFill>
+            <a:tailEnd len="med" type="triangle" w="med"/>
+          </a:ln>
+        </p:spPr>
+        <p:style>
+          <a:lnRef idx="0"/>
+          <a:fillRef idx="0"/>
+          <a:effectRef idx="0"/>
+          <a:fontRef idx="minor"/>
+        </p:style>
+      </p:sp>
+      <p:cxnSp>
+        <p:nvCxnSpPr>
+          <p:cNvPr id="431" name="Line 21"/>
+          <p:cNvCxnSpPr/>
+          <p:nvPr/>
+        </p:nvCxnSpPr>
+        <p:spPr>
+          <a:xfrm>
+            <a:off x="0" y="0"/>
+            <a:ext cx="360" cy="360"/>
+          </a:xfrm>
+          <a:prstGeom prst="line">
+            <a:avLst/>
+          </a:prstGeom>
+          <a:ln w="0">
+            <a:solidFill>
+              <a:srgbClr val="3465a4"/>
+            </a:solidFill>
+            <a:tailEnd len="med" type="triangle" w="med"/>
+          </a:ln>
+        </p:spPr>
+      </p:cxnSp>
+    </p:spTree>
+  </p:cSld>
+  <mc:AlternateContent>
+    <mc:Choice Requires="p14">
+      <p:transition spd="slow" p14:dur="2000"/>
+    </mc:Choice>
+    <mc:Fallback>
+      <p:transition spd="slow"/>
+    </mc:Fallback>
+  </mc:AlternateContent>
+</p:sld>
+</file>
+
+<file path=ppt/slides/slide24.xml><?xml version="1.0" encoding="utf-8"?>
+<p:sld xmlns:a="http://schemas.openxmlformats.org/drawingml/2006/main" xmlns:p="http://schemas.openxmlformats.org/presentationml/2006/main" xmlns:r="http://schemas.openxmlformats.org/officeDocument/2006/relationships" xmlns:p14="http://schemas.microsoft.com/office/powerpoint/2010/main" xmlns:p15="http://schemas.microsoft.com/office/powerpoint/2012/main" xmlns:mc="http://schemas.openxmlformats.org/markup-compatibility/2006">
+  <p:cSld>
+    <p:spTree>
+      <p:nvGrpSpPr>
+        <p:cNvPr id="1" name=""/>
+        <p:cNvGrpSpPr/>
+        <p:nvPr/>
+      </p:nvGrpSpPr>
+      <p:grpSpPr>
+        <a:xfrm>
+          <a:off x="0" y="0"/>
+          <a:ext cx="0" cy="0"/>
+          <a:chOff x="0" y="0"/>
+          <a:chExt cx="0" cy="0"/>
+        </a:xfrm>
+      </p:grpSpPr>
+      <p:sp>
+        <p:nvSpPr>
+          <p:cNvPr id="432" name="TextShape 1"/>
+          <p:cNvSpPr txBox="1"/>
+          <p:nvPr/>
+        </p:nvSpPr>
+        <p:spPr>
+          <a:xfrm>
+            <a:off x="1564920" y="685800"/>
+            <a:ext cx="180720" cy="346320"/>
+          </a:xfrm>
+          <a:prstGeom prst="rect">
+            <a:avLst/>
+          </a:prstGeom>
+          <a:noFill/>
+          <a:ln w="0">
+            <a:noFill/>
+          </a:ln>
+        </p:spPr>
+      </p:sp>
+      <p:sp>
+        <p:nvSpPr>
+          <p:cNvPr id="433" name="TextShape 2"/>
+          <p:cNvSpPr txBox="1"/>
+          <p:nvPr/>
+        </p:nvSpPr>
+        <p:spPr>
+          <a:xfrm>
+            <a:off x="228600" y="228600"/>
+            <a:ext cx="1143000" cy="346320"/>
+          </a:xfrm>
+          <a:prstGeom prst="rect">
+            <a:avLst/>
+          </a:prstGeom>
+          <a:noFill/>
+          <a:ln w="0">
+            <a:noFill/>
+          </a:ln>
+        </p:spPr>
+        <p:txBody>
+          <a:bodyPr lIns="90000" rIns="90000" tIns="45000" bIns="45000">
+            <a:noAutofit/>
+          </a:bodyPr>
+          <a:p>
+            <a:r>
+              <a:rPr b="0" lang="en-US" sz="1800" spc="-1" strike="noStrike">
+                <a:latin typeface="Arial"/>
+              </a:rPr>
+              <a:t>Insertion:</a:t>
+            </a:r>
+            <a:endParaRPr b="0" lang="en-US" sz="1800" spc="-1" strike="noStrike">
+              <a:latin typeface="Arial"/>
+            </a:endParaRPr>
+          </a:p>
+        </p:txBody>
+      </p:sp>
+      <p:graphicFrame>
+        <p:nvGraphicFramePr>
+          <p:cNvPr id="434" name="Table 3"/>
+          <p:cNvGraphicFramePr/>
+          <p:nvPr/>
+        </p:nvGraphicFramePr>
+        <p:xfrm>
+          <a:off x="808200" y="1557360"/>
+          <a:ext cx="2336040" cy="408240"/>
+        </p:xfrm>
+        <a:graphic>
+          <a:graphicData uri="http://schemas.openxmlformats.org/drawingml/2006/table">
+            <a:tbl>
+              <a:tblPr/>
+              <a:tblGrid>
+                <a:gridCol w="244440"/>
+                <a:gridCol w="810720"/>
+                <a:gridCol w="243000"/>
+                <a:gridCol w="792000"/>
+                <a:gridCol w="246240"/>
+              </a:tblGrid>
+              <a:tr h="408600">
+                <a:tc>
+                  <a:tcPr marL="90000" marR="90000">
+                    <a:lnL w="720">
+                      <a:solidFill>
+                        <a:srgbClr val="ffffff"/>
+                      </a:solidFill>
+                    </a:lnL>
+                    <a:lnR w="720">
+                      <a:solidFill>
+                        <a:srgbClr val="ffffff"/>
+                      </a:solidFill>
+                    </a:lnR>
+                    <a:lnT w="720">
+                      <a:solidFill>
+                        <a:srgbClr val="ffffff"/>
+                      </a:solidFill>
+                    </a:lnT>
+                    <a:lnB w="720">
+                      <a:solidFill>
+                        <a:srgbClr val="ffffff"/>
+                      </a:solidFill>
+                    </a:lnB>
+                    <a:solidFill>
+                      <a:srgbClr val="b3b3b3"/>
+                    </a:solidFill>
+                  </a:tcPr>
+                </a:tc>
+                <a:tc>
+                  <a:txBody>
+                    <a:bodyPr lIns="90000" rIns="90000" tIns="46800" bIns="46800">
+                      <a:noAutofit/>
+                    </a:bodyPr>
+                    <a:p>
+                      <a:pPr algn="ctr">
+                        <a:lnSpc>
+                          <a:spcPct val="100000"/>
+                        </a:lnSpc>
+                      </a:pPr>
+                      <a:r>
+                        <a:rPr b="0" lang="en-US" sz="1800" spc="-1" strike="noStrike">
+                          <a:latin typeface="Arial"/>
+                          <a:ea typeface="Noto Sans"/>
+                        </a:rPr>
+                        <a:t>10</a:t>
+                      </a:r>
+                      <a:endParaRPr b="0" lang="en-US" sz="1800" spc="-1" strike="noStrike">
+                        <a:latin typeface="Arial"/>
+                      </a:endParaRPr>
+                    </a:p>
+                  </a:txBody>
+                  <a:tcPr marL="90000" marR="90000">
+                    <a:lnL w="720">
+                      <a:solidFill>
+                        <a:srgbClr val="ffffff"/>
+                      </a:solidFill>
+                    </a:lnL>
+                    <a:lnR w="720">
+                      <a:solidFill>
+                        <a:srgbClr val="ffffff"/>
+                      </a:solidFill>
+                    </a:lnR>
+                    <a:lnT w="720">
+                      <a:solidFill>
+                        <a:srgbClr val="ffffff"/>
+                      </a:solidFill>
+                    </a:lnT>
+                    <a:lnB w="720">
+                      <a:solidFill>
+                        <a:srgbClr val="ffffff"/>
+                      </a:solidFill>
+                    </a:lnB>
+                    <a:solidFill>
+                      <a:srgbClr val="b3b3b3"/>
+                    </a:solidFill>
+                  </a:tcPr>
+                </a:tc>
+                <a:tc>
+                  <a:tcPr marL="90000" marR="90000">
+                    <a:lnL w="720">
+                      <a:solidFill>
+                        <a:srgbClr val="ffffff"/>
+                      </a:solidFill>
+                    </a:lnL>
+                    <a:lnR w="720">
+                      <a:solidFill>
+                        <a:srgbClr val="ffffff"/>
+                      </a:solidFill>
+                    </a:lnR>
+                    <a:lnT w="720">
+                      <a:solidFill>
+                        <a:srgbClr val="ffffff"/>
+                      </a:solidFill>
+                    </a:lnT>
+                    <a:lnB w="720">
+                      <a:solidFill>
+                        <a:srgbClr val="ffffff"/>
+                      </a:solidFill>
+                    </a:lnB>
+                    <a:solidFill>
+                      <a:srgbClr val="b3b3b3"/>
+                    </a:solidFill>
+                  </a:tcPr>
+                </a:tc>
+                <a:tc>
+                  <a:txBody>
+                    <a:bodyPr lIns="90000" rIns="90000" tIns="46800" bIns="46800">
+                      <a:noAutofit/>
+                    </a:bodyPr>
+                    <a:p>
+                      <a:pPr marL="216000" indent="-216000">
+                        <a:lnSpc>
+                          <a:spcPct val="100000"/>
+                        </a:lnSpc>
+                        <a:buClr>
+                          <a:srgbClr val="000000"/>
+                        </a:buClr>
+                        <a:buSzPct val="45000"/>
+                        <a:buFont typeface="Wingdings" charset="2"/>
+                        <a:buChar char=""/>
+                      </a:pPr>
+                      <a:r>
+                        <a:rPr b="0" lang="en-US" sz="1800" spc="-1" strike="noStrike">
+                          <a:latin typeface="Arial"/>
+                          <a:ea typeface="Noto Sans"/>
+                        </a:rPr>
+                        <a:t>15</a:t>
+                      </a:r>
+                      <a:endParaRPr b="0" lang="en-US" sz="1800" spc="-1" strike="noStrike">
+                        <a:latin typeface="Arial"/>
+                      </a:endParaRPr>
+                    </a:p>
+                  </a:txBody>
+                  <a:tcPr marL="90000" marR="90000">
+                    <a:lnL w="720">
+                      <a:solidFill>
+                        <a:srgbClr val="ffffff"/>
+                      </a:solidFill>
+                    </a:lnL>
+                    <a:lnR w="720">
+                      <a:solidFill>
+                        <a:srgbClr val="ffffff"/>
+                      </a:solidFill>
+                    </a:lnR>
+                    <a:lnT w="720">
+                      <a:solidFill>
+                        <a:srgbClr val="ffffff"/>
+                      </a:solidFill>
+                    </a:lnT>
+                    <a:lnB w="720">
+                      <a:solidFill>
+                        <a:srgbClr val="ffffff"/>
+                      </a:solidFill>
+                    </a:lnB>
+                    <a:solidFill>
+                      <a:srgbClr val="b3b3b3"/>
+                    </a:solidFill>
+                  </a:tcPr>
+                </a:tc>
+                <a:tc>
+                  <a:tcPr marL="90000" marR="90000">
+                    <a:lnL w="720">
+                      <a:solidFill>
+                        <a:srgbClr val="ffffff"/>
+                      </a:solidFill>
+                    </a:lnL>
+                    <a:lnR w="720">
+                      <a:solidFill>
+                        <a:srgbClr val="ffffff"/>
+                      </a:solidFill>
+                    </a:lnR>
+                    <a:lnT w="720">
+                      <a:solidFill>
+                        <a:srgbClr val="ffffff"/>
+                      </a:solidFill>
+                    </a:lnT>
+                    <a:lnB w="720">
+                      <a:solidFill>
+                        <a:srgbClr val="ffffff"/>
+                      </a:solidFill>
+                    </a:lnB>
+                    <a:solidFill>
+                      <a:srgbClr val="b3b3b3"/>
+                    </a:solidFill>
+                  </a:tcPr>
+                </a:tc>
+              </a:tr>
+            </a:tbl>
+          </a:graphicData>
+        </a:graphic>
+      </p:graphicFrame>
+      <p:sp>
+        <p:nvSpPr>
+          <p:cNvPr id="435" name="Line 4"/>
+          <p:cNvSpPr/>
+          <p:nvPr/>
+        </p:nvSpPr>
+        <p:spPr>
+          <a:xfrm>
+            <a:off x="2595240" y="1901880"/>
+            <a:ext cx="0" cy="457200"/>
+          </a:xfrm>
+          <a:prstGeom prst="line">
+            <a:avLst/>
+          </a:prstGeom>
+          <a:ln w="0">
+            <a:solidFill>
+              <a:srgbClr val="3465a4"/>
+            </a:solidFill>
+            <a:tailEnd len="med" type="triangle" w="med"/>
+          </a:ln>
+        </p:spPr>
+        <p:style>
+          <a:lnRef idx="0"/>
+          <a:fillRef idx="0"/>
+          <a:effectRef idx="0"/>
+          <a:fontRef idx="minor"/>
+        </p:style>
+      </p:sp>
+      <p:sp>
+        <p:nvSpPr>
+          <p:cNvPr id="436" name="Line 5"/>
+          <p:cNvSpPr/>
+          <p:nvPr/>
+        </p:nvSpPr>
+        <p:spPr>
+          <a:xfrm>
+            <a:off x="3639240" y="1901880"/>
+            <a:ext cx="0" cy="457200"/>
+          </a:xfrm>
+          <a:prstGeom prst="line">
+            <a:avLst/>
+          </a:prstGeom>
+          <a:ln w="0">
+            <a:solidFill>
+              <a:srgbClr val="3465a4"/>
+            </a:solidFill>
+            <a:tailEnd len="med" type="triangle" w="med"/>
+          </a:ln>
+        </p:spPr>
+        <p:style>
+          <a:lnRef idx="0"/>
+          <a:fillRef idx="0"/>
+          <a:effectRef idx="0"/>
+          <a:fontRef idx="minor"/>
+        </p:style>
+      </p:sp>
+      <p:graphicFrame>
+        <p:nvGraphicFramePr>
+          <p:cNvPr id="437" name="Table 6"/>
+          <p:cNvGraphicFramePr/>
+          <p:nvPr/>
+        </p:nvGraphicFramePr>
+        <p:xfrm>
+          <a:off x="3538800" y="1583280"/>
+          <a:ext cx="2336040" cy="408240"/>
+        </p:xfrm>
+        <a:graphic>
+          <a:graphicData uri="http://schemas.openxmlformats.org/drawingml/2006/table">
+            <a:tbl>
+              <a:tblPr/>
+              <a:tblGrid>
+                <a:gridCol w="244440"/>
+                <a:gridCol w="810720"/>
+                <a:gridCol w="243000"/>
+                <a:gridCol w="792000"/>
+                <a:gridCol w="246240"/>
+              </a:tblGrid>
+              <a:tr h="408600">
+                <a:tc>
+                  <a:tcPr marL="90000" marR="90000">
+                    <a:lnL w="720">
+                      <a:solidFill>
+                        <a:srgbClr val="ffffff"/>
+                      </a:solidFill>
+                    </a:lnL>
+                    <a:lnR w="720">
+                      <a:solidFill>
+                        <a:srgbClr val="ffffff"/>
+                      </a:solidFill>
+                    </a:lnR>
+                    <a:lnT w="720">
+                      <a:solidFill>
+                        <a:srgbClr val="ffffff"/>
+                      </a:solidFill>
+                    </a:lnT>
+                    <a:lnB w="720">
+                      <a:solidFill>
+                        <a:srgbClr val="ffffff"/>
+                      </a:solidFill>
+                    </a:lnB>
+                    <a:solidFill>
+                      <a:srgbClr val="b3b3b3"/>
+                    </a:solidFill>
+                  </a:tcPr>
+                </a:tc>
+                <a:tc>
+                  <a:txBody>
+                    <a:bodyPr lIns="90000" rIns="90000" tIns="46800" bIns="46800">
+                      <a:noAutofit/>
+                    </a:bodyPr>
+                    <a:p>
+                      <a:pPr algn="ctr">
+                        <a:lnSpc>
+                          <a:spcPct val="100000"/>
+                        </a:lnSpc>
+                      </a:pPr>
+                      <a:r>
+                        <a:rPr b="0" lang="en-US" sz="1800" spc="-1" strike="noStrike">
+                          <a:latin typeface="Arial"/>
+                          <a:ea typeface="Noto Sans"/>
+                        </a:rPr>
+                        <a:t>20</a:t>
+                      </a:r>
+                      <a:endParaRPr b="0" lang="en-US" sz="1800" spc="-1" strike="noStrike">
+                        <a:latin typeface="Arial"/>
+                      </a:endParaRPr>
+                    </a:p>
+                  </a:txBody>
+                  <a:tcPr marL="90000" marR="90000">
+                    <a:lnL w="720">
+                      <a:solidFill>
+                        <a:srgbClr val="ffffff"/>
+                      </a:solidFill>
+                    </a:lnL>
+                    <a:lnR w="720">
+                      <a:solidFill>
+                        <a:srgbClr val="ffffff"/>
+                      </a:solidFill>
+                    </a:lnR>
+                    <a:lnT w="720">
+                      <a:solidFill>
+                        <a:srgbClr val="ffffff"/>
+                      </a:solidFill>
+                    </a:lnT>
+                    <a:lnB w="720">
+                      <a:solidFill>
+                        <a:srgbClr val="ffffff"/>
+                      </a:solidFill>
+                    </a:lnB>
+                    <a:solidFill>
+                      <a:srgbClr val="b3b3b3"/>
+                    </a:solidFill>
+                  </a:tcPr>
+                </a:tc>
+                <a:tc>
+                  <a:tcPr marL="90000" marR="90000">
+                    <a:lnL w="720">
+                      <a:solidFill>
+                        <a:srgbClr val="ffffff"/>
+                      </a:solidFill>
+                    </a:lnL>
+                    <a:lnR w="720">
+                      <a:solidFill>
+                        <a:srgbClr val="ffffff"/>
+                      </a:solidFill>
+                    </a:lnR>
+                    <a:lnT w="720">
+                      <a:solidFill>
+                        <a:srgbClr val="ffffff"/>
+                      </a:solidFill>
+                    </a:lnT>
+                    <a:lnB w="720">
+                      <a:solidFill>
+                        <a:srgbClr val="ffffff"/>
+                      </a:solidFill>
+                    </a:lnB>
+                    <a:solidFill>
+                      <a:srgbClr val="b3b3b3"/>
+                    </a:solidFill>
+                  </a:tcPr>
+                </a:tc>
+                <a:tc>
+                  <a:tcPr marL="90000" marR="90000">
+                    <a:lnL w="720">
+                      <a:solidFill>
+                        <a:srgbClr val="ffffff"/>
+                      </a:solidFill>
+                    </a:lnL>
+                    <a:lnR w="720">
+                      <a:solidFill>
+                        <a:srgbClr val="ffffff"/>
+                      </a:solidFill>
+                    </a:lnR>
+                    <a:lnT w="720">
+                      <a:solidFill>
+                        <a:srgbClr val="ffffff"/>
+                      </a:solidFill>
+                    </a:lnT>
+                    <a:lnB w="720">
+                      <a:solidFill>
+                        <a:srgbClr val="ffffff"/>
+                      </a:solidFill>
+                    </a:lnB>
+                    <a:solidFill>
+                      <a:srgbClr val="b3b3b3"/>
+                    </a:solidFill>
+                  </a:tcPr>
+                </a:tc>
+                <a:tc>
+                  <a:tcPr marL="90000" marR="90000">
+                    <a:lnL w="720">
+                      <a:solidFill>
+                        <a:srgbClr val="ffffff"/>
+                      </a:solidFill>
+                    </a:lnL>
+                    <a:lnR w="720">
+                      <a:solidFill>
+                        <a:srgbClr val="ffffff"/>
+                      </a:solidFill>
+                    </a:lnR>
+                    <a:lnT w="720">
+                      <a:solidFill>
+                        <a:srgbClr val="ffffff"/>
+                      </a:solidFill>
+                    </a:lnT>
+                    <a:lnB w="720">
+                      <a:solidFill>
+                        <a:srgbClr val="ffffff"/>
+                      </a:solidFill>
+                    </a:lnB>
+                    <a:solidFill>
+                      <a:srgbClr val="b3b3b3"/>
+                    </a:solidFill>
+                  </a:tcPr>
+                </a:tc>
+              </a:tr>
+            </a:tbl>
+          </a:graphicData>
+        </a:graphic>
+      </p:graphicFrame>
+      <p:sp>
+        <p:nvSpPr>
+          <p:cNvPr id="438" name="Line 7"/>
+          <p:cNvSpPr/>
+          <p:nvPr/>
+        </p:nvSpPr>
+        <p:spPr>
+          <a:xfrm>
+            <a:off x="5043240" y="1901880"/>
+            <a:ext cx="0" cy="457200"/>
+          </a:xfrm>
+          <a:prstGeom prst="line">
+            <a:avLst/>
+          </a:prstGeom>
+          <a:ln w="0">
+            <a:solidFill>
+              <a:srgbClr val="3465a4"/>
+            </a:solidFill>
+            <a:tailEnd len="med" type="triangle" w="med"/>
+          </a:ln>
+        </p:spPr>
+        <p:style>
+          <a:lnRef idx="0"/>
+          <a:fillRef idx="0"/>
+          <a:effectRef idx="0"/>
+          <a:fontRef idx="minor"/>
+        </p:style>
+      </p:sp>
+      <p:graphicFrame>
+        <p:nvGraphicFramePr>
+          <p:cNvPr id="439" name="Table 8"/>
+          <p:cNvGraphicFramePr/>
+          <p:nvPr/>
+        </p:nvGraphicFramePr>
+        <p:xfrm>
+          <a:off x="3620160" y="719640"/>
+          <a:ext cx="2336040" cy="408240"/>
+        </p:xfrm>
+        <a:graphic>
+          <a:graphicData uri="http://schemas.openxmlformats.org/drawingml/2006/table">
+            <a:tbl>
+              <a:tblPr/>
+              <a:tblGrid>
+                <a:gridCol w="244440"/>
+                <a:gridCol w="810720"/>
+                <a:gridCol w="243000"/>
+                <a:gridCol w="792000"/>
+                <a:gridCol w="246240"/>
+              </a:tblGrid>
+              <a:tr h="408600">
+                <a:tc>
+                  <a:tcPr marL="90000" marR="90000">
+                    <a:lnL w="720">
+                      <a:solidFill>
+                        <a:srgbClr val="ffffff"/>
+                      </a:solidFill>
+                    </a:lnL>
+                    <a:lnR w="720">
+                      <a:solidFill>
+                        <a:srgbClr val="ffffff"/>
+                      </a:solidFill>
+                    </a:lnR>
+                    <a:lnT w="720">
+                      <a:solidFill>
+                        <a:srgbClr val="ffffff"/>
+                      </a:solidFill>
+                    </a:lnT>
+                    <a:lnB w="720">
+                      <a:solidFill>
+                        <a:srgbClr val="ffffff"/>
+                      </a:solidFill>
+                    </a:lnB>
+                    <a:solidFill>
+                      <a:srgbClr val="b3b3b3"/>
+                    </a:solidFill>
+                  </a:tcPr>
+                </a:tc>
+                <a:tc>
+                  <a:txBody>
+                    <a:bodyPr lIns="90000" rIns="90000" tIns="46800" bIns="46800">
+                      <a:noAutofit/>
+                    </a:bodyPr>
+                    <a:p>
+                      <a:pPr algn="ctr">
+                        <a:lnSpc>
+                          <a:spcPct val="100000"/>
+                        </a:lnSpc>
+                      </a:pPr>
+                      <a:r>
+                        <a:rPr b="0" lang="en-US" sz="1800" spc="-1" strike="noStrike">
+                          <a:latin typeface="Arial"/>
+                          <a:ea typeface="Noto Sans"/>
+                        </a:rPr>
+                        <a:t>15</a:t>
+                      </a:r>
+                      <a:endParaRPr b="0" lang="en-US" sz="1800" spc="-1" strike="noStrike">
+                        <a:latin typeface="Arial"/>
+                      </a:endParaRPr>
+                    </a:p>
+                  </a:txBody>
+                  <a:tcPr marL="90000" marR="90000">
+                    <a:lnL w="720">
+                      <a:solidFill>
+                        <a:srgbClr val="ffffff"/>
+                      </a:solidFill>
+                    </a:lnL>
+                    <a:lnR w="720">
+                      <a:solidFill>
+                        <a:srgbClr val="ffffff"/>
+                      </a:solidFill>
+                    </a:lnR>
+                    <a:lnT w="720">
+                      <a:solidFill>
+                        <a:srgbClr val="ffffff"/>
+                      </a:solidFill>
+                    </a:lnT>
+                    <a:lnB w="720">
+                      <a:solidFill>
+                        <a:srgbClr val="ffffff"/>
+                      </a:solidFill>
+                    </a:lnB>
+                    <a:solidFill>
+                      <a:srgbClr val="b3b3b3"/>
+                    </a:solidFill>
+                  </a:tcPr>
+                </a:tc>
+                <a:tc>
+                  <a:tcPr marL="90000" marR="90000">
+                    <a:lnL w="720">
+                      <a:solidFill>
+                        <a:srgbClr val="ffffff"/>
+                      </a:solidFill>
+                    </a:lnL>
+                    <a:lnR w="720">
+                      <a:solidFill>
+                        <a:srgbClr val="ffffff"/>
+                      </a:solidFill>
+                    </a:lnR>
+                    <a:lnT w="720">
+                      <a:solidFill>
+                        <a:srgbClr val="ffffff"/>
+                      </a:solidFill>
+                    </a:lnT>
+                    <a:lnB w="720">
+                      <a:solidFill>
+                        <a:srgbClr val="ffffff"/>
+                      </a:solidFill>
+                    </a:lnB>
+                    <a:solidFill>
+                      <a:srgbClr val="b3b3b3"/>
+                    </a:solidFill>
+                  </a:tcPr>
+                </a:tc>
+                <a:tc>
+                  <a:txBody>
+                    <a:bodyPr lIns="90000" rIns="90000" tIns="46800" bIns="46800">
+                      <a:noAutofit/>
+                    </a:bodyPr>
+                    <a:p>
+                      <a:pPr marL="216000" indent="-216000">
+                        <a:lnSpc>
+                          <a:spcPct val="100000"/>
+                        </a:lnSpc>
+                        <a:buClr>
+                          <a:srgbClr val="000000"/>
+                        </a:buClr>
+                        <a:buSzPct val="45000"/>
+                        <a:buFont typeface="Wingdings" charset="2"/>
+                        <a:buChar char=""/>
+                      </a:pPr>
+                      <a:r>
+                        <a:rPr b="0" lang="en-US" sz="1800" spc="-1" strike="noStrike">
+                          <a:latin typeface="Arial"/>
+                          <a:ea typeface="Noto Sans"/>
+                        </a:rPr>
+                        <a:t>20</a:t>
+                      </a:r>
+                      <a:endParaRPr b="0" lang="en-US" sz="1800" spc="-1" strike="noStrike">
+                        <a:latin typeface="Arial"/>
+                      </a:endParaRPr>
+                    </a:p>
+                  </a:txBody>
+                  <a:tcPr marL="90000" marR="90000">
+                    <a:lnL w="720">
+                      <a:solidFill>
+                        <a:srgbClr val="ffffff"/>
+                      </a:solidFill>
+                    </a:lnL>
+                    <a:lnR w="720">
+                      <a:solidFill>
+                        <a:srgbClr val="ffffff"/>
+                      </a:solidFill>
+                    </a:lnR>
+                    <a:lnT w="720">
+                      <a:solidFill>
+                        <a:srgbClr val="ffffff"/>
+                      </a:solidFill>
+                    </a:lnT>
+                    <a:lnB w="720">
+                      <a:solidFill>
+                        <a:srgbClr val="ffffff"/>
+                      </a:solidFill>
+                    </a:lnB>
+                    <a:solidFill>
+                      <a:srgbClr val="b3b3b3"/>
+                    </a:solidFill>
+                  </a:tcPr>
+                </a:tc>
+                <a:tc>
+                  <a:tcPr marL="90000" marR="90000">
+                    <a:lnL w="720">
+                      <a:solidFill>
+                        <a:srgbClr val="ffffff"/>
+                      </a:solidFill>
+                    </a:lnL>
+                    <a:lnR w="720">
+                      <a:solidFill>
+                        <a:srgbClr val="ffffff"/>
+                      </a:solidFill>
+                    </a:lnR>
+                    <a:lnT w="720">
+                      <a:solidFill>
+                        <a:srgbClr val="ffffff"/>
+                      </a:solidFill>
+                    </a:lnT>
+                    <a:lnB w="720">
+                      <a:solidFill>
+                        <a:srgbClr val="ffffff"/>
+                      </a:solidFill>
+                    </a:lnB>
+                    <a:solidFill>
+                      <a:srgbClr val="b3b3b3"/>
+                    </a:solidFill>
+                  </a:tcPr>
+                </a:tc>
+              </a:tr>
+            </a:tbl>
+          </a:graphicData>
+        </a:graphic>
+      </p:graphicFrame>
+      <p:sp>
+        <p:nvSpPr>
+          <p:cNvPr id="440" name="Line 9"/>
+          <p:cNvSpPr/>
+          <p:nvPr/>
+        </p:nvSpPr>
+        <p:spPr>
+          <a:xfrm flipH="1">
+            <a:off x="2001600" y="946080"/>
+            <a:ext cx="1747800" cy="611280"/>
+          </a:xfrm>
+          <a:prstGeom prst="line">
+            <a:avLst/>
+          </a:prstGeom>
+          <a:ln w="0">
+            <a:solidFill>
+              <a:srgbClr val="3465a4"/>
+            </a:solidFill>
+            <a:tailEnd len="med" type="triangle" w="med"/>
+          </a:ln>
+        </p:spPr>
+        <p:style>
+          <a:lnRef idx="0"/>
+          <a:fillRef idx="0"/>
+          <a:effectRef idx="0"/>
+          <a:fontRef idx="minor"/>
+        </p:style>
+      </p:sp>
+      <p:sp>
+        <p:nvSpPr>
+          <p:cNvPr id="441" name="Line 10"/>
+          <p:cNvSpPr/>
+          <p:nvPr/>
+        </p:nvSpPr>
+        <p:spPr>
+          <a:xfrm>
+            <a:off x="4744800" y="873000"/>
+            <a:ext cx="0" cy="685800"/>
+          </a:xfrm>
+          <a:prstGeom prst="line">
+            <a:avLst/>
+          </a:prstGeom>
+          <a:ln w="0">
+            <a:solidFill>
+              <a:srgbClr val="3465a4"/>
+            </a:solidFill>
+            <a:tailEnd len="med" type="triangle" w="med"/>
+          </a:ln>
+        </p:spPr>
+        <p:style>
+          <a:lnRef idx="0"/>
+          <a:fillRef idx="0"/>
+          <a:effectRef idx="0"/>
+          <a:fontRef idx="minor"/>
+        </p:style>
+      </p:sp>
+      <p:graphicFrame>
+        <p:nvGraphicFramePr>
+          <p:cNvPr id="442" name="Table 11"/>
+          <p:cNvGraphicFramePr/>
+          <p:nvPr/>
+        </p:nvGraphicFramePr>
+        <p:xfrm>
+          <a:off x="6215040" y="1599480"/>
+          <a:ext cx="2336040" cy="408240"/>
+        </p:xfrm>
+        <a:graphic>
+          <a:graphicData uri="http://schemas.openxmlformats.org/drawingml/2006/table">
+            <a:tbl>
+              <a:tblPr/>
+              <a:tblGrid>
+                <a:gridCol w="244440"/>
+                <a:gridCol w="810720"/>
+                <a:gridCol w="243000"/>
+                <a:gridCol w="792000"/>
+                <a:gridCol w="246240"/>
+              </a:tblGrid>
+              <a:tr h="408600">
+                <a:tc>
+                  <a:tcPr marL="90000" marR="90000">
+                    <a:lnL w="720">
+                      <a:solidFill>
+                        <a:srgbClr val="ffffff"/>
+                      </a:solidFill>
+                    </a:lnL>
+                    <a:lnR w="720">
+                      <a:solidFill>
+                        <a:srgbClr val="ffffff"/>
+                      </a:solidFill>
+                    </a:lnR>
+                    <a:lnT w="720">
+                      <a:solidFill>
+                        <a:srgbClr val="ffffff"/>
+                      </a:solidFill>
+                    </a:lnT>
+                    <a:lnB w="720">
+                      <a:solidFill>
+                        <a:srgbClr val="ffffff"/>
+                      </a:solidFill>
+                    </a:lnB>
+                    <a:solidFill>
+                      <a:srgbClr val="b3b3b3"/>
+                    </a:solidFill>
+                  </a:tcPr>
+                </a:tc>
+                <a:tc>
+                  <a:txBody>
+                    <a:bodyPr lIns="90000" rIns="90000" tIns="46800" bIns="46800">
+                      <a:noAutofit/>
+                    </a:bodyPr>
+                    <a:p>
+                      <a:pPr algn="ctr">
+                        <a:lnSpc>
+                          <a:spcPct val="100000"/>
+                        </a:lnSpc>
+                      </a:pPr>
+                      <a:r>
+                        <a:rPr b="0" lang="en-US" sz="1800" spc="-1" strike="noStrike">
+                          <a:latin typeface="Arial"/>
+                          <a:ea typeface="Noto Sans"/>
+                        </a:rPr>
+                        <a:t>25</a:t>
+                      </a:r>
+                      <a:endParaRPr b="0" lang="en-US" sz="1800" spc="-1" strike="noStrike">
+                        <a:latin typeface="Arial"/>
+                      </a:endParaRPr>
+                    </a:p>
+                  </a:txBody>
+                  <a:tcPr marL="90000" marR="90000">
+                    <a:lnL w="720">
+                      <a:solidFill>
+                        <a:srgbClr val="ffffff"/>
+                      </a:solidFill>
+                    </a:lnL>
+                    <a:lnR w="720">
+                      <a:solidFill>
+                        <a:srgbClr val="ffffff"/>
+                      </a:solidFill>
+                    </a:lnR>
+                    <a:lnT w="720">
+                      <a:solidFill>
+                        <a:srgbClr val="ffffff"/>
+                      </a:solidFill>
+                    </a:lnT>
+                    <a:lnB w="720">
+                      <a:solidFill>
+                        <a:srgbClr val="ffffff"/>
+                      </a:solidFill>
+                    </a:lnB>
+                    <a:solidFill>
+                      <a:srgbClr val="b3b3b3"/>
+                    </a:solidFill>
+                  </a:tcPr>
+                </a:tc>
+                <a:tc>
+                  <a:tcPr marL="90000" marR="90000">
+                    <a:lnL w="720">
+                      <a:solidFill>
+                        <a:srgbClr val="ffffff"/>
+                      </a:solidFill>
+                    </a:lnL>
+                    <a:lnR w="720">
+                      <a:solidFill>
+                        <a:srgbClr val="ffffff"/>
+                      </a:solidFill>
+                    </a:lnR>
+                    <a:lnT w="720">
+                      <a:solidFill>
+                        <a:srgbClr val="ffffff"/>
+                      </a:solidFill>
+                    </a:lnT>
+                    <a:lnB w="720">
+                      <a:solidFill>
+                        <a:srgbClr val="ffffff"/>
+                      </a:solidFill>
+                    </a:lnB>
+                    <a:solidFill>
+                      <a:srgbClr val="b3b3b3"/>
+                    </a:solidFill>
+                  </a:tcPr>
+                </a:tc>
+                <a:tc>
+                  <a:txBody>
+                    <a:bodyPr lIns="90000" rIns="90000" tIns="46800" bIns="46800">
+                      <a:noAutofit/>
+                    </a:bodyPr>
+                    <a:p>
+                      <a:pPr marL="216000" indent="-216000">
+                        <a:lnSpc>
+                          <a:spcPct val="100000"/>
+                        </a:lnSpc>
+                        <a:buClr>
+                          <a:srgbClr val="000000"/>
+                        </a:buClr>
+                        <a:buSzPct val="45000"/>
+                        <a:buFont typeface="Wingdings" charset="2"/>
+                        <a:buChar char=""/>
+                      </a:pPr>
+                      <a:r>
+                        <a:rPr b="0" lang="en-US" sz="1800" spc="-1" strike="noStrike">
+                          <a:latin typeface="Arial"/>
+                          <a:ea typeface="Noto Sans"/>
+                        </a:rPr>
+                        <a:t>30</a:t>
+                      </a:r>
+                      <a:endParaRPr b="0" lang="en-US" sz="1800" spc="-1" strike="noStrike">
+                        <a:latin typeface="Arial"/>
+                      </a:endParaRPr>
+                    </a:p>
+                  </a:txBody>
+                  <a:tcPr marL="90000" marR="90000">
+                    <a:lnL w="720">
+                      <a:solidFill>
+                        <a:srgbClr val="ffffff"/>
+                      </a:solidFill>
+                    </a:lnL>
+                    <a:lnR w="720">
+                      <a:solidFill>
+                        <a:srgbClr val="ffffff"/>
+                      </a:solidFill>
+                    </a:lnR>
+                    <a:lnT w="720">
+                      <a:solidFill>
+                        <a:srgbClr val="ffffff"/>
+                      </a:solidFill>
+                    </a:lnT>
+                    <a:lnB w="720">
+                      <a:solidFill>
+                        <a:srgbClr val="ffffff"/>
+                      </a:solidFill>
+                    </a:lnB>
+                    <a:solidFill>
+                      <a:srgbClr val="b3b3b3"/>
+                    </a:solidFill>
+                  </a:tcPr>
+                </a:tc>
+                <a:tc>
+                  <a:tcPr marL="90000" marR="90000">
+                    <a:lnL w="720">
+                      <a:solidFill>
+                        <a:srgbClr val="ffffff"/>
+                      </a:solidFill>
+                    </a:lnL>
+                    <a:lnR w="720">
+                      <a:solidFill>
+                        <a:srgbClr val="ffffff"/>
+                      </a:solidFill>
+                    </a:lnR>
+                    <a:lnT w="720">
+                      <a:solidFill>
+                        <a:srgbClr val="ffffff"/>
+                      </a:solidFill>
+                    </a:lnT>
+                    <a:lnB w="720">
+                      <a:solidFill>
+                        <a:srgbClr val="ffffff"/>
+                      </a:solidFill>
+                    </a:lnB>
+                    <a:solidFill>
+                      <a:srgbClr val="b3b3b3"/>
+                    </a:solidFill>
+                  </a:tcPr>
+                </a:tc>
+              </a:tr>
+            </a:tbl>
+          </a:graphicData>
+        </a:graphic>
+      </p:graphicFrame>
+      <p:sp>
+        <p:nvSpPr>
+          <p:cNvPr id="443" name="Line 12"/>
+          <p:cNvSpPr/>
+          <p:nvPr/>
+        </p:nvSpPr>
+        <p:spPr>
+          <a:xfrm>
+            <a:off x="5822640" y="908640"/>
+            <a:ext cx="1208160" cy="690840"/>
+          </a:xfrm>
+          <a:prstGeom prst="line">
+            <a:avLst/>
+          </a:prstGeom>
+          <a:ln w="0">
+            <a:solidFill>
+              <a:srgbClr val="3465a4"/>
+            </a:solidFill>
+            <a:tailEnd len="med" type="triangle" w="med"/>
+          </a:ln>
+        </p:spPr>
+        <p:style>
+          <a:lnRef idx="0"/>
+          <a:fillRef idx="0"/>
+          <a:effectRef idx="0"/>
+          <a:fontRef idx="minor"/>
+        </p:style>
+      </p:sp>
+      <p:sp>
+        <p:nvSpPr>
+          <p:cNvPr id="444" name="Line 13"/>
+          <p:cNvSpPr/>
+          <p:nvPr/>
+        </p:nvSpPr>
+        <p:spPr>
+          <a:xfrm>
+            <a:off x="5102640" y="2528280"/>
+            <a:ext cx="0" cy="685800"/>
+          </a:xfrm>
+          <a:prstGeom prst="line">
+            <a:avLst/>
+          </a:prstGeom>
+          <a:ln w="0">
+            <a:solidFill>
+              <a:srgbClr val="3465a4"/>
+            </a:solidFill>
+            <a:tailEnd len="med" type="triangle" w="med"/>
+          </a:ln>
+        </p:spPr>
+        <p:style>
+          <a:lnRef idx="0"/>
+          <a:fillRef idx="0"/>
+          <a:effectRef idx="0"/>
+          <a:fontRef idx="minor"/>
+        </p:style>
+      </p:sp>
+      <p:sp>
+        <p:nvSpPr>
+          <p:cNvPr id="445" name="TextShape 14"/>
+          <p:cNvSpPr txBox="1"/>
+          <p:nvPr/>
+        </p:nvSpPr>
+        <p:spPr>
+          <a:xfrm>
+            <a:off x="799920" y="4158720"/>
+            <a:ext cx="180720" cy="427320"/>
+          </a:xfrm>
+          <a:prstGeom prst="rect">
+            <a:avLst/>
+          </a:prstGeom>
+          <a:noFill/>
+          <a:ln w="0">
+            <a:noFill/>
+          </a:ln>
+        </p:spPr>
+      </p:sp>
+      <p:graphicFrame>
+        <p:nvGraphicFramePr>
+          <p:cNvPr id="446" name="Table 15"/>
+          <p:cNvGraphicFramePr/>
+          <p:nvPr/>
+        </p:nvGraphicFramePr>
+        <p:xfrm>
+          <a:off x="43200" y="5030280"/>
+          <a:ext cx="2336040" cy="408240"/>
+        </p:xfrm>
+        <a:graphic>
+          <a:graphicData uri="http://schemas.openxmlformats.org/drawingml/2006/table">
+            <a:tbl>
+              <a:tblPr/>
+              <a:tblGrid>
+                <a:gridCol w="244440"/>
+                <a:gridCol w="810720"/>
+                <a:gridCol w="243000"/>
+                <a:gridCol w="792000"/>
+                <a:gridCol w="246240"/>
+              </a:tblGrid>
+              <a:tr h="408600">
+                <a:tc>
+                  <a:tcPr marL="90000" marR="90000">
+                    <a:lnL w="720">
+                      <a:solidFill>
+                        <a:srgbClr val="ffffff"/>
+                      </a:solidFill>
+                    </a:lnL>
+                    <a:lnR w="720">
+                      <a:solidFill>
+                        <a:srgbClr val="ffffff"/>
+                      </a:solidFill>
+                    </a:lnR>
+                    <a:lnT w="720">
+                      <a:solidFill>
+                        <a:srgbClr val="ffffff"/>
+                      </a:solidFill>
+                    </a:lnT>
+                    <a:lnB w="720">
+                      <a:solidFill>
+                        <a:srgbClr val="ffffff"/>
+                      </a:solidFill>
+                    </a:lnB>
+                    <a:solidFill>
+                      <a:srgbClr val="b3b3b3"/>
+                    </a:solidFill>
+                  </a:tcPr>
+                </a:tc>
+                <a:tc>
+                  <a:txBody>
+                    <a:bodyPr lIns="90000" rIns="90000" tIns="46800" bIns="46800">
+                      <a:noAutofit/>
+                    </a:bodyPr>
+                    <a:p>
+                      <a:pPr algn="ctr">
+                        <a:lnSpc>
+                          <a:spcPct val="100000"/>
+                        </a:lnSpc>
+                      </a:pPr>
+                      <a:r>
+                        <a:rPr b="0" lang="en-US" sz="1800" spc="-1" strike="noStrike">
+                          <a:latin typeface="Arial"/>
+                          <a:ea typeface="Noto Sans"/>
+                        </a:rPr>
+                        <a:t>10</a:t>
+                      </a:r>
+                      <a:endParaRPr b="0" lang="en-US" sz="1800" spc="-1" strike="noStrike">
+                        <a:latin typeface="Arial"/>
+                      </a:endParaRPr>
+                    </a:p>
+                  </a:txBody>
+                  <a:tcPr marL="90000" marR="90000">
+                    <a:lnL w="720">
+                      <a:solidFill>
+                        <a:srgbClr val="ffffff"/>
+                      </a:solidFill>
+                    </a:lnL>
+                    <a:lnR w="720">
+                      <a:solidFill>
+                        <a:srgbClr val="ffffff"/>
+                      </a:solidFill>
+                    </a:lnR>
+                    <a:lnT w="720">
+                      <a:solidFill>
+                        <a:srgbClr val="ffffff"/>
+                      </a:solidFill>
+                    </a:lnT>
+                    <a:lnB w="720">
+                      <a:solidFill>
+                        <a:srgbClr val="ffffff"/>
+                      </a:solidFill>
+                    </a:lnB>
+                    <a:solidFill>
+                      <a:srgbClr val="b3b3b3"/>
+                    </a:solidFill>
+                  </a:tcPr>
+                </a:tc>
+                <a:tc>
+                  <a:tcPr marL="90000" marR="90000">
+                    <a:lnL w="720">
+                      <a:solidFill>
+                        <a:srgbClr val="ffffff"/>
+                      </a:solidFill>
+                    </a:lnL>
+                    <a:lnR w="720">
+                      <a:solidFill>
+                        <a:srgbClr val="ffffff"/>
+                      </a:solidFill>
+                    </a:lnR>
+                    <a:lnT w="720">
+                      <a:solidFill>
+                        <a:srgbClr val="ffffff"/>
+                      </a:solidFill>
+                    </a:lnT>
+                    <a:lnB w="720">
+                      <a:solidFill>
+                        <a:srgbClr val="ffffff"/>
+                      </a:solidFill>
+                    </a:lnB>
+                    <a:solidFill>
+                      <a:srgbClr val="b3b3b3"/>
+                    </a:solidFill>
+                  </a:tcPr>
+                </a:tc>
+                <a:tc>
+                  <a:txBody>
+                    <a:bodyPr lIns="90000" rIns="90000" tIns="46800" bIns="46800">
+                      <a:noAutofit/>
+                    </a:bodyPr>
+                    <a:p>
+                      <a:pPr marL="216000" indent="-216000">
+                        <a:lnSpc>
+                          <a:spcPct val="100000"/>
+                        </a:lnSpc>
+                        <a:buClr>
+                          <a:srgbClr val="000000"/>
+                        </a:buClr>
+                        <a:buSzPct val="45000"/>
+                        <a:buFont typeface="Wingdings" charset="2"/>
+                        <a:buChar char=""/>
+                      </a:pPr>
+                      <a:r>
+                        <a:rPr b="0" lang="en-US" sz="1800" spc="-1" strike="noStrike">
+                          <a:latin typeface="Arial"/>
+                          <a:ea typeface="Noto Sans"/>
+                        </a:rPr>
+                        <a:t>15</a:t>
+                      </a:r>
+                      <a:endParaRPr b="0" lang="en-US" sz="1800" spc="-1" strike="noStrike">
+                        <a:latin typeface="Arial"/>
+                      </a:endParaRPr>
+                    </a:p>
+                  </a:txBody>
+                  <a:tcPr marL="90000" marR="90000">
+                    <a:lnL w="720">
+                      <a:solidFill>
+                        <a:srgbClr val="ffffff"/>
+                      </a:solidFill>
+                    </a:lnL>
+                    <a:lnR w="720">
+                      <a:solidFill>
+                        <a:srgbClr val="ffffff"/>
+                      </a:solidFill>
+                    </a:lnR>
+                    <a:lnT w="720">
+                      <a:solidFill>
+                        <a:srgbClr val="ffffff"/>
+                      </a:solidFill>
+                    </a:lnT>
+                    <a:lnB w="720">
+                      <a:solidFill>
+                        <a:srgbClr val="ffffff"/>
+                      </a:solidFill>
+                    </a:lnB>
+                    <a:solidFill>
+                      <a:srgbClr val="b3b3b3"/>
+                    </a:solidFill>
+                  </a:tcPr>
+                </a:tc>
+                <a:tc>
+                  <a:tcPr marL="90000" marR="90000">
+                    <a:lnL w="720">
+                      <a:solidFill>
+                        <a:srgbClr val="ffffff"/>
+                      </a:solidFill>
+                    </a:lnL>
+                    <a:lnR w="720">
+                      <a:solidFill>
+                        <a:srgbClr val="ffffff"/>
+                      </a:solidFill>
+                    </a:lnR>
+                    <a:lnT w="720">
+                      <a:solidFill>
+                        <a:srgbClr val="ffffff"/>
+                      </a:solidFill>
+                    </a:lnT>
+                    <a:lnB w="720">
+                      <a:solidFill>
+                        <a:srgbClr val="ffffff"/>
+                      </a:solidFill>
+                    </a:lnB>
+                    <a:solidFill>
+                      <a:srgbClr val="b3b3b3"/>
+                    </a:solidFill>
+                  </a:tcPr>
+                </a:tc>
+              </a:tr>
+            </a:tbl>
+          </a:graphicData>
+        </a:graphic>
+      </p:graphicFrame>
+      <p:sp>
+        <p:nvSpPr>
+          <p:cNvPr id="447" name="Line 16"/>
+          <p:cNvSpPr/>
+          <p:nvPr/>
+        </p:nvSpPr>
+        <p:spPr>
+          <a:xfrm>
+            <a:off x="1830240" y="5374800"/>
+            <a:ext cx="0" cy="457200"/>
+          </a:xfrm>
+          <a:prstGeom prst="line">
+            <a:avLst/>
+          </a:prstGeom>
+          <a:ln w="0">
+            <a:solidFill>
+              <a:srgbClr val="3465a4"/>
+            </a:solidFill>
+            <a:tailEnd len="med" type="triangle" w="med"/>
+          </a:ln>
+        </p:spPr>
+        <p:style>
+          <a:lnRef idx="0"/>
+          <a:fillRef idx="0"/>
+          <a:effectRef idx="0"/>
+          <a:fontRef idx="minor"/>
+        </p:style>
+      </p:sp>
+      <p:sp>
+        <p:nvSpPr>
+          <p:cNvPr id="448" name="Line 17"/>
+          <p:cNvSpPr/>
+          <p:nvPr/>
+        </p:nvSpPr>
+        <p:spPr>
+          <a:xfrm>
+            <a:off x="2874240" y="5374800"/>
+            <a:ext cx="0" cy="457200"/>
+          </a:xfrm>
+          <a:prstGeom prst="line">
+            <a:avLst/>
+          </a:prstGeom>
+          <a:ln w="0">
+            <a:solidFill>
+              <a:srgbClr val="3465a4"/>
+            </a:solidFill>
+            <a:tailEnd len="med" type="triangle" w="med"/>
+          </a:ln>
+        </p:spPr>
+        <p:style>
+          <a:lnRef idx="0"/>
+          <a:fillRef idx="0"/>
+          <a:effectRef idx="0"/>
+          <a:fontRef idx="minor"/>
+        </p:style>
+      </p:sp>
+      <p:graphicFrame>
+        <p:nvGraphicFramePr>
+          <p:cNvPr id="449" name="Table 18"/>
+          <p:cNvGraphicFramePr/>
+          <p:nvPr/>
+        </p:nvGraphicFramePr>
+        <p:xfrm>
+          <a:off x="2773800" y="5056200"/>
+          <a:ext cx="2336040" cy="408240"/>
+        </p:xfrm>
+        <a:graphic>
+          <a:graphicData uri="http://schemas.openxmlformats.org/drawingml/2006/table">
+            <a:tbl>
+              <a:tblPr/>
+              <a:tblGrid>
+                <a:gridCol w="244440"/>
+                <a:gridCol w="810720"/>
+                <a:gridCol w="243000"/>
+                <a:gridCol w="792000"/>
+                <a:gridCol w="246240"/>
+              </a:tblGrid>
+              <a:tr h="408600">
+                <a:tc>
+                  <a:tcPr marL="90000" marR="90000">
+                    <a:lnL w="720">
+                      <a:solidFill>
+                        <a:srgbClr val="ffffff"/>
+                      </a:solidFill>
+                    </a:lnL>
+                    <a:lnR w="720">
+                      <a:solidFill>
+                        <a:srgbClr val="ffffff"/>
+                      </a:solidFill>
+                    </a:lnR>
+                    <a:lnT w="720">
+                      <a:solidFill>
+                        <a:srgbClr val="ffffff"/>
+                      </a:solidFill>
+                    </a:lnT>
+                    <a:lnB w="720">
+                      <a:solidFill>
+                        <a:srgbClr val="ffffff"/>
+                      </a:solidFill>
+                    </a:lnB>
+                    <a:solidFill>
+                      <a:srgbClr val="b3b3b3"/>
+                    </a:solidFill>
+                  </a:tcPr>
+                </a:tc>
+                <a:tc>
+                  <a:txBody>
+                    <a:bodyPr lIns="90000" rIns="90000" tIns="46800" bIns="46800">
+                      <a:noAutofit/>
+                    </a:bodyPr>
+                    <a:p>
+                      <a:pPr algn="ctr">
+                        <a:lnSpc>
+                          <a:spcPct val="100000"/>
+                        </a:lnSpc>
+                      </a:pPr>
+                      <a:r>
+                        <a:rPr b="0" lang="en-US" sz="1800" spc="-1" strike="noStrike">
+                          <a:latin typeface="Arial"/>
+                          <a:ea typeface="Noto Sans"/>
+                        </a:rPr>
+                        <a:t>20</a:t>
+                      </a:r>
+                      <a:endParaRPr b="0" lang="en-US" sz="1800" spc="-1" strike="noStrike">
+                        <a:latin typeface="Arial"/>
+                      </a:endParaRPr>
+                    </a:p>
+                  </a:txBody>
+                  <a:tcPr marL="90000" marR="90000">
+                    <a:lnL w="720">
+                      <a:solidFill>
+                        <a:srgbClr val="ffffff"/>
+                      </a:solidFill>
+                    </a:lnL>
+                    <a:lnR w="720">
+                      <a:solidFill>
+                        <a:srgbClr val="ffffff"/>
+                      </a:solidFill>
+                    </a:lnR>
+                    <a:lnT w="720">
+                      <a:solidFill>
+                        <a:srgbClr val="ffffff"/>
+                      </a:solidFill>
+                    </a:lnT>
+                    <a:lnB w="720">
+                      <a:solidFill>
+                        <a:srgbClr val="ffffff"/>
+                      </a:solidFill>
+                    </a:lnB>
+                    <a:solidFill>
+                      <a:srgbClr val="b3b3b3"/>
+                    </a:solidFill>
+                  </a:tcPr>
+                </a:tc>
+                <a:tc>
+                  <a:tcPr marL="90000" marR="90000">
+                    <a:lnL w="720">
+                      <a:solidFill>
+                        <a:srgbClr val="ffffff"/>
+                      </a:solidFill>
+                    </a:lnL>
+                    <a:lnR w="720">
+                      <a:solidFill>
+                        <a:srgbClr val="ffffff"/>
+                      </a:solidFill>
+                    </a:lnR>
+                    <a:lnT w="720">
+                      <a:solidFill>
+                        <a:srgbClr val="ffffff"/>
+                      </a:solidFill>
+                    </a:lnT>
+                    <a:lnB w="720">
+                      <a:solidFill>
+                        <a:srgbClr val="ffffff"/>
+                      </a:solidFill>
+                    </a:lnB>
+                    <a:solidFill>
+                      <a:srgbClr val="b3b3b3"/>
+                    </a:solidFill>
+                  </a:tcPr>
+                </a:tc>
+                <a:tc>
+                  <a:tcPr marL="90000" marR="90000">
+                    <a:lnL w="720">
+                      <a:solidFill>
+                        <a:srgbClr val="ffffff"/>
+                      </a:solidFill>
+                    </a:lnL>
+                    <a:lnR w="720">
+                      <a:solidFill>
+                        <a:srgbClr val="ffffff"/>
+                      </a:solidFill>
+                    </a:lnR>
+                    <a:lnT w="720">
+                      <a:solidFill>
+                        <a:srgbClr val="ffffff"/>
+                      </a:solidFill>
+                    </a:lnT>
+                    <a:lnB w="720">
+                      <a:solidFill>
+                        <a:srgbClr val="ffffff"/>
+                      </a:solidFill>
+                    </a:lnB>
+                    <a:solidFill>
+                      <a:srgbClr val="b3b3b3"/>
+                    </a:solidFill>
+                  </a:tcPr>
+                </a:tc>
+                <a:tc>
+                  <a:tcPr marL="90000" marR="90000">
+                    <a:lnL w="720">
+                      <a:solidFill>
+                        <a:srgbClr val="ffffff"/>
+                      </a:solidFill>
+                    </a:lnL>
+                    <a:lnR w="720">
+                      <a:solidFill>
+                        <a:srgbClr val="ffffff"/>
+                      </a:solidFill>
+                    </a:lnR>
+                    <a:lnT w="720">
+                      <a:solidFill>
+                        <a:srgbClr val="ffffff"/>
+                      </a:solidFill>
+                    </a:lnT>
+                    <a:lnB w="720">
+                      <a:solidFill>
+                        <a:srgbClr val="ffffff"/>
+                      </a:solidFill>
+                    </a:lnB>
+                    <a:solidFill>
+                      <a:srgbClr val="b3b3b3"/>
+                    </a:solidFill>
+                  </a:tcPr>
+                </a:tc>
+              </a:tr>
+            </a:tbl>
+          </a:graphicData>
+        </a:graphic>
+      </p:graphicFrame>
+      <p:sp>
+        <p:nvSpPr>
+          <p:cNvPr id="450" name="Line 19"/>
+          <p:cNvSpPr/>
+          <p:nvPr/>
+        </p:nvSpPr>
+        <p:spPr>
+          <a:xfrm>
+            <a:off x="4278240" y="5374800"/>
+            <a:ext cx="0" cy="457200"/>
+          </a:xfrm>
+          <a:prstGeom prst="line">
+            <a:avLst/>
+          </a:prstGeom>
+          <a:ln w="0">
+            <a:solidFill>
+              <a:srgbClr val="3465a4"/>
+            </a:solidFill>
+            <a:tailEnd len="med" type="triangle" w="med"/>
+          </a:ln>
+        </p:spPr>
+        <p:style>
+          <a:lnRef idx="0"/>
+          <a:fillRef idx="0"/>
+          <a:effectRef idx="0"/>
+          <a:fontRef idx="minor"/>
+        </p:style>
+      </p:sp>
+      <p:graphicFrame>
+        <p:nvGraphicFramePr>
+          <p:cNvPr id="451" name="Table 20"/>
+          <p:cNvGraphicFramePr/>
+          <p:nvPr/>
+        </p:nvGraphicFramePr>
+        <p:xfrm>
+          <a:off x="2855160" y="4192560"/>
+          <a:ext cx="2336040" cy="408240"/>
+        </p:xfrm>
+        <a:graphic>
+          <a:graphicData uri="http://schemas.openxmlformats.org/drawingml/2006/table">
+            <a:tbl>
+              <a:tblPr/>
+              <a:tblGrid>
+                <a:gridCol w="244440"/>
+                <a:gridCol w="810720"/>
+                <a:gridCol w="243000"/>
+                <a:gridCol w="792000"/>
+                <a:gridCol w="246240"/>
+              </a:tblGrid>
+              <a:tr h="408600">
+                <a:tc>
+                  <a:tcPr marL="90000" marR="90000">
+                    <a:lnL w="720">
+                      <a:solidFill>
+                        <a:srgbClr val="ffffff"/>
+                      </a:solidFill>
+                    </a:lnL>
+                    <a:lnR w="720">
+                      <a:solidFill>
+                        <a:srgbClr val="ffffff"/>
+                      </a:solidFill>
+                    </a:lnR>
+                    <a:lnT w="720">
+                      <a:solidFill>
+                        <a:srgbClr val="ffffff"/>
+                      </a:solidFill>
+                    </a:lnT>
+                    <a:lnB w="720">
+                      <a:solidFill>
+                        <a:srgbClr val="ffffff"/>
+                      </a:solidFill>
+                    </a:lnB>
+                    <a:solidFill>
+                      <a:srgbClr val="b3b3b3"/>
+                    </a:solidFill>
+                  </a:tcPr>
+                </a:tc>
+                <a:tc>
+                  <a:txBody>
+                    <a:bodyPr lIns="90000" rIns="90000" tIns="46800" bIns="46800">
+                      <a:noAutofit/>
+                    </a:bodyPr>
+                    <a:p>
+                      <a:pPr algn="ctr">
+                        <a:lnSpc>
+                          <a:spcPct val="100000"/>
+                        </a:lnSpc>
+                      </a:pPr>
+                      <a:r>
+                        <a:rPr b="0" lang="en-US" sz="1800" spc="-1" strike="noStrike">
+                          <a:latin typeface="Arial"/>
+                          <a:ea typeface="Noto Sans"/>
+                        </a:rPr>
+                        <a:t>15</a:t>
+                      </a:r>
+                      <a:endParaRPr b="0" lang="en-US" sz="1800" spc="-1" strike="noStrike">
+                        <a:latin typeface="Arial"/>
+                      </a:endParaRPr>
+                    </a:p>
+                  </a:txBody>
+                  <a:tcPr marL="90000" marR="90000">
+                    <a:lnL w="720">
+                      <a:solidFill>
+                        <a:srgbClr val="ffffff"/>
+                      </a:solidFill>
+                    </a:lnL>
+                    <a:lnR w="720">
+                      <a:solidFill>
+                        <a:srgbClr val="ffffff"/>
+                      </a:solidFill>
+                    </a:lnR>
+                    <a:lnT w="720">
+                      <a:solidFill>
+                        <a:srgbClr val="ffffff"/>
+                      </a:solidFill>
+                    </a:lnT>
+                    <a:lnB w="720">
+                      <a:solidFill>
+                        <a:srgbClr val="ffffff"/>
+                      </a:solidFill>
+                    </a:lnB>
+                    <a:solidFill>
+                      <a:srgbClr val="b3b3b3"/>
+                    </a:solidFill>
+                  </a:tcPr>
+                </a:tc>
+                <a:tc>
+                  <a:tcPr marL="90000" marR="90000">
+                    <a:lnL w="720">
+                      <a:solidFill>
+                        <a:srgbClr val="ffffff"/>
+                      </a:solidFill>
+                    </a:lnL>
+                    <a:lnR w="720">
+                      <a:solidFill>
+                        <a:srgbClr val="ffffff"/>
+                      </a:solidFill>
+                    </a:lnR>
+                    <a:lnT w="720">
+                      <a:solidFill>
+                        <a:srgbClr val="ffffff"/>
+                      </a:solidFill>
+                    </a:lnT>
+                    <a:lnB w="720">
+                      <a:solidFill>
+                        <a:srgbClr val="ffffff"/>
+                      </a:solidFill>
+                    </a:lnB>
+                    <a:solidFill>
+                      <a:srgbClr val="b3b3b3"/>
+                    </a:solidFill>
+                  </a:tcPr>
+                </a:tc>
+                <a:tc>
+                  <a:txBody>
+                    <a:bodyPr lIns="90000" rIns="90000" tIns="46800" bIns="46800">
+                      <a:noAutofit/>
+                    </a:bodyPr>
+                    <a:p>
+                      <a:pPr marL="216000" indent="-216000">
+                        <a:lnSpc>
+                          <a:spcPct val="100000"/>
+                        </a:lnSpc>
+                        <a:buClr>
+                          <a:srgbClr val="000000"/>
+                        </a:buClr>
+                        <a:buSzPct val="45000"/>
+                        <a:buFont typeface="Wingdings" charset="2"/>
+                        <a:buChar char=""/>
+                      </a:pPr>
+                      <a:r>
+                        <a:rPr b="0" lang="en-US" sz="1800" spc="-1" strike="noStrike">
+                          <a:latin typeface="Arial"/>
+                          <a:ea typeface="Noto Sans"/>
+                        </a:rPr>
+                        <a:t>20</a:t>
+                      </a:r>
+                      <a:endParaRPr b="0" lang="en-US" sz="1800" spc="-1" strike="noStrike">
+                        <a:latin typeface="Arial"/>
+                      </a:endParaRPr>
+                    </a:p>
+                  </a:txBody>
+                  <a:tcPr marL="90000" marR="90000">
+                    <a:lnL w="720">
+                      <a:solidFill>
+                        <a:srgbClr val="ffffff"/>
+                      </a:solidFill>
+                    </a:lnL>
+                    <a:lnR w="720">
+                      <a:solidFill>
+                        <a:srgbClr val="ffffff"/>
+                      </a:solidFill>
+                    </a:lnR>
+                    <a:lnT w="720">
+                      <a:solidFill>
+                        <a:srgbClr val="ffffff"/>
+                      </a:solidFill>
+                    </a:lnT>
+                    <a:lnB w="720">
+                      <a:solidFill>
+                        <a:srgbClr val="ffffff"/>
+                      </a:solidFill>
+                    </a:lnB>
+                    <a:solidFill>
+                      <a:srgbClr val="b3b3b3"/>
+                    </a:solidFill>
+                  </a:tcPr>
+                </a:tc>
+                <a:tc>
+                  <a:tcPr marL="90000" marR="90000">
+                    <a:lnL w="720">
+                      <a:solidFill>
+                        <a:srgbClr val="ffffff"/>
+                      </a:solidFill>
+                    </a:lnL>
+                    <a:lnR w="720">
+                      <a:solidFill>
+                        <a:srgbClr val="ffffff"/>
+                      </a:solidFill>
+                    </a:lnR>
+                    <a:lnT w="720">
+                      <a:solidFill>
+                        <a:srgbClr val="ffffff"/>
+                      </a:solidFill>
+                    </a:lnT>
+                    <a:lnB w="720">
+                      <a:solidFill>
+                        <a:srgbClr val="ffffff"/>
+                      </a:solidFill>
+                    </a:lnB>
+                    <a:solidFill>
+                      <a:srgbClr val="b3b3b3"/>
+                    </a:solidFill>
+                  </a:tcPr>
+                </a:tc>
+              </a:tr>
+            </a:tbl>
+          </a:graphicData>
+        </a:graphic>
+      </p:graphicFrame>
+      <p:sp>
+        <p:nvSpPr>
+          <p:cNvPr id="452" name="Line 21"/>
+          <p:cNvSpPr/>
+          <p:nvPr/>
+        </p:nvSpPr>
+        <p:spPr>
+          <a:xfrm flipH="1">
+            <a:off x="1236600" y="4419000"/>
+            <a:ext cx="1747800" cy="611280"/>
+          </a:xfrm>
+          <a:prstGeom prst="line">
+            <a:avLst/>
+          </a:prstGeom>
+          <a:ln w="0">
+            <a:solidFill>
+              <a:srgbClr val="3465a4"/>
+            </a:solidFill>
+            <a:tailEnd len="med" type="triangle" w="med"/>
+          </a:ln>
+        </p:spPr>
+        <p:style>
+          <a:lnRef idx="0"/>
+          <a:fillRef idx="0"/>
+          <a:effectRef idx="0"/>
+          <a:fontRef idx="minor"/>
+        </p:style>
+      </p:sp>
+      <p:sp>
+        <p:nvSpPr>
+          <p:cNvPr id="453" name="Line 22"/>
+          <p:cNvSpPr/>
+          <p:nvPr/>
+        </p:nvSpPr>
+        <p:spPr>
+          <a:xfrm>
+            <a:off x="3979800" y="4345920"/>
+            <a:ext cx="0" cy="685800"/>
+          </a:xfrm>
+          <a:prstGeom prst="line">
+            <a:avLst/>
+          </a:prstGeom>
+          <a:ln w="0">
+            <a:solidFill>
+              <a:srgbClr val="3465a4"/>
+            </a:solidFill>
+            <a:tailEnd len="med" type="triangle" w="med"/>
+          </a:ln>
+        </p:spPr>
+        <p:style>
+          <a:lnRef idx="0"/>
+          <a:fillRef idx="0"/>
+          <a:effectRef idx="0"/>
+          <a:fontRef idx="minor"/>
+        </p:style>
+      </p:sp>
+      <p:graphicFrame>
+        <p:nvGraphicFramePr>
+          <p:cNvPr id="454" name="Table 23"/>
+          <p:cNvGraphicFramePr/>
+          <p:nvPr/>
+        </p:nvGraphicFramePr>
+        <p:xfrm>
+          <a:off x="5450040" y="5072400"/>
+          <a:ext cx="2336040" cy="408240"/>
+        </p:xfrm>
+        <a:graphic>
+          <a:graphicData uri="http://schemas.openxmlformats.org/drawingml/2006/table">
+            <a:tbl>
+              <a:tblPr/>
+              <a:tblGrid>
+                <a:gridCol w="244440"/>
+                <a:gridCol w="810720"/>
+                <a:gridCol w="243000"/>
+                <a:gridCol w="792000"/>
+                <a:gridCol w="246240"/>
+              </a:tblGrid>
+              <a:tr h="408600">
+                <a:tc>
+                  <a:tcPr marL="90000" marR="90000">
+                    <a:lnL w="720">
+                      <a:solidFill>
+                        <a:srgbClr val="ffffff"/>
+                      </a:solidFill>
+                    </a:lnL>
+                    <a:lnR w="720">
+                      <a:solidFill>
+                        <a:srgbClr val="ffffff"/>
+                      </a:solidFill>
+                    </a:lnR>
+                    <a:lnT w="720">
+                      <a:solidFill>
+                        <a:srgbClr val="ffffff"/>
+                      </a:solidFill>
+                    </a:lnT>
+                    <a:lnB w="720">
+                      <a:solidFill>
+                        <a:srgbClr val="ffffff"/>
+                      </a:solidFill>
+                    </a:lnB>
+                    <a:solidFill>
+                      <a:srgbClr val="b3b3b3"/>
+                    </a:solidFill>
+                  </a:tcPr>
+                </a:tc>
+                <a:tc>
+                  <a:txBody>
+                    <a:bodyPr lIns="90000" rIns="90000" tIns="46800" bIns="46800">
+                      <a:noAutofit/>
+                    </a:bodyPr>
+                    <a:p>
+                      <a:pPr algn="ctr">
+                        <a:lnSpc>
+                          <a:spcPct val="100000"/>
+                        </a:lnSpc>
+                      </a:pPr>
+                      <a:r>
+                        <a:rPr b="0" lang="en-US" sz="1800" spc="-1" strike="noStrike">
+                          <a:latin typeface="Arial"/>
+                          <a:ea typeface="Noto Sans"/>
+                        </a:rPr>
+                        <a:t>25</a:t>
+                      </a:r>
+                      <a:endParaRPr b="0" lang="en-US" sz="1800" spc="-1" strike="noStrike">
+                        <a:latin typeface="Arial"/>
+                      </a:endParaRPr>
+                    </a:p>
+                  </a:txBody>
+                  <a:tcPr marL="90000" marR="90000">
+                    <a:lnL w="720">
+                      <a:solidFill>
+                        <a:srgbClr val="ffffff"/>
+                      </a:solidFill>
+                    </a:lnL>
+                    <a:lnR w="720">
+                      <a:solidFill>
+                        <a:srgbClr val="ffffff"/>
+                      </a:solidFill>
+                    </a:lnR>
+                    <a:lnT w="720">
+                      <a:solidFill>
+                        <a:srgbClr val="ffffff"/>
+                      </a:solidFill>
+                    </a:lnT>
+                    <a:lnB w="720">
+                      <a:solidFill>
+                        <a:srgbClr val="ffffff"/>
+                      </a:solidFill>
+                    </a:lnB>
+                    <a:solidFill>
+                      <a:srgbClr val="b3b3b3"/>
+                    </a:solidFill>
+                  </a:tcPr>
+                </a:tc>
+                <a:tc>
+                  <a:tcPr marL="90000" marR="90000">
+                    <a:lnL w="720">
+                      <a:solidFill>
+                        <a:srgbClr val="ffffff"/>
+                      </a:solidFill>
+                    </a:lnL>
+                    <a:lnR w="720">
+                      <a:solidFill>
+                        <a:srgbClr val="ffffff"/>
+                      </a:solidFill>
+                    </a:lnR>
+                    <a:lnT w="720">
+                      <a:solidFill>
+                        <a:srgbClr val="ffffff"/>
+                      </a:solidFill>
+                    </a:lnT>
+                    <a:lnB w="720">
+                      <a:solidFill>
+                        <a:srgbClr val="ffffff"/>
+                      </a:solidFill>
+                    </a:lnB>
+                    <a:solidFill>
+                      <a:srgbClr val="b3b3b3"/>
+                    </a:solidFill>
+                  </a:tcPr>
+                </a:tc>
+                <a:tc>
+                  <a:txBody>
+                    <a:bodyPr lIns="90000" rIns="90000" tIns="46800" bIns="46800">
+                      <a:noAutofit/>
+                    </a:bodyPr>
+                    <a:p>
+                      <a:pPr marL="216000" indent="-216000">
+                        <a:lnSpc>
+                          <a:spcPct val="100000"/>
+                        </a:lnSpc>
+                        <a:buClr>
+                          <a:srgbClr val="000000"/>
+                        </a:buClr>
+                        <a:buSzPct val="45000"/>
+                        <a:buFont typeface="Wingdings" charset="2"/>
+                        <a:buChar char=""/>
+                      </a:pPr>
+                      <a:r>
+                        <a:rPr b="0" lang="en-US" sz="1800" spc="-1" strike="noStrike">
+                          <a:latin typeface="Arial"/>
+                          <a:ea typeface="Noto Sans"/>
+                        </a:rPr>
+                        <a:t>30</a:t>
+                      </a:r>
+                      <a:endParaRPr b="0" lang="en-US" sz="1800" spc="-1" strike="noStrike">
+                        <a:latin typeface="Arial"/>
+                      </a:endParaRPr>
+                    </a:p>
+                  </a:txBody>
+                  <a:tcPr marL="90000" marR="90000">
+                    <a:lnL w="720">
+                      <a:solidFill>
+                        <a:srgbClr val="ffffff"/>
+                      </a:solidFill>
+                    </a:lnL>
+                    <a:lnR w="720">
+                      <a:solidFill>
+                        <a:srgbClr val="ffffff"/>
+                      </a:solidFill>
+                    </a:lnR>
+                    <a:lnT w="720">
+                      <a:solidFill>
+                        <a:srgbClr val="ffffff"/>
+                      </a:solidFill>
+                    </a:lnT>
+                    <a:lnB w="720">
+                      <a:solidFill>
+                        <a:srgbClr val="ffffff"/>
+                      </a:solidFill>
+                    </a:lnB>
+                    <a:solidFill>
+                      <a:srgbClr val="b3b3b3"/>
+                    </a:solidFill>
+                  </a:tcPr>
+                </a:tc>
+                <a:tc>
+                  <a:tcPr marL="90000" marR="90000">
+                    <a:lnL w="720">
+                      <a:solidFill>
+                        <a:srgbClr val="ffffff"/>
+                      </a:solidFill>
+                    </a:lnL>
+                    <a:lnR w="720">
+                      <a:solidFill>
+                        <a:srgbClr val="ffffff"/>
+                      </a:solidFill>
+                    </a:lnR>
+                    <a:lnT w="720">
+                      <a:solidFill>
+                        <a:srgbClr val="ffffff"/>
+                      </a:solidFill>
+                    </a:lnT>
+                    <a:lnB w="720">
+                      <a:solidFill>
+                        <a:srgbClr val="ffffff"/>
+                      </a:solidFill>
+                    </a:lnB>
+                    <a:solidFill>
+                      <a:srgbClr val="b3b3b3"/>
+                    </a:solidFill>
+                  </a:tcPr>
+                </a:tc>
+              </a:tr>
+            </a:tbl>
+          </a:graphicData>
+        </a:graphic>
+      </p:graphicFrame>
+      <p:sp>
+        <p:nvSpPr>
+          <p:cNvPr id="455" name="Line 24"/>
+          <p:cNvSpPr/>
+          <p:nvPr/>
+        </p:nvSpPr>
+        <p:spPr>
+          <a:xfrm>
+            <a:off x="5057640" y="4381560"/>
+            <a:ext cx="1208160" cy="690840"/>
+          </a:xfrm>
+          <a:prstGeom prst="line">
+            <a:avLst/>
+          </a:prstGeom>
+          <a:ln w="0">
+            <a:solidFill>
+              <a:srgbClr val="3465a4"/>
+            </a:solidFill>
+            <a:tailEnd len="med" type="triangle" w="med"/>
+          </a:ln>
+        </p:spPr>
+        <p:style>
+          <a:lnRef idx="0"/>
+          <a:fillRef idx="0"/>
+          <a:effectRef idx="0"/>
+          <a:fontRef idx="minor"/>
+        </p:style>
+      </p:sp>
+      <p:graphicFrame>
+        <p:nvGraphicFramePr>
+          <p:cNvPr id="456" name="Table 25"/>
+          <p:cNvGraphicFramePr/>
+          <p:nvPr/>
+        </p:nvGraphicFramePr>
+        <p:xfrm>
+          <a:off x="5948640" y="4167360"/>
+          <a:ext cx="2538000" cy="441000"/>
+        </p:xfrm>
+        <a:graphic>
+          <a:graphicData uri="http://schemas.openxmlformats.org/drawingml/2006/table">
+            <a:tbl>
+              <a:tblPr/>
+              <a:tblGrid>
+                <a:gridCol w="273600"/>
+                <a:gridCol w="875520"/>
+                <a:gridCol w="226440"/>
+                <a:gridCol w="923040"/>
+                <a:gridCol w="239400"/>
+              </a:tblGrid>
+              <a:tr h="441360">
+                <a:tc>
+                  <a:tcPr marL="90000" marR="90000">
+                    <a:lnL w="720">
+                      <a:solidFill>
+                        <a:srgbClr val="ffffff"/>
+                      </a:solidFill>
+                    </a:lnL>
+                    <a:lnR w="720">
+                      <a:solidFill>
+                        <a:srgbClr val="ffffff"/>
+                      </a:solidFill>
+                    </a:lnR>
+                    <a:lnT w="720">
+                      <a:solidFill>
+                        <a:srgbClr val="ffffff"/>
+                      </a:solidFill>
+                    </a:lnT>
+                    <a:lnB w="720">
+                      <a:solidFill>
+                        <a:srgbClr val="ffffff"/>
+                      </a:solidFill>
+                    </a:lnB>
+                    <a:solidFill>
+                      <a:srgbClr val="b3b3b3"/>
+                    </a:solidFill>
+                  </a:tcPr>
+                </a:tc>
+                <a:tc>
+                  <a:tcPr marL="90000" marR="90000">
+                    <a:lnL w="720">
+                      <a:solidFill>
+                        <a:srgbClr val="ffffff"/>
+                      </a:solidFill>
+                    </a:lnL>
+                    <a:lnR w="720">
+                      <a:solidFill>
+                        <a:srgbClr val="ffffff"/>
+                      </a:solidFill>
+                    </a:lnR>
+                    <a:lnT w="720">
+                      <a:solidFill>
+                        <a:srgbClr val="ffffff"/>
+                      </a:solidFill>
+                    </a:lnT>
+                    <a:lnB w="720">
+                      <a:solidFill>
+                        <a:srgbClr val="ffffff"/>
+                      </a:solidFill>
+                    </a:lnB>
+                    <a:solidFill>
+                      <a:srgbClr val="b3b3b3"/>
+                    </a:solidFill>
+                  </a:tcPr>
+                </a:tc>
+                <a:tc>
+                  <a:tcPr marL="90000" marR="90000">
+                    <a:lnL w="720">
+                      <a:solidFill>
+                        <a:srgbClr val="ffffff"/>
+                      </a:solidFill>
+                    </a:lnL>
+                    <a:lnR w="720">
+                      <a:solidFill>
+                        <a:srgbClr val="ffffff"/>
+                      </a:solidFill>
+                    </a:lnR>
+                    <a:lnT w="720">
+                      <a:solidFill>
+                        <a:srgbClr val="ffffff"/>
+                      </a:solidFill>
+                    </a:lnT>
+                    <a:lnB w="720">
+                      <a:solidFill>
+                        <a:srgbClr val="ffffff"/>
+                      </a:solidFill>
+                    </a:lnB>
+                    <a:solidFill>
+                      <a:srgbClr val="b3b3b3"/>
+                    </a:solidFill>
+                  </a:tcPr>
+                </a:tc>
+                <a:tc>
+                  <a:tcPr marL="90000" marR="90000">
+                    <a:lnL w="720">
+                      <a:solidFill>
+                        <a:srgbClr val="ffffff"/>
+                      </a:solidFill>
+                    </a:lnL>
+                    <a:lnR w="720">
+                      <a:solidFill>
+                        <a:srgbClr val="ffffff"/>
+                      </a:solidFill>
+                    </a:lnR>
+                    <a:lnT w="720">
+                      <a:solidFill>
+                        <a:srgbClr val="ffffff"/>
+                      </a:solidFill>
+                    </a:lnT>
+                    <a:lnB w="720">
+                      <a:solidFill>
+                        <a:srgbClr val="ffffff"/>
+                      </a:solidFill>
+                    </a:lnB>
+                    <a:solidFill>
+                      <a:srgbClr val="b3b3b3"/>
+                    </a:solidFill>
+                  </a:tcPr>
+                </a:tc>
+                <a:tc>
+                  <a:tcPr marL="90000" marR="90000">
+                    <a:lnL w="720">
+                      <a:solidFill>
+                        <a:srgbClr val="ffffff"/>
+                      </a:solidFill>
+                    </a:lnL>
+                    <a:lnR w="720">
+                      <a:solidFill>
+                        <a:srgbClr val="ffffff"/>
+                      </a:solidFill>
+                    </a:lnR>
+                    <a:lnT w="720">
+                      <a:solidFill>
+                        <a:srgbClr val="ffffff"/>
+                      </a:solidFill>
+                    </a:lnT>
+                    <a:lnB w="720">
+                      <a:solidFill>
+                        <a:srgbClr val="ffffff"/>
+                      </a:solidFill>
+                    </a:lnB>
+                    <a:solidFill>
+                      <a:srgbClr val="b3b3b3"/>
+                    </a:solidFill>
+                  </a:tcPr>
+                </a:tc>
+              </a:tr>
+            </a:tbl>
+          </a:graphicData>
+        </a:graphic>
+      </p:graphicFrame>
     </p:spTree>
   </p:cSld>
   <mc:AlternateContent>
@@ -16197,7 +22726,7 @@
         <p:spPr>
           <a:xfrm>
             <a:off x="3060000" y="2268000"/>
-            <a:ext cx="1435320" cy="787320"/>
+            <a:ext cx="1434960" cy="786960"/>
           </a:xfrm>
           <a:prstGeom prst="rect">
             <a:avLst/>
@@ -16252,7 +22781,7 @@
         <p:spPr>
           <a:xfrm>
             <a:off x="5832000" y="1980000"/>
-            <a:ext cx="1435320" cy="1363320"/>
+            <a:ext cx="1434960" cy="1362960"/>
           </a:xfrm>
           <a:custGeom>
             <a:avLst/>
@@ -16404,7 +22933,7 @@
         <p:spPr>
           <a:xfrm>
             <a:off x="2376000" y="1044000"/>
-            <a:ext cx="1147320" cy="679320"/>
+            <a:ext cx="1146960" cy="678960"/>
           </a:xfrm>
           <a:prstGeom prst="ellipse">
             <a:avLst/>
@@ -16459,7 +22988,7 @@
         <p:spPr>
           <a:xfrm>
             <a:off x="3780360" y="1044360"/>
-            <a:ext cx="1147320" cy="679320"/>
+            <a:ext cx="1146960" cy="678960"/>
           </a:xfrm>
           <a:prstGeom prst="ellipse">
             <a:avLst/>
@@ -16514,7 +23043,7 @@
         <p:spPr>
           <a:xfrm>
             <a:off x="2376360" y="1044360"/>
-            <a:ext cx="1147320" cy="679320"/>
+            <a:ext cx="1146960" cy="678960"/>
           </a:xfrm>
           <a:prstGeom prst="ellipse">
             <a:avLst/>
@@ -16569,7 +23098,7 @@
         <p:spPr>
           <a:xfrm>
             <a:off x="1512720" y="2160720"/>
-            <a:ext cx="1147320" cy="679320"/>
+            <a:ext cx="1146960" cy="678960"/>
           </a:xfrm>
           <a:prstGeom prst="ellipse">
             <a:avLst/>
@@ -16705,7 +23234,7 @@
         <p:spPr>
           <a:xfrm>
             <a:off x="4500000" y="2376000"/>
-            <a:ext cx="1399320" cy="597600"/>
+            <a:ext cx="1398960" cy="597240"/>
           </a:xfrm>
           <a:prstGeom prst="rect">
             <a:avLst/>
@@ -16756,7 +23285,7 @@
         <p:spPr>
           <a:xfrm>
             <a:off x="4320000" y="3204360"/>
-            <a:ext cx="1399320" cy="597600"/>
+            <a:ext cx="1398960" cy="597240"/>
           </a:xfrm>
           <a:prstGeom prst="rect">
             <a:avLst/>
@@ -16837,7 +23366,7 @@
         <p:spPr>
           <a:xfrm>
             <a:off x="504000" y="576000"/>
-            <a:ext cx="427680" cy="1651680"/>
+            <a:ext cx="427320" cy="1651320"/>
           </a:xfrm>
           <a:prstGeom prst="ellipse">
             <a:avLst/>
@@ -16867,7 +23396,7 @@
         <p:spPr>
           <a:xfrm>
             <a:off x="1440360" y="576360"/>
-            <a:ext cx="427680" cy="1651680"/>
+            <a:ext cx="427320" cy="1651320"/>
           </a:xfrm>
           <a:prstGeom prst="ellipse">
             <a:avLst/>
@@ -16897,7 +23426,7 @@
         <p:spPr>
           <a:xfrm>
             <a:off x="3204720" y="612720"/>
-            <a:ext cx="427680" cy="1651680"/>
+            <a:ext cx="427320" cy="1651320"/>
           </a:xfrm>
           <a:prstGeom prst="ellipse">
             <a:avLst/>
@@ -16927,7 +23456,7 @@
         <p:spPr>
           <a:xfrm>
             <a:off x="4068720" y="576720"/>
-            <a:ext cx="427680" cy="1651680"/>
+            <a:ext cx="427320" cy="1651320"/>
           </a:xfrm>
           <a:prstGeom prst="ellipse">
             <a:avLst/>
@@ -16957,7 +23486,7 @@
         <p:spPr>
           <a:xfrm>
             <a:off x="504720" y="3204720"/>
-            <a:ext cx="427680" cy="1651680"/>
+            <a:ext cx="427320" cy="1651320"/>
           </a:xfrm>
           <a:prstGeom prst="ellipse">
             <a:avLst/>
@@ -16987,7 +23516,7 @@
         <p:spPr>
           <a:xfrm>
             <a:off x="1440720" y="3168720"/>
-            <a:ext cx="427680" cy="1651680"/>
+            <a:ext cx="427320" cy="1651320"/>
           </a:xfrm>
           <a:prstGeom prst="ellipse">
             <a:avLst/>
@@ -17017,7 +23546,7 @@
         <p:spPr>
           <a:xfrm>
             <a:off x="3240720" y="3168720"/>
-            <a:ext cx="427680" cy="1651680"/>
+            <a:ext cx="427320" cy="1651320"/>
           </a:xfrm>
           <a:prstGeom prst="ellipse">
             <a:avLst/>
@@ -17047,7 +23576,7 @@
         <p:spPr>
           <a:xfrm>
             <a:off x="4068720" y="3168720"/>
-            <a:ext cx="427680" cy="1651680"/>
+            <a:ext cx="427320" cy="1651320"/>
           </a:xfrm>
           <a:prstGeom prst="ellipse">
             <a:avLst/>
@@ -17077,7 +23606,7 @@
         <p:spPr>
           <a:xfrm>
             <a:off x="540000" y="936000"/>
-            <a:ext cx="499680" cy="342000"/>
+            <a:ext cx="499320" cy="341640"/>
           </a:xfrm>
           <a:prstGeom prst="rect">
             <a:avLst/>
@@ -17128,7 +23657,7 @@
         <p:spPr>
           <a:xfrm>
             <a:off x="540000" y="1512000"/>
-            <a:ext cx="499680" cy="342000"/>
+            <a:ext cx="499320" cy="341640"/>
           </a:xfrm>
           <a:prstGeom prst="rect">
             <a:avLst/>
@@ -17179,7 +23708,7 @@
         <p:spPr>
           <a:xfrm>
             <a:off x="1512000" y="1512000"/>
-            <a:ext cx="499680" cy="342000"/>
+            <a:ext cx="499320" cy="341640"/>
           </a:xfrm>
           <a:prstGeom prst="rect">
             <a:avLst/>
@@ -17230,7 +23759,7 @@
         <p:spPr>
           <a:xfrm>
             <a:off x="1512000" y="900000"/>
-            <a:ext cx="499680" cy="342000"/>
+            <a:ext cx="499320" cy="341640"/>
           </a:xfrm>
           <a:prstGeom prst="rect">
             <a:avLst/>
@@ -17281,7 +23810,7 @@
         <p:spPr>
           <a:xfrm>
             <a:off x="540000" y="1260000"/>
-            <a:ext cx="499680" cy="342000"/>
+            <a:ext cx="499320" cy="341640"/>
           </a:xfrm>
           <a:prstGeom prst="rect">
             <a:avLst/>
@@ -17332,7 +23861,7 @@
         <p:spPr>
           <a:xfrm>
             <a:off x="1512000" y="1224000"/>
-            <a:ext cx="499680" cy="342000"/>
+            <a:ext cx="499320" cy="341640"/>
           </a:xfrm>
           <a:prstGeom prst="rect">
             <a:avLst/>
@@ -17383,7 +23912,7 @@
         <p:spPr>
           <a:xfrm>
             <a:off x="3240000" y="900000"/>
-            <a:ext cx="499680" cy="342000"/>
+            <a:ext cx="499320" cy="341640"/>
           </a:xfrm>
           <a:prstGeom prst="rect">
             <a:avLst/>
@@ -17434,7 +23963,7 @@
         <p:spPr>
           <a:xfrm>
             <a:off x="4104000" y="900000"/>
-            <a:ext cx="499680" cy="342000"/>
+            <a:ext cx="499320" cy="341640"/>
           </a:xfrm>
           <a:prstGeom prst="rect">
             <a:avLst/>
@@ -17485,7 +24014,7 @@
         <p:spPr>
           <a:xfrm>
             <a:off x="4104000" y="1224000"/>
-            <a:ext cx="499680" cy="342000"/>
+            <a:ext cx="499320" cy="341640"/>
           </a:xfrm>
           <a:prstGeom prst="rect">
             <a:avLst/>
@@ -17536,7 +24065,7 @@
         <p:spPr>
           <a:xfrm>
             <a:off x="4104000" y="1620000"/>
-            <a:ext cx="499680" cy="342000"/>
+            <a:ext cx="499320" cy="341640"/>
           </a:xfrm>
           <a:prstGeom prst="rect">
             <a:avLst/>
@@ -17587,7 +24116,7 @@
         <p:spPr>
           <a:xfrm>
             <a:off x="576000" y="3492000"/>
-            <a:ext cx="499680" cy="342000"/>
+            <a:ext cx="499320" cy="341640"/>
           </a:xfrm>
           <a:prstGeom prst="rect">
             <a:avLst/>
@@ -17638,7 +24167,7 @@
         <p:spPr>
           <a:xfrm>
             <a:off x="576000" y="3852000"/>
-            <a:ext cx="499680" cy="342000"/>
+            <a:ext cx="499320" cy="341640"/>
           </a:xfrm>
           <a:prstGeom prst="rect">
             <a:avLst/>
@@ -17689,7 +24218,7 @@
         <p:spPr>
           <a:xfrm>
             <a:off x="576000" y="4176000"/>
-            <a:ext cx="499680" cy="342000"/>
+            <a:ext cx="499320" cy="341640"/>
           </a:xfrm>
           <a:prstGeom prst="rect">
             <a:avLst/>
@@ -17740,7 +24269,7 @@
         <p:spPr>
           <a:xfrm>
             <a:off x="1476000" y="3492000"/>
-            <a:ext cx="499680" cy="342000"/>
+            <a:ext cx="499320" cy="341640"/>
           </a:xfrm>
           <a:prstGeom prst="rect">
             <a:avLst/>
@@ -17791,7 +24320,7 @@
         <p:spPr>
           <a:xfrm>
             <a:off x="3240000" y="3492000"/>
-            <a:ext cx="499680" cy="342000"/>
+            <a:ext cx="499320" cy="341640"/>
           </a:xfrm>
           <a:prstGeom prst="rect">
             <a:avLst/>
@@ -17842,7 +24371,7 @@
         <p:spPr>
           <a:xfrm>
             <a:off x="3276000" y="3960000"/>
-            <a:ext cx="499680" cy="342000"/>
+            <a:ext cx="499320" cy="341640"/>
           </a:xfrm>
           <a:prstGeom prst="rect">
             <a:avLst/>
@@ -17893,7 +24422,7 @@
         <p:spPr>
           <a:xfrm>
             <a:off x="4140000" y="3492000"/>
-            <a:ext cx="499680" cy="342000"/>
+            <a:ext cx="499320" cy="341640"/>
           </a:xfrm>
           <a:prstGeom prst="rect">
             <a:avLst/>
@@ -17944,7 +24473,7 @@
         <p:spPr>
           <a:xfrm>
             <a:off x="4140000" y="3924000"/>
-            <a:ext cx="499680" cy="342000"/>
+            <a:ext cx="499320" cy="341640"/>
           </a:xfrm>
           <a:prstGeom prst="rect">
             <a:avLst/>
@@ -18292,7 +24821,7 @@
         <p:spPr>
           <a:xfrm>
             <a:off x="540000" y="2412000"/>
-            <a:ext cx="1291680" cy="342000"/>
+            <a:ext cx="1291320" cy="341640"/>
           </a:xfrm>
           <a:prstGeom prst="rect">
             <a:avLst/>
@@ -18343,7 +24872,7 @@
         <p:spPr>
           <a:xfrm>
             <a:off x="3168000" y="2412000"/>
-            <a:ext cx="1435680" cy="391680"/>
+            <a:ext cx="1435320" cy="391320"/>
           </a:xfrm>
           <a:prstGeom prst="rect">
             <a:avLst/>
@@ -18394,7 +24923,7 @@
         <p:spPr>
           <a:xfrm>
             <a:off x="3168000" y="4968000"/>
-            <a:ext cx="1579680" cy="355680"/>
+            <a:ext cx="1579320" cy="355320"/>
           </a:xfrm>
           <a:prstGeom prst="rect">
             <a:avLst/>
@@ -18445,7 +24974,7 @@
         <p:spPr>
           <a:xfrm>
             <a:off x="504000" y="4968000"/>
-            <a:ext cx="1435680" cy="355680"/>
+            <a:ext cx="1435320" cy="355320"/>
           </a:xfrm>
           <a:prstGeom prst="rect">
             <a:avLst/>
@@ -18526,7 +25055,7 @@
         <p:spPr>
           <a:xfrm>
             <a:off x="1872000" y="1008000"/>
-            <a:ext cx="2084040" cy="788040"/>
+            <a:ext cx="2083680" cy="787680"/>
           </a:xfrm>
           <a:prstGeom prst="rect">
             <a:avLst/>
@@ -18556,7 +25085,7 @@
         <p:spPr>
           <a:xfrm>
             <a:off x="5328000" y="756000"/>
-            <a:ext cx="1652040" cy="1220040"/>
+            <a:ext cx="1651680" cy="1219680"/>
           </a:xfrm>
           <a:custGeom>
             <a:avLst/>
@@ -18609,7 +25138,7 @@
         <p:spPr>
           <a:xfrm>
             <a:off x="1872360" y="3672360"/>
-            <a:ext cx="2084040" cy="788040"/>
+            <a:ext cx="2083680" cy="787680"/>
           </a:xfrm>
           <a:prstGeom prst="rect">
             <a:avLst/>
@@ -18639,7 +25168,7 @@
         <p:spPr>
           <a:xfrm>
             <a:off x="5328360" y="3420360"/>
-            <a:ext cx="1652040" cy="1220040"/>
+            <a:ext cx="1651680" cy="1219680"/>
           </a:xfrm>
           <a:custGeom>
             <a:avLst/>
@@ -18747,7 +25276,7 @@
         <p:spPr>
           <a:xfrm>
             <a:off x="1188000" y="2304000"/>
-            <a:ext cx="6908040" cy="342360"/>
+            <a:ext cx="6907680" cy="342000"/>
           </a:xfrm>
           <a:prstGeom prst="rect">
             <a:avLst/>
@@ -18798,7 +25327,7 @@
         <p:spPr>
           <a:xfrm>
             <a:off x="1080000" y="4788000"/>
-            <a:ext cx="7160040" cy="598320"/>
+            <a:ext cx="7159680" cy="597960"/>
           </a:xfrm>
           <a:prstGeom prst="rect">
             <a:avLst/>
@@ -18879,7 +25408,7 @@
         <p:spPr>
           <a:xfrm>
             <a:off x="1908000" y="2232000"/>
-            <a:ext cx="1435320" cy="787320"/>
+            <a:ext cx="1434960" cy="786960"/>
           </a:xfrm>
           <a:prstGeom prst="rect">
             <a:avLst/>
@@ -18934,7 +25463,7 @@
         <p:spPr>
           <a:xfrm>
             <a:off x="6084000" y="2232000"/>
-            <a:ext cx="1435320" cy="787320"/>
+            <a:ext cx="1434960" cy="786960"/>
           </a:xfrm>
           <a:prstGeom prst="rect">
             <a:avLst/>
@@ -18989,7 +25518,7 @@
         <p:spPr>
           <a:xfrm>
             <a:off x="4032000" y="1944000"/>
-            <a:ext cx="1435320" cy="1363320"/>
+            <a:ext cx="1434960" cy="1362960"/>
           </a:xfrm>
           <a:custGeom>
             <a:avLst/>
@@ -19196,7 +25725,7 @@
         <p:spPr>
           <a:xfrm>
             <a:off x="2592000" y="3636000"/>
-            <a:ext cx="7124040" cy="598320"/>
+            <a:ext cx="7123680" cy="597960"/>
           </a:xfrm>
           <a:prstGeom prst="rect">
             <a:avLst/>
@@ -19297,7 +25826,7 @@
         <p:spPr>
           <a:xfrm>
             <a:off x="5934960" y="2130480"/>
-            <a:ext cx="1693800" cy="1004760"/>
+            <a:ext cx="1693440" cy="1004400"/>
           </a:xfrm>
           <a:prstGeom prst="rect">
             <a:avLst/>
@@ -19327,7 +25856,7 @@
         <p:spPr>
           <a:xfrm>
             <a:off x="1908000" y="2232000"/>
-            <a:ext cx="1435320" cy="787320"/>
+            <a:ext cx="1434960" cy="786960"/>
           </a:xfrm>
           <a:prstGeom prst="rect">
             <a:avLst/>
@@ -19382,7 +25911,7 @@
         <p:spPr>
           <a:xfrm>
             <a:off x="6084000" y="2232000"/>
-            <a:ext cx="1435320" cy="787320"/>
+            <a:ext cx="1434960" cy="786960"/>
           </a:xfrm>
           <a:prstGeom prst="rect">
             <a:avLst/>
@@ -19437,7 +25966,7 @@
         <p:spPr>
           <a:xfrm>
             <a:off x="4032000" y="1944000"/>
-            <a:ext cx="1435320" cy="1363320"/>
+            <a:ext cx="1434960" cy="1362960"/>
           </a:xfrm>
           <a:custGeom>
             <a:avLst/>
@@ -19596,7 +26125,7 @@
         <p:spPr>
           <a:xfrm>
             <a:off x="1764000" y="3564000"/>
-            <a:ext cx="7124040" cy="598320"/>
+            <a:ext cx="7123680" cy="597960"/>
           </a:xfrm>
           <a:prstGeom prst="rect">
             <a:avLst/>
@@ -19704,7 +26233,7 @@
         <p:spPr>
           <a:xfrm>
             <a:off x="1945800" y="3636000"/>
-            <a:ext cx="1435320" cy="787320"/>
+            <a:ext cx="1434960" cy="786960"/>
           </a:xfrm>
           <a:prstGeom prst="rect">
             <a:avLst/>
@@ -19779,7 +26308,7 @@
         <p:spPr>
           <a:xfrm>
             <a:off x="6300000" y="3673800"/>
-            <a:ext cx="1435320" cy="787320"/>
+            <a:ext cx="1434960" cy="786960"/>
           </a:xfrm>
           <a:prstGeom prst="rect">
             <a:avLst/>
@@ -19908,7 +26437,7 @@
         <p:spPr>
           <a:xfrm>
             <a:off x="1764000" y="4860000"/>
-            <a:ext cx="7124040" cy="598320"/>
+            <a:ext cx="7123680" cy="597960"/>
           </a:xfrm>
           <a:prstGeom prst="rect">
             <a:avLst/>
@@ -19934,7 +26463,7 @@
         <p:spPr>
           <a:xfrm>
             <a:off x="4140000" y="1080000"/>
-            <a:ext cx="1435320" cy="787320"/>
+            <a:ext cx="1434960" cy="786960"/>
           </a:xfrm>
           <a:prstGeom prst="rect">
             <a:avLst/>
@@ -19989,7 +26518,7 @@
         <p:spPr>
           <a:xfrm>
             <a:off x="4392000" y="2267640"/>
-            <a:ext cx="933120" cy="1005120"/>
+            <a:ext cx="932760" cy="1004760"/>
           </a:xfrm>
           <a:custGeom>
             <a:avLst/>
@@ -20038,7 +26567,7 @@
         <p:spPr>
           <a:xfrm>
             <a:off x="4572000" y="2304000"/>
-            <a:ext cx="645120" cy="343440"/>
+            <a:ext cx="644760" cy="343080"/>
           </a:xfrm>
           <a:prstGeom prst="rect">
             <a:avLst/>
@@ -20170,7 +26699,7 @@
         <p:spPr>
           <a:xfrm>
             <a:off x="2592000" y="432000"/>
-            <a:ext cx="1149120" cy="501120"/>
+            <a:ext cx="1148760" cy="500760"/>
           </a:xfrm>
           <a:prstGeom prst="ellipse">
             <a:avLst/>
@@ -20225,7 +26754,7 @@
         <p:spPr>
           <a:xfrm>
             <a:off x="4104360" y="360360"/>
-            <a:ext cx="1149120" cy="501120"/>
+            <a:ext cx="1148760" cy="500760"/>
           </a:xfrm>
           <a:prstGeom prst="ellipse">
             <a:avLst/>
@@ -20280,7 +26809,7 @@
         <p:spPr>
           <a:xfrm>
             <a:off x="5652720" y="432720"/>
-            <a:ext cx="1149120" cy="501120"/>
+            <a:ext cx="1148760" cy="500760"/>
           </a:xfrm>
           <a:prstGeom prst="ellipse">
             <a:avLst/>
@@ -20335,7 +26864,7 @@
         <p:spPr>
           <a:xfrm>
             <a:off x="3813480" y="4321080"/>
-            <a:ext cx="1149120" cy="501120"/>
+            <a:ext cx="1148760" cy="500760"/>
           </a:xfrm>
           <a:prstGeom prst="ellipse">
             <a:avLst/>
@@ -20390,7 +26919,7 @@
         <p:spPr>
           <a:xfrm>
             <a:off x="2193840" y="4717440"/>
-            <a:ext cx="1149120" cy="501120"/>
+            <a:ext cx="1148760" cy="500760"/>
           </a:xfrm>
           <a:prstGeom prst="ellipse">
             <a:avLst/>
@@ -20445,7 +26974,7 @@
         <p:spPr>
           <a:xfrm>
             <a:off x="682200" y="4501800"/>
-            <a:ext cx="1149120" cy="501120"/>
+            <a:ext cx="1148760" cy="500760"/>
           </a:xfrm>
           <a:prstGeom prst="ellipse">
             <a:avLst/>
@@ -20500,7 +27029,7 @@
         <p:spPr>
           <a:xfrm>
             <a:off x="5434560" y="4574160"/>
-            <a:ext cx="1149120" cy="501120"/>
+            <a:ext cx="1148760" cy="500760"/>
           </a:xfrm>
           <a:prstGeom prst="ellipse">
             <a:avLst/>
@@ -20555,7 +27084,7 @@
         <p:spPr>
           <a:xfrm>
             <a:off x="7634160" y="4574520"/>
-            <a:ext cx="1149120" cy="501120"/>
+            <a:ext cx="1148760" cy="500760"/>
           </a:xfrm>
           <a:prstGeom prst="ellipse">
             <a:avLst/>
@@ -20610,7 +27139,7 @@
         <p:spPr>
           <a:xfrm>
             <a:off x="686520" y="3098880"/>
-            <a:ext cx="1149120" cy="501120"/>
+            <a:ext cx="1148760" cy="500760"/>
           </a:xfrm>
           <a:prstGeom prst="ellipse">
             <a:avLst/>
@@ -20938,7 +27467,7 @@
         <p:spPr>
           <a:xfrm>
             <a:off x="432000" y="72000"/>
-            <a:ext cx="9069120" cy="2517120"/>
+            <a:ext cx="9068760" cy="2516760"/>
           </a:xfrm>
           <a:prstGeom prst="rect">
             <a:avLst/>
@@ -20968,7 +27497,7 @@
         <p:spPr>
           <a:xfrm>
             <a:off x="2016000" y="1188000"/>
-            <a:ext cx="1435320" cy="787320"/>
+            <a:ext cx="1434960" cy="786960"/>
           </a:xfrm>
           <a:prstGeom prst="rect">
             <a:avLst/>
@@ -21023,7 +27552,7 @@
         <p:spPr>
           <a:xfrm>
             <a:off x="6192000" y="1188000"/>
-            <a:ext cx="1435320" cy="787320"/>
+            <a:ext cx="1434960" cy="786960"/>
           </a:xfrm>
           <a:prstGeom prst="rect">
             <a:avLst/>
@@ -21078,7 +27607,7 @@
         <p:spPr>
           <a:xfrm>
             <a:off x="4140000" y="900000"/>
-            <a:ext cx="1435320" cy="1363320"/>
+            <a:ext cx="1434960" cy="1362960"/>
           </a:xfrm>
           <a:custGeom>
             <a:avLst/>
@@ -21237,7 +27766,7 @@
         <p:spPr>
           <a:xfrm>
             <a:off x="-36000" y="3384000"/>
-            <a:ext cx="2625120" cy="598320"/>
+            <a:ext cx="2624760" cy="597960"/>
           </a:xfrm>
           <a:prstGeom prst="rect">
             <a:avLst/>
@@ -21315,7 +27844,7 @@
         <p:spPr>
           <a:xfrm>
             <a:off x="5868360" y="180360"/>
-            <a:ext cx="1149120" cy="501120"/>
+            <a:ext cx="1148760" cy="500760"/>
           </a:xfrm>
           <a:prstGeom prst="ellipse">
             <a:avLst/>
@@ -21370,7 +27899,7 @@
         <p:spPr>
           <a:xfrm>
             <a:off x="7344720" y="216720"/>
-            <a:ext cx="1149120" cy="501120"/>
+            <a:ext cx="1148760" cy="500760"/>
           </a:xfrm>
           <a:prstGeom prst="ellipse">
             <a:avLst/>
@@ -21425,7 +27954,7 @@
         <p:spPr>
           <a:xfrm>
             <a:off x="7921080" y="937080"/>
-            <a:ext cx="1149120" cy="501120"/>
+            <a:ext cx="1148760" cy="500760"/>
           </a:xfrm>
           <a:prstGeom prst="ellipse">
             <a:avLst/>
@@ -21480,7 +28009,7 @@
         <p:spPr>
           <a:xfrm>
             <a:off x="7921440" y="1693440"/>
-            <a:ext cx="1149120" cy="501120"/>
+            <a:ext cx="1148760" cy="500760"/>
           </a:xfrm>
           <a:prstGeom prst="ellipse">
             <a:avLst/>
@@ -21535,7 +28064,7 @@
         <p:spPr>
           <a:xfrm>
             <a:off x="7921440" y="937440"/>
-            <a:ext cx="1149120" cy="501120"/>
+            <a:ext cx="1148760" cy="500760"/>
           </a:xfrm>
           <a:prstGeom prst="ellipse">
             <a:avLst/>
@@ -21590,7 +28119,7 @@
         <p:spPr>
           <a:xfrm>
             <a:off x="2089440" y="433440"/>
-            <a:ext cx="1149120" cy="501120"/>
+            <a:ext cx="1148760" cy="500760"/>
           </a:xfrm>
           <a:prstGeom prst="ellipse">
             <a:avLst/>
@@ -21645,7 +28174,7 @@
         <p:spPr>
           <a:xfrm>
             <a:off x="649800" y="541800"/>
-            <a:ext cx="1149120" cy="501120"/>
+            <a:ext cx="1148760" cy="500760"/>
           </a:xfrm>
           <a:prstGeom prst="ellipse">
             <a:avLst/>
@@ -21700,7 +28229,7 @@
         <p:spPr>
           <a:xfrm>
             <a:off x="4320000" y="3168000"/>
-            <a:ext cx="1039320" cy="789120"/>
+            <a:ext cx="1038960" cy="788760"/>
           </a:xfrm>
           <a:custGeom>
             <a:avLst/>
@@ -21778,7 +28307,7 @@
         <p:spPr>
           <a:xfrm>
             <a:off x="4176000" y="4428000"/>
-            <a:ext cx="1435320" cy="787320"/>
+            <a:ext cx="1434960" cy="786960"/>
           </a:xfrm>
           <a:prstGeom prst="rect">
             <a:avLst/>
@@ -21914,7 +28443,7 @@
         <p:spPr>
           <a:xfrm>
             <a:off x="5870160" y="3782160"/>
-            <a:ext cx="1149120" cy="501120"/>
+            <a:ext cx="1148760" cy="500760"/>
           </a:xfrm>
           <a:prstGeom prst="ellipse">
             <a:avLst/>
@@ -21969,7 +28498,7 @@
         <p:spPr>
           <a:xfrm>
             <a:off x="7380000" y="3115440"/>
-            <a:ext cx="2625120" cy="598320"/>
+            <a:ext cx="2624760" cy="597960"/>
           </a:xfrm>
           <a:prstGeom prst="rect">
             <a:avLst/>

--- a/GATE/images/gate_images.pptx
+++ b/GATE/images/gate_images.pptx
@@ -1670,7 +1670,7 @@
         <p:spPr>
           <a:xfrm>
             <a:off x="1836000" y="1332000"/>
-            <a:ext cx="2370240" cy="786240"/>
+            <a:ext cx="2369880" cy="785880"/>
           </a:xfrm>
           <a:prstGeom prst="rect">
             <a:avLst/>
@@ -1725,7 +1725,7 @@
         <p:spPr>
           <a:xfrm>
             <a:off x="1836000" y="2880000"/>
-            <a:ext cx="2370240" cy="786240"/>
+            <a:ext cx="2369880" cy="785880"/>
           </a:xfrm>
           <a:prstGeom prst="rect">
             <a:avLst/>
@@ -1790,7 +1790,7 @@
         <p:spPr>
           <a:xfrm>
             <a:off x="1836000" y="4176000"/>
-            <a:ext cx="2370240" cy="786240"/>
+            <a:ext cx="2369880" cy="785880"/>
           </a:xfrm>
           <a:prstGeom prst="rect">
             <a:avLst/>
@@ -1865,7 +1865,7 @@
         <p:spPr>
           <a:xfrm>
             <a:off x="5292000" y="900000"/>
-            <a:ext cx="2370240" cy="1506240"/>
+            <a:ext cx="2369880" cy="1505880"/>
           </a:xfrm>
           <a:prstGeom prst="rect">
             <a:avLst/>
@@ -2000,7 +2000,7 @@
         <p:spPr>
           <a:xfrm>
             <a:off x="5292000" y="2571480"/>
-            <a:ext cx="2370240" cy="1274760"/>
+            <a:ext cx="2369880" cy="1274400"/>
           </a:xfrm>
           <a:prstGeom prst="rect">
             <a:avLst/>
@@ -2115,7 +2115,7 @@
         <p:spPr>
           <a:xfrm>
             <a:off x="5292000" y="4047480"/>
-            <a:ext cx="2370240" cy="1022760"/>
+            <a:ext cx="2369880" cy="1022400"/>
           </a:xfrm>
           <a:prstGeom prst="rect">
             <a:avLst/>
@@ -2294,7 +2294,7 @@
         <p:spPr>
           <a:xfrm>
             <a:off x="2988000" y="360000"/>
-            <a:ext cx="4386240" cy="340560"/>
+            <a:ext cx="4385880" cy="340200"/>
           </a:xfrm>
           <a:prstGeom prst="rect">
             <a:avLst/>
@@ -2375,7 +2375,7 @@
         <p:spPr>
           <a:xfrm>
             <a:off x="1440000" y="720000"/>
-            <a:ext cx="6764400" cy="1796400"/>
+            <a:ext cx="6764040" cy="1796040"/>
           </a:xfrm>
           <a:prstGeom prst="rect">
             <a:avLst/>
@@ -2405,7 +2405,7 @@
         <p:spPr>
           <a:xfrm>
             <a:off x="2016000" y="1188000"/>
-            <a:ext cx="1434600" cy="786600"/>
+            <a:ext cx="1434240" cy="786240"/>
           </a:xfrm>
           <a:prstGeom prst="rect">
             <a:avLst/>
@@ -2460,7 +2460,7 @@
         <p:spPr>
           <a:xfrm>
             <a:off x="6192000" y="1188000"/>
-            <a:ext cx="1434600" cy="786600"/>
+            <a:ext cx="1434240" cy="786240"/>
           </a:xfrm>
           <a:prstGeom prst="rect">
             <a:avLst/>
@@ -2515,7 +2515,7 @@
         <p:spPr>
           <a:xfrm>
             <a:off x="4140000" y="900000"/>
-            <a:ext cx="1434600" cy="1362600"/>
+            <a:ext cx="1434240" cy="1362240"/>
           </a:xfrm>
           <a:custGeom>
             <a:avLst/>
@@ -2701,7 +2701,7 @@
         <p:spPr>
           <a:xfrm>
             <a:off x="4320000" y="3168000"/>
-            <a:ext cx="1038600" cy="788400"/>
+            <a:ext cx="1038240" cy="788040"/>
           </a:xfrm>
           <a:custGeom>
             <a:avLst/>
@@ -2779,7 +2779,7 @@
         <p:spPr>
           <a:xfrm>
             <a:off x="4176000" y="4428000"/>
-            <a:ext cx="1434600" cy="786600"/>
+            <a:ext cx="1434240" cy="786240"/>
           </a:xfrm>
           <a:prstGeom prst="rect">
             <a:avLst/>
@@ -2861,7 +2861,7 @@
         <p:spPr>
           <a:xfrm>
             <a:off x="5870160" y="3314160"/>
-            <a:ext cx="1148400" cy="500400"/>
+            <a:ext cx="1148040" cy="500040"/>
           </a:xfrm>
           <a:prstGeom prst="ellipse">
             <a:avLst/>
@@ -3000,7 +3000,7 @@
         <p:spPr>
           <a:xfrm>
             <a:off x="1944000" y="900000"/>
-            <a:ext cx="1434600" cy="786600"/>
+            <a:ext cx="1434240" cy="786240"/>
           </a:xfrm>
           <a:prstGeom prst="rect">
             <a:avLst/>
@@ -3055,7 +3055,7 @@
         <p:spPr>
           <a:xfrm>
             <a:off x="6120000" y="900000"/>
-            <a:ext cx="1434600" cy="786600"/>
+            <a:ext cx="1434240" cy="786240"/>
           </a:xfrm>
           <a:prstGeom prst="rect">
             <a:avLst/>
@@ -3110,7 +3110,7 @@
         <p:spPr>
           <a:xfrm>
             <a:off x="4068000" y="612000"/>
-            <a:ext cx="1434600" cy="1362600"/>
+            <a:ext cx="1434240" cy="1362240"/>
           </a:xfrm>
           <a:custGeom>
             <a:avLst/>
@@ -3289,7 +3289,7 @@
         <p:spPr>
           <a:xfrm>
             <a:off x="2592000" y="5904000"/>
-            <a:ext cx="7123320" cy="597600"/>
+            <a:ext cx="7122960" cy="597240"/>
           </a:xfrm>
           <a:prstGeom prst="rect">
             <a:avLst/>
@@ -3360,7 +3360,7 @@
         <p:spPr>
           <a:xfrm>
             <a:off x="360000" y="216360"/>
-            <a:ext cx="1148400" cy="500400"/>
+            <a:ext cx="1148040" cy="500040"/>
           </a:xfrm>
           <a:prstGeom prst="ellipse">
             <a:avLst/>
@@ -3415,7 +3415,7 @@
         <p:spPr>
           <a:xfrm>
             <a:off x="1727640" y="216360"/>
-            <a:ext cx="1148400" cy="500400"/>
+            <a:ext cx="1148040" cy="500040"/>
           </a:xfrm>
           <a:prstGeom prst="ellipse">
             <a:avLst/>
@@ -3470,7 +3470,7 @@
         <p:spPr>
           <a:xfrm>
             <a:off x="359280" y="1008360"/>
-            <a:ext cx="1148400" cy="500400"/>
+            <a:ext cx="1148040" cy="500040"/>
           </a:xfrm>
           <a:prstGeom prst="ellipse">
             <a:avLst/>
@@ -3525,7 +3525,7 @@
         <p:spPr>
           <a:xfrm>
             <a:off x="358920" y="1800360"/>
-            <a:ext cx="1148400" cy="500400"/>
+            <a:ext cx="1148040" cy="500040"/>
           </a:xfrm>
           <a:prstGeom prst="ellipse">
             <a:avLst/>
@@ -3580,7 +3580,7 @@
         <p:spPr>
           <a:xfrm>
             <a:off x="1906560" y="1836360"/>
-            <a:ext cx="1148400" cy="500400"/>
+            <a:ext cx="1148040" cy="500040"/>
           </a:xfrm>
           <a:prstGeom prst="ellipse">
             <a:avLst/>
@@ -3635,7 +3635,7 @@
         <p:spPr>
           <a:xfrm>
             <a:off x="4211280" y="360"/>
-            <a:ext cx="1148400" cy="500400"/>
+            <a:ext cx="1148040" cy="500040"/>
           </a:xfrm>
           <a:prstGeom prst="ellipse">
             <a:avLst/>
@@ -3690,7 +3690,7 @@
         <p:spPr>
           <a:xfrm>
             <a:off x="6226920" y="360"/>
-            <a:ext cx="1148400" cy="500400"/>
+            <a:ext cx="1148040" cy="500040"/>
           </a:xfrm>
           <a:prstGeom prst="ellipse">
             <a:avLst/>
@@ -3745,7 +3745,7 @@
         <p:spPr>
           <a:xfrm>
             <a:off x="4210920" y="360"/>
-            <a:ext cx="1148400" cy="500400"/>
+            <a:ext cx="1148040" cy="500040"/>
           </a:xfrm>
           <a:prstGeom prst="ellipse">
             <a:avLst/>
@@ -3800,7 +3800,7 @@
         <p:spPr>
           <a:xfrm>
             <a:off x="7738920" y="252360"/>
-            <a:ext cx="1148400" cy="500400"/>
+            <a:ext cx="1148040" cy="500040"/>
           </a:xfrm>
           <a:prstGeom prst="ellipse">
             <a:avLst/>
@@ -3855,7 +3855,7 @@
         <p:spPr>
           <a:xfrm>
             <a:off x="7810920" y="936360"/>
-            <a:ext cx="1148400" cy="500400"/>
+            <a:ext cx="1148040" cy="500040"/>
           </a:xfrm>
           <a:prstGeom prst="ellipse">
             <a:avLst/>
@@ -5391,7 +5391,7 @@
         <p:spPr>
           <a:xfrm>
             <a:off x="576000" y="4320000"/>
-            <a:ext cx="2444760" cy="343080"/>
+            <a:ext cx="2444400" cy="342720"/>
           </a:xfrm>
           <a:prstGeom prst="rect">
             <a:avLst/>
@@ -5442,7 +5442,7 @@
         <p:spPr>
           <a:xfrm>
             <a:off x="7092000" y="3672000"/>
-            <a:ext cx="2444760" cy="343080"/>
+            <a:ext cx="2444400" cy="342720"/>
           </a:xfrm>
           <a:prstGeom prst="rect">
             <a:avLst/>
@@ -5493,7 +5493,7 @@
         <p:spPr>
           <a:xfrm>
             <a:off x="3744000" y="5328000"/>
-            <a:ext cx="2444760" cy="343080"/>
+            <a:ext cx="2444400" cy="342720"/>
           </a:xfrm>
           <a:prstGeom prst="rect">
             <a:avLst/>
@@ -5574,7 +5574,7 @@
         <p:spPr>
           <a:xfrm>
             <a:off x="5934960" y="1050480"/>
-            <a:ext cx="1693080" cy="1004040"/>
+            <a:ext cx="1692720" cy="1003680"/>
           </a:xfrm>
           <a:prstGeom prst="rect">
             <a:avLst/>
@@ -5604,7 +5604,7 @@
         <p:spPr>
           <a:xfrm>
             <a:off x="1908000" y="1152000"/>
-            <a:ext cx="1434600" cy="786600"/>
+            <a:ext cx="1434240" cy="786240"/>
           </a:xfrm>
           <a:prstGeom prst="rect">
             <a:avLst/>
@@ -5659,7 +5659,7 @@
         <p:spPr>
           <a:xfrm>
             <a:off x="6084000" y="1152000"/>
-            <a:ext cx="1434600" cy="786600"/>
+            <a:ext cx="1434240" cy="786240"/>
           </a:xfrm>
           <a:prstGeom prst="rect">
             <a:avLst/>
@@ -5714,7 +5714,7 @@
         <p:spPr>
           <a:xfrm>
             <a:off x="4032000" y="864000"/>
-            <a:ext cx="1434600" cy="1362600"/>
+            <a:ext cx="1434240" cy="1362240"/>
           </a:xfrm>
           <a:custGeom>
             <a:avLst/>
@@ -5846,7 +5846,7 @@
         <p:spPr>
           <a:xfrm>
             <a:off x="1548000" y="576000"/>
-            <a:ext cx="2120760" cy="464760"/>
+            <a:ext cx="2120400" cy="464400"/>
           </a:xfrm>
           <a:prstGeom prst="rect">
             <a:avLst/>
@@ -5952,7 +5952,7 @@
         <p:spPr>
           <a:xfrm>
             <a:off x="5760000" y="576000"/>
-            <a:ext cx="2120760" cy="464760"/>
+            <a:ext cx="2120400" cy="464400"/>
           </a:xfrm>
           <a:prstGeom prst="rect">
             <a:avLst/>
@@ -6003,7 +6003,7 @@
         <p:spPr>
           <a:xfrm>
             <a:off x="216000" y="2376000"/>
-            <a:ext cx="2120760" cy="2588760"/>
+            <a:ext cx="2120400" cy="2588400"/>
           </a:xfrm>
           <a:prstGeom prst="rect">
             <a:avLst/>
@@ -6712,7 +6712,7 @@
         <p:spPr>
           <a:xfrm>
             <a:off x="1945800" y="3636000"/>
-            <a:ext cx="1434600" cy="786600"/>
+            <a:ext cx="1434240" cy="786240"/>
           </a:xfrm>
           <a:prstGeom prst="rect">
             <a:avLst/>
@@ -6787,7 +6787,7 @@
         <p:spPr>
           <a:xfrm>
             <a:off x="6300000" y="3673800"/>
-            <a:ext cx="1434600" cy="786600"/>
+            <a:ext cx="1434240" cy="786240"/>
           </a:xfrm>
           <a:prstGeom prst="rect">
             <a:avLst/>
@@ -6916,7 +6916,7 @@
         <p:spPr>
           <a:xfrm>
             <a:off x="1764000" y="4860000"/>
-            <a:ext cx="7123320" cy="597600"/>
+            <a:ext cx="7122960" cy="597240"/>
           </a:xfrm>
           <a:prstGeom prst="rect">
             <a:avLst/>
@@ -6942,7 +6942,7 @@
         <p:spPr>
           <a:xfrm>
             <a:off x="4140000" y="1080000"/>
-            <a:ext cx="1434600" cy="786600"/>
+            <a:ext cx="1434240" cy="786240"/>
           </a:xfrm>
           <a:prstGeom prst="rect">
             <a:avLst/>
@@ -6997,7 +6997,7 @@
         <p:spPr>
           <a:xfrm>
             <a:off x="4392000" y="2267640"/>
-            <a:ext cx="932400" cy="1004400"/>
+            <a:ext cx="932040" cy="1004040"/>
           </a:xfrm>
           <a:custGeom>
             <a:avLst/>
@@ -7046,7 +7046,7 @@
         <p:spPr>
           <a:xfrm>
             <a:off x="4572000" y="2304000"/>
-            <a:ext cx="644400" cy="342720"/>
+            <a:ext cx="644040" cy="342360"/>
           </a:xfrm>
           <a:prstGeom prst="rect">
             <a:avLst/>
@@ -7178,7 +7178,7 @@
         <p:spPr>
           <a:xfrm>
             <a:off x="2592000" y="432000"/>
-            <a:ext cx="1148400" cy="500400"/>
+            <a:ext cx="1148040" cy="500040"/>
           </a:xfrm>
           <a:prstGeom prst="ellipse">
             <a:avLst/>
@@ -7233,7 +7233,7 @@
         <p:spPr>
           <a:xfrm>
             <a:off x="4104360" y="360360"/>
-            <a:ext cx="1148400" cy="500400"/>
+            <a:ext cx="1148040" cy="500040"/>
           </a:xfrm>
           <a:prstGeom prst="ellipse">
             <a:avLst/>
@@ -7288,7 +7288,7 @@
         <p:spPr>
           <a:xfrm>
             <a:off x="5652720" y="432720"/>
-            <a:ext cx="1148400" cy="500400"/>
+            <a:ext cx="1148040" cy="500040"/>
           </a:xfrm>
           <a:prstGeom prst="ellipse">
             <a:avLst/>
@@ -7343,7 +7343,7 @@
         <p:spPr>
           <a:xfrm>
             <a:off x="3813480" y="4321080"/>
-            <a:ext cx="1148400" cy="500400"/>
+            <a:ext cx="1148040" cy="500040"/>
           </a:xfrm>
           <a:prstGeom prst="ellipse">
             <a:avLst/>
@@ -7398,7 +7398,7 @@
         <p:spPr>
           <a:xfrm>
             <a:off x="2193840" y="4717440"/>
-            <a:ext cx="1148400" cy="500400"/>
+            <a:ext cx="1148040" cy="500040"/>
           </a:xfrm>
           <a:prstGeom prst="ellipse">
             <a:avLst/>
@@ -7453,7 +7453,7 @@
         <p:spPr>
           <a:xfrm>
             <a:off x="682200" y="4501800"/>
-            <a:ext cx="1148400" cy="500400"/>
+            <a:ext cx="1148040" cy="500040"/>
           </a:xfrm>
           <a:prstGeom prst="ellipse">
             <a:avLst/>
@@ -7508,7 +7508,7 @@
         <p:spPr>
           <a:xfrm>
             <a:off x="5434560" y="4574160"/>
-            <a:ext cx="1148400" cy="500400"/>
+            <a:ext cx="1148040" cy="500040"/>
           </a:xfrm>
           <a:prstGeom prst="ellipse">
             <a:avLst/>
@@ -7563,7 +7563,7 @@
         <p:spPr>
           <a:xfrm>
             <a:off x="7634160" y="4574520"/>
-            <a:ext cx="1148400" cy="500400"/>
+            <a:ext cx="1148040" cy="500040"/>
           </a:xfrm>
           <a:prstGeom prst="ellipse">
             <a:avLst/>
@@ -7618,7 +7618,7 @@
         <p:spPr>
           <a:xfrm>
             <a:off x="686520" y="3098880"/>
-            <a:ext cx="1148400" cy="500400"/>
+            <a:ext cx="1148040" cy="500040"/>
           </a:xfrm>
           <a:prstGeom prst="ellipse">
             <a:avLst/>
@@ -7916,7 +7916,7 @@
         <p:spPr>
           <a:xfrm>
             <a:off x="216000" y="288000"/>
-            <a:ext cx="2372760" cy="2300760"/>
+            <a:ext cx="2372400" cy="2300400"/>
           </a:xfrm>
           <a:prstGeom prst="rect">
             <a:avLst/>
@@ -8037,7 +8037,7 @@
         <p:spPr>
           <a:xfrm>
             <a:off x="1908000" y="936000"/>
-            <a:ext cx="1434600" cy="786600"/>
+            <a:ext cx="1434240" cy="786240"/>
           </a:xfrm>
           <a:prstGeom prst="rect">
             <a:avLst/>
@@ -8092,7 +8092,7 @@
         <p:spPr>
           <a:xfrm>
             <a:off x="6084000" y="936000"/>
-            <a:ext cx="1434600" cy="786600"/>
+            <a:ext cx="1434240" cy="786240"/>
           </a:xfrm>
           <a:prstGeom prst="rect">
             <a:avLst/>
@@ -8147,7 +8147,7 @@
         <p:spPr>
           <a:xfrm>
             <a:off x="4934160" y="4392000"/>
-            <a:ext cx="1434600" cy="786600"/>
+            <a:ext cx="1434240" cy="786240"/>
           </a:xfrm>
           <a:prstGeom prst="rect">
             <a:avLst/>
@@ -8202,7 +8202,7 @@
         <p:spPr>
           <a:xfrm>
             <a:off x="4032000" y="648000"/>
-            <a:ext cx="1434600" cy="1362600"/>
+            <a:ext cx="1434240" cy="1362240"/>
           </a:xfrm>
           <a:custGeom>
             <a:avLst/>
@@ -8300,7 +8300,7 @@
         <p:spPr>
           <a:xfrm>
             <a:off x="1908000" y="3204360"/>
-            <a:ext cx="1434600" cy="1362600"/>
+            <a:ext cx="1434240" cy="1362240"/>
           </a:xfrm>
           <a:custGeom>
             <a:avLst/>
@@ -8452,7 +8452,7 @@
         <p:spPr>
           <a:xfrm>
             <a:off x="4140000" y="2234160"/>
-            <a:ext cx="1148760" cy="570600"/>
+            <a:ext cx="1148400" cy="570240"/>
           </a:xfrm>
           <a:prstGeom prst="ellipse">
             <a:avLst/>
@@ -8507,7 +8507,7 @@
         <p:spPr>
           <a:xfrm>
             <a:off x="3708360" y="3636360"/>
-            <a:ext cx="1076400" cy="570600"/>
+            <a:ext cx="1076040" cy="570240"/>
           </a:xfrm>
           <a:prstGeom prst="ellipse">
             <a:avLst/>
@@ -8616,7 +8616,7 @@
         <p:spPr>
           <a:xfrm>
             <a:off x="504000" y="396000"/>
-            <a:ext cx="1148760" cy="570600"/>
+            <a:ext cx="1148400" cy="570240"/>
           </a:xfrm>
           <a:prstGeom prst="ellipse">
             <a:avLst/>
@@ -8671,7 +8671,7 @@
         <p:spPr>
           <a:xfrm>
             <a:off x="1944000" y="180000"/>
-            <a:ext cx="1148760" cy="570600"/>
+            <a:ext cx="1148400" cy="570240"/>
           </a:xfrm>
           <a:prstGeom prst="ellipse">
             <a:avLst/>
@@ -8726,7 +8726,7 @@
         <p:spPr>
           <a:xfrm>
             <a:off x="288000" y="1152000"/>
-            <a:ext cx="1148760" cy="570600"/>
+            <a:ext cx="1148400" cy="570240"/>
           </a:xfrm>
           <a:prstGeom prst="ellipse">
             <a:avLst/>
@@ -8781,7 +8781,7 @@
         <p:spPr>
           <a:xfrm>
             <a:off x="5940000" y="180000"/>
-            <a:ext cx="1148760" cy="570600"/>
+            <a:ext cx="1148400" cy="570240"/>
           </a:xfrm>
           <a:prstGeom prst="ellipse">
             <a:avLst/>
@@ -8836,7 +8836,7 @@
         <p:spPr>
           <a:xfrm>
             <a:off x="7560000" y="180000"/>
-            <a:ext cx="1148760" cy="570600"/>
+            <a:ext cx="1148400" cy="570240"/>
           </a:xfrm>
           <a:prstGeom prst="ellipse">
             <a:avLst/>
@@ -8891,7 +8891,7 @@
         <p:spPr>
           <a:xfrm>
             <a:off x="7992000" y="972000"/>
-            <a:ext cx="1148760" cy="570600"/>
+            <a:ext cx="1148400" cy="570240"/>
           </a:xfrm>
           <a:prstGeom prst="ellipse">
             <a:avLst/>
@@ -8973,7 +8973,7 @@
         <p:spPr>
           <a:xfrm>
             <a:off x="432000" y="3636360"/>
-            <a:ext cx="1076400" cy="570600"/>
+            <a:ext cx="1076040" cy="570240"/>
           </a:xfrm>
           <a:prstGeom prst="ellipse">
             <a:avLst/>
@@ -9028,7 +9028,7 @@
         <p:spPr>
           <a:xfrm>
             <a:off x="6803640" y="4068360"/>
-            <a:ext cx="1076400" cy="570600"/>
+            <a:ext cx="1076040" cy="570240"/>
           </a:xfrm>
           <a:prstGeom prst="ellipse">
             <a:avLst/>
@@ -9083,7 +9083,7 @@
         <p:spPr>
           <a:xfrm>
             <a:off x="6839280" y="4752360"/>
-            <a:ext cx="1076400" cy="570600"/>
+            <a:ext cx="1076040" cy="570240"/>
           </a:xfrm>
           <a:prstGeom prst="ellipse">
             <a:avLst/>
@@ -9493,7 +9493,7 @@
         <p:spPr>
           <a:xfrm>
             <a:off x="2556000" y="1152000"/>
-            <a:ext cx="4533120" cy="357120"/>
+            <a:ext cx="4532760" cy="356760"/>
           </a:xfrm>
           <a:prstGeom prst="rect">
             <a:avLst/>
@@ -10343,7 +10343,7 @@
         <p:spPr>
           <a:xfrm>
             <a:off x="3492000" y="3541680"/>
-            <a:ext cx="3022200" cy="344520"/>
+            <a:ext cx="3021840" cy="344160"/>
           </a:xfrm>
           <a:prstGeom prst="rect">
             <a:avLst/>
@@ -10394,7 +10394,7 @@
         <p:spPr>
           <a:xfrm>
             <a:off x="144000" y="3564000"/>
-            <a:ext cx="3022200" cy="344520"/>
+            <a:ext cx="3021840" cy="344160"/>
           </a:xfrm>
           <a:prstGeom prst="rect">
             <a:avLst/>
@@ -10445,7 +10445,7 @@
         <p:spPr>
           <a:xfrm>
             <a:off x="7308000" y="3528000"/>
-            <a:ext cx="3022200" cy="344520"/>
+            <a:ext cx="3021840" cy="344160"/>
           </a:xfrm>
           <a:prstGeom prst="rect">
             <a:avLst/>
@@ -10898,7 +10898,7 @@
         <p:spPr>
           <a:xfrm>
             <a:off x="3492000" y="3541680"/>
-            <a:ext cx="3022200" cy="344520"/>
+            <a:ext cx="3021840" cy="344160"/>
           </a:xfrm>
           <a:prstGeom prst="rect">
             <a:avLst/>
@@ -10949,7 +10949,7 @@
         <p:spPr>
           <a:xfrm>
             <a:off x="144000" y="3564000"/>
-            <a:ext cx="3022200" cy="344520"/>
+            <a:ext cx="3021840" cy="344160"/>
           </a:xfrm>
           <a:prstGeom prst="rect">
             <a:avLst/>
@@ -11000,7 +11000,7 @@
         <p:spPr>
           <a:xfrm>
             <a:off x="7308000" y="3528000"/>
-            <a:ext cx="3022200" cy="344520"/>
+            <a:ext cx="3021840" cy="344160"/>
           </a:xfrm>
           <a:prstGeom prst="rect">
             <a:avLst/>
@@ -12029,7 +12029,7 @@
         <p:spPr>
           <a:xfrm>
             <a:off x="3456000" y="1008000"/>
-            <a:ext cx="3238560" cy="344880"/>
+            <a:ext cx="3238200" cy="344520"/>
           </a:xfrm>
           <a:prstGeom prst="rect">
             <a:avLst/>
@@ -12080,7 +12080,7 @@
         <p:spPr>
           <a:xfrm>
             <a:off x="648000" y="1836000"/>
-            <a:ext cx="3238560" cy="344880"/>
+            <a:ext cx="3238200" cy="344520"/>
           </a:xfrm>
           <a:prstGeom prst="rect">
             <a:avLst/>
@@ -12131,7 +12131,7 @@
         <p:spPr>
           <a:xfrm>
             <a:off x="5436000" y="2160000"/>
-            <a:ext cx="3238560" cy="344880"/>
+            <a:ext cx="3238200" cy="344520"/>
           </a:xfrm>
           <a:prstGeom prst="rect">
             <a:avLst/>
@@ -12209,7 +12209,7 @@
         <p:spPr>
           <a:xfrm>
             <a:off x="8676000" y="2988000"/>
-            <a:ext cx="1042560" cy="754560"/>
+            <a:ext cx="1042200" cy="754200"/>
           </a:xfrm>
           <a:prstGeom prst="rect">
             <a:avLst/>
@@ -12347,7 +12347,7 @@
         <p:spPr>
           <a:xfrm>
             <a:off x="2448000" y="4464000"/>
-            <a:ext cx="5830560" cy="754560"/>
+            <a:ext cx="5830200" cy="754200"/>
           </a:xfrm>
           <a:prstGeom prst="rect">
             <a:avLst/>
@@ -14209,7 +14209,7 @@
         <p:spPr>
           <a:xfrm>
             <a:off x="1728000" y="1741680"/>
-            <a:ext cx="1150920" cy="345240"/>
+            <a:ext cx="1150560" cy="344880"/>
           </a:xfrm>
           <a:prstGeom prst="rect">
             <a:avLst/>
@@ -14260,7 +14260,7 @@
         <p:spPr>
           <a:xfrm>
             <a:off x="6480000" y="648000"/>
-            <a:ext cx="1690920" cy="345240"/>
+            <a:ext cx="1690560" cy="344880"/>
           </a:xfrm>
           <a:prstGeom prst="rect">
             <a:avLst/>
@@ -14341,7 +14341,7 @@
         <p:spPr>
           <a:xfrm>
             <a:off x="1908000" y="936000"/>
-            <a:ext cx="1434600" cy="786600"/>
+            <a:ext cx="1434240" cy="786240"/>
           </a:xfrm>
           <a:prstGeom prst="rect">
             <a:avLst/>
@@ -14396,7 +14396,7 @@
         <p:spPr>
           <a:xfrm>
             <a:off x="6084000" y="936000"/>
-            <a:ext cx="1434600" cy="786600"/>
+            <a:ext cx="1434240" cy="786240"/>
           </a:xfrm>
           <a:prstGeom prst="rect">
             <a:avLst/>
@@ -14451,7 +14451,7 @@
         <p:spPr>
           <a:xfrm>
             <a:off x="1908000" y="4068000"/>
-            <a:ext cx="1434600" cy="786600"/>
+            <a:ext cx="1434240" cy="786240"/>
           </a:xfrm>
           <a:prstGeom prst="rect">
             <a:avLst/>
@@ -14506,7 +14506,7 @@
         <p:spPr>
           <a:xfrm>
             <a:off x="4032000" y="648000"/>
-            <a:ext cx="1434600" cy="1362600"/>
+            <a:ext cx="1434240" cy="1362240"/>
           </a:xfrm>
           <a:custGeom>
             <a:avLst/>
@@ -14604,7 +14604,7 @@
         <p:spPr>
           <a:xfrm>
             <a:off x="1872000" y="2232360"/>
-            <a:ext cx="1434600" cy="1362600"/>
+            <a:ext cx="1434240" cy="1362240"/>
           </a:xfrm>
           <a:custGeom>
             <a:avLst/>
@@ -14810,7 +14810,7 @@
         <p:spPr>
           <a:xfrm>
             <a:off x="5184000" y="2340000"/>
-            <a:ext cx="2010600" cy="570600"/>
+            <a:ext cx="2010240" cy="570240"/>
           </a:xfrm>
           <a:prstGeom prst="ellipse">
             <a:avLst/>
@@ -14865,7 +14865,7 @@
         <p:spPr>
           <a:xfrm>
             <a:off x="3960360" y="3240360"/>
-            <a:ext cx="2010600" cy="570600"/>
+            <a:ext cx="2010240" cy="570240"/>
           </a:xfrm>
           <a:prstGeom prst="ellipse">
             <a:avLst/>
@@ -15208,7 +15208,7 @@
         <p:spPr>
           <a:xfrm>
             <a:off x="144000" y="2057400"/>
-            <a:ext cx="2513880" cy="601560"/>
+            <a:ext cx="2513520" cy="601200"/>
           </a:xfrm>
           <a:prstGeom prst="rect">
             <a:avLst/>
@@ -15259,7 +15259,7 @@
         <p:spPr>
           <a:xfrm>
             <a:off x="3405600" y="976680"/>
-            <a:ext cx="2971080" cy="345600"/>
+            <a:ext cx="2970720" cy="345240"/>
           </a:xfrm>
           <a:prstGeom prst="rect">
             <a:avLst/>
@@ -15394,7 +15394,7 @@
         <p:spPr>
           <a:xfrm>
             <a:off x="457200" y="3742200"/>
-            <a:ext cx="2971080" cy="857520"/>
+            <a:ext cx="2970720" cy="857160"/>
           </a:xfrm>
           <a:prstGeom prst="rect">
             <a:avLst/>
@@ -15445,7 +15445,7 @@
         <p:spPr>
           <a:xfrm>
             <a:off x="3866400" y="3742200"/>
-            <a:ext cx="2533680" cy="1113480"/>
+            <a:ext cx="2533320" cy="1113120"/>
           </a:xfrm>
           <a:prstGeom prst="rect">
             <a:avLst/>
@@ -15496,7 +15496,7 @@
         <p:spPr>
           <a:xfrm>
             <a:off x="7086600" y="3706200"/>
-            <a:ext cx="2742480" cy="1093680"/>
+            <a:ext cx="2742120" cy="1093320"/>
           </a:xfrm>
           <a:prstGeom prst="rect">
             <a:avLst/>
@@ -15547,7 +15547,7 @@
         <p:spPr>
           <a:xfrm>
             <a:off x="7488360" y="2057760"/>
-            <a:ext cx="2513880" cy="345600"/>
+            <a:ext cx="2513520" cy="345240"/>
           </a:xfrm>
           <a:prstGeom prst="rect">
             <a:avLst/>
@@ -15909,7 +15909,7 @@
         <p:spPr>
           <a:xfrm>
             <a:off x="144000" y="2057400"/>
-            <a:ext cx="2513880" cy="601560"/>
+            <a:ext cx="2513520" cy="601200"/>
           </a:xfrm>
           <a:prstGeom prst="rect">
             <a:avLst/>
@@ -15960,7 +15960,7 @@
         <p:spPr>
           <a:xfrm>
             <a:off x="3405600" y="976680"/>
-            <a:ext cx="2971080" cy="345600"/>
+            <a:ext cx="2970720" cy="345240"/>
           </a:xfrm>
           <a:prstGeom prst="rect">
             <a:avLst/>
@@ -16095,7 +16095,7 @@
         <p:spPr>
           <a:xfrm>
             <a:off x="842400" y="3742200"/>
-            <a:ext cx="1696680" cy="1113480"/>
+            <a:ext cx="1696320" cy="1113120"/>
           </a:xfrm>
           <a:prstGeom prst="rect">
             <a:avLst/>
@@ -16146,7 +16146,7 @@
         <p:spPr>
           <a:xfrm>
             <a:off x="2822400" y="3742200"/>
-            <a:ext cx="2209680" cy="857520"/>
+            <a:ext cx="2209320" cy="857160"/>
           </a:xfrm>
           <a:prstGeom prst="rect">
             <a:avLst/>
@@ -16197,7 +16197,7 @@
         <p:spPr>
           <a:xfrm>
             <a:off x="7772400" y="3706200"/>
-            <a:ext cx="2056680" cy="636480"/>
+            <a:ext cx="2056320" cy="636120"/>
           </a:xfrm>
           <a:prstGeom prst="rect">
             <a:avLst/>
@@ -16248,7 +16248,7 @@
         <p:spPr>
           <a:xfrm>
             <a:off x="7488360" y="2057760"/>
-            <a:ext cx="2513880" cy="345600"/>
+            <a:ext cx="2513520" cy="345240"/>
           </a:xfrm>
           <a:prstGeom prst="rect">
             <a:avLst/>
@@ -16327,7 +16327,7 @@
         <p:spPr>
           <a:xfrm>
             <a:off x="5090400" y="3742200"/>
-            <a:ext cx="2209680" cy="857520"/>
+            <a:ext cx="2209320" cy="857160"/>
           </a:xfrm>
           <a:prstGeom prst="rect">
             <a:avLst/>
@@ -16408,7 +16408,7 @@
         <p:spPr>
           <a:xfrm>
             <a:off x="1564920" y="685800"/>
-            <a:ext cx="180360" cy="345960"/>
+            <a:ext cx="180000" cy="345600"/>
           </a:xfrm>
           <a:prstGeom prst="rect">
             <a:avLst/>
@@ -16434,7 +16434,7 @@
         <p:spPr>
           <a:xfrm>
             <a:off x="228600" y="228600"/>
-            <a:ext cx="1142640" cy="345960"/>
+            <a:ext cx="1142280" cy="345600"/>
           </a:xfrm>
           <a:prstGeom prst="rect">
             <a:avLst/>
@@ -16462,7 +16462,11 @@
             </a:pPr>
             <a:r>
               <a:rPr b="0" lang="en-US" sz="1800" spc="-1" strike="noStrike">
+                <a:solidFill>
+                  <a:srgbClr val="000000"/>
+                </a:solidFill>
                 <a:latin typeface="Arial"/>
+                <a:ea typeface="DejaVu Sans"/>
               </a:rPr>
               <a:t>Insertion:</a:t>
             </a:r>
@@ -16481,7 +16485,7 @@
         <p:spPr>
           <a:xfrm>
             <a:off x="169200" y="950400"/>
-            <a:ext cx="2057040" cy="456840"/>
+            <a:ext cx="2056680" cy="456480"/>
           </a:xfrm>
           <a:prstGeom prst="rect">
             <a:avLst/>
@@ -16509,7 +16513,11 @@
             </a:pPr>
             <a:r>
               <a:rPr b="0" lang="en-US" sz="1800" spc="-1" strike="noStrike">
+                <a:solidFill>
+                  <a:srgbClr val="000000"/>
+                </a:solidFill>
                 <a:latin typeface="Arial"/>
+                <a:ea typeface="DejaVu Sans"/>
               </a:rPr>
               <a:t>Inital: Empty Tree</a:t>
             </a:r>
@@ -16890,7 +16898,7 @@
                       <a:noAutofit/>
                     </a:bodyPr>
                     <a:p>
-                      <a:pPr marL="216000" indent="-215640">
+                      <a:pPr marL="216000" indent="-215280">
                         <a:lnSpc>
                           <a:spcPct val="100000"/>
                         </a:lnSpc>
@@ -17213,7 +17221,7 @@
                       <a:noAutofit/>
                     </a:bodyPr>
                     <a:p>
-                      <a:pPr marL="216000" indent="-215640">
+                      <a:pPr marL="216000" indent="-215280">
                         <a:lnSpc>
                           <a:spcPct val="100000"/>
                         </a:lnSpc>
@@ -17693,7 +17701,7 @@
                       <a:noAutofit/>
                     </a:bodyPr>
                     <a:p>
-                      <a:pPr marL="216000" indent="-215640">
+                      <a:pPr marL="216000" indent="-215280">
                         <a:lnSpc>
                           <a:spcPct val="100000"/>
                         </a:lnSpc>
@@ -17989,7 +17997,7 @@
                       <a:noAutofit/>
                     </a:bodyPr>
                     <a:p>
-                      <a:pPr marL="216000" indent="-215640">
+                      <a:pPr marL="216000" indent="-215280">
                         <a:lnSpc>
                           <a:spcPct val="100000"/>
                         </a:lnSpc>
@@ -18257,7 +18265,7 @@
                       <a:noAutofit/>
                     </a:bodyPr>
                     <a:p>
-                      <a:pPr marL="216000" indent="-215640">
+                      <a:pPr marL="216000" indent="-215280">
                         <a:lnSpc>
                           <a:spcPct val="100000"/>
                         </a:lnSpc>
@@ -18496,7 +18504,7 @@
                       <a:noAutofit/>
                     </a:bodyPr>
                     <a:p>
-                      <a:pPr marL="216000" indent="-215640">
+                      <a:pPr marL="216000" indent="-215280">
                         <a:lnSpc>
                           <a:spcPct val="100000"/>
                         </a:lnSpc>
@@ -18635,14 +18643,14 @@
       </p:sp>
       <p:sp>
         <p:nvSpPr>
-          <p:cNvPr id="411" name="TextShape 29"/>
-          <p:cNvSpPr txBox="1"/>
+          <p:cNvPr id="411" name="CustomShape 29"/>
+          <p:cNvSpPr/>
           <p:nvPr/>
         </p:nvSpPr>
         <p:spPr>
           <a:xfrm>
             <a:off x="2057400" y="685800"/>
-            <a:ext cx="1143000" cy="346320"/>
+            <a:ext cx="1142640" cy="345960"/>
           </a:xfrm>
           <a:prstGeom prst="rect">
             <a:avLst/>
@@ -18652,11 +18660,22 @@
             <a:noFill/>
           </a:ln>
         </p:spPr>
+        <p:style>
+          <a:lnRef idx="0"/>
+          <a:fillRef idx="0"/>
+          <a:effectRef idx="0"/>
+          <a:fontRef idx="minor"/>
+        </p:style>
         <p:txBody>
           <a:bodyPr lIns="90000" rIns="90000" tIns="45000" bIns="45000">
             <a:noAutofit/>
           </a:bodyPr>
           <a:p>
+            <a:pPr>
+              <a:lnSpc>
+                <a:spcPct val="100000"/>
+              </a:lnSpc>
+            </a:pPr>
             <a:r>
               <a:rPr b="0" lang="en-US" sz="1800" spc="-1" strike="noStrike">
                 <a:latin typeface="Arial"/>
@@ -18671,14 +18690,14 @@
       </p:sp>
       <p:sp>
         <p:nvSpPr>
-          <p:cNvPr id="412" name="TextShape 30"/>
-          <p:cNvSpPr txBox="1"/>
+          <p:cNvPr id="412" name="CustomShape 30"/>
+          <p:cNvSpPr/>
           <p:nvPr/>
         </p:nvSpPr>
         <p:spPr>
           <a:xfrm>
             <a:off x="5670720" y="685800"/>
-            <a:ext cx="1143000" cy="346320"/>
+            <a:ext cx="1142640" cy="345960"/>
           </a:xfrm>
           <a:prstGeom prst="rect">
             <a:avLst/>
@@ -18688,6 +18707,12 @@
             <a:noFill/>
           </a:ln>
         </p:spPr>
+        <p:style>
+          <a:lnRef idx="0"/>
+          <a:fillRef idx="0"/>
+          <a:effectRef idx="0"/>
+          <a:fontRef idx="minor"/>
+        </p:style>
         <p:txBody>
           <a:bodyPr lIns="90000" rIns="90000" tIns="45000" bIns="45000">
             <a:noAutofit/>
@@ -18713,14 +18738,14 @@
       </p:sp>
       <p:sp>
         <p:nvSpPr>
-          <p:cNvPr id="413" name="TextShape 31"/>
-          <p:cNvSpPr txBox="1"/>
+          <p:cNvPr id="413" name="CustomShape 31"/>
+          <p:cNvSpPr/>
           <p:nvPr/>
         </p:nvSpPr>
         <p:spPr>
           <a:xfrm>
             <a:off x="8229600" y="2168280"/>
-            <a:ext cx="1143000" cy="346320"/>
+            <a:ext cx="1142640" cy="345960"/>
           </a:xfrm>
           <a:prstGeom prst="rect">
             <a:avLst/>
@@ -18730,6 +18755,12 @@
             <a:noFill/>
           </a:ln>
         </p:spPr>
+        <p:style>
+          <a:lnRef idx="0"/>
+          <a:fillRef idx="0"/>
+          <a:effectRef idx="0"/>
+          <a:fontRef idx="minor"/>
+        </p:style>
         <p:txBody>
           <a:bodyPr lIns="90000" rIns="90000" tIns="45000" bIns="45000">
             <a:noAutofit/>
@@ -18755,14 +18786,14 @@
       </p:sp>
       <p:sp>
         <p:nvSpPr>
-          <p:cNvPr id="414" name="TextShape 32"/>
-          <p:cNvSpPr txBox="1"/>
+          <p:cNvPr id="414" name="CustomShape 32"/>
+          <p:cNvSpPr/>
           <p:nvPr/>
         </p:nvSpPr>
         <p:spPr>
           <a:xfrm>
             <a:off x="4572000" y="3311280"/>
-            <a:ext cx="1143000" cy="346320"/>
+            <a:ext cx="1142640" cy="345960"/>
           </a:xfrm>
           <a:prstGeom prst="rect">
             <a:avLst/>
@@ -18772,6 +18803,12 @@
             <a:noFill/>
           </a:ln>
         </p:spPr>
+        <p:style>
+          <a:lnRef idx="0"/>
+          <a:fillRef idx="0"/>
+          <a:effectRef idx="0"/>
+          <a:fontRef idx="minor"/>
+        </p:style>
         <p:txBody>
           <a:bodyPr lIns="90000" rIns="90000" tIns="45000" bIns="45000">
             <a:noAutofit/>
@@ -18890,7 +18927,7 @@
         <p:spPr>
           <a:xfrm>
             <a:off x="1564920" y="685800"/>
-            <a:ext cx="180360" cy="345960"/>
+            <a:ext cx="180000" cy="345600"/>
           </a:xfrm>
           <a:prstGeom prst="rect">
             <a:avLst/>
@@ -18916,7 +18953,7 @@
         <p:spPr>
           <a:xfrm>
             <a:off x="228600" y="228600"/>
-            <a:ext cx="1142640" cy="345960"/>
+            <a:ext cx="1142280" cy="345600"/>
           </a:xfrm>
           <a:prstGeom prst="rect">
             <a:avLst/>
@@ -18944,7 +18981,11 @@
             </a:pPr>
             <a:r>
               <a:rPr b="0" lang="en-US" sz="1800" spc="-1" strike="noStrike">
+                <a:solidFill>
+                  <a:srgbClr val="000000"/>
+                </a:solidFill>
                 <a:latin typeface="Arial"/>
+                <a:ea typeface="DejaVu Sans"/>
               </a:rPr>
               <a:t>Insertion:</a:t>
             </a:r>
@@ -19085,7 +19126,7 @@
                       <a:noAutofit/>
                     </a:bodyPr>
                     <a:p>
-                      <a:pPr marL="216000" indent="-215640">
+                      <a:pPr marL="216000" indent="-215280">
                         <a:lnSpc>
                           <a:spcPct val="100000"/>
                         </a:lnSpc>
@@ -19565,7 +19606,7 @@
                       <a:noAutofit/>
                     </a:bodyPr>
                     <a:p>
-                      <a:pPr marL="216000" indent="-215640">
+                      <a:pPr marL="216000" indent="-215280">
                         <a:lnSpc>
                           <a:spcPct val="100000"/>
                         </a:lnSpc>
@@ -19833,7 +19874,7 @@
                       <a:noAutofit/>
                     </a:bodyPr>
                     <a:p>
-                      <a:pPr marL="216000" indent="-215640">
+                      <a:pPr marL="216000" indent="-215280">
                         <a:lnSpc>
                           <a:spcPct val="100000"/>
                         </a:lnSpc>
@@ -20101,7 +20142,7 @@
                       <a:noAutofit/>
                     </a:bodyPr>
                     <a:p>
-                      <a:pPr marL="216000" indent="-215640">
+                      <a:pPr marL="216000" indent="-215280">
                         <a:lnSpc>
                           <a:spcPct val="100000"/>
                         </a:lnSpc>
@@ -20340,7 +20381,7 @@
                       <a:noAutofit/>
                     </a:bodyPr>
                     <a:p>
-                      <a:pPr marL="216000" indent="-215640">
+                      <a:pPr marL="216000" indent="-215280">
                         <a:lnSpc>
                           <a:spcPct val="100000"/>
                         </a:lnSpc>
@@ -20608,7 +20649,7 @@
                       <a:noAutofit/>
                     </a:bodyPr>
                     <a:p>
-                      <a:pPr marL="216000" indent="-215640">
+                      <a:pPr marL="216000" indent="-215280">
                         <a:lnSpc>
                           <a:spcPct val="100000"/>
                         </a:lnSpc>
@@ -20745,12 +20786,12 @@
           <a:fontRef idx="minor"/>
         </p:style>
       </p:sp>
-      <p:cxnSp>
-        <p:nvCxnSpPr>
+      <p:sp>
+        <p:nvSpPr>
           <p:cNvPr id="438" name="Line 22"/>
-          <p:cNvCxnSpPr/>
-          <p:nvPr/>
-        </p:nvCxnSpPr>
+          <p:cNvSpPr/>
+          <p:nvPr/>
+        </p:nvSpPr>
         <p:spPr>
           <a:xfrm>
             <a:off x="0" y="0"/>
@@ -20766,17 +20807,23 @@
             <a:tailEnd len="med" type="triangle" w="med"/>
           </a:ln>
         </p:spPr>
-      </p:cxnSp>
-      <p:sp>
-        <p:nvSpPr>
-          <p:cNvPr id="439" name="TextShape 23"/>
-          <p:cNvSpPr txBox="1"/>
+        <p:style>
+          <a:lnRef idx="0"/>
+          <a:fillRef idx="0"/>
+          <a:effectRef idx="0"/>
+          <a:fontRef idx="minor"/>
+        </p:style>
+      </p:sp>
+      <p:sp>
+        <p:nvSpPr>
+          <p:cNvPr id="439" name="CustomShape 23"/>
+          <p:cNvSpPr/>
           <p:nvPr/>
         </p:nvSpPr>
         <p:spPr>
           <a:xfrm>
             <a:off x="6436080" y="1371600"/>
-            <a:ext cx="1143000" cy="346320"/>
+            <a:ext cx="1142640" cy="345960"/>
           </a:xfrm>
           <a:prstGeom prst="rect">
             <a:avLst/>
@@ -20786,6 +20833,12 @@
             <a:noFill/>
           </a:ln>
         </p:spPr>
+        <p:style>
+          <a:lnRef idx="0"/>
+          <a:fillRef idx="0"/>
+          <a:effectRef idx="0"/>
+          <a:fontRef idx="minor"/>
+        </p:style>
         <p:txBody>
           <a:bodyPr lIns="90000" rIns="90000" tIns="45000" bIns="45000">
             <a:noAutofit/>
@@ -20932,7 +20985,7 @@
         <p:spPr>
           <a:xfrm>
             <a:off x="1564920" y="685800"/>
-            <a:ext cx="180360" cy="345960"/>
+            <a:ext cx="180000" cy="345600"/>
           </a:xfrm>
           <a:prstGeom prst="rect">
             <a:avLst/>
@@ -20958,7 +21011,7 @@
         <p:spPr>
           <a:xfrm>
             <a:off x="228600" y="228600"/>
-            <a:ext cx="1142640" cy="345960"/>
+            <a:ext cx="1142280" cy="345600"/>
           </a:xfrm>
           <a:prstGeom prst="rect">
             <a:avLst/>
@@ -20986,7 +21039,11 @@
             </a:pPr>
             <a:r>
               <a:rPr b="0" lang="en-US" sz="1800" spc="-1" strike="noStrike">
+                <a:solidFill>
+                  <a:srgbClr val="000000"/>
+                </a:solidFill>
                 <a:latin typeface="Arial"/>
+                <a:ea typeface="DejaVu Sans"/>
               </a:rPr>
               <a:t>Insertion:</a:t>
             </a:r>
@@ -21127,7 +21184,7 @@
                       <a:noAutofit/>
                     </a:bodyPr>
                     <a:p>
-                      <a:pPr marL="216000" indent="-215640">
+                      <a:pPr marL="216000" indent="-215280">
                         <a:lnSpc>
                           <a:spcPct val="100000"/>
                         </a:lnSpc>
@@ -21607,7 +21664,7 @@
                       <a:noAutofit/>
                     </a:bodyPr>
                     <a:p>
-                      <a:pPr marL="216000" indent="-215640">
+                      <a:pPr marL="216000" indent="-215280">
                         <a:lnSpc>
                           <a:spcPct val="100000"/>
                         </a:lnSpc>
@@ -21875,7 +21932,7 @@
                       <a:noAutofit/>
                     </a:bodyPr>
                     <a:p>
-                      <a:pPr marL="216000" indent="-215640">
+                      <a:pPr marL="216000" indent="-215280">
                         <a:lnSpc>
                           <a:spcPct val="100000"/>
                         </a:lnSpc>
@@ -22021,7 +22078,7 @@
         <p:spPr>
           <a:xfrm>
             <a:off x="799920" y="4158720"/>
-            <a:ext cx="180360" cy="426960"/>
+            <a:ext cx="180000" cy="426600"/>
           </a:xfrm>
           <a:prstGeom prst="rect">
             <a:avLst/>
@@ -22169,7 +22226,7 @@
                       <a:noAutofit/>
                     </a:bodyPr>
                     <a:p>
-                      <a:pPr marL="216000" indent="-215640">
+                      <a:pPr marL="216000" indent="-215280">
                         <a:lnSpc>
                           <a:spcPct val="100000"/>
                         </a:lnSpc>
@@ -22621,7 +22678,7 @@
                       <a:noAutofit/>
                     </a:bodyPr>
                     <a:p>
-                      <a:pPr marL="216000" indent="-215640">
+                      <a:pPr marL="216000" indent="-215280">
                         <a:lnSpc>
                           <a:spcPct val="100000"/>
                         </a:lnSpc>
@@ -22889,7 +22946,7 @@
                       <a:noAutofit/>
                     </a:bodyPr>
                     <a:p>
-                      <a:pPr marL="216000" indent="-215640">
+                      <a:pPr marL="216000" indent="-215280">
                         <a:lnSpc>
                           <a:spcPct val="100000"/>
                         </a:lnSpc>
@@ -23025,6 +23082,11 @@
                       <a:noAutofit/>
                     </a:bodyPr>
                     <a:p>
+                      <a:pPr>
+                        <a:lnSpc>
+                          <a:spcPct val="100000"/>
+                        </a:lnSpc>
+                      </a:pPr>
                       <a:r>
                         <a:rPr b="0" lang="en-US" sz="1800" spc="-1" strike="noStrike">
                           <a:latin typeface="Arial"/>
@@ -23227,7 +23289,7 @@
                 </a:tc>
                 <a:tc>
                   <a:txBody>
-                    <a:bodyPr lIns="90000" rIns="90000" tIns="46800" bIns="46800">
+                    <a:bodyPr lIns="90000" rIns="90000">
                       <a:noAutofit/>
                     </a:bodyPr>
                     <a:p>
@@ -23424,7 +23486,7 @@
         </p:nvGraphicFramePr>
         <p:xfrm>
           <a:off x="8000640" y="5139360"/>
-          <a:ext cx="2286360" cy="349560"/>
+          <a:ext cx="1816560" cy="349560"/>
         </p:xfrm>
         <a:graphic>
           <a:graphicData uri="http://schemas.openxmlformats.org/drawingml/2006/table">
@@ -23467,10 +23529,15 @@
                 </a:tc>
                 <a:tc>
                   <a:txBody>
-                    <a:bodyPr lIns="90000" rIns="90000" tIns="46800" bIns="46800">
+                    <a:bodyPr lIns="90000" rIns="90000">
                       <a:noAutofit/>
                     </a:bodyPr>
                     <a:p>
+                      <a:pPr>
+                        <a:lnSpc>
+                          <a:spcPct val="100000"/>
+                        </a:lnSpc>
+                      </a:pPr>
                       <a:r>
                         <a:rPr b="0" lang="en-US" sz="1800" spc="-1" strike="noStrike">
                           <a:latin typeface="Arial"/>
@@ -23624,14 +23691,14 @@
       </p:sp>
       <p:sp>
         <p:nvSpPr>
-          <p:cNvPr id="472" name="TextShape 30"/>
-          <p:cNvSpPr txBox="1"/>
+          <p:cNvPr id="472" name="CustomShape 30"/>
+          <p:cNvSpPr/>
           <p:nvPr/>
         </p:nvSpPr>
         <p:spPr>
           <a:xfrm>
             <a:off x="5257800" y="2625480"/>
-            <a:ext cx="1143000" cy="346320"/>
+            <a:ext cx="1142640" cy="345960"/>
           </a:xfrm>
           <a:prstGeom prst="rect">
             <a:avLst/>
@@ -23641,6 +23708,12 @@
             <a:noFill/>
           </a:ln>
         </p:spPr>
+        <p:style>
+          <a:lnRef idx="0"/>
+          <a:fillRef idx="0"/>
+          <a:effectRef idx="0"/>
+          <a:fontRef idx="minor"/>
+        </p:style>
         <p:txBody>
           <a:bodyPr lIns="90000" rIns="90000" tIns="45000" bIns="45000">
             <a:noAutofit/>
@@ -23843,7 +23916,7 @@
         <p:spPr>
           <a:xfrm>
             <a:off x="3060000" y="2268000"/>
-            <a:ext cx="1434600" cy="786600"/>
+            <a:ext cx="1434240" cy="786240"/>
           </a:xfrm>
           <a:prstGeom prst="rect">
             <a:avLst/>
@@ -23898,7 +23971,7 @@
         <p:spPr>
           <a:xfrm>
             <a:off x="5832000" y="1980000"/>
-            <a:ext cx="1434600" cy="1362600"/>
+            <a:ext cx="1434240" cy="1362240"/>
           </a:xfrm>
           <a:custGeom>
             <a:avLst/>
@@ -24050,7 +24123,7 @@
         <p:spPr>
           <a:xfrm>
             <a:off x="2376000" y="1044000"/>
-            <a:ext cx="1146600" cy="678600"/>
+            <a:ext cx="1146240" cy="678240"/>
           </a:xfrm>
           <a:prstGeom prst="ellipse">
             <a:avLst/>
@@ -24105,7 +24178,7 @@
         <p:spPr>
           <a:xfrm>
             <a:off x="3780360" y="1044360"/>
-            <a:ext cx="1146600" cy="678600"/>
+            <a:ext cx="1146240" cy="678240"/>
           </a:xfrm>
           <a:prstGeom prst="ellipse">
             <a:avLst/>
@@ -24160,7 +24233,7 @@
         <p:spPr>
           <a:xfrm>
             <a:off x="2376360" y="1044360"/>
-            <a:ext cx="1146600" cy="678600"/>
+            <a:ext cx="1146240" cy="678240"/>
           </a:xfrm>
           <a:prstGeom prst="ellipse">
             <a:avLst/>
@@ -24215,7 +24288,7 @@
         <p:spPr>
           <a:xfrm>
             <a:off x="1512720" y="2160720"/>
-            <a:ext cx="1146600" cy="678600"/>
+            <a:ext cx="1146240" cy="678240"/>
           </a:xfrm>
           <a:prstGeom prst="ellipse">
             <a:avLst/>
@@ -24351,7 +24424,7 @@
         <p:spPr>
           <a:xfrm>
             <a:off x="4500000" y="2376000"/>
-            <a:ext cx="1398600" cy="596880"/>
+            <a:ext cx="1398240" cy="596520"/>
           </a:xfrm>
           <a:prstGeom prst="rect">
             <a:avLst/>
@@ -24402,7 +24475,7 @@
         <p:spPr>
           <a:xfrm>
             <a:off x="4320000" y="3204360"/>
-            <a:ext cx="1398600" cy="596880"/>
+            <a:ext cx="1398240" cy="596520"/>
           </a:xfrm>
           <a:prstGeom prst="rect">
             <a:avLst/>
@@ -24483,7 +24556,7 @@
         <p:spPr>
           <a:xfrm>
             <a:off x="504000" y="576000"/>
-            <a:ext cx="426960" cy="1650960"/>
+            <a:ext cx="426600" cy="1650600"/>
           </a:xfrm>
           <a:prstGeom prst="ellipse">
             <a:avLst/>
@@ -24513,7 +24586,7 @@
         <p:spPr>
           <a:xfrm>
             <a:off x="1440360" y="576360"/>
-            <a:ext cx="426960" cy="1650960"/>
+            <a:ext cx="426600" cy="1650600"/>
           </a:xfrm>
           <a:prstGeom prst="ellipse">
             <a:avLst/>
@@ -24543,7 +24616,7 @@
         <p:spPr>
           <a:xfrm>
             <a:off x="3204720" y="612720"/>
-            <a:ext cx="426960" cy="1650960"/>
+            <a:ext cx="426600" cy="1650600"/>
           </a:xfrm>
           <a:prstGeom prst="ellipse">
             <a:avLst/>
@@ -24573,7 +24646,7 @@
         <p:spPr>
           <a:xfrm>
             <a:off x="4068720" y="576720"/>
-            <a:ext cx="426960" cy="1650960"/>
+            <a:ext cx="426600" cy="1650600"/>
           </a:xfrm>
           <a:prstGeom prst="ellipse">
             <a:avLst/>
@@ -24603,7 +24676,7 @@
         <p:spPr>
           <a:xfrm>
             <a:off x="504720" y="3204720"/>
-            <a:ext cx="426960" cy="1650960"/>
+            <a:ext cx="426600" cy="1650600"/>
           </a:xfrm>
           <a:prstGeom prst="ellipse">
             <a:avLst/>
@@ -24633,7 +24706,7 @@
         <p:spPr>
           <a:xfrm>
             <a:off x="1440720" y="3168720"/>
-            <a:ext cx="426960" cy="1650960"/>
+            <a:ext cx="426600" cy="1650600"/>
           </a:xfrm>
           <a:prstGeom prst="ellipse">
             <a:avLst/>
@@ -24663,7 +24736,7 @@
         <p:spPr>
           <a:xfrm>
             <a:off x="3240720" y="3168720"/>
-            <a:ext cx="426960" cy="1650960"/>
+            <a:ext cx="426600" cy="1650600"/>
           </a:xfrm>
           <a:prstGeom prst="ellipse">
             <a:avLst/>
@@ -24693,7 +24766,7 @@
         <p:spPr>
           <a:xfrm>
             <a:off x="4068720" y="3168720"/>
-            <a:ext cx="426960" cy="1650960"/>
+            <a:ext cx="426600" cy="1650600"/>
           </a:xfrm>
           <a:prstGeom prst="ellipse">
             <a:avLst/>
@@ -24723,7 +24796,7 @@
         <p:spPr>
           <a:xfrm>
             <a:off x="540000" y="936000"/>
-            <a:ext cx="498960" cy="341280"/>
+            <a:ext cx="498600" cy="340920"/>
           </a:xfrm>
           <a:prstGeom prst="rect">
             <a:avLst/>
@@ -24774,7 +24847,7 @@
         <p:spPr>
           <a:xfrm>
             <a:off x="540000" y="1512000"/>
-            <a:ext cx="498960" cy="341280"/>
+            <a:ext cx="498600" cy="340920"/>
           </a:xfrm>
           <a:prstGeom prst="rect">
             <a:avLst/>
@@ -24825,7 +24898,7 @@
         <p:spPr>
           <a:xfrm>
             <a:off x="1512000" y="1512000"/>
-            <a:ext cx="498960" cy="341280"/>
+            <a:ext cx="498600" cy="340920"/>
           </a:xfrm>
           <a:prstGeom prst="rect">
             <a:avLst/>
@@ -24876,7 +24949,7 @@
         <p:spPr>
           <a:xfrm>
             <a:off x="1512000" y="900000"/>
-            <a:ext cx="498960" cy="341280"/>
+            <a:ext cx="498600" cy="340920"/>
           </a:xfrm>
           <a:prstGeom prst="rect">
             <a:avLst/>
@@ -24927,7 +25000,7 @@
         <p:spPr>
           <a:xfrm>
             <a:off x="540000" y="1260000"/>
-            <a:ext cx="498960" cy="341280"/>
+            <a:ext cx="498600" cy="340920"/>
           </a:xfrm>
           <a:prstGeom prst="rect">
             <a:avLst/>
@@ -24978,7 +25051,7 @@
         <p:spPr>
           <a:xfrm>
             <a:off x="1512000" y="1224000"/>
-            <a:ext cx="498960" cy="341280"/>
+            <a:ext cx="498600" cy="340920"/>
           </a:xfrm>
           <a:prstGeom prst="rect">
             <a:avLst/>
@@ -25029,7 +25102,7 @@
         <p:spPr>
           <a:xfrm>
             <a:off x="3240000" y="900000"/>
-            <a:ext cx="498960" cy="341280"/>
+            <a:ext cx="498600" cy="340920"/>
           </a:xfrm>
           <a:prstGeom prst="rect">
             <a:avLst/>
@@ -25080,7 +25153,7 @@
         <p:spPr>
           <a:xfrm>
             <a:off x="4104000" y="900000"/>
-            <a:ext cx="498960" cy="341280"/>
+            <a:ext cx="498600" cy="340920"/>
           </a:xfrm>
           <a:prstGeom prst="rect">
             <a:avLst/>
@@ -25131,7 +25204,7 @@
         <p:spPr>
           <a:xfrm>
             <a:off x="4104000" y="1224000"/>
-            <a:ext cx="498960" cy="341280"/>
+            <a:ext cx="498600" cy="340920"/>
           </a:xfrm>
           <a:prstGeom prst="rect">
             <a:avLst/>
@@ -25182,7 +25255,7 @@
         <p:spPr>
           <a:xfrm>
             <a:off x="4104000" y="1620000"/>
-            <a:ext cx="498960" cy="341280"/>
+            <a:ext cx="498600" cy="340920"/>
           </a:xfrm>
           <a:prstGeom prst="rect">
             <a:avLst/>
@@ -25233,7 +25306,7 @@
         <p:spPr>
           <a:xfrm>
             <a:off x="576000" y="3492000"/>
-            <a:ext cx="498960" cy="341280"/>
+            <a:ext cx="498600" cy="340920"/>
           </a:xfrm>
           <a:prstGeom prst="rect">
             <a:avLst/>
@@ -25284,7 +25357,7 @@
         <p:spPr>
           <a:xfrm>
             <a:off x="576000" y="3852000"/>
-            <a:ext cx="498960" cy="341280"/>
+            <a:ext cx="498600" cy="340920"/>
           </a:xfrm>
           <a:prstGeom prst="rect">
             <a:avLst/>
@@ -25335,7 +25408,7 @@
         <p:spPr>
           <a:xfrm>
             <a:off x="576000" y="4176000"/>
-            <a:ext cx="498960" cy="341280"/>
+            <a:ext cx="498600" cy="340920"/>
           </a:xfrm>
           <a:prstGeom prst="rect">
             <a:avLst/>
@@ -25386,7 +25459,7 @@
         <p:spPr>
           <a:xfrm>
             <a:off x="1476000" y="3492000"/>
-            <a:ext cx="498960" cy="341280"/>
+            <a:ext cx="498600" cy="340920"/>
           </a:xfrm>
           <a:prstGeom prst="rect">
             <a:avLst/>
@@ -25437,7 +25510,7 @@
         <p:spPr>
           <a:xfrm>
             <a:off x="3240000" y="3492000"/>
-            <a:ext cx="498960" cy="341280"/>
+            <a:ext cx="498600" cy="340920"/>
           </a:xfrm>
           <a:prstGeom prst="rect">
             <a:avLst/>
@@ -25488,7 +25561,7 @@
         <p:spPr>
           <a:xfrm>
             <a:off x="3276000" y="3960000"/>
-            <a:ext cx="498960" cy="341280"/>
+            <a:ext cx="498600" cy="340920"/>
           </a:xfrm>
           <a:prstGeom prst="rect">
             <a:avLst/>
@@ -25539,7 +25612,7 @@
         <p:spPr>
           <a:xfrm>
             <a:off x="4140000" y="3492000"/>
-            <a:ext cx="498960" cy="341280"/>
+            <a:ext cx="498600" cy="340920"/>
           </a:xfrm>
           <a:prstGeom prst="rect">
             <a:avLst/>
@@ -25590,7 +25663,7 @@
         <p:spPr>
           <a:xfrm>
             <a:off x="4140000" y="3924000"/>
-            <a:ext cx="498960" cy="341280"/>
+            <a:ext cx="498600" cy="340920"/>
           </a:xfrm>
           <a:prstGeom prst="rect">
             <a:avLst/>
@@ -25938,7 +26011,7 @@
         <p:spPr>
           <a:xfrm>
             <a:off x="540000" y="2412000"/>
-            <a:ext cx="1290960" cy="341280"/>
+            <a:ext cx="1290600" cy="340920"/>
           </a:xfrm>
           <a:prstGeom prst="rect">
             <a:avLst/>
@@ -25989,7 +26062,7 @@
         <p:spPr>
           <a:xfrm>
             <a:off x="3168000" y="2412000"/>
-            <a:ext cx="1434960" cy="390960"/>
+            <a:ext cx="1434600" cy="390600"/>
           </a:xfrm>
           <a:prstGeom prst="rect">
             <a:avLst/>
@@ -26040,7 +26113,7 @@
         <p:spPr>
           <a:xfrm>
             <a:off x="3168000" y="4968000"/>
-            <a:ext cx="1578960" cy="354960"/>
+            <a:ext cx="1578600" cy="354600"/>
           </a:xfrm>
           <a:prstGeom prst="rect">
             <a:avLst/>
@@ -26091,7 +26164,7 @@
         <p:spPr>
           <a:xfrm>
             <a:off x="504000" y="4968000"/>
-            <a:ext cx="1434960" cy="354960"/>
+            <a:ext cx="1434600" cy="354600"/>
           </a:xfrm>
           <a:prstGeom prst="rect">
             <a:avLst/>
@@ -26172,7 +26245,7 @@
         <p:spPr>
           <a:xfrm>
             <a:off x="1872000" y="1008000"/>
-            <a:ext cx="2083320" cy="787320"/>
+            <a:ext cx="2082960" cy="786960"/>
           </a:xfrm>
           <a:prstGeom prst="rect">
             <a:avLst/>
@@ -26202,7 +26275,7 @@
         <p:spPr>
           <a:xfrm>
             <a:off x="5328000" y="756000"/>
-            <a:ext cx="1651320" cy="1219320"/>
+            <a:ext cx="1650960" cy="1218960"/>
           </a:xfrm>
           <a:custGeom>
             <a:avLst/>
@@ -26255,7 +26328,7 @@
         <p:spPr>
           <a:xfrm>
             <a:off x="1872360" y="3672360"/>
-            <a:ext cx="2083320" cy="787320"/>
+            <a:ext cx="2082960" cy="786960"/>
           </a:xfrm>
           <a:prstGeom prst="rect">
             <a:avLst/>
@@ -26285,7 +26358,7 @@
         <p:spPr>
           <a:xfrm>
             <a:off x="5328360" y="3420360"/>
-            <a:ext cx="1651320" cy="1219320"/>
+            <a:ext cx="1650960" cy="1218960"/>
           </a:xfrm>
           <a:custGeom>
             <a:avLst/>
@@ -26393,7 +26466,7 @@
         <p:spPr>
           <a:xfrm>
             <a:off x="1188000" y="2304000"/>
-            <a:ext cx="6907320" cy="341640"/>
+            <a:ext cx="6906960" cy="341280"/>
           </a:xfrm>
           <a:prstGeom prst="rect">
             <a:avLst/>
@@ -26444,7 +26517,7 @@
         <p:spPr>
           <a:xfrm>
             <a:off x="1080000" y="4788000"/>
-            <a:ext cx="7159320" cy="597600"/>
+            <a:ext cx="7158960" cy="597240"/>
           </a:xfrm>
           <a:prstGeom prst="rect">
             <a:avLst/>
@@ -26525,7 +26598,7 @@
         <p:spPr>
           <a:xfrm>
             <a:off x="1908000" y="2232000"/>
-            <a:ext cx="1434600" cy="786600"/>
+            <a:ext cx="1434240" cy="786240"/>
           </a:xfrm>
           <a:prstGeom prst="rect">
             <a:avLst/>
@@ -26580,7 +26653,7 @@
         <p:spPr>
           <a:xfrm>
             <a:off x="6084000" y="2232000"/>
-            <a:ext cx="1434600" cy="786600"/>
+            <a:ext cx="1434240" cy="786240"/>
           </a:xfrm>
           <a:prstGeom prst="rect">
             <a:avLst/>
@@ -26635,7 +26708,7 @@
         <p:spPr>
           <a:xfrm>
             <a:off x="4032000" y="1944000"/>
-            <a:ext cx="1434600" cy="1362600"/>
+            <a:ext cx="1434240" cy="1362240"/>
           </a:xfrm>
           <a:custGeom>
             <a:avLst/>
@@ -26842,7 +26915,7 @@
         <p:spPr>
           <a:xfrm>
             <a:off x="2592000" y="3636000"/>
-            <a:ext cx="7123320" cy="597600"/>
+            <a:ext cx="7122960" cy="597240"/>
           </a:xfrm>
           <a:prstGeom prst="rect">
             <a:avLst/>
@@ -26943,7 +27016,7 @@
         <p:spPr>
           <a:xfrm>
             <a:off x="5934960" y="2130480"/>
-            <a:ext cx="1693080" cy="1004040"/>
+            <a:ext cx="1692720" cy="1003680"/>
           </a:xfrm>
           <a:prstGeom prst="rect">
             <a:avLst/>
@@ -26973,7 +27046,7 @@
         <p:spPr>
           <a:xfrm>
             <a:off x="1908000" y="2232000"/>
-            <a:ext cx="1434600" cy="786600"/>
+            <a:ext cx="1434240" cy="786240"/>
           </a:xfrm>
           <a:prstGeom prst="rect">
             <a:avLst/>
@@ -27028,7 +27101,7 @@
         <p:spPr>
           <a:xfrm>
             <a:off x="6084000" y="2232000"/>
-            <a:ext cx="1434600" cy="786600"/>
+            <a:ext cx="1434240" cy="786240"/>
           </a:xfrm>
           <a:prstGeom prst="rect">
             <a:avLst/>
@@ -27083,7 +27156,7 @@
         <p:spPr>
           <a:xfrm>
             <a:off x="4032000" y="1944000"/>
-            <a:ext cx="1434600" cy="1362600"/>
+            <a:ext cx="1434240" cy="1362240"/>
           </a:xfrm>
           <a:custGeom>
             <a:avLst/>
@@ -27242,7 +27315,7 @@
         <p:spPr>
           <a:xfrm>
             <a:off x="1764000" y="3564000"/>
-            <a:ext cx="7123320" cy="597600"/>
+            <a:ext cx="7122960" cy="597240"/>
           </a:xfrm>
           <a:prstGeom prst="rect">
             <a:avLst/>
@@ -27350,7 +27423,7 @@
         <p:spPr>
           <a:xfrm>
             <a:off x="1945800" y="3636000"/>
-            <a:ext cx="1434600" cy="786600"/>
+            <a:ext cx="1434240" cy="786240"/>
           </a:xfrm>
           <a:prstGeom prst="rect">
             <a:avLst/>
@@ -27425,7 +27498,7 @@
         <p:spPr>
           <a:xfrm>
             <a:off x="6300000" y="3673800"/>
-            <a:ext cx="1434600" cy="786600"/>
+            <a:ext cx="1434240" cy="786240"/>
           </a:xfrm>
           <a:prstGeom prst="rect">
             <a:avLst/>
@@ -27554,7 +27627,7 @@
         <p:spPr>
           <a:xfrm>
             <a:off x="1764000" y="4860000"/>
-            <a:ext cx="7123320" cy="597600"/>
+            <a:ext cx="7122960" cy="597240"/>
           </a:xfrm>
           <a:prstGeom prst="rect">
             <a:avLst/>
@@ -27580,7 +27653,7 @@
         <p:spPr>
           <a:xfrm>
             <a:off x="4140000" y="1080000"/>
-            <a:ext cx="1434600" cy="786600"/>
+            <a:ext cx="1434240" cy="786240"/>
           </a:xfrm>
           <a:prstGeom prst="rect">
             <a:avLst/>
@@ -27635,7 +27708,7 @@
         <p:spPr>
           <a:xfrm>
             <a:off x="4392000" y="2267640"/>
-            <a:ext cx="932400" cy="1004400"/>
+            <a:ext cx="932040" cy="1004040"/>
           </a:xfrm>
           <a:custGeom>
             <a:avLst/>
@@ -27684,7 +27757,7 @@
         <p:spPr>
           <a:xfrm>
             <a:off x="4572000" y="2304000"/>
-            <a:ext cx="644400" cy="342720"/>
+            <a:ext cx="644040" cy="342360"/>
           </a:xfrm>
           <a:prstGeom prst="rect">
             <a:avLst/>
@@ -27816,7 +27889,7 @@
         <p:spPr>
           <a:xfrm>
             <a:off x="2592000" y="432000"/>
-            <a:ext cx="1148400" cy="500400"/>
+            <a:ext cx="1148040" cy="500040"/>
           </a:xfrm>
           <a:prstGeom prst="ellipse">
             <a:avLst/>
@@ -27871,7 +27944,7 @@
         <p:spPr>
           <a:xfrm>
             <a:off x="4104360" y="360360"/>
-            <a:ext cx="1148400" cy="500400"/>
+            <a:ext cx="1148040" cy="500040"/>
           </a:xfrm>
           <a:prstGeom prst="ellipse">
             <a:avLst/>
@@ -27926,7 +27999,7 @@
         <p:spPr>
           <a:xfrm>
             <a:off x="5652720" y="432720"/>
-            <a:ext cx="1148400" cy="500400"/>
+            <a:ext cx="1148040" cy="500040"/>
           </a:xfrm>
           <a:prstGeom prst="ellipse">
             <a:avLst/>
@@ -27981,7 +28054,7 @@
         <p:spPr>
           <a:xfrm>
             <a:off x="3813480" y="4321080"/>
-            <a:ext cx="1148400" cy="500400"/>
+            <a:ext cx="1148040" cy="500040"/>
           </a:xfrm>
           <a:prstGeom prst="ellipse">
             <a:avLst/>
@@ -28036,7 +28109,7 @@
         <p:spPr>
           <a:xfrm>
             <a:off x="2193840" y="4717440"/>
-            <a:ext cx="1148400" cy="500400"/>
+            <a:ext cx="1148040" cy="500040"/>
           </a:xfrm>
           <a:prstGeom prst="ellipse">
             <a:avLst/>
@@ -28091,7 +28164,7 @@
         <p:spPr>
           <a:xfrm>
             <a:off x="682200" y="4501800"/>
-            <a:ext cx="1148400" cy="500400"/>
+            <a:ext cx="1148040" cy="500040"/>
           </a:xfrm>
           <a:prstGeom prst="ellipse">
             <a:avLst/>
@@ -28146,7 +28219,7 @@
         <p:spPr>
           <a:xfrm>
             <a:off x="5434560" y="4574160"/>
-            <a:ext cx="1148400" cy="500400"/>
+            <a:ext cx="1148040" cy="500040"/>
           </a:xfrm>
           <a:prstGeom prst="ellipse">
             <a:avLst/>
@@ -28201,7 +28274,7 @@
         <p:spPr>
           <a:xfrm>
             <a:off x="7634160" y="4574520"/>
-            <a:ext cx="1148400" cy="500400"/>
+            <a:ext cx="1148040" cy="500040"/>
           </a:xfrm>
           <a:prstGeom prst="ellipse">
             <a:avLst/>
@@ -28256,7 +28329,7 @@
         <p:spPr>
           <a:xfrm>
             <a:off x="686520" y="3098880"/>
-            <a:ext cx="1148400" cy="500400"/>
+            <a:ext cx="1148040" cy="500040"/>
           </a:xfrm>
           <a:prstGeom prst="ellipse">
             <a:avLst/>
@@ -28584,7 +28657,7 @@
         <p:spPr>
           <a:xfrm>
             <a:off x="432000" y="72000"/>
-            <a:ext cx="9068400" cy="2516400"/>
+            <a:ext cx="9068040" cy="2516040"/>
           </a:xfrm>
           <a:prstGeom prst="rect">
             <a:avLst/>
@@ -28614,7 +28687,7 @@
         <p:spPr>
           <a:xfrm>
             <a:off x="2016000" y="1188000"/>
-            <a:ext cx="1434600" cy="786600"/>
+            <a:ext cx="1434240" cy="786240"/>
           </a:xfrm>
           <a:prstGeom prst="rect">
             <a:avLst/>
@@ -28669,7 +28742,7 @@
         <p:spPr>
           <a:xfrm>
             <a:off x="6192000" y="1188000"/>
-            <a:ext cx="1434600" cy="786600"/>
+            <a:ext cx="1434240" cy="786240"/>
           </a:xfrm>
           <a:prstGeom prst="rect">
             <a:avLst/>
@@ -28724,7 +28797,7 @@
         <p:spPr>
           <a:xfrm>
             <a:off x="4140000" y="900000"/>
-            <a:ext cx="1434600" cy="1362600"/>
+            <a:ext cx="1434240" cy="1362240"/>
           </a:xfrm>
           <a:custGeom>
             <a:avLst/>
@@ -28883,7 +28956,7 @@
         <p:spPr>
           <a:xfrm>
             <a:off x="-36000" y="3384000"/>
-            <a:ext cx="2624400" cy="597600"/>
+            <a:ext cx="2624040" cy="597240"/>
           </a:xfrm>
           <a:prstGeom prst="rect">
             <a:avLst/>
@@ -28961,7 +29034,7 @@
         <p:spPr>
           <a:xfrm>
             <a:off x="5868360" y="180360"/>
-            <a:ext cx="1148400" cy="500400"/>
+            <a:ext cx="1148040" cy="500040"/>
           </a:xfrm>
           <a:prstGeom prst="ellipse">
             <a:avLst/>
@@ -29016,7 +29089,7 @@
         <p:spPr>
           <a:xfrm>
             <a:off x="7344720" y="216720"/>
-            <a:ext cx="1148400" cy="500400"/>
+            <a:ext cx="1148040" cy="500040"/>
           </a:xfrm>
           <a:prstGeom prst="ellipse">
             <a:avLst/>
@@ -29071,7 +29144,7 @@
         <p:spPr>
           <a:xfrm>
             <a:off x="7921080" y="937080"/>
-            <a:ext cx="1148400" cy="500400"/>
+            <a:ext cx="1148040" cy="500040"/>
           </a:xfrm>
           <a:prstGeom prst="ellipse">
             <a:avLst/>
@@ -29126,7 +29199,7 @@
         <p:spPr>
           <a:xfrm>
             <a:off x="7921440" y="1693440"/>
-            <a:ext cx="1148400" cy="500400"/>
+            <a:ext cx="1148040" cy="500040"/>
           </a:xfrm>
           <a:prstGeom prst="ellipse">
             <a:avLst/>
@@ -29181,7 +29254,7 @@
         <p:spPr>
           <a:xfrm>
             <a:off x="7921440" y="937440"/>
-            <a:ext cx="1148400" cy="500400"/>
+            <a:ext cx="1148040" cy="500040"/>
           </a:xfrm>
           <a:prstGeom prst="ellipse">
             <a:avLst/>
@@ -29236,7 +29309,7 @@
         <p:spPr>
           <a:xfrm>
             <a:off x="2089440" y="433440"/>
-            <a:ext cx="1148400" cy="500400"/>
+            <a:ext cx="1148040" cy="500040"/>
           </a:xfrm>
           <a:prstGeom prst="ellipse">
             <a:avLst/>
@@ -29291,7 +29364,7 @@
         <p:spPr>
           <a:xfrm>
             <a:off x="649800" y="541800"/>
-            <a:ext cx="1148400" cy="500400"/>
+            <a:ext cx="1148040" cy="500040"/>
           </a:xfrm>
           <a:prstGeom prst="ellipse">
             <a:avLst/>
@@ -29346,7 +29419,7 @@
         <p:spPr>
           <a:xfrm>
             <a:off x="4320000" y="3168000"/>
-            <a:ext cx="1038600" cy="788400"/>
+            <a:ext cx="1038240" cy="788040"/>
           </a:xfrm>
           <a:custGeom>
             <a:avLst/>
@@ -29424,7 +29497,7 @@
         <p:spPr>
           <a:xfrm>
             <a:off x="4176000" y="4428000"/>
-            <a:ext cx="1434600" cy="786600"/>
+            <a:ext cx="1434240" cy="786240"/>
           </a:xfrm>
           <a:prstGeom prst="rect">
             <a:avLst/>
@@ -29560,7 +29633,7 @@
         <p:spPr>
           <a:xfrm>
             <a:off x="5870160" y="3782160"/>
-            <a:ext cx="1148400" cy="500400"/>
+            <a:ext cx="1148040" cy="500040"/>
           </a:xfrm>
           <a:prstGeom prst="ellipse">
             <a:avLst/>
@@ -29615,7 +29688,7 @@
         <p:spPr>
           <a:xfrm>
             <a:off x="7380000" y="3115440"/>
-            <a:ext cx="2624400" cy="597600"/>
+            <a:ext cx="2624040" cy="597240"/>
           </a:xfrm>
           <a:prstGeom prst="rect">
             <a:avLst/>

--- a/GATE/images/gate_images.pptx
+++ b/GATE/images/gate_images.pptx
@@ -29,6 +29,7 @@
     <p:sldId id="277" r:id="rId24"/>
     <p:sldId id="278" r:id="rId25"/>
     <p:sldId id="279" r:id="rId26"/>
+    <p:sldId id="280" r:id="rId27"/>
   </p:sldIdLst>
   <p:sldSz cx="10080625" cy="5670550"/>
   <p:notesSz cx="7772400" cy="10058400"/>
@@ -1670,7 +1671,7 @@
         <p:spPr>
           <a:xfrm>
             <a:off x="1836000" y="1332000"/>
-            <a:ext cx="2369880" cy="785880"/>
+            <a:ext cx="2369520" cy="785520"/>
           </a:xfrm>
           <a:prstGeom prst="rect">
             <a:avLst/>
@@ -1725,7 +1726,7 @@
         <p:spPr>
           <a:xfrm>
             <a:off x="1836000" y="2880000"/>
-            <a:ext cx="2369880" cy="785880"/>
+            <a:ext cx="2369520" cy="785520"/>
           </a:xfrm>
           <a:prstGeom prst="rect">
             <a:avLst/>
@@ -1790,7 +1791,7 @@
         <p:spPr>
           <a:xfrm>
             <a:off x="1836000" y="4176000"/>
-            <a:ext cx="2369880" cy="785880"/>
+            <a:ext cx="2369520" cy="785520"/>
           </a:xfrm>
           <a:prstGeom prst="rect">
             <a:avLst/>
@@ -1865,7 +1866,7 @@
         <p:spPr>
           <a:xfrm>
             <a:off x="5292000" y="900000"/>
-            <a:ext cx="2369880" cy="1505880"/>
+            <a:ext cx="2369520" cy="1505520"/>
           </a:xfrm>
           <a:prstGeom prst="rect">
             <a:avLst/>
@@ -2000,7 +2001,7 @@
         <p:spPr>
           <a:xfrm>
             <a:off x="5292000" y="2571480"/>
-            <a:ext cx="2369880" cy="1274400"/>
+            <a:ext cx="2369520" cy="1274040"/>
           </a:xfrm>
           <a:prstGeom prst="rect">
             <a:avLst/>
@@ -2115,7 +2116,7 @@
         <p:spPr>
           <a:xfrm>
             <a:off x="5292000" y="4047480"/>
-            <a:ext cx="2369880" cy="1022400"/>
+            <a:ext cx="2369520" cy="1022040"/>
           </a:xfrm>
           <a:prstGeom prst="rect">
             <a:avLst/>
@@ -2294,7 +2295,7 @@
         <p:spPr>
           <a:xfrm>
             <a:off x="2988000" y="360000"/>
-            <a:ext cx="4385880" cy="340200"/>
+            <a:ext cx="4385520" cy="339840"/>
           </a:xfrm>
           <a:prstGeom prst="rect">
             <a:avLst/>
@@ -2375,7 +2376,7 @@
         <p:spPr>
           <a:xfrm>
             <a:off x="1440000" y="720000"/>
-            <a:ext cx="6764040" cy="1796040"/>
+            <a:ext cx="6763680" cy="1795680"/>
           </a:xfrm>
           <a:prstGeom prst="rect">
             <a:avLst/>
@@ -2405,7 +2406,7 @@
         <p:spPr>
           <a:xfrm>
             <a:off x="2016000" y="1188000"/>
-            <a:ext cx="1434240" cy="786240"/>
+            <a:ext cx="1433880" cy="785880"/>
           </a:xfrm>
           <a:prstGeom prst="rect">
             <a:avLst/>
@@ -2460,7 +2461,7 @@
         <p:spPr>
           <a:xfrm>
             <a:off x="6192000" y="1188000"/>
-            <a:ext cx="1434240" cy="786240"/>
+            <a:ext cx="1433880" cy="785880"/>
           </a:xfrm>
           <a:prstGeom prst="rect">
             <a:avLst/>
@@ -2515,7 +2516,7 @@
         <p:spPr>
           <a:xfrm>
             <a:off x="4140000" y="900000"/>
-            <a:ext cx="1434240" cy="1362240"/>
+            <a:ext cx="1433880" cy="1361880"/>
           </a:xfrm>
           <a:custGeom>
             <a:avLst/>
@@ -2701,7 +2702,7 @@
         <p:spPr>
           <a:xfrm>
             <a:off x="4320000" y="3168000"/>
-            <a:ext cx="1038240" cy="788040"/>
+            <a:ext cx="1037880" cy="787680"/>
           </a:xfrm>
           <a:custGeom>
             <a:avLst/>
@@ -2779,7 +2780,7 @@
         <p:spPr>
           <a:xfrm>
             <a:off x="4176000" y="4428000"/>
-            <a:ext cx="1434240" cy="786240"/>
+            <a:ext cx="1433880" cy="785880"/>
           </a:xfrm>
           <a:prstGeom prst="rect">
             <a:avLst/>
@@ -2861,7 +2862,7 @@
         <p:spPr>
           <a:xfrm>
             <a:off x="5870160" y="3314160"/>
-            <a:ext cx="1148040" cy="500040"/>
+            <a:ext cx="1147680" cy="499680"/>
           </a:xfrm>
           <a:prstGeom prst="ellipse">
             <a:avLst/>
@@ -3000,7 +3001,7 @@
         <p:spPr>
           <a:xfrm>
             <a:off x="1944000" y="900000"/>
-            <a:ext cx="1434240" cy="786240"/>
+            <a:ext cx="1433880" cy="785880"/>
           </a:xfrm>
           <a:prstGeom prst="rect">
             <a:avLst/>
@@ -3055,7 +3056,7 @@
         <p:spPr>
           <a:xfrm>
             <a:off x="6120000" y="900000"/>
-            <a:ext cx="1434240" cy="786240"/>
+            <a:ext cx="1433880" cy="785880"/>
           </a:xfrm>
           <a:prstGeom prst="rect">
             <a:avLst/>
@@ -3110,7 +3111,7 @@
         <p:spPr>
           <a:xfrm>
             <a:off x="4068000" y="612000"/>
-            <a:ext cx="1434240" cy="1362240"/>
+            <a:ext cx="1433880" cy="1361880"/>
           </a:xfrm>
           <a:custGeom>
             <a:avLst/>
@@ -3289,7 +3290,7 @@
         <p:spPr>
           <a:xfrm>
             <a:off x="2592000" y="5904000"/>
-            <a:ext cx="7122960" cy="597240"/>
+            <a:ext cx="7122600" cy="596880"/>
           </a:xfrm>
           <a:prstGeom prst="rect">
             <a:avLst/>
@@ -3360,7 +3361,7 @@
         <p:spPr>
           <a:xfrm>
             <a:off x="360000" y="216360"/>
-            <a:ext cx="1148040" cy="500040"/>
+            <a:ext cx="1147680" cy="499680"/>
           </a:xfrm>
           <a:prstGeom prst="ellipse">
             <a:avLst/>
@@ -3415,7 +3416,7 @@
         <p:spPr>
           <a:xfrm>
             <a:off x="1727640" y="216360"/>
-            <a:ext cx="1148040" cy="500040"/>
+            <a:ext cx="1147680" cy="499680"/>
           </a:xfrm>
           <a:prstGeom prst="ellipse">
             <a:avLst/>
@@ -3470,7 +3471,7 @@
         <p:spPr>
           <a:xfrm>
             <a:off x="359280" y="1008360"/>
-            <a:ext cx="1148040" cy="500040"/>
+            <a:ext cx="1147680" cy="499680"/>
           </a:xfrm>
           <a:prstGeom prst="ellipse">
             <a:avLst/>
@@ -3525,7 +3526,7 @@
         <p:spPr>
           <a:xfrm>
             <a:off x="358920" y="1800360"/>
-            <a:ext cx="1148040" cy="500040"/>
+            <a:ext cx="1147680" cy="499680"/>
           </a:xfrm>
           <a:prstGeom prst="ellipse">
             <a:avLst/>
@@ -3580,7 +3581,7 @@
         <p:spPr>
           <a:xfrm>
             <a:off x="1906560" y="1836360"/>
-            <a:ext cx="1148040" cy="500040"/>
+            <a:ext cx="1147680" cy="499680"/>
           </a:xfrm>
           <a:prstGeom prst="ellipse">
             <a:avLst/>
@@ -3635,7 +3636,7 @@
         <p:spPr>
           <a:xfrm>
             <a:off x="4211280" y="360"/>
-            <a:ext cx="1148040" cy="500040"/>
+            <a:ext cx="1147680" cy="499680"/>
           </a:xfrm>
           <a:prstGeom prst="ellipse">
             <a:avLst/>
@@ -3690,7 +3691,7 @@
         <p:spPr>
           <a:xfrm>
             <a:off x="6226920" y="360"/>
-            <a:ext cx="1148040" cy="500040"/>
+            <a:ext cx="1147680" cy="499680"/>
           </a:xfrm>
           <a:prstGeom prst="ellipse">
             <a:avLst/>
@@ -3745,7 +3746,7 @@
         <p:spPr>
           <a:xfrm>
             <a:off x="4210920" y="360"/>
-            <a:ext cx="1148040" cy="500040"/>
+            <a:ext cx="1147680" cy="499680"/>
           </a:xfrm>
           <a:prstGeom prst="ellipse">
             <a:avLst/>
@@ -3800,7 +3801,7 @@
         <p:spPr>
           <a:xfrm>
             <a:off x="7738920" y="252360"/>
-            <a:ext cx="1148040" cy="500040"/>
+            <a:ext cx="1147680" cy="499680"/>
           </a:xfrm>
           <a:prstGeom prst="ellipse">
             <a:avLst/>
@@ -3855,7 +3856,7 @@
         <p:spPr>
           <a:xfrm>
             <a:off x="7810920" y="936360"/>
-            <a:ext cx="1148040" cy="500040"/>
+            <a:ext cx="1147680" cy="499680"/>
           </a:xfrm>
           <a:prstGeom prst="ellipse">
             <a:avLst/>
@@ -5391,7 +5392,7 @@
         <p:spPr>
           <a:xfrm>
             <a:off x="576000" y="4320000"/>
-            <a:ext cx="2444400" cy="342720"/>
+            <a:ext cx="2444040" cy="342360"/>
           </a:xfrm>
           <a:prstGeom prst="rect">
             <a:avLst/>
@@ -5442,7 +5443,7 @@
         <p:spPr>
           <a:xfrm>
             <a:off x="7092000" y="3672000"/>
-            <a:ext cx="2444400" cy="342720"/>
+            <a:ext cx="2444040" cy="342360"/>
           </a:xfrm>
           <a:prstGeom prst="rect">
             <a:avLst/>
@@ -5493,7 +5494,7 @@
         <p:spPr>
           <a:xfrm>
             <a:off x="3744000" y="5328000"/>
-            <a:ext cx="2444400" cy="342720"/>
+            <a:ext cx="2444040" cy="342360"/>
           </a:xfrm>
           <a:prstGeom prst="rect">
             <a:avLst/>
@@ -5574,7 +5575,7 @@
         <p:spPr>
           <a:xfrm>
             <a:off x="5934960" y="1050480"/>
-            <a:ext cx="1692720" cy="1003680"/>
+            <a:ext cx="1692360" cy="1003320"/>
           </a:xfrm>
           <a:prstGeom prst="rect">
             <a:avLst/>
@@ -5604,7 +5605,7 @@
         <p:spPr>
           <a:xfrm>
             <a:off x="1908000" y="1152000"/>
-            <a:ext cx="1434240" cy="786240"/>
+            <a:ext cx="1433880" cy="785880"/>
           </a:xfrm>
           <a:prstGeom prst="rect">
             <a:avLst/>
@@ -5659,7 +5660,7 @@
         <p:spPr>
           <a:xfrm>
             <a:off x="6084000" y="1152000"/>
-            <a:ext cx="1434240" cy="786240"/>
+            <a:ext cx="1433880" cy="785880"/>
           </a:xfrm>
           <a:prstGeom prst="rect">
             <a:avLst/>
@@ -5714,7 +5715,7 @@
         <p:spPr>
           <a:xfrm>
             <a:off x="4032000" y="864000"/>
-            <a:ext cx="1434240" cy="1362240"/>
+            <a:ext cx="1433880" cy="1361880"/>
           </a:xfrm>
           <a:custGeom>
             <a:avLst/>
@@ -5846,7 +5847,7 @@
         <p:spPr>
           <a:xfrm>
             <a:off x="1548000" y="576000"/>
-            <a:ext cx="2120400" cy="464400"/>
+            <a:ext cx="2120040" cy="464040"/>
           </a:xfrm>
           <a:prstGeom prst="rect">
             <a:avLst/>
@@ -5952,7 +5953,7 @@
         <p:spPr>
           <a:xfrm>
             <a:off x="5760000" y="576000"/>
-            <a:ext cx="2120400" cy="464400"/>
+            <a:ext cx="2120040" cy="464040"/>
           </a:xfrm>
           <a:prstGeom prst="rect">
             <a:avLst/>
@@ -6003,7 +6004,7 @@
         <p:spPr>
           <a:xfrm>
             <a:off x="216000" y="2376000"/>
-            <a:ext cx="2120400" cy="2588400"/>
+            <a:ext cx="2120040" cy="2588040"/>
           </a:xfrm>
           <a:prstGeom prst="rect">
             <a:avLst/>
@@ -6712,7 +6713,7 @@
         <p:spPr>
           <a:xfrm>
             <a:off x="1945800" y="3636000"/>
-            <a:ext cx="1434240" cy="786240"/>
+            <a:ext cx="1433880" cy="785880"/>
           </a:xfrm>
           <a:prstGeom prst="rect">
             <a:avLst/>
@@ -6787,7 +6788,7 @@
         <p:spPr>
           <a:xfrm>
             <a:off x="6300000" y="3673800"/>
-            <a:ext cx="1434240" cy="786240"/>
+            <a:ext cx="1433880" cy="785880"/>
           </a:xfrm>
           <a:prstGeom prst="rect">
             <a:avLst/>
@@ -6916,7 +6917,7 @@
         <p:spPr>
           <a:xfrm>
             <a:off x="1764000" y="4860000"/>
-            <a:ext cx="7122960" cy="597240"/>
+            <a:ext cx="7122600" cy="596880"/>
           </a:xfrm>
           <a:prstGeom prst="rect">
             <a:avLst/>
@@ -6942,7 +6943,7 @@
         <p:spPr>
           <a:xfrm>
             <a:off x="4140000" y="1080000"/>
-            <a:ext cx="1434240" cy="786240"/>
+            <a:ext cx="1433880" cy="785880"/>
           </a:xfrm>
           <a:prstGeom prst="rect">
             <a:avLst/>
@@ -6997,7 +6998,7 @@
         <p:spPr>
           <a:xfrm>
             <a:off x="4392000" y="2267640"/>
-            <a:ext cx="932040" cy="1004040"/>
+            <a:ext cx="931680" cy="1003680"/>
           </a:xfrm>
           <a:custGeom>
             <a:avLst/>
@@ -7046,7 +7047,7 @@
         <p:spPr>
           <a:xfrm>
             <a:off x="4572000" y="2304000"/>
-            <a:ext cx="644040" cy="342360"/>
+            <a:ext cx="643680" cy="342000"/>
           </a:xfrm>
           <a:prstGeom prst="rect">
             <a:avLst/>
@@ -7178,7 +7179,7 @@
         <p:spPr>
           <a:xfrm>
             <a:off x="2592000" y="432000"/>
-            <a:ext cx="1148040" cy="500040"/>
+            <a:ext cx="1147680" cy="499680"/>
           </a:xfrm>
           <a:prstGeom prst="ellipse">
             <a:avLst/>
@@ -7233,7 +7234,7 @@
         <p:spPr>
           <a:xfrm>
             <a:off x="4104360" y="360360"/>
-            <a:ext cx="1148040" cy="500040"/>
+            <a:ext cx="1147680" cy="499680"/>
           </a:xfrm>
           <a:prstGeom prst="ellipse">
             <a:avLst/>
@@ -7288,7 +7289,7 @@
         <p:spPr>
           <a:xfrm>
             <a:off x="5652720" y="432720"/>
-            <a:ext cx="1148040" cy="500040"/>
+            <a:ext cx="1147680" cy="499680"/>
           </a:xfrm>
           <a:prstGeom prst="ellipse">
             <a:avLst/>
@@ -7343,7 +7344,7 @@
         <p:spPr>
           <a:xfrm>
             <a:off x="3813480" y="4321080"/>
-            <a:ext cx="1148040" cy="500040"/>
+            <a:ext cx="1147680" cy="499680"/>
           </a:xfrm>
           <a:prstGeom prst="ellipse">
             <a:avLst/>
@@ -7398,7 +7399,7 @@
         <p:spPr>
           <a:xfrm>
             <a:off x="2193840" y="4717440"/>
-            <a:ext cx="1148040" cy="500040"/>
+            <a:ext cx="1147680" cy="499680"/>
           </a:xfrm>
           <a:prstGeom prst="ellipse">
             <a:avLst/>
@@ -7453,7 +7454,7 @@
         <p:spPr>
           <a:xfrm>
             <a:off x="682200" y="4501800"/>
-            <a:ext cx="1148040" cy="500040"/>
+            <a:ext cx="1147680" cy="499680"/>
           </a:xfrm>
           <a:prstGeom prst="ellipse">
             <a:avLst/>
@@ -7508,7 +7509,7 @@
         <p:spPr>
           <a:xfrm>
             <a:off x="5434560" y="4574160"/>
-            <a:ext cx="1148040" cy="500040"/>
+            <a:ext cx="1147680" cy="499680"/>
           </a:xfrm>
           <a:prstGeom prst="ellipse">
             <a:avLst/>
@@ -7563,7 +7564,7 @@
         <p:spPr>
           <a:xfrm>
             <a:off x="7634160" y="4574520"/>
-            <a:ext cx="1148040" cy="500040"/>
+            <a:ext cx="1147680" cy="499680"/>
           </a:xfrm>
           <a:prstGeom prst="ellipse">
             <a:avLst/>
@@ -7618,7 +7619,7 @@
         <p:spPr>
           <a:xfrm>
             <a:off x="686520" y="3098880"/>
-            <a:ext cx="1148040" cy="500040"/>
+            <a:ext cx="1147680" cy="499680"/>
           </a:xfrm>
           <a:prstGeom prst="ellipse">
             <a:avLst/>
@@ -7916,7 +7917,7 @@
         <p:spPr>
           <a:xfrm>
             <a:off x="216000" y="288000"/>
-            <a:ext cx="2372400" cy="2300400"/>
+            <a:ext cx="2372040" cy="2300040"/>
           </a:xfrm>
           <a:prstGeom prst="rect">
             <a:avLst/>
@@ -8037,7 +8038,7 @@
         <p:spPr>
           <a:xfrm>
             <a:off x="1908000" y="936000"/>
-            <a:ext cx="1434240" cy="786240"/>
+            <a:ext cx="1433880" cy="785880"/>
           </a:xfrm>
           <a:prstGeom prst="rect">
             <a:avLst/>
@@ -8092,7 +8093,7 @@
         <p:spPr>
           <a:xfrm>
             <a:off x="6084000" y="936000"/>
-            <a:ext cx="1434240" cy="786240"/>
+            <a:ext cx="1433880" cy="785880"/>
           </a:xfrm>
           <a:prstGeom prst="rect">
             <a:avLst/>
@@ -8147,7 +8148,7 @@
         <p:spPr>
           <a:xfrm>
             <a:off x="4934160" y="4392000"/>
-            <a:ext cx="1434240" cy="786240"/>
+            <a:ext cx="1433880" cy="785880"/>
           </a:xfrm>
           <a:prstGeom prst="rect">
             <a:avLst/>
@@ -8202,7 +8203,7 @@
         <p:spPr>
           <a:xfrm>
             <a:off x="4032000" y="648000"/>
-            <a:ext cx="1434240" cy="1362240"/>
+            <a:ext cx="1433880" cy="1361880"/>
           </a:xfrm>
           <a:custGeom>
             <a:avLst/>
@@ -8300,7 +8301,7 @@
         <p:spPr>
           <a:xfrm>
             <a:off x="1908000" y="3204360"/>
-            <a:ext cx="1434240" cy="1362240"/>
+            <a:ext cx="1433880" cy="1361880"/>
           </a:xfrm>
           <a:custGeom>
             <a:avLst/>
@@ -8452,7 +8453,7 @@
         <p:spPr>
           <a:xfrm>
             <a:off x="4140000" y="2234160"/>
-            <a:ext cx="1148400" cy="570240"/>
+            <a:ext cx="1148040" cy="569880"/>
           </a:xfrm>
           <a:prstGeom prst="ellipse">
             <a:avLst/>
@@ -8507,7 +8508,7 @@
         <p:spPr>
           <a:xfrm>
             <a:off x="3708360" y="3636360"/>
-            <a:ext cx="1076040" cy="570240"/>
+            <a:ext cx="1075680" cy="569880"/>
           </a:xfrm>
           <a:prstGeom prst="ellipse">
             <a:avLst/>
@@ -8616,7 +8617,7 @@
         <p:spPr>
           <a:xfrm>
             <a:off x="504000" y="396000"/>
-            <a:ext cx="1148400" cy="570240"/>
+            <a:ext cx="1148040" cy="569880"/>
           </a:xfrm>
           <a:prstGeom prst="ellipse">
             <a:avLst/>
@@ -8671,7 +8672,7 @@
         <p:spPr>
           <a:xfrm>
             <a:off x="1944000" y="180000"/>
-            <a:ext cx="1148400" cy="570240"/>
+            <a:ext cx="1148040" cy="569880"/>
           </a:xfrm>
           <a:prstGeom prst="ellipse">
             <a:avLst/>
@@ -8726,7 +8727,7 @@
         <p:spPr>
           <a:xfrm>
             <a:off x="288000" y="1152000"/>
-            <a:ext cx="1148400" cy="570240"/>
+            <a:ext cx="1148040" cy="569880"/>
           </a:xfrm>
           <a:prstGeom prst="ellipse">
             <a:avLst/>
@@ -8781,7 +8782,7 @@
         <p:spPr>
           <a:xfrm>
             <a:off x="5940000" y="180000"/>
-            <a:ext cx="1148400" cy="570240"/>
+            <a:ext cx="1148040" cy="569880"/>
           </a:xfrm>
           <a:prstGeom prst="ellipse">
             <a:avLst/>
@@ -8836,7 +8837,7 @@
         <p:spPr>
           <a:xfrm>
             <a:off x="7560000" y="180000"/>
-            <a:ext cx="1148400" cy="570240"/>
+            <a:ext cx="1148040" cy="569880"/>
           </a:xfrm>
           <a:prstGeom prst="ellipse">
             <a:avLst/>
@@ -8891,7 +8892,7 @@
         <p:spPr>
           <a:xfrm>
             <a:off x="7992000" y="972000"/>
-            <a:ext cx="1148400" cy="570240"/>
+            <a:ext cx="1148040" cy="569880"/>
           </a:xfrm>
           <a:prstGeom prst="ellipse">
             <a:avLst/>
@@ -8973,7 +8974,7 @@
         <p:spPr>
           <a:xfrm>
             <a:off x="432000" y="3636360"/>
-            <a:ext cx="1076040" cy="570240"/>
+            <a:ext cx="1075680" cy="569880"/>
           </a:xfrm>
           <a:prstGeom prst="ellipse">
             <a:avLst/>
@@ -9028,7 +9029,7 @@
         <p:spPr>
           <a:xfrm>
             <a:off x="6803640" y="4068360"/>
-            <a:ext cx="1076040" cy="570240"/>
+            <a:ext cx="1075680" cy="569880"/>
           </a:xfrm>
           <a:prstGeom prst="ellipse">
             <a:avLst/>
@@ -9083,7 +9084,7 @@
         <p:spPr>
           <a:xfrm>
             <a:off x="6839280" y="4752360"/>
-            <a:ext cx="1076040" cy="570240"/>
+            <a:ext cx="1075680" cy="569880"/>
           </a:xfrm>
           <a:prstGeom prst="ellipse">
             <a:avLst/>
@@ -9493,7 +9494,7 @@
         <p:spPr>
           <a:xfrm>
             <a:off x="2556000" y="1152000"/>
-            <a:ext cx="4532760" cy="356760"/>
+            <a:ext cx="4532400" cy="356400"/>
           </a:xfrm>
           <a:prstGeom prst="rect">
             <a:avLst/>
@@ -10343,7 +10344,7 @@
         <p:spPr>
           <a:xfrm>
             <a:off x="3492000" y="3541680"/>
-            <a:ext cx="3021840" cy="344160"/>
+            <a:ext cx="3021480" cy="343800"/>
           </a:xfrm>
           <a:prstGeom prst="rect">
             <a:avLst/>
@@ -10394,7 +10395,7 @@
         <p:spPr>
           <a:xfrm>
             <a:off x="144000" y="3564000"/>
-            <a:ext cx="3021840" cy="344160"/>
+            <a:ext cx="3021480" cy="343800"/>
           </a:xfrm>
           <a:prstGeom prst="rect">
             <a:avLst/>
@@ -10445,7 +10446,7 @@
         <p:spPr>
           <a:xfrm>
             <a:off x="7308000" y="3528000"/>
-            <a:ext cx="3021840" cy="344160"/>
+            <a:ext cx="3021480" cy="343800"/>
           </a:xfrm>
           <a:prstGeom prst="rect">
             <a:avLst/>
@@ -10898,7 +10899,7 @@
         <p:spPr>
           <a:xfrm>
             <a:off x="3492000" y="3541680"/>
-            <a:ext cx="3021840" cy="344160"/>
+            <a:ext cx="3021480" cy="343800"/>
           </a:xfrm>
           <a:prstGeom prst="rect">
             <a:avLst/>
@@ -10949,7 +10950,7 @@
         <p:spPr>
           <a:xfrm>
             <a:off x="144000" y="3564000"/>
-            <a:ext cx="3021840" cy="344160"/>
+            <a:ext cx="3021480" cy="343800"/>
           </a:xfrm>
           <a:prstGeom prst="rect">
             <a:avLst/>
@@ -11000,7 +11001,7 @@
         <p:spPr>
           <a:xfrm>
             <a:off x="7308000" y="3528000"/>
-            <a:ext cx="3021840" cy="344160"/>
+            <a:ext cx="3021480" cy="343800"/>
           </a:xfrm>
           <a:prstGeom prst="rect">
             <a:avLst/>
@@ -12029,7 +12030,7 @@
         <p:spPr>
           <a:xfrm>
             <a:off x="3456000" y="1008000"/>
-            <a:ext cx="3238200" cy="344520"/>
+            <a:ext cx="3237840" cy="344160"/>
           </a:xfrm>
           <a:prstGeom prst="rect">
             <a:avLst/>
@@ -12080,7 +12081,7 @@
         <p:spPr>
           <a:xfrm>
             <a:off x="648000" y="1836000"/>
-            <a:ext cx="3238200" cy="344520"/>
+            <a:ext cx="3237840" cy="344160"/>
           </a:xfrm>
           <a:prstGeom prst="rect">
             <a:avLst/>
@@ -12131,7 +12132,7 @@
         <p:spPr>
           <a:xfrm>
             <a:off x="5436000" y="2160000"/>
-            <a:ext cx="3238200" cy="344520"/>
+            <a:ext cx="3237840" cy="344160"/>
           </a:xfrm>
           <a:prstGeom prst="rect">
             <a:avLst/>
@@ -12209,7 +12210,7 @@
         <p:spPr>
           <a:xfrm>
             <a:off x="8676000" y="2988000"/>
-            <a:ext cx="1042200" cy="754200"/>
+            <a:ext cx="1041840" cy="753840"/>
           </a:xfrm>
           <a:prstGeom prst="rect">
             <a:avLst/>
@@ -12347,7 +12348,7 @@
         <p:spPr>
           <a:xfrm>
             <a:off x="2448000" y="4464000"/>
-            <a:ext cx="5830200" cy="754200"/>
+            <a:ext cx="5829840" cy="753840"/>
           </a:xfrm>
           <a:prstGeom prst="rect">
             <a:avLst/>
@@ -14209,7 +14210,7 @@
         <p:spPr>
           <a:xfrm>
             <a:off x="1728000" y="1741680"/>
-            <a:ext cx="1150560" cy="344880"/>
+            <a:ext cx="1150200" cy="344520"/>
           </a:xfrm>
           <a:prstGeom prst="rect">
             <a:avLst/>
@@ -14260,7 +14261,7 @@
         <p:spPr>
           <a:xfrm>
             <a:off x="6480000" y="648000"/>
-            <a:ext cx="1690560" cy="344880"/>
+            <a:ext cx="1690200" cy="344520"/>
           </a:xfrm>
           <a:prstGeom prst="rect">
             <a:avLst/>
@@ -14341,7 +14342,7 @@
         <p:spPr>
           <a:xfrm>
             <a:off x="1908000" y="936000"/>
-            <a:ext cx="1434240" cy="786240"/>
+            <a:ext cx="1433880" cy="785880"/>
           </a:xfrm>
           <a:prstGeom prst="rect">
             <a:avLst/>
@@ -14396,7 +14397,7 @@
         <p:spPr>
           <a:xfrm>
             <a:off x="6084000" y="936000"/>
-            <a:ext cx="1434240" cy="786240"/>
+            <a:ext cx="1433880" cy="785880"/>
           </a:xfrm>
           <a:prstGeom prst="rect">
             <a:avLst/>
@@ -14451,7 +14452,7 @@
         <p:spPr>
           <a:xfrm>
             <a:off x="1908000" y="4068000"/>
-            <a:ext cx="1434240" cy="786240"/>
+            <a:ext cx="1433880" cy="785880"/>
           </a:xfrm>
           <a:prstGeom prst="rect">
             <a:avLst/>
@@ -14506,7 +14507,7 @@
         <p:spPr>
           <a:xfrm>
             <a:off x="4032000" y="648000"/>
-            <a:ext cx="1434240" cy="1362240"/>
+            <a:ext cx="1433880" cy="1361880"/>
           </a:xfrm>
           <a:custGeom>
             <a:avLst/>
@@ -14604,7 +14605,7 @@
         <p:spPr>
           <a:xfrm>
             <a:off x="1872000" y="2232360"/>
-            <a:ext cx="1434240" cy="1362240"/>
+            <a:ext cx="1433880" cy="1361880"/>
           </a:xfrm>
           <a:custGeom>
             <a:avLst/>
@@ -14810,7 +14811,7 @@
         <p:spPr>
           <a:xfrm>
             <a:off x="5184000" y="2340000"/>
-            <a:ext cx="2010240" cy="570240"/>
+            <a:ext cx="2009880" cy="569880"/>
           </a:xfrm>
           <a:prstGeom prst="ellipse">
             <a:avLst/>
@@ -14865,7 +14866,7 @@
         <p:spPr>
           <a:xfrm>
             <a:off x="3960360" y="3240360"/>
-            <a:ext cx="2010240" cy="570240"/>
+            <a:ext cx="2009880" cy="569880"/>
           </a:xfrm>
           <a:prstGeom prst="ellipse">
             <a:avLst/>
@@ -15208,7 +15209,7 @@
         <p:spPr>
           <a:xfrm>
             <a:off x="144000" y="2057400"/>
-            <a:ext cx="2513520" cy="601200"/>
+            <a:ext cx="2513160" cy="600840"/>
           </a:xfrm>
           <a:prstGeom prst="rect">
             <a:avLst/>
@@ -15259,7 +15260,7 @@
         <p:spPr>
           <a:xfrm>
             <a:off x="3405600" y="976680"/>
-            <a:ext cx="2970720" cy="345240"/>
+            <a:ext cx="2970360" cy="344880"/>
           </a:xfrm>
           <a:prstGeom prst="rect">
             <a:avLst/>
@@ -15394,7 +15395,7 @@
         <p:spPr>
           <a:xfrm>
             <a:off x="457200" y="3742200"/>
-            <a:ext cx="2970720" cy="857160"/>
+            <a:ext cx="2970360" cy="856800"/>
           </a:xfrm>
           <a:prstGeom prst="rect">
             <a:avLst/>
@@ -15445,7 +15446,7 @@
         <p:spPr>
           <a:xfrm>
             <a:off x="3866400" y="3742200"/>
-            <a:ext cx="2533320" cy="1113120"/>
+            <a:ext cx="2532960" cy="1112760"/>
           </a:xfrm>
           <a:prstGeom prst="rect">
             <a:avLst/>
@@ -15496,7 +15497,7 @@
         <p:spPr>
           <a:xfrm>
             <a:off x="7086600" y="3706200"/>
-            <a:ext cx="2742120" cy="1093320"/>
+            <a:ext cx="2741760" cy="1092960"/>
           </a:xfrm>
           <a:prstGeom prst="rect">
             <a:avLst/>
@@ -15547,7 +15548,7 @@
         <p:spPr>
           <a:xfrm>
             <a:off x="7488360" y="2057760"/>
-            <a:ext cx="2513520" cy="345240"/>
+            <a:ext cx="2513160" cy="344880"/>
           </a:xfrm>
           <a:prstGeom prst="rect">
             <a:avLst/>
@@ -15909,7 +15910,7 @@
         <p:spPr>
           <a:xfrm>
             <a:off x="144000" y="2057400"/>
-            <a:ext cx="2513520" cy="601200"/>
+            <a:ext cx="2513160" cy="600840"/>
           </a:xfrm>
           <a:prstGeom prst="rect">
             <a:avLst/>
@@ -15960,7 +15961,7 @@
         <p:spPr>
           <a:xfrm>
             <a:off x="3405600" y="976680"/>
-            <a:ext cx="2970720" cy="345240"/>
+            <a:ext cx="2970360" cy="344880"/>
           </a:xfrm>
           <a:prstGeom prst="rect">
             <a:avLst/>
@@ -16095,7 +16096,7 @@
         <p:spPr>
           <a:xfrm>
             <a:off x="842400" y="3742200"/>
-            <a:ext cx="1696320" cy="1113120"/>
+            <a:ext cx="1695960" cy="1112760"/>
           </a:xfrm>
           <a:prstGeom prst="rect">
             <a:avLst/>
@@ -16146,7 +16147,7 @@
         <p:spPr>
           <a:xfrm>
             <a:off x="2822400" y="3742200"/>
-            <a:ext cx="2209320" cy="857160"/>
+            <a:ext cx="2208960" cy="856800"/>
           </a:xfrm>
           <a:prstGeom prst="rect">
             <a:avLst/>
@@ -16197,7 +16198,7 @@
         <p:spPr>
           <a:xfrm>
             <a:off x="7772400" y="3706200"/>
-            <a:ext cx="2056320" cy="636120"/>
+            <a:ext cx="2055960" cy="635760"/>
           </a:xfrm>
           <a:prstGeom prst="rect">
             <a:avLst/>
@@ -16248,7 +16249,7 @@
         <p:spPr>
           <a:xfrm>
             <a:off x="7488360" y="2057760"/>
-            <a:ext cx="2513520" cy="345240"/>
+            <a:ext cx="2513160" cy="344880"/>
           </a:xfrm>
           <a:prstGeom prst="rect">
             <a:avLst/>
@@ -16327,7 +16328,7 @@
         <p:spPr>
           <a:xfrm>
             <a:off x="5090400" y="3742200"/>
-            <a:ext cx="2209320" cy="857160"/>
+            <a:ext cx="2208960" cy="856800"/>
           </a:xfrm>
           <a:prstGeom prst="rect">
             <a:avLst/>
@@ -16408,7 +16409,7 @@
         <p:spPr>
           <a:xfrm>
             <a:off x="1564920" y="685800"/>
-            <a:ext cx="180000" cy="345600"/>
+            <a:ext cx="179640" cy="345240"/>
           </a:xfrm>
           <a:prstGeom prst="rect">
             <a:avLst/>
@@ -16434,7 +16435,7 @@
         <p:spPr>
           <a:xfrm>
             <a:off x="228600" y="228600"/>
-            <a:ext cx="1142280" cy="345600"/>
+            <a:ext cx="1141920" cy="345240"/>
           </a:xfrm>
           <a:prstGeom prst="rect">
             <a:avLst/>
@@ -16485,7 +16486,7 @@
         <p:spPr>
           <a:xfrm>
             <a:off x="169200" y="950400"/>
-            <a:ext cx="2056680" cy="456480"/>
+            <a:ext cx="2056320" cy="456120"/>
           </a:xfrm>
           <a:prstGeom prst="rect">
             <a:avLst/>
@@ -16898,7 +16899,7 @@
                       <a:noAutofit/>
                     </a:bodyPr>
                     <a:p>
-                      <a:pPr marL="216000" indent="-215280">
+                      <a:pPr marL="216000" indent="-214920">
                         <a:lnSpc>
                           <a:spcPct val="100000"/>
                         </a:lnSpc>
@@ -17221,7 +17222,7 @@
                       <a:noAutofit/>
                     </a:bodyPr>
                     <a:p>
-                      <a:pPr marL="216000" indent="-215280">
+                      <a:pPr marL="216000" indent="-214920">
                         <a:lnSpc>
                           <a:spcPct val="100000"/>
                         </a:lnSpc>
@@ -17701,7 +17702,7 @@
                       <a:noAutofit/>
                     </a:bodyPr>
                     <a:p>
-                      <a:pPr marL="216000" indent="-215280">
+                      <a:pPr marL="216000" indent="-214920">
                         <a:lnSpc>
                           <a:spcPct val="100000"/>
                         </a:lnSpc>
@@ -17997,7 +17998,7 @@
                       <a:noAutofit/>
                     </a:bodyPr>
                     <a:p>
-                      <a:pPr marL="216000" indent="-215280">
+                      <a:pPr marL="216000" indent="-214920">
                         <a:lnSpc>
                           <a:spcPct val="100000"/>
                         </a:lnSpc>
@@ -18265,7 +18266,7 @@
                       <a:noAutofit/>
                     </a:bodyPr>
                     <a:p>
-                      <a:pPr marL="216000" indent="-215280">
+                      <a:pPr marL="216000" indent="-214920">
                         <a:lnSpc>
                           <a:spcPct val="100000"/>
                         </a:lnSpc>
@@ -18504,7 +18505,7 @@
                       <a:noAutofit/>
                     </a:bodyPr>
                     <a:p>
-                      <a:pPr marL="216000" indent="-215280">
+                      <a:pPr marL="216000" indent="-214920">
                         <a:lnSpc>
                           <a:spcPct val="100000"/>
                         </a:lnSpc>
@@ -18650,7 +18651,7 @@
         <p:spPr>
           <a:xfrm>
             <a:off x="2057400" y="685800"/>
-            <a:ext cx="1142640" cy="345960"/>
+            <a:ext cx="1142280" cy="345600"/>
           </a:xfrm>
           <a:prstGeom prst="rect">
             <a:avLst/>
@@ -18678,7 +18679,11 @@
             </a:pPr>
             <a:r>
               <a:rPr b="0" lang="en-US" sz="1800" spc="-1" strike="noStrike">
+                <a:solidFill>
+                  <a:srgbClr val="000000"/>
+                </a:solidFill>
                 <a:latin typeface="Arial"/>
+                <a:ea typeface="DejaVu Sans"/>
               </a:rPr>
               <a:t>Insert 10</a:t>
             </a:r>
@@ -18697,7 +18702,7 @@
         <p:spPr>
           <a:xfrm>
             <a:off x="5670720" y="685800"/>
-            <a:ext cx="1142640" cy="345960"/>
+            <a:ext cx="1142280" cy="345600"/>
           </a:xfrm>
           <a:prstGeom prst="rect">
             <a:avLst/>
@@ -18725,6 +18730,9 @@
             </a:pPr>
             <a:r>
               <a:rPr b="0" lang="en-US" sz="1800" spc="-1" strike="noStrike">
+                <a:solidFill>
+                  <a:srgbClr val="000000"/>
+                </a:solidFill>
                 <a:latin typeface="Arial"/>
                 <a:ea typeface="Noto Sans"/>
               </a:rPr>
@@ -18745,7 +18753,7 @@
         <p:spPr>
           <a:xfrm>
             <a:off x="8229600" y="2168280"/>
-            <a:ext cx="1142640" cy="345960"/>
+            <a:ext cx="1142280" cy="345600"/>
           </a:xfrm>
           <a:prstGeom prst="rect">
             <a:avLst/>
@@ -18773,6 +18781,9 @@
             </a:pPr>
             <a:r>
               <a:rPr b="0" lang="en-US" sz="1800" spc="-1" strike="noStrike">
+                <a:solidFill>
+                  <a:srgbClr val="000000"/>
+                </a:solidFill>
                 <a:latin typeface="Arial"/>
                 <a:ea typeface="Noto Sans"/>
               </a:rPr>
@@ -18793,7 +18804,7 @@
         <p:spPr>
           <a:xfrm>
             <a:off x="4572000" y="3311280"/>
-            <a:ext cx="1142640" cy="345960"/>
+            <a:ext cx="1142280" cy="345600"/>
           </a:xfrm>
           <a:prstGeom prst="rect">
             <a:avLst/>
@@ -18821,6 +18832,9 @@
             </a:pPr>
             <a:r>
               <a:rPr b="0" lang="en-US" sz="1800" spc="-1" strike="noStrike">
+                <a:solidFill>
+                  <a:srgbClr val="000000"/>
+                </a:solidFill>
                 <a:latin typeface="Arial"/>
                 <a:ea typeface="Noto Sans"/>
               </a:rPr>
@@ -18927,7 +18941,7 @@
         <p:spPr>
           <a:xfrm>
             <a:off x="1564920" y="685800"/>
-            <a:ext cx="180000" cy="345600"/>
+            <a:ext cx="179640" cy="345240"/>
           </a:xfrm>
           <a:prstGeom prst="rect">
             <a:avLst/>
@@ -18953,7 +18967,7 @@
         <p:spPr>
           <a:xfrm>
             <a:off x="228600" y="228600"/>
-            <a:ext cx="1142280" cy="345600"/>
+            <a:ext cx="1141920" cy="345240"/>
           </a:xfrm>
           <a:prstGeom prst="rect">
             <a:avLst/>
@@ -19126,7 +19140,7 @@
                       <a:noAutofit/>
                     </a:bodyPr>
                     <a:p>
-                      <a:pPr marL="216000" indent="-215280">
+                      <a:pPr marL="216000" indent="-214920">
                         <a:lnSpc>
                           <a:spcPct val="100000"/>
                         </a:lnSpc>
@@ -19606,7 +19620,7 @@
                       <a:noAutofit/>
                     </a:bodyPr>
                     <a:p>
-                      <a:pPr marL="216000" indent="-215280">
+                      <a:pPr marL="216000" indent="-214920">
                         <a:lnSpc>
                           <a:spcPct val="100000"/>
                         </a:lnSpc>
@@ -19874,7 +19888,7 @@
                       <a:noAutofit/>
                     </a:bodyPr>
                     <a:p>
-                      <a:pPr marL="216000" indent="-215280">
+                      <a:pPr marL="216000" indent="-214920">
                         <a:lnSpc>
                           <a:spcPct val="100000"/>
                         </a:lnSpc>
@@ -20142,7 +20156,7 @@
                       <a:noAutofit/>
                     </a:bodyPr>
                     <a:p>
-                      <a:pPr marL="216000" indent="-215280">
+                      <a:pPr marL="216000" indent="-214920">
                         <a:lnSpc>
                           <a:spcPct val="100000"/>
                         </a:lnSpc>
@@ -20381,7 +20395,7 @@
                       <a:noAutofit/>
                     </a:bodyPr>
                     <a:p>
-                      <a:pPr marL="216000" indent="-215280">
+                      <a:pPr marL="216000" indent="-214920">
                         <a:lnSpc>
                           <a:spcPct val="100000"/>
                         </a:lnSpc>
@@ -20649,7 +20663,7 @@
                       <a:noAutofit/>
                     </a:bodyPr>
                     <a:p>
-                      <a:pPr marL="216000" indent="-215280">
+                      <a:pPr marL="216000" indent="-214920">
                         <a:lnSpc>
                           <a:spcPct val="100000"/>
                         </a:lnSpc>
@@ -20823,7 +20837,7 @@
         <p:spPr>
           <a:xfrm>
             <a:off x="6436080" y="1371600"/>
-            <a:ext cx="1142640" cy="345960"/>
+            <a:ext cx="1142280" cy="345600"/>
           </a:xfrm>
           <a:prstGeom prst="rect">
             <a:avLst/>
@@ -20851,6 +20865,9 @@
             </a:pPr>
             <a:r>
               <a:rPr b="0" lang="en-US" sz="1800" spc="-1" strike="noStrike">
+                <a:solidFill>
+                  <a:srgbClr val="000000"/>
+                </a:solidFill>
                 <a:latin typeface="Arial"/>
                 <a:ea typeface="Noto Sans"/>
               </a:rPr>
@@ -20985,7 +21002,7 @@
         <p:spPr>
           <a:xfrm>
             <a:off x="1564920" y="685800"/>
-            <a:ext cx="180000" cy="345600"/>
+            <a:ext cx="179640" cy="345240"/>
           </a:xfrm>
           <a:prstGeom prst="rect">
             <a:avLst/>
@@ -21011,7 +21028,7 @@
         <p:spPr>
           <a:xfrm>
             <a:off x="228600" y="228600"/>
-            <a:ext cx="1142280" cy="345600"/>
+            <a:ext cx="1141920" cy="345240"/>
           </a:xfrm>
           <a:prstGeom prst="rect">
             <a:avLst/>
@@ -21184,7 +21201,7 @@
                       <a:noAutofit/>
                     </a:bodyPr>
                     <a:p>
-                      <a:pPr marL="216000" indent="-215280">
+                      <a:pPr marL="216000" indent="-214920">
                         <a:lnSpc>
                           <a:spcPct val="100000"/>
                         </a:lnSpc>
@@ -21664,7 +21681,7 @@
                       <a:noAutofit/>
                     </a:bodyPr>
                     <a:p>
-                      <a:pPr marL="216000" indent="-215280">
+                      <a:pPr marL="216000" indent="-214920">
                         <a:lnSpc>
                           <a:spcPct val="100000"/>
                         </a:lnSpc>
@@ -21932,7 +21949,7 @@
                       <a:noAutofit/>
                     </a:bodyPr>
                     <a:p>
-                      <a:pPr marL="216000" indent="-215280">
+                      <a:pPr marL="216000" indent="-214920">
                         <a:lnSpc>
                           <a:spcPct val="100000"/>
                         </a:lnSpc>
@@ -22078,7 +22095,7 @@
         <p:spPr>
           <a:xfrm>
             <a:off x="799920" y="4158720"/>
-            <a:ext cx="180000" cy="426600"/>
+            <a:ext cx="179640" cy="426240"/>
           </a:xfrm>
           <a:prstGeom prst="rect">
             <a:avLst/>
@@ -22226,7 +22243,7 @@
                       <a:noAutofit/>
                     </a:bodyPr>
                     <a:p>
-                      <a:pPr marL="216000" indent="-215280">
+                      <a:pPr marL="216000" indent="-214920">
                         <a:lnSpc>
                           <a:spcPct val="100000"/>
                         </a:lnSpc>
@@ -22678,7 +22695,7 @@
                       <a:noAutofit/>
                     </a:bodyPr>
                     <a:p>
-                      <a:pPr marL="216000" indent="-215280">
+                      <a:pPr marL="216000" indent="-214920">
                         <a:lnSpc>
                           <a:spcPct val="100000"/>
                         </a:lnSpc>
@@ -22946,7 +22963,7 @@
                       <a:noAutofit/>
                     </a:bodyPr>
                     <a:p>
-                      <a:pPr marL="216000" indent="-215280">
+                      <a:pPr marL="216000" indent="-214920">
                         <a:lnSpc>
                           <a:spcPct val="100000"/>
                         </a:lnSpc>
@@ -23698,7 +23715,7 @@
         <p:spPr>
           <a:xfrm>
             <a:off x="5257800" y="2625480"/>
-            <a:ext cx="1142640" cy="345960"/>
+            <a:ext cx="1142280" cy="345600"/>
           </a:xfrm>
           <a:prstGeom prst="rect">
             <a:avLst/>
@@ -23726,6 +23743,9 @@
             </a:pPr>
             <a:r>
               <a:rPr b="0" lang="en-US" sz="1800" spc="-1" strike="noStrike">
+                <a:solidFill>
+                  <a:srgbClr val="000000"/>
+                </a:solidFill>
                 <a:latin typeface="Arial"/>
                 <a:ea typeface="Noto Sans"/>
               </a:rPr>
@@ -23859,6 +23879,479 @@
           <a:xfrm>
             <a:off x="7610040" y="5283360"/>
             <a:ext cx="457200" cy="0"/>
+          </a:xfrm>
+          <a:prstGeom prst="line">
+            <a:avLst/>
+          </a:prstGeom>
+          <a:ln w="0">
+            <a:solidFill>
+              <a:srgbClr val="3465a4"/>
+            </a:solidFill>
+            <a:tailEnd len="med" type="triangle" w="med"/>
+          </a:ln>
+        </p:spPr>
+        <p:style>
+          <a:lnRef idx="0"/>
+          <a:fillRef idx="0"/>
+          <a:effectRef idx="0"/>
+          <a:fontRef idx="minor"/>
+        </p:style>
+      </p:sp>
+    </p:spTree>
+  </p:cSld>
+  <mc:AlternateContent>
+    <mc:Choice Requires="p14">
+      <p:transition spd="slow" p14:dur="2000"/>
+    </mc:Choice>
+    <mc:Fallback>
+      <p:transition spd="slow"/>
+    </mc:Fallback>
+  </mc:AlternateContent>
+</p:sld>
+</file>
+
+<file path=ppt/slides/slide25.xml><?xml version="1.0" encoding="utf-8"?>
+<p:sld xmlns:a="http://schemas.openxmlformats.org/drawingml/2006/main" xmlns:p="http://schemas.openxmlformats.org/presentationml/2006/main" xmlns:r="http://schemas.openxmlformats.org/officeDocument/2006/relationships" xmlns:p14="http://schemas.microsoft.com/office/powerpoint/2010/main" xmlns:p15="http://schemas.microsoft.com/office/powerpoint/2012/main" xmlns:mc="http://schemas.openxmlformats.org/markup-compatibility/2006">
+  <p:cSld>
+    <p:spTree>
+      <p:nvGrpSpPr>
+        <p:cNvPr id="1" name=""/>
+        <p:cNvGrpSpPr/>
+        <p:nvPr/>
+      </p:nvGrpSpPr>
+      <p:grpSpPr>
+        <a:xfrm>
+          <a:off x="0" y="0"/>
+          <a:ext cx="0" cy="0"/>
+          <a:chOff x="0" y="0"/>
+          <a:chExt cx="0" cy="0"/>
+        </a:xfrm>
+      </p:grpSpPr>
+      <p:sp>
+        <p:nvSpPr>
+          <p:cNvPr id="478" name="TextShape 1"/>
+          <p:cNvSpPr txBox="1"/>
+          <p:nvPr/>
+        </p:nvSpPr>
+        <p:spPr>
+          <a:xfrm>
+            <a:off x="685800" y="685800"/>
+            <a:ext cx="4114800" cy="346320"/>
+          </a:xfrm>
+          <a:prstGeom prst="rect">
+            <a:avLst/>
+          </a:prstGeom>
+          <a:noFill/>
+          <a:ln w="0">
+            <a:noFill/>
+          </a:ln>
+        </p:spPr>
+        <p:txBody>
+          <a:bodyPr lIns="90000" rIns="90000" tIns="45000" bIns="45000">
+            <a:noAutofit/>
+          </a:bodyPr>
+          <a:p>
+            <a:r>
+              <a:rPr b="0" lang="en-US" sz="1800" spc="-1" strike="noStrike">
+                <a:latin typeface="Arial"/>
+              </a:rPr>
+              <a:t>State Diagram of a Transaction:</a:t>
+            </a:r>
+            <a:endParaRPr b="0" lang="en-US" sz="1800" spc="-1" strike="noStrike">
+              <a:latin typeface="Arial"/>
+            </a:endParaRPr>
+          </a:p>
+        </p:txBody>
+      </p:sp>
+      <p:sp>
+        <p:nvSpPr>
+          <p:cNvPr id="479" name="CustomShape 2"/>
+          <p:cNvSpPr/>
+          <p:nvPr/>
+        </p:nvSpPr>
+        <p:spPr>
+          <a:xfrm>
+            <a:off x="3988800" y="1636200"/>
+            <a:ext cx="914400" cy="914400"/>
+          </a:xfrm>
+          <a:prstGeom prst="ellipse">
+            <a:avLst/>
+          </a:prstGeom>
+          <a:solidFill>
+            <a:srgbClr val="729fcf"/>
+          </a:solidFill>
+          <a:ln w="0">
+            <a:solidFill>
+              <a:srgbClr val="3465a4"/>
+            </a:solidFill>
+          </a:ln>
+        </p:spPr>
+        <p:style>
+          <a:lnRef idx="0"/>
+          <a:fillRef idx="0"/>
+          <a:effectRef idx="0"/>
+          <a:fontRef idx="minor"/>
+        </p:style>
+        <p:txBody>
+          <a:bodyPr wrap="none" lIns="90000" rIns="90000" tIns="45000" bIns="45000" anchor="ctr">
+            <a:noAutofit/>
+          </a:bodyPr>
+          <a:p>
+            <a:pPr algn="ctr"/>
+            <a:r>
+              <a:rPr b="0" lang="en-US" sz="1800" spc="-1" strike="noStrike">
+                <a:latin typeface="Arial"/>
+              </a:rPr>
+              <a:t>Partially</a:t>
+            </a:r>
+            <a:endParaRPr b="0" lang="en-US" sz="1800" spc="-1" strike="noStrike">
+              <a:latin typeface="Arial"/>
+            </a:endParaRPr>
+          </a:p>
+          <a:p>
+            <a:pPr algn="ctr"/>
+            <a:r>
+              <a:rPr b="0" lang="en-US" sz="1800" spc="-1" strike="noStrike">
+                <a:latin typeface="Arial"/>
+              </a:rPr>
+              <a:t>Committed</a:t>
+            </a:r>
+            <a:endParaRPr b="0" lang="en-US" sz="1800" spc="-1" strike="noStrike">
+              <a:latin typeface="Arial"/>
+            </a:endParaRPr>
+          </a:p>
+        </p:txBody>
+      </p:sp>
+      <p:sp>
+        <p:nvSpPr>
+          <p:cNvPr id="480" name="CustomShape 3"/>
+          <p:cNvSpPr/>
+          <p:nvPr/>
+        </p:nvSpPr>
+        <p:spPr>
+          <a:xfrm>
+            <a:off x="6841440" y="1622160"/>
+            <a:ext cx="914400" cy="914400"/>
+          </a:xfrm>
+          <a:prstGeom prst="ellipse">
+            <a:avLst/>
+          </a:prstGeom>
+          <a:solidFill>
+            <a:srgbClr val="729fcf"/>
+          </a:solidFill>
+          <a:ln w="0">
+            <a:solidFill>
+              <a:srgbClr val="3465a4"/>
+            </a:solidFill>
+          </a:ln>
+        </p:spPr>
+        <p:style>
+          <a:lnRef idx="0"/>
+          <a:fillRef idx="0"/>
+          <a:effectRef idx="0"/>
+          <a:fontRef idx="minor"/>
+        </p:style>
+        <p:txBody>
+          <a:bodyPr wrap="none" lIns="90000" rIns="90000" tIns="45000" bIns="45000" anchor="ctr">
+            <a:noAutofit/>
+          </a:bodyPr>
+          <a:p>
+            <a:pPr algn="ctr">
+              <a:lnSpc>
+                <a:spcPct val="100000"/>
+              </a:lnSpc>
+            </a:pPr>
+            <a:r>
+              <a:rPr b="0" lang="en-US" sz="1800" spc="-1" strike="noStrike">
+                <a:latin typeface="Arial"/>
+              </a:rPr>
+              <a:t>Committed</a:t>
+            </a:r>
+            <a:endParaRPr b="0" lang="en-US" sz="1800" spc="-1" strike="noStrike">
+              <a:latin typeface="Arial"/>
+              <a:ea typeface="Noto Sans"/>
+            </a:endParaRPr>
+          </a:p>
+        </p:txBody>
+      </p:sp>
+      <p:sp>
+        <p:nvSpPr>
+          <p:cNvPr id="481" name="CustomShape 4"/>
+          <p:cNvSpPr/>
+          <p:nvPr/>
+        </p:nvSpPr>
+        <p:spPr>
+          <a:xfrm>
+            <a:off x="1945440" y="2594160"/>
+            <a:ext cx="914400" cy="914400"/>
+          </a:xfrm>
+          <a:prstGeom prst="ellipse">
+            <a:avLst/>
+          </a:prstGeom>
+          <a:solidFill>
+            <a:srgbClr val="729fcf"/>
+          </a:solidFill>
+          <a:ln w="0">
+            <a:solidFill>
+              <a:srgbClr val="3465a4"/>
+            </a:solidFill>
+          </a:ln>
+        </p:spPr>
+        <p:style>
+          <a:lnRef idx="0"/>
+          <a:fillRef idx="0"/>
+          <a:effectRef idx="0"/>
+          <a:fontRef idx="minor"/>
+        </p:style>
+        <p:txBody>
+          <a:bodyPr wrap="none" lIns="90000" rIns="90000" tIns="45000" bIns="45000" anchor="ctr">
+            <a:noAutofit/>
+          </a:bodyPr>
+          <a:p>
+            <a:pPr algn="ctr">
+              <a:lnSpc>
+                <a:spcPct val="100000"/>
+              </a:lnSpc>
+            </a:pPr>
+            <a:r>
+              <a:rPr b="0" lang="en-US" sz="1800" spc="-1" strike="noStrike">
+                <a:latin typeface="Arial"/>
+              </a:rPr>
+              <a:t>Active</a:t>
+            </a:r>
+            <a:endParaRPr b="0" lang="en-US" sz="1800" spc="-1" strike="noStrike">
+              <a:latin typeface="Arial"/>
+              <a:ea typeface="Noto Sans"/>
+            </a:endParaRPr>
+          </a:p>
+        </p:txBody>
+      </p:sp>
+      <p:sp>
+        <p:nvSpPr>
+          <p:cNvPr id="482" name="CustomShape 5"/>
+          <p:cNvSpPr/>
+          <p:nvPr/>
+        </p:nvSpPr>
+        <p:spPr>
+          <a:xfrm>
+            <a:off x="6877440" y="3638160"/>
+            <a:ext cx="914400" cy="914400"/>
+          </a:xfrm>
+          <a:prstGeom prst="ellipse">
+            <a:avLst/>
+          </a:prstGeom>
+          <a:solidFill>
+            <a:srgbClr val="729fcf"/>
+          </a:solidFill>
+          <a:ln w="0">
+            <a:solidFill>
+              <a:srgbClr val="3465a4"/>
+            </a:solidFill>
+          </a:ln>
+        </p:spPr>
+        <p:style>
+          <a:lnRef idx="0"/>
+          <a:fillRef idx="0"/>
+          <a:effectRef idx="0"/>
+          <a:fontRef idx="minor"/>
+        </p:style>
+        <p:txBody>
+          <a:bodyPr wrap="none" lIns="90000" rIns="90000" tIns="45000" bIns="45000" anchor="ctr">
+            <a:noAutofit/>
+          </a:bodyPr>
+          <a:p>
+            <a:pPr algn="ctr">
+              <a:lnSpc>
+                <a:spcPct val="100000"/>
+              </a:lnSpc>
+            </a:pPr>
+            <a:r>
+              <a:rPr b="0" lang="en-US" sz="1800" spc="-1" strike="noStrike">
+                <a:latin typeface="Arial"/>
+              </a:rPr>
+              <a:t>Aborted</a:t>
+            </a:r>
+            <a:endParaRPr b="0" lang="en-US" sz="1800" spc="-1" strike="noStrike">
+              <a:latin typeface="Arial"/>
+              <a:ea typeface="Noto Sans"/>
+            </a:endParaRPr>
+          </a:p>
+        </p:txBody>
+      </p:sp>
+      <p:sp>
+        <p:nvSpPr>
+          <p:cNvPr id="483" name="CustomShape 6"/>
+          <p:cNvSpPr/>
+          <p:nvPr/>
+        </p:nvSpPr>
+        <p:spPr>
+          <a:xfrm>
+            <a:off x="3997440" y="3638160"/>
+            <a:ext cx="914400" cy="914400"/>
+          </a:xfrm>
+          <a:prstGeom prst="ellipse">
+            <a:avLst/>
+          </a:prstGeom>
+          <a:solidFill>
+            <a:srgbClr val="729fcf"/>
+          </a:solidFill>
+          <a:ln w="0">
+            <a:solidFill>
+              <a:srgbClr val="3465a4"/>
+            </a:solidFill>
+          </a:ln>
+        </p:spPr>
+        <p:style>
+          <a:lnRef idx="0"/>
+          <a:fillRef idx="0"/>
+          <a:effectRef idx="0"/>
+          <a:fontRef idx="minor"/>
+        </p:style>
+        <p:txBody>
+          <a:bodyPr wrap="none" lIns="90000" rIns="90000" tIns="45000" bIns="45000" anchor="ctr">
+            <a:noAutofit/>
+          </a:bodyPr>
+          <a:p>
+            <a:pPr algn="ctr">
+              <a:lnSpc>
+                <a:spcPct val="100000"/>
+              </a:lnSpc>
+            </a:pPr>
+            <a:r>
+              <a:rPr b="0" lang="en-US" sz="1800" spc="-1" strike="noStrike">
+                <a:latin typeface="Arial"/>
+              </a:rPr>
+              <a:t>Failed</a:t>
+            </a:r>
+            <a:endParaRPr b="0" lang="en-US" sz="1800" spc="-1" strike="noStrike">
+              <a:latin typeface="Arial"/>
+              <a:ea typeface="Noto Sans"/>
+            </a:endParaRPr>
+          </a:p>
+        </p:txBody>
+      </p:sp>
+      <p:sp>
+        <p:nvSpPr>
+          <p:cNvPr id="484" name="Line 7"/>
+          <p:cNvSpPr/>
+          <p:nvPr/>
+        </p:nvSpPr>
+        <p:spPr>
+          <a:xfrm flipV="1">
+            <a:off x="2743200" y="2057400"/>
+            <a:ext cx="1245600" cy="685800"/>
+          </a:xfrm>
+          <a:prstGeom prst="line">
+            <a:avLst/>
+          </a:prstGeom>
+          <a:ln w="0">
+            <a:solidFill>
+              <a:srgbClr val="3465a4"/>
+            </a:solidFill>
+            <a:tailEnd len="med" type="triangle" w="med"/>
+          </a:ln>
+        </p:spPr>
+        <p:style>
+          <a:lnRef idx="0"/>
+          <a:fillRef idx="0"/>
+          <a:effectRef idx="0"/>
+          <a:fontRef idx="minor"/>
+        </p:style>
+      </p:sp>
+      <p:sp>
+        <p:nvSpPr>
+          <p:cNvPr id="485" name="Line 8"/>
+          <p:cNvSpPr/>
+          <p:nvPr/>
+        </p:nvSpPr>
+        <p:spPr>
+          <a:xfrm>
+            <a:off x="2743200" y="3357000"/>
+            <a:ext cx="1254240" cy="685800"/>
+          </a:xfrm>
+          <a:prstGeom prst="line">
+            <a:avLst/>
+          </a:prstGeom>
+          <a:ln w="0">
+            <a:solidFill>
+              <a:srgbClr val="3465a4"/>
+            </a:solidFill>
+            <a:tailEnd len="med" type="triangle" w="med"/>
+          </a:ln>
+        </p:spPr>
+        <p:style>
+          <a:lnRef idx="0"/>
+          <a:fillRef idx="0"/>
+          <a:effectRef idx="0"/>
+          <a:fontRef idx="minor"/>
+        </p:style>
+      </p:sp>
+      <p:sp>
+        <p:nvSpPr>
+          <p:cNvPr id="486" name="Line 9"/>
+          <p:cNvSpPr/>
+          <p:nvPr/>
+        </p:nvSpPr>
+        <p:spPr>
+          <a:xfrm>
+            <a:off x="4451400" y="2550600"/>
+            <a:ext cx="0" cy="1087560"/>
+          </a:xfrm>
+          <a:prstGeom prst="line">
+            <a:avLst/>
+          </a:prstGeom>
+          <a:ln w="0">
+            <a:solidFill>
+              <a:srgbClr val="3465a4"/>
+            </a:solidFill>
+            <a:tailEnd len="med" type="triangle" w="med"/>
+          </a:ln>
+        </p:spPr>
+        <p:style>
+          <a:lnRef idx="0"/>
+          <a:fillRef idx="0"/>
+          <a:effectRef idx="0"/>
+          <a:fontRef idx="minor"/>
+        </p:style>
+      </p:sp>
+      <p:sp>
+        <p:nvSpPr>
+          <p:cNvPr id="487" name="Line 10"/>
+          <p:cNvSpPr/>
+          <p:nvPr/>
+        </p:nvSpPr>
+        <p:spPr>
+          <a:xfrm>
+            <a:off x="4903200" y="2057400"/>
+            <a:ext cx="1938240" cy="0"/>
+          </a:xfrm>
+          <a:prstGeom prst="line">
+            <a:avLst/>
+          </a:prstGeom>
+          <a:ln w="0">
+            <a:solidFill>
+              <a:srgbClr val="3465a4"/>
+            </a:solidFill>
+            <a:tailEnd len="med" type="triangle" w="med"/>
+          </a:ln>
+        </p:spPr>
+        <p:style>
+          <a:lnRef idx="0"/>
+          <a:fillRef idx="0"/>
+          <a:effectRef idx="0"/>
+          <a:fontRef idx="minor"/>
+        </p:style>
+      </p:sp>
+      <p:sp>
+        <p:nvSpPr>
+          <p:cNvPr id="488" name="Line 11"/>
+          <p:cNvSpPr/>
+          <p:nvPr/>
+        </p:nvSpPr>
+        <p:spPr>
+          <a:xfrm>
+            <a:off x="4925520" y="4095360"/>
+            <a:ext cx="1938240" cy="0"/>
           </a:xfrm>
           <a:prstGeom prst="line">
             <a:avLst/>
@@ -23916,7 +24409,7 @@
         <p:spPr>
           <a:xfrm>
             <a:off x="3060000" y="2268000"/>
-            <a:ext cx="1434240" cy="786240"/>
+            <a:ext cx="1433880" cy="785880"/>
           </a:xfrm>
           <a:prstGeom prst="rect">
             <a:avLst/>
@@ -23971,7 +24464,7 @@
         <p:spPr>
           <a:xfrm>
             <a:off x="5832000" y="1980000"/>
-            <a:ext cx="1434240" cy="1362240"/>
+            <a:ext cx="1433880" cy="1361880"/>
           </a:xfrm>
           <a:custGeom>
             <a:avLst/>
@@ -24123,7 +24616,7 @@
         <p:spPr>
           <a:xfrm>
             <a:off x="2376000" y="1044000"/>
-            <a:ext cx="1146240" cy="678240"/>
+            <a:ext cx="1145880" cy="677880"/>
           </a:xfrm>
           <a:prstGeom prst="ellipse">
             <a:avLst/>
@@ -24178,7 +24671,7 @@
         <p:spPr>
           <a:xfrm>
             <a:off x="3780360" y="1044360"/>
-            <a:ext cx="1146240" cy="678240"/>
+            <a:ext cx="1145880" cy="677880"/>
           </a:xfrm>
           <a:prstGeom prst="ellipse">
             <a:avLst/>
@@ -24233,7 +24726,7 @@
         <p:spPr>
           <a:xfrm>
             <a:off x="2376360" y="1044360"/>
-            <a:ext cx="1146240" cy="678240"/>
+            <a:ext cx="1145880" cy="677880"/>
           </a:xfrm>
           <a:prstGeom prst="ellipse">
             <a:avLst/>
@@ -24288,7 +24781,7 @@
         <p:spPr>
           <a:xfrm>
             <a:off x="1512720" y="2160720"/>
-            <a:ext cx="1146240" cy="678240"/>
+            <a:ext cx="1145880" cy="677880"/>
           </a:xfrm>
           <a:prstGeom prst="ellipse">
             <a:avLst/>
@@ -24424,7 +24917,7 @@
         <p:spPr>
           <a:xfrm>
             <a:off x="4500000" y="2376000"/>
-            <a:ext cx="1398240" cy="596520"/>
+            <a:ext cx="1397880" cy="596160"/>
           </a:xfrm>
           <a:prstGeom prst="rect">
             <a:avLst/>
@@ -24475,7 +24968,7 @@
         <p:spPr>
           <a:xfrm>
             <a:off x="4320000" y="3204360"/>
-            <a:ext cx="1398240" cy="596520"/>
+            <a:ext cx="1397880" cy="596160"/>
           </a:xfrm>
           <a:prstGeom prst="rect">
             <a:avLst/>
@@ -24556,7 +25049,7 @@
         <p:spPr>
           <a:xfrm>
             <a:off x="504000" y="576000"/>
-            <a:ext cx="426600" cy="1650600"/>
+            <a:ext cx="426240" cy="1650240"/>
           </a:xfrm>
           <a:prstGeom prst="ellipse">
             <a:avLst/>
@@ -24586,7 +25079,7 @@
         <p:spPr>
           <a:xfrm>
             <a:off x="1440360" y="576360"/>
-            <a:ext cx="426600" cy="1650600"/>
+            <a:ext cx="426240" cy="1650240"/>
           </a:xfrm>
           <a:prstGeom prst="ellipse">
             <a:avLst/>
@@ -24616,7 +25109,7 @@
         <p:spPr>
           <a:xfrm>
             <a:off x="3204720" y="612720"/>
-            <a:ext cx="426600" cy="1650600"/>
+            <a:ext cx="426240" cy="1650240"/>
           </a:xfrm>
           <a:prstGeom prst="ellipse">
             <a:avLst/>
@@ -24646,7 +25139,7 @@
         <p:spPr>
           <a:xfrm>
             <a:off x="4068720" y="576720"/>
-            <a:ext cx="426600" cy="1650600"/>
+            <a:ext cx="426240" cy="1650240"/>
           </a:xfrm>
           <a:prstGeom prst="ellipse">
             <a:avLst/>
@@ -24676,7 +25169,7 @@
         <p:spPr>
           <a:xfrm>
             <a:off x="504720" y="3204720"/>
-            <a:ext cx="426600" cy="1650600"/>
+            <a:ext cx="426240" cy="1650240"/>
           </a:xfrm>
           <a:prstGeom prst="ellipse">
             <a:avLst/>
@@ -24706,7 +25199,7 @@
         <p:spPr>
           <a:xfrm>
             <a:off x="1440720" y="3168720"/>
-            <a:ext cx="426600" cy="1650600"/>
+            <a:ext cx="426240" cy="1650240"/>
           </a:xfrm>
           <a:prstGeom prst="ellipse">
             <a:avLst/>
@@ -24736,7 +25229,7 @@
         <p:spPr>
           <a:xfrm>
             <a:off x="3240720" y="3168720"/>
-            <a:ext cx="426600" cy="1650600"/>
+            <a:ext cx="426240" cy="1650240"/>
           </a:xfrm>
           <a:prstGeom prst="ellipse">
             <a:avLst/>
@@ -24766,7 +25259,7 @@
         <p:spPr>
           <a:xfrm>
             <a:off x="4068720" y="3168720"/>
-            <a:ext cx="426600" cy="1650600"/>
+            <a:ext cx="426240" cy="1650240"/>
           </a:xfrm>
           <a:prstGeom prst="ellipse">
             <a:avLst/>
@@ -24796,7 +25289,7 @@
         <p:spPr>
           <a:xfrm>
             <a:off x="540000" y="936000"/>
-            <a:ext cx="498600" cy="340920"/>
+            <a:ext cx="498240" cy="340560"/>
           </a:xfrm>
           <a:prstGeom prst="rect">
             <a:avLst/>
@@ -24847,7 +25340,7 @@
         <p:spPr>
           <a:xfrm>
             <a:off x="540000" y="1512000"/>
-            <a:ext cx="498600" cy="340920"/>
+            <a:ext cx="498240" cy="340560"/>
           </a:xfrm>
           <a:prstGeom prst="rect">
             <a:avLst/>
@@ -24898,7 +25391,7 @@
         <p:spPr>
           <a:xfrm>
             <a:off x="1512000" y="1512000"/>
-            <a:ext cx="498600" cy="340920"/>
+            <a:ext cx="498240" cy="340560"/>
           </a:xfrm>
           <a:prstGeom prst="rect">
             <a:avLst/>
@@ -24949,7 +25442,7 @@
         <p:spPr>
           <a:xfrm>
             <a:off x="1512000" y="900000"/>
-            <a:ext cx="498600" cy="340920"/>
+            <a:ext cx="498240" cy="340560"/>
           </a:xfrm>
           <a:prstGeom prst="rect">
             <a:avLst/>
@@ -25000,7 +25493,7 @@
         <p:spPr>
           <a:xfrm>
             <a:off x="540000" y="1260000"/>
-            <a:ext cx="498600" cy="340920"/>
+            <a:ext cx="498240" cy="340560"/>
           </a:xfrm>
           <a:prstGeom prst="rect">
             <a:avLst/>
@@ -25051,7 +25544,7 @@
         <p:spPr>
           <a:xfrm>
             <a:off x="1512000" y="1224000"/>
-            <a:ext cx="498600" cy="340920"/>
+            <a:ext cx="498240" cy="340560"/>
           </a:xfrm>
           <a:prstGeom prst="rect">
             <a:avLst/>
@@ -25102,7 +25595,7 @@
         <p:spPr>
           <a:xfrm>
             <a:off x="3240000" y="900000"/>
-            <a:ext cx="498600" cy="340920"/>
+            <a:ext cx="498240" cy="340560"/>
           </a:xfrm>
           <a:prstGeom prst="rect">
             <a:avLst/>
@@ -25153,7 +25646,7 @@
         <p:spPr>
           <a:xfrm>
             <a:off x="4104000" y="900000"/>
-            <a:ext cx="498600" cy="340920"/>
+            <a:ext cx="498240" cy="340560"/>
           </a:xfrm>
           <a:prstGeom prst="rect">
             <a:avLst/>
@@ -25204,7 +25697,7 @@
         <p:spPr>
           <a:xfrm>
             <a:off x="4104000" y="1224000"/>
-            <a:ext cx="498600" cy="340920"/>
+            <a:ext cx="498240" cy="340560"/>
           </a:xfrm>
           <a:prstGeom prst="rect">
             <a:avLst/>
@@ -25255,7 +25748,7 @@
         <p:spPr>
           <a:xfrm>
             <a:off x="4104000" y="1620000"/>
-            <a:ext cx="498600" cy="340920"/>
+            <a:ext cx="498240" cy="340560"/>
           </a:xfrm>
           <a:prstGeom prst="rect">
             <a:avLst/>
@@ -25306,7 +25799,7 @@
         <p:spPr>
           <a:xfrm>
             <a:off x="576000" y="3492000"/>
-            <a:ext cx="498600" cy="340920"/>
+            <a:ext cx="498240" cy="340560"/>
           </a:xfrm>
           <a:prstGeom prst="rect">
             <a:avLst/>
@@ -25357,7 +25850,7 @@
         <p:spPr>
           <a:xfrm>
             <a:off x="576000" y="3852000"/>
-            <a:ext cx="498600" cy="340920"/>
+            <a:ext cx="498240" cy="340560"/>
           </a:xfrm>
           <a:prstGeom prst="rect">
             <a:avLst/>
@@ -25408,7 +25901,7 @@
         <p:spPr>
           <a:xfrm>
             <a:off x="576000" y="4176000"/>
-            <a:ext cx="498600" cy="340920"/>
+            <a:ext cx="498240" cy="340560"/>
           </a:xfrm>
           <a:prstGeom prst="rect">
             <a:avLst/>
@@ -25459,7 +25952,7 @@
         <p:spPr>
           <a:xfrm>
             <a:off x="1476000" y="3492000"/>
-            <a:ext cx="498600" cy="340920"/>
+            <a:ext cx="498240" cy="340560"/>
           </a:xfrm>
           <a:prstGeom prst="rect">
             <a:avLst/>
@@ -25510,7 +26003,7 @@
         <p:spPr>
           <a:xfrm>
             <a:off x="3240000" y="3492000"/>
-            <a:ext cx="498600" cy="340920"/>
+            <a:ext cx="498240" cy="340560"/>
           </a:xfrm>
           <a:prstGeom prst="rect">
             <a:avLst/>
@@ -25561,7 +26054,7 @@
         <p:spPr>
           <a:xfrm>
             <a:off x="3276000" y="3960000"/>
-            <a:ext cx="498600" cy="340920"/>
+            <a:ext cx="498240" cy="340560"/>
           </a:xfrm>
           <a:prstGeom prst="rect">
             <a:avLst/>
@@ -25612,7 +26105,7 @@
         <p:spPr>
           <a:xfrm>
             <a:off x="4140000" y="3492000"/>
-            <a:ext cx="498600" cy="340920"/>
+            <a:ext cx="498240" cy="340560"/>
           </a:xfrm>
           <a:prstGeom prst="rect">
             <a:avLst/>
@@ -25663,7 +26156,7 @@
         <p:spPr>
           <a:xfrm>
             <a:off x="4140000" y="3924000"/>
-            <a:ext cx="498600" cy="340920"/>
+            <a:ext cx="498240" cy="340560"/>
           </a:xfrm>
           <a:prstGeom prst="rect">
             <a:avLst/>
@@ -26011,7 +26504,7 @@
         <p:spPr>
           <a:xfrm>
             <a:off x="540000" y="2412000"/>
-            <a:ext cx="1290600" cy="340920"/>
+            <a:ext cx="1290240" cy="340560"/>
           </a:xfrm>
           <a:prstGeom prst="rect">
             <a:avLst/>
@@ -26062,7 +26555,7 @@
         <p:spPr>
           <a:xfrm>
             <a:off x="3168000" y="2412000"/>
-            <a:ext cx="1434600" cy="390600"/>
+            <a:ext cx="1434240" cy="390240"/>
           </a:xfrm>
           <a:prstGeom prst="rect">
             <a:avLst/>
@@ -26113,7 +26606,7 @@
         <p:spPr>
           <a:xfrm>
             <a:off x="3168000" y="4968000"/>
-            <a:ext cx="1578600" cy="354600"/>
+            <a:ext cx="1578240" cy="354240"/>
           </a:xfrm>
           <a:prstGeom prst="rect">
             <a:avLst/>
@@ -26164,7 +26657,7 @@
         <p:spPr>
           <a:xfrm>
             <a:off x="504000" y="4968000"/>
-            <a:ext cx="1434600" cy="354600"/>
+            <a:ext cx="1434240" cy="354240"/>
           </a:xfrm>
           <a:prstGeom prst="rect">
             <a:avLst/>
@@ -26245,7 +26738,7 @@
         <p:spPr>
           <a:xfrm>
             <a:off x="1872000" y="1008000"/>
-            <a:ext cx="2082960" cy="786960"/>
+            <a:ext cx="2082600" cy="786600"/>
           </a:xfrm>
           <a:prstGeom prst="rect">
             <a:avLst/>
@@ -26275,7 +26768,7 @@
         <p:spPr>
           <a:xfrm>
             <a:off x="5328000" y="756000"/>
-            <a:ext cx="1650960" cy="1218960"/>
+            <a:ext cx="1650600" cy="1218600"/>
           </a:xfrm>
           <a:custGeom>
             <a:avLst/>
@@ -26328,7 +26821,7 @@
         <p:spPr>
           <a:xfrm>
             <a:off x="1872360" y="3672360"/>
-            <a:ext cx="2082960" cy="786960"/>
+            <a:ext cx="2082600" cy="786600"/>
           </a:xfrm>
           <a:prstGeom prst="rect">
             <a:avLst/>
@@ -26358,7 +26851,7 @@
         <p:spPr>
           <a:xfrm>
             <a:off x="5328360" y="3420360"/>
-            <a:ext cx="1650960" cy="1218960"/>
+            <a:ext cx="1650600" cy="1218600"/>
           </a:xfrm>
           <a:custGeom>
             <a:avLst/>
@@ -26466,7 +26959,7 @@
         <p:spPr>
           <a:xfrm>
             <a:off x="1188000" y="2304000"/>
-            <a:ext cx="6906960" cy="341280"/>
+            <a:ext cx="6906600" cy="340920"/>
           </a:xfrm>
           <a:prstGeom prst="rect">
             <a:avLst/>
@@ -26517,7 +27010,7 @@
         <p:spPr>
           <a:xfrm>
             <a:off x="1080000" y="4788000"/>
-            <a:ext cx="7158960" cy="597240"/>
+            <a:ext cx="7158600" cy="596880"/>
           </a:xfrm>
           <a:prstGeom prst="rect">
             <a:avLst/>
@@ -26598,7 +27091,7 @@
         <p:spPr>
           <a:xfrm>
             <a:off x="1908000" y="2232000"/>
-            <a:ext cx="1434240" cy="786240"/>
+            <a:ext cx="1433880" cy="785880"/>
           </a:xfrm>
           <a:prstGeom prst="rect">
             <a:avLst/>
@@ -26653,7 +27146,7 @@
         <p:spPr>
           <a:xfrm>
             <a:off x="6084000" y="2232000"/>
-            <a:ext cx="1434240" cy="786240"/>
+            <a:ext cx="1433880" cy="785880"/>
           </a:xfrm>
           <a:prstGeom prst="rect">
             <a:avLst/>
@@ -26708,7 +27201,7 @@
         <p:spPr>
           <a:xfrm>
             <a:off x="4032000" y="1944000"/>
-            <a:ext cx="1434240" cy="1362240"/>
+            <a:ext cx="1433880" cy="1361880"/>
           </a:xfrm>
           <a:custGeom>
             <a:avLst/>
@@ -26915,7 +27408,7 @@
         <p:spPr>
           <a:xfrm>
             <a:off x="2592000" y="3636000"/>
-            <a:ext cx="7122960" cy="597240"/>
+            <a:ext cx="7122600" cy="596880"/>
           </a:xfrm>
           <a:prstGeom prst="rect">
             <a:avLst/>
@@ -27016,7 +27509,7 @@
         <p:spPr>
           <a:xfrm>
             <a:off x="5934960" y="2130480"/>
-            <a:ext cx="1692720" cy="1003680"/>
+            <a:ext cx="1692360" cy="1003320"/>
           </a:xfrm>
           <a:prstGeom prst="rect">
             <a:avLst/>
@@ -27046,7 +27539,7 @@
         <p:spPr>
           <a:xfrm>
             <a:off x="1908000" y="2232000"/>
-            <a:ext cx="1434240" cy="786240"/>
+            <a:ext cx="1433880" cy="785880"/>
           </a:xfrm>
           <a:prstGeom prst="rect">
             <a:avLst/>
@@ -27101,7 +27594,7 @@
         <p:spPr>
           <a:xfrm>
             <a:off x="6084000" y="2232000"/>
-            <a:ext cx="1434240" cy="786240"/>
+            <a:ext cx="1433880" cy="785880"/>
           </a:xfrm>
           <a:prstGeom prst="rect">
             <a:avLst/>
@@ -27156,7 +27649,7 @@
         <p:spPr>
           <a:xfrm>
             <a:off x="4032000" y="1944000"/>
-            <a:ext cx="1434240" cy="1362240"/>
+            <a:ext cx="1433880" cy="1361880"/>
           </a:xfrm>
           <a:custGeom>
             <a:avLst/>
@@ -27315,7 +27808,7 @@
         <p:spPr>
           <a:xfrm>
             <a:off x="1764000" y="3564000"/>
-            <a:ext cx="7122960" cy="597240"/>
+            <a:ext cx="7122600" cy="596880"/>
           </a:xfrm>
           <a:prstGeom prst="rect">
             <a:avLst/>
@@ -27423,7 +27916,7 @@
         <p:spPr>
           <a:xfrm>
             <a:off x="1945800" y="3636000"/>
-            <a:ext cx="1434240" cy="786240"/>
+            <a:ext cx="1433880" cy="785880"/>
           </a:xfrm>
           <a:prstGeom prst="rect">
             <a:avLst/>
@@ -27498,7 +27991,7 @@
         <p:spPr>
           <a:xfrm>
             <a:off x="6300000" y="3673800"/>
-            <a:ext cx="1434240" cy="786240"/>
+            <a:ext cx="1433880" cy="785880"/>
           </a:xfrm>
           <a:prstGeom prst="rect">
             <a:avLst/>
@@ -27627,7 +28120,7 @@
         <p:spPr>
           <a:xfrm>
             <a:off x="1764000" y="4860000"/>
-            <a:ext cx="7122960" cy="597240"/>
+            <a:ext cx="7122600" cy="596880"/>
           </a:xfrm>
           <a:prstGeom prst="rect">
             <a:avLst/>
@@ -27653,7 +28146,7 @@
         <p:spPr>
           <a:xfrm>
             <a:off x="4140000" y="1080000"/>
-            <a:ext cx="1434240" cy="786240"/>
+            <a:ext cx="1433880" cy="785880"/>
           </a:xfrm>
           <a:prstGeom prst="rect">
             <a:avLst/>
@@ -27708,7 +28201,7 @@
         <p:spPr>
           <a:xfrm>
             <a:off x="4392000" y="2267640"/>
-            <a:ext cx="932040" cy="1004040"/>
+            <a:ext cx="931680" cy="1003680"/>
           </a:xfrm>
           <a:custGeom>
             <a:avLst/>
@@ -27757,7 +28250,7 @@
         <p:spPr>
           <a:xfrm>
             <a:off x="4572000" y="2304000"/>
-            <a:ext cx="644040" cy="342360"/>
+            <a:ext cx="643680" cy="342000"/>
           </a:xfrm>
           <a:prstGeom prst="rect">
             <a:avLst/>
@@ -27889,7 +28382,7 @@
         <p:spPr>
           <a:xfrm>
             <a:off x="2592000" y="432000"/>
-            <a:ext cx="1148040" cy="500040"/>
+            <a:ext cx="1147680" cy="499680"/>
           </a:xfrm>
           <a:prstGeom prst="ellipse">
             <a:avLst/>
@@ -27944,7 +28437,7 @@
         <p:spPr>
           <a:xfrm>
             <a:off x="4104360" y="360360"/>
-            <a:ext cx="1148040" cy="500040"/>
+            <a:ext cx="1147680" cy="499680"/>
           </a:xfrm>
           <a:prstGeom prst="ellipse">
             <a:avLst/>
@@ -27999,7 +28492,7 @@
         <p:spPr>
           <a:xfrm>
             <a:off x="5652720" y="432720"/>
-            <a:ext cx="1148040" cy="500040"/>
+            <a:ext cx="1147680" cy="499680"/>
           </a:xfrm>
           <a:prstGeom prst="ellipse">
             <a:avLst/>
@@ -28054,7 +28547,7 @@
         <p:spPr>
           <a:xfrm>
             <a:off x="3813480" y="4321080"/>
-            <a:ext cx="1148040" cy="500040"/>
+            <a:ext cx="1147680" cy="499680"/>
           </a:xfrm>
           <a:prstGeom prst="ellipse">
             <a:avLst/>
@@ -28109,7 +28602,7 @@
         <p:spPr>
           <a:xfrm>
             <a:off x="2193840" y="4717440"/>
-            <a:ext cx="1148040" cy="500040"/>
+            <a:ext cx="1147680" cy="499680"/>
           </a:xfrm>
           <a:prstGeom prst="ellipse">
             <a:avLst/>
@@ -28164,7 +28657,7 @@
         <p:spPr>
           <a:xfrm>
             <a:off x="682200" y="4501800"/>
-            <a:ext cx="1148040" cy="500040"/>
+            <a:ext cx="1147680" cy="499680"/>
           </a:xfrm>
           <a:prstGeom prst="ellipse">
             <a:avLst/>
@@ -28219,7 +28712,7 @@
         <p:spPr>
           <a:xfrm>
             <a:off x="5434560" y="4574160"/>
-            <a:ext cx="1148040" cy="500040"/>
+            <a:ext cx="1147680" cy="499680"/>
           </a:xfrm>
           <a:prstGeom prst="ellipse">
             <a:avLst/>
@@ -28274,7 +28767,7 @@
         <p:spPr>
           <a:xfrm>
             <a:off x="7634160" y="4574520"/>
-            <a:ext cx="1148040" cy="500040"/>
+            <a:ext cx="1147680" cy="499680"/>
           </a:xfrm>
           <a:prstGeom prst="ellipse">
             <a:avLst/>
@@ -28329,7 +28822,7 @@
         <p:spPr>
           <a:xfrm>
             <a:off x="686520" y="3098880"/>
-            <a:ext cx="1148040" cy="500040"/>
+            <a:ext cx="1147680" cy="499680"/>
           </a:xfrm>
           <a:prstGeom prst="ellipse">
             <a:avLst/>
@@ -28657,7 +29150,7 @@
         <p:spPr>
           <a:xfrm>
             <a:off x="432000" y="72000"/>
-            <a:ext cx="9068040" cy="2516040"/>
+            <a:ext cx="9067680" cy="2515680"/>
           </a:xfrm>
           <a:prstGeom prst="rect">
             <a:avLst/>
@@ -28687,7 +29180,7 @@
         <p:spPr>
           <a:xfrm>
             <a:off x="2016000" y="1188000"/>
-            <a:ext cx="1434240" cy="786240"/>
+            <a:ext cx="1433880" cy="785880"/>
           </a:xfrm>
           <a:prstGeom prst="rect">
             <a:avLst/>
@@ -28742,7 +29235,7 @@
         <p:spPr>
           <a:xfrm>
             <a:off x="6192000" y="1188000"/>
-            <a:ext cx="1434240" cy="786240"/>
+            <a:ext cx="1433880" cy="785880"/>
           </a:xfrm>
           <a:prstGeom prst="rect">
             <a:avLst/>
@@ -28797,7 +29290,7 @@
         <p:spPr>
           <a:xfrm>
             <a:off x="4140000" y="900000"/>
-            <a:ext cx="1434240" cy="1362240"/>
+            <a:ext cx="1433880" cy="1361880"/>
           </a:xfrm>
           <a:custGeom>
             <a:avLst/>
@@ -28956,7 +29449,7 @@
         <p:spPr>
           <a:xfrm>
             <a:off x="-36000" y="3384000"/>
-            <a:ext cx="2624040" cy="597240"/>
+            <a:ext cx="2623680" cy="596880"/>
           </a:xfrm>
           <a:prstGeom prst="rect">
             <a:avLst/>
@@ -29034,7 +29527,7 @@
         <p:spPr>
           <a:xfrm>
             <a:off x="5868360" y="180360"/>
-            <a:ext cx="1148040" cy="500040"/>
+            <a:ext cx="1147680" cy="499680"/>
           </a:xfrm>
           <a:prstGeom prst="ellipse">
             <a:avLst/>
@@ -29089,7 +29582,7 @@
         <p:spPr>
           <a:xfrm>
             <a:off x="7344720" y="216720"/>
-            <a:ext cx="1148040" cy="500040"/>
+            <a:ext cx="1147680" cy="499680"/>
           </a:xfrm>
           <a:prstGeom prst="ellipse">
             <a:avLst/>
@@ -29144,7 +29637,7 @@
         <p:spPr>
           <a:xfrm>
             <a:off x="7921080" y="937080"/>
-            <a:ext cx="1148040" cy="500040"/>
+            <a:ext cx="1147680" cy="499680"/>
           </a:xfrm>
           <a:prstGeom prst="ellipse">
             <a:avLst/>
@@ -29199,7 +29692,7 @@
         <p:spPr>
           <a:xfrm>
             <a:off x="7921440" y="1693440"/>
-            <a:ext cx="1148040" cy="500040"/>
+            <a:ext cx="1147680" cy="499680"/>
           </a:xfrm>
           <a:prstGeom prst="ellipse">
             <a:avLst/>
@@ -29254,7 +29747,7 @@
         <p:spPr>
           <a:xfrm>
             <a:off x="7921440" y="937440"/>
-            <a:ext cx="1148040" cy="500040"/>
+            <a:ext cx="1147680" cy="499680"/>
           </a:xfrm>
           <a:prstGeom prst="ellipse">
             <a:avLst/>
@@ -29309,7 +29802,7 @@
         <p:spPr>
           <a:xfrm>
             <a:off x="2089440" y="433440"/>
-            <a:ext cx="1148040" cy="500040"/>
+            <a:ext cx="1147680" cy="499680"/>
           </a:xfrm>
           <a:prstGeom prst="ellipse">
             <a:avLst/>
@@ -29364,7 +29857,7 @@
         <p:spPr>
           <a:xfrm>
             <a:off x="649800" y="541800"/>
-            <a:ext cx="1148040" cy="500040"/>
+            <a:ext cx="1147680" cy="499680"/>
           </a:xfrm>
           <a:prstGeom prst="ellipse">
             <a:avLst/>
@@ -29419,7 +29912,7 @@
         <p:spPr>
           <a:xfrm>
             <a:off x="4320000" y="3168000"/>
-            <a:ext cx="1038240" cy="788040"/>
+            <a:ext cx="1037880" cy="787680"/>
           </a:xfrm>
           <a:custGeom>
             <a:avLst/>
@@ -29497,7 +29990,7 @@
         <p:spPr>
           <a:xfrm>
             <a:off x="4176000" y="4428000"/>
-            <a:ext cx="1434240" cy="786240"/>
+            <a:ext cx="1433880" cy="785880"/>
           </a:xfrm>
           <a:prstGeom prst="rect">
             <a:avLst/>
@@ -29633,7 +30126,7 @@
         <p:spPr>
           <a:xfrm>
             <a:off x="5870160" y="3782160"/>
-            <a:ext cx="1148040" cy="500040"/>
+            <a:ext cx="1147680" cy="499680"/>
           </a:xfrm>
           <a:prstGeom prst="ellipse">
             <a:avLst/>
@@ -29688,7 +30181,7 @@
         <p:spPr>
           <a:xfrm>
             <a:off x="7380000" y="3115440"/>
-            <a:ext cx="2624040" cy="597240"/>
+            <a:ext cx="2623680" cy="596880"/>
           </a:xfrm>
           <a:prstGeom prst="rect">
             <a:avLst/>

--- a/GATE/images/gate_images.pptx
+++ b/GATE/images/gate_images.pptx
@@ -34,6 +34,7 @@
     <p:sldId id="281" r:id="rId29"/>
     <p:sldId id="282" r:id="rId30"/>
     <p:sldId id="283" r:id="rId31"/>
+    <p:sldId id="284" r:id="rId32"/>
   </p:sldIdLst>
   <p:sldSz cx="10080625" cy="5670550"/>
   <p:notesSz cx="7559675" cy="10691812"/>
@@ -2809,6 +2810,259 @@
       <p:sp>
         <p:nvSpPr>
           <p:cNvPr id="1" name="PlaceHolder 2"/>
+          <p:cNvSpPr>
+            <a:spLocks noGrp="1"/>
+          </p:cNvSpPr>
+          <p:nvPr>
+            <p:ph type="body"/>
+          </p:nvPr>
+        </p:nvSpPr>
+        <p:spPr>
+          <a:xfrm>
+            <a:off x="504000" y="1326600"/>
+            <a:ext cx="9071640" cy="3288240"/>
+          </a:xfrm>
+          <a:prstGeom prst="rect">
+            <a:avLst/>
+          </a:prstGeom>
+        </p:spPr>
+        <p:txBody>
+          <a:bodyPr lIns="0" rIns="0" tIns="0" bIns="0">
+            <a:normAutofit/>
+          </a:bodyPr>
+          <a:p>
+            <a:pPr marL="432000" indent="-324000" algn="ctr">
+              <a:spcBef>
+                <a:spcPts val="1417"/>
+              </a:spcBef>
+              <a:buClr>
+                <a:srgbClr val="000000"/>
+              </a:buClr>
+              <a:buSzPct val="45000"/>
+              <a:buFont typeface="Wingdings" charset="2"/>
+              <a:buChar char=""/>
+            </a:pPr>
+            <a:r>
+              <a:rPr b="0" lang="en-IN" sz="1800" spc="-1" strike="noStrike">
+                <a:latin typeface="Arial"/>
+              </a:rPr>
+              <a:t>Click to edit the outline text format</a:t>
+            </a:r>
+            <a:endParaRPr b="0" lang="en-IN" sz="1800" spc="-1" strike="noStrike">
+              <a:latin typeface="Arial"/>
+            </a:endParaRPr>
+          </a:p>
+          <a:p>
+            <a:pPr lvl="1" marL="864000" indent="-324000" algn="ctr">
+              <a:spcBef>
+                <a:spcPts val="1134"/>
+              </a:spcBef>
+              <a:buClr>
+                <a:srgbClr val="000000"/>
+              </a:buClr>
+              <a:buSzPct val="75000"/>
+              <a:buFont typeface="Symbol" charset="2"/>
+              <a:buChar char=""/>
+            </a:pPr>
+            <a:r>
+              <a:rPr b="0" lang="en-IN" sz="1800" spc="-1" strike="noStrike">
+                <a:latin typeface="Arial"/>
+              </a:rPr>
+              <a:t>Second Outline Level</a:t>
+            </a:r>
+            <a:endParaRPr b="0" lang="en-IN" sz="1800" spc="-1" strike="noStrike">
+              <a:latin typeface="Arial"/>
+            </a:endParaRPr>
+          </a:p>
+          <a:p>
+            <a:pPr lvl="2" marL="1296000" indent="-288000" algn="ctr">
+              <a:spcBef>
+                <a:spcPts val="850"/>
+              </a:spcBef>
+              <a:buClr>
+                <a:srgbClr val="000000"/>
+              </a:buClr>
+              <a:buSzPct val="45000"/>
+              <a:buFont typeface="Wingdings" charset="2"/>
+              <a:buChar char=""/>
+            </a:pPr>
+            <a:r>
+              <a:rPr b="0" lang="en-IN" sz="1800" spc="-1" strike="noStrike">
+                <a:latin typeface="Arial"/>
+              </a:rPr>
+              <a:t>Third Outline Level</a:t>
+            </a:r>
+            <a:endParaRPr b="0" lang="en-IN" sz="1800" spc="-1" strike="noStrike">
+              <a:latin typeface="Arial"/>
+            </a:endParaRPr>
+          </a:p>
+          <a:p>
+            <a:pPr lvl="3" marL="1728000" indent="-216000" algn="ctr">
+              <a:spcBef>
+                <a:spcPts val="567"/>
+              </a:spcBef>
+              <a:buClr>
+                <a:srgbClr val="000000"/>
+              </a:buClr>
+              <a:buSzPct val="75000"/>
+              <a:buFont typeface="Symbol" charset="2"/>
+              <a:buChar char=""/>
+            </a:pPr>
+            <a:r>
+              <a:rPr b="0" lang="en-IN" sz="1800" spc="-1" strike="noStrike">
+                <a:latin typeface="Arial"/>
+              </a:rPr>
+              <a:t>Fourth Outline Level</a:t>
+            </a:r>
+            <a:endParaRPr b="0" lang="en-IN" sz="1800" spc="-1" strike="noStrike">
+              <a:latin typeface="Arial"/>
+            </a:endParaRPr>
+          </a:p>
+          <a:p>
+            <a:pPr lvl="4" marL="2160000" indent="-216000" algn="ctr">
+              <a:spcBef>
+                <a:spcPts val="283"/>
+              </a:spcBef>
+              <a:buClr>
+                <a:srgbClr val="000000"/>
+              </a:buClr>
+              <a:buSzPct val="45000"/>
+              <a:buFont typeface="Wingdings" charset="2"/>
+              <a:buChar char=""/>
+            </a:pPr>
+            <a:r>
+              <a:rPr b="0" lang="en-IN" sz="1800" spc="-1" strike="noStrike">
+                <a:latin typeface="Arial"/>
+              </a:rPr>
+              <a:t>Fifth Outline Level</a:t>
+            </a:r>
+            <a:endParaRPr b="0" lang="en-IN" sz="1800" spc="-1" strike="noStrike">
+              <a:latin typeface="Arial"/>
+            </a:endParaRPr>
+          </a:p>
+          <a:p>
+            <a:pPr lvl="5" marL="2592000" indent="-216000" algn="ctr">
+              <a:spcBef>
+                <a:spcPts val="283"/>
+              </a:spcBef>
+              <a:buClr>
+                <a:srgbClr val="000000"/>
+              </a:buClr>
+              <a:buSzPct val="45000"/>
+              <a:buFont typeface="Wingdings" charset="2"/>
+              <a:buChar char=""/>
+            </a:pPr>
+            <a:r>
+              <a:rPr b="0" lang="en-IN" sz="1800" spc="-1" strike="noStrike">
+                <a:latin typeface="Arial"/>
+              </a:rPr>
+              <a:t>Sixth Outline Level</a:t>
+            </a:r>
+            <a:endParaRPr b="0" lang="en-IN" sz="1800" spc="-1" strike="noStrike">
+              <a:latin typeface="Arial"/>
+            </a:endParaRPr>
+          </a:p>
+          <a:p>
+            <a:pPr lvl="6" marL="3024000" indent="-216000" algn="ctr">
+              <a:spcBef>
+                <a:spcPts val="283"/>
+              </a:spcBef>
+              <a:buClr>
+                <a:srgbClr val="000000"/>
+              </a:buClr>
+              <a:buSzPct val="45000"/>
+              <a:buFont typeface="Wingdings" charset="2"/>
+              <a:buChar char=""/>
+            </a:pPr>
+            <a:r>
+              <a:rPr b="0" lang="en-IN" sz="1800" spc="-1" strike="noStrike">
+                <a:latin typeface="Arial"/>
+              </a:rPr>
+              <a:t>Seventh Outline Level</a:t>
+            </a:r>
+            <a:endParaRPr b="0" lang="en-IN" sz="1800" spc="-1" strike="noStrike">
+              <a:latin typeface="Arial"/>
+            </a:endParaRPr>
+          </a:p>
+        </p:txBody>
+      </p:sp>
+    </p:spTree>
+  </p:cSld>
+  <p:clrMap bg1="lt1" bg2="lt2" tx1="dk1" tx2="dk2" accent1="accent1" accent2="accent2" accent3="accent3" accent4="accent4" accent5="accent5" accent6="accent6" hlink="hlink" folHlink="folHlink"/>
+  <p:sldLayoutIdLst>
+    <p:sldLayoutId id="2147483649" r:id="rId2"/>
+    <p:sldLayoutId id="2147483650" r:id="rId3"/>
+    <p:sldLayoutId id="2147483651" r:id="rId4"/>
+    <p:sldLayoutId id="2147483652" r:id="rId5"/>
+    <p:sldLayoutId id="2147483653" r:id="rId6"/>
+    <p:sldLayoutId id="2147483654" r:id="rId7"/>
+    <p:sldLayoutId id="2147483655" r:id="rId8"/>
+    <p:sldLayoutId id="2147483656" r:id="rId9"/>
+    <p:sldLayoutId id="2147483657" r:id="rId10"/>
+    <p:sldLayoutId id="2147483658" r:id="rId11"/>
+    <p:sldLayoutId id="2147483659" r:id="rId12"/>
+    <p:sldLayoutId id="2147483660" r:id="rId13"/>
+  </p:sldLayoutIdLst>
+</p:sldMaster>
+</file>
+
+<file path=ppt/slideMasters/slideMaster2.xml><?xml version="1.0" encoding="utf-8"?>
+<p:sldMaster xmlns:a="http://schemas.openxmlformats.org/drawingml/2006/main" xmlns:p="http://schemas.openxmlformats.org/presentationml/2006/main" xmlns:r="http://schemas.openxmlformats.org/officeDocument/2006/relationships" xmlns:p14="http://schemas.microsoft.com/office/powerpoint/2010/main" xmlns:p15="http://schemas.microsoft.com/office/powerpoint/2012/main" xmlns:mc="http://schemas.openxmlformats.org/markup-compatibility/2006">
+  <p:cSld>
+    <p:spTree>
+      <p:nvGrpSpPr>
+        <p:cNvPr id="1" name=""/>
+        <p:cNvGrpSpPr/>
+        <p:nvPr/>
+      </p:nvGrpSpPr>
+      <p:grpSpPr>
+        <a:xfrm>
+          <a:off x="0" y="0"/>
+          <a:ext cx="0" cy="0"/>
+          <a:chOff x="0" y="0"/>
+          <a:chExt cx="0" cy="0"/>
+        </a:xfrm>
+      </p:grpSpPr>
+      <p:sp>
+        <p:nvSpPr>
+          <p:cNvPr id="38" name="PlaceHolder 1"/>
+          <p:cNvSpPr>
+            <a:spLocks noGrp="1"/>
+          </p:cNvSpPr>
+          <p:nvPr>
+            <p:ph type="title"/>
+          </p:nvPr>
+        </p:nvSpPr>
+        <p:spPr>
+          <a:xfrm>
+            <a:off x="504000" y="226080"/>
+            <a:ext cx="9072000" cy="946440"/>
+          </a:xfrm>
+          <a:prstGeom prst="rect">
+            <a:avLst/>
+          </a:prstGeom>
+        </p:spPr>
+        <p:txBody>
+          <a:bodyPr lIns="0" rIns="0" tIns="0" bIns="0" anchor="ctr">
+            <a:noAutofit/>
+          </a:bodyPr>
+          <a:p>
+            <a:pPr algn="ctr"/>
+            <a:r>
+              <a:rPr b="0" lang="en-IN" sz="4400" spc="-1" strike="noStrike">
+                <a:latin typeface="Arial"/>
+              </a:rPr>
+              <a:t>Click to edit the title text format</a:t>
+            </a:r>
+            <a:endParaRPr b="0" lang="en-IN" sz="4400" spc="-1" strike="noStrike">
+              <a:latin typeface="Arial"/>
+            </a:endParaRPr>
+          </a:p>
+        </p:txBody>
+      </p:sp>
+      <p:sp>
+        <p:nvSpPr>
+          <p:cNvPr id="39" name="PlaceHolder 2"/>
           <p:cNvSpPr>
             <a:spLocks noGrp="1"/>
           </p:cNvSpPr>
@@ -2989,259 +3243,6 @@
   </p:cSld>
   <p:clrMap bg1="lt1" bg2="lt2" tx1="dk1" tx2="dk2" accent1="accent1" accent2="accent2" accent3="accent3" accent4="accent4" accent5="accent5" accent6="accent6" hlink="hlink" folHlink="folHlink"/>
   <p:sldLayoutIdLst>
-    <p:sldLayoutId id="2147483649" r:id="rId2"/>
-    <p:sldLayoutId id="2147483650" r:id="rId3"/>
-    <p:sldLayoutId id="2147483651" r:id="rId4"/>
-    <p:sldLayoutId id="2147483652" r:id="rId5"/>
-    <p:sldLayoutId id="2147483653" r:id="rId6"/>
-    <p:sldLayoutId id="2147483654" r:id="rId7"/>
-    <p:sldLayoutId id="2147483655" r:id="rId8"/>
-    <p:sldLayoutId id="2147483656" r:id="rId9"/>
-    <p:sldLayoutId id="2147483657" r:id="rId10"/>
-    <p:sldLayoutId id="2147483658" r:id="rId11"/>
-    <p:sldLayoutId id="2147483659" r:id="rId12"/>
-    <p:sldLayoutId id="2147483660" r:id="rId13"/>
-  </p:sldLayoutIdLst>
-</p:sldMaster>
-</file>
-
-<file path=ppt/slideMasters/slideMaster2.xml><?xml version="1.0" encoding="utf-8"?>
-<p:sldMaster xmlns:a="http://schemas.openxmlformats.org/drawingml/2006/main" xmlns:p="http://schemas.openxmlformats.org/presentationml/2006/main" xmlns:r="http://schemas.openxmlformats.org/officeDocument/2006/relationships" xmlns:p14="http://schemas.microsoft.com/office/powerpoint/2010/main" xmlns:p15="http://schemas.microsoft.com/office/powerpoint/2012/main" xmlns:mc="http://schemas.openxmlformats.org/markup-compatibility/2006">
-  <p:cSld>
-    <p:spTree>
-      <p:nvGrpSpPr>
-        <p:cNvPr id="1" name=""/>
-        <p:cNvGrpSpPr/>
-        <p:nvPr/>
-      </p:nvGrpSpPr>
-      <p:grpSpPr>
-        <a:xfrm>
-          <a:off x="0" y="0"/>
-          <a:ext cx="0" cy="0"/>
-          <a:chOff x="0" y="0"/>
-          <a:chExt cx="0" cy="0"/>
-        </a:xfrm>
-      </p:grpSpPr>
-      <p:sp>
-        <p:nvSpPr>
-          <p:cNvPr id="38" name="PlaceHolder 1"/>
-          <p:cNvSpPr>
-            <a:spLocks noGrp="1"/>
-          </p:cNvSpPr>
-          <p:nvPr>
-            <p:ph type="title"/>
-          </p:nvPr>
-        </p:nvSpPr>
-        <p:spPr>
-          <a:xfrm>
-            <a:off x="504000" y="226080"/>
-            <a:ext cx="9072000" cy="946440"/>
-          </a:xfrm>
-          <a:prstGeom prst="rect">
-            <a:avLst/>
-          </a:prstGeom>
-        </p:spPr>
-        <p:txBody>
-          <a:bodyPr lIns="0" rIns="0" tIns="0" bIns="0" anchor="ctr">
-            <a:noAutofit/>
-          </a:bodyPr>
-          <a:p>
-            <a:pPr algn="ctr"/>
-            <a:r>
-              <a:rPr b="0" lang="en-IN" sz="4400" spc="-1" strike="noStrike">
-                <a:latin typeface="Arial"/>
-              </a:rPr>
-              <a:t>Click to edit the title text format</a:t>
-            </a:r>
-            <a:endParaRPr b="0" lang="en-IN" sz="4400" spc="-1" strike="noStrike">
-              <a:latin typeface="Arial"/>
-            </a:endParaRPr>
-          </a:p>
-        </p:txBody>
-      </p:sp>
-      <p:sp>
-        <p:nvSpPr>
-          <p:cNvPr id="39" name="PlaceHolder 2"/>
-          <p:cNvSpPr>
-            <a:spLocks noGrp="1"/>
-          </p:cNvSpPr>
-          <p:nvPr>
-            <p:ph type="body"/>
-          </p:nvPr>
-        </p:nvSpPr>
-        <p:spPr>
-          <a:xfrm>
-            <a:off x="504000" y="1326600"/>
-            <a:ext cx="9072000" cy="3288600"/>
-          </a:xfrm>
-          <a:prstGeom prst="rect">
-            <a:avLst/>
-          </a:prstGeom>
-        </p:spPr>
-        <p:txBody>
-          <a:bodyPr lIns="0" rIns="0" tIns="0" bIns="0">
-            <a:normAutofit/>
-          </a:bodyPr>
-          <a:p>
-            <a:pPr marL="432000" indent="-324000">
-              <a:spcBef>
-                <a:spcPts val="1417"/>
-              </a:spcBef>
-              <a:buClr>
-                <a:srgbClr val="000000"/>
-              </a:buClr>
-              <a:buSzPct val="45000"/>
-              <a:buFont typeface="Wingdings" charset="2"/>
-              <a:buChar char=""/>
-            </a:pPr>
-            <a:r>
-              <a:rPr b="0" lang="en-IN" sz="3200" spc="-1" strike="noStrike">
-                <a:latin typeface="Arial"/>
-              </a:rPr>
-              <a:t>Click to edit the outline text format</a:t>
-            </a:r>
-            <a:endParaRPr b="0" lang="en-IN" sz="3200" spc="-1" strike="noStrike">
-              <a:latin typeface="Arial"/>
-            </a:endParaRPr>
-          </a:p>
-          <a:p>
-            <a:pPr lvl="1" marL="864000" indent="-324000">
-              <a:spcBef>
-                <a:spcPts val="1134"/>
-              </a:spcBef>
-              <a:buClr>
-                <a:srgbClr val="000000"/>
-              </a:buClr>
-              <a:buSzPct val="75000"/>
-              <a:buFont typeface="Symbol" charset="2"/>
-              <a:buChar char=""/>
-            </a:pPr>
-            <a:r>
-              <a:rPr b="0" lang="en-IN" sz="2800" spc="-1" strike="noStrike">
-                <a:latin typeface="Arial"/>
-              </a:rPr>
-              <a:t>Second Outline Level</a:t>
-            </a:r>
-            <a:endParaRPr b="0" lang="en-IN" sz="2800" spc="-1" strike="noStrike">
-              <a:latin typeface="Arial"/>
-            </a:endParaRPr>
-          </a:p>
-          <a:p>
-            <a:pPr lvl="2" marL="1296000" indent="-288000">
-              <a:spcBef>
-                <a:spcPts val="850"/>
-              </a:spcBef>
-              <a:buClr>
-                <a:srgbClr val="000000"/>
-              </a:buClr>
-              <a:buSzPct val="45000"/>
-              <a:buFont typeface="Wingdings" charset="2"/>
-              <a:buChar char=""/>
-            </a:pPr>
-            <a:r>
-              <a:rPr b="0" lang="en-IN" sz="2400" spc="-1" strike="noStrike">
-                <a:latin typeface="Arial"/>
-              </a:rPr>
-              <a:t>Third Outline Level</a:t>
-            </a:r>
-            <a:endParaRPr b="0" lang="en-IN" sz="2400" spc="-1" strike="noStrike">
-              <a:latin typeface="Arial"/>
-            </a:endParaRPr>
-          </a:p>
-          <a:p>
-            <a:pPr lvl="3" marL="1728000" indent="-216000">
-              <a:spcBef>
-                <a:spcPts val="567"/>
-              </a:spcBef>
-              <a:buClr>
-                <a:srgbClr val="000000"/>
-              </a:buClr>
-              <a:buSzPct val="75000"/>
-              <a:buFont typeface="Symbol" charset="2"/>
-              <a:buChar char=""/>
-            </a:pPr>
-            <a:r>
-              <a:rPr b="0" lang="en-IN" sz="2000" spc="-1" strike="noStrike">
-                <a:latin typeface="Arial"/>
-              </a:rPr>
-              <a:t>Fourth Outline Level</a:t>
-            </a:r>
-            <a:endParaRPr b="0" lang="en-IN" sz="2000" spc="-1" strike="noStrike">
-              <a:latin typeface="Arial"/>
-            </a:endParaRPr>
-          </a:p>
-          <a:p>
-            <a:pPr lvl="4" marL="2160000" indent="-216000">
-              <a:spcBef>
-                <a:spcPts val="283"/>
-              </a:spcBef>
-              <a:buClr>
-                <a:srgbClr val="000000"/>
-              </a:buClr>
-              <a:buSzPct val="45000"/>
-              <a:buFont typeface="Wingdings" charset="2"/>
-              <a:buChar char=""/>
-            </a:pPr>
-            <a:r>
-              <a:rPr b="0" lang="en-IN" sz="2000" spc="-1" strike="noStrike">
-                <a:latin typeface="Arial"/>
-              </a:rPr>
-              <a:t>Fifth Outline Level</a:t>
-            </a:r>
-            <a:endParaRPr b="0" lang="en-IN" sz="2000" spc="-1" strike="noStrike">
-              <a:latin typeface="Arial"/>
-            </a:endParaRPr>
-          </a:p>
-          <a:p>
-            <a:pPr lvl="5" marL="2592000" indent="-216000">
-              <a:spcBef>
-                <a:spcPts val="283"/>
-              </a:spcBef>
-              <a:buClr>
-                <a:srgbClr val="000000"/>
-              </a:buClr>
-              <a:buSzPct val="45000"/>
-              <a:buFont typeface="Wingdings" charset="2"/>
-              <a:buChar char=""/>
-            </a:pPr>
-            <a:r>
-              <a:rPr b="0" lang="en-IN" sz="2000" spc="-1" strike="noStrike">
-                <a:latin typeface="Arial"/>
-              </a:rPr>
-              <a:t>Sixth Outline Level</a:t>
-            </a:r>
-            <a:endParaRPr b="0" lang="en-IN" sz="2000" spc="-1" strike="noStrike">
-              <a:latin typeface="Arial"/>
-            </a:endParaRPr>
-          </a:p>
-          <a:p>
-            <a:pPr lvl="6" marL="3024000" indent="-216000">
-              <a:spcBef>
-                <a:spcPts val="283"/>
-              </a:spcBef>
-              <a:buClr>
-                <a:srgbClr val="000000"/>
-              </a:buClr>
-              <a:buSzPct val="45000"/>
-              <a:buFont typeface="Wingdings" charset="2"/>
-              <a:buChar char=""/>
-            </a:pPr>
-            <a:r>
-              <a:rPr b="0" lang="en-IN" sz="2000" spc="-1" strike="noStrike">
-                <a:latin typeface="Arial"/>
-              </a:rPr>
-              <a:t>Seventh Outline Level</a:t>
-            </a:r>
-            <a:endParaRPr b="0" lang="en-IN" sz="2000" spc="-1" strike="noStrike">
-              <a:latin typeface="Arial"/>
-            </a:endParaRPr>
-          </a:p>
-        </p:txBody>
-      </p:sp>
-    </p:spTree>
-  </p:cSld>
-  <p:clrMap bg1="lt1" bg2="lt2" tx1="dk1" tx2="dk2" accent1="accent1" accent2="accent2" accent3="accent3" accent4="accent4" accent5="accent5" accent6="accent6" hlink="hlink" folHlink="folHlink"/>
-  <p:sldLayoutIdLst>
     <p:sldLayoutId id="2147483662" r:id="rId2"/>
     <p:sldLayoutId id="2147483663" r:id="rId3"/>
     <p:sldLayoutId id="2147483664" r:id="rId4"/>
@@ -3284,7 +3285,7 @@
         <p:spPr>
           <a:xfrm>
             <a:off x="1836000" y="1332000"/>
-            <a:ext cx="2368800" cy="784800"/>
+            <a:ext cx="2368440" cy="784440"/>
           </a:xfrm>
           <a:prstGeom prst="rect">
             <a:avLst/>
@@ -3339,7 +3340,7 @@
         <p:spPr>
           <a:xfrm>
             <a:off x="1836000" y="2880000"/>
-            <a:ext cx="2368800" cy="784800"/>
+            <a:ext cx="2368440" cy="784440"/>
           </a:xfrm>
           <a:prstGeom prst="rect">
             <a:avLst/>
@@ -3404,7 +3405,7 @@
         <p:spPr>
           <a:xfrm>
             <a:off x="1836000" y="4176000"/>
-            <a:ext cx="2368800" cy="784800"/>
+            <a:ext cx="2368440" cy="784440"/>
           </a:xfrm>
           <a:prstGeom prst="rect">
             <a:avLst/>
@@ -3479,7 +3480,7 @@
         <p:spPr>
           <a:xfrm>
             <a:off x="5292000" y="900000"/>
-            <a:ext cx="2368800" cy="1504800"/>
+            <a:ext cx="2368440" cy="1504440"/>
           </a:xfrm>
           <a:prstGeom prst="rect">
             <a:avLst/>
@@ -3614,7 +3615,7 @@
         <p:spPr>
           <a:xfrm>
             <a:off x="5292000" y="2571480"/>
-            <a:ext cx="2368800" cy="1273320"/>
+            <a:ext cx="2368440" cy="1272960"/>
           </a:xfrm>
           <a:prstGeom prst="rect">
             <a:avLst/>
@@ -3729,7 +3730,7 @@
         <p:spPr>
           <a:xfrm>
             <a:off x="5292000" y="4047480"/>
-            <a:ext cx="2368800" cy="1021320"/>
+            <a:ext cx="2368440" cy="1020960"/>
           </a:xfrm>
           <a:prstGeom prst="rect">
             <a:avLst/>
@@ -3908,7 +3909,7 @@
         <p:spPr>
           <a:xfrm>
             <a:off x="2988000" y="360000"/>
-            <a:ext cx="4384800" cy="339120"/>
+            <a:ext cx="4384440" cy="338760"/>
           </a:xfrm>
           <a:prstGeom prst="rect">
             <a:avLst/>
@@ -3989,7 +3990,7 @@
         <p:spPr>
           <a:xfrm>
             <a:off x="1440000" y="720000"/>
-            <a:ext cx="6762960" cy="1794960"/>
+            <a:ext cx="6762600" cy="1794600"/>
           </a:xfrm>
           <a:prstGeom prst="rect">
             <a:avLst/>
@@ -4019,7 +4020,7 @@
         <p:spPr>
           <a:xfrm>
             <a:off x="2016000" y="1188000"/>
-            <a:ext cx="1433160" cy="785160"/>
+            <a:ext cx="1432800" cy="784800"/>
           </a:xfrm>
           <a:prstGeom prst="rect">
             <a:avLst/>
@@ -4074,7 +4075,7 @@
         <p:spPr>
           <a:xfrm>
             <a:off x="6192000" y="1188000"/>
-            <a:ext cx="1433160" cy="785160"/>
+            <a:ext cx="1432800" cy="784800"/>
           </a:xfrm>
           <a:prstGeom prst="rect">
             <a:avLst/>
@@ -4129,7 +4130,7 @@
         <p:spPr>
           <a:xfrm>
             <a:off x="4140000" y="900000"/>
-            <a:ext cx="1433160" cy="1361160"/>
+            <a:ext cx="1432800" cy="1360800"/>
           </a:xfrm>
           <a:custGeom>
             <a:avLst/>
@@ -4315,7 +4316,7 @@
         <p:spPr>
           <a:xfrm>
             <a:off x="4320000" y="3168000"/>
-            <a:ext cx="1037160" cy="786960"/>
+            <a:ext cx="1036800" cy="786600"/>
           </a:xfrm>
           <a:custGeom>
             <a:avLst/>
@@ -4393,7 +4394,7 @@
         <p:spPr>
           <a:xfrm>
             <a:off x="4176000" y="4428000"/>
-            <a:ext cx="1433160" cy="785160"/>
+            <a:ext cx="1432800" cy="784800"/>
           </a:xfrm>
           <a:prstGeom prst="rect">
             <a:avLst/>
@@ -4475,7 +4476,7 @@
         <p:spPr>
           <a:xfrm>
             <a:off x="5870160" y="3314160"/>
-            <a:ext cx="1146960" cy="498960"/>
+            <a:ext cx="1146600" cy="498600"/>
           </a:xfrm>
           <a:prstGeom prst="ellipse">
             <a:avLst/>
@@ -4614,7 +4615,7 @@
         <p:spPr>
           <a:xfrm>
             <a:off x="1944000" y="900000"/>
-            <a:ext cx="1433160" cy="785160"/>
+            <a:ext cx="1432800" cy="784800"/>
           </a:xfrm>
           <a:prstGeom prst="rect">
             <a:avLst/>
@@ -4669,7 +4670,7 @@
         <p:spPr>
           <a:xfrm>
             <a:off x="6120000" y="900000"/>
-            <a:ext cx="1433160" cy="785160"/>
+            <a:ext cx="1432800" cy="784800"/>
           </a:xfrm>
           <a:prstGeom prst="rect">
             <a:avLst/>
@@ -4724,7 +4725,7 @@
         <p:spPr>
           <a:xfrm>
             <a:off x="4068000" y="612000"/>
-            <a:ext cx="1433160" cy="1361160"/>
+            <a:ext cx="1432800" cy="1360800"/>
           </a:xfrm>
           <a:custGeom>
             <a:avLst/>
@@ -4903,7 +4904,7 @@
         <p:spPr>
           <a:xfrm>
             <a:off x="2592000" y="5904000"/>
-            <a:ext cx="7121880" cy="596160"/>
+            <a:ext cx="7121520" cy="595800"/>
           </a:xfrm>
           <a:prstGeom prst="rect">
             <a:avLst/>
@@ -4974,7 +4975,7 @@
         <p:spPr>
           <a:xfrm>
             <a:off x="360000" y="216360"/>
-            <a:ext cx="1146960" cy="498960"/>
+            <a:ext cx="1146600" cy="498600"/>
           </a:xfrm>
           <a:prstGeom prst="ellipse">
             <a:avLst/>
@@ -5029,7 +5030,7 @@
         <p:spPr>
           <a:xfrm>
             <a:off x="1727640" y="216360"/>
-            <a:ext cx="1146960" cy="498960"/>
+            <a:ext cx="1146600" cy="498600"/>
           </a:xfrm>
           <a:prstGeom prst="ellipse">
             <a:avLst/>
@@ -5084,7 +5085,7 @@
         <p:spPr>
           <a:xfrm>
             <a:off x="359280" y="1008360"/>
-            <a:ext cx="1146960" cy="498960"/>
+            <a:ext cx="1146600" cy="498600"/>
           </a:xfrm>
           <a:prstGeom prst="ellipse">
             <a:avLst/>
@@ -5139,7 +5140,7 @@
         <p:spPr>
           <a:xfrm>
             <a:off x="358920" y="1800360"/>
-            <a:ext cx="1146960" cy="498960"/>
+            <a:ext cx="1146600" cy="498600"/>
           </a:xfrm>
           <a:prstGeom prst="ellipse">
             <a:avLst/>
@@ -5194,7 +5195,7 @@
         <p:spPr>
           <a:xfrm>
             <a:off x="1906560" y="1836360"/>
-            <a:ext cx="1146960" cy="498960"/>
+            <a:ext cx="1146600" cy="498600"/>
           </a:xfrm>
           <a:prstGeom prst="ellipse">
             <a:avLst/>
@@ -5249,7 +5250,7 @@
         <p:spPr>
           <a:xfrm>
             <a:off x="4211280" y="360"/>
-            <a:ext cx="1146960" cy="498960"/>
+            <a:ext cx="1146600" cy="498600"/>
           </a:xfrm>
           <a:prstGeom prst="ellipse">
             <a:avLst/>
@@ -5304,7 +5305,7 @@
         <p:spPr>
           <a:xfrm>
             <a:off x="6226920" y="360"/>
-            <a:ext cx="1146960" cy="498960"/>
+            <a:ext cx="1146600" cy="498600"/>
           </a:xfrm>
           <a:prstGeom prst="ellipse">
             <a:avLst/>
@@ -5359,7 +5360,7 @@
         <p:spPr>
           <a:xfrm>
             <a:off x="4210920" y="360"/>
-            <a:ext cx="1146960" cy="498960"/>
+            <a:ext cx="1146600" cy="498600"/>
           </a:xfrm>
           <a:prstGeom prst="ellipse">
             <a:avLst/>
@@ -5414,7 +5415,7 @@
         <p:spPr>
           <a:xfrm>
             <a:off x="7738920" y="252360"/>
-            <a:ext cx="1146960" cy="498960"/>
+            <a:ext cx="1146600" cy="498600"/>
           </a:xfrm>
           <a:prstGeom prst="ellipse">
             <a:avLst/>
@@ -5469,7 +5470,7 @@
         <p:spPr>
           <a:xfrm>
             <a:off x="7810920" y="936360"/>
-            <a:ext cx="1146960" cy="498960"/>
+            <a:ext cx="1146600" cy="498600"/>
           </a:xfrm>
           <a:prstGeom prst="ellipse">
             <a:avLst/>
@@ -7005,7 +7006,7 @@
         <p:spPr>
           <a:xfrm>
             <a:off x="576000" y="4320000"/>
-            <a:ext cx="2443320" cy="341640"/>
+            <a:ext cx="2442960" cy="341280"/>
           </a:xfrm>
           <a:prstGeom prst="rect">
             <a:avLst/>
@@ -7056,7 +7057,7 @@
         <p:spPr>
           <a:xfrm>
             <a:off x="7092000" y="3672000"/>
-            <a:ext cx="2443320" cy="341640"/>
+            <a:ext cx="2442960" cy="341280"/>
           </a:xfrm>
           <a:prstGeom prst="rect">
             <a:avLst/>
@@ -7107,7 +7108,7 @@
         <p:spPr>
           <a:xfrm>
             <a:off x="3744000" y="5328000"/>
-            <a:ext cx="2443320" cy="341640"/>
+            <a:ext cx="2442960" cy="341280"/>
           </a:xfrm>
           <a:prstGeom prst="rect">
             <a:avLst/>
@@ -7188,7 +7189,7 @@
         <p:spPr>
           <a:xfrm>
             <a:off x="5934960" y="1050480"/>
-            <a:ext cx="1691640" cy="1002600"/>
+            <a:ext cx="1691280" cy="1002240"/>
           </a:xfrm>
           <a:prstGeom prst="rect">
             <a:avLst/>
@@ -7218,7 +7219,7 @@
         <p:spPr>
           <a:xfrm>
             <a:off x="1908000" y="1152000"/>
-            <a:ext cx="1433160" cy="785160"/>
+            <a:ext cx="1432800" cy="784800"/>
           </a:xfrm>
           <a:prstGeom prst="rect">
             <a:avLst/>
@@ -7273,7 +7274,7 @@
         <p:spPr>
           <a:xfrm>
             <a:off x="6084000" y="1152000"/>
-            <a:ext cx="1433160" cy="785160"/>
+            <a:ext cx="1432800" cy="784800"/>
           </a:xfrm>
           <a:prstGeom prst="rect">
             <a:avLst/>
@@ -7328,7 +7329,7 @@
         <p:spPr>
           <a:xfrm>
             <a:off x="4032000" y="864000"/>
-            <a:ext cx="1433160" cy="1361160"/>
+            <a:ext cx="1432800" cy="1360800"/>
           </a:xfrm>
           <a:custGeom>
             <a:avLst/>
@@ -7460,7 +7461,7 @@
         <p:spPr>
           <a:xfrm>
             <a:off x="1548000" y="576000"/>
-            <a:ext cx="2119320" cy="463320"/>
+            <a:ext cx="2118960" cy="462960"/>
           </a:xfrm>
           <a:prstGeom prst="rect">
             <a:avLst/>
@@ -7566,7 +7567,7 @@
         <p:spPr>
           <a:xfrm>
             <a:off x="5760000" y="576000"/>
-            <a:ext cx="2119320" cy="463320"/>
+            <a:ext cx="2118960" cy="462960"/>
           </a:xfrm>
           <a:prstGeom prst="rect">
             <a:avLst/>
@@ -7617,7 +7618,7 @@
         <p:spPr>
           <a:xfrm>
             <a:off x="216000" y="2376000"/>
-            <a:ext cx="2119320" cy="2587320"/>
+            <a:ext cx="2118960" cy="2586960"/>
           </a:xfrm>
           <a:prstGeom prst="rect">
             <a:avLst/>
@@ -8326,7 +8327,7 @@
         <p:spPr>
           <a:xfrm>
             <a:off x="1945800" y="3636000"/>
-            <a:ext cx="1433160" cy="785160"/>
+            <a:ext cx="1432800" cy="784800"/>
           </a:xfrm>
           <a:prstGeom prst="rect">
             <a:avLst/>
@@ -8401,7 +8402,7 @@
         <p:spPr>
           <a:xfrm>
             <a:off x="6300000" y="3673800"/>
-            <a:ext cx="1433160" cy="785160"/>
+            <a:ext cx="1432800" cy="784800"/>
           </a:xfrm>
           <a:prstGeom prst="rect">
             <a:avLst/>
@@ -8530,7 +8531,7 @@
         <p:spPr>
           <a:xfrm>
             <a:off x="1764000" y="4860000"/>
-            <a:ext cx="7121880" cy="596160"/>
+            <a:ext cx="7121520" cy="595800"/>
           </a:xfrm>
           <a:prstGeom prst="rect">
             <a:avLst/>
@@ -8556,7 +8557,7 @@
         <p:spPr>
           <a:xfrm>
             <a:off x="4140000" y="1080000"/>
-            <a:ext cx="1433160" cy="785160"/>
+            <a:ext cx="1432800" cy="784800"/>
           </a:xfrm>
           <a:prstGeom prst="rect">
             <a:avLst/>
@@ -8611,7 +8612,7 @@
         <p:spPr>
           <a:xfrm>
             <a:off x="4392000" y="2267640"/>
-            <a:ext cx="930960" cy="1002960"/>
+            <a:ext cx="930600" cy="1002600"/>
           </a:xfrm>
           <a:custGeom>
             <a:avLst/>
@@ -8660,7 +8661,7 @@
         <p:spPr>
           <a:xfrm>
             <a:off x="4572000" y="2304000"/>
-            <a:ext cx="642960" cy="341280"/>
+            <a:ext cx="642600" cy="340920"/>
           </a:xfrm>
           <a:prstGeom prst="rect">
             <a:avLst/>
@@ -8792,7 +8793,7 @@
         <p:spPr>
           <a:xfrm>
             <a:off x="2592000" y="432000"/>
-            <a:ext cx="1146960" cy="498960"/>
+            <a:ext cx="1146600" cy="498600"/>
           </a:xfrm>
           <a:prstGeom prst="ellipse">
             <a:avLst/>
@@ -8847,7 +8848,7 @@
         <p:spPr>
           <a:xfrm>
             <a:off x="4104360" y="360360"/>
-            <a:ext cx="1146960" cy="498960"/>
+            <a:ext cx="1146600" cy="498600"/>
           </a:xfrm>
           <a:prstGeom prst="ellipse">
             <a:avLst/>
@@ -8902,7 +8903,7 @@
         <p:spPr>
           <a:xfrm>
             <a:off x="5652720" y="432720"/>
-            <a:ext cx="1146960" cy="498960"/>
+            <a:ext cx="1146600" cy="498600"/>
           </a:xfrm>
           <a:prstGeom prst="ellipse">
             <a:avLst/>
@@ -8957,7 +8958,7 @@
         <p:spPr>
           <a:xfrm>
             <a:off x="3813480" y="4321080"/>
-            <a:ext cx="1146960" cy="498960"/>
+            <a:ext cx="1146600" cy="498600"/>
           </a:xfrm>
           <a:prstGeom prst="ellipse">
             <a:avLst/>
@@ -9012,7 +9013,7 @@
         <p:spPr>
           <a:xfrm>
             <a:off x="2193840" y="4717440"/>
-            <a:ext cx="1146960" cy="498960"/>
+            <a:ext cx="1146600" cy="498600"/>
           </a:xfrm>
           <a:prstGeom prst="ellipse">
             <a:avLst/>
@@ -9067,7 +9068,7 @@
         <p:spPr>
           <a:xfrm>
             <a:off x="682200" y="4501800"/>
-            <a:ext cx="1146960" cy="498960"/>
+            <a:ext cx="1146600" cy="498600"/>
           </a:xfrm>
           <a:prstGeom prst="ellipse">
             <a:avLst/>
@@ -9122,7 +9123,7 @@
         <p:spPr>
           <a:xfrm>
             <a:off x="5434560" y="4574160"/>
-            <a:ext cx="1146960" cy="498960"/>
+            <a:ext cx="1146600" cy="498600"/>
           </a:xfrm>
           <a:prstGeom prst="ellipse">
             <a:avLst/>
@@ -9177,7 +9178,7 @@
         <p:spPr>
           <a:xfrm>
             <a:off x="7634160" y="4574520"/>
-            <a:ext cx="1146960" cy="498960"/>
+            <a:ext cx="1146600" cy="498600"/>
           </a:xfrm>
           <a:prstGeom prst="ellipse">
             <a:avLst/>
@@ -9232,7 +9233,7 @@
         <p:spPr>
           <a:xfrm>
             <a:off x="686520" y="3098880"/>
-            <a:ext cx="1146960" cy="498960"/>
+            <a:ext cx="1146600" cy="498600"/>
           </a:xfrm>
           <a:prstGeom prst="ellipse">
             <a:avLst/>
@@ -9530,7 +9531,7 @@
         <p:spPr>
           <a:xfrm>
             <a:off x="216000" y="288000"/>
-            <a:ext cx="2371320" cy="2299320"/>
+            <a:ext cx="2370960" cy="2298960"/>
           </a:xfrm>
           <a:prstGeom prst="rect">
             <a:avLst/>
@@ -9651,7 +9652,7 @@
         <p:spPr>
           <a:xfrm>
             <a:off x="1908000" y="936000"/>
-            <a:ext cx="1433160" cy="785160"/>
+            <a:ext cx="1432800" cy="784800"/>
           </a:xfrm>
           <a:prstGeom prst="rect">
             <a:avLst/>
@@ -9706,7 +9707,7 @@
         <p:spPr>
           <a:xfrm>
             <a:off x="6084000" y="936000"/>
-            <a:ext cx="1433160" cy="785160"/>
+            <a:ext cx="1432800" cy="784800"/>
           </a:xfrm>
           <a:prstGeom prst="rect">
             <a:avLst/>
@@ -9761,7 +9762,7 @@
         <p:spPr>
           <a:xfrm>
             <a:off x="4934160" y="4392000"/>
-            <a:ext cx="1433160" cy="785160"/>
+            <a:ext cx="1432800" cy="784800"/>
           </a:xfrm>
           <a:prstGeom prst="rect">
             <a:avLst/>
@@ -9816,7 +9817,7 @@
         <p:spPr>
           <a:xfrm>
             <a:off x="4032000" y="648000"/>
-            <a:ext cx="1433160" cy="1361160"/>
+            <a:ext cx="1432800" cy="1360800"/>
           </a:xfrm>
           <a:custGeom>
             <a:avLst/>
@@ -9914,7 +9915,7 @@
         <p:spPr>
           <a:xfrm>
             <a:off x="1908000" y="3204360"/>
-            <a:ext cx="1433160" cy="1361160"/>
+            <a:ext cx="1432800" cy="1360800"/>
           </a:xfrm>
           <a:custGeom>
             <a:avLst/>
@@ -10066,7 +10067,7 @@
         <p:spPr>
           <a:xfrm>
             <a:off x="4140000" y="2234160"/>
-            <a:ext cx="1147320" cy="569160"/>
+            <a:ext cx="1146960" cy="568800"/>
           </a:xfrm>
           <a:prstGeom prst="ellipse">
             <a:avLst/>
@@ -10121,7 +10122,7 @@
         <p:spPr>
           <a:xfrm>
             <a:off x="3708360" y="3636360"/>
-            <a:ext cx="1074960" cy="569160"/>
+            <a:ext cx="1074600" cy="568800"/>
           </a:xfrm>
           <a:prstGeom prst="ellipse">
             <a:avLst/>
@@ -10230,7 +10231,7 @@
         <p:spPr>
           <a:xfrm>
             <a:off x="504000" y="396000"/>
-            <a:ext cx="1147320" cy="569160"/>
+            <a:ext cx="1146960" cy="568800"/>
           </a:xfrm>
           <a:prstGeom prst="ellipse">
             <a:avLst/>
@@ -10285,7 +10286,7 @@
         <p:spPr>
           <a:xfrm>
             <a:off x="1944000" y="180000"/>
-            <a:ext cx="1147320" cy="569160"/>
+            <a:ext cx="1146960" cy="568800"/>
           </a:xfrm>
           <a:prstGeom prst="ellipse">
             <a:avLst/>
@@ -10340,7 +10341,7 @@
         <p:spPr>
           <a:xfrm>
             <a:off x="288000" y="1152000"/>
-            <a:ext cx="1147320" cy="569160"/>
+            <a:ext cx="1146960" cy="568800"/>
           </a:xfrm>
           <a:prstGeom prst="ellipse">
             <a:avLst/>
@@ -10395,7 +10396,7 @@
         <p:spPr>
           <a:xfrm>
             <a:off x="5940000" y="180000"/>
-            <a:ext cx="1147320" cy="569160"/>
+            <a:ext cx="1146960" cy="568800"/>
           </a:xfrm>
           <a:prstGeom prst="ellipse">
             <a:avLst/>
@@ -10450,7 +10451,7 @@
         <p:spPr>
           <a:xfrm>
             <a:off x="7560000" y="180000"/>
-            <a:ext cx="1147320" cy="569160"/>
+            <a:ext cx="1146960" cy="568800"/>
           </a:xfrm>
           <a:prstGeom prst="ellipse">
             <a:avLst/>
@@ -10505,7 +10506,7 @@
         <p:spPr>
           <a:xfrm>
             <a:off x="7992000" y="972000"/>
-            <a:ext cx="1147320" cy="569160"/>
+            <a:ext cx="1146960" cy="568800"/>
           </a:xfrm>
           <a:prstGeom prst="ellipse">
             <a:avLst/>
@@ -10587,7 +10588,7 @@
         <p:spPr>
           <a:xfrm>
             <a:off x="432000" y="3636360"/>
-            <a:ext cx="1074960" cy="569160"/>
+            <a:ext cx="1074600" cy="568800"/>
           </a:xfrm>
           <a:prstGeom prst="ellipse">
             <a:avLst/>
@@ -10642,7 +10643,7 @@
         <p:spPr>
           <a:xfrm>
             <a:off x="6803640" y="4068360"/>
-            <a:ext cx="1074960" cy="569160"/>
+            <a:ext cx="1074600" cy="568800"/>
           </a:xfrm>
           <a:prstGeom prst="ellipse">
             <a:avLst/>
@@ -10697,7 +10698,7 @@
         <p:spPr>
           <a:xfrm>
             <a:off x="6839280" y="4752360"/>
-            <a:ext cx="1074960" cy="569160"/>
+            <a:ext cx="1074600" cy="568800"/>
           </a:xfrm>
           <a:prstGeom prst="ellipse">
             <a:avLst/>
@@ -11107,7 +11108,7 @@
         <p:spPr>
           <a:xfrm>
             <a:off x="2556000" y="1152000"/>
-            <a:ext cx="4531680" cy="355680"/>
+            <a:ext cx="4531320" cy="355320"/>
           </a:xfrm>
           <a:prstGeom prst="rect">
             <a:avLst/>
@@ -11957,7 +11958,7 @@
         <p:spPr>
           <a:xfrm>
             <a:off x="3492000" y="3541680"/>
-            <a:ext cx="3020760" cy="343080"/>
+            <a:ext cx="3020400" cy="342720"/>
           </a:xfrm>
           <a:prstGeom prst="rect">
             <a:avLst/>
@@ -12008,7 +12009,7 @@
         <p:spPr>
           <a:xfrm>
             <a:off x="144000" y="3564000"/>
-            <a:ext cx="3020760" cy="343080"/>
+            <a:ext cx="3020400" cy="342720"/>
           </a:xfrm>
           <a:prstGeom prst="rect">
             <a:avLst/>
@@ -12059,7 +12060,7 @@
         <p:spPr>
           <a:xfrm>
             <a:off x="7308000" y="3528000"/>
-            <a:ext cx="3020760" cy="343080"/>
+            <a:ext cx="3020400" cy="342720"/>
           </a:xfrm>
           <a:prstGeom prst="rect">
             <a:avLst/>
@@ -12512,7 +12513,7 @@
         <p:spPr>
           <a:xfrm>
             <a:off x="3492000" y="3541680"/>
-            <a:ext cx="3020760" cy="343080"/>
+            <a:ext cx="3020400" cy="342720"/>
           </a:xfrm>
           <a:prstGeom prst="rect">
             <a:avLst/>
@@ -12563,7 +12564,7 @@
         <p:spPr>
           <a:xfrm>
             <a:off x="144000" y="3564000"/>
-            <a:ext cx="3020760" cy="343080"/>
+            <a:ext cx="3020400" cy="342720"/>
           </a:xfrm>
           <a:prstGeom prst="rect">
             <a:avLst/>
@@ -12614,7 +12615,7 @@
         <p:spPr>
           <a:xfrm>
             <a:off x="7308000" y="3528000"/>
-            <a:ext cx="3020760" cy="343080"/>
+            <a:ext cx="3020400" cy="342720"/>
           </a:xfrm>
           <a:prstGeom prst="rect">
             <a:avLst/>
@@ -13643,7 +13644,7 @@
         <p:spPr>
           <a:xfrm>
             <a:off x="3456000" y="1008000"/>
-            <a:ext cx="3237120" cy="343440"/>
+            <a:ext cx="3236760" cy="343080"/>
           </a:xfrm>
           <a:prstGeom prst="rect">
             <a:avLst/>
@@ -13694,7 +13695,7 @@
         <p:spPr>
           <a:xfrm>
             <a:off x="648000" y="1836000"/>
-            <a:ext cx="3237120" cy="343440"/>
+            <a:ext cx="3236760" cy="343080"/>
           </a:xfrm>
           <a:prstGeom prst="rect">
             <a:avLst/>
@@ -13745,7 +13746,7 @@
         <p:spPr>
           <a:xfrm>
             <a:off x="5436000" y="2160000"/>
-            <a:ext cx="3237120" cy="343440"/>
+            <a:ext cx="3236760" cy="343080"/>
           </a:xfrm>
           <a:prstGeom prst="rect">
             <a:avLst/>
@@ -13823,7 +13824,7 @@
         <p:spPr>
           <a:xfrm>
             <a:off x="8676000" y="2988000"/>
-            <a:ext cx="1041120" cy="753120"/>
+            <a:ext cx="1040760" cy="752760"/>
           </a:xfrm>
           <a:prstGeom prst="rect">
             <a:avLst/>
@@ -13961,7 +13962,7 @@
         <p:spPr>
           <a:xfrm>
             <a:off x="2448000" y="4464000"/>
-            <a:ext cx="5829120" cy="753120"/>
+            <a:ext cx="5828760" cy="752760"/>
           </a:xfrm>
           <a:prstGeom prst="rect">
             <a:avLst/>
@@ -15823,7 +15824,7 @@
         <p:spPr>
           <a:xfrm>
             <a:off x="1728000" y="1741680"/>
-            <a:ext cx="1149480" cy="343800"/>
+            <a:ext cx="1149120" cy="343440"/>
           </a:xfrm>
           <a:prstGeom prst="rect">
             <a:avLst/>
@@ -15874,7 +15875,7 @@
         <p:spPr>
           <a:xfrm>
             <a:off x="6480000" y="648000"/>
-            <a:ext cx="1689480" cy="343800"/>
+            <a:ext cx="1689120" cy="343440"/>
           </a:xfrm>
           <a:prstGeom prst="rect">
             <a:avLst/>
@@ -15955,7 +15956,7 @@
         <p:spPr>
           <a:xfrm>
             <a:off x="1908000" y="936000"/>
-            <a:ext cx="1433160" cy="785160"/>
+            <a:ext cx="1432800" cy="784800"/>
           </a:xfrm>
           <a:prstGeom prst="rect">
             <a:avLst/>
@@ -16010,7 +16011,7 @@
         <p:spPr>
           <a:xfrm>
             <a:off x="6084000" y="936000"/>
-            <a:ext cx="1433160" cy="785160"/>
+            <a:ext cx="1432800" cy="784800"/>
           </a:xfrm>
           <a:prstGeom prst="rect">
             <a:avLst/>
@@ -16065,7 +16066,7 @@
         <p:spPr>
           <a:xfrm>
             <a:off x="1908000" y="4068000"/>
-            <a:ext cx="1433160" cy="785160"/>
+            <a:ext cx="1432800" cy="784800"/>
           </a:xfrm>
           <a:prstGeom prst="rect">
             <a:avLst/>
@@ -16120,7 +16121,7 @@
         <p:spPr>
           <a:xfrm>
             <a:off x="4032000" y="648000"/>
-            <a:ext cx="1433160" cy="1361160"/>
+            <a:ext cx="1432800" cy="1360800"/>
           </a:xfrm>
           <a:custGeom>
             <a:avLst/>
@@ -16218,7 +16219,7 @@
         <p:spPr>
           <a:xfrm>
             <a:off x="1872000" y="2232360"/>
-            <a:ext cx="1433160" cy="1361160"/>
+            <a:ext cx="1432800" cy="1360800"/>
           </a:xfrm>
           <a:custGeom>
             <a:avLst/>
@@ -16424,7 +16425,7 @@
         <p:spPr>
           <a:xfrm>
             <a:off x="5184000" y="2340000"/>
-            <a:ext cx="2009160" cy="569160"/>
+            <a:ext cx="2008800" cy="568800"/>
           </a:xfrm>
           <a:prstGeom prst="ellipse">
             <a:avLst/>
@@ -16479,7 +16480,7 @@
         <p:spPr>
           <a:xfrm>
             <a:off x="3960360" y="3240360"/>
-            <a:ext cx="2009160" cy="569160"/>
+            <a:ext cx="2008800" cy="568800"/>
           </a:xfrm>
           <a:prstGeom prst="ellipse">
             <a:avLst/>
@@ -16822,7 +16823,7 @@
         <p:spPr>
           <a:xfrm>
             <a:off x="144000" y="2057400"/>
-            <a:ext cx="2512440" cy="600120"/>
+            <a:ext cx="2512080" cy="599760"/>
           </a:xfrm>
           <a:prstGeom prst="rect">
             <a:avLst/>
@@ -16873,7 +16874,7 @@
         <p:spPr>
           <a:xfrm>
             <a:off x="3405600" y="976680"/>
-            <a:ext cx="2969640" cy="344160"/>
+            <a:ext cx="2969280" cy="343800"/>
           </a:xfrm>
           <a:prstGeom prst="rect">
             <a:avLst/>
@@ -17008,7 +17009,7 @@
         <p:spPr>
           <a:xfrm>
             <a:off x="457200" y="3742200"/>
-            <a:ext cx="2969640" cy="856080"/>
+            <a:ext cx="2969280" cy="855720"/>
           </a:xfrm>
           <a:prstGeom prst="rect">
             <a:avLst/>
@@ -17059,7 +17060,7 @@
         <p:spPr>
           <a:xfrm>
             <a:off x="3866400" y="3742200"/>
-            <a:ext cx="2532240" cy="1112040"/>
+            <a:ext cx="2531880" cy="1111680"/>
           </a:xfrm>
           <a:prstGeom prst="rect">
             <a:avLst/>
@@ -17110,7 +17111,7 @@
         <p:spPr>
           <a:xfrm>
             <a:off x="7086600" y="3706200"/>
-            <a:ext cx="2741040" cy="1092240"/>
+            <a:ext cx="2740680" cy="1091880"/>
           </a:xfrm>
           <a:prstGeom prst="rect">
             <a:avLst/>
@@ -17161,7 +17162,7 @@
         <p:spPr>
           <a:xfrm>
             <a:off x="7488360" y="2057760"/>
-            <a:ext cx="2512440" cy="344160"/>
+            <a:ext cx="2512080" cy="343800"/>
           </a:xfrm>
           <a:prstGeom prst="rect">
             <a:avLst/>
@@ -17523,7 +17524,7 @@
         <p:spPr>
           <a:xfrm>
             <a:off x="144000" y="2057400"/>
-            <a:ext cx="2512440" cy="600120"/>
+            <a:ext cx="2512080" cy="599760"/>
           </a:xfrm>
           <a:prstGeom prst="rect">
             <a:avLst/>
@@ -17574,7 +17575,7 @@
         <p:spPr>
           <a:xfrm>
             <a:off x="3405600" y="976680"/>
-            <a:ext cx="2969640" cy="344160"/>
+            <a:ext cx="2969280" cy="343800"/>
           </a:xfrm>
           <a:prstGeom prst="rect">
             <a:avLst/>
@@ -17709,7 +17710,7 @@
         <p:spPr>
           <a:xfrm>
             <a:off x="842400" y="3742200"/>
-            <a:ext cx="1695240" cy="1112040"/>
+            <a:ext cx="1694880" cy="1111680"/>
           </a:xfrm>
           <a:prstGeom prst="rect">
             <a:avLst/>
@@ -17760,7 +17761,7 @@
         <p:spPr>
           <a:xfrm>
             <a:off x="2822400" y="3742200"/>
-            <a:ext cx="2208240" cy="856080"/>
+            <a:ext cx="2207880" cy="855720"/>
           </a:xfrm>
           <a:prstGeom prst="rect">
             <a:avLst/>
@@ -17811,7 +17812,7 @@
         <p:spPr>
           <a:xfrm>
             <a:off x="7772400" y="3706200"/>
-            <a:ext cx="2055240" cy="635040"/>
+            <a:ext cx="2054880" cy="634680"/>
           </a:xfrm>
           <a:prstGeom prst="rect">
             <a:avLst/>
@@ -17862,7 +17863,7 @@
         <p:spPr>
           <a:xfrm>
             <a:off x="7488360" y="2057760"/>
-            <a:ext cx="2512440" cy="344160"/>
+            <a:ext cx="2512080" cy="343800"/>
           </a:xfrm>
           <a:prstGeom prst="rect">
             <a:avLst/>
@@ -17941,7 +17942,7 @@
         <p:spPr>
           <a:xfrm>
             <a:off x="5090400" y="3742200"/>
-            <a:ext cx="2208240" cy="856080"/>
+            <a:ext cx="2207880" cy="855720"/>
           </a:xfrm>
           <a:prstGeom prst="rect">
             <a:avLst/>
@@ -18022,7 +18023,7 @@
         <p:spPr>
           <a:xfrm>
             <a:off x="1564920" y="685800"/>
-            <a:ext cx="178920" cy="344520"/>
+            <a:ext cx="178560" cy="344160"/>
           </a:xfrm>
           <a:prstGeom prst="rect">
             <a:avLst/>
@@ -18048,7 +18049,7 @@
         <p:spPr>
           <a:xfrm>
             <a:off x="228600" y="228600"/>
-            <a:ext cx="1141200" cy="344520"/>
+            <a:ext cx="1140840" cy="344160"/>
           </a:xfrm>
           <a:prstGeom prst="rect">
             <a:avLst/>
@@ -18099,7 +18100,7 @@
         <p:spPr>
           <a:xfrm>
             <a:off x="169200" y="950400"/>
-            <a:ext cx="2055600" cy="455400"/>
+            <a:ext cx="2055240" cy="455040"/>
           </a:xfrm>
           <a:prstGeom prst="rect">
             <a:avLst/>
@@ -18512,7 +18513,7 @@
                       <a:noAutofit/>
                     </a:bodyPr>
                     <a:p>
-                      <a:pPr marL="216000" indent="-214200">
+                      <a:pPr marL="216000" indent="-213840">
                         <a:lnSpc>
                           <a:spcPct val="100000"/>
                         </a:lnSpc>
@@ -18835,7 +18836,7 @@
                       <a:noAutofit/>
                     </a:bodyPr>
                     <a:p>
-                      <a:pPr marL="216000" indent="-214200">
+                      <a:pPr marL="216000" indent="-213840">
                         <a:lnSpc>
                           <a:spcPct val="100000"/>
                         </a:lnSpc>
@@ -19315,7 +19316,7 @@
                       <a:noAutofit/>
                     </a:bodyPr>
                     <a:p>
-                      <a:pPr marL="216000" indent="-214200">
+                      <a:pPr marL="216000" indent="-213840">
                         <a:lnSpc>
                           <a:spcPct val="100000"/>
                         </a:lnSpc>
@@ -19611,7 +19612,7 @@
                       <a:noAutofit/>
                     </a:bodyPr>
                     <a:p>
-                      <a:pPr marL="216000" indent="-214200">
+                      <a:pPr marL="216000" indent="-213840">
                         <a:lnSpc>
                           <a:spcPct val="100000"/>
                         </a:lnSpc>
@@ -19879,7 +19880,7 @@
                       <a:noAutofit/>
                     </a:bodyPr>
                     <a:p>
-                      <a:pPr marL="216000" indent="-214200">
+                      <a:pPr marL="216000" indent="-213840">
                         <a:lnSpc>
                           <a:spcPct val="100000"/>
                         </a:lnSpc>
@@ -20118,7 +20119,7 @@
                       <a:noAutofit/>
                     </a:bodyPr>
                     <a:p>
-                      <a:pPr marL="216000" indent="-214200">
+                      <a:pPr marL="216000" indent="-213840">
                         <a:lnSpc>
                           <a:spcPct val="100000"/>
                         </a:lnSpc>
@@ -20264,7 +20265,7 @@
         <p:spPr>
           <a:xfrm>
             <a:off x="2057400" y="685800"/>
-            <a:ext cx="1141560" cy="344880"/>
+            <a:ext cx="1141200" cy="344520"/>
           </a:xfrm>
           <a:prstGeom prst="rect">
             <a:avLst/>
@@ -20315,7 +20316,7 @@
         <p:spPr>
           <a:xfrm>
             <a:off x="5670720" y="685800"/>
-            <a:ext cx="1141560" cy="344880"/>
+            <a:ext cx="1141200" cy="344520"/>
           </a:xfrm>
           <a:prstGeom prst="rect">
             <a:avLst/>
@@ -20366,7 +20367,7 @@
         <p:spPr>
           <a:xfrm>
             <a:off x="8229600" y="2168280"/>
-            <a:ext cx="1141560" cy="344880"/>
+            <a:ext cx="1141200" cy="344520"/>
           </a:xfrm>
           <a:prstGeom prst="rect">
             <a:avLst/>
@@ -20417,7 +20418,7 @@
         <p:spPr>
           <a:xfrm>
             <a:off x="4572000" y="3311280"/>
-            <a:ext cx="1141560" cy="344880"/>
+            <a:ext cx="1141200" cy="344520"/>
           </a:xfrm>
           <a:prstGeom prst="rect">
             <a:avLst/>
@@ -20554,7 +20555,7 @@
         <p:spPr>
           <a:xfrm>
             <a:off x="1564920" y="685800"/>
-            <a:ext cx="178920" cy="344520"/>
+            <a:ext cx="178560" cy="344160"/>
           </a:xfrm>
           <a:prstGeom prst="rect">
             <a:avLst/>
@@ -20580,7 +20581,7 @@
         <p:spPr>
           <a:xfrm>
             <a:off x="228600" y="228600"/>
-            <a:ext cx="1141200" cy="344520"/>
+            <a:ext cx="1140840" cy="344160"/>
           </a:xfrm>
           <a:prstGeom prst="rect">
             <a:avLst/>
@@ -20753,7 +20754,7 @@
                       <a:noAutofit/>
                     </a:bodyPr>
                     <a:p>
-                      <a:pPr marL="216000" indent="-214200">
+                      <a:pPr marL="216000" indent="-213840">
                         <a:lnSpc>
                           <a:spcPct val="100000"/>
                         </a:lnSpc>
@@ -21233,7 +21234,7 @@
                       <a:noAutofit/>
                     </a:bodyPr>
                     <a:p>
-                      <a:pPr marL="216000" indent="-214200">
+                      <a:pPr marL="216000" indent="-213840">
                         <a:lnSpc>
                           <a:spcPct val="100000"/>
                         </a:lnSpc>
@@ -21501,7 +21502,7 @@
                       <a:noAutofit/>
                     </a:bodyPr>
                     <a:p>
-                      <a:pPr marL="216000" indent="-214200">
+                      <a:pPr marL="216000" indent="-213840">
                         <a:lnSpc>
                           <a:spcPct val="100000"/>
                         </a:lnSpc>
@@ -21769,7 +21770,7 @@
                       <a:noAutofit/>
                     </a:bodyPr>
                     <a:p>
-                      <a:pPr marL="216000" indent="-214200">
+                      <a:pPr marL="216000" indent="-213840">
                         <a:lnSpc>
                           <a:spcPct val="100000"/>
                         </a:lnSpc>
@@ -22008,7 +22009,7 @@
                       <a:noAutofit/>
                     </a:bodyPr>
                     <a:p>
-                      <a:pPr marL="216000" indent="-214200">
+                      <a:pPr marL="216000" indent="-213840">
                         <a:lnSpc>
                           <a:spcPct val="100000"/>
                         </a:lnSpc>
@@ -22276,7 +22277,7 @@
                       <a:noAutofit/>
                     </a:bodyPr>
                     <a:p>
-                      <a:pPr marL="216000" indent="-214200">
+                      <a:pPr marL="216000" indent="-213840">
                         <a:lnSpc>
                           <a:spcPct val="100000"/>
                         </a:lnSpc>
@@ -22450,7 +22451,7 @@
         <p:spPr>
           <a:xfrm>
             <a:off x="6436080" y="1371600"/>
-            <a:ext cx="1141560" cy="344880"/>
+            <a:ext cx="1141200" cy="344520"/>
           </a:xfrm>
           <a:prstGeom prst="rect">
             <a:avLst/>
@@ -22615,7 +22616,7 @@
         <p:spPr>
           <a:xfrm>
             <a:off x="1564920" y="685800"/>
-            <a:ext cx="178920" cy="344520"/>
+            <a:ext cx="178560" cy="344160"/>
           </a:xfrm>
           <a:prstGeom prst="rect">
             <a:avLst/>
@@ -22641,7 +22642,7 @@
         <p:spPr>
           <a:xfrm>
             <a:off x="228600" y="228600"/>
-            <a:ext cx="1141200" cy="344520"/>
+            <a:ext cx="1140840" cy="344160"/>
           </a:xfrm>
           <a:prstGeom prst="rect">
             <a:avLst/>
@@ -22814,7 +22815,7 @@
                       <a:noAutofit/>
                     </a:bodyPr>
                     <a:p>
-                      <a:pPr marL="216000" indent="-214200">
+                      <a:pPr marL="216000" indent="-213840">
                         <a:lnSpc>
                           <a:spcPct val="100000"/>
                         </a:lnSpc>
@@ -23294,7 +23295,7 @@
                       <a:noAutofit/>
                     </a:bodyPr>
                     <a:p>
-                      <a:pPr marL="216000" indent="-214200">
+                      <a:pPr marL="216000" indent="-213840">
                         <a:lnSpc>
                           <a:spcPct val="100000"/>
                         </a:lnSpc>
@@ -23562,7 +23563,7 @@
                       <a:noAutofit/>
                     </a:bodyPr>
                     <a:p>
-                      <a:pPr marL="216000" indent="-214200">
+                      <a:pPr marL="216000" indent="-213840">
                         <a:lnSpc>
                           <a:spcPct val="100000"/>
                         </a:lnSpc>
@@ -23708,7 +23709,7 @@
         <p:spPr>
           <a:xfrm>
             <a:off x="799920" y="4158720"/>
-            <a:ext cx="178920" cy="425520"/>
+            <a:ext cx="178560" cy="425160"/>
           </a:xfrm>
           <a:prstGeom prst="rect">
             <a:avLst/>
@@ -23856,7 +23857,7 @@
                       <a:noAutofit/>
                     </a:bodyPr>
                     <a:p>
-                      <a:pPr marL="216000" indent="-214200">
+                      <a:pPr marL="216000" indent="-213840">
                         <a:lnSpc>
                           <a:spcPct val="100000"/>
                         </a:lnSpc>
@@ -24308,7 +24309,7 @@
                       <a:noAutofit/>
                     </a:bodyPr>
                     <a:p>
-                      <a:pPr marL="216000" indent="-214200">
+                      <a:pPr marL="216000" indent="-213840">
                         <a:lnSpc>
                           <a:spcPct val="100000"/>
                         </a:lnSpc>
@@ -24576,7 +24577,7 @@
                       <a:noAutofit/>
                     </a:bodyPr>
                     <a:p>
-                      <a:pPr marL="216000" indent="-214200">
+                      <a:pPr marL="216000" indent="-213840">
                         <a:lnSpc>
                           <a:spcPct val="100000"/>
                         </a:lnSpc>
@@ -25328,7 +25329,7 @@
         <p:spPr>
           <a:xfrm>
             <a:off x="5257800" y="2625480"/>
-            <a:ext cx="1141560" cy="344880"/>
+            <a:ext cx="1141200" cy="344520"/>
           </a:xfrm>
           <a:prstGeom prst="rect">
             <a:avLst/>
@@ -25549,7 +25550,7 @@
         <p:spPr>
           <a:xfrm>
             <a:off x="685800" y="685800"/>
-            <a:ext cx="4114080" cy="345600"/>
+            <a:ext cx="4113720" cy="345240"/>
           </a:xfrm>
           <a:prstGeom prst="rect">
             <a:avLst/>
@@ -25600,7 +25601,7 @@
         <p:spPr>
           <a:xfrm>
             <a:off x="3988800" y="1636200"/>
-            <a:ext cx="913680" cy="913680"/>
+            <a:ext cx="913320" cy="913320"/>
           </a:xfrm>
           <a:prstGeom prst="ellipse">
             <a:avLst/>
@@ -25675,7 +25676,7 @@
         <p:spPr>
           <a:xfrm>
             <a:off x="6841440" y="1622160"/>
-            <a:ext cx="913680" cy="913680"/>
+            <a:ext cx="913320" cy="913320"/>
           </a:xfrm>
           <a:prstGeom prst="ellipse">
             <a:avLst/>
@@ -25730,7 +25731,7 @@
         <p:spPr>
           <a:xfrm>
             <a:off x="1945440" y="2594160"/>
-            <a:ext cx="913680" cy="913680"/>
+            <a:ext cx="913320" cy="913320"/>
           </a:xfrm>
           <a:prstGeom prst="ellipse">
             <a:avLst/>
@@ -25785,7 +25786,7 @@
         <p:spPr>
           <a:xfrm>
             <a:off x="6877440" y="3638160"/>
-            <a:ext cx="913680" cy="913680"/>
+            <a:ext cx="913320" cy="913320"/>
           </a:xfrm>
           <a:prstGeom prst="ellipse">
             <a:avLst/>
@@ -25840,7 +25841,7 @@
         <p:spPr>
           <a:xfrm>
             <a:off x="3997440" y="3638160"/>
-            <a:ext cx="913680" cy="913680"/>
+            <a:ext cx="913320" cy="913320"/>
           </a:xfrm>
           <a:prstGeom prst="ellipse">
             <a:avLst/>
@@ -26065,7 +26066,7 @@
         <p:spPr>
           <a:xfrm>
             <a:off x="360000" y="324000"/>
-            <a:ext cx="6263640" cy="431640"/>
+            <a:ext cx="6263280" cy="431280"/>
           </a:xfrm>
           <a:prstGeom prst="rect">
             <a:avLst/>
@@ -26093,7 +26094,11 @@
             </a:pPr>
             <a:r>
               <a:rPr b="0" lang="en-IN" sz="1800" spc="-1" strike="noStrike">
+                <a:solidFill>
+                  <a:srgbClr val="000000"/>
+                </a:solidFill>
                 <a:latin typeface="Arial"/>
+                <a:ea typeface="DejaVu Sans"/>
               </a:rPr>
               <a:t>Analysis of algorithm to find the maximum of N integers:</a:t>
             </a:r>
@@ -26112,7 +26117,7 @@
         <p:spPr>
           <a:xfrm>
             <a:off x="612000" y="4464000"/>
-            <a:ext cx="719640" cy="647640"/>
+            <a:ext cx="719280" cy="647280"/>
           </a:xfrm>
           <a:prstGeom prst="ellipse">
             <a:avLst/>
@@ -26167,7 +26172,7 @@
         <p:spPr>
           <a:xfrm>
             <a:off x="1512360" y="4464360"/>
-            <a:ext cx="719640" cy="647640"/>
+            <a:ext cx="719280" cy="647280"/>
           </a:xfrm>
           <a:prstGeom prst="ellipse">
             <a:avLst/>
@@ -26222,7 +26227,7 @@
         <p:spPr>
           <a:xfrm>
             <a:off x="2448360" y="4464360"/>
-            <a:ext cx="719640" cy="647640"/>
+            <a:ext cx="719280" cy="647280"/>
           </a:xfrm>
           <a:prstGeom prst="ellipse">
             <a:avLst/>
@@ -26277,7 +26282,7 @@
         <p:spPr>
           <a:xfrm>
             <a:off x="3420360" y="4464360"/>
-            <a:ext cx="719640" cy="647640"/>
+            <a:ext cx="719280" cy="647280"/>
           </a:xfrm>
           <a:prstGeom prst="ellipse">
             <a:avLst/>
@@ -26332,7 +26337,7 @@
         <p:spPr>
           <a:xfrm>
             <a:off x="4392360" y="4464360"/>
-            <a:ext cx="719640" cy="647640"/>
+            <a:ext cx="719280" cy="647280"/>
           </a:xfrm>
           <a:prstGeom prst="ellipse">
             <a:avLst/>
@@ -26387,7 +26392,7 @@
         <p:spPr>
           <a:xfrm>
             <a:off x="5292360" y="4464360"/>
-            <a:ext cx="719640" cy="647640"/>
+            <a:ext cx="719280" cy="647280"/>
           </a:xfrm>
           <a:prstGeom prst="ellipse">
             <a:avLst/>
@@ -26442,7 +26447,7 @@
         <p:spPr>
           <a:xfrm>
             <a:off x="1476360" y="3528360"/>
-            <a:ext cx="719640" cy="647640"/>
+            <a:ext cx="719280" cy="647280"/>
           </a:xfrm>
           <a:prstGeom prst="ellipse">
             <a:avLst/>
@@ -26497,7 +26502,7 @@
         <p:spPr>
           <a:xfrm>
             <a:off x="2412720" y="2988720"/>
-            <a:ext cx="719640" cy="647640"/>
+            <a:ext cx="719280" cy="647280"/>
           </a:xfrm>
           <a:prstGeom prst="ellipse">
             <a:avLst/>
@@ -26552,7 +26557,7 @@
         <p:spPr>
           <a:xfrm>
             <a:off x="3385080" y="2485080"/>
-            <a:ext cx="719640" cy="647640"/>
+            <a:ext cx="719280" cy="647280"/>
           </a:xfrm>
           <a:prstGeom prst="ellipse">
             <a:avLst/>
@@ -26607,7 +26612,7 @@
         <p:spPr>
           <a:xfrm>
             <a:off x="4321440" y="1981440"/>
-            <a:ext cx="719640" cy="647640"/>
+            <a:ext cx="719280" cy="647280"/>
           </a:xfrm>
           <a:prstGeom prst="ellipse">
             <a:avLst/>
@@ -26662,7 +26667,7 @@
         <p:spPr>
           <a:xfrm>
             <a:off x="5257800" y="1549800"/>
-            <a:ext cx="719640" cy="647640"/>
+            <a:ext cx="719280" cy="647280"/>
           </a:xfrm>
           <a:prstGeom prst="ellipse">
             <a:avLst/>
@@ -27297,7 +27302,7 @@
         <p:spPr>
           <a:xfrm>
             <a:off x="360000" y="324000"/>
-            <a:ext cx="6263640" cy="431640"/>
+            <a:ext cx="6263280" cy="431280"/>
           </a:xfrm>
           <a:prstGeom prst="rect">
             <a:avLst/>
@@ -27325,7 +27330,11 @@
             </a:pPr>
             <a:r>
               <a:rPr b="0" lang="en-IN" sz="1800" spc="-1" strike="noStrike">
+                <a:solidFill>
+                  <a:srgbClr val="000000"/>
+                </a:solidFill>
                 <a:latin typeface="Arial"/>
+                <a:ea typeface="DejaVu Sans"/>
               </a:rPr>
               <a:t>Analysis of algorithm to find the maximum of N integers:</a:t>
             </a:r>
@@ -27344,7 +27353,7 @@
         <p:spPr>
           <a:xfrm>
             <a:off x="612000" y="4464000"/>
-            <a:ext cx="719640" cy="647640"/>
+            <a:ext cx="719280" cy="647280"/>
           </a:xfrm>
           <a:prstGeom prst="ellipse">
             <a:avLst/>
@@ -27399,7 +27408,7 @@
         <p:spPr>
           <a:xfrm>
             <a:off x="1512360" y="4464360"/>
-            <a:ext cx="719640" cy="647640"/>
+            <a:ext cx="719280" cy="647280"/>
           </a:xfrm>
           <a:prstGeom prst="ellipse">
             <a:avLst/>
@@ -27454,7 +27463,7 @@
         <p:spPr>
           <a:xfrm>
             <a:off x="2448360" y="4464360"/>
-            <a:ext cx="719640" cy="647640"/>
+            <a:ext cx="719280" cy="647280"/>
           </a:xfrm>
           <a:prstGeom prst="ellipse">
             <a:avLst/>
@@ -27509,7 +27518,7 @@
         <p:spPr>
           <a:xfrm>
             <a:off x="3420360" y="4464360"/>
-            <a:ext cx="719640" cy="647640"/>
+            <a:ext cx="719280" cy="647280"/>
           </a:xfrm>
           <a:prstGeom prst="ellipse">
             <a:avLst/>
@@ -27564,7 +27573,7 @@
         <p:spPr>
           <a:xfrm>
             <a:off x="4392360" y="4464360"/>
-            <a:ext cx="719640" cy="647640"/>
+            <a:ext cx="719280" cy="647280"/>
           </a:xfrm>
           <a:prstGeom prst="ellipse">
             <a:avLst/>
@@ -27619,7 +27628,7 @@
         <p:spPr>
           <a:xfrm>
             <a:off x="5292360" y="4464360"/>
-            <a:ext cx="719640" cy="647640"/>
+            <a:ext cx="719280" cy="647280"/>
           </a:xfrm>
           <a:prstGeom prst="ellipse">
             <a:avLst/>
@@ -27674,7 +27683,7 @@
         <p:spPr>
           <a:xfrm>
             <a:off x="1080360" y="3528360"/>
-            <a:ext cx="719640" cy="647640"/>
+            <a:ext cx="719280" cy="647280"/>
           </a:xfrm>
           <a:prstGeom prst="ellipse">
             <a:avLst/>
@@ -27729,7 +27738,7 @@
         <p:spPr>
           <a:xfrm>
             <a:off x="2880720" y="3492720"/>
-            <a:ext cx="719640" cy="647640"/>
+            <a:ext cx="719280" cy="647280"/>
           </a:xfrm>
           <a:prstGeom prst="ellipse">
             <a:avLst/>
@@ -27784,7 +27793,7 @@
         <p:spPr>
           <a:xfrm>
             <a:off x="2016000" y="2448000"/>
-            <a:ext cx="719640" cy="647640"/>
+            <a:ext cx="719280" cy="647280"/>
           </a:xfrm>
           <a:prstGeom prst="ellipse">
             <a:avLst/>
@@ -27839,7 +27848,7 @@
         <p:spPr>
           <a:xfrm>
             <a:off x="4753440" y="3493440"/>
-            <a:ext cx="719640" cy="647640"/>
+            <a:ext cx="719280" cy="647280"/>
           </a:xfrm>
           <a:prstGeom prst="ellipse">
             <a:avLst/>
@@ -27894,7 +27903,7 @@
         <p:spPr>
           <a:xfrm>
             <a:off x="3096000" y="1440000"/>
-            <a:ext cx="719640" cy="647640"/>
+            <a:ext cx="719280" cy="647280"/>
           </a:xfrm>
           <a:prstGeom prst="ellipse">
             <a:avLst/>
@@ -28259,7 +28268,7 @@
         <p:spPr>
           <a:xfrm>
             <a:off x="5544000" y="834120"/>
-            <a:ext cx="4176000" cy="431640"/>
+            <a:ext cx="4175640" cy="431280"/>
           </a:xfrm>
           <a:prstGeom prst="rect">
             <a:avLst/>
@@ -28287,7 +28296,11 @@
             </a:pPr>
             <a:r>
               <a:rPr b="0" lang="en-IN" sz="1800" spc="-1" strike="noStrike">
+                <a:solidFill>
+                  <a:srgbClr val="000000"/>
+                </a:solidFill>
                 <a:latin typeface="Arial"/>
+                <a:ea typeface="DejaVu Sans"/>
               </a:rPr>
               <a:t>Analysis of algorithm to find the minimum of N integers:</a:t>
             </a:r>
@@ -28306,7 +28319,7 @@
         <p:spPr>
           <a:xfrm>
             <a:off x="576000" y="2880000"/>
-            <a:ext cx="719640" cy="647640"/>
+            <a:ext cx="719280" cy="647280"/>
           </a:xfrm>
           <a:prstGeom prst="ellipse">
             <a:avLst/>
@@ -28361,7 +28374,7 @@
         <p:spPr>
           <a:xfrm>
             <a:off x="1476360" y="2880360"/>
-            <a:ext cx="719640" cy="647640"/>
+            <a:ext cx="719280" cy="647280"/>
           </a:xfrm>
           <a:prstGeom prst="ellipse">
             <a:avLst/>
@@ -28416,7 +28429,7 @@
         <p:spPr>
           <a:xfrm>
             <a:off x="2412360" y="2880360"/>
-            <a:ext cx="719640" cy="647640"/>
+            <a:ext cx="719280" cy="647280"/>
           </a:xfrm>
           <a:prstGeom prst="ellipse">
             <a:avLst/>
@@ -28471,7 +28484,7 @@
         <p:spPr>
           <a:xfrm>
             <a:off x="3384360" y="2880360"/>
-            <a:ext cx="719640" cy="647640"/>
+            <a:ext cx="719280" cy="647280"/>
           </a:xfrm>
           <a:prstGeom prst="ellipse">
             <a:avLst/>
@@ -28526,7 +28539,7 @@
         <p:spPr>
           <a:xfrm>
             <a:off x="4356360" y="2880360"/>
-            <a:ext cx="719640" cy="647640"/>
+            <a:ext cx="719280" cy="647280"/>
           </a:xfrm>
           <a:prstGeom prst="ellipse">
             <a:avLst/>
@@ -28581,7 +28594,7 @@
         <p:spPr>
           <a:xfrm>
             <a:off x="5256360" y="2880360"/>
-            <a:ext cx="719640" cy="647640"/>
+            <a:ext cx="719280" cy="647280"/>
           </a:xfrm>
           <a:prstGeom prst="ellipse">
             <a:avLst/>
@@ -28636,7 +28649,7 @@
         <p:spPr>
           <a:xfrm>
             <a:off x="1044360" y="1944360"/>
-            <a:ext cx="719640" cy="647640"/>
+            <a:ext cx="719280" cy="647280"/>
           </a:xfrm>
           <a:prstGeom prst="ellipse">
             <a:avLst/>
@@ -28691,7 +28704,7 @@
         <p:spPr>
           <a:xfrm>
             <a:off x="2844720" y="1908720"/>
-            <a:ext cx="719640" cy="647640"/>
+            <a:ext cx="719280" cy="647280"/>
           </a:xfrm>
           <a:prstGeom prst="ellipse">
             <a:avLst/>
@@ -28746,7 +28759,7 @@
         <p:spPr>
           <a:xfrm>
             <a:off x="1836000" y="1188000"/>
-            <a:ext cx="719640" cy="647640"/>
+            <a:ext cx="719280" cy="647280"/>
           </a:xfrm>
           <a:prstGeom prst="ellipse">
             <a:avLst/>
@@ -28801,7 +28814,7 @@
         <p:spPr>
           <a:xfrm>
             <a:off x="4717440" y="1909440"/>
-            <a:ext cx="719640" cy="647640"/>
+            <a:ext cx="719280" cy="647280"/>
           </a:xfrm>
           <a:prstGeom prst="ellipse">
             <a:avLst/>
@@ -28856,7 +28869,7 @@
         <p:spPr>
           <a:xfrm>
             <a:off x="3060000" y="432000"/>
-            <a:ext cx="719640" cy="647640"/>
+            <a:ext cx="719280" cy="647280"/>
           </a:xfrm>
           <a:prstGeom prst="ellipse">
             <a:avLst/>
@@ -29275,7 +29288,7 @@
         <p:spPr>
           <a:xfrm>
             <a:off x="1656000" y="4335840"/>
-            <a:ext cx="7056000" cy="1064160"/>
+            <a:ext cx="7055640" cy="1063800"/>
           </a:xfrm>
           <a:prstGeom prst="rect">
             <a:avLst/>
@@ -29303,7 +29316,11 @@
             </a:pPr>
             <a:r>
               <a:rPr b="0" lang="en-IN" sz="1800" spc="-1" strike="noStrike">
+                <a:solidFill>
+                  <a:srgbClr val="000000"/>
+                </a:solidFill>
                 <a:latin typeface="Arial"/>
+                <a:ea typeface="DejaVu Sans"/>
               </a:rPr>
               <a:t>Here the minimum will be in the set of {-1,4,0} which are the numbers that lost in the first knock out set.</a:t>
             </a:r>
@@ -29312,6 +29329,504 @@
             </a:endParaRPr>
           </a:p>
         </p:txBody>
+      </p:sp>
+    </p:spTree>
+  </p:cSld>
+  <mc:AlternateContent>
+    <mc:Choice Requires="p14">
+      <p:transition spd="slow" p14:dur="2000"/>
+    </mc:Choice>
+    <mc:Fallback>
+      <p:transition spd="slow"/>
+    </mc:Fallback>
+  </mc:AlternateContent>
+</p:sld>
+</file>
+
+<file path=ppt/slides/slide29.xml><?xml version="1.0" encoding="utf-8"?>
+<p:sld xmlns:a="http://schemas.openxmlformats.org/drawingml/2006/main" xmlns:p="http://schemas.openxmlformats.org/presentationml/2006/main" xmlns:r="http://schemas.openxmlformats.org/officeDocument/2006/relationships" xmlns:p14="http://schemas.microsoft.com/office/powerpoint/2010/main" xmlns:p15="http://schemas.microsoft.com/office/powerpoint/2012/main" xmlns:mc="http://schemas.openxmlformats.org/markup-compatibility/2006">
+  <p:cSld>
+    <p:spTree>
+      <p:nvGrpSpPr>
+        <p:cNvPr id="1" name=""/>
+        <p:cNvGrpSpPr/>
+        <p:nvPr/>
+      </p:nvGrpSpPr>
+      <p:grpSpPr>
+        <a:xfrm>
+          <a:off x="0" y="0"/>
+          <a:ext cx="0" cy="0"/>
+          <a:chOff x="0" y="0"/>
+          <a:chExt cx="0" cy="0"/>
+        </a:xfrm>
+      </p:grpSpPr>
+      <p:sp>
+        <p:nvSpPr>
+          <p:cNvPr id="607" name="CustomShape 1"/>
+          <p:cNvSpPr/>
+          <p:nvPr/>
+        </p:nvSpPr>
+        <p:spPr>
+          <a:xfrm>
+            <a:off x="2880000" y="504000"/>
+            <a:ext cx="3816000" cy="1080000"/>
+          </a:xfrm>
+          <a:prstGeom prst="rect">
+            <a:avLst/>
+          </a:prstGeom>
+          <a:solidFill>
+            <a:srgbClr val="729fcf"/>
+          </a:solidFill>
+          <a:ln>
+            <a:solidFill>
+              <a:srgbClr val="3465a4"/>
+            </a:solidFill>
+          </a:ln>
+        </p:spPr>
+        <p:style>
+          <a:lnRef idx="0"/>
+          <a:fillRef idx="0"/>
+          <a:effectRef idx="0"/>
+          <a:fontRef idx="minor"/>
+        </p:style>
+        <p:txBody>
+          <a:bodyPr wrap="none" lIns="90000" rIns="90000" tIns="45000" bIns="45000" anchor="ctr">
+            <a:noAutofit/>
+          </a:bodyPr>
+          <a:p>
+            <a:pPr algn="ctr"/>
+            <a:r>
+              <a:rPr b="0" lang="en-IN" sz="1800" spc="-1" strike="noStrike">
+                <a:latin typeface="Arial"/>
+              </a:rPr>
+              <a:t>Processor</a:t>
+            </a:r>
+            <a:endParaRPr b="0" lang="en-IN" sz="1800" spc="-1" strike="noStrike">
+              <a:latin typeface="Arial"/>
+            </a:endParaRPr>
+          </a:p>
+          <a:p>
+            <a:pPr algn="ctr"/>
+            <a:r>
+              <a:rPr b="0" lang="en-IN" sz="1800" spc="-1" strike="noStrike">
+                <a:latin typeface="Arial"/>
+              </a:rPr>
+              <a:t>(Control Unit + Arithmetic Logic Unit)</a:t>
+            </a:r>
+            <a:endParaRPr b="0" lang="en-IN" sz="1800" spc="-1" strike="noStrike">
+              <a:latin typeface="Arial"/>
+            </a:endParaRPr>
+          </a:p>
+        </p:txBody>
+      </p:sp>
+      <p:sp>
+        <p:nvSpPr>
+          <p:cNvPr id="608" name="CustomShape 2"/>
+          <p:cNvSpPr/>
+          <p:nvPr/>
+        </p:nvSpPr>
+        <p:spPr>
+          <a:xfrm>
+            <a:off x="2880000" y="2448000"/>
+            <a:ext cx="3816000" cy="2952000"/>
+          </a:xfrm>
+          <a:prstGeom prst="rect">
+            <a:avLst/>
+          </a:prstGeom>
+          <a:solidFill>
+            <a:srgbClr val="729fcf"/>
+          </a:solidFill>
+          <a:ln>
+            <a:solidFill>
+              <a:srgbClr val="3465a4"/>
+            </a:solidFill>
+          </a:ln>
+        </p:spPr>
+        <p:style>
+          <a:lnRef idx="0"/>
+          <a:fillRef idx="0"/>
+          <a:effectRef idx="0"/>
+          <a:fontRef idx="minor"/>
+        </p:style>
+        <p:txBody>
+          <a:bodyPr wrap="none" lIns="90000" rIns="90000" tIns="45000" bIns="45000" anchor="ctr">
+            <a:noAutofit/>
+          </a:bodyPr>
+          <a:p>
+            <a:pPr algn="ctr"/>
+            <a:r>
+              <a:rPr b="0" lang="en-IN" sz="1800" spc="-1" strike="noStrike">
+                <a:latin typeface="Arial"/>
+              </a:rPr>
+              <a:t>Memory</a:t>
+            </a:r>
+            <a:endParaRPr b="0" lang="en-IN" sz="1800" spc="-1" strike="noStrike">
+              <a:latin typeface="Arial"/>
+            </a:endParaRPr>
+          </a:p>
+          <a:p>
+            <a:pPr algn="ctr"/>
+            <a:r>
+              <a:rPr b="0" lang="en-IN" sz="1800" spc="-1" strike="noStrike">
+                <a:latin typeface="Arial"/>
+              </a:rPr>
+              <a:t>(Primary Memory + </a:t>
+            </a:r>
+            <a:endParaRPr b="0" lang="en-IN" sz="1800" spc="-1" strike="noStrike">
+              <a:latin typeface="Arial"/>
+            </a:endParaRPr>
+          </a:p>
+          <a:p>
+            <a:pPr algn="ctr"/>
+            <a:r>
+              <a:rPr b="0" lang="en-IN" sz="1800" spc="-1" strike="noStrike">
+                <a:latin typeface="Arial"/>
+              </a:rPr>
+              <a:t>Secondary Memory)</a:t>
+            </a:r>
+            <a:endParaRPr b="0" lang="en-IN" sz="1800" spc="-1" strike="noStrike">
+              <a:latin typeface="Arial"/>
+            </a:endParaRPr>
+          </a:p>
+        </p:txBody>
+      </p:sp>
+      <p:sp>
+        <p:nvSpPr>
+          <p:cNvPr id="609" name="CustomShape 3"/>
+          <p:cNvSpPr/>
+          <p:nvPr/>
+        </p:nvSpPr>
+        <p:spPr>
+          <a:xfrm>
+            <a:off x="7416000" y="2952000"/>
+            <a:ext cx="1944000" cy="1008000"/>
+          </a:xfrm>
+          <a:prstGeom prst="rect">
+            <a:avLst/>
+          </a:prstGeom>
+          <a:solidFill>
+            <a:srgbClr val="729fcf"/>
+          </a:solidFill>
+          <a:ln>
+            <a:solidFill>
+              <a:srgbClr val="3465a4"/>
+            </a:solidFill>
+          </a:ln>
+        </p:spPr>
+        <p:style>
+          <a:lnRef idx="0"/>
+          <a:fillRef idx="0"/>
+          <a:effectRef idx="0"/>
+          <a:fontRef idx="minor"/>
+        </p:style>
+        <p:txBody>
+          <a:bodyPr wrap="none" lIns="90000" rIns="90000" tIns="45000" bIns="45000" anchor="ctr">
+            <a:noAutofit/>
+          </a:bodyPr>
+          <a:p>
+            <a:pPr algn="ctr"/>
+            <a:r>
+              <a:rPr b="0" lang="en-IN" sz="1800" spc="-1" strike="noStrike">
+                <a:latin typeface="Arial"/>
+              </a:rPr>
+              <a:t>Output Devices</a:t>
+            </a:r>
+            <a:endParaRPr b="0" lang="en-IN" sz="1800" spc="-1" strike="noStrike">
+              <a:latin typeface="Arial"/>
+            </a:endParaRPr>
+          </a:p>
+        </p:txBody>
+      </p:sp>
+      <p:sp>
+        <p:nvSpPr>
+          <p:cNvPr id="610" name="CustomShape 4"/>
+          <p:cNvSpPr/>
+          <p:nvPr/>
+        </p:nvSpPr>
+        <p:spPr>
+          <a:xfrm>
+            <a:off x="216000" y="2952000"/>
+            <a:ext cx="1944000" cy="1008000"/>
+          </a:xfrm>
+          <a:prstGeom prst="rect">
+            <a:avLst/>
+          </a:prstGeom>
+          <a:solidFill>
+            <a:srgbClr val="729fcf"/>
+          </a:solidFill>
+          <a:ln>
+            <a:solidFill>
+              <a:srgbClr val="3465a4"/>
+            </a:solidFill>
+          </a:ln>
+        </p:spPr>
+        <p:style>
+          <a:lnRef idx="0"/>
+          <a:fillRef idx="0"/>
+          <a:effectRef idx="0"/>
+          <a:fontRef idx="minor"/>
+        </p:style>
+        <p:txBody>
+          <a:bodyPr wrap="none" lIns="90000" rIns="90000" tIns="45000" bIns="45000" anchor="ctr">
+            <a:noAutofit/>
+          </a:bodyPr>
+          <a:p>
+            <a:pPr algn="ctr"/>
+            <a:r>
+              <a:rPr b="0" lang="en-IN" sz="1800" spc="-1" strike="noStrike">
+                <a:latin typeface="Arial"/>
+              </a:rPr>
+              <a:t>Input Devices</a:t>
+            </a:r>
+            <a:endParaRPr b="0" lang="en-IN" sz="1800" spc="-1" strike="noStrike">
+              <a:latin typeface="Arial"/>
+            </a:endParaRPr>
+          </a:p>
+        </p:txBody>
+      </p:sp>
+      <p:sp>
+        <p:nvSpPr>
+          <p:cNvPr id="611" name="CustomShape 5"/>
+          <p:cNvSpPr/>
+          <p:nvPr/>
+        </p:nvSpPr>
+        <p:spPr>
+          <a:xfrm>
+            <a:off x="4536000" y="1800000"/>
+            <a:ext cx="144000" cy="504000"/>
+          </a:xfrm>
+          <a:custGeom>
+            <a:avLst/>
+            <a:gdLst/>
+            <a:ahLst/>
+            <a:rect l="0" t="0" r="r" b="b"/>
+            <a:pathLst>
+              <a:path w="402" h="1401">
+                <a:moveTo>
+                  <a:pt x="100" y="0"/>
+                </a:moveTo>
+                <a:lnTo>
+                  <a:pt x="100" y="1050"/>
+                </a:lnTo>
+                <a:lnTo>
+                  <a:pt x="0" y="1050"/>
+                </a:lnTo>
+                <a:lnTo>
+                  <a:pt x="200" y="1400"/>
+                </a:lnTo>
+                <a:lnTo>
+                  <a:pt x="401" y="1050"/>
+                </a:lnTo>
+                <a:lnTo>
+                  <a:pt x="300" y="1050"/>
+                </a:lnTo>
+                <a:lnTo>
+                  <a:pt x="300" y="0"/>
+                </a:lnTo>
+                <a:lnTo>
+                  <a:pt x="100" y="0"/>
+                </a:lnTo>
+              </a:path>
+            </a:pathLst>
+          </a:custGeom>
+          <a:solidFill>
+            <a:srgbClr val="729fcf"/>
+          </a:solidFill>
+          <a:ln>
+            <a:solidFill>
+              <a:srgbClr val="3465a4"/>
+            </a:solidFill>
+          </a:ln>
+        </p:spPr>
+        <p:style>
+          <a:lnRef idx="0"/>
+          <a:fillRef idx="0"/>
+          <a:effectRef idx="0"/>
+          <a:fontRef idx="minor"/>
+        </p:style>
+      </p:sp>
+      <p:sp>
+        <p:nvSpPr>
+          <p:cNvPr id="612" name="CustomShape 6"/>
+          <p:cNvSpPr/>
+          <p:nvPr/>
+        </p:nvSpPr>
+        <p:spPr>
+          <a:xfrm>
+            <a:off x="4788000" y="1764000"/>
+            <a:ext cx="144000" cy="504000"/>
+          </a:xfrm>
+          <a:custGeom>
+            <a:avLst/>
+            <a:gdLst/>
+            <a:ahLst/>
+            <a:rect l="0" t="0" r="r" b="b"/>
+            <a:pathLst>
+              <a:path w="402" h="1401">
+                <a:moveTo>
+                  <a:pt x="100" y="1400"/>
+                </a:moveTo>
+                <a:lnTo>
+                  <a:pt x="100" y="350"/>
+                </a:lnTo>
+                <a:lnTo>
+                  <a:pt x="0" y="350"/>
+                </a:lnTo>
+                <a:lnTo>
+                  <a:pt x="200" y="0"/>
+                </a:lnTo>
+                <a:lnTo>
+                  <a:pt x="401" y="350"/>
+                </a:lnTo>
+                <a:lnTo>
+                  <a:pt x="300" y="350"/>
+                </a:lnTo>
+                <a:lnTo>
+                  <a:pt x="300" y="1400"/>
+                </a:lnTo>
+                <a:lnTo>
+                  <a:pt x="100" y="1400"/>
+                </a:lnTo>
+              </a:path>
+            </a:pathLst>
+          </a:custGeom>
+          <a:solidFill>
+            <a:srgbClr val="729fcf"/>
+          </a:solidFill>
+          <a:ln>
+            <a:solidFill>
+              <a:srgbClr val="3465a4"/>
+            </a:solidFill>
+          </a:ln>
+        </p:spPr>
+        <p:style>
+          <a:lnRef idx="0"/>
+          <a:fillRef idx="0"/>
+          <a:effectRef idx="0"/>
+          <a:fontRef idx="minor"/>
+        </p:style>
+      </p:sp>
+      <p:sp>
+        <p:nvSpPr>
+          <p:cNvPr id="613" name="CustomShape 7"/>
+          <p:cNvSpPr/>
+          <p:nvPr/>
+        </p:nvSpPr>
+        <p:spPr>
+          <a:xfrm>
+            <a:off x="2304000" y="3384000"/>
+            <a:ext cx="504000" cy="144000"/>
+          </a:xfrm>
+          <a:custGeom>
+            <a:avLst/>
+            <a:gdLst/>
+            <a:ahLst/>
+            <a:rect l="0" t="0" r="r" b="b"/>
+            <a:pathLst>
+              <a:path w="1401" h="402">
+                <a:moveTo>
+                  <a:pt x="0" y="100"/>
+                </a:moveTo>
+                <a:lnTo>
+                  <a:pt x="1050" y="100"/>
+                </a:lnTo>
+                <a:lnTo>
+                  <a:pt x="1050" y="0"/>
+                </a:lnTo>
+                <a:lnTo>
+                  <a:pt x="1400" y="200"/>
+                </a:lnTo>
+                <a:lnTo>
+                  <a:pt x="1050" y="401"/>
+                </a:lnTo>
+                <a:lnTo>
+                  <a:pt x="1050" y="300"/>
+                </a:lnTo>
+                <a:lnTo>
+                  <a:pt x="0" y="300"/>
+                </a:lnTo>
+                <a:lnTo>
+                  <a:pt x="0" y="100"/>
+                </a:lnTo>
+              </a:path>
+            </a:pathLst>
+          </a:custGeom>
+          <a:solidFill>
+            <a:srgbClr val="729fcf"/>
+          </a:solidFill>
+          <a:ln>
+            <a:solidFill>
+              <a:srgbClr val="3465a4"/>
+            </a:solidFill>
+          </a:ln>
+        </p:spPr>
+        <p:style>
+          <a:lnRef idx="0"/>
+          <a:fillRef idx="0"/>
+          <a:effectRef idx="0"/>
+          <a:fontRef idx="minor"/>
+        </p:style>
+      </p:sp>
+      <p:sp>
+        <p:nvSpPr>
+          <p:cNvPr id="614" name="CustomShape 8"/>
+          <p:cNvSpPr/>
+          <p:nvPr/>
+        </p:nvSpPr>
+        <p:spPr>
+          <a:xfrm>
+            <a:off x="6804000" y="3384360"/>
+            <a:ext cx="504000" cy="144000"/>
+          </a:xfrm>
+          <a:custGeom>
+            <a:avLst/>
+            <a:gdLst/>
+            <a:ahLst/>
+            <a:rect l="0" t="0" r="r" b="b"/>
+            <a:pathLst>
+              <a:path w="1401" h="402">
+                <a:moveTo>
+                  <a:pt x="0" y="100"/>
+                </a:moveTo>
+                <a:lnTo>
+                  <a:pt x="1050" y="100"/>
+                </a:lnTo>
+                <a:lnTo>
+                  <a:pt x="1050" y="0"/>
+                </a:lnTo>
+                <a:lnTo>
+                  <a:pt x="1400" y="200"/>
+                </a:lnTo>
+                <a:lnTo>
+                  <a:pt x="1050" y="401"/>
+                </a:lnTo>
+                <a:lnTo>
+                  <a:pt x="1050" y="300"/>
+                </a:lnTo>
+                <a:lnTo>
+                  <a:pt x="0" y="300"/>
+                </a:lnTo>
+                <a:lnTo>
+                  <a:pt x="0" y="100"/>
+                </a:lnTo>
+              </a:path>
+            </a:pathLst>
+          </a:custGeom>
+          <a:solidFill>
+            <a:srgbClr val="729fcf"/>
+          </a:solidFill>
+          <a:ln>
+            <a:solidFill>
+              <a:srgbClr val="3465a4"/>
+            </a:solidFill>
+          </a:ln>
+        </p:spPr>
+        <p:style>
+          <a:lnRef idx="0"/>
+          <a:fillRef idx="0"/>
+          <a:effectRef idx="0"/>
+          <a:fontRef idx="minor"/>
+        </p:style>
       </p:sp>
     </p:spTree>
   </p:cSld>
@@ -29352,7 +29867,7 @@
         <p:spPr>
           <a:xfrm>
             <a:off x="3060000" y="2268000"/>
-            <a:ext cx="1433160" cy="785160"/>
+            <a:ext cx="1432800" cy="784800"/>
           </a:xfrm>
           <a:prstGeom prst="rect">
             <a:avLst/>
@@ -29407,7 +29922,7 @@
         <p:spPr>
           <a:xfrm>
             <a:off x="5832000" y="1980000"/>
-            <a:ext cx="1433160" cy="1361160"/>
+            <a:ext cx="1432800" cy="1360800"/>
           </a:xfrm>
           <a:custGeom>
             <a:avLst/>
@@ -29559,7 +30074,7 @@
         <p:spPr>
           <a:xfrm>
             <a:off x="2376000" y="1044000"/>
-            <a:ext cx="1145160" cy="677160"/>
+            <a:ext cx="1144800" cy="676800"/>
           </a:xfrm>
           <a:prstGeom prst="ellipse">
             <a:avLst/>
@@ -29614,7 +30129,7 @@
         <p:spPr>
           <a:xfrm>
             <a:off x="3780360" y="1044360"/>
-            <a:ext cx="1145160" cy="677160"/>
+            <a:ext cx="1144800" cy="676800"/>
           </a:xfrm>
           <a:prstGeom prst="ellipse">
             <a:avLst/>
@@ -29669,7 +30184,7 @@
         <p:spPr>
           <a:xfrm>
             <a:off x="2376360" y="1044360"/>
-            <a:ext cx="1145160" cy="677160"/>
+            <a:ext cx="1144800" cy="676800"/>
           </a:xfrm>
           <a:prstGeom prst="ellipse">
             <a:avLst/>
@@ -29724,7 +30239,7 @@
         <p:spPr>
           <a:xfrm>
             <a:off x="1512720" y="2160720"/>
-            <a:ext cx="1145160" cy="677160"/>
+            <a:ext cx="1144800" cy="676800"/>
           </a:xfrm>
           <a:prstGeom prst="ellipse">
             <a:avLst/>
@@ -29860,7 +30375,7 @@
         <p:spPr>
           <a:xfrm>
             <a:off x="4500000" y="2376000"/>
-            <a:ext cx="1397160" cy="595440"/>
+            <a:ext cx="1396800" cy="595080"/>
           </a:xfrm>
           <a:prstGeom prst="rect">
             <a:avLst/>
@@ -29911,7 +30426,7 @@
         <p:spPr>
           <a:xfrm>
             <a:off x="4320000" y="3204360"/>
-            <a:ext cx="1397160" cy="595440"/>
+            <a:ext cx="1396800" cy="595080"/>
           </a:xfrm>
           <a:prstGeom prst="rect">
             <a:avLst/>
@@ -29992,7 +30507,7 @@
         <p:spPr>
           <a:xfrm>
             <a:off x="504000" y="576000"/>
-            <a:ext cx="425520" cy="1649520"/>
+            <a:ext cx="425160" cy="1649160"/>
           </a:xfrm>
           <a:prstGeom prst="ellipse">
             <a:avLst/>
@@ -30022,7 +30537,7 @@
         <p:spPr>
           <a:xfrm>
             <a:off x="1440360" y="576360"/>
-            <a:ext cx="425520" cy="1649520"/>
+            <a:ext cx="425160" cy="1649160"/>
           </a:xfrm>
           <a:prstGeom prst="ellipse">
             <a:avLst/>
@@ -30052,7 +30567,7 @@
         <p:spPr>
           <a:xfrm>
             <a:off x="3204720" y="612720"/>
-            <a:ext cx="425520" cy="1649520"/>
+            <a:ext cx="425160" cy="1649160"/>
           </a:xfrm>
           <a:prstGeom prst="ellipse">
             <a:avLst/>
@@ -30082,7 +30597,7 @@
         <p:spPr>
           <a:xfrm>
             <a:off x="4068720" y="576720"/>
-            <a:ext cx="425520" cy="1649520"/>
+            <a:ext cx="425160" cy="1649160"/>
           </a:xfrm>
           <a:prstGeom prst="ellipse">
             <a:avLst/>
@@ -30112,7 +30627,7 @@
         <p:spPr>
           <a:xfrm>
             <a:off x="504720" y="3204720"/>
-            <a:ext cx="425520" cy="1649520"/>
+            <a:ext cx="425160" cy="1649160"/>
           </a:xfrm>
           <a:prstGeom prst="ellipse">
             <a:avLst/>
@@ -30142,7 +30657,7 @@
         <p:spPr>
           <a:xfrm>
             <a:off x="1440720" y="3168720"/>
-            <a:ext cx="425520" cy="1649520"/>
+            <a:ext cx="425160" cy="1649160"/>
           </a:xfrm>
           <a:prstGeom prst="ellipse">
             <a:avLst/>
@@ -30172,7 +30687,7 @@
         <p:spPr>
           <a:xfrm>
             <a:off x="3240720" y="3168720"/>
-            <a:ext cx="425520" cy="1649520"/>
+            <a:ext cx="425160" cy="1649160"/>
           </a:xfrm>
           <a:prstGeom prst="ellipse">
             <a:avLst/>
@@ -30202,7 +30717,7 @@
         <p:spPr>
           <a:xfrm>
             <a:off x="4068720" y="3168720"/>
-            <a:ext cx="425520" cy="1649520"/>
+            <a:ext cx="425160" cy="1649160"/>
           </a:xfrm>
           <a:prstGeom prst="ellipse">
             <a:avLst/>
@@ -30232,7 +30747,7 @@
         <p:spPr>
           <a:xfrm>
             <a:off x="540000" y="936000"/>
-            <a:ext cx="497520" cy="339840"/>
+            <a:ext cx="497160" cy="339480"/>
           </a:xfrm>
           <a:prstGeom prst="rect">
             <a:avLst/>
@@ -30283,7 +30798,7 @@
         <p:spPr>
           <a:xfrm>
             <a:off x="540000" y="1512000"/>
-            <a:ext cx="497520" cy="339840"/>
+            <a:ext cx="497160" cy="339480"/>
           </a:xfrm>
           <a:prstGeom prst="rect">
             <a:avLst/>
@@ -30334,7 +30849,7 @@
         <p:spPr>
           <a:xfrm>
             <a:off x="1512000" y="1512000"/>
-            <a:ext cx="497520" cy="339840"/>
+            <a:ext cx="497160" cy="339480"/>
           </a:xfrm>
           <a:prstGeom prst="rect">
             <a:avLst/>
@@ -30385,7 +30900,7 @@
         <p:spPr>
           <a:xfrm>
             <a:off x="1512000" y="900000"/>
-            <a:ext cx="497520" cy="339840"/>
+            <a:ext cx="497160" cy="339480"/>
           </a:xfrm>
           <a:prstGeom prst="rect">
             <a:avLst/>
@@ -30436,7 +30951,7 @@
         <p:spPr>
           <a:xfrm>
             <a:off x="540000" y="1260000"/>
-            <a:ext cx="497520" cy="339840"/>
+            <a:ext cx="497160" cy="339480"/>
           </a:xfrm>
           <a:prstGeom prst="rect">
             <a:avLst/>
@@ -30487,7 +31002,7 @@
         <p:spPr>
           <a:xfrm>
             <a:off x="1512000" y="1224000"/>
-            <a:ext cx="497520" cy="339840"/>
+            <a:ext cx="497160" cy="339480"/>
           </a:xfrm>
           <a:prstGeom prst="rect">
             <a:avLst/>
@@ -30538,7 +31053,7 @@
         <p:spPr>
           <a:xfrm>
             <a:off x="3240000" y="900000"/>
-            <a:ext cx="497520" cy="339840"/>
+            <a:ext cx="497160" cy="339480"/>
           </a:xfrm>
           <a:prstGeom prst="rect">
             <a:avLst/>
@@ -30589,7 +31104,7 @@
         <p:spPr>
           <a:xfrm>
             <a:off x="4104000" y="900000"/>
-            <a:ext cx="497520" cy="339840"/>
+            <a:ext cx="497160" cy="339480"/>
           </a:xfrm>
           <a:prstGeom prst="rect">
             <a:avLst/>
@@ -30640,7 +31155,7 @@
         <p:spPr>
           <a:xfrm>
             <a:off x="4104000" y="1224000"/>
-            <a:ext cx="497520" cy="339840"/>
+            <a:ext cx="497160" cy="339480"/>
           </a:xfrm>
           <a:prstGeom prst="rect">
             <a:avLst/>
@@ -30691,7 +31206,7 @@
         <p:spPr>
           <a:xfrm>
             <a:off x="4104000" y="1620000"/>
-            <a:ext cx="497520" cy="339840"/>
+            <a:ext cx="497160" cy="339480"/>
           </a:xfrm>
           <a:prstGeom prst="rect">
             <a:avLst/>
@@ -30742,7 +31257,7 @@
         <p:spPr>
           <a:xfrm>
             <a:off x="576000" y="3492000"/>
-            <a:ext cx="497520" cy="339840"/>
+            <a:ext cx="497160" cy="339480"/>
           </a:xfrm>
           <a:prstGeom prst="rect">
             <a:avLst/>
@@ -30793,7 +31308,7 @@
         <p:spPr>
           <a:xfrm>
             <a:off x="576000" y="3852000"/>
-            <a:ext cx="497520" cy="339840"/>
+            <a:ext cx="497160" cy="339480"/>
           </a:xfrm>
           <a:prstGeom prst="rect">
             <a:avLst/>
@@ -30844,7 +31359,7 @@
         <p:spPr>
           <a:xfrm>
             <a:off x="576000" y="4176000"/>
-            <a:ext cx="497520" cy="339840"/>
+            <a:ext cx="497160" cy="339480"/>
           </a:xfrm>
           <a:prstGeom prst="rect">
             <a:avLst/>
@@ -30895,7 +31410,7 @@
         <p:spPr>
           <a:xfrm>
             <a:off x="1476000" y="3492000"/>
-            <a:ext cx="497520" cy="339840"/>
+            <a:ext cx="497160" cy="339480"/>
           </a:xfrm>
           <a:prstGeom prst="rect">
             <a:avLst/>
@@ -30946,7 +31461,7 @@
         <p:spPr>
           <a:xfrm>
             <a:off x="3240000" y="3492000"/>
-            <a:ext cx="497520" cy="339840"/>
+            <a:ext cx="497160" cy="339480"/>
           </a:xfrm>
           <a:prstGeom prst="rect">
             <a:avLst/>
@@ -30997,7 +31512,7 @@
         <p:spPr>
           <a:xfrm>
             <a:off x="3276000" y="3960000"/>
-            <a:ext cx="497520" cy="339840"/>
+            <a:ext cx="497160" cy="339480"/>
           </a:xfrm>
           <a:prstGeom prst="rect">
             <a:avLst/>
@@ -31048,7 +31563,7 @@
         <p:spPr>
           <a:xfrm>
             <a:off x="4140000" y="3492000"/>
-            <a:ext cx="497520" cy="339840"/>
+            <a:ext cx="497160" cy="339480"/>
           </a:xfrm>
           <a:prstGeom prst="rect">
             <a:avLst/>
@@ -31099,7 +31614,7 @@
         <p:spPr>
           <a:xfrm>
             <a:off x="4140000" y="3924000"/>
-            <a:ext cx="497520" cy="339840"/>
+            <a:ext cx="497160" cy="339480"/>
           </a:xfrm>
           <a:prstGeom prst="rect">
             <a:avLst/>
@@ -31447,7 +31962,7 @@
         <p:spPr>
           <a:xfrm>
             <a:off x="540000" y="2412000"/>
-            <a:ext cx="1289520" cy="339840"/>
+            <a:ext cx="1289160" cy="339480"/>
           </a:xfrm>
           <a:prstGeom prst="rect">
             <a:avLst/>
@@ -31498,7 +32013,7 @@
         <p:spPr>
           <a:xfrm>
             <a:off x="3168000" y="2412000"/>
-            <a:ext cx="1433520" cy="389520"/>
+            <a:ext cx="1433160" cy="389160"/>
           </a:xfrm>
           <a:prstGeom prst="rect">
             <a:avLst/>
@@ -31549,7 +32064,7 @@
         <p:spPr>
           <a:xfrm>
             <a:off x="3168000" y="4968000"/>
-            <a:ext cx="1577520" cy="353520"/>
+            <a:ext cx="1577160" cy="353160"/>
           </a:xfrm>
           <a:prstGeom prst="rect">
             <a:avLst/>
@@ -31600,7 +32115,7 @@
         <p:spPr>
           <a:xfrm>
             <a:off x="504000" y="4968000"/>
-            <a:ext cx="1433520" cy="353520"/>
+            <a:ext cx="1433160" cy="353160"/>
           </a:xfrm>
           <a:prstGeom prst="rect">
             <a:avLst/>
@@ -31681,7 +32196,7 @@
         <p:spPr>
           <a:xfrm>
             <a:off x="1872000" y="1008000"/>
-            <a:ext cx="2081880" cy="785880"/>
+            <a:ext cx="2081520" cy="785520"/>
           </a:xfrm>
           <a:prstGeom prst="rect">
             <a:avLst/>
@@ -31711,7 +32226,7 @@
         <p:spPr>
           <a:xfrm>
             <a:off x="5328000" y="756000"/>
-            <a:ext cx="1649880" cy="1217880"/>
+            <a:ext cx="1649520" cy="1217520"/>
           </a:xfrm>
           <a:custGeom>
             <a:avLst/>
@@ -31764,7 +32279,7 @@
         <p:spPr>
           <a:xfrm>
             <a:off x="1872360" y="3672360"/>
-            <a:ext cx="2081880" cy="785880"/>
+            <a:ext cx="2081520" cy="785520"/>
           </a:xfrm>
           <a:prstGeom prst="rect">
             <a:avLst/>
@@ -31794,7 +32309,7 @@
         <p:spPr>
           <a:xfrm>
             <a:off x="5328360" y="3420360"/>
-            <a:ext cx="1649880" cy="1217880"/>
+            <a:ext cx="1649520" cy="1217520"/>
           </a:xfrm>
           <a:custGeom>
             <a:avLst/>
@@ -31902,7 +32417,7 @@
         <p:spPr>
           <a:xfrm>
             <a:off x="1188000" y="2304000"/>
-            <a:ext cx="6905880" cy="340200"/>
+            <a:ext cx="6905520" cy="339840"/>
           </a:xfrm>
           <a:prstGeom prst="rect">
             <a:avLst/>
@@ -31953,7 +32468,7 @@
         <p:spPr>
           <a:xfrm>
             <a:off x="1080000" y="4788000"/>
-            <a:ext cx="7157880" cy="596160"/>
+            <a:ext cx="7157520" cy="595800"/>
           </a:xfrm>
           <a:prstGeom prst="rect">
             <a:avLst/>
@@ -32034,7 +32549,7 @@
         <p:spPr>
           <a:xfrm>
             <a:off x="1908000" y="2232000"/>
-            <a:ext cx="1433160" cy="785160"/>
+            <a:ext cx="1432800" cy="784800"/>
           </a:xfrm>
           <a:prstGeom prst="rect">
             <a:avLst/>
@@ -32089,7 +32604,7 @@
         <p:spPr>
           <a:xfrm>
             <a:off x="6084000" y="2232000"/>
-            <a:ext cx="1433160" cy="785160"/>
+            <a:ext cx="1432800" cy="784800"/>
           </a:xfrm>
           <a:prstGeom prst="rect">
             <a:avLst/>
@@ -32144,7 +32659,7 @@
         <p:spPr>
           <a:xfrm>
             <a:off x="4032000" y="1944000"/>
-            <a:ext cx="1433160" cy="1361160"/>
+            <a:ext cx="1432800" cy="1360800"/>
           </a:xfrm>
           <a:custGeom>
             <a:avLst/>
@@ -32351,7 +32866,7 @@
         <p:spPr>
           <a:xfrm>
             <a:off x="2592000" y="3636000"/>
-            <a:ext cx="7121880" cy="596160"/>
+            <a:ext cx="7121520" cy="595800"/>
           </a:xfrm>
           <a:prstGeom prst="rect">
             <a:avLst/>
@@ -32452,7 +32967,7 @@
         <p:spPr>
           <a:xfrm>
             <a:off x="5934960" y="2130480"/>
-            <a:ext cx="1691640" cy="1002600"/>
+            <a:ext cx="1691280" cy="1002240"/>
           </a:xfrm>
           <a:prstGeom prst="rect">
             <a:avLst/>
@@ -32482,7 +32997,7 @@
         <p:spPr>
           <a:xfrm>
             <a:off x="1908000" y="2232000"/>
-            <a:ext cx="1433160" cy="785160"/>
+            <a:ext cx="1432800" cy="784800"/>
           </a:xfrm>
           <a:prstGeom prst="rect">
             <a:avLst/>
@@ -32537,7 +33052,7 @@
         <p:spPr>
           <a:xfrm>
             <a:off x="6084000" y="2232000"/>
-            <a:ext cx="1433160" cy="785160"/>
+            <a:ext cx="1432800" cy="784800"/>
           </a:xfrm>
           <a:prstGeom prst="rect">
             <a:avLst/>
@@ -32592,7 +33107,7 @@
         <p:spPr>
           <a:xfrm>
             <a:off x="4032000" y="1944000"/>
-            <a:ext cx="1433160" cy="1361160"/>
+            <a:ext cx="1432800" cy="1360800"/>
           </a:xfrm>
           <a:custGeom>
             <a:avLst/>
@@ -32751,7 +33266,7 @@
         <p:spPr>
           <a:xfrm>
             <a:off x="1764000" y="3564000"/>
-            <a:ext cx="7121880" cy="596160"/>
+            <a:ext cx="7121520" cy="595800"/>
           </a:xfrm>
           <a:prstGeom prst="rect">
             <a:avLst/>
@@ -32859,7 +33374,7 @@
         <p:spPr>
           <a:xfrm>
             <a:off x="1945800" y="3636000"/>
-            <a:ext cx="1433160" cy="785160"/>
+            <a:ext cx="1432800" cy="784800"/>
           </a:xfrm>
           <a:prstGeom prst="rect">
             <a:avLst/>
@@ -32934,7 +33449,7 @@
         <p:spPr>
           <a:xfrm>
             <a:off x="6300000" y="3673800"/>
-            <a:ext cx="1433160" cy="785160"/>
+            <a:ext cx="1432800" cy="784800"/>
           </a:xfrm>
           <a:prstGeom prst="rect">
             <a:avLst/>
@@ -33063,7 +33578,7 @@
         <p:spPr>
           <a:xfrm>
             <a:off x="1764000" y="4860000"/>
-            <a:ext cx="7121880" cy="596160"/>
+            <a:ext cx="7121520" cy="595800"/>
           </a:xfrm>
           <a:prstGeom prst="rect">
             <a:avLst/>
@@ -33089,7 +33604,7 @@
         <p:spPr>
           <a:xfrm>
             <a:off x="4140000" y="1080000"/>
-            <a:ext cx="1433160" cy="785160"/>
+            <a:ext cx="1432800" cy="784800"/>
           </a:xfrm>
           <a:prstGeom prst="rect">
             <a:avLst/>
@@ -33144,7 +33659,7 @@
         <p:spPr>
           <a:xfrm>
             <a:off x="4392000" y="2267640"/>
-            <a:ext cx="930960" cy="1002960"/>
+            <a:ext cx="930600" cy="1002600"/>
           </a:xfrm>
           <a:custGeom>
             <a:avLst/>
@@ -33193,7 +33708,7 @@
         <p:spPr>
           <a:xfrm>
             <a:off x="4572000" y="2304000"/>
-            <a:ext cx="642960" cy="341280"/>
+            <a:ext cx="642600" cy="340920"/>
           </a:xfrm>
           <a:prstGeom prst="rect">
             <a:avLst/>
@@ -33325,7 +33840,7 @@
         <p:spPr>
           <a:xfrm>
             <a:off x="2592000" y="432000"/>
-            <a:ext cx="1146960" cy="498960"/>
+            <a:ext cx="1146600" cy="498600"/>
           </a:xfrm>
           <a:prstGeom prst="ellipse">
             <a:avLst/>
@@ -33380,7 +33895,7 @@
         <p:spPr>
           <a:xfrm>
             <a:off x="4104360" y="360360"/>
-            <a:ext cx="1146960" cy="498960"/>
+            <a:ext cx="1146600" cy="498600"/>
           </a:xfrm>
           <a:prstGeom prst="ellipse">
             <a:avLst/>
@@ -33435,7 +33950,7 @@
         <p:spPr>
           <a:xfrm>
             <a:off x="5652720" y="432720"/>
-            <a:ext cx="1146960" cy="498960"/>
+            <a:ext cx="1146600" cy="498600"/>
           </a:xfrm>
           <a:prstGeom prst="ellipse">
             <a:avLst/>
@@ -33490,7 +34005,7 @@
         <p:spPr>
           <a:xfrm>
             <a:off x="3813480" y="4321080"/>
-            <a:ext cx="1146960" cy="498960"/>
+            <a:ext cx="1146600" cy="498600"/>
           </a:xfrm>
           <a:prstGeom prst="ellipse">
             <a:avLst/>
@@ -33545,7 +34060,7 @@
         <p:spPr>
           <a:xfrm>
             <a:off x="2193840" y="4717440"/>
-            <a:ext cx="1146960" cy="498960"/>
+            <a:ext cx="1146600" cy="498600"/>
           </a:xfrm>
           <a:prstGeom prst="ellipse">
             <a:avLst/>
@@ -33600,7 +34115,7 @@
         <p:spPr>
           <a:xfrm>
             <a:off x="682200" y="4501800"/>
-            <a:ext cx="1146960" cy="498960"/>
+            <a:ext cx="1146600" cy="498600"/>
           </a:xfrm>
           <a:prstGeom prst="ellipse">
             <a:avLst/>
@@ -33655,7 +34170,7 @@
         <p:spPr>
           <a:xfrm>
             <a:off x="5434560" y="4574160"/>
-            <a:ext cx="1146960" cy="498960"/>
+            <a:ext cx="1146600" cy="498600"/>
           </a:xfrm>
           <a:prstGeom prst="ellipse">
             <a:avLst/>
@@ -33710,7 +34225,7 @@
         <p:spPr>
           <a:xfrm>
             <a:off x="7634160" y="4574520"/>
-            <a:ext cx="1146960" cy="498960"/>
+            <a:ext cx="1146600" cy="498600"/>
           </a:xfrm>
           <a:prstGeom prst="ellipse">
             <a:avLst/>
@@ -33765,7 +34280,7 @@
         <p:spPr>
           <a:xfrm>
             <a:off x="686520" y="3098880"/>
-            <a:ext cx="1146960" cy="498960"/>
+            <a:ext cx="1146600" cy="498600"/>
           </a:xfrm>
           <a:prstGeom prst="ellipse">
             <a:avLst/>
@@ -34093,7 +34608,7 @@
         <p:spPr>
           <a:xfrm>
             <a:off x="432000" y="72000"/>
-            <a:ext cx="9066960" cy="2514960"/>
+            <a:ext cx="9066600" cy="2514600"/>
           </a:xfrm>
           <a:prstGeom prst="rect">
             <a:avLst/>
@@ -34123,7 +34638,7 @@
         <p:spPr>
           <a:xfrm>
             <a:off x="2016000" y="1188000"/>
-            <a:ext cx="1433160" cy="785160"/>
+            <a:ext cx="1432800" cy="784800"/>
           </a:xfrm>
           <a:prstGeom prst="rect">
             <a:avLst/>
@@ -34178,7 +34693,7 @@
         <p:spPr>
           <a:xfrm>
             <a:off x="6192000" y="1188000"/>
-            <a:ext cx="1433160" cy="785160"/>
+            <a:ext cx="1432800" cy="784800"/>
           </a:xfrm>
           <a:prstGeom prst="rect">
             <a:avLst/>
@@ -34233,7 +34748,7 @@
         <p:spPr>
           <a:xfrm>
             <a:off x="4140000" y="900000"/>
-            <a:ext cx="1433160" cy="1361160"/>
+            <a:ext cx="1432800" cy="1360800"/>
           </a:xfrm>
           <a:custGeom>
             <a:avLst/>
@@ -34392,7 +34907,7 @@
         <p:spPr>
           <a:xfrm>
             <a:off x="-36000" y="3384000"/>
-            <a:ext cx="2622960" cy="596160"/>
+            <a:ext cx="2622600" cy="595800"/>
           </a:xfrm>
           <a:prstGeom prst="rect">
             <a:avLst/>
@@ -34470,7 +34985,7 @@
         <p:spPr>
           <a:xfrm>
             <a:off x="5868360" y="180360"/>
-            <a:ext cx="1146960" cy="498960"/>
+            <a:ext cx="1146600" cy="498600"/>
           </a:xfrm>
           <a:prstGeom prst="ellipse">
             <a:avLst/>
@@ -34525,7 +35040,7 @@
         <p:spPr>
           <a:xfrm>
             <a:off x="7344720" y="216720"/>
-            <a:ext cx="1146960" cy="498960"/>
+            <a:ext cx="1146600" cy="498600"/>
           </a:xfrm>
           <a:prstGeom prst="ellipse">
             <a:avLst/>
@@ -34580,7 +35095,7 @@
         <p:spPr>
           <a:xfrm>
             <a:off x="7921080" y="937080"/>
-            <a:ext cx="1146960" cy="498960"/>
+            <a:ext cx="1146600" cy="498600"/>
           </a:xfrm>
           <a:prstGeom prst="ellipse">
             <a:avLst/>
@@ -34635,7 +35150,7 @@
         <p:spPr>
           <a:xfrm>
             <a:off x="7921440" y="1693440"/>
-            <a:ext cx="1146960" cy="498960"/>
+            <a:ext cx="1146600" cy="498600"/>
           </a:xfrm>
           <a:prstGeom prst="ellipse">
             <a:avLst/>
@@ -34690,7 +35205,7 @@
         <p:spPr>
           <a:xfrm>
             <a:off x="7921440" y="937440"/>
-            <a:ext cx="1146960" cy="498960"/>
+            <a:ext cx="1146600" cy="498600"/>
           </a:xfrm>
           <a:prstGeom prst="ellipse">
             <a:avLst/>
@@ -34745,7 +35260,7 @@
         <p:spPr>
           <a:xfrm>
             <a:off x="2089440" y="433440"/>
-            <a:ext cx="1146960" cy="498960"/>
+            <a:ext cx="1146600" cy="498600"/>
           </a:xfrm>
           <a:prstGeom prst="ellipse">
             <a:avLst/>
@@ -34800,7 +35315,7 @@
         <p:spPr>
           <a:xfrm>
             <a:off x="649800" y="541800"/>
-            <a:ext cx="1146960" cy="498960"/>
+            <a:ext cx="1146600" cy="498600"/>
           </a:xfrm>
           <a:prstGeom prst="ellipse">
             <a:avLst/>
@@ -34855,7 +35370,7 @@
         <p:spPr>
           <a:xfrm>
             <a:off x="4320000" y="3168000"/>
-            <a:ext cx="1037160" cy="786960"/>
+            <a:ext cx="1036800" cy="786600"/>
           </a:xfrm>
           <a:custGeom>
             <a:avLst/>
@@ -34933,7 +35448,7 @@
         <p:spPr>
           <a:xfrm>
             <a:off x="4176000" y="4428000"/>
-            <a:ext cx="1433160" cy="785160"/>
+            <a:ext cx="1432800" cy="784800"/>
           </a:xfrm>
           <a:prstGeom prst="rect">
             <a:avLst/>
@@ -35069,7 +35584,7 @@
         <p:spPr>
           <a:xfrm>
             <a:off x="5870160" y="3782160"/>
-            <a:ext cx="1146960" cy="498960"/>
+            <a:ext cx="1146600" cy="498600"/>
           </a:xfrm>
           <a:prstGeom prst="ellipse">
             <a:avLst/>
@@ -35124,7 +35639,7 @@
         <p:spPr>
           <a:xfrm>
             <a:off x="7380000" y="3115440"/>
-            <a:ext cx="2622960" cy="596160"/>
+            <a:ext cx="2622600" cy="595800"/>
           </a:xfrm>
           <a:prstGeom prst="rect">
             <a:avLst/>

--- a/GATE/images/gate_images.pptx
+++ b/GATE/images/gate_images.pptx
@@ -35,6 +35,7 @@
     <p:sldId id="282" r:id="rId30"/>
     <p:sldId id="283" r:id="rId31"/>
     <p:sldId id="284" r:id="rId32"/>
+    <p:sldId id="285" r:id="rId33"/>
   </p:sldIdLst>
   <p:sldSz cx="10080625" cy="5670550"/>
   <p:notesSz cx="7559675" cy="10691812"/>
@@ -2783,259 +2784,6 @@
         <p:spPr>
           <a:xfrm>
             <a:off x="504000" y="226080"/>
-            <a:ext cx="9071640" cy="946080"/>
-          </a:xfrm>
-          <a:prstGeom prst="rect">
-            <a:avLst/>
-          </a:prstGeom>
-        </p:spPr>
-        <p:txBody>
-          <a:bodyPr lIns="0" rIns="0" tIns="0" bIns="0" anchor="ctr">
-            <a:noAutofit/>
-          </a:bodyPr>
-          <a:p>
-            <a:pPr algn="ctr"/>
-            <a:r>
-              <a:rPr b="0" lang="en-IN" sz="1800" spc="-1" strike="noStrike">
-                <a:latin typeface="Arial"/>
-              </a:rPr>
-              <a:t>Click to edit the title text format</a:t>
-            </a:r>
-            <a:endParaRPr b="0" lang="en-IN" sz="1800" spc="-1" strike="noStrike">
-              <a:latin typeface="Arial"/>
-            </a:endParaRPr>
-          </a:p>
-        </p:txBody>
-      </p:sp>
-      <p:sp>
-        <p:nvSpPr>
-          <p:cNvPr id="1" name="PlaceHolder 2"/>
-          <p:cNvSpPr>
-            <a:spLocks noGrp="1"/>
-          </p:cNvSpPr>
-          <p:nvPr>
-            <p:ph type="body"/>
-          </p:nvPr>
-        </p:nvSpPr>
-        <p:spPr>
-          <a:xfrm>
-            <a:off x="504000" y="1326600"/>
-            <a:ext cx="9071640" cy="3288240"/>
-          </a:xfrm>
-          <a:prstGeom prst="rect">
-            <a:avLst/>
-          </a:prstGeom>
-        </p:spPr>
-        <p:txBody>
-          <a:bodyPr lIns="0" rIns="0" tIns="0" bIns="0">
-            <a:normAutofit/>
-          </a:bodyPr>
-          <a:p>
-            <a:pPr marL="432000" indent="-324000" algn="ctr">
-              <a:spcBef>
-                <a:spcPts val="1417"/>
-              </a:spcBef>
-              <a:buClr>
-                <a:srgbClr val="000000"/>
-              </a:buClr>
-              <a:buSzPct val="45000"/>
-              <a:buFont typeface="Wingdings" charset="2"/>
-              <a:buChar char=""/>
-            </a:pPr>
-            <a:r>
-              <a:rPr b="0" lang="en-IN" sz="1800" spc="-1" strike="noStrike">
-                <a:latin typeface="Arial"/>
-              </a:rPr>
-              <a:t>Click to edit the outline text format</a:t>
-            </a:r>
-            <a:endParaRPr b="0" lang="en-IN" sz="1800" spc="-1" strike="noStrike">
-              <a:latin typeface="Arial"/>
-            </a:endParaRPr>
-          </a:p>
-          <a:p>
-            <a:pPr lvl="1" marL="864000" indent="-324000" algn="ctr">
-              <a:spcBef>
-                <a:spcPts val="1134"/>
-              </a:spcBef>
-              <a:buClr>
-                <a:srgbClr val="000000"/>
-              </a:buClr>
-              <a:buSzPct val="75000"/>
-              <a:buFont typeface="Symbol" charset="2"/>
-              <a:buChar char=""/>
-            </a:pPr>
-            <a:r>
-              <a:rPr b="0" lang="en-IN" sz="1800" spc="-1" strike="noStrike">
-                <a:latin typeface="Arial"/>
-              </a:rPr>
-              <a:t>Second Outline Level</a:t>
-            </a:r>
-            <a:endParaRPr b="0" lang="en-IN" sz="1800" spc="-1" strike="noStrike">
-              <a:latin typeface="Arial"/>
-            </a:endParaRPr>
-          </a:p>
-          <a:p>
-            <a:pPr lvl="2" marL="1296000" indent="-288000" algn="ctr">
-              <a:spcBef>
-                <a:spcPts val="850"/>
-              </a:spcBef>
-              <a:buClr>
-                <a:srgbClr val="000000"/>
-              </a:buClr>
-              <a:buSzPct val="45000"/>
-              <a:buFont typeface="Wingdings" charset="2"/>
-              <a:buChar char=""/>
-            </a:pPr>
-            <a:r>
-              <a:rPr b="0" lang="en-IN" sz="1800" spc="-1" strike="noStrike">
-                <a:latin typeface="Arial"/>
-              </a:rPr>
-              <a:t>Third Outline Level</a:t>
-            </a:r>
-            <a:endParaRPr b="0" lang="en-IN" sz="1800" spc="-1" strike="noStrike">
-              <a:latin typeface="Arial"/>
-            </a:endParaRPr>
-          </a:p>
-          <a:p>
-            <a:pPr lvl="3" marL="1728000" indent="-216000" algn="ctr">
-              <a:spcBef>
-                <a:spcPts val="567"/>
-              </a:spcBef>
-              <a:buClr>
-                <a:srgbClr val="000000"/>
-              </a:buClr>
-              <a:buSzPct val="75000"/>
-              <a:buFont typeface="Symbol" charset="2"/>
-              <a:buChar char=""/>
-            </a:pPr>
-            <a:r>
-              <a:rPr b="0" lang="en-IN" sz="1800" spc="-1" strike="noStrike">
-                <a:latin typeface="Arial"/>
-              </a:rPr>
-              <a:t>Fourth Outline Level</a:t>
-            </a:r>
-            <a:endParaRPr b="0" lang="en-IN" sz="1800" spc="-1" strike="noStrike">
-              <a:latin typeface="Arial"/>
-            </a:endParaRPr>
-          </a:p>
-          <a:p>
-            <a:pPr lvl="4" marL="2160000" indent="-216000" algn="ctr">
-              <a:spcBef>
-                <a:spcPts val="283"/>
-              </a:spcBef>
-              <a:buClr>
-                <a:srgbClr val="000000"/>
-              </a:buClr>
-              <a:buSzPct val="45000"/>
-              <a:buFont typeface="Wingdings" charset="2"/>
-              <a:buChar char=""/>
-            </a:pPr>
-            <a:r>
-              <a:rPr b="0" lang="en-IN" sz="1800" spc="-1" strike="noStrike">
-                <a:latin typeface="Arial"/>
-              </a:rPr>
-              <a:t>Fifth Outline Level</a:t>
-            </a:r>
-            <a:endParaRPr b="0" lang="en-IN" sz="1800" spc="-1" strike="noStrike">
-              <a:latin typeface="Arial"/>
-            </a:endParaRPr>
-          </a:p>
-          <a:p>
-            <a:pPr lvl="5" marL="2592000" indent="-216000" algn="ctr">
-              <a:spcBef>
-                <a:spcPts val="283"/>
-              </a:spcBef>
-              <a:buClr>
-                <a:srgbClr val="000000"/>
-              </a:buClr>
-              <a:buSzPct val="45000"/>
-              <a:buFont typeface="Wingdings" charset="2"/>
-              <a:buChar char=""/>
-            </a:pPr>
-            <a:r>
-              <a:rPr b="0" lang="en-IN" sz="1800" spc="-1" strike="noStrike">
-                <a:latin typeface="Arial"/>
-              </a:rPr>
-              <a:t>Sixth Outline Level</a:t>
-            </a:r>
-            <a:endParaRPr b="0" lang="en-IN" sz="1800" spc="-1" strike="noStrike">
-              <a:latin typeface="Arial"/>
-            </a:endParaRPr>
-          </a:p>
-          <a:p>
-            <a:pPr lvl="6" marL="3024000" indent="-216000" algn="ctr">
-              <a:spcBef>
-                <a:spcPts val="283"/>
-              </a:spcBef>
-              <a:buClr>
-                <a:srgbClr val="000000"/>
-              </a:buClr>
-              <a:buSzPct val="45000"/>
-              <a:buFont typeface="Wingdings" charset="2"/>
-              <a:buChar char=""/>
-            </a:pPr>
-            <a:r>
-              <a:rPr b="0" lang="en-IN" sz="1800" spc="-1" strike="noStrike">
-                <a:latin typeface="Arial"/>
-              </a:rPr>
-              <a:t>Seventh Outline Level</a:t>
-            </a:r>
-            <a:endParaRPr b="0" lang="en-IN" sz="1800" spc="-1" strike="noStrike">
-              <a:latin typeface="Arial"/>
-            </a:endParaRPr>
-          </a:p>
-        </p:txBody>
-      </p:sp>
-    </p:spTree>
-  </p:cSld>
-  <p:clrMap bg1="lt1" bg2="lt2" tx1="dk1" tx2="dk2" accent1="accent1" accent2="accent2" accent3="accent3" accent4="accent4" accent5="accent5" accent6="accent6" hlink="hlink" folHlink="folHlink"/>
-  <p:sldLayoutIdLst>
-    <p:sldLayoutId id="2147483649" r:id="rId2"/>
-    <p:sldLayoutId id="2147483650" r:id="rId3"/>
-    <p:sldLayoutId id="2147483651" r:id="rId4"/>
-    <p:sldLayoutId id="2147483652" r:id="rId5"/>
-    <p:sldLayoutId id="2147483653" r:id="rId6"/>
-    <p:sldLayoutId id="2147483654" r:id="rId7"/>
-    <p:sldLayoutId id="2147483655" r:id="rId8"/>
-    <p:sldLayoutId id="2147483656" r:id="rId9"/>
-    <p:sldLayoutId id="2147483657" r:id="rId10"/>
-    <p:sldLayoutId id="2147483658" r:id="rId11"/>
-    <p:sldLayoutId id="2147483659" r:id="rId12"/>
-    <p:sldLayoutId id="2147483660" r:id="rId13"/>
-  </p:sldLayoutIdLst>
-</p:sldMaster>
-</file>
-
-<file path=ppt/slideMasters/slideMaster2.xml><?xml version="1.0" encoding="utf-8"?>
-<p:sldMaster xmlns:a="http://schemas.openxmlformats.org/drawingml/2006/main" xmlns:p="http://schemas.openxmlformats.org/presentationml/2006/main" xmlns:r="http://schemas.openxmlformats.org/officeDocument/2006/relationships" xmlns:p14="http://schemas.microsoft.com/office/powerpoint/2010/main" xmlns:p15="http://schemas.microsoft.com/office/powerpoint/2012/main" xmlns:mc="http://schemas.openxmlformats.org/markup-compatibility/2006">
-  <p:cSld>
-    <p:spTree>
-      <p:nvGrpSpPr>
-        <p:cNvPr id="1" name=""/>
-        <p:cNvGrpSpPr/>
-        <p:nvPr/>
-      </p:nvGrpSpPr>
-      <p:grpSpPr>
-        <a:xfrm>
-          <a:off x="0" y="0"/>
-          <a:ext cx="0" cy="0"/>
-          <a:chOff x="0" y="0"/>
-          <a:chExt cx="0" cy="0"/>
-        </a:xfrm>
-      </p:grpSpPr>
-      <p:sp>
-        <p:nvSpPr>
-          <p:cNvPr id="38" name="PlaceHolder 1"/>
-          <p:cNvSpPr>
-            <a:spLocks noGrp="1"/>
-          </p:cNvSpPr>
-          <p:nvPr>
-            <p:ph type="title"/>
-          </p:nvPr>
-        </p:nvSpPr>
-        <p:spPr>
-          <a:xfrm>
-            <a:off x="504000" y="226080"/>
             <a:ext cx="9072000" cy="946440"/>
           </a:xfrm>
           <a:prstGeom prst="rect">
@@ -3062,7 +2810,7 @@
       </p:sp>
       <p:sp>
         <p:nvSpPr>
-          <p:cNvPr id="39" name="PlaceHolder 2"/>
+          <p:cNvPr id="1" name="PlaceHolder 2"/>
           <p:cNvSpPr>
             <a:spLocks noGrp="1"/>
           </p:cNvSpPr>
@@ -3243,6 +2991,259 @@
   </p:cSld>
   <p:clrMap bg1="lt1" bg2="lt2" tx1="dk1" tx2="dk2" accent1="accent1" accent2="accent2" accent3="accent3" accent4="accent4" accent5="accent5" accent6="accent6" hlink="hlink" folHlink="folHlink"/>
   <p:sldLayoutIdLst>
+    <p:sldLayoutId id="2147483649" r:id="rId2"/>
+    <p:sldLayoutId id="2147483650" r:id="rId3"/>
+    <p:sldLayoutId id="2147483651" r:id="rId4"/>
+    <p:sldLayoutId id="2147483652" r:id="rId5"/>
+    <p:sldLayoutId id="2147483653" r:id="rId6"/>
+    <p:sldLayoutId id="2147483654" r:id="rId7"/>
+    <p:sldLayoutId id="2147483655" r:id="rId8"/>
+    <p:sldLayoutId id="2147483656" r:id="rId9"/>
+    <p:sldLayoutId id="2147483657" r:id="rId10"/>
+    <p:sldLayoutId id="2147483658" r:id="rId11"/>
+    <p:sldLayoutId id="2147483659" r:id="rId12"/>
+    <p:sldLayoutId id="2147483660" r:id="rId13"/>
+  </p:sldLayoutIdLst>
+</p:sldMaster>
+</file>
+
+<file path=ppt/slideMasters/slideMaster2.xml><?xml version="1.0" encoding="utf-8"?>
+<p:sldMaster xmlns:a="http://schemas.openxmlformats.org/drawingml/2006/main" xmlns:p="http://schemas.openxmlformats.org/presentationml/2006/main" xmlns:r="http://schemas.openxmlformats.org/officeDocument/2006/relationships" xmlns:p14="http://schemas.microsoft.com/office/powerpoint/2010/main" xmlns:p15="http://schemas.microsoft.com/office/powerpoint/2012/main" xmlns:mc="http://schemas.openxmlformats.org/markup-compatibility/2006">
+  <p:cSld>
+    <p:spTree>
+      <p:nvGrpSpPr>
+        <p:cNvPr id="1" name=""/>
+        <p:cNvGrpSpPr/>
+        <p:nvPr/>
+      </p:nvGrpSpPr>
+      <p:grpSpPr>
+        <a:xfrm>
+          <a:off x="0" y="0"/>
+          <a:ext cx="0" cy="0"/>
+          <a:chOff x="0" y="0"/>
+          <a:chExt cx="0" cy="0"/>
+        </a:xfrm>
+      </p:grpSpPr>
+      <p:sp>
+        <p:nvSpPr>
+          <p:cNvPr id="38" name="PlaceHolder 1"/>
+          <p:cNvSpPr>
+            <a:spLocks noGrp="1"/>
+          </p:cNvSpPr>
+          <p:nvPr>
+            <p:ph type="title"/>
+          </p:nvPr>
+        </p:nvSpPr>
+        <p:spPr>
+          <a:xfrm>
+            <a:off x="504000" y="226080"/>
+            <a:ext cx="9072000" cy="946440"/>
+          </a:xfrm>
+          <a:prstGeom prst="rect">
+            <a:avLst/>
+          </a:prstGeom>
+        </p:spPr>
+        <p:txBody>
+          <a:bodyPr lIns="0" rIns="0" tIns="0" bIns="0" anchor="ctr">
+            <a:noAutofit/>
+          </a:bodyPr>
+          <a:p>
+            <a:pPr algn="ctr"/>
+            <a:r>
+              <a:rPr b="0" lang="en-IN" sz="4400" spc="-1" strike="noStrike">
+                <a:latin typeface="Arial"/>
+              </a:rPr>
+              <a:t>Click to edit the title text format</a:t>
+            </a:r>
+            <a:endParaRPr b="0" lang="en-IN" sz="4400" spc="-1" strike="noStrike">
+              <a:latin typeface="Arial"/>
+            </a:endParaRPr>
+          </a:p>
+        </p:txBody>
+      </p:sp>
+      <p:sp>
+        <p:nvSpPr>
+          <p:cNvPr id="39" name="PlaceHolder 2"/>
+          <p:cNvSpPr>
+            <a:spLocks noGrp="1"/>
+          </p:cNvSpPr>
+          <p:nvPr>
+            <p:ph type="body"/>
+          </p:nvPr>
+        </p:nvSpPr>
+        <p:spPr>
+          <a:xfrm>
+            <a:off x="504000" y="1326600"/>
+            <a:ext cx="9072000" cy="3288600"/>
+          </a:xfrm>
+          <a:prstGeom prst="rect">
+            <a:avLst/>
+          </a:prstGeom>
+        </p:spPr>
+        <p:txBody>
+          <a:bodyPr lIns="0" rIns="0" tIns="0" bIns="0">
+            <a:normAutofit/>
+          </a:bodyPr>
+          <a:p>
+            <a:pPr marL="432000" indent="-324000">
+              <a:spcBef>
+                <a:spcPts val="1417"/>
+              </a:spcBef>
+              <a:buClr>
+                <a:srgbClr val="000000"/>
+              </a:buClr>
+              <a:buSzPct val="45000"/>
+              <a:buFont typeface="Wingdings" charset="2"/>
+              <a:buChar char=""/>
+            </a:pPr>
+            <a:r>
+              <a:rPr b="0" lang="en-IN" sz="3200" spc="-1" strike="noStrike">
+                <a:latin typeface="Arial"/>
+              </a:rPr>
+              <a:t>Click to edit the outline text format</a:t>
+            </a:r>
+            <a:endParaRPr b="0" lang="en-IN" sz="3200" spc="-1" strike="noStrike">
+              <a:latin typeface="Arial"/>
+            </a:endParaRPr>
+          </a:p>
+          <a:p>
+            <a:pPr lvl="1" marL="864000" indent="-324000">
+              <a:spcBef>
+                <a:spcPts val="1134"/>
+              </a:spcBef>
+              <a:buClr>
+                <a:srgbClr val="000000"/>
+              </a:buClr>
+              <a:buSzPct val="75000"/>
+              <a:buFont typeface="Symbol" charset="2"/>
+              <a:buChar char=""/>
+            </a:pPr>
+            <a:r>
+              <a:rPr b="0" lang="en-IN" sz="2800" spc="-1" strike="noStrike">
+                <a:latin typeface="Arial"/>
+              </a:rPr>
+              <a:t>Second Outline Level</a:t>
+            </a:r>
+            <a:endParaRPr b="0" lang="en-IN" sz="2800" spc="-1" strike="noStrike">
+              <a:latin typeface="Arial"/>
+            </a:endParaRPr>
+          </a:p>
+          <a:p>
+            <a:pPr lvl="2" marL="1296000" indent="-288000">
+              <a:spcBef>
+                <a:spcPts val="850"/>
+              </a:spcBef>
+              <a:buClr>
+                <a:srgbClr val="000000"/>
+              </a:buClr>
+              <a:buSzPct val="45000"/>
+              <a:buFont typeface="Wingdings" charset="2"/>
+              <a:buChar char=""/>
+            </a:pPr>
+            <a:r>
+              <a:rPr b="0" lang="en-IN" sz="2400" spc="-1" strike="noStrike">
+                <a:latin typeface="Arial"/>
+              </a:rPr>
+              <a:t>Third Outline Level</a:t>
+            </a:r>
+            <a:endParaRPr b="0" lang="en-IN" sz="2400" spc="-1" strike="noStrike">
+              <a:latin typeface="Arial"/>
+            </a:endParaRPr>
+          </a:p>
+          <a:p>
+            <a:pPr lvl="3" marL="1728000" indent="-216000">
+              <a:spcBef>
+                <a:spcPts val="567"/>
+              </a:spcBef>
+              <a:buClr>
+                <a:srgbClr val="000000"/>
+              </a:buClr>
+              <a:buSzPct val="75000"/>
+              <a:buFont typeface="Symbol" charset="2"/>
+              <a:buChar char=""/>
+            </a:pPr>
+            <a:r>
+              <a:rPr b="0" lang="en-IN" sz="2000" spc="-1" strike="noStrike">
+                <a:latin typeface="Arial"/>
+              </a:rPr>
+              <a:t>Fourth Outline Level</a:t>
+            </a:r>
+            <a:endParaRPr b="0" lang="en-IN" sz="2000" spc="-1" strike="noStrike">
+              <a:latin typeface="Arial"/>
+            </a:endParaRPr>
+          </a:p>
+          <a:p>
+            <a:pPr lvl="4" marL="2160000" indent="-216000">
+              <a:spcBef>
+                <a:spcPts val="283"/>
+              </a:spcBef>
+              <a:buClr>
+                <a:srgbClr val="000000"/>
+              </a:buClr>
+              <a:buSzPct val="45000"/>
+              <a:buFont typeface="Wingdings" charset="2"/>
+              <a:buChar char=""/>
+            </a:pPr>
+            <a:r>
+              <a:rPr b="0" lang="en-IN" sz="2000" spc="-1" strike="noStrike">
+                <a:latin typeface="Arial"/>
+              </a:rPr>
+              <a:t>Fifth Outline Level</a:t>
+            </a:r>
+            <a:endParaRPr b="0" lang="en-IN" sz="2000" spc="-1" strike="noStrike">
+              <a:latin typeface="Arial"/>
+            </a:endParaRPr>
+          </a:p>
+          <a:p>
+            <a:pPr lvl="5" marL="2592000" indent="-216000">
+              <a:spcBef>
+                <a:spcPts val="283"/>
+              </a:spcBef>
+              <a:buClr>
+                <a:srgbClr val="000000"/>
+              </a:buClr>
+              <a:buSzPct val="45000"/>
+              <a:buFont typeface="Wingdings" charset="2"/>
+              <a:buChar char=""/>
+            </a:pPr>
+            <a:r>
+              <a:rPr b="0" lang="en-IN" sz="2000" spc="-1" strike="noStrike">
+                <a:latin typeface="Arial"/>
+              </a:rPr>
+              <a:t>Sixth Outline Level</a:t>
+            </a:r>
+            <a:endParaRPr b="0" lang="en-IN" sz="2000" spc="-1" strike="noStrike">
+              <a:latin typeface="Arial"/>
+            </a:endParaRPr>
+          </a:p>
+          <a:p>
+            <a:pPr lvl="6" marL="3024000" indent="-216000">
+              <a:spcBef>
+                <a:spcPts val="283"/>
+              </a:spcBef>
+              <a:buClr>
+                <a:srgbClr val="000000"/>
+              </a:buClr>
+              <a:buSzPct val="45000"/>
+              <a:buFont typeface="Wingdings" charset="2"/>
+              <a:buChar char=""/>
+            </a:pPr>
+            <a:r>
+              <a:rPr b="0" lang="en-IN" sz="2000" spc="-1" strike="noStrike">
+                <a:latin typeface="Arial"/>
+              </a:rPr>
+              <a:t>Seventh Outline Level</a:t>
+            </a:r>
+            <a:endParaRPr b="0" lang="en-IN" sz="2000" spc="-1" strike="noStrike">
+              <a:latin typeface="Arial"/>
+            </a:endParaRPr>
+          </a:p>
+        </p:txBody>
+      </p:sp>
+    </p:spTree>
+  </p:cSld>
+  <p:clrMap bg1="lt1" bg2="lt2" tx1="dk1" tx2="dk2" accent1="accent1" accent2="accent2" accent3="accent3" accent4="accent4" accent5="accent5" accent6="accent6" hlink="hlink" folHlink="folHlink"/>
+  <p:sldLayoutIdLst>
     <p:sldLayoutId id="2147483662" r:id="rId2"/>
     <p:sldLayoutId id="2147483663" r:id="rId3"/>
     <p:sldLayoutId id="2147483664" r:id="rId4"/>
@@ -3285,7 +3286,7 @@
         <p:spPr>
           <a:xfrm>
             <a:off x="1836000" y="1332000"/>
-            <a:ext cx="2368440" cy="784440"/>
+            <a:ext cx="2368080" cy="784080"/>
           </a:xfrm>
           <a:prstGeom prst="rect">
             <a:avLst/>
@@ -3340,7 +3341,7 @@
         <p:spPr>
           <a:xfrm>
             <a:off x="1836000" y="2880000"/>
-            <a:ext cx="2368440" cy="784440"/>
+            <a:ext cx="2368080" cy="784080"/>
           </a:xfrm>
           <a:prstGeom prst="rect">
             <a:avLst/>
@@ -3405,7 +3406,7 @@
         <p:spPr>
           <a:xfrm>
             <a:off x="1836000" y="4176000"/>
-            <a:ext cx="2368440" cy="784440"/>
+            <a:ext cx="2368080" cy="784080"/>
           </a:xfrm>
           <a:prstGeom prst="rect">
             <a:avLst/>
@@ -3480,7 +3481,7 @@
         <p:spPr>
           <a:xfrm>
             <a:off x="5292000" y="900000"/>
-            <a:ext cx="2368440" cy="1504440"/>
+            <a:ext cx="2368080" cy="1504080"/>
           </a:xfrm>
           <a:prstGeom prst="rect">
             <a:avLst/>
@@ -3615,7 +3616,7 @@
         <p:spPr>
           <a:xfrm>
             <a:off x="5292000" y="2571480"/>
-            <a:ext cx="2368440" cy="1272960"/>
+            <a:ext cx="2368080" cy="1272600"/>
           </a:xfrm>
           <a:prstGeom prst="rect">
             <a:avLst/>
@@ -3730,7 +3731,7 @@
         <p:spPr>
           <a:xfrm>
             <a:off x="5292000" y="4047480"/>
-            <a:ext cx="2368440" cy="1020960"/>
+            <a:ext cx="2368080" cy="1020600"/>
           </a:xfrm>
           <a:prstGeom prst="rect">
             <a:avLst/>
@@ -3909,7 +3910,7 @@
         <p:spPr>
           <a:xfrm>
             <a:off x="2988000" y="360000"/>
-            <a:ext cx="4384440" cy="338760"/>
+            <a:ext cx="4384080" cy="338400"/>
           </a:xfrm>
           <a:prstGeom prst="rect">
             <a:avLst/>
@@ -3990,7 +3991,7 @@
         <p:spPr>
           <a:xfrm>
             <a:off x="1440000" y="720000"/>
-            <a:ext cx="6762600" cy="1794600"/>
+            <a:ext cx="6762240" cy="1794240"/>
           </a:xfrm>
           <a:prstGeom prst="rect">
             <a:avLst/>
@@ -4020,7 +4021,7 @@
         <p:spPr>
           <a:xfrm>
             <a:off x="2016000" y="1188000"/>
-            <a:ext cx="1432800" cy="784800"/>
+            <a:ext cx="1432440" cy="784440"/>
           </a:xfrm>
           <a:prstGeom prst="rect">
             <a:avLst/>
@@ -4075,7 +4076,7 @@
         <p:spPr>
           <a:xfrm>
             <a:off x="6192000" y="1188000"/>
-            <a:ext cx="1432800" cy="784800"/>
+            <a:ext cx="1432440" cy="784440"/>
           </a:xfrm>
           <a:prstGeom prst="rect">
             <a:avLst/>
@@ -4130,7 +4131,7 @@
         <p:spPr>
           <a:xfrm>
             <a:off x="4140000" y="900000"/>
-            <a:ext cx="1432800" cy="1360800"/>
+            <a:ext cx="1432440" cy="1360440"/>
           </a:xfrm>
           <a:custGeom>
             <a:avLst/>
@@ -4316,7 +4317,7 @@
         <p:spPr>
           <a:xfrm>
             <a:off x="4320000" y="3168000"/>
-            <a:ext cx="1036800" cy="786600"/>
+            <a:ext cx="1036440" cy="786240"/>
           </a:xfrm>
           <a:custGeom>
             <a:avLst/>
@@ -4394,7 +4395,7 @@
         <p:spPr>
           <a:xfrm>
             <a:off x="4176000" y="4428000"/>
-            <a:ext cx="1432800" cy="784800"/>
+            <a:ext cx="1432440" cy="784440"/>
           </a:xfrm>
           <a:prstGeom prst="rect">
             <a:avLst/>
@@ -4476,7 +4477,7 @@
         <p:spPr>
           <a:xfrm>
             <a:off x="5870160" y="3314160"/>
-            <a:ext cx="1146600" cy="498600"/>
+            <a:ext cx="1146240" cy="498240"/>
           </a:xfrm>
           <a:prstGeom prst="ellipse">
             <a:avLst/>
@@ -4615,7 +4616,7 @@
         <p:spPr>
           <a:xfrm>
             <a:off x="1944000" y="900000"/>
-            <a:ext cx="1432800" cy="784800"/>
+            <a:ext cx="1432440" cy="784440"/>
           </a:xfrm>
           <a:prstGeom prst="rect">
             <a:avLst/>
@@ -4670,7 +4671,7 @@
         <p:spPr>
           <a:xfrm>
             <a:off x="6120000" y="900000"/>
-            <a:ext cx="1432800" cy="784800"/>
+            <a:ext cx="1432440" cy="784440"/>
           </a:xfrm>
           <a:prstGeom prst="rect">
             <a:avLst/>
@@ -4725,7 +4726,7 @@
         <p:spPr>
           <a:xfrm>
             <a:off x="4068000" y="612000"/>
-            <a:ext cx="1432800" cy="1360800"/>
+            <a:ext cx="1432440" cy="1360440"/>
           </a:xfrm>
           <a:custGeom>
             <a:avLst/>
@@ -4904,7 +4905,7 @@
         <p:spPr>
           <a:xfrm>
             <a:off x="2592000" y="5904000"/>
-            <a:ext cx="7121520" cy="595800"/>
+            <a:ext cx="7121160" cy="595440"/>
           </a:xfrm>
           <a:prstGeom prst="rect">
             <a:avLst/>
@@ -4975,7 +4976,7 @@
         <p:spPr>
           <a:xfrm>
             <a:off x="360000" y="216360"/>
-            <a:ext cx="1146600" cy="498600"/>
+            <a:ext cx="1146240" cy="498240"/>
           </a:xfrm>
           <a:prstGeom prst="ellipse">
             <a:avLst/>
@@ -5030,7 +5031,7 @@
         <p:spPr>
           <a:xfrm>
             <a:off x="1727640" y="216360"/>
-            <a:ext cx="1146600" cy="498600"/>
+            <a:ext cx="1146240" cy="498240"/>
           </a:xfrm>
           <a:prstGeom prst="ellipse">
             <a:avLst/>
@@ -5085,7 +5086,7 @@
         <p:spPr>
           <a:xfrm>
             <a:off x="359280" y="1008360"/>
-            <a:ext cx="1146600" cy="498600"/>
+            <a:ext cx="1146240" cy="498240"/>
           </a:xfrm>
           <a:prstGeom prst="ellipse">
             <a:avLst/>
@@ -5140,7 +5141,7 @@
         <p:spPr>
           <a:xfrm>
             <a:off x="358920" y="1800360"/>
-            <a:ext cx="1146600" cy="498600"/>
+            <a:ext cx="1146240" cy="498240"/>
           </a:xfrm>
           <a:prstGeom prst="ellipse">
             <a:avLst/>
@@ -5195,7 +5196,7 @@
         <p:spPr>
           <a:xfrm>
             <a:off x="1906560" y="1836360"/>
-            <a:ext cx="1146600" cy="498600"/>
+            <a:ext cx="1146240" cy="498240"/>
           </a:xfrm>
           <a:prstGeom prst="ellipse">
             <a:avLst/>
@@ -5250,7 +5251,7 @@
         <p:spPr>
           <a:xfrm>
             <a:off x="4211280" y="360"/>
-            <a:ext cx="1146600" cy="498600"/>
+            <a:ext cx="1146240" cy="498240"/>
           </a:xfrm>
           <a:prstGeom prst="ellipse">
             <a:avLst/>
@@ -5305,7 +5306,7 @@
         <p:spPr>
           <a:xfrm>
             <a:off x="6226920" y="360"/>
-            <a:ext cx="1146600" cy="498600"/>
+            <a:ext cx="1146240" cy="498240"/>
           </a:xfrm>
           <a:prstGeom prst="ellipse">
             <a:avLst/>
@@ -5360,7 +5361,7 @@
         <p:spPr>
           <a:xfrm>
             <a:off x="4210920" y="360"/>
-            <a:ext cx="1146600" cy="498600"/>
+            <a:ext cx="1146240" cy="498240"/>
           </a:xfrm>
           <a:prstGeom prst="ellipse">
             <a:avLst/>
@@ -5415,7 +5416,7 @@
         <p:spPr>
           <a:xfrm>
             <a:off x="7738920" y="252360"/>
-            <a:ext cx="1146600" cy="498600"/>
+            <a:ext cx="1146240" cy="498240"/>
           </a:xfrm>
           <a:prstGeom prst="ellipse">
             <a:avLst/>
@@ -5470,7 +5471,7 @@
         <p:spPr>
           <a:xfrm>
             <a:off x="7810920" y="936360"/>
-            <a:ext cx="1146600" cy="498600"/>
+            <a:ext cx="1146240" cy="498240"/>
           </a:xfrm>
           <a:prstGeom prst="ellipse">
             <a:avLst/>
@@ -7006,7 +7007,7 @@
         <p:spPr>
           <a:xfrm>
             <a:off x="576000" y="4320000"/>
-            <a:ext cx="2442960" cy="341280"/>
+            <a:ext cx="2442600" cy="340920"/>
           </a:xfrm>
           <a:prstGeom prst="rect">
             <a:avLst/>
@@ -7057,7 +7058,7 @@
         <p:spPr>
           <a:xfrm>
             <a:off x="7092000" y="3672000"/>
-            <a:ext cx="2442960" cy="341280"/>
+            <a:ext cx="2442600" cy="340920"/>
           </a:xfrm>
           <a:prstGeom prst="rect">
             <a:avLst/>
@@ -7108,7 +7109,7 @@
         <p:spPr>
           <a:xfrm>
             <a:off x="3744000" y="5328000"/>
-            <a:ext cx="2442960" cy="341280"/>
+            <a:ext cx="2442600" cy="340920"/>
           </a:xfrm>
           <a:prstGeom prst="rect">
             <a:avLst/>
@@ -7189,7 +7190,7 @@
         <p:spPr>
           <a:xfrm>
             <a:off x="5934960" y="1050480"/>
-            <a:ext cx="1691280" cy="1002240"/>
+            <a:ext cx="1690920" cy="1001880"/>
           </a:xfrm>
           <a:prstGeom prst="rect">
             <a:avLst/>
@@ -7219,7 +7220,7 @@
         <p:spPr>
           <a:xfrm>
             <a:off x="1908000" y="1152000"/>
-            <a:ext cx="1432800" cy="784800"/>
+            <a:ext cx="1432440" cy="784440"/>
           </a:xfrm>
           <a:prstGeom prst="rect">
             <a:avLst/>
@@ -7274,7 +7275,7 @@
         <p:spPr>
           <a:xfrm>
             <a:off x="6084000" y="1152000"/>
-            <a:ext cx="1432800" cy="784800"/>
+            <a:ext cx="1432440" cy="784440"/>
           </a:xfrm>
           <a:prstGeom prst="rect">
             <a:avLst/>
@@ -7329,7 +7330,7 @@
         <p:spPr>
           <a:xfrm>
             <a:off x="4032000" y="864000"/>
-            <a:ext cx="1432800" cy="1360800"/>
+            <a:ext cx="1432440" cy="1360440"/>
           </a:xfrm>
           <a:custGeom>
             <a:avLst/>
@@ -7461,7 +7462,7 @@
         <p:spPr>
           <a:xfrm>
             <a:off x="1548000" y="576000"/>
-            <a:ext cx="2118960" cy="462960"/>
+            <a:ext cx="2118600" cy="462600"/>
           </a:xfrm>
           <a:prstGeom prst="rect">
             <a:avLst/>
@@ -7567,7 +7568,7 @@
         <p:spPr>
           <a:xfrm>
             <a:off x="5760000" y="576000"/>
-            <a:ext cx="2118960" cy="462960"/>
+            <a:ext cx="2118600" cy="462600"/>
           </a:xfrm>
           <a:prstGeom prst="rect">
             <a:avLst/>
@@ -7618,7 +7619,7 @@
         <p:spPr>
           <a:xfrm>
             <a:off x="216000" y="2376000"/>
-            <a:ext cx="2118960" cy="2586960"/>
+            <a:ext cx="2118600" cy="2586600"/>
           </a:xfrm>
           <a:prstGeom prst="rect">
             <a:avLst/>
@@ -8327,7 +8328,7 @@
         <p:spPr>
           <a:xfrm>
             <a:off x="1945800" y="3636000"/>
-            <a:ext cx="1432800" cy="784800"/>
+            <a:ext cx="1432440" cy="784440"/>
           </a:xfrm>
           <a:prstGeom prst="rect">
             <a:avLst/>
@@ -8402,7 +8403,7 @@
         <p:spPr>
           <a:xfrm>
             <a:off x="6300000" y="3673800"/>
-            <a:ext cx="1432800" cy="784800"/>
+            <a:ext cx="1432440" cy="784440"/>
           </a:xfrm>
           <a:prstGeom prst="rect">
             <a:avLst/>
@@ -8531,7 +8532,7 @@
         <p:spPr>
           <a:xfrm>
             <a:off x="1764000" y="4860000"/>
-            <a:ext cx="7121520" cy="595800"/>
+            <a:ext cx="7121160" cy="595440"/>
           </a:xfrm>
           <a:prstGeom prst="rect">
             <a:avLst/>
@@ -8557,7 +8558,7 @@
         <p:spPr>
           <a:xfrm>
             <a:off x="4140000" y="1080000"/>
-            <a:ext cx="1432800" cy="784800"/>
+            <a:ext cx="1432440" cy="784440"/>
           </a:xfrm>
           <a:prstGeom prst="rect">
             <a:avLst/>
@@ -8612,7 +8613,7 @@
         <p:spPr>
           <a:xfrm>
             <a:off x="4392000" y="2267640"/>
-            <a:ext cx="930600" cy="1002600"/>
+            <a:ext cx="930240" cy="1002240"/>
           </a:xfrm>
           <a:custGeom>
             <a:avLst/>
@@ -8661,7 +8662,7 @@
         <p:spPr>
           <a:xfrm>
             <a:off x="4572000" y="2304000"/>
-            <a:ext cx="642600" cy="340920"/>
+            <a:ext cx="642240" cy="340560"/>
           </a:xfrm>
           <a:prstGeom prst="rect">
             <a:avLst/>
@@ -8793,7 +8794,7 @@
         <p:spPr>
           <a:xfrm>
             <a:off x="2592000" y="432000"/>
-            <a:ext cx="1146600" cy="498600"/>
+            <a:ext cx="1146240" cy="498240"/>
           </a:xfrm>
           <a:prstGeom prst="ellipse">
             <a:avLst/>
@@ -8848,7 +8849,7 @@
         <p:spPr>
           <a:xfrm>
             <a:off x="4104360" y="360360"/>
-            <a:ext cx="1146600" cy="498600"/>
+            <a:ext cx="1146240" cy="498240"/>
           </a:xfrm>
           <a:prstGeom prst="ellipse">
             <a:avLst/>
@@ -8903,7 +8904,7 @@
         <p:spPr>
           <a:xfrm>
             <a:off x="5652720" y="432720"/>
-            <a:ext cx="1146600" cy="498600"/>
+            <a:ext cx="1146240" cy="498240"/>
           </a:xfrm>
           <a:prstGeom prst="ellipse">
             <a:avLst/>
@@ -8958,7 +8959,7 @@
         <p:spPr>
           <a:xfrm>
             <a:off x="3813480" y="4321080"/>
-            <a:ext cx="1146600" cy="498600"/>
+            <a:ext cx="1146240" cy="498240"/>
           </a:xfrm>
           <a:prstGeom prst="ellipse">
             <a:avLst/>
@@ -9013,7 +9014,7 @@
         <p:spPr>
           <a:xfrm>
             <a:off x="2193840" y="4717440"/>
-            <a:ext cx="1146600" cy="498600"/>
+            <a:ext cx="1146240" cy="498240"/>
           </a:xfrm>
           <a:prstGeom prst="ellipse">
             <a:avLst/>
@@ -9068,7 +9069,7 @@
         <p:spPr>
           <a:xfrm>
             <a:off x="682200" y="4501800"/>
-            <a:ext cx="1146600" cy="498600"/>
+            <a:ext cx="1146240" cy="498240"/>
           </a:xfrm>
           <a:prstGeom prst="ellipse">
             <a:avLst/>
@@ -9123,7 +9124,7 @@
         <p:spPr>
           <a:xfrm>
             <a:off x="5434560" y="4574160"/>
-            <a:ext cx="1146600" cy="498600"/>
+            <a:ext cx="1146240" cy="498240"/>
           </a:xfrm>
           <a:prstGeom prst="ellipse">
             <a:avLst/>
@@ -9178,7 +9179,7 @@
         <p:spPr>
           <a:xfrm>
             <a:off x="7634160" y="4574520"/>
-            <a:ext cx="1146600" cy="498600"/>
+            <a:ext cx="1146240" cy="498240"/>
           </a:xfrm>
           <a:prstGeom prst="ellipse">
             <a:avLst/>
@@ -9233,7 +9234,7 @@
         <p:spPr>
           <a:xfrm>
             <a:off x="686520" y="3098880"/>
-            <a:ext cx="1146600" cy="498600"/>
+            <a:ext cx="1146240" cy="498240"/>
           </a:xfrm>
           <a:prstGeom prst="ellipse">
             <a:avLst/>
@@ -9531,7 +9532,7 @@
         <p:spPr>
           <a:xfrm>
             <a:off x="216000" y="288000"/>
-            <a:ext cx="2370960" cy="2298960"/>
+            <a:ext cx="2370600" cy="2298600"/>
           </a:xfrm>
           <a:prstGeom prst="rect">
             <a:avLst/>
@@ -9652,7 +9653,7 @@
         <p:spPr>
           <a:xfrm>
             <a:off x="1908000" y="936000"/>
-            <a:ext cx="1432800" cy="784800"/>
+            <a:ext cx="1432440" cy="784440"/>
           </a:xfrm>
           <a:prstGeom prst="rect">
             <a:avLst/>
@@ -9707,7 +9708,7 @@
         <p:spPr>
           <a:xfrm>
             <a:off x="6084000" y="936000"/>
-            <a:ext cx="1432800" cy="784800"/>
+            <a:ext cx="1432440" cy="784440"/>
           </a:xfrm>
           <a:prstGeom prst="rect">
             <a:avLst/>
@@ -9762,7 +9763,7 @@
         <p:spPr>
           <a:xfrm>
             <a:off x="4934160" y="4392000"/>
-            <a:ext cx="1432800" cy="784800"/>
+            <a:ext cx="1432440" cy="784440"/>
           </a:xfrm>
           <a:prstGeom prst="rect">
             <a:avLst/>
@@ -9817,7 +9818,7 @@
         <p:spPr>
           <a:xfrm>
             <a:off x="4032000" y="648000"/>
-            <a:ext cx="1432800" cy="1360800"/>
+            <a:ext cx="1432440" cy="1360440"/>
           </a:xfrm>
           <a:custGeom>
             <a:avLst/>
@@ -9915,7 +9916,7 @@
         <p:spPr>
           <a:xfrm>
             <a:off x="1908000" y="3204360"/>
-            <a:ext cx="1432800" cy="1360800"/>
+            <a:ext cx="1432440" cy="1360440"/>
           </a:xfrm>
           <a:custGeom>
             <a:avLst/>
@@ -10067,7 +10068,7 @@
         <p:spPr>
           <a:xfrm>
             <a:off x="4140000" y="2234160"/>
-            <a:ext cx="1146960" cy="568800"/>
+            <a:ext cx="1146600" cy="568440"/>
           </a:xfrm>
           <a:prstGeom prst="ellipse">
             <a:avLst/>
@@ -10122,7 +10123,7 @@
         <p:spPr>
           <a:xfrm>
             <a:off x="3708360" y="3636360"/>
-            <a:ext cx="1074600" cy="568800"/>
+            <a:ext cx="1074240" cy="568440"/>
           </a:xfrm>
           <a:prstGeom prst="ellipse">
             <a:avLst/>
@@ -10231,7 +10232,7 @@
         <p:spPr>
           <a:xfrm>
             <a:off x="504000" y="396000"/>
-            <a:ext cx="1146960" cy="568800"/>
+            <a:ext cx="1146600" cy="568440"/>
           </a:xfrm>
           <a:prstGeom prst="ellipse">
             <a:avLst/>
@@ -10286,7 +10287,7 @@
         <p:spPr>
           <a:xfrm>
             <a:off x="1944000" y="180000"/>
-            <a:ext cx="1146960" cy="568800"/>
+            <a:ext cx="1146600" cy="568440"/>
           </a:xfrm>
           <a:prstGeom prst="ellipse">
             <a:avLst/>
@@ -10341,7 +10342,7 @@
         <p:spPr>
           <a:xfrm>
             <a:off x="288000" y="1152000"/>
-            <a:ext cx="1146960" cy="568800"/>
+            <a:ext cx="1146600" cy="568440"/>
           </a:xfrm>
           <a:prstGeom prst="ellipse">
             <a:avLst/>
@@ -10396,7 +10397,7 @@
         <p:spPr>
           <a:xfrm>
             <a:off x="5940000" y="180000"/>
-            <a:ext cx="1146960" cy="568800"/>
+            <a:ext cx="1146600" cy="568440"/>
           </a:xfrm>
           <a:prstGeom prst="ellipse">
             <a:avLst/>
@@ -10451,7 +10452,7 @@
         <p:spPr>
           <a:xfrm>
             <a:off x="7560000" y="180000"/>
-            <a:ext cx="1146960" cy="568800"/>
+            <a:ext cx="1146600" cy="568440"/>
           </a:xfrm>
           <a:prstGeom prst="ellipse">
             <a:avLst/>
@@ -10506,7 +10507,7 @@
         <p:spPr>
           <a:xfrm>
             <a:off x="7992000" y="972000"/>
-            <a:ext cx="1146960" cy="568800"/>
+            <a:ext cx="1146600" cy="568440"/>
           </a:xfrm>
           <a:prstGeom prst="ellipse">
             <a:avLst/>
@@ -10588,7 +10589,7 @@
         <p:spPr>
           <a:xfrm>
             <a:off x="432000" y="3636360"/>
-            <a:ext cx="1074600" cy="568800"/>
+            <a:ext cx="1074240" cy="568440"/>
           </a:xfrm>
           <a:prstGeom prst="ellipse">
             <a:avLst/>
@@ -10643,7 +10644,7 @@
         <p:spPr>
           <a:xfrm>
             <a:off x="6803640" y="4068360"/>
-            <a:ext cx="1074600" cy="568800"/>
+            <a:ext cx="1074240" cy="568440"/>
           </a:xfrm>
           <a:prstGeom prst="ellipse">
             <a:avLst/>
@@ -10698,7 +10699,7 @@
         <p:spPr>
           <a:xfrm>
             <a:off x="6839280" y="4752360"/>
-            <a:ext cx="1074600" cy="568800"/>
+            <a:ext cx="1074240" cy="568440"/>
           </a:xfrm>
           <a:prstGeom prst="ellipse">
             <a:avLst/>
@@ -11108,7 +11109,7 @@
         <p:spPr>
           <a:xfrm>
             <a:off x="2556000" y="1152000"/>
-            <a:ext cx="4531320" cy="355320"/>
+            <a:ext cx="4530960" cy="354960"/>
           </a:xfrm>
           <a:prstGeom prst="rect">
             <a:avLst/>
@@ -11958,7 +11959,7 @@
         <p:spPr>
           <a:xfrm>
             <a:off x="3492000" y="3541680"/>
-            <a:ext cx="3020400" cy="342720"/>
+            <a:ext cx="3020040" cy="342360"/>
           </a:xfrm>
           <a:prstGeom prst="rect">
             <a:avLst/>
@@ -12009,7 +12010,7 @@
         <p:spPr>
           <a:xfrm>
             <a:off x="144000" y="3564000"/>
-            <a:ext cx="3020400" cy="342720"/>
+            <a:ext cx="3020040" cy="342360"/>
           </a:xfrm>
           <a:prstGeom prst="rect">
             <a:avLst/>
@@ -12060,7 +12061,7 @@
         <p:spPr>
           <a:xfrm>
             <a:off x="7308000" y="3528000"/>
-            <a:ext cx="3020400" cy="342720"/>
+            <a:ext cx="3020040" cy="342360"/>
           </a:xfrm>
           <a:prstGeom prst="rect">
             <a:avLst/>
@@ -12513,7 +12514,7 @@
         <p:spPr>
           <a:xfrm>
             <a:off x="3492000" y="3541680"/>
-            <a:ext cx="3020400" cy="342720"/>
+            <a:ext cx="3020040" cy="342360"/>
           </a:xfrm>
           <a:prstGeom prst="rect">
             <a:avLst/>
@@ -12564,7 +12565,7 @@
         <p:spPr>
           <a:xfrm>
             <a:off x="144000" y="3564000"/>
-            <a:ext cx="3020400" cy="342720"/>
+            <a:ext cx="3020040" cy="342360"/>
           </a:xfrm>
           <a:prstGeom prst="rect">
             <a:avLst/>
@@ -12615,7 +12616,7 @@
         <p:spPr>
           <a:xfrm>
             <a:off x="7308000" y="3528000"/>
-            <a:ext cx="3020400" cy="342720"/>
+            <a:ext cx="3020040" cy="342360"/>
           </a:xfrm>
           <a:prstGeom prst="rect">
             <a:avLst/>
@@ -13644,7 +13645,7 @@
         <p:spPr>
           <a:xfrm>
             <a:off x="3456000" y="1008000"/>
-            <a:ext cx="3236760" cy="343080"/>
+            <a:ext cx="3236400" cy="342720"/>
           </a:xfrm>
           <a:prstGeom prst="rect">
             <a:avLst/>
@@ -13695,7 +13696,7 @@
         <p:spPr>
           <a:xfrm>
             <a:off x="648000" y="1836000"/>
-            <a:ext cx="3236760" cy="343080"/>
+            <a:ext cx="3236400" cy="342720"/>
           </a:xfrm>
           <a:prstGeom prst="rect">
             <a:avLst/>
@@ -13746,7 +13747,7 @@
         <p:spPr>
           <a:xfrm>
             <a:off x="5436000" y="2160000"/>
-            <a:ext cx="3236760" cy="343080"/>
+            <a:ext cx="3236400" cy="342720"/>
           </a:xfrm>
           <a:prstGeom prst="rect">
             <a:avLst/>
@@ -13824,7 +13825,7 @@
         <p:spPr>
           <a:xfrm>
             <a:off x="8676000" y="2988000"/>
-            <a:ext cx="1040760" cy="752760"/>
+            <a:ext cx="1040400" cy="752400"/>
           </a:xfrm>
           <a:prstGeom prst="rect">
             <a:avLst/>
@@ -13962,7 +13963,7 @@
         <p:spPr>
           <a:xfrm>
             <a:off x="2448000" y="4464000"/>
-            <a:ext cx="5828760" cy="752760"/>
+            <a:ext cx="5828400" cy="752400"/>
           </a:xfrm>
           <a:prstGeom prst="rect">
             <a:avLst/>
@@ -15824,7 +15825,7 @@
         <p:spPr>
           <a:xfrm>
             <a:off x="1728000" y="1741680"/>
-            <a:ext cx="1149120" cy="343440"/>
+            <a:ext cx="1148760" cy="343080"/>
           </a:xfrm>
           <a:prstGeom prst="rect">
             <a:avLst/>
@@ -15875,7 +15876,7 @@
         <p:spPr>
           <a:xfrm>
             <a:off x="6480000" y="648000"/>
-            <a:ext cx="1689120" cy="343440"/>
+            <a:ext cx="1688760" cy="343080"/>
           </a:xfrm>
           <a:prstGeom prst="rect">
             <a:avLst/>
@@ -15956,7 +15957,7 @@
         <p:spPr>
           <a:xfrm>
             <a:off x="1908000" y="936000"/>
-            <a:ext cx="1432800" cy="784800"/>
+            <a:ext cx="1432440" cy="784440"/>
           </a:xfrm>
           <a:prstGeom prst="rect">
             <a:avLst/>
@@ -16011,7 +16012,7 @@
         <p:spPr>
           <a:xfrm>
             <a:off x="6084000" y="936000"/>
-            <a:ext cx="1432800" cy="784800"/>
+            <a:ext cx="1432440" cy="784440"/>
           </a:xfrm>
           <a:prstGeom prst="rect">
             <a:avLst/>
@@ -16066,7 +16067,7 @@
         <p:spPr>
           <a:xfrm>
             <a:off x="1908000" y="4068000"/>
-            <a:ext cx="1432800" cy="784800"/>
+            <a:ext cx="1432440" cy="784440"/>
           </a:xfrm>
           <a:prstGeom prst="rect">
             <a:avLst/>
@@ -16121,7 +16122,7 @@
         <p:spPr>
           <a:xfrm>
             <a:off x="4032000" y="648000"/>
-            <a:ext cx="1432800" cy="1360800"/>
+            <a:ext cx="1432440" cy="1360440"/>
           </a:xfrm>
           <a:custGeom>
             <a:avLst/>
@@ -16219,7 +16220,7 @@
         <p:spPr>
           <a:xfrm>
             <a:off x="1872000" y="2232360"/>
-            <a:ext cx="1432800" cy="1360800"/>
+            <a:ext cx="1432440" cy="1360440"/>
           </a:xfrm>
           <a:custGeom>
             <a:avLst/>
@@ -16425,7 +16426,7 @@
         <p:spPr>
           <a:xfrm>
             <a:off x="5184000" y="2340000"/>
-            <a:ext cx="2008800" cy="568800"/>
+            <a:ext cx="2008440" cy="568440"/>
           </a:xfrm>
           <a:prstGeom prst="ellipse">
             <a:avLst/>
@@ -16480,7 +16481,7 @@
         <p:spPr>
           <a:xfrm>
             <a:off x="3960360" y="3240360"/>
-            <a:ext cx="2008800" cy="568800"/>
+            <a:ext cx="2008440" cy="568440"/>
           </a:xfrm>
           <a:prstGeom prst="ellipse">
             <a:avLst/>
@@ -16823,7 +16824,7 @@
         <p:spPr>
           <a:xfrm>
             <a:off x="144000" y="2057400"/>
-            <a:ext cx="2512080" cy="599760"/>
+            <a:ext cx="2511720" cy="599400"/>
           </a:xfrm>
           <a:prstGeom prst="rect">
             <a:avLst/>
@@ -16874,7 +16875,7 @@
         <p:spPr>
           <a:xfrm>
             <a:off x="3405600" y="976680"/>
-            <a:ext cx="2969280" cy="343800"/>
+            <a:ext cx="2968920" cy="343440"/>
           </a:xfrm>
           <a:prstGeom prst="rect">
             <a:avLst/>
@@ -17009,7 +17010,7 @@
         <p:spPr>
           <a:xfrm>
             <a:off x="457200" y="3742200"/>
-            <a:ext cx="2969280" cy="855720"/>
+            <a:ext cx="2968920" cy="855360"/>
           </a:xfrm>
           <a:prstGeom prst="rect">
             <a:avLst/>
@@ -17060,7 +17061,7 @@
         <p:spPr>
           <a:xfrm>
             <a:off x="3866400" y="3742200"/>
-            <a:ext cx="2531880" cy="1111680"/>
+            <a:ext cx="2531520" cy="1111320"/>
           </a:xfrm>
           <a:prstGeom prst="rect">
             <a:avLst/>
@@ -17111,7 +17112,7 @@
         <p:spPr>
           <a:xfrm>
             <a:off x="7086600" y="3706200"/>
-            <a:ext cx="2740680" cy="1091880"/>
+            <a:ext cx="2740320" cy="1091520"/>
           </a:xfrm>
           <a:prstGeom prst="rect">
             <a:avLst/>
@@ -17162,7 +17163,7 @@
         <p:spPr>
           <a:xfrm>
             <a:off x="7488360" y="2057760"/>
-            <a:ext cx="2512080" cy="343800"/>
+            <a:ext cx="2511720" cy="343440"/>
           </a:xfrm>
           <a:prstGeom prst="rect">
             <a:avLst/>
@@ -17524,7 +17525,7 @@
         <p:spPr>
           <a:xfrm>
             <a:off x="144000" y="2057400"/>
-            <a:ext cx="2512080" cy="599760"/>
+            <a:ext cx="2511720" cy="599400"/>
           </a:xfrm>
           <a:prstGeom prst="rect">
             <a:avLst/>
@@ -17575,7 +17576,7 @@
         <p:spPr>
           <a:xfrm>
             <a:off x="3405600" y="976680"/>
-            <a:ext cx="2969280" cy="343800"/>
+            <a:ext cx="2968920" cy="343440"/>
           </a:xfrm>
           <a:prstGeom prst="rect">
             <a:avLst/>
@@ -17710,7 +17711,7 @@
         <p:spPr>
           <a:xfrm>
             <a:off x="842400" y="3742200"/>
-            <a:ext cx="1694880" cy="1111680"/>
+            <a:ext cx="1694520" cy="1111320"/>
           </a:xfrm>
           <a:prstGeom prst="rect">
             <a:avLst/>
@@ -17761,7 +17762,7 @@
         <p:spPr>
           <a:xfrm>
             <a:off x="2822400" y="3742200"/>
-            <a:ext cx="2207880" cy="855720"/>
+            <a:ext cx="2207520" cy="855360"/>
           </a:xfrm>
           <a:prstGeom prst="rect">
             <a:avLst/>
@@ -17812,7 +17813,7 @@
         <p:spPr>
           <a:xfrm>
             <a:off x="7772400" y="3706200"/>
-            <a:ext cx="2054880" cy="634680"/>
+            <a:ext cx="2054520" cy="634320"/>
           </a:xfrm>
           <a:prstGeom prst="rect">
             <a:avLst/>
@@ -17863,7 +17864,7 @@
         <p:spPr>
           <a:xfrm>
             <a:off x="7488360" y="2057760"/>
-            <a:ext cx="2512080" cy="343800"/>
+            <a:ext cx="2511720" cy="343440"/>
           </a:xfrm>
           <a:prstGeom prst="rect">
             <a:avLst/>
@@ -17942,7 +17943,7 @@
         <p:spPr>
           <a:xfrm>
             <a:off x="5090400" y="3742200"/>
-            <a:ext cx="2207880" cy="855720"/>
+            <a:ext cx="2207520" cy="855360"/>
           </a:xfrm>
           <a:prstGeom prst="rect">
             <a:avLst/>
@@ -18023,7 +18024,7 @@
         <p:spPr>
           <a:xfrm>
             <a:off x="1564920" y="685800"/>
-            <a:ext cx="178560" cy="344160"/>
+            <a:ext cx="178200" cy="343800"/>
           </a:xfrm>
           <a:prstGeom prst="rect">
             <a:avLst/>
@@ -18049,7 +18050,7 @@
         <p:spPr>
           <a:xfrm>
             <a:off x="228600" y="228600"/>
-            <a:ext cx="1140840" cy="344160"/>
+            <a:ext cx="1140480" cy="343800"/>
           </a:xfrm>
           <a:prstGeom prst="rect">
             <a:avLst/>
@@ -18100,7 +18101,7 @@
         <p:spPr>
           <a:xfrm>
             <a:off x="169200" y="950400"/>
-            <a:ext cx="2055240" cy="455040"/>
+            <a:ext cx="2054880" cy="454680"/>
           </a:xfrm>
           <a:prstGeom prst="rect">
             <a:avLst/>
@@ -18513,7 +18514,7 @@
                       <a:noAutofit/>
                     </a:bodyPr>
                     <a:p>
-                      <a:pPr marL="216000" indent="-213840">
+                      <a:pPr marL="216000" indent="-213480">
                         <a:lnSpc>
                           <a:spcPct val="100000"/>
                         </a:lnSpc>
@@ -18836,7 +18837,7 @@
                       <a:noAutofit/>
                     </a:bodyPr>
                     <a:p>
-                      <a:pPr marL="216000" indent="-213840">
+                      <a:pPr marL="216000" indent="-213480">
                         <a:lnSpc>
                           <a:spcPct val="100000"/>
                         </a:lnSpc>
@@ -19316,7 +19317,7 @@
                       <a:noAutofit/>
                     </a:bodyPr>
                     <a:p>
-                      <a:pPr marL="216000" indent="-213840">
+                      <a:pPr marL="216000" indent="-213480">
                         <a:lnSpc>
                           <a:spcPct val="100000"/>
                         </a:lnSpc>
@@ -19612,7 +19613,7 @@
                       <a:noAutofit/>
                     </a:bodyPr>
                     <a:p>
-                      <a:pPr marL="216000" indent="-213840">
+                      <a:pPr marL="216000" indent="-213480">
                         <a:lnSpc>
                           <a:spcPct val="100000"/>
                         </a:lnSpc>
@@ -19880,7 +19881,7 @@
                       <a:noAutofit/>
                     </a:bodyPr>
                     <a:p>
-                      <a:pPr marL="216000" indent="-213840">
+                      <a:pPr marL="216000" indent="-213480">
                         <a:lnSpc>
                           <a:spcPct val="100000"/>
                         </a:lnSpc>
@@ -20119,7 +20120,7 @@
                       <a:noAutofit/>
                     </a:bodyPr>
                     <a:p>
-                      <a:pPr marL="216000" indent="-213840">
+                      <a:pPr marL="216000" indent="-213480">
                         <a:lnSpc>
                           <a:spcPct val="100000"/>
                         </a:lnSpc>
@@ -20265,7 +20266,7 @@
         <p:spPr>
           <a:xfrm>
             <a:off x="2057400" y="685800"/>
-            <a:ext cx="1141200" cy="344520"/>
+            <a:ext cx="1140840" cy="344160"/>
           </a:xfrm>
           <a:prstGeom prst="rect">
             <a:avLst/>
@@ -20316,7 +20317,7 @@
         <p:spPr>
           <a:xfrm>
             <a:off x="5670720" y="685800"/>
-            <a:ext cx="1141200" cy="344520"/>
+            <a:ext cx="1140840" cy="344160"/>
           </a:xfrm>
           <a:prstGeom prst="rect">
             <a:avLst/>
@@ -20367,7 +20368,7 @@
         <p:spPr>
           <a:xfrm>
             <a:off x="8229600" y="2168280"/>
-            <a:ext cx="1141200" cy="344520"/>
+            <a:ext cx="1140840" cy="344160"/>
           </a:xfrm>
           <a:prstGeom prst="rect">
             <a:avLst/>
@@ -20418,7 +20419,7 @@
         <p:spPr>
           <a:xfrm>
             <a:off x="4572000" y="3311280"/>
-            <a:ext cx="1141200" cy="344520"/>
+            <a:ext cx="1140840" cy="344160"/>
           </a:xfrm>
           <a:prstGeom prst="rect">
             <a:avLst/>
@@ -20555,7 +20556,7 @@
         <p:spPr>
           <a:xfrm>
             <a:off x="1564920" y="685800"/>
-            <a:ext cx="178560" cy="344160"/>
+            <a:ext cx="178200" cy="343800"/>
           </a:xfrm>
           <a:prstGeom prst="rect">
             <a:avLst/>
@@ -20581,7 +20582,7 @@
         <p:spPr>
           <a:xfrm>
             <a:off x="228600" y="228600"/>
-            <a:ext cx="1140840" cy="344160"/>
+            <a:ext cx="1140480" cy="343800"/>
           </a:xfrm>
           <a:prstGeom prst="rect">
             <a:avLst/>
@@ -20754,7 +20755,7 @@
                       <a:noAutofit/>
                     </a:bodyPr>
                     <a:p>
-                      <a:pPr marL="216000" indent="-213840">
+                      <a:pPr marL="216000" indent="-213480">
                         <a:lnSpc>
                           <a:spcPct val="100000"/>
                         </a:lnSpc>
@@ -21234,7 +21235,7 @@
                       <a:noAutofit/>
                     </a:bodyPr>
                     <a:p>
-                      <a:pPr marL="216000" indent="-213840">
+                      <a:pPr marL="216000" indent="-213480">
                         <a:lnSpc>
                           <a:spcPct val="100000"/>
                         </a:lnSpc>
@@ -21502,7 +21503,7 @@
                       <a:noAutofit/>
                     </a:bodyPr>
                     <a:p>
-                      <a:pPr marL="216000" indent="-213840">
+                      <a:pPr marL="216000" indent="-213480">
                         <a:lnSpc>
                           <a:spcPct val="100000"/>
                         </a:lnSpc>
@@ -21770,7 +21771,7 @@
                       <a:noAutofit/>
                     </a:bodyPr>
                     <a:p>
-                      <a:pPr marL="216000" indent="-213840">
+                      <a:pPr marL="216000" indent="-213480">
                         <a:lnSpc>
                           <a:spcPct val="100000"/>
                         </a:lnSpc>
@@ -22009,7 +22010,7 @@
                       <a:noAutofit/>
                     </a:bodyPr>
                     <a:p>
-                      <a:pPr marL="216000" indent="-213840">
+                      <a:pPr marL="216000" indent="-213480">
                         <a:lnSpc>
                           <a:spcPct val="100000"/>
                         </a:lnSpc>
@@ -22277,7 +22278,7 @@
                       <a:noAutofit/>
                     </a:bodyPr>
                     <a:p>
-                      <a:pPr marL="216000" indent="-213840">
+                      <a:pPr marL="216000" indent="-213480">
                         <a:lnSpc>
                           <a:spcPct val="100000"/>
                         </a:lnSpc>
@@ -22451,7 +22452,7 @@
         <p:spPr>
           <a:xfrm>
             <a:off x="6436080" y="1371600"/>
-            <a:ext cx="1141200" cy="344520"/>
+            <a:ext cx="1140840" cy="344160"/>
           </a:xfrm>
           <a:prstGeom prst="rect">
             <a:avLst/>
@@ -22616,7 +22617,7 @@
         <p:spPr>
           <a:xfrm>
             <a:off x="1564920" y="685800"/>
-            <a:ext cx="178560" cy="344160"/>
+            <a:ext cx="178200" cy="343800"/>
           </a:xfrm>
           <a:prstGeom prst="rect">
             <a:avLst/>
@@ -22642,7 +22643,7 @@
         <p:spPr>
           <a:xfrm>
             <a:off x="228600" y="228600"/>
-            <a:ext cx="1140840" cy="344160"/>
+            <a:ext cx="1140480" cy="343800"/>
           </a:xfrm>
           <a:prstGeom prst="rect">
             <a:avLst/>
@@ -22815,7 +22816,7 @@
                       <a:noAutofit/>
                     </a:bodyPr>
                     <a:p>
-                      <a:pPr marL="216000" indent="-213840">
+                      <a:pPr marL="216000" indent="-213480">
                         <a:lnSpc>
                           <a:spcPct val="100000"/>
                         </a:lnSpc>
@@ -23295,7 +23296,7 @@
                       <a:noAutofit/>
                     </a:bodyPr>
                     <a:p>
-                      <a:pPr marL="216000" indent="-213840">
+                      <a:pPr marL="216000" indent="-213480">
                         <a:lnSpc>
                           <a:spcPct val="100000"/>
                         </a:lnSpc>
@@ -23563,7 +23564,7 @@
                       <a:noAutofit/>
                     </a:bodyPr>
                     <a:p>
-                      <a:pPr marL="216000" indent="-213840">
+                      <a:pPr marL="216000" indent="-213480">
                         <a:lnSpc>
                           <a:spcPct val="100000"/>
                         </a:lnSpc>
@@ -23709,7 +23710,7 @@
         <p:spPr>
           <a:xfrm>
             <a:off x="799920" y="4158720"/>
-            <a:ext cx="178560" cy="425160"/>
+            <a:ext cx="178200" cy="424800"/>
           </a:xfrm>
           <a:prstGeom prst="rect">
             <a:avLst/>
@@ -23857,7 +23858,7 @@
                       <a:noAutofit/>
                     </a:bodyPr>
                     <a:p>
-                      <a:pPr marL="216000" indent="-213840">
+                      <a:pPr marL="216000" indent="-213480">
                         <a:lnSpc>
                           <a:spcPct val="100000"/>
                         </a:lnSpc>
@@ -24309,7 +24310,7 @@
                       <a:noAutofit/>
                     </a:bodyPr>
                     <a:p>
-                      <a:pPr marL="216000" indent="-213840">
+                      <a:pPr marL="216000" indent="-213480">
                         <a:lnSpc>
                           <a:spcPct val="100000"/>
                         </a:lnSpc>
@@ -24577,7 +24578,7 @@
                       <a:noAutofit/>
                     </a:bodyPr>
                     <a:p>
-                      <a:pPr marL="216000" indent="-213840">
+                      <a:pPr marL="216000" indent="-213480">
                         <a:lnSpc>
                           <a:spcPct val="100000"/>
                         </a:lnSpc>
@@ -25329,7 +25330,7 @@
         <p:spPr>
           <a:xfrm>
             <a:off x="5257800" y="2625480"/>
-            <a:ext cx="1141200" cy="344520"/>
+            <a:ext cx="1140840" cy="344160"/>
           </a:xfrm>
           <a:prstGeom prst="rect">
             <a:avLst/>
@@ -25550,7 +25551,7 @@
         <p:spPr>
           <a:xfrm>
             <a:off x="685800" y="685800"/>
-            <a:ext cx="4113720" cy="345240"/>
+            <a:ext cx="4113360" cy="344880"/>
           </a:xfrm>
           <a:prstGeom prst="rect">
             <a:avLst/>
@@ -25601,7 +25602,7 @@
         <p:spPr>
           <a:xfrm>
             <a:off x="3988800" y="1636200"/>
-            <a:ext cx="913320" cy="913320"/>
+            <a:ext cx="912960" cy="912960"/>
           </a:xfrm>
           <a:prstGeom prst="ellipse">
             <a:avLst/>
@@ -25676,7 +25677,7 @@
         <p:spPr>
           <a:xfrm>
             <a:off x="6841440" y="1622160"/>
-            <a:ext cx="913320" cy="913320"/>
+            <a:ext cx="912960" cy="912960"/>
           </a:xfrm>
           <a:prstGeom prst="ellipse">
             <a:avLst/>
@@ -25731,7 +25732,7 @@
         <p:spPr>
           <a:xfrm>
             <a:off x="1945440" y="2594160"/>
-            <a:ext cx="913320" cy="913320"/>
+            <a:ext cx="912960" cy="912960"/>
           </a:xfrm>
           <a:prstGeom prst="ellipse">
             <a:avLst/>
@@ -25786,7 +25787,7 @@
         <p:spPr>
           <a:xfrm>
             <a:off x="6877440" y="3638160"/>
-            <a:ext cx="913320" cy="913320"/>
+            <a:ext cx="912960" cy="912960"/>
           </a:xfrm>
           <a:prstGeom prst="ellipse">
             <a:avLst/>
@@ -25841,7 +25842,7 @@
         <p:spPr>
           <a:xfrm>
             <a:off x="3997440" y="3638160"/>
-            <a:ext cx="913320" cy="913320"/>
+            <a:ext cx="912960" cy="912960"/>
           </a:xfrm>
           <a:prstGeom prst="ellipse">
             <a:avLst/>
@@ -26066,7 +26067,7 @@
         <p:spPr>
           <a:xfrm>
             <a:off x="360000" y="324000"/>
-            <a:ext cx="6263280" cy="431280"/>
+            <a:ext cx="6262920" cy="430920"/>
           </a:xfrm>
           <a:prstGeom prst="rect">
             <a:avLst/>
@@ -26117,7 +26118,7 @@
         <p:spPr>
           <a:xfrm>
             <a:off x="612000" y="4464000"/>
-            <a:ext cx="719280" cy="647280"/>
+            <a:ext cx="718920" cy="646920"/>
           </a:xfrm>
           <a:prstGeom prst="ellipse">
             <a:avLst/>
@@ -26172,7 +26173,7 @@
         <p:spPr>
           <a:xfrm>
             <a:off x="1512360" y="4464360"/>
-            <a:ext cx="719280" cy="647280"/>
+            <a:ext cx="718920" cy="646920"/>
           </a:xfrm>
           <a:prstGeom prst="ellipse">
             <a:avLst/>
@@ -26227,7 +26228,7 @@
         <p:spPr>
           <a:xfrm>
             <a:off x="2448360" y="4464360"/>
-            <a:ext cx="719280" cy="647280"/>
+            <a:ext cx="718920" cy="646920"/>
           </a:xfrm>
           <a:prstGeom prst="ellipse">
             <a:avLst/>
@@ -26282,7 +26283,7 @@
         <p:spPr>
           <a:xfrm>
             <a:off x="3420360" y="4464360"/>
-            <a:ext cx="719280" cy="647280"/>
+            <a:ext cx="718920" cy="646920"/>
           </a:xfrm>
           <a:prstGeom prst="ellipse">
             <a:avLst/>
@@ -26337,7 +26338,7 @@
         <p:spPr>
           <a:xfrm>
             <a:off x="4392360" y="4464360"/>
-            <a:ext cx="719280" cy="647280"/>
+            <a:ext cx="718920" cy="646920"/>
           </a:xfrm>
           <a:prstGeom prst="ellipse">
             <a:avLst/>
@@ -26392,7 +26393,7 @@
         <p:spPr>
           <a:xfrm>
             <a:off x="5292360" y="4464360"/>
-            <a:ext cx="719280" cy="647280"/>
+            <a:ext cx="718920" cy="646920"/>
           </a:xfrm>
           <a:prstGeom prst="ellipse">
             <a:avLst/>
@@ -26447,7 +26448,7 @@
         <p:spPr>
           <a:xfrm>
             <a:off x="1476360" y="3528360"/>
-            <a:ext cx="719280" cy="647280"/>
+            <a:ext cx="718920" cy="646920"/>
           </a:xfrm>
           <a:prstGeom prst="ellipse">
             <a:avLst/>
@@ -26502,7 +26503,7 @@
         <p:spPr>
           <a:xfrm>
             <a:off x="2412720" y="2988720"/>
-            <a:ext cx="719280" cy="647280"/>
+            <a:ext cx="718920" cy="646920"/>
           </a:xfrm>
           <a:prstGeom prst="ellipse">
             <a:avLst/>
@@ -26557,7 +26558,7 @@
         <p:spPr>
           <a:xfrm>
             <a:off x="3385080" y="2485080"/>
-            <a:ext cx="719280" cy="647280"/>
+            <a:ext cx="718920" cy="646920"/>
           </a:xfrm>
           <a:prstGeom prst="ellipse">
             <a:avLst/>
@@ -26612,7 +26613,7 @@
         <p:spPr>
           <a:xfrm>
             <a:off x="4321440" y="1981440"/>
-            <a:ext cx="719280" cy="647280"/>
+            <a:ext cx="718920" cy="646920"/>
           </a:xfrm>
           <a:prstGeom prst="ellipse">
             <a:avLst/>
@@ -26667,7 +26668,7 @@
         <p:spPr>
           <a:xfrm>
             <a:off x="5257800" y="1549800"/>
-            <a:ext cx="719280" cy="647280"/>
+            <a:ext cx="718920" cy="646920"/>
           </a:xfrm>
           <a:prstGeom prst="ellipse">
             <a:avLst/>
@@ -27302,7 +27303,7 @@
         <p:spPr>
           <a:xfrm>
             <a:off x="360000" y="324000"/>
-            <a:ext cx="6263280" cy="431280"/>
+            <a:ext cx="6262920" cy="430920"/>
           </a:xfrm>
           <a:prstGeom prst="rect">
             <a:avLst/>
@@ -27353,7 +27354,7 @@
         <p:spPr>
           <a:xfrm>
             <a:off x="612000" y="4464000"/>
-            <a:ext cx="719280" cy="647280"/>
+            <a:ext cx="718920" cy="646920"/>
           </a:xfrm>
           <a:prstGeom prst="ellipse">
             <a:avLst/>
@@ -27408,7 +27409,7 @@
         <p:spPr>
           <a:xfrm>
             <a:off x="1512360" y="4464360"/>
-            <a:ext cx="719280" cy="647280"/>
+            <a:ext cx="718920" cy="646920"/>
           </a:xfrm>
           <a:prstGeom prst="ellipse">
             <a:avLst/>
@@ -27463,7 +27464,7 @@
         <p:spPr>
           <a:xfrm>
             <a:off x="2448360" y="4464360"/>
-            <a:ext cx="719280" cy="647280"/>
+            <a:ext cx="718920" cy="646920"/>
           </a:xfrm>
           <a:prstGeom prst="ellipse">
             <a:avLst/>
@@ -27518,7 +27519,7 @@
         <p:spPr>
           <a:xfrm>
             <a:off x="3420360" y="4464360"/>
-            <a:ext cx="719280" cy="647280"/>
+            <a:ext cx="718920" cy="646920"/>
           </a:xfrm>
           <a:prstGeom prst="ellipse">
             <a:avLst/>
@@ -27573,7 +27574,7 @@
         <p:spPr>
           <a:xfrm>
             <a:off x="4392360" y="4464360"/>
-            <a:ext cx="719280" cy="647280"/>
+            <a:ext cx="718920" cy="646920"/>
           </a:xfrm>
           <a:prstGeom prst="ellipse">
             <a:avLst/>
@@ -27628,7 +27629,7 @@
         <p:spPr>
           <a:xfrm>
             <a:off x="5292360" y="4464360"/>
-            <a:ext cx="719280" cy="647280"/>
+            <a:ext cx="718920" cy="646920"/>
           </a:xfrm>
           <a:prstGeom prst="ellipse">
             <a:avLst/>
@@ -27683,7 +27684,7 @@
         <p:spPr>
           <a:xfrm>
             <a:off x="1080360" y="3528360"/>
-            <a:ext cx="719280" cy="647280"/>
+            <a:ext cx="718920" cy="646920"/>
           </a:xfrm>
           <a:prstGeom prst="ellipse">
             <a:avLst/>
@@ -27738,7 +27739,7 @@
         <p:spPr>
           <a:xfrm>
             <a:off x="2880720" y="3492720"/>
-            <a:ext cx="719280" cy="647280"/>
+            <a:ext cx="718920" cy="646920"/>
           </a:xfrm>
           <a:prstGeom prst="ellipse">
             <a:avLst/>
@@ -27793,7 +27794,7 @@
         <p:spPr>
           <a:xfrm>
             <a:off x="2016000" y="2448000"/>
-            <a:ext cx="719280" cy="647280"/>
+            <a:ext cx="718920" cy="646920"/>
           </a:xfrm>
           <a:prstGeom prst="ellipse">
             <a:avLst/>
@@ -27848,7 +27849,7 @@
         <p:spPr>
           <a:xfrm>
             <a:off x="4753440" y="3493440"/>
-            <a:ext cx="719280" cy="647280"/>
+            <a:ext cx="718920" cy="646920"/>
           </a:xfrm>
           <a:prstGeom prst="ellipse">
             <a:avLst/>
@@ -27903,7 +27904,7 @@
         <p:spPr>
           <a:xfrm>
             <a:off x="3096000" y="1440000"/>
-            <a:ext cx="719280" cy="647280"/>
+            <a:ext cx="718920" cy="646920"/>
           </a:xfrm>
           <a:prstGeom prst="ellipse">
             <a:avLst/>
@@ -28268,7 +28269,7 @@
         <p:spPr>
           <a:xfrm>
             <a:off x="5544000" y="834120"/>
-            <a:ext cx="4175640" cy="431280"/>
+            <a:ext cx="4175280" cy="430920"/>
           </a:xfrm>
           <a:prstGeom prst="rect">
             <a:avLst/>
@@ -28319,7 +28320,7 @@
         <p:spPr>
           <a:xfrm>
             <a:off x="576000" y="2880000"/>
-            <a:ext cx="719280" cy="647280"/>
+            <a:ext cx="718920" cy="646920"/>
           </a:xfrm>
           <a:prstGeom prst="ellipse">
             <a:avLst/>
@@ -28374,7 +28375,7 @@
         <p:spPr>
           <a:xfrm>
             <a:off x="1476360" y="2880360"/>
-            <a:ext cx="719280" cy="647280"/>
+            <a:ext cx="718920" cy="646920"/>
           </a:xfrm>
           <a:prstGeom prst="ellipse">
             <a:avLst/>
@@ -28429,7 +28430,7 @@
         <p:spPr>
           <a:xfrm>
             <a:off x="2412360" y="2880360"/>
-            <a:ext cx="719280" cy="647280"/>
+            <a:ext cx="718920" cy="646920"/>
           </a:xfrm>
           <a:prstGeom prst="ellipse">
             <a:avLst/>
@@ -28484,7 +28485,7 @@
         <p:spPr>
           <a:xfrm>
             <a:off x="3384360" y="2880360"/>
-            <a:ext cx="719280" cy="647280"/>
+            <a:ext cx="718920" cy="646920"/>
           </a:xfrm>
           <a:prstGeom prst="ellipse">
             <a:avLst/>
@@ -28539,7 +28540,7 @@
         <p:spPr>
           <a:xfrm>
             <a:off x="4356360" y="2880360"/>
-            <a:ext cx="719280" cy="647280"/>
+            <a:ext cx="718920" cy="646920"/>
           </a:xfrm>
           <a:prstGeom prst="ellipse">
             <a:avLst/>
@@ -28594,7 +28595,7 @@
         <p:spPr>
           <a:xfrm>
             <a:off x="5256360" y="2880360"/>
-            <a:ext cx="719280" cy="647280"/>
+            <a:ext cx="718920" cy="646920"/>
           </a:xfrm>
           <a:prstGeom prst="ellipse">
             <a:avLst/>
@@ -28649,7 +28650,7 @@
         <p:spPr>
           <a:xfrm>
             <a:off x="1044360" y="1944360"/>
-            <a:ext cx="719280" cy="647280"/>
+            <a:ext cx="718920" cy="646920"/>
           </a:xfrm>
           <a:prstGeom prst="ellipse">
             <a:avLst/>
@@ -28704,7 +28705,7 @@
         <p:spPr>
           <a:xfrm>
             <a:off x="2844720" y="1908720"/>
-            <a:ext cx="719280" cy="647280"/>
+            <a:ext cx="718920" cy="646920"/>
           </a:xfrm>
           <a:prstGeom prst="ellipse">
             <a:avLst/>
@@ -28759,7 +28760,7 @@
         <p:spPr>
           <a:xfrm>
             <a:off x="1836000" y="1188000"/>
-            <a:ext cx="719280" cy="647280"/>
+            <a:ext cx="718920" cy="646920"/>
           </a:xfrm>
           <a:prstGeom prst="ellipse">
             <a:avLst/>
@@ -28814,7 +28815,7 @@
         <p:spPr>
           <a:xfrm>
             <a:off x="4717440" y="1909440"/>
-            <a:ext cx="719280" cy="647280"/>
+            <a:ext cx="718920" cy="646920"/>
           </a:xfrm>
           <a:prstGeom prst="ellipse">
             <a:avLst/>
@@ -28869,7 +28870,7 @@
         <p:spPr>
           <a:xfrm>
             <a:off x="3060000" y="432000"/>
-            <a:ext cx="719280" cy="647280"/>
+            <a:ext cx="718920" cy="646920"/>
           </a:xfrm>
           <a:prstGeom prst="ellipse">
             <a:avLst/>
@@ -29288,7 +29289,7 @@
         <p:spPr>
           <a:xfrm>
             <a:off x="1656000" y="4335840"/>
-            <a:ext cx="7055640" cy="1063800"/>
+            <a:ext cx="7055280" cy="1063440"/>
           </a:xfrm>
           <a:prstGeom prst="rect">
             <a:avLst/>
@@ -29369,7 +29370,7 @@
         <p:spPr>
           <a:xfrm>
             <a:off x="2880000" y="504000"/>
-            <a:ext cx="3816000" cy="1080000"/>
+            <a:ext cx="3815640" cy="1079640"/>
           </a:xfrm>
           <a:prstGeom prst="rect">
             <a:avLst/>
@@ -29394,10 +29395,18 @@
             <a:noAutofit/>
           </a:bodyPr>
           <a:p>
-            <a:pPr algn="ctr"/>
+            <a:pPr algn="ctr">
+              <a:lnSpc>
+                <a:spcPct val="100000"/>
+              </a:lnSpc>
+            </a:pPr>
             <a:r>
               <a:rPr b="0" lang="en-IN" sz="1800" spc="-1" strike="noStrike">
+                <a:solidFill>
+                  <a:srgbClr val="000000"/>
+                </a:solidFill>
                 <a:latin typeface="Arial"/>
+                <a:ea typeface="DejaVu Sans"/>
               </a:rPr>
               <a:t>Processor</a:t>
             </a:r>
@@ -29406,10 +29415,18 @@
             </a:endParaRPr>
           </a:p>
           <a:p>
-            <a:pPr algn="ctr"/>
+            <a:pPr algn="ctr">
+              <a:lnSpc>
+                <a:spcPct val="100000"/>
+              </a:lnSpc>
+            </a:pPr>
             <a:r>
               <a:rPr b="0" lang="en-IN" sz="1800" spc="-1" strike="noStrike">
+                <a:solidFill>
+                  <a:srgbClr val="000000"/>
+                </a:solidFill>
                 <a:latin typeface="Arial"/>
+                <a:ea typeface="DejaVu Sans"/>
               </a:rPr>
               <a:t>(Control Unit + Arithmetic Logic Unit)</a:t>
             </a:r>
@@ -29428,7 +29445,7 @@
         <p:spPr>
           <a:xfrm>
             <a:off x="2880000" y="2448000"/>
-            <a:ext cx="3816000" cy="2952000"/>
+            <a:ext cx="3815640" cy="2951640"/>
           </a:xfrm>
           <a:prstGeom prst="rect">
             <a:avLst/>
@@ -29453,10 +29470,18 @@
             <a:noAutofit/>
           </a:bodyPr>
           <a:p>
-            <a:pPr algn="ctr"/>
+            <a:pPr algn="ctr">
+              <a:lnSpc>
+                <a:spcPct val="100000"/>
+              </a:lnSpc>
+            </a:pPr>
             <a:r>
               <a:rPr b="0" lang="en-IN" sz="1800" spc="-1" strike="noStrike">
+                <a:solidFill>
+                  <a:srgbClr val="000000"/>
+                </a:solidFill>
                 <a:latin typeface="Arial"/>
+                <a:ea typeface="DejaVu Sans"/>
               </a:rPr>
               <a:t>Memory</a:t>
             </a:r>
@@ -29465,10 +29490,18 @@
             </a:endParaRPr>
           </a:p>
           <a:p>
-            <a:pPr algn="ctr"/>
+            <a:pPr algn="ctr">
+              <a:lnSpc>
+                <a:spcPct val="100000"/>
+              </a:lnSpc>
+            </a:pPr>
             <a:r>
               <a:rPr b="0" lang="en-IN" sz="1800" spc="-1" strike="noStrike">
+                <a:solidFill>
+                  <a:srgbClr val="000000"/>
+                </a:solidFill>
                 <a:latin typeface="Arial"/>
+                <a:ea typeface="DejaVu Sans"/>
               </a:rPr>
               <a:t>(Primary Memory + </a:t>
             </a:r>
@@ -29477,10 +29510,18 @@
             </a:endParaRPr>
           </a:p>
           <a:p>
-            <a:pPr algn="ctr"/>
+            <a:pPr algn="ctr">
+              <a:lnSpc>
+                <a:spcPct val="100000"/>
+              </a:lnSpc>
+            </a:pPr>
             <a:r>
               <a:rPr b="0" lang="en-IN" sz="1800" spc="-1" strike="noStrike">
+                <a:solidFill>
+                  <a:srgbClr val="000000"/>
+                </a:solidFill>
                 <a:latin typeface="Arial"/>
+                <a:ea typeface="DejaVu Sans"/>
               </a:rPr>
               <a:t>Secondary Memory)</a:t>
             </a:r>
@@ -29499,7 +29540,7 @@
         <p:spPr>
           <a:xfrm>
             <a:off x="7416000" y="2952000"/>
-            <a:ext cx="1944000" cy="1008000"/>
+            <a:ext cx="1943640" cy="1007640"/>
           </a:xfrm>
           <a:prstGeom prst="rect">
             <a:avLst/>
@@ -29524,10 +29565,18 @@
             <a:noAutofit/>
           </a:bodyPr>
           <a:p>
-            <a:pPr algn="ctr"/>
+            <a:pPr algn="ctr">
+              <a:lnSpc>
+                <a:spcPct val="100000"/>
+              </a:lnSpc>
+            </a:pPr>
             <a:r>
               <a:rPr b="0" lang="en-IN" sz="1800" spc="-1" strike="noStrike">
+                <a:solidFill>
+                  <a:srgbClr val="000000"/>
+                </a:solidFill>
                 <a:latin typeface="Arial"/>
+                <a:ea typeface="DejaVu Sans"/>
               </a:rPr>
               <a:t>Output Devices</a:t>
             </a:r>
@@ -29546,7 +29595,7 @@
         <p:spPr>
           <a:xfrm>
             <a:off x="216000" y="2952000"/>
-            <a:ext cx="1944000" cy="1008000"/>
+            <a:ext cx="1943640" cy="1007640"/>
           </a:xfrm>
           <a:prstGeom prst="rect">
             <a:avLst/>
@@ -29571,10 +29620,18 @@
             <a:noAutofit/>
           </a:bodyPr>
           <a:p>
-            <a:pPr algn="ctr"/>
+            <a:pPr algn="ctr">
+              <a:lnSpc>
+                <a:spcPct val="100000"/>
+              </a:lnSpc>
+            </a:pPr>
             <a:r>
               <a:rPr b="0" lang="en-IN" sz="1800" spc="-1" strike="noStrike">
+                <a:solidFill>
+                  <a:srgbClr val="000000"/>
+                </a:solidFill>
                 <a:latin typeface="Arial"/>
+                <a:ea typeface="DejaVu Sans"/>
               </a:rPr>
               <a:t>Input Devices</a:t>
             </a:r>
@@ -29593,13 +29650,13 @@
         <p:spPr>
           <a:xfrm>
             <a:off x="4536000" y="1800000"/>
-            <a:ext cx="144000" cy="504000"/>
+            <a:ext cx="143640" cy="503640"/>
           </a:xfrm>
           <a:custGeom>
             <a:avLst/>
             <a:gdLst/>
             <a:ahLst/>
-            <a:rect l="0" t="0" r="r" b="b"/>
+            <a:rect l="l" t="t" r="r" b="b"/>
             <a:pathLst>
               <a:path w="402" h="1401">
                 <a:moveTo>
@@ -29654,13 +29711,13 @@
         <p:spPr>
           <a:xfrm>
             <a:off x="4788000" y="1764000"/>
-            <a:ext cx="144000" cy="504000"/>
+            <a:ext cx="143640" cy="503640"/>
           </a:xfrm>
           <a:custGeom>
             <a:avLst/>
             <a:gdLst/>
             <a:ahLst/>
-            <a:rect l="0" t="0" r="r" b="b"/>
+            <a:rect l="l" t="t" r="r" b="b"/>
             <a:pathLst>
               <a:path w="402" h="1401">
                 <a:moveTo>
@@ -29715,13 +29772,13 @@
         <p:spPr>
           <a:xfrm>
             <a:off x="2304000" y="3384000"/>
-            <a:ext cx="504000" cy="144000"/>
+            <a:ext cx="503640" cy="143640"/>
           </a:xfrm>
           <a:custGeom>
             <a:avLst/>
             <a:gdLst/>
             <a:ahLst/>
-            <a:rect l="0" t="0" r="r" b="b"/>
+            <a:rect l="l" t="t" r="r" b="b"/>
             <a:pathLst>
               <a:path w="1401" h="402">
                 <a:moveTo>
@@ -29776,13 +29833,13 @@
         <p:spPr>
           <a:xfrm>
             <a:off x="6804000" y="3384360"/>
-            <a:ext cx="504000" cy="144000"/>
+            <a:ext cx="503640" cy="143640"/>
           </a:xfrm>
           <a:custGeom>
             <a:avLst/>
             <a:gdLst/>
             <a:ahLst/>
-            <a:rect l="0" t="0" r="r" b="b"/>
+            <a:rect l="l" t="t" r="r" b="b"/>
             <a:pathLst>
               <a:path w="1401" h="402">
                 <a:moveTo>
@@ -29867,7 +29924,7 @@
         <p:spPr>
           <a:xfrm>
             <a:off x="3060000" y="2268000"/>
-            <a:ext cx="1432800" cy="784800"/>
+            <a:ext cx="1432440" cy="784440"/>
           </a:xfrm>
           <a:prstGeom prst="rect">
             <a:avLst/>
@@ -29922,7 +29979,7 @@
         <p:spPr>
           <a:xfrm>
             <a:off x="5832000" y="1980000"/>
-            <a:ext cx="1432800" cy="1360800"/>
+            <a:ext cx="1432440" cy="1360440"/>
           </a:xfrm>
           <a:custGeom>
             <a:avLst/>
@@ -30074,7 +30131,7 @@
         <p:spPr>
           <a:xfrm>
             <a:off x="2376000" y="1044000"/>
-            <a:ext cx="1144800" cy="676800"/>
+            <a:ext cx="1144440" cy="676440"/>
           </a:xfrm>
           <a:prstGeom prst="ellipse">
             <a:avLst/>
@@ -30129,7 +30186,7 @@
         <p:spPr>
           <a:xfrm>
             <a:off x="3780360" y="1044360"/>
-            <a:ext cx="1144800" cy="676800"/>
+            <a:ext cx="1144440" cy="676440"/>
           </a:xfrm>
           <a:prstGeom prst="ellipse">
             <a:avLst/>
@@ -30184,7 +30241,7 @@
         <p:spPr>
           <a:xfrm>
             <a:off x="2376360" y="1044360"/>
-            <a:ext cx="1144800" cy="676800"/>
+            <a:ext cx="1144440" cy="676440"/>
           </a:xfrm>
           <a:prstGeom prst="ellipse">
             <a:avLst/>
@@ -30239,7 +30296,7 @@
         <p:spPr>
           <a:xfrm>
             <a:off x="1512720" y="2160720"/>
-            <a:ext cx="1144800" cy="676800"/>
+            <a:ext cx="1144440" cy="676440"/>
           </a:xfrm>
           <a:prstGeom prst="ellipse">
             <a:avLst/>
@@ -30375,7 +30432,7 @@
         <p:spPr>
           <a:xfrm>
             <a:off x="4500000" y="2376000"/>
-            <a:ext cx="1396800" cy="595080"/>
+            <a:ext cx="1396440" cy="594720"/>
           </a:xfrm>
           <a:prstGeom prst="rect">
             <a:avLst/>
@@ -30426,7 +30483,7 @@
         <p:spPr>
           <a:xfrm>
             <a:off x="4320000" y="3204360"/>
-            <a:ext cx="1396800" cy="595080"/>
+            <a:ext cx="1396440" cy="594720"/>
           </a:xfrm>
           <a:prstGeom prst="rect">
             <a:avLst/>
@@ -30461,6 +30518,533 @@
                 <a:ea typeface="DejaVu Sans"/>
               </a:rPr>
               <a:t>WORKER</a:t>
+            </a:r>
+            <a:endParaRPr b="0" lang="en-IN" sz="1800" spc="-1" strike="noStrike">
+              <a:latin typeface="Arial"/>
+            </a:endParaRPr>
+          </a:p>
+        </p:txBody>
+      </p:sp>
+    </p:spTree>
+  </p:cSld>
+  <mc:AlternateContent>
+    <mc:Choice Requires="p14">
+      <p:transition spd="slow" p14:dur="2000"/>
+    </mc:Choice>
+    <mc:Fallback>
+      <p:transition spd="slow"/>
+    </mc:Fallback>
+  </mc:AlternateContent>
+</p:sld>
+</file>
+
+<file path=ppt/slides/slide30.xml><?xml version="1.0" encoding="utf-8"?>
+<p:sld xmlns:a="http://schemas.openxmlformats.org/drawingml/2006/main" xmlns:p="http://schemas.openxmlformats.org/presentationml/2006/main" xmlns:r="http://schemas.openxmlformats.org/officeDocument/2006/relationships" xmlns:p14="http://schemas.microsoft.com/office/powerpoint/2010/main" xmlns:p15="http://schemas.microsoft.com/office/powerpoint/2012/main" xmlns:mc="http://schemas.openxmlformats.org/markup-compatibility/2006">
+  <p:cSld>
+    <p:spTree>
+      <p:nvGrpSpPr>
+        <p:cNvPr id="1" name=""/>
+        <p:cNvGrpSpPr/>
+        <p:nvPr/>
+      </p:nvGrpSpPr>
+      <p:grpSpPr>
+        <a:xfrm>
+          <a:off x="0" y="0"/>
+          <a:ext cx="0" cy="0"/>
+          <a:chOff x="0" y="0"/>
+          <a:chExt cx="0" cy="0"/>
+        </a:xfrm>
+      </p:grpSpPr>
+      <p:sp>
+        <p:nvSpPr>
+          <p:cNvPr id="615" name="CustomShape 1"/>
+          <p:cNvSpPr/>
+          <p:nvPr/>
+        </p:nvSpPr>
+        <p:spPr>
+          <a:xfrm>
+            <a:off x="864000" y="1080000"/>
+            <a:ext cx="3096000" cy="3456000"/>
+          </a:xfrm>
+          <a:prstGeom prst="rect">
+            <a:avLst/>
+          </a:prstGeom>
+          <a:solidFill>
+            <a:srgbClr val="729fcf"/>
+          </a:solidFill>
+          <a:ln>
+            <a:solidFill>
+              <a:srgbClr val="3465a4"/>
+            </a:solidFill>
+          </a:ln>
+        </p:spPr>
+        <p:style>
+          <a:lnRef idx="0"/>
+          <a:fillRef idx="0"/>
+          <a:effectRef idx="0"/>
+          <a:fontRef idx="minor"/>
+        </p:style>
+        <p:txBody>
+          <a:bodyPr wrap="none" lIns="90000" rIns="90000" tIns="45000" bIns="45000" anchor="ctr">
+            <a:noAutofit/>
+          </a:bodyPr>
+          <a:p>
+            <a:pPr algn="ctr"/>
+            <a:r>
+              <a:rPr b="0" lang="en-IN" sz="1800" spc="-1" strike="noStrike">
+                <a:latin typeface="Arial"/>
+              </a:rPr>
+              <a:t>PROCESSOR</a:t>
+            </a:r>
+            <a:endParaRPr b="0" lang="en-IN" sz="1800" spc="-1" strike="noStrike">
+              <a:latin typeface="Arial"/>
+            </a:endParaRPr>
+          </a:p>
+        </p:txBody>
+      </p:sp>
+      <p:sp>
+        <p:nvSpPr>
+          <p:cNvPr id="616" name="CustomShape 2"/>
+          <p:cNvSpPr/>
+          <p:nvPr/>
+        </p:nvSpPr>
+        <p:spPr>
+          <a:xfrm>
+            <a:off x="3384000" y="1656000"/>
+            <a:ext cx="576000" cy="936000"/>
+          </a:xfrm>
+          <a:prstGeom prst="rect">
+            <a:avLst/>
+          </a:prstGeom>
+          <a:solidFill>
+            <a:srgbClr val="729fcf"/>
+          </a:solidFill>
+          <a:ln>
+            <a:solidFill>
+              <a:srgbClr val="3465a4"/>
+            </a:solidFill>
+          </a:ln>
+        </p:spPr>
+        <p:style>
+          <a:lnRef idx="0"/>
+          <a:fillRef idx="0"/>
+          <a:effectRef idx="0"/>
+          <a:fontRef idx="minor"/>
+        </p:style>
+        <p:txBody>
+          <a:bodyPr wrap="none" lIns="90000" rIns="90000" tIns="45000" bIns="45000" anchor="ctr">
+            <a:noAutofit/>
+          </a:bodyPr>
+          <a:p>
+            <a:pPr algn="ctr"/>
+            <a:r>
+              <a:rPr b="0" lang="en-IN" sz="1800" spc="-1" strike="noStrike">
+                <a:latin typeface="Arial"/>
+              </a:rPr>
+              <a:t>M</a:t>
+            </a:r>
+            <a:endParaRPr b="0" lang="en-IN" sz="1800" spc="-1" strike="noStrike">
+              <a:latin typeface="Arial"/>
+            </a:endParaRPr>
+          </a:p>
+          <a:p>
+            <a:pPr algn="ctr"/>
+            <a:r>
+              <a:rPr b="0" lang="en-IN" sz="1800" spc="-1" strike="noStrike">
+                <a:latin typeface="Arial"/>
+              </a:rPr>
+              <a:t>A</a:t>
+            </a:r>
+            <a:endParaRPr b="0" lang="en-IN" sz="1800" spc="-1" strike="noStrike">
+              <a:latin typeface="Arial"/>
+            </a:endParaRPr>
+          </a:p>
+          <a:p>
+            <a:pPr algn="ctr"/>
+            <a:r>
+              <a:rPr b="0" lang="en-IN" sz="1800" spc="-1" strike="noStrike">
+                <a:latin typeface="Arial"/>
+              </a:rPr>
+              <a:t>R</a:t>
+            </a:r>
+            <a:endParaRPr b="0" lang="en-IN" sz="1800" spc="-1" strike="noStrike">
+              <a:latin typeface="Arial"/>
+            </a:endParaRPr>
+          </a:p>
+        </p:txBody>
+      </p:sp>
+      <p:sp>
+        <p:nvSpPr>
+          <p:cNvPr id="617" name="CustomShape 3"/>
+          <p:cNvSpPr/>
+          <p:nvPr/>
+        </p:nvSpPr>
+        <p:spPr>
+          <a:xfrm>
+            <a:off x="3384000" y="2952000"/>
+            <a:ext cx="576000" cy="1008000"/>
+          </a:xfrm>
+          <a:prstGeom prst="rect">
+            <a:avLst/>
+          </a:prstGeom>
+          <a:solidFill>
+            <a:srgbClr val="729fcf"/>
+          </a:solidFill>
+          <a:ln>
+            <a:solidFill>
+              <a:srgbClr val="3465a4"/>
+            </a:solidFill>
+          </a:ln>
+        </p:spPr>
+        <p:style>
+          <a:lnRef idx="0"/>
+          <a:fillRef idx="0"/>
+          <a:effectRef idx="0"/>
+          <a:fontRef idx="minor"/>
+        </p:style>
+        <p:txBody>
+          <a:bodyPr wrap="none" lIns="90000" rIns="90000" tIns="45000" bIns="45000" anchor="ctr">
+            <a:noAutofit/>
+          </a:bodyPr>
+          <a:p>
+            <a:pPr algn="ctr"/>
+            <a:r>
+              <a:rPr b="0" lang="en-IN" sz="1800" spc="-1" strike="noStrike">
+                <a:latin typeface="Arial"/>
+              </a:rPr>
+              <a:t>M</a:t>
+            </a:r>
+            <a:endParaRPr b="0" lang="en-IN" sz="1800" spc="-1" strike="noStrike">
+              <a:latin typeface="Arial"/>
+            </a:endParaRPr>
+          </a:p>
+          <a:p>
+            <a:pPr algn="ctr"/>
+            <a:r>
+              <a:rPr b="0" lang="en-IN" sz="1800" spc="-1" strike="noStrike">
+                <a:latin typeface="Arial"/>
+              </a:rPr>
+              <a:t>D</a:t>
+            </a:r>
+            <a:endParaRPr b="0" lang="en-IN" sz="1800" spc="-1" strike="noStrike">
+              <a:latin typeface="Arial"/>
+            </a:endParaRPr>
+          </a:p>
+          <a:p>
+            <a:pPr algn="ctr"/>
+            <a:r>
+              <a:rPr b="0" lang="en-IN" sz="1800" spc="-1" strike="noStrike">
+                <a:latin typeface="Arial"/>
+              </a:rPr>
+              <a:t>R</a:t>
+            </a:r>
+            <a:endParaRPr b="0" lang="en-IN" sz="1800" spc="-1" strike="noStrike">
+              <a:latin typeface="Arial"/>
+            </a:endParaRPr>
+          </a:p>
+        </p:txBody>
+      </p:sp>
+      <p:sp>
+        <p:nvSpPr>
+          <p:cNvPr id="618" name="CustomShape 4"/>
+          <p:cNvSpPr/>
+          <p:nvPr/>
+        </p:nvSpPr>
+        <p:spPr>
+          <a:xfrm>
+            <a:off x="5832000" y="1692000"/>
+            <a:ext cx="2232000" cy="2160000"/>
+          </a:xfrm>
+          <a:prstGeom prst="rect">
+            <a:avLst/>
+          </a:prstGeom>
+          <a:solidFill>
+            <a:srgbClr val="729fcf"/>
+          </a:solidFill>
+          <a:ln>
+            <a:solidFill>
+              <a:srgbClr val="3465a4"/>
+            </a:solidFill>
+          </a:ln>
+        </p:spPr>
+        <p:style>
+          <a:lnRef idx="0"/>
+          <a:fillRef idx="0"/>
+          <a:effectRef idx="0"/>
+          <a:fontRef idx="minor"/>
+        </p:style>
+        <p:txBody>
+          <a:bodyPr wrap="none" lIns="90000" rIns="90000" tIns="45000" bIns="45000" anchor="ctr">
+            <a:noAutofit/>
+          </a:bodyPr>
+          <a:p>
+            <a:pPr algn="ctr"/>
+            <a:r>
+              <a:rPr b="0" lang="en-IN" sz="1800" spc="-1" strike="noStrike">
+                <a:latin typeface="Arial"/>
+              </a:rPr>
+              <a:t>Primary Memory</a:t>
+            </a:r>
+            <a:endParaRPr b="0" lang="en-IN" sz="1800" spc="-1" strike="noStrike">
+              <a:latin typeface="Arial"/>
+            </a:endParaRPr>
+          </a:p>
+        </p:txBody>
+      </p:sp>
+      <p:sp>
+        <p:nvSpPr>
+          <p:cNvPr id="619" name="CustomShape 5"/>
+          <p:cNvSpPr/>
+          <p:nvPr/>
+        </p:nvSpPr>
+        <p:spPr>
+          <a:xfrm>
+            <a:off x="3960000" y="2016000"/>
+            <a:ext cx="1872000" cy="216000"/>
+          </a:xfrm>
+          <a:custGeom>
+            <a:avLst/>
+            <a:gdLst/>
+            <a:ahLst/>
+            <a:rect l="0" t="0" r="r" b="b"/>
+            <a:pathLst>
+              <a:path w="5202" h="602">
+                <a:moveTo>
+                  <a:pt x="0" y="150"/>
+                </a:moveTo>
+                <a:lnTo>
+                  <a:pt x="3900" y="150"/>
+                </a:lnTo>
+                <a:lnTo>
+                  <a:pt x="3900" y="0"/>
+                </a:lnTo>
+                <a:lnTo>
+                  <a:pt x="5201" y="300"/>
+                </a:lnTo>
+                <a:lnTo>
+                  <a:pt x="3900" y="601"/>
+                </a:lnTo>
+                <a:lnTo>
+                  <a:pt x="3900" y="450"/>
+                </a:lnTo>
+                <a:lnTo>
+                  <a:pt x="0" y="450"/>
+                </a:lnTo>
+                <a:lnTo>
+                  <a:pt x="0" y="150"/>
+                </a:lnTo>
+              </a:path>
+            </a:pathLst>
+          </a:custGeom>
+          <a:solidFill>
+            <a:srgbClr val="729fcf"/>
+          </a:solidFill>
+          <a:ln>
+            <a:solidFill>
+              <a:srgbClr val="3465a4"/>
+            </a:solidFill>
+          </a:ln>
+        </p:spPr>
+        <p:style>
+          <a:lnRef idx="0"/>
+          <a:fillRef idx="0"/>
+          <a:effectRef idx="0"/>
+          <a:fontRef idx="minor"/>
+        </p:style>
+      </p:sp>
+      <p:sp>
+        <p:nvSpPr>
+          <p:cNvPr id="620" name="CustomShape 6"/>
+          <p:cNvSpPr/>
+          <p:nvPr/>
+        </p:nvSpPr>
+        <p:spPr>
+          <a:xfrm>
+            <a:off x="3960000" y="3168000"/>
+            <a:ext cx="1872000" cy="288000"/>
+          </a:xfrm>
+          <a:custGeom>
+            <a:avLst/>
+            <a:gdLst/>
+            <a:ahLst/>
+            <a:rect l="0" t="0" r="r" b="b"/>
+            <a:pathLst>
+              <a:path w="5202" h="802">
+                <a:moveTo>
+                  <a:pt x="0" y="400"/>
+                </a:moveTo>
+                <a:lnTo>
+                  <a:pt x="1035" y="0"/>
+                </a:lnTo>
+                <a:lnTo>
+                  <a:pt x="1035" y="200"/>
+                </a:lnTo>
+                <a:lnTo>
+                  <a:pt x="4165" y="200"/>
+                </a:lnTo>
+                <a:lnTo>
+                  <a:pt x="4165" y="0"/>
+                </a:lnTo>
+                <a:lnTo>
+                  <a:pt x="5201" y="400"/>
+                </a:lnTo>
+                <a:lnTo>
+                  <a:pt x="4165" y="801"/>
+                </a:lnTo>
+                <a:lnTo>
+                  <a:pt x="4165" y="600"/>
+                </a:lnTo>
+                <a:lnTo>
+                  <a:pt x="1035" y="600"/>
+                </a:lnTo>
+                <a:lnTo>
+                  <a:pt x="1035" y="801"/>
+                </a:lnTo>
+                <a:lnTo>
+                  <a:pt x="0" y="400"/>
+                </a:lnTo>
+              </a:path>
+            </a:pathLst>
+          </a:custGeom>
+          <a:solidFill>
+            <a:srgbClr val="729fcf"/>
+          </a:solidFill>
+          <a:ln>
+            <a:solidFill>
+              <a:srgbClr val="3465a4"/>
+            </a:solidFill>
+          </a:ln>
+        </p:spPr>
+        <p:style>
+          <a:lnRef idx="0"/>
+          <a:fillRef idx="0"/>
+          <a:effectRef idx="0"/>
+          <a:fontRef idx="minor"/>
+        </p:style>
+      </p:sp>
+      <p:cxnSp>
+        <p:nvCxnSpPr>
+          <p:cNvPr id="621" name="Line 7"/>
+          <p:cNvCxnSpPr/>
+          <p:nvPr/>
+        </p:nvCxnSpPr>
+        <p:spPr>
+          <a:xfrm>
+            <a:off x="0" y="0"/>
+            <a:ext cx="360" cy="360"/>
+          </a:xfrm>
+          <a:prstGeom prst="line">
+            <a:avLst/>
+          </a:prstGeom>
+          <a:ln>
+            <a:solidFill>
+              <a:srgbClr val="3465a4"/>
+            </a:solidFill>
+            <a:tailEnd len="med" type="triangle" w="med"/>
+          </a:ln>
+        </p:spPr>
+      </p:cxnSp>
+      <p:sp>
+        <p:nvSpPr>
+          <p:cNvPr id="622" name="TextShape 8"/>
+          <p:cNvSpPr txBox="1"/>
+          <p:nvPr/>
+        </p:nvSpPr>
+        <p:spPr>
+          <a:xfrm>
+            <a:off x="4320000" y="4428000"/>
+            <a:ext cx="2520000" cy="346320"/>
+          </a:xfrm>
+          <a:prstGeom prst="rect">
+            <a:avLst/>
+          </a:prstGeom>
+          <a:noFill/>
+          <a:ln>
+            <a:noFill/>
+          </a:ln>
+        </p:spPr>
+        <p:txBody>
+          <a:bodyPr lIns="90000" rIns="90000" tIns="45000" bIns="45000">
+            <a:noAutofit/>
+          </a:bodyPr>
+          <a:p>
+            <a:r>
+              <a:rPr b="0" lang="en-IN" sz="1800" spc="-1" strike="noStrike">
+                <a:latin typeface="Arial"/>
+              </a:rPr>
+              <a:t>Control Signals</a:t>
+            </a:r>
+            <a:endParaRPr b="0" lang="en-IN" sz="1800" spc="-1" strike="noStrike">
+              <a:latin typeface="Arial"/>
+            </a:endParaRPr>
+          </a:p>
+        </p:txBody>
+      </p:sp>
+      <p:sp>
+        <p:nvSpPr>
+          <p:cNvPr id="623" name="TextShape 9"/>
+          <p:cNvSpPr txBox="1"/>
+          <p:nvPr/>
+        </p:nvSpPr>
+        <p:spPr>
+          <a:xfrm>
+            <a:off x="4536000" y="2916000"/>
+            <a:ext cx="2520000" cy="346320"/>
+          </a:xfrm>
+          <a:prstGeom prst="rect">
+            <a:avLst/>
+          </a:prstGeom>
+          <a:noFill/>
+          <a:ln>
+            <a:noFill/>
+          </a:ln>
+        </p:spPr>
+        <p:txBody>
+          <a:bodyPr lIns="90000" rIns="90000" tIns="45000" bIns="45000">
+            <a:noAutofit/>
+          </a:bodyPr>
+          <a:p>
+            <a:r>
+              <a:rPr b="0" lang="en-IN" sz="1800" spc="-1" strike="noStrike">
+                <a:latin typeface="Arial"/>
+              </a:rPr>
+              <a:t>Data</a:t>
+            </a:r>
+            <a:endParaRPr b="0" lang="en-IN" sz="1800" spc="-1" strike="noStrike">
+              <a:latin typeface="Arial"/>
+            </a:endParaRPr>
+          </a:p>
+        </p:txBody>
+      </p:sp>
+      <p:sp>
+        <p:nvSpPr>
+          <p:cNvPr id="624" name="TextShape 10"/>
+          <p:cNvSpPr txBox="1"/>
+          <p:nvPr/>
+        </p:nvSpPr>
+        <p:spPr>
+          <a:xfrm>
+            <a:off x="4248000" y="1764000"/>
+            <a:ext cx="2520000" cy="346320"/>
+          </a:xfrm>
+          <a:prstGeom prst="rect">
+            <a:avLst/>
+          </a:prstGeom>
+          <a:noFill/>
+          <a:ln>
+            <a:noFill/>
+          </a:ln>
+        </p:spPr>
+        <p:txBody>
+          <a:bodyPr lIns="90000" rIns="90000" tIns="45000" bIns="45000">
+            <a:noAutofit/>
+          </a:bodyPr>
+          <a:p>
+            <a:r>
+              <a:rPr b="0" lang="en-IN" sz="1800" spc="-1" strike="noStrike">
+                <a:latin typeface="Arial"/>
+              </a:rPr>
+              <a:t>Address</a:t>
             </a:r>
             <a:endParaRPr b="0" lang="en-IN" sz="1800" spc="-1" strike="noStrike">
               <a:latin typeface="Arial"/>
@@ -30507,7 +31091,7 @@
         <p:spPr>
           <a:xfrm>
             <a:off x="504000" y="576000"/>
-            <a:ext cx="425160" cy="1649160"/>
+            <a:ext cx="424800" cy="1648800"/>
           </a:xfrm>
           <a:prstGeom prst="ellipse">
             <a:avLst/>
@@ -30537,7 +31121,7 @@
         <p:spPr>
           <a:xfrm>
             <a:off x="1440360" y="576360"/>
-            <a:ext cx="425160" cy="1649160"/>
+            <a:ext cx="424800" cy="1648800"/>
           </a:xfrm>
           <a:prstGeom prst="ellipse">
             <a:avLst/>
@@ -30567,7 +31151,7 @@
         <p:spPr>
           <a:xfrm>
             <a:off x="3204720" y="612720"/>
-            <a:ext cx="425160" cy="1649160"/>
+            <a:ext cx="424800" cy="1648800"/>
           </a:xfrm>
           <a:prstGeom prst="ellipse">
             <a:avLst/>
@@ -30597,7 +31181,7 @@
         <p:spPr>
           <a:xfrm>
             <a:off x="4068720" y="576720"/>
-            <a:ext cx="425160" cy="1649160"/>
+            <a:ext cx="424800" cy="1648800"/>
           </a:xfrm>
           <a:prstGeom prst="ellipse">
             <a:avLst/>
@@ -30627,7 +31211,7 @@
         <p:spPr>
           <a:xfrm>
             <a:off x="504720" y="3204720"/>
-            <a:ext cx="425160" cy="1649160"/>
+            <a:ext cx="424800" cy="1648800"/>
           </a:xfrm>
           <a:prstGeom prst="ellipse">
             <a:avLst/>
@@ -30657,7 +31241,7 @@
         <p:spPr>
           <a:xfrm>
             <a:off x="1440720" y="3168720"/>
-            <a:ext cx="425160" cy="1649160"/>
+            <a:ext cx="424800" cy="1648800"/>
           </a:xfrm>
           <a:prstGeom prst="ellipse">
             <a:avLst/>
@@ -30687,7 +31271,7 @@
         <p:spPr>
           <a:xfrm>
             <a:off x="3240720" y="3168720"/>
-            <a:ext cx="425160" cy="1649160"/>
+            <a:ext cx="424800" cy="1648800"/>
           </a:xfrm>
           <a:prstGeom prst="ellipse">
             <a:avLst/>
@@ -30717,7 +31301,7 @@
         <p:spPr>
           <a:xfrm>
             <a:off x="4068720" y="3168720"/>
-            <a:ext cx="425160" cy="1649160"/>
+            <a:ext cx="424800" cy="1648800"/>
           </a:xfrm>
           <a:prstGeom prst="ellipse">
             <a:avLst/>
@@ -30747,7 +31331,7 @@
         <p:spPr>
           <a:xfrm>
             <a:off x="540000" y="936000"/>
-            <a:ext cx="497160" cy="339480"/>
+            <a:ext cx="496800" cy="339120"/>
           </a:xfrm>
           <a:prstGeom prst="rect">
             <a:avLst/>
@@ -30798,7 +31382,7 @@
         <p:spPr>
           <a:xfrm>
             <a:off x="540000" y="1512000"/>
-            <a:ext cx="497160" cy="339480"/>
+            <a:ext cx="496800" cy="339120"/>
           </a:xfrm>
           <a:prstGeom prst="rect">
             <a:avLst/>
@@ -30849,7 +31433,7 @@
         <p:spPr>
           <a:xfrm>
             <a:off x="1512000" y="1512000"/>
-            <a:ext cx="497160" cy="339480"/>
+            <a:ext cx="496800" cy="339120"/>
           </a:xfrm>
           <a:prstGeom prst="rect">
             <a:avLst/>
@@ -30900,7 +31484,7 @@
         <p:spPr>
           <a:xfrm>
             <a:off x="1512000" y="900000"/>
-            <a:ext cx="497160" cy="339480"/>
+            <a:ext cx="496800" cy="339120"/>
           </a:xfrm>
           <a:prstGeom prst="rect">
             <a:avLst/>
@@ -30951,7 +31535,7 @@
         <p:spPr>
           <a:xfrm>
             <a:off x="540000" y="1260000"/>
-            <a:ext cx="497160" cy="339480"/>
+            <a:ext cx="496800" cy="339120"/>
           </a:xfrm>
           <a:prstGeom prst="rect">
             <a:avLst/>
@@ -31002,7 +31586,7 @@
         <p:spPr>
           <a:xfrm>
             <a:off x="1512000" y="1224000"/>
-            <a:ext cx="497160" cy="339480"/>
+            <a:ext cx="496800" cy="339120"/>
           </a:xfrm>
           <a:prstGeom prst="rect">
             <a:avLst/>
@@ -31053,7 +31637,7 @@
         <p:spPr>
           <a:xfrm>
             <a:off x="3240000" y="900000"/>
-            <a:ext cx="497160" cy="339480"/>
+            <a:ext cx="496800" cy="339120"/>
           </a:xfrm>
           <a:prstGeom prst="rect">
             <a:avLst/>
@@ -31104,7 +31688,7 @@
         <p:spPr>
           <a:xfrm>
             <a:off x="4104000" y="900000"/>
-            <a:ext cx="497160" cy="339480"/>
+            <a:ext cx="496800" cy="339120"/>
           </a:xfrm>
           <a:prstGeom prst="rect">
             <a:avLst/>
@@ -31155,7 +31739,7 @@
         <p:spPr>
           <a:xfrm>
             <a:off x="4104000" y="1224000"/>
-            <a:ext cx="497160" cy="339480"/>
+            <a:ext cx="496800" cy="339120"/>
           </a:xfrm>
           <a:prstGeom prst="rect">
             <a:avLst/>
@@ -31206,7 +31790,7 @@
         <p:spPr>
           <a:xfrm>
             <a:off x="4104000" y="1620000"/>
-            <a:ext cx="497160" cy="339480"/>
+            <a:ext cx="496800" cy="339120"/>
           </a:xfrm>
           <a:prstGeom prst="rect">
             <a:avLst/>
@@ -31257,7 +31841,7 @@
         <p:spPr>
           <a:xfrm>
             <a:off x="576000" y="3492000"/>
-            <a:ext cx="497160" cy="339480"/>
+            <a:ext cx="496800" cy="339120"/>
           </a:xfrm>
           <a:prstGeom prst="rect">
             <a:avLst/>
@@ -31308,7 +31892,7 @@
         <p:spPr>
           <a:xfrm>
             <a:off x="576000" y="3852000"/>
-            <a:ext cx="497160" cy="339480"/>
+            <a:ext cx="496800" cy="339120"/>
           </a:xfrm>
           <a:prstGeom prst="rect">
             <a:avLst/>
@@ -31359,7 +31943,7 @@
         <p:spPr>
           <a:xfrm>
             <a:off x="576000" y="4176000"/>
-            <a:ext cx="497160" cy="339480"/>
+            <a:ext cx="496800" cy="339120"/>
           </a:xfrm>
           <a:prstGeom prst="rect">
             <a:avLst/>
@@ -31410,7 +31994,7 @@
         <p:spPr>
           <a:xfrm>
             <a:off x="1476000" y="3492000"/>
-            <a:ext cx="497160" cy="339480"/>
+            <a:ext cx="496800" cy="339120"/>
           </a:xfrm>
           <a:prstGeom prst="rect">
             <a:avLst/>
@@ -31461,7 +32045,7 @@
         <p:spPr>
           <a:xfrm>
             <a:off x="3240000" y="3492000"/>
-            <a:ext cx="497160" cy="339480"/>
+            <a:ext cx="496800" cy="339120"/>
           </a:xfrm>
           <a:prstGeom prst="rect">
             <a:avLst/>
@@ -31512,7 +32096,7 @@
         <p:spPr>
           <a:xfrm>
             <a:off x="3276000" y="3960000"/>
-            <a:ext cx="497160" cy="339480"/>
+            <a:ext cx="496800" cy="339120"/>
           </a:xfrm>
           <a:prstGeom prst="rect">
             <a:avLst/>
@@ -31563,7 +32147,7 @@
         <p:spPr>
           <a:xfrm>
             <a:off x="4140000" y="3492000"/>
-            <a:ext cx="497160" cy="339480"/>
+            <a:ext cx="496800" cy="339120"/>
           </a:xfrm>
           <a:prstGeom prst="rect">
             <a:avLst/>
@@ -31614,7 +32198,7 @@
         <p:spPr>
           <a:xfrm>
             <a:off x="4140000" y="3924000"/>
-            <a:ext cx="497160" cy="339480"/>
+            <a:ext cx="496800" cy="339120"/>
           </a:xfrm>
           <a:prstGeom prst="rect">
             <a:avLst/>
@@ -31962,7 +32546,7 @@
         <p:spPr>
           <a:xfrm>
             <a:off x="540000" y="2412000"/>
-            <a:ext cx="1289160" cy="339480"/>
+            <a:ext cx="1288800" cy="339120"/>
           </a:xfrm>
           <a:prstGeom prst="rect">
             <a:avLst/>
@@ -32013,7 +32597,7 @@
         <p:spPr>
           <a:xfrm>
             <a:off x="3168000" y="2412000"/>
-            <a:ext cx="1433160" cy="389160"/>
+            <a:ext cx="1432800" cy="388800"/>
           </a:xfrm>
           <a:prstGeom prst="rect">
             <a:avLst/>
@@ -32064,7 +32648,7 @@
         <p:spPr>
           <a:xfrm>
             <a:off x="3168000" y="4968000"/>
-            <a:ext cx="1577160" cy="353160"/>
+            <a:ext cx="1576800" cy="352800"/>
           </a:xfrm>
           <a:prstGeom prst="rect">
             <a:avLst/>
@@ -32115,7 +32699,7 @@
         <p:spPr>
           <a:xfrm>
             <a:off x="504000" y="4968000"/>
-            <a:ext cx="1433160" cy="353160"/>
+            <a:ext cx="1432800" cy="352800"/>
           </a:xfrm>
           <a:prstGeom prst="rect">
             <a:avLst/>
@@ -32196,7 +32780,7 @@
         <p:spPr>
           <a:xfrm>
             <a:off x="1872000" y="1008000"/>
-            <a:ext cx="2081520" cy="785520"/>
+            <a:ext cx="2081160" cy="785160"/>
           </a:xfrm>
           <a:prstGeom prst="rect">
             <a:avLst/>
@@ -32226,7 +32810,7 @@
         <p:spPr>
           <a:xfrm>
             <a:off x="5328000" y="756000"/>
-            <a:ext cx="1649520" cy="1217520"/>
+            <a:ext cx="1649160" cy="1217160"/>
           </a:xfrm>
           <a:custGeom>
             <a:avLst/>
@@ -32279,7 +32863,7 @@
         <p:spPr>
           <a:xfrm>
             <a:off x="1872360" y="3672360"/>
-            <a:ext cx="2081520" cy="785520"/>
+            <a:ext cx="2081160" cy="785160"/>
           </a:xfrm>
           <a:prstGeom prst="rect">
             <a:avLst/>
@@ -32309,7 +32893,7 @@
         <p:spPr>
           <a:xfrm>
             <a:off x="5328360" y="3420360"/>
-            <a:ext cx="1649520" cy="1217520"/>
+            <a:ext cx="1649160" cy="1217160"/>
           </a:xfrm>
           <a:custGeom>
             <a:avLst/>
@@ -32417,7 +33001,7 @@
         <p:spPr>
           <a:xfrm>
             <a:off x="1188000" y="2304000"/>
-            <a:ext cx="6905520" cy="339840"/>
+            <a:ext cx="6905160" cy="339480"/>
           </a:xfrm>
           <a:prstGeom prst="rect">
             <a:avLst/>
@@ -32468,7 +33052,7 @@
         <p:spPr>
           <a:xfrm>
             <a:off x="1080000" y="4788000"/>
-            <a:ext cx="7157520" cy="595800"/>
+            <a:ext cx="7157160" cy="595440"/>
           </a:xfrm>
           <a:prstGeom prst="rect">
             <a:avLst/>
@@ -32549,7 +33133,7 @@
         <p:spPr>
           <a:xfrm>
             <a:off x="1908000" y="2232000"/>
-            <a:ext cx="1432800" cy="784800"/>
+            <a:ext cx="1432440" cy="784440"/>
           </a:xfrm>
           <a:prstGeom prst="rect">
             <a:avLst/>
@@ -32604,7 +33188,7 @@
         <p:spPr>
           <a:xfrm>
             <a:off x="6084000" y="2232000"/>
-            <a:ext cx="1432800" cy="784800"/>
+            <a:ext cx="1432440" cy="784440"/>
           </a:xfrm>
           <a:prstGeom prst="rect">
             <a:avLst/>
@@ -32659,7 +33243,7 @@
         <p:spPr>
           <a:xfrm>
             <a:off x="4032000" y="1944000"/>
-            <a:ext cx="1432800" cy="1360800"/>
+            <a:ext cx="1432440" cy="1360440"/>
           </a:xfrm>
           <a:custGeom>
             <a:avLst/>
@@ -32866,7 +33450,7 @@
         <p:spPr>
           <a:xfrm>
             <a:off x="2592000" y="3636000"/>
-            <a:ext cx="7121520" cy="595800"/>
+            <a:ext cx="7121160" cy="595440"/>
           </a:xfrm>
           <a:prstGeom prst="rect">
             <a:avLst/>
@@ -32967,7 +33551,7 @@
         <p:spPr>
           <a:xfrm>
             <a:off x="5934960" y="2130480"/>
-            <a:ext cx="1691280" cy="1002240"/>
+            <a:ext cx="1690920" cy="1001880"/>
           </a:xfrm>
           <a:prstGeom prst="rect">
             <a:avLst/>
@@ -32997,7 +33581,7 @@
         <p:spPr>
           <a:xfrm>
             <a:off x="1908000" y="2232000"/>
-            <a:ext cx="1432800" cy="784800"/>
+            <a:ext cx="1432440" cy="784440"/>
           </a:xfrm>
           <a:prstGeom prst="rect">
             <a:avLst/>
@@ -33052,7 +33636,7 @@
         <p:spPr>
           <a:xfrm>
             <a:off x="6084000" y="2232000"/>
-            <a:ext cx="1432800" cy="784800"/>
+            <a:ext cx="1432440" cy="784440"/>
           </a:xfrm>
           <a:prstGeom prst="rect">
             <a:avLst/>
@@ -33107,7 +33691,7 @@
         <p:spPr>
           <a:xfrm>
             <a:off x="4032000" y="1944000"/>
-            <a:ext cx="1432800" cy="1360800"/>
+            <a:ext cx="1432440" cy="1360440"/>
           </a:xfrm>
           <a:custGeom>
             <a:avLst/>
@@ -33266,7 +33850,7 @@
         <p:spPr>
           <a:xfrm>
             <a:off x="1764000" y="3564000"/>
-            <a:ext cx="7121520" cy="595800"/>
+            <a:ext cx="7121160" cy="595440"/>
           </a:xfrm>
           <a:prstGeom prst="rect">
             <a:avLst/>
@@ -33374,7 +33958,7 @@
         <p:spPr>
           <a:xfrm>
             <a:off x="1945800" y="3636000"/>
-            <a:ext cx="1432800" cy="784800"/>
+            <a:ext cx="1432440" cy="784440"/>
           </a:xfrm>
           <a:prstGeom prst="rect">
             <a:avLst/>
@@ -33449,7 +34033,7 @@
         <p:spPr>
           <a:xfrm>
             <a:off x="6300000" y="3673800"/>
-            <a:ext cx="1432800" cy="784800"/>
+            <a:ext cx="1432440" cy="784440"/>
           </a:xfrm>
           <a:prstGeom prst="rect">
             <a:avLst/>
@@ -33578,7 +34162,7 @@
         <p:spPr>
           <a:xfrm>
             <a:off x="1764000" y="4860000"/>
-            <a:ext cx="7121520" cy="595800"/>
+            <a:ext cx="7121160" cy="595440"/>
           </a:xfrm>
           <a:prstGeom prst="rect">
             <a:avLst/>
@@ -33604,7 +34188,7 @@
         <p:spPr>
           <a:xfrm>
             <a:off x="4140000" y="1080000"/>
-            <a:ext cx="1432800" cy="784800"/>
+            <a:ext cx="1432440" cy="784440"/>
           </a:xfrm>
           <a:prstGeom prst="rect">
             <a:avLst/>
@@ -33659,7 +34243,7 @@
         <p:spPr>
           <a:xfrm>
             <a:off x="4392000" y="2267640"/>
-            <a:ext cx="930600" cy="1002600"/>
+            <a:ext cx="930240" cy="1002240"/>
           </a:xfrm>
           <a:custGeom>
             <a:avLst/>
@@ -33708,7 +34292,7 @@
         <p:spPr>
           <a:xfrm>
             <a:off x="4572000" y="2304000"/>
-            <a:ext cx="642600" cy="340920"/>
+            <a:ext cx="642240" cy="340560"/>
           </a:xfrm>
           <a:prstGeom prst="rect">
             <a:avLst/>
@@ -33840,7 +34424,7 @@
         <p:spPr>
           <a:xfrm>
             <a:off x="2592000" y="432000"/>
-            <a:ext cx="1146600" cy="498600"/>
+            <a:ext cx="1146240" cy="498240"/>
           </a:xfrm>
           <a:prstGeom prst="ellipse">
             <a:avLst/>
@@ -33895,7 +34479,7 @@
         <p:spPr>
           <a:xfrm>
             <a:off x="4104360" y="360360"/>
-            <a:ext cx="1146600" cy="498600"/>
+            <a:ext cx="1146240" cy="498240"/>
           </a:xfrm>
           <a:prstGeom prst="ellipse">
             <a:avLst/>
@@ -33950,7 +34534,7 @@
         <p:spPr>
           <a:xfrm>
             <a:off x="5652720" y="432720"/>
-            <a:ext cx="1146600" cy="498600"/>
+            <a:ext cx="1146240" cy="498240"/>
           </a:xfrm>
           <a:prstGeom prst="ellipse">
             <a:avLst/>
@@ -34005,7 +34589,7 @@
         <p:spPr>
           <a:xfrm>
             <a:off x="3813480" y="4321080"/>
-            <a:ext cx="1146600" cy="498600"/>
+            <a:ext cx="1146240" cy="498240"/>
           </a:xfrm>
           <a:prstGeom prst="ellipse">
             <a:avLst/>
@@ -34060,7 +34644,7 @@
         <p:spPr>
           <a:xfrm>
             <a:off x="2193840" y="4717440"/>
-            <a:ext cx="1146600" cy="498600"/>
+            <a:ext cx="1146240" cy="498240"/>
           </a:xfrm>
           <a:prstGeom prst="ellipse">
             <a:avLst/>
@@ -34115,7 +34699,7 @@
         <p:spPr>
           <a:xfrm>
             <a:off x="682200" y="4501800"/>
-            <a:ext cx="1146600" cy="498600"/>
+            <a:ext cx="1146240" cy="498240"/>
           </a:xfrm>
           <a:prstGeom prst="ellipse">
             <a:avLst/>
@@ -34170,7 +34754,7 @@
         <p:spPr>
           <a:xfrm>
             <a:off x="5434560" y="4574160"/>
-            <a:ext cx="1146600" cy="498600"/>
+            <a:ext cx="1146240" cy="498240"/>
           </a:xfrm>
           <a:prstGeom prst="ellipse">
             <a:avLst/>
@@ -34225,7 +34809,7 @@
         <p:spPr>
           <a:xfrm>
             <a:off x="7634160" y="4574520"/>
-            <a:ext cx="1146600" cy="498600"/>
+            <a:ext cx="1146240" cy="498240"/>
           </a:xfrm>
           <a:prstGeom prst="ellipse">
             <a:avLst/>
@@ -34280,7 +34864,7 @@
         <p:spPr>
           <a:xfrm>
             <a:off x="686520" y="3098880"/>
-            <a:ext cx="1146600" cy="498600"/>
+            <a:ext cx="1146240" cy="498240"/>
           </a:xfrm>
           <a:prstGeom prst="ellipse">
             <a:avLst/>
@@ -34608,7 +35192,7 @@
         <p:spPr>
           <a:xfrm>
             <a:off x="432000" y="72000"/>
-            <a:ext cx="9066600" cy="2514600"/>
+            <a:ext cx="9066240" cy="2514240"/>
           </a:xfrm>
           <a:prstGeom prst="rect">
             <a:avLst/>
@@ -34638,7 +35222,7 @@
         <p:spPr>
           <a:xfrm>
             <a:off x="2016000" y="1188000"/>
-            <a:ext cx="1432800" cy="784800"/>
+            <a:ext cx="1432440" cy="784440"/>
           </a:xfrm>
           <a:prstGeom prst="rect">
             <a:avLst/>
@@ -34693,7 +35277,7 @@
         <p:spPr>
           <a:xfrm>
             <a:off x="6192000" y="1188000"/>
-            <a:ext cx="1432800" cy="784800"/>
+            <a:ext cx="1432440" cy="784440"/>
           </a:xfrm>
           <a:prstGeom prst="rect">
             <a:avLst/>
@@ -34748,7 +35332,7 @@
         <p:spPr>
           <a:xfrm>
             <a:off x="4140000" y="900000"/>
-            <a:ext cx="1432800" cy="1360800"/>
+            <a:ext cx="1432440" cy="1360440"/>
           </a:xfrm>
           <a:custGeom>
             <a:avLst/>
@@ -34907,7 +35491,7 @@
         <p:spPr>
           <a:xfrm>
             <a:off x="-36000" y="3384000"/>
-            <a:ext cx="2622600" cy="595800"/>
+            <a:ext cx="2622240" cy="595440"/>
           </a:xfrm>
           <a:prstGeom prst="rect">
             <a:avLst/>
@@ -34985,7 +35569,7 @@
         <p:spPr>
           <a:xfrm>
             <a:off x="5868360" y="180360"/>
-            <a:ext cx="1146600" cy="498600"/>
+            <a:ext cx="1146240" cy="498240"/>
           </a:xfrm>
           <a:prstGeom prst="ellipse">
             <a:avLst/>
@@ -35040,7 +35624,7 @@
         <p:spPr>
           <a:xfrm>
             <a:off x="7344720" y="216720"/>
-            <a:ext cx="1146600" cy="498600"/>
+            <a:ext cx="1146240" cy="498240"/>
           </a:xfrm>
           <a:prstGeom prst="ellipse">
             <a:avLst/>
@@ -35095,7 +35679,7 @@
         <p:spPr>
           <a:xfrm>
             <a:off x="7921080" y="937080"/>
-            <a:ext cx="1146600" cy="498600"/>
+            <a:ext cx="1146240" cy="498240"/>
           </a:xfrm>
           <a:prstGeom prst="ellipse">
             <a:avLst/>
@@ -35150,7 +35734,7 @@
         <p:spPr>
           <a:xfrm>
             <a:off x="7921440" y="1693440"/>
-            <a:ext cx="1146600" cy="498600"/>
+            <a:ext cx="1146240" cy="498240"/>
           </a:xfrm>
           <a:prstGeom prst="ellipse">
             <a:avLst/>
@@ -35205,7 +35789,7 @@
         <p:spPr>
           <a:xfrm>
             <a:off x="7921440" y="937440"/>
-            <a:ext cx="1146600" cy="498600"/>
+            <a:ext cx="1146240" cy="498240"/>
           </a:xfrm>
           <a:prstGeom prst="ellipse">
             <a:avLst/>
@@ -35260,7 +35844,7 @@
         <p:spPr>
           <a:xfrm>
             <a:off x="2089440" y="433440"/>
-            <a:ext cx="1146600" cy="498600"/>
+            <a:ext cx="1146240" cy="498240"/>
           </a:xfrm>
           <a:prstGeom prst="ellipse">
             <a:avLst/>
@@ -35315,7 +35899,7 @@
         <p:spPr>
           <a:xfrm>
             <a:off x="649800" y="541800"/>
-            <a:ext cx="1146600" cy="498600"/>
+            <a:ext cx="1146240" cy="498240"/>
           </a:xfrm>
           <a:prstGeom prst="ellipse">
             <a:avLst/>
@@ -35370,7 +35954,7 @@
         <p:spPr>
           <a:xfrm>
             <a:off x="4320000" y="3168000"/>
-            <a:ext cx="1036800" cy="786600"/>
+            <a:ext cx="1036440" cy="786240"/>
           </a:xfrm>
           <a:custGeom>
             <a:avLst/>
@@ -35448,7 +36032,7 @@
         <p:spPr>
           <a:xfrm>
             <a:off x="4176000" y="4428000"/>
-            <a:ext cx="1432800" cy="784800"/>
+            <a:ext cx="1432440" cy="784440"/>
           </a:xfrm>
           <a:prstGeom prst="rect">
             <a:avLst/>
@@ -35584,7 +36168,7 @@
         <p:spPr>
           <a:xfrm>
             <a:off x="5870160" y="3782160"/>
-            <a:ext cx="1146600" cy="498600"/>
+            <a:ext cx="1146240" cy="498240"/>
           </a:xfrm>
           <a:prstGeom prst="ellipse">
             <a:avLst/>
@@ -35639,7 +36223,7 @@
         <p:spPr>
           <a:xfrm>
             <a:off x="7380000" y="3115440"/>
-            <a:ext cx="2622600" cy="595800"/>
+            <a:ext cx="2622240" cy="595440"/>
           </a:xfrm>
           <a:prstGeom prst="rect">
             <a:avLst/>

--- a/GATE/images/gate_images.pptx
+++ b/GATE/images/gate_images.pptx
@@ -36,6 +36,9 @@
     <p:sldId id="283" r:id="rId31"/>
     <p:sldId id="284" r:id="rId32"/>
     <p:sldId id="285" r:id="rId33"/>
+    <p:sldId id="286" r:id="rId34"/>
+    <p:sldId id="287" r:id="rId35"/>
+    <p:sldId id="288" r:id="rId36"/>
   </p:sldIdLst>
   <p:sldSz cx="10080625" cy="5670550"/>
   <p:notesSz cx="7559675" cy="10691812"/>
@@ -2800,7 +2803,49 @@
               <a:rPr b="0" lang="en-IN" sz="4400" spc="-1" strike="noStrike">
                 <a:latin typeface="Arial"/>
               </a:rPr>
-              <a:t>Click to edit the title text format</a:t>
+              <a:t>Click </a:t>
+            </a:r>
+            <a:r>
+              <a:rPr b="0" lang="en-IN" sz="4400" spc="-1" strike="noStrike">
+                <a:latin typeface="Arial"/>
+              </a:rPr>
+              <a:t>to </a:t>
+            </a:r>
+            <a:r>
+              <a:rPr b="0" lang="en-IN" sz="4400" spc="-1" strike="noStrike">
+                <a:latin typeface="Arial"/>
+              </a:rPr>
+              <a:t>edit </a:t>
+            </a:r>
+            <a:r>
+              <a:rPr b="0" lang="en-IN" sz="4400" spc="-1" strike="noStrike">
+                <a:latin typeface="Arial"/>
+              </a:rPr>
+              <a:t>the </a:t>
+            </a:r>
+            <a:r>
+              <a:rPr b="0" lang="en-IN" sz="4400" spc="-1" strike="noStrike">
+                <a:latin typeface="Arial"/>
+              </a:rPr>
+              <a:t>title </a:t>
+            </a:r>
+            <a:r>
+              <a:rPr b="0" lang="en-IN" sz="4400" spc="-1" strike="noStrike">
+                <a:latin typeface="Arial"/>
+              </a:rPr>
+              <a:t>text </a:t>
+            </a:r>
+            <a:r>
+              <a:rPr b="0" lang="en-IN" sz="4400" spc="-1" strike="noStrike">
+                <a:latin typeface="Arial"/>
+              </a:rPr>
+              <a:t>forma</a:t>
+            </a:r>
+            <a:r>
+              <a:rPr b="0" lang="en-IN" sz="4400" spc="-1" strike="noStrike">
+                <a:latin typeface="Arial"/>
+              </a:rPr>
+              <a:t>t</a:t>
             </a:r>
             <a:endParaRPr b="0" lang="en-IN" sz="4400" spc="-1" strike="noStrike">
               <a:latin typeface="Arial"/>
@@ -3053,7 +3098,49 @@
               <a:rPr b="0" lang="en-IN" sz="4400" spc="-1" strike="noStrike">
                 <a:latin typeface="Arial"/>
               </a:rPr>
-              <a:t>Click to edit the title text format</a:t>
+              <a:t>Click </a:t>
+            </a:r>
+            <a:r>
+              <a:rPr b="0" lang="en-IN" sz="4400" spc="-1" strike="noStrike">
+                <a:latin typeface="Arial"/>
+              </a:rPr>
+              <a:t>to </a:t>
+            </a:r>
+            <a:r>
+              <a:rPr b="0" lang="en-IN" sz="4400" spc="-1" strike="noStrike">
+                <a:latin typeface="Arial"/>
+              </a:rPr>
+              <a:t>edit </a:t>
+            </a:r>
+            <a:r>
+              <a:rPr b="0" lang="en-IN" sz="4400" spc="-1" strike="noStrike">
+                <a:latin typeface="Arial"/>
+              </a:rPr>
+              <a:t>the </a:t>
+            </a:r>
+            <a:r>
+              <a:rPr b="0" lang="en-IN" sz="4400" spc="-1" strike="noStrike">
+                <a:latin typeface="Arial"/>
+              </a:rPr>
+              <a:t>title </a:t>
+            </a:r>
+            <a:r>
+              <a:rPr b="0" lang="en-IN" sz="4400" spc="-1" strike="noStrike">
+                <a:latin typeface="Arial"/>
+              </a:rPr>
+              <a:t>text </a:t>
+            </a:r>
+            <a:r>
+              <a:rPr b="0" lang="en-IN" sz="4400" spc="-1" strike="noStrike">
+                <a:latin typeface="Arial"/>
+              </a:rPr>
+              <a:t>forma</a:t>
+            </a:r>
+            <a:r>
+              <a:rPr b="0" lang="en-IN" sz="4400" spc="-1" strike="noStrike">
+                <a:latin typeface="Arial"/>
+              </a:rPr>
+              <a:t>t</a:t>
             </a:r>
             <a:endParaRPr b="0" lang="en-IN" sz="4400" spc="-1" strike="noStrike">
               <a:latin typeface="Arial"/>
@@ -3286,7 +3373,7 @@
         <p:spPr>
           <a:xfrm>
             <a:off x="1836000" y="1332000"/>
-            <a:ext cx="2368080" cy="784080"/>
+            <a:ext cx="2367720" cy="783720"/>
           </a:xfrm>
           <a:prstGeom prst="rect">
             <a:avLst/>
@@ -3341,7 +3428,7 @@
         <p:spPr>
           <a:xfrm>
             <a:off x="1836000" y="2880000"/>
-            <a:ext cx="2368080" cy="784080"/>
+            <a:ext cx="2367720" cy="783720"/>
           </a:xfrm>
           <a:prstGeom prst="rect">
             <a:avLst/>
@@ -3406,7 +3493,7 @@
         <p:spPr>
           <a:xfrm>
             <a:off x="1836000" y="4176000"/>
-            <a:ext cx="2368080" cy="784080"/>
+            <a:ext cx="2367720" cy="783720"/>
           </a:xfrm>
           <a:prstGeom prst="rect">
             <a:avLst/>
@@ -3481,7 +3568,7 @@
         <p:spPr>
           <a:xfrm>
             <a:off x="5292000" y="900000"/>
-            <a:ext cx="2368080" cy="1504080"/>
+            <a:ext cx="2367720" cy="1503720"/>
           </a:xfrm>
           <a:prstGeom prst="rect">
             <a:avLst/>
@@ -3616,7 +3703,7 @@
         <p:spPr>
           <a:xfrm>
             <a:off x="5292000" y="2571480"/>
-            <a:ext cx="2368080" cy="1272600"/>
+            <a:ext cx="2367720" cy="1272240"/>
           </a:xfrm>
           <a:prstGeom prst="rect">
             <a:avLst/>
@@ -3731,7 +3818,7 @@
         <p:spPr>
           <a:xfrm>
             <a:off x="5292000" y="4047480"/>
-            <a:ext cx="2368080" cy="1020600"/>
+            <a:ext cx="2367720" cy="1020240"/>
           </a:xfrm>
           <a:prstGeom prst="rect">
             <a:avLst/>
@@ -3910,7 +3997,7 @@
         <p:spPr>
           <a:xfrm>
             <a:off x="2988000" y="360000"/>
-            <a:ext cx="4384080" cy="338400"/>
+            <a:ext cx="4383720" cy="338040"/>
           </a:xfrm>
           <a:prstGeom prst="rect">
             <a:avLst/>
@@ -3991,7 +4078,7 @@
         <p:spPr>
           <a:xfrm>
             <a:off x="1440000" y="720000"/>
-            <a:ext cx="6762240" cy="1794240"/>
+            <a:ext cx="6761880" cy="1793880"/>
           </a:xfrm>
           <a:prstGeom prst="rect">
             <a:avLst/>
@@ -4021,7 +4108,7 @@
         <p:spPr>
           <a:xfrm>
             <a:off x="2016000" y="1188000"/>
-            <a:ext cx="1432440" cy="784440"/>
+            <a:ext cx="1432080" cy="784080"/>
           </a:xfrm>
           <a:prstGeom prst="rect">
             <a:avLst/>
@@ -4076,7 +4163,7 @@
         <p:spPr>
           <a:xfrm>
             <a:off x="6192000" y="1188000"/>
-            <a:ext cx="1432440" cy="784440"/>
+            <a:ext cx="1432080" cy="784080"/>
           </a:xfrm>
           <a:prstGeom prst="rect">
             <a:avLst/>
@@ -4131,7 +4218,7 @@
         <p:spPr>
           <a:xfrm>
             <a:off x="4140000" y="900000"/>
-            <a:ext cx="1432440" cy="1360440"/>
+            <a:ext cx="1432080" cy="1360080"/>
           </a:xfrm>
           <a:custGeom>
             <a:avLst/>
@@ -4317,7 +4404,7 @@
         <p:spPr>
           <a:xfrm>
             <a:off x="4320000" y="3168000"/>
-            <a:ext cx="1036440" cy="786240"/>
+            <a:ext cx="1036080" cy="785880"/>
           </a:xfrm>
           <a:custGeom>
             <a:avLst/>
@@ -4395,7 +4482,7 @@
         <p:spPr>
           <a:xfrm>
             <a:off x="4176000" y="4428000"/>
-            <a:ext cx="1432440" cy="784440"/>
+            <a:ext cx="1432080" cy="784080"/>
           </a:xfrm>
           <a:prstGeom prst="rect">
             <a:avLst/>
@@ -4477,7 +4564,7 @@
         <p:spPr>
           <a:xfrm>
             <a:off x="5870160" y="3314160"/>
-            <a:ext cx="1146240" cy="498240"/>
+            <a:ext cx="1145880" cy="497880"/>
           </a:xfrm>
           <a:prstGeom prst="ellipse">
             <a:avLst/>
@@ -4616,7 +4703,7 @@
         <p:spPr>
           <a:xfrm>
             <a:off x="1944000" y="900000"/>
-            <a:ext cx="1432440" cy="784440"/>
+            <a:ext cx="1432080" cy="784080"/>
           </a:xfrm>
           <a:prstGeom prst="rect">
             <a:avLst/>
@@ -4671,7 +4758,7 @@
         <p:spPr>
           <a:xfrm>
             <a:off x="6120000" y="900000"/>
-            <a:ext cx="1432440" cy="784440"/>
+            <a:ext cx="1432080" cy="784080"/>
           </a:xfrm>
           <a:prstGeom prst="rect">
             <a:avLst/>
@@ -4726,7 +4813,7 @@
         <p:spPr>
           <a:xfrm>
             <a:off x="4068000" y="612000"/>
-            <a:ext cx="1432440" cy="1360440"/>
+            <a:ext cx="1432080" cy="1360080"/>
           </a:xfrm>
           <a:custGeom>
             <a:avLst/>
@@ -4905,7 +4992,7 @@
         <p:spPr>
           <a:xfrm>
             <a:off x="2592000" y="5904000"/>
-            <a:ext cx="7121160" cy="595440"/>
+            <a:ext cx="7120800" cy="595080"/>
           </a:xfrm>
           <a:prstGeom prst="rect">
             <a:avLst/>
@@ -4976,7 +5063,7 @@
         <p:spPr>
           <a:xfrm>
             <a:off x="360000" y="216360"/>
-            <a:ext cx="1146240" cy="498240"/>
+            <a:ext cx="1145880" cy="497880"/>
           </a:xfrm>
           <a:prstGeom prst="ellipse">
             <a:avLst/>
@@ -5031,7 +5118,7 @@
         <p:spPr>
           <a:xfrm>
             <a:off x="1727640" y="216360"/>
-            <a:ext cx="1146240" cy="498240"/>
+            <a:ext cx="1145880" cy="497880"/>
           </a:xfrm>
           <a:prstGeom prst="ellipse">
             <a:avLst/>
@@ -5086,7 +5173,7 @@
         <p:spPr>
           <a:xfrm>
             <a:off x="359280" y="1008360"/>
-            <a:ext cx="1146240" cy="498240"/>
+            <a:ext cx="1145880" cy="497880"/>
           <